--- a/Java.pptx
+++ b/Java.pptx
@@ -4,9 +4,13 @@
   <p:sldMasterIdLst>
     <p:sldMasterId id="2147483648" r:id="rId1"/>
   </p:sldMasterIdLst>
+  <p:notesMasterIdLst>
+    <p:notesMasterId r:id="rId5"/>
+  </p:notesMasterIdLst>
   <p:sldIdLst>
     <p:sldId id="256" r:id="rId2"/>
     <p:sldId id="257" r:id="rId3"/>
+    <p:sldId id="258" r:id="rId4"/>
   </p:sldIdLst>
   <p:sldSz cx="12192000" cy="6858000"/>
   <p:notesSz cx="6858000" cy="9144000"/>
@@ -113,6 +117,439 @@
 </p:presentation>
 </file>
 
+<file path=ppt/notesMasters/notesMaster1.xml><?xml version="1.0" encoding="utf-8"?>
+<p:notesMaster xmlns:a="http://schemas.openxmlformats.org/drawingml/2006/main" xmlns:r="http://schemas.openxmlformats.org/officeDocument/2006/relationships" xmlns:p="http://schemas.openxmlformats.org/presentationml/2006/main">
+  <p:cSld>
+    <p:bg>
+      <p:bgRef idx="1001">
+        <a:schemeClr val="bg1"/>
+      </p:bgRef>
+    </p:bg>
+    <p:spTree>
+      <p:nvGrpSpPr>
+        <p:cNvPr id="1" name=""/>
+        <p:cNvGrpSpPr/>
+        <p:nvPr/>
+      </p:nvGrpSpPr>
+      <p:grpSpPr>
+        <a:xfrm>
+          <a:off x="0" y="0"/>
+          <a:ext cx="0" cy="0"/>
+          <a:chOff x="0" y="0"/>
+          <a:chExt cx="0" cy="0"/>
+        </a:xfrm>
+      </p:grpSpPr>
+      <p:sp>
+        <p:nvSpPr>
+          <p:cNvPr id="2" name="页眉占位符 1"/>
+          <p:cNvSpPr>
+            <a:spLocks noGrp="1"/>
+          </p:cNvSpPr>
+          <p:nvPr>
+            <p:ph type="hdr" sz="quarter"/>
+          </p:nvPr>
+        </p:nvSpPr>
+        <p:spPr>
+          <a:xfrm>
+            <a:off x="0" y="0"/>
+            <a:ext cx="2971800" cy="458788"/>
+          </a:xfrm>
+          <a:prstGeom prst="rect">
+            <a:avLst/>
+          </a:prstGeom>
+        </p:spPr>
+        <p:txBody>
+          <a:bodyPr vert="horz" lIns="91440" tIns="45720" rIns="91440" bIns="45720" rtlCol="0"/>
+          <a:lstStyle>
+            <a:lvl1pPr algn="l">
+              <a:defRPr sz="1200"/>
+            </a:lvl1pPr>
+          </a:lstStyle>
+          <a:p>
+            <a:endParaRPr lang="zh-CN" altLang="en-US"/>
+          </a:p>
+        </p:txBody>
+      </p:sp>
+      <p:sp>
+        <p:nvSpPr>
+          <p:cNvPr id="3" name="日期占位符 2"/>
+          <p:cNvSpPr>
+            <a:spLocks noGrp="1"/>
+          </p:cNvSpPr>
+          <p:nvPr>
+            <p:ph type="dt" idx="1"/>
+          </p:nvPr>
+        </p:nvSpPr>
+        <p:spPr>
+          <a:xfrm>
+            <a:off x="3884613" y="0"/>
+            <a:ext cx="2971800" cy="458788"/>
+          </a:xfrm>
+          <a:prstGeom prst="rect">
+            <a:avLst/>
+          </a:prstGeom>
+        </p:spPr>
+        <p:txBody>
+          <a:bodyPr vert="horz" lIns="91440" tIns="45720" rIns="91440" bIns="45720" rtlCol="0"/>
+          <a:lstStyle>
+            <a:lvl1pPr algn="r">
+              <a:defRPr sz="1200"/>
+            </a:lvl1pPr>
+          </a:lstStyle>
+          <a:p>
+            <a:fld id="{DA138970-91FA-43C7-A2C4-4F47DFBC178E}" type="datetimeFigureOut">
+              <a:rPr lang="zh-CN" altLang="en-US" smtClean="0"/>
+              <a:t>2019/4/11</a:t>
+            </a:fld>
+            <a:endParaRPr lang="zh-CN" altLang="en-US"/>
+          </a:p>
+        </p:txBody>
+      </p:sp>
+      <p:sp>
+        <p:nvSpPr>
+          <p:cNvPr id="4" name="幻灯片图像占位符 3"/>
+          <p:cNvSpPr>
+            <a:spLocks noGrp="1" noRot="1" noChangeAspect="1"/>
+          </p:cNvSpPr>
+          <p:nvPr>
+            <p:ph type="sldImg" idx="2"/>
+          </p:nvPr>
+        </p:nvSpPr>
+        <p:spPr>
+          <a:xfrm>
+            <a:off x="685800" y="1143000"/>
+            <a:ext cx="5486400" cy="3086100"/>
+          </a:xfrm>
+          <a:prstGeom prst="rect">
+            <a:avLst/>
+          </a:prstGeom>
+          <a:noFill/>
+          <a:ln w="12700">
+            <a:solidFill>
+              <a:prstClr val="black"/>
+            </a:solidFill>
+          </a:ln>
+        </p:spPr>
+        <p:txBody>
+          <a:bodyPr vert="horz" lIns="91440" tIns="45720" rIns="91440" bIns="45720" rtlCol="0" anchor="ctr"/>
+          <a:lstStyle/>
+          <a:p>
+            <a:endParaRPr lang="zh-CN" altLang="en-US"/>
+          </a:p>
+        </p:txBody>
+      </p:sp>
+      <p:sp>
+        <p:nvSpPr>
+          <p:cNvPr id="5" name="备注占位符 4"/>
+          <p:cNvSpPr>
+            <a:spLocks noGrp="1"/>
+          </p:cNvSpPr>
+          <p:nvPr>
+            <p:ph type="body" sz="quarter" idx="3"/>
+          </p:nvPr>
+        </p:nvSpPr>
+        <p:spPr>
+          <a:xfrm>
+            <a:off x="685800" y="4400550"/>
+            <a:ext cx="5486400" cy="3600450"/>
+          </a:xfrm>
+          <a:prstGeom prst="rect">
+            <a:avLst/>
+          </a:prstGeom>
+        </p:spPr>
+        <p:txBody>
+          <a:bodyPr vert="horz" lIns="91440" tIns="45720" rIns="91440" bIns="45720" rtlCol="0"/>
+          <a:lstStyle/>
+          <a:p>
+            <a:pPr lvl="0"/>
+            <a:r>
+              <a:rPr lang="zh-CN" altLang="en-US"/>
+              <a:t>单击此处编辑母版文本样式</a:t>
+            </a:r>
+          </a:p>
+          <a:p>
+            <a:pPr lvl="1"/>
+            <a:r>
+              <a:rPr lang="zh-CN" altLang="en-US"/>
+              <a:t>二级</a:t>
+            </a:r>
+          </a:p>
+          <a:p>
+            <a:pPr lvl="2"/>
+            <a:r>
+              <a:rPr lang="zh-CN" altLang="en-US"/>
+              <a:t>三级</a:t>
+            </a:r>
+          </a:p>
+          <a:p>
+            <a:pPr lvl="3"/>
+            <a:r>
+              <a:rPr lang="zh-CN" altLang="en-US"/>
+              <a:t>四级</a:t>
+            </a:r>
+          </a:p>
+          <a:p>
+            <a:pPr lvl="4"/>
+            <a:r>
+              <a:rPr lang="zh-CN" altLang="en-US"/>
+              <a:t>五级</a:t>
+            </a:r>
+          </a:p>
+        </p:txBody>
+      </p:sp>
+      <p:sp>
+        <p:nvSpPr>
+          <p:cNvPr id="6" name="页脚占位符 5"/>
+          <p:cNvSpPr>
+            <a:spLocks noGrp="1"/>
+          </p:cNvSpPr>
+          <p:nvPr>
+            <p:ph type="ftr" sz="quarter" idx="4"/>
+          </p:nvPr>
+        </p:nvSpPr>
+        <p:spPr>
+          <a:xfrm>
+            <a:off x="0" y="8685213"/>
+            <a:ext cx="2971800" cy="458787"/>
+          </a:xfrm>
+          <a:prstGeom prst="rect">
+            <a:avLst/>
+          </a:prstGeom>
+        </p:spPr>
+        <p:txBody>
+          <a:bodyPr vert="horz" lIns="91440" tIns="45720" rIns="91440" bIns="45720" rtlCol="0" anchor="b"/>
+          <a:lstStyle>
+            <a:lvl1pPr algn="l">
+              <a:defRPr sz="1200"/>
+            </a:lvl1pPr>
+          </a:lstStyle>
+          <a:p>
+            <a:endParaRPr lang="zh-CN" altLang="en-US"/>
+          </a:p>
+        </p:txBody>
+      </p:sp>
+      <p:sp>
+        <p:nvSpPr>
+          <p:cNvPr id="7" name="灯片编号占位符 6"/>
+          <p:cNvSpPr>
+            <a:spLocks noGrp="1"/>
+          </p:cNvSpPr>
+          <p:nvPr>
+            <p:ph type="sldNum" sz="quarter" idx="5"/>
+          </p:nvPr>
+        </p:nvSpPr>
+        <p:spPr>
+          <a:xfrm>
+            <a:off x="3884613" y="8685213"/>
+            <a:ext cx="2971800" cy="458787"/>
+          </a:xfrm>
+          <a:prstGeom prst="rect">
+            <a:avLst/>
+          </a:prstGeom>
+        </p:spPr>
+        <p:txBody>
+          <a:bodyPr vert="horz" lIns="91440" tIns="45720" rIns="91440" bIns="45720" rtlCol="0" anchor="b"/>
+          <a:lstStyle>
+            <a:lvl1pPr algn="r">
+              <a:defRPr sz="1200"/>
+            </a:lvl1pPr>
+          </a:lstStyle>
+          <a:p>
+            <a:fld id="{0B77BCC6-1F8A-452E-9AE8-956F32ABCC1A}" type="slidenum">
+              <a:rPr lang="zh-CN" altLang="en-US" smtClean="0"/>
+              <a:t>‹#›</a:t>
+            </a:fld>
+            <a:endParaRPr lang="zh-CN" altLang="en-US"/>
+          </a:p>
+        </p:txBody>
+      </p:sp>
+    </p:spTree>
+    <p:extLst>
+      <p:ext uri="{BB962C8B-B14F-4D97-AF65-F5344CB8AC3E}">
+        <p14:creationId xmlns:p14="http://schemas.microsoft.com/office/powerpoint/2010/main" val="1569052924"/>
+      </p:ext>
+    </p:extLst>
+  </p:cSld>
+  <p:clrMap bg1="lt1" tx1="dk1" bg2="lt2" tx2="dk2" accent1="accent1" accent2="accent2" accent3="accent3" accent4="accent4" accent5="accent5" accent6="accent6" hlink="hlink" folHlink="folHlink"/>
+  <p:notesStyle>
+    <a:lvl1pPr marL="0" algn="l" defTabSz="914400" rtl="0" eaLnBrk="1" latinLnBrk="0" hangingPunct="1">
+      <a:defRPr sz="1200" kern="1200">
+        <a:solidFill>
+          <a:schemeClr val="tx1"/>
+        </a:solidFill>
+        <a:latin typeface="+mn-lt"/>
+        <a:ea typeface="+mn-ea"/>
+        <a:cs typeface="+mn-cs"/>
+      </a:defRPr>
+    </a:lvl1pPr>
+    <a:lvl2pPr marL="457200" algn="l" defTabSz="914400" rtl="0" eaLnBrk="1" latinLnBrk="0" hangingPunct="1">
+      <a:defRPr sz="1200" kern="1200">
+        <a:solidFill>
+          <a:schemeClr val="tx1"/>
+        </a:solidFill>
+        <a:latin typeface="+mn-lt"/>
+        <a:ea typeface="+mn-ea"/>
+        <a:cs typeface="+mn-cs"/>
+      </a:defRPr>
+    </a:lvl2pPr>
+    <a:lvl3pPr marL="914400" algn="l" defTabSz="914400" rtl="0" eaLnBrk="1" latinLnBrk="0" hangingPunct="1">
+      <a:defRPr sz="1200" kern="1200">
+        <a:solidFill>
+          <a:schemeClr val="tx1"/>
+        </a:solidFill>
+        <a:latin typeface="+mn-lt"/>
+        <a:ea typeface="+mn-ea"/>
+        <a:cs typeface="+mn-cs"/>
+      </a:defRPr>
+    </a:lvl3pPr>
+    <a:lvl4pPr marL="1371600" algn="l" defTabSz="914400" rtl="0" eaLnBrk="1" latinLnBrk="0" hangingPunct="1">
+      <a:defRPr sz="1200" kern="1200">
+        <a:solidFill>
+          <a:schemeClr val="tx1"/>
+        </a:solidFill>
+        <a:latin typeface="+mn-lt"/>
+        <a:ea typeface="+mn-ea"/>
+        <a:cs typeface="+mn-cs"/>
+      </a:defRPr>
+    </a:lvl4pPr>
+    <a:lvl5pPr marL="1828800" algn="l" defTabSz="914400" rtl="0" eaLnBrk="1" latinLnBrk="0" hangingPunct="1">
+      <a:defRPr sz="1200" kern="1200">
+        <a:solidFill>
+          <a:schemeClr val="tx1"/>
+        </a:solidFill>
+        <a:latin typeface="+mn-lt"/>
+        <a:ea typeface="+mn-ea"/>
+        <a:cs typeface="+mn-cs"/>
+      </a:defRPr>
+    </a:lvl5pPr>
+    <a:lvl6pPr marL="2286000" algn="l" defTabSz="914400" rtl="0" eaLnBrk="1" latinLnBrk="0" hangingPunct="1">
+      <a:defRPr sz="1200" kern="1200">
+        <a:solidFill>
+          <a:schemeClr val="tx1"/>
+        </a:solidFill>
+        <a:latin typeface="+mn-lt"/>
+        <a:ea typeface="+mn-ea"/>
+        <a:cs typeface="+mn-cs"/>
+      </a:defRPr>
+    </a:lvl6pPr>
+    <a:lvl7pPr marL="2743200" algn="l" defTabSz="914400" rtl="0" eaLnBrk="1" latinLnBrk="0" hangingPunct="1">
+      <a:defRPr sz="1200" kern="1200">
+        <a:solidFill>
+          <a:schemeClr val="tx1"/>
+        </a:solidFill>
+        <a:latin typeface="+mn-lt"/>
+        <a:ea typeface="+mn-ea"/>
+        <a:cs typeface="+mn-cs"/>
+      </a:defRPr>
+    </a:lvl7pPr>
+    <a:lvl8pPr marL="3200400" algn="l" defTabSz="914400" rtl="0" eaLnBrk="1" latinLnBrk="0" hangingPunct="1">
+      <a:defRPr sz="1200" kern="1200">
+        <a:solidFill>
+          <a:schemeClr val="tx1"/>
+        </a:solidFill>
+        <a:latin typeface="+mn-lt"/>
+        <a:ea typeface="+mn-ea"/>
+        <a:cs typeface="+mn-cs"/>
+      </a:defRPr>
+    </a:lvl8pPr>
+    <a:lvl9pPr marL="3657600" algn="l" defTabSz="914400" rtl="0" eaLnBrk="1" latinLnBrk="0" hangingPunct="1">
+      <a:defRPr sz="1200" kern="1200">
+        <a:solidFill>
+          <a:schemeClr val="tx1"/>
+        </a:solidFill>
+        <a:latin typeface="+mn-lt"/>
+        <a:ea typeface="+mn-ea"/>
+        <a:cs typeface="+mn-cs"/>
+      </a:defRPr>
+    </a:lvl9pPr>
+  </p:notesStyle>
+</p:notesMaster>
+</file>
+
+<file path=ppt/notesSlides/notesSlide1.xml><?xml version="1.0" encoding="utf-8"?>
+<p:notes xmlns:a="http://schemas.openxmlformats.org/drawingml/2006/main" xmlns:r="http://schemas.openxmlformats.org/officeDocument/2006/relationships" xmlns:p="http://schemas.openxmlformats.org/presentationml/2006/main">
+  <p:cSld>
+    <p:spTree>
+      <p:nvGrpSpPr>
+        <p:cNvPr id="1" name=""/>
+        <p:cNvGrpSpPr/>
+        <p:nvPr/>
+      </p:nvGrpSpPr>
+      <p:grpSpPr>
+        <a:xfrm>
+          <a:off x="0" y="0"/>
+          <a:ext cx="0" cy="0"/>
+          <a:chOff x="0" y="0"/>
+          <a:chExt cx="0" cy="0"/>
+        </a:xfrm>
+      </p:grpSpPr>
+      <p:sp>
+        <p:nvSpPr>
+          <p:cNvPr id="2" name="幻灯片图像占位符 1"/>
+          <p:cNvSpPr>
+            <a:spLocks noGrp="1" noRot="1" noChangeAspect="1"/>
+          </p:cNvSpPr>
+          <p:nvPr>
+            <p:ph type="sldImg"/>
+          </p:nvPr>
+        </p:nvSpPr>
+        <p:spPr/>
+      </p:sp>
+      <p:sp>
+        <p:nvSpPr>
+          <p:cNvPr id="3" name="备注占位符 2"/>
+          <p:cNvSpPr>
+            <a:spLocks noGrp="1"/>
+          </p:cNvSpPr>
+          <p:nvPr>
+            <p:ph type="body" idx="1"/>
+          </p:nvPr>
+        </p:nvSpPr>
+        <p:spPr/>
+        <p:txBody>
+          <a:bodyPr/>
+          <a:lstStyle/>
+          <a:p>
+            <a:endParaRPr lang="zh-CN" altLang="en-US" dirty="0"/>
+          </a:p>
+        </p:txBody>
+      </p:sp>
+      <p:sp>
+        <p:nvSpPr>
+          <p:cNvPr id="4" name="灯片编号占位符 3"/>
+          <p:cNvSpPr>
+            <a:spLocks noGrp="1"/>
+          </p:cNvSpPr>
+          <p:nvPr>
+            <p:ph type="sldNum" sz="quarter" idx="5"/>
+          </p:nvPr>
+        </p:nvSpPr>
+        <p:spPr/>
+        <p:txBody>
+          <a:bodyPr/>
+          <a:lstStyle/>
+          <a:p>
+            <a:fld id="{0B77BCC6-1F8A-452E-9AE8-956F32ABCC1A}" type="slidenum">
+              <a:rPr lang="zh-CN" altLang="en-US" smtClean="0"/>
+              <a:t>1</a:t>
+            </a:fld>
+            <a:endParaRPr lang="zh-CN" altLang="en-US"/>
+          </a:p>
+        </p:txBody>
+      </p:sp>
+    </p:spTree>
+    <p:extLst>
+      <p:ext uri="{BB962C8B-B14F-4D97-AF65-F5344CB8AC3E}">
+        <p14:creationId xmlns:p14="http://schemas.microsoft.com/office/powerpoint/2010/main" val="990555823"/>
+      </p:ext>
+    </p:extLst>
+  </p:cSld>
+  <p:clrMapOvr>
+    <a:masterClrMapping/>
+  </p:clrMapOvr>
+</p:notes>
+</file>
+
 <file path=ppt/slideLayouts/slideLayout1.xml><?xml version="1.0" encoding="utf-8"?>
 <p:sldLayout xmlns:a="http://schemas.openxmlformats.org/drawingml/2006/main" xmlns:r="http://schemas.openxmlformats.org/officeDocument/2006/relationships" xmlns:p="http://schemas.openxmlformats.org/presentationml/2006/main" type="title" preserve="1">
   <p:cSld name="标题幻灯片">
@@ -260,7 +697,7 @@
           <a:p>
             <a:fld id="{1331EC2B-80D6-4C7C-9EC4-5505DA85B637}" type="datetimeFigureOut">
               <a:rPr lang="zh-CN" altLang="en-US" smtClean="0"/>
-              <a:t>2019/1/18</a:t>
+              <a:t>2019/4/11</a:t>
             </a:fld>
             <a:endParaRPr lang="zh-CN" altLang="en-US"/>
           </a:p>
@@ -458,7 +895,7 @@
           <a:p>
             <a:fld id="{1331EC2B-80D6-4C7C-9EC4-5505DA85B637}" type="datetimeFigureOut">
               <a:rPr lang="zh-CN" altLang="en-US" smtClean="0"/>
-              <a:t>2019/1/18</a:t>
+              <a:t>2019/4/11</a:t>
             </a:fld>
             <a:endParaRPr lang="zh-CN" altLang="en-US"/>
           </a:p>
@@ -666,7 +1103,7 @@
           <a:p>
             <a:fld id="{1331EC2B-80D6-4C7C-9EC4-5505DA85B637}" type="datetimeFigureOut">
               <a:rPr lang="zh-CN" altLang="en-US" smtClean="0"/>
-              <a:t>2019/1/18</a:t>
+              <a:t>2019/4/11</a:t>
             </a:fld>
             <a:endParaRPr lang="zh-CN" altLang="en-US"/>
           </a:p>
@@ -864,7 +1301,7 @@
           <a:p>
             <a:fld id="{1331EC2B-80D6-4C7C-9EC4-5505DA85B637}" type="datetimeFigureOut">
               <a:rPr lang="zh-CN" altLang="en-US" smtClean="0"/>
-              <a:t>2019/1/18</a:t>
+              <a:t>2019/4/11</a:t>
             </a:fld>
             <a:endParaRPr lang="zh-CN" altLang="en-US"/>
           </a:p>
@@ -1139,7 +1576,7 @@
           <a:p>
             <a:fld id="{1331EC2B-80D6-4C7C-9EC4-5505DA85B637}" type="datetimeFigureOut">
               <a:rPr lang="zh-CN" altLang="en-US" smtClean="0"/>
-              <a:t>2019/1/18</a:t>
+              <a:t>2019/4/11</a:t>
             </a:fld>
             <a:endParaRPr lang="zh-CN" altLang="en-US"/>
           </a:p>
@@ -1404,7 +1841,7 @@
           <a:p>
             <a:fld id="{1331EC2B-80D6-4C7C-9EC4-5505DA85B637}" type="datetimeFigureOut">
               <a:rPr lang="zh-CN" altLang="en-US" smtClean="0"/>
-              <a:t>2019/1/18</a:t>
+              <a:t>2019/4/11</a:t>
             </a:fld>
             <a:endParaRPr lang="zh-CN" altLang="en-US"/>
           </a:p>
@@ -1816,7 +2253,7 @@
           <a:p>
             <a:fld id="{1331EC2B-80D6-4C7C-9EC4-5505DA85B637}" type="datetimeFigureOut">
               <a:rPr lang="zh-CN" altLang="en-US" smtClean="0"/>
-              <a:t>2019/1/18</a:t>
+              <a:t>2019/4/11</a:t>
             </a:fld>
             <a:endParaRPr lang="zh-CN" altLang="en-US"/>
           </a:p>
@@ -1957,7 +2394,7 @@
           <a:p>
             <a:fld id="{1331EC2B-80D6-4C7C-9EC4-5505DA85B637}" type="datetimeFigureOut">
               <a:rPr lang="zh-CN" altLang="en-US" smtClean="0"/>
-              <a:t>2019/1/18</a:t>
+              <a:t>2019/4/11</a:t>
             </a:fld>
             <a:endParaRPr lang="zh-CN" altLang="en-US"/>
           </a:p>
@@ -2070,7 +2507,7 @@
           <a:p>
             <a:fld id="{1331EC2B-80D6-4C7C-9EC4-5505DA85B637}" type="datetimeFigureOut">
               <a:rPr lang="zh-CN" altLang="en-US" smtClean="0"/>
-              <a:t>2019/1/18</a:t>
+              <a:t>2019/4/11</a:t>
             </a:fld>
             <a:endParaRPr lang="zh-CN" altLang="en-US"/>
           </a:p>
@@ -2381,7 +2818,7 @@
           <a:p>
             <a:fld id="{1331EC2B-80D6-4C7C-9EC4-5505DA85B637}" type="datetimeFigureOut">
               <a:rPr lang="zh-CN" altLang="en-US" smtClean="0"/>
-              <a:t>2019/1/18</a:t>
+              <a:t>2019/4/11</a:t>
             </a:fld>
             <a:endParaRPr lang="zh-CN" altLang="en-US"/>
           </a:p>
@@ -2669,7 +3106,7 @@
           <a:p>
             <a:fld id="{1331EC2B-80D6-4C7C-9EC4-5505DA85B637}" type="datetimeFigureOut">
               <a:rPr lang="zh-CN" altLang="en-US" smtClean="0"/>
-              <a:t>2019/1/18</a:t>
+              <a:t>2019/4/11</a:t>
             </a:fld>
             <a:endParaRPr lang="zh-CN" altLang="en-US"/>
           </a:p>
@@ -2910,7 +3347,7 @@
           <a:p>
             <a:fld id="{1331EC2B-80D6-4C7C-9EC4-5505DA85B637}" type="datetimeFigureOut">
               <a:rPr lang="zh-CN" altLang="en-US" smtClean="0"/>
-              <a:t>2019/1/18</a:t>
+              <a:t>2019/4/11</a:t>
             </a:fld>
             <a:endParaRPr lang="zh-CN" altLang="en-US"/>
           </a:p>
@@ -6848,6 +7285,2111 @@
 </p:sld>
 </file>
 
+<file path=ppt/slides/slide3.xml><?xml version="1.0" encoding="utf-8"?>
+<p:sld xmlns:a="http://schemas.openxmlformats.org/drawingml/2006/main" xmlns:r="http://schemas.openxmlformats.org/officeDocument/2006/relationships" xmlns:p="http://schemas.openxmlformats.org/presentationml/2006/main">
+  <p:cSld>
+    <p:spTree>
+      <p:nvGrpSpPr>
+        <p:cNvPr id="1" name=""/>
+        <p:cNvGrpSpPr/>
+        <p:nvPr/>
+      </p:nvGrpSpPr>
+      <p:grpSpPr>
+        <a:xfrm>
+          <a:off x="0" y="0"/>
+          <a:ext cx="0" cy="0"/>
+          <a:chOff x="0" y="0"/>
+          <a:chExt cx="0" cy="0"/>
+        </a:xfrm>
+      </p:grpSpPr>
+      <p:sp>
+        <p:nvSpPr>
+          <p:cNvPr id="4" name="文本框 3">
+            <a:extLst>
+              <a:ext uri="{FF2B5EF4-FFF2-40B4-BE49-F238E27FC236}">
+                <a16:creationId xmlns:a16="http://schemas.microsoft.com/office/drawing/2014/main" id="{964DD9BF-1C2D-4BCD-8B62-AF2A896E2B62}"/>
+              </a:ext>
+            </a:extLst>
+          </p:cNvPr>
+          <p:cNvSpPr txBox="1"/>
+          <p:nvPr/>
+        </p:nvSpPr>
+        <p:spPr>
+          <a:xfrm>
+            <a:off x="0" y="30002"/>
+            <a:ext cx="5336717" cy="369332"/>
+          </a:xfrm>
+          <a:prstGeom prst="rect">
+            <a:avLst/>
+          </a:prstGeom>
+          <a:noFill/>
+        </p:spPr>
+        <p:txBody>
+          <a:bodyPr wrap="none" rtlCol="0">
+            <a:spAutoFit/>
+          </a:bodyPr>
+          <a:lstStyle/>
+          <a:p>
+            <a:r>
+              <a:rPr lang="en-US" altLang="zh-CN" dirty="0"/>
+              <a:t>JVM</a:t>
+            </a:r>
+            <a:r>
+              <a:rPr lang="zh-CN" altLang="en-US" dirty="0"/>
+              <a:t>组成部分</a:t>
+            </a:r>
+            <a:r>
+              <a:rPr lang="en-US" altLang="zh-CN" dirty="0"/>
+              <a:t>—</a:t>
+            </a:r>
+            <a:r>
+              <a:rPr lang="zh-CN" altLang="en-US" dirty="0"/>
+              <a:t>即</a:t>
+            </a:r>
+            <a:r>
+              <a:rPr lang="en-US" altLang="zh-CN" dirty="0"/>
+              <a:t>JAVA</a:t>
+            </a:r>
+            <a:r>
+              <a:rPr lang="zh-CN" altLang="en-US" dirty="0"/>
+              <a:t>虚拟机程序管理的内存分区</a:t>
+            </a:r>
+          </a:p>
+        </p:txBody>
+      </p:sp>
+      <p:grpSp>
+        <p:nvGrpSpPr>
+          <p:cNvPr id="48" name="组合 47">
+            <a:extLst>
+              <a:ext uri="{FF2B5EF4-FFF2-40B4-BE49-F238E27FC236}">
+                <a16:creationId xmlns:a16="http://schemas.microsoft.com/office/drawing/2014/main" id="{B5DE1525-025D-4C35-AA27-A9728D20D9E5}"/>
+              </a:ext>
+            </a:extLst>
+          </p:cNvPr>
+          <p:cNvGrpSpPr/>
+          <p:nvPr/>
+        </p:nvGrpSpPr>
+        <p:grpSpPr>
+          <a:xfrm>
+            <a:off x="520124" y="719731"/>
+            <a:ext cx="10440988" cy="3815264"/>
+            <a:chOff x="769505" y="599658"/>
+            <a:chExt cx="10440988" cy="3815264"/>
+          </a:xfrm>
+        </p:grpSpPr>
+        <p:sp>
+          <p:nvSpPr>
+            <p:cNvPr id="38" name="矩形 37">
+              <a:extLst>
+                <a:ext uri="{FF2B5EF4-FFF2-40B4-BE49-F238E27FC236}">
+                  <a16:creationId xmlns:a16="http://schemas.microsoft.com/office/drawing/2014/main" id="{6E6D067F-94C0-4546-9372-7928A933D5EE}"/>
+                </a:ext>
+              </a:extLst>
+            </p:cNvPr>
+            <p:cNvSpPr/>
+            <p:nvPr/>
+          </p:nvSpPr>
+          <p:spPr>
+            <a:xfrm>
+              <a:off x="769505" y="599658"/>
+              <a:ext cx="10440988" cy="2937870"/>
+            </a:xfrm>
+            <a:prstGeom prst="rect">
+              <a:avLst/>
+            </a:prstGeom>
+            <a:solidFill>
+              <a:schemeClr val="accent2">
+                <a:alpha val="50000"/>
+              </a:schemeClr>
+            </a:solidFill>
+            <a:ln>
+              <a:noFill/>
+            </a:ln>
+          </p:spPr>
+          <p:style>
+            <a:lnRef idx="0">
+              <a:scrgbClr r="0" g="0" b="0"/>
+            </a:lnRef>
+            <a:fillRef idx="0">
+              <a:scrgbClr r="0" g="0" b="0"/>
+            </a:fillRef>
+            <a:effectRef idx="0">
+              <a:scrgbClr r="0" g="0" b="0"/>
+            </a:effectRef>
+            <a:fontRef idx="minor">
+              <a:schemeClr val="lt1"/>
+            </a:fontRef>
+          </p:style>
+          <p:txBody>
+            <a:bodyPr rtlCol="0" anchor="ctr"/>
+            <a:lstStyle/>
+            <a:p>
+              <a:pPr algn="ctr"/>
+              <a:endParaRPr lang="zh-CN" altLang="en-US"/>
+            </a:p>
+          </p:txBody>
+        </p:sp>
+        <p:grpSp>
+          <p:nvGrpSpPr>
+            <p:cNvPr id="37" name="组合 36">
+              <a:extLst>
+                <a:ext uri="{FF2B5EF4-FFF2-40B4-BE49-F238E27FC236}">
+                  <a16:creationId xmlns:a16="http://schemas.microsoft.com/office/drawing/2014/main" id="{D463C96B-D01E-422C-AF4B-79CB29E6926D}"/>
+                </a:ext>
+              </a:extLst>
+            </p:cNvPr>
+            <p:cNvGrpSpPr/>
+            <p:nvPr/>
+          </p:nvGrpSpPr>
+          <p:grpSpPr>
+            <a:xfrm>
+              <a:off x="926380" y="769461"/>
+              <a:ext cx="10173403" cy="2659539"/>
+              <a:chOff x="326018" y="625029"/>
+              <a:chExt cx="10173403" cy="2659539"/>
+            </a:xfrm>
+          </p:grpSpPr>
+          <p:sp>
+            <p:nvSpPr>
+              <p:cNvPr id="35" name="矩形 34">
+                <a:extLst>
+                  <a:ext uri="{FF2B5EF4-FFF2-40B4-BE49-F238E27FC236}">
+                    <a16:creationId xmlns:a16="http://schemas.microsoft.com/office/drawing/2014/main" id="{AA92F5FB-D9C0-4D2F-BA33-DCD327631EC3}"/>
+                  </a:ext>
+                </a:extLst>
+              </p:cNvPr>
+              <p:cNvSpPr/>
+              <p:nvPr/>
+            </p:nvSpPr>
+            <p:spPr>
+              <a:xfrm>
+                <a:off x="326018" y="1409971"/>
+                <a:ext cx="10090279" cy="1826797"/>
+              </a:xfrm>
+              <a:prstGeom prst="rect">
+                <a:avLst/>
+              </a:prstGeom>
+              <a:solidFill>
+                <a:schemeClr val="accent6">
+                  <a:alpha val="50000"/>
+                </a:schemeClr>
+              </a:solidFill>
+              <a:ln>
+                <a:noFill/>
+              </a:ln>
+            </p:spPr>
+            <p:style>
+              <a:lnRef idx="0">
+                <a:scrgbClr r="0" g="0" b="0"/>
+              </a:lnRef>
+              <a:fillRef idx="0">
+                <a:scrgbClr r="0" g="0" b="0"/>
+              </a:fillRef>
+              <a:effectRef idx="0">
+                <a:scrgbClr r="0" g="0" b="0"/>
+              </a:effectRef>
+              <a:fontRef idx="minor">
+                <a:schemeClr val="lt1"/>
+              </a:fontRef>
+            </p:style>
+            <p:txBody>
+              <a:bodyPr rtlCol="0" anchor="ctr"/>
+              <a:lstStyle/>
+              <a:p>
+                <a:pPr algn="ctr"/>
+                <a:endParaRPr lang="zh-CN" altLang="en-US"/>
+              </a:p>
+            </p:txBody>
+          </p:sp>
+          <p:grpSp>
+            <p:nvGrpSpPr>
+              <p:cNvPr id="8" name="组合 7">
+                <a:extLst>
+                  <a:ext uri="{FF2B5EF4-FFF2-40B4-BE49-F238E27FC236}">
+                    <a16:creationId xmlns:a16="http://schemas.microsoft.com/office/drawing/2014/main" id="{01166099-CABF-4363-AEA0-6C0B103B5B06}"/>
+                  </a:ext>
+                </a:extLst>
+              </p:cNvPr>
+              <p:cNvGrpSpPr/>
+              <p:nvPr/>
+            </p:nvGrpSpPr>
+            <p:grpSpPr>
+              <a:xfrm>
+                <a:off x="326018" y="628073"/>
+                <a:ext cx="1880376" cy="715368"/>
+                <a:chOff x="1490603" y="674254"/>
+                <a:chExt cx="1880376" cy="604763"/>
+              </a:xfrm>
+            </p:grpSpPr>
+            <p:sp>
+              <p:nvSpPr>
+                <p:cNvPr id="5" name="矩形 4">
+                  <a:extLst>
+                    <a:ext uri="{FF2B5EF4-FFF2-40B4-BE49-F238E27FC236}">
+                      <a16:creationId xmlns:a16="http://schemas.microsoft.com/office/drawing/2014/main" id="{21B2FD22-5EDF-43FF-9D13-A66DF520E9CF}"/>
+                    </a:ext>
+                  </a:extLst>
+                </p:cNvPr>
+                <p:cNvSpPr/>
+                <p:nvPr/>
+              </p:nvSpPr>
+              <p:spPr>
+                <a:xfrm>
+                  <a:off x="1490603" y="674254"/>
+                  <a:ext cx="1880376" cy="600363"/>
+                </a:xfrm>
+                <a:prstGeom prst="rect">
+                  <a:avLst/>
+                </a:prstGeom>
+              </p:spPr>
+              <p:style>
+                <a:lnRef idx="1">
+                  <a:schemeClr val="accent6"/>
+                </a:lnRef>
+                <a:fillRef idx="3">
+                  <a:schemeClr val="accent6"/>
+                </a:fillRef>
+                <a:effectRef idx="2">
+                  <a:schemeClr val="accent6"/>
+                </a:effectRef>
+                <a:fontRef idx="minor">
+                  <a:schemeClr val="lt1"/>
+                </a:fontRef>
+              </p:style>
+              <p:txBody>
+                <a:bodyPr rtlCol="0" anchor="ctr"/>
+                <a:lstStyle/>
+                <a:p>
+                  <a:pPr algn="ctr"/>
+                  <a:endParaRPr lang="zh-CN" altLang="en-US" dirty="0"/>
+                </a:p>
+              </p:txBody>
+            </p:sp>
+            <p:sp>
+              <p:nvSpPr>
+                <p:cNvPr id="6" name="文本框 5">
+                  <a:extLst>
+                    <a:ext uri="{FF2B5EF4-FFF2-40B4-BE49-F238E27FC236}">
+                      <a16:creationId xmlns:a16="http://schemas.microsoft.com/office/drawing/2014/main" id="{F675B654-BDF5-41AA-A856-98EC3E07CCE2}"/>
+                    </a:ext>
+                  </a:extLst>
+                </p:cNvPr>
+                <p:cNvSpPr txBox="1"/>
+                <p:nvPr/>
+              </p:nvSpPr>
+              <p:spPr>
+                <a:xfrm>
+                  <a:off x="1523999" y="674254"/>
+                  <a:ext cx="1846980" cy="307777"/>
+                </a:xfrm>
+                <a:prstGeom prst="rect">
+                  <a:avLst/>
+                </a:prstGeom>
+                <a:noFill/>
+              </p:spPr>
+              <p:txBody>
+                <a:bodyPr wrap="none" rtlCol="0">
+                  <a:spAutoFit/>
+                </a:bodyPr>
+                <a:lstStyle/>
+                <a:p>
+                  <a:r>
+                    <a:rPr lang="zh-CN" altLang="en-US" sz="1400" dirty="0"/>
+                    <a:t>方法区</a:t>
+                  </a:r>
+                  <a:r>
+                    <a:rPr lang="en-US" altLang="zh-CN" sz="1400" dirty="0"/>
+                    <a:t>(Method Area)</a:t>
+                  </a:r>
+                  <a:endParaRPr lang="zh-CN" altLang="en-US" sz="1400" dirty="0"/>
+                </a:p>
+              </p:txBody>
+            </p:sp>
+            <p:sp>
+              <p:nvSpPr>
+                <p:cNvPr id="7" name="文本框 6">
+                  <a:extLst>
+                    <a:ext uri="{FF2B5EF4-FFF2-40B4-BE49-F238E27FC236}">
+                      <a16:creationId xmlns:a16="http://schemas.microsoft.com/office/drawing/2014/main" id="{17CBEC42-B63F-48A3-8926-6D5151E88A51}"/>
+                    </a:ext>
+                  </a:extLst>
+                </p:cNvPr>
+                <p:cNvSpPr txBox="1"/>
+                <p:nvPr/>
+              </p:nvSpPr>
+              <p:spPr>
+                <a:xfrm>
+                  <a:off x="1520213" y="940769"/>
+                  <a:ext cx="1837531" cy="338248"/>
+                </a:xfrm>
+                <a:prstGeom prst="rect">
+                  <a:avLst/>
+                </a:prstGeom>
+                <a:noFill/>
+              </p:spPr>
+              <p:txBody>
+                <a:bodyPr wrap="square" rtlCol="0">
+                  <a:spAutoFit/>
+                </a:bodyPr>
+                <a:lstStyle/>
+                <a:p>
+                  <a:r>
+                    <a:rPr lang="zh-CN" altLang="en-US" sz="1000" dirty="0"/>
+                    <a:t>类信息、常量、静态变量等</a:t>
+                  </a:r>
+                  <a:endParaRPr lang="en-US" altLang="zh-CN" sz="1000" dirty="0"/>
+                </a:p>
+                <a:p>
+                  <a:r>
+                    <a:rPr lang="zh-CN" altLang="en-US" sz="1000" dirty="0"/>
+                    <a:t>线程共享的</a:t>
+                  </a:r>
+                </a:p>
+              </p:txBody>
+            </p:sp>
+          </p:grpSp>
+          <p:grpSp>
+            <p:nvGrpSpPr>
+              <p:cNvPr id="9" name="组合 8">
+                <a:extLst>
+                  <a:ext uri="{FF2B5EF4-FFF2-40B4-BE49-F238E27FC236}">
+                    <a16:creationId xmlns:a16="http://schemas.microsoft.com/office/drawing/2014/main" id="{191EADF2-EE63-4118-B285-D4E3B75A8D27}"/>
+                  </a:ext>
+                </a:extLst>
+              </p:cNvPr>
+              <p:cNvGrpSpPr/>
+              <p:nvPr/>
+            </p:nvGrpSpPr>
+            <p:grpSpPr>
+              <a:xfrm>
+                <a:off x="2332228" y="625029"/>
+                <a:ext cx="1846982" cy="713207"/>
+                <a:chOff x="1523997" y="665136"/>
+                <a:chExt cx="2152355" cy="713207"/>
+              </a:xfrm>
+            </p:grpSpPr>
+            <p:sp>
+              <p:nvSpPr>
+                <p:cNvPr id="10" name="矩形 9">
+                  <a:extLst>
+                    <a:ext uri="{FF2B5EF4-FFF2-40B4-BE49-F238E27FC236}">
+                      <a16:creationId xmlns:a16="http://schemas.microsoft.com/office/drawing/2014/main" id="{F07D186D-1B55-4FED-8187-97A9037C1785}"/>
+                    </a:ext>
+                  </a:extLst>
+                </p:cNvPr>
+                <p:cNvSpPr/>
+                <p:nvPr/>
+              </p:nvSpPr>
+              <p:spPr>
+                <a:xfrm>
+                  <a:off x="1523999" y="674254"/>
+                  <a:ext cx="2152353" cy="700291"/>
+                </a:xfrm>
+                <a:prstGeom prst="rect">
+                  <a:avLst/>
+                </a:prstGeom>
+              </p:spPr>
+              <p:style>
+                <a:lnRef idx="1">
+                  <a:schemeClr val="accent2"/>
+                </a:lnRef>
+                <a:fillRef idx="3">
+                  <a:schemeClr val="accent2"/>
+                </a:fillRef>
+                <a:effectRef idx="2">
+                  <a:schemeClr val="accent2"/>
+                </a:effectRef>
+                <a:fontRef idx="minor">
+                  <a:schemeClr val="lt1"/>
+                </a:fontRef>
+              </p:style>
+              <p:txBody>
+                <a:bodyPr rtlCol="0" anchor="ctr"/>
+                <a:lstStyle/>
+                <a:p>
+                  <a:pPr algn="ctr"/>
+                  <a:endParaRPr lang="zh-CN" altLang="en-US" dirty="0"/>
+                </a:p>
+              </p:txBody>
+            </p:sp>
+            <p:sp>
+              <p:nvSpPr>
+                <p:cNvPr id="11" name="文本框 10">
+                  <a:extLst>
+                    <a:ext uri="{FF2B5EF4-FFF2-40B4-BE49-F238E27FC236}">
+                      <a16:creationId xmlns:a16="http://schemas.microsoft.com/office/drawing/2014/main" id="{A8F83D95-C693-4066-8333-9AFD573F3314}"/>
+                    </a:ext>
+                  </a:extLst>
+                </p:cNvPr>
+                <p:cNvSpPr txBox="1"/>
+                <p:nvPr/>
+              </p:nvSpPr>
+              <p:spPr>
+                <a:xfrm>
+                  <a:off x="1523997" y="665136"/>
+                  <a:ext cx="2152352" cy="307777"/>
+                </a:xfrm>
+                <a:prstGeom prst="rect">
+                  <a:avLst/>
+                </a:prstGeom>
+                <a:noFill/>
+              </p:spPr>
+              <p:txBody>
+                <a:bodyPr wrap="square" rtlCol="0">
+                  <a:spAutoFit/>
+                </a:bodyPr>
+                <a:lstStyle/>
+                <a:p>
+                  <a:r>
+                    <a:rPr lang="zh-CN" altLang="en-US" sz="1400" dirty="0"/>
+                    <a:t>虚拟机栈</a:t>
+                  </a:r>
+                  <a:r>
+                    <a:rPr lang="en-US" altLang="zh-CN" sz="1400" dirty="0"/>
+                    <a:t>(VM Stack)</a:t>
+                  </a:r>
+                  <a:endParaRPr lang="zh-CN" altLang="en-US" sz="1400" dirty="0"/>
+                </a:p>
+              </p:txBody>
+            </p:sp>
+            <p:sp>
+              <p:nvSpPr>
+                <p:cNvPr id="12" name="文本框 11">
+                  <a:extLst>
+                    <a:ext uri="{FF2B5EF4-FFF2-40B4-BE49-F238E27FC236}">
+                      <a16:creationId xmlns:a16="http://schemas.microsoft.com/office/drawing/2014/main" id="{596003E5-F1C8-4F17-95F5-0E46293CD776}"/>
+                    </a:ext>
+                  </a:extLst>
+                </p:cNvPr>
+                <p:cNvSpPr txBox="1"/>
+                <p:nvPr/>
+              </p:nvSpPr>
+              <p:spPr>
+                <a:xfrm>
+                  <a:off x="1546580" y="978233"/>
+                  <a:ext cx="2051478" cy="400110"/>
+                </a:xfrm>
+                <a:prstGeom prst="rect">
+                  <a:avLst/>
+                </a:prstGeom>
+                <a:noFill/>
+              </p:spPr>
+              <p:txBody>
+                <a:bodyPr wrap="none" rtlCol="0">
+                  <a:spAutoFit/>
+                </a:bodyPr>
+                <a:lstStyle/>
+                <a:p>
+                  <a:r>
+                    <a:rPr lang="zh-CN" altLang="en-US" sz="1000" dirty="0"/>
+                    <a:t>方法执行时的信息</a:t>
+                  </a:r>
+                  <a:r>
+                    <a:rPr lang="en-US" altLang="zh-CN" sz="1000" dirty="0"/>
+                    <a:t>(</a:t>
+                  </a:r>
+                  <a:r>
+                    <a:rPr lang="zh-CN" altLang="en-US" sz="1000" dirty="0"/>
+                    <a:t>局部变量</a:t>
+                  </a:r>
+                  <a:endParaRPr lang="en-US" altLang="zh-CN" sz="1000" dirty="0"/>
+                </a:p>
+                <a:p>
+                  <a:r>
+                    <a:rPr lang="zh-CN" altLang="en-US" sz="1000" dirty="0"/>
+                    <a:t>数，返回值，操作数</a:t>
+                  </a:r>
+                  <a:r>
+                    <a:rPr lang="en-US" altLang="zh-CN" sz="1000" dirty="0"/>
+                    <a:t>)</a:t>
+                  </a:r>
+                  <a:endParaRPr lang="zh-CN" altLang="en-US" sz="1000" dirty="0"/>
+                </a:p>
+              </p:txBody>
+            </p:sp>
+          </p:grpSp>
+          <p:grpSp>
+            <p:nvGrpSpPr>
+              <p:cNvPr id="13" name="组合 12">
+                <a:extLst>
+                  <a:ext uri="{FF2B5EF4-FFF2-40B4-BE49-F238E27FC236}">
+                    <a16:creationId xmlns:a16="http://schemas.microsoft.com/office/drawing/2014/main" id="{D723AFD2-6849-4FEE-AE84-A4851C71D758}"/>
+                  </a:ext>
+                </a:extLst>
+              </p:cNvPr>
+              <p:cNvGrpSpPr/>
+              <p:nvPr/>
+            </p:nvGrpSpPr>
+            <p:grpSpPr>
+              <a:xfrm>
+                <a:off x="4305045" y="640775"/>
+                <a:ext cx="2812862" cy="712889"/>
+                <a:chOff x="1509904" y="665454"/>
+                <a:chExt cx="3277929" cy="712889"/>
+              </a:xfrm>
+            </p:grpSpPr>
+            <p:sp>
+              <p:nvSpPr>
+                <p:cNvPr id="14" name="矩形 13">
+                  <a:extLst>
+                    <a:ext uri="{FF2B5EF4-FFF2-40B4-BE49-F238E27FC236}">
+                      <a16:creationId xmlns:a16="http://schemas.microsoft.com/office/drawing/2014/main" id="{EDD429CE-B550-48DF-8F47-A71D62332AF1}"/>
+                    </a:ext>
+                  </a:extLst>
+                </p:cNvPr>
+                <p:cNvSpPr/>
+                <p:nvPr/>
+              </p:nvSpPr>
+              <p:spPr>
+                <a:xfrm>
+                  <a:off x="1523998" y="674254"/>
+                  <a:ext cx="3263835" cy="700291"/>
+                </a:xfrm>
+                <a:prstGeom prst="rect">
+                  <a:avLst/>
+                </a:prstGeom>
+              </p:spPr>
+              <p:style>
+                <a:lnRef idx="1">
+                  <a:schemeClr val="accent2"/>
+                </a:lnRef>
+                <a:fillRef idx="3">
+                  <a:schemeClr val="accent2"/>
+                </a:fillRef>
+                <a:effectRef idx="2">
+                  <a:schemeClr val="accent2"/>
+                </a:effectRef>
+                <a:fontRef idx="minor">
+                  <a:schemeClr val="lt1"/>
+                </a:fontRef>
+              </p:style>
+              <p:txBody>
+                <a:bodyPr rtlCol="0" anchor="ctr"/>
+                <a:lstStyle/>
+                <a:p>
+                  <a:pPr algn="ctr"/>
+                  <a:endParaRPr lang="zh-CN" altLang="en-US" dirty="0"/>
+                </a:p>
+              </p:txBody>
+            </p:sp>
+            <p:sp>
+              <p:nvSpPr>
+                <p:cNvPr id="15" name="文本框 14">
+                  <a:extLst>
+                    <a:ext uri="{FF2B5EF4-FFF2-40B4-BE49-F238E27FC236}">
+                      <a16:creationId xmlns:a16="http://schemas.microsoft.com/office/drawing/2014/main" id="{052883FB-50AD-4DDF-B59F-602893910ADF}"/>
+                    </a:ext>
+                  </a:extLst>
+                </p:cNvPr>
+                <p:cNvSpPr txBox="1"/>
+                <p:nvPr/>
+              </p:nvSpPr>
+              <p:spPr>
+                <a:xfrm>
+                  <a:off x="1509904" y="665454"/>
+                  <a:ext cx="3263835" cy="307777"/>
+                </a:xfrm>
+                <a:prstGeom prst="rect">
+                  <a:avLst/>
+                </a:prstGeom>
+                <a:noFill/>
+              </p:spPr>
+              <p:txBody>
+                <a:bodyPr wrap="none" rtlCol="0">
+                  <a:spAutoFit/>
+                </a:bodyPr>
+                <a:lstStyle/>
+                <a:p>
+                  <a:r>
+                    <a:rPr lang="zh-CN" altLang="en-US" sz="1400" dirty="0"/>
+                    <a:t>本地方法栈</a:t>
+                  </a:r>
+                  <a:r>
+                    <a:rPr lang="en-US" altLang="zh-CN" sz="1400" dirty="0"/>
+                    <a:t>(Native Method Stack)</a:t>
+                  </a:r>
+                  <a:endParaRPr lang="zh-CN" altLang="en-US" sz="1400" dirty="0"/>
+                </a:p>
+              </p:txBody>
+            </p:sp>
+            <p:sp>
+              <p:nvSpPr>
+                <p:cNvPr id="16" name="文本框 15">
+                  <a:extLst>
+                    <a:ext uri="{FF2B5EF4-FFF2-40B4-BE49-F238E27FC236}">
+                      <a16:creationId xmlns:a16="http://schemas.microsoft.com/office/drawing/2014/main" id="{1790CE9C-25B1-480F-BE15-1D7613C303AF}"/>
+                    </a:ext>
+                  </a:extLst>
+                </p:cNvPr>
+                <p:cNvSpPr txBox="1"/>
+                <p:nvPr/>
+              </p:nvSpPr>
+              <p:spPr>
+                <a:xfrm>
+                  <a:off x="1546579" y="978233"/>
+                  <a:ext cx="3241254" cy="400110"/>
+                </a:xfrm>
+                <a:prstGeom prst="rect">
+                  <a:avLst/>
+                </a:prstGeom>
+                <a:noFill/>
+              </p:spPr>
+              <p:txBody>
+                <a:bodyPr wrap="square" rtlCol="0">
+                  <a:spAutoFit/>
+                </a:bodyPr>
+                <a:lstStyle/>
+                <a:p>
+                  <a:r>
+                    <a:rPr lang="zh-CN" altLang="en-US" sz="1000" dirty="0"/>
+                    <a:t>调用本地</a:t>
+                  </a:r>
+                  <a:r>
+                    <a:rPr lang="en-US" altLang="zh-CN" sz="1000" dirty="0"/>
+                    <a:t>native</a:t>
+                  </a:r>
+                  <a:r>
+                    <a:rPr lang="zh-CN" altLang="en-US" sz="1000" dirty="0"/>
+                    <a:t>的内存模型。</a:t>
+                  </a:r>
+                  <a:endParaRPr lang="en-US" altLang="zh-CN" sz="1000" dirty="0"/>
+                </a:p>
+                <a:p>
+                  <a:r>
+                    <a:rPr lang="zh-CN" altLang="en-US" sz="1000" dirty="0"/>
+                    <a:t>线程独享</a:t>
+                  </a:r>
+                </a:p>
+              </p:txBody>
+            </p:sp>
+          </p:grpSp>
+          <p:grpSp>
+            <p:nvGrpSpPr>
+              <p:cNvPr id="31" name="组合 30">
+                <a:extLst>
+                  <a:ext uri="{FF2B5EF4-FFF2-40B4-BE49-F238E27FC236}">
+                    <a16:creationId xmlns:a16="http://schemas.microsoft.com/office/drawing/2014/main" id="{99A479CD-049B-4980-A1AE-D30AD52E2BF0}"/>
+                  </a:ext>
+                </a:extLst>
+              </p:cNvPr>
+              <p:cNvGrpSpPr/>
+              <p:nvPr/>
+            </p:nvGrpSpPr>
+            <p:grpSpPr>
+              <a:xfrm>
+                <a:off x="367723" y="1865213"/>
+                <a:ext cx="9977005" cy="1419355"/>
+                <a:chOff x="1741083" y="1903793"/>
+                <a:chExt cx="9977005" cy="1419355"/>
+              </a:xfrm>
+            </p:grpSpPr>
+            <p:grpSp>
+              <p:nvGrpSpPr>
+                <p:cNvPr id="22" name="组合 21">
+                  <a:extLst>
+                    <a:ext uri="{FF2B5EF4-FFF2-40B4-BE49-F238E27FC236}">
+                      <a16:creationId xmlns:a16="http://schemas.microsoft.com/office/drawing/2014/main" id="{8F900896-1939-41E3-9EFD-BC432A724EDD}"/>
+                    </a:ext>
+                  </a:extLst>
+                </p:cNvPr>
+                <p:cNvGrpSpPr/>
+                <p:nvPr/>
+              </p:nvGrpSpPr>
+              <p:grpSpPr>
+                <a:xfrm>
+                  <a:off x="1744867" y="1903793"/>
+                  <a:ext cx="9973219" cy="838351"/>
+                  <a:chOff x="1754105" y="2035966"/>
+                  <a:chExt cx="6493967" cy="838351"/>
+                </a:xfrm>
+              </p:grpSpPr>
+              <p:sp>
+                <p:nvSpPr>
+                  <p:cNvPr id="21" name="矩形 20">
+                    <a:extLst>
+                      <a:ext uri="{FF2B5EF4-FFF2-40B4-BE49-F238E27FC236}">
+                        <a16:creationId xmlns:a16="http://schemas.microsoft.com/office/drawing/2014/main" id="{2E33DCD5-1CED-468E-AEA0-AA130D075736}"/>
+                      </a:ext>
+                    </a:extLst>
+                  </p:cNvPr>
+                  <p:cNvSpPr/>
+                  <p:nvPr/>
+                </p:nvSpPr>
+                <p:spPr>
+                  <a:xfrm>
+                    <a:off x="4328673" y="2035966"/>
+                    <a:ext cx="3919399" cy="838351"/>
+                  </a:xfrm>
+                  <a:prstGeom prst="rect">
+                    <a:avLst/>
+                  </a:prstGeom>
+                </p:spPr>
+                <p:style>
+                  <a:lnRef idx="1">
+                    <a:schemeClr val="accent3"/>
+                  </a:lnRef>
+                  <a:fillRef idx="2">
+                    <a:schemeClr val="accent3"/>
+                  </a:fillRef>
+                  <a:effectRef idx="1">
+                    <a:schemeClr val="accent3"/>
+                  </a:effectRef>
+                  <a:fontRef idx="minor">
+                    <a:schemeClr val="dk1"/>
+                  </a:fontRef>
+                </p:style>
+                <p:txBody>
+                  <a:bodyPr rtlCol="0" anchor="ctr"/>
+                  <a:lstStyle/>
+                  <a:p>
+                    <a:pPr algn="ctr"/>
+                    <a:r>
+                      <a:rPr lang="zh-CN" altLang="en-US" sz="1400" dirty="0"/>
+                      <a:t>老年代</a:t>
+                    </a:r>
+                  </a:p>
+                </p:txBody>
+              </p:sp>
+              <p:sp>
+                <p:nvSpPr>
+                  <p:cNvPr id="18" name="矩形 17">
+                    <a:extLst>
+                      <a:ext uri="{FF2B5EF4-FFF2-40B4-BE49-F238E27FC236}">
+                        <a16:creationId xmlns:a16="http://schemas.microsoft.com/office/drawing/2014/main" id="{A663F822-F6BE-460B-9186-DC06DCA1C25C}"/>
+                      </a:ext>
+                    </a:extLst>
+                  </p:cNvPr>
+                  <p:cNvSpPr/>
+                  <p:nvPr/>
+                </p:nvSpPr>
+                <p:spPr>
+                  <a:xfrm>
+                    <a:off x="1754105" y="2035966"/>
+                    <a:ext cx="1326205" cy="838351"/>
+                  </a:xfrm>
+                  <a:prstGeom prst="rect">
+                    <a:avLst/>
+                  </a:prstGeom>
+                </p:spPr>
+                <p:style>
+                  <a:lnRef idx="1">
+                    <a:schemeClr val="accent2"/>
+                  </a:lnRef>
+                  <a:fillRef idx="2">
+                    <a:schemeClr val="accent2"/>
+                  </a:fillRef>
+                  <a:effectRef idx="1">
+                    <a:schemeClr val="accent2"/>
+                  </a:effectRef>
+                  <a:fontRef idx="minor">
+                    <a:schemeClr val="dk1"/>
+                  </a:fontRef>
+                </p:style>
+                <p:txBody>
+                  <a:bodyPr rtlCol="0" anchor="ctr"/>
+                  <a:lstStyle/>
+                  <a:p>
+                    <a:pPr algn="ctr"/>
+                    <a:r>
+                      <a:rPr lang="en-US" altLang="zh-CN" sz="1400" dirty="0"/>
+                      <a:t>Eden</a:t>
+                    </a:r>
+                  </a:p>
+                  <a:p>
+                    <a:pPr algn="ctr"/>
+                    <a:r>
+                      <a:rPr lang="zh-CN" altLang="en-US" sz="1400" dirty="0"/>
+                      <a:t>（伊甸园）</a:t>
+                    </a:r>
+                  </a:p>
+                </p:txBody>
+              </p:sp>
+              <p:sp>
+                <p:nvSpPr>
+                  <p:cNvPr id="19" name="矩形 18">
+                    <a:extLst>
+                      <a:ext uri="{FF2B5EF4-FFF2-40B4-BE49-F238E27FC236}">
+                        <a16:creationId xmlns:a16="http://schemas.microsoft.com/office/drawing/2014/main" id="{75E0E3E7-C425-4070-AA6A-767D9F7A7246}"/>
+                      </a:ext>
+                    </a:extLst>
+                  </p:cNvPr>
+                  <p:cNvSpPr/>
+                  <p:nvPr/>
+                </p:nvSpPr>
+                <p:spPr>
+                  <a:xfrm>
+                    <a:off x="3080310" y="2035966"/>
+                    <a:ext cx="632195" cy="838351"/>
+                  </a:xfrm>
+                  <a:prstGeom prst="rect">
+                    <a:avLst/>
+                  </a:prstGeom>
+                  <a:ln>
+                    <a:solidFill>
+                      <a:srgbClr val="002060"/>
+                    </a:solidFill>
+                  </a:ln>
+                </p:spPr>
+                <p:style>
+                  <a:lnRef idx="1">
+                    <a:schemeClr val="accent5"/>
+                  </a:lnRef>
+                  <a:fillRef idx="3">
+                    <a:schemeClr val="accent5"/>
+                  </a:fillRef>
+                  <a:effectRef idx="2">
+                    <a:schemeClr val="accent5"/>
+                  </a:effectRef>
+                  <a:fontRef idx="minor">
+                    <a:schemeClr val="lt1"/>
+                  </a:fontRef>
+                </p:style>
+                <p:txBody>
+                  <a:bodyPr rtlCol="0" anchor="ctr"/>
+                  <a:lstStyle/>
+                  <a:p>
+                    <a:pPr algn="ctr"/>
+                    <a:r>
+                      <a:rPr lang="en-US" altLang="zh-CN" sz="1400" dirty="0"/>
+                      <a:t>S0</a:t>
+                    </a:r>
+                  </a:p>
+                  <a:p>
+                    <a:pPr algn="ctr"/>
+                    <a:r>
+                      <a:rPr lang="zh-CN" altLang="en-US" sz="1400" dirty="0"/>
+                      <a:t>（</a:t>
+                    </a:r>
+                    <a:r>
+                      <a:rPr lang="en-US" altLang="zh-CN" sz="1400" dirty="0"/>
+                      <a:t>from</a:t>
+                    </a:r>
+                    <a:r>
+                      <a:rPr lang="zh-CN" altLang="en-US" sz="1400" dirty="0"/>
+                      <a:t>）</a:t>
+                    </a:r>
+                  </a:p>
+                </p:txBody>
+              </p:sp>
+              <p:sp>
+                <p:nvSpPr>
+                  <p:cNvPr id="20" name="矩形 19">
+                    <a:extLst>
+                      <a:ext uri="{FF2B5EF4-FFF2-40B4-BE49-F238E27FC236}">
+                        <a16:creationId xmlns:a16="http://schemas.microsoft.com/office/drawing/2014/main" id="{18F4AAFE-7B6E-44B3-AECD-99FA66E2E013}"/>
+                      </a:ext>
+                    </a:extLst>
+                  </p:cNvPr>
+                  <p:cNvSpPr/>
+                  <p:nvPr/>
+                </p:nvSpPr>
+                <p:spPr>
+                  <a:xfrm>
+                    <a:off x="3712505" y="2035966"/>
+                    <a:ext cx="616168" cy="838351"/>
+                  </a:xfrm>
+                  <a:prstGeom prst="rect">
+                    <a:avLst/>
+                  </a:prstGeom>
+                  <a:ln>
+                    <a:solidFill>
+                      <a:srgbClr val="002060"/>
+                    </a:solidFill>
+                  </a:ln>
+                </p:spPr>
+                <p:style>
+                  <a:lnRef idx="1">
+                    <a:schemeClr val="accent5"/>
+                  </a:lnRef>
+                  <a:fillRef idx="3">
+                    <a:schemeClr val="accent5"/>
+                  </a:fillRef>
+                  <a:effectRef idx="2">
+                    <a:schemeClr val="accent5"/>
+                  </a:effectRef>
+                  <a:fontRef idx="minor">
+                    <a:schemeClr val="lt1"/>
+                  </a:fontRef>
+                </p:style>
+                <p:txBody>
+                  <a:bodyPr rtlCol="0" anchor="ctr"/>
+                  <a:lstStyle/>
+                  <a:p>
+                    <a:pPr algn="ctr"/>
+                    <a:r>
+                      <a:rPr lang="en-US" altLang="zh-CN" sz="1400" dirty="0"/>
+                      <a:t>S1</a:t>
+                    </a:r>
+                  </a:p>
+                  <a:p>
+                    <a:pPr algn="ctr"/>
+                    <a:r>
+                      <a:rPr lang="en-US" altLang="zh-CN" sz="1400" dirty="0"/>
+                      <a:t>(to)</a:t>
+                    </a:r>
+                    <a:endParaRPr lang="zh-CN" altLang="en-US" sz="1400" dirty="0"/>
+                  </a:p>
+                </p:txBody>
+              </p:sp>
+            </p:grpSp>
+            <p:sp>
+              <p:nvSpPr>
+                <p:cNvPr id="23" name="左大括号 22">
+                  <a:extLst>
+                    <a:ext uri="{FF2B5EF4-FFF2-40B4-BE49-F238E27FC236}">
+                      <a16:creationId xmlns:a16="http://schemas.microsoft.com/office/drawing/2014/main" id="{535FAC6C-C4B7-45E3-B5B1-1E4066F9D379}"/>
+                    </a:ext>
+                  </a:extLst>
+                </p:cNvPr>
+                <p:cNvSpPr/>
+                <p:nvPr/>
+              </p:nvSpPr>
+              <p:spPr>
+                <a:xfrm rot="16200000">
+                  <a:off x="3660188" y="890870"/>
+                  <a:ext cx="137672" cy="3975882"/>
+                </a:xfrm>
+                <a:prstGeom prst="leftBrace">
+                  <a:avLst/>
+                </a:prstGeom>
+                <a:ln w="12700">
+                  <a:solidFill>
+                    <a:srgbClr val="002060"/>
+                  </a:solidFill>
+                </a:ln>
+              </p:spPr>
+              <p:style>
+                <a:lnRef idx="1">
+                  <a:schemeClr val="accent1"/>
+                </a:lnRef>
+                <a:fillRef idx="0">
+                  <a:schemeClr val="accent1"/>
+                </a:fillRef>
+                <a:effectRef idx="0">
+                  <a:schemeClr val="accent1"/>
+                </a:effectRef>
+                <a:fontRef idx="minor">
+                  <a:schemeClr val="tx1"/>
+                </a:fontRef>
+              </p:style>
+              <p:txBody>
+                <a:bodyPr rtlCol="0" anchor="ctr"/>
+                <a:lstStyle/>
+                <a:p>
+                  <a:pPr algn="ctr"/>
+                  <a:endParaRPr lang="zh-CN" altLang="en-US" dirty="0"/>
+                </a:p>
+              </p:txBody>
+            </p:sp>
+            <p:sp>
+              <p:nvSpPr>
+                <p:cNvPr id="24" name="左大括号 23">
+                  <a:extLst>
+                    <a:ext uri="{FF2B5EF4-FFF2-40B4-BE49-F238E27FC236}">
+                      <a16:creationId xmlns:a16="http://schemas.microsoft.com/office/drawing/2014/main" id="{F6A2A835-FE75-452E-A8B4-D61548F5C3C5}"/>
+                    </a:ext>
+                  </a:extLst>
+                </p:cNvPr>
+                <p:cNvSpPr/>
+                <p:nvPr/>
+              </p:nvSpPr>
+              <p:spPr>
+                <a:xfrm rot="16200000">
+                  <a:off x="8648689" y="-121749"/>
+                  <a:ext cx="137673" cy="6001125"/>
+                </a:xfrm>
+                <a:prstGeom prst="leftBrace">
+                  <a:avLst/>
+                </a:prstGeom>
+                <a:ln w="12700">
+                  <a:solidFill>
+                    <a:srgbClr val="002060"/>
+                  </a:solidFill>
+                </a:ln>
+              </p:spPr>
+              <p:style>
+                <a:lnRef idx="1">
+                  <a:schemeClr val="accent1"/>
+                </a:lnRef>
+                <a:fillRef idx="0">
+                  <a:schemeClr val="accent1"/>
+                </a:fillRef>
+                <a:effectRef idx="0">
+                  <a:schemeClr val="accent1"/>
+                </a:effectRef>
+                <a:fontRef idx="minor">
+                  <a:schemeClr val="tx1"/>
+                </a:fontRef>
+              </p:style>
+              <p:txBody>
+                <a:bodyPr rtlCol="0" anchor="ctr"/>
+                <a:lstStyle/>
+                <a:p>
+                  <a:pPr algn="ctr"/>
+                  <a:endParaRPr lang="zh-CN" altLang="en-US"/>
+                </a:p>
+              </p:txBody>
+            </p:sp>
+            <p:sp>
+              <p:nvSpPr>
+                <p:cNvPr id="25" name="文本框 24">
+                  <a:extLst>
+                    <a:ext uri="{FF2B5EF4-FFF2-40B4-BE49-F238E27FC236}">
+                      <a16:creationId xmlns:a16="http://schemas.microsoft.com/office/drawing/2014/main" id="{6515EE68-10E7-48D3-A14D-8E6815A141B4}"/>
+                    </a:ext>
+                  </a:extLst>
+                </p:cNvPr>
+                <p:cNvSpPr txBox="1"/>
+                <p:nvPr/>
+              </p:nvSpPr>
+              <p:spPr>
+                <a:xfrm>
+                  <a:off x="3238832" y="3015371"/>
+                  <a:ext cx="1085554" cy="307777"/>
+                </a:xfrm>
+                <a:prstGeom prst="rect">
+                  <a:avLst/>
+                </a:prstGeom>
+                <a:noFill/>
+              </p:spPr>
+              <p:txBody>
+                <a:bodyPr wrap="none" rtlCol="0">
+                  <a:spAutoFit/>
+                </a:bodyPr>
+                <a:lstStyle/>
+                <a:p>
+                  <a:r>
+                    <a:rPr lang="zh-CN" altLang="en-US" sz="1400" dirty="0"/>
+                    <a:t>新生代</a:t>
+                  </a:r>
+                  <a:r>
+                    <a:rPr lang="en-US" altLang="zh-CN" sz="1400" dirty="0"/>
+                    <a:t>(1/3)</a:t>
+                  </a:r>
+                  <a:endParaRPr lang="zh-CN" altLang="en-US" sz="1400" dirty="0"/>
+                </a:p>
+              </p:txBody>
+            </p:sp>
+            <p:sp>
+              <p:nvSpPr>
+                <p:cNvPr id="26" name="文本框 25">
+                  <a:extLst>
+                    <a:ext uri="{FF2B5EF4-FFF2-40B4-BE49-F238E27FC236}">
+                      <a16:creationId xmlns:a16="http://schemas.microsoft.com/office/drawing/2014/main" id="{A0789789-80C7-43F0-AC44-8DB2CB165EA4}"/>
+                    </a:ext>
+                  </a:extLst>
+                </p:cNvPr>
+                <p:cNvSpPr txBox="1"/>
+                <p:nvPr/>
+              </p:nvSpPr>
+              <p:spPr>
+                <a:xfrm>
+                  <a:off x="8174748" y="2994554"/>
+                  <a:ext cx="1085554" cy="307777"/>
+                </a:xfrm>
+                <a:prstGeom prst="rect">
+                  <a:avLst/>
+                </a:prstGeom>
+                <a:noFill/>
+              </p:spPr>
+              <p:txBody>
+                <a:bodyPr wrap="none" rtlCol="0">
+                  <a:spAutoFit/>
+                </a:bodyPr>
+                <a:lstStyle/>
+                <a:p>
+                  <a:r>
+                    <a:rPr lang="zh-CN" altLang="en-US" sz="1400" dirty="0"/>
+                    <a:t>老年代</a:t>
+                  </a:r>
+                  <a:r>
+                    <a:rPr lang="en-US" altLang="zh-CN" sz="1400" dirty="0"/>
+                    <a:t>(2/3)</a:t>
+                  </a:r>
+                  <a:endParaRPr lang="zh-CN" altLang="en-US" sz="1400" dirty="0"/>
+                </a:p>
+              </p:txBody>
+            </p:sp>
+          </p:grpSp>
+          <p:grpSp>
+            <p:nvGrpSpPr>
+              <p:cNvPr id="27" name="组合 26">
+                <a:extLst>
+                  <a:ext uri="{FF2B5EF4-FFF2-40B4-BE49-F238E27FC236}">
+                    <a16:creationId xmlns:a16="http://schemas.microsoft.com/office/drawing/2014/main" id="{57688587-B28E-4C76-B130-C0CD9E8D2F0F}"/>
+                  </a:ext>
+                </a:extLst>
+              </p:cNvPr>
+              <p:cNvGrpSpPr/>
+              <p:nvPr/>
+            </p:nvGrpSpPr>
+            <p:grpSpPr>
+              <a:xfrm>
+                <a:off x="7284204" y="639703"/>
+                <a:ext cx="3215217" cy="710163"/>
+                <a:chOff x="1511903" y="674254"/>
+                <a:chExt cx="3215217" cy="600363"/>
+              </a:xfrm>
+            </p:grpSpPr>
+            <p:sp>
+              <p:nvSpPr>
+                <p:cNvPr id="28" name="矩形 27">
+                  <a:extLst>
+                    <a:ext uri="{FF2B5EF4-FFF2-40B4-BE49-F238E27FC236}">
+                      <a16:creationId xmlns:a16="http://schemas.microsoft.com/office/drawing/2014/main" id="{4A24E269-2C0E-468E-AEFA-69CA6DFAE0BA}"/>
+                    </a:ext>
+                  </a:extLst>
+                </p:cNvPr>
+                <p:cNvSpPr/>
+                <p:nvPr/>
+              </p:nvSpPr>
+              <p:spPr>
+                <a:xfrm>
+                  <a:off x="1523998" y="674254"/>
+                  <a:ext cx="3113081" cy="600363"/>
+                </a:xfrm>
+                <a:prstGeom prst="rect">
+                  <a:avLst/>
+                </a:prstGeom>
+              </p:spPr>
+              <p:style>
+                <a:lnRef idx="1">
+                  <a:schemeClr val="accent5"/>
+                </a:lnRef>
+                <a:fillRef idx="2">
+                  <a:schemeClr val="accent5"/>
+                </a:fillRef>
+                <a:effectRef idx="1">
+                  <a:schemeClr val="accent5"/>
+                </a:effectRef>
+                <a:fontRef idx="minor">
+                  <a:schemeClr val="dk1"/>
+                </a:fontRef>
+              </p:style>
+              <p:txBody>
+                <a:bodyPr rtlCol="0" anchor="ctr"/>
+                <a:lstStyle/>
+                <a:p>
+                  <a:pPr algn="ctr"/>
+                  <a:endParaRPr lang="zh-CN" altLang="en-US" dirty="0"/>
+                </a:p>
+              </p:txBody>
+            </p:sp>
+            <p:sp>
+              <p:nvSpPr>
+                <p:cNvPr id="29" name="文本框 28">
+                  <a:extLst>
+                    <a:ext uri="{FF2B5EF4-FFF2-40B4-BE49-F238E27FC236}">
+                      <a16:creationId xmlns:a16="http://schemas.microsoft.com/office/drawing/2014/main" id="{3BA00DE8-8510-497A-9554-8D873C1FE81D}"/>
+                    </a:ext>
+                  </a:extLst>
+                </p:cNvPr>
+                <p:cNvSpPr txBox="1"/>
+                <p:nvPr/>
+              </p:nvSpPr>
+              <p:spPr>
+                <a:xfrm>
+                  <a:off x="1523999" y="674254"/>
+                  <a:ext cx="3203121" cy="260191"/>
+                </a:xfrm>
+                <a:prstGeom prst="rect">
+                  <a:avLst/>
+                </a:prstGeom>
+                <a:noFill/>
+              </p:spPr>
+              <p:txBody>
+                <a:bodyPr wrap="none" rtlCol="0">
+                  <a:spAutoFit/>
+                </a:bodyPr>
+                <a:lstStyle/>
+                <a:p>
+                  <a:r>
+                    <a:rPr lang="zh-CN" altLang="en-US" sz="1400" dirty="0"/>
+                    <a:t>程序计数器</a:t>
+                  </a:r>
+                  <a:r>
+                    <a:rPr lang="en-US" altLang="zh-CN" sz="1400" dirty="0"/>
+                    <a:t>(Program Counter Register)</a:t>
+                  </a:r>
+                  <a:endParaRPr lang="zh-CN" altLang="en-US" sz="1400" dirty="0"/>
+                </a:p>
+              </p:txBody>
+            </p:sp>
+            <p:sp>
+              <p:nvSpPr>
+                <p:cNvPr id="30" name="文本框 29">
+                  <a:extLst>
+                    <a:ext uri="{FF2B5EF4-FFF2-40B4-BE49-F238E27FC236}">
+                      <a16:creationId xmlns:a16="http://schemas.microsoft.com/office/drawing/2014/main" id="{2E797521-046B-4BF8-8C6A-3356A28C36FD}"/>
+                    </a:ext>
+                  </a:extLst>
+                </p:cNvPr>
+                <p:cNvSpPr txBox="1"/>
+                <p:nvPr/>
+              </p:nvSpPr>
+              <p:spPr>
+                <a:xfrm>
+                  <a:off x="1511903" y="918589"/>
+                  <a:ext cx="3113081" cy="338248"/>
+                </a:xfrm>
+                <a:prstGeom prst="rect">
+                  <a:avLst/>
+                </a:prstGeom>
+                <a:noFill/>
+              </p:spPr>
+              <p:txBody>
+                <a:bodyPr wrap="square" rtlCol="0">
+                  <a:spAutoFit/>
+                </a:bodyPr>
+                <a:lstStyle/>
+                <a:p>
+                  <a:r>
+                    <a:rPr lang="zh-CN" altLang="en-US" sz="1000" dirty="0"/>
+                    <a:t>指向当前线程正在执行的字节码指令。</a:t>
+                  </a:r>
+                  <a:endParaRPr lang="en-US" altLang="zh-CN" sz="1000" dirty="0"/>
+                </a:p>
+                <a:p>
+                  <a:r>
+                    <a:rPr lang="zh-CN" altLang="en-US" sz="1000" dirty="0"/>
+                    <a:t>线程私有的</a:t>
+                  </a:r>
+                  <a:endParaRPr lang="zh-CN" altLang="en-US" sz="1000" dirty="0">
+                    <a:effectLst/>
+                  </a:endParaRPr>
+                </a:p>
+              </p:txBody>
+            </p:sp>
+          </p:grpSp>
+          <p:sp>
+            <p:nvSpPr>
+              <p:cNvPr id="34" name="文本框 33">
+                <a:extLst>
+                  <a:ext uri="{FF2B5EF4-FFF2-40B4-BE49-F238E27FC236}">
+                    <a16:creationId xmlns:a16="http://schemas.microsoft.com/office/drawing/2014/main" id="{4F210CBD-AB14-434E-AAB9-25240CA8CF12}"/>
+                  </a:ext>
+                </a:extLst>
+              </p:cNvPr>
+              <p:cNvSpPr txBox="1"/>
+              <p:nvPr/>
+            </p:nvSpPr>
+            <p:spPr>
+              <a:xfrm>
+                <a:off x="2654548" y="1414438"/>
+                <a:ext cx="4838391" cy="307777"/>
+              </a:xfrm>
+              <a:prstGeom prst="rect">
+                <a:avLst/>
+              </a:prstGeom>
+              <a:noFill/>
+            </p:spPr>
+            <p:txBody>
+              <a:bodyPr wrap="square" rtlCol="0">
+                <a:spAutoFit/>
+              </a:bodyPr>
+              <a:lstStyle/>
+              <a:p>
+                <a:r>
+                  <a:rPr lang="zh-CN" altLang="en-US" sz="1400" b="1" dirty="0"/>
+                  <a:t>堆（</a:t>
+                </a:r>
+                <a:r>
+                  <a:rPr lang="en-US" altLang="zh-CN" sz="1400" b="1" dirty="0"/>
+                  <a:t>Heap</a:t>
+                </a:r>
+                <a:r>
+                  <a:rPr lang="zh-CN" altLang="en-US" sz="1400" b="1" dirty="0"/>
+                  <a:t>）：</a:t>
+                </a:r>
+                <a:r>
+                  <a:rPr lang="en-US" altLang="zh-CN" sz="1400" dirty="0"/>
+                  <a:t>Java</a:t>
+                </a:r>
+                <a:r>
+                  <a:rPr lang="zh-CN" altLang="en-US" sz="1400" dirty="0"/>
+                  <a:t>对象存储的地方，分为新生代和老年代</a:t>
+                </a:r>
+                <a:endParaRPr lang="zh-CN" altLang="en-US" sz="1400" dirty="0">
+                  <a:effectLst/>
+                </a:endParaRPr>
+              </a:p>
+            </p:txBody>
+          </p:sp>
+          <p:sp>
+            <p:nvSpPr>
+              <p:cNvPr id="36" name="左大括号 35">
+                <a:extLst>
+                  <a:ext uri="{FF2B5EF4-FFF2-40B4-BE49-F238E27FC236}">
+                    <a16:creationId xmlns:a16="http://schemas.microsoft.com/office/drawing/2014/main" id="{8AFEFBEF-9D5B-4DC6-810D-67015AD265CA}"/>
+                  </a:ext>
+                </a:extLst>
+              </p:cNvPr>
+              <p:cNvSpPr/>
+              <p:nvPr/>
+            </p:nvSpPr>
+            <p:spPr>
+              <a:xfrm rot="5400000">
+                <a:off x="5280097" y="-3219491"/>
+                <a:ext cx="163648" cy="9961551"/>
+              </a:xfrm>
+              <a:prstGeom prst="leftBrace">
+                <a:avLst/>
+              </a:prstGeom>
+              <a:ln w="12700">
+                <a:solidFill>
+                  <a:srgbClr val="002060"/>
+                </a:solidFill>
+              </a:ln>
+            </p:spPr>
+            <p:style>
+              <a:lnRef idx="1">
+                <a:schemeClr val="accent1"/>
+              </a:lnRef>
+              <a:fillRef idx="0">
+                <a:schemeClr val="accent1"/>
+              </a:fillRef>
+              <a:effectRef idx="0">
+                <a:schemeClr val="accent1"/>
+              </a:effectRef>
+              <a:fontRef idx="minor">
+                <a:schemeClr val="tx1"/>
+              </a:fontRef>
+            </p:style>
+            <p:txBody>
+              <a:bodyPr rtlCol="0" anchor="ctr"/>
+              <a:lstStyle/>
+              <a:p>
+                <a:pPr algn="ctr"/>
+                <a:endParaRPr lang="zh-CN" altLang="en-US" dirty="0"/>
+              </a:p>
+            </p:txBody>
+          </p:sp>
+        </p:grpSp>
+        <p:sp>
+          <p:nvSpPr>
+            <p:cNvPr id="39" name="矩形: 圆角 38">
+              <a:extLst>
+                <a:ext uri="{FF2B5EF4-FFF2-40B4-BE49-F238E27FC236}">
+                  <a16:creationId xmlns:a16="http://schemas.microsoft.com/office/drawing/2014/main" id="{4EF8C6B8-0F1F-4C39-BD70-02F2288F3C26}"/>
+                </a:ext>
+              </a:extLst>
+            </p:cNvPr>
+            <p:cNvSpPr/>
+            <p:nvPr/>
+          </p:nvSpPr>
+          <p:spPr>
+            <a:xfrm>
+              <a:off x="840509" y="3925455"/>
+              <a:ext cx="2710879" cy="489467"/>
+            </a:xfrm>
+            <a:prstGeom prst="roundRect">
+              <a:avLst/>
+            </a:prstGeom>
+          </p:spPr>
+          <p:style>
+            <a:lnRef idx="2">
+              <a:schemeClr val="accent1">
+                <a:shade val="50000"/>
+              </a:schemeClr>
+            </a:lnRef>
+            <a:fillRef idx="1">
+              <a:schemeClr val="accent1"/>
+            </a:fillRef>
+            <a:effectRef idx="0">
+              <a:schemeClr val="accent1"/>
+            </a:effectRef>
+            <a:fontRef idx="minor">
+              <a:schemeClr val="lt1"/>
+            </a:fontRef>
+          </p:style>
+          <p:txBody>
+            <a:bodyPr rtlCol="0" anchor="ctr"/>
+            <a:lstStyle/>
+            <a:p>
+              <a:pPr algn="ctr"/>
+              <a:r>
+                <a:rPr lang="zh-CN" altLang="en-US" dirty="0"/>
+                <a:t>执行引擎</a:t>
+              </a:r>
+            </a:p>
+          </p:txBody>
+        </p:sp>
+        <p:sp>
+          <p:nvSpPr>
+            <p:cNvPr id="40" name="矩形: 圆角 39">
+              <a:extLst>
+                <a:ext uri="{FF2B5EF4-FFF2-40B4-BE49-F238E27FC236}">
+                  <a16:creationId xmlns:a16="http://schemas.microsoft.com/office/drawing/2014/main" id="{D1552C68-474D-44E9-AFEA-CB5DD03DAF1F}"/>
+                </a:ext>
+              </a:extLst>
+            </p:cNvPr>
+            <p:cNvSpPr/>
+            <p:nvPr/>
+          </p:nvSpPr>
+          <p:spPr>
+            <a:xfrm>
+              <a:off x="4105564" y="3925454"/>
+              <a:ext cx="2710879" cy="489467"/>
+            </a:xfrm>
+            <a:prstGeom prst="roundRect">
+              <a:avLst/>
+            </a:prstGeom>
+          </p:spPr>
+          <p:style>
+            <a:lnRef idx="2">
+              <a:schemeClr val="accent1">
+                <a:shade val="50000"/>
+              </a:schemeClr>
+            </a:lnRef>
+            <a:fillRef idx="1">
+              <a:schemeClr val="accent1"/>
+            </a:fillRef>
+            <a:effectRef idx="0">
+              <a:schemeClr val="accent1"/>
+            </a:effectRef>
+            <a:fontRef idx="minor">
+              <a:schemeClr val="lt1"/>
+            </a:fontRef>
+          </p:style>
+          <p:txBody>
+            <a:bodyPr rtlCol="0" anchor="ctr"/>
+            <a:lstStyle/>
+            <a:p>
+              <a:pPr algn="ctr"/>
+              <a:r>
+                <a:rPr lang="zh-CN" altLang="en-US" b="1" dirty="0"/>
+                <a:t>本地接口库</a:t>
+              </a:r>
+            </a:p>
+          </p:txBody>
+        </p:sp>
+        <p:sp>
+          <p:nvSpPr>
+            <p:cNvPr id="41" name="矩形: 圆角 40">
+              <a:extLst>
+                <a:ext uri="{FF2B5EF4-FFF2-40B4-BE49-F238E27FC236}">
+                  <a16:creationId xmlns:a16="http://schemas.microsoft.com/office/drawing/2014/main" id="{EFED3D21-CDD9-48B4-8554-E5D64851987A}"/>
+                </a:ext>
+              </a:extLst>
+            </p:cNvPr>
+            <p:cNvSpPr/>
+            <p:nvPr/>
+          </p:nvSpPr>
+          <p:spPr>
+            <a:xfrm>
+              <a:off x="7401750" y="3920805"/>
+              <a:ext cx="2710879" cy="489467"/>
+            </a:xfrm>
+            <a:prstGeom prst="roundRect">
+              <a:avLst/>
+            </a:prstGeom>
+          </p:spPr>
+          <p:style>
+            <a:lnRef idx="2">
+              <a:schemeClr val="accent1">
+                <a:shade val="50000"/>
+              </a:schemeClr>
+            </a:lnRef>
+            <a:fillRef idx="1">
+              <a:schemeClr val="accent1"/>
+            </a:fillRef>
+            <a:effectRef idx="0">
+              <a:schemeClr val="accent1"/>
+            </a:effectRef>
+            <a:fontRef idx="minor">
+              <a:schemeClr val="lt1"/>
+            </a:fontRef>
+          </p:style>
+          <p:txBody>
+            <a:bodyPr rtlCol="0" anchor="ctr"/>
+            <a:lstStyle/>
+            <a:p>
+              <a:pPr algn="ctr"/>
+              <a:r>
+                <a:rPr lang="zh-CN" altLang="en-US" dirty="0"/>
+                <a:t>本地方法库</a:t>
+              </a:r>
+            </a:p>
+          </p:txBody>
+        </p:sp>
+        <p:sp>
+          <p:nvSpPr>
+            <p:cNvPr id="42" name="箭头: 下 41">
+              <a:extLst>
+                <a:ext uri="{FF2B5EF4-FFF2-40B4-BE49-F238E27FC236}">
+                  <a16:creationId xmlns:a16="http://schemas.microsoft.com/office/drawing/2014/main" id="{F8B31C86-72E7-4847-AE41-B27B29AA7A47}"/>
+                </a:ext>
+              </a:extLst>
+            </p:cNvPr>
+            <p:cNvSpPr/>
+            <p:nvPr/>
+          </p:nvSpPr>
+          <p:spPr>
+            <a:xfrm>
+              <a:off x="1763193" y="3629750"/>
+              <a:ext cx="240145" cy="223036"/>
+            </a:xfrm>
+            <a:prstGeom prst="downArrow">
+              <a:avLst/>
+            </a:prstGeom>
+          </p:spPr>
+          <p:style>
+            <a:lnRef idx="2">
+              <a:schemeClr val="accent1">
+                <a:shade val="50000"/>
+              </a:schemeClr>
+            </a:lnRef>
+            <a:fillRef idx="1">
+              <a:schemeClr val="accent1"/>
+            </a:fillRef>
+            <a:effectRef idx="0">
+              <a:schemeClr val="accent1"/>
+            </a:effectRef>
+            <a:fontRef idx="minor">
+              <a:schemeClr val="lt1"/>
+            </a:fontRef>
+          </p:style>
+          <p:txBody>
+            <a:bodyPr rtlCol="0" anchor="ctr"/>
+            <a:lstStyle/>
+            <a:p>
+              <a:pPr algn="ctr"/>
+              <a:endParaRPr lang="zh-CN" altLang="en-US"/>
+            </a:p>
+          </p:txBody>
+        </p:sp>
+        <p:sp>
+          <p:nvSpPr>
+            <p:cNvPr id="43" name="箭头: 下 42">
+              <a:extLst>
+                <a:ext uri="{FF2B5EF4-FFF2-40B4-BE49-F238E27FC236}">
+                  <a16:creationId xmlns:a16="http://schemas.microsoft.com/office/drawing/2014/main" id="{F4F69536-58D5-4289-BB6F-A4529CD81015}"/>
+                </a:ext>
+              </a:extLst>
+            </p:cNvPr>
+            <p:cNvSpPr/>
+            <p:nvPr/>
+          </p:nvSpPr>
+          <p:spPr>
+            <a:xfrm rot="10800000">
+              <a:off x="2345761" y="3626334"/>
+              <a:ext cx="240145" cy="223036"/>
+            </a:xfrm>
+            <a:prstGeom prst="downArrow">
+              <a:avLst/>
+            </a:prstGeom>
+          </p:spPr>
+          <p:style>
+            <a:lnRef idx="2">
+              <a:schemeClr val="accent1">
+                <a:shade val="50000"/>
+              </a:schemeClr>
+            </a:lnRef>
+            <a:fillRef idx="1">
+              <a:schemeClr val="accent1"/>
+            </a:fillRef>
+            <a:effectRef idx="0">
+              <a:schemeClr val="accent1"/>
+            </a:effectRef>
+            <a:fontRef idx="minor">
+              <a:schemeClr val="lt1"/>
+            </a:fontRef>
+          </p:style>
+          <p:txBody>
+            <a:bodyPr rtlCol="0" anchor="ctr"/>
+            <a:lstStyle/>
+            <a:p>
+              <a:pPr algn="ctr"/>
+              <a:endParaRPr lang="zh-CN" altLang="en-US"/>
+            </a:p>
+          </p:txBody>
+        </p:sp>
+        <p:sp>
+          <p:nvSpPr>
+            <p:cNvPr id="44" name="箭头: 下 43">
+              <a:extLst>
+                <a:ext uri="{FF2B5EF4-FFF2-40B4-BE49-F238E27FC236}">
+                  <a16:creationId xmlns:a16="http://schemas.microsoft.com/office/drawing/2014/main" id="{50041818-2D1E-404D-84E0-85EBA785D2CC}"/>
+                </a:ext>
+              </a:extLst>
+            </p:cNvPr>
+            <p:cNvSpPr/>
+            <p:nvPr/>
+          </p:nvSpPr>
+          <p:spPr>
+            <a:xfrm>
+              <a:off x="4943965" y="3624959"/>
+              <a:ext cx="240145" cy="223036"/>
+            </a:xfrm>
+            <a:prstGeom prst="downArrow">
+              <a:avLst/>
+            </a:prstGeom>
+          </p:spPr>
+          <p:style>
+            <a:lnRef idx="2">
+              <a:schemeClr val="accent1">
+                <a:shade val="50000"/>
+              </a:schemeClr>
+            </a:lnRef>
+            <a:fillRef idx="1">
+              <a:schemeClr val="accent1"/>
+            </a:fillRef>
+            <a:effectRef idx="0">
+              <a:schemeClr val="accent1"/>
+            </a:effectRef>
+            <a:fontRef idx="minor">
+              <a:schemeClr val="lt1"/>
+            </a:fontRef>
+          </p:style>
+          <p:txBody>
+            <a:bodyPr rtlCol="0" anchor="ctr"/>
+            <a:lstStyle/>
+            <a:p>
+              <a:pPr algn="ctr"/>
+              <a:endParaRPr lang="zh-CN" altLang="en-US"/>
+            </a:p>
+          </p:txBody>
+        </p:sp>
+        <p:sp>
+          <p:nvSpPr>
+            <p:cNvPr id="45" name="箭头: 下 44">
+              <a:extLst>
+                <a:ext uri="{FF2B5EF4-FFF2-40B4-BE49-F238E27FC236}">
+                  <a16:creationId xmlns:a16="http://schemas.microsoft.com/office/drawing/2014/main" id="{E2BE36B5-48D1-4AA3-B526-21F54E8CCE92}"/>
+                </a:ext>
+              </a:extLst>
+            </p:cNvPr>
+            <p:cNvSpPr/>
+            <p:nvPr/>
+          </p:nvSpPr>
+          <p:spPr>
+            <a:xfrm rot="10800000">
+              <a:off x="5526533" y="3621543"/>
+              <a:ext cx="240145" cy="223036"/>
+            </a:xfrm>
+            <a:prstGeom prst="downArrow">
+              <a:avLst/>
+            </a:prstGeom>
+          </p:spPr>
+          <p:style>
+            <a:lnRef idx="2">
+              <a:schemeClr val="accent1">
+                <a:shade val="50000"/>
+              </a:schemeClr>
+            </a:lnRef>
+            <a:fillRef idx="1">
+              <a:schemeClr val="accent1"/>
+            </a:fillRef>
+            <a:effectRef idx="0">
+              <a:schemeClr val="accent1"/>
+            </a:effectRef>
+            <a:fontRef idx="minor">
+              <a:schemeClr val="lt1"/>
+            </a:fontRef>
+          </p:style>
+          <p:txBody>
+            <a:bodyPr rtlCol="0" anchor="ctr"/>
+            <a:lstStyle/>
+            <a:p>
+              <a:pPr algn="ctr"/>
+              <a:endParaRPr lang="zh-CN" altLang="en-US"/>
+            </a:p>
+          </p:txBody>
+        </p:sp>
+        <p:sp>
+          <p:nvSpPr>
+            <p:cNvPr id="46" name="箭头: 右 45">
+              <a:extLst>
+                <a:ext uri="{FF2B5EF4-FFF2-40B4-BE49-F238E27FC236}">
+                  <a16:creationId xmlns:a16="http://schemas.microsoft.com/office/drawing/2014/main" id="{60301C21-067E-4F2C-91EB-F06761EB6F27}"/>
+                </a:ext>
+              </a:extLst>
+            </p:cNvPr>
+            <p:cNvSpPr/>
+            <p:nvPr/>
+          </p:nvSpPr>
+          <p:spPr>
+            <a:xfrm>
+              <a:off x="7010400" y="4042794"/>
+              <a:ext cx="258618" cy="245487"/>
+            </a:xfrm>
+            <a:prstGeom prst="rightArrow">
+              <a:avLst/>
+            </a:prstGeom>
+          </p:spPr>
+          <p:style>
+            <a:lnRef idx="2">
+              <a:schemeClr val="accent1">
+                <a:shade val="50000"/>
+              </a:schemeClr>
+            </a:lnRef>
+            <a:fillRef idx="1">
+              <a:schemeClr val="accent1"/>
+            </a:fillRef>
+            <a:effectRef idx="0">
+              <a:schemeClr val="accent1"/>
+            </a:effectRef>
+            <a:fontRef idx="minor">
+              <a:schemeClr val="lt1"/>
+            </a:fontRef>
+          </p:style>
+          <p:txBody>
+            <a:bodyPr rtlCol="0" anchor="ctr"/>
+            <a:lstStyle/>
+            <a:p>
+              <a:pPr algn="ctr"/>
+              <a:endParaRPr lang="zh-CN" altLang="en-US"/>
+            </a:p>
+          </p:txBody>
+        </p:sp>
+        <p:sp>
+          <p:nvSpPr>
+            <p:cNvPr id="47" name="箭头: 右 46">
+              <a:extLst>
+                <a:ext uri="{FF2B5EF4-FFF2-40B4-BE49-F238E27FC236}">
+                  <a16:creationId xmlns:a16="http://schemas.microsoft.com/office/drawing/2014/main" id="{00A51A25-B1F5-4EDB-838D-EFE0C2FA68CD}"/>
+                </a:ext>
+              </a:extLst>
+            </p:cNvPr>
+            <p:cNvSpPr/>
+            <p:nvPr/>
+          </p:nvSpPr>
+          <p:spPr>
+            <a:xfrm>
+              <a:off x="3683602" y="4046884"/>
+              <a:ext cx="258618" cy="245487"/>
+            </a:xfrm>
+            <a:prstGeom prst="rightArrow">
+              <a:avLst/>
+            </a:prstGeom>
+          </p:spPr>
+          <p:style>
+            <a:lnRef idx="2">
+              <a:schemeClr val="accent1">
+                <a:shade val="50000"/>
+              </a:schemeClr>
+            </a:lnRef>
+            <a:fillRef idx="1">
+              <a:schemeClr val="accent1"/>
+            </a:fillRef>
+            <a:effectRef idx="0">
+              <a:schemeClr val="accent1"/>
+            </a:effectRef>
+            <a:fontRef idx="minor">
+              <a:schemeClr val="lt1"/>
+            </a:fontRef>
+          </p:style>
+          <p:txBody>
+            <a:bodyPr rtlCol="0" anchor="ctr"/>
+            <a:lstStyle/>
+            <a:p>
+              <a:pPr algn="ctr"/>
+              <a:endParaRPr lang="zh-CN" altLang="en-US"/>
+            </a:p>
+          </p:txBody>
+        </p:sp>
+      </p:grpSp>
+      <p:sp>
+        <p:nvSpPr>
+          <p:cNvPr id="49" name="矩形 48">
+            <a:extLst>
+              <a:ext uri="{FF2B5EF4-FFF2-40B4-BE49-F238E27FC236}">
+                <a16:creationId xmlns:a16="http://schemas.microsoft.com/office/drawing/2014/main" id="{BEDEEA9F-96DB-4420-8954-25530691B460}"/>
+              </a:ext>
+            </a:extLst>
+          </p:cNvPr>
+          <p:cNvSpPr/>
+          <p:nvPr/>
+        </p:nvSpPr>
+        <p:spPr>
+          <a:xfrm>
+            <a:off x="386220" y="4789758"/>
+            <a:ext cx="11547161" cy="1200329"/>
+          </a:xfrm>
+          <a:prstGeom prst="rect">
+            <a:avLst/>
+          </a:prstGeom>
+        </p:spPr>
+        <p:txBody>
+          <a:bodyPr wrap="square">
+            <a:spAutoFit/>
+          </a:bodyPr>
+          <a:lstStyle/>
+          <a:p>
+            <a:r>
+              <a:rPr lang="zh-CN" altLang="en-US" sz="1200" b="1" dirty="0">
+                <a:solidFill>
+                  <a:srgbClr val="333333"/>
+                </a:solidFill>
+              </a:rPr>
+              <a:t>堆（</a:t>
+            </a:r>
+            <a:r>
+              <a:rPr lang="en-US" altLang="zh-CN" sz="1200" b="1" dirty="0">
+                <a:solidFill>
+                  <a:srgbClr val="333333"/>
+                </a:solidFill>
+              </a:rPr>
+              <a:t>Heap</a:t>
+            </a:r>
+            <a:r>
+              <a:rPr lang="zh-CN" altLang="en-US" sz="1200" b="1" dirty="0">
+                <a:solidFill>
+                  <a:srgbClr val="333333"/>
+                </a:solidFill>
+              </a:rPr>
+              <a:t>）：</a:t>
+            </a:r>
+            <a:r>
+              <a:rPr lang="en-US" altLang="zh-CN" sz="1200" b="1" dirty="0">
+                <a:solidFill>
+                  <a:srgbClr val="333333"/>
+                </a:solidFill>
+              </a:rPr>
+              <a:t>Java</a:t>
+            </a:r>
+            <a:r>
+              <a:rPr lang="zh-CN" altLang="en-US" sz="1200" b="1" dirty="0">
+                <a:solidFill>
+                  <a:srgbClr val="333333"/>
+                </a:solidFill>
+              </a:rPr>
+              <a:t>对象存储的地方</a:t>
+            </a:r>
+            <a:endParaRPr lang="zh-CN" altLang="en-US" sz="1200" b="1" dirty="0"/>
+          </a:p>
+          <a:p>
+            <a:r>
+              <a:rPr lang="zh-CN" altLang="en-US" sz="1200" dirty="0">
+                <a:solidFill>
+                  <a:srgbClr val="333333"/>
+                </a:solidFill>
+              </a:rPr>
+              <a:t>（</a:t>
+            </a:r>
+            <a:r>
+              <a:rPr lang="en-US" altLang="zh-CN" sz="1200" dirty="0">
+                <a:solidFill>
+                  <a:srgbClr val="333333"/>
+                </a:solidFill>
+              </a:rPr>
+              <a:t>1</a:t>
+            </a:r>
+            <a:r>
+              <a:rPr lang="zh-CN" altLang="en-US" sz="1200" dirty="0">
+                <a:solidFill>
+                  <a:srgbClr val="333333"/>
+                </a:solidFill>
+              </a:rPr>
+              <a:t>）</a:t>
+            </a:r>
+            <a:r>
+              <a:rPr lang="en-US" altLang="zh-CN" sz="1200" dirty="0">
+                <a:solidFill>
+                  <a:srgbClr val="333333"/>
+                </a:solidFill>
+              </a:rPr>
+              <a:t>Java</a:t>
+            </a:r>
+            <a:r>
+              <a:rPr lang="zh-CN" altLang="en-US" sz="1200" dirty="0">
+                <a:solidFill>
+                  <a:srgbClr val="333333"/>
+                </a:solidFill>
+              </a:rPr>
+              <a:t>堆是虚拟机管理的内存中最大的一块</a:t>
+            </a:r>
+            <a:endParaRPr lang="zh-CN" altLang="en-US" sz="1200" dirty="0"/>
+          </a:p>
+          <a:p>
+            <a:r>
+              <a:rPr lang="zh-CN" altLang="en-US" sz="1200" dirty="0">
+                <a:solidFill>
+                  <a:srgbClr val="333333"/>
+                </a:solidFill>
+              </a:rPr>
+              <a:t>（</a:t>
+            </a:r>
+            <a:r>
+              <a:rPr lang="en-US" altLang="zh-CN" sz="1200" dirty="0">
+                <a:solidFill>
+                  <a:srgbClr val="333333"/>
+                </a:solidFill>
+              </a:rPr>
+              <a:t>2</a:t>
+            </a:r>
+            <a:r>
+              <a:rPr lang="zh-CN" altLang="en-US" sz="1200" dirty="0">
+                <a:solidFill>
+                  <a:srgbClr val="333333"/>
+                </a:solidFill>
+              </a:rPr>
+              <a:t>）</a:t>
+            </a:r>
+            <a:r>
+              <a:rPr lang="en-US" altLang="zh-CN" sz="1200" dirty="0">
+                <a:solidFill>
+                  <a:srgbClr val="333333"/>
+                </a:solidFill>
+              </a:rPr>
+              <a:t>Java</a:t>
+            </a:r>
+            <a:r>
+              <a:rPr lang="zh-CN" altLang="en-US" sz="1200" dirty="0">
+                <a:solidFill>
+                  <a:srgbClr val="333333"/>
+                </a:solidFill>
+              </a:rPr>
+              <a:t>堆是所有线程共享的区域</a:t>
+            </a:r>
+            <a:endParaRPr lang="zh-CN" altLang="en-US" sz="1200" dirty="0"/>
+          </a:p>
+          <a:p>
+            <a:r>
+              <a:rPr lang="zh-CN" altLang="en-US" sz="1200" dirty="0">
+                <a:solidFill>
+                  <a:srgbClr val="333333"/>
+                </a:solidFill>
+              </a:rPr>
+              <a:t>（</a:t>
+            </a:r>
+            <a:r>
+              <a:rPr lang="en-US" altLang="zh-CN" sz="1200" dirty="0">
+                <a:solidFill>
+                  <a:srgbClr val="333333"/>
+                </a:solidFill>
+              </a:rPr>
+              <a:t>3</a:t>
+            </a:r>
+            <a:r>
+              <a:rPr lang="zh-CN" altLang="en-US" sz="1200" dirty="0">
+                <a:solidFill>
+                  <a:srgbClr val="333333"/>
+                </a:solidFill>
+              </a:rPr>
+              <a:t>）在虚拟机启动时创建</a:t>
+            </a:r>
+            <a:endParaRPr lang="zh-CN" altLang="en-US" sz="1200" dirty="0"/>
+          </a:p>
+          <a:p>
+            <a:r>
+              <a:rPr lang="zh-CN" altLang="en-US" sz="1200" dirty="0">
+                <a:solidFill>
+                  <a:srgbClr val="333333"/>
+                </a:solidFill>
+              </a:rPr>
+              <a:t>（</a:t>
+            </a:r>
+            <a:r>
+              <a:rPr lang="en-US" altLang="zh-CN" sz="1200" dirty="0">
+                <a:solidFill>
+                  <a:srgbClr val="333333"/>
+                </a:solidFill>
+              </a:rPr>
+              <a:t>4</a:t>
+            </a:r>
+            <a:r>
+              <a:rPr lang="zh-CN" altLang="en-US" sz="1200" dirty="0">
+                <a:solidFill>
+                  <a:srgbClr val="333333"/>
+                </a:solidFill>
+              </a:rPr>
+              <a:t>）此内存区域的唯一目的就是存放对象实例，几乎所有对象实例都在这里分配内存。存放</a:t>
+            </a:r>
+            <a:r>
+              <a:rPr lang="en-US" altLang="zh-CN" sz="1200" dirty="0">
+                <a:solidFill>
+                  <a:srgbClr val="333333"/>
+                </a:solidFill>
+              </a:rPr>
+              <a:t>new</a:t>
+            </a:r>
+            <a:r>
+              <a:rPr lang="zh-CN" altLang="en-US" sz="1200" dirty="0">
+                <a:solidFill>
+                  <a:srgbClr val="333333"/>
+                </a:solidFill>
+              </a:rPr>
+              <a:t>生成的对象和数组</a:t>
+            </a:r>
+            <a:endParaRPr lang="zh-CN" altLang="en-US" sz="1200" dirty="0"/>
+          </a:p>
+          <a:p>
+            <a:r>
+              <a:rPr lang="zh-CN" altLang="en-US" sz="1200" dirty="0">
+                <a:solidFill>
+                  <a:srgbClr val="333333"/>
+                </a:solidFill>
+              </a:rPr>
+              <a:t>（</a:t>
+            </a:r>
+            <a:r>
+              <a:rPr lang="en-US" altLang="zh-CN" sz="1200" dirty="0">
+                <a:solidFill>
+                  <a:srgbClr val="333333"/>
+                </a:solidFill>
+              </a:rPr>
+              <a:t>5</a:t>
+            </a:r>
+            <a:r>
+              <a:rPr lang="zh-CN" altLang="en-US" sz="1200" dirty="0">
+                <a:solidFill>
+                  <a:srgbClr val="333333"/>
+                </a:solidFill>
+              </a:rPr>
+              <a:t>）</a:t>
+            </a:r>
+            <a:r>
+              <a:rPr lang="en-US" altLang="zh-CN" sz="1200" dirty="0">
+                <a:solidFill>
+                  <a:srgbClr val="333333"/>
+                </a:solidFill>
+              </a:rPr>
+              <a:t>Java</a:t>
+            </a:r>
+            <a:r>
+              <a:rPr lang="zh-CN" altLang="en-US" sz="1200" dirty="0">
+                <a:solidFill>
+                  <a:srgbClr val="333333"/>
+                </a:solidFill>
+              </a:rPr>
+              <a:t>堆是垃圾收集器管理的内存区域，因此很多时候称为“</a:t>
+            </a:r>
+            <a:r>
+              <a:rPr lang="en-US" altLang="zh-CN" sz="1200" dirty="0">
+                <a:solidFill>
+                  <a:srgbClr val="333333"/>
+                </a:solidFill>
+              </a:rPr>
+              <a:t>GC</a:t>
+            </a:r>
+            <a:r>
+              <a:rPr lang="zh-CN" altLang="en-US" sz="1200" dirty="0">
+                <a:solidFill>
+                  <a:srgbClr val="333333"/>
+                </a:solidFill>
+              </a:rPr>
+              <a:t>堆”</a:t>
+            </a:r>
+            <a:endParaRPr lang="zh-CN" altLang="en-US" sz="1200" dirty="0">
+              <a:effectLst/>
+            </a:endParaRPr>
+          </a:p>
+        </p:txBody>
+      </p:sp>
+    </p:spTree>
+    <p:extLst>
+      <p:ext uri="{BB962C8B-B14F-4D97-AF65-F5344CB8AC3E}">
+        <p14:creationId xmlns:p14="http://schemas.microsoft.com/office/powerpoint/2010/main" val="4287609951"/>
+      </p:ext>
+    </p:extLst>
+  </p:cSld>
+  <p:clrMapOvr>
+    <a:masterClrMapping/>
+  </p:clrMapOvr>
+</p:sld>
+</file>
+
 <file path=ppt/theme/theme1.xml><?xml version="1.0" encoding="utf-8"?>
 <a:theme xmlns:a="http://schemas.openxmlformats.org/drawingml/2006/main" name="Office 主题​​">
   <a:themeElements>
@@ -7141,4 +9683,299 @@
     </a:ext>
   </a:extLst>
 </a:theme>
+</file>
+
+<file path=ppt/theme/theme2.xml><?xml version="1.0" encoding="utf-8"?>
+<a:theme xmlns:a="http://schemas.openxmlformats.org/drawingml/2006/main" name="Office 主题​​">
+  <a:themeElements>
+    <a:clrScheme name="Office">
+      <a:dk1>
+        <a:sysClr val="windowText" lastClr="000000"/>
+      </a:dk1>
+      <a:lt1>
+        <a:sysClr val="window" lastClr="FFFFFF"/>
+      </a:lt1>
+      <a:dk2>
+        <a:srgbClr val="44546A"/>
+      </a:dk2>
+      <a:lt2>
+        <a:srgbClr val="E7E6E6"/>
+      </a:lt2>
+      <a:accent1>
+        <a:srgbClr val="4472C4"/>
+      </a:accent1>
+      <a:accent2>
+        <a:srgbClr val="ED7D31"/>
+      </a:accent2>
+      <a:accent3>
+        <a:srgbClr val="A5A5A5"/>
+      </a:accent3>
+      <a:accent4>
+        <a:srgbClr val="FFC000"/>
+      </a:accent4>
+      <a:accent5>
+        <a:srgbClr val="5B9BD5"/>
+      </a:accent5>
+      <a:accent6>
+        <a:srgbClr val="70AD47"/>
+      </a:accent6>
+      <a:hlink>
+        <a:srgbClr val="0563C1"/>
+      </a:hlink>
+      <a:folHlink>
+        <a:srgbClr val="954F72"/>
+      </a:folHlink>
+    </a:clrScheme>
+    <a:fontScheme name="Office">
+      <a:majorFont>
+        <a:latin typeface="等线 Light" panose="020F0302020204030204"/>
+        <a:ea typeface=""/>
+        <a:cs typeface=""/>
+        <a:font script="Jpan" typeface="游ゴシック Light"/>
+        <a:font script="Hang" typeface="맑은 고딕"/>
+        <a:font script="Hans" typeface="等线 Light"/>
+        <a:font script="Hant" typeface="新細明體"/>
+        <a:font script="Arab" typeface="Times New Roman"/>
+        <a:font script="Hebr" typeface="Times New Roman"/>
+        <a:font script="Thai" typeface="Angsana New"/>
+        <a:font script="Ethi" typeface="Nyala"/>
+        <a:font script="Beng" typeface="Vrinda"/>
+        <a:font script="Gujr" typeface="Shruti"/>
+        <a:font script="Khmr" typeface="MoolBoran"/>
+        <a:font script="Knda" typeface="Tunga"/>
+        <a:font script="Guru" typeface="Raavi"/>
+        <a:font script="Cans" typeface="Euphemia"/>
+        <a:font script="Cher" typeface="Plantagenet Cherokee"/>
+        <a:font script="Yiii" typeface="Microsoft Yi Baiti"/>
+        <a:font script="Tibt" typeface="Microsoft Himalaya"/>
+        <a:font script="Thaa" typeface="MV Boli"/>
+        <a:font script="Deva" typeface="Mangal"/>
+        <a:font script="Telu" typeface="Gautami"/>
+        <a:font script="Taml" typeface="Latha"/>
+        <a:font script="Syrc" typeface="Estrangelo Edessa"/>
+        <a:font script="Orya" typeface="Kalinga"/>
+        <a:font script="Mlym" typeface="Kartika"/>
+        <a:font script="Laoo" typeface="DokChampa"/>
+        <a:font script="Sinh" typeface="Iskoola Pota"/>
+        <a:font script="Mong" typeface="Mongolian Baiti"/>
+        <a:font script="Viet" typeface="Times New Roman"/>
+        <a:font script="Uigh" typeface="Microsoft Uighur"/>
+        <a:font script="Geor" typeface="Sylfaen"/>
+        <a:font script="Armn" typeface="Arial"/>
+        <a:font script="Bugi" typeface="Leelawadee UI"/>
+        <a:font script="Bopo" typeface="Microsoft JhengHei"/>
+        <a:font script="Java" typeface="Javanese Text"/>
+        <a:font script="Lisu" typeface="Segoe UI"/>
+        <a:font script="Mymr" typeface="Myanmar Text"/>
+        <a:font script="Nkoo" typeface="Ebrima"/>
+        <a:font script="Olck" typeface="Nirmala UI"/>
+        <a:font script="Osma" typeface="Ebrima"/>
+        <a:font script="Phag" typeface="Phagspa"/>
+        <a:font script="Syrn" typeface="Estrangelo Edessa"/>
+        <a:font script="Syrj" typeface="Estrangelo Edessa"/>
+        <a:font script="Syre" typeface="Estrangelo Edessa"/>
+        <a:font script="Sora" typeface="Nirmala UI"/>
+        <a:font script="Tale" typeface="Microsoft Tai Le"/>
+        <a:font script="Talu" typeface="Microsoft New Tai Lue"/>
+        <a:font script="Tfng" typeface="Ebrima"/>
+      </a:majorFont>
+      <a:minorFont>
+        <a:latin typeface="等线" panose="020F0502020204030204"/>
+        <a:ea typeface=""/>
+        <a:cs typeface=""/>
+        <a:font script="Jpan" typeface="游ゴシック"/>
+        <a:font script="Hang" typeface="맑은 고딕"/>
+        <a:font script="Hans" typeface="等线"/>
+        <a:font script="Hant" typeface="新細明體"/>
+        <a:font script="Arab" typeface="Arial"/>
+        <a:font script="Hebr" typeface="Arial"/>
+        <a:font script="Thai" typeface="Cordia New"/>
+        <a:font script="Ethi" typeface="Nyala"/>
+        <a:font script="Beng" typeface="Vrinda"/>
+        <a:font script="Gujr" typeface="Shruti"/>
+        <a:font script="Khmr" typeface="DaunPenh"/>
+        <a:font script="Knda" typeface="Tunga"/>
+        <a:font script="Guru" typeface="Raavi"/>
+        <a:font script="Cans" typeface="Euphemia"/>
+        <a:font script="Cher" typeface="Plantagenet Cherokee"/>
+        <a:font script="Yiii" typeface="Microsoft Yi Baiti"/>
+        <a:font script="Tibt" typeface="Microsoft Himalaya"/>
+        <a:font script="Thaa" typeface="MV Boli"/>
+        <a:font script="Deva" typeface="Mangal"/>
+        <a:font script="Telu" typeface="Gautami"/>
+        <a:font script="Taml" typeface="Latha"/>
+        <a:font script="Syrc" typeface="Estrangelo Edessa"/>
+        <a:font script="Orya" typeface="Kalinga"/>
+        <a:font script="Mlym" typeface="Kartika"/>
+        <a:font script="Laoo" typeface="DokChampa"/>
+        <a:font script="Sinh" typeface="Iskoola Pota"/>
+        <a:font script="Mong" typeface="Mongolian Baiti"/>
+        <a:font script="Viet" typeface="Arial"/>
+        <a:font script="Uigh" typeface="Microsoft Uighur"/>
+        <a:font script="Geor" typeface="Sylfaen"/>
+        <a:font script="Armn" typeface="Arial"/>
+        <a:font script="Bugi" typeface="Leelawadee UI"/>
+        <a:font script="Bopo" typeface="Microsoft JhengHei"/>
+        <a:font script="Java" typeface="Javanese Text"/>
+        <a:font script="Lisu" typeface="Segoe UI"/>
+        <a:font script="Mymr" typeface="Myanmar Text"/>
+        <a:font script="Nkoo" typeface="Ebrima"/>
+        <a:font script="Olck" typeface="Nirmala UI"/>
+        <a:font script="Osma" typeface="Ebrima"/>
+        <a:font script="Phag" typeface="Phagspa"/>
+        <a:font script="Syrn" typeface="Estrangelo Edessa"/>
+        <a:font script="Syrj" typeface="Estrangelo Edessa"/>
+        <a:font script="Syre" typeface="Estrangelo Edessa"/>
+        <a:font script="Sora" typeface="Nirmala UI"/>
+        <a:font script="Tale" typeface="Microsoft Tai Le"/>
+        <a:font script="Talu" typeface="Microsoft New Tai Lue"/>
+        <a:font script="Tfng" typeface="Ebrima"/>
+      </a:minorFont>
+    </a:fontScheme>
+    <a:fmtScheme name="Office">
+      <a:fillStyleLst>
+        <a:solidFill>
+          <a:schemeClr val="phClr"/>
+        </a:solidFill>
+        <a:gradFill rotWithShape="1">
+          <a:gsLst>
+            <a:gs pos="0">
+              <a:schemeClr val="phClr">
+                <a:lumMod val="110000"/>
+                <a:satMod val="105000"/>
+                <a:tint val="67000"/>
+              </a:schemeClr>
+            </a:gs>
+            <a:gs pos="50000">
+              <a:schemeClr val="phClr">
+                <a:lumMod val="105000"/>
+                <a:satMod val="103000"/>
+                <a:tint val="73000"/>
+              </a:schemeClr>
+            </a:gs>
+            <a:gs pos="100000">
+              <a:schemeClr val="phClr">
+                <a:lumMod val="105000"/>
+                <a:satMod val="109000"/>
+                <a:tint val="81000"/>
+              </a:schemeClr>
+            </a:gs>
+          </a:gsLst>
+          <a:lin ang="5400000" scaled="0"/>
+        </a:gradFill>
+        <a:gradFill rotWithShape="1">
+          <a:gsLst>
+            <a:gs pos="0">
+              <a:schemeClr val="phClr">
+                <a:satMod val="103000"/>
+                <a:lumMod val="102000"/>
+                <a:tint val="94000"/>
+              </a:schemeClr>
+            </a:gs>
+            <a:gs pos="50000">
+              <a:schemeClr val="phClr">
+                <a:satMod val="110000"/>
+                <a:lumMod val="100000"/>
+                <a:shade val="100000"/>
+              </a:schemeClr>
+            </a:gs>
+            <a:gs pos="100000">
+              <a:schemeClr val="phClr">
+                <a:lumMod val="99000"/>
+                <a:satMod val="120000"/>
+                <a:shade val="78000"/>
+              </a:schemeClr>
+            </a:gs>
+          </a:gsLst>
+          <a:lin ang="5400000" scaled="0"/>
+        </a:gradFill>
+      </a:fillStyleLst>
+      <a:lnStyleLst>
+        <a:ln w="6350" cap="flat" cmpd="sng" algn="ctr">
+          <a:solidFill>
+            <a:schemeClr val="phClr"/>
+          </a:solidFill>
+          <a:prstDash val="solid"/>
+          <a:miter lim="800000"/>
+        </a:ln>
+        <a:ln w="12700" cap="flat" cmpd="sng" algn="ctr">
+          <a:solidFill>
+            <a:schemeClr val="phClr"/>
+          </a:solidFill>
+          <a:prstDash val="solid"/>
+          <a:miter lim="800000"/>
+        </a:ln>
+        <a:ln w="19050" cap="flat" cmpd="sng" algn="ctr">
+          <a:solidFill>
+            <a:schemeClr val="phClr"/>
+          </a:solidFill>
+          <a:prstDash val="solid"/>
+          <a:miter lim="800000"/>
+        </a:ln>
+      </a:lnStyleLst>
+      <a:effectStyleLst>
+        <a:effectStyle>
+          <a:effectLst/>
+        </a:effectStyle>
+        <a:effectStyle>
+          <a:effectLst/>
+        </a:effectStyle>
+        <a:effectStyle>
+          <a:effectLst>
+            <a:outerShdw blurRad="57150" dist="19050" dir="5400000" algn="ctr" rotWithShape="0">
+              <a:srgbClr val="000000">
+                <a:alpha val="63000"/>
+              </a:srgbClr>
+            </a:outerShdw>
+          </a:effectLst>
+        </a:effectStyle>
+      </a:effectStyleLst>
+      <a:bgFillStyleLst>
+        <a:solidFill>
+          <a:schemeClr val="phClr"/>
+        </a:solidFill>
+        <a:solidFill>
+          <a:schemeClr val="phClr">
+            <a:tint val="95000"/>
+            <a:satMod val="170000"/>
+          </a:schemeClr>
+        </a:solidFill>
+        <a:gradFill rotWithShape="1">
+          <a:gsLst>
+            <a:gs pos="0">
+              <a:schemeClr val="phClr">
+                <a:tint val="93000"/>
+                <a:satMod val="150000"/>
+                <a:shade val="98000"/>
+                <a:lumMod val="102000"/>
+              </a:schemeClr>
+            </a:gs>
+            <a:gs pos="50000">
+              <a:schemeClr val="phClr">
+                <a:tint val="98000"/>
+                <a:satMod val="130000"/>
+                <a:shade val="90000"/>
+                <a:lumMod val="103000"/>
+              </a:schemeClr>
+            </a:gs>
+            <a:gs pos="100000">
+              <a:schemeClr val="phClr">
+                <a:shade val="63000"/>
+                <a:satMod val="120000"/>
+              </a:schemeClr>
+            </a:gs>
+          </a:gsLst>
+          <a:lin ang="5400000" scaled="0"/>
+        </a:gradFill>
+      </a:bgFillStyleLst>
+    </a:fmtScheme>
+  </a:themeElements>
+  <a:objectDefaults/>
+  <a:extraClrSchemeLst/>
+  <a:extLst>
+    <a:ext uri="{05A4C25C-085E-4340-85A3-A5531E510DB2}">
+      <thm15:themeFamily xmlns:thm15="http://schemas.microsoft.com/office/thememl/2012/main" name="Office Theme" id="{62F939B6-93AF-4DB8-9C6B-D6C7DFDC589F}" vid="{4A3C46E8-61CC-4603-A589-7422A47A8E4A}"/>
+    </a:ext>
+  </a:extLst>
+</a:theme>
 </file>
--- a/Java.pptx
+++ b/Java.pptx
@@ -5,12 +5,15 @@
     <p:sldMasterId id="2147483648" r:id="rId1"/>
   </p:sldMasterIdLst>
   <p:notesMasterIdLst>
-    <p:notesMasterId r:id="rId5"/>
+    <p:notesMasterId r:id="rId8"/>
   </p:notesMasterIdLst>
   <p:sldIdLst>
     <p:sldId id="256" r:id="rId2"/>
     <p:sldId id="257" r:id="rId3"/>
     <p:sldId id="258" r:id="rId4"/>
+    <p:sldId id="259" r:id="rId5"/>
+    <p:sldId id="261" r:id="rId6"/>
+    <p:sldId id="260" r:id="rId7"/>
   </p:sldIdLst>
   <p:sldSz cx="12192000" cy="6858000"/>
   <p:notesSz cx="6858000" cy="9144000"/>
@@ -199,7 +202,7 @@
           <a:p>
             <a:fld id="{DA138970-91FA-43C7-A2C4-4F47DFBC178E}" type="datetimeFigureOut">
               <a:rPr lang="zh-CN" altLang="en-US" smtClean="0"/>
-              <a:t>2019/4/11</a:t>
+              <a:t>2019/4/12</a:t>
             </a:fld>
             <a:endParaRPr lang="zh-CN" altLang="en-US"/>
           </a:p>
@@ -550,6 +553,1318 @@
 </p:notes>
 </file>
 
+<file path=ppt/notesSlides/notesSlide2.xml><?xml version="1.0" encoding="utf-8"?>
+<p:notes xmlns:a="http://schemas.openxmlformats.org/drawingml/2006/main" xmlns:r="http://schemas.openxmlformats.org/officeDocument/2006/relationships" xmlns:p="http://schemas.openxmlformats.org/presentationml/2006/main">
+  <p:cSld>
+    <p:spTree>
+      <p:nvGrpSpPr>
+        <p:cNvPr id="1" name=""/>
+        <p:cNvGrpSpPr/>
+        <p:nvPr/>
+      </p:nvGrpSpPr>
+      <p:grpSpPr>
+        <a:xfrm>
+          <a:off x="0" y="0"/>
+          <a:ext cx="0" cy="0"/>
+          <a:chOff x="0" y="0"/>
+          <a:chExt cx="0" cy="0"/>
+        </a:xfrm>
+      </p:grpSpPr>
+      <p:sp>
+        <p:nvSpPr>
+          <p:cNvPr id="2" name="幻灯片图像占位符 1"/>
+          <p:cNvSpPr>
+            <a:spLocks noGrp="1" noRot="1" noChangeAspect="1"/>
+          </p:cNvSpPr>
+          <p:nvPr>
+            <p:ph type="sldImg"/>
+          </p:nvPr>
+        </p:nvSpPr>
+        <p:spPr/>
+      </p:sp>
+      <p:sp>
+        <p:nvSpPr>
+          <p:cNvPr id="3" name="备注占位符 2"/>
+          <p:cNvSpPr>
+            <a:spLocks noGrp="1"/>
+          </p:cNvSpPr>
+          <p:nvPr>
+            <p:ph type="body" idx="1"/>
+          </p:nvPr>
+        </p:nvSpPr>
+        <p:spPr/>
+        <p:txBody>
+          <a:bodyPr/>
+          <a:lstStyle/>
+          <a:p>
+            <a:r>
+              <a:rPr lang="zh-CN" altLang="en-US" sz="1200" b="1" kern="1200" dirty="0">
+                <a:solidFill>
+                  <a:schemeClr val="tx1"/>
+                </a:solidFill>
+                <a:effectLst/>
+                <a:latin typeface="+mn-lt"/>
+                <a:ea typeface="+mn-ea"/>
+                <a:cs typeface="+mn-cs"/>
+              </a:rPr>
+              <a:t>年轻代（</a:t>
+            </a:r>
+            <a:r>
+              <a:rPr lang="en-US" altLang="zh-CN" sz="1200" b="1" kern="1200" dirty="0">
+                <a:solidFill>
+                  <a:schemeClr val="tx1"/>
+                </a:solidFill>
+                <a:effectLst/>
+                <a:latin typeface="+mn-lt"/>
+                <a:ea typeface="+mn-ea"/>
+                <a:cs typeface="+mn-cs"/>
+              </a:rPr>
+              <a:t>Young Generation</a:t>
+            </a:r>
+            <a:r>
+              <a:rPr lang="zh-CN" altLang="en-US" sz="1200" b="1" kern="1200" dirty="0">
+                <a:solidFill>
+                  <a:schemeClr val="tx1"/>
+                </a:solidFill>
+                <a:effectLst/>
+                <a:latin typeface="+mn-lt"/>
+                <a:ea typeface="+mn-ea"/>
+                <a:cs typeface="+mn-cs"/>
+              </a:rPr>
+              <a:t>）的回收算法 </a:t>
+            </a:r>
+            <a:r>
+              <a:rPr lang="en-US" altLang="zh-CN" sz="1200" b="1" kern="1200" dirty="0">
+                <a:solidFill>
+                  <a:schemeClr val="tx1"/>
+                </a:solidFill>
+                <a:effectLst/>
+                <a:latin typeface="+mn-lt"/>
+                <a:ea typeface="+mn-ea"/>
+                <a:cs typeface="+mn-cs"/>
+              </a:rPr>
+              <a:t>(</a:t>
+            </a:r>
+            <a:r>
+              <a:rPr lang="zh-CN" altLang="en-US" sz="1200" b="1" kern="1200" dirty="0">
+                <a:solidFill>
+                  <a:schemeClr val="tx1"/>
+                </a:solidFill>
+                <a:effectLst/>
+                <a:latin typeface="+mn-lt"/>
+                <a:ea typeface="+mn-ea"/>
+                <a:cs typeface="+mn-cs"/>
+              </a:rPr>
+              <a:t>回收主要以</a:t>
+            </a:r>
+            <a:r>
+              <a:rPr lang="en-US" altLang="zh-CN" sz="1200" b="1" kern="1200" dirty="0">
+                <a:solidFill>
+                  <a:schemeClr val="tx1"/>
+                </a:solidFill>
+                <a:effectLst/>
+                <a:latin typeface="+mn-lt"/>
+                <a:ea typeface="+mn-ea"/>
+                <a:cs typeface="+mn-cs"/>
+              </a:rPr>
+              <a:t>Copying</a:t>
+            </a:r>
+            <a:r>
+              <a:rPr lang="zh-CN" altLang="en-US" sz="1200" b="1" kern="1200" dirty="0">
+                <a:solidFill>
+                  <a:schemeClr val="tx1"/>
+                </a:solidFill>
+                <a:effectLst/>
+                <a:latin typeface="+mn-lt"/>
+                <a:ea typeface="+mn-ea"/>
+                <a:cs typeface="+mn-cs"/>
+              </a:rPr>
+              <a:t>为主</a:t>
+            </a:r>
+            <a:r>
+              <a:rPr lang="en-US" altLang="zh-CN" sz="1200" b="1" kern="1200" dirty="0">
+                <a:solidFill>
+                  <a:schemeClr val="tx1"/>
+                </a:solidFill>
+                <a:effectLst/>
+                <a:latin typeface="+mn-lt"/>
+                <a:ea typeface="+mn-ea"/>
+                <a:cs typeface="+mn-cs"/>
+              </a:rPr>
+              <a:t>)</a:t>
+            </a:r>
+            <a:endParaRPr lang="zh-CN" altLang="en-US" dirty="0">
+              <a:effectLst/>
+            </a:endParaRPr>
+          </a:p>
+          <a:p>
+            <a:r>
+              <a:rPr lang="en-US" altLang="zh-CN" sz="1200" kern="1200" dirty="0">
+                <a:solidFill>
+                  <a:schemeClr val="tx1"/>
+                </a:solidFill>
+                <a:effectLst/>
+                <a:latin typeface="+mn-lt"/>
+                <a:ea typeface="+mn-ea"/>
+                <a:cs typeface="+mn-cs"/>
+              </a:rPr>
+              <a:t>a) </a:t>
+            </a:r>
+            <a:r>
+              <a:rPr lang="zh-CN" altLang="en-US" sz="1200" kern="1200" dirty="0">
+                <a:solidFill>
+                  <a:schemeClr val="tx1"/>
+                </a:solidFill>
+                <a:effectLst/>
+                <a:latin typeface="+mn-lt"/>
+                <a:ea typeface="+mn-ea"/>
+                <a:cs typeface="+mn-cs"/>
+              </a:rPr>
+              <a:t>所有新生成的对象首先都是放在年轻代的。年轻代的目标就是尽可能快速的收集掉那些生命周期短的对象。</a:t>
+            </a:r>
+            <a:endParaRPr lang="zh-CN" altLang="en-US" dirty="0">
+              <a:effectLst/>
+            </a:endParaRPr>
+          </a:p>
+          <a:p>
+            <a:r>
+              <a:rPr lang="en-US" altLang="zh-CN" sz="1200" kern="1200" dirty="0">
+                <a:solidFill>
+                  <a:schemeClr val="tx1"/>
+                </a:solidFill>
+                <a:effectLst/>
+                <a:latin typeface="+mn-lt"/>
+                <a:ea typeface="+mn-ea"/>
+                <a:cs typeface="+mn-cs"/>
+              </a:rPr>
+              <a:t>b) </a:t>
+            </a:r>
+            <a:r>
+              <a:rPr lang="zh-CN" altLang="en-US" sz="1200" kern="1200" dirty="0">
+                <a:solidFill>
+                  <a:schemeClr val="tx1"/>
+                </a:solidFill>
+                <a:effectLst/>
+                <a:latin typeface="+mn-lt"/>
+                <a:ea typeface="+mn-ea"/>
+                <a:cs typeface="+mn-cs"/>
+              </a:rPr>
+              <a:t>新生代内存按照</a:t>
+            </a:r>
+            <a:r>
+              <a:rPr lang="en-US" altLang="zh-CN" sz="1200" kern="1200" dirty="0">
+                <a:solidFill>
+                  <a:schemeClr val="tx1"/>
+                </a:solidFill>
+                <a:effectLst/>
+                <a:latin typeface="+mn-lt"/>
+                <a:ea typeface="+mn-ea"/>
+                <a:cs typeface="+mn-cs"/>
+              </a:rPr>
+              <a:t>8:1:1</a:t>
+            </a:r>
+            <a:r>
+              <a:rPr lang="zh-CN" altLang="en-US" sz="1200" kern="1200" dirty="0">
+                <a:solidFill>
+                  <a:schemeClr val="tx1"/>
+                </a:solidFill>
+                <a:effectLst/>
+                <a:latin typeface="+mn-lt"/>
+                <a:ea typeface="+mn-ea"/>
+                <a:cs typeface="+mn-cs"/>
+              </a:rPr>
+              <a:t>的比例分为一个</a:t>
+            </a:r>
+            <a:r>
+              <a:rPr lang="en-US" altLang="zh-CN" sz="1200" kern="1200" dirty="0" err="1">
+                <a:solidFill>
+                  <a:schemeClr val="tx1"/>
+                </a:solidFill>
+                <a:effectLst/>
+                <a:latin typeface="+mn-lt"/>
+                <a:ea typeface="+mn-ea"/>
+                <a:cs typeface="+mn-cs"/>
+              </a:rPr>
+              <a:t>eden</a:t>
+            </a:r>
+            <a:r>
+              <a:rPr lang="zh-CN" altLang="en-US" sz="1200" kern="1200" dirty="0">
+                <a:solidFill>
+                  <a:schemeClr val="tx1"/>
+                </a:solidFill>
+                <a:effectLst/>
+                <a:latin typeface="+mn-lt"/>
+                <a:ea typeface="+mn-ea"/>
+                <a:cs typeface="+mn-cs"/>
+              </a:rPr>
+              <a:t>区和两个</a:t>
+            </a:r>
+            <a:r>
+              <a:rPr lang="en-US" altLang="zh-CN" sz="1200" kern="1200" dirty="0">
+                <a:solidFill>
+                  <a:schemeClr val="tx1"/>
+                </a:solidFill>
+                <a:effectLst/>
+                <a:latin typeface="+mn-lt"/>
+                <a:ea typeface="+mn-ea"/>
+                <a:cs typeface="+mn-cs"/>
+              </a:rPr>
+              <a:t>survivor(survivor0,survivor1)</a:t>
+            </a:r>
+            <a:r>
+              <a:rPr lang="zh-CN" altLang="en-US" sz="1200" kern="1200" dirty="0">
+                <a:solidFill>
+                  <a:schemeClr val="tx1"/>
+                </a:solidFill>
+                <a:effectLst/>
+                <a:latin typeface="+mn-lt"/>
+                <a:ea typeface="+mn-ea"/>
+                <a:cs typeface="+mn-cs"/>
+              </a:rPr>
+              <a:t>区。一个</a:t>
+            </a:r>
+            <a:r>
+              <a:rPr lang="en-US" altLang="zh-CN" sz="1200" kern="1200" dirty="0">
+                <a:solidFill>
+                  <a:schemeClr val="tx1"/>
+                </a:solidFill>
+                <a:effectLst/>
+                <a:latin typeface="+mn-lt"/>
+                <a:ea typeface="+mn-ea"/>
+                <a:cs typeface="+mn-cs"/>
+              </a:rPr>
+              <a:t>Eden</a:t>
+            </a:r>
+            <a:r>
+              <a:rPr lang="zh-CN" altLang="en-US" sz="1200" kern="1200" dirty="0">
+                <a:solidFill>
+                  <a:schemeClr val="tx1"/>
+                </a:solidFill>
+                <a:effectLst/>
+                <a:latin typeface="+mn-lt"/>
+                <a:ea typeface="+mn-ea"/>
+                <a:cs typeface="+mn-cs"/>
+              </a:rPr>
+              <a:t>区，两个 </a:t>
+            </a:r>
+            <a:r>
+              <a:rPr lang="en-US" altLang="zh-CN" sz="1200" kern="1200" dirty="0">
+                <a:solidFill>
+                  <a:schemeClr val="tx1"/>
+                </a:solidFill>
+                <a:effectLst/>
+                <a:latin typeface="+mn-lt"/>
+                <a:ea typeface="+mn-ea"/>
+                <a:cs typeface="+mn-cs"/>
+              </a:rPr>
+              <a:t>Survivor</a:t>
+            </a:r>
+            <a:r>
+              <a:rPr lang="zh-CN" altLang="en-US" sz="1200" kern="1200" dirty="0">
+                <a:solidFill>
+                  <a:schemeClr val="tx1"/>
+                </a:solidFill>
+                <a:effectLst/>
+                <a:latin typeface="+mn-lt"/>
+                <a:ea typeface="+mn-ea"/>
+                <a:cs typeface="+mn-cs"/>
+              </a:rPr>
+              <a:t>区</a:t>
+            </a:r>
+            <a:r>
+              <a:rPr lang="en-US" altLang="zh-CN" sz="1200" kern="1200" dirty="0">
+                <a:solidFill>
+                  <a:schemeClr val="tx1"/>
+                </a:solidFill>
+                <a:effectLst/>
+                <a:latin typeface="+mn-lt"/>
+                <a:ea typeface="+mn-ea"/>
+                <a:cs typeface="+mn-cs"/>
+              </a:rPr>
+              <a:t>(</a:t>
+            </a:r>
+            <a:r>
+              <a:rPr lang="zh-CN" altLang="en-US" sz="1200" kern="1200" dirty="0">
+                <a:solidFill>
+                  <a:schemeClr val="tx1"/>
+                </a:solidFill>
+                <a:effectLst/>
+                <a:latin typeface="+mn-lt"/>
+                <a:ea typeface="+mn-ea"/>
+                <a:cs typeface="+mn-cs"/>
+              </a:rPr>
+              <a:t>一般而言</a:t>
+            </a:r>
+            <a:r>
+              <a:rPr lang="en-US" altLang="zh-CN" sz="1200" kern="1200" dirty="0">
+                <a:solidFill>
+                  <a:schemeClr val="tx1"/>
+                </a:solidFill>
+                <a:effectLst/>
+                <a:latin typeface="+mn-lt"/>
+                <a:ea typeface="+mn-ea"/>
+                <a:cs typeface="+mn-cs"/>
+              </a:rPr>
+              <a:t>)</a:t>
+            </a:r>
+            <a:r>
+              <a:rPr lang="zh-CN" altLang="en-US" sz="1200" kern="1200" dirty="0">
+                <a:solidFill>
+                  <a:schemeClr val="tx1"/>
+                </a:solidFill>
+                <a:effectLst/>
+                <a:latin typeface="+mn-lt"/>
+                <a:ea typeface="+mn-ea"/>
+                <a:cs typeface="+mn-cs"/>
+              </a:rPr>
+              <a:t>。大部分对象在</a:t>
+            </a:r>
+            <a:r>
+              <a:rPr lang="en-US" altLang="zh-CN" sz="1200" kern="1200" dirty="0">
+                <a:solidFill>
+                  <a:schemeClr val="tx1"/>
+                </a:solidFill>
+                <a:effectLst/>
+                <a:latin typeface="+mn-lt"/>
+                <a:ea typeface="+mn-ea"/>
+                <a:cs typeface="+mn-cs"/>
+              </a:rPr>
+              <a:t>Eden</a:t>
+            </a:r>
+            <a:r>
+              <a:rPr lang="zh-CN" altLang="en-US" sz="1200" kern="1200" dirty="0">
+                <a:solidFill>
+                  <a:schemeClr val="tx1"/>
+                </a:solidFill>
+                <a:effectLst/>
+                <a:latin typeface="+mn-lt"/>
+                <a:ea typeface="+mn-ea"/>
+                <a:cs typeface="+mn-cs"/>
+              </a:rPr>
+              <a:t>区中生成。回收时先将</a:t>
+            </a:r>
+            <a:r>
+              <a:rPr lang="en-US" altLang="zh-CN" sz="1200" kern="1200" dirty="0" err="1">
+                <a:solidFill>
+                  <a:schemeClr val="tx1"/>
+                </a:solidFill>
+                <a:effectLst/>
+                <a:latin typeface="+mn-lt"/>
+                <a:ea typeface="+mn-ea"/>
+                <a:cs typeface="+mn-cs"/>
+              </a:rPr>
+              <a:t>eden</a:t>
+            </a:r>
+            <a:r>
+              <a:rPr lang="zh-CN" altLang="en-US" sz="1200" kern="1200" dirty="0">
+                <a:solidFill>
+                  <a:schemeClr val="tx1"/>
+                </a:solidFill>
+                <a:effectLst/>
+                <a:latin typeface="+mn-lt"/>
+                <a:ea typeface="+mn-ea"/>
+                <a:cs typeface="+mn-cs"/>
+              </a:rPr>
+              <a:t>区存活对象复制到一个</a:t>
+            </a:r>
+            <a:r>
+              <a:rPr lang="en-US" altLang="zh-CN" sz="1200" kern="1200" dirty="0">
+                <a:solidFill>
+                  <a:schemeClr val="tx1"/>
+                </a:solidFill>
+                <a:effectLst/>
+                <a:latin typeface="+mn-lt"/>
+                <a:ea typeface="+mn-ea"/>
+                <a:cs typeface="+mn-cs"/>
+              </a:rPr>
+              <a:t>survivor0</a:t>
+            </a:r>
+            <a:r>
+              <a:rPr lang="zh-CN" altLang="en-US" sz="1200" kern="1200" dirty="0">
+                <a:solidFill>
+                  <a:schemeClr val="tx1"/>
+                </a:solidFill>
+                <a:effectLst/>
+                <a:latin typeface="+mn-lt"/>
+                <a:ea typeface="+mn-ea"/>
+                <a:cs typeface="+mn-cs"/>
+              </a:rPr>
+              <a:t>区，然后清空</a:t>
+            </a:r>
+            <a:r>
+              <a:rPr lang="en-US" altLang="zh-CN" sz="1200" kern="1200" dirty="0" err="1">
+                <a:solidFill>
+                  <a:schemeClr val="tx1"/>
+                </a:solidFill>
+                <a:effectLst/>
+                <a:latin typeface="+mn-lt"/>
+                <a:ea typeface="+mn-ea"/>
+                <a:cs typeface="+mn-cs"/>
+              </a:rPr>
+              <a:t>eden</a:t>
+            </a:r>
+            <a:r>
+              <a:rPr lang="zh-CN" altLang="en-US" sz="1200" kern="1200" dirty="0">
+                <a:solidFill>
+                  <a:schemeClr val="tx1"/>
+                </a:solidFill>
+                <a:effectLst/>
+                <a:latin typeface="+mn-lt"/>
+                <a:ea typeface="+mn-ea"/>
+                <a:cs typeface="+mn-cs"/>
+              </a:rPr>
+              <a:t>区，当这个</a:t>
+            </a:r>
+            <a:r>
+              <a:rPr lang="en-US" altLang="zh-CN" sz="1200" kern="1200" dirty="0">
+                <a:solidFill>
+                  <a:schemeClr val="tx1"/>
+                </a:solidFill>
+                <a:effectLst/>
+                <a:latin typeface="+mn-lt"/>
+                <a:ea typeface="+mn-ea"/>
+                <a:cs typeface="+mn-cs"/>
+              </a:rPr>
+              <a:t>survivor0</a:t>
+            </a:r>
+            <a:r>
+              <a:rPr lang="zh-CN" altLang="en-US" sz="1200" kern="1200" dirty="0">
+                <a:solidFill>
+                  <a:schemeClr val="tx1"/>
+                </a:solidFill>
+                <a:effectLst/>
+                <a:latin typeface="+mn-lt"/>
+                <a:ea typeface="+mn-ea"/>
+                <a:cs typeface="+mn-cs"/>
+              </a:rPr>
+              <a:t>区也存放满了时，则将</a:t>
+            </a:r>
+            <a:r>
+              <a:rPr lang="en-US" altLang="zh-CN" sz="1200" kern="1200" dirty="0" err="1">
+                <a:solidFill>
+                  <a:schemeClr val="tx1"/>
+                </a:solidFill>
+                <a:effectLst/>
+                <a:latin typeface="+mn-lt"/>
+                <a:ea typeface="+mn-ea"/>
+                <a:cs typeface="+mn-cs"/>
+              </a:rPr>
+              <a:t>eden</a:t>
+            </a:r>
+            <a:r>
+              <a:rPr lang="zh-CN" altLang="en-US" sz="1200" kern="1200" dirty="0">
+                <a:solidFill>
+                  <a:schemeClr val="tx1"/>
+                </a:solidFill>
+                <a:effectLst/>
+                <a:latin typeface="+mn-lt"/>
+                <a:ea typeface="+mn-ea"/>
+                <a:cs typeface="+mn-cs"/>
+              </a:rPr>
+              <a:t>区和</a:t>
+            </a:r>
+            <a:r>
+              <a:rPr lang="en-US" altLang="zh-CN" sz="1200" kern="1200" dirty="0">
+                <a:solidFill>
+                  <a:schemeClr val="tx1"/>
+                </a:solidFill>
+                <a:effectLst/>
+                <a:latin typeface="+mn-lt"/>
+                <a:ea typeface="+mn-ea"/>
+                <a:cs typeface="+mn-cs"/>
+              </a:rPr>
+              <a:t>survivor0</a:t>
+            </a:r>
+            <a:r>
+              <a:rPr lang="zh-CN" altLang="en-US" sz="1200" kern="1200" dirty="0">
+                <a:solidFill>
+                  <a:schemeClr val="tx1"/>
+                </a:solidFill>
+                <a:effectLst/>
+                <a:latin typeface="+mn-lt"/>
+                <a:ea typeface="+mn-ea"/>
+                <a:cs typeface="+mn-cs"/>
+              </a:rPr>
+              <a:t>区存活对象复制到另一个</a:t>
+            </a:r>
+            <a:r>
+              <a:rPr lang="en-US" altLang="zh-CN" sz="1200" kern="1200" dirty="0">
+                <a:solidFill>
+                  <a:schemeClr val="tx1"/>
+                </a:solidFill>
+                <a:effectLst/>
+                <a:latin typeface="+mn-lt"/>
+                <a:ea typeface="+mn-ea"/>
+                <a:cs typeface="+mn-cs"/>
+              </a:rPr>
+              <a:t>survivor1</a:t>
+            </a:r>
+            <a:r>
+              <a:rPr lang="zh-CN" altLang="en-US" sz="1200" kern="1200" dirty="0">
+                <a:solidFill>
+                  <a:schemeClr val="tx1"/>
+                </a:solidFill>
+                <a:effectLst/>
+                <a:latin typeface="+mn-lt"/>
+                <a:ea typeface="+mn-ea"/>
+                <a:cs typeface="+mn-cs"/>
+              </a:rPr>
+              <a:t>区，然后清空</a:t>
+            </a:r>
+            <a:r>
+              <a:rPr lang="en-US" altLang="zh-CN" sz="1200" kern="1200" dirty="0" err="1">
+                <a:solidFill>
+                  <a:schemeClr val="tx1"/>
+                </a:solidFill>
+                <a:effectLst/>
+                <a:latin typeface="+mn-lt"/>
+                <a:ea typeface="+mn-ea"/>
+                <a:cs typeface="+mn-cs"/>
+              </a:rPr>
+              <a:t>eden</a:t>
+            </a:r>
+            <a:r>
+              <a:rPr lang="zh-CN" altLang="en-US" sz="1200" kern="1200" dirty="0">
+                <a:solidFill>
+                  <a:schemeClr val="tx1"/>
+                </a:solidFill>
+                <a:effectLst/>
+                <a:latin typeface="+mn-lt"/>
+                <a:ea typeface="+mn-ea"/>
+                <a:cs typeface="+mn-cs"/>
+              </a:rPr>
+              <a:t>和这个</a:t>
+            </a:r>
+            <a:r>
+              <a:rPr lang="en-US" altLang="zh-CN" sz="1200" kern="1200" dirty="0">
+                <a:solidFill>
+                  <a:schemeClr val="tx1"/>
+                </a:solidFill>
+                <a:effectLst/>
+                <a:latin typeface="+mn-lt"/>
+                <a:ea typeface="+mn-ea"/>
+                <a:cs typeface="+mn-cs"/>
+              </a:rPr>
+              <a:t>survivor0</a:t>
+            </a:r>
+            <a:r>
+              <a:rPr lang="zh-CN" altLang="en-US" sz="1200" kern="1200" dirty="0">
+                <a:solidFill>
+                  <a:schemeClr val="tx1"/>
+                </a:solidFill>
+                <a:effectLst/>
+                <a:latin typeface="+mn-lt"/>
+                <a:ea typeface="+mn-ea"/>
+                <a:cs typeface="+mn-cs"/>
+              </a:rPr>
+              <a:t>区，此时</a:t>
+            </a:r>
+            <a:r>
+              <a:rPr lang="en-US" altLang="zh-CN" sz="1200" kern="1200" dirty="0">
+                <a:solidFill>
+                  <a:schemeClr val="tx1"/>
+                </a:solidFill>
+                <a:effectLst/>
+                <a:latin typeface="+mn-lt"/>
+                <a:ea typeface="+mn-ea"/>
+                <a:cs typeface="+mn-cs"/>
+              </a:rPr>
+              <a:t>survivor0</a:t>
+            </a:r>
+            <a:r>
+              <a:rPr lang="zh-CN" altLang="en-US" sz="1200" kern="1200" dirty="0">
+                <a:solidFill>
+                  <a:schemeClr val="tx1"/>
+                </a:solidFill>
+                <a:effectLst/>
+                <a:latin typeface="+mn-lt"/>
+                <a:ea typeface="+mn-ea"/>
+                <a:cs typeface="+mn-cs"/>
+              </a:rPr>
+              <a:t>区是空的，然后将</a:t>
+            </a:r>
+            <a:r>
+              <a:rPr lang="en-US" altLang="zh-CN" sz="1200" kern="1200" dirty="0">
+                <a:solidFill>
+                  <a:schemeClr val="tx1"/>
+                </a:solidFill>
+                <a:effectLst/>
+                <a:latin typeface="+mn-lt"/>
+                <a:ea typeface="+mn-ea"/>
+                <a:cs typeface="+mn-cs"/>
+              </a:rPr>
+              <a:t>survivor0</a:t>
+            </a:r>
+            <a:r>
+              <a:rPr lang="zh-CN" altLang="en-US" sz="1200" kern="1200" dirty="0">
+                <a:solidFill>
+                  <a:schemeClr val="tx1"/>
+                </a:solidFill>
+                <a:effectLst/>
+                <a:latin typeface="+mn-lt"/>
+                <a:ea typeface="+mn-ea"/>
+                <a:cs typeface="+mn-cs"/>
+              </a:rPr>
+              <a:t>区和</a:t>
+            </a:r>
+            <a:r>
+              <a:rPr lang="en-US" altLang="zh-CN" sz="1200" kern="1200" dirty="0">
+                <a:solidFill>
+                  <a:schemeClr val="tx1"/>
+                </a:solidFill>
+                <a:effectLst/>
+                <a:latin typeface="+mn-lt"/>
+                <a:ea typeface="+mn-ea"/>
+                <a:cs typeface="+mn-cs"/>
+              </a:rPr>
+              <a:t>survivor1</a:t>
+            </a:r>
+            <a:r>
+              <a:rPr lang="zh-CN" altLang="en-US" sz="1200" kern="1200" dirty="0">
+                <a:solidFill>
+                  <a:schemeClr val="tx1"/>
+                </a:solidFill>
+                <a:effectLst/>
+                <a:latin typeface="+mn-lt"/>
+                <a:ea typeface="+mn-ea"/>
+                <a:cs typeface="+mn-cs"/>
+              </a:rPr>
+              <a:t>区交换，即保持</a:t>
+            </a:r>
+            <a:r>
+              <a:rPr lang="en-US" altLang="zh-CN" sz="1200" kern="1200" dirty="0">
+                <a:solidFill>
+                  <a:schemeClr val="tx1"/>
+                </a:solidFill>
+                <a:effectLst/>
+                <a:latin typeface="+mn-lt"/>
+                <a:ea typeface="+mn-ea"/>
+                <a:cs typeface="+mn-cs"/>
+              </a:rPr>
+              <a:t>survivor1</a:t>
+            </a:r>
+            <a:r>
+              <a:rPr lang="zh-CN" altLang="en-US" sz="1200" kern="1200" dirty="0">
+                <a:solidFill>
+                  <a:schemeClr val="tx1"/>
+                </a:solidFill>
+                <a:effectLst/>
+                <a:latin typeface="+mn-lt"/>
+                <a:ea typeface="+mn-ea"/>
+                <a:cs typeface="+mn-cs"/>
+              </a:rPr>
+              <a:t>区为空， 如此往复。</a:t>
+            </a:r>
+            <a:endParaRPr lang="zh-CN" altLang="en-US" dirty="0">
+              <a:effectLst/>
+            </a:endParaRPr>
+          </a:p>
+          <a:p>
+            <a:r>
+              <a:rPr lang="en-US" altLang="zh-CN" sz="1200" kern="1200" dirty="0">
+                <a:solidFill>
+                  <a:schemeClr val="tx1"/>
+                </a:solidFill>
+                <a:effectLst/>
+                <a:latin typeface="+mn-lt"/>
+                <a:ea typeface="+mn-ea"/>
+                <a:cs typeface="+mn-cs"/>
+              </a:rPr>
+              <a:t>c) </a:t>
+            </a:r>
+            <a:r>
+              <a:rPr lang="zh-CN" altLang="en-US" sz="1200" kern="1200" dirty="0">
+                <a:solidFill>
+                  <a:schemeClr val="tx1"/>
+                </a:solidFill>
+                <a:effectLst/>
+                <a:latin typeface="+mn-lt"/>
+                <a:ea typeface="+mn-ea"/>
+                <a:cs typeface="+mn-cs"/>
+              </a:rPr>
+              <a:t>当</a:t>
+            </a:r>
+            <a:r>
+              <a:rPr lang="en-US" altLang="zh-CN" sz="1200" kern="1200" dirty="0">
+                <a:solidFill>
+                  <a:schemeClr val="tx1"/>
+                </a:solidFill>
+                <a:effectLst/>
+                <a:latin typeface="+mn-lt"/>
+                <a:ea typeface="+mn-ea"/>
+                <a:cs typeface="+mn-cs"/>
+              </a:rPr>
+              <a:t>survivor1</a:t>
+            </a:r>
+            <a:r>
+              <a:rPr lang="zh-CN" altLang="en-US" sz="1200" kern="1200" dirty="0">
+                <a:solidFill>
+                  <a:schemeClr val="tx1"/>
+                </a:solidFill>
+                <a:effectLst/>
+                <a:latin typeface="+mn-lt"/>
+                <a:ea typeface="+mn-ea"/>
+                <a:cs typeface="+mn-cs"/>
+              </a:rPr>
+              <a:t>区不足以存放 </a:t>
+            </a:r>
+            <a:r>
+              <a:rPr lang="en-US" altLang="zh-CN" sz="1200" kern="1200" dirty="0" err="1">
+                <a:solidFill>
+                  <a:schemeClr val="tx1"/>
+                </a:solidFill>
+                <a:effectLst/>
+                <a:latin typeface="+mn-lt"/>
+                <a:ea typeface="+mn-ea"/>
+                <a:cs typeface="+mn-cs"/>
+              </a:rPr>
+              <a:t>eden</a:t>
+            </a:r>
+            <a:r>
+              <a:rPr lang="zh-CN" altLang="en-US" sz="1200" kern="1200" dirty="0">
+                <a:solidFill>
+                  <a:schemeClr val="tx1"/>
+                </a:solidFill>
+                <a:effectLst/>
+                <a:latin typeface="+mn-lt"/>
+                <a:ea typeface="+mn-ea"/>
+                <a:cs typeface="+mn-cs"/>
+              </a:rPr>
+              <a:t>和</a:t>
+            </a:r>
+            <a:r>
+              <a:rPr lang="en-US" altLang="zh-CN" sz="1200" kern="1200" dirty="0">
+                <a:solidFill>
+                  <a:schemeClr val="tx1"/>
+                </a:solidFill>
+                <a:effectLst/>
+                <a:latin typeface="+mn-lt"/>
+                <a:ea typeface="+mn-ea"/>
+                <a:cs typeface="+mn-cs"/>
+              </a:rPr>
+              <a:t>survivor0</a:t>
+            </a:r>
+            <a:r>
+              <a:rPr lang="zh-CN" altLang="en-US" sz="1200" kern="1200" dirty="0">
+                <a:solidFill>
+                  <a:schemeClr val="tx1"/>
+                </a:solidFill>
+                <a:effectLst/>
+                <a:latin typeface="+mn-lt"/>
+                <a:ea typeface="+mn-ea"/>
+                <a:cs typeface="+mn-cs"/>
+              </a:rPr>
+              <a:t>的存活对象时，就将存活对象直接存放到老年代。若是老年代也满了就会触发一次</a:t>
+            </a:r>
+            <a:r>
+              <a:rPr lang="en-US" altLang="zh-CN" sz="1200" kern="1200" dirty="0">
+                <a:solidFill>
+                  <a:schemeClr val="tx1"/>
+                </a:solidFill>
+                <a:effectLst/>
+                <a:latin typeface="+mn-lt"/>
+                <a:ea typeface="+mn-ea"/>
+                <a:cs typeface="+mn-cs"/>
+              </a:rPr>
+              <a:t>Full GC(Major GC)</a:t>
+            </a:r>
+            <a:r>
+              <a:rPr lang="zh-CN" altLang="en-US" sz="1200" kern="1200" dirty="0">
+                <a:solidFill>
+                  <a:schemeClr val="tx1"/>
+                </a:solidFill>
+                <a:effectLst/>
+                <a:latin typeface="+mn-lt"/>
+                <a:ea typeface="+mn-ea"/>
+                <a:cs typeface="+mn-cs"/>
+              </a:rPr>
+              <a:t>，也就是新生代、老年代都进行回收。</a:t>
+            </a:r>
+            <a:endParaRPr lang="zh-CN" altLang="en-US" dirty="0">
+              <a:effectLst/>
+            </a:endParaRPr>
+          </a:p>
+          <a:p>
+            <a:r>
+              <a:rPr lang="en-US" altLang="zh-CN" sz="1200" kern="1200" dirty="0">
+                <a:solidFill>
+                  <a:schemeClr val="tx1"/>
+                </a:solidFill>
+                <a:effectLst/>
+                <a:latin typeface="+mn-lt"/>
+                <a:ea typeface="+mn-ea"/>
+                <a:cs typeface="+mn-cs"/>
+              </a:rPr>
+              <a:t>d) </a:t>
+            </a:r>
+            <a:r>
+              <a:rPr lang="zh-CN" altLang="en-US" sz="1200" kern="1200" dirty="0">
+                <a:solidFill>
+                  <a:schemeClr val="tx1"/>
+                </a:solidFill>
+                <a:effectLst/>
+                <a:latin typeface="+mn-lt"/>
+                <a:ea typeface="+mn-ea"/>
+                <a:cs typeface="+mn-cs"/>
+              </a:rPr>
+              <a:t>新生代发生的</a:t>
+            </a:r>
+            <a:r>
+              <a:rPr lang="en-US" altLang="zh-CN" sz="1200" kern="1200" dirty="0">
+                <a:solidFill>
+                  <a:schemeClr val="tx1"/>
+                </a:solidFill>
+                <a:effectLst/>
+                <a:latin typeface="+mn-lt"/>
+                <a:ea typeface="+mn-ea"/>
+                <a:cs typeface="+mn-cs"/>
+              </a:rPr>
+              <a:t>GC</a:t>
+            </a:r>
+            <a:r>
+              <a:rPr lang="zh-CN" altLang="en-US" sz="1200" kern="1200" dirty="0">
+                <a:solidFill>
+                  <a:schemeClr val="tx1"/>
+                </a:solidFill>
+                <a:effectLst/>
+                <a:latin typeface="+mn-lt"/>
+                <a:ea typeface="+mn-ea"/>
+                <a:cs typeface="+mn-cs"/>
+              </a:rPr>
+              <a:t>也叫做</a:t>
+            </a:r>
+            <a:r>
+              <a:rPr lang="en-US" altLang="zh-CN" sz="1200" kern="1200" dirty="0">
+                <a:solidFill>
+                  <a:schemeClr val="tx1"/>
+                </a:solidFill>
+                <a:effectLst/>
+                <a:latin typeface="+mn-lt"/>
+                <a:ea typeface="+mn-ea"/>
+                <a:cs typeface="+mn-cs"/>
+              </a:rPr>
+              <a:t>Minor GC</a:t>
+            </a:r>
+            <a:r>
+              <a:rPr lang="zh-CN" altLang="en-US" sz="1200" kern="1200" dirty="0">
+                <a:solidFill>
+                  <a:schemeClr val="tx1"/>
+                </a:solidFill>
+                <a:effectLst/>
+                <a:latin typeface="+mn-lt"/>
+                <a:ea typeface="+mn-ea"/>
+                <a:cs typeface="+mn-cs"/>
+              </a:rPr>
+              <a:t>，</a:t>
+            </a:r>
+            <a:r>
+              <a:rPr lang="en-US" altLang="zh-CN" sz="1200" kern="1200" dirty="0" err="1">
+                <a:solidFill>
+                  <a:schemeClr val="tx1"/>
+                </a:solidFill>
+                <a:effectLst/>
+                <a:latin typeface="+mn-lt"/>
+                <a:ea typeface="+mn-ea"/>
+                <a:cs typeface="+mn-cs"/>
+              </a:rPr>
+              <a:t>MinorGC</a:t>
+            </a:r>
+            <a:r>
+              <a:rPr lang="zh-CN" altLang="en-US" sz="1200" kern="1200" dirty="0">
+                <a:solidFill>
+                  <a:schemeClr val="tx1"/>
+                </a:solidFill>
+                <a:effectLst/>
+                <a:latin typeface="+mn-lt"/>
+                <a:ea typeface="+mn-ea"/>
+                <a:cs typeface="+mn-cs"/>
+              </a:rPr>
+              <a:t>发生频率比较高</a:t>
+            </a:r>
+            <a:r>
+              <a:rPr lang="en-US" altLang="zh-CN" sz="1200" kern="1200" dirty="0">
+                <a:solidFill>
+                  <a:schemeClr val="tx1"/>
+                </a:solidFill>
+                <a:effectLst/>
+                <a:latin typeface="+mn-lt"/>
+                <a:ea typeface="+mn-ea"/>
+                <a:cs typeface="+mn-cs"/>
+              </a:rPr>
+              <a:t>(</a:t>
+            </a:r>
+            <a:r>
+              <a:rPr lang="zh-CN" altLang="en-US" sz="1200" kern="1200" dirty="0">
+                <a:solidFill>
+                  <a:schemeClr val="tx1"/>
+                </a:solidFill>
+                <a:effectLst/>
+                <a:latin typeface="+mn-lt"/>
+                <a:ea typeface="+mn-ea"/>
+                <a:cs typeface="+mn-cs"/>
+              </a:rPr>
+              <a:t>不一定等</a:t>
+            </a:r>
+            <a:r>
+              <a:rPr lang="en-US" altLang="zh-CN" sz="1200" kern="1200" dirty="0">
+                <a:solidFill>
+                  <a:schemeClr val="tx1"/>
+                </a:solidFill>
+                <a:effectLst/>
+                <a:latin typeface="+mn-lt"/>
+                <a:ea typeface="+mn-ea"/>
+                <a:cs typeface="+mn-cs"/>
+              </a:rPr>
+              <a:t>Eden</a:t>
+            </a:r>
+            <a:r>
+              <a:rPr lang="zh-CN" altLang="en-US" sz="1200" kern="1200" dirty="0">
+                <a:solidFill>
+                  <a:schemeClr val="tx1"/>
+                </a:solidFill>
+                <a:effectLst/>
+                <a:latin typeface="+mn-lt"/>
+                <a:ea typeface="+mn-ea"/>
+                <a:cs typeface="+mn-cs"/>
+              </a:rPr>
+              <a:t>区满了才触发</a:t>
+            </a:r>
+            <a:r>
+              <a:rPr lang="en-US" altLang="zh-CN" sz="1200" kern="1200" dirty="0">
+                <a:solidFill>
+                  <a:schemeClr val="tx1"/>
+                </a:solidFill>
+                <a:effectLst/>
+                <a:latin typeface="+mn-lt"/>
+                <a:ea typeface="+mn-ea"/>
+                <a:cs typeface="+mn-cs"/>
+              </a:rPr>
+              <a:t>)</a:t>
+            </a:r>
+            <a:r>
+              <a:rPr lang="zh-CN" altLang="en-US" sz="1200" kern="1200" dirty="0">
+                <a:solidFill>
+                  <a:schemeClr val="tx1"/>
+                </a:solidFill>
+                <a:effectLst/>
+                <a:latin typeface="+mn-lt"/>
+                <a:ea typeface="+mn-ea"/>
+                <a:cs typeface="+mn-cs"/>
+              </a:rPr>
+              <a:t>。</a:t>
+            </a:r>
+            <a:endParaRPr lang="zh-CN" altLang="en-US" dirty="0">
+              <a:effectLst/>
+            </a:endParaRPr>
+          </a:p>
+          <a:p>
+            <a:r>
+              <a:rPr lang="zh-CN" altLang="en-US" sz="1200" b="1" kern="1200" dirty="0">
+                <a:solidFill>
+                  <a:schemeClr val="tx1"/>
+                </a:solidFill>
+                <a:effectLst/>
+                <a:latin typeface="+mn-lt"/>
+                <a:ea typeface="+mn-ea"/>
+                <a:cs typeface="+mn-cs"/>
+              </a:rPr>
+              <a:t>年老代（</a:t>
+            </a:r>
+            <a:r>
+              <a:rPr lang="en-US" altLang="zh-CN" sz="1200" b="1" kern="1200" dirty="0">
+                <a:solidFill>
+                  <a:schemeClr val="tx1"/>
+                </a:solidFill>
+                <a:effectLst/>
+                <a:latin typeface="+mn-lt"/>
+                <a:ea typeface="+mn-ea"/>
+                <a:cs typeface="+mn-cs"/>
+              </a:rPr>
+              <a:t>Old Generation</a:t>
+            </a:r>
+            <a:r>
+              <a:rPr lang="zh-CN" altLang="en-US" sz="1200" b="1" kern="1200" dirty="0">
+                <a:solidFill>
+                  <a:schemeClr val="tx1"/>
+                </a:solidFill>
+                <a:effectLst/>
+                <a:latin typeface="+mn-lt"/>
+                <a:ea typeface="+mn-ea"/>
+                <a:cs typeface="+mn-cs"/>
+              </a:rPr>
+              <a:t>）的回收算法（回收主要以</a:t>
+            </a:r>
+            <a:r>
+              <a:rPr lang="en-US" altLang="zh-CN" sz="1200" b="1" kern="1200" dirty="0">
+                <a:solidFill>
+                  <a:schemeClr val="tx1"/>
+                </a:solidFill>
+                <a:effectLst/>
+                <a:latin typeface="+mn-lt"/>
+                <a:ea typeface="+mn-ea"/>
+                <a:cs typeface="+mn-cs"/>
+              </a:rPr>
+              <a:t>Mark-Compact</a:t>
+            </a:r>
+            <a:r>
+              <a:rPr lang="zh-CN" altLang="en-US" sz="1200" b="1" kern="1200" dirty="0">
+                <a:solidFill>
+                  <a:schemeClr val="tx1"/>
+                </a:solidFill>
+                <a:effectLst/>
+                <a:latin typeface="+mn-lt"/>
+                <a:ea typeface="+mn-ea"/>
+                <a:cs typeface="+mn-cs"/>
+              </a:rPr>
+              <a:t>为主）</a:t>
+            </a:r>
+            <a:endParaRPr lang="zh-CN" altLang="en-US" dirty="0">
+              <a:effectLst/>
+            </a:endParaRPr>
+          </a:p>
+          <a:p>
+            <a:r>
+              <a:rPr lang="en-US" altLang="zh-CN" sz="1200" kern="1200" dirty="0">
+                <a:solidFill>
+                  <a:schemeClr val="tx1"/>
+                </a:solidFill>
+                <a:effectLst/>
+                <a:latin typeface="+mn-lt"/>
+                <a:ea typeface="+mn-ea"/>
+                <a:cs typeface="+mn-cs"/>
+              </a:rPr>
+              <a:t>a) </a:t>
+            </a:r>
+            <a:r>
+              <a:rPr lang="zh-CN" altLang="en-US" sz="1200" kern="1200" dirty="0">
+                <a:solidFill>
+                  <a:schemeClr val="tx1"/>
+                </a:solidFill>
+                <a:effectLst/>
+                <a:latin typeface="+mn-lt"/>
+                <a:ea typeface="+mn-ea"/>
+                <a:cs typeface="+mn-cs"/>
+              </a:rPr>
+              <a:t>在年轻代中经历了</a:t>
+            </a:r>
+            <a:r>
+              <a:rPr lang="en-US" altLang="zh-CN" sz="1200" kern="1200" dirty="0">
+                <a:solidFill>
+                  <a:schemeClr val="tx1"/>
+                </a:solidFill>
+                <a:effectLst/>
+                <a:latin typeface="+mn-lt"/>
+                <a:ea typeface="+mn-ea"/>
+                <a:cs typeface="+mn-cs"/>
+              </a:rPr>
+              <a:t>N</a:t>
+            </a:r>
+            <a:r>
+              <a:rPr lang="zh-CN" altLang="en-US" sz="1200" kern="1200" dirty="0">
+                <a:solidFill>
+                  <a:schemeClr val="tx1"/>
+                </a:solidFill>
+                <a:effectLst/>
+                <a:latin typeface="+mn-lt"/>
+                <a:ea typeface="+mn-ea"/>
+                <a:cs typeface="+mn-cs"/>
+              </a:rPr>
+              <a:t>次垃圾回收后仍然存活的对象，就会被放到年老代中。因此，可以认为年老代中存放的都是一些生命周期较长的对象。</a:t>
+            </a:r>
+            <a:endParaRPr lang="zh-CN" altLang="en-US" dirty="0">
+              <a:effectLst/>
+            </a:endParaRPr>
+          </a:p>
+          <a:p>
+            <a:r>
+              <a:rPr lang="en-US" altLang="zh-CN" sz="1200" kern="1200" dirty="0">
+                <a:solidFill>
+                  <a:schemeClr val="tx1"/>
+                </a:solidFill>
+                <a:effectLst/>
+                <a:latin typeface="+mn-lt"/>
+                <a:ea typeface="+mn-ea"/>
+                <a:cs typeface="+mn-cs"/>
+              </a:rPr>
+              <a:t>b) </a:t>
+            </a:r>
+            <a:r>
+              <a:rPr lang="zh-CN" altLang="en-US" sz="1200" kern="1200" dirty="0">
+                <a:solidFill>
+                  <a:schemeClr val="tx1"/>
+                </a:solidFill>
+                <a:effectLst/>
+                <a:latin typeface="+mn-lt"/>
+                <a:ea typeface="+mn-ea"/>
+                <a:cs typeface="+mn-cs"/>
+              </a:rPr>
+              <a:t>内存比新生代也大很多</a:t>
+            </a:r>
+            <a:r>
+              <a:rPr lang="en-US" altLang="zh-CN" sz="1200" kern="1200" dirty="0">
+                <a:solidFill>
+                  <a:schemeClr val="tx1"/>
+                </a:solidFill>
+                <a:effectLst/>
+                <a:latin typeface="+mn-lt"/>
+                <a:ea typeface="+mn-ea"/>
+                <a:cs typeface="+mn-cs"/>
+              </a:rPr>
+              <a:t>(</a:t>
+            </a:r>
+            <a:r>
+              <a:rPr lang="zh-CN" altLang="en-US" sz="1200" kern="1200" dirty="0">
+                <a:solidFill>
+                  <a:schemeClr val="tx1"/>
+                </a:solidFill>
+                <a:effectLst/>
+                <a:latin typeface="+mn-lt"/>
+                <a:ea typeface="+mn-ea"/>
+                <a:cs typeface="+mn-cs"/>
+              </a:rPr>
+              <a:t>大概比例是</a:t>
+            </a:r>
+            <a:r>
+              <a:rPr lang="en-US" altLang="zh-CN" sz="1200" kern="1200" dirty="0">
+                <a:solidFill>
+                  <a:schemeClr val="tx1"/>
+                </a:solidFill>
+                <a:effectLst/>
+                <a:latin typeface="+mn-lt"/>
+                <a:ea typeface="+mn-ea"/>
+                <a:cs typeface="+mn-cs"/>
+              </a:rPr>
+              <a:t>1:2)</a:t>
+            </a:r>
+            <a:r>
+              <a:rPr lang="zh-CN" altLang="en-US" sz="1200" kern="1200" dirty="0">
+                <a:solidFill>
+                  <a:schemeClr val="tx1"/>
+                </a:solidFill>
+                <a:effectLst/>
+                <a:latin typeface="+mn-lt"/>
+                <a:ea typeface="+mn-ea"/>
+                <a:cs typeface="+mn-cs"/>
+              </a:rPr>
+              <a:t>，当老年代内存满时触发</a:t>
+            </a:r>
+            <a:r>
+              <a:rPr lang="en-US" altLang="zh-CN" sz="1200" kern="1200" dirty="0">
+                <a:solidFill>
+                  <a:schemeClr val="tx1"/>
+                </a:solidFill>
+                <a:effectLst/>
+                <a:latin typeface="+mn-lt"/>
+                <a:ea typeface="+mn-ea"/>
+                <a:cs typeface="+mn-cs"/>
+              </a:rPr>
+              <a:t>Major GC</a:t>
+            </a:r>
+            <a:r>
+              <a:rPr lang="zh-CN" altLang="en-US" sz="1200" kern="1200" dirty="0">
+                <a:solidFill>
+                  <a:schemeClr val="tx1"/>
+                </a:solidFill>
+                <a:effectLst/>
+                <a:latin typeface="+mn-lt"/>
+                <a:ea typeface="+mn-ea"/>
+                <a:cs typeface="+mn-cs"/>
+              </a:rPr>
+              <a:t>即</a:t>
+            </a:r>
+            <a:r>
+              <a:rPr lang="en-US" altLang="zh-CN" sz="1200" kern="1200" dirty="0">
+                <a:solidFill>
+                  <a:schemeClr val="tx1"/>
+                </a:solidFill>
+                <a:effectLst/>
+                <a:latin typeface="+mn-lt"/>
+                <a:ea typeface="+mn-ea"/>
+                <a:cs typeface="+mn-cs"/>
+              </a:rPr>
+              <a:t>Full GC</a:t>
+            </a:r>
+            <a:r>
+              <a:rPr lang="zh-CN" altLang="en-US" sz="1200" kern="1200" dirty="0">
+                <a:solidFill>
+                  <a:schemeClr val="tx1"/>
+                </a:solidFill>
+                <a:effectLst/>
+                <a:latin typeface="+mn-lt"/>
+                <a:ea typeface="+mn-ea"/>
+                <a:cs typeface="+mn-cs"/>
+              </a:rPr>
+              <a:t>，</a:t>
+            </a:r>
+            <a:r>
+              <a:rPr lang="en-US" altLang="zh-CN" sz="1200" kern="1200" dirty="0">
+                <a:solidFill>
+                  <a:schemeClr val="tx1"/>
+                </a:solidFill>
+                <a:effectLst/>
+                <a:latin typeface="+mn-lt"/>
+                <a:ea typeface="+mn-ea"/>
+                <a:cs typeface="+mn-cs"/>
+              </a:rPr>
+              <a:t>Full GC</a:t>
+            </a:r>
+            <a:r>
+              <a:rPr lang="zh-CN" altLang="en-US" sz="1200" kern="1200" dirty="0">
+                <a:solidFill>
+                  <a:schemeClr val="tx1"/>
+                </a:solidFill>
+                <a:effectLst/>
+                <a:latin typeface="+mn-lt"/>
+                <a:ea typeface="+mn-ea"/>
+                <a:cs typeface="+mn-cs"/>
+              </a:rPr>
+              <a:t>发生频率比较低，老年代对象存活时间比较长，存活率标记高</a:t>
+            </a:r>
+            <a:endParaRPr lang="zh-CN" altLang="en-US" dirty="0">
+              <a:effectLst/>
+            </a:endParaRPr>
+          </a:p>
+          <a:p>
+            <a:endParaRPr lang="zh-CN" altLang="en-US" dirty="0"/>
+          </a:p>
+        </p:txBody>
+      </p:sp>
+      <p:sp>
+        <p:nvSpPr>
+          <p:cNvPr id="4" name="灯片编号占位符 3"/>
+          <p:cNvSpPr>
+            <a:spLocks noGrp="1"/>
+          </p:cNvSpPr>
+          <p:nvPr>
+            <p:ph type="sldNum" sz="quarter" idx="5"/>
+          </p:nvPr>
+        </p:nvSpPr>
+        <p:spPr/>
+        <p:txBody>
+          <a:bodyPr/>
+          <a:lstStyle/>
+          <a:p>
+            <a:fld id="{0B77BCC6-1F8A-452E-9AE8-956F32ABCC1A}" type="slidenum">
+              <a:rPr lang="zh-CN" altLang="en-US" smtClean="0"/>
+              <a:t>6</a:t>
+            </a:fld>
+            <a:endParaRPr lang="zh-CN" altLang="en-US"/>
+          </a:p>
+        </p:txBody>
+      </p:sp>
+    </p:spTree>
+    <p:extLst>
+      <p:ext uri="{BB962C8B-B14F-4D97-AF65-F5344CB8AC3E}">
+        <p14:creationId xmlns:p14="http://schemas.microsoft.com/office/powerpoint/2010/main" val="2799793627"/>
+      </p:ext>
+    </p:extLst>
+  </p:cSld>
+  <p:clrMapOvr>
+    <a:masterClrMapping/>
+  </p:clrMapOvr>
+</p:notes>
+</file>
+
 <file path=ppt/slideLayouts/slideLayout1.xml><?xml version="1.0" encoding="utf-8"?>
 <p:sldLayout xmlns:a="http://schemas.openxmlformats.org/drawingml/2006/main" xmlns:r="http://schemas.openxmlformats.org/officeDocument/2006/relationships" xmlns:p="http://schemas.openxmlformats.org/presentationml/2006/main" type="title" preserve="1">
   <p:cSld name="标题幻灯片">
@@ -697,7 +2012,7 @@
           <a:p>
             <a:fld id="{1331EC2B-80D6-4C7C-9EC4-5505DA85B637}" type="datetimeFigureOut">
               <a:rPr lang="zh-CN" altLang="en-US" smtClean="0"/>
-              <a:t>2019/4/11</a:t>
+              <a:t>2019/4/12</a:t>
             </a:fld>
             <a:endParaRPr lang="zh-CN" altLang="en-US"/>
           </a:p>
@@ -895,7 +2210,7 @@
           <a:p>
             <a:fld id="{1331EC2B-80D6-4C7C-9EC4-5505DA85B637}" type="datetimeFigureOut">
               <a:rPr lang="zh-CN" altLang="en-US" smtClean="0"/>
-              <a:t>2019/4/11</a:t>
+              <a:t>2019/4/12</a:t>
             </a:fld>
             <a:endParaRPr lang="zh-CN" altLang="en-US"/>
           </a:p>
@@ -1103,7 +2418,7 @@
           <a:p>
             <a:fld id="{1331EC2B-80D6-4C7C-9EC4-5505DA85B637}" type="datetimeFigureOut">
               <a:rPr lang="zh-CN" altLang="en-US" smtClean="0"/>
-              <a:t>2019/4/11</a:t>
+              <a:t>2019/4/12</a:t>
             </a:fld>
             <a:endParaRPr lang="zh-CN" altLang="en-US"/>
           </a:p>
@@ -1301,7 +2616,7 @@
           <a:p>
             <a:fld id="{1331EC2B-80D6-4C7C-9EC4-5505DA85B637}" type="datetimeFigureOut">
               <a:rPr lang="zh-CN" altLang="en-US" smtClean="0"/>
-              <a:t>2019/4/11</a:t>
+              <a:t>2019/4/12</a:t>
             </a:fld>
             <a:endParaRPr lang="zh-CN" altLang="en-US"/>
           </a:p>
@@ -1576,7 +2891,7 @@
           <a:p>
             <a:fld id="{1331EC2B-80D6-4C7C-9EC4-5505DA85B637}" type="datetimeFigureOut">
               <a:rPr lang="zh-CN" altLang="en-US" smtClean="0"/>
-              <a:t>2019/4/11</a:t>
+              <a:t>2019/4/12</a:t>
             </a:fld>
             <a:endParaRPr lang="zh-CN" altLang="en-US"/>
           </a:p>
@@ -1841,7 +3156,7 @@
           <a:p>
             <a:fld id="{1331EC2B-80D6-4C7C-9EC4-5505DA85B637}" type="datetimeFigureOut">
               <a:rPr lang="zh-CN" altLang="en-US" smtClean="0"/>
-              <a:t>2019/4/11</a:t>
+              <a:t>2019/4/12</a:t>
             </a:fld>
             <a:endParaRPr lang="zh-CN" altLang="en-US"/>
           </a:p>
@@ -2253,7 +3568,7 @@
           <a:p>
             <a:fld id="{1331EC2B-80D6-4C7C-9EC4-5505DA85B637}" type="datetimeFigureOut">
               <a:rPr lang="zh-CN" altLang="en-US" smtClean="0"/>
-              <a:t>2019/4/11</a:t>
+              <a:t>2019/4/12</a:t>
             </a:fld>
             <a:endParaRPr lang="zh-CN" altLang="en-US"/>
           </a:p>
@@ -2394,7 +3709,7 @@
           <a:p>
             <a:fld id="{1331EC2B-80D6-4C7C-9EC4-5505DA85B637}" type="datetimeFigureOut">
               <a:rPr lang="zh-CN" altLang="en-US" smtClean="0"/>
-              <a:t>2019/4/11</a:t>
+              <a:t>2019/4/12</a:t>
             </a:fld>
             <a:endParaRPr lang="zh-CN" altLang="en-US"/>
           </a:p>
@@ -2507,7 +3822,7 @@
           <a:p>
             <a:fld id="{1331EC2B-80D6-4C7C-9EC4-5505DA85B637}" type="datetimeFigureOut">
               <a:rPr lang="zh-CN" altLang="en-US" smtClean="0"/>
-              <a:t>2019/4/11</a:t>
+              <a:t>2019/4/12</a:t>
             </a:fld>
             <a:endParaRPr lang="zh-CN" altLang="en-US"/>
           </a:p>
@@ -2818,7 +4133,7 @@
           <a:p>
             <a:fld id="{1331EC2B-80D6-4C7C-9EC4-5505DA85B637}" type="datetimeFigureOut">
               <a:rPr lang="zh-CN" altLang="en-US" smtClean="0"/>
-              <a:t>2019/4/11</a:t>
+              <a:t>2019/4/12</a:t>
             </a:fld>
             <a:endParaRPr lang="zh-CN" altLang="en-US"/>
           </a:p>
@@ -3106,7 +4421,7 @@
           <a:p>
             <a:fld id="{1331EC2B-80D6-4C7C-9EC4-5505DA85B637}" type="datetimeFigureOut">
               <a:rPr lang="zh-CN" altLang="en-US" smtClean="0"/>
-              <a:t>2019/4/11</a:t>
+              <a:t>2019/4/12</a:t>
             </a:fld>
             <a:endParaRPr lang="zh-CN" altLang="en-US"/>
           </a:p>
@@ -3347,7 +4662,7 @@
           <a:p>
             <a:fld id="{1331EC2B-80D6-4C7C-9EC4-5505DA85B637}" type="datetimeFigureOut">
               <a:rPr lang="zh-CN" altLang="en-US" smtClean="0"/>
-              <a:t>2019/4/11</a:t>
+              <a:t>2019/4/12</a:t>
             </a:fld>
             <a:endParaRPr lang="zh-CN" altLang="en-US"/>
           </a:p>
@@ -5069,8 +6384,8 @@
         </p:nvSpPr>
         <p:spPr>
           <a:xfrm>
-            <a:off x="266330" y="177553"/>
-            <a:ext cx="3350597" cy="369332"/>
+            <a:off x="56703" y="39302"/>
+            <a:ext cx="3438762" cy="369332"/>
           </a:xfrm>
           <a:prstGeom prst="rect">
             <a:avLst/>
@@ -5084,11 +6399,11 @@
           <a:lstStyle/>
           <a:p>
             <a:r>
-              <a:rPr lang="en-US" altLang="zh-CN" dirty="0"/>
+              <a:rPr lang="en-US" altLang="zh-CN" b="1" dirty="0"/>
               <a:t>Java8 HashMap</a:t>
             </a:r>
             <a:r>
-              <a:rPr lang="zh-CN" altLang="en-US" dirty="0"/>
+              <a:rPr lang="zh-CN" altLang="en-US" b="1" dirty="0"/>
               <a:t>存储结构及逻辑</a:t>
             </a:r>
           </a:p>
@@ -7217,8 +8532,8 @@
         </p:nvSpPr>
         <p:spPr>
           <a:xfrm>
-            <a:off x="452762" y="266716"/>
-            <a:ext cx="2048959" cy="369332"/>
+            <a:off x="0" y="0"/>
+            <a:ext cx="2237771" cy="369332"/>
           </a:xfrm>
           <a:prstGeom prst="rect">
             <a:avLst/>
@@ -7226,17 +8541,17 @@
           <a:noFill/>
         </p:spPr>
         <p:txBody>
-          <a:bodyPr wrap="none" rtlCol="0">
+          <a:bodyPr wrap="square" rtlCol="0">
             <a:spAutoFit/>
           </a:bodyPr>
           <a:lstStyle/>
           <a:p>
             <a:r>
-              <a:rPr lang="en-US" altLang="zh-CN" dirty="0"/>
+              <a:rPr lang="en-US" altLang="zh-CN" b="1" dirty="0"/>
               <a:t>Java </a:t>
             </a:r>
             <a:r>
-              <a:rPr lang="zh-CN" altLang="en-US" dirty="0"/>
+              <a:rPr lang="zh-CN" altLang="en-US" b="1" dirty="0"/>
               <a:t>基础数据类型</a:t>
             </a:r>
           </a:p>
@@ -7331,27 +8646,27 @@
           <a:lstStyle/>
           <a:p>
             <a:r>
-              <a:rPr lang="en-US" altLang="zh-CN" dirty="0"/>
+              <a:rPr lang="en-US" altLang="zh-CN" b="1" dirty="0"/>
               <a:t>JVM</a:t>
             </a:r>
             <a:r>
-              <a:rPr lang="zh-CN" altLang="en-US" dirty="0"/>
+              <a:rPr lang="zh-CN" altLang="en-US" b="1" dirty="0"/>
               <a:t>组成部分</a:t>
             </a:r>
             <a:r>
-              <a:rPr lang="en-US" altLang="zh-CN" dirty="0"/>
+              <a:rPr lang="en-US" altLang="zh-CN" b="1" dirty="0"/>
               <a:t>—</a:t>
             </a:r>
             <a:r>
-              <a:rPr lang="zh-CN" altLang="en-US" dirty="0"/>
+              <a:rPr lang="zh-CN" altLang="en-US" b="1" dirty="0"/>
               <a:t>即</a:t>
             </a:r>
             <a:r>
-              <a:rPr lang="en-US" altLang="zh-CN" dirty="0"/>
+              <a:rPr lang="en-US" altLang="zh-CN" b="1" dirty="0"/>
               <a:t>JAVA</a:t>
             </a:r>
             <a:r>
-              <a:rPr lang="zh-CN" altLang="en-US" dirty="0"/>
+              <a:rPr lang="zh-CN" altLang="en-US" b="1" dirty="0"/>
               <a:t>虚拟机程序管理的内存分区</a:t>
             </a:r>
           </a:p>
@@ -9390,6 +10705,5206 @@
 </p:sld>
 </file>
 
+<file path=ppt/slides/slide4.xml><?xml version="1.0" encoding="utf-8"?>
+<p:sld xmlns:a="http://schemas.openxmlformats.org/drawingml/2006/main" xmlns:r="http://schemas.openxmlformats.org/officeDocument/2006/relationships" xmlns:p="http://schemas.openxmlformats.org/presentationml/2006/main">
+  <p:cSld>
+    <p:spTree>
+      <p:nvGrpSpPr>
+        <p:cNvPr id="1" name=""/>
+        <p:cNvGrpSpPr/>
+        <p:nvPr/>
+      </p:nvGrpSpPr>
+      <p:grpSpPr>
+        <a:xfrm>
+          <a:off x="0" y="0"/>
+          <a:ext cx="0" cy="0"/>
+          <a:chOff x="0" y="0"/>
+          <a:chExt cx="0" cy="0"/>
+        </a:xfrm>
+      </p:grpSpPr>
+      <p:sp>
+        <p:nvSpPr>
+          <p:cNvPr id="6" name="文本框 5">
+            <a:extLst>
+              <a:ext uri="{FF2B5EF4-FFF2-40B4-BE49-F238E27FC236}">
+                <a16:creationId xmlns:a16="http://schemas.microsoft.com/office/drawing/2014/main" id="{C0D78399-8DC8-437C-A672-FECF875985F2}"/>
+              </a:ext>
+            </a:extLst>
+          </p:cNvPr>
+          <p:cNvSpPr txBox="1"/>
+          <p:nvPr/>
+        </p:nvSpPr>
+        <p:spPr>
+          <a:xfrm>
+            <a:off x="47135" y="39429"/>
+            <a:ext cx="5221301" cy="369332"/>
+          </a:xfrm>
+          <a:prstGeom prst="rect">
+            <a:avLst/>
+          </a:prstGeom>
+          <a:noFill/>
+        </p:spPr>
+        <p:txBody>
+          <a:bodyPr wrap="none" rtlCol="0">
+            <a:spAutoFit/>
+          </a:bodyPr>
+          <a:lstStyle/>
+          <a:p>
+            <a:r>
+              <a:rPr lang="en-US" altLang="zh-CN" b="1" dirty="0"/>
+              <a:t>JVM</a:t>
+            </a:r>
+            <a:r>
+              <a:rPr lang="zh-CN" altLang="en-US" b="1" dirty="0"/>
+              <a:t>组成部分</a:t>
+            </a:r>
+            <a:r>
+              <a:rPr lang="en-US" altLang="zh-CN" b="1" dirty="0"/>
+              <a:t>—</a:t>
+            </a:r>
+            <a:r>
+              <a:rPr lang="zh-CN" altLang="en-US" b="1" dirty="0"/>
+              <a:t>堆、栈、方发区的数据存储示意图</a:t>
+            </a:r>
+          </a:p>
+        </p:txBody>
+      </p:sp>
+      <p:sp>
+        <p:nvSpPr>
+          <p:cNvPr id="27" name="矩形 26">
+            <a:extLst>
+              <a:ext uri="{FF2B5EF4-FFF2-40B4-BE49-F238E27FC236}">
+                <a16:creationId xmlns:a16="http://schemas.microsoft.com/office/drawing/2014/main" id="{4FD29563-738A-43C4-86F3-7D7E7A84CA7C}"/>
+              </a:ext>
+            </a:extLst>
+          </p:cNvPr>
+          <p:cNvSpPr/>
+          <p:nvPr/>
+        </p:nvSpPr>
+        <p:spPr>
+          <a:xfrm>
+            <a:off x="119372" y="638846"/>
+            <a:ext cx="6121393" cy="6063198"/>
+          </a:xfrm>
+          <a:prstGeom prst="rect">
+            <a:avLst/>
+          </a:prstGeom>
+        </p:spPr>
+        <p:txBody>
+          <a:bodyPr wrap="square">
+            <a:spAutoFit/>
+          </a:bodyPr>
+          <a:lstStyle/>
+          <a:p>
+            <a:pPr marL="285750" indent="-285750">
+              <a:buFont typeface="Wingdings" panose="05000000000000000000" pitchFamily="2" charset="2"/>
+              <a:buChar char="n"/>
+            </a:pPr>
+            <a:r>
+              <a:rPr lang="zh-CN" altLang="en-US" sz="1600" dirty="0">
+                <a:latin typeface="黑体" panose="02010609060101010101" pitchFamily="49" charset="-122"/>
+                <a:ea typeface="黑体" panose="02010609060101010101" pitchFamily="49" charset="-122"/>
+              </a:rPr>
+              <a:t>堆：FIFO队列优先，先进先出。</a:t>
+            </a:r>
+            <a:r>
+              <a:rPr lang="en-US" altLang="zh-CN" sz="1600" dirty="0">
+                <a:latin typeface="黑体" panose="02010609060101010101" pitchFamily="49" charset="-122"/>
+                <a:ea typeface="黑体" panose="02010609060101010101" pitchFamily="49" charset="-122"/>
+              </a:rPr>
+              <a:t>JVM</a:t>
+            </a:r>
+            <a:r>
+              <a:rPr lang="zh-CN" altLang="en-US" sz="1600" dirty="0">
+                <a:latin typeface="黑体" panose="02010609060101010101" pitchFamily="49" charset="-122"/>
+                <a:ea typeface="黑体" panose="02010609060101010101" pitchFamily="49" charset="-122"/>
+              </a:rPr>
+              <a:t>只有一个堆区被所有线程所共享！堆存放在二级缓存中，调用对象的速度相对慢一些，生命周期由虚拟机的垃圾回收机制定。</a:t>
+            </a:r>
+            <a:endParaRPr lang="en-US" altLang="zh-CN" sz="1600" dirty="0">
+              <a:latin typeface="黑体" panose="02010609060101010101" pitchFamily="49" charset="-122"/>
+              <a:ea typeface="黑体" panose="02010609060101010101" pitchFamily="49" charset="-122"/>
+            </a:endParaRPr>
+          </a:p>
+          <a:p>
+            <a:r>
+              <a:rPr lang="zh-CN" altLang="en-US" sz="1600" dirty="0">
+                <a:solidFill>
+                  <a:srgbClr val="4F4F4F"/>
+                </a:solidFill>
+                <a:latin typeface="黑体" panose="02010609060101010101" pitchFamily="49" charset="-122"/>
+                <a:ea typeface="黑体" panose="02010609060101010101" pitchFamily="49" charset="-122"/>
+              </a:rPr>
+              <a:t>   </a:t>
+            </a:r>
+            <a:r>
+              <a:rPr lang="zh-CN" altLang="en-US" sz="1600" dirty="0">
+                <a:solidFill>
+                  <a:srgbClr val="FF0000"/>
+                </a:solidFill>
+                <a:latin typeface="黑体" panose="02010609060101010101" pitchFamily="49" charset="-122"/>
+                <a:ea typeface="黑体" panose="02010609060101010101" pitchFamily="49" charset="-122"/>
+              </a:rPr>
+              <a:t>堆用来存储</a:t>
+            </a:r>
+            <a:r>
+              <a:rPr lang="en-US" altLang="zh-CN" sz="1600" dirty="0">
+                <a:solidFill>
+                  <a:srgbClr val="FF0000"/>
+                </a:solidFill>
+                <a:latin typeface="黑体" panose="02010609060101010101" pitchFamily="49" charset="-122"/>
+                <a:ea typeface="黑体" panose="02010609060101010101" pitchFamily="49" charset="-122"/>
+              </a:rPr>
+              <a:t>new</a:t>
+            </a:r>
+            <a:r>
+              <a:rPr lang="zh-CN" altLang="en-US" sz="1600" dirty="0">
+                <a:solidFill>
+                  <a:srgbClr val="FF0000"/>
+                </a:solidFill>
+                <a:latin typeface="黑体" panose="02010609060101010101" pitchFamily="49" charset="-122"/>
+                <a:ea typeface="黑体" panose="02010609060101010101" pitchFamily="49" charset="-122"/>
+              </a:rPr>
+              <a:t>出来的对象和数组</a:t>
+            </a:r>
+            <a:r>
+              <a:rPr lang="en-US" altLang="zh-CN" sz="1600" dirty="0">
+                <a:solidFill>
+                  <a:srgbClr val="FF0000"/>
+                </a:solidFill>
+                <a:latin typeface="黑体" panose="02010609060101010101" pitchFamily="49" charset="-122"/>
+                <a:ea typeface="黑体" panose="02010609060101010101" pitchFamily="49" charset="-122"/>
+              </a:rPr>
+              <a:t>,</a:t>
+            </a:r>
+            <a:r>
+              <a:rPr lang="zh-CN" altLang="en-US" sz="1600" dirty="0">
+                <a:solidFill>
+                  <a:srgbClr val="00B050"/>
+                </a:solidFill>
+                <a:latin typeface="黑体" panose="02010609060101010101" pitchFamily="49" charset="-122"/>
+                <a:ea typeface="黑体" panose="02010609060101010101" pitchFamily="49" charset="-122"/>
+              </a:rPr>
+              <a:t>线程共享</a:t>
+            </a:r>
+            <a:endParaRPr lang="en-US" altLang="zh-CN" sz="1600" dirty="0">
+              <a:solidFill>
+                <a:srgbClr val="00B050"/>
+              </a:solidFill>
+              <a:latin typeface="黑体" panose="02010609060101010101" pitchFamily="49" charset="-122"/>
+              <a:ea typeface="黑体" panose="02010609060101010101" pitchFamily="49" charset="-122"/>
+            </a:endParaRPr>
+          </a:p>
+          <a:p>
+            <a:pPr marL="285750" indent="-285750">
+              <a:buFont typeface="Wingdings" panose="05000000000000000000" pitchFamily="2" charset="2"/>
+              <a:buChar char="ü"/>
+            </a:pPr>
+            <a:r>
+              <a:rPr lang="en-US" altLang="zh-CN" sz="1600" dirty="0">
+                <a:solidFill>
+                  <a:srgbClr val="FF0000"/>
+                </a:solidFill>
+                <a:latin typeface="黑体" panose="02010609060101010101" pitchFamily="49" charset="-122"/>
+                <a:ea typeface="黑体" panose="02010609060101010101" pitchFamily="49" charset="-122"/>
+              </a:rPr>
+              <a:t>1.</a:t>
+            </a:r>
+            <a:r>
+              <a:rPr lang="zh-CN" altLang="en-US" sz="1600" dirty="0">
+                <a:solidFill>
+                  <a:srgbClr val="FF0000"/>
+                </a:solidFill>
+                <a:latin typeface="黑体" panose="02010609060101010101" pitchFamily="49" charset="-122"/>
+                <a:ea typeface="黑体" panose="02010609060101010101" pitchFamily="49" charset="-122"/>
+              </a:rPr>
+              <a:t>存储的全部是对象，每个对象都包含一个与之对应的</a:t>
+            </a:r>
+            <a:r>
+              <a:rPr lang="en-US" altLang="zh-CN" sz="1600" dirty="0">
+                <a:solidFill>
+                  <a:srgbClr val="FF0000"/>
+                </a:solidFill>
+                <a:latin typeface="黑体" panose="02010609060101010101" pitchFamily="49" charset="-122"/>
+                <a:ea typeface="黑体" panose="02010609060101010101" pitchFamily="49" charset="-122"/>
+              </a:rPr>
+              <a:t>class</a:t>
+            </a:r>
+            <a:r>
+              <a:rPr lang="zh-CN" altLang="en-US" sz="1600" dirty="0">
+                <a:solidFill>
+                  <a:srgbClr val="FF0000"/>
+                </a:solidFill>
+                <a:latin typeface="黑体" panose="02010609060101010101" pitchFamily="49" charset="-122"/>
+                <a:ea typeface="黑体" panose="02010609060101010101" pitchFamily="49" charset="-122"/>
+              </a:rPr>
+              <a:t>的信息。</a:t>
+            </a:r>
+            <a:r>
+              <a:rPr lang="en-US" altLang="zh-CN" sz="1600" dirty="0">
+                <a:solidFill>
+                  <a:srgbClr val="FF0000"/>
+                </a:solidFill>
+                <a:latin typeface="黑体" panose="02010609060101010101" pitchFamily="49" charset="-122"/>
+                <a:ea typeface="黑体" panose="02010609060101010101" pitchFamily="49" charset="-122"/>
+              </a:rPr>
+              <a:t>(class</a:t>
+            </a:r>
+            <a:r>
+              <a:rPr lang="zh-CN" altLang="en-US" sz="1600" dirty="0">
+                <a:solidFill>
+                  <a:srgbClr val="FF0000"/>
+                </a:solidFill>
+                <a:latin typeface="黑体" panose="02010609060101010101" pitchFamily="49" charset="-122"/>
+                <a:ea typeface="黑体" panose="02010609060101010101" pitchFamily="49" charset="-122"/>
+              </a:rPr>
+              <a:t>的目的是得到操作指令</a:t>
+            </a:r>
+            <a:r>
+              <a:rPr lang="en-US" altLang="zh-CN" sz="1600" dirty="0">
+                <a:solidFill>
+                  <a:srgbClr val="FF0000"/>
+                </a:solidFill>
+                <a:latin typeface="黑体" panose="02010609060101010101" pitchFamily="49" charset="-122"/>
+                <a:ea typeface="黑体" panose="02010609060101010101" pitchFamily="49" charset="-122"/>
+              </a:rPr>
+              <a:t>)</a:t>
+            </a:r>
+          </a:p>
+          <a:p>
+            <a:pPr marL="285750" indent="-285750">
+              <a:buFont typeface="Wingdings" panose="05000000000000000000" pitchFamily="2" charset="2"/>
+              <a:buChar char="ü"/>
+            </a:pPr>
+            <a:r>
+              <a:rPr lang="en-US" altLang="zh-CN" sz="1600" dirty="0">
+                <a:solidFill>
+                  <a:srgbClr val="FF0000"/>
+                </a:solidFill>
+                <a:latin typeface="黑体" panose="02010609060101010101" pitchFamily="49" charset="-122"/>
+                <a:ea typeface="黑体" panose="02010609060101010101" pitchFamily="49" charset="-122"/>
+              </a:rPr>
+              <a:t>2.jvm</a:t>
+            </a:r>
+            <a:r>
+              <a:rPr lang="zh-CN" altLang="en-US" sz="1600" dirty="0">
+                <a:solidFill>
+                  <a:srgbClr val="FF0000"/>
+                </a:solidFill>
+                <a:latin typeface="黑体" panose="02010609060101010101" pitchFamily="49" charset="-122"/>
+                <a:ea typeface="黑体" panose="02010609060101010101" pitchFamily="49" charset="-122"/>
+              </a:rPr>
+              <a:t>只有一个堆区</a:t>
+            </a:r>
+            <a:r>
+              <a:rPr lang="en-US" altLang="zh-CN" sz="1600" dirty="0">
+                <a:solidFill>
+                  <a:srgbClr val="FF0000"/>
+                </a:solidFill>
+                <a:latin typeface="黑体" panose="02010609060101010101" pitchFamily="49" charset="-122"/>
+                <a:ea typeface="黑体" panose="02010609060101010101" pitchFamily="49" charset="-122"/>
+              </a:rPr>
+              <a:t>(heap)</a:t>
+            </a:r>
+            <a:r>
+              <a:rPr lang="zh-CN" altLang="en-US" sz="1600" dirty="0">
+                <a:solidFill>
+                  <a:srgbClr val="FF0000"/>
+                </a:solidFill>
+                <a:latin typeface="黑体" panose="02010609060101010101" pitchFamily="49" charset="-122"/>
+                <a:ea typeface="黑体" panose="02010609060101010101" pitchFamily="49" charset="-122"/>
+              </a:rPr>
+              <a:t>被所有线程共享，堆中不存放基本类型和对象引用，只存放对象本身</a:t>
+            </a:r>
+            <a:endParaRPr lang="en-US" altLang="zh-CN" sz="1600" dirty="0">
+              <a:solidFill>
+                <a:srgbClr val="FF0000"/>
+              </a:solidFill>
+              <a:latin typeface="黑体" panose="02010609060101010101" pitchFamily="49" charset="-122"/>
+              <a:ea typeface="黑体" panose="02010609060101010101" pitchFamily="49" charset="-122"/>
+            </a:endParaRPr>
+          </a:p>
+          <a:p>
+            <a:pPr marL="285750" indent="-285750">
+              <a:buFont typeface="Wingdings" panose="05000000000000000000" pitchFamily="2" charset="2"/>
+              <a:buChar char="n"/>
+            </a:pPr>
+            <a:r>
+              <a:rPr lang="zh-CN" altLang="en-US" sz="1600" dirty="0">
+                <a:latin typeface="黑体" panose="02010609060101010101" pitchFamily="49" charset="-122"/>
+                <a:ea typeface="黑体" panose="02010609060101010101" pitchFamily="49" charset="-122"/>
+              </a:rPr>
+              <a:t>栈：FILO先进后出，暂存数据的地方。每个线程都包含一个栈区！栈存放在一级缓存中，存取速度较快，“栈是限定仅在表头进行插入和删除操作的线性表”。</a:t>
+            </a:r>
+            <a:endParaRPr lang="en-US" altLang="zh-CN" sz="1600" dirty="0">
+              <a:latin typeface="黑体" panose="02010609060101010101" pitchFamily="49" charset="-122"/>
+              <a:ea typeface="黑体" panose="02010609060101010101" pitchFamily="49" charset="-122"/>
+            </a:endParaRPr>
+          </a:p>
+          <a:p>
+            <a:r>
+              <a:rPr lang="en-US" altLang="zh-CN" sz="1600" dirty="0">
+                <a:solidFill>
+                  <a:srgbClr val="FF0000"/>
+                </a:solidFill>
+                <a:latin typeface="黑体" panose="02010609060101010101" pitchFamily="49" charset="-122"/>
+                <a:ea typeface="黑体" panose="02010609060101010101" pitchFamily="49" charset="-122"/>
+              </a:rPr>
+              <a:t>   </a:t>
+            </a:r>
+            <a:r>
+              <a:rPr lang="zh-CN" altLang="en-US" sz="1600" dirty="0">
+                <a:solidFill>
+                  <a:srgbClr val="FF0000"/>
+                </a:solidFill>
+                <a:latin typeface="黑体" panose="02010609060101010101" pitchFamily="49" charset="-122"/>
+                <a:ea typeface="黑体" panose="02010609060101010101" pitchFamily="49" charset="-122"/>
+              </a:rPr>
+              <a:t>栈用来存储基本类型变量和对象的引用变量的地址，</a:t>
+            </a:r>
+            <a:r>
+              <a:rPr lang="zh-CN" altLang="en-US" sz="1600" dirty="0">
+                <a:solidFill>
+                  <a:srgbClr val="00B050"/>
+                </a:solidFill>
+                <a:latin typeface="黑体" panose="02010609060101010101" pitchFamily="49" charset="-122"/>
+                <a:ea typeface="黑体" panose="02010609060101010101" pitchFamily="49" charset="-122"/>
+              </a:rPr>
+              <a:t>非线程共 享，每个线程创建一个栈</a:t>
+            </a:r>
+            <a:endParaRPr lang="en-US" altLang="zh-CN" sz="1600" dirty="0">
+              <a:solidFill>
+                <a:srgbClr val="00B050"/>
+              </a:solidFill>
+              <a:latin typeface="黑体" panose="02010609060101010101" pitchFamily="49" charset="-122"/>
+              <a:ea typeface="黑体" panose="02010609060101010101" pitchFamily="49" charset="-122"/>
+            </a:endParaRPr>
+          </a:p>
+          <a:p>
+            <a:pPr marL="285750" indent="-285750">
+              <a:buFont typeface="Wingdings" panose="05000000000000000000" pitchFamily="2" charset="2"/>
+              <a:buChar char="ü"/>
+            </a:pPr>
+            <a:r>
+              <a:rPr lang="en-US" altLang="zh-CN" sz="1600" dirty="0">
+                <a:solidFill>
+                  <a:srgbClr val="FF0000"/>
+                </a:solidFill>
+                <a:latin typeface="黑体" panose="02010609060101010101" pitchFamily="49" charset="-122"/>
+                <a:ea typeface="黑体" panose="02010609060101010101" pitchFamily="49" charset="-122"/>
+              </a:rPr>
+              <a:t>1.</a:t>
+            </a:r>
+            <a:r>
+              <a:rPr lang="zh-CN" altLang="en-US" sz="1600" dirty="0">
+                <a:solidFill>
+                  <a:srgbClr val="FF0000"/>
+                </a:solidFill>
+                <a:latin typeface="黑体" panose="02010609060101010101" pitchFamily="49" charset="-122"/>
+                <a:ea typeface="黑体" panose="02010609060101010101" pitchFamily="49" charset="-122"/>
+              </a:rPr>
+              <a:t>每个线程包含一个栈区，栈中只保存基础数据类型的对象和自定义对象的引用</a:t>
+            </a:r>
+            <a:r>
+              <a:rPr lang="en-US" altLang="zh-CN" sz="1600" dirty="0">
+                <a:solidFill>
+                  <a:srgbClr val="FF0000"/>
+                </a:solidFill>
+                <a:latin typeface="黑体" panose="02010609060101010101" pitchFamily="49" charset="-122"/>
+                <a:ea typeface="黑体" panose="02010609060101010101" pitchFamily="49" charset="-122"/>
+              </a:rPr>
+              <a:t>(</a:t>
+            </a:r>
+            <a:r>
+              <a:rPr lang="zh-CN" altLang="en-US" sz="1600" dirty="0">
+                <a:solidFill>
+                  <a:srgbClr val="FF0000"/>
+                </a:solidFill>
+                <a:latin typeface="黑体" panose="02010609060101010101" pitchFamily="49" charset="-122"/>
+                <a:ea typeface="黑体" panose="02010609060101010101" pitchFamily="49" charset="-122"/>
+              </a:rPr>
+              <a:t>不是对象</a:t>
+            </a:r>
+            <a:r>
+              <a:rPr lang="en-US" altLang="zh-CN" sz="1600" dirty="0">
+                <a:solidFill>
+                  <a:srgbClr val="FF0000"/>
+                </a:solidFill>
+                <a:latin typeface="黑体" panose="02010609060101010101" pitchFamily="49" charset="-122"/>
+                <a:ea typeface="黑体" panose="02010609060101010101" pitchFamily="49" charset="-122"/>
+              </a:rPr>
+              <a:t>)</a:t>
+            </a:r>
+            <a:r>
+              <a:rPr lang="zh-CN" altLang="en-US" sz="1600" dirty="0">
+                <a:solidFill>
+                  <a:srgbClr val="FF0000"/>
+                </a:solidFill>
+                <a:latin typeface="黑体" panose="02010609060101010101" pitchFamily="49" charset="-122"/>
+                <a:ea typeface="黑体" panose="02010609060101010101" pitchFamily="49" charset="-122"/>
+              </a:rPr>
+              <a:t>，对象都存放在堆区中</a:t>
+            </a:r>
+            <a:endParaRPr lang="en-US" altLang="zh-CN" sz="1600" dirty="0">
+              <a:solidFill>
+                <a:srgbClr val="FF0000"/>
+              </a:solidFill>
+              <a:latin typeface="黑体" panose="02010609060101010101" pitchFamily="49" charset="-122"/>
+              <a:ea typeface="黑体" panose="02010609060101010101" pitchFamily="49" charset="-122"/>
+            </a:endParaRPr>
+          </a:p>
+          <a:p>
+            <a:pPr marL="285750" indent="-285750">
+              <a:buFont typeface="Wingdings" panose="05000000000000000000" pitchFamily="2" charset="2"/>
+              <a:buChar char="ü"/>
+            </a:pPr>
+            <a:r>
+              <a:rPr lang="en-US" altLang="zh-CN" sz="1600" dirty="0">
+                <a:solidFill>
+                  <a:srgbClr val="FF0000"/>
+                </a:solidFill>
+                <a:latin typeface="黑体" panose="02010609060101010101" pitchFamily="49" charset="-122"/>
+                <a:ea typeface="黑体" panose="02010609060101010101" pitchFamily="49" charset="-122"/>
+              </a:rPr>
+              <a:t>2.</a:t>
+            </a:r>
+            <a:r>
+              <a:rPr lang="zh-CN" altLang="en-US" sz="1600" dirty="0">
+                <a:solidFill>
+                  <a:srgbClr val="FF0000"/>
+                </a:solidFill>
+                <a:latin typeface="黑体" panose="02010609060101010101" pitchFamily="49" charset="-122"/>
+                <a:ea typeface="黑体" panose="02010609060101010101" pitchFamily="49" charset="-122"/>
+              </a:rPr>
+              <a:t>每个栈中的数据</a:t>
+            </a:r>
+            <a:r>
+              <a:rPr lang="en-US" altLang="zh-CN" sz="1600" dirty="0">
+                <a:solidFill>
+                  <a:srgbClr val="FF0000"/>
+                </a:solidFill>
+                <a:latin typeface="黑体" panose="02010609060101010101" pitchFamily="49" charset="-122"/>
+                <a:ea typeface="黑体" panose="02010609060101010101" pitchFamily="49" charset="-122"/>
+              </a:rPr>
+              <a:t>(</a:t>
+            </a:r>
+            <a:r>
+              <a:rPr lang="zh-CN" altLang="en-US" sz="1600" dirty="0">
+                <a:solidFill>
+                  <a:srgbClr val="FF0000"/>
+                </a:solidFill>
+                <a:latin typeface="黑体" panose="02010609060101010101" pitchFamily="49" charset="-122"/>
+                <a:ea typeface="黑体" panose="02010609060101010101" pitchFamily="49" charset="-122"/>
+              </a:rPr>
+              <a:t>原始类型和对象引用</a:t>
+            </a:r>
+            <a:r>
+              <a:rPr lang="en-US" altLang="zh-CN" sz="1600" dirty="0">
+                <a:solidFill>
+                  <a:srgbClr val="FF0000"/>
+                </a:solidFill>
+                <a:latin typeface="黑体" panose="02010609060101010101" pitchFamily="49" charset="-122"/>
+                <a:ea typeface="黑体" panose="02010609060101010101" pitchFamily="49" charset="-122"/>
+              </a:rPr>
+              <a:t>)</a:t>
+            </a:r>
+            <a:r>
+              <a:rPr lang="zh-CN" altLang="en-US" sz="1600" dirty="0">
+                <a:solidFill>
+                  <a:srgbClr val="FF0000"/>
+                </a:solidFill>
+                <a:latin typeface="黑体" panose="02010609060101010101" pitchFamily="49" charset="-122"/>
+                <a:ea typeface="黑体" panose="02010609060101010101" pitchFamily="49" charset="-122"/>
+              </a:rPr>
+              <a:t>都是私有的，其他栈不能访问。</a:t>
+            </a:r>
+            <a:endParaRPr lang="en-US" altLang="zh-CN" sz="1600" dirty="0">
+              <a:solidFill>
+                <a:srgbClr val="FF0000"/>
+              </a:solidFill>
+              <a:latin typeface="黑体" panose="02010609060101010101" pitchFamily="49" charset="-122"/>
+              <a:ea typeface="黑体" panose="02010609060101010101" pitchFamily="49" charset="-122"/>
+            </a:endParaRPr>
+          </a:p>
+          <a:p>
+            <a:pPr marL="285750" indent="-285750">
+              <a:buFont typeface="Wingdings" panose="05000000000000000000" pitchFamily="2" charset="2"/>
+              <a:buChar char="ü"/>
+            </a:pPr>
+            <a:r>
+              <a:rPr lang="en-US" altLang="zh-CN" sz="1600" dirty="0">
+                <a:solidFill>
+                  <a:srgbClr val="FF0000"/>
+                </a:solidFill>
+                <a:latin typeface="黑体" panose="02010609060101010101" pitchFamily="49" charset="-122"/>
+                <a:ea typeface="黑体" panose="02010609060101010101" pitchFamily="49" charset="-122"/>
+              </a:rPr>
+              <a:t>3.</a:t>
+            </a:r>
+            <a:r>
+              <a:rPr lang="zh-CN" altLang="en-US" sz="1600" dirty="0">
+                <a:solidFill>
+                  <a:srgbClr val="FF0000"/>
+                </a:solidFill>
+                <a:latin typeface="黑体" panose="02010609060101010101" pitchFamily="49" charset="-122"/>
+                <a:ea typeface="黑体" panose="02010609060101010101" pitchFamily="49" charset="-122"/>
+              </a:rPr>
+              <a:t>栈分为</a:t>
+            </a:r>
+            <a:r>
+              <a:rPr lang="en-US" altLang="zh-CN" sz="1600" dirty="0">
+                <a:solidFill>
+                  <a:srgbClr val="FF0000"/>
+                </a:solidFill>
+                <a:latin typeface="黑体" panose="02010609060101010101" pitchFamily="49" charset="-122"/>
+                <a:ea typeface="黑体" panose="02010609060101010101" pitchFamily="49" charset="-122"/>
+              </a:rPr>
+              <a:t>3</a:t>
+            </a:r>
+            <a:r>
+              <a:rPr lang="zh-CN" altLang="en-US" sz="1600" dirty="0">
+                <a:solidFill>
+                  <a:srgbClr val="FF0000"/>
+                </a:solidFill>
+                <a:latin typeface="黑体" panose="02010609060101010101" pitchFamily="49" charset="-122"/>
+                <a:ea typeface="黑体" panose="02010609060101010101" pitchFamily="49" charset="-122"/>
+              </a:rPr>
+              <a:t>个部分：基本类型变量区、执行环境上下文、操作指令区</a:t>
+            </a:r>
+            <a:r>
+              <a:rPr lang="en-US" altLang="zh-CN" sz="1600" dirty="0">
+                <a:solidFill>
+                  <a:srgbClr val="FF0000"/>
+                </a:solidFill>
+                <a:latin typeface="黑体" panose="02010609060101010101" pitchFamily="49" charset="-122"/>
+                <a:ea typeface="黑体" panose="02010609060101010101" pitchFamily="49" charset="-122"/>
+              </a:rPr>
+              <a:t>(</a:t>
+            </a:r>
+            <a:r>
+              <a:rPr lang="zh-CN" altLang="en-US" sz="1600" dirty="0">
+                <a:solidFill>
+                  <a:srgbClr val="FF0000"/>
+                </a:solidFill>
+                <a:latin typeface="黑体" panose="02010609060101010101" pitchFamily="49" charset="-122"/>
+                <a:ea typeface="黑体" panose="02010609060101010101" pitchFamily="49" charset="-122"/>
+              </a:rPr>
+              <a:t>存放操作指令</a:t>
+            </a:r>
+            <a:r>
+              <a:rPr lang="en-US" altLang="zh-CN" sz="1600" dirty="0">
+                <a:solidFill>
+                  <a:srgbClr val="FF0000"/>
+                </a:solidFill>
+                <a:latin typeface="黑体" panose="02010609060101010101" pitchFamily="49" charset="-122"/>
+                <a:ea typeface="黑体" panose="02010609060101010101" pitchFamily="49" charset="-122"/>
+              </a:rPr>
+              <a:t>)</a:t>
+            </a:r>
+            <a:r>
+              <a:rPr lang="zh-CN" altLang="en-US" sz="1600" dirty="0">
+                <a:solidFill>
+                  <a:srgbClr val="FF0000"/>
+                </a:solidFill>
+                <a:latin typeface="黑体" panose="02010609060101010101" pitchFamily="49" charset="-122"/>
+                <a:ea typeface="黑体" panose="02010609060101010101" pitchFamily="49" charset="-122"/>
+              </a:rPr>
+              <a:t>。</a:t>
+            </a:r>
+            <a:endParaRPr lang="en-US" altLang="zh-CN" sz="1600" dirty="0">
+              <a:solidFill>
+                <a:srgbClr val="FF0000"/>
+              </a:solidFill>
+              <a:latin typeface="黑体" panose="02010609060101010101" pitchFamily="49" charset="-122"/>
+              <a:ea typeface="黑体" panose="02010609060101010101" pitchFamily="49" charset="-122"/>
+            </a:endParaRPr>
+          </a:p>
+          <a:p>
+            <a:pPr marL="285750" indent="-285750">
+              <a:buFont typeface="Wingdings" panose="05000000000000000000" pitchFamily="2" charset="2"/>
+              <a:buChar char="n"/>
+            </a:pPr>
+            <a:r>
+              <a:rPr lang="zh-CN" altLang="en-US" sz="1600" dirty="0">
+                <a:latin typeface="黑体" panose="02010609060101010101" pitchFamily="49" charset="-122"/>
+                <a:ea typeface="黑体" panose="02010609060101010101" pitchFamily="49" charset="-122"/>
+              </a:rPr>
+              <a:t>方法区：用来存放方法和static变量。</a:t>
+            </a:r>
+            <a:r>
+              <a:rPr lang="zh-CN" altLang="en-US" sz="1600" dirty="0">
+                <a:solidFill>
+                  <a:srgbClr val="00B050"/>
+                </a:solidFill>
+                <a:latin typeface="黑体" panose="02010609060101010101" pitchFamily="49" charset="-122"/>
+                <a:ea typeface="黑体" panose="02010609060101010101" pitchFamily="49" charset="-122"/>
+              </a:rPr>
+              <a:t>线程共享</a:t>
+            </a:r>
+            <a:endParaRPr lang="en-US" altLang="zh-CN" sz="1600" dirty="0">
+              <a:solidFill>
+                <a:srgbClr val="00B050"/>
+              </a:solidFill>
+              <a:latin typeface="黑体" panose="02010609060101010101" pitchFamily="49" charset="-122"/>
+              <a:ea typeface="黑体" panose="02010609060101010101" pitchFamily="49" charset="-122"/>
+            </a:endParaRPr>
+          </a:p>
+          <a:p>
+            <a:r>
+              <a:rPr lang="en-US" altLang="zh-CN" sz="1600" dirty="0">
+                <a:solidFill>
+                  <a:srgbClr val="FF0000"/>
+                </a:solidFill>
+                <a:latin typeface="黑体" panose="02010609060101010101" pitchFamily="49" charset="-122"/>
+                <a:ea typeface="黑体" panose="02010609060101010101" pitchFamily="49" charset="-122"/>
+              </a:rPr>
+              <a:t>1.</a:t>
+            </a:r>
+            <a:r>
+              <a:rPr lang="zh-CN" altLang="en-US" sz="1600" dirty="0">
+                <a:solidFill>
+                  <a:srgbClr val="FF0000"/>
+                </a:solidFill>
+                <a:latin typeface="黑体" panose="02010609060101010101" pitchFamily="49" charset="-122"/>
+                <a:ea typeface="黑体" panose="02010609060101010101" pitchFamily="49" charset="-122"/>
+              </a:rPr>
+              <a:t>又叫静态区，跟堆一样，被所有的线程共享。存放了要加载的类信息、静态变量、</a:t>
+            </a:r>
+            <a:r>
+              <a:rPr lang="en-US" altLang="zh-CN" sz="1600" dirty="0">
+                <a:solidFill>
+                  <a:srgbClr val="FF0000"/>
+                </a:solidFill>
+                <a:latin typeface="黑体" panose="02010609060101010101" pitchFamily="49" charset="-122"/>
+                <a:ea typeface="黑体" panose="02010609060101010101" pitchFamily="49" charset="-122"/>
+              </a:rPr>
+              <a:t>final</a:t>
+            </a:r>
+            <a:r>
+              <a:rPr lang="zh-CN" altLang="en-US" sz="1600" dirty="0">
+                <a:solidFill>
+                  <a:srgbClr val="FF0000"/>
+                </a:solidFill>
+                <a:latin typeface="黑体" panose="02010609060101010101" pitchFamily="49" charset="-122"/>
+                <a:ea typeface="黑体" panose="02010609060101010101" pitchFamily="49" charset="-122"/>
+              </a:rPr>
+              <a:t>类型的常量、属性和方法信息</a:t>
+            </a:r>
+          </a:p>
+          <a:p>
+            <a:pPr marL="285750" indent="-285750">
+              <a:buFont typeface="Wingdings" panose="05000000000000000000" pitchFamily="2" charset="2"/>
+              <a:buChar char="ü"/>
+            </a:pPr>
+            <a:r>
+              <a:rPr lang="en-US" altLang="zh-CN" sz="1600" dirty="0">
+                <a:solidFill>
+                  <a:srgbClr val="FF0000"/>
+                </a:solidFill>
+                <a:latin typeface="黑体" panose="02010609060101010101" pitchFamily="49" charset="-122"/>
+                <a:ea typeface="黑体" panose="02010609060101010101" pitchFamily="49" charset="-122"/>
+              </a:rPr>
+              <a:t>2.</a:t>
+            </a:r>
+            <a:r>
+              <a:rPr lang="zh-CN" altLang="en-US" sz="1600" dirty="0">
+                <a:solidFill>
+                  <a:srgbClr val="FF0000"/>
+                </a:solidFill>
+                <a:latin typeface="黑体" panose="02010609060101010101" pitchFamily="49" charset="-122"/>
+                <a:ea typeface="黑体" panose="02010609060101010101" pitchFamily="49" charset="-122"/>
+              </a:rPr>
+              <a:t>方法区中包含的都是在整个程序中永远唯一的元素，如</a:t>
+            </a:r>
+            <a:r>
+              <a:rPr lang="en-US" altLang="zh-CN" sz="1600" dirty="0">
+                <a:solidFill>
+                  <a:srgbClr val="FF0000"/>
+                </a:solidFill>
+                <a:latin typeface="黑体" panose="02010609060101010101" pitchFamily="49" charset="-122"/>
+                <a:ea typeface="黑体" panose="02010609060101010101" pitchFamily="49" charset="-122"/>
+              </a:rPr>
+              <a:t>class</a:t>
+            </a:r>
+            <a:r>
+              <a:rPr lang="zh-CN" altLang="en-US" sz="1600" dirty="0">
+                <a:solidFill>
+                  <a:srgbClr val="FF0000"/>
+                </a:solidFill>
+                <a:latin typeface="黑体" panose="02010609060101010101" pitchFamily="49" charset="-122"/>
+                <a:ea typeface="黑体" panose="02010609060101010101" pitchFamily="49" charset="-122"/>
+              </a:rPr>
+              <a:t>，</a:t>
+            </a:r>
+            <a:r>
+              <a:rPr lang="en-US" altLang="zh-CN" sz="1600" dirty="0">
+                <a:solidFill>
+                  <a:srgbClr val="FF0000"/>
+                </a:solidFill>
+                <a:latin typeface="黑体" panose="02010609060101010101" pitchFamily="49" charset="-122"/>
+                <a:ea typeface="黑体" panose="02010609060101010101" pitchFamily="49" charset="-122"/>
+              </a:rPr>
+              <a:t>static</a:t>
+            </a:r>
+            <a:r>
+              <a:rPr lang="zh-CN" altLang="en-US" sz="1600" dirty="0">
+                <a:solidFill>
+                  <a:srgbClr val="FF0000"/>
+                </a:solidFill>
+                <a:latin typeface="黑体" panose="02010609060101010101" pitchFamily="49" charset="-122"/>
+                <a:ea typeface="黑体" panose="02010609060101010101" pitchFamily="49" charset="-122"/>
+              </a:rPr>
+              <a:t>变量。</a:t>
+            </a:r>
+          </a:p>
+        </p:txBody>
+      </p:sp>
+      <p:grpSp>
+        <p:nvGrpSpPr>
+          <p:cNvPr id="87" name="组合 86">
+            <a:extLst>
+              <a:ext uri="{FF2B5EF4-FFF2-40B4-BE49-F238E27FC236}">
+                <a16:creationId xmlns:a16="http://schemas.microsoft.com/office/drawing/2014/main" id="{18B57FF0-025C-4DCF-92A6-0C97751F554F}"/>
+              </a:ext>
+            </a:extLst>
+          </p:cNvPr>
+          <p:cNvGrpSpPr/>
+          <p:nvPr/>
+        </p:nvGrpSpPr>
+        <p:grpSpPr>
+          <a:xfrm>
+            <a:off x="6923564" y="437039"/>
+            <a:ext cx="4243711" cy="5987743"/>
+            <a:chOff x="6923564" y="437039"/>
+            <a:chExt cx="4243711" cy="5987743"/>
+          </a:xfrm>
+        </p:grpSpPr>
+        <p:grpSp>
+          <p:nvGrpSpPr>
+            <p:cNvPr id="19" name="组合 18">
+              <a:extLst>
+                <a:ext uri="{FF2B5EF4-FFF2-40B4-BE49-F238E27FC236}">
+                  <a16:creationId xmlns:a16="http://schemas.microsoft.com/office/drawing/2014/main" id="{8E6A17DA-B76F-4A78-BF6B-A6DC5242858C}"/>
+                </a:ext>
+              </a:extLst>
+            </p:cNvPr>
+            <p:cNvGrpSpPr/>
+            <p:nvPr/>
+          </p:nvGrpSpPr>
+          <p:grpSpPr>
+            <a:xfrm>
+              <a:off x="6923564" y="437039"/>
+              <a:ext cx="1560557" cy="4403197"/>
+              <a:chOff x="3195686" y="1535690"/>
+              <a:chExt cx="1036948" cy="4403197"/>
+            </a:xfrm>
+          </p:grpSpPr>
+          <p:grpSp>
+            <p:nvGrpSpPr>
+              <p:cNvPr id="13" name="组合 12">
+                <a:extLst>
+                  <a:ext uri="{FF2B5EF4-FFF2-40B4-BE49-F238E27FC236}">
+                    <a16:creationId xmlns:a16="http://schemas.microsoft.com/office/drawing/2014/main" id="{888382EE-BEAE-4920-8713-F24C3579F315}"/>
+                  </a:ext>
+                </a:extLst>
+              </p:cNvPr>
+              <p:cNvGrpSpPr/>
+              <p:nvPr/>
+            </p:nvGrpSpPr>
+            <p:grpSpPr>
+              <a:xfrm>
+                <a:off x="3195686" y="2232466"/>
+                <a:ext cx="1036948" cy="3706421"/>
+                <a:chOff x="2630078" y="2326734"/>
+                <a:chExt cx="1036948" cy="3706421"/>
+              </a:xfrm>
+            </p:grpSpPr>
+            <p:sp>
+              <p:nvSpPr>
+                <p:cNvPr id="8" name="矩形 7">
+                  <a:extLst>
+                    <a:ext uri="{FF2B5EF4-FFF2-40B4-BE49-F238E27FC236}">
+                      <a16:creationId xmlns:a16="http://schemas.microsoft.com/office/drawing/2014/main" id="{D5661055-821F-424E-B719-62EDD20A6DA1}"/>
+                    </a:ext>
+                  </a:extLst>
+                </p:cNvPr>
+                <p:cNvSpPr/>
+                <p:nvPr/>
+              </p:nvSpPr>
+              <p:spPr>
+                <a:xfrm>
+                  <a:off x="2630078" y="2326734"/>
+                  <a:ext cx="1036948" cy="791852"/>
+                </a:xfrm>
+                <a:prstGeom prst="rect">
+                  <a:avLst/>
+                </a:prstGeom>
+                <a:ln w="12700">
+                  <a:solidFill>
+                    <a:schemeClr val="tx1"/>
+                  </a:solidFill>
+                </a:ln>
+              </p:spPr>
+              <p:style>
+                <a:lnRef idx="1">
+                  <a:schemeClr val="accent2"/>
+                </a:lnRef>
+                <a:fillRef idx="3">
+                  <a:schemeClr val="accent2"/>
+                </a:fillRef>
+                <a:effectRef idx="2">
+                  <a:schemeClr val="accent2"/>
+                </a:effectRef>
+                <a:fontRef idx="minor">
+                  <a:schemeClr val="lt1"/>
+                </a:fontRef>
+              </p:style>
+              <p:txBody>
+                <a:bodyPr rtlCol="0" anchor="ctr"/>
+                <a:lstStyle/>
+                <a:p>
+                  <a:pPr algn="ctr"/>
+                  <a:r>
+                    <a:rPr lang="en-US" altLang="zh-CN" sz="1400" dirty="0"/>
+                    <a:t>Eden</a:t>
+                  </a:r>
+                </a:p>
+                <a:p>
+                  <a:pPr algn="ctr"/>
+                  <a:endParaRPr lang="en-US" altLang="zh-CN" sz="1400" dirty="0"/>
+                </a:p>
+                <a:p>
+                  <a:pPr algn="ctr"/>
+                  <a:endParaRPr lang="en-US" altLang="zh-CN" sz="1400" dirty="0"/>
+                </a:p>
+              </p:txBody>
+            </p:sp>
+            <p:sp>
+              <p:nvSpPr>
+                <p:cNvPr id="10" name="矩形 9">
+                  <a:extLst>
+                    <a:ext uri="{FF2B5EF4-FFF2-40B4-BE49-F238E27FC236}">
+                      <a16:creationId xmlns:a16="http://schemas.microsoft.com/office/drawing/2014/main" id="{7529750C-B3A6-41E8-885A-E0DEFA34B2CF}"/>
+                    </a:ext>
+                  </a:extLst>
+                </p:cNvPr>
+                <p:cNvSpPr/>
+                <p:nvPr/>
+              </p:nvSpPr>
+              <p:spPr>
+                <a:xfrm>
+                  <a:off x="2630078" y="3118586"/>
+                  <a:ext cx="1036948" cy="378758"/>
+                </a:xfrm>
+                <a:prstGeom prst="rect">
+                  <a:avLst/>
+                </a:prstGeom>
+                <a:solidFill>
+                  <a:srgbClr val="C00000"/>
+                </a:solidFill>
+                <a:ln w="12700">
+                  <a:solidFill>
+                    <a:schemeClr val="tx1"/>
+                  </a:solidFill>
+                </a:ln>
+              </p:spPr>
+              <p:style>
+                <a:lnRef idx="2">
+                  <a:schemeClr val="accent1">
+                    <a:shade val="50000"/>
+                  </a:schemeClr>
+                </a:lnRef>
+                <a:fillRef idx="1">
+                  <a:schemeClr val="accent1"/>
+                </a:fillRef>
+                <a:effectRef idx="0">
+                  <a:schemeClr val="accent1"/>
+                </a:effectRef>
+                <a:fontRef idx="minor">
+                  <a:schemeClr val="lt1"/>
+                </a:fontRef>
+              </p:style>
+              <p:txBody>
+                <a:bodyPr rtlCol="0" anchor="ctr"/>
+                <a:lstStyle/>
+                <a:p>
+                  <a:pPr algn="ctr"/>
+                  <a:r>
+                    <a:rPr lang="en-US" altLang="zh-CN" sz="1400" dirty="0"/>
+                    <a:t>from</a:t>
+                  </a:r>
+                  <a:endParaRPr lang="zh-CN" altLang="en-US" sz="1400" dirty="0"/>
+                </a:p>
+              </p:txBody>
+            </p:sp>
+            <p:sp>
+              <p:nvSpPr>
+                <p:cNvPr id="11" name="矩形 10">
+                  <a:extLst>
+                    <a:ext uri="{FF2B5EF4-FFF2-40B4-BE49-F238E27FC236}">
+                      <a16:creationId xmlns:a16="http://schemas.microsoft.com/office/drawing/2014/main" id="{D32170FB-9966-47D0-A332-E41F3F938A13}"/>
+                    </a:ext>
+                  </a:extLst>
+                </p:cNvPr>
+                <p:cNvSpPr/>
+                <p:nvPr/>
+              </p:nvSpPr>
+              <p:spPr>
+                <a:xfrm>
+                  <a:off x="2630078" y="3497344"/>
+                  <a:ext cx="1036948" cy="413094"/>
+                </a:xfrm>
+                <a:prstGeom prst="rect">
+                  <a:avLst/>
+                </a:prstGeom>
+                <a:solidFill>
+                  <a:srgbClr val="C00000"/>
+                </a:solidFill>
+                <a:ln w="12700">
+                  <a:solidFill>
+                    <a:schemeClr val="tx1"/>
+                  </a:solidFill>
+                </a:ln>
+              </p:spPr>
+              <p:style>
+                <a:lnRef idx="2">
+                  <a:schemeClr val="accent1">
+                    <a:shade val="50000"/>
+                  </a:schemeClr>
+                </a:lnRef>
+                <a:fillRef idx="1">
+                  <a:schemeClr val="accent1"/>
+                </a:fillRef>
+                <a:effectRef idx="0">
+                  <a:schemeClr val="accent1"/>
+                </a:effectRef>
+                <a:fontRef idx="minor">
+                  <a:schemeClr val="lt1"/>
+                </a:fontRef>
+              </p:style>
+              <p:txBody>
+                <a:bodyPr rtlCol="0" anchor="ctr"/>
+                <a:lstStyle/>
+                <a:p>
+                  <a:pPr algn="ctr"/>
+                  <a:r>
+                    <a:rPr lang="en-US" altLang="zh-CN" sz="1400" dirty="0"/>
+                    <a:t>to</a:t>
+                  </a:r>
+                  <a:endParaRPr lang="zh-CN" altLang="en-US" sz="1400" dirty="0"/>
+                </a:p>
+              </p:txBody>
+            </p:sp>
+            <p:sp>
+              <p:nvSpPr>
+                <p:cNvPr id="12" name="矩形 11">
+                  <a:extLst>
+                    <a:ext uri="{FF2B5EF4-FFF2-40B4-BE49-F238E27FC236}">
+                      <a16:creationId xmlns:a16="http://schemas.microsoft.com/office/drawing/2014/main" id="{C039B9DC-197A-4256-90CC-519800C2F01B}"/>
+                    </a:ext>
+                  </a:extLst>
+                </p:cNvPr>
+                <p:cNvSpPr/>
+                <p:nvPr/>
+              </p:nvSpPr>
+              <p:spPr>
+                <a:xfrm>
+                  <a:off x="2630078" y="3910437"/>
+                  <a:ext cx="1036948" cy="2122718"/>
+                </a:xfrm>
+                <a:prstGeom prst="rect">
+                  <a:avLst/>
+                </a:prstGeom>
+                <a:ln w="12700">
+                  <a:solidFill>
+                    <a:schemeClr val="tx1"/>
+                  </a:solidFill>
+                </a:ln>
+              </p:spPr>
+              <p:style>
+                <a:lnRef idx="1">
+                  <a:schemeClr val="accent3"/>
+                </a:lnRef>
+                <a:fillRef idx="3">
+                  <a:schemeClr val="accent3"/>
+                </a:fillRef>
+                <a:effectRef idx="2">
+                  <a:schemeClr val="accent3"/>
+                </a:effectRef>
+                <a:fontRef idx="minor">
+                  <a:schemeClr val="lt1"/>
+                </a:fontRef>
+              </p:style>
+              <p:txBody>
+                <a:bodyPr rtlCol="0" anchor="ctr"/>
+                <a:lstStyle/>
+                <a:p>
+                  <a:pPr algn="ctr"/>
+                  <a:r>
+                    <a:rPr lang="zh-CN" altLang="en-US" sz="1400" dirty="0"/>
+                    <a:t>老年代</a:t>
+                  </a:r>
+                </a:p>
+              </p:txBody>
+            </p:sp>
+          </p:grpSp>
+          <p:cxnSp>
+            <p:nvCxnSpPr>
+              <p:cNvPr id="15" name="直接箭头连接符 14">
+                <a:extLst>
+                  <a:ext uri="{FF2B5EF4-FFF2-40B4-BE49-F238E27FC236}">
+                    <a16:creationId xmlns:a16="http://schemas.microsoft.com/office/drawing/2014/main" id="{A899A0D1-437D-428E-8F10-52C89D2AAEBD}"/>
+                  </a:ext>
+                </a:extLst>
+              </p:cNvPr>
+              <p:cNvCxnSpPr>
+                <a:cxnSpLocks/>
+              </p:cNvCxnSpPr>
+              <p:nvPr/>
+            </p:nvCxnSpPr>
+            <p:spPr>
+              <a:xfrm>
+                <a:off x="3714160" y="1875934"/>
+                <a:ext cx="0" cy="273377"/>
+              </a:xfrm>
+              <a:prstGeom prst="straightConnector1">
+                <a:avLst/>
+              </a:prstGeom>
+              <a:ln>
+                <a:tailEnd type="triangle"/>
+              </a:ln>
+            </p:spPr>
+            <p:style>
+              <a:lnRef idx="1">
+                <a:schemeClr val="accent1"/>
+              </a:lnRef>
+              <a:fillRef idx="0">
+                <a:schemeClr val="accent1"/>
+              </a:fillRef>
+              <a:effectRef idx="0">
+                <a:schemeClr val="accent1"/>
+              </a:effectRef>
+              <a:fontRef idx="minor">
+                <a:schemeClr val="tx1"/>
+              </a:fontRef>
+            </p:style>
+          </p:cxnSp>
+          <p:sp>
+            <p:nvSpPr>
+              <p:cNvPr id="16" name="文本框 15">
+                <a:extLst>
+                  <a:ext uri="{FF2B5EF4-FFF2-40B4-BE49-F238E27FC236}">
+                    <a16:creationId xmlns:a16="http://schemas.microsoft.com/office/drawing/2014/main" id="{F8EE2207-33C2-46E3-9F14-A750414849F9}"/>
+                  </a:ext>
+                </a:extLst>
+              </p:cNvPr>
+              <p:cNvSpPr txBox="1"/>
+              <p:nvPr/>
+            </p:nvSpPr>
+            <p:spPr>
+              <a:xfrm>
+                <a:off x="3597537" y="1535690"/>
+                <a:ext cx="265373" cy="340241"/>
+              </a:xfrm>
+              <a:prstGeom prst="rect">
+                <a:avLst/>
+              </a:prstGeom>
+              <a:noFill/>
+            </p:spPr>
+            <p:txBody>
+              <a:bodyPr wrap="square" rtlCol="0">
+                <a:spAutoFit/>
+              </a:bodyPr>
+              <a:lstStyle/>
+              <a:p>
+                <a:r>
+                  <a:rPr lang="zh-CN" altLang="en-US" sz="1600" dirty="0"/>
+                  <a:t>堆</a:t>
+                </a:r>
+              </a:p>
+            </p:txBody>
+          </p:sp>
+        </p:grpSp>
+        <p:grpSp>
+          <p:nvGrpSpPr>
+            <p:cNvPr id="24" name="组合 23">
+              <a:extLst>
+                <a:ext uri="{FF2B5EF4-FFF2-40B4-BE49-F238E27FC236}">
+                  <a16:creationId xmlns:a16="http://schemas.microsoft.com/office/drawing/2014/main" id="{F53618C7-190D-4473-A361-A7F5C3FFB37C}"/>
+                </a:ext>
+              </a:extLst>
+            </p:cNvPr>
+            <p:cNvGrpSpPr/>
+            <p:nvPr/>
+          </p:nvGrpSpPr>
+          <p:grpSpPr>
+            <a:xfrm>
+              <a:off x="9606718" y="437039"/>
+              <a:ext cx="1560557" cy="4403197"/>
+              <a:chOff x="5176961" y="649568"/>
+              <a:chExt cx="1036948" cy="4403197"/>
+            </a:xfrm>
+          </p:grpSpPr>
+          <p:sp>
+            <p:nvSpPr>
+              <p:cNvPr id="18" name="文本框 17">
+                <a:extLst>
+                  <a:ext uri="{FF2B5EF4-FFF2-40B4-BE49-F238E27FC236}">
+                    <a16:creationId xmlns:a16="http://schemas.microsoft.com/office/drawing/2014/main" id="{FD7383E1-4A01-434B-B37C-B59B2E87EBAE}"/>
+                  </a:ext>
+                </a:extLst>
+              </p:cNvPr>
+              <p:cNvSpPr txBox="1"/>
+              <p:nvPr/>
+            </p:nvSpPr>
+            <p:spPr>
+              <a:xfrm>
+                <a:off x="5562747" y="649568"/>
+                <a:ext cx="265369" cy="340241"/>
+              </a:xfrm>
+              <a:prstGeom prst="rect">
+                <a:avLst/>
+              </a:prstGeom>
+              <a:noFill/>
+            </p:spPr>
+            <p:txBody>
+              <a:bodyPr wrap="square" rtlCol="0">
+                <a:spAutoFit/>
+              </a:bodyPr>
+              <a:lstStyle/>
+              <a:p>
+                <a:r>
+                  <a:rPr lang="zh-CN" altLang="en-US" sz="1600" dirty="0"/>
+                  <a:t>栈</a:t>
+                </a:r>
+              </a:p>
+            </p:txBody>
+          </p:sp>
+          <p:sp>
+            <p:nvSpPr>
+              <p:cNvPr id="20" name="矩形 19">
+                <a:extLst>
+                  <a:ext uri="{FF2B5EF4-FFF2-40B4-BE49-F238E27FC236}">
+                    <a16:creationId xmlns:a16="http://schemas.microsoft.com/office/drawing/2014/main" id="{23D50E70-4F86-41D1-B56F-099E14C882F7}"/>
+                  </a:ext>
+                </a:extLst>
+              </p:cNvPr>
+              <p:cNvSpPr/>
+              <p:nvPr/>
+            </p:nvSpPr>
+            <p:spPr>
+              <a:xfrm>
+                <a:off x="5176961" y="1346344"/>
+                <a:ext cx="1036948" cy="3706421"/>
+              </a:xfrm>
+              <a:prstGeom prst="rect">
+                <a:avLst/>
+              </a:prstGeom>
+            </p:spPr>
+            <p:style>
+              <a:lnRef idx="1">
+                <a:schemeClr val="accent5"/>
+              </a:lnRef>
+              <a:fillRef idx="2">
+                <a:schemeClr val="accent5"/>
+              </a:fillRef>
+              <a:effectRef idx="1">
+                <a:schemeClr val="accent5"/>
+              </a:effectRef>
+              <a:fontRef idx="minor">
+                <a:schemeClr val="dk1"/>
+              </a:fontRef>
+            </p:style>
+            <p:txBody>
+              <a:bodyPr rtlCol="0" anchor="ctr"/>
+              <a:lstStyle/>
+              <a:p>
+                <a:pPr algn="ctr"/>
+                <a:endParaRPr lang="zh-CN" altLang="en-US" dirty="0"/>
+              </a:p>
+            </p:txBody>
+          </p:sp>
+          <p:cxnSp>
+            <p:nvCxnSpPr>
+              <p:cNvPr id="21" name="直接箭头连接符 20">
+                <a:extLst>
+                  <a:ext uri="{FF2B5EF4-FFF2-40B4-BE49-F238E27FC236}">
+                    <a16:creationId xmlns:a16="http://schemas.microsoft.com/office/drawing/2014/main" id="{5905DD7D-E5D6-400D-ABCD-B2DA1F0DBEC2}"/>
+                  </a:ext>
+                </a:extLst>
+              </p:cNvPr>
+              <p:cNvCxnSpPr>
+                <a:cxnSpLocks/>
+              </p:cNvCxnSpPr>
+              <p:nvPr/>
+            </p:nvCxnSpPr>
+            <p:spPr>
+              <a:xfrm>
+                <a:off x="5695433" y="984220"/>
+                <a:ext cx="0" cy="273377"/>
+              </a:xfrm>
+              <a:prstGeom prst="straightConnector1">
+                <a:avLst/>
+              </a:prstGeom>
+              <a:ln>
+                <a:tailEnd type="triangle"/>
+              </a:ln>
+            </p:spPr>
+            <p:style>
+              <a:lnRef idx="1">
+                <a:schemeClr val="accent1"/>
+              </a:lnRef>
+              <a:fillRef idx="0">
+                <a:schemeClr val="accent1"/>
+              </a:fillRef>
+              <a:effectRef idx="0">
+                <a:schemeClr val="accent1"/>
+              </a:effectRef>
+              <a:fontRef idx="minor">
+                <a:schemeClr val="tx1"/>
+              </a:fontRef>
+            </p:style>
+          </p:cxnSp>
+        </p:grpSp>
+        <p:sp>
+          <p:nvSpPr>
+            <p:cNvPr id="23" name="矩形 22">
+              <a:extLst>
+                <a:ext uri="{FF2B5EF4-FFF2-40B4-BE49-F238E27FC236}">
+                  <a16:creationId xmlns:a16="http://schemas.microsoft.com/office/drawing/2014/main" id="{02E47A9F-C34D-4791-89F1-25570C7A9A5B}"/>
+                </a:ext>
+              </a:extLst>
+            </p:cNvPr>
+            <p:cNvSpPr/>
+            <p:nvPr/>
+          </p:nvSpPr>
+          <p:spPr>
+            <a:xfrm>
+              <a:off x="6923567" y="5378407"/>
+              <a:ext cx="4243708" cy="1046375"/>
+            </a:xfrm>
+            <a:prstGeom prst="rect">
+              <a:avLst/>
+            </a:prstGeom>
+          </p:spPr>
+          <p:style>
+            <a:lnRef idx="1">
+              <a:schemeClr val="accent6"/>
+            </a:lnRef>
+            <a:fillRef idx="2">
+              <a:schemeClr val="accent6"/>
+            </a:fillRef>
+            <a:effectRef idx="1">
+              <a:schemeClr val="accent6"/>
+            </a:effectRef>
+            <a:fontRef idx="minor">
+              <a:schemeClr val="dk1"/>
+            </a:fontRef>
+          </p:style>
+          <p:txBody>
+            <a:bodyPr rtlCol="0" anchor="ctr"/>
+            <a:lstStyle/>
+            <a:p>
+              <a:pPr algn="ctr"/>
+              <a:endParaRPr lang="zh-CN" altLang="en-US" dirty="0"/>
+            </a:p>
+          </p:txBody>
+        </p:sp>
+        <p:sp>
+          <p:nvSpPr>
+            <p:cNvPr id="25" name="文本框 24">
+              <a:extLst>
+                <a:ext uri="{FF2B5EF4-FFF2-40B4-BE49-F238E27FC236}">
+                  <a16:creationId xmlns:a16="http://schemas.microsoft.com/office/drawing/2014/main" id="{317CD259-C522-41E4-88D2-7F34DB25D882}"/>
+                </a:ext>
+              </a:extLst>
+            </p:cNvPr>
+            <p:cNvSpPr txBox="1"/>
+            <p:nvPr/>
+          </p:nvSpPr>
+          <p:spPr>
+            <a:xfrm>
+              <a:off x="8593720" y="6086228"/>
+              <a:ext cx="903402" cy="338554"/>
+            </a:xfrm>
+            <a:prstGeom prst="rect">
+              <a:avLst/>
+            </a:prstGeom>
+            <a:noFill/>
+          </p:spPr>
+          <p:txBody>
+            <a:bodyPr wrap="square" rtlCol="0">
+              <a:spAutoFit/>
+            </a:bodyPr>
+            <a:lstStyle/>
+            <a:p>
+              <a:r>
+                <a:rPr lang="zh-CN" altLang="en-US" sz="1600" dirty="0"/>
+                <a:t>方法区</a:t>
+              </a:r>
+            </a:p>
+          </p:txBody>
+        </p:sp>
+        <p:sp>
+          <p:nvSpPr>
+            <p:cNvPr id="28" name="矩形: 圆角 27">
+              <a:extLst>
+                <a:ext uri="{FF2B5EF4-FFF2-40B4-BE49-F238E27FC236}">
+                  <a16:creationId xmlns:a16="http://schemas.microsoft.com/office/drawing/2014/main" id="{CBB9CD55-4170-4802-9391-D28D5CC867BB}"/>
+                </a:ext>
+              </a:extLst>
+            </p:cNvPr>
+            <p:cNvSpPr/>
+            <p:nvPr/>
+          </p:nvSpPr>
+          <p:spPr>
+            <a:xfrm>
+              <a:off x="9778677" y="1271083"/>
+              <a:ext cx="1265144" cy="753244"/>
+            </a:xfrm>
+            <a:prstGeom prst="roundRect">
+              <a:avLst/>
+            </a:prstGeom>
+            <a:solidFill>
+              <a:srgbClr val="00B050"/>
+            </a:solidFill>
+          </p:spPr>
+          <p:style>
+            <a:lnRef idx="2">
+              <a:schemeClr val="accent1">
+                <a:shade val="50000"/>
+              </a:schemeClr>
+            </a:lnRef>
+            <a:fillRef idx="1">
+              <a:schemeClr val="accent1"/>
+            </a:fillRef>
+            <a:effectRef idx="0">
+              <a:schemeClr val="accent1"/>
+            </a:effectRef>
+            <a:fontRef idx="minor">
+              <a:schemeClr val="lt1"/>
+            </a:fontRef>
+          </p:style>
+          <p:txBody>
+            <a:bodyPr rtlCol="0" anchor="ctr"/>
+            <a:lstStyle/>
+            <a:p>
+              <a:pPr algn="ctr"/>
+              <a:r>
+                <a:rPr lang="zh-CN" altLang="en-US" sz="1400" dirty="0"/>
+                <a:t>局部变量</a:t>
+              </a:r>
+              <a:endParaRPr lang="en-US" altLang="zh-CN" sz="1400" dirty="0"/>
+            </a:p>
+            <a:p>
+              <a:pPr algn="ctr"/>
+              <a:r>
+                <a:rPr lang="en-US" altLang="zh-CN" sz="1400" dirty="0"/>
+                <a:t>user1</a:t>
+              </a:r>
+            </a:p>
+            <a:p>
+              <a:pPr algn="ctr"/>
+              <a:r>
+                <a:rPr lang="zh-CN" altLang="en-US" sz="1400" dirty="0"/>
+                <a:t>（对象指针）</a:t>
+              </a:r>
+            </a:p>
+          </p:txBody>
+        </p:sp>
+        <p:sp>
+          <p:nvSpPr>
+            <p:cNvPr id="29" name="矩形: 圆角 28">
+              <a:extLst>
+                <a:ext uri="{FF2B5EF4-FFF2-40B4-BE49-F238E27FC236}">
+                  <a16:creationId xmlns:a16="http://schemas.microsoft.com/office/drawing/2014/main" id="{AA339953-C026-454C-AD12-C55302F07B68}"/>
+                </a:ext>
+              </a:extLst>
+            </p:cNvPr>
+            <p:cNvSpPr/>
+            <p:nvPr/>
+          </p:nvSpPr>
+          <p:spPr>
+            <a:xfrm>
+              <a:off x="7048868" y="2838349"/>
+              <a:ext cx="1278386" cy="408346"/>
+            </a:xfrm>
+            <a:prstGeom prst="roundRect">
+              <a:avLst/>
+            </a:prstGeom>
+          </p:spPr>
+          <p:style>
+            <a:lnRef idx="2">
+              <a:schemeClr val="accent1">
+                <a:shade val="50000"/>
+              </a:schemeClr>
+            </a:lnRef>
+            <a:fillRef idx="1">
+              <a:schemeClr val="accent1"/>
+            </a:fillRef>
+            <a:effectRef idx="0">
+              <a:schemeClr val="accent1"/>
+            </a:effectRef>
+            <a:fontRef idx="minor">
+              <a:schemeClr val="lt1"/>
+            </a:fontRef>
+          </p:style>
+          <p:txBody>
+            <a:bodyPr rtlCol="0" anchor="ctr"/>
+            <a:lstStyle/>
+            <a:p>
+              <a:pPr algn="ctr"/>
+              <a:r>
+                <a:rPr lang="zh-CN" altLang="en-US" sz="1400" dirty="0"/>
+                <a:t>数组</a:t>
+              </a:r>
+            </a:p>
+          </p:txBody>
+        </p:sp>
+        <p:sp>
+          <p:nvSpPr>
+            <p:cNvPr id="30" name="矩形: 圆角 29">
+              <a:extLst>
+                <a:ext uri="{FF2B5EF4-FFF2-40B4-BE49-F238E27FC236}">
+                  <a16:creationId xmlns:a16="http://schemas.microsoft.com/office/drawing/2014/main" id="{B4E816ED-C7F5-4D21-A79B-DD6B6D926E0B}"/>
+                </a:ext>
+              </a:extLst>
+            </p:cNvPr>
+            <p:cNvSpPr/>
+            <p:nvPr/>
+          </p:nvSpPr>
+          <p:spPr>
+            <a:xfrm>
+              <a:off x="9778678" y="2115046"/>
+              <a:ext cx="1265143" cy="1299986"/>
+            </a:xfrm>
+            <a:prstGeom prst="roundRect">
+              <a:avLst/>
+            </a:prstGeom>
+          </p:spPr>
+          <p:style>
+            <a:lnRef idx="2">
+              <a:schemeClr val="accent1">
+                <a:shade val="50000"/>
+              </a:schemeClr>
+            </a:lnRef>
+            <a:fillRef idx="1">
+              <a:schemeClr val="accent1"/>
+            </a:fillRef>
+            <a:effectRef idx="0">
+              <a:schemeClr val="accent1"/>
+            </a:effectRef>
+            <a:fontRef idx="minor">
+              <a:schemeClr val="lt1"/>
+            </a:fontRef>
+          </p:style>
+          <p:txBody>
+            <a:bodyPr rtlCol="0" anchor="ctr"/>
+            <a:lstStyle/>
+            <a:p>
+              <a:pPr algn="ctr"/>
+              <a:r>
+                <a:rPr lang="zh-CN" altLang="en-US" sz="1400" dirty="0"/>
+                <a:t>基本类型</a:t>
+              </a:r>
+              <a:endParaRPr lang="en-US" altLang="zh-CN" sz="1400" dirty="0"/>
+            </a:p>
+            <a:p>
+              <a:pPr algn="ctr"/>
+              <a:r>
+                <a:rPr lang="en-US" altLang="zh-CN" sz="1400" dirty="0"/>
+                <a:t>Int</a:t>
+              </a:r>
+            </a:p>
+            <a:p>
+              <a:pPr algn="ctr"/>
+              <a:r>
+                <a:rPr lang="en-US" altLang="zh-CN" sz="1400" dirty="0"/>
+                <a:t>Float</a:t>
+              </a:r>
+            </a:p>
+            <a:p>
+              <a:pPr algn="ctr"/>
+              <a:r>
+                <a:rPr lang="en-US" altLang="zh-CN" sz="1400" dirty="0"/>
+                <a:t>Boolean</a:t>
+              </a:r>
+            </a:p>
+            <a:p>
+              <a:pPr algn="ctr"/>
+              <a:r>
+                <a:rPr lang="en-US" altLang="zh-CN" sz="1400" dirty="0"/>
+                <a:t>…</a:t>
+              </a:r>
+              <a:endParaRPr lang="zh-CN" altLang="en-US" sz="1400" dirty="0"/>
+            </a:p>
+          </p:txBody>
+        </p:sp>
+        <p:sp>
+          <p:nvSpPr>
+            <p:cNvPr id="33" name="矩形: 圆角 32">
+              <a:extLst>
+                <a:ext uri="{FF2B5EF4-FFF2-40B4-BE49-F238E27FC236}">
+                  <a16:creationId xmlns:a16="http://schemas.microsoft.com/office/drawing/2014/main" id="{A58C4A57-4075-4D95-9A78-80617B94853A}"/>
+                </a:ext>
+              </a:extLst>
+            </p:cNvPr>
+            <p:cNvSpPr/>
+            <p:nvPr/>
+          </p:nvSpPr>
+          <p:spPr>
+            <a:xfrm>
+              <a:off x="7048870" y="1452410"/>
+              <a:ext cx="1278384" cy="408346"/>
+            </a:xfrm>
+            <a:prstGeom prst="roundRect">
+              <a:avLst/>
+            </a:prstGeom>
+            <a:solidFill>
+              <a:srgbClr val="00B050"/>
+            </a:solidFill>
+          </p:spPr>
+          <p:style>
+            <a:lnRef idx="2">
+              <a:schemeClr val="accent1">
+                <a:shade val="50000"/>
+              </a:schemeClr>
+            </a:lnRef>
+            <a:fillRef idx="1">
+              <a:schemeClr val="accent1"/>
+            </a:fillRef>
+            <a:effectRef idx="0">
+              <a:schemeClr val="accent1"/>
+            </a:effectRef>
+            <a:fontRef idx="minor">
+              <a:schemeClr val="lt1"/>
+            </a:fontRef>
+          </p:style>
+          <p:txBody>
+            <a:bodyPr rtlCol="0" anchor="ctr"/>
+            <a:lstStyle/>
+            <a:p>
+              <a:pPr algn="ctr"/>
+              <a:r>
+                <a:rPr lang="zh-CN" altLang="en-US" sz="1400" dirty="0"/>
+                <a:t>对象的实例</a:t>
+              </a:r>
+            </a:p>
+          </p:txBody>
+        </p:sp>
+        <p:cxnSp>
+          <p:nvCxnSpPr>
+            <p:cNvPr id="35" name="直接箭头连接符 34">
+              <a:extLst>
+                <a:ext uri="{FF2B5EF4-FFF2-40B4-BE49-F238E27FC236}">
+                  <a16:creationId xmlns:a16="http://schemas.microsoft.com/office/drawing/2014/main" id="{8FF2D135-B832-4EB3-8DD1-9A9F5C794B73}"/>
+                </a:ext>
+              </a:extLst>
+            </p:cNvPr>
+            <p:cNvCxnSpPr>
+              <a:cxnSpLocks/>
+              <a:stCxn id="28" idx="1"/>
+              <a:endCxn id="33" idx="3"/>
+            </p:cNvCxnSpPr>
+            <p:nvPr/>
+          </p:nvCxnSpPr>
+          <p:spPr>
+            <a:xfrm flipH="1">
+              <a:off x="8327254" y="1647705"/>
+              <a:ext cx="1451423" cy="8878"/>
+            </a:xfrm>
+            <a:prstGeom prst="straightConnector1">
+              <a:avLst/>
+            </a:prstGeom>
+            <a:ln w="19050">
+              <a:solidFill>
+                <a:srgbClr val="7030A0"/>
+              </a:solidFill>
+              <a:tailEnd type="triangle"/>
+            </a:ln>
+          </p:spPr>
+          <p:style>
+            <a:lnRef idx="1">
+              <a:schemeClr val="accent1"/>
+            </a:lnRef>
+            <a:fillRef idx="0">
+              <a:schemeClr val="accent1"/>
+            </a:fillRef>
+            <a:effectRef idx="0">
+              <a:schemeClr val="accent1"/>
+            </a:effectRef>
+            <a:fontRef idx="minor">
+              <a:schemeClr val="tx1"/>
+            </a:fontRef>
+          </p:style>
+        </p:cxnSp>
+        <p:sp>
+          <p:nvSpPr>
+            <p:cNvPr id="36" name="矩形: 圆角 35">
+              <a:extLst>
+                <a:ext uri="{FF2B5EF4-FFF2-40B4-BE49-F238E27FC236}">
+                  <a16:creationId xmlns:a16="http://schemas.microsoft.com/office/drawing/2014/main" id="{8B970EB7-3D59-40A2-B881-19FEDE5CB3EF}"/>
+                </a:ext>
+              </a:extLst>
+            </p:cNvPr>
+            <p:cNvSpPr/>
+            <p:nvPr/>
+          </p:nvSpPr>
+          <p:spPr>
+            <a:xfrm>
+              <a:off x="7048868" y="5474224"/>
+              <a:ext cx="1278386" cy="781281"/>
+            </a:xfrm>
+            <a:prstGeom prst="roundRect">
+              <a:avLst/>
+            </a:prstGeom>
+            <a:solidFill>
+              <a:srgbClr val="00B050"/>
+            </a:solidFill>
+          </p:spPr>
+          <p:style>
+            <a:lnRef idx="2">
+              <a:schemeClr val="accent1">
+                <a:shade val="50000"/>
+              </a:schemeClr>
+            </a:lnRef>
+            <a:fillRef idx="1">
+              <a:schemeClr val="accent1"/>
+            </a:fillRef>
+            <a:effectRef idx="0">
+              <a:schemeClr val="accent1"/>
+            </a:effectRef>
+            <a:fontRef idx="minor">
+              <a:schemeClr val="lt1"/>
+            </a:fontRef>
+          </p:style>
+          <p:txBody>
+            <a:bodyPr rtlCol="0" anchor="ctr"/>
+            <a:lstStyle/>
+            <a:p>
+              <a:pPr algn="ctr"/>
+              <a:r>
+                <a:rPr lang="zh-CN" altLang="en-US" sz="1400" dirty="0"/>
+                <a:t>对象的方法</a:t>
+              </a:r>
+              <a:endParaRPr lang="en-US" altLang="zh-CN" sz="1400" dirty="0"/>
+            </a:p>
+            <a:p>
+              <a:pPr algn="ctr"/>
+              <a:r>
+                <a:rPr lang="en-US" altLang="zh-CN" sz="1400" dirty="0" err="1"/>
+                <a:t>getName</a:t>
+              </a:r>
+              <a:r>
+                <a:rPr lang="en-US" altLang="zh-CN" sz="1400" dirty="0"/>
+                <a:t>()</a:t>
+              </a:r>
+            </a:p>
+            <a:p>
+              <a:pPr algn="ctr"/>
+              <a:r>
+                <a:rPr lang="en-US" altLang="zh-CN" sz="1400" dirty="0"/>
+                <a:t>…</a:t>
+              </a:r>
+              <a:endParaRPr lang="zh-CN" altLang="en-US" sz="1400" dirty="0"/>
+            </a:p>
+          </p:txBody>
+        </p:sp>
+        <p:sp>
+          <p:nvSpPr>
+            <p:cNvPr id="37" name="矩形: 圆角 36">
+              <a:extLst>
+                <a:ext uri="{FF2B5EF4-FFF2-40B4-BE49-F238E27FC236}">
+                  <a16:creationId xmlns:a16="http://schemas.microsoft.com/office/drawing/2014/main" id="{BC3A41AF-BAC6-4C86-A0A1-EE9538C686E7}"/>
+                </a:ext>
+              </a:extLst>
+            </p:cNvPr>
+            <p:cNvSpPr/>
+            <p:nvPr/>
+          </p:nvSpPr>
+          <p:spPr>
+            <a:xfrm>
+              <a:off x="9241350" y="5570603"/>
+              <a:ext cx="1074655" cy="408346"/>
+            </a:xfrm>
+            <a:prstGeom prst="roundRect">
+              <a:avLst/>
+            </a:prstGeom>
+          </p:spPr>
+          <p:style>
+            <a:lnRef idx="2">
+              <a:schemeClr val="accent1">
+                <a:shade val="50000"/>
+              </a:schemeClr>
+            </a:lnRef>
+            <a:fillRef idx="1">
+              <a:schemeClr val="accent1"/>
+            </a:fillRef>
+            <a:effectRef idx="0">
+              <a:schemeClr val="accent1"/>
+            </a:effectRef>
+            <a:fontRef idx="minor">
+              <a:schemeClr val="lt1"/>
+            </a:fontRef>
+          </p:style>
+          <p:txBody>
+            <a:bodyPr rtlCol="0" anchor="ctr"/>
+            <a:lstStyle/>
+            <a:p>
+              <a:pPr algn="ctr"/>
+              <a:r>
+                <a:rPr lang="zh-CN" altLang="en-US" sz="1400" dirty="0"/>
+                <a:t>静态变量</a:t>
+              </a:r>
+            </a:p>
+          </p:txBody>
+        </p:sp>
+        <p:cxnSp>
+          <p:nvCxnSpPr>
+            <p:cNvPr id="41" name="连接符: 肘形 40">
+              <a:extLst>
+                <a:ext uri="{FF2B5EF4-FFF2-40B4-BE49-F238E27FC236}">
+                  <a16:creationId xmlns:a16="http://schemas.microsoft.com/office/drawing/2014/main" id="{7DBA821E-5503-4086-B735-BE32F3159100}"/>
+                </a:ext>
+              </a:extLst>
+            </p:cNvPr>
+            <p:cNvCxnSpPr>
+              <a:cxnSpLocks/>
+              <a:stCxn id="33" idx="1"/>
+              <a:endCxn id="36" idx="1"/>
+            </p:cNvCxnSpPr>
+            <p:nvPr/>
+          </p:nvCxnSpPr>
+          <p:spPr>
+            <a:xfrm rot="10800000" flipV="1">
+              <a:off x="7048868" y="1656583"/>
+              <a:ext cx="2" cy="4208282"/>
+            </a:xfrm>
+            <a:prstGeom prst="bentConnector3">
+              <a:avLst>
+                <a:gd name="adj1" fmla="val 11430100000"/>
+              </a:avLst>
+            </a:prstGeom>
+            <a:ln w="19050">
+              <a:solidFill>
+                <a:srgbClr val="7030A0"/>
+              </a:solidFill>
+              <a:tailEnd type="triangle"/>
+            </a:ln>
+          </p:spPr>
+          <p:style>
+            <a:lnRef idx="1">
+              <a:schemeClr val="accent1"/>
+            </a:lnRef>
+            <a:fillRef idx="0">
+              <a:schemeClr val="accent1"/>
+            </a:fillRef>
+            <a:effectRef idx="0">
+              <a:schemeClr val="accent1"/>
+            </a:effectRef>
+            <a:fontRef idx="minor">
+              <a:schemeClr val="tx1"/>
+            </a:fontRef>
+          </p:style>
+        </p:cxnSp>
+        <p:cxnSp>
+          <p:nvCxnSpPr>
+            <p:cNvPr id="82" name="直接连接符 81">
+              <a:extLst>
+                <a:ext uri="{FF2B5EF4-FFF2-40B4-BE49-F238E27FC236}">
+                  <a16:creationId xmlns:a16="http://schemas.microsoft.com/office/drawing/2014/main" id="{D2F6CEBA-A308-4DAB-9A4A-F81284B5EAC4}"/>
+                </a:ext>
+              </a:extLst>
+            </p:cNvPr>
+            <p:cNvCxnSpPr>
+              <a:cxnSpLocks/>
+            </p:cNvCxnSpPr>
+            <p:nvPr/>
+          </p:nvCxnSpPr>
+          <p:spPr>
+            <a:xfrm>
+              <a:off x="9606718" y="3977196"/>
+              <a:ext cx="1560557" cy="0"/>
+            </a:xfrm>
+            <a:prstGeom prst="line">
+              <a:avLst/>
+            </a:prstGeom>
+          </p:spPr>
+          <p:style>
+            <a:lnRef idx="1">
+              <a:schemeClr val="accent1"/>
+            </a:lnRef>
+            <a:fillRef idx="0">
+              <a:schemeClr val="accent1"/>
+            </a:fillRef>
+            <a:effectRef idx="0">
+              <a:schemeClr val="accent1"/>
+            </a:effectRef>
+            <a:fontRef idx="minor">
+              <a:schemeClr val="tx1"/>
+            </a:fontRef>
+          </p:style>
+        </p:cxnSp>
+        <p:cxnSp>
+          <p:nvCxnSpPr>
+            <p:cNvPr id="84" name="直接连接符 83">
+              <a:extLst>
+                <a:ext uri="{FF2B5EF4-FFF2-40B4-BE49-F238E27FC236}">
+                  <a16:creationId xmlns:a16="http://schemas.microsoft.com/office/drawing/2014/main" id="{DCF56C24-1A10-4B86-84B7-9EBB3593A3FB}"/>
+                </a:ext>
+              </a:extLst>
+            </p:cNvPr>
+            <p:cNvCxnSpPr>
+              <a:cxnSpLocks/>
+            </p:cNvCxnSpPr>
+            <p:nvPr/>
+          </p:nvCxnSpPr>
+          <p:spPr>
+            <a:xfrm>
+              <a:off x="9606718" y="4404804"/>
+              <a:ext cx="1560557" cy="0"/>
+            </a:xfrm>
+            <a:prstGeom prst="line">
+              <a:avLst/>
+            </a:prstGeom>
+          </p:spPr>
+          <p:style>
+            <a:lnRef idx="1">
+              <a:schemeClr val="accent1"/>
+            </a:lnRef>
+            <a:fillRef idx="0">
+              <a:schemeClr val="accent1"/>
+            </a:fillRef>
+            <a:effectRef idx="0">
+              <a:schemeClr val="accent1"/>
+            </a:effectRef>
+            <a:fontRef idx="minor">
+              <a:schemeClr val="tx1"/>
+            </a:fontRef>
+          </p:style>
+        </p:cxnSp>
+        <p:sp>
+          <p:nvSpPr>
+            <p:cNvPr id="85" name="文本框 84">
+              <a:extLst>
+                <a:ext uri="{FF2B5EF4-FFF2-40B4-BE49-F238E27FC236}">
+                  <a16:creationId xmlns:a16="http://schemas.microsoft.com/office/drawing/2014/main" id="{E40114DD-E496-4CC1-B21C-7CF0D563853C}"/>
+                </a:ext>
+              </a:extLst>
+            </p:cNvPr>
+            <p:cNvSpPr txBox="1"/>
+            <p:nvPr/>
+          </p:nvSpPr>
+          <p:spPr>
+            <a:xfrm>
+              <a:off x="9666281" y="4052653"/>
+              <a:ext cx="1441420" cy="307777"/>
+            </a:xfrm>
+            <a:prstGeom prst="rect">
+              <a:avLst/>
+            </a:prstGeom>
+            <a:noFill/>
+          </p:spPr>
+          <p:txBody>
+            <a:bodyPr wrap="none" rtlCol="0">
+              <a:spAutoFit/>
+            </a:bodyPr>
+            <a:lstStyle/>
+            <a:p>
+              <a:r>
+                <a:rPr lang="zh-CN" altLang="en-US" sz="1400" dirty="0"/>
+                <a:t>执行环境上下文</a:t>
+              </a:r>
+            </a:p>
+          </p:txBody>
+        </p:sp>
+        <p:sp>
+          <p:nvSpPr>
+            <p:cNvPr id="86" name="文本框 85">
+              <a:extLst>
+                <a:ext uri="{FF2B5EF4-FFF2-40B4-BE49-F238E27FC236}">
+                  <a16:creationId xmlns:a16="http://schemas.microsoft.com/office/drawing/2014/main" id="{654EA168-FCCF-483B-B980-F78FF503BFA3}"/>
+                </a:ext>
+              </a:extLst>
+            </p:cNvPr>
+            <p:cNvSpPr txBox="1"/>
+            <p:nvPr/>
+          </p:nvSpPr>
+          <p:spPr>
+            <a:xfrm>
+              <a:off x="9959843" y="4435886"/>
+              <a:ext cx="902811" cy="307777"/>
+            </a:xfrm>
+            <a:prstGeom prst="rect">
+              <a:avLst/>
+            </a:prstGeom>
+            <a:noFill/>
+          </p:spPr>
+          <p:txBody>
+            <a:bodyPr wrap="none" rtlCol="0">
+              <a:spAutoFit/>
+            </a:bodyPr>
+            <a:lstStyle/>
+            <a:p>
+              <a:r>
+                <a:rPr lang="zh-CN" altLang="en-US" sz="1400" dirty="0"/>
+                <a:t>操作指令</a:t>
+              </a:r>
+            </a:p>
+          </p:txBody>
+        </p:sp>
+      </p:grpSp>
+    </p:spTree>
+    <p:extLst>
+      <p:ext uri="{BB962C8B-B14F-4D97-AF65-F5344CB8AC3E}">
+        <p14:creationId xmlns:p14="http://schemas.microsoft.com/office/powerpoint/2010/main" val="4220460812"/>
+      </p:ext>
+    </p:extLst>
+  </p:cSld>
+  <p:clrMapOvr>
+    <a:masterClrMapping/>
+  </p:clrMapOvr>
+</p:sld>
+</file>
+
+<file path=ppt/slides/slide5.xml><?xml version="1.0" encoding="utf-8"?>
+<p:sld xmlns:a="http://schemas.openxmlformats.org/drawingml/2006/main" xmlns:r="http://schemas.openxmlformats.org/officeDocument/2006/relationships" xmlns:p="http://schemas.openxmlformats.org/presentationml/2006/main">
+  <p:cSld>
+    <p:spTree>
+      <p:nvGrpSpPr>
+        <p:cNvPr id="1" name=""/>
+        <p:cNvGrpSpPr/>
+        <p:nvPr/>
+      </p:nvGrpSpPr>
+      <p:grpSpPr>
+        <a:xfrm>
+          <a:off x="0" y="0"/>
+          <a:ext cx="0" cy="0"/>
+          <a:chOff x="0" y="0"/>
+          <a:chExt cx="0" cy="0"/>
+        </a:xfrm>
+      </p:grpSpPr>
+      <p:sp>
+        <p:nvSpPr>
+          <p:cNvPr id="6" name="文本框 5">
+            <a:extLst>
+              <a:ext uri="{FF2B5EF4-FFF2-40B4-BE49-F238E27FC236}">
+                <a16:creationId xmlns:a16="http://schemas.microsoft.com/office/drawing/2014/main" id="{C0D78399-8DC8-437C-A672-FECF875985F2}"/>
+              </a:ext>
+            </a:extLst>
+          </p:cNvPr>
+          <p:cNvSpPr txBox="1"/>
+          <p:nvPr/>
+        </p:nvSpPr>
+        <p:spPr>
+          <a:xfrm>
+            <a:off x="47135" y="39429"/>
+            <a:ext cx="5036956" cy="369332"/>
+          </a:xfrm>
+          <a:prstGeom prst="rect">
+            <a:avLst/>
+          </a:prstGeom>
+          <a:noFill/>
+        </p:spPr>
+        <p:txBody>
+          <a:bodyPr wrap="none" rtlCol="0">
+            <a:spAutoFit/>
+          </a:bodyPr>
+          <a:lstStyle/>
+          <a:p>
+            <a:r>
+              <a:rPr lang="en-US" altLang="zh-CN" b="1" dirty="0"/>
+              <a:t>JVM</a:t>
+            </a:r>
+            <a:r>
+              <a:rPr lang="zh-CN" altLang="en-US" b="1" dirty="0"/>
+              <a:t>组成部分</a:t>
+            </a:r>
+            <a:r>
+              <a:rPr lang="en-US" altLang="zh-CN" b="1" dirty="0"/>
+              <a:t>—</a:t>
+            </a:r>
+            <a:r>
+              <a:rPr lang="zh-CN" altLang="en-US" b="1" dirty="0"/>
+              <a:t>堆、栈、方发区的数据存储示例</a:t>
+            </a:r>
+          </a:p>
+        </p:txBody>
+      </p:sp>
+      <p:sp>
+        <p:nvSpPr>
+          <p:cNvPr id="2" name="矩形 1">
+            <a:extLst>
+              <a:ext uri="{FF2B5EF4-FFF2-40B4-BE49-F238E27FC236}">
+                <a16:creationId xmlns:a16="http://schemas.microsoft.com/office/drawing/2014/main" id="{F9C3F48F-9360-4E7D-804F-0D7214E86481}"/>
+              </a:ext>
+            </a:extLst>
+          </p:cNvPr>
+          <p:cNvSpPr/>
+          <p:nvPr/>
+        </p:nvSpPr>
+        <p:spPr>
+          <a:xfrm>
+            <a:off x="599089" y="612844"/>
+            <a:ext cx="10993821" cy="5816977"/>
+          </a:xfrm>
+          <a:prstGeom prst="rect">
+            <a:avLst/>
+          </a:prstGeom>
+        </p:spPr>
+        <p:txBody>
+          <a:bodyPr wrap="square">
+            <a:spAutoFit/>
+          </a:bodyPr>
+          <a:lstStyle/>
+          <a:p>
+            <a:r>
+              <a:rPr lang="en-US" altLang="zh-CN" sz="1200" i="1" dirty="0">
+                <a:solidFill>
+                  <a:srgbClr val="00B050"/>
+                </a:solidFill>
+                <a:latin typeface="Verdana" panose="020B0604030504040204" pitchFamily="34" charset="0"/>
+              </a:rPr>
+              <a:t>AppMain.java</a:t>
+            </a:r>
+            <a:endParaRPr lang="en-US" altLang="zh-CN" sz="1200" dirty="0">
+              <a:solidFill>
+                <a:srgbClr val="00B050"/>
+              </a:solidFill>
+            </a:endParaRPr>
+          </a:p>
+          <a:p>
+            <a:r>
+              <a:rPr lang="en-US" altLang="zh-CN" sz="1200" dirty="0">
+                <a:solidFill>
+                  <a:srgbClr val="769436"/>
+                </a:solidFill>
+                <a:latin typeface="Verdana" panose="020B0604030504040204" pitchFamily="34" charset="0"/>
+              </a:rPr>
+              <a:t>//</a:t>
+            </a:r>
+            <a:r>
+              <a:rPr lang="zh-CN" altLang="en-US" sz="1200" dirty="0">
+                <a:solidFill>
+                  <a:srgbClr val="769436"/>
+                </a:solidFill>
+                <a:latin typeface="Verdana" panose="020B0604030504040204" pitchFamily="34" charset="0"/>
+              </a:rPr>
+              <a:t>运行时</a:t>
+            </a:r>
+            <a:r>
+              <a:rPr lang="en-US" altLang="zh-CN" sz="1200" dirty="0">
+                <a:solidFill>
+                  <a:srgbClr val="769436"/>
+                </a:solidFill>
+                <a:latin typeface="Verdana" panose="020B0604030504040204" pitchFamily="34" charset="0"/>
+              </a:rPr>
+              <a:t>, </a:t>
+            </a:r>
+            <a:r>
+              <a:rPr lang="en-US" altLang="zh-CN" sz="1200" dirty="0" err="1">
+                <a:solidFill>
+                  <a:srgbClr val="769436"/>
+                </a:solidFill>
+                <a:latin typeface="Verdana" panose="020B0604030504040204" pitchFamily="34" charset="0"/>
+              </a:rPr>
+              <a:t>jvm</a:t>
+            </a:r>
+            <a:r>
+              <a:rPr lang="en-US" altLang="zh-CN" sz="1200" dirty="0">
+                <a:solidFill>
+                  <a:srgbClr val="769436"/>
+                </a:solidFill>
+                <a:latin typeface="Verdana" panose="020B0604030504040204" pitchFamily="34" charset="0"/>
+              </a:rPr>
+              <a:t> </a:t>
+            </a:r>
+            <a:r>
+              <a:rPr lang="zh-CN" altLang="en-US" sz="1200" dirty="0">
+                <a:solidFill>
+                  <a:srgbClr val="769436"/>
+                </a:solidFill>
+                <a:latin typeface="Verdana" panose="020B0604030504040204" pitchFamily="34" charset="0"/>
+              </a:rPr>
+              <a:t>把</a:t>
+            </a:r>
+            <a:r>
+              <a:rPr lang="en-US" altLang="zh-CN" sz="1200" dirty="0" err="1">
+                <a:solidFill>
+                  <a:srgbClr val="769436"/>
+                </a:solidFill>
+                <a:latin typeface="Verdana" panose="020B0604030504040204" pitchFamily="34" charset="0"/>
+              </a:rPr>
+              <a:t>appmain</a:t>
+            </a:r>
+            <a:r>
+              <a:rPr lang="zh-CN" altLang="en-US" sz="1200" dirty="0">
+                <a:solidFill>
+                  <a:srgbClr val="769436"/>
+                </a:solidFill>
+                <a:latin typeface="Verdana" panose="020B0604030504040204" pitchFamily="34" charset="0"/>
+              </a:rPr>
+              <a:t>的信息都放入</a:t>
+            </a:r>
+            <a:r>
+              <a:rPr lang="zh-CN" altLang="en-US" sz="1200" b="1" dirty="0">
+                <a:solidFill>
+                  <a:srgbClr val="002060"/>
+                </a:solidFill>
+                <a:latin typeface="Verdana" panose="020B0604030504040204" pitchFamily="34" charset="0"/>
+              </a:rPr>
+              <a:t>方法区</a:t>
+            </a:r>
+          </a:p>
+          <a:p>
+            <a:r>
+              <a:rPr lang="en-US" altLang="zh-CN" sz="1200" dirty="0">
+                <a:latin typeface="Verdana" panose="020B0604030504040204" pitchFamily="34" charset="0"/>
+              </a:rPr>
+              <a:t>public   class  </a:t>
+            </a:r>
+            <a:r>
+              <a:rPr lang="en-US" altLang="zh-CN" sz="1200" dirty="0" err="1">
+                <a:latin typeface="Verdana" panose="020B0604030504040204" pitchFamily="34" charset="0"/>
+              </a:rPr>
+              <a:t>AppMain</a:t>
+            </a:r>
+            <a:r>
+              <a:rPr lang="en-US" altLang="zh-CN" sz="1200" dirty="0">
+                <a:latin typeface="Verdana" panose="020B0604030504040204" pitchFamily="34" charset="0"/>
+              </a:rPr>
+              <a:t>                </a:t>
+            </a:r>
+            <a:endParaRPr lang="en-US" altLang="zh-CN" sz="1200" dirty="0"/>
+          </a:p>
+          <a:p>
+            <a:r>
+              <a:rPr lang="en-US" altLang="zh-CN" sz="1200" dirty="0">
+                <a:latin typeface="Verdana" panose="020B0604030504040204" pitchFamily="34" charset="0"/>
+              </a:rPr>
+              <a:t>{</a:t>
+            </a:r>
+            <a:endParaRPr lang="en-US" altLang="zh-CN" sz="1200" dirty="0"/>
+          </a:p>
+          <a:p>
+            <a:pPr lvl="1"/>
+            <a:r>
+              <a:rPr lang="en-US" altLang="zh-CN" sz="1200" dirty="0">
+                <a:solidFill>
+                  <a:srgbClr val="769436"/>
+                </a:solidFill>
+                <a:latin typeface="Verdana" panose="020B0604030504040204" pitchFamily="34" charset="0"/>
+              </a:rPr>
+              <a:t>//main </a:t>
+            </a:r>
+            <a:r>
+              <a:rPr lang="zh-CN" altLang="en-US" sz="1200" dirty="0">
+                <a:solidFill>
+                  <a:srgbClr val="769436"/>
+                </a:solidFill>
+                <a:latin typeface="Verdana" panose="020B0604030504040204" pitchFamily="34" charset="0"/>
+              </a:rPr>
+              <a:t>方法本身放入</a:t>
+            </a:r>
+            <a:r>
+              <a:rPr lang="zh-CN" altLang="en-US" sz="1200" b="1" dirty="0">
+                <a:solidFill>
+                  <a:srgbClr val="002060"/>
+                </a:solidFill>
+                <a:latin typeface="Verdana" panose="020B0604030504040204" pitchFamily="34" charset="0"/>
+              </a:rPr>
+              <a:t>方法区</a:t>
+            </a:r>
+            <a:r>
+              <a:rPr lang="zh-CN" altLang="en-US" sz="1200" dirty="0">
+                <a:latin typeface="Verdana" panose="020B0604030504040204" pitchFamily="34" charset="0"/>
+              </a:rPr>
+              <a:t>。</a:t>
+            </a:r>
+            <a:r>
+              <a:rPr lang="zh-CN" altLang="en-US" sz="1200" dirty="0">
+                <a:solidFill>
+                  <a:schemeClr val="accent6">
+                    <a:lumMod val="75000"/>
+                  </a:schemeClr>
+                </a:solidFill>
+                <a:latin typeface="Verdana" panose="020B0604030504040204" pitchFamily="34" charset="0"/>
+              </a:rPr>
+              <a:t>调用</a:t>
+            </a:r>
+            <a:r>
+              <a:rPr lang="en-US" altLang="zh-CN" sz="1200" dirty="0">
+                <a:solidFill>
+                  <a:schemeClr val="accent6">
+                    <a:lumMod val="75000"/>
+                  </a:schemeClr>
+                </a:solidFill>
+                <a:latin typeface="Verdana" panose="020B0604030504040204" pitchFamily="34" charset="0"/>
+              </a:rPr>
+              <a:t>main</a:t>
+            </a:r>
+            <a:r>
+              <a:rPr lang="zh-CN" altLang="en-US" sz="1200" dirty="0">
+                <a:solidFill>
+                  <a:schemeClr val="accent6">
+                    <a:lumMod val="75000"/>
+                  </a:schemeClr>
+                </a:solidFill>
+                <a:latin typeface="Verdana" panose="020B0604030504040204" pitchFamily="34" charset="0"/>
+              </a:rPr>
+              <a:t>方法启动一个线程，创建了一个</a:t>
+            </a:r>
+            <a:r>
+              <a:rPr lang="zh-CN" altLang="en-US" sz="1200" b="1" dirty="0">
+                <a:solidFill>
+                  <a:srgbClr val="C00000"/>
+                </a:solidFill>
+                <a:latin typeface="Verdana" panose="020B0604030504040204" pitchFamily="34" charset="0"/>
+              </a:rPr>
+              <a:t>栈区</a:t>
+            </a:r>
+            <a:endParaRPr lang="zh-CN" altLang="en-US" sz="1200" b="1" dirty="0">
+              <a:solidFill>
+                <a:srgbClr val="C00000"/>
+              </a:solidFill>
+            </a:endParaRPr>
+          </a:p>
+          <a:p>
+            <a:pPr lvl="1"/>
+            <a:r>
+              <a:rPr lang="en-US" altLang="zh-CN" sz="1200" dirty="0">
+                <a:latin typeface="Verdana" panose="020B0604030504040204" pitchFamily="34" charset="0"/>
+              </a:rPr>
+              <a:t>public   static   void  main(String[] </a:t>
+            </a:r>
+            <a:r>
+              <a:rPr lang="en-US" altLang="zh-CN" sz="1200" dirty="0" err="1">
+                <a:latin typeface="Verdana" panose="020B0604030504040204" pitchFamily="34" charset="0"/>
+              </a:rPr>
+              <a:t>args</a:t>
+            </a:r>
+            <a:r>
+              <a:rPr lang="en-US" altLang="zh-CN" sz="1200" dirty="0">
+                <a:latin typeface="Verdana" panose="020B0604030504040204" pitchFamily="34" charset="0"/>
+              </a:rPr>
+              <a:t>)  </a:t>
+            </a:r>
+            <a:endParaRPr lang="en-US" altLang="zh-CN" sz="1200" dirty="0"/>
+          </a:p>
+          <a:p>
+            <a:pPr lvl="1"/>
+            <a:r>
+              <a:rPr lang="en-US" altLang="zh-CN" sz="1200" dirty="0">
+                <a:latin typeface="Verdana" panose="020B0604030504040204" pitchFamily="34" charset="0"/>
+              </a:rPr>
+              <a:t>{</a:t>
+            </a:r>
+            <a:endParaRPr lang="en-US" altLang="zh-CN" sz="1200" dirty="0"/>
+          </a:p>
+          <a:p>
+            <a:pPr lvl="2"/>
+            <a:r>
+              <a:rPr lang="en-US" altLang="zh-CN" sz="1200" dirty="0">
+                <a:solidFill>
+                  <a:srgbClr val="769436"/>
+                </a:solidFill>
+                <a:latin typeface="Verdana" panose="020B0604030504040204" pitchFamily="34" charset="0"/>
+              </a:rPr>
+              <a:t>//test1</a:t>
+            </a:r>
+            <a:r>
+              <a:rPr lang="zh-CN" altLang="en-US" sz="1200" dirty="0">
+                <a:solidFill>
+                  <a:srgbClr val="769436"/>
+                </a:solidFill>
+                <a:latin typeface="Verdana" panose="020B0604030504040204" pitchFamily="34" charset="0"/>
+              </a:rPr>
+              <a:t>是对象引用指针，所以放到</a:t>
+            </a:r>
+            <a:r>
+              <a:rPr lang="zh-CN" altLang="en-US" sz="1200" b="1" dirty="0">
+                <a:solidFill>
+                  <a:srgbClr val="C00000"/>
+                </a:solidFill>
+                <a:latin typeface="Verdana" panose="020B0604030504040204" pitchFamily="34" charset="0"/>
+              </a:rPr>
+              <a:t>栈区</a:t>
+            </a:r>
+            <a:r>
+              <a:rPr lang="zh-CN" altLang="en-US" sz="1200" dirty="0">
+                <a:solidFill>
+                  <a:srgbClr val="769436"/>
+                </a:solidFill>
+                <a:latin typeface="Verdana" panose="020B0604030504040204" pitchFamily="34" charset="0"/>
+              </a:rPr>
+              <a:t>里， </a:t>
+            </a:r>
+            <a:r>
+              <a:rPr lang="en-US" altLang="zh-CN" sz="1200" dirty="0">
+                <a:solidFill>
+                  <a:srgbClr val="769436"/>
+                </a:solidFill>
+                <a:latin typeface="Verdana" panose="020B0604030504040204" pitchFamily="34" charset="0"/>
+              </a:rPr>
+              <a:t>Sample</a:t>
+            </a:r>
+            <a:r>
+              <a:rPr lang="zh-CN" altLang="en-US" sz="1200" dirty="0">
+                <a:solidFill>
+                  <a:srgbClr val="769436"/>
+                </a:solidFill>
+                <a:latin typeface="Verdana" panose="020B0604030504040204" pitchFamily="34" charset="0"/>
+              </a:rPr>
+              <a:t>是自定义对象实例应该放到</a:t>
+            </a:r>
+            <a:r>
+              <a:rPr lang="zh-CN" altLang="en-US" sz="1200" b="1" dirty="0">
+                <a:solidFill>
+                  <a:srgbClr val="00B050"/>
+                </a:solidFill>
+                <a:latin typeface="Verdana" panose="020B0604030504040204" pitchFamily="34" charset="0"/>
+              </a:rPr>
+              <a:t>堆</a:t>
+            </a:r>
+            <a:r>
+              <a:rPr lang="zh-CN" altLang="en-US" sz="1200" dirty="0">
+                <a:solidFill>
+                  <a:srgbClr val="769436"/>
+                </a:solidFill>
+                <a:latin typeface="Verdana" panose="020B0604030504040204" pitchFamily="34" charset="0"/>
+              </a:rPr>
+              <a:t>里面</a:t>
+            </a:r>
+            <a:endParaRPr lang="zh-CN" altLang="en-US" sz="1200" dirty="0"/>
+          </a:p>
+          <a:p>
+            <a:pPr lvl="2"/>
+            <a:r>
+              <a:rPr lang="en-US" altLang="zh-CN" sz="1200" dirty="0">
+                <a:latin typeface="Verdana" panose="020B0604030504040204" pitchFamily="34" charset="0"/>
+              </a:rPr>
+              <a:t>Sample test1 = new  Sample( " </a:t>
+            </a:r>
+            <a:r>
+              <a:rPr lang="zh-CN" altLang="en-US" sz="1200" dirty="0">
+                <a:latin typeface="Verdana" panose="020B0604030504040204" pitchFamily="34" charset="0"/>
+              </a:rPr>
+              <a:t>测试</a:t>
+            </a:r>
+            <a:r>
+              <a:rPr lang="en-US" altLang="zh-CN" sz="1200" dirty="0">
+                <a:latin typeface="Verdana" panose="020B0604030504040204" pitchFamily="34" charset="0"/>
+              </a:rPr>
+              <a:t>1 " );   </a:t>
+            </a:r>
+            <a:endParaRPr lang="zh-CN" altLang="en-US" sz="1200" dirty="0"/>
+          </a:p>
+          <a:p>
+            <a:pPr lvl="2"/>
+            <a:r>
+              <a:rPr lang="en-US" altLang="zh-CN" sz="1200" dirty="0">
+                <a:latin typeface="Verdana" panose="020B0604030504040204" pitchFamily="34" charset="0"/>
+              </a:rPr>
+              <a:t>Sample test2 = new  Sample( " </a:t>
+            </a:r>
+            <a:r>
+              <a:rPr lang="zh-CN" altLang="en-US" sz="1200" dirty="0">
+                <a:latin typeface="Verdana" panose="020B0604030504040204" pitchFamily="34" charset="0"/>
+              </a:rPr>
+              <a:t>测试</a:t>
+            </a:r>
+            <a:r>
+              <a:rPr lang="en-US" altLang="zh-CN" sz="1200" dirty="0">
+                <a:latin typeface="Verdana" panose="020B0604030504040204" pitchFamily="34" charset="0"/>
+              </a:rPr>
+              <a:t>2 " );</a:t>
+            </a:r>
+            <a:endParaRPr lang="zh-CN" altLang="en-US" sz="1200" dirty="0"/>
+          </a:p>
+          <a:p>
+            <a:pPr lvl="2"/>
+            <a:r>
+              <a:rPr lang="en-US" altLang="zh-CN" sz="1200" dirty="0">
+                <a:latin typeface="Verdana" panose="020B0604030504040204" pitchFamily="34" charset="0"/>
+              </a:rPr>
+              <a:t>test1.printName();</a:t>
+            </a:r>
+            <a:endParaRPr lang="en-US" altLang="zh-CN" sz="1200" dirty="0"/>
+          </a:p>
+          <a:p>
+            <a:pPr lvl="2"/>
+            <a:r>
+              <a:rPr lang="en-US" altLang="zh-CN" sz="1200" dirty="0">
+                <a:latin typeface="Verdana" panose="020B0604030504040204" pitchFamily="34" charset="0"/>
+              </a:rPr>
+              <a:t>test2.printName();</a:t>
+            </a:r>
+            <a:endParaRPr lang="en-US" altLang="zh-CN" sz="1200" dirty="0"/>
+          </a:p>
+          <a:p>
+            <a:pPr lvl="1"/>
+            <a:r>
+              <a:rPr lang="en-US" altLang="zh-CN" sz="1200" dirty="0">
+                <a:latin typeface="Verdana" panose="020B0604030504040204" pitchFamily="34" charset="0"/>
+              </a:rPr>
+              <a:t>}</a:t>
+            </a:r>
+            <a:endParaRPr lang="en-US" altLang="zh-CN" sz="1200" dirty="0"/>
+          </a:p>
+          <a:p>
+            <a:r>
+              <a:rPr lang="en-US" altLang="zh-CN" sz="1200" dirty="0">
+                <a:latin typeface="Verdana" panose="020B0604030504040204" pitchFamily="34" charset="0"/>
+              </a:rPr>
+              <a:t>} </a:t>
+            </a:r>
+          </a:p>
+          <a:p>
+            <a:endParaRPr lang="en-US" altLang="zh-CN" sz="1200" dirty="0"/>
+          </a:p>
+          <a:p>
+            <a:r>
+              <a:rPr lang="en-US" altLang="zh-CN" sz="1200" i="1" dirty="0">
+                <a:solidFill>
+                  <a:srgbClr val="00B050"/>
+                </a:solidFill>
+                <a:latin typeface="Verdana" panose="020B0604030504040204" pitchFamily="34" charset="0"/>
+              </a:rPr>
+              <a:t>Sample.java</a:t>
+            </a:r>
+            <a:endParaRPr lang="en-US" altLang="zh-CN" sz="1200" dirty="0">
+              <a:solidFill>
+                <a:srgbClr val="00B050"/>
+              </a:solidFill>
+            </a:endParaRPr>
+          </a:p>
+          <a:p>
+            <a:r>
+              <a:rPr lang="en-US" altLang="zh-CN" sz="1200" dirty="0">
+                <a:latin typeface="Verdana" panose="020B0604030504040204" pitchFamily="34" charset="0"/>
+              </a:rPr>
+              <a:t>public   class  Sample       </a:t>
+            </a:r>
+            <a:endParaRPr lang="en-US" altLang="zh-CN" sz="1200" dirty="0"/>
+          </a:p>
+          <a:p>
+            <a:r>
+              <a:rPr lang="en-US" altLang="zh-CN" sz="1200" dirty="0">
+                <a:latin typeface="Verdana" panose="020B0604030504040204" pitchFamily="34" charset="0"/>
+              </a:rPr>
+              <a:t>{</a:t>
+            </a:r>
+            <a:endParaRPr lang="en-US" altLang="zh-CN" sz="1200" dirty="0"/>
+          </a:p>
+          <a:p>
+            <a:pPr lvl="1"/>
+            <a:r>
+              <a:rPr lang="en-US" altLang="zh-CN" sz="1200" dirty="0">
+                <a:solidFill>
+                  <a:srgbClr val="769436"/>
+                </a:solidFill>
+                <a:latin typeface="Verdana" panose="020B0604030504040204" pitchFamily="34" charset="0"/>
+              </a:rPr>
+              <a:t>/** </a:t>
+            </a:r>
+            <a:r>
+              <a:rPr lang="zh-CN" altLang="en-US" sz="1200" dirty="0">
+                <a:solidFill>
+                  <a:srgbClr val="769436"/>
+                </a:solidFill>
+                <a:latin typeface="Verdana" panose="020B0604030504040204" pitchFamily="34" charset="0"/>
+              </a:rPr>
+              <a:t>范例名称 *</a:t>
+            </a:r>
+            <a:r>
+              <a:rPr lang="en-US" altLang="zh-CN" sz="1200" dirty="0">
+                <a:solidFill>
+                  <a:srgbClr val="769436"/>
+                </a:solidFill>
+                <a:latin typeface="Verdana" panose="020B0604030504040204" pitchFamily="34" charset="0"/>
+              </a:rPr>
+              <a:t>/</a:t>
+            </a:r>
+            <a:endParaRPr lang="zh-CN" altLang="en-US" sz="1200" dirty="0"/>
+          </a:p>
+          <a:p>
+            <a:pPr lvl="1"/>
+            <a:r>
+              <a:rPr lang="en-US" altLang="zh-CN" sz="1200" dirty="0">
+                <a:latin typeface="Verdana" panose="020B0604030504040204" pitchFamily="34" charset="0"/>
+              </a:rPr>
+              <a:t>private  name; </a:t>
+            </a:r>
+            <a:r>
+              <a:rPr lang="en-US" altLang="zh-CN" sz="1200" dirty="0">
+                <a:solidFill>
+                  <a:srgbClr val="769436"/>
+                </a:solidFill>
+                <a:latin typeface="Verdana" panose="020B0604030504040204" pitchFamily="34" charset="0"/>
+              </a:rPr>
+              <a:t>//new Sample</a:t>
+            </a:r>
+            <a:r>
+              <a:rPr lang="zh-CN" altLang="en-US" sz="1200" dirty="0">
+                <a:solidFill>
+                  <a:srgbClr val="769436"/>
+                </a:solidFill>
+                <a:latin typeface="Verdana" panose="020B0604030504040204" pitchFamily="34" charset="0"/>
+              </a:rPr>
+              <a:t>实例后， </a:t>
+            </a:r>
+            <a:r>
+              <a:rPr lang="en-US" altLang="zh-CN" sz="1200" dirty="0">
+                <a:solidFill>
+                  <a:srgbClr val="769436"/>
+                </a:solidFill>
+                <a:latin typeface="Verdana" panose="020B0604030504040204" pitchFamily="34" charset="0"/>
+              </a:rPr>
+              <a:t>name </a:t>
+            </a:r>
+            <a:r>
+              <a:rPr lang="zh-CN" altLang="en-US" sz="1200" dirty="0">
+                <a:solidFill>
+                  <a:srgbClr val="769436"/>
+                </a:solidFill>
+                <a:latin typeface="Verdana" panose="020B0604030504040204" pitchFamily="34" charset="0"/>
+              </a:rPr>
+              <a:t>引用放入</a:t>
+            </a:r>
+            <a:r>
+              <a:rPr lang="zh-CN" altLang="en-US" sz="1200" b="1" dirty="0">
+                <a:solidFill>
+                  <a:srgbClr val="C00000"/>
+                </a:solidFill>
+                <a:latin typeface="Verdana" panose="020B0604030504040204" pitchFamily="34" charset="0"/>
+              </a:rPr>
+              <a:t>栈区</a:t>
+            </a:r>
+            <a:r>
+              <a:rPr lang="zh-CN" altLang="en-US" sz="1200" dirty="0">
+                <a:solidFill>
+                  <a:srgbClr val="769436"/>
+                </a:solidFill>
+                <a:latin typeface="Verdana" panose="020B0604030504040204" pitchFamily="34" charset="0"/>
+              </a:rPr>
+              <a:t>里，  </a:t>
+            </a:r>
+            <a:r>
+              <a:rPr lang="en-US" altLang="zh-CN" sz="1200" dirty="0">
+                <a:solidFill>
+                  <a:srgbClr val="769436"/>
+                </a:solidFill>
+                <a:latin typeface="Verdana" panose="020B0604030504040204" pitchFamily="34" charset="0"/>
+              </a:rPr>
+              <a:t>name </a:t>
+            </a:r>
+            <a:r>
+              <a:rPr lang="zh-CN" altLang="en-US" sz="1200" dirty="0">
+                <a:solidFill>
+                  <a:srgbClr val="769436"/>
+                </a:solidFill>
+                <a:latin typeface="Verdana" panose="020B0604030504040204" pitchFamily="34" charset="0"/>
+              </a:rPr>
+              <a:t>对象实例放入</a:t>
+            </a:r>
+            <a:r>
+              <a:rPr lang="zh-CN" altLang="en-US" sz="1200" b="1" dirty="0">
+                <a:solidFill>
+                  <a:srgbClr val="00B050"/>
+                </a:solidFill>
+                <a:latin typeface="Verdana" panose="020B0604030504040204" pitchFamily="34" charset="0"/>
+              </a:rPr>
+              <a:t>堆</a:t>
+            </a:r>
+            <a:r>
+              <a:rPr lang="zh-CN" altLang="en-US" sz="1200" dirty="0">
+                <a:solidFill>
+                  <a:srgbClr val="769436"/>
+                </a:solidFill>
+                <a:latin typeface="Verdana" panose="020B0604030504040204" pitchFamily="34" charset="0"/>
+              </a:rPr>
+              <a:t>里</a:t>
+            </a:r>
+            <a:endParaRPr lang="zh-CN" altLang="en-US" sz="1200" dirty="0"/>
+          </a:p>
+          <a:p>
+            <a:pPr lvl="1"/>
+            <a:r>
+              <a:rPr lang="en-US" altLang="zh-CN" sz="1200" dirty="0">
+                <a:solidFill>
+                  <a:srgbClr val="769436"/>
+                </a:solidFill>
+                <a:latin typeface="Verdana" panose="020B0604030504040204" pitchFamily="34" charset="0"/>
+              </a:rPr>
+              <a:t>/** </a:t>
+            </a:r>
+            <a:r>
+              <a:rPr lang="zh-CN" altLang="en-US" sz="1200" dirty="0">
+                <a:solidFill>
+                  <a:srgbClr val="769436"/>
+                </a:solidFill>
+                <a:latin typeface="Verdana" panose="020B0604030504040204" pitchFamily="34" charset="0"/>
+              </a:rPr>
+              <a:t>构造方法 *</a:t>
+            </a:r>
+            <a:r>
+              <a:rPr lang="en-US" altLang="zh-CN" sz="1200" dirty="0">
+                <a:solidFill>
+                  <a:srgbClr val="769436"/>
+                </a:solidFill>
+                <a:latin typeface="Verdana" panose="020B0604030504040204" pitchFamily="34" charset="0"/>
+              </a:rPr>
+              <a:t>/</a:t>
+            </a:r>
+            <a:endParaRPr lang="zh-CN" altLang="en-US" sz="1200" dirty="0"/>
+          </a:p>
+          <a:p>
+            <a:pPr lvl="1"/>
+            <a:r>
+              <a:rPr lang="en-US" altLang="zh-CN" sz="1200" dirty="0">
+                <a:latin typeface="Verdana" panose="020B0604030504040204" pitchFamily="34" charset="0"/>
+              </a:rPr>
+              <a:t>public  Sample(String name)</a:t>
+            </a:r>
+            <a:endParaRPr lang="en-US" altLang="zh-CN" sz="1200" dirty="0"/>
+          </a:p>
+          <a:p>
+            <a:pPr lvl="1"/>
+            <a:r>
+              <a:rPr lang="en-US" altLang="zh-CN" sz="1200" dirty="0">
+                <a:latin typeface="Verdana" panose="020B0604030504040204" pitchFamily="34" charset="0"/>
+              </a:rPr>
+              <a:t>{</a:t>
+            </a:r>
+            <a:endParaRPr lang="en-US" altLang="zh-CN" sz="1200" dirty="0"/>
+          </a:p>
+          <a:p>
+            <a:pPr lvl="2"/>
+            <a:r>
+              <a:rPr lang="en-US" altLang="zh-CN" sz="1200" dirty="0">
+                <a:latin typeface="Verdana" panose="020B0604030504040204" pitchFamily="34" charset="0"/>
+              </a:rPr>
+              <a:t>this .name = name;</a:t>
+            </a:r>
+            <a:endParaRPr lang="en-US" altLang="zh-CN" sz="1200" dirty="0"/>
+          </a:p>
+          <a:p>
+            <a:pPr lvl="1"/>
+            <a:r>
+              <a:rPr lang="en-US" altLang="zh-CN" sz="1200" dirty="0">
+                <a:latin typeface="Verdana" panose="020B0604030504040204" pitchFamily="34" charset="0"/>
+              </a:rPr>
+              <a:t>}</a:t>
+            </a:r>
+            <a:endParaRPr lang="en-US" altLang="zh-CN" sz="1200" dirty="0"/>
+          </a:p>
+          <a:p>
+            <a:pPr lvl="1"/>
+            <a:r>
+              <a:rPr lang="en-US" altLang="zh-CN" sz="1200" dirty="0">
+                <a:solidFill>
+                  <a:srgbClr val="769436"/>
+                </a:solidFill>
+                <a:latin typeface="Verdana" panose="020B0604030504040204" pitchFamily="34" charset="0"/>
+              </a:rPr>
+              <a:t>/** </a:t>
+            </a:r>
+            <a:r>
+              <a:rPr lang="zh-CN" altLang="en-US" sz="1200" dirty="0">
+                <a:solidFill>
+                  <a:srgbClr val="769436"/>
+                </a:solidFill>
+                <a:latin typeface="Verdana" panose="020B0604030504040204" pitchFamily="34" charset="0"/>
+              </a:rPr>
+              <a:t>输出 *</a:t>
+            </a:r>
+            <a:r>
+              <a:rPr lang="en-US" altLang="zh-CN" sz="1200" dirty="0">
+                <a:solidFill>
+                  <a:srgbClr val="769436"/>
+                </a:solidFill>
+                <a:latin typeface="Verdana" panose="020B0604030504040204" pitchFamily="34" charset="0"/>
+              </a:rPr>
+              <a:t>/</a:t>
+            </a:r>
+            <a:endParaRPr lang="zh-CN" altLang="en-US" sz="1200" dirty="0"/>
+          </a:p>
+          <a:p>
+            <a:pPr lvl="1"/>
+            <a:r>
+              <a:rPr lang="en-US" altLang="zh-CN" sz="1200" dirty="0">
+                <a:latin typeface="Verdana" panose="020B0604030504040204" pitchFamily="34" charset="0"/>
+              </a:rPr>
+              <a:t>public   void  </a:t>
+            </a:r>
+            <a:r>
+              <a:rPr lang="en-US" altLang="zh-CN" sz="1200" dirty="0" err="1">
+                <a:latin typeface="Verdana" panose="020B0604030504040204" pitchFamily="34" charset="0"/>
+              </a:rPr>
+              <a:t>printName</a:t>
+            </a:r>
+            <a:r>
+              <a:rPr lang="en-US" altLang="zh-CN" sz="1200" dirty="0">
+                <a:latin typeface="Verdana" panose="020B0604030504040204" pitchFamily="34" charset="0"/>
+              </a:rPr>
+              <a:t>()  </a:t>
+            </a:r>
+            <a:r>
+              <a:rPr lang="en-US" altLang="zh-CN" sz="1200" dirty="0">
+                <a:solidFill>
+                  <a:srgbClr val="769436"/>
+                </a:solidFill>
+                <a:latin typeface="Verdana" panose="020B0604030504040204" pitchFamily="34" charset="0"/>
+              </a:rPr>
+              <a:t> //print</a:t>
+            </a:r>
+            <a:r>
+              <a:rPr lang="zh-CN" altLang="en-US" sz="1200" dirty="0">
+                <a:solidFill>
+                  <a:srgbClr val="769436"/>
+                </a:solidFill>
+                <a:latin typeface="Verdana" panose="020B0604030504040204" pitchFamily="34" charset="0"/>
+              </a:rPr>
+              <a:t>方法本身放入 </a:t>
+            </a:r>
+            <a:r>
+              <a:rPr lang="zh-CN" altLang="en-US" sz="1200" b="1" dirty="0">
+                <a:solidFill>
+                  <a:srgbClr val="002060"/>
+                </a:solidFill>
+                <a:latin typeface="Verdana" panose="020B0604030504040204" pitchFamily="34" charset="0"/>
+              </a:rPr>
+              <a:t>方法区</a:t>
+            </a:r>
+            <a:r>
+              <a:rPr lang="zh-CN" altLang="en-US" sz="1200" dirty="0">
+                <a:solidFill>
+                  <a:srgbClr val="769436"/>
+                </a:solidFill>
+                <a:latin typeface="Verdana" panose="020B0604030504040204" pitchFamily="34" charset="0"/>
+              </a:rPr>
+              <a:t>里。</a:t>
+            </a:r>
+            <a:endParaRPr lang="zh-CN" altLang="en-US" sz="1200" dirty="0"/>
+          </a:p>
+          <a:p>
+            <a:pPr lvl="1"/>
+            <a:r>
+              <a:rPr lang="en-US" altLang="zh-CN" sz="1200" dirty="0">
+                <a:latin typeface="Verdana" panose="020B0604030504040204" pitchFamily="34" charset="0"/>
+              </a:rPr>
+              <a:t>{</a:t>
+            </a:r>
+            <a:endParaRPr lang="zh-CN" altLang="en-US" sz="1200" dirty="0"/>
+          </a:p>
+          <a:p>
+            <a:pPr lvl="2"/>
+            <a:r>
+              <a:rPr lang="en-US" altLang="zh-CN" sz="1200" dirty="0" err="1">
+                <a:latin typeface="Verdana" panose="020B0604030504040204" pitchFamily="34" charset="0"/>
+              </a:rPr>
+              <a:t>System.out.println</a:t>
+            </a:r>
+            <a:r>
+              <a:rPr lang="en-US" altLang="zh-CN" sz="1200" dirty="0">
+                <a:latin typeface="Verdana" panose="020B0604030504040204" pitchFamily="34" charset="0"/>
+              </a:rPr>
+              <a:t>(name);</a:t>
+            </a:r>
+            <a:endParaRPr lang="en-US" altLang="zh-CN" sz="1200" dirty="0"/>
+          </a:p>
+          <a:p>
+            <a:pPr lvl="1"/>
+            <a:r>
+              <a:rPr lang="en-US" altLang="zh-CN" sz="1200" dirty="0">
+                <a:latin typeface="Verdana" panose="020B0604030504040204" pitchFamily="34" charset="0"/>
+              </a:rPr>
+              <a:t>}</a:t>
+            </a:r>
+            <a:endParaRPr lang="en-US" altLang="zh-CN" sz="1200" dirty="0"/>
+          </a:p>
+          <a:p>
+            <a:r>
+              <a:rPr lang="en-US" altLang="zh-CN" sz="1200" dirty="0">
+                <a:latin typeface="Verdana" panose="020B0604030504040204" pitchFamily="34" charset="0"/>
+              </a:rPr>
+              <a:t>} </a:t>
+            </a:r>
+            <a:endParaRPr lang="en-US" altLang="zh-CN" sz="1200" dirty="0">
+              <a:effectLst/>
+            </a:endParaRPr>
+          </a:p>
+        </p:txBody>
+      </p:sp>
+    </p:spTree>
+    <p:extLst>
+      <p:ext uri="{BB962C8B-B14F-4D97-AF65-F5344CB8AC3E}">
+        <p14:creationId xmlns:p14="http://schemas.microsoft.com/office/powerpoint/2010/main" val="1316977080"/>
+      </p:ext>
+    </p:extLst>
+  </p:cSld>
+  <p:clrMapOvr>
+    <a:masterClrMapping/>
+  </p:clrMapOvr>
+</p:sld>
+</file>
+
+<file path=ppt/slides/slide6.xml><?xml version="1.0" encoding="utf-8"?>
+<p:sld xmlns:a="http://schemas.openxmlformats.org/drawingml/2006/main" xmlns:r="http://schemas.openxmlformats.org/officeDocument/2006/relationships" xmlns:p="http://schemas.openxmlformats.org/presentationml/2006/main">
+  <p:cSld>
+    <p:spTree>
+      <p:nvGrpSpPr>
+        <p:cNvPr id="1" name=""/>
+        <p:cNvGrpSpPr/>
+        <p:nvPr/>
+      </p:nvGrpSpPr>
+      <p:grpSpPr>
+        <a:xfrm>
+          <a:off x="0" y="0"/>
+          <a:ext cx="0" cy="0"/>
+          <a:chOff x="0" y="0"/>
+          <a:chExt cx="0" cy="0"/>
+        </a:xfrm>
+      </p:grpSpPr>
+      <p:sp>
+        <p:nvSpPr>
+          <p:cNvPr id="6" name="文本框 5">
+            <a:extLst>
+              <a:ext uri="{FF2B5EF4-FFF2-40B4-BE49-F238E27FC236}">
+                <a16:creationId xmlns:a16="http://schemas.microsoft.com/office/drawing/2014/main" id="{C0D78399-8DC8-437C-A672-FECF875985F2}"/>
+              </a:ext>
+            </a:extLst>
+          </p:cNvPr>
+          <p:cNvSpPr txBox="1"/>
+          <p:nvPr/>
+        </p:nvSpPr>
+        <p:spPr>
+          <a:xfrm>
+            <a:off x="47135" y="39429"/>
+            <a:ext cx="3291286" cy="369332"/>
+          </a:xfrm>
+          <a:prstGeom prst="rect">
+            <a:avLst/>
+          </a:prstGeom>
+          <a:noFill/>
+        </p:spPr>
+        <p:txBody>
+          <a:bodyPr wrap="none" rtlCol="0">
+            <a:spAutoFit/>
+          </a:bodyPr>
+          <a:lstStyle/>
+          <a:p>
+            <a:r>
+              <a:rPr lang="en-US" altLang="zh-CN" b="1" dirty="0"/>
+              <a:t>JVM</a:t>
+            </a:r>
+            <a:r>
+              <a:rPr lang="zh-CN" altLang="en-US" b="1" dirty="0"/>
+              <a:t>堆</a:t>
+            </a:r>
+            <a:r>
+              <a:rPr lang="en-US" altLang="zh-CN" b="1" dirty="0"/>
+              <a:t>—</a:t>
+            </a:r>
+            <a:r>
+              <a:rPr lang="zh-CN" altLang="en-US" b="1" dirty="0"/>
+              <a:t>垃圾回收机制示意图</a:t>
+            </a:r>
+          </a:p>
+        </p:txBody>
+      </p:sp>
+      <p:grpSp>
+        <p:nvGrpSpPr>
+          <p:cNvPr id="109" name="组合 108">
+            <a:extLst>
+              <a:ext uri="{FF2B5EF4-FFF2-40B4-BE49-F238E27FC236}">
+                <a16:creationId xmlns:a16="http://schemas.microsoft.com/office/drawing/2014/main" id="{2C4FAE75-8F66-4314-B2CB-C1F241C376FE}"/>
+              </a:ext>
+            </a:extLst>
+          </p:cNvPr>
+          <p:cNvGrpSpPr/>
+          <p:nvPr/>
+        </p:nvGrpSpPr>
+        <p:grpSpPr>
+          <a:xfrm>
+            <a:off x="2859983" y="473535"/>
+            <a:ext cx="9062730" cy="5910929"/>
+            <a:chOff x="2052115" y="527312"/>
+            <a:chExt cx="9062730" cy="5910929"/>
+          </a:xfrm>
+        </p:grpSpPr>
+        <p:sp>
+          <p:nvSpPr>
+            <p:cNvPr id="9" name="矩形: 圆角 8">
+              <a:extLst>
+                <a:ext uri="{FF2B5EF4-FFF2-40B4-BE49-F238E27FC236}">
+                  <a16:creationId xmlns:a16="http://schemas.microsoft.com/office/drawing/2014/main" id="{F1A4D849-5775-4D4A-BEBA-EC1B50AC3DAA}"/>
+                </a:ext>
+              </a:extLst>
+            </p:cNvPr>
+            <p:cNvSpPr/>
+            <p:nvPr/>
+          </p:nvSpPr>
+          <p:spPr>
+            <a:xfrm>
+              <a:off x="6096000" y="888783"/>
+              <a:ext cx="1846555" cy="369332"/>
+            </a:xfrm>
+            <a:prstGeom prst="roundRect">
+              <a:avLst/>
+            </a:prstGeom>
+          </p:spPr>
+          <p:style>
+            <a:lnRef idx="2">
+              <a:schemeClr val="accent1"/>
+            </a:lnRef>
+            <a:fillRef idx="1">
+              <a:schemeClr val="lt1"/>
+            </a:fillRef>
+            <a:effectRef idx="0">
+              <a:schemeClr val="accent1"/>
+            </a:effectRef>
+            <a:fontRef idx="minor">
+              <a:schemeClr val="dk1"/>
+            </a:fontRef>
+          </p:style>
+          <p:txBody>
+            <a:bodyPr rtlCol="0" anchor="ctr"/>
+            <a:lstStyle/>
+            <a:p>
+              <a:pPr algn="ctr"/>
+              <a:r>
+                <a:rPr lang="en-US" altLang="zh-CN" sz="1200" dirty="0"/>
+                <a:t>User user1 =new User()</a:t>
+              </a:r>
+              <a:endParaRPr lang="zh-CN" altLang="en-US" sz="1200" dirty="0"/>
+            </a:p>
+          </p:txBody>
+        </p:sp>
+        <p:grpSp>
+          <p:nvGrpSpPr>
+            <p:cNvPr id="55" name="组合 54">
+              <a:extLst>
+                <a:ext uri="{FF2B5EF4-FFF2-40B4-BE49-F238E27FC236}">
+                  <a16:creationId xmlns:a16="http://schemas.microsoft.com/office/drawing/2014/main" id="{32B515CD-3E4C-4F74-BF7C-7BB1C06C4116}"/>
+                </a:ext>
+              </a:extLst>
+            </p:cNvPr>
+            <p:cNvGrpSpPr/>
+            <p:nvPr/>
+          </p:nvGrpSpPr>
+          <p:grpSpPr>
+            <a:xfrm>
+              <a:off x="2052115" y="527312"/>
+              <a:ext cx="2503502" cy="5811343"/>
+              <a:chOff x="2052115" y="527312"/>
+              <a:chExt cx="2503502" cy="5811343"/>
+            </a:xfrm>
+          </p:grpSpPr>
+          <p:grpSp>
+            <p:nvGrpSpPr>
+              <p:cNvPr id="13" name="组合 12">
+                <a:extLst>
+                  <a:ext uri="{FF2B5EF4-FFF2-40B4-BE49-F238E27FC236}">
+                    <a16:creationId xmlns:a16="http://schemas.microsoft.com/office/drawing/2014/main" id="{888382EE-BEAE-4920-8713-F24C3579F315}"/>
+                  </a:ext>
+                </a:extLst>
+              </p:cNvPr>
+              <p:cNvGrpSpPr/>
+              <p:nvPr/>
+            </p:nvGrpSpPr>
+            <p:grpSpPr>
+              <a:xfrm>
+                <a:off x="2709062" y="888676"/>
+                <a:ext cx="1846555" cy="5445309"/>
+                <a:chOff x="2630078" y="2326734"/>
+                <a:chExt cx="1036948" cy="3706421"/>
+              </a:xfrm>
+            </p:grpSpPr>
+            <p:sp>
+              <p:nvSpPr>
+                <p:cNvPr id="8" name="矩形 7">
+                  <a:extLst>
+                    <a:ext uri="{FF2B5EF4-FFF2-40B4-BE49-F238E27FC236}">
+                      <a16:creationId xmlns:a16="http://schemas.microsoft.com/office/drawing/2014/main" id="{D5661055-821F-424E-B719-62EDD20A6DA1}"/>
+                    </a:ext>
+                  </a:extLst>
+                </p:cNvPr>
+                <p:cNvSpPr/>
+                <p:nvPr/>
+              </p:nvSpPr>
+              <p:spPr>
+                <a:xfrm>
+                  <a:off x="2630078" y="2326734"/>
+                  <a:ext cx="1036948" cy="791852"/>
+                </a:xfrm>
+                <a:prstGeom prst="rect">
+                  <a:avLst/>
+                </a:prstGeom>
+                <a:ln w="12700">
+                  <a:solidFill>
+                    <a:schemeClr val="tx1"/>
+                  </a:solidFill>
+                </a:ln>
+              </p:spPr>
+              <p:style>
+                <a:lnRef idx="1">
+                  <a:schemeClr val="accent2"/>
+                </a:lnRef>
+                <a:fillRef idx="3">
+                  <a:schemeClr val="accent2"/>
+                </a:fillRef>
+                <a:effectRef idx="2">
+                  <a:schemeClr val="accent2"/>
+                </a:effectRef>
+                <a:fontRef idx="minor">
+                  <a:schemeClr val="lt1"/>
+                </a:fontRef>
+              </p:style>
+              <p:txBody>
+                <a:bodyPr rtlCol="0" anchor="ctr"/>
+                <a:lstStyle/>
+                <a:p>
+                  <a:pPr algn="ctr"/>
+                  <a:endParaRPr lang="en-US" altLang="zh-CN" sz="1400" dirty="0"/>
+                </a:p>
+                <a:p>
+                  <a:pPr algn="ctr"/>
+                  <a:endParaRPr lang="en-US" altLang="zh-CN" sz="1400" dirty="0"/>
+                </a:p>
+              </p:txBody>
+            </p:sp>
+            <p:sp>
+              <p:nvSpPr>
+                <p:cNvPr id="10" name="矩形 9">
+                  <a:extLst>
+                    <a:ext uri="{FF2B5EF4-FFF2-40B4-BE49-F238E27FC236}">
+                      <a16:creationId xmlns:a16="http://schemas.microsoft.com/office/drawing/2014/main" id="{7529750C-B3A6-41E8-885A-E0DEFA34B2CF}"/>
+                    </a:ext>
+                  </a:extLst>
+                </p:cNvPr>
+                <p:cNvSpPr/>
+                <p:nvPr/>
+              </p:nvSpPr>
+              <p:spPr>
+                <a:xfrm>
+                  <a:off x="2630078" y="3118586"/>
+                  <a:ext cx="1036948" cy="378758"/>
+                </a:xfrm>
+                <a:prstGeom prst="rect">
+                  <a:avLst/>
+                </a:prstGeom>
+                <a:solidFill>
+                  <a:srgbClr val="C00000"/>
+                </a:solidFill>
+                <a:ln w="12700">
+                  <a:solidFill>
+                    <a:schemeClr val="tx1"/>
+                  </a:solidFill>
+                </a:ln>
+              </p:spPr>
+              <p:style>
+                <a:lnRef idx="2">
+                  <a:schemeClr val="accent1">
+                    <a:shade val="50000"/>
+                  </a:schemeClr>
+                </a:lnRef>
+                <a:fillRef idx="1">
+                  <a:schemeClr val="accent1"/>
+                </a:fillRef>
+                <a:effectRef idx="0">
+                  <a:schemeClr val="accent1"/>
+                </a:effectRef>
+                <a:fontRef idx="minor">
+                  <a:schemeClr val="lt1"/>
+                </a:fontRef>
+              </p:style>
+              <p:txBody>
+                <a:bodyPr rtlCol="0" anchor="ctr"/>
+                <a:lstStyle/>
+                <a:p>
+                  <a:pPr algn="ctr"/>
+                  <a:endParaRPr lang="en-US" altLang="zh-CN" sz="1200" dirty="0"/>
+                </a:p>
+                <a:p>
+                  <a:pPr algn="ctr"/>
+                  <a:r>
+                    <a:rPr lang="en-US" altLang="zh-CN" sz="1200" dirty="0"/>
+                    <a:t>S0</a:t>
+                  </a:r>
+                  <a:r>
+                    <a:rPr lang="zh-CN" altLang="en-US" sz="1200" dirty="0"/>
+                    <a:t>和</a:t>
+                  </a:r>
+                  <a:r>
+                    <a:rPr lang="en-US" altLang="zh-CN" sz="1200" dirty="0"/>
+                    <a:t>S1</a:t>
+                  </a:r>
+                  <a:r>
+                    <a:rPr lang="zh-CN" altLang="en-US" sz="1200" dirty="0"/>
+                    <a:t>是互换的</a:t>
+                  </a:r>
+                </a:p>
+              </p:txBody>
+            </p:sp>
+            <p:sp>
+              <p:nvSpPr>
+                <p:cNvPr id="11" name="矩形 10">
+                  <a:extLst>
+                    <a:ext uri="{FF2B5EF4-FFF2-40B4-BE49-F238E27FC236}">
+                      <a16:creationId xmlns:a16="http://schemas.microsoft.com/office/drawing/2014/main" id="{D32170FB-9966-47D0-A332-E41F3F938A13}"/>
+                    </a:ext>
+                  </a:extLst>
+                </p:cNvPr>
+                <p:cNvSpPr/>
+                <p:nvPr/>
+              </p:nvSpPr>
+              <p:spPr>
+                <a:xfrm>
+                  <a:off x="2630078" y="3497344"/>
+                  <a:ext cx="1036948" cy="413094"/>
+                </a:xfrm>
+                <a:prstGeom prst="rect">
+                  <a:avLst/>
+                </a:prstGeom>
+                <a:solidFill>
+                  <a:srgbClr val="C00000"/>
+                </a:solidFill>
+                <a:ln w="12700">
+                  <a:solidFill>
+                    <a:schemeClr val="tx1"/>
+                  </a:solidFill>
+                </a:ln>
+              </p:spPr>
+              <p:style>
+                <a:lnRef idx="2">
+                  <a:schemeClr val="accent1">
+                    <a:shade val="50000"/>
+                  </a:schemeClr>
+                </a:lnRef>
+                <a:fillRef idx="1">
+                  <a:schemeClr val="accent1"/>
+                </a:fillRef>
+                <a:effectRef idx="0">
+                  <a:schemeClr val="accent1"/>
+                </a:effectRef>
+                <a:fontRef idx="minor">
+                  <a:schemeClr val="lt1"/>
+                </a:fontRef>
+              </p:style>
+              <p:txBody>
+                <a:bodyPr rtlCol="0" anchor="ctr"/>
+                <a:lstStyle/>
+                <a:p>
+                  <a:pPr algn="ctr"/>
+                  <a:r>
+                    <a:rPr lang="en-US" altLang="zh-CN" sz="1200" dirty="0"/>
+                    <a:t>S1</a:t>
+                  </a:r>
+                  <a:r>
+                    <a:rPr lang="zh-CN" altLang="en-US" sz="1200" dirty="0"/>
+                    <a:t>始终为空</a:t>
+                  </a:r>
+                </a:p>
+              </p:txBody>
+            </p:sp>
+            <p:sp>
+              <p:nvSpPr>
+                <p:cNvPr id="12" name="矩形 11">
+                  <a:extLst>
+                    <a:ext uri="{FF2B5EF4-FFF2-40B4-BE49-F238E27FC236}">
+                      <a16:creationId xmlns:a16="http://schemas.microsoft.com/office/drawing/2014/main" id="{C039B9DC-197A-4256-90CC-519800C2F01B}"/>
+                    </a:ext>
+                  </a:extLst>
+                </p:cNvPr>
+                <p:cNvSpPr/>
+                <p:nvPr/>
+              </p:nvSpPr>
+              <p:spPr>
+                <a:xfrm>
+                  <a:off x="2630078" y="3910437"/>
+                  <a:ext cx="1036948" cy="2122718"/>
+                </a:xfrm>
+                <a:prstGeom prst="rect">
+                  <a:avLst/>
+                </a:prstGeom>
+                <a:ln w="12700">
+                  <a:solidFill>
+                    <a:schemeClr val="tx1"/>
+                  </a:solidFill>
+                </a:ln>
+              </p:spPr>
+              <p:style>
+                <a:lnRef idx="1">
+                  <a:schemeClr val="accent3"/>
+                </a:lnRef>
+                <a:fillRef idx="3">
+                  <a:schemeClr val="accent3"/>
+                </a:fillRef>
+                <a:effectRef idx="2">
+                  <a:schemeClr val="accent3"/>
+                </a:effectRef>
+                <a:fontRef idx="minor">
+                  <a:schemeClr val="lt1"/>
+                </a:fontRef>
+              </p:style>
+              <p:txBody>
+                <a:bodyPr rtlCol="0" anchor="ctr"/>
+                <a:lstStyle/>
+                <a:p>
+                  <a:pPr algn="ctr"/>
+                  <a:endParaRPr lang="zh-CN" altLang="en-US" sz="1400" dirty="0"/>
+                </a:p>
+              </p:txBody>
+            </p:sp>
+          </p:grpSp>
+          <p:sp>
+            <p:nvSpPr>
+              <p:cNvPr id="2" name="左大括号 1">
+                <a:extLst>
+                  <a:ext uri="{FF2B5EF4-FFF2-40B4-BE49-F238E27FC236}">
+                    <a16:creationId xmlns:a16="http://schemas.microsoft.com/office/drawing/2014/main" id="{B15135C3-5C35-4D2A-9A64-F2B2BD4D9AA7}"/>
+                  </a:ext>
+                </a:extLst>
+              </p:cNvPr>
+              <p:cNvSpPr/>
+              <p:nvPr/>
+            </p:nvSpPr>
+            <p:spPr>
+              <a:xfrm>
+                <a:off x="2414726" y="893347"/>
+                <a:ext cx="294336" cy="2326705"/>
+              </a:xfrm>
+              <a:prstGeom prst="leftBrace">
+                <a:avLst/>
+              </a:prstGeom>
+            </p:spPr>
+            <p:style>
+              <a:lnRef idx="1">
+                <a:schemeClr val="accent1"/>
+              </a:lnRef>
+              <a:fillRef idx="0">
+                <a:schemeClr val="accent1"/>
+              </a:fillRef>
+              <a:effectRef idx="0">
+                <a:schemeClr val="accent1"/>
+              </a:effectRef>
+              <a:fontRef idx="minor">
+                <a:schemeClr val="tx1"/>
+              </a:fontRef>
+            </p:style>
+            <p:txBody>
+              <a:bodyPr rtlCol="0" anchor="ctr"/>
+              <a:lstStyle/>
+              <a:p>
+                <a:pPr algn="ctr"/>
+                <a:endParaRPr lang="zh-CN" altLang="en-US" dirty="0"/>
+              </a:p>
+            </p:txBody>
+          </p:sp>
+          <p:sp>
+            <p:nvSpPr>
+              <p:cNvPr id="32" name="左大括号 31">
+                <a:extLst>
+                  <a:ext uri="{FF2B5EF4-FFF2-40B4-BE49-F238E27FC236}">
+                    <a16:creationId xmlns:a16="http://schemas.microsoft.com/office/drawing/2014/main" id="{CE362E93-6033-4DCC-9C6D-112514013B40}"/>
+                  </a:ext>
+                </a:extLst>
+              </p:cNvPr>
+              <p:cNvSpPr/>
+              <p:nvPr/>
+            </p:nvSpPr>
+            <p:spPr>
+              <a:xfrm>
+                <a:off x="2414726" y="3220052"/>
+                <a:ext cx="294336" cy="3118603"/>
+              </a:xfrm>
+              <a:prstGeom prst="leftBrace">
+                <a:avLst/>
+              </a:prstGeom>
+            </p:spPr>
+            <p:style>
+              <a:lnRef idx="1">
+                <a:schemeClr val="accent1"/>
+              </a:lnRef>
+              <a:fillRef idx="0">
+                <a:schemeClr val="accent1"/>
+              </a:fillRef>
+              <a:effectRef idx="0">
+                <a:schemeClr val="accent1"/>
+              </a:effectRef>
+              <a:fontRef idx="minor">
+                <a:schemeClr val="tx1"/>
+              </a:fontRef>
+            </p:style>
+            <p:txBody>
+              <a:bodyPr rtlCol="0" anchor="ctr"/>
+              <a:lstStyle/>
+              <a:p>
+                <a:pPr algn="ctr"/>
+                <a:endParaRPr lang="zh-CN" altLang="en-US"/>
+              </a:p>
+            </p:txBody>
+          </p:sp>
+          <p:sp>
+            <p:nvSpPr>
+              <p:cNvPr id="3" name="文本框 2">
+                <a:extLst>
+                  <a:ext uri="{FF2B5EF4-FFF2-40B4-BE49-F238E27FC236}">
+                    <a16:creationId xmlns:a16="http://schemas.microsoft.com/office/drawing/2014/main" id="{86EDA522-321C-49CE-B97E-4C876FB3E837}"/>
+                  </a:ext>
+                </a:extLst>
+              </p:cNvPr>
+              <p:cNvSpPr txBox="1"/>
+              <p:nvPr/>
+            </p:nvSpPr>
+            <p:spPr>
+              <a:xfrm>
+                <a:off x="2052115" y="1696287"/>
+                <a:ext cx="430887" cy="707886"/>
+              </a:xfrm>
+              <a:prstGeom prst="rect">
+                <a:avLst/>
+              </a:prstGeom>
+              <a:noFill/>
+            </p:spPr>
+            <p:txBody>
+              <a:bodyPr vert="eaVert" wrap="none" rtlCol="0">
+                <a:spAutoFit/>
+              </a:bodyPr>
+              <a:lstStyle/>
+              <a:p>
+                <a:r>
+                  <a:rPr lang="zh-CN" altLang="en-US" sz="1600" dirty="0"/>
+                  <a:t>新生代</a:t>
+                </a:r>
+              </a:p>
+            </p:txBody>
+          </p:sp>
+          <p:sp>
+            <p:nvSpPr>
+              <p:cNvPr id="34" name="文本框 33">
+                <a:extLst>
+                  <a:ext uri="{FF2B5EF4-FFF2-40B4-BE49-F238E27FC236}">
+                    <a16:creationId xmlns:a16="http://schemas.microsoft.com/office/drawing/2014/main" id="{46456A63-AF68-49C3-8F55-502BE4B65113}"/>
+                  </a:ext>
+                </a:extLst>
+              </p:cNvPr>
+              <p:cNvSpPr txBox="1"/>
+              <p:nvPr/>
+            </p:nvSpPr>
+            <p:spPr>
+              <a:xfrm>
+                <a:off x="2055678" y="4423075"/>
+                <a:ext cx="430887" cy="707886"/>
+              </a:xfrm>
+              <a:prstGeom prst="rect">
+                <a:avLst/>
+              </a:prstGeom>
+              <a:noFill/>
+            </p:spPr>
+            <p:txBody>
+              <a:bodyPr vert="eaVert" wrap="none" rtlCol="0">
+                <a:spAutoFit/>
+              </a:bodyPr>
+              <a:lstStyle/>
+              <a:p>
+                <a:r>
+                  <a:rPr lang="zh-CN" altLang="en-US" sz="1600" dirty="0"/>
+                  <a:t>老年代</a:t>
+                </a:r>
+              </a:p>
+            </p:txBody>
+          </p:sp>
+          <p:sp>
+            <p:nvSpPr>
+              <p:cNvPr id="7" name="文本框 6">
+                <a:extLst>
+                  <a:ext uri="{FF2B5EF4-FFF2-40B4-BE49-F238E27FC236}">
+                    <a16:creationId xmlns:a16="http://schemas.microsoft.com/office/drawing/2014/main" id="{7F5DE130-74F4-425D-9D76-E5396B406BA5}"/>
+                  </a:ext>
+                </a:extLst>
+              </p:cNvPr>
+              <p:cNvSpPr txBox="1"/>
+              <p:nvPr/>
+            </p:nvSpPr>
+            <p:spPr>
+              <a:xfrm>
+                <a:off x="3412588" y="527312"/>
+                <a:ext cx="415498" cy="369332"/>
+              </a:xfrm>
+              <a:prstGeom prst="rect">
+                <a:avLst/>
+              </a:prstGeom>
+              <a:noFill/>
+            </p:spPr>
+            <p:txBody>
+              <a:bodyPr wrap="none" rtlCol="0">
+                <a:spAutoFit/>
+              </a:bodyPr>
+              <a:lstStyle/>
+              <a:p>
+                <a:r>
+                  <a:rPr lang="zh-CN" altLang="en-US" dirty="0"/>
+                  <a:t>堆</a:t>
+                </a:r>
+              </a:p>
+            </p:txBody>
+          </p:sp>
+          <p:sp>
+            <p:nvSpPr>
+              <p:cNvPr id="17" name="矩形: 圆角 16">
+                <a:extLst>
+                  <a:ext uri="{FF2B5EF4-FFF2-40B4-BE49-F238E27FC236}">
+                    <a16:creationId xmlns:a16="http://schemas.microsoft.com/office/drawing/2014/main" id="{FEDA6B9D-468F-407A-8E7F-706D4305C443}"/>
+                  </a:ext>
+                </a:extLst>
+              </p:cNvPr>
+              <p:cNvSpPr/>
+              <p:nvPr/>
+            </p:nvSpPr>
+            <p:spPr>
+              <a:xfrm>
+                <a:off x="2840059" y="1375404"/>
+                <a:ext cx="1560556" cy="323020"/>
+              </a:xfrm>
+              <a:prstGeom prst="roundRect">
+                <a:avLst/>
+              </a:prstGeom>
+            </p:spPr>
+            <p:style>
+              <a:lnRef idx="1">
+                <a:schemeClr val="accent6"/>
+              </a:lnRef>
+              <a:fillRef idx="3">
+                <a:schemeClr val="accent6"/>
+              </a:fillRef>
+              <a:effectRef idx="2">
+                <a:schemeClr val="accent6"/>
+              </a:effectRef>
+              <a:fontRef idx="minor">
+                <a:schemeClr val="lt1"/>
+              </a:fontRef>
+            </p:style>
+            <p:txBody>
+              <a:bodyPr rtlCol="0" anchor="ctr"/>
+              <a:lstStyle/>
+              <a:p>
+                <a:pPr algn="ctr"/>
+                <a:r>
+                  <a:rPr lang="en-US" altLang="zh-CN" sz="1200" dirty="0"/>
+                  <a:t>User {name=</a:t>
+                </a:r>
+                <a:r>
+                  <a:rPr lang="zh-CN" altLang="en-US" sz="1200" dirty="0"/>
+                  <a:t>‘张三’</a:t>
+                </a:r>
+                <a:r>
+                  <a:rPr lang="en-US" altLang="zh-CN" sz="1200" dirty="0"/>
+                  <a:t>}</a:t>
+                </a:r>
+              </a:p>
+            </p:txBody>
+          </p:sp>
+        </p:grpSp>
+        <p:cxnSp>
+          <p:nvCxnSpPr>
+            <p:cNvPr id="26" name="连接符: 肘形 25">
+              <a:extLst>
+                <a:ext uri="{FF2B5EF4-FFF2-40B4-BE49-F238E27FC236}">
+                  <a16:creationId xmlns:a16="http://schemas.microsoft.com/office/drawing/2014/main" id="{9C2058C2-63B6-4425-B3A8-6522FAB2A16F}"/>
+                </a:ext>
+              </a:extLst>
+            </p:cNvPr>
+            <p:cNvCxnSpPr>
+              <a:cxnSpLocks/>
+              <a:stCxn id="9" idx="1"/>
+              <a:endCxn id="17" idx="0"/>
+            </p:cNvCxnSpPr>
+            <p:nvPr/>
+          </p:nvCxnSpPr>
+          <p:spPr>
+            <a:xfrm rot="10800000" flipV="1">
+              <a:off x="3620338" y="1073448"/>
+              <a:ext cx="2475663" cy="301955"/>
+            </a:xfrm>
+            <a:prstGeom prst="bentConnector2">
+              <a:avLst/>
+            </a:prstGeom>
+            <a:ln>
+              <a:tailEnd type="triangle"/>
+            </a:ln>
+          </p:spPr>
+          <p:style>
+            <a:lnRef idx="1">
+              <a:schemeClr val="accent1"/>
+            </a:lnRef>
+            <a:fillRef idx="0">
+              <a:schemeClr val="accent1"/>
+            </a:fillRef>
+            <a:effectRef idx="0">
+              <a:schemeClr val="accent1"/>
+            </a:effectRef>
+            <a:fontRef idx="minor">
+              <a:schemeClr val="tx1"/>
+            </a:fontRef>
+          </p:style>
+        </p:cxnSp>
+        <p:grpSp>
+          <p:nvGrpSpPr>
+            <p:cNvPr id="56" name="组合 55">
+              <a:extLst>
+                <a:ext uri="{FF2B5EF4-FFF2-40B4-BE49-F238E27FC236}">
+                  <a16:creationId xmlns:a16="http://schemas.microsoft.com/office/drawing/2014/main" id="{B08ED032-CD5A-4D81-834A-A3455C4C0B0E}"/>
+                </a:ext>
+              </a:extLst>
+            </p:cNvPr>
+            <p:cNvGrpSpPr/>
+            <p:nvPr/>
+          </p:nvGrpSpPr>
+          <p:grpSpPr>
+            <a:xfrm>
+              <a:off x="9268290" y="536140"/>
+              <a:ext cx="1846555" cy="5802515"/>
+              <a:chOff x="9268290" y="536140"/>
+              <a:chExt cx="1846555" cy="5802515"/>
+            </a:xfrm>
+          </p:grpSpPr>
+          <p:sp>
+            <p:nvSpPr>
+              <p:cNvPr id="5" name="矩形 4">
+                <a:extLst>
+                  <a:ext uri="{FF2B5EF4-FFF2-40B4-BE49-F238E27FC236}">
+                    <a16:creationId xmlns:a16="http://schemas.microsoft.com/office/drawing/2014/main" id="{585D7B2D-5A8C-45B6-8532-9D8D57FD9A26}"/>
+                  </a:ext>
+                </a:extLst>
+              </p:cNvPr>
+              <p:cNvSpPr/>
+              <p:nvPr/>
+            </p:nvSpPr>
+            <p:spPr>
+              <a:xfrm>
+                <a:off x="9268290" y="893347"/>
+                <a:ext cx="1846555" cy="5445308"/>
+              </a:xfrm>
+              <a:prstGeom prst="rect">
+                <a:avLst/>
+              </a:prstGeom>
+              <a:solidFill>
+                <a:schemeClr val="accent6">
+                  <a:lumMod val="40000"/>
+                  <a:lumOff val="60000"/>
+                </a:schemeClr>
+              </a:solidFill>
+            </p:spPr>
+            <p:style>
+              <a:lnRef idx="2">
+                <a:schemeClr val="accent1">
+                  <a:shade val="50000"/>
+                </a:schemeClr>
+              </a:lnRef>
+              <a:fillRef idx="1">
+                <a:schemeClr val="accent1"/>
+              </a:fillRef>
+              <a:effectRef idx="0">
+                <a:schemeClr val="accent1"/>
+              </a:effectRef>
+              <a:fontRef idx="minor">
+                <a:schemeClr val="lt1"/>
+              </a:fontRef>
+            </p:style>
+            <p:txBody>
+              <a:bodyPr rtlCol="0" anchor="ctr"/>
+              <a:lstStyle/>
+              <a:p>
+                <a:pPr algn="ctr"/>
+                <a:endParaRPr lang="zh-CN" altLang="en-US"/>
+              </a:p>
+            </p:txBody>
+          </p:sp>
+          <p:sp>
+            <p:nvSpPr>
+              <p:cNvPr id="38" name="文本框 37">
+                <a:extLst>
+                  <a:ext uri="{FF2B5EF4-FFF2-40B4-BE49-F238E27FC236}">
+                    <a16:creationId xmlns:a16="http://schemas.microsoft.com/office/drawing/2014/main" id="{1D076E1C-6617-4723-9007-110BD9E91620}"/>
+                  </a:ext>
+                </a:extLst>
+              </p:cNvPr>
+              <p:cNvSpPr txBox="1"/>
+              <p:nvPr/>
+            </p:nvSpPr>
+            <p:spPr>
+              <a:xfrm>
+                <a:off x="9983818" y="536140"/>
+                <a:ext cx="415498" cy="369332"/>
+              </a:xfrm>
+              <a:prstGeom prst="rect">
+                <a:avLst/>
+              </a:prstGeom>
+              <a:noFill/>
+            </p:spPr>
+            <p:txBody>
+              <a:bodyPr wrap="none" rtlCol="0">
+                <a:spAutoFit/>
+              </a:bodyPr>
+              <a:lstStyle/>
+              <a:p>
+                <a:r>
+                  <a:rPr lang="zh-CN" altLang="en-US" dirty="0"/>
+                  <a:t>栈</a:t>
+                </a:r>
+              </a:p>
+            </p:txBody>
+          </p:sp>
+          <p:sp>
+            <p:nvSpPr>
+              <p:cNvPr id="45" name="矩形: 圆角 44">
+                <a:extLst>
+                  <a:ext uri="{FF2B5EF4-FFF2-40B4-BE49-F238E27FC236}">
+                    <a16:creationId xmlns:a16="http://schemas.microsoft.com/office/drawing/2014/main" id="{9824E838-E8CC-4800-8EF5-C7B632343A70}"/>
+                  </a:ext>
+                </a:extLst>
+              </p:cNvPr>
+              <p:cNvSpPr/>
+              <p:nvPr/>
+            </p:nvSpPr>
+            <p:spPr>
+              <a:xfrm>
+                <a:off x="9448534" y="1375404"/>
+                <a:ext cx="1560556" cy="323020"/>
+              </a:xfrm>
+              <a:prstGeom prst="roundRect">
+                <a:avLst/>
+              </a:prstGeom>
+            </p:spPr>
+            <p:style>
+              <a:lnRef idx="1">
+                <a:schemeClr val="accent6"/>
+              </a:lnRef>
+              <a:fillRef idx="3">
+                <a:schemeClr val="accent6"/>
+              </a:fillRef>
+              <a:effectRef idx="2">
+                <a:schemeClr val="accent6"/>
+              </a:effectRef>
+              <a:fontRef idx="minor">
+                <a:schemeClr val="lt1"/>
+              </a:fontRef>
+            </p:style>
+            <p:txBody>
+              <a:bodyPr rtlCol="0" anchor="ctr"/>
+              <a:lstStyle/>
+              <a:p>
+                <a:pPr algn="ctr"/>
+                <a:r>
+                  <a:rPr lang="en-US" altLang="zh-CN" sz="1200" dirty="0"/>
+                  <a:t>user1</a:t>
+                </a:r>
+              </a:p>
+            </p:txBody>
+          </p:sp>
+        </p:grpSp>
+        <p:cxnSp>
+          <p:nvCxnSpPr>
+            <p:cNvPr id="43" name="连接符: 肘形 42">
+              <a:extLst>
+                <a:ext uri="{FF2B5EF4-FFF2-40B4-BE49-F238E27FC236}">
+                  <a16:creationId xmlns:a16="http://schemas.microsoft.com/office/drawing/2014/main" id="{F8C4D271-0E44-4B07-A91A-05983A59BF8D}"/>
+                </a:ext>
+              </a:extLst>
+            </p:cNvPr>
+            <p:cNvCxnSpPr>
+              <a:cxnSpLocks/>
+              <a:stCxn id="9" idx="3"/>
+              <a:endCxn id="45" idx="0"/>
+            </p:cNvCxnSpPr>
+            <p:nvPr/>
+          </p:nvCxnSpPr>
+          <p:spPr>
+            <a:xfrm>
+              <a:off x="7942555" y="1073449"/>
+              <a:ext cx="2286257" cy="301955"/>
+            </a:xfrm>
+            <a:prstGeom prst="bentConnector2">
+              <a:avLst/>
+            </a:prstGeom>
+            <a:ln>
+              <a:tailEnd type="triangle"/>
+            </a:ln>
+          </p:spPr>
+          <p:style>
+            <a:lnRef idx="1">
+              <a:schemeClr val="accent1"/>
+            </a:lnRef>
+            <a:fillRef idx="0">
+              <a:schemeClr val="accent1"/>
+            </a:fillRef>
+            <a:effectRef idx="0">
+              <a:schemeClr val="accent1"/>
+            </a:effectRef>
+            <a:fontRef idx="minor">
+              <a:schemeClr val="tx1"/>
+            </a:fontRef>
+          </p:style>
+        </p:cxnSp>
+        <p:cxnSp>
+          <p:nvCxnSpPr>
+            <p:cNvPr id="46" name="直接箭头连接符 45">
+              <a:extLst>
+                <a:ext uri="{FF2B5EF4-FFF2-40B4-BE49-F238E27FC236}">
+                  <a16:creationId xmlns:a16="http://schemas.microsoft.com/office/drawing/2014/main" id="{1796C92D-6632-498B-B60A-E9983D587A9D}"/>
+                </a:ext>
+              </a:extLst>
+            </p:cNvPr>
+            <p:cNvCxnSpPr>
+              <a:cxnSpLocks/>
+              <a:stCxn id="45" idx="1"/>
+              <a:endCxn id="17" idx="3"/>
+            </p:cNvCxnSpPr>
+            <p:nvPr/>
+          </p:nvCxnSpPr>
+          <p:spPr>
+            <a:xfrm flipH="1">
+              <a:off x="4400615" y="1536914"/>
+              <a:ext cx="5047919" cy="0"/>
+            </a:xfrm>
+            <a:prstGeom prst="straightConnector1">
+              <a:avLst/>
+            </a:prstGeom>
+            <a:ln>
+              <a:tailEnd type="triangle"/>
+            </a:ln>
+          </p:spPr>
+          <p:style>
+            <a:lnRef idx="1">
+              <a:schemeClr val="accent1"/>
+            </a:lnRef>
+            <a:fillRef idx="0">
+              <a:schemeClr val="accent1"/>
+            </a:fillRef>
+            <a:effectRef idx="0">
+              <a:schemeClr val="accent1"/>
+            </a:effectRef>
+            <a:fontRef idx="minor">
+              <a:schemeClr val="tx1"/>
+            </a:fontRef>
+          </p:style>
+        </p:cxnSp>
+        <p:sp>
+          <p:nvSpPr>
+            <p:cNvPr id="54" name="文本框 53">
+              <a:extLst>
+                <a:ext uri="{FF2B5EF4-FFF2-40B4-BE49-F238E27FC236}">
+                  <a16:creationId xmlns:a16="http://schemas.microsoft.com/office/drawing/2014/main" id="{08634D36-AC53-4E01-9B29-5ADAB651CEC1}"/>
+                </a:ext>
+              </a:extLst>
+            </p:cNvPr>
+            <p:cNvSpPr txBox="1"/>
+            <p:nvPr/>
+          </p:nvSpPr>
+          <p:spPr>
+            <a:xfrm>
+              <a:off x="6156778" y="1336859"/>
+              <a:ext cx="1510350" cy="400110"/>
+            </a:xfrm>
+            <a:prstGeom prst="rect">
+              <a:avLst/>
+            </a:prstGeom>
+            <a:noFill/>
+          </p:spPr>
+          <p:txBody>
+            <a:bodyPr wrap="none" rtlCol="0">
+              <a:spAutoFit/>
+            </a:bodyPr>
+            <a:lstStyle/>
+            <a:p>
+              <a:r>
+                <a:rPr lang="zh-CN" altLang="en-US" sz="1000" dirty="0"/>
+                <a:t>局部变量</a:t>
+              </a:r>
+              <a:r>
+                <a:rPr lang="en-US" altLang="zh-CN" sz="1000" dirty="0"/>
+                <a:t>user1</a:t>
+              </a:r>
+              <a:r>
+                <a:rPr lang="zh-CN" altLang="en-US" sz="1000" dirty="0"/>
+                <a:t>指针指向</a:t>
+              </a:r>
+              <a:endParaRPr lang="en-US" altLang="zh-CN" sz="1000" dirty="0"/>
+            </a:p>
+            <a:p>
+              <a:r>
+                <a:rPr lang="zh-CN" altLang="en-US" sz="1000" dirty="0"/>
+                <a:t>堆中对象的实例</a:t>
+              </a:r>
+            </a:p>
+          </p:txBody>
+        </p:sp>
+        <p:sp>
+          <p:nvSpPr>
+            <p:cNvPr id="61" name="文本框 60">
+              <a:extLst>
+                <a:ext uri="{FF2B5EF4-FFF2-40B4-BE49-F238E27FC236}">
+                  <a16:creationId xmlns:a16="http://schemas.microsoft.com/office/drawing/2014/main" id="{D558D7F8-2A38-4F83-AF3C-ED3994D70856}"/>
+                </a:ext>
+              </a:extLst>
+            </p:cNvPr>
+            <p:cNvSpPr txBox="1"/>
+            <p:nvPr/>
+          </p:nvSpPr>
+          <p:spPr>
+            <a:xfrm>
+              <a:off x="4597753" y="873391"/>
+              <a:ext cx="1484702" cy="400110"/>
+            </a:xfrm>
+            <a:prstGeom prst="rect">
+              <a:avLst/>
+            </a:prstGeom>
+            <a:noFill/>
+          </p:spPr>
+          <p:txBody>
+            <a:bodyPr wrap="none" rtlCol="0">
+              <a:spAutoFit/>
+            </a:bodyPr>
+            <a:lstStyle/>
+            <a:p>
+              <a:r>
+                <a:rPr lang="zh-CN" altLang="en-US" sz="1000" dirty="0"/>
+                <a:t>新</a:t>
+              </a:r>
+              <a:r>
+                <a:rPr lang="en-US" altLang="zh-CN" sz="1000" dirty="0"/>
+                <a:t>new</a:t>
+              </a:r>
+              <a:r>
+                <a:rPr lang="zh-CN" altLang="en-US" sz="1000" dirty="0"/>
+                <a:t>的对象实例数据</a:t>
+              </a:r>
+              <a:endParaRPr lang="en-US" altLang="zh-CN" sz="1000" dirty="0"/>
+            </a:p>
+            <a:p>
+              <a:r>
+                <a:rPr lang="zh-CN" altLang="en-US" sz="1000" dirty="0"/>
+                <a:t>存放在堆中的</a:t>
+              </a:r>
+              <a:r>
+                <a:rPr lang="en-US" altLang="zh-CN" sz="1000" dirty="0"/>
+                <a:t>Eden</a:t>
+              </a:r>
+              <a:r>
+                <a:rPr lang="zh-CN" altLang="en-US" sz="1000" dirty="0"/>
+                <a:t>区域</a:t>
+              </a:r>
+            </a:p>
+          </p:txBody>
+        </p:sp>
+        <p:sp>
+          <p:nvSpPr>
+            <p:cNvPr id="62" name="文本框 61">
+              <a:extLst>
+                <a:ext uri="{FF2B5EF4-FFF2-40B4-BE49-F238E27FC236}">
+                  <a16:creationId xmlns:a16="http://schemas.microsoft.com/office/drawing/2014/main" id="{C88A6E63-2D43-46C5-ABA7-8BED262F6862}"/>
+                </a:ext>
+              </a:extLst>
+            </p:cNvPr>
+            <p:cNvSpPr txBox="1"/>
+            <p:nvPr/>
+          </p:nvSpPr>
+          <p:spPr>
+            <a:xfrm>
+              <a:off x="8002081" y="856427"/>
+              <a:ext cx="1180131" cy="400110"/>
+            </a:xfrm>
+            <a:prstGeom prst="rect">
+              <a:avLst/>
+            </a:prstGeom>
+            <a:noFill/>
+          </p:spPr>
+          <p:txBody>
+            <a:bodyPr wrap="none" rtlCol="0">
+              <a:spAutoFit/>
+            </a:bodyPr>
+            <a:lstStyle/>
+            <a:p>
+              <a:r>
+                <a:rPr lang="zh-CN" altLang="en-US" sz="1000" dirty="0"/>
+                <a:t>新</a:t>
+              </a:r>
+              <a:r>
+                <a:rPr lang="en-US" altLang="zh-CN" sz="1000" dirty="0"/>
+                <a:t>new</a:t>
+              </a:r>
+              <a:r>
+                <a:rPr lang="zh-CN" altLang="en-US" sz="1000" dirty="0"/>
+                <a:t>的局部变量</a:t>
+              </a:r>
+              <a:endParaRPr lang="en-US" altLang="zh-CN" sz="1000" dirty="0"/>
+            </a:p>
+            <a:p>
+              <a:r>
+                <a:rPr lang="en-US" altLang="zh-CN" sz="1000" dirty="0"/>
+                <a:t>user1</a:t>
+              </a:r>
+              <a:r>
+                <a:rPr lang="zh-CN" altLang="en-US" sz="1000" dirty="0"/>
+                <a:t>存放在栈中</a:t>
+              </a:r>
+            </a:p>
+          </p:txBody>
+        </p:sp>
+        <p:sp>
+          <p:nvSpPr>
+            <p:cNvPr id="65" name="矩形: 圆角 64">
+              <a:extLst>
+                <a:ext uri="{FF2B5EF4-FFF2-40B4-BE49-F238E27FC236}">
+                  <a16:creationId xmlns:a16="http://schemas.microsoft.com/office/drawing/2014/main" id="{F5D374C2-3B4C-4EED-ACE5-BF2E5BA62103}"/>
+                </a:ext>
+              </a:extLst>
+            </p:cNvPr>
+            <p:cNvSpPr/>
+            <p:nvPr/>
+          </p:nvSpPr>
+          <p:spPr>
+            <a:xfrm>
+              <a:off x="2861028" y="3374277"/>
+              <a:ext cx="1560556" cy="323020"/>
+            </a:xfrm>
+            <a:prstGeom prst="roundRect">
+              <a:avLst/>
+            </a:prstGeom>
+          </p:spPr>
+          <p:style>
+            <a:lnRef idx="1">
+              <a:schemeClr val="accent6"/>
+            </a:lnRef>
+            <a:fillRef idx="3">
+              <a:schemeClr val="accent6"/>
+            </a:fillRef>
+            <a:effectRef idx="2">
+              <a:schemeClr val="accent6"/>
+            </a:effectRef>
+            <a:fontRef idx="minor">
+              <a:schemeClr val="lt1"/>
+            </a:fontRef>
+          </p:style>
+          <p:txBody>
+            <a:bodyPr rtlCol="0" anchor="ctr"/>
+            <a:lstStyle/>
+            <a:p>
+              <a:pPr algn="ctr"/>
+              <a:r>
+                <a:rPr lang="en-US" altLang="zh-CN" sz="1200" dirty="0"/>
+                <a:t>Employee {age=20}</a:t>
+              </a:r>
+            </a:p>
+          </p:txBody>
+        </p:sp>
+        <p:sp>
+          <p:nvSpPr>
+            <p:cNvPr id="66" name="矩形: 圆角 65">
+              <a:extLst>
+                <a:ext uri="{FF2B5EF4-FFF2-40B4-BE49-F238E27FC236}">
+                  <a16:creationId xmlns:a16="http://schemas.microsoft.com/office/drawing/2014/main" id="{443B33C8-FE0D-45D2-AAF2-15374577653C}"/>
+                </a:ext>
+              </a:extLst>
+            </p:cNvPr>
+            <p:cNvSpPr/>
+            <p:nvPr/>
+          </p:nvSpPr>
+          <p:spPr>
+            <a:xfrm>
+              <a:off x="2861028" y="3812712"/>
+              <a:ext cx="1560556" cy="323020"/>
+            </a:xfrm>
+            <a:prstGeom prst="roundRect">
+              <a:avLst/>
+            </a:prstGeom>
+          </p:spPr>
+          <p:style>
+            <a:lnRef idx="1">
+              <a:schemeClr val="accent6"/>
+            </a:lnRef>
+            <a:fillRef idx="3">
+              <a:schemeClr val="accent6"/>
+            </a:fillRef>
+            <a:effectRef idx="2">
+              <a:schemeClr val="accent6"/>
+            </a:effectRef>
+            <a:fontRef idx="minor">
+              <a:schemeClr val="lt1"/>
+            </a:fontRef>
+          </p:style>
+          <p:txBody>
+            <a:bodyPr rtlCol="0" anchor="ctr"/>
+            <a:lstStyle/>
+            <a:p>
+              <a:pPr algn="ctr"/>
+              <a:r>
+                <a:rPr lang="en-US" altLang="zh-CN" sz="1200" dirty="0"/>
+                <a:t>[1,2,3,4,5]</a:t>
+              </a:r>
+            </a:p>
+          </p:txBody>
+        </p:sp>
+        <p:sp>
+          <p:nvSpPr>
+            <p:cNvPr id="71" name="文本框 70">
+              <a:extLst>
+                <a:ext uri="{FF2B5EF4-FFF2-40B4-BE49-F238E27FC236}">
+                  <a16:creationId xmlns:a16="http://schemas.microsoft.com/office/drawing/2014/main" id="{9A91630B-8B6D-44E1-BAF4-63F68D3B1DC2}"/>
+                </a:ext>
+              </a:extLst>
+            </p:cNvPr>
+            <p:cNvSpPr txBox="1"/>
+            <p:nvPr/>
+          </p:nvSpPr>
+          <p:spPr>
+            <a:xfrm>
+              <a:off x="2707660" y="888552"/>
+              <a:ext cx="585417" cy="307777"/>
+            </a:xfrm>
+            <a:prstGeom prst="rect">
+              <a:avLst/>
+            </a:prstGeom>
+            <a:noFill/>
+          </p:spPr>
+          <p:txBody>
+            <a:bodyPr wrap="none" rtlCol="0">
+              <a:spAutoFit/>
+            </a:bodyPr>
+            <a:lstStyle/>
+            <a:p>
+              <a:r>
+                <a:rPr lang="en-US" altLang="zh-CN" sz="1400" b="1" dirty="0"/>
+                <a:t>Eden</a:t>
+              </a:r>
+              <a:endParaRPr lang="zh-CN" altLang="en-US" sz="1400" b="1" dirty="0"/>
+            </a:p>
+          </p:txBody>
+        </p:sp>
+        <p:sp>
+          <p:nvSpPr>
+            <p:cNvPr id="77" name="文本框 76">
+              <a:extLst>
+                <a:ext uri="{FF2B5EF4-FFF2-40B4-BE49-F238E27FC236}">
+                  <a16:creationId xmlns:a16="http://schemas.microsoft.com/office/drawing/2014/main" id="{B1224A4B-B2A6-4608-98A4-FB1F70ACFE12}"/>
+                </a:ext>
+              </a:extLst>
+            </p:cNvPr>
+            <p:cNvSpPr txBox="1"/>
+            <p:nvPr/>
+          </p:nvSpPr>
+          <p:spPr>
+            <a:xfrm>
+              <a:off x="2706027" y="2060067"/>
+              <a:ext cx="922047" cy="307777"/>
+            </a:xfrm>
+            <a:prstGeom prst="rect">
+              <a:avLst/>
+            </a:prstGeom>
+            <a:noFill/>
+          </p:spPr>
+          <p:txBody>
+            <a:bodyPr wrap="none" rtlCol="0">
+              <a:spAutoFit/>
+            </a:bodyPr>
+            <a:lstStyle/>
+            <a:p>
+              <a:r>
+                <a:rPr lang="en-US" altLang="zh-CN" sz="1400" b="1" dirty="0"/>
+                <a:t>From(S0)</a:t>
+              </a:r>
+              <a:endParaRPr lang="zh-CN" altLang="en-US" sz="1400" b="1" dirty="0"/>
+            </a:p>
+          </p:txBody>
+        </p:sp>
+        <p:sp>
+          <p:nvSpPr>
+            <p:cNvPr id="78" name="文本框 77">
+              <a:extLst>
+                <a:ext uri="{FF2B5EF4-FFF2-40B4-BE49-F238E27FC236}">
+                  <a16:creationId xmlns:a16="http://schemas.microsoft.com/office/drawing/2014/main" id="{0EDE7B4D-FA88-4AB5-AE8C-E580F955D9B5}"/>
+                </a:ext>
+              </a:extLst>
+            </p:cNvPr>
+            <p:cNvSpPr txBox="1"/>
+            <p:nvPr/>
+          </p:nvSpPr>
+          <p:spPr>
+            <a:xfrm>
+              <a:off x="2708494" y="2612422"/>
+              <a:ext cx="707245" cy="307777"/>
+            </a:xfrm>
+            <a:prstGeom prst="rect">
+              <a:avLst/>
+            </a:prstGeom>
+            <a:noFill/>
+          </p:spPr>
+          <p:txBody>
+            <a:bodyPr wrap="none" rtlCol="0">
+              <a:spAutoFit/>
+            </a:bodyPr>
+            <a:lstStyle/>
+            <a:p>
+              <a:r>
+                <a:rPr lang="en-US" altLang="zh-CN" sz="1400" b="1" dirty="0"/>
+                <a:t>To(S1)</a:t>
+              </a:r>
+              <a:endParaRPr lang="zh-CN" altLang="en-US" sz="1400" b="1" dirty="0"/>
+            </a:p>
+          </p:txBody>
+        </p:sp>
+        <p:sp>
+          <p:nvSpPr>
+            <p:cNvPr id="72" name="椭圆 71">
+              <a:extLst>
+                <a:ext uri="{FF2B5EF4-FFF2-40B4-BE49-F238E27FC236}">
+                  <a16:creationId xmlns:a16="http://schemas.microsoft.com/office/drawing/2014/main" id="{F60780E2-1308-41D1-8EFA-EB6BF65D8FE8}"/>
+                </a:ext>
+              </a:extLst>
+            </p:cNvPr>
+            <p:cNvSpPr/>
+            <p:nvPr/>
+          </p:nvSpPr>
+          <p:spPr>
+            <a:xfrm>
+              <a:off x="6652556" y="2858181"/>
+              <a:ext cx="769179" cy="726162"/>
+            </a:xfrm>
+            <a:prstGeom prst="ellipse">
+              <a:avLst/>
+            </a:prstGeom>
+          </p:spPr>
+          <p:style>
+            <a:lnRef idx="2">
+              <a:schemeClr val="accent1">
+                <a:shade val="50000"/>
+              </a:schemeClr>
+            </a:lnRef>
+            <a:fillRef idx="1">
+              <a:schemeClr val="accent1"/>
+            </a:fillRef>
+            <a:effectRef idx="0">
+              <a:schemeClr val="accent1"/>
+            </a:effectRef>
+            <a:fontRef idx="minor">
+              <a:schemeClr val="lt1"/>
+            </a:fontRef>
+          </p:style>
+          <p:txBody>
+            <a:bodyPr rtlCol="0" anchor="ctr"/>
+            <a:lstStyle/>
+            <a:p>
+              <a:pPr algn="ctr"/>
+              <a:r>
+                <a:rPr lang="en-US" altLang="zh-CN" dirty="0"/>
+                <a:t>GC</a:t>
+              </a:r>
+              <a:endParaRPr lang="zh-CN" altLang="en-US" dirty="0"/>
+            </a:p>
+          </p:txBody>
+        </p:sp>
+        <p:cxnSp>
+          <p:nvCxnSpPr>
+            <p:cNvPr id="75" name="连接符: 肘形 74">
+              <a:extLst>
+                <a:ext uri="{FF2B5EF4-FFF2-40B4-BE49-F238E27FC236}">
+                  <a16:creationId xmlns:a16="http://schemas.microsoft.com/office/drawing/2014/main" id="{638D0A4A-7294-4182-93C3-D7C2B2E96145}"/>
+                </a:ext>
+              </a:extLst>
+            </p:cNvPr>
+            <p:cNvCxnSpPr>
+              <a:cxnSpLocks/>
+              <a:stCxn id="72" idx="2"/>
+            </p:cNvCxnSpPr>
+            <p:nvPr/>
+          </p:nvCxnSpPr>
+          <p:spPr>
+            <a:xfrm rot="10800000" flipV="1">
+              <a:off x="4555622" y="3221262"/>
+              <a:ext cx="2096935" cy="908616"/>
+            </a:xfrm>
+            <a:prstGeom prst="bentConnector3">
+              <a:avLst/>
+            </a:prstGeom>
+            <a:ln>
+              <a:tailEnd type="triangle"/>
+            </a:ln>
+          </p:spPr>
+          <p:style>
+            <a:lnRef idx="1">
+              <a:schemeClr val="accent1"/>
+            </a:lnRef>
+            <a:fillRef idx="0">
+              <a:schemeClr val="accent1"/>
+            </a:fillRef>
+            <a:effectRef idx="0">
+              <a:schemeClr val="accent1"/>
+            </a:effectRef>
+            <a:fontRef idx="minor">
+              <a:schemeClr val="tx1"/>
+            </a:fontRef>
+          </p:style>
+        </p:cxnSp>
+        <p:sp>
+          <p:nvSpPr>
+            <p:cNvPr id="88" name="文本框 87">
+              <a:extLst>
+                <a:ext uri="{FF2B5EF4-FFF2-40B4-BE49-F238E27FC236}">
+                  <a16:creationId xmlns:a16="http://schemas.microsoft.com/office/drawing/2014/main" id="{77FECEFD-81B0-4A31-91DC-25D9889082C9}"/>
+                </a:ext>
+              </a:extLst>
+            </p:cNvPr>
+            <p:cNvSpPr txBox="1"/>
+            <p:nvPr/>
+          </p:nvSpPr>
+          <p:spPr>
+            <a:xfrm>
+              <a:off x="4695102" y="3285704"/>
+              <a:ext cx="1957452" cy="1323439"/>
+            </a:xfrm>
+            <a:prstGeom prst="rect">
+              <a:avLst/>
+            </a:prstGeom>
+            <a:noFill/>
+          </p:spPr>
+          <p:txBody>
+            <a:bodyPr wrap="square" rtlCol="0">
+              <a:spAutoFit/>
+            </a:bodyPr>
+            <a:lstStyle/>
+            <a:p>
+              <a:r>
+                <a:rPr lang="zh-CN" altLang="en-US" sz="1000" b="1" dirty="0"/>
+                <a:t>分代收集算法</a:t>
+              </a:r>
+              <a:endParaRPr lang="en-US" altLang="zh-CN" sz="1000" dirty="0"/>
+            </a:p>
+            <a:p>
+              <a:r>
+                <a:rPr lang="zh-CN" altLang="en-US" sz="1000" dirty="0"/>
+                <a:t>每次</a:t>
+              </a:r>
+              <a:r>
+                <a:rPr lang="en-US" altLang="zh-CN" sz="1000" dirty="0"/>
+                <a:t>GC</a:t>
+              </a:r>
+              <a:r>
+                <a:rPr lang="zh-CN" altLang="en-US" sz="1000" dirty="0"/>
+                <a:t>一次新生代，判断对象有没有被引用如果对象被引用则年龄</a:t>
+              </a:r>
+              <a:r>
+                <a:rPr lang="en-US" altLang="zh-CN" sz="1000" dirty="0"/>
+                <a:t>+1,</a:t>
+              </a:r>
+              <a:r>
+                <a:rPr lang="zh-CN" altLang="en-US" sz="1000" dirty="0"/>
+                <a:t>达到一定年龄后对象被存放到老年代</a:t>
+              </a:r>
+              <a:endParaRPr lang="en-US" altLang="zh-CN" sz="1000" dirty="0"/>
+            </a:p>
+            <a:p>
+              <a:endParaRPr lang="en-US" altLang="zh-CN" sz="1000" dirty="0"/>
+            </a:p>
+            <a:p>
+              <a:r>
+                <a:rPr lang="zh-CN" altLang="en-US" sz="1000" dirty="0"/>
+                <a:t>经过</a:t>
+              </a:r>
+              <a:r>
+                <a:rPr lang="en-US" altLang="zh-CN" sz="1000" dirty="0"/>
+                <a:t>N</a:t>
+              </a:r>
+              <a:r>
+                <a:rPr lang="zh-CN" altLang="en-US" sz="1000" dirty="0"/>
+                <a:t>次</a:t>
+              </a:r>
+              <a:r>
+                <a:rPr lang="en-US" altLang="zh-CN" sz="1000" dirty="0"/>
+                <a:t>GC</a:t>
+              </a:r>
+              <a:r>
+                <a:rPr lang="zh-CN" altLang="en-US" sz="1000" dirty="0"/>
+                <a:t>后比较稳定的</a:t>
+              </a:r>
+              <a:endParaRPr lang="en-US" altLang="zh-CN" sz="1000" dirty="0"/>
+            </a:p>
+            <a:p>
+              <a:r>
+                <a:rPr lang="zh-CN" altLang="en-US" sz="1000" dirty="0"/>
+                <a:t>对象实例存放在老年代</a:t>
+              </a:r>
+            </a:p>
+          </p:txBody>
+        </p:sp>
+        <p:cxnSp>
+          <p:nvCxnSpPr>
+            <p:cNvPr id="80" name="连接符: 肘形 79">
+              <a:extLst>
+                <a:ext uri="{FF2B5EF4-FFF2-40B4-BE49-F238E27FC236}">
+                  <a16:creationId xmlns:a16="http://schemas.microsoft.com/office/drawing/2014/main" id="{4F16B0A7-4D68-47F0-BFD1-59438474A488}"/>
+                </a:ext>
+              </a:extLst>
+            </p:cNvPr>
+            <p:cNvCxnSpPr>
+              <a:cxnSpLocks/>
+              <a:stCxn id="72" idx="0"/>
+              <a:endCxn id="93" idx="3"/>
+            </p:cNvCxnSpPr>
+            <p:nvPr/>
+          </p:nvCxnSpPr>
+          <p:spPr>
+            <a:xfrm rot="16200000" flipV="1">
+              <a:off x="6034035" y="1855069"/>
+              <a:ext cx="234073" cy="1772151"/>
+            </a:xfrm>
+            <a:prstGeom prst="bentConnector2">
+              <a:avLst/>
+            </a:prstGeom>
+            <a:ln>
+              <a:tailEnd type="triangle"/>
+            </a:ln>
+          </p:spPr>
+          <p:style>
+            <a:lnRef idx="1">
+              <a:schemeClr val="accent1"/>
+            </a:lnRef>
+            <a:fillRef idx="0">
+              <a:schemeClr val="accent1"/>
+            </a:fillRef>
+            <a:effectRef idx="0">
+              <a:schemeClr val="accent1"/>
+            </a:effectRef>
+            <a:fontRef idx="minor">
+              <a:schemeClr val="tx1"/>
+            </a:fontRef>
+          </p:style>
+        </p:cxnSp>
+        <p:cxnSp>
+          <p:nvCxnSpPr>
+            <p:cNvPr id="83" name="连接符: 肘形 82">
+              <a:extLst>
+                <a:ext uri="{FF2B5EF4-FFF2-40B4-BE49-F238E27FC236}">
+                  <a16:creationId xmlns:a16="http://schemas.microsoft.com/office/drawing/2014/main" id="{CBC69032-A714-4F12-A652-A5EBDF313068}"/>
+                </a:ext>
+              </a:extLst>
+            </p:cNvPr>
+            <p:cNvCxnSpPr>
+              <a:cxnSpLocks/>
+            </p:cNvCxnSpPr>
+            <p:nvPr/>
+          </p:nvCxnSpPr>
+          <p:spPr>
+            <a:xfrm rot="16200000" flipV="1">
+              <a:off x="6014208" y="1870755"/>
+              <a:ext cx="273726" cy="1772150"/>
+            </a:xfrm>
+            <a:prstGeom prst="bentConnector2">
+              <a:avLst/>
+            </a:prstGeom>
+            <a:ln>
+              <a:tailEnd type="triangle"/>
+            </a:ln>
+          </p:spPr>
+          <p:style>
+            <a:lnRef idx="1">
+              <a:schemeClr val="accent1"/>
+            </a:lnRef>
+            <a:fillRef idx="0">
+              <a:schemeClr val="accent1"/>
+            </a:fillRef>
+            <a:effectRef idx="0">
+              <a:schemeClr val="accent1"/>
+            </a:effectRef>
+            <a:fontRef idx="minor">
+              <a:schemeClr val="tx1"/>
+            </a:fontRef>
+          </p:style>
+        </p:cxnSp>
+        <p:pic>
+          <p:nvPicPr>
+            <p:cNvPr id="93" name="图片 92">
+              <a:extLst>
+                <a:ext uri="{FF2B5EF4-FFF2-40B4-BE49-F238E27FC236}">
+                  <a16:creationId xmlns:a16="http://schemas.microsoft.com/office/drawing/2014/main" id="{874C0BA4-21A4-4159-8A04-426D6AF5C7F1}"/>
+                </a:ext>
+              </a:extLst>
+            </p:cNvPr>
+            <p:cNvPicPr>
+              <a:picLocks noChangeAspect="1"/>
+            </p:cNvPicPr>
+            <p:nvPr/>
+          </p:nvPicPr>
+          <p:blipFill>
+            <a:blip r:embed="rId3">
+              <a:extLst>
+                <a:ext uri="{28A0092B-C50C-407E-A947-70E740481C1C}">
+                  <a14:useLocalDpi xmlns:a14="http://schemas.microsoft.com/office/drawing/2010/main" val="0"/>
+                </a:ext>
+              </a:extLst>
+            </a:blip>
+            <a:stretch>
+              <a:fillRect/>
+            </a:stretch>
+          </p:blipFill>
+          <p:spPr>
+            <a:xfrm>
+              <a:off x="4940205" y="2461713"/>
+              <a:ext cx="324790" cy="324790"/>
+            </a:xfrm>
+            <a:prstGeom prst="rect">
+              <a:avLst/>
+            </a:prstGeom>
+          </p:spPr>
+        </p:pic>
+        <p:sp>
+          <p:nvSpPr>
+            <p:cNvPr id="95" name="矩形 94">
+              <a:extLst>
+                <a:ext uri="{FF2B5EF4-FFF2-40B4-BE49-F238E27FC236}">
+                  <a16:creationId xmlns:a16="http://schemas.microsoft.com/office/drawing/2014/main" id="{17709567-6967-47C2-93EF-10516E52C4D6}"/>
+                </a:ext>
+              </a:extLst>
+            </p:cNvPr>
+            <p:cNvSpPr/>
+            <p:nvPr/>
+          </p:nvSpPr>
+          <p:spPr>
+            <a:xfrm>
+              <a:off x="2716536" y="6015213"/>
+              <a:ext cx="1822645" cy="323020"/>
+            </a:xfrm>
+            <a:prstGeom prst="rect">
+              <a:avLst/>
+            </a:prstGeom>
+          </p:spPr>
+          <p:style>
+            <a:lnRef idx="1">
+              <a:schemeClr val="dk1"/>
+            </a:lnRef>
+            <a:fillRef idx="2">
+              <a:schemeClr val="dk1"/>
+            </a:fillRef>
+            <a:effectRef idx="1">
+              <a:schemeClr val="dk1"/>
+            </a:effectRef>
+            <a:fontRef idx="minor">
+              <a:schemeClr val="dk1"/>
+            </a:fontRef>
+          </p:style>
+          <p:txBody>
+            <a:bodyPr rtlCol="0" anchor="ctr"/>
+            <a:lstStyle/>
+            <a:p>
+              <a:pPr algn="ctr"/>
+              <a:r>
+                <a:rPr lang="zh-CN" altLang="en-US" sz="1200" dirty="0"/>
+                <a:t>空闲指针区</a:t>
+              </a:r>
+            </a:p>
+          </p:txBody>
+        </p:sp>
+        <p:cxnSp>
+          <p:nvCxnSpPr>
+            <p:cNvPr id="97" name="连接符: 肘形 96">
+              <a:extLst>
+                <a:ext uri="{FF2B5EF4-FFF2-40B4-BE49-F238E27FC236}">
+                  <a16:creationId xmlns:a16="http://schemas.microsoft.com/office/drawing/2014/main" id="{4E675698-FBC8-4416-B5A3-F1A05B271049}"/>
+                </a:ext>
+              </a:extLst>
+            </p:cNvPr>
+            <p:cNvCxnSpPr>
+              <a:cxnSpLocks/>
+              <a:stCxn id="72" idx="4"/>
+              <a:endCxn id="95" idx="3"/>
+            </p:cNvCxnSpPr>
+            <p:nvPr/>
+          </p:nvCxnSpPr>
+          <p:spPr>
+            <a:xfrm rot="5400000">
+              <a:off x="4491974" y="3631551"/>
+              <a:ext cx="2592380" cy="2497965"/>
+            </a:xfrm>
+            <a:prstGeom prst="bentConnector2">
+              <a:avLst/>
+            </a:prstGeom>
+            <a:ln>
+              <a:tailEnd type="triangle"/>
+            </a:ln>
+          </p:spPr>
+          <p:style>
+            <a:lnRef idx="1">
+              <a:schemeClr val="accent1"/>
+            </a:lnRef>
+            <a:fillRef idx="0">
+              <a:schemeClr val="accent1"/>
+            </a:fillRef>
+            <a:effectRef idx="0">
+              <a:schemeClr val="accent1"/>
+            </a:effectRef>
+            <a:fontRef idx="minor">
+              <a:schemeClr val="tx1"/>
+            </a:fontRef>
+          </p:style>
+        </p:cxnSp>
+        <p:sp>
+          <p:nvSpPr>
+            <p:cNvPr id="98" name="文本框 97">
+              <a:extLst>
+                <a:ext uri="{FF2B5EF4-FFF2-40B4-BE49-F238E27FC236}">
+                  <a16:creationId xmlns:a16="http://schemas.microsoft.com/office/drawing/2014/main" id="{05902906-36FD-41F3-923E-C81A72133851}"/>
+                </a:ext>
+              </a:extLst>
+            </p:cNvPr>
+            <p:cNvSpPr txBox="1"/>
+            <p:nvPr/>
+          </p:nvSpPr>
+          <p:spPr>
+            <a:xfrm>
+              <a:off x="4704787" y="5268690"/>
+              <a:ext cx="2266967" cy="1169551"/>
+            </a:xfrm>
+            <a:prstGeom prst="rect">
+              <a:avLst/>
+            </a:prstGeom>
+            <a:noFill/>
+          </p:spPr>
+          <p:txBody>
+            <a:bodyPr wrap="square" rtlCol="0">
+              <a:spAutoFit/>
+            </a:bodyPr>
+            <a:lstStyle/>
+            <a:p>
+              <a:r>
+                <a:rPr lang="zh-CN" altLang="en-US" sz="1000" b="1" dirty="0"/>
+                <a:t>标记</a:t>
+              </a:r>
+              <a:r>
+                <a:rPr lang="en-US" altLang="zh-CN" sz="1000" b="1" dirty="0"/>
+                <a:t>-</a:t>
+              </a:r>
+              <a:r>
+                <a:rPr lang="zh-CN" altLang="en-US" sz="1000" b="1" dirty="0"/>
+                <a:t>整理算法</a:t>
+              </a:r>
+              <a:r>
+                <a:rPr lang="en-US" altLang="zh-CN" sz="1000" b="1" dirty="0"/>
+                <a:t>(Mark-compact)</a:t>
+              </a:r>
+            </a:p>
+            <a:p>
+              <a:r>
+                <a:rPr lang="en-US" altLang="zh-CN" sz="1000" dirty="0"/>
+                <a:t>GC</a:t>
+              </a:r>
+              <a:r>
+                <a:rPr lang="zh-CN" altLang="en-US" sz="1000" dirty="0"/>
+                <a:t>在回收老年代内存区域时将空闲指针对象统一移动到一块内存区域中（通常是最后端），然后将这段区域整体回收。</a:t>
+              </a:r>
+              <a:endParaRPr lang="en-US" altLang="zh-CN" sz="1000" dirty="0"/>
+            </a:p>
+            <a:p>
+              <a:endParaRPr lang="en-US" altLang="zh-CN" sz="1000" dirty="0"/>
+            </a:p>
+            <a:p>
+              <a:r>
+                <a:rPr lang="zh-CN" altLang="en-US" sz="1000" dirty="0"/>
+                <a:t>解决了内存碎片问题</a:t>
+              </a:r>
+            </a:p>
+          </p:txBody>
+        </p:sp>
+        <p:cxnSp>
+          <p:nvCxnSpPr>
+            <p:cNvPr id="105" name="连接符: 肘形 104">
+              <a:extLst>
+                <a:ext uri="{FF2B5EF4-FFF2-40B4-BE49-F238E27FC236}">
+                  <a16:creationId xmlns:a16="http://schemas.microsoft.com/office/drawing/2014/main" id="{CD618C3A-CB0B-4746-9224-359AC528E232}"/>
+                </a:ext>
+              </a:extLst>
+            </p:cNvPr>
+            <p:cNvCxnSpPr>
+              <a:stCxn id="93" idx="1"/>
+              <a:endCxn id="10" idx="3"/>
+            </p:cNvCxnSpPr>
+            <p:nvPr/>
+          </p:nvCxnSpPr>
+          <p:spPr>
+            <a:xfrm rot="10800000">
+              <a:off x="4555617" y="2330258"/>
+              <a:ext cx="384588" cy="293851"/>
+            </a:xfrm>
+            <a:prstGeom prst="bentConnector3">
+              <a:avLst/>
+            </a:prstGeom>
+            <a:ln>
+              <a:tailEnd type="triangle"/>
+            </a:ln>
+          </p:spPr>
+          <p:style>
+            <a:lnRef idx="1">
+              <a:schemeClr val="accent1"/>
+            </a:lnRef>
+            <a:fillRef idx="0">
+              <a:schemeClr val="accent1"/>
+            </a:fillRef>
+            <a:effectRef idx="0">
+              <a:schemeClr val="accent1"/>
+            </a:effectRef>
+            <a:fontRef idx="minor">
+              <a:schemeClr val="tx1"/>
+            </a:fontRef>
+          </p:style>
+        </p:cxnSp>
+        <p:cxnSp>
+          <p:nvCxnSpPr>
+            <p:cNvPr id="107" name="连接符: 肘形 106">
+              <a:extLst>
+                <a:ext uri="{FF2B5EF4-FFF2-40B4-BE49-F238E27FC236}">
+                  <a16:creationId xmlns:a16="http://schemas.microsoft.com/office/drawing/2014/main" id="{0ABFDF08-5EC6-43B6-94A0-A08239568451}"/>
+                </a:ext>
+              </a:extLst>
+            </p:cNvPr>
+            <p:cNvCxnSpPr>
+              <a:stCxn id="93" idx="1"/>
+              <a:endCxn id="11" idx="3"/>
+            </p:cNvCxnSpPr>
+            <p:nvPr/>
+          </p:nvCxnSpPr>
+          <p:spPr>
+            <a:xfrm rot="10800000" flipV="1">
+              <a:off x="4555617" y="2624108"/>
+              <a:ext cx="384588" cy="287826"/>
+            </a:xfrm>
+            <a:prstGeom prst="bentConnector3">
+              <a:avLst/>
+            </a:prstGeom>
+            <a:ln>
+              <a:tailEnd type="triangle"/>
+            </a:ln>
+          </p:spPr>
+          <p:style>
+            <a:lnRef idx="1">
+              <a:schemeClr val="accent1"/>
+            </a:lnRef>
+            <a:fillRef idx="0">
+              <a:schemeClr val="accent1"/>
+            </a:fillRef>
+            <a:effectRef idx="0">
+              <a:schemeClr val="accent1"/>
+            </a:effectRef>
+            <a:fontRef idx="minor">
+              <a:schemeClr val="tx1"/>
+            </a:fontRef>
+          </p:style>
+        </p:cxnSp>
+      </p:grpSp>
+      <p:cxnSp>
+        <p:nvCxnSpPr>
+          <p:cNvPr id="112" name="连接符: 肘形 111">
+            <a:extLst>
+              <a:ext uri="{FF2B5EF4-FFF2-40B4-BE49-F238E27FC236}">
+                <a16:creationId xmlns:a16="http://schemas.microsoft.com/office/drawing/2014/main" id="{8245DF43-FC0A-421B-97A6-F72FF1DE4F97}"/>
+              </a:ext>
+            </a:extLst>
+          </p:cNvPr>
+          <p:cNvCxnSpPr>
+            <a:cxnSpLocks/>
+            <a:stCxn id="72" idx="0"/>
+          </p:cNvCxnSpPr>
+          <p:nvPr/>
+        </p:nvCxnSpPr>
+        <p:spPr>
+          <a:xfrm rot="16200000" flipV="1">
+            <a:off x="6048142" y="1007531"/>
+            <a:ext cx="1085270" cy="2508475"/>
+          </a:xfrm>
+          <a:prstGeom prst="bentConnector2">
+            <a:avLst/>
+          </a:prstGeom>
+          <a:ln>
+            <a:tailEnd type="triangle"/>
+          </a:ln>
+        </p:spPr>
+        <p:style>
+          <a:lnRef idx="1">
+            <a:schemeClr val="accent1"/>
+          </a:lnRef>
+          <a:fillRef idx="0">
+            <a:schemeClr val="accent1"/>
+          </a:fillRef>
+          <a:effectRef idx="0">
+            <a:schemeClr val="accent1"/>
+          </a:effectRef>
+          <a:fontRef idx="minor">
+            <a:schemeClr val="tx1"/>
+          </a:fontRef>
+        </p:style>
+      </p:cxnSp>
+      <p:sp>
+        <p:nvSpPr>
+          <p:cNvPr id="118" name="文本框 117">
+            <a:extLst>
+              <a:ext uri="{FF2B5EF4-FFF2-40B4-BE49-F238E27FC236}">
+                <a16:creationId xmlns:a16="http://schemas.microsoft.com/office/drawing/2014/main" id="{41A169E0-95BD-4325-9CFB-06F60511D628}"/>
+              </a:ext>
+            </a:extLst>
+          </p:cNvPr>
+          <p:cNvSpPr txBox="1"/>
+          <p:nvPr/>
+        </p:nvSpPr>
+        <p:spPr>
+          <a:xfrm>
+            <a:off x="8149792" y="1692600"/>
+            <a:ext cx="1700542" cy="1477328"/>
+          </a:xfrm>
+          <a:prstGeom prst="rect">
+            <a:avLst/>
+          </a:prstGeom>
+          <a:noFill/>
+        </p:spPr>
+        <p:txBody>
+          <a:bodyPr wrap="square" rtlCol="0">
+            <a:spAutoFit/>
+          </a:bodyPr>
+          <a:lstStyle/>
+          <a:p>
+            <a:r>
+              <a:rPr lang="zh-CN" altLang="en-US" sz="1000" b="1" dirty="0"/>
+              <a:t>复制算法</a:t>
+            </a:r>
+            <a:r>
+              <a:rPr lang="en-US" altLang="zh-CN" sz="1000" b="1" dirty="0"/>
+              <a:t>(Copying)</a:t>
+            </a:r>
+          </a:p>
+          <a:p>
+            <a:r>
+              <a:rPr lang="zh-CN" altLang="en-US" sz="1000" dirty="0"/>
+              <a:t>回收</a:t>
+            </a:r>
+            <a:r>
+              <a:rPr lang="en-US" altLang="zh-CN" sz="1000" dirty="0" err="1"/>
+              <a:t>eden</a:t>
+            </a:r>
+            <a:r>
+              <a:rPr lang="zh-CN" altLang="en-US" sz="1000" dirty="0"/>
+              <a:t>区中对象时先将</a:t>
+            </a:r>
+            <a:r>
+              <a:rPr lang="en-US" altLang="zh-CN" sz="1000" dirty="0" err="1"/>
+              <a:t>enden</a:t>
+            </a:r>
+            <a:r>
+              <a:rPr lang="zh-CN" altLang="en-US" sz="1000" dirty="0"/>
+              <a:t>中存活的对象复制到</a:t>
+            </a:r>
+            <a:r>
+              <a:rPr lang="en-US" altLang="zh-CN" sz="1000" dirty="0"/>
+              <a:t>S0</a:t>
+            </a:r>
+            <a:r>
+              <a:rPr lang="zh-CN" altLang="en-US" sz="1000" dirty="0"/>
+              <a:t>中，然后清空</a:t>
+            </a:r>
+            <a:r>
+              <a:rPr lang="en-US" altLang="zh-CN" sz="1000" dirty="0" err="1"/>
+              <a:t>eden</a:t>
+            </a:r>
+            <a:r>
+              <a:rPr lang="zh-CN" altLang="en-US" sz="1000" dirty="0"/>
+              <a:t>区</a:t>
+            </a:r>
+            <a:endParaRPr lang="en-US" altLang="zh-CN" sz="1000" dirty="0"/>
+          </a:p>
+          <a:p>
+            <a:r>
+              <a:rPr lang="zh-CN" altLang="en-US" sz="1000" dirty="0"/>
+              <a:t>如果</a:t>
+            </a:r>
+            <a:r>
+              <a:rPr lang="en-US" altLang="zh-CN" sz="1000" dirty="0"/>
+              <a:t>S0</a:t>
+            </a:r>
+            <a:r>
+              <a:rPr lang="zh-CN" altLang="en-US" sz="1000" dirty="0"/>
+              <a:t>区已满，则将</a:t>
+            </a:r>
+            <a:r>
+              <a:rPr lang="en-US" altLang="zh-CN" sz="1000" dirty="0" err="1"/>
+              <a:t>eden</a:t>
+            </a:r>
+            <a:r>
+              <a:rPr lang="zh-CN" altLang="en-US" sz="1000" dirty="0"/>
+              <a:t>和</a:t>
+            </a:r>
+            <a:r>
+              <a:rPr lang="en-US" altLang="zh-CN" sz="1000" dirty="0"/>
+              <a:t>S0</a:t>
+            </a:r>
+            <a:r>
+              <a:rPr lang="zh-CN" altLang="en-US" sz="1000" dirty="0"/>
+              <a:t>中存活的对象复制到</a:t>
+            </a:r>
+            <a:r>
+              <a:rPr lang="en-US" altLang="zh-CN" sz="1000" dirty="0"/>
+              <a:t>S1,</a:t>
+            </a:r>
+            <a:r>
+              <a:rPr lang="zh-CN" altLang="en-US" sz="1000" dirty="0"/>
+              <a:t>然后清空</a:t>
+            </a:r>
+            <a:r>
+              <a:rPr lang="en-US" altLang="zh-CN" sz="1000" dirty="0" err="1"/>
+              <a:t>eden</a:t>
+            </a:r>
+            <a:r>
+              <a:rPr lang="zh-CN" altLang="en-US" sz="1000" dirty="0"/>
+              <a:t>和</a:t>
+            </a:r>
+            <a:r>
+              <a:rPr lang="en-US" altLang="zh-CN" sz="1000" dirty="0"/>
+              <a:t>S0,</a:t>
+            </a:r>
+          </a:p>
+          <a:p>
+            <a:r>
+              <a:rPr lang="zh-CN" altLang="en-US" sz="1000" dirty="0"/>
+              <a:t>最后将</a:t>
+            </a:r>
+            <a:r>
+              <a:rPr lang="en-US" altLang="zh-CN" sz="1000" dirty="0"/>
+              <a:t>S0</a:t>
+            </a:r>
+            <a:r>
+              <a:rPr lang="zh-CN" altLang="en-US" sz="1000" dirty="0"/>
+              <a:t>和</a:t>
+            </a:r>
+            <a:r>
+              <a:rPr lang="en-US" altLang="zh-CN" sz="1000" dirty="0"/>
+              <a:t>S1</a:t>
+            </a:r>
+            <a:r>
+              <a:rPr lang="zh-CN" altLang="en-US" sz="1000" dirty="0"/>
+              <a:t>互换</a:t>
+            </a:r>
+            <a:endParaRPr lang="en-US" altLang="zh-CN" sz="1000" dirty="0"/>
+          </a:p>
+          <a:p>
+            <a:r>
+              <a:rPr lang="zh-CN" altLang="en-US" sz="1000" dirty="0"/>
+              <a:t>保持</a:t>
+            </a:r>
+            <a:r>
+              <a:rPr lang="en-US" altLang="zh-CN" sz="1000" dirty="0"/>
+              <a:t>S1</a:t>
+            </a:r>
+            <a:r>
+              <a:rPr lang="zh-CN" altLang="en-US" sz="1000" dirty="0"/>
+              <a:t>为空</a:t>
+            </a:r>
+          </a:p>
+        </p:txBody>
+      </p:sp>
+      <p:sp>
+        <p:nvSpPr>
+          <p:cNvPr id="121" name="文本框 120">
+            <a:extLst>
+              <a:ext uri="{FF2B5EF4-FFF2-40B4-BE49-F238E27FC236}">
+                <a16:creationId xmlns:a16="http://schemas.microsoft.com/office/drawing/2014/main" id="{CB9C2587-47FB-40D6-937C-3E8524701E2B}"/>
+              </a:ext>
+            </a:extLst>
+          </p:cNvPr>
+          <p:cNvSpPr txBox="1"/>
+          <p:nvPr/>
+        </p:nvSpPr>
+        <p:spPr>
+          <a:xfrm>
+            <a:off x="324850" y="1525868"/>
+            <a:ext cx="2353827" cy="954107"/>
+          </a:xfrm>
+          <a:prstGeom prst="rect">
+            <a:avLst/>
+          </a:prstGeom>
+          <a:noFill/>
+          <a:ln w="12700">
+            <a:solidFill>
+              <a:schemeClr val="tx1"/>
+            </a:solidFill>
+          </a:ln>
+        </p:spPr>
+        <p:txBody>
+          <a:bodyPr wrap="square" rtlCol="0">
+            <a:spAutoFit/>
+          </a:bodyPr>
+          <a:lstStyle/>
+          <a:p>
+            <a:r>
+              <a:rPr lang="zh-CN" altLang="en-US" sz="1400" dirty="0"/>
+              <a:t>新生代内存按照</a:t>
+            </a:r>
+            <a:r>
+              <a:rPr lang="en-US" altLang="zh-CN" sz="1400" dirty="0"/>
+              <a:t>8:1:1</a:t>
+            </a:r>
+            <a:r>
+              <a:rPr lang="zh-CN" altLang="en-US" sz="1400" dirty="0"/>
+              <a:t>的比例分为一个</a:t>
+            </a:r>
+            <a:r>
+              <a:rPr lang="en-US" altLang="zh-CN" sz="1400" dirty="0"/>
+              <a:t>Eden</a:t>
+            </a:r>
+            <a:r>
+              <a:rPr lang="zh-CN" altLang="en-US" sz="1400" dirty="0"/>
+              <a:t>区和两个</a:t>
+            </a:r>
+            <a:r>
+              <a:rPr lang="en-US" altLang="zh-CN" sz="1400" dirty="0"/>
+              <a:t>Survivor(survivor0,survivor1)</a:t>
+            </a:r>
+            <a:r>
+              <a:rPr lang="zh-CN" altLang="en-US" sz="1400" dirty="0"/>
+              <a:t>区</a:t>
+            </a:r>
+            <a:r>
+              <a:rPr lang="en-US" altLang="zh-CN" sz="1400" dirty="0"/>
+              <a:t>(</a:t>
+            </a:r>
+            <a:r>
+              <a:rPr lang="zh-CN" altLang="en-US" sz="1400" dirty="0"/>
+              <a:t>也叫</a:t>
+            </a:r>
+            <a:r>
+              <a:rPr lang="en-US" altLang="zh-CN" sz="1400" dirty="0"/>
+              <a:t>from</a:t>
+            </a:r>
+            <a:r>
+              <a:rPr lang="zh-CN" altLang="en-US" sz="1400" dirty="0"/>
+              <a:t>，</a:t>
+            </a:r>
+            <a:r>
+              <a:rPr lang="en-US" altLang="zh-CN" sz="1400" dirty="0"/>
+              <a:t>to)</a:t>
+            </a:r>
+            <a:endParaRPr lang="zh-CN" altLang="en-US" sz="1400" dirty="0"/>
+          </a:p>
+        </p:txBody>
+      </p:sp>
+      <p:sp>
+        <p:nvSpPr>
+          <p:cNvPr id="122" name="文本框 121">
+            <a:extLst>
+              <a:ext uri="{FF2B5EF4-FFF2-40B4-BE49-F238E27FC236}">
+                <a16:creationId xmlns:a16="http://schemas.microsoft.com/office/drawing/2014/main" id="{03A45167-5091-499C-9A74-2D8397D1C55A}"/>
+              </a:ext>
+            </a:extLst>
+          </p:cNvPr>
+          <p:cNvSpPr txBox="1"/>
+          <p:nvPr/>
+        </p:nvSpPr>
+        <p:spPr>
+          <a:xfrm>
+            <a:off x="330195" y="4459296"/>
+            <a:ext cx="2353827" cy="523220"/>
+          </a:xfrm>
+          <a:prstGeom prst="rect">
+            <a:avLst/>
+          </a:prstGeom>
+          <a:noFill/>
+          <a:ln w="12700">
+            <a:solidFill>
+              <a:schemeClr val="tx1"/>
+            </a:solidFill>
+          </a:ln>
+        </p:spPr>
+        <p:txBody>
+          <a:bodyPr wrap="square" rtlCol="0">
+            <a:spAutoFit/>
+          </a:bodyPr>
+          <a:lstStyle/>
+          <a:p>
+            <a:r>
+              <a:rPr lang="zh-CN" altLang="en-US" sz="1400" dirty="0"/>
+              <a:t>老年代和新生代的内存大小比例一般为</a:t>
+            </a:r>
+            <a:r>
+              <a:rPr lang="en-US" altLang="zh-CN" sz="1400" dirty="0"/>
+              <a:t>3:1</a:t>
+            </a:r>
+            <a:r>
+              <a:rPr lang="zh-CN" altLang="en-US" sz="1400" dirty="0"/>
+              <a:t>或</a:t>
+            </a:r>
+            <a:r>
+              <a:rPr lang="en-US" altLang="zh-CN" sz="1400" dirty="0"/>
+              <a:t>2:1</a:t>
+            </a:r>
+            <a:endParaRPr lang="zh-CN" altLang="en-US" sz="1400" dirty="0"/>
+          </a:p>
+        </p:txBody>
+      </p:sp>
+      <p:sp>
+        <p:nvSpPr>
+          <p:cNvPr id="47" name="矩形: 圆角 46">
+            <a:extLst>
+              <a:ext uri="{FF2B5EF4-FFF2-40B4-BE49-F238E27FC236}">
+                <a16:creationId xmlns:a16="http://schemas.microsoft.com/office/drawing/2014/main" id="{16ED9D3C-DE15-4656-AC2A-E09AB601F82E}"/>
+              </a:ext>
+            </a:extLst>
+          </p:cNvPr>
+          <p:cNvSpPr/>
+          <p:nvPr/>
+        </p:nvSpPr>
+        <p:spPr>
+          <a:xfrm>
+            <a:off x="10219157" y="3702187"/>
+            <a:ext cx="1560556" cy="323020"/>
+          </a:xfrm>
+          <a:prstGeom prst="roundRect">
+            <a:avLst/>
+          </a:prstGeom>
+        </p:spPr>
+        <p:style>
+          <a:lnRef idx="1">
+            <a:schemeClr val="accent6"/>
+          </a:lnRef>
+          <a:fillRef idx="3">
+            <a:schemeClr val="accent6"/>
+          </a:fillRef>
+          <a:effectRef idx="2">
+            <a:schemeClr val="accent6"/>
+          </a:effectRef>
+          <a:fontRef idx="minor">
+            <a:schemeClr val="lt1"/>
+          </a:fontRef>
+        </p:style>
+        <p:txBody>
+          <a:bodyPr rtlCol="0" anchor="ctr"/>
+          <a:lstStyle/>
+          <a:p>
+            <a:pPr algn="ctr"/>
+            <a:r>
+              <a:rPr lang="en-US" altLang="zh-CN" sz="1200" dirty="0"/>
+              <a:t>int  </a:t>
+            </a:r>
+            <a:r>
+              <a:rPr lang="en-US" altLang="zh-CN" sz="1200" dirty="0" err="1"/>
+              <a:t>i</a:t>
+            </a:r>
+            <a:r>
+              <a:rPr lang="en-US" altLang="zh-CN" sz="1200" dirty="0"/>
+              <a:t>=0;</a:t>
+            </a:r>
+          </a:p>
+        </p:txBody>
+      </p:sp>
+      <p:cxnSp>
+        <p:nvCxnSpPr>
+          <p:cNvPr id="14" name="连接符: 肘形 13">
+            <a:extLst>
+              <a:ext uri="{FF2B5EF4-FFF2-40B4-BE49-F238E27FC236}">
+                <a16:creationId xmlns:a16="http://schemas.microsoft.com/office/drawing/2014/main" id="{0505AA49-D079-4BC5-B7C1-A7DF3246E98A}"/>
+              </a:ext>
+            </a:extLst>
+          </p:cNvPr>
+          <p:cNvCxnSpPr>
+            <a:stCxn id="72" idx="5"/>
+            <a:endCxn id="47" idx="1"/>
+          </p:cNvCxnSpPr>
+          <p:nvPr/>
+        </p:nvCxnSpPr>
+        <p:spPr>
+          <a:xfrm rot="16200000" flipH="1">
+            <a:off x="8948321" y="2592860"/>
+            <a:ext cx="439475" cy="2102198"/>
+          </a:xfrm>
+          <a:prstGeom prst="bentConnector2">
+            <a:avLst/>
+          </a:prstGeom>
+          <a:ln>
+            <a:tailEnd type="triangle"/>
+          </a:ln>
+        </p:spPr>
+        <p:style>
+          <a:lnRef idx="1">
+            <a:schemeClr val="accent1"/>
+          </a:lnRef>
+          <a:fillRef idx="0">
+            <a:schemeClr val="accent1"/>
+          </a:fillRef>
+          <a:effectRef idx="0">
+            <a:schemeClr val="accent1"/>
+          </a:effectRef>
+          <a:fontRef idx="minor">
+            <a:schemeClr val="tx1"/>
+          </a:fontRef>
+        </p:style>
+      </p:cxnSp>
+      <p:sp>
+        <p:nvSpPr>
+          <p:cNvPr id="50" name="文本框 49">
+            <a:extLst>
+              <a:ext uri="{FF2B5EF4-FFF2-40B4-BE49-F238E27FC236}">
+                <a16:creationId xmlns:a16="http://schemas.microsoft.com/office/drawing/2014/main" id="{7E1325EB-C5EF-4331-BCAD-2EA27255A574}"/>
+              </a:ext>
+            </a:extLst>
+          </p:cNvPr>
+          <p:cNvSpPr txBox="1"/>
+          <p:nvPr/>
+        </p:nvSpPr>
+        <p:spPr>
+          <a:xfrm>
+            <a:off x="8187820" y="3893646"/>
+            <a:ext cx="1700542" cy="707886"/>
+          </a:xfrm>
+          <a:prstGeom prst="rect">
+            <a:avLst/>
+          </a:prstGeom>
+          <a:noFill/>
+        </p:spPr>
+        <p:txBody>
+          <a:bodyPr wrap="square" rtlCol="0">
+            <a:spAutoFit/>
+          </a:bodyPr>
+          <a:lstStyle/>
+          <a:p>
+            <a:r>
+              <a:rPr lang="zh-CN" altLang="en-US" sz="1000" b="1" dirty="0"/>
+              <a:t>栈中基础类型参数回收</a:t>
+            </a:r>
+            <a:endParaRPr lang="en-US" altLang="zh-CN" sz="1000" b="1" dirty="0"/>
+          </a:p>
+          <a:p>
+            <a:r>
+              <a:rPr lang="zh-CN" altLang="en-US" sz="1000" dirty="0"/>
+              <a:t>当方法调用完成后</a:t>
+            </a:r>
+            <a:r>
+              <a:rPr lang="en-US" altLang="zh-CN" sz="1000" dirty="0"/>
+              <a:t>GC</a:t>
+            </a:r>
+            <a:r>
+              <a:rPr lang="zh-CN" altLang="en-US" sz="1000" dirty="0"/>
+              <a:t>直接将栈中基础类型的参数进行回收</a:t>
+            </a:r>
+          </a:p>
+        </p:txBody>
+      </p:sp>
+    </p:spTree>
+    <p:extLst>
+      <p:ext uri="{BB962C8B-B14F-4D97-AF65-F5344CB8AC3E}">
+        <p14:creationId xmlns:p14="http://schemas.microsoft.com/office/powerpoint/2010/main" val="969432664"/>
+      </p:ext>
+    </p:extLst>
+  </p:cSld>
+  <p:clrMapOvr>
+    <a:masterClrMapping/>
+  </p:clrMapOvr>
+</p:sld>
+</file>
+
 <file path=ppt/theme/theme1.xml><?xml version="1.0" encoding="utf-8"?>
 <a:theme xmlns:a="http://schemas.openxmlformats.org/drawingml/2006/main" name="Office 主题​​">
   <a:themeElements>

--- a/Java.pptx
+++ b/Java.pptx
@@ -202,7 +202,7 @@
           <a:p>
             <a:fld id="{DA138970-91FA-43C7-A2C4-4F47DFBC178E}" type="datetimeFigureOut">
               <a:rPr lang="zh-CN" altLang="en-US" smtClean="0"/>
-              <a:t>2019/4/12</a:t>
+              <a:t>2019/4/15</a:t>
             </a:fld>
             <a:endParaRPr lang="zh-CN" altLang="en-US"/>
           </a:p>
@@ -2012,7 +2012,7 @@
           <a:p>
             <a:fld id="{1331EC2B-80D6-4C7C-9EC4-5505DA85B637}" type="datetimeFigureOut">
               <a:rPr lang="zh-CN" altLang="en-US" smtClean="0"/>
-              <a:t>2019/4/12</a:t>
+              <a:t>2019/4/15</a:t>
             </a:fld>
             <a:endParaRPr lang="zh-CN" altLang="en-US"/>
           </a:p>
@@ -2210,7 +2210,7 @@
           <a:p>
             <a:fld id="{1331EC2B-80D6-4C7C-9EC4-5505DA85B637}" type="datetimeFigureOut">
               <a:rPr lang="zh-CN" altLang="en-US" smtClean="0"/>
-              <a:t>2019/4/12</a:t>
+              <a:t>2019/4/15</a:t>
             </a:fld>
             <a:endParaRPr lang="zh-CN" altLang="en-US"/>
           </a:p>
@@ -2418,7 +2418,7 @@
           <a:p>
             <a:fld id="{1331EC2B-80D6-4C7C-9EC4-5505DA85B637}" type="datetimeFigureOut">
               <a:rPr lang="zh-CN" altLang="en-US" smtClean="0"/>
-              <a:t>2019/4/12</a:t>
+              <a:t>2019/4/15</a:t>
             </a:fld>
             <a:endParaRPr lang="zh-CN" altLang="en-US"/>
           </a:p>
@@ -2616,7 +2616,7 @@
           <a:p>
             <a:fld id="{1331EC2B-80D6-4C7C-9EC4-5505DA85B637}" type="datetimeFigureOut">
               <a:rPr lang="zh-CN" altLang="en-US" smtClean="0"/>
-              <a:t>2019/4/12</a:t>
+              <a:t>2019/4/15</a:t>
             </a:fld>
             <a:endParaRPr lang="zh-CN" altLang="en-US"/>
           </a:p>
@@ -2891,7 +2891,7 @@
           <a:p>
             <a:fld id="{1331EC2B-80D6-4C7C-9EC4-5505DA85B637}" type="datetimeFigureOut">
               <a:rPr lang="zh-CN" altLang="en-US" smtClean="0"/>
-              <a:t>2019/4/12</a:t>
+              <a:t>2019/4/15</a:t>
             </a:fld>
             <a:endParaRPr lang="zh-CN" altLang="en-US"/>
           </a:p>
@@ -3156,7 +3156,7 @@
           <a:p>
             <a:fld id="{1331EC2B-80D6-4C7C-9EC4-5505DA85B637}" type="datetimeFigureOut">
               <a:rPr lang="zh-CN" altLang="en-US" smtClean="0"/>
-              <a:t>2019/4/12</a:t>
+              <a:t>2019/4/15</a:t>
             </a:fld>
             <a:endParaRPr lang="zh-CN" altLang="en-US"/>
           </a:p>
@@ -3568,7 +3568,7 @@
           <a:p>
             <a:fld id="{1331EC2B-80D6-4C7C-9EC4-5505DA85B637}" type="datetimeFigureOut">
               <a:rPr lang="zh-CN" altLang="en-US" smtClean="0"/>
-              <a:t>2019/4/12</a:t>
+              <a:t>2019/4/15</a:t>
             </a:fld>
             <a:endParaRPr lang="zh-CN" altLang="en-US"/>
           </a:p>
@@ -3709,7 +3709,7 @@
           <a:p>
             <a:fld id="{1331EC2B-80D6-4C7C-9EC4-5505DA85B637}" type="datetimeFigureOut">
               <a:rPr lang="zh-CN" altLang="en-US" smtClean="0"/>
-              <a:t>2019/4/12</a:t>
+              <a:t>2019/4/15</a:t>
             </a:fld>
             <a:endParaRPr lang="zh-CN" altLang="en-US"/>
           </a:p>
@@ -3822,7 +3822,7 @@
           <a:p>
             <a:fld id="{1331EC2B-80D6-4C7C-9EC4-5505DA85B637}" type="datetimeFigureOut">
               <a:rPr lang="zh-CN" altLang="en-US" smtClean="0"/>
-              <a:t>2019/4/12</a:t>
+              <a:t>2019/4/15</a:t>
             </a:fld>
             <a:endParaRPr lang="zh-CN" altLang="en-US"/>
           </a:p>
@@ -4133,7 +4133,7 @@
           <a:p>
             <a:fld id="{1331EC2B-80D6-4C7C-9EC4-5505DA85B637}" type="datetimeFigureOut">
               <a:rPr lang="zh-CN" altLang="en-US" smtClean="0"/>
-              <a:t>2019/4/12</a:t>
+              <a:t>2019/4/15</a:t>
             </a:fld>
             <a:endParaRPr lang="zh-CN" altLang="en-US"/>
           </a:p>
@@ -4421,7 +4421,7 @@
           <a:p>
             <a:fld id="{1331EC2B-80D6-4C7C-9EC4-5505DA85B637}" type="datetimeFigureOut">
               <a:rPr lang="zh-CN" altLang="en-US" smtClean="0"/>
-              <a:t>2019/4/12</a:t>
+              <a:t>2019/4/15</a:t>
             </a:fld>
             <a:endParaRPr lang="zh-CN" altLang="en-US"/>
           </a:p>
@@ -4662,7 +4662,7 @@
           <a:p>
             <a:fld id="{1331EC2B-80D6-4C7C-9EC4-5505DA85B637}" type="datetimeFigureOut">
               <a:rPr lang="zh-CN" altLang="en-US" smtClean="0"/>
-              <a:t>2019/4/12</a:t>
+              <a:t>2019/4/15</a:t>
             </a:fld>
             <a:endParaRPr lang="zh-CN" altLang="en-US"/>
           </a:p>
@@ -13580,7 +13580,7 @@
         </p:nvSpPr>
         <p:spPr>
           <a:xfrm>
-            <a:off x="47135" y="39429"/>
+            <a:off x="0" y="70893"/>
             <a:ext cx="3291286" cy="369332"/>
           </a:xfrm>
           <a:prstGeom prst="rect">
@@ -13609,2000 +13609,6 @@
             <a:r>
               <a:rPr lang="zh-CN" altLang="en-US" b="1" dirty="0"/>
               <a:t>垃圾回收机制示意图</a:t>
-            </a:r>
-          </a:p>
-        </p:txBody>
-      </p:sp>
-      <p:grpSp>
-        <p:nvGrpSpPr>
-          <p:cNvPr id="109" name="组合 108">
-            <a:extLst>
-              <a:ext uri="{FF2B5EF4-FFF2-40B4-BE49-F238E27FC236}">
-                <a16:creationId xmlns:a16="http://schemas.microsoft.com/office/drawing/2014/main" id="{2C4FAE75-8F66-4314-B2CB-C1F241C376FE}"/>
-              </a:ext>
-            </a:extLst>
-          </p:cNvPr>
-          <p:cNvGrpSpPr/>
-          <p:nvPr/>
-        </p:nvGrpSpPr>
-        <p:grpSpPr>
-          <a:xfrm>
-            <a:off x="2859983" y="473535"/>
-            <a:ext cx="9062730" cy="5910929"/>
-            <a:chOff x="2052115" y="527312"/>
-            <a:chExt cx="9062730" cy="5910929"/>
-          </a:xfrm>
-        </p:grpSpPr>
-        <p:sp>
-          <p:nvSpPr>
-            <p:cNvPr id="9" name="矩形: 圆角 8">
-              <a:extLst>
-                <a:ext uri="{FF2B5EF4-FFF2-40B4-BE49-F238E27FC236}">
-                  <a16:creationId xmlns:a16="http://schemas.microsoft.com/office/drawing/2014/main" id="{F1A4D849-5775-4D4A-BEBA-EC1B50AC3DAA}"/>
-                </a:ext>
-              </a:extLst>
-            </p:cNvPr>
-            <p:cNvSpPr/>
-            <p:nvPr/>
-          </p:nvSpPr>
-          <p:spPr>
-            <a:xfrm>
-              <a:off x="6096000" y="888783"/>
-              <a:ext cx="1846555" cy="369332"/>
-            </a:xfrm>
-            <a:prstGeom prst="roundRect">
-              <a:avLst/>
-            </a:prstGeom>
-          </p:spPr>
-          <p:style>
-            <a:lnRef idx="2">
-              <a:schemeClr val="accent1"/>
-            </a:lnRef>
-            <a:fillRef idx="1">
-              <a:schemeClr val="lt1"/>
-            </a:fillRef>
-            <a:effectRef idx="0">
-              <a:schemeClr val="accent1"/>
-            </a:effectRef>
-            <a:fontRef idx="minor">
-              <a:schemeClr val="dk1"/>
-            </a:fontRef>
-          </p:style>
-          <p:txBody>
-            <a:bodyPr rtlCol="0" anchor="ctr"/>
-            <a:lstStyle/>
-            <a:p>
-              <a:pPr algn="ctr"/>
-              <a:r>
-                <a:rPr lang="en-US" altLang="zh-CN" sz="1200" dirty="0"/>
-                <a:t>User user1 =new User()</a:t>
-              </a:r>
-              <a:endParaRPr lang="zh-CN" altLang="en-US" sz="1200" dirty="0"/>
-            </a:p>
-          </p:txBody>
-        </p:sp>
-        <p:grpSp>
-          <p:nvGrpSpPr>
-            <p:cNvPr id="55" name="组合 54">
-              <a:extLst>
-                <a:ext uri="{FF2B5EF4-FFF2-40B4-BE49-F238E27FC236}">
-                  <a16:creationId xmlns:a16="http://schemas.microsoft.com/office/drawing/2014/main" id="{32B515CD-3E4C-4F74-BF7C-7BB1C06C4116}"/>
-                </a:ext>
-              </a:extLst>
-            </p:cNvPr>
-            <p:cNvGrpSpPr/>
-            <p:nvPr/>
-          </p:nvGrpSpPr>
-          <p:grpSpPr>
-            <a:xfrm>
-              <a:off x="2052115" y="527312"/>
-              <a:ext cx="2503502" cy="5811343"/>
-              <a:chOff x="2052115" y="527312"/>
-              <a:chExt cx="2503502" cy="5811343"/>
-            </a:xfrm>
-          </p:grpSpPr>
-          <p:grpSp>
-            <p:nvGrpSpPr>
-              <p:cNvPr id="13" name="组合 12">
-                <a:extLst>
-                  <a:ext uri="{FF2B5EF4-FFF2-40B4-BE49-F238E27FC236}">
-                    <a16:creationId xmlns:a16="http://schemas.microsoft.com/office/drawing/2014/main" id="{888382EE-BEAE-4920-8713-F24C3579F315}"/>
-                  </a:ext>
-                </a:extLst>
-              </p:cNvPr>
-              <p:cNvGrpSpPr/>
-              <p:nvPr/>
-            </p:nvGrpSpPr>
-            <p:grpSpPr>
-              <a:xfrm>
-                <a:off x="2709062" y="888676"/>
-                <a:ext cx="1846555" cy="5445309"/>
-                <a:chOff x="2630078" y="2326734"/>
-                <a:chExt cx="1036948" cy="3706421"/>
-              </a:xfrm>
-            </p:grpSpPr>
-            <p:sp>
-              <p:nvSpPr>
-                <p:cNvPr id="8" name="矩形 7">
-                  <a:extLst>
-                    <a:ext uri="{FF2B5EF4-FFF2-40B4-BE49-F238E27FC236}">
-                      <a16:creationId xmlns:a16="http://schemas.microsoft.com/office/drawing/2014/main" id="{D5661055-821F-424E-B719-62EDD20A6DA1}"/>
-                    </a:ext>
-                  </a:extLst>
-                </p:cNvPr>
-                <p:cNvSpPr/>
-                <p:nvPr/>
-              </p:nvSpPr>
-              <p:spPr>
-                <a:xfrm>
-                  <a:off x="2630078" y="2326734"/>
-                  <a:ext cx="1036948" cy="791852"/>
-                </a:xfrm>
-                <a:prstGeom prst="rect">
-                  <a:avLst/>
-                </a:prstGeom>
-                <a:ln w="12700">
-                  <a:solidFill>
-                    <a:schemeClr val="tx1"/>
-                  </a:solidFill>
-                </a:ln>
-              </p:spPr>
-              <p:style>
-                <a:lnRef idx="1">
-                  <a:schemeClr val="accent2"/>
-                </a:lnRef>
-                <a:fillRef idx="3">
-                  <a:schemeClr val="accent2"/>
-                </a:fillRef>
-                <a:effectRef idx="2">
-                  <a:schemeClr val="accent2"/>
-                </a:effectRef>
-                <a:fontRef idx="minor">
-                  <a:schemeClr val="lt1"/>
-                </a:fontRef>
-              </p:style>
-              <p:txBody>
-                <a:bodyPr rtlCol="0" anchor="ctr"/>
-                <a:lstStyle/>
-                <a:p>
-                  <a:pPr algn="ctr"/>
-                  <a:endParaRPr lang="en-US" altLang="zh-CN" sz="1400" dirty="0"/>
-                </a:p>
-                <a:p>
-                  <a:pPr algn="ctr"/>
-                  <a:endParaRPr lang="en-US" altLang="zh-CN" sz="1400" dirty="0"/>
-                </a:p>
-              </p:txBody>
-            </p:sp>
-            <p:sp>
-              <p:nvSpPr>
-                <p:cNvPr id="10" name="矩形 9">
-                  <a:extLst>
-                    <a:ext uri="{FF2B5EF4-FFF2-40B4-BE49-F238E27FC236}">
-                      <a16:creationId xmlns:a16="http://schemas.microsoft.com/office/drawing/2014/main" id="{7529750C-B3A6-41E8-885A-E0DEFA34B2CF}"/>
-                    </a:ext>
-                  </a:extLst>
-                </p:cNvPr>
-                <p:cNvSpPr/>
-                <p:nvPr/>
-              </p:nvSpPr>
-              <p:spPr>
-                <a:xfrm>
-                  <a:off x="2630078" y="3118586"/>
-                  <a:ext cx="1036948" cy="378758"/>
-                </a:xfrm>
-                <a:prstGeom prst="rect">
-                  <a:avLst/>
-                </a:prstGeom>
-                <a:solidFill>
-                  <a:srgbClr val="C00000"/>
-                </a:solidFill>
-                <a:ln w="12700">
-                  <a:solidFill>
-                    <a:schemeClr val="tx1"/>
-                  </a:solidFill>
-                </a:ln>
-              </p:spPr>
-              <p:style>
-                <a:lnRef idx="2">
-                  <a:schemeClr val="accent1">
-                    <a:shade val="50000"/>
-                  </a:schemeClr>
-                </a:lnRef>
-                <a:fillRef idx="1">
-                  <a:schemeClr val="accent1"/>
-                </a:fillRef>
-                <a:effectRef idx="0">
-                  <a:schemeClr val="accent1"/>
-                </a:effectRef>
-                <a:fontRef idx="minor">
-                  <a:schemeClr val="lt1"/>
-                </a:fontRef>
-              </p:style>
-              <p:txBody>
-                <a:bodyPr rtlCol="0" anchor="ctr"/>
-                <a:lstStyle/>
-                <a:p>
-                  <a:pPr algn="ctr"/>
-                  <a:endParaRPr lang="en-US" altLang="zh-CN" sz="1200" dirty="0"/>
-                </a:p>
-                <a:p>
-                  <a:pPr algn="ctr"/>
-                  <a:r>
-                    <a:rPr lang="en-US" altLang="zh-CN" sz="1200" dirty="0"/>
-                    <a:t>S0</a:t>
-                  </a:r>
-                  <a:r>
-                    <a:rPr lang="zh-CN" altLang="en-US" sz="1200" dirty="0"/>
-                    <a:t>和</a:t>
-                  </a:r>
-                  <a:r>
-                    <a:rPr lang="en-US" altLang="zh-CN" sz="1200" dirty="0"/>
-                    <a:t>S1</a:t>
-                  </a:r>
-                  <a:r>
-                    <a:rPr lang="zh-CN" altLang="en-US" sz="1200" dirty="0"/>
-                    <a:t>是互换的</a:t>
-                  </a:r>
-                </a:p>
-              </p:txBody>
-            </p:sp>
-            <p:sp>
-              <p:nvSpPr>
-                <p:cNvPr id="11" name="矩形 10">
-                  <a:extLst>
-                    <a:ext uri="{FF2B5EF4-FFF2-40B4-BE49-F238E27FC236}">
-                      <a16:creationId xmlns:a16="http://schemas.microsoft.com/office/drawing/2014/main" id="{D32170FB-9966-47D0-A332-E41F3F938A13}"/>
-                    </a:ext>
-                  </a:extLst>
-                </p:cNvPr>
-                <p:cNvSpPr/>
-                <p:nvPr/>
-              </p:nvSpPr>
-              <p:spPr>
-                <a:xfrm>
-                  <a:off x="2630078" y="3497344"/>
-                  <a:ext cx="1036948" cy="413094"/>
-                </a:xfrm>
-                <a:prstGeom prst="rect">
-                  <a:avLst/>
-                </a:prstGeom>
-                <a:solidFill>
-                  <a:srgbClr val="C00000"/>
-                </a:solidFill>
-                <a:ln w="12700">
-                  <a:solidFill>
-                    <a:schemeClr val="tx1"/>
-                  </a:solidFill>
-                </a:ln>
-              </p:spPr>
-              <p:style>
-                <a:lnRef idx="2">
-                  <a:schemeClr val="accent1">
-                    <a:shade val="50000"/>
-                  </a:schemeClr>
-                </a:lnRef>
-                <a:fillRef idx="1">
-                  <a:schemeClr val="accent1"/>
-                </a:fillRef>
-                <a:effectRef idx="0">
-                  <a:schemeClr val="accent1"/>
-                </a:effectRef>
-                <a:fontRef idx="minor">
-                  <a:schemeClr val="lt1"/>
-                </a:fontRef>
-              </p:style>
-              <p:txBody>
-                <a:bodyPr rtlCol="0" anchor="ctr"/>
-                <a:lstStyle/>
-                <a:p>
-                  <a:pPr algn="ctr"/>
-                  <a:r>
-                    <a:rPr lang="en-US" altLang="zh-CN" sz="1200" dirty="0"/>
-                    <a:t>S1</a:t>
-                  </a:r>
-                  <a:r>
-                    <a:rPr lang="zh-CN" altLang="en-US" sz="1200" dirty="0"/>
-                    <a:t>始终为空</a:t>
-                  </a:r>
-                </a:p>
-              </p:txBody>
-            </p:sp>
-            <p:sp>
-              <p:nvSpPr>
-                <p:cNvPr id="12" name="矩形 11">
-                  <a:extLst>
-                    <a:ext uri="{FF2B5EF4-FFF2-40B4-BE49-F238E27FC236}">
-                      <a16:creationId xmlns:a16="http://schemas.microsoft.com/office/drawing/2014/main" id="{C039B9DC-197A-4256-90CC-519800C2F01B}"/>
-                    </a:ext>
-                  </a:extLst>
-                </p:cNvPr>
-                <p:cNvSpPr/>
-                <p:nvPr/>
-              </p:nvSpPr>
-              <p:spPr>
-                <a:xfrm>
-                  <a:off x="2630078" y="3910437"/>
-                  <a:ext cx="1036948" cy="2122718"/>
-                </a:xfrm>
-                <a:prstGeom prst="rect">
-                  <a:avLst/>
-                </a:prstGeom>
-                <a:ln w="12700">
-                  <a:solidFill>
-                    <a:schemeClr val="tx1"/>
-                  </a:solidFill>
-                </a:ln>
-              </p:spPr>
-              <p:style>
-                <a:lnRef idx="1">
-                  <a:schemeClr val="accent3"/>
-                </a:lnRef>
-                <a:fillRef idx="3">
-                  <a:schemeClr val="accent3"/>
-                </a:fillRef>
-                <a:effectRef idx="2">
-                  <a:schemeClr val="accent3"/>
-                </a:effectRef>
-                <a:fontRef idx="minor">
-                  <a:schemeClr val="lt1"/>
-                </a:fontRef>
-              </p:style>
-              <p:txBody>
-                <a:bodyPr rtlCol="0" anchor="ctr"/>
-                <a:lstStyle/>
-                <a:p>
-                  <a:pPr algn="ctr"/>
-                  <a:endParaRPr lang="zh-CN" altLang="en-US" sz="1400" dirty="0"/>
-                </a:p>
-              </p:txBody>
-            </p:sp>
-          </p:grpSp>
-          <p:sp>
-            <p:nvSpPr>
-              <p:cNvPr id="2" name="左大括号 1">
-                <a:extLst>
-                  <a:ext uri="{FF2B5EF4-FFF2-40B4-BE49-F238E27FC236}">
-                    <a16:creationId xmlns:a16="http://schemas.microsoft.com/office/drawing/2014/main" id="{B15135C3-5C35-4D2A-9A64-F2B2BD4D9AA7}"/>
-                  </a:ext>
-                </a:extLst>
-              </p:cNvPr>
-              <p:cNvSpPr/>
-              <p:nvPr/>
-            </p:nvSpPr>
-            <p:spPr>
-              <a:xfrm>
-                <a:off x="2414726" y="893347"/>
-                <a:ext cx="294336" cy="2326705"/>
-              </a:xfrm>
-              <a:prstGeom prst="leftBrace">
-                <a:avLst/>
-              </a:prstGeom>
-            </p:spPr>
-            <p:style>
-              <a:lnRef idx="1">
-                <a:schemeClr val="accent1"/>
-              </a:lnRef>
-              <a:fillRef idx="0">
-                <a:schemeClr val="accent1"/>
-              </a:fillRef>
-              <a:effectRef idx="0">
-                <a:schemeClr val="accent1"/>
-              </a:effectRef>
-              <a:fontRef idx="minor">
-                <a:schemeClr val="tx1"/>
-              </a:fontRef>
-            </p:style>
-            <p:txBody>
-              <a:bodyPr rtlCol="0" anchor="ctr"/>
-              <a:lstStyle/>
-              <a:p>
-                <a:pPr algn="ctr"/>
-                <a:endParaRPr lang="zh-CN" altLang="en-US" dirty="0"/>
-              </a:p>
-            </p:txBody>
-          </p:sp>
-          <p:sp>
-            <p:nvSpPr>
-              <p:cNvPr id="32" name="左大括号 31">
-                <a:extLst>
-                  <a:ext uri="{FF2B5EF4-FFF2-40B4-BE49-F238E27FC236}">
-                    <a16:creationId xmlns:a16="http://schemas.microsoft.com/office/drawing/2014/main" id="{CE362E93-6033-4DCC-9C6D-112514013B40}"/>
-                  </a:ext>
-                </a:extLst>
-              </p:cNvPr>
-              <p:cNvSpPr/>
-              <p:nvPr/>
-            </p:nvSpPr>
-            <p:spPr>
-              <a:xfrm>
-                <a:off x="2414726" y="3220052"/>
-                <a:ext cx="294336" cy="3118603"/>
-              </a:xfrm>
-              <a:prstGeom prst="leftBrace">
-                <a:avLst/>
-              </a:prstGeom>
-            </p:spPr>
-            <p:style>
-              <a:lnRef idx="1">
-                <a:schemeClr val="accent1"/>
-              </a:lnRef>
-              <a:fillRef idx="0">
-                <a:schemeClr val="accent1"/>
-              </a:fillRef>
-              <a:effectRef idx="0">
-                <a:schemeClr val="accent1"/>
-              </a:effectRef>
-              <a:fontRef idx="minor">
-                <a:schemeClr val="tx1"/>
-              </a:fontRef>
-            </p:style>
-            <p:txBody>
-              <a:bodyPr rtlCol="0" anchor="ctr"/>
-              <a:lstStyle/>
-              <a:p>
-                <a:pPr algn="ctr"/>
-                <a:endParaRPr lang="zh-CN" altLang="en-US"/>
-              </a:p>
-            </p:txBody>
-          </p:sp>
-          <p:sp>
-            <p:nvSpPr>
-              <p:cNvPr id="3" name="文本框 2">
-                <a:extLst>
-                  <a:ext uri="{FF2B5EF4-FFF2-40B4-BE49-F238E27FC236}">
-                    <a16:creationId xmlns:a16="http://schemas.microsoft.com/office/drawing/2014/main" id="{86EDA522-321C-49CE-B97E-4C876FB3E837}"/>
-                  </a:ext>
-                </a:extLst>
-              </p:cNvPr>
-              <p:cNvSpPr txBox="1"/>
-              <p:nvPr/>
-            </p:nvSpPr>
-            <p:spPr>
-              <a:xfrm>
-                <a:off x="2052115" y="1696287"/>
-                <a:ext cx="430887" cy="707886"/>
-              </a:xfrm>
-              <a:prstGeom prst="rect">
-                <a:avLst/>
-              </a:prstGeom>
-              <a:noFill/>
-            </p:spPr>
-            <p:txBody>
-              <a:bodyPr vert="eaVert" wrap="none" rtlCol="0">
-                <a:spAutoFit/>
-              </a:bodyPr>
-              <a:lstStyle/>
-              <a:p>
-                <a:r>
-                  <a:rPr lang="zh-CN" altLang="en-US" sz="1600" dirty="0"/>
-                  <a:t>新生代</a:t>
-                </a:r>
-              </a:p>
-            </p:txBody>
-          </p:sp>
-          <p:sp>
-            <p:nvSpPr>
-              <p:cNvPr id="34" name="文本框 33">
-                <a:extLst>
-                  <a:ext uri="{FF2B5EF4-FFF2-40B4-BE49-F238E27FC236}">
-                    <a16:creationId xmlns:a16="http://schemas.microsoft.com/office/drawing/2014/main" id="{46456A63-AF68-49C3-8F55-502BE4B65113}"/>
-                  </a:ext>
-                </a:extLst>
-              </p:cNvPr>
-              <p:cNvSpPr txBox="1"/>
-              <p:nvPr/>
-            </p:nvSpPr>
-            <p:spPr>
-              <a:xfrm>
-                <a:off x="2055678" y="4423075"/>
-                <a:ext cx="430887" cy="707886"/>
-              </a:xfrm>
-              <a:prstGeom prst="rect">
-                <a:avLst/>
-              </a:prstGeom>
-              <a:noFill/>
-            </p:spPr>
-            <p:txBody>
-              <a:bodyPr vert="eaVert" wrap="none" rtlCol="0">
-                <a:spAutoFit/>
-              </a:bodyPr>
-              <a:lstStyle/>
-              <a:p>
-                <a:r>
-                  <a:rPr lang="zh-CN" altLang="en-US" sz="1600" dirty="0"/>
-                  <a:t>老年代</a:t>
-                </a:r>
-              </a:p>
-            </p:txBody>
-          </p:sp>
-          <p:sp>
-            <p:nvSpPr>
-              <p:cNvPr id="7" name="文本框 6">
-                <a:extLst>
-                  <a:ext uri="{FF2B5EF4-FFF2-40B4-BE49-F238E27FC236}">
-                    <a16:creationId xmlns:a16="http://schemas.microsoft.com/office/drawing/2014/main" id="{7F5DE130-74F4-425D-9D76-E5396B406BA5}"/>
-                  </a:ext>
-                </a:extLst>
-              </p:cNvPr>
-              <p:cNvSpPr txBox="1"/>
-              <p:nvPr/>
-            </p:nvSpPr>
-            <p:spPr>
-              <a:xfrm>
-                <a:off x="3412588" y="527312"/>
-                <a:ext cx="415498" cy="369332"/>
-              </a:xfrm>
-              <a:prstGeom prst="rect">
-                <a:avLst/>
-              </a:prstGeom>
-              <a:noFill/>
-            </p:spPr>
-            <p:txBody>
-              <a:bodyPr wrap="none" rtlCol="0">
-                <a:spAutoFit/>
-              </a:bodyPr>
-              <a:lstStyle/>
-              <a:p>
-                <a:r>
-                  <a:rPr lang="zh-CN" altLang="en-US" dirty="0"/>
-                  <a:t>堆</a:t>
-                </a:r>
-              </a:p>
-            </p:txBody>
-          </p:sp>
-          <p:sp>
-            <p:nvSpPr>
-              <p:cNvPr id="17" name="矩形: 圆角 16">
-                <a:extLst>
-                  <a:ext uri="{FF2B5EF4-FFF2-40B4-BE49-F238E27FC236}">
-                    <a16:creationId xmlns:a16="http://schemas.microsoft.com/office/drawing/2014/main" id="{FEDA6B9D-468F-407A-8E7F-706D4305C443}"/>
-                  </a:ext>
-                </a:extLst>
-              </p:cNvPr>
-              <p:cNvSpPr/>
-              <p:nvPr/>
-            </p:nvSpPr>
-            <p:spPr>
-              <a:xfrm>
-                <a:off x="2840059" y="1375404"/>
-                <a:ext cx="1560556" cy="323020"/>
-              </a:xfrm>
-              <a:prstGeom prst="roundRect">
-                <a:avLst/>
-              </a:prstGeom>
-            </p:spPr>
-            <p:style>
-              <a:lnRef idx="1">
-                <a:schemeClr val="accent6"/>
-              </a:lnRef>
-              <a:fillRef idx="3">
-                <a:schemeClr val="accent6"/>
-              </a:fillRef>
-              <a:effectRef idx="2">
-                <a:schemeClr val="accent6"/>
-              </a:effectRef>
-              <a:fontRef idx="minor">
-                <a:schemeClr val="lt1"/>
-              </a:fontRef>
-            </p:style>
-            <p:txBody>
-              <a:bodyPr rtlCol="0" anchor="ctr"/>
-              <a:lstStyle/>
-              <a:p>
-                <a:pPr algn="ctr"/>
-                <a:r>
-                  <a:rPr lang="en-US" altLang="zh-CN" sz="1200" dirty="0"/>
-                  <a:t>User {name=</a:t>
-                </a:r>
-                <a:r>
-                  <a:rPr lang="zh-CN" altLang="en-US" sz="1200" dirty="0"/>
-                  <a:t>‘张三’</a:t>
-                </a:r>
-                <a:r>
-                  <a:rPr lang="en-US" altLang="zh-CN" sz="1200" dirty="0"/>
-                  <a:t>}</a:t>
-                </a:r>
-              </a:p>
-            </p:txBody>
-          </p:sp>
-        </p:grpSp>
-        <p:cxnSp>
-          <p:nvCxnSpPr>
-            <p:cNvPr id="26" name="连接符: 肘形 25">
-              <a:extLst>
-                <a:ext uri="{FF2B5EF4-FFF2-40B4-BE49-F238E27FC236}">
-                  <a16:creationId xmlns:a16="http://schemas.microsoft.com/office/drawing/2014/main" id="{9C2058C2-63B6-4425-B3A8-6522FAB2A16F}"/>
-                </a:ext>
-              </a:extLst>
-            </p:cNvPr>
-            <p:cNvCxnSpPr>
-              <a:cxnSpLocks/>
-              <a:stCxn id="9" idx="1"/>
-              <a:endCxn id="17" idx="0"/>
-            </p:cNvCxnSpPr>
-            <p:nvPr/>
-          </p:nvCxnSpPr>
-          <p:spPr>
-            <a:xfrm rot="10800000" flipV="1">
-              <a:off x="3620338" y="1073448"/>
-              <a:ext cx="2475663" cy="301955"/>
-            </a:xfrm>
-            <a:prstGeom prst="bentConnector2">
-              <a:avLst/>
-            </a:prstGeom>
-            <a:ln>
-              <a:tailEnd type="triangle"/>
-            </a:ln>
-          </p:spPr>
-          <p:style>
-            <a:lnRef idx="1">
-              <a:schemeClr val="accent1"/>
-            </a:lnRef>
-            <a:fillRef idx="0">
-              <a:schemeClr val="accent1"/>
-            </a:fillRef>
-            <a:effectRef idx="0">
-              <a:schemeClr val="accent1"/>
-            </a:effectRef>
-            <a:fontRef idx="minor">
-              <a:schemeClr val="tx1"/>
-            </a:fontRef>
-          </p:style>
-        </p:cxnSp>
-        <p:grpSp>
-          <p:nvGrpSpPr>
-            <p:cNvPr id="56" name="组合 55">
-              <a:extLst>
-                <a:ext uri="{FF2B5EF4-FFF2-40B4-BE49-F238E27FC236}">
-                  <a16:creationId xmlns:a16="http://schemas.microsoft.com/office/drawing/2014/main" id="{B08ED032-CD5A-4D81-834A-A3455C4C0B0E}"/>
-                </a:ext>
-              </a:extLst>
-            </p:cNvPr>
-            <p:cNvGrpSpPr/>
-            <p:nvPr/>
-          </p:nvGrpSpPr>
-          <p:grpSpPr>
-            <a:xfrm>
-              <a:off x="9268290" y="536140"/>
-              <a:ext cx="1846555" cy="5802515"/>
-              <a:chOff x="9268290" y="536140"/>
-              <a:chExt cx="1846555" cy="5802515"/>
-            </a:xfrm>
-          </p:grpSpPr>
-          <p:sp>
-            <p:nvSpPr>
-              <p:cNvPr id="5" name="矩形 4">
-                <a:extLst>
-                  <a:ext uri="{FF2B5EF4-FFF2-40B4-BE49-F238E27FC236}">
-                    <a16:creationId xmlns:a16="http://schemas.microsoft.com/office/drawing/2014/main" id="{585D7B2D-5A8C-45B6-8532-9D8D57FD9A26}"/>
-                  </a:ext>
-                </a:extLst>
-              </p:cNvPr>
-              <p:cNvSpPr/>
-              <p:nvPr/>
-            </p:nvSpPr>
-            <p:spPr>
-              <a:xfrm>
-                <a:off x="9268290" y="893347"/>
-                <a:ext cx="1846555" cy="5445308"/>
-              </a:xfrm>
-              <a:prstGeom prst="rect">
-                <a:avLst/>
-              </a:prstGeom>
-              <a:solidFill>
-                <a:schemeClr val="accent6">
-                  <a:lumMod val="40000"/>
-                  <a:lumOff val="60000"/>
-                </a:schemeClr>
-              </a:solidFill>
-            </p:spPr>
-            <p:style>
-              <a:lnRef idx="2">
-                <a:schemeClr val="accent1">
-                  <a:shade val="50000"/>
-                </a:schemeClr>
-              </a:lnRef>
-              <a:fillRef idx="1">
-                <a:schemeClr val="accent1"/>
-              </a:fillRef>
-              <a:effectRef idx="0">
-                <a:schemeClr val="accent1"/>
-              </a:effectRef>
-              <a:fontRef idx="minor">
-                <a:schemeClr val="lt1"/>
-              </a:fontRef>
-            </p:style>
-            <p:txBody>
-              <a:bodyPr rtlCol="0" anchor="ctr"/>
-              <a:lstStyle/>
-              <a:p>
-                <a:pPr algn="ctr"/>
-                <a:endParaRPr lang="zh-CN" altLang="en-US"/>
-              </a:p>
-            </p:txBody>
-          </p:sp>
-          <p:sp>
-            <p:nvSpPr>
-              <p:cNvPr id="38" name="文本框 37">
-                <a:extLst>
-                  <a:ext uri="{FF2B5EF4-FFF2-40B4-BE49-F238E27FC236}">
-                    <a16:creationId xmlns:a16="http://schemas.microsoft.com/office/drawing/2014/main" id="{1D076E1C-6617-4723-9007-110BD9E91620}"/>
-                  </a:ext>
-                </a:extLst>
-              </p:cNvPr>
-              <p:cNvSpPr txBox="1"/>
-              <p:nvPr/>
-            </p:nvSpPr>
-            <p:spPr>
-              <a:xfrm>
-                <a:off x="9983818" y="536140"/>
-                <a:ext cx="415498" cy="369332"/>
-              </a:xfrm>
-              <a:prstGeom prst="rect">
-                <a:avLst/>
-              </a:prstGeom>
-              <a:noFill/>
-            </p:spPr>
-            <p:txBody>
-              <a:bodyPr wrap="none" rtlCol="0">
-                <a:spAutoFit/>
-              </a:bodyPr>
-              <a:lstStyle/>
-              <a:p>
-                <a:r>
-                  <a:rPr lang="zh-CN" altLang="en-US" dirty="0"/>
-                  <a:t>栈</a:t>
-                </a:r>
-              </a:p>
-            </p:txBody>
-          </p:sp>
-          <p:sp>
-            <p:nvSpPr>
-              <p:cNvPr id="45" name="矩形: 圆角 44">
-                <a:extLst>
-                  <a:ext uri="{FF2B5EF4-FFF2-40B4-BE49-F238E27FC236}">
-                    <a16:creationId xmlns:a16="http://schemas.microsoft.com/office/drawing/2014/main" id="{9824E838-E8CC-4800-8EF5-C7B632343A70}"/>
-                  </a:ext>
-                </a:extLst>
-              </p:cNvPr>
-              <p:cNvSpPr/>
-              <p:nvPr/>
-            </p:nvSpPr>
-            <p:spPr>
-              <a:xfrm>
-                <a:off x="9448534" y="1375404"/>
-                <a:ext cx="1560556" cy="323020"/>
-              </a:xfrm>
-              <a:prstGeom prst="roundRect">
-                <a:avLst/>
-              </a:prstGeom>
-            </p:spPr>
-            <p:style>
-              <a:lnRef idx="1">
-                <a:schemeClr val="accent6"/>
-              </a:lnRef>
-              <a:fillRef idx="3">
-                <a:schemeClr val="accent6"/>
-              </a:fillRef>
-              <a:effectRef idx="2">
-                <a:schemeClr val="accent6"/>
-              </a:effectRef>
-              <a:fontRef idx="minor">
-                <a:schemeClr val="lt1"/>
-              </a:fontRef>
-            </p:style>
-            <p:txBody>
-              <a:bodyPr rtlCol="0" anchor="ctr"/>
-              <a:lstStyle/>
-              <a:p>
-                <a:pPr algn="ctr"/>
-                <a:r>
-                  <a:rPr lang="en-US" altLang="zh-CN" sz="1200" dirty="0"/>
-                  <a:t>user1</a:t>
-                </a:r>
-              </a:p>
-            </p:txBody>
-          </p:sp>
-        </p:grpSp>
-        <p:cxnSp>
-          <p:nvCxnSpPr>
-            <p:cNvPr id="43" name="连接符: 肘形 42">
-              <a:extLst>
-                <a:ext uri="{FF2B5EF4-FFF2-40B4-BE49-F238E27FC236}">
-                  <a16:creationId xmlns:a16="http://schemas.microsoft.com/office/drawing/2014/main" id="{F8C4D271-0E44-4B07-A91A-05983A59BF8D}"/>
-                </a:ext>
-              </a:extLst>
-            </p:cNvPr>
-            <p:cNvCxnSpPr>
-              <a:cxnSpLocks/>
-              <a:stCxn id="9" idx="3"/>
-              <a:endCxn id="45" idx="0"/>
-            </p:cNvCxnSpPr>
-            <p:nvPr/>
-          </p:nvCxnSpPr>
-          <p:spPr>
-            <a:xfrm>
-              <a:off x="7942555" y="1073449"/>
-              <a:ext cx="2286257" cy="301955"/>
-            </a:xfrm>
-            <a:prstGeom prst="bentConnector2">
-              <a:avLst/>
-            </a:prstGeom>
-            <a:ln>
-              <a:tailEnd type="triangle"/>
-            </a:ln>
-          </p:spPr>
-          <p:style>
-            <a:lnRef idx="1">
-              <a:schemeClr val="accent1"/>
-            </a:lnRef>
-            <a:fillRef idx="0">
-              <a:schemeClr val="accent1"/>
-            </a:fillRef>
-            <a:effectRef idx="0">
-              <a:schemeClr val="accent1"/>
-            </a:effectRef>
-            <a:fontRef idx="minor">
-              <a:schemeClr val="tx1"/>
-            </a:fontRef>
-          </p:style>
-        </p:cxnSp>
-        <p:cxnSp>
-          <p:nvCxnSpPr>
-            <p:cNvPr id="46" name="直接箭头连接符 45">
-              <a:extLst>
-                <a:ext uri="{FF2B5EF4-FFF2-40B4-BE49-F238E27FC236}">
-                  <a16:creationId xmlns:a16="http://schemas.microsoft.com/office/drawing/2014/main" id="{1796C92D-6632-498B-B60A-E9983D587A9D}"/>
-                </a:ext>
-              </a:extLst>
-            </p:cNvPr>
-            <p:cNvCxnSpPr>
-              <a:cxnSpLocks/>
-              <a:stCxn id="45" idx="1"/>
-              <a:endCxn id="17" idx="3"/>
-            </p:cNvCxnSpPr>
-            <p:nvPr/>
-          </p:nvCxnSpPr>
-          <p:spPr>
-            <a:xfrm flipH="1">
-              <a:off x="4400615" y="1536914"/>
-              <a:ext cx="5047919" cy="0"/>
-            </a:xfrm>
-            <a:prstGeom prst="straightConnector1">
-              <a:avLst/>
-            </a:prstGeom>
-            <a:ln>
-              <a:tailEnd type="triangle"/>
-            </a:ln>
-          </p:spPr>
-          <p:style>
-            <a:lnRef idx="1">
-              <a:schemeClr val="accent1"/>
-            </a:lnRef>
-            <a:fillRef idx="0">
-              <a:schemeClr val="accent1"/>
-            </a:fillRef>
-            <a:effectRef idx="0">
-              <a:schemeClr val="accent1"/>
-            </a:effectRef>
-            <a:fontRef idx="minor">
-              <a:schemeClr val="tx1"/>
-            </a:fontRef>
-          </p:style>
-        </p:cxnSp>
-        <p:sp>
-          <p:nvSpPr>
-            <p:cNvPr id="54" name="文本框 53">
-              <a:extLst>
-                <a:ext uri="{FF2B5EF4-FFF2-40B4-BE49-F238E27FC236}">
-                  <a16:creationId xmlns:a16="http://schemas.microsoft.com/office/drawing/2014/main" id="{08634D36-AC53-4E01-9B29-5ADAB651CEC1}"/>
-                </a:ext>
-              </a:extLst>
-            </p:cNvPr>
-            <p:cNvSpPr txBox="1"/>
-            <p:nvPr/>
-          </p:nvSpPr>
-          <p:spPr>
-            <a:xfrm>
-              <a:off x="6156778" y="1336859"/>
-              <a:ext cx="1510350" cy="400110"/>
-            </a:xfrm>
-            <a:prstGeom prst="rect">
-              <a:avLst/>
-            </a:prstGeom>
-            <a:noFill/>
-          </p:spPr>
-          <p:txBody>
-            <a:bodyPr wrap="none" rtlCol="0">
-              <a:spAutoFit/>
-            </a:bodyPr>
-            <a:lstStyle/>
-            <a:p>
-              <a:r>
-                <a:rPr lang="zh-CN" altLang="en-US" sz="1000" dirty="0"/>
-                <a:t>局部变量</a:t>
-              </a:r>
-              <a:r>
-                <a:rPr lang="en-US" altLang="zh-CN" sz="1000" dirty="0"/>
-                <a:t>user1</a:t>
-              </a:r>
-              <a:r>
-                <a:rPr lang="zh-CN" altLang="en-US" sz="1000" dirty="0"/>
-                <a:t>指针指向</a:t>
-              </a:r>
-              <a:endParaRPr lang="en-US" altLang="zh-CN" sz="1000" dirty="0"/>
-            </a:p>
-            <a:p>
-              <a:r>
-                <a:rPr lang="zh-CN" altLang="en-US" sz="1000" dirty="0"/>
-                <a:t>堆中对象的实例</a:t>
-              </a:r>
-            </a:p>
-          </p:txBody>
-        </p:sp>
-        <p:sp>
-          <p:nvSpPr>
-            <p:cNvPr id="61" name="文本框 60">
-              <a:extLst>
-                <a:ext uri="{FF2B5EF4-FFF2-40B4-BE49-F238E27FC236}">
-                  <a16:creationId xmlns:a16="http://schemas.microsoft.com/office/drawing/2014/main" id="{D558D7F8-2A38-4F83-AF3C-ED3994D70856}"/>
-                </a:ext>
-              </a:extLst>
-            </p:cNvPr>
-            <p:cNvSpPr txBox="1"/>
-            <p:nvPr/>
-          </p:nvSpPr>
-          <p:spPr>
-            <a:xfrm>
-              <a:off x="4597753" y="873391"/>
-              <a:ext cx="1484702" cy="400110"/>
-            </a:xfrm>
-            <a:prstGeom prst="rect">
-              <a:avLst/>
-            </a:prstGeom>
-            <a:noFill/>
-          </p:spPr>
-          <p:txBody>
-            <a:bodyPr wrap="none" rtlCol="0">
-              <a:spAutoFit/>
-            </a:bodyPr>
-            <a:lstStyle/>
-            <a:p>
-              <a:r>
-                <a:rPr lang="zh-CN" altLang="en-US" sz="1000" dirty="0"/>
-                <a:t>新</a:t>
-              </a:r>
-              <a:r>
-                <a:rPr lang="en-US" altLang="zh-CN" sz="1000" dirty="0"/>
-                <a:t>new</a:t>
-              </a:r>
-              <a:r>
-                <a:rPr lang="zh-CN" altLang="en-US" sz="1000" dirty="0"/>
-                <a:t>的对象实例数据</a:t>
-              </a:r>
-              <a:endParaRPr lang="en-US" altLang="zh-CN" sz="1000" dirty="0"/>
-            </a:p>
-            <a:p>
-              <a:r>
-                <a:rPr lang="zh-CN" altLang="en-US" sz="1000" dirty="0"/>
-                <a:t>存放在堆中的</a:t>
-              </a:r>
-              <a:r>
-                <a:rPr lang="en-US" altLang="zh-CN" sz="1000" dirty="0"/>
-                <a:t>Eden</a:t>
-              </a:r>
-              <a:r>
-                <a:rPr lang="zh-CN" altLang="en-US" sz="1000" dirty="0"/>
-                <a:t>区域</a:t>
-              </a:r>
-            </a:p>
-          </p:txBody>
-        </p:sp>
-        <p:sp>
-          <p:nvSpPr>
-            <p:cNvPr id="62" name="文本框 61">
-              <a:extLst>
-                <a:ext uri="{FF2B5EF4-FFF2-40B4-BE49-F238E27FC236}">
-                  <a16:creationId xmlns:a16="http://schemas.microsoft.com/office/drawing/2014/main" id="{C88A6E63-2D43-46C5-ABA7-8BED262F6862}"/>
-                </a:ext>
-              </a:extLst>
-            </p:cNvPr>
-            <p:cNvSpPr txBox="1"/>
-            <p:nvPr/>
-          </p:nvSpPr>
-          <p:spPr>
-            <a:xfrm>
-              <a:off x="8002081" y="856427"/>
-              <a:ext cx="1180131" cy="400110"/>
-            </a:xfrm>
-            <a:prstGeom prst="rect">
-              <a:avLst/>
-            </a:prstGeom>
-            <a:noFill/>
-          </p:spPr>
-          <p:txBody>
-            <a:bodyPr wrap="none" rtlCol="0">
-              <a:spAutoFit/>
-            </a:bodyPr>
-            <a:lstStyle/>
-            <a:p>
-              <a:r>
-                <a:rPr lang="zh-CN" altLang="en-US" sz="1000" dirty="0"/>
-                <a:t>新</a:t>
-              </a:r>
-              <a:r>
-                <a:rPr lang="en-US" altLang="zh-CN" sz="1000" dirty="0"/>
-                <a:t>new</a:t>
-              </a:r>
-              <a:r>
-                <a:rPr lang="zh-CN" altLang="en-US" sz="1000" dirty="0"/>
-                <a:t>的局部变量</a:t>
-              </a:r>
-              <a:endParaRPr lang="en-US" altLang="zh-CN" sz="1000" dirty="0"/>
-            </a:p>
-            <a:p>
-              <a:r>
-                <a:rPr lang="en-US" altLang="zh-CN" sz="1000" dirty="0"/>
-                <a:t>user1</a:t>
-              </a:r>
-              <a:r>
-                <a:rPr lang="zh-CN" altLang="en-US" sz="1000" dirty="0"/>
-                <a:t>存放在栈中</a:t>
-              </a:r>
-            </a:p>
-          </p:txBody>
-        </p:sp>
-        <p:sp>
-          <p:nvSpPr>
-            <p:cNvPr id="65" name="矩形: 圆角 64">
-              <a:extLst>
-                <a:ext uri="{FF2B5EF4-FFF2-40B4-BE49-F238E27FC236}">
-                  <a16:creationId xmlns:a16="http://schemas.microsoft.com/office/drawing/2014/main" id="{F5D374C2-3B4C-4EED-ACE5-BF2E5BA62103}"/>
-                </a:ext>
-              </a:extLst>
-            </p:cNvPr>
-            <p:cNvSpPr/>
-            <p:nvPr/>
-          </p:nvSpPr>
-          <p:spPr>
-            <a:xfrm>
-              <a:off x="2861028" y="3374277"/>
-              <a:ext cx="1560556" cy="323020"/>
-            </a:xfrm>
-            <a:prstGeom prst="roundRect">
-              <a:avLst/>
-            </a:prstGeom>
-          </p:spPr>
-          <p:style>
-            <a:lnRef idx="1">
-              <a:schemeClr val="accent6"/>
-            </a:lnRef>
-            <a:fillRef idx="3">
-              <a:schemeClr val="accent6"/>
-            </a:fillRef>
-            <a:effectRef idx="2">
-              <a:schemeClr val="accent6"/>
-            </a:effectRef>
-            <a:fontRef idx="minor">
-              <a:schemeClr val="lt1"/>
-            </a:fontRef>
-          </p:style>
-          <p:txBody>
-            <a:bodyPr rtlCol="0" anchor="ctr"/>
-            <a:lstStyle/>
-            <a:p>
-              <a:pPr algn="ctr"/>
-              <a:r>
-                <a:rPr lang="en-US" altLang="zh-CN" sz="1200" dirty="0"/>
-                <a:t>Employee {age=20}</a:t>
-              </a:r>
-            </a:p>
-          </p:txBody>
-        </p:sp>
-        <p:sp>
-          <p:nvSpPr>
-            <p:cNvPr id="66" name="矩形: 圆角 65">
-              <a:extLst>
-                <a:ext uri="{FF2B5EF4-FFF2-40B4-BE49-F238E27FC236}">
-                  <a16:creationId xmlns:a16="http://schemas.microsoft.com/office/drawing/2014/main" id="{443B33C8-FE0D-45D2-AAF2-15374577653C}"/>
-                </a:ext>
-              </a:extLst>
-            </p:cNvPr>
-            <p:cNvSpPr/>
-            <p:nvPr/>
-          </p:nvSpPr>
-          <p:spPr>
-            <a:xfrm>
-              <a:off x="2861028" y="3812712"/>
-              <a:ext cx="1560556" cy="323020"/>
-            </a:xfrm>
-            <a:prstGeom prst="roundRect">
-              <a:avLst/>
-            </a:prstGeom>
-          </p:spPr>
-          <p:style>
-            <a:lnRef idx="1">
-              <a:schemeClr val="accent6"/>
-            </a:lnRef>
-            <a:fillRef idx="3">
-              <a:schemeClr val="accent6"/>
-            </a:fillRef>
-            <a:effectRef idx="2">
-              <a:schemeClr val="accent6"/>
-            </a:effectRef>
-            <a:fontRef idx="minor">
-              <a:schemeClr val="lt1"/>
-            </a:fontRef>
-          </p:style>
-          <p:txBody>
-            <a:bodyPr rtlCol="0" anchor="ctr"/>
-            <a:lstStyle/>
-            <a:p>
-              <a:pPr algn="ctr"/>
-              <a:r>
-                <a:rPr lang="en-US" altLang="zh-CN" sz="1200" dirty="0"/>
-                <a:t>[1,2,3,4,5]</a:t>
-              </a:r>
-            </a:p>
-          </p:txBody>
-        </p:sp>
-        <p:sp>
-          <p:nvSpPr>
-            <p:cNvPr id="71" name="文本框 70">
-              <a:extLst>
-                <a:ext uri="{FF2B5EF4-FFF2-40B4-BE49-F238E27FC236}">
-                  <a16:creationId xmlns:a16="http://schemas.microsoft.com/office/drawing/2014/main" id="{9A91630B-8B6D-44E1-BAF4-63F68D3B1DC2}"/>
-                </a:ext>
-              </a:extLst>
-            </p:cNvPr>
-            <p:cNvSpPr txBox="1"/>
-            <p:nvPr/>
-          </p:nvSpPr>
-          <p:spPr>
-            <a:xfrm>
-              <a:off x="2707660" y="888552"/>
-              <a:ext cx="585417" cy="307777"/>
-            </a:xfrm>
-            <a:prstGeom prst="rect">
-              <a:avLst/>
-            </a:prstGeom>
-            <a:noFill/>
-          </p:spPr>
-          <p:txBody>
-            <a:bodyPr wrap="none" rtlCol="0">
-              <a:spAutoFit/>
-            </a:bodyPr>
-            <a:lstStyle/>
-            <a:p>
-              <a:r>
-                <a:rPr lang="en-US" altLang="zh-CN" sz="1400" b="1" dirty="0"/>
-                <a:t>Eden</a:t>
-              </a:r>
-              <a:endParaRPr lang="zh-CN" altLang="en-US" sz="1400" b="1" dirty="0"/>
-            </a:p>
-          </p:txBody>
-        </p:sp>
-        <p:sp>
-          <p:nvSpPr>
-            <p:cNvPr id="77" name="文本框 76">
-              <a:extLst>
-                <a:ext uri="{FF2B5EF4-FFF2-40B4-BE49-F238E27FC236}">
-                  <a16:creationId xmlns:a16="http://schemas.microsoft.com/office/drawing/2014/main" id="{B1224A4B-B2A6-4608-98A4-FB1F70ACFE12}"/>
-                </a:ext>
-              </a:extLst>
-            </p:cNvPr>
-            <p:cNvSpPr txBox="1"/>
-            <p:nvPr/>
-          </p:nvSpPr>
-          <p:spPr>
-            <a:xfrm>
-              <a:off x="2706027" y="2060067"/>
-              <a:ext cx="922047" cy="307777"/>
-            </a:xfrm>
-            <a:prstGeom prst="rect">
-              <a:avLst/>
-            </a:prstGeom>
-            <a:noFill/>
-          </p:spPr>
-          <p:txBody>
-            <a:bodyPr wrap="none" rtlCol="0">
-              <a:spAutoFit/>
-            </a:bodyPr>
-            <a:lstStyle/>
-            <a:p>
-              <a:r>
-                <a:rPr lang="en-US" altLang="zh-CN" sz="1400" b="1" dirty="0"/>
-                <a:t>From(S0)</a:t>
-              </a:r>
-              <a:endParaRPr lang="zh-CN" altLang="en-US" sz="1400" b="1" dirty="0"/>
-            </a:p>
-          </p:txBody>
-        </p:sp>
-        <p:sp>
-          <p:nvSpPr>
-            <p:cNvPr id="78" name="文本框 77">
-              <a:extLst>
-                <a:ext uri="{FF2B5EF4-FFF2-40B4-BE49-F238E27FC236}">
-                  <a16:creationId xmlns:a16="http://schemas.microsoft.com/office/drawing/2014/main" id="{0EDE7B4D-FA88-4AB5-AE8C-E580F955D9B5}"/>
-                </a:ext>
-              </a:extLst>
-            </p:cNvPr>
-            <p:cNvSpPr txBox="1"/>
-            <p:nvPr/>
-          </p:nvSpPr>
-          <p:spPr>
-            <a:xfrm>
-              <a:off x="2708494" y="2612422"/>
-              <a:ext cx="707245" cy="307777"/>
-            </a:xfrm>
-            <a:prstGeom prst="rect">
-              <a:avLst/>
-            </a:prstGeom>
-            <a:noFill/>
-          </p:spPr>
-          <p:txBody>
-            <a:bodyPr wrap="none" rtlCol="0">
-              <a:spAutoFit/>
-            </a:bodyPr>
-            <a:lstStyle/>
-            <a:p>
-              <a:r>
-                <a:rPr lang="en-US" altLang="zh-CN" sz="1400" b="1" dirty="0"/>
-                <a:t>To(S1)</a:t>
-              </a:r>
-              <a:endParaRPr lang="zh-CN" altLang="en-US" sz="1400" b="1" dirty="0"/>
-            </a:p>
-          </p:txBody>
-        </p:sp>
-        <p:sp>
-          <p:nvSpPr>
-            <p:cNvPr id="72" name="椭圆 71">
-              <a:extLst>
-                <a:ext uri="{FF2B5EF4-FFF2-40B4-BE49-F238E27FC236}">
-                  <a16:creationId xmlns:a16="http://schemas.microsoft.com/office/drawing/2014/main" id="{F60780E2-1308-41D1-8EFA-EB6BF65D8FE8}"/>
-                </a:ext>
-              </a:extLst>
-            </p:cNvPr>
-            <p:cNvSpPr/>
-            <p:nvPr/>
-          </p:nvSpPr>
-          <p:spPr>
-            <a:xfrm>
-              <a:off x="6652556" y="2858181"/>
-              <a:ext cx="769179" cy="726162"/>
-            </a:xfrm>
-            <a:prstGeom prst="ellipse">
-              <a:avLst/>
-            </a:prstGeom>
-          </p:spPr>
-          <p:style>
-            <a:lnRef idx="2">
-              <a:schemeClr val="accent1">
-                <a:shade val="50000"/>
-              </a:schemeClr>
-            </a:lnRef>
-            <a:fillRef idx="1">
-              <a:schemeClr val="accent1"/>
-            </a:fillRef>
-            <a:effectRef idx="0">
-              <a:schemeClr val="accent1"/>
-            </a:effectRef>
-            <a:fontRef idx="minor">
-              <a:schemeClr val="lt1"/>
-            </a:fontRef>
-          </p:style>
-          <p:txBody>
-            <a:bodyPr rtlCol="0" anchor="ctr"/>
-            <a:lstStyle/>
-            <a:p>
-              <a:pPr algn="ctr"/>
-              <a:r>
-                <a:rPr lang="en-US" altLang="zh-CN" dirty="0"/>
-                <a:t>GC</a:t>
-              </a:r>
-              <a:endParaRPr lang="zh-CN" altLang="en-US" dirty="0"/>
-            </a:p>
-          </p:txBody>
-        </p:sp>
-        <p:cxnSp>
-          <p:nvCxnSpPr>
-            <p:cNvPr id="75" name="连接符: 肘形 74">
-              <a:extLst>
-                <a:ext uri="{FF2B5EF4-FFF2-40B4-BE49-F238E27FC236}">
-                  <a16:creationId xmlns:a16="http://schemas.microsoft.com/office/drawing/2014/main" id="{638D0A4A-7294-4182-93C3-D7C2B2E96145}"/>
-                </a:ext>
-              </a:extLst>
-            </p:cNvPr>
-            <p:cNvCxnSpPr>
-              <a:cxnSpLocks/>
-              <a:stCxn id="72" idx="2"/>
-            </p:cNvCxnSpPr>
-            <p:nvPr/>
-          </p:nvCxnSpPr>
-          <p:spPr>
-            <a:xfrm rot="10800000" flipV="1">
-              <a:off x="4555622" y="3221262"/>
-              <a:ext cx="2096935" cy="908616"/>
-            </a:xfrm>
-            <a:prstGeom prst="bentConnector3">
-              <a:avLst/>
-            </a:prstGeom>
-            <a:ln>
-              <a:tailEnd type="triangle"/>
-            </a:ln>
-          </p:spPr>
-          <p:style>
-            <a:lnRef idx="1">
-              <a:schemeClr val="accent1"/>
-            </a:lnRef>
-            <a:fillRef idx="0">
-              <a:schemeClr val="accent1"/>
-            </a:fillRef>
-            <a:effectRef idx="0">
-              <a:schemeClr val="accent1"/>
-            </a:effectRef>
-            <a:fontRef idx="minor">
-              <a:schemeClr val="tx1"/>
-            </a:fontRef>
-          </p:style>
-        </p:cxnSp>
-        <p:sp>
-          <p:nvSpPr>
-            <p:cNvPr id="88" name="文本框 87">
-              <a:extLst>
-                <a:ext uri="{FF2B5EF4-FFF2-40B4-BE49-F238E27FC236}">
-                  <a16:creationId xmlns:a16="http://schemas.microsoft.com/office/drawing/2014/main" id="{77FECEFD-81B0-4A31-91DC-25D9889082C9}"/>
-                </a:ext>
-              </a:extLst>
-            </p:cNvPr>
-            <p:cNvSpPr txBox="1"/>
-            <p:nvPr/>
-          </p:nvSpPr>
-          <p:spPr>
-            <a:xfrm>
-              <a:off x="4695102" y="3285704"/>
-              <a:ext cx="1957452" cy="1323439"/>
-            </a:xfrm>
-            <a:prstGeom prst="rect">
-              <a:avLst/>
-            </a:prstGeom>
-            <a:noFill/>
-          </p:spPr>
-          <p:txBody>
-            <a:bodyPr wrap="square" rtlCol="0">
-              <a:spAutoFit/>
-            </a:bodyPr>
-            <a:lstStyle/>
-            <a:p>
-              <a:r>
-                <a:rPr lang="zh-CN" altLang="en-US" sz="1000" b="1" dirty="0"/>
-                <a:t>分代收集算法</a:t>
-              </a:r>
-              <a:endParaRPr lang="en-US" altLang="zh-CN" sz="1000" dirty="0"/>
-            </a:p>
-            <a:p>
-              <a:r>
-                <a:rPr lang="zh-CN" altLang="en-US" sz="1000" dirty="0"/>
-                <a:t>每次</a:t>
-              </a:r>
-              <a:r>
-                <a:rPr lang="en-US" altLang="zh-CN" sz="1000" dirty="0"/>
-                <a:t>GC</a:t>
-              </a:r>
-              <a:r>
-                <a:rPr lang="zh-CN" altLang="en-US" sz="1000" dirty="0"/>
-                <a:t>一次新生代，判断对象有没有被引用如果对象被引用则年龄</a:t>
-              </a:r>
-              <a:r>
-                <a:rPr lang="en-US" altLang="zh-CN" sz="1000" dirty="0"/>
-                <a:t>+1,</a:t>
-              </a:r>
-              <a:r>
-                <a:rPr lang="zh-CN" altLang="en-US" sz="1000" dirty="0"/>
-                <a:t>达到一定年龄后对象被存放到老年代</a:t>
-              </a:r>
-              <a:endParaRPr lang="en-US" altLang="zh-CN" sz="1000" dirty="0"/>
-            </a:p>
-            <a:p>
-              <a:endParaRPr lang="en-US" altLang="zh-CN" sz="1000" dirty="0"/>
-            </a:p>
-            <a:p>
-              <a:r>
-                <a:rPr lang="zh-CN" altLang="en-US" sz="1000" dirty="0"/>
-                <a:t>经过</a:t>
-              </a:r>
-              <a:r>
-                <a:rPr lang="en-US" altLang="zh-CN" sz="1000" dirty="0"/>
-                <a:t>N</a:t>
-              </a:r>
-              <a:r>
-                <a:rPr lang="zh-CN" altLang="en-US" sz="1000" dirty="0"/>
-                <a:t>次</a:t>
-              </a:r>
-              <a:r>
-                <a:rPr lang="en-US" altLang="zh-CN" sz="1000" dirty="0"/>
-                <a:t>GC</a:t>
-              </a:r>
-              <a:r>
-                <a:rPr lang="zh-CN" altLang="en-US" sz="1000" dirty="0"/>
-                <a:t>后比较稳定的</a:t>
-              </a:r>
-              <a:endParaRPr lang="en-US" altLang="zh-CN" sz="1000" dirty="0"/>
-            </a:p>
-            <a:p>
-              <a:r>
-                <a:rPr lang="zh-CN" altLang="en-US" sz="1000" dirty="0"/>
-                <a:t>对象实例存放在老年代</a:t>
-              </a:r>
-            </a:p>
-          </p:txBody>
-        </p:sp>
-        <p:cxnSp>
-          <p:nvCxnSpPr>
-            <p:cNvPr id="80" name="连接符: 肘形 79">
-              <a:extLst>
-                <a:ext uri="{FF2B5EF4-FFF2-40B4-BE49-F238E27FC236}">
-                  <a16:creationId xmlns:a16="http://schemas.microsoft.com/office/drawing/2014/main" id="{4F16B0A7-4D68-47F0-BFD1-59438474A488}"/>
-                </a:ext>
-              </a:extLst>
-            </p:cNvPr>
-            <p:cNvCxnSpPr>
-              <a:cxnSpLocks/>
-              <a:stCxn id="72" idx="0"/>
-              <a:endCxn id="93" idx="3"/>
-            </p:cNvCxnSpPr>
-            <p:nvPr/>
-          </p:nvCxnSpPr>
-          <p:spPr>
-            <a:xfrm rot="16200000" flipV="1">
-              <a:off x="6034035" y="1855069"/>
-              <a:ext cx="234073" cy="1772151"/>
-            </a:xfrm>
-            <a:prstGeom prst="bentConnector2">
-              <a:avLst/>
-            </a:prstGeom>
-            <a:ln>
-              <a:tailEnd type="triangle"/>
-            </a:ln>
-          </p:spPr>
-          <p:style>
-            <a:lnRef idx="1">
-              <a:schemeClr val="accent1"/>
-            </a:lnRef>
-            <a:fillRef idx="0">
-              <a:schemeClr val="accent1"/>
-            </a:fillRef>
-            <a:effectRef idx="0">
-              <a:schemeClr val="accent1"/>
-            </a:effectRef>
-            <a:fontRef idx="minor">
-              <a:schemeClr val="tx1"/>
-            </a:fontRef>
-          </p:style>
-        </p:cxnSp>
-        <p:cxnSp>
-          <p:nvCxnSpPr>
-            <p:cNvPr id="83" name="连接符: 肘形 82">
-              <a:extLst>
-                <a:ext uri="{FF2B5EF4-FFF2-40B4-BE49-F238E27FC236}">
-                  <a16:creationId xmlns:a16="http://schemas.microsoft.com/office/drawing/2014/main" id="{CBC69032-A714-4F12-A652-A5EBDF313068}"/>
-                </a:ext>
-              </a:extLst>
-            </p:cNvPr>
-            <p:cNvCxnSpPr>
-              <a:cxnSpLocks/>
-            </p:cNvCxnSpPr>
-            <p:nvPr/>
-          </p:nvCxnSpPr>
-          <p:spPr>
-            <a:xfrm rot="16200000" flipV="1">
-              <a:off x="6014208" y="1870755"/>
-              <a:ext cx="273726" cy="1772150"/>
-            </a:xfrm>
-            <a:prstGeom prst="bentConnector2">
-              <a:avLst/>
-            </a:prstGeom>
-            <a:ln>
-              <a:tailEnd type="triangle"/>
-            </a:ln>
-          </p:spPr>
-          <p:style>
-            <a:lnRef idx="1">
-              <a:schemeClr val="accent1"/>
-            </a:lnRef>
-            <a:fillRef idx="0">
-              <a:schemeClr val="accent1"/>
-            </a:fillRef>
-            <a:effectRef idx="0">
-              <a:schemeClr val="accent1"/>
-            </a:effectRef>
-            <a:fontRef idx="minor">
-              <a:schemeClr val="tx1"/>
-            </a:fontRef>
-          </p:style>
-        </p:cxnSp>
-        <p:pic>
-          <p:nvPicPr>
-            <p:cNvPr id="93" name="图片 92">
-              <a:extLst>
-                <a:ext uri="{FF2B5EF4-FFF2-40B4-BE49-F238E27FC236}">
-                  <a16:creationId xmlns:a16="http://schemas.microsoft.com/office/drawing/2014/main" id="{874C0BA4-21A4-4159-8A04-426D6AF5C7F1}"/>
-                </a:ext>
-              </a:extLst>
-            </p:cNvPr>
-            <p:cNvPicPr>
-              <a:picLocks noChangeAspect="1"/>
-            </p:cNvPicPr>
-            <p:nvPr/>
-          </p:nvPicPr>
-          <p:blipFill>
-            <a:blip r:embed="rId3">
-              <a:extLst>
-                <a:ext uri="{28A0092B-C50C-407E-A947-70E740481C1C}">
-                  <a14:useLocalDpi xmlns:a14="http://schemas.microsoft.com/office/drawing/2010/main" val="0"/>
-                </a:ext>
-              </a:extLst>
-            </a:blip>
-            <a:stretch>
-              <a:fillRect/>
-            </a:stretch>
-          </p:blipFill>
-          <p:spPr>
-            <a:xfrm>
-              <a:off x="4940205" y="2461713"/>
-              <a:ext cx="324790" cy="324790"/>
-            </a:xfrm>
-            <a:prstGeom prst="rect">
-              <a:avLst/>
-            </a:prstGeom>
-          </p:spPr>
-        </p:pic>
-        <p:sp>
-          <p:nvSpPr>
-            <p:cNvPr id="95" name="矩形 94">
-              <a:extLst>
-                <a:ext uri="{FF2B5EF4-FFF2-40B4-BE49-F238E27FC236}">
-                  <a16:creationId xmlns:a16="http://schemas.microsoft.com/office/drawing/2014/main" id="{17709567-6967-47C2-93EF-10516E52C4D6}"/>
-                </a:ext>
-              </a:extLst>
-            </p:cNvPr>
-            <p:cNvSpPr/>
-            <p:nvPr/>
-          </p:nvSpPr>
-          <p:spPr>
-            <a:xfrm>
-              <a:off x="2716536" y="6015213"/>
-              <a:ext cx="1822645" cy="323020"/>
-            </a:xfrm>
-            <a:prstGeom prst="rect">
-              <a:avLst/>
-            </a:prstGeom>
-          </p:spPr>
-          <p:style>
-            <a:lnRef idx="1">
-              <a:schemeClr val="dk1"/>
-            </a:lnRef>
-            <a:fillRef idx="2">
-              <a:schemeClr val="dk1"/>
-            </a:fillRef>
-            <a:effectRef idx="1">
-              <a:schemeClr val="dk1"/>
-            </a:effectRef>
-            <a:fontRef idx="minor">
-              <a:schemeClr val="dk1"/>
-            </a:fontRef>
-          </p:style>
-          <p:txBody>
-            <a:bodyPr rtlCol="0" anchor="ctr"/>
-            <a:lstStyle/>
-            <a:p>
-              <a:pPr algn="ctr"/>
-              <a:r>
-                <a:rPr lang="zh-CN" altLang="en-US" sz="1200" dirty="0"/>
-                <a:t>空闲指针区</a:t>
-              </a:r>
-            </a:p>
-          </p:txBody>
-        </p:sp>
-        <p:cxnSp>
-          <p:nvCxnSpPr>
-            <p:cNvPr id="97" name="连接符: 肘形 96">
-              <a:extLst>
-                <a:ext uri="{FF2B5EF4-FFF2-40B4-BE49-F238E27FC236}">
-                  <a16:creationId xmlns:a16="http://schemas.microsoft.com/office/drawing/2014/main" id="{4E675698-FBC8-4416-B5A3-F1A05B271049}"/>
-                </a:ext>
-              </a:extLst>
-            </p:cNvPr>
-            <p:cNvCxnSpPr>
-              <a:cxnSpLocks/>
-              <a:stCxn id="72" idx="4"/>
-              <a:endCxn id="95" idx="3"/>
-            </p:cNvCxnSpPr>
-            <p:nvPr/>
-          </p:nvCxnSpPr>
-          <p:spPr>
-            <a:xfrm rot="5400000">
-              <a:off x="4491974" y="3631551"/>
-              <a:ext cx="2592380" cy="2497965"/>
-            </a:xfrm>
-            <a:prstGeom prst="bentConnector2">
-              <a:avLst/>
-            </a:prstGeom>
-            <a:ln>
-              <a:tailEnd type="triangle"/>
-            </a:ln>
-          </p:spPr>
-          <p:style>
-            <a:lnRef idx="1">
-              <a:schemeClr val="accent1"/>
-            </a:lnRef>
-            <a:fillRef idx="0">
-              <a:schemeClr val="accent1"/>
-            </a:fillRef>
-            <a:effectRef idx="0">
-              <a:schemeClr val="accent1"/>
-            </a:effectRef>
-            <a:fontRef idx="minor">
-              <a:schemeClr val="tx1"/>
-            </a:fontRef>
-          </p:style>
-        </p:cxnSp>
-        <p:sp>
-          <p:nvSpPr>
-            <p:cNvPr id="98" name="文本框 97">
-              <a:extLst>
-                <a:ext uri="{FF2B5EF4-FFF2-40B4-BE49-F238E27FC236}">
-                  <a16:creationId xmlns:a16="http://schemas.microsoft.com/office/drawing/2014/main" id="{05902906-36FD-41F3-923E-C81A72133851}"/>
-                </a:ext>
-              </a:extLst>
-            </p:cNvPr>
-            <p:cNvSpPr txBox="1"/>
-            <p:nvPr/>
-          </p:nvSpPr>
-          <p:spPr>
-            <a:xfrm>
-              <a:off x="4704787" y="5268690"/>
-              <a:ext cx="2266967" cy="1169551"/>
-            </a:xfrm>
-            <a:prstGeom prst="rect">
-              <a:avLst/>
-            </a:prstGeom>
-            <a:noFill/>
-          </p:spPr>
-          <p:txBody>
-            <a:bodyPr wrap="square" rtlCol="0">
-              <a:spAutoFit/>
-            </a:bodyPr>
-            <a:lstStyle/>
-            <a:p>
-              <a:r>
-                <a:rPr lang="zh-CN" altLang="en-US" sz="1000" b="1" dirty="0"/>
-                <a:t>标记</a:t>
-              </a:r>
-              <a:r>
-                <a:rPr lang="en-US" altLang="zh-CN" sz="1000" b="1" dirty="0"/>
-                <a:t>-</a:t>
-              </a:r>
-              <a:r>
-                <a:rPr lang="zh-CN" altLang="en-US" sz="1000" b="1" dirty="0"/>
-                <a:t>整理算法</a:t>
-              </a:r>
-              <a:r>
-                <a:rPr lang="en-US" altLang="zh-CN" sz="1000" b="1" dirty="0"/>
-                <a:t>(Mark-compact)</a:t>
-              </a:r>
-            </a:p>
-            <a:p>
-              <a:r>
-                <a:rPr lang="en-US" altLang="zh-CN" sz="1000" dirty="0"/>
-                <a:t>GC</a:t>
-              </a:r>
-              <a:r>
-                <a:rPr lang="zh-CN" altLang="en-US" sz="1000" dirty="0"/>
-                <a:t>在回收老年代内存区域时将空闲指针对象统一移动到一块内存区域中（通常是最后端），然后将这段区域整体回收。</a:t>
-              </a:r>
-              <a:endParaRPr lang="en-US" altLang="zh-CN" sz="1000" dirty="0"/>
-            </a:p>
-            <a:p>
-              <a:endParaRPr lang="en-US" altLang="zh-CN" sz="1000" dirty="0"/>
-            </a:p>
-            <a:p>
-              <a:r>
-                <a:rPr lang="zh-CN" altLang="en-US" sz="1000" dirty="0"/>
-                <a:t>解决了内存碎片问题</a:t>
-              </a:r>
-            </a:p>
-          </p:txBody>
-        </p:sp>
-        <p:cxnSp>
-          <p:nvCxnSpPr>
-            <p:cNvPr id="105" name="连接符: 肘形 104">
-              <a:extLst>
-                <a:ext uri="{FF2B5EF4-FFF2-40B4-BE49-F238E27FC236}">
-                  <a16:creationId xmlns:a16="http://schemas.microsoft.com/office/drawing/2014/main" id="{CD618C3A-CB0B-4746-9224-359AC528E232}"/>
-                </a:ext>
-              </a:extLst>
-            </p:cNvPr>
-            <p:cNvCxnSpPr>
-              <a:stCxn id="93" idx="1"/>
-              <a:endCxn id="10" idx="3"/>
-            </p:cNvCxnSpPr>
-            <p:nvPr/>
-          </p:nvCxnSpPr>
-          <p:spPr>
-            <a:xfrm rot="10800000">
-              <a:off x="4555617" y="2330258"/>
-              <a:ext cx="384588" cy="293851"/>
-            </a:xfrm>
-            <a:prstGeom prst="bentConnector3">
-              <a:avLst/>
-            </a:prstGeom>
-            <a:ln>
-              <a:tailEnd type="triangle"/>
-            </a:ln>
-          </p:spPr>
-          <p:style>
-            <a:lnRef idx="1">
-              <a:schemeClr val="accent1"/>
-            </a:lnRef>
-            <a:fillRef idx="0">
-              <a:schemeClr val="accent1"/>
-            </a:fillRef>
-            <a:effectRef idx="0">
-              <a:schemeClr val="accent1"/>
-            </a:effectRef>
-            <a:fontRef idx="minor">
-              <a:schemeClr val="tx1"/>
-            </a:fontRef>
-          </p:style>
-        </p:cxnSp>
-        <p:cxnSp>
-          <p:nvCxnSpPr>
-            <p:cNvPr id="107" name="连接符: 肘形 106">
-              <a:extLst>
-                <a:ext uri="{FF2B5EF4-FFF2-40B4-BE49-F238E27FC236}">
-                  <a16:creationId xmlns:a16="http://schemas.microsoft.com/office/drawing/2014/main" id="{0ABFDF08-5EC6-43B6-94A0-A08239568451}"/>
-                </a:ext>
-              </a:extLst>
-            </p:cNvPr>
-            <p:cNvCxnSpPr>
-              <a:stCxn id="93" idx="1"/>
-              <a:endCxn id="11" idx="3"/>
-            </p:cNvCxnSpPr>
-            <p:nvPr/>
-          </p:nvCxnSpPr>
-          <p:spPr>
-            <a:xfrm rot="10800000" flipV="1">
-              <a:off x="4555617" y="2624108"/>
-              <a:ext cx="384588" cy="287826"/>
-            </a:xfrm>
-            <a:prstGeom prst="bentConnector3">
-              <a:avLst/>
-            </a:prstGeom>
-            <a:ln>
-              <a:tailEnd type="triangle"/>
-            </a:ln>
-          </p:spPr>
-          <p:style>
-            <a:lnRef idx="1">
-              <a:schemeClr val="accent1"/>
-            </a:lnRef>
-            <a:fillRef idx="0">
-              <a:schemeClr val="accent1"/>
-            </a:fillRef>
-            <a:effectRef idx="0">
-              <a:schemeClr val="accent1"/>
-            </a:effectRef>
-            <a:fontRef idx="minor">
-              <a:schemeClr val="tx1"/>
-            </a:fontRef>
-          </p:style>
-        </p:cxnSp>
-      </p:grpSp>
-      <p:cxnSp>
-        <p:nvCxnSpPr>
-          <p:cNvPr id="112" name="连接符: 肘形 111">
-            <a:extLst>
-              <a:ext uri="{FF2B5EF4-FFF2-40B4-BE49-F238E27FC236}">
-                <a16:creationId xmlns:a16="http://schemas.microsoft.com/office/drawing/2014/main" id="{8245DF43-FC0A-421B-97A6-F72FF1DE4F97}"/>
-              </a:ext>
-            </a:extLst>
-          </p:cNvPr>
-          <p:cNvCxnSpPr>
-            <a:cxnSpLocks/>
-            <a:stCxn id="72" idx="0"/>
-          </p:cNvCxnSpPr>
-          <p:nvPr/>
-        </p:nvCxnSpPr>
-        <p:spPr>
-          <a:xfrm rot="16200000" flipV="1">
-            <a:off x="6048142" y="1007531"/>
-            <a:ext cx="1085270" cy="2508475"/>
-          </a:xfrm>
-          <a:prstGeom prst="bentConnector2">
-            <a:avLst/>
-          </a:prstGeom>
-          <a:ln>
-            <a:tailEnd type="triangle"/>
-          </a:ln>
-        </p:spPr>
-        <p:style>
-          <a:lnRef idx="1">
-            <a:schemeClr val="accent1"/>
-          </a:lnRef>
-          <a:fillRef idx="0">
-            <a:schemeClr val="accent1"/>
-          </a:fillRef>
-          <a:effectRef idx="0">
-            <a:schemeClr val="accent1"/>
-          </a:effectRef>
-          <a:fontRef idx="minor">
-            <a:schemeClr val="tx1"/>
-          </a:fontRef>
-        </p:style>
-      </p:cxnSp>
-      <p:sp>
-        <p:nvSpPr>
-          <p:cNvPr id="118" name="文本框 117">
-            <a:extLst>
-              <a:ext uri="{FF2B5EF4-FFF2-40B4-BE49-F238E27FC236}">
-                <a16:creationId xmlns:a16="http://schemas.microsoft.com/office/drawing/2014/main" id="{41A169E0-95BD-4325-9CFB-06F60511D628}"/>
-              </a:ext>
-            </a:extLst>
-          </p:cNvPr>
-          <p:cNvSpPr txBox="1"/>
-          <p:nvPr/>
-        </p:nvSpPr>
-        <p:spPr>
-          <a:xfrm>
-            <a:off x="8149792" y="1692600"/>
-            <a:ext cx="1700542" cy="1477328"/>
-          </a:xfrm>
-          <a:prstGeom prst="rect">
-            <a:avLst/>
-          </a:prstGeom>
-          <a:noFill/>
-        </p:spPr>
-        <p:txBody>
-          <a:bodyPr wrap="square" rtlCol="0">
-            <a:spAutoFit/>
-          </a:bodyPr>
-          <a:lstStyle/>
-          <a:p>
-            <a:r>
-              <a:rPr lang="zh-CN" altLang="en-US" sz="1000" b="1" dirty="0"/>
-              <a:t>复制算法</a:t>
-            </a:r>
-            <a:r>
-              <a:rPr lang="en-US" altLang="zh-CN" sz="1000" b="1" dirty="0"/>
-              <a:t>(Copying)</a:t>
-            </a:r>
-          </a:p>
-          <a:p>
-            <a:r>
-              <a:rPr lang="zh-CN" altLang="en-US" sz="1000" dirty="0"/>
-              <a:t>回收</a:t>
-            </a:r>
-            <a:r>
-              <a:rPr lang="en-US" altLang="zh-CN" sz="1000" dirty="0" err="1"/>
-              <a:t>eden</a:t>
-            </a:r>
-            <a:r>
-              <a:rPr lang="zh-CN" altLang="en-US" sz="1000" dirty="0"/>
-              <a:t>区中对象时先将</a:t>
-            </a:r>
-            <a:r>
-              <a:rPr lang="en-US" altLang="zh-CN" sz="1000" dirty="0" err="1"/>
-              <a:t>enden</a:t>
-            </a:r>
-            <a:r>
-              <a:rPr lang="zh-CN" altLang="en-US" sz="1000" dirty="0"/>
-              <a:t>中存活的对象复制到</a:t>
-            </a:r>
-            <a:r>
-              <a:rPr lang="en-US" altLang="zh-CN" sz="1000" dirty="0"/>
-              <a:t>S0</a:t>
-            </a:r>
-            <a:r>
-              <a:rPr lang="zh-CN" altLang="en-US" sz="1000" dirty="0"/>
-              <a:t>中，然后清空</a:t>
-            </a:r>
-            <a:r>
-              <a:rPr lang="en-US" altLang="zh-CN" sz="1000" dirty="0" err="1"/>
-              <a:t>eden</a:t>
-            </a:r>
-            <a:r>
-              <a:rPr lang="zh-CN" altLang="en-US" sz="1000" dirty="0"/>
-              <a:t>区</a:t>
-            </a:r>
-            <a:endParaRPr lang="en-US" altLang="zh-CN" sz="1000" dirty="0"/>
-          </a:p>
-          <a:p>
-            <a:r>
-              <a:rPr lang="zh-CN" altLang="en-US" sz="1000" dirty="0"/>
-              <a:t>如果</a:t>
-            </a:r>
-            <a:r>
-              <a:rPr lang="en-US" altLang="zh-CN" sz="1000" dirty="0"/>
-              <a:t>S0</a:t>
-            </a:r>
-            <a:r>
-              <a:rPr lang="zh-CN" altLang="en-US" sz="1000" dirty="0"/>
-              <a:t>区已满，则将</a:t>
-            </a:r>
-            <a:r>
-              <a:rPr lang="en-US" altLang="zh-CN" sz="1000" dirty="0" err="1"/>
-              <a:t>eden</a:t>
-            </a:r>
-            <a:r>
-              <a:rPr lang="zh-CN" altLang="en-US" sz="1000" dirty="0"/>
-              <a:t>和</a:t>
-            </a:r>
-            <a:r>
-              <a:rPr lang="en-US" altLang="zh-CN" sz="1000" dirty="0"/>
-              <a:t>S0</a:t>
-            </a:r>
-            <a:r>
-              <a:rPr lang="zh-CN" altLang="en-US" sz="1000" dirty="0"/>
-              <a:t>中存活的对象复制到</a:t>
-            </a:r>
-            <a:r>
-              <a:rPr lang="en-US" altLang="zh-CN" sz="1000" dirty="0"/>
-              <a:t>S1,</a:t>
-            </a:r>
-            <a:r>
-              <a:rPr lang="zh-CN" altLang="en-US" sz="1000" dirty="0"/>
-              <a:t>然后清空</a:t>
-            </a:r>
-            <a:r>
-              <a:rPr lang="en-US" altLang="zh-CN" sz="1000" dirty="0" err="1"/>
-              <a:t>eden</a:t>
-            </a:r>
-            <a:r>
-              <a:rPr lang="zh-CN" altLang="en-US" sz="1000" dirty="0"/>
-              <a:t>和</a:t>
-            </a:r>
-            <a:r>
-              <a:rPr lang="en-US" altLang="zh-CN" sz="1000" dirty="0"/>
-              <a:t>S0,</a:t>
-            </a:r>
-          </a:p>
-          <a:p>
-            <a:r>
-              <a:rPr lang="zh-CN" altLang="en-US" sz="1000" dirty="0"/>
-              <a:t>最后将</a:t>
-            </a:r>
-            <a:r>
-              <a:rPr lang="en-US" altLang="zh-CN" sz="1000" dirty="0"/>
-              <a:t>S0</a:t>
-            </a:r>
-            <a:r>
-              <a:rPr lang="zh-CN" altLang="en-US" sz="1000" dirty="0"/>
-              <a:t>和</a:t>
-            </a:r>
-            <a:r>
-              <a:rPr lang="en-US" altLang="zh-CN" sz="1000" dirty="0"/>
-              <a:t>S1</a:t>
-            </a:r>
-            <a:r>
-              <a:rPr lang="zh-CN" altLang="en-US" sz="1000" dirty="0"/>
-              <a:t>互换</a:t>
-            </a:r>
-            <a:endParaRPr lang="en-US" altLang="zh-CN" sz="1000" dirty="0"/>
-          </a:p>
-          <a:p>
-            <a:r>
-              <a:rPr lang="zh-CN" altLang="en-US" sz="1000" dirty="0"/>
-              <a:t>保持</a:t>
-            </a:r>
-            <a:r>
-              <a:rPr lang="en-US" altLang="zh-CN" sz="1000" dirty="0"/>
-              <a:t>S1</a:t>
-            </a:r>
-            <a:r>
-              <a:rPr lang="zh-CN" altLang="en-US" sz="1000" dirty="0"/>
-              <a:t>为空</a:t>
             </a:r>
           </a:p>
         </p:txBody>
@@ -15745,153 +13751,2168 @@
           </a:p>
         </p:txBody>
       </p:sp>
-      <p:sp>
-        <p:nvSpPr>
-          <p:cNvPr id="47" name="矩形: 圆角 46">
+      <p:grpSp>
+        <p:nvGrpSpPr>
+          <p:cNvPr id="4" name="组合 3">
             <a:extLst>
               <a:ext uri="{FF2B5EF4-FFF2-40B4-BE49-F238E27FC236}">
-                <a16:creationId xmlns:a16="http://schemas.microsoft.com/office/drawing/2014/main" id="{16ED9D3C-DE15-4656-AC2A-E09AB601F82E}"/>
+                <a16:creationId xmlns:a16="http://schemas.microsoft.com/office/drawing/2014/main" id="{02D44929-2F19-46B3-8AA1-58534AE08318}"/>
               </a:ext>
             </a:extLst>
           </p:cNvPr>
-          <p:cNvSpPr/>
+          <p:cNvGrpSpPr/>
           <p:nvPr/>
-        </p:nvSpPr>
-        <p:spPr>
+        </p:nvGrpSpPr>
+        <p:grpSpPr>
           <a:xfrm>
-            <a:off x="10219157" y="3702187"/>
-            <a:ext cx="1560556" cy="323020"/>
+            <a:off x="2859983" y="473535"/>
+            <a:ext cx="9062730" cy="5910929"/>
+            <a:chOff x="2859983" y="473535"/>
+            <a:chExt cx="9062730" cy="5910929"/>
           </a:xfrm>
-          <a:prstGeom prst="roundRect">
-            <a:avLst/>
-          </a:prstGeom>
-        </p:spPr>
-        <p:style>
-          <a:lnRef idx="1">
-            <a:schemeClr val="accent6"/>
-          </a:lnRef>
-          <a:fillRef idx="3">
-            <a:schemeClr val="accent6"/>
-          </a:fillRef>
-          <a:effectRef idx="2">
-            <a:schemeClr val="accent6"/>
-          </a:effectRef>
-          <a:fontRef idx="minor">
-            <a:schemeClr val="lt1"/>
-          </a:fontRef>
-        </p:style>
-        <p:txBody>
-          <a:bodyPr rtlCol="0" anchor="ctr"/>
-          <a:lstStyle/>
-          <a:p>
-            <a:pPr algn="ctr"/>
-            <a:r>
-              <a:rPr lang="en-US" altLang="zh-CN" sz="1200" dirty="0"/>
-              <a:t>int  </a:t>
-            </a:r>
-            <a:r>
-              <a:rPr lang="en-US" altLang="zh-CN" sz="1200" dirty="0" err="1"/>
-              <a:t>i</a:t>
-            </a:r>
-            <a:r>
-              <a:rPr lang="en-US" altLang="zh-CN" sz="1200" dirty="0"/>
-              <a:t>=0;</a:t>
-            </a:r>
-          </a:p>
-        </p:txBody>
-      </p:sp>
-      <p:cxnSp>
-        <p:nvCxnSpPr>
-          <p:cNvPr id="14" name="连接符: 肘形 13">
-            <a:extLst>
-              <a:ext uri="{FF2B5EF4-FFF2-40B4-BE49-F238E27FC236}">
-                <a16:creationId xmlns:a16="http://schemas.microsoft.com/office/drawing/2014/main" id="{0505AA49-D079-4BC5-B7C1-A7DF3246E98A}"/>
-              </a:ext>
-            </a:extLst>
-          </p:cNvPr>
-          <p:cNvCxnSpPr>
-            <a:stCxn id="72" idx="5"/>
-            <a:endCxn id="47" idx="1"/>
-          </p:cNvCxnSpPr>
-          <p:nvPr/>
-        </p:nvCxnSpPr>
-        <p:spPr>
-          <a:xfrm rot="16200000" flipH="1">
-            <a:off x="8948321" y="2592860"/>
-            <a:ext cx="439475" cy="2102198"/>
-          </a:xfrm>
-          <a:prstGeom prst="bentConnector2">
-            <a:avLst/>
-          </a:prstGeom>
-          <a:ln>
-            <a:tailEnd type="triangle"/>
-          </a:ln>
-        </p:spPr>
-        <p:style>
-          <a:lnRef idx="1">
-            <a:schemeClr val="accent1"/>
-          </a:lnRef>
-          <a:fillRef idx="0">
-            <a:schemeClr val="accent1"/>
-          </a:fillRef>
-          <a:effectRef idx="0">
-            <a:schemeClr val="accent1"/>
-          </a:effectRef>
-          <a:fontRef idx="minor">
-            <a:schemeClr val="tx1"/>
-          </a:fontRef>
-        </p:style>
-      </p:cxnSp>
-      <p:sp>
-        <p:nvSpPr>
-          <p:cNvPr id="50" name="文本框 49">
-            <a:extLst>
-              <a:ext uri="{FF2B5EF4-FFF2-40B4-BE49-F238E27FC236}">
-                <a16:creationId xmlns:a16="http://schemas.microsoft.com/office/drawing/2014/main" id="{7E1325EB-C5EF-4331-BCAD-2EA27255A574}"/>
-              </a:ext>
-            </a:extLst>
-          </p:cNvPr>
-          <p:cNvSpPr txBox="1"/>
-          <p:nvPr/>
-        </p:nvSpPr>
-        <p:spPr>
-          <a:xfrm>
-            <a:off x="8187820" y="3893646"/>
-            <a:ext cx="1700542" cy="707886"/>
-          </a:xfrm>
-          <a:prstGeom prst="rect">
-            <a:avLst/>
-          </a:prstGeom>
-          <a:noFill/>
-        </p:spPr>
-        <p:txBody>
-          <a:bodyPr wrap="square" rtlCol="0">
-            <a:spAutoFit/>
-          </a:bodyPr>
-          <a:lstStyle/>
-          <a:p>
-            <a:r>
-              <a:rPr lang="zh-CN" altLang="en-US" sz="1000" b="1" dirty="0"/>
-              <a:t>栈中基础类型参数回收</a:t>
-            </a:r>
-            <a:endParaRPr lang="en-US" altLang="zh-CN" sz="1000" b="1" dirty="0"/>
-          </a:p>
-          <a:p>
-            <a:r>
-              <a:rPr lang="zh-CN" altLang="en-US" sz="1000" dirty="0"/>
-              <a:t>当方法调用完成后</a:t>
-            </a:r>
-            <a:r>
-              <a:rPr lang="en-US" altLang="zh-CN" sz="1000" dirty="0"/>
-              <a:t>GC</a:t>
-            </a:r>
-            <a:r>
-              <a:rPr lang="zh-CN" altLang="en-US" sz="1000" dirty="0"/>
-              <a:t>直接将栈中基础类型的参数进行回收</a:t>
-            </a:r>
-          </a:p>
-        </p:txBody>
-      </p:sp>
+        </p:grpSpPr>
+        <p:grpSp>
+          <p:nvGrpSpPr>
+            <p:cNvPr id="109" name="组合 108">
+              <a:extLst>
+                <a:ext uri="{FF2B5EF4-FFF2-40B4-BE49-F238E27FC236}">
+                  <a16:creationId xmlns:a16="http://schemas.microsoft.com/office/drawing/2014/main" id="{2C4FAE75-8F66-4314-B2CB-C1F241C376FE}"/>
+                </a:ext>
+              </a:extLst>
+            </p:cNvPr>
+            <p:cNvGrpSpPr/>
+            <p:nvPr/>
+          </p:nvGrpSpPr>
+          <p:grpSpPr>
+            <a:xfrm>
+              <a:off x="2859983" y="473535"/>
+              <a:ext cx="9062730" cy="5910929"/>
+              <a:chOff x="2052115" y="527312"/>
+              <a:chExt cx="9062730" cy="5910929"/>
+            </a:xfrm>
+          </p:grpSpPr>
+          <p:sp>
+            <p:nvSpPr>
+              <p:cNvPr id="9" name="矩形: 圆角 8">
+                <a:extLst>
+                  <a:ext uri="{FF2B5EF4-FFF2-40B4-BE49-F238E27FC236}">
+                    <a16:creationId xmlns:a16="http://schemas.microsoft.com/office/drawing/2014/main" id="{F1A4D849-5775-4D4A-BEBA-EC1B50AC3DAA}"/>
+                  </a:ext>
+                </a:extLst>
+              </p:cNvPr>
+              <p:cNvSpPr/>
+              <p:nvPr/>
+            </p:nvSpPr>
+            <p:spPr>
+              <a:xfrm>
+                <a:off x="6096000" y="888783"/>
+                <a:ext cx="1846555" cy="369332"/>
+              </a:xfrm>
+              <a:prstGeom prst="roundRect">
+                <a:avLst/>
+              </a:prstGeom>
+            </p:spPr>
+            <p:style>
+              <a:lnRef idx="2">
+                <a:schemeClr val="accent1"/>
+              </a:lnRef>
+              <a:fillRef idx="1">
+                <a:schemeClr val="lt1"/>
+              </a:fillRef>
+              <a:effectRef idx="0">
+                <a:schemeClr val="accent1"/>
+              </a:effectRef>
+              <a:fontRef idx="minor">
+                <a:schemeClr val="dk1"/>
+              </a:fontRef>
+            </p:style>
+            <p:txBody>
+              <a:bodyPr rtlCol="0" anchor="ctr"/>
+              <a:lstStyle/>
+              <a:p>
+                <a:pPr algn="ctr"/>
+                <a:r>
+                  <a:rPr lang="en-US" altLang="zh-CN" sz="1200" dirty="0"/>
+                  <a:t>User user1 =new User()</a:t>
+                </a:r>
+                <a:endParaRPr lang="zh-CN" altLang="en-US" sz="1200" dirty="0"/>
+              </a:p>
+            </p:txBody>
+          </p:sp>
+          <p:grpSp>
+            <p:nvGrpSpPr>
+              <p:cNvPr id="55" name="组合 54">
+                <a:extLst>
+                  <a:ext uri="{FF2B5EF4-FFF2-40B4-BE49-F238E27FC236}">
+                    <a16:creationId xmlns:a16="http://schemas.microsoft.com/office/drawing/2014/main" id="{32B515CD-3E4C-4F74-BF7C-7BB1C06C4116}"/>
+                  </a:ext>
+                </a:extLst>
+              </p:cNvPr>
+              <p:cNvGrpSpPr/>
+              <p:nvPr/>
+            </p:nvGrpSpPr>
+            <p:grpSpPr>
+              <a:xfrm>
+                <a:off x="2052115" y="527312"/>
+                <a:ext cx="2503502" cy="5811343"/>
+                <a:chOff x="2052115" y="527312"/>
+                <a:chExt cx="2503502" cy="5811343"/>
+              </a:xfrm>
+            </p:grpSpPr>
+            <p:grpSp>
+              <p:nvGrpSpPr>
+                <p:cNvPr id="13" name="组合 12">
+                  <a:extLst>
+                    <a:ext uri="{FF2B5EF4-FFF2-40B4-BE49-F238E27FC236}">
+                      <a16:creationId xmlns:a16="http://schemas.microsoft.com/office/drawing/2014/main" id="{888382EE-BEAE-4920-8713-F24C3579F315}"/>
+                    </a:ext>
+                  </a:extLst>
+                </p:cNvPr>
+                <p:cNvGrpSpPr/>
+                <p:nvPr/>
+              </p:nvGrpSpPr>
+              <p:grpSpPr>
+                <a:xfrm>
+                  <a:off x="2709062" y="888676"/>
+                  <a:ext cx="1846555" cy="5445309"/>
+                  <a:chOff x="2630078" y="2326734"/>
+                  <a:chExt cx="1036948" cy="3706421"/>
+                </a:xfrm>
+              </p:grpSpPr>
+              <p:sp>
+                <p:nvSpPr>
+                  <p:cNvPr id="8" name="矩形 7">
+                    <a:extLst>
+                      <a:ext uri="{FF2B5EF4-FFF2-40B4-BE49-F238E27FC236}">
+                        <a16:creationId xmlns:a16="http://schemas.microsoft.com/office/drawing/2014/main" id="{D5661055-821F-424E-B719-62EDD20A6DA1}"/>
+                      </a:ext>
+                    </a:extLst>
+                  </p:cNvPr>
+                  <p:cNvSpPr/>
+                  <p:nvPr/>
+                </p:nvSpPr>
+                <p:spPr>
+                  <a:xfrm>
+                    <a:off x="2630078" y="2326734"/>
+                    <a:ext cx="1036948" cy="791852"/>
+                  </a:xfrm>
+                  <a:prstGeom prst="rect">
+                    <a:avLst/>
+                  </a:prstGeom>
+                  <a:ln w="12700">
+                    <a:solidFill>
+                      <a:schemeClr val="tx1"/>
+                    </a:solidFill>
+                  </a:ln>
+                </p:spPr>
+                <p:style>
+                  <a:lnRef idx="1">
+                    <a:schemeClr val="accent2"/>
+                  </a:lnRef>
+                  <a:fillRef idx="3">
+                    <a:schemeClr val="accent2"/>
+                  </a:fillRef>
+                  <a:effectRef idx="2">
+                    <a:schemeClr val="accent2"/>
+                  </a:effectRef>
+                  <a:fontRef idx="minor">
+                    <a:schemeClr val="lt1"/>
+                  </a:fontRef>
+                </p:style>
+                <p:txBody>
+                  <a:bodyPr rtlCol="0" anchor="ctr"/>
+                  <a:lstStyle/>
+                  <a:p>
+                    <a:pPr algn="ctr"/>
+                    <a:endParaRPr lang="en-US" altLang="zh-CN" sz="1400" dirty="0"/>
+                  </a:p>
+                  <a:p>
+                    <a:pPr algn="ctr"/>
+                    <a:endParaRPr lang="en-US" altLang="zh-CN" sz="1400" dirty="0"/>
+                  </a:p>
+                </p:txBody>
+              </p:sp>
+              <p:sp>
+                <p:nvSpPr>
+                  <p:cNvPr id="10" name="矩形 9">
+                    <a:extLst>
+                      <a:ext uri="{FF2B5EF4-FFF2-40B4-BE49-F238E27FC236}">
+                        <a16:creationId xmlns:a16="http://schemas.microsoft.com/office/drawing/2014/main" id="{7529750C-B3A6-41E8-885A-E0DEFA34B2CF}"/>
+                      </a:ext>
+                    </a:extLst>
+                  </p:cNvPr>
+                  <p:cNvSpPr/>
+                  <p:nvPr/>
+                </p:nvSpPr>
+                <p:spPr>
+                  <a:xfrm>
+                    <a:off x="2630078" y="3118586"/>
+                    <a:ext cx="1036948" cy="378758"/>
+                  </a:xfrm>
+                  <a:prstGeom prst="rect">
+                    <a:avLst/>
+                  </a:prstGeom>
+                  <a:solidFill>
+                    <a:srgbClr val="C00000"/>
+                  </a:solidFill>
+                  <a:ln w="12700">
+                    <a:solidFill>
+                      <a:schemeClr val="tx1"/>
+                    </a:solidFill>
+                  </a:ln>
+                </p:spPr>
+                <p:style>
+                  <a:lnRef idx="2">
+                    <a:schemeClr val="accent1">
+                      <a:shade val="50000"/>
+                    </a:schemeClr>
+                  </a:lnRef>
+                  <a:fillRef idx="1">
+                    <a:schemeClr val="accent1"/>
+                  </a:fillRef>
+                  <a:effectRef idx="0">
+                    <a:schemeClr val="accent1"/>
+                  </a:effectRef>
+                  <a:fontRef idx="minor">
+                    <a:schemeClr val="lt1"/>
+                  </a:fontRef>
+                </p:style>
+                <p:txBody>
+                  <a:bodyPr rtlCol="0" anchor="ctr"/>
+                  <a:lstStyle/>
+                  <a:p>
+                    <a:pPr algn="ctr"/>
+                    <a:endParaRPr lang="en-US" altLang="zh-CN" sz="1200" dirty="0"/>
+                  </a:p>
+                  <a:p>
+                    <a:pPr algn="ctr"/>
+                    <a:r>
+                      <a:rPr lang="en-US" altLang="zh-CN" sz="1200" dirty="0"/>
+                      <a:t>S0</a:t>
+                    </a:r>
+                    <a:r>
+                      <a:rPr lang="zh-CN" altLang="en-US" sz="1200" dirty="0"/>
+                      <a:t>和</a:t>
+                    </a:r>
+                    <a:r>
+                      <a:rPr lang="en-US" altLang="zh-CN" sz="1200" dirty="0"/>
+                      <a:t>S1</a:t>
+                    </a:r>
+                    <a:r>
+                      <a:rPr lang="zh-CN" altLang="en-US" sz="1200" dirty="0"/>
+                      <a:t>是互换的</a:t>
+                    </a:r>
+                  </a:p>
+                </p:txBody>
+              </p:sp>
+              <p:sp>
+                <p:nvSpPr>
+                  <p:cNvPr id="11" name="矩形 10">
+                    <a:extLst>
+                      <a:ext uri="{FF2B5EF4-FFF2-40B4-BE49-F238E27FC236}">
+                        <a16:creationId xmlns:a16="http://schemas.microsoft.com/office/drawing/2014/main" id="{D32170FB-9966-47D0-A332-E41F3F938A13}"/>
+                      </a:ext>
+                    </a:extLst>
+                  </p:cNvPr>
+                  <p:cNvSpPr/>
+                  <p:nvPr/>
+                </p:nvSpPr>
+                <p:spPr>
+                  <a:xfrm>
+                    <a:off x="2630078" y="3497344"/>
+                    <a:ext cx="1036948" cy="413094"/>
+                  </a:xfrm>
+                  <a:prstGeom prst="rect">
+                    <a:avLst/>
+                  </a:prstGeom>
+                  <a:solidFill>
+                    <a:srgbClr val="C00000"/>
+                  </a:solidFill>
+                  <a:ln w="12700">
+                    <a:solidFill>
+                      <a:schemeClr val="tx1"/>
+                    </a:solidFill>
+                  </a:ln>
+                </p:spPr>
+                <p:style>
+                  <a:lnRef idx="2">
+                    <a:schemeClr val="accent1">
+                      <a:shade val="50000"/>
+                    </a:schemeClr>
+                  </a:lnRef>
+                  <a:fillRef idx="1">
+                    <a:schemeClr val="accent1"/>
+                  </a:fillRef>
+                  <a:effectRef idx="0">
+                    <a:schemeClr val="accent1"/>
+                  </a:effectRef>
+                  <a:fontRef idx="minor">
+                    <a:schemeClr val="lt1"/>
+                  </a:fontRef>
+                </p:style>
+                <p:txBody>
+                  <a:bodyPr rtlCol="0" anchor="ctr"/>
+                  <a:lstStyle/>
+                  <a:p>
+                    <a:pPr algn="ctr"/>
+                    <a:r>
+                      <a:rPr lang="en-US" altLang="zh-CN" sz="1200" dirty="0"/>
+                      <a:t>S1</a:t>
+                    </a:r>
+                    <a:r>
+                      <a:rPr lang="zh-CN" altLang="en-US" sz="1200" dirty="0"/>
+                      <a:t>始终为空</a:t>
+                    </a:r>
+                  </a:p>
+                </p:txBody>
+              </p:sp>
+              <p:sp>
+                <p:nvSpPr>
+                  <p:cNvPr id="12" name="矩形 11">
+                    <a:extLst>
+                      <a:ext uri="{FF2B5EF4-FFF2-40B4-BE49-F238E27FC236}">
+                        <a16:creationId xmlns:a16="http://schemas.microsoft.com/office/drawing/2014/main" id="{C039B9DC-197A-4256-90CC-519800C2F01B}"/>
+                      </a:ext>
+                    </a:extLst>
+                  </p:cNvPr>
+                  <p:cNvSpPr/>
+                  <p:nvPr/>
+                </p:nvSpPr>
+                <p:spPr>
+                  <a:xfrm>
+                    <a:off x="2630078" y="3910437"/>
+                    <a:ext cx="1036948" cy="2122718"/>
+                  </a:xfrm>
+                  <a:prstGeom prst="rect">
+                    <a:avLst/>
+                  </a:prstGeom>
+                  <a:ln w="12700">
+                    <a:solidFill>
+                      <a:schemeClr val="tx1"/>
+                    </a:solidFill>
+                  </a:ln>
+                </p:spPr>
+                <p:style>
+                  <a:lnRef idx="1">
+                    <a:schemeClr val="accent3"/>
+                  </a:lnRef>
+                  <a:fillRef idx="3">
+                    <a:schemeClr val="accent3"/>
+                  </a:fillRef>
+                  <a:effectRef idx="2">
+                    <a:schemeClr val="accent3"/>
+                  </a:effectRef>
+                  <a:fontRef idx="minor">
+                    <a:schemeClr val="lt1"/>
+                  </a:fontRef>
+                </p:style>
+                <p:txBody>
+                  <a:bodyPr rtlCol="0" anchor="ctr"/>
+                  <a:lstStyle/>
+                  <a:p>
+                    <a:pPr algn="ctr"/>
+                    <a:endParaRPr lang="zh-CN" altLang="en-US" sz="1400" dirty="0"/>
+                  </a:p>
+                </p:txBody>
+              </p:sp>
+            </p:grpSp>
+            <p:sp>
+              <p:nvSpPr>
+                <p:cNvPr id="2" name="左大括号 1">
+                  <a:extLst>
+                    <a:ext uri="{FF2B5EF4-FFF2-40B4-BE49-F238E27FC236}">
+                      <a16:creationId xmlns:a16="http://schemas.microsoft.com/office/drawing/2014/main" id="{B15135C3-5C35-4D2A-9A64-F2B2BD4D9AA7}"/>
+                    </a:ext>
+                  </a:extLst>
+                </p:cNvPr>
+                <p:cNvSpPr/>
+                <p:nvPr/>
+              </p:nvSpPr>
+              <p:spPr>
+                <a:xfrm>
+                  <a:off x="2414726" y="893347"/>
+                  <a:ext cx="294336" cy="2326705"/>
+                </a:xfrm>
+                <a:prstGeom prst="leftBrace">
+                  <a:avLst/>
+                </a:prstGeom>
+              </p:spPr>
+              <p:style>
+                <a:lnRef idx="1">
+                  <a:schemeClr val="accent1"/>
+                </a:lnRef>
+                <a:fillRef idx="0">
+                  <a:schemeClr val="accent1"/>
+                </a:fillRef>
+                <a:effectRef idx="0">
+                  <a:schemeClr val="accent1"/>
+                </a:effectRef>
+                <a:fontRef idx="minor">
+                  <a:schemeClr val="tx1"/>
+                </a:fontRef>
+              </p:style>
+              <p:txBody>
+                <a:bodyPr rtlCol="0" anchor="ctr"/>
+                <a:lstStyle/>
+                <a:p>
+                  <a:pPr algn="ctr"/>
+                  <a:endParaRPr lang="zh-CN" altLang="en-US" dirty="0"/>
+                </a:p>
+              </p:txBody>
+            </p:sp>
+            <p:sp>
+              <p:nvSpPr>
+                <p:cNvPr id="32" name="左大括号 31">
+                  <a:extLst>
+                    <a:ext uri="{FF2B5EF4-FFF2-40B4-BE49-F238E27FC236}">
+                      <a16:creationId xmlns:a16="http://schemas.microsoft.com/office/drawing/2014/main" id="{CE362E93-6033-4DCC-9C6D-112514013B40}"/>
+                    </a:ext>
+                  </a:extLst>
+                </p:cNvPr>
+                <p:cNvSpPr/>
+                <p:nvPr/>
+              </p:nvSpPr>
+              <p:spPr>
+                <a:xfrm>
+                  <a:off x="2414726" y="3220052"/>
+                  <a:ext cx="294336" cy="3118603"/>
+                </a:xfrm>
+                <a:prstGeom prst="leftBrace">
+                  <a:avLst/>
+                </a:prstGeom>
+              </p:spPr>
+              <p:style>
+                <a:lnRef idx="1">
+                  <a:schemeClr val="accent1"/>
+                </a:lnRef>
+                <a:fillRef idx="0">
+                  <a:schemeClr val="accent1"/>
+                </a:fillRef>
+                <a:effectRef idx="0">
+                  <a:schemeClr val="accent1"/>
+                </a:effectRef>
+                <a:fontRef idx="minor">
+                  <a:schemeClr val="tx1"/>
+                </a:fontRef>
+              </p:style>
+              <p:txBody>
+                <a:bodyPr rtlCol="0" anchor="ctr"/>
+                <a:lstStyle/>
+                <a:p>
+                  <a:pPr algn="ctr"/>
+                  <a:endParaRPr lang="zh-CN" altLang="en-US"/>
+                </a:p>
+              </p:txBody>
+            </p:sp>
+            <p:sp>
+              <p:nvSpPr>
+                <p:cNvPr id="3" name="文本框 2">
+                  <a:extLst>
+                    <a:ext uri="{FF2B5EF4-FFF2-40B4-BE49-F238E27FC236}">
+                      <a16:creationId xmlns:a16="http://schemas.microsoft.com/office/drawing/2014/main" id="{86EDA522-321C-49CE-B97E-4C876FB3E837}"/>
+                    </a:ext>
+                  </a:extLst>
+                </p:cNvPr>
+                <p:cNvSpPr txBox="1"/>
+                <p:nvPr/>
+              </p:nvSpPr>
+              <p:spPr>
+                <a:xfrm>
+                  <a:off x="2052115" y="1696287"/>
+                  <a:ext cx="430887" cy="707886"/>
+                </a:xfrm>
+                <a:prstGeom prst="rect">
+                  <a:avLst/>
+                </a:prstGeom>
+                <a:noFill/>
+              </p:spPr>
+              <p:txBody>
+                <a:bodyPr vert="eaVert" wrap="none" rtlCol="0">
+                  <a:spAutoFit/>
+                </a:bodyPr>
+                <a:lstStyle/>
+                <a:p>
+                  <a:r>
+                    <a:rPr lang="zh-CN" altLang="en-US" sz="1600" dirty="0"/>
+                    <a:t>新生代</a:t>
+                  </a:r>
+                </a:p>
+              </p:txBody>
+            </p:sp>
+            <p:sp>
+              <p:nvSpPr>
+                <p:cNvPr id="34" name="文本框 33">
+                  <a:extLst>
+                    <a:ext uri="{FF2B5EF4-FFF2-40B4-BE49-F238E27FC236}">
+                      <a16:creationId xmlns:a16="http://schemas.microsoft.com/office/drawing/2014/main" id="{46456A63-AF68-49C3-8F55-502BE4B65113}"/>
+                    </a:ext>
+                  </a:extLst>
+                </p:cNvPr>
+                <p:cNvSpPr txBox="1"/>
+                <p:nvPr/>
+              </p:nvSpPr>
+              <p:spPr>
+                <a:xfrm>
+                  <a:off x="2055678" y="4423075"/>
+                  <a:ext cx="430887" cy="707886"/>
+                </a:xfrm>
+                <a:prstGeom prst="rect">
+                  <a:avLst/>
+                </a:prstGeom>
+                <a:noFill/>
+              </p:spPr>
+              <p:txBody>
+                <a:bodyPr vert="eaVert" wrap="none" rtlCol="0">
+                  <a:spAutoFit/>
+                </a:bodyPr>
+                <a:lstStyle/>
+                <a:p>
+                  <a:r>
+                    <a:rPr lang="zh-CN" altLang="en-US" sz="1600" dirty="0"/>
+                    <a:t>老年代</a:t>
+                  </a:r>
+                </a:p>
+              </p:txBody>
+            </p:sp>
+            <p:sp>
+              <p:nvSpPr>
+                <p:cNvPr id="7" name="文本框 6">
+                  <a:extLst>
+                    <a:ext uri="{FF2B5EF4-FFF2-40B4-BE49-F238E27FC236}">
+                      <a16:creationId xmlns:a16="http://schemas.microsoft.com/office/drawing/2014/main" id="{7F5DE130-74F4-425D-9D76-E5396B406BA5}"/>
+                    </a:ext>
+                  </a:extLst>
+                </p:cNvPr>
+                <p:cNvSpPr txBox="1"/>
+                <p:nvPr/>
+              </p:nvSpPr>
+              <p:spPr>
+                <a:xfrm>
+                  <a:off x="3412588" y="527312"/>
+                  <a:ext cx="415498" cy="369332"/>
+                </a:xfrm>
+                <a:prstGeom prst="rect">
+                  <a:avLst/>
+                </a:prstGeom>
+                <a:noFill/>
+              </p:spPr>
+              <p:txBody>
+                <a:bodyPr wrap="none" rtlCol="0">
+                  <a:spAutoFit/>
+                </a:bodyPr>
+                <a:lstStyle/>
+                <a:p>
+                  <a:r>
+                    <a:rPr lang="zh-CN" altLang="en-US" dirty="0"/>
+                    <a:t>堆</a:t>
+                  </a:r>
+                </a:p>
+              </p:txBody>
+            </p:sp>
+            <p:sp>
+              <p:nvSpPr>
+                <p:cNvPr id="17" name="矩形: 圆角 16">
+                  <a:extLst>
+                    <a:ext uri="{FF2B5EF4-FFF2-40B4-BE49-F238E27FC236}">
+                      <a16:creationId xmlns:a16="http://schemas.microsoft.com/office/drawing/2014/main" id="{FEDA6B9D-468F-407A-8E7F-706D4305C443}"/>
+                    </a:ext>
+                  </a:extLst>
+                </p:cNvPr>
+                <p:cNvSpPr/>
+                <p:nvPr/>
+              </p:nvSpPr>
+              <p:spPr>
+                <a:xfrm>
+                  <a:off x="2840059" y="1375404"/>
+                  <a:ext cx="1560556" cy="323020"/>
+                </a:xfrm>
+                <a:prstGeom prst="roundRect">
+                  <a:avLst/>
+                </a:prstGeom>
+              </p:spPr>
+              <p:style>
+                <a:lnRef idx="1">
+                  <a:schemeClr val="accent6"/>
+                </a:lnRef>
+                <a:fillRef idx="3">
+                  <a:schemeClr val="accent6"/>
+                </a:fillRef>
+                <a:effectRef idx="2">
+                  <a:schemeClr val="accent6"/>
+                </a:effectRef>
+                <a:fontRef idx="minor">
+                  <a:schemeClr val="lt1"/>
+                </a:fontRef>
+              </p:style>
+              <p:txBody>
+                <a:bodyPr rtlCol="0" anchor="ctr"/>
+                <a:lstStyle/>
+                <a:p>
+                  <a:pPr algn="ctr"/>
+                  <a:r>
+                    <a:rPr lang="en-US" altLang="zh-CN" sz="1200" dirty="0"/>
+                    <a:t>User {name=</a:t>
+                  </a:r>
+                  <a:r>
+                    <a:rPr lang="zh-CN" altLang="en-US" sz="1200" dirty="0"/>
+                    <a:t>‘张三’</a:t>
+                  </a:r>
+                  <a:r>
+                    <a:rPr lang="en-US" altLang="zh-CN" sz="1200" dirty="0"/>
+                    <a:t>}</a:t>
+                  </a:r>
+                </a:p>
+              </p:txBody>
+            </p:sp>
+          </p:grpSp>
+          <p:cxnSp>
+            <p:nvCxnSpPr>
+              <p:cNvPr id="26" name="连接符: 肘形 25">
+                <a:extLst>
+                  <a:ext uri="{FF2B5EF4-FFF2-40B4-BE49-F238E27FC236}">
+                    <a16:creationId xmlns:a16="http://schemas.microsoft.com/office/drawing/2014/main" id="{9C2058C2-63B6-4425-B3A8-6522FAB2A16F}"/>
+                  </a:ext>
+                </a:extLst>
+              </p:cNvPr>
+              <p:cNvCxnSpPr>
+                <a:cxnSpLocks/>
+                <a:stCxn id="9" idx="1"/>
+                <a:endCxn id="17" idx="0"/>
+              </p:cNvCxnSpPr>
+              <p:nvPr/>
+            </p:nvCxnSpPr>
+            <p:spPr>
+              <a:xfrm rot="10800000" flipV="1">
+                <a:off x="3620338" y="1073448"/>
+                <a:ext cx="2475663" cy="301955"/>
+              </a:xfrm>
+              <a:prstGeom prst="bentConnector2">
+                <a:avLst/>
+              </a:prstGeom>
+              <a:ln>
+                <a:tailEnd type="triangle"/>
+              </a:ln>
+            </p:spPr>
+            <p:style>
+              <a:lnRef idx="1">
+                <a:schemeClr val="accent1"/>
+              </a:lnRef>
+              <a:fillRef idx="0">
+                <a:schemeClr val="accent1"/>
+              </a:fillRef>
+              <a:effectRef idx="0">
+                <a:schemeClr val="accent1"/>
+              </a:effectRef>
+              <a:fontRef idx="minor">
+                <a:schemeClr val="tx1"/>
+              </a:fontRef>
+            </p:style>
+          </p:cxnSp>
+          <p:grpSp>
+            <p:nvGrpSpPr>
+              <p:cNvPr id="56" name="组合 55">
+                <a:extLst>
+                  <a:ext uri="{FF2B5EF4-FFF2-40B4-BE49-F238E27FC236}">
+                    <a16:creationId xmlns:a16="http://schemas.microsoft.com/office/drawing/2014/main" id="{B08ED032-CD5A-4D81-834A-A3455C4C0B0E}"/>
+                  </a:ext>
+                </a:extLst>
+              </p:cNvPr>
+              <p:cNvGrpSpPr/>
+              <p:nvPr/>
+            </p:nvGrpSpPr>
+            <p:grpSpPr>
+              <a:xfrm>
+                <a:off x="9268290" y="536140"/>
+                <a:ext cx="1846555" cy="5802515"/>
+                <a:chOff x="9268290" y="536140"/>
+                <a:chExt cx="1846555" cy="5802515"/>
+              </a:xfrm>
+            </p:grpSpPr>
+            <p:sp>
+              <p:nvSpPr>
+                <p:cNvPr id="5" name="矩形 4">
+                  <a:extLst>
+                    <a:ext uri="{FF2B5EF4-FFF2-40B4-BE49-F238E27FC236}">
+                      <a16:creationId xmlns:a16="http://schemas.microsoft.com/office/drawing/2014/main" id="{585D7B2D-5A8C-45B6-8532-9D8D57FD9A26}"/>
+                    </a:ext>
+                  </a:extLst>
+                </p:cNvPr>
+                <p:cNvSpPr/>
+                <p:nvPr/>
+              </p:nvSpPr>
+              <p:spPr>
+                <a:xfrm>
+                  <a:off x="9268290" y="893347"/>
+                  <a:ext cx="1846555" cy="5445308"/>
+                </a:xfrm>
+                <a:prstGeom prst="rect">
+                  <a:avLst/>
+                </a:prstGeom>
+                <a:solidFill>
+                  <a:schemeClr val="accent6">
+                    <a:lumMod val="40000"/>
+                    <a:lumOff val="60000"/>
+                  </a:schemeClr>
+                </a:solidFill>
+              </p:spPr>
+              <p:style>
+                <a:lnRef idx="2">
+                  <a:schemeClr val="accent1">
+                    <a:shade val="50000"/>
+                  </a:schemeClr>
+                </a:lnRef>
+                <a:fillRef idx="1">
+                  <a:schemeClr val="accent1"/>
+                </a:fillRef>
+                <a:effectRef idx="0">
+                  <a:schemeClr val="accent1"/>
+                </a:effectRef>
+                <a:fontRef idx="minor">
+                  <a:schemeClr val="lt1"/>
+                </a:fontRef>
+              </p:style>
+              <p:txBody>
+                <a:bodyPr rtlCol="0" anchor="ctr"/>
+                <a:lstStyle/>
+                <a:p>
+                  <a:pPr algn="ctr"/>
+                  <a:endParaRPr lang="zh-CN" altLang="en-US"/>
+                </a:p>
+              </p:txBody>
+            </p:sp>
+            <p:sp>
+              <p:nvSpPr>
+                <p:cNvPr id="38" name="文本框 37">
+                  <a:extLst>
+                    <a:ext uri="{FF2B5EF4-FFF2-40B4-BE49-F238E27FC236}">
+                      <a16:creationId xmlns:a16="http://schemas.microsoft.com/office/drawing/2014/main" id="{1D076E1C-6617-4723-9007-110BD9E91620}"/>
+                    </a:ext>
+                  </a:extLst>
+                </p:cNvPr>
+                <p:cNvSpPr txBox="1"/>
+                <p:nvPr/>
+              </p:nvSpPr>
+              <p:spPr>
+                <a:xfrm>
+                  <a:off x="9983818" y="536140"/>
+                  <a:ext cx="415498" cy="369332"/>
+                </a:xfrm>
+                <a:prstGeom prst="rect">
+                  <a:avLst/>
+                </a:prstGeom>
+                <a:noFill/>
+              </p:spPr>
+              <p:txBody>
+                <a:bodyPr wrap="none" rtlCol="0">
+                  <a:spAutoFit/>
+                </a:bodyPr>
+                <a:lstStyle/>
+                <a:p>
+                  <a:r>
+                    <a:rPr lang="zh-CN" altLang="en-US" dirty="0"/>
+                    <a:t>栈</a:t>
+                  </a:r>
+                </a:p>
+              </p:txBody>
+            </p:sp>
+            <p:sp>
+              <p:nvSpPr>
+                <p:cNvPr id="45" name="矩形: 圆角 44">
+                  <a:extLst>
+                    <a:ext uri="{FF2B5EF4-FFF2-40B4-BE49-F238E27FC236}">
+                      <a16:creationId xmlns:a16="http://schemas.microsoft.com/office/drawing/2014/main" id="{9824E838-E8CC-4800-8EF5-C7B632343A70}"/>
+                    </a:ext>
+                  </a:extLst>
+                </p:cNvPr>
+                <p:cNvSpPr/>
+                <p:nvPr/>
+              </p:nvSpPr>
+              <p:spPr>
+                <a:xfrm>
+                  <a:off x="9448534" y="1375404"/>
+                  <a:ext cx="1560556" cy="323020"/>
+                </a:xfrm>
+                <a:prstGeom prst="roundRect">
+                  <a:avLst/>
+                </a:prstGeom>
+              </p:spPr>
+              <p:style>
+                <a:lnRef idx="1">
+                  <a:schemeClr val="accent6"/>
+                </a:lnRef>
+                <a:fillRef idx="3">
+                  <a:schemeClr val="accent6"/>
+                </a:fillRef>
+                <a:effectRef idx="2">
+                  <a:schemeClr val="accent6"/>
+                </a:effectRef>
+                <a:fontRef idx="minor">
+                  <a:schemeClr val="lt1"/>
+                </a:fontRef>
+              </p:style>
+              <p:txBody>
+                <a:bodyPr rtlCol="0" anchor="ctr"/>
+                <a:lstStyle/>
+                <a:p>
+                  <a:pPr algn="ctr"/>
+                  <a:r>
+                    <a:rPr lang="en-US" altLang="zh-CN" sz="1200" dirty="0"/>
+                    <a:t>user1</a:t>
+                  </a:r>
+                </a:p>
+              </p:txBody>
+            </p:sp>
+          </p:grpSp>
+          <p:cxnSp>
+            <p:nvCxnSpPr>
+              <p:cNvPr id="43" name="连接符: 肘形 42">
+                <a:extLst>
+                  <a:ext uri="{FF2B5EF4-FFF2-40B4-BE49-F238E27FC236}">
+                    <a16:creationId xmlns:a16="http://schemas.microsoft.com/office/drawing/2014/main" id="{F8C4D271-0E44-4B07-A91A-05983A59BF8D}"/>
+                  </a:ext>
+                </a:extLst>
+              </p:cNvPr>
+              <p:cNvCxnSpPr>
+                <a:cxnSpLocks/>
+                <a:stCxn id="9" idx="3"/>
+                <a:endCxn id="45" idx="0"/>
+              </p:cNvCxnSpPr>
+              <p:nvPr/>
+            </p:nvCxnSpPr>
+            <p:spPr>
+              <a:xfrm>
+                <a:off x="7942555" y="1073449"/>
+                <a:ext cx="2286257" cy="301955"/>
+              </a:xfrm>
+              <a:prstGeom prst="bentConnector2">
+                <a:avLst/>
+              </a:prstGeom>
+              <a:ln>
+                <a:tailEnd type="triangle"/>
+              </a:ln>
+            </p:spPr>
+            <p:style>
+              <a:lnRef idx="1">
+                <a:schemeClr val="accent1"/>
+              </a:lnRef>
+              <a:fillRef idx="0">
+                <a:schemeClr val="accent1"/>
+              </a:fillRef>
+              <a:effectRef idx="0">
+                <a:schemeClr val="accent1"/>
+              </a:effectRef>
+              <a:fontRef idx="minor">
+                <a:schemeClr val="tx1"/>
+              </a:fontRef>
+            </p:style>
+          </p:cxnSp>
+          <p:cxnSp>
+            <p:nvCxnSpPr>
+              <p:cNvPr id="46" name="直接箭头连接符 45">
+                <a:extLst>
+                  <a:ext uri="{FF2B5EF4-FFF2-40B4-BE49-F238E27FC236}">
+                    <a16:creationId xmlns:a16="http://schemas.microsoft.com/office/drawing/2014/main" id="{1796C92D-6632-498B-B60A-E9983D587A9D}"/>
+                  </a:ext>
+                </a:extLst>
+              </p:cNvPr>
+              <p:cNvCxnSpPr>
+                <a:cxnSpLocks/>
+                <a:stCxn id="45" idx="1"/>
+                <a:endCxn id="17" idx="3"/>
+              </p:cNvCxnSpPr>
+              <p:nvPr/>
+            </p:nvCxnSpPr>
+            <p:spPr>
+              <a:xfrm flipH="1">
+                <a:off x="4400615" y="1536914"/>
+                <a:ext cx="5047919" cy="0"/>
+              </a:xfrm>
+              <a:prstGeom prst="straightConnector1">
+                <a:avLst/>
+              </a:prstGeom>
+              <a:ln>
+                <a:tailEnd type="triangle"/>
+              </a:ln>
+            </p:spPr>
+            <p:style>
+              <a:lnRef idx="1">
+                <a:schemeClr val="accent1"/>
+              </a:lnRef>
+              <a:fillRef idx="0">
+                <a:schemeClr val="accent1"/>
+              </a:fillRef>
+              <a:effectRef idx="0">
+                <a:schemeClr val="accent1"/>
+              </a:effectRef>
+              <a:fontRef idx="minor">
+                <a:schemeClr val="tx1"/>
+              </a:fontRef>
+            </p:style>
+          </p:cxnSp>
+          <p:sp>
+            <p:nvSpPr>
+              <p:cNvPr id="54" name="文本框 53">
+                <a:extLst>
+                  <a:ext uri="{FF2B5EF4-FFF2-40B4-BE49-F238E27FC236}">
+                    <a16:creationId xmlns:a16="http://schemas.microsoft.com/office/drawing/2014/main" id="{08634D36-AC53-4E01-9B29-5ADAB651CEC1}"/>
+                  </a:ext>
+                </a:extLst>
+              </p:cNvPr>
+              <p:cNvSpPr txBox="1"/>
+              <p:nvPr/>
+            </p:nvSpPr>
+            <p:spPr>
+              <a:xfrm>
+                <a:off x="6156778" y="1336859"/>
+                <a:ext cx="1510350" cy="400110"/>
+              </a:xfrm>
+              <a:prstGeom prst="rect">
+                <a:avLst/>
+              </a:prstGeom>
+              <a:noFill/>
+            </p:spPr>
+            <p:txBody>
+              <a:bodyPr wrap="none" rtlCol="0">
+                <a:spAutoFit/>
+              </a:bodyPr>
+              <a:lstStyle/>
+              <a:p>
+                <a:r>
+                  <a:rPr lang="zh-CN" altLang="en-US" sz="1000" dirty="0"/>
+                  <a:t>局部变量</a:t>
+                </a:r>
+                <a:r>
+                  <a:rPr lang="en-US" altLang="zh-CN" sz="1000" dirty="0"/>
+                  <a:t>user1</a:t>
+                </a:r>
+                <a:r>
+                  <a:rPr lang="zh-CN" altLang="en-US" sz="1000" dirty="0"/>
+                  <a:t>指针指向</a:t>
+                </a:r>
+                <a:endParaRPr lang="en-US" altLang="zh-CN" sz="1000" dirty="0"/>
+              </a:p>
+              <a:p>
+                <a:r>
+                  <a:rPr lang="zh-CN" altLang="en-US" sz="1000" dirty="0"/>
+                  <a:t>堆中对象的实例</a:t>
+                </a:r>
+              </a:p>
+            </p:txBody>
+          </p:sp>
+          <p:sp>
+            <p:nvSpPr>
+              <p:cNvPr id="61" name="文本框 60">
+                <a:extLst>
+                  <a:ext uri="{FF2B5EF4-FFF2-40B4-BE49-F238E27FC236}">
+                    <a16:creationId xmlns:a16="http://schemas.microsoft.com/office/drawing/2014/main" id="{D558D7F8-2A38-4F83-AF3C-ED3994D70856}"/>
+                  </a:ext>
+                </a:extLst>
+              </p:cNvPr>
+              <p:cNvSpPr txBox="1"/>
+              <p:nvPr/>
+            </p:nvSpPr>
+            <p:spPr>
+              <a:xfrm>
+                <a:off x="4597753" y="873391"/>
+                <a:ext cx="1484702" cy="400110"/>
+              </a:xfrm>
+              <a:prstGeom prst="rect">
+                <a:avLst/>
+              </a:prstGeom>
+              <a:noFill/>
+            </p:spPr>
+            <p:txBody>
+              <a:bodyPr wrap="none" rtlCol="0">
+                <a:spAutoFit/>
+              </a:bodyPr>
+              <a:lstStyle/>
+              <a:p>
+                <a:r>
+                  <a:rPr lang="zh-CN" altLang="en-US" sz="1000" dirty="0"/>
+                  <a:t>新</a:t>
+                </a:r>
+                <a:r>
+                  <a:rPr lang="en-US" altLang="zh-CN" sz="1000" dirty="0"/>
+                  <a:t>new</a:t>
+                </a:r>
+                <a:r>
+                  <a:rPr lang="zh-CN" altLang="en-US" sz="1000" dirty="0"/>
+                  <a:t>的对象实例数据</a:t>
+                </a:r>
+                <a:endParaRPr lang="en-US" altLang="zh-CN" sz="1000" dirty="0"/>
+              </a:p>
+              <a:p>
+                <a:r>
+                  <a:rPr lang="zh-CN" altLang="en-US" sz="1000" dirty="0"/>
+                  <a:t>存放在堆中的</a:t>
+                </a:r>
+                <a:r>
+                  <a:rPr lang="en-US" altLang="zh-CN" sz="1000" dirty="0"/>
+                  <a:t>Eden</a:t>
+                </a:r>
+                <a:r>
+                  <a:rPr lang="zh-CN" altLang="en-US" sz="1000" dirty="0"/>
+                  <a:t>区域</a:t>
+                </a:r>
+              </a:p>
+            </p:txBody>
+          </p:sp>
+          <p:sp>
+            <p:nvSpPr>
+              <p:cNvPr id="62" name="文本框 61">
+                <a:extLst>
+                  <a:ext uri="{FF2B5EF4-FFF2-40B4-BE49-F238E27FC236}">
+                    <a16:creationId xmlns:a16="http://schemas.microsoft.com/office/drawing/2014/main" id="{C88A6E63-2D43-46C5-ABA7-8BED262F6862}"/>
+                  </a:ext>
+                </a:extLst>
+              </p:cNvPr>
+              <p:cNvSpPr txBox="1"/>
+              <p:nvPr/>
+            </p:nvSpPr>
+            <p:spPr>
+              <a:xfrm>
+                <a:off x="8002081" y="856427"/>
+                <a:ext cx="1180131" cy="400110"/>
+              </a:xfrm>
+              <a:prstGeom prst="rect">
+                <a:avLst/>
+              </a:prstGeom>
+              <a:noFill/>
+            </p:spPr>
+            <p:txBody>
+              <a:bodyPr wrap="none" rtlCol="0">
+                <a:spAutoFit/>
+              </a:bodyPr>
+              <a:lstStyle/>
+              <a:p>
+                <a:r>
+                  <a:rPr lang="zh-CN" altLang="en-US" sz="1000" dirty="0"/>
+                  <a:t>新</a:t>
+                </a:r>
+                <a:r>
+                  <a:rPr lang="en-US" altLang="zh-CN" sz="1000" dirty="0"/>
+                  <a:t>new</a:t>
+                </a:r>
+                <a:r>
+                  <a:rPr lang="zh-CN" altLang="en-US" sz="1000" dirty="0"/>
+                  <a:t>的局部变量</a:t>
+                </a:r>
+                <a:endParaRPr lang="en-US" altLang="zh-CN" sz="1000" dirty="0"/>
+              </a:p>
+              <a:p>
+                <a:r>
+                  <a:rPr lang="en-US" altLang="zh-CN" sz="1000" dirty="0"/>
+                  <a:t>user1</a:t>
+                </a:r>
+                <a:r>
+                  <a:rPr lang="zh-CN" altLang="en-US" sz="1000" dirty="0"/>
+                  <a:t>存放在栈中</a:t>
+                </a:r>
+              </a:p>
+            </p:txBody>
+          </p:sp>
+          <p:sp>
+            <p:nvSpPr>
+              <p:cNvPr id="65" name="矩形: 圆角 64">
+                <a:extLst>
+                  <a:ext uri="{FF2B5EF4-FFF2-40B4-BE49-F238E27FC236}">
+                    <a16:creationId xmlns:a16="http://schemas.microsoft.com/office/drawing/2014/main" id="{F5D374C2-3B4C-4EED-ACE5-BF2E5BA62103}"/>
+                  </a:ext>
+                </a:extLst>
+              </p:cNvPr>
+              <p:cNvSpPr/>
+              <p:nvPr/>
+            </p:nvSpPr>
+            <p:spPr>
+              <a:xfrm>
+                <a:off x="2861028" y="3374277"/>
+                <a:ext cx="1560556" cy="323020"/>
+              </a:xfrm>
+              <a:prstGeom prst="roundRect">
+                <a:avLst/>
+              </a:prstGeom>
+            </p:spPr>
+            <p:style>
+              <a:lnRef idx="1">
+                <a:schemeClr val="accent6"/>
+              </a:lnRef>
+              <a:fillRef idx="3">
+                <a:schemeClr val="accent6"/>
+              </a:fillRef>
+              <a:effectRef idx="2">
+                <a:schemeClr val="accent6"/>
+              </a:effectRef>
+              <a:fontRef idx="minor">
+                <a:schemeClr val="lt1"/>
+              </a:fontRef>
+            </p:style>
+            <p:txBody>
+              <a:bodyPr rtlCol="0" anchor="ctr"/>
+              <a:lstStyle/>
+              <a:p>
+                <a:pPr algn="ctr"/>
+                <a:r>
+                  <a:rPr lang="en-US" altLang="zh-CN" sz="1200" dirty="0"/>
+                  <a:t>Employee {age=20}</a:t>
+                </a:r>
+              </a:p>
+            </p:txBody>
+          </p:sp>
+          <p:sp>
+            <p:nvSpPr>
+              <p:cNvPr id="66" name="矩形: 圆角 65">
+                <a:extLst>
+                  <a:ext uri="{FF2B5EF4-FFF2-40B4-BE49-F238E27FC236}">
+                    <a16:creationId xmlns:a16="http://schemas.microsoft.com/office/drawing/2014/main" id="{443B33C8-FE0D-45D2-AAF2-15374577653C}"/>
+                  </a:ext>
+                </a:extLst>
+              </p:cNvPr>
+              <p:cNvSpPr/>
+              <p:nvPr/>
+            </p:nvSpPr>
+            <p:spPr>
+              <a:xfrm>
+                <a:off x="2861028" y="3812712"/>
+                <a:ext cx="1560556" cy="323020"/>
+              </a:xfrm>
+              <a:prstGeom prst="roundRect">
+                <a:avLst/>
+              </a:prstGeom>
+            </p:spPr>
+            <p:style>
+              <a:lnRef idx="1">
+                <a:schemeClr val="accent6"/>
+              </a:lnRef>
+              <a:fillRef idx="3">
+                <a:schemeClr val="accent6"/>
+              </a:fillRef>
+              <a:effectRef idx="2">
+                <a:schemeClr val="accent6"/>
+              </a:effectRef>
+              <a:fontRef idx="minor">
+                <a:schemeClr val="lt1"/>
+              </a:fontRef>
+            </p:style>
+            <p:txBody>
+              <a:bodyPr rtlCol="0" anchor="ctr"/>
+              <a:lstStyle/>
+              <a:p>
+                <a:pPr algn="ctr"/>
+                <a:r>
+                  <a:rPr lang="en-US" altLang="zh-CN" sz="1200" dirty="0"/>
+                  <a:t>[1,2,3,4,5]</a:t>
+                </a:r>
+              </a:p>
+            </p:txBody>
+          </p:sp>
+          <p:sp>
+            <p:nvSpPr>
+              <p:cNvPr id="71" name="文本框 70">
+                <a:extLst>
+                  <a:ext uri="{FF2B5EF4-FFF2-40B4-BE49-F238E27FC236}">
+                    <a16:creationId xmlns:a16="http://schemas.microsoft.com/office/drawing/2014/main" id="{9A91630B-8B6D-44E1-BAF4-63F68D3B1DC2}"/>
+                  </a:ext>
+                </a:extLst>
+              </p:cNvPr>
+              <p:cNvSpPr txBox="1"/>
+              <p:nvPr/>
+            </p:nvSpPr>
+            <p:spPr>
+              <a:xfrm>
+                <a:off x="2707660" y="888552"/>
+                <a:ext cx="585417" cy="307777"/>
+              </a:xfrm>
+              <a:prstGeom prst="rect">
+                <a:avLst/>
+              </a:prstGeom>
+              <a:noFill/>
+            </p:spPr>
+            <p:txBody>
+              <a:bodyPr wrap="none" rtlCol="0">
+                <a:spAutoFit/>
+              </a:bodyPr>
+              <a:lstStyle/>
+              <a:p>
+                <a:r>
+                  <a:rPr lang="en-US" altLang="zh-CN" sz="1400" b="1" dirty="0"/>
+                  <a:t>Eden</a:t>
+                </a:r>
+                <a:endParaRPr lang="zh-CN" altLang="en-US" sz="1400" b="1" dirty="0"/>
+              </a:p>
+            </p:txBody>
+          </p:sp>
+          <p:sp>
+            <p:nvSpPr>
+              <p:cNvPr id="77" name="文本框 76">
+                <a:extLst>
+                  <a:ext uri="{FF2B5EF4-FFF2-40B4-BE49-F238E27FC236}">
+                    <a16:creationId xmlns:a16="http://schemas.microsoft.com/office/drawing/2014/main" id="{B1224A4B-B2A6-4608-98A4-FB1F70ACFE12}"/>
+                  </a:ext>
+                </a:extLst>
+              </p:cNvPr>
+              <p:cNvSpPr txBox="1"/>
+              <p:nvPr/>
+            </p:nvSpPr>
+            <p:spPr>
+              <a:xfrm>
+                <a:off x="2706027" y="2060067"/>
+                <a:ext cx="922047" cy="307777"/>
+              </a:xfrm>
+              <a:prstGeom prst="rect">
+                <a:avLst/>
+              </a:prstGeom>
+              <a:noFill/>
+            </p:spPr>
+            <p:txBody>
+              <a:bodyPr wrap="none" rtlCol="0">
+                <a:spAutoFit/>
+              </a:bodyPr>
+              <a:lstStyle/>
+              <a:p>
+                <a:r>
+                  <a:rPr lang="en-US" altLang="zh-CN" sz="1400" b="1" dirty="0"/>
+                  <a:t>From(S0)</a:t>
+                </a:r>
+                <a:endParaRPr lang="zh-CN" altLang="en-US" sz="1400" b="1" dirty="0"/>
+              </a:p>
+            </p:txBody>
+          </p:sp>
+          <p:sp>
+            <p:nvSpPr>
+              <p:cNvPr id="78" name="文本框 77">
+                <a:extLst>
+                  <a:ext uri="{FF2B5EF4-FFF2-40B4-BE49-F238E27FC236}">
+                    <a16:creationId xmlns:a16="http://schemas.microsoft.com/office/drawing/2014/main" id="{0EDE7B4D-FA88-4AB5-AE8C-E580F955D9B5}"/>
+                  </a:ext>
+                </a:extLst>
+              </p:cNvPr>
+              <p:cNvSpPr txBox="1"/>
+              <p:nvPr/>
+            </p:nvSpPr>
+            <p:spPr>
+              <a:xfrm>
+                <a:off x="2708494" y="2612422"/>
+                <a:ext cx="707245" cy="307777"/>
+              </a:xfrm>
+              <a:prstGeom prst="rect">
+                <a:avLst/>
+              </a:prstGeom>
+              <a:noFill/>
+            </p:spPr>
+            <p:txBody>
+              <a:bodyPr wrap="none" rtlCol="0">
+                <a:spAutoFit/>
+              </a:bodyPr>
+              <a:lstStyle/>
+              <a:p>
+                <a:r>
+                  <a:rPr lang="en-US" altLang="zh-CN" sz="1400" b="1" dirty="0"/>
+                  <a:t>To(S1)</a:t>
+                </a:r>
+                <a:endParaRPr lang="zh-CN" altLang="en-US" sz="1400" b="1" dirty="0"/>
+              </a:p>
+            </p:txBody>
+          </p:sp>
+          <p:sp>
+            <p:nvSpPr>
+              <p:cNvPr id="72" name="椭圆 71">
+                <a:extLst>
+                  <a:ext uri="{FF2B5EF4-FFF2-40B4-BE49-F238E27FC236}">
+                    <a16:creationId xmlns:a16="http://schemas.microsoft.com/office/drawing/2014/main" id="{F60780E2-1308-41D1-8EFA-EB6BF65D8FE8}"/>
+                  </a:ext>
+                </a:extLst>
+              </p:cNvPr>
+              <p:cNvSpPr/>
+              <p:nvPr/>
+            </p:nvSpPr>
+            <p:spPr>
+              <a:xfrm>
+                <a:off x="6652556" y="2858181"/>
+                <a:ext cx="769179" cy="726162"/>
+              </a:xfrm>
+              <a:prstGeom prst="ellipse">
+                <a:avLst/>
+              </a:prstGeom>
+            </p:spPr>
+            <p:style>
+              <a:lnRef idx="2">
+                <a:schemeClr val="accent1">
+                  <a:shade val="50000"/>
+                </a:schemeClr>
+              </a:lnRef>
+              <a:fillRef idx="1">
+                <a:schemeClr val="accent1"/>
+              </a:fillRef>
+              <a:effectRef idx="0">
+                <a:schemeClr val="accent1"/>
+              </a:effectRef>
+              <a:fontRef idx="minor">
+                <a:schemeClr val="lt1"/>
+              </a:fontRef>
+            </p:style>
+            <p:txBody>
+              <a:bodyPr rtlCol="0" anchor="ctr"/>
+              <a:lstStyle/>
+              <a:p>
+                <a:pPr algn="ctr"/>
+                <a:r>
+                  <a:rPr lang="en-US" altLang="zh-CN" dirty="0"/>
+                  <a:t>GC</a:t>
+                </a:r>
+                <a:endParaRPr lang="zh-CN" altLang="en-US" dirty="0"/>
+              </a:p>
+            </p:txBody>
+          </p:sp>
+          <p:cxnSp>
+            <p:nvCxnSpPr>
+              <p:cNvPr id="75" name="连接符: 肘形 74">
+                <a:extLst>
+                  <a:ext uri="{FF2B5EF4-FFF2-40B4-BE49-F238E27FC236}">
+                    <a16:creationId xmlns:a16="http://schemas.microsoft.com/office/drawing/2014/main" id="{638D0A4A-7294-4182-93C3-D7C2B2E96145}"/>
+                  </a:ext>
+                </a:extLst>
+              </p:cNvPr>
+              <p:cNvCxnSpPr>
+                <a:cxnSpLocks/>
+                <a:stCxn id="72" idx="2"/>
+              </p:cNvCxnSpPr>
+              <p:nvPr/>
+            </p:nvCxnSpPr>
+            <p:spPr>
+              <a:xfrm rot="10800000" flipV="1">
+                <a:off x="4555622" y="3221262"/>
+                <a:ext cx="2096935" cy="908616"/>
+              </a:xfrm>
+              <a:prstGeom prst="bentConnector3">
+                <a:avLst/>
+              </a:prstGeom>
+              <a:ln>
+                <a:tailEnd type="triangle"/>
+              </a:ln>
+            </p:spPr>
+            <p:style>
+              <a:lnRef idx="1">
+                <a:schemeClr val="accent1"/>
+              </a:lnRef>
+              <a:fillRef idx="0">
+                <a:schemeClr val="accent1"/>
+              </a:fillRef>
+              <a:effectRef idx="0">
+                <a:schemeClr val="accent1"/>
+              </a:effectRef>
+              <a:fontRef idx="minor">
+                <a:schemeClr val="tx1"/>
+              </a:fontRef>
+            </p:style>
+          </p:cxnSp>
+          <p:sp>
+            <p:nvSpPr>
+              <p:cNvPr id="88" name="文本框 87">
+                <a:extLst>
+                  <a:ext uri="{FF2B5EF4-FFF2-40B4-BE49-F238E27FC236}">
+                    <a16:creationId xmlns:a16="http://schemas.microsoft.com/office/drawing/2014/main" id="{77FECEFD-81B0-4A31-91DC-25D9889082C9}"/>
+                  </a:ext>
+                </a:extLst>
+              </p:cNvPr>
+              <p:cNvSpPr txBox="1"/>
+              <p:nvPr/>
+            </p:nvSpPr>
+            <p:spPr>
+              <a:xfrm>
+                <a:off x="4695102" y="3285704"/>
+                <a:ext cx="1957452" cy="1323439"/>
+              </a:xfrm>
+              <a:prstGeom prst="rect">
+                <a:avLst/>
+              </a:prstGeom>
+              <a:noFill/>
+            </p:spPr>
+            <p:txBody>
+              <a:bodyPr wrap="square" rtlCol="0">
+                <a:spAutoFit/>
+              </a:bodyPr>
+              <a:lstStyle/>
+              <a:p>
+                <a:r>
+                  <a:rPr lang="zh-CN" altLang="en-US" sz="1000" b="1" dirty="0"/>
+                  <a:t>分代收集算法</a:t>
+                </a:r>
+                <a:endParaRPr lang="en-US" altLang="zh-CN" sz="1000" dirty="0"/>
+              </a:p>
+              <a:p>
+                <a:r>
+                  <a:rPr lang="zh-CN" altLang="en-US" sz="1000" dirty="0"/>
+                  <a:t>每次</a:t>
+                </a:r>
+                <a:r>
+                  <a:rPr lang="en-US" altLang="zh-CN" sz="1000" dirty="0"/>
+                  <a:t>GC</a:t>
+                </a:r>
+                <a:r>
+                  <a:rPr lang="zh-CN" altLang="en-US" sz="1000" dirty="0"/>
+                  <a:t>一次新生代，判断对象有没有被引用如果对象被引用则年龄</a:t>
+                </a:r>
+                <a:r>
+                  <a:rPr lang="en-US" altLang="zh-CN" sz="1000" dirty="0"/>
+                  <a:t>+1,</a:t>
+                </a:r>
+                <a:r>
+                  <a:rPr lang="zh-CN" altLang="en-US" sz="1000" dirty="0"/>
+                  <a:t>达到一定年龄后对象被存放到老年代</a:t>
+                </a:r>
+                <a:endParaRPr lang="en-US" altLang="zh-CN" sz="1000" dirty="0"/>
+              </a:p>
+              <a:p>
+                <a:endParaRPr lang="en-US" altLang="zh-CN" sz="1000" dirty="0"/>
+              </a:p>
+              <a:p>
+                <a:r>
+                  <a:rPr lang="zh-CN" altLang="en-US" sz="1000" dirty="0"/>
+                  <a:t>经过</a:t>
+                </a:r>
+                <a:r>
+                  <a:rPr lang="en-US" altLang="zh-CN" sz="1000" dirty="0"/>
+                  <a:t>N</a:t>
+                </a:r>
+                <a:r>
+                  <a:rPr lang="zh-CN" altLang="en-US" sz="1000" dirty="0"/>
+                  <a:t>次</a:t>
+                </a:r>
+                <a:r>
+                  <a:rPr lang="en-US" altLang="zh-CN" sz="1000" dirty="0"/>
+                  <a:t>GC</a:t>
+                </a:r>
+                <a:r>
+                  <a:rPr lang="zh-CN" altLang="en-US" sz="1000" dirty="0"/>
+                  <a:t>后比较稳定的</a:t>
+                </a:r>
+                <a:endParaRPr lang="en-US" altLang="zh-CN" sz="1000" dirty="0"/>
+              </a:p>
+              <a:p>
+                <a:r>
+                  <a:rPr lang="zh-CN" altLang="en-US" sz="1000" dirty="0"/>
+                  <a:t>对象实例存放在老年代</a:t>
+                </a:r>
+              </a:p>
+            </p:txBody>
+          </p:sp>
+          <p:cxnSp>
+            <p:nvCxnSpPr>
+              <p:cNvPr id="80" name="连接符: 肘形 79">
+                <a:extLst>
+                  <a:ext uri="{FF2B5EF4-FFF2-40B4-BE49-F238E27FC236}">
+                    <a16:creationId xmlns:a16="http://schemas.microsoft.com/office/drawing/2014/main" id="{4F16B0A7-4D68-47F0-BFD1-59438474A488}"/>
+                  </a:ext>
+                </a:extLst>
+              </p:cNvPr>
+              <p:cNvCxnSpPr>
+                <a:cxnSpLocks/>
+                <a:stCxn id="72" idx="0"/>
+                <a:endCxn id="93" idx="3"/>
+              </p:cNvCxnSpPr>
+              <p:nvPr/>
+            </p:nvCxnSpPr>
+            <p:spPr>
+              <a:xfrm rot="16200000" flipV="1">
+                <a:off x="6034035" y="1855069"/>
+                <a:ext cx="234073" cy="1772151"/>
+              </a:xfrm>
+              <a:prstGeom prst="bentConnector2">
+                <a:avLst/>
+              </a:prstGeom>
+              <a:ln>
+                <a:tailEnd type="triangle"/>
+              </a:ln>
+            </p:spPr>
+            <p:style>
+              <a:lnRef idx="1">
+                <a:schemeClr val="accent1"/>
+              </a:lnRef>
+              <a:fillRef idx="0">
+                <a:schemeClr val="accent1"/>
+              </a:fillRef>
+              <a:effectRef idx="0">
+                <a:schemeClr val="accent1"/>
+              </a:effectRef>
+              <a:fontRef idx="minor">
+                <a:schemeClr val="tx1"/>
+              </a:fontRef>
+            </p:style>
+          </p:cxnSp>
+          <p:cxnSp>
+            <p:nvCxnSpPr>
+              <p:cNvPr id="83" name="连接符: 肘形 82">
+                <a:extLst>
+                  <a:ext uri="{FF2B5EF4-FFF2-40B4-BE49-F238E27FC236}">
+                    <a16:creationId xmlns:a16="http://schemas.microsoft.com/office/drawing/2014/main" id="{CBC69032-A714-4F12-A652-A5EBDF313068}"/>
+                  </a:ext>
+                </a:extLst>
+              </p:cNvPr>
+              <p:cNvCxnSpPr>
+                <a:cxnSpLocks/>
+              </p:cNvCxnSpPr>
+              <p:nvPr/>
+            </p:nvCxnSpPr>
+            <p:spPr>
+              <a:xfrm rot="16200000" flipV="1">
+                <a:off x="6014208" y="1870755"/>
+                <a:ext cx="273726" cy="1772150"/>
+              </a:xfrm>
+              <a:prstGeom prst="bentConnector2">
+                <a:avLst/>
+              </a:prstGeom>
+              <a:ln>
+                <a:tailEnd type="triangle"/>
+              </a:ln>
+            </p:spPr>
+            <p:style>
+              <a:lnRef idx="1">
+                <a:schemeClr val="accent1"/>
+              </a:lnRef>
+              <a:fillRef idx="0">
+                <a:schemeClr val="accent1"/>
+              </a:fillRef>
+              <a:effectRef idx="0">
+                <a:schemeClr val="accent1"/>
+              </a:effectRef>
+              <a:fontRef idx="minor">
+                <a:schemeClr val="tx1"/>
+              </a:fontRef>
+            </p:style>
+          </p:cxnSp>
+          <p:pic>
+            <p:nvPicPr>
+              <p:cNvPr id="93" name="图片 92">
+                <a:extLst>
+                  <a:ext uri="{FF2B5EF4-FFF2-40B4-BE49-F238E27FC236}">
+                    <a16:creationId xmlns:a16="http://schemas.microsoft.com/office/drawing/2014/main" id="{874C0BA4-21A4-4159-8A04-426D6AF5C7F1}"/>
+                  </a:ext>
+                </a:extLst>
+              </p:cNvPr>
+              <p:cNvPicPr>
+                <a:picLocks noChangeAspect="1"/>
+              </p:cNvPicPr>
+              <p:nvPr/>
+            </p:nvPicPr>
+            <p:blipFill>
+              <a:blip r:embed="rId3">
+                <a:extLst>
+                  <a:ext uri="{28A0092B-C50C-407E-A947-70E740481C1C}">
+                    <a14:useLocalDpi xmlns:a14="http://schemas.microsoft.com/office/drawing/2010/main" val="0"/>
+                  </a:ext>
+                </a:extLst>
+              </a:blip>
+              <a:stretch>
+                <a:fillRect/>
+              </a:stretch>
+            </p:blipFill>
+            <p:spPr>
+              <a:xfrm>
+                <a:off x="4940205" y="2461713"/>
+                <a:ext cx="324790" cy="324790"/>
+              </a:xfrm>
+              <a:prstGeom prst="rect">
+                <a:avLst/>
+              </a:prstGeom>
+            </p:spPr>
+          </p:pic>
+          <p:sp>
+            <p:nvSpPr>
+              <p:cNvPr id="95" name="矩形 94">
+                <a:extLst>
+                  <a:ext uri="{FF2B5EF4-FFF2-40B4-BE49-F238E27FC236}">
+                    <a16:creationId xmlns:a16="http://schemas.microsoft.com/office/drawing/2014/main" id="{17709567-6967-47C2-93EF-10516E52C4D6}"/>
+                  </a:ext>
+                </a:extLst>
+              </p:cNvPr>
+              <p:cNvSpPr/>
+              <p:nvPr/>
+            </p:nvSpPr>
+            <p:spPr>
+              <a:xfrm>
+                <a:off x="2716536" y="6015213"/>
+                <a:ext cx="1822645" cy="323020"/>
+              </a:xfrm>
+              <a:prstGeom prst="rect">
+                <a:avLst/>
+              </a:prstGeom>
+            </p:spPr>
+            <p:style>
+              <a:lnRef idx="1">
+                <a:schemeClr val="dk1"/>
+              </a:lnRef>
+              <a:fillRef idx="2">
+                <a:schemeClr val="dk1"/>
+              </a:fillRef>
+              <a:effectRef idx="1">
+                <a:schemeClr val="dk1"/>
+              </a:effectRef>
+              <a:fontRef idx="minor">
+                <a:schemeClr val="dk1"/>
+              </a:fontRef>
+            </p:style>
+            <p:txBody>
+              <a:bodyPr rtlCol="0" anchor="ctr"/>
+              <a:lstStyle/>
+              <a:p>
+                <a:pPr algn="ctr"/>
+                <a:r>
+                  <a:rPr lang="zh-CN" altLang="en-US" sz="1200" dirty="0"/>
+                  <a:t>空闲指针区</a:t>
+                </a:r>
+              </a:p>
+            </p:txBody>
+          </p:sp>
+          <p:cxnSp>
+            <p:nvCxnSpPr>
+              <p:cNvPr id="97" name="连接符: 肘形 96">
+                <a:extLst>
+                  <a:ext uri="{FF2B5EF4-FFF2-40B4-BE49-F238E27FC236}">
+                    <a16:creationId xmlns:a16="http://schemas.microsoft.com/office/drawing/2014/main" id="{4E675698-FBC8-4416-B5A3-F1A05B271049}"/>
+                  </a:ext>
+                </a:extLst>
+              </p:cNvPr>
+              <p:cNvCxnSpPr>
+                <a:cxnSpLocks/>
+                <a:stCxn id="72" idx="4"/>
+                <a:endCxn id="95" idx="3"/>
+              </p:cNvCxnSpPr>
+              <p:nvPr/>
+            </p:nvCxnSpPr>
+            <p:spPr>
+              <a:xfrm rot="5400000">
+                <a:off x="4491974" y="3631551"/>
+                <a:ext cx="2592380" cy="2497965"/>
+              </a:xfrm>
+              <a:prstGeom prst="bentConnector2">
+                <a:avLst/>
+              </a:prstGeom>
+              <a:ln>
+                <a:tailEnd type="triangle"/>
+              </a:ln>
+            </p:spPr>
+            <p:style>
+              <a:lnRef idx="1">
+                <a:schemeClr val="accent1"/>
+              </a:lnRef>
+              <a:fillRef idx="0">
+                <a:schemeClr val="accent1"/>
+              </a:fillRef>
+              <a:effectRef idx="0">
+                <a:schemeClr val="accent1"/>
+              </a:effectRef>
+              <a:fontRef idx="minor">
+                <a:schemeClr val="tx1"/>
+              </a:fontRef>
+            </p:style>
+          </p:cxnSp>
+          <p:sp>
+            <p:nvSpPr>
+              <p:cNvPr id="98" name="文本框 97">
+                <a:extLst>
+                  <a:ext uri="{FF2B5EF4-FFF2-40B4-BE49-F238E27FC236}">
+                    <a16:creationId xmlns:a16="http://schemas.microsoft.com/office/drawing/2014/main" id="{05902906-36FD-41F3-923E-C81A72133851}"/>
+                  </a:ext>
+                </a:extLst>
+              </p:cNvPr>
+              <p:cNvSpPr txBox="1"/>
+              <p:nvPr/>
+            </p:nvSpPr>
+            <p:spPr>
+              <a:xfrm>
+                <a:off x="4704787" y="5268690"/>
+                <a:ext cx="2266967" cy="1169551"/>
+              </a:xfrm>
+              <a:prstGeom prst="rect">
+                <a:avLst/>
+              </a:prstGeom>
+              <a:noFill/>
+            </p:spPr>
+            <p:txBody>
+              <a:bodyPr wrap="square" rtlCol="0">
+                <a:spAutoFit/>
+              </a:bodyPr>
+              <a:lstStyle/>
+              <a:p>
+                <a:r>
+                  <a:rPr lang="zh-CN" altLang="en-US" sz="1000" b="1" dirty="0"/>
+                  <a:t>标记</a:t>
+                </a:r>
+                <a:r>
+                  <a:rPr lang="en-US" altLang="zh-CN" sz="1000" b="1" dirty="0"/>
+                  <a:t>-</a:t>
+                </a:r>
+                <a:r>
+                  <a:rPr lang="zh-CN" altLang="en-US" sz="1000" b="1" dirty="0"/>
+                  <a:t>整理算法</a:t>
+                </a:r>
+                <a:r>
+                  <a:rPr lang="en-US" altLang="zh-CN" sz="1000" b="1" dirty="0"/>
+                  <a:t>(Mark-compact)</a:t>
+                </a:r>
+              </a:p>
+              <a:p>
+                <a:r>
+                  <a:rPr lang="en-US" altLang="zh-CN" sz="1000" dirty="0"/>
+                  <a:t>GC</a:t>
+                </a:r>
+                <a:r>
+                  <a:rPr lang="zh-CN" altLang="en-US" sz="1000" dirty="0"/>
+                  <a:t>在回收老年代内存区域时将空闲指针对象统一移动到一块内存区域中（通常是最后端），然后将这段区域整体回收。</a:t>
+                </a:r>
+                <a:endParaRPr lang="en-US" altLang="zh-CN" sz="1000" dirty="0"/>
+              </a:p>
+              <a:p>
+                <a:endParaRPr lang="en-US" altLang="zh-CN" sz="1000" dirty="0"/>
+              </a:p>
+              <a:p>
+                <a:r>
+                  <a:rPr lang="zh-CN" altLang="en-US" sz="1000" dirty="0"/>
+                  <a:t>解决了内存碎片问题</a:t>
+                </a:r>
+              </a:p>
+            </p:txBody>
+          </p:sp>
+          <p:cxnSp>
+            <p:nvCxnSpPr>
+              <p:cNvPr id="105" name="连接符: 肘形 104">
+                <a:extLst>
+                  <a:ext uri="{FF2B5EF4-FFF2-40B4-BE49-F238E27FC236}">
+                    <a16:creationId xmlns:a16="http://schemas.microsoft.com/office/drawing/2014/main" id="{CD618C3A-CB0B-4746-9224-359AC528E232}"/>
+                  </a:ext>
+                </a:extLst>
+              </p:cNvPr>
+              <p:cNvCxnSpPr>
+                <a:stCxn id="93" idx="1"/>
+                <a:endCxn id="10" idx="3"/>
+              </p:cNvCxnSpPr>
+              <p:nvPr/>
+            </p:nvCxnSpPr>
+            <p:spPr>
+              <a:xfrm rot="10800000">
+                <a:off x="4555617" y="2330258"/>
+                <a:ext cx="384588" cy="293851"/>
+              </a:xfrm>
+              <a:prstGeom prst="bentConnector3">
+                <a:avLst/>
+              </a:prstGeom>
+              <a:ln>
+                <a:tailEnd type="triangle"/>
+              </a:ln>
+            </p:spPr>
+            <p:style>
+              <a:lnRef idx="1">
+                <a:schemeClr val="accent1"/>
+              </a:lnRef>
+              <a:fillRef idx="0">
+                <a:schemeClr val="accent1"/>
+              </a:fillRef>
+              <a:effectRef idx="0">
+                <a:schemeClr val="accent1"/>
+              </a:effectRef>
+              <a:fontRef idx="minor">
+                <a:schemeClr val="tx1"/>
+              </a:fontRef>
+            </p:style>
+          </p:cxnSp>
+          <p:cxnSp>
+            <p:nvCxnSpPr>
+              <p:cNvPr id="107" name="连接符: 肘形 106">
+                <a:extLst>
+                  <a:ext uri="{FF2B5EF4-FFF2-40B4-BE49-F238E27FC236}">
+                    <a16:creationId xmlns:a16="http://schemas.microsoft.com/office/drawing/2014/main" id="{0ABFDF08-5EC6-43B6-94A0-A08239568451}"/>
+                  </a:ext>
+                </a:extLst>
+              </p:cNvPr>
+              <p:cNvCxnSpPr>
+                <a:stCxn id="93" idx="1"/>
+                <a:endCxn id="11" idx="3"/>
+              </p:cNvCxnSpPr>
+              <p:nvPr/>
+            </p:nvCxnSpPr>
+            <p:spPr>
+              <a:xfrm rot="10800000" flipV="1">
+                <a:off x="4555617" y="2624108"/>
+                <a:ext cx="384588" cy="287826"/>
+              </a:xfrm>
+              <a:prstGeom prst="bentConnector3">
+                <a:avLst/>
+              </a:prstGeom>
+              <a:ln>
+                <a:tailEnd type="triangle"/>
+              </a:ln>
+            </p:spPr>
+            <p:style>
+              <a:lnRef idx="1">
+                <a:schemeClr val="accent1"/>
+              </a:lnRef>
+              <a:fillRef idx="0">
+                <a:schemeClr val="accent1"/>
+              </a:fillRef>
+              <a:effectRef idx="0">
+                <a:schemeClr val="accent1"/>
+              </a:effectRef>
+              <a:fontRef idx="minor">
+                <a:schemeClr val="tx1"/>
+              </a:fontRef>
+            </p:style>
+          </p:cxnSp>
+        </p:grpSp>
+        <p:cxnSp>
+          <p:nvCxnSpPr>
+            <p:cNvPr id="112" name="连接符: 肘形 111">
+              <a:extLst>
+                <a:ext uri="{FF2B5EF4-FFF2-40B4-BE49-F238E27FC236}">
+                  <a16:creationId xmlns:a16="http://schemas.microsoft.com/office/drawing/2014/main" id="{8245DF43-FC0A-421B-97A6-F72FF1DE4F97}"/>
+                </a:ext>
+              </a:extLst>
+            </p:cNvPr>
+            <p:cNvCxnSpPr>
+              <a:cxnSpLocks/>
+              <a:stCxn id="72" idx="0"/>
+            </p:cNvCxnSpPr>
+            <p:nvPr/>
+          </p:nvCxnSpPr>
+          <p:spPr>
+            <a:xfrm rot="16200000" flipV="1">
+              <a:off x="6048142" y="1007531"/>
+              <a:ext cx="1085270" cy="2508475"/>
+            </a:xfrm>
+            <a:prstGeom prst="bentConnector2">
+              <a:avLst/>
+            </a:prstGeom>
+            <a:ln>
+              <a:tailEnd type="triangle"/>
+            </a:ln>
+          </p:spPr>
+          <p:style>
+            <a:lnRef idx="1">
+              <a:schemeClr val="accent1"/>
+            </a:lnRef>
+            <a:fillRef idx="0">
+              <a:schemeClr val="accent1"/>
+            </a:fillRef>
+            <a:effectRef idx="0">
+              <a:schemeClr val="accent1"/>
+            </a:effectRef>
+            <a:fontRef idx="minor">
+              <a:schemeClr val="tx1"/>
+            </a:fontRef>
+          </p:style>
+        </p:cxnSp>
+        <p:sp>
+          <p:nvSpPr>
+            <p:cNvPr id="118" name="文本框 117">
+              <a:extLst>
+                <a:ext uri="{FF2B5EF4-FFF2-40B4-BE49-F238E27FC236}">
+                  <a16:creationId xmlns:a16="http://schemas.microsoft.com/office/drawing/2014/main" id="{41A169E0-95BD-4325-9CFB-06F60511D628}"/>
+                </a:ext>
+              </a:extLst>
+            </p:cNvPr>
+            <p:cNvSpPr txBox="1"/>
+            <p:nvPr/>
+          </p:nvSpPr>
+          <p:spPr>
+            <a:xfrm>
+              <a:off x="8149792" y="1692600"/>
+              <a:ext cx="1700542" cy="1477328"/>
+            </a:xfrm>
+            <a:prstGeom prst="rect">
+              <a:avLst/>
+            </a:prstGeom>
+            <a:noFill/>
+          </p:spPr>
+          <p:txBody>
+            <a:bodyPr wrap="square" rtlCol="0">
+              <a:spAutoFit/>
+            </a:bodyPr>
+            <a:lstStyle/>
+            <a:p>
+              <a:r>
+                <a:rPr lang="zh-CN" altLang="en-US" sz="1000" b="1" dirty="0"/>
+                <a:t>复制算法</a:t>
+              </a:r>
+              <a:r>
+                <a:rPr lang="en-US" altLang="zh-CN" sz="1000" b="1" dirty="0"/>
+                <a:t>(Copying)</a:t>
+              </a:r>
+            </a:p>
+            <a:p>
+              <a:r>
+                <a:rPr lang="zh-CN" altLang="en-US" sz="1000" dirty="0"/>
+                <a:t>回收</a:t>
+              </a:r>
+              <a:r>
+                <a:rPr lang="en-US" altLang="zh-CN" sz="1000" dirty="0" err="1"/>
+                <a:t>eden</a:t>
+              </a:r>
+              <a:r>
+                <a:rPr lang="zh-CN" altLang="en-US" sz="1000" dirty="0"/>
+                <a:t>区中对象时先将</a:t>
+              </a:r>
+              <a:r>
+                <a:rPr lang="en-US" altLang="zh-CN" sz="1000" dirty="0" err="1"/>
+                <a:t>enden</a:t>
+              </a:r>
+              <a:r>
+                <a:rPr lang="zh-CN" altLang="en-US" sz="1000" dirty="0"/>
+                <a:t>中存活的对象复制到</a:t>
+              </a:r>
+              <a:r>
+                <a:rPr lang="en-US" altLang="zh-CN" sz="1000" dirty="0"/>
+                <a:t>S0</a:t>
+              </a:r>
+              <a:r>
+                <a:rPr lang="zh-CN" altLang="en-US" sz="1000" dirty="0"/>
+                <a:t>中，然后清空</a:t>
+              </a:r>
+              <a:r>
+                <a:rPr lang="en-US" altLang="zh-CN" sz="1000" dirty="0" err="1"/>
+                <a:t>eden</a:t>
+              </a:r>
+              <a:r>
+                <a:rPr lang="zh-CN" altLang="en-US" sz="1000" dirty="0"/>
+                <a:t>区</a:t>
+              </a:r>
+              <a:endParaRPr lang="en-US" altLang="zh-CN" sz="1000" dirty="0"/>
+            </a:p>
+            <a:p>
+              <a:r>
+                <a:rPr lang="zh-CN" altLang="en-US" sz="1000" dirty="0"/>
+                <a:t>如果</a:t>
+              </a:r>
+              <a:r>
+                <a:rPr lang="en-US" altLang="zh-CN" sz="1000" dirty="0"/>
+                <a:t>S0</a:t>
+              </a:r>
+              <a:r>
+                <a:rPr lang="zh-CN" altLang="en-US" sz="1000" dirty="0"/>
+                <a:t>区已满，则将</a:t>
+              </a:r>
+              <a:r>
+                <a:rPr lang="en-US" altLang="zh-CN" sz="1000" dirty="0" err="1"/>
+                <a:t>eden</a:t>
+              </a:r>
+              <a:r>
+                <a:rPr lang="zh-CN" altLang="en-US" sz="1000" dirty="0"/>
+                <a:t>和</a:t>
+              </a:r>
+              <a:r>
+                <a:rPr lang="en-US" altLang="zh-CN" sz="1000" dirty="0"/>
+                <a:t>S0</a:t>
+              </a:r>
+              <a:r>
+                <a:rPr lang="zh-CN" altLang="en-US" sz="1000" dirty="0"/>
+                <a:t>中存活的对象复制到</a:t>
+              </a:r>
+              <a:r>
+                <a:rPr lang="en-US" altLang="zh-CN" sz="1000" dirty="0"/>
+                <a:t>S1,</a:t>
+              </a:r>
+              <a:r>
+                <a:rPr lang="zh-CN" altLang="en-US" sz="1000" dirty="0"/>
+                <a:t>然后清空</a:t>
+              </a:r>
+              <a:r>
+                <a:rPr lang="en-US" altLang="zh-CN" sz="1000" dirty="0" err="1"/>
+                <a:t>eden</a:t>
+              </a:r>
+              <a:r>
+                <a:rPr lang="zh-CN" altLang="en-US" sz="1000" dirty="0"/>
+                <a:t>和</a:t>
+              </a:r>
+              <a:r>
+                <a:rPr lang="en-US" altLang="zh-CN" sz="1000" dirty="0"/>
+                <a:t>S0,</a:t>
+              </a:r>
+            </a:p>
+            <a:p>
+              <a:r>
+                <a:rPr lang="zh-CN" altLang="en-US" sz="1000" dirty="0"/>
+                <a:t>最后将</a:t>
+              </a:r>
+              <a:r>
+                <a:rPr lang="en-US" altLang="zh-CN" sz="1000" dirty="0"/>
+                <a:t>S0</a:t>
+              </a:r>
+              <a:r>
+                <a:rPr lang="zh-CN" altLang="en-US" sz="1000" dirty="0"/>
+                <a:t>和</a:t>
+              </a:r>
+              <a:r>
+                <a:rPr lang="en-US" altLang="zh-CN" sz="1000" dirty="0"/>
+                <a:t>S1</a:t>
+              </a:r>
+              <a:r>
+                <a:rPr lang="zh-CN" altLang="en-US" sz="1000" dirty="0"/>
+                <a:t>互换</a:t>
+              </a:r>
+              <a:endParaRPr lang="en-US" altLang="zh-CN" sz="1000" dirty="0"/>
+            </a:p>
+            <a:p>
+              <a:r>
+                <a:rPr lang="zh-CN" altLang="en-US" sz="1000" dirty="0"/>
+                <a:t>保持</a:t>
+              </a:r>
+              <a:r>
+                <a:rPr lang="en-US" altLang="zh-CN" sz="1000" dirty="0"/>
+                <a:t>S1</a:t>
+              </a:r>
+              <a:r>
+                <a:rPr lang="zh-CN" altLang="en-US" sz="1000" dirty="0"/>
+                <a:t>为空</a:t>
+              </a:r>
+            </a:p>
+          </p:txBody>
+        </p:sp>
+        <p:sp>
+          <p:nvSpPr>
+            <p:cNvPr id="47" name="矩形: 圆角 46">
+              <a:extLst>
+                <a:ext uri="{FF2B5EF4-FFF2-40B4-BE49-F238E27FC236}">
+                  <a16:creationId xmlns:a16="http://schemas.microsoft.com/office/drawing/2014/main" id="{16ED9D3C-DE15-4656-AC2A-E09AB601F82E}"/>
+                </a:ext>
+              </a:extLst>
+            </p:cNvPr>
+            <p:cNvSpPr/>
+            <p:nvPr/>
+          </p:nvSpPr>
+          <p:spPr>
+            <a:xfrm>
+              <a:off x="10219157" y="3702187"/>
+              <a:ext cx="1560556" cy="323020"/>
+            </a:xfrm>
+            <a:prstGeom prst="roundRect">
+              <a:avLst/>
+            </a:prstGeom>
+          </p:spPr>
+          <p:style>
+            <a:lnRef idx="1">
+              <a:schemeClr val="accent6"/>
+            </a:lnRef>
+            <a:fillRef idx="3">
+              <a:schemeClr val="accent6"/>
+            </a:fillRef>
+            <a:effectRef idx="2">
+              <a:schemeClr val="accent6"/>
+            </a:effectRef>
+            <a:fontRef idx="minor">
+              <a:schemeClr val="lt1"/>
+            </a:fontRef>
+          </p:style>
+          <p:txBody>
+            <a:bodyPr rtlCol="0" anchor="ctr"/>
+            <a:lstStyle/>
+            <a:p>
+              <a:pPr algn="ctr"/>
+              <a:r>
+                <a:rPr lang="en-US" altLang="zh-CN" sz="1200" dirty="0"/>
+                <a:t>int  </a:t>
+              </a:r>
+              <a:r>
+                <a:rPr lang="en-US" altLang="zh-CN" sz="1200" dirty="0" err="1"/>
+                <a:t>i</a:t>
+              </a:r>
+              <a:r>
+                <a:rPr lang="en-US" altLang="zh-CN" sz="1200" dirty="0"/>
+                <a:t>=0;</a:t>
+              </a:r>
+            </a:p>
+          </p:txBody>
+        </p:sp>
+        <p:cxnSp>
+          <p:nvCxnSpPr>
+            <p:cNvPr id="14" name="连接符: 肘形 13">
+              <a:extLst>
+                <a:ext uri="{FF2B5EF4-FFF2-40B4-BE49-F238E27FC236}">
+                  <a16:creationId xmlns:a16="http://schemas.microsoft.com/office/drawing/2014/main" id="{0505AA49-D079-4BC5-B7C1-A7DF3246E98A}"/>
+                </a:ext>
+              </a:extLst>
+            </p:cNvPr>
+            <p:cNvCxnSpPr>
+              <a:stCxn id="72" idx="5"/>
+              <a:endCxn id="47" idx="1"/>
+            </p:cNvCxnSpPr>
+            <p:nvPr/>
+          </p:nvCxnSpPr>
+          <p:spPr>
+            <a:xfrm rot="16200000" flipH="1">
+              <a:off x="8948321" y="2592860"/>
+              <a:ext cx="439475" cy="2102198"/>
+            </a:xfrm>
+            <a:prstGeom prst="bentConnector2">
+              <a:avLst/>
+            </a:prstGeom>
+            <a:ln>
+              <a:tailEnd type="triangle"/>
+            </a:ln>
+          </p:spPr>
+          <p:style>
+            <a:lnRef idx="1">
+              <a:schemeClr val="accent1"/>
+            </a:lnRef>
+            <a:fillRef idx="0">
+              <a:schemeClr val="accent1"/>
+            </a:fillRef>
+            <a:effectRef idx="0">
+              <a:schemeClr val="accent1"/>
+            </a:effectRef>
+            <a:fontRef idx="minor">
+              <a:schemeClr val="tx1"/>
+            </a:fontRef>
+          </p:style>
+        </p:cxnSp>
+        <p:sp>
+          <p:nvSpPr>
+            <p:cNvPr id="50" name="文本框 49">
+              <a:extLst>
+                <a:ext uri="{FF2B5EF4-FFF2-40B4-BE49-F238E27FC236}">
+                  <a16:creationId xmlns:a16="http://schemas.microsoft.com/office/drawing/2014/main" id="{7E1325EB-C5EF-4331-BCAD-2EA27255A574}"/>
+                </a:ext>
+              </a:extLst>
+            </p:cNvPr>
+            <p:cNvSpPr txBox="1"/>
+            <p:nvPr/>
+          </p:nvSpPr>
+          <p:spPr>
+            <a:xfrm>
+              <a:off x="8187820" y="3893646"/>
+              <a:ext cx="1700542" cy="707886"/>
+            </a:xfrm>
+            <a:prstGeom prst="rect">
+              <a:avLst/>
+            </a:prstGeom>
+            <a:noFill/>
+          </p:spPr>
+          <p:txBody>
+            <a:bodyPr wrap="square" rtlCol="0">
+              <a:spAutoFit/>
+            </a:bodyPr>
+            <a:lstStyle/>
+            <a:p>
+              <a:r>
+                <a:rPr lang="zh-CN" altLang="en-US" sz="1000" b="1" dirty="0"/>
+                <a:t>栈中基础类型参数回收</a:t>
+              </a:r>
+              <a:endParaRPr lang="en-US" altLang="zh-CN" sz="1000" b="1" dirty="0"/>
+            </a:p>
+            <a:p>
+              <a:r>
+                <a:rPr lang="zh-CN" altLang="en-US" sz="1000" dirty="0"/>
+                <a:t>当方法调用完成后</a:t>
+              </a:r>
+              <a:r>
+                <a:rPr lang="en-US" altLang="zh-CN" sz="1000" dirty="0"/>
+                <a:t>GC</a:t>
+              </a:r>
+              <a:r>
+                <a:rPr lang="zh-CN" altLang="en-US" sz="1000" dirty="0"/>
+                <a:t>直接将栈中基础类型的参数进行回收</a:t>
+              </a:r>
+            </a:p>
+          </p:txBody>
+        </p:sp>
+      </p:grpSp>
     </p:spTree>
     <p:extLst>
       <p:ext uri="{BB962C8B-B14F-4D97-AF65-F5344CB8AC3E}">

--- a/Java.pptx
+++ b/Java.pptx
@@ -5,7 +5,7 @@
     <p:sldMasterId id="2147483648" r:id="rId1"/>
   </p:sldMasterIdLst>
   <p:notesMasterIdLst>
-    <p:notesMasterId r:id="rId8"/>
+    <p:notesMasterId r:id="rId11"/>
   </p:notesMasterIdLst>
   <p:sldIdLst>
     <p:sldId id="256" r:id="rId2"/>
@@ -14,6 +14,9 @@
     <p:sldId id="259" r:id="rId5"/>
     <p:sldId id="261" r:id="rId6"/>
     <p:sldId id="260" r:id="rId7"/>
+    <p:sldId id="262" r:id="rId8"/>
+    <p:sldId id="263" r:id="rId9"/>
+    <p:sldId id="264" r:id="rId10"/>
   </p:sldIdLst>
   <p:sldSz cx="12192000" cy="6858000"/>
   <p:notesSz cx="6858000" cy="9144000"/>
@@ -202,7 +205,7 @@
           <a:p>
             <a:fld id="{DA138970-91FA-43C7-A2C4-4F47DFBC178E}" type="datetimeFigureOut">
               <a:rPr lang="zh-CN" altLang="en-US" smtClean="0"/>
-              <a:t>2019/4/15</a:t>
+              <a:t>2019/4/18</a:t>
             </a:fld>
             <a:endParaRPr lang="zh-CN" altLang="en-US"/>
           </a:p>
@@ -597,1234 +600,6 @@
           <a:bodyPr/>
           <a:lstStyle/>
           <a:p>
-            <a:r>
-              <a:rPr lang="zh-CN" altLang="en-US" sz="1200" b="1" kern="1200" dirty="0">
-                <a:solidFill>
-                  <a:schemeClr val="tx1"/>
-                </a:solidFill>
-                <a:effectLst/>
-                <a:latin typeface="+mn-lt"/>
-                <a:ea typeface="+mn-ea"/>
-                <a:cs typeface="+mn-cs"/>
-              </a:rPr>
-              <a:t>年轻代（</a:t>
-            </a:r>
-            <a:r>
-              <a:rPr lang="en-US" altLang="zh-CN" sz="1200" b="1" kern="1200" dirty="0">
-                <a:solidFill>
-                  <a:schemeClr val="tx1"/>
-                </a:solidFill>
-                <a:effectLst/>
-                <a:latin typeface="+mn-lt"/>
-                <a:ea typeface="+mn-ea"/>
-                <a:cs typeface="+mn-cs"/>
-              </a:rPr>
-              <a:t>Young Generation</a:t>
-            </a:r>
-            <a:r>
-              <a:rPr lang="zh-CN" altLang="en-US" sz="1200" b="1" kern="1200" dirty="0">
-                <a:solidFill>
-                  <a:schemeClr val="tx1"/>
-                </a:solidFill>
-                <a:effectLst/>
-                <a:latin typeface="+mn-lt"/>
-                <a:ea typeface="+mn-ea"/>
-                <a:cs typeface="+mn-cs"/>
-              </a:rPr>
-              <a:t>）的回收算法 </a:t>
-            </a:r>
-            <a:r>
-              <a:rPr lang="en-US" altLang="zh-CN" sz="1200" b="1" kern="1200" dirty="0">
-                <a:solidFill>
-                  <a:schemeClr val="tx1"/>
-                </a:solidFill>
-                <a:effectLst/>
-                <a:latin typeface="+mn-lt"/>
-                <a:ea typeface="+mn-ea"/>
-                <a:cs typeface="+mn-cs"/>
-              </a:rPr>
-              <a:t>(</a:t>
-            </a:r>
-            <a:r>
-              <a:rPr lang="zh-CN" altLang="en-US" sz="1200" b="1" kern="1200" dirty="0">
-                <a:solidFill>
-                  <a:schemeClr val="tx1"/>
-                </a:solidFill>
-                <a:effectLst/>
-                <a:latin typeface="+mn-lt"/>
-                <a:ea typeface="+mn-ea"/>
-                <a:cs typeface="+mn-cs"/>
-              </a:rPr>
-              <a:t>回收主要以</a:t>
-            </a:r>
-            <a:r>
-              <a:rPr lang="en-US" altLang="zh-CN" sz="1200" b="1" kern="1200" dirty="0">
-                <a:solidFill>
-                  <a:schemeClr val="tx1"/>
-                </a:solidFill>
-                <a:effectLst/>
-                <a:latin typeface="+mn-lt"/>
-                <a:ea typeface="+mn-ea"/>
-                <a:cs typeface="+mn-cs"/>
-              </a:rPr>
-              <a:t>Copying</a:t>
-            </a:r>
-            <a:r>
-              <a:rPr lang="zh-CN" altLang="en-US" sz="1200" b="1" kern="1200" dirty="0">
-                <a:solidFill>
-                  <a:schemeClr val="tx1"/>
-                </a:solidFill>
-                <a:effectLst/>
-                <a:latin typeface="+mn-lt"/>
-                <a:ea typeface="+mn-ea"/>
-                <a:cs typeface="+mn-cs"/>
-              </a:rPr>
-              <a:t>为主</a:t>
-            </a:r>
-            <a:r>
-              <a:rPr lang="en-US" altLang="zh-CN" sz="1200" b="1" kern="1200" dirty="0">
-                <a:solidFill>
-                  <a:schemeClr val="tx1"/>
-                </a:solidFill>
-                <a:effectLst/>
-                <a:latin typeface="+mn-lt"/>
-                <a:ea typeface="+mn-ea"/>
-                <a:cs typeface="+mn-cs"/>
-              </a:rPr>
-              <a:t>)</a:t>
-            </a:r>
-            <a:endParaRPr lang="zh-CN" altLang="en-US" dirty="0">
-              <a:effectLst/>
-            </a:endParaRPr>
-          </a:p>
-          <a:p>
-            <a:r>
-              <a:rPr lang="en-US" altLang="zh-CN" sz="1200" kern="1200" dirty="0">
-                <a:solidFill>
-                  <a:schemeClr val="tx1"/>
-                </a:solidFill>
-                <a:effectLst/>
-                <a:latin typeface="+mn-lt"/>
-                <a:ea typeface="+mn-ea"/>
-                <a:cs typeface="+mn-cs"/>
-              </a:rPr>
-              <a:t>a) </a:t>
-            </a:r>
-            <a:r>
-              <a:rPr lang="zh-CN" altLang="en-US" sz="1200" kern="1200" dirty="0">
-                <a:solidFill>
-                  <a:schemeClr val="tx1"/>
-                </a:solidFill>
-                <a:effectLst/>
-                <a:latin typeface="+mn-lt"/>
-                <a:ea typeface="+mn-ea"/>
-                <a:cs typeface="+mn-cs"/>
-              </a:rPr>
-              <a:t>所有新生成的对象首先都是放在年轻代的。年轻代的目标就是尽可能快速的收集掉那些生命周期短的对象。</a:t>
-            </a:r>
-            <a:endParaRPr lang="zh-CN" altLang="en-US" dirty="0">
-              <a:effectLst/>
-            </a:endParaRPr>
-          </a:p>
-          <a:p>
-            <a:r>
-              <a:rPr lang="en-US" altLang="zh-CN" sz="1200" kern="1200" dirty="0">
-                <a:solidFill>
-                  <a:schemeClr val="tx1"/>
-                </a:solidFill>
-                <a:effectLst/>
-                <a:latin typeface="+mn-lt"/>
-                <a:ea typeface="+mn-ea"/>
-                <a:cs typeface="+mn-cs"/>
-              </a:rPr>
-              <a:t>b) </a:t>
-            </a:r>
-            <a:r>
-              <a:rPr lang="zh-CN" altLang="en-US" sz="1200" kern="1200" dirty="0">
-                <a:solidFill>
-                  <a:schemeClr val="tx1"/>
-                </a:solidFill>
-                <a:effectLst/>
-                <a:latin typeface="+mn-lt"/>
-                <a:ea typeface="+mn-ea"/>
-                <a:cs typeface="+mn-cs"/>
-              </a:rPr>
-              <a:t>新生代内存按照</a:t>
-            </a:r>
-            <a:r>
-              <a:rPr lang="en-US" altLang="zh-CN" sz="1200" kern="1200" dirty="0">
-                <a:solidFill>
-                  <a:schemeClr val="tx1"/>
-                </a:solidFill>
-                <a:effectLst/>
-                <a:latin typeface="+mn-lt"/>
-                <a:ea typeface="+mn-ea"/>
-                <a:cs typeface="+mn-cs"/>
-              </a:rPr>
-              <a:t>8:1:1</a:t>
-            </a:r>
-            <a:r>
-              <a:rPr lang="zh-CN" altLang="en-US" sz="1200" kern="1200" dirty="0">
-                <a:solidFill>
-                  <a:schemeClr val="tx1"/>
-                </a:solidFill>
-                <a:effectLst/>
-                <a:latin typeface="+mn-lt"/>
-                <a:ea typeface="+mn-ea"/>
-                <a:cs typeface="+mn-cs"/>
-              </a:rPr>
-              <a:t>的比例分为一个</a:t>
-            </a:r>
-            <a:r>
-              <a:rPr lang="en-US" altLang="zh-CN" sz="1200" kern="1200" dirty="0" err="1">
-                <a:solidFill>
-                  <a:schemeClr val="tx1"/>
-                </a:solidFill>
-                <a:effectLst/>
-                <a:latin typeface="+mn-lt"/>
-                <a:ea typeface="+mn-ea"/>
-                <a:cs typeface="+mn-cs"/>
-              </a:rPr>
-              <a:t>eden</a:t>
-            </a:r>
-            <a:r>
-              <a:rPr lang="zh-CN" altLang="en-US" sz="1200" kern="1200" dirty="0">
-                <a:solidFill>
-                  <a:schemeClr val="tx1"/>
-                </a:solidFill>
-                <a:effectLst/>
-                <a:latin typeface="+mn-lt"/>
-                <a:ea typeface="+mn-ea"/>
-                <a:cs typeface="+mn-cs"/>
-              </a:rPr>
-              <a:t>区和两个</a:t>
-            </a:r>
-            <a:r>
-              <a:rPr lang="en-US" altLang="zh-CN" sz="1200" kern="1200" dirty="0">
-                <a:solidFill>
-                  <a:schemeClr val="tx1"/>
-                </a:solidFill>
-                <a:effectLst/>
-                <a:latin typeface="+mn-lt"/>
-                <a:ea typeface="+mn-ea"/>
-                <a:cs typeface="+mn-cs"/>
-              </a:rPr>
-              <a:t>survivor(survivor0,survivor1)</a:t>
-            </a:r>
-            <a:r>
-              <a:rPr lang="zh-CN" altLang="en-US" sz="1200" kern="1200" dirty="0">
-                <a:solidFill>
-                  <a:schemeClr val="tx1"/>
-                </a:solidFill>
-                <a:effectLst/>
-                <a:latin typeface="+mn-lt"/>
-                <a:ea typeface="+mn-ea"/>
-                <a:cs typeface="+mn-cs"/>
-              </a:rPr>
-              <a:t>区。一个</a:t>
-            </a:r>
-            <a:r>
-              <a:rPr lang="en-US" altLang="zh-CN" sz="1200" kern="1200" dirty="0">
-                <a:solidFill>
-                  <a:schemeClr val="tx1"/>
-                </a:solidFill>
-                <a:effectLst/>
-                <a:latin typeface="+mn-lt"/>
-                <a:ea typeface="+mn-ea"/>
-                <a:cs typeface="+mn-cs"/>
-              </a:rPr>
-              <a:t>Eden</a:t>
-            </a:r>
-            <a:r>
-              <a:rPr lang="zh-CN" altLang="en-US" sz="1200" kern="1200" dirty="0">
-                <a:solidFill>
-                  <a:schemeClr val="tx1"/>
-                </a:solidFill>
-                <a:effectLst/>
-                <a:latin typeface="+mn-lt"/>
-                <a:ea typeface="+mn-ea"/>
-                <a:cs typeface="+mn-cs"/>
-              </a:rPr>
-              <a:t>区，两个 </a:t>
-            </a:r>
-            <a:r>
-              <a:rPr lang="en-US" altLang="zh-CN" sz="1200" kern="1200" dirty="0">
-                <a:solidFill>
-                  <a:schemeClr val="tx1"/>
-                </a:solidFill>
-                <a:effectLst/>
-                <a:latin typeface="+mn-lt"/>
-                <a:ea typeface="+mn-ea"/>
-                <a:cs typeface="+mn-cs"/>
-              </a:rPr>
-              <a:t>Survivor</a:t>
-            </a:r>
-            <a:r>
-              <a:rPr lang="zh-CN" altLang="en-US" sz="1200" kern="1200" dirty="0">
-                <a:solidFill>
-                  <a:schemeClr val="tx1"/>
-                </a:solidFill>
-                <a:effectLst/>
-                <a:latin typeface="+mn-lt"/>
-                <a:ea typeface="+mn-ea"/>
-                <a:cs typeface="+mn-cs"/>
-              </a:rPr>
-              <a:t>区</a:t>
-            </a:r>
-            <a:r>
-              <a:rPr lang="en-US" altLang="zh-CN" sz="1200" kern="1200" dirty="0">
-                <a:solidFill>
-                  <a:schemeClr val="tx1"/>
-                </a:solidFill>
-                <a:effectLst/>
-                <a:latin typeface="+mn-lt"/>
-                <a:ea typeface="+mn-ea"/>
-                <a:cs typeface="+mn-cs"/>
-              </a:rPr>
-              <a:t>(</a:t>
-            </a:r>
-            <a:r>
-              <a:rPr lang="zh-CN" altLang="en-US" sz="1200" kern="1200" dirty="0">
-                <a:solidFill>
-                  <a:schemeClr val="tx1"/>
-                </a:solidFill>
-                <a:effectLst/>
-                <a:latin typeface="+mn-lt"/>
-                <a:ea typeface="+mn-ea"/>
-                <a:cs typeface="+mn-cs"/>
-              </a:rPr>
-              <a:t>一般而言</a:t>
-            </a:r>
-            <a:r>
-              <a:rPr lang="en-US" altLang="zh-CN" sz="1200" kern="1200" dirty="0">
-                <a:solidFill>
-                  <a:schemeClr val="tx1"/>
-                </a:solidFill>
-                <a:effectLst/>
-                <a:latin typeface="+mn-lt"/>
-                <a:ea typeface="+mn-ea"/>
-                <a:cs typeface="+mn-cs"/>
-              </a:rPr>
-              <a:t>)</a:t>
-            </a:r>
-            <a:r>
-              <a:rPr lang="zh-CN" altLang="en-US" sz="1200" kern="1200" dirty="0">
-                <a:solidFill>
-                  <a:schemeClr val="tx1"/>
-                </a:solidFill>
-                <a:effectLst/>
-                <a:latin typeface="+mn-lt"/>
-                <a:ea typeface="+mn-ea"/>
-                <a:cs typeface="+mn-cs"/>
-              </a:rPr>
-              <a:t>。大部分对象在</a:t>
-            </a:r>
-            <a:r>
-              <a:rPr lang="en-US" altLang="zh-CN" sz="1200" kern="1200" dirty="0">
-                <a:solidFill>
-                  <a:schemeClr val="tx1"/>
-                </a:solidFill>
-                <a:effectLst/>
-                <a:latin typeface="+mn-lt"/>
-                <a:ea typeface="+mn-ea"/>
-                <a:cs typeface="+mn-cs"/>
-              </a:rPr>
-              <a:t>Eden</a:t>
-            </a:r>
-            <a:r>
-              <a:rPr lang="zh-CN" altLang="en-US" sz="1200" kern="1200" dirty="0">
-                <a:solidFill>
-                  <a:schemeClr val="tx1"/>
-                </a:solidFill>
-                <a:effectLst/>
-                <a:latin typeface="+mn-lt"/>
-                <a:ea typeface="+mn-ea"/>
-                <a:cs typeface="+mn-cs"/>
-              </a:rPr>
-              <a:t>区中生成。回收时先将</a:t>
-            </a:r>
-            <a:r>
-              <a:rPr lang="en-US" altLang="zh-CN" sz="1200" kern="1200" dirty="0" err="1">
-                <a:solidFill>
-                  <a:schemeClr val="tx1"/>
-                </a:solidFill>
-                <a:effectLst/>
-                <a:latin typeface="+mn-lt"/>
-                <a:ea typeface="+mn-ea"/>
-                <a:cs typeface="+mn-cs"/>
-              </a:rPr>
-              <a:t>eden</a:t>
-            </a:r>
-            <a:r>
-              <a:rPr lang="zh-CN" altLang="en-US" sz="1200" kern="1200" dirty="0">
-                <a:solidFill>
-                  <a:schemeClr val="tx1"/>
-                </a:solidFill>
-                <a:effectLst/>
-                <a:latin typeface="+mn-lt"/>
-                <a:ea typeface="+mn-ea"/>
-                <a:cs typeface="+mn-cs"/>
-              </a:rPr>
-              <a:t>区存活对象复制到一个</a:t>
-            </a:r>
-            <a:r>
-              <a:rPr lang="en-US" altLang="zh-CN" sz="1200" kern="1200" dirty="0">
-                <a:solidFill>
-                  <a:schemeClr val="tx1"/>
-                </a:solidFill>
-                <a:effectLst/>
-                <a:latin typeface="+mn-lt"/>
-                <a:ea typeface="+mn-ea"/>
-                <a:cs typeface="+mn-cs"/>
-              </a:rPr>
-              <a:t>survivor0</a:t>
-            </a:r>
-            <a:r>
-              <a:rPr lang="zh-CN" altLang="en-US" sz="1200" kern="1200" dirty="0">
-                <a:solidFill>
-                  <a:schemeClr val="tx1"/>
-                </a:solidFill>
-                <a:effectLst/>
-                <a:latin typeface="+mn-lt"/>
-                <a:ea typeface="+mn-ea"/>
-                <a:cs typeface="+mn-cs"/>
-              </a:rPr>
-              <a:t>区，然后清空</a:t>
-            </a:r>
-            <a:r>
-              <a:rPr lang="en-US" altLang="zh-CN" sz="1200" kern="1200" dirty="0" err="1">
-                <a:solidFill>
-                  <a:schemeClr val="tx1"/>
-                </a:solidFill>
-                <a:effectLst/>
-                <a:latin typeface="+mn-lt"/>
-                <a:ea typeface="+mn-ea"/>
-                <a:cs typeface="+mn-cs"/>
-              </a:rPr>
-              <a:t>eden</a:t>
-            </a:r>
-            <a:r>
-              <a:rPr lang="zh-CN" altLang="en-US" sz="1200" kern="1200" dirty="0">
-                <a:solidFill>
-                  <a:schemeClr val="tx1"/>
-                </a:solidFill>
-                <a:effectLst/>
-                <a:latin typeface="+mn-lt"/>
-                <a:ea typeface="+mn-ea"/>
-                <a:cs typeface="+mn-cs"/>
-              </a:rPr>
-              <a:t>区，当这个</a:t>
-            </a:r>
-            <a:r>
-              <a:rPr lang="en-US" altLang="zh-CN" sz="1200" kern="1200" dirty="0">
-                <a:solidFill>
-                  <a:schemeClr val="tx1"/>
-                </a:solidFill>
-                <a:effectLst/>
-                <a:latin typeface="+mn-lt"/>
-                <a:ea typeface="+mn-ea"/>
-                <a:cs typeface="+mn-cs"/>
-              </a:rPr>
-              <a:t>survivor0</a:t>
-            </a:r>
-            <a:r>
-              <a:rPr lang="zh-CN" altLang="en-US" sz="1200" kern="1200" dirty="0">
-                <a:solidFill>
-                  <a:schemeClr val="tx1"/>
-                </a:solidFill>
-                <a:effectLst/>
-                <a:latin typeface="+mn-lt"/>
-                <a:ea typeface="+mn-ea"/>
-                <a:cs typeface="+mn-cs"/>
-              </a:rPr>
-              <a:t>区也存放满了时，则将</a:t>
-            </a:r>
-            <a:r>
-              <a:rPr lang="en-US" altLang="zh-CN" sz="1200" kern="1200" dirty="0" err="1">
-                <a:solidFill>
-                  <a:schemeClr val="tx1"/>
-                </a:solidFill>
-                <a:effectLst/>
-                <a:latin typeface="+mn-lt"/>
-                <a:ea typeface="+mn-ea"/>
-                <a:cs typeface="+mn-cs"/>
-              </a:rPr>
-              <a:t>eden</a:t>
-            </a:r>
-            <a:r>
-              <a:rPr lang="zh-CN" altLang="en-US" sz="1200" kern="1200" dirty="0">
-                <a:solidFill>
-                  <a:schemeClr val="tx1"/>
-                </a:solidFill>
-                <a:effectLst/>
-                <a:latin typeface="+mn-lt"/>
-                <a:ea typeface="+mn-ea"/>
-                <a:cs typeface="+mn-cs"/>
-              </a:rPr>
-              <a:t>区和</a:t>
-            </a:r>
-            <a:r>
-              <a:rPr lang="en-US" altLang="zh-CN" sz="1200" kern="1200" dirty="0">
-                <a:solidFill>
-                  <a:schemeClr val="tx1"/>
-                </a:solidFill>
-                <a:effectLst/>
-                <a:latin typeface="+mn-lt"/>
-                <a:ea typeface="+mn-ea"/>
-                <a:cs typeface="+mn-cs"/>
-              </a:rPr>
-              <a:t>survivor0</a:t>
-            </a:r>
-            <a:r>
-              <a:rPr lang="zh-CN" altLang="en-US" sz="1200" kern="1200" dirty="0">
-                <a:solidFill>
-                  <a:schemeClr val="tx1"/>
-                </a:solidFill>
-                <a:effectLst/>
-                <a:latin typeface="+mn-lt"/>
-                <a:ea typeface="+mn-ea"/>
-                <a:cs typeface="+mn-cs"/>
-              </a:rPr>
-              <a:t>区存活对象复制到另一个</a:t>
-            </a:r>
-            <a:r>
-              <a:rPr lang="en-US" altLang="zh-CN" sz="1200" kern="1200" dirty="0">
-                <a:solidFill>
-                  <a:schemeClr val="tx1"/>
-                </a:solidFill>
-                <a:effectLst/>
-                <a:latin typeface="+mn-lt"/>
-                <a:ea typeface="+mn-ea"/>
-                <a:cs typeface="+mn-cs"/>
-              </a:rPr>
-              <a:t>survivor1</a:t>
-            </a:r>
-            <a:r>
-              <a:rPr lang="zh-CN" altLang="en-US" sz="1200" kern="1200" dirty="0">
-                <a:solidFill>
-                  <a:schemeClr val="tx1"/>
-                </a:solidFill>
-                <a:effectLst/>
-                <a:latin typeface="+mn-lt"/>
-                <a:ea typeface="+mn-ea"/>
-                <a:cs typeface="+mn-cs"/>
-              </a:rPr>
-              <a:t>区，然后清空</a:t>
-            </a:r>
-            <a:r>
-              <a:rPr lang="en-US" altLang="zh-CN" sz="1200" kern="1200" dirty="0" err="1">
-                <a:solidFill>
-                  <a:schemeClr val="tx1"/>
-                </a:solidFill>
-                <a:effectLst/>
-                <a:latin typeface="+mn-lt"/>
-                <a:ea typeface="+mn-ea"/>
-                <a:cs typeface="+mn-cs"/>
-              </a:rPr>
-              <a:t>eden</a:t>
-            </a:r>
-            <a:r>
-              <a:rPr lang="zh-CN" altLang="en-US" sz="1200" kern="1200" dirty="0">
-                <a:solidFill>
-                  <a:schemeClr val="tx1"/>
-                </a:solidFill>
-                <a:effectLst/>
-                <a:latin typeface="+mn-lt"/>
-                <a:ea typeface="+mn-ea"/>
-                <a:cs typeface="+mn-cs"/>
-              </a:rPr>
-              <a:t>和这个</a:t>
-            </a:r>
-            <a:r>
-              <a:rPr lang="en-US" altLang="zh-CN" sz="1200" kern="1200" dirty="0">
-                <a:solidFill>
-                  <a:schemeClr val="tx1"/>
-                </a:solidFill>
-                <a:effectLst/>
-                <a:latin typeface="+mn-lt"/>
-                <a:ea typeface="+mn-ea"/>
-                <a:cs typeface="+mn-cs"/>
-              </a:rPr>
-              <a:t>survivor0</a:t>
-            </a:r>
-            <a:r>
-              <a:rPr lang="zh-CN" altLang="en-US" sz="1200" kern="1200" dirty="0">
-                <a:solidFill>
-                  <a:schemeClr val="tx1"/>
-                </a:solidFill>
-                <a:effectLst/>
-                <a:latin typeface="+mn-lt"/>
-                <a:ea typeface="+mn-ea"/>
-                <a:cs typeface="+mn-cs"/>
-              </a:rPr>
-              <a:t>区，此时</a:t>
-            </a:r>
-            <a:r>
-              <a:rPr lang="en-US" altLang="zh-CN" sz="1200" kern="1200" dirty="0">
-                <a:solidFill>
-                  <a:schemeClr val="tx1"/>
-                </a:solidFill>
-                <a:effectLst/>
-                <a:latin typeface="+mn-lt"/>
-                <a:ea typeface="+mn-ea"/>
-                <a:cs typeface="+mn-cs"/>
-              </a:rPr>
-              <a:t>survivor0</a:t>
-            </a:r>
-            <a:r>
-              <a:rPr lang="zh-CN" altLang="en-US" sz="1200" kern="1200" dirty="0">
-                <a:solidFill>
-                  <a:schemeClr val="tx1"/>
-                </a:solidFill>
-                <a:effectLst/>
-                <a:latin typeface="+mn-lt"/>
-                <a:ea typeface="+mn-ea"/>
-                <a:cs typeface="+mn-cs"/>
-              </a:rPr>
-              <a:t>区是空的，然后将</a:t>
-            </a:r>
-            <a:r>
-              <a:rPr lang="en-US" altLang="zh-CN" sz="1200" kern="1200" dirty="0">
-                <a:solidFill>
-                  <a:schemeClr val="tx1"/>
-                </a:solidFill>
-                <a:effectLst/>
-                <a:latin typeface="+mn-lt"/>
-                <a:ea typeface="+mn-ea"/>
-                <a:cs typeface="+mn-cs"/>
-              </a:rPr>
-              <a:t>survivor0</a:t>
-            </a:r>
-            <a:r>
-              <a:rPr lang="zh-CN" altLang="en-US" sz="1200" kern="1200" dirty="0">
-                <a:solidFill>
-                  <a:schemeClr val="tx1"/>
-                </a:solidFill>
-                <a:effectLst/>
-                <a:latin typeface="+mn-lt"/>
-                <a:ea typeface="+mn-ea"/>
-                <a:cs typeface="+mn-cs"/>
-              </a:rPr>
-              <a:t>区和</a:t>
-            </a:r>
-            <a:r>
-              <a:rPr lang="en-US" altLang="zh-CN" sz="1200" kern="1200" dirty="0">
-                <a:solidFill>
-                  <a:schemeClr val="tx1"/>
-                </a:solidFill>
-                <a:effectLst/>
-                <a:latin typeface="+mn-lt"/>
-                <a:ea typeface="+mn-ea"/>
-                <a:cs typeface="+mn-cs"/>
-              </a:rPr>
-              <a:t>survivor1</a:t>
-            </a:r>
-            <a:r>
-              <a:rPr lang="zh-CN" altLang="en-US" sz="1200" kern="1200" dirty="0">
-                <a:solidFill>
-                  <a:schemeClr val="tx1"/>
-                </a:solidFill>
-                <a:effectLst/>
-                <a:latin typeface="+mn-lt"/>
-                <a:ea typeface="+mn-ea"/>
-                <a:cs typeface="+mn-cs"/>
-              </a:rPr>
-              <a:t>区交换，即保持</a:t>
-            </a:r>
-            <a:r>
-              <a:rPr lang="en-US" altLang="zh-CN" sz="1200" kern="1200" dirty="0">
-                <a:solidFill>
-                  <a:schemeClr val="tx1"/>
-                </a:solidFill>
-                <a:effectLst/>
-                <a:latin typeface="+mn-lt"/>
-                <a:ea typeface="+mn-ea"/>
-                <a:cs typeface="+mn-cs"/>
-              </a:rPr>
-              <a:t>survivor1</a:t>
-            </a:r>
-            <a:r>
-              <a:rPr lang="zh-CN" altLang="en-US" sz="1200" kern="1200" dirty="0">
-                <a:solidFill>
-                  <a:schemeClr val="tx1"/>
-                </a:solidFill>
-                <a:effectLst/>
-                <a:latin typeface="+mn-lt"/>
-                <a:ea typeface="+mn-ea"/>
-                <a:cs typeface="+mn-cs"/>
-              </a:rPr>
-              <a:t>区为空， 如此往复。</a:t>
-            </a:r>
-            <a:endParaRPr lang="zh-CN" altLang="en-US" dirty="0">
-              <a:effectLst/>
-            </a:endParaRPr>
-          </a:p>
-          <a:p>
-            <a:r>
-              <a:rPr lang="en-US" altLang="zh-CN" sz="1200" kern="1200" dirty="0">
-                <a:solidFill>
-                  <a:schemeClr val="tx1"/>
-                </a:solidFill>
-                <a:effectLst/>
-                <a:latin typeface="+mn-lt"/>
-                <a:ea typeface="+mn-ea"/>
-                <a:cs typeface="+mn-cs"/>
-              </a:rPr>
-              <a:t>c) </a:t>
-            </a:r>
-            <a:r>
-              <a:rPr lang="zh-CN" altLang="en-US" sz="1200" kern="1200" dirty="0">
-                <a:solidFill>
-                  <a:schemeClr val="tx1"/>
-                </a:solidFill>
-                <a:effectLst/>
-                <a:latin typeface="+mn-lt"/>
-                <a:ea typeface="+mn-ea"/>
-                <a:cs typeface="+mn-cs"/>
-              </a:rPr>
-              <a:t>当</a:t>
-            </a:r>
-            <a:r>
-              <a:rPr lang="en-US" altLang="zh-CN" sz="1200" kern="1200" dirty="0">
-                <a:solidFill>
-                  <a:schemeClr val="tx1"/>
-                </a:solidFill>
-                <a:effectLst/>
-                <a:latin typeface="+mn-lt"/>
-                <a:ea typeface="+mn-ea"/>
-                <a:cs typeface="+mn-cs"/>
-              </a:rPr>
-              <a:t>survivor1</a:t>
-            </a:r>
-            <a:r>
-              <a:rPr lang="zh-CN" altLang="en-US" sz="1200" kern="1200" dirty="0">
-                <a:solidFill>
-                  <a:schemeClr val="tx1"/>
-                </a:solidFill>
-                <a:effectLst/>
-                <a:latin typeface="+mn-lt"/>
-                <a:ea typeface="+mn-ea"/>
-                <a:cs typeface="+mn-cs"/>
-              </a:rPr>
-              <a:t>区不足以存放 </a:t>
-            </a:r>
-            <a:r>
-              <a:rPr lang="en-US" altLang="zh-CN" sz="1200" kern="1200" dirty="0" err="1">
-                <a:solidFill>
-                  <a:schemeClr val="tx1"/>
-                </a:solidFill>
-                <a:effectLst/>
-                <a:latin typeface="+mn-lt"/>
-                <a:ea typeface="+mn-ea"/>
-                <a:cs typeface="+mn-cs"/>
-              </a:rPr>
-              <a:t>eden</a:t>
-            </a:r>
-            <a:r>
-              <a:rPr lang="zh-CN" altLang="en-US" sz="1200" kern="1200" dirty="0">
-                <a:solidFill>
-                  <a:schemeClr val="tx1"/>
-                </a:solidFill>
-                <a:effectLst/>
-                <a:latin typeface="+mn-lt"/>
-                <a:ea typeface="+mn-ea"/>
-                <a:cs typeface="+mn-cs"/>
-              </a:rPr>
-              <a:t>和</a:t>
-            </a:r>
-            <a:r>
-              <a:rPr lang="en-US" altLang="zh-CN" sz="1200" kern="1200" dirty="0">
-                <a:solidFill>
-                  <a:schemeClr val="tx1"/>
-                </a:solidFill>
-                <a:effectLst/>
-                <a:latin typeface="+mn-lt"/>
-                <a:ea typeface="+mn-ea"/>
-                <a:cs typeface="+mn-cs"/>
-              </a:rPr>
-              <a:t>survivor0</a:t>
-            </a:r>
-            <a:r>
-              <a:rPr lang="zh-CN" altLang="en-US" sz="1200" kern="1200" dirty="0">
-                <a:solidFill>
-                  <a:schemeClr val="tx1"/>
-                </a:solidFill>
-                <a:effectLst/>
-                <a:latin typeface="+mn-lt"/>
-                <a:ea typeface="+mn-ea"/>
-                <a:cs typeface="+mn-cs"/>
-              </a:rPr>
-              <a:t>的存活对象时，就将存活对象直接存放到老年代。若是老年代也满了就会触发一次</a:t>
-            </a:r>
-            <a:r>
-              <a:rPr lang="en-US" altLang="zh-CN" sz="1200" kern="1200" dirty="0">
-                <a:solidFill>
-                  <a:schemeClr val="tx1"/>
-                </a:solidFill>
-                <a:effectLst/>
-                <a:latin typeface="+mn-lt"/>
-                <a:ea typeface="+mn-ea"/>
-                <a:cs typeface="+mn-cs"/>
-              </a:rPr>
-              <a:t>Full GC(Major GC)</a:t>
-            </a:r>
-            <a:r>
-              <a:rPr lang="zh-CN" altLang="en-US" sz="1200" kern="1200" dirty="0">
-                <a:solidFill>
-                  <a:schemeClr val="tx1"/>
-                </a:solidFill>
-                <a:effectLst/>
-                <a:latin typeface="+mn-lt"/>
-                <a:ea typeface="+mn-ea"/>
-                <a:cs typeface="+mn-cs"/>
-              </a:rPr>
-              <a:t>，也就是新生代、老年代都进行回收。</a:t>
-            </a:r>
-            <a:endParaRPr lang="zh-CN" altLang="en-US" dirty="0">
-              <a:effectLst/>
-            </a:endParaRPr>
-          </a:p>
-          <a:p>
-            <a:r>
-              <a:rPr lang="en-US" altLang="zh-CN" sz="1200" kern="1200" dirty="0">
-                <a:solidFill>
-                  <a:schemeClr val="tx1"/>
-                </a:solidFill>
-                <a:effectLst/>
-                <a:latin typeface="+mn-lt"/>
-                <a:ea typeface="+mn-ea"/>
-                <a:cs typeface="+mn-cs"/>
-              </a:rPr>
-              <a:t>d) </a:t>
-            </a:r>
-            <a:r>
-              <a:rPr lang="zh-CN" altLang="en-US" sz="1200" kern="1200" dirty="0">
-                <a:solidFill>
-                  <a:schemeClr val="tx1"/>
-                </a:solidFill>
-                <a:effectLst/>
-                <a:latin typeface="+mn-lt"/>
-                <a:ea typeface="+mn-ea"/>
-                <a:cs typeface="+mn-cs"/>
-              </a:rPr>
-              <a:t>新生代发生的</a:t>
-            </a:r>
-            <a:r>
-              <a:rPr lang="en-US" altLang="zh-CN" sz="1200" kern="1200" dirty="0">
-                <a:solidFill>
-                  <a:schemeClr val="tx1"/>
-                </a:solidFill>
-                <a:effectLst/>
-                <a:latin typeface="+mn-lt"/>
-                <a:ea typeface="+mn-ea"/>
-                <a:cs typeface="+mn-cs"/>
-              </a:rPr>
-              <a:t>GC</a:t>
-            </a:r>
-            <a:r>
-              <a:rPr lang="zh-CN" altLang="en-US" sz="1200" kern="1200" dirty="0">
-                <a:solidFill>
-                  <a:schemeClr val="tx1"/>
-                </a:solidFill>
-                <a:effectLst/>
-                <a:latin typeface="+mn-lt"/>
-                <a:ea typeface="+mn-ea"/>
-                <a:cs typeface="+mn-cs"/>
-              </a:rPr>
-              <a:t>也叫做</a:t>
-            </a:r>
-            <a:r>
-              <a:rPr lang="en-US" altLang="zh-CN" sz="1200" kern="1200" dirty="0">
-                <a:solidFill>
-                  <a:schemeClr val="tx1"/>
-                </a:solidFill>
-                <a:effectLst/>
-                <a:latin typeface="+mn-lt"/>
-                <a:ea typeface="+mn-ea"/>
-                <a:cs typeface="+mn-cs"/>
-              </a:rPr>
-              <a:t>Minor GC</a:t>
-            </a:r>
-            <a:r>
-              <a:rPr lang="zh-CN" altLang="en-US" sz="1200" kern="1200" dirty="0">
-                <a:solidFill>
-                  <a:schemeClr val="tx1"/>
-                </a:solidFill>
-                <a:effectLst/>
-                <a:latin typeface="+mn-lt"/>
-                <a:ea typeface="+mn-ea"/>
-                <a:cs typeface="+mn-cs"/>
-              </a:rPr>
-              <a:t>，</a:t>
-            </a:r>
-            <a:r>
-              <a:rPr lang="en-US" altLang="zh-CN" sz="1200" kern="1200" dirty="0" err="1">
-                <a:solidFill>
-                  <a:schemeClr val="tx1"/>
-                </a:solidFill>
-                <a:effectLst/>
-                <a:latin typeface="+mn-lt"/>
-                <a:ea typeface="+mn-ea"/>
-                <a:cs typeface="+mn-cs"/>
-              </a:rPr>
-              <a:t>MinorGC</a:t>
-            </a:r>
-            <a:r>
-              <a:rPr lang="zh-CN" altLang="en-US" sz="1200" kern="1200" dirty="0">
-                <a:solidFill>
-                  <a:schemeClr val="tx1"/>
-                </a:solidFill>
-                <a:effectLst/>
-                <a:latin typeface="+mn-lt"/>
-                <a:ea typeface="+mn-ea"/>
-                <a:cs typeface="+mn-cs"/>
-              </a:rPr>
-              <a:t>发生频率比较高</a:t>
-            </a:r>
-            <a:r>
-              <a:rPr lang="en-US" altLang="zh-CN" sz="1200" kern="1200" dirty="0">
-                <a:solidFill>
-                  <a:schemeClr val="tx1"/>
-                </a:solidFill>
-                <a:effectLst/>
-                <a:latin typeface="+mn-lt"/>
-                <a:ea typeface="+mn-ea"/>
-                <a:cs typeface="+mn-cs"/>
-              </a:rPr>
-              <a:t>(</a:t>
-            </a:r>
-            <a:r>
-              <a:rPr lang="zh-CN" altLang="en-US" sz="1200" kern="1200" dirty="0">
-                <a:solidFill>
-                  <a:schemeClr val="tx1"/>
-                </a:solidFill>
-                <a:effectLst/>
-                <a:latin typeface="+mn-lt"/>
-                <a:ea typeface="+mn-ea"/>
-                <a:cs typeface="+mn-cs"/>
-              </a:rPr>
-              <a:t>不一定等</a:t>
-            </a:r>
-            <a:r>
-              <a:rPr lang="en-US" altLang="zh-CN" sz="1200" kern="1200" dirty="0">
-                <a:solidFill>
-                  <a:schemeClr val="tx1"/>
-                </a:solidFill>
-                <a:effectLst/>
-                <a:latin typeface="+mn-lt"/>
-                <a:ea typeface="+mn-ea"/>
-                <a:cs typeface="+mn-cs"/>
-              </a:rPr>
-              <a:t>Eden</a:t>
-            </a:r>
-            <a:r>
-              <a:rPr lang="zh-CN" altLang="en-US" sz="1200" kern="1200" dirty="0">
-                <a:solidFill>
-                  <a:schemeClr val="tx1"/>
-                </a:solidFill>
-                <a:effectLst/>
-                <a:latin typeface="+mn-lt"/>
-                <a:ea typeface="+mn-ea"/>
-                <a:cs typeface="+mn-cs"/>
-              </a:rPr>
-              <a:t>区满了才触发</a:t>
-            </a:r>
-            <a:r>
-              <a:rPr lang="en-US" altLang="zh-CN" sz="1200" kern="1200" dirty="0">
-                <a:solidFill>
-                  <a:schemeClr val="tx1"/>
-                </a:solidFill>
-                <a:effectLst/>
-                <a:latin typeface="+mn-lt"/>
-                <a:ea typeface="+mn-ea"/>
-                <a:cs typeface="+mn-cs"/>
-              </a:rPr>
-              <a:t>)</a:t>
-            </a:r>
-            <a:r>
-              <a:rPr lang="zh-CN" altLang="en-US" sz="1200" kern="1200" dirty="0">
-                <a:solidFill>
-                  <a:schemeClr val="tx1"/>
-                </a:solidFill>
-                <a:effectLst/>
-                <a:latin typeface="+mn-lt"/>
-                <a:ea typeface="+mn-ea"/>
-                <a:cs typeface="+mn-cs"/>
-              </a:rPr>
-              <a:t>。</a:t>
-            </a:r>
-            <a:endParaRPr lang="zh-CN" altLang="en-US" dirty="0">
-              <a:effectLst/>
-            </a:endParaRPr>
-          </a:p>
-          <a:p>
-            <a:r>
-              <a:rPr lang="zh-CN" altLang="en-US" sz="1200" b="1" kern="1200" dirty="0">
-                <a:solidFill>
-                  <a:schemeClr val="tx1"/>
-                </a:solidFill>
-                <a:effectLst/>
-                <a:latin typeface="+mn-lt"/>
-                <a:ea typeface="+mn-ea"/>
-                <a:cs typeface="+mn-cs"/>
-              </a:rPr>
-              <a:t>年老代（</a:t>
-            </a:r>
-            <a:r>
-              <a:rPr lang="en-US" altLang="zh-CN" sz="1200" b="1" kern="1200" dirty="0">
-                <a:solidFill>
-                  <a:schemeClr val="tx1"/>
-                </a:solidFill>
-                <a:effectLst/>
-                <a:latin typeface="+mn-lt"/>
-                <a:ea typeface="+mn-ea"/>
-                <a:cs typeface="+mn-cs"/>
-              </a:rPr>
-              <a:t>Old Generation</a:t>
-            </a:r>
-            <a:r>
-              <a:rPr lang="zh-CN" altLang="en-US" sz="1200" b="1" kern="1200" dirty="0">
-                <a:solidFill>
-                  <a:schemeClr val="tx1"/>
-                </a:solidFill>
-                <a:effectLst/>
-                <a:latin typeface="+mn-lt"/>
-                <a:ea typeface="+mn-ea"/>
-                <a:cs typeface="+mn-cs"/>
-              </a:rPr>
-              <a:t>）的回收算法（回收主要以</a:t>
-            </a:r>
-            <a:r>
-              <a:rPr lang="en-US" altLang="zh-CN" sz="1200" b="1" kern="1200" dirty="0">
-                <a:solidFill>
-                  <a:schemeClr val="tx1"/>
-                </a:solidFill>
-                <a:effectLst/>
-                <a:latin typeface="+mn-lt"/>
-                <a:ea typeface="+mn-ea"/>
-                <a:cs typeface="+mn-cs"/>
-              </a:rPr>
-              <a:t>Mark-Compact</a:t>
-            </a:r>
-            <a:r>
-              <a:rPr lang="zh-CN" altLang="en-US" sz="1200" b="1" kern="1200" dirty="0">
-                <a:solidFill>
-                  <a:schemeClr val="tx1"/>
-                </a:solidFill>
-                <a:effectLst/>
-                <a:latin typeface="+mn-lt"/>
-                <a:ea typeface="+mn-ea"/>
-                <a:cs typeface="+mn-cs"/>
-              </a:rPr>
-              <a:t>为主）</a:t>
-            </a:r>
-            <a:endParaRPr lang="zh-CN" altLang="en-US" dirty="0">
-              <a:effectLst/>
-            </a:endParaRPr>
-          </a:p>
-          <a:p>
-            <a:r>
-              <a:rPr lang="en-US" altLang="zh-CN" sz="1200" kern="1200" dirty="0">
-                <a:solidFill>
-                  <a:schemeClr val="tx1"/>
-                </a:solidFill>
-                <a:effectLst/>
-                <a:latin typeface="+mn-lt"/>
-                <a:ea typeface="+mn-ea"/>
-                <a:cs typeface="+mn-cs"/>
-              </a:rPr>
-              <a:t>a) </a:t>
-            </a:r>
-            <a:r>
-              <a:rPr lang="zh-CN" altLang="en-US" sz="1200" kern="1200" dirty="0">
-                <a:solidFill>
-                  <a:schemeClr val="tx1"/>
-                </a:solidFill>
-                <a:effectLst/>
-                <a:latin typeface="+mn-lt"/>
-                <a:ea typeface="+mn-ea"/>
-                <a:cs typeface="+mn-cs"/>
-              </a:rPr>
-              <a:t>在年轻代中经历了</a:t>
-            </a:r>
-            <a:r>
-              <a:rPr lang="en-US" altLang="zh-CN" sz="1200" kern="1200" dirty="0">
-                <a:solidFill>
-                  <a:schemeClr val="tx1"/>
-                </a:solidFill>
-                <a:effectLst/>
-                <a:latin typeface="+mn-lt"/>
-                <a:ea typeface="+mn-ea"/>
-                <a:cs typeface="+mn-cs"/>
-              </a:rPr>
-              <a:t>N</a:t>
-            </a:r>
-            <a:r>
-              <a:rPr lang="zh-CN" altLang="en-US" sz="1200" kern="1200" dirty="0">
-                <a:solidFill>
-                  <a:schemeClr val="tx1"/>
-                </a:solidFill>
-                <a:effectLst/>
-                <a:latin typeface="+mn-lt"/>
-                <a:ea typeface="+mn-ea"/>
-                <a:cs typeface="+mn-cs"/>
-              </a:rPr>
-              <a:t>次垃圾回收后仍然存活的对象，就会被放到年老代中。因此，可以认为年老代中存放的都是一些生命周期较长的对象。</a:t>
-            </a:r>
-            <a:endParaRPr lang="zh-CN" altLang="en-US" dirty="0">
-              <a:effectLst/>
-            </a:endParaRPr>
-          </a:p>
-          <a:p>
-            <a:r>
-              <a:rPr lang="en-US" altLang="zh-CN" sz="1200" kern="1200" dirty="0">
-                <a:solidFill>
-                  <a:schemeClr val="tx1"/>
-                </a:solidFill>
-                <a:effectLst/>
-                <a:latin typeface="+mn-lt"/>
-                <a:ea typeface="+mn-ea"/>
-                <a:cs typeface="+mn-cs"/>
-              </a:rPr>
-              <a:t>b) </a:t>
-            </a:r>
-            <a:r>
-              <a:rPr lang="zh-CN" altLang="en-US" sz="1200" kern="1200" dirty="0">
-                <a:solidFill>
-                  <a:schemeClr val="tx1"/>
-                </a:solidFill>
-                <a:effectLst/>
-                <a:latin typeface="+mn-lt"/>
-                <a:ea typeface="+mn-ea"/>
-                <a:cs typeface="+mn-cs"/>
-              </a:rPr>
-              <a:t>内存比新生代也大很多</a:t>
-            </a:r>
-            <a:r>
-              <a:rPr lang="en-US" altLang="zh-CN" sz="1200" kern="1200" dirty="0">
-                <a:solidFill>
-                  <a:schemeClr val="tx1"/>
-                </a:solidFill>
-                <a:effectLst/>
-                <a:latin typeface="+mn-lt"/>
-                <a:ea typeface="+mn-ea"/>
-                <a:cs typeface="+mn-cs"/>
-              </a:rPr>
-              <a:t>(</a:t>
-            </a:r>
-            <a:r>
-              <a:rPr lang="zh-CN" altLang="en-US" sz="1200" kern="1200" dirty="0">
-                <a:solidFill>
-                  <a:schemeClr val="tx1"/>
-                </a:solidFill>
-                <a:effectLst/>
-                <a:latin typeface="+mn-lt"/>
-                <a:ea typeface="+mn-ea"/>
-                <a:cs typeface="+mn-cs"/>
-              </a:rPr>
-              <a:t>大概比例是</a:t>
-            </a:r>
-            <a:r>
-              <a:rPr lang="en-US" altLang="zh-CN" sz="1200" kern="1200" dirty="0">
-                <a:solidFill>
-                  <a:schemeClr val="tx1"/>
-                </a:solidFill>
-                <a:effectLst/>
-                <a:latin typeface="+mn-lt"/>
-                <a:ea typeface="+mn-ea"/>
-                <a:cs typeface="+mn-cs"/>
-              </a:rPr>
-              <a:t>1:2)</a:t>
-            </a:r>
-            <a:r>
-              <a:rPr lang="zh-CN" altLang="en-US" sz="1200" kern="1200" dirty="0">
-                <a:solidFill>
-                  <a:schemeClr val="tx1"/>
-                </a:solidFill>
-                <a:effectLst/>
-                <a:latin typeface="+mn-lt"/>
-                <a:ea typeface="+mn-ea"/>
-                <a:cs typeface="+mn-cs"/>
-              </a:rPr>
-              <a:t>，当老年代内存满时触发</a:t>
-            </a:r>
-            <a:r>
-              <a:rPr lang="en-US" altLang="zh-CN" sz="1200" kern="1200" dirty="0">
-                <a:solidFill>
-                  <a:schemeClr val="tx1"/>
-                </a:solidFill>
-                <a:effectLst/>
-                <a:latin typeface="+mn-lt"/>
-                <a:ea typeface="+mn-ea"/>
-                <a:cs typeface="+mn-cs"/>
-              </a:rPr>
-              <a:t>Major GC</a:t>
-            </a:r>
-            <a:r>
-              <a:rPr lang="zh-CN" altLang="en-US" sz="1200" kern="1200" dirty="0">
-                <a:solidFill>
-                  <a:schemeClr val="tx1"/>
-                </a:solidFill>
-                <a:effectLst/>
-                <a:latin typeface="+mn-lt"/>
-                <a:ea typeface="+mn-ea"/>
-                <a:cs typeface="+mn-cs"/>
-              </a:rPr>
-              <a:t>即</a:t>
-            </a:r>
-            <a:r>
-              <a:rPr lang="en-US" altLang="zh-CN" sz="1200" kern="1200" dirty="0">
-                <a:solidFill>
-                  <a:schemeClr val="tx1"/>
-                </a:solidFill>
-                <a:effectLst/>
-                <a:latin typeface="+mn-lt"/>
-                <a:ea typeface="+mn-ea"/>
-                <a:cs typeface="+mn-cs"/>
-              </a:rPr>
-              <a:t>Full GC</a:t>
-            </a:r>
-            <a:r>
-              <a:rPr lang="zh-CN" altLang="en-US" sz="1200" kern="1200" dirty="0">
-                <a:solidFill>
-                  <a:schemeClr val="tx1"/>
-                </a:solidFill>
-                <a:effectLst/>
-                <a:latin typeface="+mn-lt"/>
-                <a:ea typeface="+mn-ea"/>
-                <a:cs typeface="+mn-cs"/>
-              </a:rPr>
-              <a:t>，</a:t>
-            </a:r>
-            <a:r>
-              <a:rPr lang="en-US" altLang="zh-CN" sz="1200" kern="1200" dirty="0">
-                <a:solidFill>
-                  <a:schemeClr val="tx1"/>
-                </a:solidFill>
-                <a:effectLst/>
-                <a:latin typeface="+mn-lt"/>
-                <a:ea typeface="+mn-ea"/>
-                <a:cs typeface="+mn-cs"/>
-              </a:rPr>
-              <a:t>Full GC</a:t>
-            </a:r>
-            <a:r>
-              <a:rPr lang="zh-CN" altLang="en-US" sz="1200" kern="1200" dirty="0">
-                <a:solidFill>
-                  <a:schemeClr val="tx1"/>
-                </a:solidFill>
-                <a:effectLst/>
-                <a:latin typeface="+mn-lt"/>
-                <a:ea typeface="+mn-ea"/>
-                <a:cs typeface="+mn-cs"/>
-              </a:rPr>
-              <a:t>发生频率比较低，老年代对象存活时间比较长，存活率标记高</a:t>
-            </a:r>
-            <a:endParaRPr lang="zh-CN" altLang="en-US" dirty="0">
-              <a:effectLst/>
-            </a:endParaRPr>
-          </a:p>
-          <a:p>
             <a:endParaRPr lang="zh-CN" altLang="en-US" dirty="0"/>
           </a:p>
         </p:txBody>
@@ -1846,6 +621,1318 @@
           <a:p>
             <a:fld id="{0B77BCC6-1F8A-452E-9AE8-956F32ABCC1A}" type="slidenum">
               <a:rPr lang="zh-CN" altLang="en-US" smtClean="0"/>
+              <a:t>4</a:t>
+            </a:fld>
+            <a:endParaRPr lang="zh-CN" altLang="en-US"/>
+          </a:p>
+        </p:txBody>
+      </p:sp>
+    </p:spTree>
+    <p:extLst>
+      <p:ext uri="{BB962C8B-B14F-4D97-AF65-F5344CB8AC3E}">
+        <p14:creationId xmlns:p14="http://schemas.microsoft.com/office/powerpoint/2010/main" val="924833615"/>
+      </p:ext>
+    </p:extLst>
+  </p:cSld>
+  <p:clrMapOvr>
+    <a:masterClrMapping/>
+  </p:clrMapOvr>
+</p:notes>
+</file>
+
+<file path=ppt/notesSlides/notesSlide3.xml><?xml version="1.0" encoding="utf-8"?>
+<p:notes xmlns:a="http://schemas.openxmlformats.org/drawingml/2006/main" xmlns:r="http://schemas.openxmlformats.org/officeDocument/2006/relationships" xmlns:p="http://schemas.openxmlformats.org/presentationml/2006/main">
+  <p:cSld>
+    <p:spTree>
+      <p:nvGrpSpPr>
+        <p:cNvPr id="1" name=""/>
+        <p:cNvGrpSpPr/>
+        <p:nvPr/>
+      </p:nvGrpSpPr>
+      <p:grpSpPr>
+        <a:xfrm>
+          <a:off x="0" y="0"/>
+          <a:ext cx="0" cy="0"/>
+          <a:chOff x="0" y="0"/>
+          <a:chExt cx="0" cy="0"/>
+        </a:xfrm>
+      </p:grpSpPr>
+      <p:sp>
+        <p:nvSpPr>
+          <p:cNvPr id="2" name="幻灯片图像占位符 1"/>
+          <p:cNvSpPr>
+            <a:spLocks noGrp="1" noRot="1" noChangeAspect="1"/>
+          </p:cNvSpPr>
+          <p:nvPr>
+            <p:ph type="sldImg"/>
+          </p:nvPr>
+        </p:nvSpPr>
+        <p:spPr/>
+      </p:sp>
+      <p:sp>
+        <p:nvSpPr>
+          <p:cNvPr id="3" name="备注占位符 2"/>
+          <p:cNvSpPr>
+            <a:spLocks noGrp="1"/>
+          </p:cNvSpPr>
+          <p:nvPr>
+            <p:ph type="body" idx="1"/>
+          </p:nvPr>
+        </p:nvSpPr>
+        <p:spPr/>
+        <p:txBody>
+          <a:bodyPr/>
+          <a:lstStyle/>
+          <a:p>
+            <a:r>
+              <a:rPr lang="zh-CN" altLang="en-US" sz="1200" b="1" kern="1200" dirty="0">
+                <a:solidFill>
+                  <a:schemeClr val="tx1"/>
+                </a:solidFill>
+                <a:effectLst/>
+                <a:latin typeface="+mn-lt"/>
+                <a:ea typeface="+mn-ea"/>
+                <a:cs typeface="+mn-cs"/>
+              </a:rPr>
+              <a:t>年轻代（</a:t>
+            </a:r>
+            <a:r>
+              <a:rPr lang="en-US" altLang="zh-CN" sz="1200" b="1" kern="1200" dirty="0">
+                <a:solidFill>
+                  <a:schemeClr val="tx1"/>
+                </a:solidFill>
+                <a:effectLst/>
+                <a:latin typeface="+mn-lt"/>
+                <a:ea typeface="+mn-ea"/>
+                <a:cs typeface="+mn-cs"/>
+              </a:rPr>
+              <a:t>Young Generation</a:t>
+            </a:r>
+            <a:r>
+              <a:rPr lang="zh-CN" altLang="en-US" sz="1200" b="1" kern="1200" dirty="0">
+                <a:solidFill>
+                  <a:schemeClr val="tx1"/>
+                </a:solidFill>
+                <a:effectLst/>
+                <a:latin typeface="+mn-lt"/>
+                <a:ea typeface="+mn-ea"/>
+                <a:cs typeface="+mn-cs"/>
+              </a:rPr>
+              <a:t>）的回收算法 </a:t>
+            </a:r>
+            <a:r>
+              <a:rPr lang="en-US" altLang="zh-CN" sz="1200" b="1" kern="1200" dirty="0">
+                <a:solidFill>
+                  <a:schemeClr val="tx1"/>
+                </a:solidFill>
+                <a:effectLst/>
+                <a:latin typeface="+mn-lt"/>
+                <a:ea typeface="+mn-ea"/>
+                <a:cs typeface="+mn-cs"/>
+              </a:rPr>
+              <a:t>(</a:t>
+            </a:r>
+            <a:r>
+              <a:rPr lang="zh-CN" altLang="en-US" sz="1200" b="1" kern="1200" dirty="0">
+                <a:solidFill>
+                  <a:schemeClr val="tx1"/>
+                </a:solidFill>
+                <a:effectLst/>
+                <a:latin typeface="+mn-lt"/>
+                <a:ea typeface="+mn-ea"/>
+                <a:cs typeface="+mn-cs"/>
+              </a:rPr>
+              <a:t>回收主要以</a:t>
+            </a:r>
+            <a:r>
+              <a:rPr lang="en-US" altLang="zh-CN" sz="1200" b="1" kern="1200" dirty="0">
+                <a:solidFill>
+                  <a:schemeClr val="tx1"/>
+                </a:solidFill>
+                <a:effectLst/>
+                <a:latin typeface="+mn-lt"/>
+                <a:ea typeface="+mn-ea"/>
+                <a:cs typeface="+mn-cs"/>
+              </a:rPr>
+              <a:t>Copying</a:t>
+            </a:r>
+            <a:r>
+              <a:rPr lang="zh-CN" altLang="en-US" sz="1200" b="1" kern="1200" dirty="0">
+                <a:solidFill>
+                  <a:schemeClr val="tx1"/>
+                </a:solidFill>
+                <a:effectLst/>
+                <a:latin typeface="+mn-lt"/>
+                <a:ea typeface="+mn-ea"/>
+                <a:cs typeface="+mn-cs"/>
+              </a:rPr>
+              <a:t>为主</a:t>
+            </a:r>
+            <a:r>
+              <a:rPr lang="en-US" altLang="zh-CN" sz="1200" b="1" kern="1200" dirty="0">
+                <a:solidFill>
+                  <a:schemeClr val="tx1"/>
+                </a:solidFill>
+                <a:effectLst/>
+                <a:latin typeface="+mn-lt"/>
+                <a:ea typeface="+mn-ea"/>
+                <a:cs typeface="+mn-cs"/>
+              </a:rPr>
+              <a:t>)</a:t>
+            </a:r>
+            <a:endParaRPr lang="zh-CN" altLang="en-US" dirty="0">
+              <a:effectLst/>
+            </a:endParaRPr>
+          </a:p>
+          <a:p>
+            <a:r>
+              <a:rPr lang="en-US" altLang="zh-CN" sz="1200" kern="1200" dirty="0">
+                <a:solidFill>
+                  <a:schemeClr val="tx1"/>
+                </a:solidFill>
+                <a:effectLst/>
+                <a:latin typeface="+mn-lt"/>
+                <a:ea typeface="+mn-ea"/>
+                <a:cs typeface="+mn-cs"/>
+              </a:rPr>
+              <a:t>a) </a:t>
+            </a:r>
+            <a:r>
+              <a:rPr lang="zh-CN" altLang="en-US" sz="1200" kern="1200" dirty="0">
+                <a:solidFill>
+                  <a:schemeClr val="tx1"/>
+                </a:solidFill>
+                <a:effectLst/>
+                <a:latin typeface="+mn-lt"/>
+                <a:ea typeface="+mn-ea"/>
+                <a:cs typeface="+mn-cs"/>
+              </a:rPr>
+              <a:t>所有新生成的对象首先都是放在年轻代的。年轻代的目标就是尽可能快速的收集掉那些生命周期短的对象。</a:t>
+            </a:r>
+            <a:endParaRPr lang="zh-CN" altLang="en-US" dirty="0">
+              <a:effectLst/>
+            </a:endParaRPr>
+          </a:p>
+          <a:p>
+            <a:r>
+              <a:rPr lang="en-US" altLang="zh-CN" sz="1200" kern="1200" dirty="0">
+                <a:solidFill>
+                  <a:schemeClr val="tx1"/>
+                </a:solidFill>
+                <a:effectLst/>
+                <a:latin typeface="+mn-lt"/>
+                <a:ea typeface="+mn-ea"/>
+                <a:cs typeface="+mn-cs"/>
+              </a:rPr>
+              <a:t>b) </a:t>
+            </a:r>
+            <a:r>
+              <a:rPr lang="zh-CN" altLang="en-US" sz="1200" kern="1200" dirty="0">
+                <a:solidFill>
+                  <a:schemeClr val="tx1"/>
+                </a:solidFill>
+                <a:effectLst/>
+                <a:latin typeface="+mn-lt"/>
+                <a:ea typeface="+mn-ea"/>
+                <a:cs typeface="+mn-cs"/>
+              </a:rPr>
+              <a:t>新生代内存按照</a:t>
+            </a:r>
+            <a:r>
+              <a:rPr lang="en-US" altLang="zh-CN" sz="1200" kern="1200" dirty="0">
+                <a:solidFill>
+                  <a:schemeClr val="tx1"/>
+                </a:solidFill>
+                <a:effectLst/>
+                <a:latin typeface="+mn-lt"/>
+                <a:ea typeface="+mn-ea"/>
+                <a:cs typeface="+mn-cs"/>
+              </a:rPr>
+              <a:t>8:1:1</a:t>
+            </a:r>
+            <a:r>
+              <a:rPr lang="zh-CN" altLang="en-US" sz="1200" kern="1200" dirty="0">
+                <a:solidFill>
+                  <a:schemeClr val="tx1"/>
+                </a:solidFill>
+                <a:effectLst/>
+                <a:latin typeface="+mn-lt"/>
+                <a:ea typeface="+mn-ea"/>
+                <a:cs typeface="+mn-cs"/>
+              </a:rPr>
+              <a:t>的比例分为一个</a:t>
+            </a:r>
+            <a:r>
+              <a:rPr lang="en-US" altLang="zh-CN" sz="1200" kern="1200" dirty="0" err="1">
+                <a:solidFill>
+                  <a:schemeClr val="tx1"/>
+                </a:solidFill>
+                <a:effectLst/>
+                <a:latin typeface="+mn-lt"/>
+                <a:ea typeface="+mn-ea"/>
+                <a:cs typeface="+mn-cs"/>
+              </a:rPr>
+              <a:t>eden</a:t>
+            </a:r>
+            <a:r>
+              <a:rPr lang="zh-CN" altLang="en-US" sz="1200" kern="1200" dirty="0">
+                <a:solidFill>
+                  <a:schemeClr val="tx1"/>
+                </a:solidFill>
+                <a:effectLst/>
+                <a:latin typeface="+mn-lt"/>
+                <a:ea typeface="+mn-ea"/>
+                <a:cs typeface="+mn-cs"/>
+              </a:rPr>
+              <a:t>区和两个</a:t>
+            </a:r>
+            <a:r>
+              <a:rPr lang="en-US" altLang="zh-CN" sz="1200" kern="1200" dirty="0">
+                <a:solidFill>
+                  <a:schemeClr val="tx1"/>
+                </a:solidFill>
+                <a:effectLst/>
+                <a:latin typeface="+mn-lt"/>
+                <a:ea typeface="+mn-ea"/>
+                <a:cs typeface="+mn-cs"/>
+              </a:rPr>
+              <a:t>survivor(survivor0,survivor1)</a:t>
+            </a:r>
+            <a:r>
+              <a:rPr lang="zh-CN" altLang="en-US" sz="1200" kern="1200" dirty="0">
+                <a:solidFill>
+                  <a:schemeClr val="tx1"/>
+                </a:solidFill>
+                <a:effectLst/>
+                <a:latin typeface="+mn-lt"/>
+                <a:ea typeface="+mn-ea"/>
+                <a:cs typeface="+mn-cs"/>
+              </a:rPr>
+              <a:t>区。一个</a:t>
+            </a:r>
+            <a:r>
+              <a:rPr lang="en-US" altLang="zh-CN" sz="1200" kern="1200" dirty="0">
+                <a:solidFill>
+                  <a:schemeClr val="tx1"/>
+                </a:solidFill>
+                <a:effectLst/>
+                <a:latin typeface="+mn-lt"/>
+                <a:ea typeface="+mn-ea"/>
+                <a:cs typeface="+mn-cs"/>
+              </a:rPr>
+              <a:t>Eden</a:t>
+            </a:r>
+            <a:r>
+              <a:rPr lang="zh-CN" altLang="en-US" sz="1200" kern="1200" dirty="0">
+                <a:solidFill>
+                  <a:schemeClr val="tx1"/>
+                </a:solidFill>
+                <a:effectLst/>
+                <a:latin typeface="+mn-lt"/>
+                <a:ea typeface="+mn-ea"/>
+                <a:cs typeface="+mn-cs"/>
+              </a:rPr>
+              <a:t>区，两个 </a:t>
+            </a:r>
+            <a:r>
+              <a:rPr lang="en-US" altLang="zh-CN" sz="1200" kern="1200" dirty="0">
+                <a:solidFill>
+                  <a:schemeClr val="tx1"/>
+                </a:solidFill>
+                <a:effectLst/>
+                <a:latin typeface="+mn-lt"/>
+                <a:ea typeface="+mn-ea"/>
+                <a:cs typeface="+mn-cs"/>
+              </a:rPr>
+              <a:t>Survivor</a:t>
+            </a:r>
+            <a:r>
+              <a:rPr lang="zh-CN" altLang="en-US" sz="1200" kern="1200" dirty="0">
+                <a:solidFill>
+                  <a:schemeClr val="tx1"/>
+                </a:solidFill>
+                <a:effectLst/>
+                <a:latin typeface="+mn-lt"/>
+                <a:ea typeface="+mn-ea"/>
+                <a:cs typeface="+mn-cs"/>
+              </a:rPr>
+              <a:t>区</a:t>
+            </a:r>
+            <a:r>
+              <a:rPr lang="en-US" altLang="zh-CN" sz="1200" kern="1200" dirty="0">
+                <a:solidFill>
+                  <a:schemeClr val="tx1"/>
+                </a:solidFill>
+                <a:effectLst/>
+                <a:latin typeface="+mn-lt"/>
+                <a:ea typeface="+mn-ea"/>
+                <a:cs typeface="+mn-cs"/>
+              </a:rPr>
+              <a:t>(</a:t>
+            </a:r>
+            <a:r>
+              <a:rPr lang="zh-CN" altLang="en-US" sz="1200" kern="1200" dirty="0">
+                <a:solidFill>
+                  <a:schemeClr val="tx1"/>
+                </a:solidFill>
+                <a:effectLst/>
+                <a:latin typeface="+mn-lt"/>
+                <a:ea typeface="+mn-ea"/>
+                <a:cs typeface="+mn-cs"/>
+              </a:rPr>
+              <a:t>一般而言</a:t>
+            </a:r>
+            <a:r>
+              <a:rPr lang="en-US" altLang="zh-CN" sz="1200" kern="1200" dirty="0">
+                <a:solidFill>
+                  <a:schemeClr val="tx1"/>
+                </a:solidFill>
+                <a:effectLst/>
+                <a:latin typeface="+mn-lt"/>
+                <a:ea typeface="+mn-ea"/>
+                <a:cs typeface="+mn-cs"/>
+              </a:rPr>
+              <a:t>)</a:t>
+            </a:r>
+            <a:r>
+              <a:rPr lang="zh-CN" altLang="en-US" sz="1200" kern="1200" dirty="0">
+                <a:solidFill>
+                  <a:schemeClr val="tx1"/>
+                </a:solidFill>
+                <a:effectLst/>
+                <a:latin typeface="+mn-lt"/>
+                <a:ea typeface="+mn-ea"/>
+                <a:cs typeface="+mn-cs"/>
+              </a:rPr>
+              <a:t>。大部分对象在</a:t>
+            </a:r>
+            <a:r>
+              <a:rPr lang="en-US" altLang="zh-CN" sz="1200" kern="1200" dirty="0">
+                <a:solidFill>
+                  <a:schemeClr val="tx1"/>
+                </a:solidFill>
+                <a:effectLst/>
+                <a:latin typeface="+mn-lt"/>
+                <a:ea typeface="+mn-ea"/>
+                <a:cs typeface="+mn-cs"/>
+              </a:rPr>
+              <a:t>Eden</a:t>
+            </a:r>
+            <a:r>
+              <a:rPr lang="zh-CN" altLang="en-US" sz="1200" kern="1200" dirty="0">
+                <a:solidFill>
+                  <a:schemeClr val="tx1"/>
+                </a:solidFill>
+                <a:effectLst/>
+                <a:latin typeface="+mn-lt"/>
+                <a:ea typeface="+mn-ea"/>
+                <a:cs typeface="+mn-cs"/>
+              </a:rPr>
+              <a:t>区中生成。回收时先将</a:t>
+            </a:r>
+            <a:r>
+              <a:rPr lang="en-US" altLang="zh-CN" sz="1200" kern="1200" dirty="0" err="1">
+                <a:solidFill>
+                  <a:schemeClr val="tx1"/>
+                </a:solidFill>
+                <a:effectLst/>
+                <a:latin typeface="+mn-lt"/>
+                <a:ea typeface="+mn-ea"/>
+                <a:cs typeface="+mn-cs"/>
+              </a:rPr>
+              <a:t>eden</a:t>
+            </a:r>
+            <a:r>
+              <a:rPr lang="zh-CN" altLang="en-US" sz="1200" kern="1200" dirty="0">
+                <a:solidFill>
+                  <a:schemeClr val="tx1"/>
+                </a:solidFill>
+                <a:effectLst/>
+                <a:latin typeface="+mn-lt"/>
+                <a:ea typeface="+mn-ea"/>
+                <a:cs typeface="+mn-cs"/>
+              </a:rPr>
+              <a:t>区存活对象复制到一个</a:t>
+            </a:r>
+            <a:r>
+              <a:rPr lang="en-US" altLang="zh-CN" sz="1200" kern="1200" dirty="0">
+                <a:solidFill>
+                  <a:schemeClr val="tx1"/>
+                </a:solidFill>
+                <a:effectLst/>
+                <a:latin typeface="+mn-lt"/>
+                <a:ea typeface="+mn-ea"/>
+                <a:cs typeface="+mn-cs"/>
+              </a:rPr>
+              <a:t>survivor0</a:t>
+            </a:r>
+            <a:r>
+              <a:rPr lang="zh-CN" altLang="en-US" sz="1200" kern="1200" dirty="0">
+                <a:solidFill>
+                  <a:schemeClr val="tx1"/>
+                </a:solidFill>
+                <a:effectLst/>
+                <a:latin typeface="+mn-lt"/>
+                <a:ea typeface="+mn-ea"/>
+                <a:cs typeface="+mn-cs"/>
+              </a:rPr>
+              <a:t>区，然后清空</a:t>
+            </a:r>
+            <a:r>
+              <a:rPr lang="en-US" altLang="zh-CN" sz="1200" kern="1200" dirty="0" err="1">
+                <a:solidFill>
+                  <a:schemeClr val="tx1"/>
+                </a:solidFill>
+                <a:effectLst/>
+                <a:latin typeface="+mn-lt"/>
+                <a:ea typeface="+mn-ea"/>
+                <a:cs typeface="+mn-cs"/>
+              </a:rPr>
+              <a:t>eden</a:t>
+            </a:r>
+            <a:r>
+              <a:rPr lang="zh-CN" altLang="en-US" sz="1200" kern="1200" dirty="0">
+                <a:solidFill>
+                  <a:schemeClr val="tx1"/>
+                </a:solidFill>
+                <a:effectLst/>
+                <a:latin typeface="+mn-lt"/>
+                <a:ea typeface="+mn-ea"/>
+                <a:cs typeface="+mn-cs"/>
+              </a:rPr>
+              <a:t>区，当这个</a:t>
+            </a:r>
+            <a:r>
+              <a:rPr lang="en-US" altLang="zh-CN" sz="1200" kern="1200" dirty="0">
+                <a:solidFill>
+                  <a:schemeClr val="tx1"/>
+                </a:solidFill>
+                <a:effectLst/>
+                <a:latin typeface="+mn-lt"/>
+                <a:ea typeface="+mn-ea"/>
+                <a:cs typeface="+mn-cs"/>
+              </a:rPr>
+              <a:t>survivor0</a:t>
+            </a:r>
+            <a:r>
+              <a:rPr lang="zh-CN" altLang="en-US" sz="1200" kern="1200" dirty="0">
+                <a:solidFill>
+                  <a:schemeClr val="tx1"/>
+                </a:solidFill>
+                <a:effectLst/>
+                <a:latin typeface="+mn-lt"/>
+                <a:ea typeface="+mn-ea"/>
+                <a:cs typeface="+mn-cs"/>
+              </a:rPr>
+              <a:t>区也存放满了时，则将</a:t>
+            </a:r>
+            <a:r>
+              <a:rPr lang="en-US" altLang="zh-CN" sz="1200" kern="1200" dirty="0" err="1">
+                <a:solidFill>
+                  <a:schemeClr val="tx1"/>
+                </a:solidFill>
+                <a:effectLst/>
+                <a:latin typeface="+mn-lt"/>
+                <a:ea typeface="+mn-ea"/>
+                <a:cs typeface="+mn-cs"/>
+              </a:rPr>
+              <a:t>eden</a:t>
+            </a:r>
+            <a:r>
+              <a:rPr lang="zh-CN" altLang="en-US" sz="1200" kern="1200" dirty="0">
+                <a:solidFill>
+                  <a:schemeClr val="tx1"/>
+                </a:solidFill>
+                <a:effectLst/>
+                <a:latin typeface="+mn-lt"/>
+                <a:ea typeface="+mn-ea"/>
+                <a:cs typeface="+mn-cs"/>
+              </a:rPr>
+              <a:t>区和</a:t>
+            </a:r>
+            <a:r>
+              <a:rPr lang="en-US" altLang="zh-CN" sz="1200" kern="1200" dirty="0">
+                <a:solidFill>
+                  <a:schemeClr val="tx1"/>
+                </a:solidFill>
+                <a:effectLst/>
+                <a:latin typeface="+mn-lt"/>
+                <a:ea typeface="+mn-ea"/>
+                <a:cs typeface="+mn-cs"/>
+              </a:rPr>
+              <a:t>survivor0</a:t>
+            </a:r>
+            <a:r>
+              <a:rPr lang="zh-CN" altLang="en-US" sz="1200" kern="1200" dirty="0">
+                <a:solidFill>
+                  <a:schemeClr val="tx1"/>
+                </a:solidFill>
+                <a:effectLst/>
+                <a:latin typeface="+mn-lt"/>
+                <a:ea typeface="+mn-ea"/>
+                <a:cs typeface="+mn-cs"/>
+              </a:rPr>
+              <a:t>区存活对象复制到另一个</a:t>
+            </a:r>
+            <a:r>
+              <a:rPr lang="en-US" altLang="zh-CN" sz="1200" kern="1200" dirty="0">
+                <a:solidFill>
+                  <a:schemeClr val="tx1"/>
+                </a:solidFill>
+                <a:effectLst/>
+                <a:latin typeface="+mn-lt"/>
+                <a:ea typeface="+mn-ea"/>
+                <a:cs typeface="+mn-cs"/>
+              </a:rPr>
+              <a:t>survivor1</a:t>
+            </a:r>
+            <a:r>
+              <a:rPr lang="zh-CN" altLang="en-US" sz="1200" kern="1200" dirty="0">
+                <a:solidFill>
+                  <a:schemeClr val="tx1"/>
+                </a:solidFill>
+                <a:effectLst/>
+                <a:latin typeface="+mn-lt"/>
+                <a:ea typeface="+mn-ea"/>
+                <a:cs typeface="+mn-cs"/>
+              </a:rPr>
+              <a:t>区，然后清空</a:t>
+            </a:r>
+            <a:r>
+              <a:rPr lang="en-US" altLang="zh-CN" sz="1200" kern="1200" dirty="0" err="1">
+                <a:solidFill>
+                  <a:schemeClr val="tx1"/>
+                </a:solidFill>
+                <a:effectLst/>
+                <a:latin typeface="+mn-lt"/>
+                <a:ea typeface="+mn-ea"/>
+                <a:cs typeface="+mn-cs"/>
+              </a:rPr>
+              <a:t>eden</a:t>
+            </a:r>
+            <a:r>
+              <a:rPr lang="zh-CN" altLang="en-US" sz="1200" kern="1200" dirty="0">
+                <a:solidFill>
+                  <a:schemeClr val="tx1"/>
+                </a:solidFill>
+                <a:effectLst/>
+                <a:latin typeface="+mn-lt"/>
+                <a:ea typeface="+mn-ea"/>
+                <a:cs typeface="+mn-cs"/>
+              </a:rPr>
+              <a:t>和这个</a:t>
+            </a:r>
+            <a:r>
+              <a:rPr lang="en-US" altLang="zh-CN" sz="1200" kern="1200" dirty="0">
+                <a:solidFill>
+                  <a:schemeClr val="tx1"/>
+                </a:solidFill>
+                <a:effectLst/>
+                <a:latin typeface="+mn-lt"/>
+                <a:ea typeface="+mn-ea"/>
+                <a:cs typeface="+mn-cs"/>
+              </a:rPr>
+              <a:t>survivor0</a:t>
+            </a:r>
+            <a:r>
+              <a:rPr lang="zh-CN" altLang="en-US" sz="1200" kern="1200" dirty="0">
+                <a:solidFill>
+                  <a:schemeClr val="tx1"/>
+                </a:solidFill>
+                <a:effectLst/>
+                <a:latin typeface="+mn-lt"/>
+                <a:ea typeface="+mn-ea"/>
+                <a:cs typeface="+mn-cs"/>
+              </a:rPr>
+              <a:t>区，此时</a:t>
+            </a:r>
+            <a:r>
+              <a:rPr lang="en-US" altLang="zh-CN" sz="1200" kern="1200" dirty="0">
+                <a:solidFill>
+                  <a:schemeClr val="tx1"/>
+                </a:solidFill>
+                <a:effectLst/>
+                <a:latin typeface="+mn-lt"/>
+                <a:ea typeface="+mn-ea"/>
+                <a:cs typeface="+mn-cs"/>
+              </a:rPr>
+              <a:t>survivor0</a:t>
+            </a:r>
+            <a:r>
+              <a:rPr lang="zh-CN" altLang="en-US" sz="1200" kern="1200" dirty="0">
+                <a:solidFill>
+                  <a:schemeClr val="tx1"/>
+                </a:solidFill>
+                <a:effectLst/>
+                <a:latin typeface="+mn-lt"/>
+                <a:ea typeface="+mn-ea"/>
+                <a:cs typeface="+mn-cs"/>
+              </a:rPr>
+              <a:t>区是空的，然后将</a:t>
+            </a:r>
+            <a:r>
+              <a:rPr lang="en-US" altLang="zh-CN" sz="1200" kern="1200" dirty="0">
+                <a:solidFill>
+                  <a:schemeClr val="tx1"/>
+                </a:solidFill>
+                <a:effectLst/>
+                <a:latin typeface="+mn-lt"/>
+                <a:ea typeface="+mn-ea"/>
+                <a:cs typeface="+mn-cs"/>
+              </a:rPr>
+              <a:t>survivor0</a:t>
+            </a:r>
+            <a:r>
+              <a:rPr lang="zh-CN" altLang="en-US" sz="1200" kern="1200" dirty="0">
+                <a:solidFill>
+                  <a:schemeClr val="tx1"/>
+                </a:solidFill>
+                <a:effectLst/>
+                <a:latin typeface="+mn-lt"/>
+                <a:ea typeface="+mn-ea"/>
+                <a:cs typeface="+mn-cs"/>
+              </a:rPr>
+              <a:t>区和</a:t>
+            </a:r>
+            <a:r>
+              <a:rPr lang="en-US" altLang="zh-CN" sz="1200" kern="1200" dirty="0">
+                <a:solidFill>
+                  <a:schemeClr val="tx1"/>
+                </a:solidFill>
+                <a:effectLst/>
+                <a:latin typeface="+mn-lt"/>
+                <a:ea typeface="+mn-ea"/>
+                <a:cs typeface="+mn-cs"/>
+              </a:rPr>
+              <a:t>survivor1</a:t>
+            </a:r>
+            <a:r>
+              <a:rPr lang="zh-CN" altLang="en-US" sz="1200" kern="1200" dirty="0">
+                <a:solidFill>
+                  <a:schemeClr val="tx1"/>
+                </a:solidFill>
+                <a:effectLst/>
+                <a:latin typeface="+mn-lt"/>
+                <a:ea typeface="+mn-ea"/>
+                <a:cs typeface="+mn-cs"/>
+              </a:rPr>
+              <a:t>区交换，即保持</a:t>
+            </a:r>
+            <a:r>
+              <a:rPr lang="en-US" altLang="zh-CN" sz="1200" kern="1200" dirty="0">
+                <a:solidFill>
+                  <a:schemeClr val="tx1"/>
+                </a:solidFill>
+                <a:effectLst/>
+                <a:latin typeface="+mn-lt"/>
+                <a:ea typeface="+mn-ea"/>
+                <a:cs typeface="+mn-cs"/>
+              </a:rPr>
+              <a:t>survivor1</a:t>
+            </a:r>
+            <a:r>
+              <a:rPr lang="zh-CN" altLang="en-US" sz="1200" kern="1200" dirty="0">
+                <a:solidFill>
+                  <a:schemeClr val="tx1"/>
+                </a:solidFill>
+                <a:effectLst/>
+                <a:latin typeface="+mn-lt"/>
+                <a:ea typeface="+mn-ea"/>
+                <a:cs typeface="+mn-cs"/>
+              </a:rPr>
+              <a:t>区为空， 如此往复。</a:t>
+            </a:r>
+            <a:endParaRPr lang="zh-CN" altLang="en-US" dirty="0">
+              <a:effectLst/>
+            </a:endParaRPr>
+          </a:p>
+          <a:p>
+            <a:r>
+              <a:rPr lang="en-US" altLang="zh-CN" sz="1200" kern="1200" dirty="0">
+                <a:solidFill>
+                  <a:schemeClr val="tx1"/>
+                </a:solidFill>
+                <a:effectLst/>
+                <a:latin typeface="+mn-lt"/>
+                <a:ea typeface="+mn-ea"/>
+                <a:cs typeface="+mn-cs"/>
+              </a:rPr>
+              <a:t>c) </a:t>
+            </a:r>
+            <a:r>
+              <a:rPr lang="zh-CN" altLang="en-US" sz="1200" kern="1200" dirty="0">
+                <a:solidFill>
+                  <a:schemeClr val="tx1"/>
+                </a:solidFill>
+                <a:effectLst/>
+                <a:latin typeface="+mn-lt"/>
+                <a:ea typeface="+mn-ea"/>
+                <a:cs typeface="+mn-cs"/>
+              </a:rPr>
+              <a:t>当</a:t>
+            </a:r>
+            <a:r>
+              <a:rPr lang="en-US" altLang="zh-CN" sz="1200" kern="1200" dirty="0">
+                <a:solidFill>
+                  <a:schemeClr val="tx1"/>
+                </a:solidFill>
+                <a:effectLst/>
+                <a:latin typeface="+mn-lt"/>
+                <a:ea typeface="+mn-ea"/>
+                <a:cs typeface="+mn-cs"/>
+              </a:rPr>
+              <a:t>survivor1</a:t>
+            </a:r>
+            <a:r>
+              <a:rPr lang="zh-CN" altLang="en-US" sz="1200" kern="1200" dirty="0">
+                <a:solidFill>
+                  <a:schemeClr val="tx1"/>
+                </a:solidFill>
+                <a:effectLst/>
+                <a:latin typeface="+mn-lt"/>
+                <a:ea typeface="+mn-ea"/>
+                <a:cs typeface="+mn-cs"/>
+              </a:rPr>
+              <a:t>区不足以存放 </a:t>
+            </a:r>
+            <a:r>
+              <a:rPr lang="en-US" altLang="zh-CN" sz="1200" kern="1200" dirty="0" err="1">
+                <a:solidFill>
+                  <a:schemeClr val="tx1"/>
+                </a:solidFill>
+                <a:effectLst/>
+                <a:latin typeface="+mn-lt"/>
+                <a:ea typeface="+mn-ea"/>
+                <a:cs typeface="+mn-cs"/>
+              </a:rPr>
+              <a:t>eden</a:t>
+            </a:r>
+            <a:r>
+              <a:rPr lang="zh-CN" altLang="en-US" sz="1200" kern="1200" dirty="0">
+                <a:solidFill>
+                  <a:schemeClr val="tx1"/>
+                </a:solidFill>
+                <a:effectLst/>
+                <a:latin typeface="+mn-lt"/>
+                <a:ea typeface="+mn-ea"/>
+                <a:cs typeface="+mn-cs"/>
+              </a:rPr>
+              <a:t>和</a:t>
+            </a:r>
+            <a:r>
+              <a:rPr lang="en-US" altLang="zh-CN" sz="1200" kern="1200" dirty="0">
+                <a:solidFill>
+                  <a:schemeClr val="tx1"/>
+                </a:solidFill>
+                <a:effectLst/>
+                <a:latin typeface="+mn-lt"/>
+                <a:ea typeface="+mn-ea"/>
+                <a:cs typeface="+mn-cs"/>
+              </a:rPr>
+              <a:t>survivor0</a:t>
+            </a:r>
+            <a:r>
+              <a:rPr lang="zh-CN" altLang="en-US" sz="1200" kern="1200" dirty="0">
+                <a:solidFill>
+                  <a:schemeClr val="tx1"/>
+                </a:solidFill>
+                <a:effectLst/>
+                <a:latin typeface="+mn-lt"/>
+                <a:ea typeface="+mn-ea"/>
+                <a:cs typeface="+mn-cs"/>
+              </a:rPr>
+              <a:t>的存活对象时，就将存活对象直接存放到老年代。若是老年代也满了就会触发一次</a:t>
+            </a:r>
+            <a:r>
+              <a:rPr lang="en-US" altLang="zh-CN" sz="1200" kern="1200" dirty="0">
+                <a:solidFill>
+                  <a:schemeClr val="tx1"/>
+                </a:solidFill>
+                <a:effectLst/>
+                <a:latin typeface="+mn-lt"/>
+                <a:ea typeface="+mn-ea"/>
+                <a:cs typeface="+mn-cs"/>
+              </a:rPr>
+              <a:t>Full GC(Major GC)</a:t>
+            </a:r>
+            <a:r>
+              <a:rPr lang="zh-CN" altLang="en-US" sz="1200" kern="1200" dirty="0">
+                <a:solidFill>
+                  <a:schemeClr val="tx1"/>
+                </a:solidFill>
+                <a:effectLst/>
+                <a:latin typeface="+mn-lt"/>
+                <a:ea typeface="+mn-ea"/>
+                <a:cs typeface="+mn-cs"/>
+              </a:rPr>
+              <a:t>，也就是新生代、老年代都进行回收。</a:t>
+            </a:r>
+            <a:endParaRPr lang="zh-CN" altLang="en-US" dirty="0">
+              <a:effectLst/>
+            </a:endParaRPr>
+          </a:p>
+          <a:p>
+            <a:r>
+              <a:rPr lang="en-US" altLang="zh-CN" sz="1200" kern="1200" dirty="0">
+                <a:solidFill>
+                  <a:schemeClr val="tx1"/>
+                </a:solidFill>
+                <a:effectLst/>
+                <a:latin typeface="+mn-lt"/>
+                <a:ea typeface="+mn-ea"/>
+                <a:cs typeface="+mn-cs"/>
+              </a:rPr>
+              <a:t>d) </a:t>
+            </a:r>
+            <a:r>
+              <a:rPr lang="zh-CN" altLang="en-US" sz="1200" kern="1200" dirty="0">
+                <a:solidFill>
+                  <a:schemeClr val="tx1"/>
+                </a:solidFill>
+                <a:effectLst/>
+                <a:latin typeface="+mn-lt"/>
+                <a:ea typeface="+mn-ea"/>
+                <a:cs typeface="+mn-cs"/>
+              </a:rPr>
+              <a:t>新生代发生的</a:t>
+            </a:r>
+            <a:r>
+              <a:rPr lang="en-US" altLang="zh-CN" sz="1200" kern="1200" dirty="0">
+                <a:solidFill>
+                  <a:schemeClr val="tx1"/>
+                </a:solidFill>
+                <a:effectLst/>
+                <a:latin typeface="+mn-lt"/>
+                <a:ea typeface="+mn-ea"/>
+                <a:cs typeface="+mn-cs"/>
+              </a:rPr>
+              <a:t>GC</a:t>
+            </a:r>
+            <a:r>
+              <a:rPr lang="zh-CN" altLang="en-US" sz="1200" kern="1200" dirty="0">
+                <a:solidFill>
+                  <a:schemeClr val="tx1"/>
+                </a:solidFill>
+                <a:effectLst/>
+                <a:latin typeface="+mn-lt"/>
+                <a:ea typeface="+mn-ea"/>
+                <a:cs typeface="+mn-cs"/>
+              </a:rPr>
+              <a:t>也叫做</a:t>
+            </a:r>
+            <a:r>
+              <a:rPr lang="en-US" altLang="zh-CN" sz="1200" kern="1200" dirty="0">
+                <a:solidFill>
+                  <a:schemeClr val="tx1"/>
+                </a:solidFill>
+                <a:effectLst/>
+                <a:latin typeface="+mn-lt"/>
+                <a:ea typeface="+mn-ea"/>
+                <a:cs typeface="+mn-cs"/>
+              </a:rPr>
+              <a:t>Minor GC</a:t>
+            </a:r>
+            <a:r>
+              <a:rPr lang="zh-CN" altLang="en-US" sz="1200" kern="1200" dirty="0">
+                <a:solidFill>
+                  <a:schemeClr val="tx1"/>
+                </a:solidFill>
+                <a:effectLst/>
+                <a:latin typeface="+mn-lt"/>
+                <a:ea typeface="+mn-ea"/>
+                <a:cs typeface="+mn-cs"/>
+              </a:rPr>
+              <a:t>，</a:t>
+            </a:r>
+            <a:r>
+              <a:rPr lang="en-US" altLang="zh-CN" sz="1200" kern="1200" dirty="0" err="1">
+                <a:solidFill>
+                  <a:schemeClr val="tx1"/>
+                </a:solidFill>
+                <a:effectLst/>
+                <a:latin typeface="+mn-lt"/>
+                <a:ea typeface="+mn-ea"/>
+                <a:cs typeface="+mn-cs"/>
+              </a:rPr>
+              <a:t>MinorGC</a:t>
+            </a:r>
+            <a:r>
+              <a:rPr lang="zh-CN" altLang="en-US" sz="1200" kern="1200" dirty="0">
+                <a:solidFill>
+                  <a:schemeClr val="tx1"/>
+                </a:solidFill>
+                <a:effectLst/>
+                <a:latin typeface="+mn-lt"/>
+                <a:ea typeface="+mn-ea"/>
+                <a:cs typeface="+mn-cs"/>
+              </a:rPr>
+              <a:t>发生频率比较高</a:t>
+            </a:r>
+            <a:r>
+              <a:rPr lang="en-US" altLang="zh-CN" sz="1200" kern="1200" dirty="0">
+                <a:solidFill>
+                  <a:schemeClr val="tx1"/>
+                </a:solidFill>
+                <a:effectLst/>
+                <a:latin typeface="+mn-lt"/>
+                <a:ea typeface="+mn-ea"/>
+                <a:cs typeface="+mn-cs"/>
+              </a:rPr>
+              <a:t>(</a:t>
+            </a:r>
+            <a:r>
+              <a:rPr lang="zh-CN" altLang="en-US" sz="1200" kern="1200" dirty="0">
+                <a:solidFill>
+                  <a:schemeClr val="tx1"/>
+                </a:solidFill>
+                <a:effectLst/>
+                <a:latin typeface="+mn-lt"/>
+                <a:ea typeface="+mn-ea"/>
+                <a:cs typeface="+mn-cs"/>
+              </a:rPr>
+              <a:t>不一定等</a:t>
+            </a:r>
+            <a:r>
+              <a:rPr lang="en-US" altLang="zh-CN" sz="1200" kern="1200" dirty="0">
+                <a:solidFill>
+                  <a:schemeClr val="tx1"/>
+                </a:solidFill>
+                <a:effectLst/>
+                <a:latin typeface="+mn-lt"/>
+                <a:ea typeface="+mn-ea"/>
+                <a:cs typeface="+mn-cs"/>
+              </a:rPr>
+              <a:t>Eden</a:t>
+            </a:r>
+            <a:r>
+              <a:rPr lang="zh-CN" altLang="en-US" sz="1200" kern="1200" dirty="0">
+                <a:solidFill>
+                  <a:schemeClr val="tx1"/>
+                </a:solidFill>
+                <a:effectLst/>
+                <a:latin typeface="+mn-lt"/>
+                <a:ea typeface="+mn-ea"/>
+                <a:cs typeface="+mn-cs"/>
+              </a:rPr>
+              <a:t>区满了才触发</a:t>
+            </a:r>
+            <a:r>
+              <a:rPr lang="en-US" altLang="zh-CN" sz="1200" kern="1200" dirty="0">
+                <a:solidFill>
+                  <a:schemeClr val="tx1"/>
+                </a:solidFill>
+                <a:effectLst/>
+                <a:latin typeface="+mn-lt"/>
+                <a:ea typeface="+mn-ea"/>
+                <a:cs typeface="+mn-cs"/>
+              </a:rPr>
+              <a:t>)</a:t>
+            </a:r>
+            <a:r>
+              <a:rPr lang="zh-CN" altLang="en-US" sz="1200" kern="1200" dirty="0">
+                <a:solidFill>
+                  <a:schemeClr val="tx1"/>
+                </a:solidFill>
+                <a:effectLst/>
+                <a:latin typeface="+mn-lt"/>
+                <a:ea typeface="+mn-ea"/>
+                <a:cs typeface="+mn-cs"/>
+              </a:rPr>
+              <a:t>。</a:t>
+            </a:r>
+            <a:endParaRPr lang="zh-CN" altLang="en-US" dirty="0">
+              <a:effectLst/>
+            </a:endParaRPr>
+          </a:p>
+          <a:p>
+            <a:r>
+              <a:rPr lang="zh-CN" altLang="en-US" sz="1200" b="1" kern="1200" dirty="0">
+                <a:solidFill>
+                  <a:schemeClr val="tx1"/>
+                </a:solidFill>
+                <a:effectLst/>
+                <a:latin typeface="+mn-lt"/>
+                <a:ea typeface="+mn-ea"/>
+                <a:cs typeface="+mn-cs"/>
+              </a:rPr>
+              <a:t>年老代（</a:t>
+            </a:r>
+            <a:r>
+              <a:rPr lang="en-US" altLang="zh-CN" sz="1200" b="1" kern="1200" dirty="0">
+                <a:solidFill>
+                  <a:schemeClr val="tx1"/>
+                </a:solidFill>
+                <a:effectLst/>
+                <a:latin typeface="+mn-lt"/>
+                <a:ea typeface="+mn-ea"/>
+                <a:cs typeface="+mn-cs"/>
+              </a:rPr>
+              <a:t>Old Generation</a:t>
+            </a:r>
+            <a:r>
+              <a:rPr lang="zh-CN" altLang="en-US" sz="1200" b="1" kern="1200" dirty="0">
+                <a:solidFill>
+                  <a:schemeClr val="tx1"/>
+                </a:solidFill>
+                <a:effectLst/>
+                <a:latin typeface="+mn-lt"/>
+                <a:ea typeface="+mn-ea"/>
+                <a:cs typeface="+mn-cs"/>
+              </a:rPr>
+              <a:t>）的回收算法（回收主要以</a:t>
+            </a:r>
+            <a:r>
+              <a:rPr lang="en-US" altLang="zh-CN" sz="1200" b="1" kern="1200" dirty="0">
+                <a:solidFill>
+                  <a:schemeClr val="tx1"/>
+                </a:solidFill>
+                <a:effectLst/>
+                <a:latin typeface="+mn-lt"/>
+                <a:ea typeface="+mn-ea"/>
+                <a:cs typeface="+mn-cs"/>
+              </a:rPr>
+              <a:t>Mark-Compact</a:t>
+            </a:r>
+            <a:r>
+              <a:rPr lang="zh-CN" altLang="en-US" sz="1200" b="1" kern="1200" dirty="0">
+                <a:solidFill>
+                  <a:schemeClr val="tx1"/>
+                </a:solidFill>
+                <a:effectLst/>
+                <a:latin typeface="+mn-lt"/>
+                <a:ea typeface="+mn-ea"/>
+                <a:cs typeface="+mn-cs"/>
+              </a:rPr>
+              <a:t>为主）</a:t>
+            </a:r>
+            <a:endParaRPr lang="zh-CN" altLang="en-US" dirty="0">
+              <a:effectLst/>
+            </a:endParaRPr>
+          </a:p>
+          <a:p>
+            <a:r>
+              <a:rPr lang="en-US" altLang="zh-CN" sz="1200" kern="1200" dirty="0">
+                <a:solidFill>
+                  <a:schemeClr val="tx1"/>
+                </a:solidFill>
+                <a:effectLst/>
+                <a:latin typeface="+mn-lt"/>
+                <a:ea typeface="+mn-ea"/>
+                <a:cs typeface="+mn-cs"/>
+              </a:rPr>
+              <a:t>a) </a:t>
+            </a:r>
+            <a:r>
+              <a:rPr lang="zh-CN" altLang="en-US" sz="1200" kern="1200" dirty="0">
+                <a:solidFill>
+                  <a:schemeClr val="tx1"/>
+                </a:solidFill>
+                <a:effectLst/>
+                <a:latin typeface="+mn-lt"/>
+                <a:ea typeface="+mn-ea"/>
+                <a:cs typeface="+mn-cs"/>
+              </a:rPr>
+              <a:t>在年轻代中经历了</a:t>
+            </a:r>
+            <a:r>
+              <a:rPr lang="en-US" altLang="zh-CN" sz="1200" kern="1200" dirty="0">
+                <a:solidFill>
+                  <a:schemeClr val="tx1"/>
+                </a:solidFill>
+                <a:effectLst/>
+                <a:latin typeface="+mn-lt"/>
+                <a:ea typeface="+mn-ea"/>
+                <a:cs typeface="+mn-cs"/>
+              </a:rPr>
+              <a:t>N</a:t>
+            </a:r>
+            <a:r>
+              <a:rPr lang="zh-CN" altLang="en-US" sz="1200" kern="1200" dirty="0">
+                <a:solidFill>
+                  <a:schemeClr val="tx1"/>
+                </a:solidFill>
+                <a:effectLst/>
+                <a:latin typeface="+mn-lt"/>
+                <a:ea typeface="+mn-ea"/>
+                <a:cs typeface="+mn-cs"/>
+              </a:rPr>
+              <a:t>次垃圾回收后仍然存活的对象，就会被放到年老代中。因此，可以认为年老代中存放的都是一些生命周期较长的对象。</a:t>
+            </a:r>
+            <a:endParaRPr lang="zh-CN" altLang="en-US" dirty="0">
+              <a:effectLst/>
+            </a:endParaRPr>
+          </a:p>
+          <a:p>
+            <a:r>
+              <a:rPr lang="en-US" altLang="zh-CN" sz="1200" kern="1200" dirty="0">
+                <a:solidFill>
+                  <a:schemeClr val="tx1"/>
+                </a:solidFill>
+                <a:effectLst/>
+                <a:latin typeface="+mn-lt"/>
+                <a:ea typeface="+mn-ea"/>
+                <a:cs typeface="+mn-cs"/>
+              </a:rPr>
+              <a:t>b) </a:t>
+            </a:r>
+            <a:r>
+              <a:rPr lang="zh-CN" altLang="en-US" sz="1200" kern="1200" dirty="0">
+                <a:solidFill>
+                  <a:schemeClr val="tx1"/>
+                </a:solidFill>
+                <a:effectLst/>
+                <a:latin typeface="+mn-lt"/>
+                <a:ea typeface="+mn-ea"/>
+                <a:cs typeface="+mn-cs"/>
+              </a:rPr>
+              <a:t>内存比新生代也大很多</a:t>
+            </a:r>
+            <a:r>
+              <a:rPr lang="en-US" altLang="zh-CN" sz="1200" kern="1200" dirty="0">
+                <a:solidFill>
+                  <a:schemeClr val="tx1"/>
+                </a:solidFill>
+                <a:effectLst/>
+                <a:latin typeface="+mn-lt"/>
+                <a:ea typeface="+mn-ea"/>
+                <a:cs typeface="+mn-cs"/>
+              </a:rPr>
+              <a:t>(</a:t>
+            </a:r>
+            <a:r>
+              <a:rPr lang="zh-CN" altLang="en-US" sz="1200" kern="1200" dirty="0">
+                <a:solidFill>
+                  <a:schemeClr val="tx1"/>
+                </a:solidFill>
+                <a:effectLst/>
+                <a:latin typeface="+mn-lt"/>
+                <a:ea typeface="+mn-ea"/>
+                <a:cs typeface="+mn-cs"/>
+              </a:rPr>
+              <a:t>大概比例是</a:t>
+            </a:r>
+            <a:r>
+              <a:rPr lang="en-US" altLang="zh-CN" sz="1200" kern="1200" dirty="0">
+                <a:solidFill>
+                  <a:schemeClr val="tx1"/>
+                </a:solidFill>
+                <a:effectLst/>
+                <a:latin typeface="+mn-lt"/>
+                <a:ea typeface="+mn-ea"/>
+                <a:cs typeface="+mn-cs"/>
+              </a:rPr>
+              <a:t>1:2)</a:t>
+            </a:r>
+            <a:r>
+              <a:rPr lang="zh-CN" altLang="en-US" sz="1200" kern="1200" dirty="0">
+                <a:solidFill>
+                  <a:schemeClr val="tx1"/>
+                </a:solidFill>
+                <a:effectLst/>
+                <a:latin typeface="+mn-lt"/>
+                <a:ea typeface="+mn-ea"/>
+                <a:cs typeface="+mn-cs"/>
+              </a:rPr>
+              <a:t>，当老年代内存满时触发</a:t>
+            </a:r>
+            <a:r>
+              <a:rPr lang="en-US" altLang="zh-CN" sz="1200" kern="1200" dirty="0">
+                <a:solidFill>
+                  <a:schemeClr val="tx1"/>
+                </a:solidFill>
+                <a:effectLst/>
+                <a:latin typeface="+mn-lt"/>
+                <a:ea typeface="+mn-ea"/>
+                <a:cs typeface="+mn-cs"/>
+              </a:rPr>
+              <a:t>Major GC</a:t>
+            </a:r>
+            <a:r>
+              <a:rPr lang="zh-CN" altLang="en-US" sz="1200" kern="1200" dirty="0">
+                <a:solidFill>
+                  <a:schemeClr val="tx1"/>
+                </a:solidFill>
+                <a:effectLst/>
+                <a:latin typeface="+mn-lt"/>
+                <a:ea typeface="+mn-ea"/>
+                <a:cs typeface="+mn-cs"/>
+              </a:rPr>
+              <a:t>即</a:t>
+            </a:r>
+            <a:r>
+              <a:rPr lang="en-US" altLang="zh-CN" sz="1200" kern="1200" dirty="0">
+                <a:solidFill>
+                  <a:schemeClr val="tx1"/>
+                </a:solidFill>
+                <a:effectLst/>
+                <a:latin typeface="+mn-lt"/>
+                <a:ea typeface="+mn-ea"/>
+                <a:cs typeface="+mn-cs"/>
+              </a:rPr>
+              <a:t>Full GC</a:t>
+            </a:r>
+            <a:r>
+              <a:rPr lang="zh-CN" altLang="en-US" sz="1200" kern="1200" dirty="0">
+                <a:solidFill>
+                  <a:schemeClr val="tx1"/>
+                </a:solidFill>
+                <a:effectLst/>
+                <a:latin typeface="+mn-lt"/>
+                <a:ea typeface="+mn-ea"/>
+                <a:cs typeface="+mn-cs"/>
+              </a:rPr>
+              <a:t>，</a:t>
+            </a:r>
+            <a:r>
+              <a:rPr lang="en-US" altLang="zh-CN" sz="1200" kern="1200" dirty="0">
+                <a:solidFill>
+                  <a:schemeClr val="tx1"/>
+                </a:solidFill>
+                <a:effectLst/>
+                <a:latin typeface="+mn-lt"/>
+                <a:ea typeface="+mn-ea"/>
+                <a:cs typeface="+mn-cs"/>
+              </a:rPr>
+              <a:t>Full GC</a:t>
+            </a:r>
+            <a:r>
+              <a:rPr lang="zh-CN" altLang="en-US" sz="1200" kern="1200" dirty="0">
+                <a:solidFill>
+                  <a:schemeClr val="tx1"/>
+                </a:solidFill>
+                <a:effectLst/>
+                <a:latin typeface="+mn-lt"/>
+                <a:ea typeface="+mn-ea"/>
+                <a:cs typeface="+mn-cs"/>
+              </a:rPr>
+              <a:t>发生频率比较低，老年代对象存活时间比较长，存活率标记高</a:t>
+            </a:r>
+            <a:endParaRPr lang="zh-CN" altLang="en-US" dirty="0">
+              <a:effectLst/>
+            </a:endParaRPr>
+          </a:p>
+          <a:p>
+            <a:endParaRPr lang="zh-CN" altLang="en-US" dirty="0"/>
+          </a:p>
+        </p:txBody>
+      </p:sp>
+      <p:sp>
+        <p:nvSpPr>
+          <p:cNvPr id="4" name="灯片编号占位符 3"/>
+          <p:cNvSpPr>
+            <a:spLocks noGrp="1"/>
+          </p:cNvSpPr>
+          <p:nvPr>
+            <p:ph type="sldNum" sz="quarter" idx="5"/>
+          </p:nvPr>
+        </p:nvSpPr>
+        <p:spPr/>
+        <p:txBody>
+          <a:bodyPr/>
+          <a:lstStyle/>
+          <a:p>
+            <a:fld id="{0B77BCC6-1F8A-452E-9AE8-956F32ABCC1A}" type="slidenum">
+              <a:rPr lang="zh-CN" altLang="en-US" smtClean="0"/>
               <a:t>6</a:t>
             </a:fld>
             <a:endParaRPr lang="zh-CN" altLang="en-US"/>
@@ -1856,6 +1943,90 @@
     <p:extLst>
       <p:ext uri="{BB962C8B-B14F-4D97-AF65-F5344CB8AC3E}">
         <p14:creationId xmlns:p14="http://schemas.microsoft.com/office/powerpoint/2010/main" val="2799793627"/>
+      </p:ext>
+    </p:extLst>
+  </p:cSld>
+  <p:clrMapOvr>
+    <a:masterClrMapping/>
+  </p:clrMapOvr>
+</p:notes>
+</file>
+
+<file path=ppt/notesSlides/notesSlide4.xml><?xml version="1.0" encoding="utf-8"?>
+<p:notes xmlns:a="http://schemas.openxmlformats.org/drawingml/2006/main" xmlns:r="http://schemas.openxmlformats.org/officeDocument/2006/relationships" xmlns:p="http://schemas.openxmlformats.org/presentationml/2006/main">
+  <p:cSld>
+    <p:spTree>
+      <p:nvGrpSpPr>
+        <p:cNvPr id="1" name=""/>
+        <p:cNvGrpSpPr/>
+        <p:nvPr/>
+      </p:nvGrpSpPr>
+      <p:grpSpPr>
+        <a:xfrm>
+          <a:off x="0" y="0"/>
+          <a:ext cx="0" cy="0"/>
+          <a:chOff x="0" y="0"/>
+          <a:chExt cx="0" cy="0"/>
+        </a:xfrm>
+      </p:grpSpPr>
+      <p:sp>
+        <p:nvSpPr>
+          <p:cNvPr id="2" name="幻灯片图像占位符 1"/>
+          <p:cNvSpPr>
+            <a:spLocks noGrp="1" noRot="1" noChangeAspect="1"/>
+          </p:cNvSpPr>
+          <p:nvPr>
+            <p:ph type="sldImg"/>
+          </p:nvPr>
+        </p:nvSpPr>
+        <p:spPr/>
+      </p:sp>
+      <p:sp>
+        <p:nvSpPr>
+          <p:cNvPr id="3" name="备注占位符 2"/>
+          <p:cNvSpPr>
+            <a:spLocks noGrp="1"/>
+          </p:cNvSpPr>
+          <p:nvPr>
+            <p:ph type="body" idx="1"/>
+          </p:nvPr>
+        </p:nvSpPr>
+        <p:spPr/>
+        <p:txBody>
+          <a:bodyPr/>
+          <a:lstStyle/>
+          <a:p>
+            <a:endParaRPr lang="zh-CN" altLang="en-US" dirty="0"/>
+          </a:p>
+        </p:txBody>
+      </p:sp>
+      <p:sp>
+        <p:nvSpPr>
+          <p:cNvPr id="4" name="灯片编号占位符 3"/>
+          <p:cNvSpPr>
+            <a:spLocks noGrp="1"/>
+          </p:cNvSpPr>
+          <p:nvPr>
+            <p:ph type="sldNum" sz="quarter" idx="5"/>
+          </p:nvPr>
+        </p:nvSpPr>
+        <p:spPr/>
+        <p:txBody>
+          <a:bodyPr/>
+          <a:lstStyle/>
+          <a:p>
+            <a:fld id="{0B77BCC6-1F8A-452E-9AE8-956F32ABCC1A}" type="slidenum">
+              <a:rPr lang="zh-CN" altLang="en-US" smtClean="0"/>
+              <a:t>9</a:t>
+            </a:fld>
+            <a:endParaRPr lang="zh-CN" altLang="en-US"/>
+          </a:p>
+        </p:txBody>
+      </p:sp>
+    </p:spTree>
+    <p:extLst>
+      <p:ext uri="{BB962C8B-B14F-4D97-AF65-F5344CB8AC3E}">
+        <p14:creationId xmlns:p14="http://schemas.microsoft.com/office/powerpoint/2010/main" val="1168434198"/>
       </p:ext>
     </p:extLst>
   </p:cSld>
@@ -2012,7 +2183,7 @@
           <a:p>
             <a:fld id="{1331EC2B-80D6-4C7C-9EC4-5505DA85B637}" type="datetimeFigureOut">
               <a:rPr lang="zh-CN" altLang="en-US" smtClean="0"/>
-              <a:t>2019/4/15</a:t>
+              <a:t>2019/4/18</a:t>
             </a:fld>
             <a:endParaRPr lang="zh-CN" altLang="en-US"/>
           </a:p>
@@ -2210,7 +2381,7 @@
           <a:p>
             <a:fld id="{1331EC2B-80D6-4C7C-9EC4-5505DA85B637}" type="datetimeFigureOut">
               <a:rPr lang="zh-CN" altLang="en-US" smtClean="0"/>
-              <a:t>2019/4/15</a:t>
+              <a:t>2019/4/18</a:t>
             </a:fld>
             <a:endParaRPr lang="zh-CN" altLang="en-US"/>
           </a:p>
@@ -2418,7 +2589,7 @@
           <a:p>
             <a:fld id="{1331EC2B-80D6-4C7C-9EC4-5505DA85B637}" type="datetimeFigureOut">
               <a:rPr lang="zh-CN" altLang="en-US" smtClean="0"/>
-              <a:t>2019/4/15</a:t>
+              <a:t>2019/4/18</a:t>
             </a:fld>
             <a:endParaRPr lang="zh-CN" altLang="en-US"/>
           </a:p>
@@ -2616,7 +2787,7 @@
           <a:p>
             <a:fld id="{1331EC2B-80D6-4C7C-9EC4-5505DA85B637}" type="datetimeFigureOut">
               <a:rPr lang="zh-CN" altLang="en-US" smtClean="0"/>
-              <a:t>2019/4/15</a:t>
+              <a:t>2019/4/18</a:t>
             </a:fld>
             <a:endParaRPr lang="zh-CN" altLang="en-US"/>
           </a:p>
@@ -2891,7 +3062,7 @@
           <a:p>
             <a:fld id="{1331EC2B-80D6-4C7C-9EC4-5505DA85B637}" type="datetimeFigureOut">
               <a:rPr lang="zh-CN" altLang="en-US" smtClean="0"/>
-              <a:t>2019/4/15</a:t>
+              <a:t>2019/4/18</a:t>
             </a:fld>
             <a:endParaRPr lang="zh-CN" altLang="en-US"/>
           </a:p>
@@ -3156,7 +3327,7 @@
           <a:p>
             <a:fld id="{1331EC2B-80D6-4C7C-9EC4-5505DA85B637}" type="datetimeFigureOut">
               <a:rPr lang="zh-CN" altLang="en-US" smtClean="0"/>
-              <a:t>2019/4/15</a:t>
+              <a:t>2019/4/18</a:t>
             </a:fld>
             <a:endParaRPr lang="zh-CN" altLang="en-US"/>
           </a:p>
@@ -3568,7 +3739,7 @@
           <a:p>
             <a:fld id="{1331EC2B-80D6-4C7C-9EC4-5505DA85B637}" type="datetimeFigureOut">
               <a:rPr lang="zh-CN" altLang="en-US" smtClean="0"/>
-              <a:t>2019/4/15</a:t>
+              <a:t>2019/4/18</a:t>
             </a:fld>
             <a:endParaRPr lang="zh-CN" altLang="en-US"/>
           </a:p>
@@ -3709,7 +3880,7 @@
           <a:p>
             <a:fld id="{1331EC2B-80D6-4C7C-9EC4-5505DA85B637}" type="datetimeFigureOut">
               <a:rPr lang="zh-CN" altLang="en-US" smtClean="0"/>
-              <a:t>2019/4/15</a:t>
+              <a:t>2019/4/18</a:t>
             </a:fld>
             <a:endParaRPr lang="zh-CN" altLang="en-US"/>
           </a:p>
@@ -3822,7 +3993,7 @@
           <a:p>
             <a:fld id="{1331EC2B-80D6-4C7C-9EC4-5505DA85B637}" type="datetimeFigureOut">
               <a:rPr lang="zh-CN" altLang="en-US" smtClean="0"/>
-              <a:t>2019/4/15</a:t>
+              <a:t>2019/4/18</a:t>
             </a:fld>
             <a:endParaRPr lang="zh-CN" altLang="en-US"/>
           </a:p>
@@ -4133,7 +4304,7 @@
           <a:p>
             <a:fld id="{1331EC2B-80D6-4C7C-9EC4-5505DA85B637}" type="datetimeFigureOut">
               <a:rPr lang="zh-CN" altLang="en-US" smtClean="0"/>
-              <a:t>2019/4/15</a:t>
+              <a:t>2019/4/18</a:t>
             </a:fld>
             <a:endParaRPr lang="zh-CN" altLang="en-US"/>
           </a:p>
@@ -4421,7 +4592,7 @@
           <a:p>
             <a:fld id="{1331EC2B-80D6-4C7C-9EC4-5505DA85B637}" type="datetimeFigureOut">
               <a:rPr lang="zh-CN" altLang="en-US" smtClean="0"/>
-              <a:t>2019/4/15</a:t>
+              <a:t>2019/4/18</a:t>
             </a:fld>
             <a:endParaRPr lang="zh-CN" altLang="en-US"/>
           </a:p>
@@ -4662,7 +4833,7 @@
           <a:p>
             <a:fld id="{1331EC2B-80D6-4C7C-9EC4-5505DA85B637}" type="datetimeFigureOut">
               <a:rPr lang="zh-CN" altLang="en-US" smtClean="0"/>
-              <a:t>2019/4/15</a:t>
+              <a:t>2019/4/18</a:t>
             </a:fld>
             <a:endParaRPr lang="zh-CN" altLang="en-US"/>
           </a:p>
@@ -5065,6 +5236,16 @@
 <file path=ppt/slides/slide1.xml><?xml version="1.0" encoding="utf-8"?>
 <p:sld xmlns:a="http://schemas.openxmlformats.org/drawingml/2006/main" xmlns:r="http://schemas.openxmlformats.org/officeDocument/2006/relationships" xmlns:p="http://schemas.openxmlformats.org/presentationml/2006/main">
   <p:cSld>
+    <p:bg>
+      <p:bgPr>
+        <a:solidFill>
+          <a:schemeClr val="bg1">
+            <a:lumMod val="95000"/>
+          </a:schemeClr>
+        </a:solidFill>
+        <a:effectLst/>
+      </p:bgPr>
+    </p:bg>
     <p:spTree>
       <p:nvGrpSpPr>
         <p:cNvPr id="1" name=""/>
@@ -6384,26 +6565,36 @@
         </p:nvSpPr>
         <p:spPr>
           <a:xfrm>
-            <a:off x="56703" y="39302"/>
-            <a:ext cx="3438762" cy="369332"/>
+            <a:off x="0" y="3955"/>
+            <a:ext cx="12192000" cy="369332"/>
           </a:xfrm>
           <a:prstGeom prst="rect">
             <a:avLst/>
           </a:prstGeom>
-          <a:noFill/>
+          <a:solidFill>
+            <a:srgbClr val="002060"/>
+          </a:solidFill>
         </p:spPr>
         <p:txBody>
-          <a:bodyPr wrap="none" rtlCol="0">
+          <a:bodyPr wrap="square" rtlCol="0">
             <a:spAutoFit/>
           </a:bodyPr>
           <a:lstStyle/>
           <a:p>
             <a:r>
-              <a:rPr lang="en-US" altLang="zh-CN" b="1" dirty="0"/>
-              <a:t>Java8 HashMap</a:t>
-            </a:r>
-            <a:r>
-              <a:rPr lang="zh-CN" altLang="en-US" b="1" dirty="0"/>
+              <a:rPr lang="en-US" altLang="zh-CN" b="1" dirty="0">
+                <a:solidFill>
+                  <a:schemeClr val="bg1"/>
+                </a:solidFill>
+              </a:rPr>
+              <a:t>Java8 - HashMap</a:t>
+            </a:r>
+            <a:r>
+              <a:rPr lang="zh-CN" altLang="en-US" b="1" dirty="0">
+                <a:solidFill>
+                  <a:schemeClr val="bg1"/>
+                </a:solidFill>
+              </a:rPr>
               <a:t>存储结构及逻辑</a:t>
             </a:r>
           </a:p>
@@ -8457,6 +8648,16 @@
 <file path=ppt/slides/slide2.xml><?xml version="1.0" encoding="utf-8"?>
 <p:sld xmlns:a="http://schemas.openxmlformats.org/drawingml/2006/main" xmlns:r="http://schemas.openxmlformats.org/officeDocument/2006/relationships" xmlns:p="http://schemas.openxmlformats.org/presentationml/2006/main">
   <p:cSld>
+    <p:bg>
+      <p:bgPr>
+        <a:solidFill>
+          <a:schemeClr val="bg1">
+            <a:lumMod val="95000"/>
+          </a:schemeClr>
+        </a:solidFill>
+        <a:effectLst/>
+      </p:bgPr>
+    </p:bg>
     <p:spTree>
       <p:nvGrpSpPr>
         <p:cNvPr id="1" name=""/>
@@ -8533,25 +8734,38 @@
         <p:spPr>
           <a:xfrm>
             <a:off x="0" y="0"/>
-            <a:ext cx="2237771" cy="369332"/>
+            <a:ext cx="12192000" cy="369332"/>
           </a:xfrm>
           <a:prstGeom prst="rect">
             <a:avLst/>
           </a:prstGeom>
-          <a:noFill/>
+          <a:solidFill>
+            <a:srgbClr val="002060"/>
+          </a:solidFill>
         </p:spPr>
         <p:txBody>
           <a:bodyPr wrap="square" rtlCol="0">
             <a:spAutoFit/>
           </a:bodyPr>
-          <a:lstStyle/>
-          <a:p>
-            <a:r>
-              <a:rPr lang="en-US" altLang="zh-CN" b="1" dirty="0"/>
+          <a:lstStyle>
+            <a:defPPr>
+              <a:defRPr lang="zh-CN"/>
+            </a:defPPr>
+            <a:lvl1pPr>
+              <a:defRPr b="1">
+                <a:solidFill>
+                  <a:schemeClr val="bg1"/>
+                </a:solidFill>
+              </a:defRPr>
+            </a:lvl1pPr>
+          </a:lstStyle>
+          <a:p>
+            <a:r>
+              <a:rPr lang="en-US" altLang="zh-CN" dirty="0"/>
               <a:t>Java </a:t>
             </a:r>
             <a:r>
-              <a:rPr lang="zh-CN" altLang="en-US" b="1" dirty="0"/>
+              <a:rPr lang="zh-CN" altLang="en-US" dirty="0"/>
               <a:t>基础数据类型</a:t>
             </a:r>
           </a:p>
@@ -8603,6 +8817,16 @@
 <file path=ppt/slides/slide3.xml><?xml version="1.0" encoding="utf-8"?>
 <p:sld xmlns:a="http://schemas.openxmlformats.org/drawingml/2006/main" xmlns:r="http://schemas.openxmlformats.org/officeDocument/2006/relationships" xmlns:p="http://schemas.openxmlformats.org/presentationml/2006/main">
   <p:cSld>
+    <p:bg>
+      <p:bgPr>
+        <a:solidFill>
+          <a:schemeClr val="bg1">
+            <a:lumMod val="95000"/>
+          </a:schemeClr>
+        </a:solidFill>
+        <a:effectLst/>
+      </p:bgPr>
+    </p:bg>
     <p:spTree>
       <p:nvGrpSpPr>
         <p:cNvPr id="1" name=""/>
@@ -8631,42 +8855,55 @@
         </p:nvSpPr>
         <p:spPr>
           <a:xfrm>
-            <a:off x="0" y="30002"/>
-            <a:ext cx="5336717" cy="369332"/>
+            <a:off x="0" y="0"/>
+            <a:ext cx="12192000" cy="369332"/>
           </a:xfrm>
           <a:prstGeom prst="rect">
             <a:avLst/>
           </a:prstGeom>
-          <a:noFill/>
+          <a:solidFill>
+            <a:srgbClr val="002060"/>
+          </a:solidFill>
         </p:spPr>
         <p:txBody>
-          <a:bodyPr wrap="none" rtlCol="0">
+          <a:bodyPr wrap="square" rtlCol="0">
             <a:spAutoFit/>
           </a:bodyPr>
-          <a:lstStyle/>
-          <a:p>
-            <a:r>
-              <a:rPr lang="en-US" altLang="zh-CN" b="1" dirty="0"/>
+          <a:lstStyle>
+            <a:defPPr>
+              <a:defRPr lang="zh-CN"/>
+            </a:defPPr>
+            <a:lvl1pPr>
+              <a:defRPr b="1">
+                <a:solidFill>
+                  <a:schemeClr val="bg1"/>
+                </a:solidFill>
+              </a:defRPr>
+            </a:lvl1pPr>
+          </a:lstStyle>
+          <a:p>
+            <a:r>
+              <a:rPr lang="en-US" altLang="zh-CN" dirty="0"/>
               <a:t>JVM</a:t>
             </a:r>
             <a:r>
-              <a:rPr lang="zh-CN" altLang="en-US" b="1" dirty="0"/>
+              <a:rPr lang="zh-CN" altLang="en-US" dirty="0"/>
               <a:t>组成部分</a:t>
             </a:r>
             <a:r>
-              <a:rPr lang="en-US" altLang="zh-CN" b="1" dirty="0"/>
+              <a:rPr lang="en-US" altLang="zh-CN" dirty="0"/>
               <a:t>—</a:t>
             </a:r>
             <a:r>
-              <a:rPr lang="zh-CN" altLang="en-US" b="1" dirty="0"/>
+              <a:rPr lang="zh-CN" altLang="en-US" dirty="0"/>
               <a:t>即</a:t>
             </a:r>
             <a:r>
-              <a:rPr lang="en-US" altLang="zh-CN" b="1" dirty="0"/>
+              <a:rPr lang="en-US" altLang="zh-CN" dirty="0"/>
               <a:t>JAVA</a:t>
             </a:r>
             <a:r>
-              <a:rPr lang="zh-CN" altLang="en-US" b="1" dirty="0"/>
+              <a:rPr lang="zh-CN" altLang="en-US" dirty="0"/>
               <a:t>虚拟机程序管理的内存分区</a:t>
             </a:r>
           </a:p>
@@ -10708,6 +10945,16 @@
 <file path=ppt/slides/slide4.xml><?xml version="1.0" encoding="utf-8"?>
 <p:sld xmlns:a="http://schemas.openxmlformats.org/drawingml/2006/main" xmlns:r="http://schemas.openxmlformats.org/officeDocument/2006/relationships" xmlns:p="http://schemas.openxmlformats.org/presentationml/2006/main">
   <p:cSld>
+    <p:bg>
+      <p:bgPr>
+        <a:solidFill>
+          <a:schemeClr val="bg1">
+            <a:lumMod val="95000"/>
+          </a:schemeClr>
+        </a:solidFill>
+        <a:effectLst/>
+      </p:bgPr>
+    </p:bg>
     <p:spTree>
       <p:nvGrpSpPr>
         <p:cNvPr id="1" name=""/>
@@ -10736,34 +10983,47 @@
         </p:nvSpPr>
         <p:spPr>
           <a:xfrm>
-            <a:off x="47135" y="39429"/>
-            <a:ext cx="5221301" cy="369332"/>
+            <a:off x="0" y="0"/>
+            <a:ext cx="12192000" cy="369332"/>
           </a:xfrm>
           <a:prstGeom prst="rect">
             <a:avLst/>
           </a:prstGeom>
-          <a:noFill/>
+          <a:solidFill>
+            <a:srgbClr val="002060"/>
+          </a:solidFill>
         </p:spPr>
         <p:txBody>
-          <a:bodyPr wrap="none" rtlCol="0">
+          <a:bodyPr wrap="square" rtlCol="0">
             <a:spAutoFit/>
           </a:bodyPr>
-          <a:lstStyle/>
-          <a:p>
-            <a:r>
-              <a:rPr lang="en-US" altLang="zh-CN" b="1" dirty="0"/>
+          <a:lstStyle>
+            <a:defPPr>
+              <a:defRPr lang="zh-CN"/>
+            </a:defPPr>
+            <a:lvl1pPr>
+              <a:defRPr b="1">
+                <a:solidFill>
+                  <a:schemeClr val="bg1"/>
+                </a:solidFill>
+              </a:defRPr>
+            </a:lvl1pPr>
+          </a:lstStyle>
+          <a:p>
+            <a:r>
+              <a:rPr lang="en-US" altLang="zh-CN" dirty="0"/>
               <a:t>JVM</a:t>
             </a:r>
             <a:r>
-              <a:rPr lang="zh-CN" altLang="en-US" b="1" dirty="0"/>
+              <a:rPr lang="zh-CN" altLang="en-US" dirty="0"/>
               <a:t>组成部分</a:t>
             </a:r>
             <a:r>
-              <a:rPr lang="en-US" altLang="zh-CN" b="1" dirty="0"/>
+              <a:rPr lang="en-US" altLang="zh-CN" dirty="0"/>
               <a:t>—</a:t>
             </a:r>
             <a:r>
-              <a:rPr lang="zh-CN" altLang="en-US" b="1" dirty="0"/>
+              <a:rPr lang="zh-CN" altLang="en-US" dirty="0"/>
               <a:t>堆、栈、方发区的数据存储示意图</a:t>
             </a:r>
           </a:p>
@@ -12654,6 +12914,98 @@
           </p:txBody>
         </p:sp>
       </p:grpSp>
+      <p:sp>
+        <p:nvSpPr>
+          <p:cNvPr id="31" name="矩形: 圆角 30">
+            <a:extLst>
+              <a:ext uri="{FF2B5EF4-FFF2-40B4-BE49-F238E27FC236}">
+                <a16:creationId xmlns:a16="http://schemas.microsoft.com/office/drawing/2014/main" id="{EC90E43B-F2DD-4F31-98E1-2385A4355DDA}"/>
+              </a:ext>
+            </a:extLst>
+          </p:cNvPr>
+          <p:cNvSpPr/>
+          <p:nvPr/>
+        </p:nvSpPr>
+        <p:spPr>
+          <a:xfrm>
+            <a:off x="9778677" y="3480103"/>
+            <a:ext cx="1278386" cy="408346"/>
+          </a:xfrm>
+          <a:prstGeom prst="roundRect">
+            <a:avLst/>
+          </a:prstGeom>
+        </p:spPr>
+        <p:style>
+          <a:lnRef idx="2">
+            <a:schemeClr val="accent1">
+              <a:shade val="50000"/>
+            </a:schemeClr>
+          </a:lnRef>
+          <a:fillRef idx="1">
+            <a:schemeClr val="accent1"/>
+          </a:fillRef>
+          <a:effectRef idx="0">
+            <a:schemeClr val="accent1"/>
+          </a:effectRef>
+          <a:fontRef idx="minor">
+            <a:schemeClr val="lt1"/>
+          </a:fontRef>
+        </p:style>
+        <p:txBody>
+          <a:bodyPr rtlCol="0" anchor="ctr"/>
+          <a:lstStyle/>
+          <a:p>
+            <a:pPr algn="ctr"/>
+            <a:r>
+              <a:rPr lang="en-US" altLang="zh-CN" sz="1400" dirty="0"/>
+              <a:t>arr1</a:t>
+            </a:r>
+            <a:endParaRPr lang="zh-CN" altLang="en-US" sz="1400" dirty="0"/>
+          </a:p>
+        </p:txBody>
+      </p:sp>
+      <p:cxnSp>
+        <p:nvCxnSpPr>
+          <p:cNvPr id="3" name="连接符: 肘形 2">
+            <a:extLst>
+              <a:ext uri="{FF2B5EF4-FFF2-40B4-BE49-F238E27FC236}">
+                <a16:creationId xmlns:a16="http://schemas.microsoft.com/office/drawing/2014/main" id="{DF9D1E7A-4E83-4FDC-8843-802BEDF1413B}"/>
+              </a:ext>
+            </a:extLst>
+          </p:cNvPr>
+          <p:cNvCxnSpPr>
+            <a:stCxn id="31" idx="1"/>
+            <a:endCxn id="29" idx="3"/>
+          </p:cNvCxnSpPr>
+          <p:nvPr/>
+        </p:nvCxnSpPr>
+        <p:spPr>
+          <a:xfrm rot="10800000">
+            <a:off x="8327255" y="3042522"/>
+            <a:ext cx="1451423" cy="641754"/>
+          </a:xfrm>
+          <a:prstGeom prst="bentConnector3">
+            <a:avLst/>
+          </a:prstGeom>
+          <a:ln>
+            <a:tailEnd type="triangle"/>
+          </a:ln>
+        </p:spPr>
+        <p:style>
+          <a:lnRef idx="1">
+            <a:schemeClr val="accent1"/>
+          </a:lnRef>
+          <a:fillRef idx="0">
+            <a:schemeClr val="accent1"/>
+          </a:fillRef>
+          <a:effectRef idx="0">
+            <a:schemeClr val="accent1"/>
+          </a:effectRef>
+          <a:fontRef idx="minor">
+            <a:schemeClr val="tx1"/>
+          </a:fontRef>
+        </p:style>
+      </p:cxnSp>
     </p:spTree>
     <p:extLst>
       <p:ext uri="{BB962C8B-B14F-4D97-AF65-F5344CB8AC3E}">
@@ -12670,6 +13022,16 @@
 <file path=ppt/slides/slide5.xml><?xml version="1.0" encoding="utf-8"?>
 <p:sld xmlns:a="http://schemas.openxmlformats.org/drawingml/2006/main" xmlns:r="http://schemas.openxmlformats.org/officeDocument/2006/relationships" xmlns:p="http://schemas.openxmlformats.org/presentationml/2006/main">
   <p:cSld>
+    <p:bg>
+      <p:bgPr>
+        <a:solidFill>
+          <a:schemeClr val="bg1">
+            <a:lumMod val="95000"/>
+          </a:schemeClr>
+        </a:solidFill>
+        <a:effectLst/>
+      </p:bgPr>
+    </p:bg>
     <p:spTree>
       <p:nvGrpSpPr>
         <p:cNvPr id="1" name=""/>
@@ -12698,34 +13060,47 @@
         </p:nvSpPr>
         <p:spPr>
           <a:xfrm>
-            <a:off x="47135" y="39429"/>
-            <a:ext cx="5036956" cy="369332"/>
+            <a:off x="0" y="0"/>
+            <a:ext cx="12192000" cy="369332"/>
           </a:xfrm>
           <a:prstGeom prst="rect">
             <a:avLst/>
           </a:prstGeom>
-          <a:noFill/>
+          <a:solidFill>
+            <a:srgbClr val="002060"/>
+          </a:solidFill>
         </p:spPr>
         <p:txBody>
-          <a:bodyPr wrap="none" rtlCol="0">
+          <a:bodyPr wrap="square" rtlCol="0">
             <a:spAutoFit/>
           </a:bodyPr>
-          <a:lstStyle/>
-          <a:p>
-            <a:r>
-              <a:rPr lang="en-US" altLang="zh-CN" b="1" dirty="0"/>
+          <a:lstStyle>
+            <a:defPPr>
+              <a:defRPr lang="zh-CN"/>
+            </a:defPPr>
+            <a:lvl1pPr>
+              <a:defRPr b="1">
+                <a:solidFill>
+                  <a:schemeClr val="bg1"/>
+                </a:solidFill>
+              </a:defRPr>
+            </a:lvl1pPr>
+          </a:lstStyle>
+          <a:p>
+            <a:r>
+              <a:rPr lang="en-US" altLang="zh-CN" dirty="0"/>
               <a:t>JVM</a:t>
             </a:r>
             <a:r>
-              <a:rPr lang="zh-CN" altLang="en-US" b="1" dirty="0"/>
+              <a:rPr lang="zh-CN" altLang="en-US" dirty="0"/>
               <a:t>组成部分</a:t>
             </a:r>
             <a:r>
-              <a:rPr lang="en-US" altLang="zh-CN" b="1" dirty="0"/>
+              <a:rPr lang="en-US" altLang="zh-CN" dirty="0"/>
               <a:t>—</a:t>
             </a:r>
             <a:r>
-              <a:rPr lang="zh-CN" altLang="en-US" b="1" dirty="0"/>
+              <a:rPr lang="zh-CN" altLang="en-US" dirty="0"/>
               <a:t>堆、栈、方发区的数据存储示例</a:t>
             </a:r>
           </a:p>
@@ -13552,6 +13927,16 @@
 <file path=ppt/slides/slide6.xml><?xml version="1.0" encoding="utf-8"?>
 <p:sld xmlns:a="http://schemas.openxmlformats.org/drawingml/2006/main" xmlns:r="http://schemas.openxmlformats.org/officeDocument/2006/relationships" xmlns:p="http://schemas.openxmlformats.org/presentationml/2006/main">
   <p:cSld>
+    <p:bg>
+      <p:bgPr>
+        <a:solidFill>
+          <a:schemeClr val="bg1">
+            <a:lumMod val="95000"/>
+          </a:schemeClr>
+        </a:solidFill>
+        <a:effectLst/>
+      </p:bgPr>
+    </p:bg>
     <p:spTree>
       <p:nvGrpSpPr>
         <p:cNvPr id="1" name=""/>
@@ -13580,34 +13965,47 @@
         </p:nvSpPr>
         <p:spPr>
           <a:xfrm>
-            <a:off x="0" y="70893"/>
-            <a:ext cx="3291286" cy="369332"/>
+            <a:off x="0" y="-9"/>
+            <a:ext cx="12192000" cy="369332"/>
           </a:xfrm>
           <a:prstGeom prst="rect">
             <a:avLst/>
           </a:prstGeom>
-          <a:noFill/>
+          <a:solidFill>
+            <a:srgbClr val="002060"/>
+          </a:solidFill>
         </p:spPr>
         <p:txBody>
-          <a:bodyPr wrap="none" rtlCol="0">
+          <a:bodyPr wrap="square" rtlCol="0">
             <a:spAutoFit/>
           </a:bodyPr>
-          <a:lstStyle/>
-          <a:p>
-            <a:r>
-              <a:rPr lang="en-US" altLang="zh-CN" b="1" dirty="0"/>
+          <a:lstStyle>
+            <a:defPPr>
+              <a:defRPr lang="zh-CN"/>
+            </a:defPPr>
+            <a:lvl1pPr>
+              <a:defRPr b="1">
+                <a:solidFill>
+                  <a:schemeClr val="bg1"/>
+                </a:solidFill>
+              </a:defRPr>
+            </a:lvl1pPr>
+          </a:lstStyle>
+          <a:p>
+            <a:r>
+              <a:rPr lang="en-US" altLang="zh-CN" dirty="0"/>
               <a:t>JVM</a:t>
             </a:r>
             <a:r>
-              <a:rPr lang="zh-CN" altLang="en-US" b="1" dirty="0"/>
+              <a:rPr lang="zh-CN" altLang="en-US" dirty="0"/>
               <a:t>堆</a:t>
             </a:r>
             <a:r>
-              <a:rPr lang="en-US" altLang="zh-CN" b="1" dirty="0"/>
+              <a:rPr lang="en-US" altLang="zh-CN" dirty="0"/>
               <a:t>—</a:t>
             </a:r>
             <a:r>
-              <a:rPr lang="zh-CN" altLang="en-US" b="1" dirty="0"/>
+              <a:rPr lang="zh-CN" altLang="en-US" dirty="0"/>
               <a:t>垃圾回收机制示意图</a:t>
             </a:r>
           </a:p>
@@ -15926,6 +16324,1953 @@
 </p:sld>
 </file>
 
+<file path=ppt/slides/slide7.xml><?xml version="1.0" encoding="utf-8"?>
+<p:sld xmlns:a="http://schemas.openxmlformats.org/drawingml/2006/main" xmlns:r="http://schemas.openxmlformats.org/officeDocument/2006/relationships" xmlns:p="http://schemas.openxmlformats.org/presentationml/2006/main">
+  <p:cSld>
+    <p:bg>
+      <p:bgPr>
+        <a:solidFill>
+          <a:schemeClr val="bg1">
+            <a:lumMod val="95000"/>
+          </a:schemeClr>
+        </a:solidFill>
+        <a:effectLst/>
+      </p:bgPr>
+    </p:bg>
+    <p:spTree>
+      <p:nvGrpSpPr>
+        <p:cNvPr id="1" name=""/>
+        <p:cNvGrpSpPr/>
+        <p:nvPr/>
+      </p:nvGrpSpPr>
+      <p:grpSpPr>
+        <a:xfrm>
+          <a:off x="0" y="0"/>
+          <a:ext cx="0" cy="0"/>
+          <a:chOff x="0" y="0"/>
+          <a:chExt cx="0" cy="0"/>
+        </a:xfrm>
+      </p:grpSpPr>
+      <p:sp>
+        <p:nvSpPr>
+          <p:cNvPr id="4" name="文本框 3">
+            <a:extLst>
+              <a:ext uri="{FF2B5EF4-FFF2-40B4-BE49-F238E27FC236}">
+                <a16:creationId xmlns:a16="http://schemas.microsoft.com/office/drawing/2014/main" id="{2341CA69-234E-4AF6-8643-B3D1CD565294}"/>
+              </a:ext>
+            </a:extLst>
+          </p:cNvPr>
+          <p:cNvSpPr txBox="1"/>
+          <p:nvPr/>
+        </p:nvSpPr>
+        <p:spPr>
+          <a:xfrm>
+            <a:off x="0" y="0"/>
+            <a:ext cx="12192000" cy="369332"/>
+          </a:xfrm>
+          <a:prstGeom prst="rect">
+            <a:avLst/>
+          </a:prstGeom>
+          <a:solidFill>
+            <a:srgbClr val="002060"/>
+          </a:solidFill>
+        </p:spPr>
+        <p:txBody>
+          <a:bodyPr wrap="square" rtlCol="0">
+            <a:spAutoFit/>
+          </a:bodyPr>
+          <a:lstStyle>
+            <a:defPPr>
+              <a:defRPr lang="zh-CN"/>
+            </a:defPPr>
+            <a:lvl1pPr>
+              <a:defRPr b="1">
+                <a:solidFill>
+                  <a:schemeClr val="bg1"/>
+                </a:solidFill>
+              </a:defRPr>
+            </a:lvl1pPr>
+          </a:lstStyle>
+          <a:p>
+            <a:r>
+              <a:rPr lang="en-US" altLang="zh-CN" dirty="0"/>
+              <a:t>JVM—</a:t>
+            </a:r>
+            <a:r>
+              <a:rPr lang="zh-CN" altLang="en-US" dirty="0"/>
+              <a:t>类加载过程</a:t>
+            </a:r>
+          </a:p>
+        </p:txBody>
+      </p:sp>
+    </p:spTree>
+    <p:extLst>
+      <p:ext uri="{BB962C8B-B14F-4D97-AF65-F5344CB8AC3E}">
+        <p14:creationId xmlns:p14="http://schemas.microsoft.com/office/powerpoint/2010/main" val="1218074165"/>
+      </p:ext>
+    </p:extLst>
+  </p:cSld>
+  <p:clrMapOvr>
+    <a:masterClrMapping/>
+  </p:clrMapOvr>
+</p:sld>
+</file>
+
+<file path=ppt/slides/slide8.xml><?xml version="1.0" encoding="utf-8"?>
+<p:sld xmlns:a="http://schemas.openxmlformats.org/drawingml/2006/main" xmlns:r="http://schemas.openxmlformats.org/officeDocument/2006/relationships" xmlns:p="http://schemas.openxmlformats.org/presentationml/2006/main">
+  <p:cSld>
+    <p:bg>
+      <p:bgPr>
+        <a:solidFill>
+          <a:schemeClr val="bg1">
+            <a:lumMod val="95000"/>
+          </a:schemeClr>
+        </a:solidFill>
+        <a:effectLst/>
+      </p:bgPr>
+    </p:bg>
+    <p:spTree>
+      <p:nvGrpSpPr>
+        <p:cNvPr id="1" name=""/>
+        <p:cNvGrpSpPr/>
+        <p:nvPr/>
+      </p:nvGrpSpPr>
+      <p:grpSpPr>
+        <a:xfrm>
+          <a:off x="0" y="0"/>
+          <a:ext cx="0" cy="0"/>
+          <a:chOff x="0" y="0"/>
+          <a:chExt cx="0" cy="0"/>
+        </a:xfrm>
+      </p:grpSpPr>
+      <p:sp>
+        <p:nvSpPr>
+          <p:cNvPr id="4" name="文本框 3">
+            <a:extLst>
+              <a:ext uri="{FF2B5EF4-FFF2-40B4-BE49-F238E27FC236}">
+                <a16:creationId xmlns:a16="http://schemas.microsoft.com/office/drawing/2014/main" id="{2341CA69-234E-4AF6-8643-B3D1CD565294}"/>
+              </a:ext>
+            </a:extLst>
+          </p:cNvPr>
+          <p:cNvSpPr txBox="1"/>
+          <p:nvPr/>
+        </p:nvSpPr>
+        <p:spPr>
+          <a:xfrm>
+            <a:off x="0" y="0"/>
+            <a:ext cx="12192000" cy="369332"/>
+          </a:xfrm>
+          <a:prstGeom prst="rect">
+            <a:avLst/>
+          </a:prstGeom>
+          <a:solidFill>
+            <a:srgbClr val="002060"/>
+          </a:solidFill>
+        </p:spPr>
+        <p:txBody>
+          <a:bodyPr wrap="square" rtlCol="0">
+            <a:spAutoFit/>
+          </a:bodyPr>
+          <a:lstStyle>
+            <a:defPPr>
+              <a:defRPr lang="zh-CN"/>
+            </a:defPPr>
+            <a:lvl1pPr>
+              <a:defRPr b="1">
+                <a:solidFill>
+                  <a:schemeClr val="bg1"/>
+                </a:solidFill>
+              </a:defRPr>
+            </a:lvl1pPr>
+          </a:lstStyle>
+          <a:p>
+            <a:r>
+              <a:rPr lang="en-US" altLang="zh-CN" dirty="0"/>
+              <a:t>JVM—GC</a:t>
+            </a:r>
+            <a:r>
+              <a:rPr lang="zh-CN" altLang="en-US" dirty="0"/>
+              <a:t>过程</a:t>
+            </a:r>
+          </a:p>
+        </p:txBody>
+      </p:sp>
+    </p:spTree>
+    <p:extLst>
+      <p:ext uri="{BB962C8B-B14F-4D97-AF65-F5344CB8AC3E}">
+        <p14:creationId xmlns:p14="http://schemas.microsoft.com/office/powerpoint/2010/main" val="495636820"/>
+      </p:ext>
+    </p:extLst>
+  </p:cSld>
+  <p:clrMapOvr>
+    <a:masterClrMapping/>
+  </p:clrMapOvr>
+</p:sld>
+</file>
+
+<file path=ppt/slides/slide9.xml><?xml version="1.0" encoding="utf-8"?>
+<p:sld xmlns:a="http://schemas.openxmlformats.org/drawingml/2006/main" xmlns:r="http://schemas.openxmlformats.org/officeDocument/2006/relationships" xmlns:p="http://schemas.openxmlformats.org/presentationml/2006/main">
+  <p:cSld>
+    <p:bg>
+      <p:bgPr>
+        <a:solidFill>
+          <a:schemeClr val="bg1">
+            <a:lumMod val="95000"/>
+          </a:schemeClr>
+        </a:solidFill>
+        <a:effectLst/>
+      </p:bgPr>
+    </p:bg>
+    <p:spTree>
+      <p:nvGrpSpPr>
+        <p:cNvPr id="1" name=""/>
+        <p:cNvGrpSpPr/>
+        <p:nvPr/>
+      </p:nvGrpSpPr>
+      <p:grpSpPr>
+        <a:xfrm>
+          <a:off x="0" y="0"/>
+          <a:ext cx="0" cy="0"/>
+          <a:chOff x="0" y="0"/>
+          <a:chExt cx="0" cy="0"/>
+        </a:xfrm>
+      </p:grpSpPr>
+      <p:sp>
+        <p:nvSpPr>
+          <p:cNvPr id="4" name="文本框 3">
+            <a:extLst>
+              <a:ext uri="{FF2B5EF4-FFF2-40B4-BE49-F238E27FC236}">
+                <a16:creationId xmlns:a16="http://schemas.microsoft.com/office/drawing/2014/main" id="{2341CA69-234E-4AF6-8643-B3D1CD565294}"/>
+              </a:ext>
+            </a:extLst>
+          </p:cNvPr>
+          <p:cNvSpPr txBox="1"/>
+          <p:nvPr/>
+        </p:nvSpPr>
+        <p:spPr>
+          <a:xfrm>
+            <a:off x="0" y="0"/>
+            <a:ext cx="12192000" cy="369332"/>
+          </a:xfrm>
+          <a:prstGeom prst="rect">
+            <a:avLst/>
+          </a:prstGeom>
+          <a:solidFill>
+            <a:srgbClr val="002060"/>
+          </a:solidFill>
+        </p:spPr>
+        <p:txBody>
+          <a:bodyPr wrap="square" rtlCol="0">
+            <a:spAutoFit/>
+          </a:bodyPr>
+          <a:lstStyle>
+            <a:defPPr>
+              <a:defRPr lang="zh-CN"/>
+            </a:defPPr>
+            <a:lvl1pPr>
+              <a:defRPr b="1">
+                <a:solidFill>
+                  <a:schemeClr val="bg1"/>
+                </a:solidFill>
+              </a:defRPr>
+            </a:lvl1pPr>
+          </a:lstStyle>
+          <a:p>
+            <a:r>
+              <a:rPr lang="en-US" altLang="zh-CN" dirty="0"/>
+              <a:t>Java NIO — IO</a:t>
+            </a:r>
+            <a:r>
+              <a:rPr lang="zh-CN" altLang="en-US" dirty="0"/>
+              <a:t>与</a:t>
+            </a:r>
+            <a:r>
+              <a:rPr lang="en-US" altLang="zh-CN" dirty="0"/>
+              <a:t>NIO</a:t>
+            </a:r>
+            <a:r>
+              <a:rPr lang="zh-CN" altLang="en-US" dirty="0"/>
+              <a:t>的区别</a:t>
+            </a:r>
+          </a:p>
+        </p:txBody>
+      </p:sp>
+      <p:grpSp>
+        <p:nvGrpSpPr>
+          <p:cNvPr id="16" name="组合 15">
+            <a:extLst>
+              <a:ext uri="{FF2B5EF4-FFF2-40B4-BE49-F238E27FC236}">
+                <a16:creationId xmlns:a16="http://schemas.microsoft.com/office/drawing/2014/main" id="{E8EB841E-07BC-43CF-BB60-5B474D86F8DA}"/>
+              </a:ext>
+            </a:extLst>
+          </p:cNvPr>
+          <p:cNvGrpSpPr/>
+          <p:nvPr/>
+        </p:nvGrpSpPr>
+        <p:grpSpPr>
+          <a:xfrm>
+            <a:off x="1728952" y="610021"/>
+            <a:ext cx="8229599" cy="2249215"/>
+            <a:chOff x="1524000" y="914398"/>
+            <a:chExt cx="8229599" cy="2249215"/>
+          </a:xfrm>
+        </p:grpSpPr>
+        <p:sp>
+          <p:nvSpPr>
+            <p:cNvPr id="2" name="圆柱体 1">
+              <a:extLst>
+                <a:ext uri="{FF2B5EF4-FFF2-40B4-BE49-F238E27FC236}">
+                  <a16:creationId xmlns:a16="http://schemas.microsoft.com/office/drawing/2014/main" id="{64179E05-F9C9-435F-BD76-2AD934D0815D}"/>
+                </a:ext>
+              </a:extLst>
+            </p:cNvPr>
+            <p:cNvSpPr/>
+            <p:nvPr/>
+          </p:nvSpPr>
+          <p:spPr>
+            <a:xfrm>
+              <a:off x="8271640" y="914398"/>
+              <a:ext cx="1481959" cy="2249215"/>
+            </a:xfrm>
+            <a:prstGeom prst="can">
+              <a:avLst/>
+            </a:prstGeom>
+            <a:solidFill>
+              <a:srgbClr val="002060"/>
+            </a:solidFill>
+            <a:ln>
+              <a:solidFill>
+                <a:srgbClr val="002060"/>
+              </a:solidFill>
+            </a:ln>
+          </p:spPr>
+          <p:style>
+            <a:lnRef idx="2">
+              <a:schemeClr val="accent1">
+                <a:shade val="50000"/>
+              </a:schemeClr>
+            </a:lnRef>
+            <a:fillRef idx="1">
+              <a:schemeClr val="accent1"/>
+            </a:fillRef>
+            <a:effectRef idx="0">
+              <a:schemeClr val="accent1"/>
+            </a:effectRef>
+            <a:fontRef idx="minor">
+              <a:schemeClr val="lt1"/>
+            </a:fontRef>
+          </p:style>
+          <p:txBody>
+            <a:bodyPr rtlCol="0" anchor="ctr"/>
+            <a:lstStyle/>
+            <a:p>
+              <a:pPr algn="ctr"/>
+              <a:r>
+                <a:rPr lang="zh-CN" altLang="en-US" sz="1600" dirty="0"/>
+                <a:t>文件</a:t>
+              </a:r>
+              <a:endParaRPr lang="en-US" altLang="zh-CN" sz="1600" dirty="0"/>
+            </a:p>
+            <a:p>
+              <a:pPr algn="ctr"/>
+              <a:r>
+                <a:rPr lang="zh-CN" altLang="en-US" sz="1600" dirty="0"/>
+                <a:t>磁盘</a:t>
+              </a:r>
+              <a:endParaRPr lang="en-US" altLang="zh-CN" sz="1600" dirty="0"/>
+            </a:p>
+            <a:p>
+              <a:pPr algn="ctr"/>
+              <a:r>
+                <a:rPr lang="zh-CN" altLang="en-US" sz="1600" dirty="0"/>
+                <a:t>网络</a:t>
+              </a:r>
+              <a:endParaRPr lang="en-US" altLang="zh-CN" sz="1600" dirty="0"/>
+            </a:p>
+            <a:p>
+              <a:pPr algn="ctr"/>
+              <a:r>
+                <a:rPr lang="zh-CN" altLang="en-US" sz="1600" dirty="0"/>
+                <a:t>云</a:t>
+              </a:r>
+              <a:endParaRPr lang="en-US" altLang="zh-CN" sz="1600" dirty="0"/>
+            </a:p>
+            <a:p>
+              <a:pPr algn="ctr"/>
+              <a:r>
+                <a:rPr lang="en-US" altLang="zh-CN" sz="1600" dirty="0"/>
+                <a:t>…</a:t>
+              </a:r>
+            </a:p>
+          </p:txBody>
+        </p:sp>
+        <p:sp>
+          <p:nvSpPr>
+            <p:cNvPr id="3" name="矩形: 圆角 2">
+              <a:extLst>
+                <a:ext uri="{FF2B5EF4-FFF2-40B4-BE49-F238E27FC236}">
+                  <a16:creationId xmlns:a16="http://schemas.microsoft.com/office/drawing/2014/main" id="{003B7C62-D42A-4BBF-A3E4-7D732BBFA093}"/>
+                </a:ext>
+              </a:extLst>
+            </p:cNvPr>
+            <p:cNvSpPr/>
+            <p:nvPr/>
+          </p:nvSpPr>
+          <p:spPr>
+            <a:xfrm>
+              <a:off x="1524000" y="914398"/>
+              <a:ext cx="1408385" cy="2249214"/>
+            </a:xfrm>
+            <a:prstGeom prst="roundRect">
+              <a:avLst/>
+            </a:prstGeom>
+            <a:solidFill>
+              <a:srgbClr val="7030A0"/>
+            </a:solidFill>
+          </p:spPr>
+          <p:style>
+            <a:lnRef idx="2">
+              <a:schemeClr val="accent1">
+                <a:shade val="50000"/>
+              </a:schemeClr>
+            </a:lnRef>
+            <a:fillRef idx="1">
+              <a:schemeClr val="accent1"/>
+            </a:fillRef>
+            <a:effectRef idx="0">
+              <a:schemeClr val="accent1"/>
+            </a:effectRef>
+            <a:fontRef idx="minor">
+              <a:schemeClr val="lt1"/>
+            </a:fontRef>
+          </p:style>
+          <p:txBody>
+            <a:bodyPr rtlCol="0" anchor="ctr"/>
+            <a:lstStyle/>
+            <a:p>
+              <a:pPr algn="ctr"/>
+              <a:r>
+                <a:rPr lang="en-US" altLang="zh-CN" dirty="0"/>
+                <a:t>Java</a:t>
+              </a:r>
+            </a:p>
+            <a:p>
+              <a:pPr algn="ctr"/>
+              <a:r>
+                <a:rPr lang="zh-CN" altLang="en-US" dirty="0"/>
+                <a:t>程序</a:t>
+              </a:r>
+              <a:endParaRPr lang="en-US" altLang="zh-CN" dirty="0"/>
+            </a:p>
+            <a:p>
+              <a:pPr algn="ctr"/>
+              <a:r>
+                <a:rPr lang="en-US" altLang="zh-CN" dirty="0"/>
+                <a:t>IO</a:t>
+              </a:r>
+              <a:endParaRPr lang="zh-CN" altLang="en-US" dirty="0"/>
+            </a:p>
+          </p:txBody>
+        </p:sp>
+        <p:sp>
+          <p:nvSpPr>
+            <p:cNvPr id="5" name="矩形 4">
+              <a:extLst>
+                <a:ext uri="{FF2B5EF4-FFF2-40B4-BE49-F238E27FC236}">
+                  <a16:creationId xmlns:a16="http://schemas.microsoft.com/office/drawing/2014/main" id="{41ED842E-1616-4EC1-B283-1FA6980B1632}"/>
+                </a:ext>
+              </a:extLst>
+            </p:cNvPr>
+            <p:cNvSpPr/>
+            <p:nvPr/>
+          </p:nvSpPr>
+          <p:spPr>
+            <a:xfrm>
+              <a:off x="2932385" y="1460936"/>
+              <a:ext cx="5339255" cy="1156138"/>
+            </a:xfrm>
+            <a:prstGeom prst="rect">
+              <a:avLst/>
+            </a:prstGeom>
+            <a:solidFill>
+              <a:schemeClr val="accent5">
+                <a:lumMod val="20000"/>
+                <a:lumOff val="80000"/>
+              </a:schemeClr>
+            </a:solidFill>
+          </p:spPr>
+          <p:style>
+            <a:lnRef idx="2">
+              <a:schemeClr val="accent1">
+                <a:shade val="50000"/>
+              </a:schemeClr>
+            </a:lnRef>
+            <a:fillRef idx="1">
+              <a:schemeClr val="accent1"/>
+            </a:fillRef>
+            <a:effectRef idx="0">
+              <a:schemeClr val="accent1"/>
+            </a:effectRef>
+            <a:fontRef idx="minor">
+              <a:schemeClr val="lt1"/>
+            </a:fontRef>
+          </p:style>
+          <p:txBody>
+            <a:bodyPr rtlCol="0" anchor="ctr"/>
+            <a:lstStyle/>
+            <a:p>
+              <a:pPr algn="ctr"/>
+              <a:endParaRPr lang="zh-CN" altLang="en-US" dirty="0"/>
+            </a:p>
+          </p:txBody>
+        </p:sp>
+        <p:sp>
+          <p:nvSpPr>
+            <p:cNvPr id="6" name="文本框 5">
+              <a:extLst>
+                <a:ext uri="{FF2B5EF4-FFF2-40B4-BE49-F238E27FC236}">
+                  <a16:creationId xmlns:a16="http://schemas.microsoft.com/office/drawing/2014/main" id="{599E6603-EF60-4A94-B2DA-43E2B56D12EC}"/>
+                </a:ext>
+              </a:extLst>
+            </p:cNvPr>
+            <p:cNvSpPr txBox="1"/>
+            <p:nvPr/>
+          </p:nvSpPr>
+          <p:spPr>
+            <a:xfrm>
+              <a:off x="4349104" y="1116041"/>
+              <a:ext cx="2505814" cy="307777"/>
+            </a:xfrm>
+            <a:prstGeom prst="rect">
+              <a:avLst/>
+            </a:prstGeom>
+            <a:noFill/>
+          </p:spPr>
+          <p:txBody>
+            <a:bodyPr wrap="none" rtlCol="0">
+              <a:spAutoFit/>
+            </a:bodyPr>
+            <a:lstStyle/>
+            <a:p>
+              <a:r>
+                <a:rPr lang="zh-CN" altLang="en-US" sz="1400" dirty="0"/>
+                <a:t>数据通道：</a:t>
+              </a:r>
+              <a:r>
+                <a:rPr lang="en-US" altLang="zh-CN" sz="1400" dirty="0"/>
+                <a:t>Stream</a:t>
+              </a:r>
+              <a:r>
+                <a:rPr lang="zh-CN" altLang="en-US" sz="1400" dirty="0"/>
+                <a:t>流单向传递</a:t>
+              </a:r>
+            </a:p>
+          </p:txBody>
+        </p:sp>
+        <p:cxnSp>
+          <p:nvCxnSpPr>
+            <p:cNvPr id="8" name="直接箭头连接符 7">
+              <a:extLst>
+                <a:ext uri="{FF2B5EF4-FFF2-40B4-BE49-F238E27FC236}">
+                  <a16:creationId xmlns:a16="http://schemas.microsoft.com/office/drawing/2014/main" id="{1BD3B82B-100F-44A4-88FF-EF3BF27DB60E}"/>
+                </a:ext>
+              </a:extLst>
+            </p:cNvPr>
+            <p:cNvCxnSpPr/>
+            <p:nvPr/>
+          </p:nvCxnSpPr>
+          <p:spPr>
+            <a:xfrm>
+              <a:off x="2932385" y="1897539"/>
+              <a:ext cx="5339255" cy="0"/>
+            </a:xfrm>
+            <a:prstGeom prst="straightConnector1">
+              <a:avLst/>
+            </a:prstGeom>
+            <a:ln w="28575">
+              <a:solidFill>
+                <a:srgbClr val="C00000"/>
+              </a:solidFill>
+              <a:tailEnd type="triangle"/>
+            </a:ln>
+          </p:spPr>
+          <p:style>
+            <a:lnRef idx="1">
+              <a:schemeClr val="accent1"/>
+            </a:lnRef>
+            <a:fillRef idx="0">
+              <a:schemeClr val="accent1"/>
+            </a:fillRef>
+            <a:effectRef idx="0">
+              <a:schemeClr val="accent1"/>
+            </a:effectRef>
+            <a:fontRef idx="minor">
+              <a:schemeClr val="tx1"/>
+            </a:fontRef>
+          </p:style>
+        </p:cxnSp>
+        <p:cxnSp>
+          <p:nvCxnSpPr>
+            <p:cNvPr id="9" name="直接箭头连接符 8">
+              <a:extLst>
+                <a:ext uri="{FF2B5EF4-FFF2-40B4-BE49-F238E27FC236}">
+                  <a16:creationId xmlns:a16="http://schemas.microsoft.com/office/drawing/2014/main" id="{6B0DEB16-63DF-4DDF-8AA2-C434AF3F9C04}"/>
+                </a:ext>
+              </a:extLst>
+            </p:cNvPr>
+            <p:cNvCxnSpPr>
+              <a:cxnSpLocks/>
+            </p:cNvCxnSpPr>
+            <p:nvPr/>
+          </p:nvCxnSpPr>
+          <p:spPr>
+            <a:xfrm flipH="1">
+              <a:off x="2932386" y="2217373"/>
+              <a:ext cx="5339254" cy="0"/>
+            </a:xfrm>
+            <a:prstGeom prst="straightConnector1">
+              <a:avLst/>
+            </a:prstGeom>
+            <a:ln w="28575">
+              <a:solidFill>
+                <a:srgbClr val="C00000"/>
+              </a:solidFill>
+              <a:tailEnd type="triangle"/>
+            </a:ln>
+          </p:spPr>
+          <p:style>
+            <a:lnRef idx="1">
+              <a:schemeClr val="accent1"/>
+            </a:lnRef>
+            <a:fillRef idx="0">
+              <a:schemeClr val="accent1"/>
+            </a:fillRef>
+            <a:effectRef idx="0">
+              <a:schemeClr val="accent1"/>
+            </a:effectRef>
+            <a:fontRef idx="minor">
+              <a:schemeClr val="tx1"/>
+            </a:fontRef>
+          </p:style>
+        </p:cxnSp>
+        <p:sp>
+          <p:nvSpPr>
+            <p:cNvPr id="14" name="文本框 13">
+              <a:extLst>
+                <a:ext uri="{FF2B5EF4-FFF2-40B4-BE49-F238E27FC236}">
+                  <a16:creationId xmlns:a16="http://schemas.microsoft.com/office/drawing/2014/main" id="{B30F35A3-EF93-4B90-90EB-CAF34C2A7B78}"/>
+                </a:ext>
+              </a:extLst>
+            </p:cNvPr>
+            <p:cNvSpPr txBox="1"/>
+            <p:nvPr/>
+          </p:nvSpPr>
+          <p:spPr>
+            <a:xfrm>
+              <a:off x="5307700" y="1589763"/>
+              <a:ext cx="588623" cy="307777"/>
+            </a:xfrm>
+            <a:prstGeom prst="rect">
+              <a:avLst/>
+            </a:prstGeom>
+            <a:noFill/>
+          </p:spPr>
+          <p:txBody>
+            <a:bodyPr wrap="none" rtlCol="0">
+              <a:spAutoFit/>
+            </a:bodyPr>
+            <a:lstStyle/>
+            <a:p>
+              <a:r>
+                <a:rPr lang="en-US" altLang="zh-CN" sz="1400" dirty="0"/>
+                <a:t>Input</a:t>
+              </a:r>
+              <a:endParaRPr lang="zh-CN" altLang="en-US" sz="1400" dirty="0"/>
+            </a:p>
+          </p:txBody>
+        </p:sp>
+        <p:sp>
+          <p:nvSpPr>
+            <p:cNvPr id="15" name="文本框 14">
+              <a:extLst>
+                <a:ext uri="{FF2B5EF4-FFF2-40B4-BE49-F238E27FC236}">
+                  <a16:creationId xmlns:a16="http://schemas.microsoft.com/office/drawing/2014/main" id="{9EB64F38-CE85-490C-B42E-BCA4FC68D765}"/>
+                </a:ext>
+              </a:extLst>
+            </p:cNvPr>
+            <p:cNvSpPr txBox="1"/>
+            <p:nvPr/>
+          </p:nvSpPr>
+          <p:spPr>
+            <a:xfrm>
+              <a:off x="5233161" y="2205316"/>
+              <a:ext cx="737702" cy="307777"/>
+            </a:xfrm>
+            <a:prstGeom prst="rect">
+              <a:avLst/>
+            </a:prstGeom>
+            <a:noFill/>
+          </p:spPr>
+          <p:txBody>
+            <a:bodyPr wrap="square" rtlCol="0">
+              <a:spAutoFit/>
+            </a:bodyPr>
+            <a:lstStyle/>
+            <a:p>
+              <a:r>
+                <a:rPr lang="en-US" altLang="zh-CN" sz="1400" dirty="0"/>
+                <a:t>Output</a:t>
+              </a:r>
+              <a:endParaRPr lang="zh-CN" altLang="en-US" sz="1400" dirty="0"/>
+            </a:p>
+          </p:txBody>
+        </p:sp>
+      </p:grpSp>
+      <p:grpSp>
+        <p:nvGrpSpPr>
+          <p:cNvPr id="56" name="组合 55">
+            <a:extLst>
+              <a:ext uri="{FF2B5EF4-FFF2-40B4-BE49-F238E27FC236}">
+                <a16:creationId xmlns:a16="http://schemas.microsoft.com/office/drawing/2014/main" id="{3A3F19E3-B80B-4D94-BDD1-734C35B9450A}"/>
+              </a:ext>
+            </a:extLst>
+          </p:cNvPr>
+          <p:cNvGrpSpPr/>
+          <p:nvPr/>
+        </p:nvGrpSpPr>
+        <p:grpSpPr>
+          <a:xfrm>
+            <a:off x="1728952" y="3179068"/>
+            <a:ext cx="8229599" cy="3279228"/>
+            <a:chOff x="1728952" y="3179068"/>
+            <a:chExt cx="8229599" cy="3279228"/>
+          </a:xfrm>
+        </p:grpSpPr>
+        <p:grpSp>
+          <p:nvGrpSpPr>
+            <p:cNvPr id="17" name="组合 16">
+              <a:extLst>
+                <a:ext uri="{FF2B5EF4-FFF2-40B4-BE49-F238E27FC236}">
+                  <a16:creationId xmlns:a16="http://schemas.microsoft.com/office/drawing/2014/main" id="{2ABB8609-D14E-4E1D-9740-11E4829F7955}"/>
+                </a:ext>
+              </a:extLst>
+            </p:cNvPr>
+            <p:cNvGrpSpPr/>
+            <p:nvPr/>
+          </p:nvGrpSpPr>
+          <p:grpSpPr>
+            <a:xfrm>
+              <a:off x="1728952" y="3179068"/>
+              <a:ext cx="8229599" cy="2249215"/>
+              <a:chOff x="1524000" y="914398"/>
+              <a:chExt cx="8229599" cy="2249215"/>
+            </a:xfrm>
+          </p:grpSpPr>
+          <p:sp>
+            <p:nvSpPr>
+              <p:cNvPr id="18" name="圆柱体 17">
+                <a:extLst>
+                  <a:ext uri="{FF2B5EF4-FFF2-40B4-BE49-F238E27FC236}">
+                    <a16:creationId xmlns:a16="http://schemas.microsoft.com/office/drawing/2014/main" id="{5FF78FB0-8327-4204-9EFD-B7F7E84D37AC}"/>
+                  </a:ext>
+                </a:extLst>
+              </p:cNvPr>
+              <p:cNvSpPr/>
+              <p:nvPr/>
+            </p:nvSpPr>
+            <p:spPr>
+              <a:xfrm>
+                <a:off x="8271640" y="914398"/>
+                <a:ext cx="1481959" cy="2249215"/>
+              </a:xfrm>
+              <a:prstGeom prst="can">
+                <a:avLst/>
+              </a:prstGeom>
+              <a:solidFill>
+                <a:srgbClr val="002060"/>
+              </a:solidFill>
+              <a:ln>
+                <a:solidFill>
+                  <a:srgbClr val="002060"/>
+                </a:solidFill>
+              </a:ln>
+            </p:spPr>
+            <p:style>
+              <a:lnRef idx="2">
+                <a:schemeClr val="accent1">
+                  <a:shade val="50000"/>
+                </a:schemeClr>
+              </a:lnRef>
+              <a:fillRef idx="1">
+                <a:schemeClr val="accent1"/>
+              </a:fillRef>
+              <a:effectRef idx="0">
+                <a:schemeClr val="accent1"/>
+              </a:effectRef>
+              <a:fontRef idx="minor">
+                <a:schemeClr val="lt1"/>
+              </a:fontRef>
+            </p:style>
+            <p:txBody>
+              <a:bodyPr rtlCol="0" anchor="ctr"/>
+              <a:lstStyle/>
+              <a:p>
+                <a:pPr algn="ctr"/>
+                <a:r>
+                  <a:rPr lang="zh-CN" altLang="en-US" sz="1600" dirty="0"/>
+                  <a:t>文件</a:t>
+                </a:r>
+                <a:endParaRPr lang="en-US" altLang="zh-CN" sz="1600" dirty="0"/>
+              </a:p>
+              <a:p>
+                <a:pPr algn="ctr"/>
+                <a:r>
+                  <a:rPr lang="zh-CN" altLang="en-US" sz="1600" dirty="0"/>
+                  <a:t>磁盘</a:t>
+                </a:r>
+                <a:endParaRPr lang="en-US" altLang="zh-CN" sz="1600" dirty="0"/>
+              </a:p>
+              <a:p>
+                <a:pPr algn="ctr"/>
+                <a:r>
+                  <a:rPr lang="zh-CN" altLang="en-US" sz="1600" dirty="0"/>
+                  <a:t>网络</a:t>
+                </a:r>
+                <a:endParaRPr lang="en-US" altLang="zh-CN" sz="1600" dirty="0"/>
+              </a:p>
+              <a:p>
+                <a:pPr algn="ctr"/>
+                <a:r>
+                  <a:rPr lang="zh-CN" altLang="en-US" sz="1600" dirty="0"/>
+                  <a:t>云</a:t>
+                </a:r>
+                <a:endParaRPr lang="en-US" altLang="zh-CN" sz="1600" dirty="0"/>
+              </a:p>
+              <a:p>
+                <a:pPr algn="ctr"/>
+                <a:r>
+                  <a:rPr lang="en-US" altLang="zh-CN" sz="1600" dirty="0"/>
+                  <a:t>…</a:t>
+                </a:r>
+              </a:p>
+            </p:txBody>
+          </p:sp>
+          <p:sp>
+            <p:nvSpPr>
+              <p:cNvPr id="19" name="矩形: 圆角 18">
+                <a:extLst>
+                  <a:ext uri="{FF2B5EF4-FFF2-40B4-BE49-F238E27FC236}">
+                    <a16:creationId xmlns:a16="http://schemas.microsoft.com/office/drawing/2014/main" id="{E2DAF25B-26DF-4E29-B71B-1DFE6DE58CA1}"/>
+                  </a:ext>
+                </a:extLst>
+              </p:cNvPr>
+              <p:cNvSpPr/>
+              <p:nvPr/>
+            </p:nvSpPr>
+            <p:spPr>
+              <a:xfrm>
+                <a:off x="1524000" y="914398"/>
+                <a:ext cx="1408385" cy="2249214"/>
+              </a:xfrm>
+              <a:prstGeom prst="roundRect">
+                <a:avLst/>
+              </a:prstGeom>
+              <a:solidFill>
+                <a:srgbClr val="7030A0"/>
+              </a:solidFill>
+            </p:spPr>
+            <p:style>
+              <a:lnRef idx="2">
+                <a:schemeClr val="accent1">
+                  <a:shade val="50000"/>
+                </a:schemeClr>
+              </a:lnRef>
+              <a:fillRef idx="1">
+                <a:schemeClr val="accent1"/>
+              </a:fillRef>
+              <a:effectRef idx="0">
+                <a:schemeClr val="accent1"/>
+              </a:effectRef>
+              <a:fontRef idx="minor">
+                <a:schemeClr val="lt1"/>
+              </a:fontRef>
+            </p:style>
+            <p:txBody>
+              <a:bodyPr rtlCol="0" anchor="ctr"/>
+              <a:lstStyle/>
+              <a:p>
+                <a:pPr algn="ctr"/>
+                <a:r>
+                  <a:rPr lang="en-US" altLang="zh-CN" dirty="0"/>
+                  <a:t>Java</a:t>
+                </a:r>
+              </a:p>
+              <a:p>
+                <a:pPr algn="ctr"/>
+                <a:r>
+                  <a:rPr lang="zh-CN" altLang="en-US" dirty="0"/>
+                  <a:t>程序</a:t>
+                </a:r>
+                <a:endParaRPr lang="en-US" altLang="zh-CN" dirty="0"/>
+              </a:p>
+              <a:p>
+                <a:pPr algn="ctr"/>
+                <a:r>
+                  <a:rPr lang="en-US" altLang="zh-CN" dirty="0"/>
+                  <a:t>NIO</a:t>
+                </a:r>
+                <a:endParaRPr lang="zh-CN" altLang="en-US" dirty="0"/>
+              </a:p>
+            </p:txBody>
+          </p:sp>
+          <p:sp>
+            <p:nvSpPr>
+              <p:cNvPr id="20" name="矩形 19">
+                <a:extLst>
+                  <a:ext uri="{FF2B5EF4-FFF2-40B4-BE49-F238E27FC236}">
+                    <a16:creationId xmlns:a16="http://schemas.microsoft.com/office/drawing/2014/main" id="{497A462A-B31C-4274-9DF2-59F85445E6CC}"/>
+                  </a:ext>
+                </a:extLst>
+              </p:cNvPr>
+              <p:cNvSpPr/>
+              <p:nvPr/>
+            </p:nvSpPr>
+            <p:spPr>
+              <a:xfrm>
+                <a:off x="2932385" y="1460936"/>
+                <a:ext cx="5339255" cy="1156138"/>
+              </a:xfrm>
+              <a:prstGeom prst="rect">
+                <a:avLst/>
+              </a:prstGeom>
+              <a:solidFill>
+                <a:schemeClr val="accent5">
+                  <a:lumMod val="20000"/>
+                  <a:lumOff val="80000"/>
+                </a:schemeClr>
+              </a:solidFill>
+            </p:spPr>
+            <p:style>
+              <a:lnRef idx="2">
+                <a:schemeClr val="accent1">
+                  <a:shade val="50000"/>
+                </a:schemeClr>
+              </a:lnRef>
+              <a:fillRef idx="1">
+                <a:schemeClr val="accent1"/>
+              </a:fillRef>
+              <a:effectRef idx="0">
+                <a:schemeClr val="accent1"/>
+              </a:effectRef>
+              <a:fontRef idx="minor">
+                <a:schemeClr val="lt1"/>
+              </a:fontRef>
+            </p:style>
+            <p:txBody>
+              <a:bodyPr rtlCol="0" anchor="ctr"/>
+              <a:lstStyle/>
+              <a:p>
+                <a:pPr algn="ctr"/>
+                <a:endParaRPr lang="zh-CN" altLang="en-US" dirty="0"/>
+              </a:p>
+            </p:txBody>
+          </p:sp>
+          <p:sp>
+            <p:nvSpPr>
+              <p:cNvPr id="21" name="文本框 20">
+                <a:extLst>
+                  <a:ext uri="{FF2B5EF4-FFF2-40B4-BE49-F238E27FC236}">
+                    <a16:creationId xmlns:a16="http://schemas.microsoft.com/office/drawing/2014/main" id="{D0248BAE-B987-45BE-B7C9-4262EAB46645}"/>
+                  </a:ext>
+                </a:extLst>
+              </p:cNvPr>
+              <p:cNvSpPr txBox="1"/>
+              <p:nvPr/>
+            </p:nvSpPr>
+            <p:spPr>
+              <a:xfrm>
+                <a:off x="3166890" y="1128098"/>
+                <a:ext cx="4870244" cy="307777"/>
+              </a:xfrm>
+              <a:prstGeom prst="rect">
+                <a:avLst/>
+              </a:prstGeom>
+              <a:noFill/>
+            </p:spPr>
+            <p:txBody>
+              <a:bodyPr wrap="none" rtlCol="0">
+                <a:spAutoFit/>
+              </a:bodyPr>
+              <a:lstStyle/>
+              <a:p>
+                <a:r>
+                  <a:rPr lang="en-US" altLang="zh-CN" sz="1400" dirty="0"/>
+                  <a:t>NIO Channel</a:t>
+                </a:r>
+                <a:r>
+                  <a:rPr lang="zh-CN" altLang="en-US" sz="1400" dirty="0"/>
+                  <a:t>：</a:t>
+                </a:r>
+                <a:r>
+                  <a:rPr lang="en-US" altLang="zh-CN" sz="1400" dirty="0"/>
+                  <a:t>Buffer</a:t>
+                </a:r>
+                <a:r>
+                  <a:rPr lang="zh-CN" altLang="en-US" sz="1400" dirty="0"/>
+                  <a:t>（数据缓冲区）在其中双向传递是数据</a:t>
+                </a:r>
+              </a:p>
+            </p:txBody>
+          </p:sp>
+        </p:grpSp>
+        <p:grpSp>
+          <p:nvGrpSpPr>
+            <p:cNvPr id="29" name="组合 28">
+              <a:extLst>
+                <a:ext uri="{FF2B5EF4-FFF2-40B4-BE49-F238E27FC236}">
+                  <a16:creationId xmlns:a16="http://schemas.microsoft.com/office/drawing/2014/main" id="{30283FCB-EC05-4BA9-BE6D-ED2937603B07}"/>
+                </a:ext>
+              </a:extLst>
+            </p:cNvPr>
+            <p:cNvGrpSpPr/>
+            <p:nvPr/>
+          </p:nvGrpSpPr>
+          <p:grpSpPr>
+            <a:xfrm>
+              <a:off x="5022154" y="4061937"/>
+              <a:ext cx="1324308" cy="483476"/>
+              <a:chOff x="4850498" y="4529331"/>
+              <a:chExt cx="1324308" cy="483476"/>
+            </a:xfrm>
+          </p:grpSpPr>
+          <p:sp>
+            <p:nvSpPr>
+              <p:cNvPr id="26" name="矩形 25">
+                <a:extLst>
+                  <a:ext uri="{FF2B5EF4-FFF2-40B4-BE49-F238E27FC236}">
+                    <a16:creationId xmlns:a16="http://schemas.microsoft.com/office/drawing/2014/main" id="{911F0B97-E472-49DD-970D-8C22B52DF537}"/>
+                  </a:ext>
+                </a:extLst>
+              </p:cNvPr>
+              <p:cNvSpPr/>
+              <p:nvPr/>
+            </p:nvSpPr>
+            <p:spPr>
+              <a:xfrm>
+                <a:off x="5050195" y="4529331"/>
+                <a:ext cx="924914" cy="483476"/>
+              </a:xfrm>
+              <a:prstGeom prst="rect">
+                <a:avLst/>
+              </a:prstGeom>
+              <a:solidFill>
+                <a:srgbClr val="00B050"/>
+              </a:solidFill>
+              <a:ln>
+                <a:solidFill>
+                  <a:srgbClr val="00B050"/>
+                </a:solidFill>
+              </a:ln>
+            </p:spPr>
+            <p:style>
+              <a:lnRef idx="2">
+                <a:schemeClr val="accent1">
+                  <a:shade val="50000"/>
+                </a:schemeClr>
+              </a:lnRef>
+              <a:fillRef idx="1">
+                <a:schemeClr val="accent1"/>
+              </a:fillRef>
+              <a:effectRef idx="0">
+                <a:schemeClr val="accent1"/>
+              </a:effectRef>
+              <a:fontRef idx="minor">
+                <a:schemeClr val="lt1"/>
+              </a:fontRef>
+            </p:style>
+            <p:txBody>
+              <a:bodyPr rtlCol="0" anchor="ctr"/>
+              <a:lstStyle/>
+              <a:p>
+                <a:pPr algn="ctr"/>
+                <a:r>
+                  <a:rPr lang="en-US" altLang="zh-CN" dirty="0"/>
+                  <a:t>Buffer</a:t>
+                </a:r>
+                <a:endParaRPr lang="zh-CN" altLang="en-US" dirty="0"/>
+              </a:p>
+            </p:txBody>
+          </p:sp>
+          <p:sp>
+            <p:nvSpPr>
+              <p:cNvPr id="27" name="箭头: 虚尾 26">
+                <a:extLst>
+                  <a:ext uri="{FF2B5EF4-FFF2-40B4-BE49-F238E27FC236}">
+                    <a16:creationId xmlns:a16="http://schemas.microsoft.com/office/drawing/2014/main" id="{7F5FC026-875A-4EC8-916E-ED5AC65A55EA}"/>
+                  </a:ext>
+                </a:extLst>
+              </p:cNvPr>
+              <p:cNvSpPr/>
+              <p:nvPr/>
+            </p:nvSpPr>
+            <p:spPr>
+              <a:xfrm>
+                <a:off x="5975109" y="4632100"/>
+                <a:ext cx="199697" cy="277937"/>
+              </a:xfrm>
+              <a:prstGeom prst="stripedRightArrow">
+                <a:avLst/>
+              </a:prstGeom>
+              <a:solidFill>
+                <a:srgbClr val="00B050"/>
+              </a:solidFill>
+              <a:ln>
+                <a:solidFill>
+                  <a:srgbClr val="00B050"/>
+                </a:solidFill>
+              </a:ln>
+            </p:spPr>
+            <p:style>
+              <a:lnRef idx="2">
+                <a:schemeClr val="accent1">
+                  <a:shade val="50000"/>
+                </a:schemeClr>
+              </a:lnRef>
+              <a:fillRef idx="1">
+                <a:schemeClr val="accent1"/>
+              </a:fillRef>
+              <a:effectRef idx="0">
+                <a:schemeClr val="accent1"/>
+              </a:effectRef>
+              <a:fontRef idx="minor">
+                <a:schemeClr val="lt1"/>
+              </a:fontRef>
+            </p:style>
+            <p:txBody>
+              <a:bodyPr rtlCol="0" anchor="ctr"/>
+              <a:lstStyle/>
+              <a:p>
+                <a:pPr algn="ctr"/>
+                <a:endParaRPr lang="zh-CN" altLang="en-US"/>
+              </a:p>
+            </p:txBody>
+          </p:sp>
+          <p:sp>
+            <p:nvSpPr>
+              <p:cNvPr id="28" name="箭头: 虚尾 27">
+                <a:extLst>
+                  <a:ext uri="{FF2B5EF4-FFF2-40B4-BE49-F238E27FC236}">
+                    <a16:creationId xmlns:a16="http://schemas.microsoft.com/office/drawing/2014/main" id="{166DA1E4-EDD4-4E04-8D3B-060CD6613632}"/>
+                  </a:ext>
+                </a:extLst>
+              </p:cNvPr>
+              <p:cNvSpPr/>
+              <p:nvPr/>
+            </p:nvSpPr>
+            <p:spPr>
+              <a:xfrm rot="10800000">
+                <a:off x="4850498" y="4632099"/>
+                <a:ext cx="199697" cy="277937"/>
+              </a:xfrm>
+              <a:prstGeom prst="stripedRightArrow">
+                <a:avLst/>
+              </a:prstGeom>
+              <a:solidFill>
+                <a:srgbClr val="00B050"/>
+              </a:solidFill>
+              <a:ln>
+                <a:solidFill>
+                  <a:srgbClr val="00B050"/>
+                </a:solidFill>
+              </a:ln>
+            </p:spPr>
+            <p:style>
+              <a:lnRef idx="2">
+                <a:schemeClr val="accent1">
+                  <a:shade val="50000"/>
+                </a:schemeClr>
+              </a:lnRef>
+              <a:fillRef idx="1">
+                <a:schemeClr val="accent1"/>
+              </a:fillRef>
+              <a:effectRef idx="0">
+                <a:schemeClr val="accent1"/>
+              </a:effectRef>
+              <a:fontRef idx="minor">
+                <a:schemeClr val="lt1"/>
+              </a:fontRef>
+            </p:style>
+            <p:txBody>
+              <a:bodyPr rtlCol="0" anchor="ctr"/>
+              <a:lstStyle/>
+              <a:p>
+                <a:pPr algn="ctr"/>
+                <a:endParaRPr lang="zh-CN" altLang="en-US"/>
+              </a:p>
+            </p:txBody>
+          </p:sp>
+        </p:grpSp>
+        <p:grpSp>
+          <p:nvGrpSpPr>
+            <p:cNvPr id="33" name="组合 32">
+              <a:extLst>
+                <a:ext uri="{FF2B5EF4-FFF2-40B4-BE49-F238E27FC236}">
+                  <a16:creationId xmlns:a16="http://schemas.microsoft.com/office/drawing/2014/main" id="{7093234F-5726-4033-8B04-47A0E012234B}"/>
+                </a:ext>
+              </a:extLst>
+            </p:cNvPr>
+            <p:cNvGrpSpPr/>
+            <p:nvPr/>
+          </p:nvGrpSpPr>
+          <p:grpSpPr>
+            <a:xfrm>
+              <a:off x="2709688" y="5974820"/>
+              <a:ext cx="1324308" cy="483476"/>
+              <a:chOff x="4850498" y="4529331"/>
+              <a:chExt cx="1324308" cy="483476"/>
+            </a:xfrm>
+          </p:grpSpPr>
+          <p:sp>
+            <p:nvSpPr>
+              <p:cNvPr id="34" name="矩形 33">
+                <a:extLst>
+                  <a:ext uri="{FF2B5EF4-FFF2-40B4-BE49-F238E27FC236}">
+                    <a16:creationId xmlns:a16="http://schemas.microsoft.com/office/drawing/2014/main" id="{237D1084-45B0-46A6-9251-1E3893E8A7ED}"/>
+                  </a:ext>
+                </a:extLst>
+              </p:cNvPr>
+              <p:cNvSpPr/>
+              <p:nvPr/>
+            </p:nvSpPr>
+            <p:spPr>
+              <a:xfrm>
+                <a:off x="5050195" y="4529331"/>
+                <a:ext cx="924914" cy="483476"/>
+              </a:xfrm>
+              <a:prstGeom prst="rect">
+                <a:avLst/>
+              </a:prstGeom>
+              <a:solidFill>
+                <a:srgbClr val="00B050"/>
+              </a:solidFill>
+              <a:ln>
+                <a:solidFill>
+                  <a:srgbClr val="00B050"/>
+                </a:solidFill>
+              </a:ln>
+            </p:spPr>
+            <p:style>
+              <a:lnRef idx="2">
+                <a:schemeClr val="accent1">
+                  <a:shade val="50000"/>
+                </a:schemeClr>
+              </a:lnRef>
+              <a:fillRef idx="1">
+                <a:schemeClr val="accent1"/>
+              </a:fillRef>
+              <a:effectRef idx="0">
+                <a:schemeClr val="accent1"/>
+              </a:effectRef>
+              <a:fontRef idx="minor">
+                <a:schemeClr val="lt1"/>
+              </a:fontRef>
+            </p:style>
+            <p:txBody>
+              <a:bodyPr rtlCol="0" anchor="ctr"/>
+              <a:lstStyle/>
+              <a:p>
+                <a:pPr algn="ctr"/>
+                <a:r>
+                  <a:rPr lang="en-US" altLang="zh-CN" dirty="0"/>
+                  <a:t>Buffer</a:t>
+                </a:r>
+                <a:endParaRPr lang="zh-CN" altLang="en-US" dirty="0"/>
+              </a:p>
+            </p:txBody>
+          </p:sp>
+          <p:sp>
+            <p:nvSpPr>
+              <p:cNvPr id="35" name="箭头: 虚尾 34">
+                <a:extLst>
+                  <a:ext uri="{FF2B5EF4-FFF2-40B4-BE49-F238E27FC236}">
+                    <a16:creationId xmlns:a16="http://schemas.microsoft.com/office/drawing/2014/main" id="{FF113CB2-1B63-4808-90CE-6302E181DC0C}"/>
+                  </a:ext>
+                </a:extLst>
+              </p:cNvPr>
+              <p:cNvSpPr/>
+              <p:nvPr/>
+            </p:nvSpPr>
+            <p:spPr>
+              <a:xfrm>
+                <a:off x="5975109" y="4632100"/>
+                <a:ext cx="199697" cy="277937"/>
+              </a:xfrm>
+              <a:prstGeom prst="stripedRightArrow">
+                <a:avLst/>
+              </a:prstGeom>
+              <a:solidFill>
+                <a:srgbClr val="00B050"/>
+              </a:solidFill>
+              <a:ln>
+                <a:solidFill>
+                  <a:srgbClr val="00B050"/>
+                </a:solidFill>
+              </a:ln>
+            </p:spPr>
+            <p:style>
+              <a:lnRef idx="2">
+                <a:schemeClr val="accent1">
+                  <a:shade val="50000"/>
+                </a:schemeClr>
+              </a:lnRef>
+              <a:fillRef idx="1">
+                <a:schemeClr val="accent1"/>
+              </a:fillRef>
+              <a:effectRef idx="0">
+                <a:schemeClr val="accent1"/>
+              </a:effectRef>
+              <a:fontRef idx="minor">
+                <a:schemeClr val="lt1"/>
+              </a:fontRef>
+            </p:style>
+            <p:txBody>
+              <a:bodyPr rtlCol="0" anchor="ctr"/>
+              <a:lstStyle/>
+              <a:p>
+                <a:pPr algn="ctr"/>
+                <a:endParaRPr lang="zh-CN" altLang="en-US"/>
+              </a:p>
+            </p:txBody>
+          </p:sp>
+          <p:sp>
+            <p:nvSpPr>
+              <p:cNvPr id="36" name="箭头: 虚尾 35">
+                <a:extLst>
+                  <a:ext uri="{FF2B5EF4-FFF2-40B4-BE49-F238E27FC236}">
+                    <a16:creationId xmlns:a16="http://schemas.microsoft.com/office/drawing/2014/main" id="{929E174F-398F-46DB-9300-924D5AF19EC2}"/>
+                  </a:ext>
+                </a:extLst>
+              </p:cNvPr>
+              <p:cNvSpPr/>
+              <p:nvPr/>
+            </p:nvSpPr>
+            <p:spPr>
+              <a:xfrm rot="10800000">
+                <a:off x="4850498" y="4632099"/>
+                <a:ext cx="199697" cy="277937"/>
+              </a:xfrm>
+              <a:prstGeom prst="stripedRightArrow">
+                <a:avLst/>
+              </a:prstGeom>
+              <a:solidFill>
+                <a:srgbClr val="00B050"/>
+              </a:solidFill>
+              <a:ln>
+                <a:solidFill>
+                  <a:srgbClr val="00B050"/>
+                </a:solidFill>
+              </a:ln>
+            </p:spPr>
+            <p:style>
+              <a:lnRef idx="2">
+                <a:schemeClr val="accent1">
+                  <a:shade val="50000"/>
+                </a:schemeClr>
+              </a:lnRef>
+              <a:fillRef idx="1">
+                <a:schemeClr val="accent1"/>
+              </a:fillRef>
+              <a:effectRef idx="0">
+                <a:schemeClr val="accent1"/>
+              </a:effectRef>
+              <a:fontRef idx="minor">
+                <a:schemeClr val="lt1"/>
+              </a:fontRef>
+            </p:style>
+            <p:txBody>
+              <a:bodyPr rtlCol="0" anchor="ctr"/>
+              <a:lstStyle/>
+              <a:p>
+                <a:pPr algn="ctr"/>
+                <a:endParaRPr lang="zh-CN" altLang="en-US"/>
+              </a:p>
+            </p:txBody>
+          </p:sp>
+        </p:grpSp>
+        <p:grpSp>
+          <p:nvGrpSpPr>
+            <p:cNvPr id="37" name="组合 36">
+              <a:extLst>
+                <a:ext uri="{FF2B5EF4-FFF2-40B4-BE49-F238E27FC236}">
+                  <a16:creationId xmlns:a16="http://schemas.microsoft.com/office/drawing/2014/main" id="{463604F0-689F-4CF8-A652-BD27816EFF93}"/>
+                </a:ext>
+              </a:extLst>
+            </p:cNvPr>
+            <p:cNvGrpSpPr/>
+            <p:nvPr/>
+          </p:nvGrpSpPr>
+          <p:grpSpPr>
+            <a:xfrm>
+              <a:off x="7579932" y="5974820"/>
+              <a:ext cx="1324308" cy="483476"/>
+              <a:chOff x="4850498" y="4529331"/>
+              <a:chExt cx="1324308" cy="483476"/>
+            </a:xfrm>
+          </p:grpSpPr>
+          <p:sp>
+            <p:nvSpPr>
+              <p:cNvPr id="38" name="矩形 37">
+                <a:extLst>
+                  <a:ext uri="{FF2B5EF4-FFF2-40B4-BE49-F238E27FC236}">
+                    <a16:creationId xmlns:a16="http://schemas.microsoft.com/office/drawing/2014/main" id="{17E800D5-47D0-4AB3-A14E-7192AC0F2B6C}"/>
+                  </a:ext>
+                </a:extLst>
+              </p:cNvPr>
+              <p:cNvSpPr/>
+              <p:nvPr/>
+            </p:nvSpPr>
+            <p:spPr>
+              <a:xfrm>
+                <a:off x="5050195" y="4529331"/>
+                <a:ext cx="924914" cy="483476"/>
+              </a:xfrm>
+              <a:prstGeom prst="rect">
+                <a:avLst/>
+              </a:prstGeom>
+              <a:solidFill>
+                <a:srgbClr val="00B050"/>
+              </a:solidFill>
+              <a:ln>
+                <a:solidFill>
+                  <a:srgbClr val="00B050"/>
+                </a:solidFill>
+              </a:ln>
+            </p:spPr>
+            <p:style>
+              <a:lnRef idx="2">
+                <a:schemeClr val="accent1">
+                  <a:shade val="50000"/>
+                </a:schemeClr>
+              </a:lnRef>
+              <a:fillRef idx="1">
+                <a:schemeClr val="accent1"/>
+              </a:fillRef>
+              <a:effectRef idx="0">
+                <a:schemeClr val="accent1"/>
+              </a:effectRef>
+              <a:fontRef idx="minor">
+                <a:schemeClr val="lt1"/>
+              </a:fontRef>
+            </p:style>
+            <p:txBody>
+              <a:bodyPr rtlCol="0" anchor="ctr"/>
+              <a:lstStyle/>
+              <a:p>
+                <a:pPr algn="ctr"/>
+                <a:r>
+                  <a:rPr lang="en-US" altLang="zh-CN" dirty="0"/>
+                  <a:t>Buffer</a:t>
+                </a:r>
+                <a:endParaRPr lang="zh-CN" altLang="en-US" dirty="0"/>
+              </a:p>
+            </p:txBody>
+          </p:sp>
+          <p:sp>
+            <p:nvSpPr>
+              <p:cNvPr id="39" name="箭头: 虚尾 38">
+                <a:extLst>
+                  <a:ext uri="{FF2B5EF4-FFF2-40B4-BE49-F238E27FC236}">
+                    <a16:creationId xmlns:a16="http://schemas.microsoft.com/office/drawing/2014/main" id="{23C5EF18-3F49-4D82-9387-C425448327D5}"/>
+                  </a:ext>
+                </a:extLst>
+              </p:cNvPr>
+              <p:cNvSpPr/>
+              <p:nvPr/>
+            </p:nvSpPr>
+            <p:spPr>
+              <a:xfrm>
+                <a:off x="5975109" y="4632100"/>
+                <a:ext cx="199697" cy="277937"/>
+              </a:xfrm>
+              <a:prstGeom prst="stripedRightArrow">
+                <a:avLst/>
+              </a:prstGeom>
+              <a:solidFill>
+                <a:srgbClr val="00B050"/>
+              </a:solidFill>
+              <a:ln>
+                <a:solidFill>
+                  <a:srgbClr val="00B050"/>
+                </a:solidFill>
+              </a:ln>
+            </p:spPr>
+            <p:style>
+              <a:lnRef idx="2">
+                <a:schemeClr val="accent1">
+                  <a:shade val="50000"/>
+                </a:schemeClr>
+              </a:lnRef>
+              <a:fillRef idx="1">
+                <a:schemeClr val="accent1"/>
+              </a:fillRef>
+              <a:effectRef idx="0">
+                <a:schemeClr val="accent1"/>
+              </a:effectRef>
+              <a:fontRef idx="minor">
+                <a:schemeClr val="lt1"/>
+              </a:fontRef>
+            </p:style>
+            <p:txBody>
+              <a:bodyPr rtlCol="0" anchor="ctr"/>
+              <a:lstStyle/>
+              <a:p>
+                <a:pPr algn="ctr"/>
+                <a:endParaRPr lang="zh-CN" altLang="en-US"/>
+              </a:p>
+            </p:txBody>
+          </p:sp>
+          <p:sp>
+            <p:nvSpPr>
+              <p:cNvPr id="40" name="箭头: 虚尾 39">
+                <a:extLst>
+                  <a:ext uri="{FF2B5EF4-FFF2-40B4-BE49-F238E27FC236}">
+                    <a16:creationId xmlns:a16="http://schemas.microsoft.com/office/drawing/2014/main" id="{E1A12EFE-B8E8-4A98-935C-34D6DF675616}"/>
+                  </a:ext>
+                </a:extLst>
+              </p:cNvPr>
+              <p:cNvSpPr/>
+              <p:nvPr/>
+            </p:nvSpPr>
+            <p:spPr>
+              <a:xfrm rot="10800000">
+                <a:off x="4850498" y="4632099"/>
+                <a:ext cx="199697" cy="277937"/>
+              </a:xfrm>
+              <a:prstGeom prst="stripedRightArrow">
+                <a:avLst/>
+              </a:prstGeom>
+              <a:solidFill>
+                <a:srgbClr val="00B050"/>
+              </a:solidFill>
+              <a:ln>
+                <a:solidFill>
+                  <a:srgbClr val="00B050"/>
+                </a:solidFill>
+              </a:ln>
+            </p:spPr>
+            <p:style>
+              <a:lnRef idx="2">
+                <a:schemeClr val="accent1">
+                  <a:shade val="50000"/>
+                </a:schemeClr>
+              </a:lnRef>
+              <a:fillRef idx="1">
+                <a:schemeClr val="accent1"/>
+              </a:fillRef>
+              <a:effectRef idx="0">
+                <a:schemeClr val="accent1"/>
+              </a:effectRef>
+              <a:fontRef idx="minor">
+                <a:schemeClr val="lt1"/>
+              </a:fontRef>
+            </p:style>
+            <p:txBody>
+              <a:bodyPr rtlCol="0" anchor="ctr"/>
+              <a:lstStyle/>
+              <a:p>
+                <a:pPr algn="ctr"/>
+                <a:endParaRPr lang="zh-CN" altLang="en-US"/>
+              </a:p>
+            </p:txBody>
+          </p:sp>
+        </p:grpSp>
+        <p:cxnSp>
+          <p:nvCxnSpPr>
+            <p:cNvPr id="42" name="连接符: 肘形 41">
+              <a:extLst>
+                <a:ext uri="{FF2B5EF4-FFF2-40B4-BE49-F238E27FC236}">
+                  <a16:creationId xmlns:a16="http://schemas.microsoft.com/office/drawing/2014/main" id="{20D586BB-B028-4839-959B-E51C55D6620A}"/>
+                </a:ext>
+              </a:extLst>
+            </p:cNvPr>
+            <p:cNvCxnSpPr>
+              <a:cxnSpLocks/>
+              <a:stCxn id="19" idx="2"/>
+              <a:endCxn id="34" idx="0"/>
+            </p:cNvCxnSpPr>
+            <p:nvPr/>
+          </p:nvCxnSpPr>
+          <p:spPr>
+            <a:xfrm rot="16200000" flipH="1">
+              <a:off x="2629224" y="5232202"/>
+              <a:ext cx="546538" cy="938697"/>
+            </a:xfrm>
+            <a:prstGeom prst="bentConnector3">
+              <a:avLst/>
+            </a:prstGeom>
+            <a:ln w="19050">
+              <a:solidFill>
+                <a:srgbClr val="00B050"/>
+              </a:solidFill>
+              <a:tailEnd type="triangle"/>
+            </a:ln>
+          </p:spPr>
+          <p:style>
+            <a:lnRef idx="1">
+              <a:schemeClr val="accent1"/>
+            </a:lnRef>
+            <a:fillRef idx="0">
+              <a:schemeClr val="accent1"/>
+            </a:fillRef>
+            <a:effectRef idx="0">
+              <a:schemeClr val="accent1"/>
+            </a:effectRef>
+            <a:fontRef idx="minor">
+              <a:schemeClr val="tx1"/>
+            </a:fontRef>
+          </p:style>
+        </p:cxnSp>
+        <p:cxnSp>
+          <p:nvCxnSpPr>
+            <p:cNvPr id="44" name="连接符: 肘形 43">
+              <a:extLst>
+                <a:ext uri="{FF2B5EF4-FFF2-40B4-BE49-F238E27FC236}">
+                  <a16:creationId xmlns:a16="http://schemas.microsoft.com/office/drawing/2014/main" id="{45F2E890-034C-40AF-84F3-A5DDADFED7DC}"/>
+                </a:ext>
+              </a:extLst>
+            </p:cNvPr>
+            <p:cNvCxnSpPr>
+              <a:cxnSpLocks/>
+              <a:stCxn id="38" idx="0"/>
+              <a:endCxn id="18" idx="3"/>
+            </p:cNvCxnSpPr>
+            <p:nvPr/>
+          </p:nvCxnSpPr>
+          <p:spPr>
+            <a:xfrm rot="5400000" flipH="1" flipV="1">
+              <a:off x="8456561" y="5213809"/>
+              <a:ext cx="546537" cy="975486"/>
+            </a:xfrm>
+            <a:prstGeom prst="bentConnector3">
+              <a:avLst>
+                <a:gd name="adj1" fmla="val 100000"/>
+              </a:avLst>
+            </a:prstGeom>
+            <a:ln w="19050">
+              <a:solidFill>
+                <a:srgbClr val="00B050"/>
+              </a:solidFill>
+              <a:tailEnd type="triangle"/>
+            </a:ln>
+          </p:spPr>
+          <p:style>
+            <a:lnRef idx="1">
+              <a:schemeClr val="accent1"/>
+            </a:lnRef>
+            <a:fillRef idx="0">
+              <a:schemeClr val="accent1"/>
+            </a:fillRef>
+            <a:effectRef idx="0">
+              <a:schemeClr val="accent1"/>
+            </a:effectRef>
+            <a:fontRef idx="minor">
+              <a:schemeClr val="tx1"/>
+            </a:fontRef>
+          </p:style>
+        </p:cxnSp>
+        <p:cxnSp>
+          <p:nvCxnSpPr>
+            <p:cNvPr id="47" name="连接符: 肘形 46">
+              <a:extLst>
+                <a:ext uri="{FF2B5EF4-FFF2-40B4-BE49-F238E27FC236}">
+                  <a16:creationId xmlns:a16="http://schemas.microsoft.com/office/drawing/2014/main" id="{58E33CF5-082D-4215-83D2-BFDF5138FB13}"/>
+                </a:ext>
+              </a:extLst>
+            </p:cNvPr>
+            <p:cNvCxnSpPr>
+              <a:stCxn id="18" idx="3"/>
+              <a:endCxn id="39" idx="3"/>
+            </p:cNvCxnSpPr>
+            <p:nvPr/>
+          </p:nvCxnSpPr>
+          <p:spPr>
+            <a:xfrm rot="5400000">
+              <a:off x="8666769" y="5665754"/>
+              <a:ext cx="788275" cy="313332"/>
+            </a:xfrm>
+            <a:prstGeom prst="bentConnector2">
+              <a:avLst/>
+            </a:prstGeom>
+            <a:ln w="19050">
+              <a:solidFill>
+                <a:srgbClr val="FF0000"/>
+              </a:solidFill>
+              <a:tailEnd type="triangle"/>
+            </a:ln>
+          </p:spPr>
+          <p:style>
+            <a:lnRef idx="1">
+              <a:schemeClr val="accent1"/>
+            </a:lnRef>
+            <a:fillRef idx="0">
+              <a:schemeClr val="accent1"/>
+            </a:fillRef>
+            <a:effectRef idx="0">
+              <a:schemeClr val="accent1"/>
+            </a:effectRef>
+            <a:fontRef idx="minor">
+              <a:schemeClr val="tx1"/>
+            </a:fontRef>
+          </p:style>
+        </p:cxnSp>
+        <p:sp>
+          <p:nvSpPr>
+            <p:cNvPr id="52" name="文本框 51">
+              <a:extLst>
+                <a:ext uri="{FF2B5EF4-FFF2-40B4-BE49-F238E27FC236}">
+                  <a16:creationId xmlns:a16="http://schemas.microsoft.com/office/drawing/2014/main" id="{EE79E864-9CC4-446B-AFB9-1E828571F5D1}"/>
+                </a:ext>
+              </a:extLst>
+            </p:cNvPr>
+            <p:cNvSpPr txBox="1"/>
+            <p:nvPr/>
+          </p:nvSpPr>
+          <p:spPr>
+            <a:xfrm>
+              <a:off x="4210659" y="5157115"/>
+              <a:ext cx="3312125" cy="830997"/>
+            </a:xfrm>
+            <a:prstGeom prst="rect">
+              <a:avLst/>
+            </a:prstGeom>
+            <a:noFill/>
+            <a:ln>
+              <a:solidFill>
+                <a:srgbClr val="FF0000"/>
+              </a:solidFill>
+            </a:ln>
+          </p:spPr>
+          <p:txBody>
+            <a:bodyPr wrap="none" rtlCol="0">
+              <a:spAutoFit/>
+            </a:bodyPr>
+            <a:lstStyle/>
+            <a:p>
+              <a:r>
+                <a:rPr lang="en-US" altLang="zh-CN" sz="1200" dirty="0">
+                  <a:solidFill>
+                    <a:srgbClr val="002060"/>
+                  </a:solidFill>
+                </a:rPr>
+                <a:t>Channel</a:t>
+              </a:r>
+              <a:r>
+                <a:rPr lang="zh-CN" altLang="en-US" sz="1200" dirty="0">
+                  <a:solidFill>
+                    <a:srgbClr val="002060"/>
+                  </a:solidFill>
+                </a:rPr>
+                <a:t>就像铁路在</a:t>
+              </a:r>
+              <a:r>
+                <a:rPr lang="en-US" altLang="zh-CN" sz="1200" dirty="0">
+                  <a:solidFill>
+                    <a:srgbClr val="002060"/>
+                  </a:solidFill>
+                </a:rPr>
+                <a:t>Java</a:t>
+              </a:r>
+              <a:r>
+                <a:rPr lang="zh-CN" altLang="en-US" sz="1200" dirty="0">
+                  <a:solidFill>
+                    <a:srgbClr val="002060"/>
+                  </a:solidFill>
+                </a:rPr>
+                <a:t>程序和存储段建立通道</a:t>
+              </a:r>
+              <a:endParaRPr lang="en-US" altLang="zh-CN" sz="1200" dirty="0">
+                <a:solidFill>
+                  <a:srgbClr val="002060"/>
+                </a:solidFill>
+              </a:endParaRPr>
+            </a:p>
+            <a:p>
+              <a:endParaRPr lang="en-US" altLang="zh-CN" sz="1200" dirty="0">
+                <a:solidFill>
+                  <a:srgbClr val="002060"/>
+                </a:solidFill>
+              </a:endParaRPr>
+            </a:p>
+            <a:p>
+              <a:r>
+                <a:rPr lang="en-US" altLang="zh-CN" sz="1200" dirty="0">
+                  <a:solidFill>
+                    <a:srgbClr val="002060"/>
+                  </a:solidFill>
+                </a:rPr>
+                <a:t>Buffer</a:t>
+              </a:r>
+              <a:r>
+                <a:rPr lang="zh-CN" altLang="en-US" sz="1200" dirty="0">
+                  <a:solidFill>
+                    <a:srgbClr val="002060"/>
+                  </a:solidFill>
+                </a:rPr>
+                <a:t>就像火车在</a:t>
+              </a:r>
+              <a:r>
+                <a:rPr lang="en-US" altLang="zh-CN" sz="1200" dirty="0">
+                  <a:solidFill>
+                    <a:srgbClr val="002060"/>
+                  </a:solidFill>
+                </a:rPr>
+                <a:t>Java</a:t>
+              </a:r>
+              <a:r>
+                <a:rPr lang="zh-CN" altLang="en-US" sz="1200" dirty="0">
+                  <a:solidFill>
+                    <a:srgbClr val="002060"/>
+                  </a:solidFill>
+                </a:rPr>
+                <a:t>程序和存储端</a:t>
+              </a:r>
+              <a:endParaRPr lang="en-US" altLang="zh-CN" sz="1200" dirty="0">
+                <a:solidFill>
+                  <a:srgbClr val="002060"/>
+                </a:solidFill>
+              </a:endParaRPr>
+            </a:p>
+            <a:p>
+              <a:r>
+                <a:rPr lang="zh-CN" altLang="en-US" sz="1200" dirty="0">
+                  <a:solidFill>
+                    <a:srgbClr val="002060"/>
+                  </a:solidFill>
+                </a:rPr>
+                <a:t>往复装在数据和卸载数据</a:t>
+              </a:r>
+            </a:p>
+          </p:txBody>
+        </p:sp>
+        <p:sp>
+          <p:nvSpPr>
+            <p:cNvPr id="53" name="文本框 52">
+              <a:extLst>
+                <a:ext uri="{FF2B5EF4-FFF2-40B4-BE49-F238E27FC236}">
+                  <a16:creationId xmlns:a16="http://schemas.microsoft.com/office/drawing/2014/main" id="{3D70D444-B23D-4DE4-8FC6-8A21186892D2}"/>
+                </a:ext>
+              </a:extLst>
+            </p:cNvPr>
+            <p:cNvSpPr txBox="1"/>
+            <p:nvPr/>
+          </p:nvSpPr>
+          <p:spPr>
+            <a:xfrm>
+              <a:off x="2553679" y="5677215"/>
+              <a:ext cx="697627" cy="246221"/>
+            </a:xfrm>
+            <a:prstGeom prst="rect">
+              <a:avLst/>
+            </a:prstGeom>
+            <a:noFill/>
+          </p:spPr>
+          <p:txBody>
+            <a:bodyPr wrap="none" rtlCol="0">
+              <a:spAutoFit/>
+            </a:bodyPr>
+            <a:lstStyle/>
+            <a:p>
+              <a:r>
+                <a:rPr lang="zh-CN" altLang="en-US" sz="1000" dirty="0"/>
+                <a:t>装载数据</a:t>
+              </a:r>
+            </a:p>
+          </p:txBody>
+        </p:sp>
+        <p:sp>
+          <p:nvSpPr>
+            <p:cNvPr id="54" name="文本框 53">
+              <a:extLst>
+                <a:ext uri="{FF2B5EF4-FFF2-40B4-BE49-F238E27FC236}">
+                  <a16:creationId xmlns:a16="http://schemas.microsoft.com/office/drawing/2014/main" id="{7C8199F6-D4F4-4A8A-8ACB-E0E04CBCE36D}"/>
+                </a:ext>
+              </a:extLst>
+            </p:cNvPr>
+            <p:cNvSpPr txBox="1"/>
+            <p:nvPr/>
+          </p:nvSpPr>
+          <p:spPr>
+            <a:xfrm>
+              <a:off x="7893272" y="5578129"/>
+              <a:ext cx="697627" cy="246221"/>
+            </a:xfrm>
+            <a:prstGeom prst="rect">
+              <a:avLst/>
+            </a:prstGeom>
+            <a:noFill/>
+          </p:spPr>
+          <p:txBody>
+            <a:bodyPr wrap="none" rtlCol="0">
+              <a:spAutoFit/>
+            </a:bodyPr>
+            <a:lstStyle/>
+            <a:p>
+              <a:r>
+                <a:rPr lang="zh-CN" altLang="en-US" sz="1000" dirty="0"/>
+                <a:t>卸载数据</a:t>
+              </a:r>
+            </a:p>
+          </p:txBody>
+        </p:sp>
+        <p:sp>
+          <p:nvSpPr>
+            <p:cNvPr id="55" name="文本框 54">
+              <a:extLst>
+                <a:ext uri="{FF2B5EF4-FFF2-40B4-BE49-F238E27FC236}">
+                  <a16:creationId xmlns:a16="http://schemas.microsoft.com/office/drawing/2014/main" id="{E551561C-8CAB-4DD1-B6B6-B0238FA1764D}"/>
+                </a:ext>
+              </a:extLst>
+            </p:cNvPr>
+            <p:cNvSpPr txBox="1"/>
+            <p:nvPr/>
+          </p:nvSpPr>
+          <p:spPr>
+            <a:xfrm>
+              <a:off x="8890434" y="5677677"/>
+              <a:ext cx="697627" cy="246221"/>
+            </a:xfrm>
+            <a:prstGeom prst="rect">
+              <a:avLst/>
+            </a:prstGeom>
+            <a:noFill/>
+          </p:spPr>
+          <p:txBody>
+            <a:bodyPr wrap="none" rtlCol="0">
+              <a:spAutoFit/>
+            </a:bodyPr>
+            <a:lstStyle/>
+            <a:p>
+              <a:r>
+                <a:rPr lang="zh-CN" altLang="en-US" sz="1000" dirty="0"/>
+                <a:t>装载数据</a:t>
+              </a:r>
+            </a:p>
+          </p:txBody>
+        </p:sp>
+      </p:grpSp>
+    </p:spTree>
+    <p:extLst>
+      <p:ext uri="{BB962C8B-B14F-4D97-AF65-F5344CB8AC3E}">
+        <p14:creationId xmlns:p14="http://schemas.microsoft.com/office/powerpoint/2010/main" val="1093396074"/>
+      </p:ext>
+    </p:extLst>
+  </p:cSld>
+  <p:clrMapOvr>
+    <a:masterClrMapping/>
+  </p:clrMapOvr>
+</p:sld>
+</file>
+
 <file path=ppt/theme/theme1.xml><?xml version="1.0" encoding="utf-8"?>
 <a:theme xmlns:a="http://schemas.openxmlformats.org/drawingml/2006/main" name="Office 主题​​">
   <a:themeElements>

--- a/Java.pptx
+++ b/Java.pptx
@@ -5,7 +5,7 @@
     <p:sldMasterId id="2147483648" r:id="rId1"/>
   </p:sldMasterIdLst>
   <p:notesMasterIdLst>
-    <p:notesMasterId r:id="rId11"/>
+    <p:notesMasterId r:id="rId14"/>
   </p:notesMasterIdLst>
   <p:sldIdLst>
     <p:sldId id="256" r:id="rId2"/>
@@ -16,7 +16,10 @@
     <p:sldId id="260" r:id="rId7"/>
     <p:sldId id="262" r:id="rId8"/>
     <p:sldId id="263" r:id="rId9"/>
-    <p:sldId id="264" r:id="rId10"/>
+    <p:sldId id="265" r:id="rId10"/>
+    <p:sldId id="266" r:id="rId11"/>
+    <p:sldId id="267" r:id="rId12"/>
+    <p:sldId id="264" r:id="rId13"/>
   </p:sldIdLst>
   <p:sldSz cx="12192000" cy="6858000"/>
   <p:notesSz cx="6858000" cy="9144000"/>
@@ -205,7 +208,7 @@
           <a:p>
             <a:fld id="{DA138970-91FA-43C7-A2C4-4F47DFBC178E}" type="datetimeFigureOut">
               <a:rPr lang="zh-CN" altLang="en-US" smtClean="0"/>
-              <a:t>2019/4/18</a:t>
+              <a:t>2019/8/29</a:t>
             </a:fld>
             <a:endParaRPr lang="zh-CN" altLang="en-US"/>
           </a:p>
@@ -1996,6 +1999,148 @@
           <a:bodyPr/>
           <a:lstStyle/>
           <a:p>
+            <a:r>
+              <a:rPr lang="zh-CN" altLang="en-US" sz="1200" b="1" kern="1200" dirty="0">
+                <a:solidFill>
+                  <a:schemeClr val="tx1"/>
+                </a:solidFill>
+                <a:effectLst/>
+                <a:latin typeface="+mn-lt"/>
+                <a:ea typeface="+mn-ea"/>
+                <a:cs typeface="+mn-cs"/>
+              </a:rPr>
+              <a:t>线程栈：包含了当前线程执行的方法调用相关信息，我们也把它称作调用栈。每个线程都有一个独立的线程栈，线程栈内数据线程间不能共享</a:t>
+            </a:r>
+            <a:endParaRPr lang="zh-CN" altLang="en-US" dirty="0">
+              <a:effectLst/>
+            </a:endParaRPr>
+          </a:p>
+          <a:p>
+            <a:r>
+              <a:rPr lang="zh-CN" altLang="en-US" sz="1200" b="1" kern="1200" dirty="0">
+                <a:solidFill>
+                  <a:schemeClr val="tx1"/>
+                </a:solidFill>
+                <a:effectLst/>
+                <a:latin typeface="+mn-lt"/>
+                <a:ea typeface="+mn-ea"/>
+                <a:cs typeface="+mn-cs"/>
+              </a:rPr>
+              <a:t>堆区：包含了</a:t>
+            </a:r>
+            <a:r>
+              <a:rPr lang="en-US" altLang="zh-CN" sz="1200" b="1" kern="1200" dirty="0">
+                <a:solidFill>
+                  <a:schemeClr val="tx1"/>
+                </a:solidFill>
+                <a:effectLst/>
+                <a:latin typeface="+mn-lt"/>
+                <a:ea typeface="+mn-ea"/>
+                <a:cs typeface="+mn-cs"/>
+              </a:rPr>
+              <a:t>Java</a:t>
+            </a:r>
+            <a:r>
+              <a:rPr lang="zh-CN" altLang="en-US" sz="1200" b="1" kern="1200" dirty="0">
+                <a:solidFill>
+                  <a:schemeClr val="tx1"/>
+                </a:solidFill>
+                <a:effectLst/>
+                <a:latin typeface="+mn-lt"/>
+                <a:ea typeface="+mn-ea"/>
+                <a:cs typeface="+mn-cs"/>
+              </a:rPr>
+              <a:t>应用创建的所有对象信息，堆区内数据是线程间共享的</a:t>
+            </a:r>
+            <a:r>
+              <a:rPr lang="zh-CN" altLang="en-US" sz="1200" kern="1200" dirty="0">
+                <a:solidFill>
+                  <a:schemeClr val="tx1"/>
+                </a:solidFill>
+                <a:effectLst/>
+                <a:latin typeface="+mn-lt"/>
+                <a:ea typeface="+mn-ea"/>
+                <a:cs typeface="+mn-cs"/>
+              </a:rPr>
+              <a:t>，不管对象是哪个线程创建的，其中的对象包括原始类型的封装类（如</a:t>
+            </a:r>
+            <a:r>
+              <a:rPr lang="en-US" altLang="zh-CN" sz="1200" kern="1200" dirty="0">
+                <a:solidFill>
+                  <a:schemeClr val="tx1"/>
+                </a:solidFill>
+                <a:effectLst/>
+                <a:latin typeface="+mn-lt"/>
+                <a:ea typeface="+mn-ea"/>
+                <a:cs typeface="+mn-cs"/>
+              </a:rPr>
+              <a:t>Byte</a:t>
+            </a:r>
+            <a:r>
+              <a:rPr lang="zh-CN" altLang="en-US" sz="1200" kern="1200" dirty="0">
+                <a:solidFill>
+                  <a:schemeClr val="tx1"/>
+                </a:solidFill>
+                <a:effectLst/>
+                <a:latin typeface="+mn-lt"/>
+                <a:ea typeface="+mn-ea"/>
+                <a:cs typeface="+mn-cs"/>
+              </a:rPr>
+              <a:t>、</a:t>
+            </a:r>
+            <a:r>
+              <a:rPr lang="en-US" altLang="zh-CN" sz="1200" kern="1200" dirty="0">
+                <a:solidFill>
+                  <a:schemeClr val="tx1"/>
+                </a:solidFill>
+                <a:effectLst/>
+                <a:latin typeface="+mn-lt"/>
+                <a:ea typeface="+mn-ea"/>
+                <a:cs typeface="+mn-cs"/>
+              </a:rPr>
+              <a:t>Integer</a:t>
+            </a:r>
+            <a:r>
+              <a:rPr lang="zh-CN" altLang="en-US" sz="1200" kern="1200" dirty="0">
+                <a:solidFill>
+                  <a:schemeClr val="tx1"/>
+                </a:solidFill>
+                <a:effectLst/>
+                <a:latin typeface="+mn-lt"/>
+                <a:ea typeface="+mn-ea"/>
+                <a:cs typeface="+mn-cs"/>
+              </a:rPr>
+              <a:t>、</a:t>
+            </a:r>
+            <a:r>
+              <a:rPr lang="en-US" altLang="zh-CN" sz="1200" kern="1200" dirty="0">
+                <a:solidFill>
+                  <a:schemeClr val="tx1"/>
+                </a:solidFill>
+                <a:effectLst/>
+                <a:latin typeface="+mn-lt"/>
+                <a:ea typeface="+mn-ea"/>
+                <a:cs typeface="+mn-cs"/>
+              </a:rPr>
+              <a:t>Long</a:t>
+            </a:r>
+            <a:r>
+              <a:rPr lang="zh-CN" altLang="en-US" sz="1200" kern="1200" dirty="0">
+                <a:solidFill>
+                  <a:schemeClr val="tx1"/>
+                </a:solidFill>
+                <a:effectLst/>
+                <a:latin typeface="+mn-lt"/>
+                <a:ea typeface="+mn-ea"/>
+                <a:cs typeface="+mn-cs"/>
+              </a:rPr>
+              <a:t>等等）。不管对象是属于一个成员变量还是方法中的局部变量，它都会被存储在堆区。</a:t>
+            </a:r>
+            <a:endParaRPr lang="zh-CN" altLang="en-US" dirty="0">
+              <a:effectLst/>
+            </a:endParaRPr>
+          </a:p>
+          <a:p>
             <a:endParaRPr lang="zh-CN" altLang="en-US" dirty="0"/>
           </a:p>
         </p:txBody>
@@ -2017,7 +2162,1363 @@
           <a:p>
             <a:fld id="{0B77BCC6-1F8A-452E-9AE8-956F32ABCC1A}" type="slidenum">
               <a:rPr lang="zh-CN" altLang="en-US" smtClean="0"/>
+              <a:t>7</a:t>
+            </a:fld>
+            <a:endParaRPr lang="zh-CN" altLang="en-US"/>
+          </a:p>
+        </p:txBody>
+      </p:sp>
+    </p:spTree>
+    <p:extLst>
+      <p:ext uri="{BB962C8B-B14F-4D97-AF65-F5344CB8AC3E}">
+        <p14:creationId xmlns:p14="http://schemas.microsoft.com/office/powerpoint/2010/main" val="3551295766"/>
+      </p:ext>
+    </p:extLst>
+  </p:cSld>
+  <p:clrMapOvr>
+    <a:masterClrMapping/>
+  </p:clrMapOvr>
+</p:notes>
+</file>
+
+<file path=ppt/notesSlides/notesSlide5.xml><?xml version="1.0" encoding="utf-8"?>
+<p:notes xmlns:a="http://schemas.openxmlformats.org/drawingml/2006/main" xmlns:r="http://schemas.openxmlformats.org/officeDocument/2006/relationships" xmlns:p="http://schemas.openxmlformats.org/presentationml/2006/main">
+  <p:cSld>
+    <p:spTree>
+      <p:nvGrpSpPr>
+        <p:cNvPr id="1" name=""/>
+        <p:cNvGrpSpPr/>
+        <p:nvPr/>
+      </p:nvGrpSpPr>
+      <p:grpSpPr>
+        <a:xfrm>
+          <a:off x="0" y="0"/>
+          <a:ext cx="0" cy="0"/>
+          <a:chOff x="0" y="0"/>
+          <a:chExt cx="0" cy="0"/>
+        </a:xfrm>
+      </p:grpSpPr>
+      <p:sp>
+        <p:nvSpPr>
+          <p:cNvPr id="2" name="幻灯片图像占位符 1"/>
+          <p:cNvSpPr>
+            <a:spLocks noGrp="1" noRot="1" noChangeAspect="1"/>
+          </p:cNvSpPr>
+          <p:nvPr>
+            <p:ph type="sldImg"/>
+          </p:nvPr>
+        </p:nvSpPr>
+        <p:spPr/>
+      </p:sp>
+      <p:sp>
+        <p:nvSpPr>
+          <p:cNvPr id="3" name="备注占位符 2"/>
+          <p:cNvSpPr>
+            <a:spLocks noGrp="1"/>
+          </p:cNvSpPr>
+          <p:nvPr>
+            <p:ph type="body" idx="1"/>
+          </p:nvPr>
+        </p:nvSpPr>
+        <p:spPr/>
+        <p:txBody>
+          <a:bodyPr/>
+          <a:lstStyle/>
+          <a:p>
+            <a:pPr rtl="0"/>
+            <a:r>
+              <a:rPr lang="zh-CN" altLang="en-US" sz="1200" b="0" i="0" u="none" strike="noStrike" kern="1200" baseline="0" dirty="0">
+                <a:solidFill>
+                  <a:schemeClr val="tx1"/>
+                </a:solidFill>
+                <a:latin typeface="+mn-lt"/>
+                <a:ea typeface="+mn-ea"/>
+                <a:cs typeface="+mn-cs"/>
+              </a:rPr>
+              <a:t>线程从主内存读取变量的过程：</a:t>
+            </a:r>
+          </a:p>
+          <a:p>
+            <a:pPr rtl="0"/>
+            <a:r>
+              <a:rPr lang="en-US" altLang="zh-CN" sz="1200" b="0" i="0" u="none" strike="noStrike" kern="1200" baseline="0" dirty="0">
+                <a:solidFill>
+                  <a:schemeClr val="tx1"/>
+                </a:solidFill>
+                <a:latin typeface="+mn-lt"/>
+                <a:ea typeface="+mn-ea"/>
+                <a:cs typeface="+mn-cs"/>
+              </a:rPr>
+              <a:t>1 .read - </a:t>
+            </a:r>
+            <a:r>
+              <a:rPr lang="zh-CN" altLang="en-US" sz="1200" b="0" i="0" u="none" strike="noStrike" kern="1200" baseline="0" dirty="0">
+                <a:solidFill>
+                  <a:schemeClr val="tx1"/>
+                </a:solidFill>
+                <a:latin typeface="+mn-lt"/>
+                <a:ea typeface="+mn-ea"/>
+                <a:cs typeface="+mn-cs"/>
+              </a:rPr>
+              <a:t>从主存中读取数据</a:t>
+            </a:r>
+          </a:p>
+          <a:p>
+            <a:pPr rtl="0"/>
+            <a:r>
+              <a:rPr lang="en-US" altLang="zh-CN" sz="1200" b="0" i="0" u="none" strike="noStrike" kern="1200" baseline="0" dirty="0">
+                <a:solidFill>
+                  <a:schemeClr val="tx1"/>
+                </a:solidFill>
+                <a:latin typeface="+mn-lt"/>
+                <a:ea typeface="+mn-ea"/>
+                <a:cs typeface="+mn-cs"/>
+              </a:rPr>
+              <a:t>2. load - </a:t>
+            </a:r>
+            <a:r>
+              <a:rPr lang="zh-CN" altLang="en-US" sz="1200" b="0" i="0" u="none" strike="noStrike" kern="1200" baseline="0" dirty="0">
+                <a:solidFill>
+                  <a:schemeClr val="tx1"/>
+                </a:solidFill>
+                <a:latin typeface="+mn-lt"/>
+                <a:ea typeface="+mn-ea"/>
+                <a:cs typeface="+mn-cs"/>
+              </a:rPr>
+              <a:t>将从主存中读取的数据加载到工作内存中</a:t>
+            </a:r>
+          </a:p>
+          <a:p>
+            <a:pPr rtl="0"/>
+            <a:r>
+              <a:rPr lang="en-US" altLang="zh-CN" sz="1200" b="0" i="0" u="none" strike="noStrike" kern="1200" baseline="0" dirty="0">
+                <a:solidFill>
+                  <a:schemeClr val="tx1"/>
+                </a:solidFill>
+                <a:latin typeface="+mn-lt"/>
+                <a:ea typeface="+mn-ea"/>
+                <a:cs typeface="+mn-cs"/>
+              </a:rPr>
+              <a:t>3. use - </a:t>
+            </a:r>
+            <a:r>
+              <a:rPr lang="zh-CN" altLang="en-US" sz="1200" b="0" i="0" u="none" strike="noStrike" kern="1200" baseline="0" dirty="0">
+                <a:solidFill>
+                  <a:schemeClr val="tx1"/>
+                </a:solidFill>
+                <a:latin typeface="+mn-lt"/>
+                <a:ea typeface="+mn-ea"/>
+                <a:cs typeface="+mn-cs"/>
+              </a:rPr>
+              <a:t>线程从工作内存中读取数据使用</a:t>
+            </a:r>
+          </a:p>
+          <a:p>
+            <a:pPr rtl="0"/>
+            <a:r>
+              <a:rPr lang="en-US" altLang="zh-CN" sz="1200" b="0" i="0" u="none" strike="noStrike" kern="1200" baseline="0" dirty="0">
+                <a:solidFill>
+                  <a:schemeClr val="tx1"/>
+                </a:solidFill>
+                <a:latin typeface="+mn-lt"/>
+                <a:ea typeface="+mn-ea"/>
+                <a:cs typeface="+mn-cs"/>
+              </a:rPr>
+              <a:t>4. assign - </a:t>
+            </a:r>
+            <a:r>
+              <a:rPr lang="zh-CN" altLang="en-US" sz="1200" b="0" i="0" u="none" strike="noStrike" kern="1200" baseline="0" dirty="0">
+                <a:solidFill>
+                  <a:schemeClr val="tx1"/>
+                </a:solidFill>
+                <a:latin typeface="+mn-lt"/>
+                <a:ea typeface="+mn-ea"/>
+                <a:cs typeface="+mn-cs"/>
+              </a:rPr>
+              <a:t>线程改变数据并写入到工作内存中</a:t>
+            </a:r>
+          </a:p>
+          <a:p>
+            <a:pPr rtl="0"/>
+            <a:r>
+              <a:rPr lang="en-US" altLang="zh-CN" sz="1200" b="0" i="0" u="none" strike="noStrike" kern="1200" baseline="0" dirty="0">
+                <a:solidFill>
+                  <a:schemeClr val="tx1"/>
+                </a:solidFill>
+                <a:latin typeface="+mn-lt"/>
+                <a:ea typeface="+mn-ea"/>
+                <a:cs typeface="+mn-cs"/>
+              </a:rPr>
+              <a:t>5. store - </a:t>
+            </a:r>
+            <a:r>
+              <a:rPr lang="zh-CN" altLang="en-US" sz="1200" b="0" i="0" u="none" strike="noStrike" kern="1200" baseline="0" dirty="0">
+                <a:solidFill>
+                  <a:schemeClr val="tx1"/>
+                </a:solidFill>
+                <a:latin typeface="+mn-lt"/>
+                <a:ea typeface="+mn-ea"/>
+                <a:cs typeface="+mn-cs"/>
+              </a:rPr>
+              <a:t>将工作内存中的数据写入到主存</a:t>
+            </a:r>
+          </a:p>
+          <a:p>
+            <a:pPr rtl="0"/>
+            <a:r>
+              <a:rPr lang="en-US" altLang="zh-CN" sz="1200" b="0" i="0" u="none" strike="noStrike" kern="1200" baseline="0" dirty="0">
+                <a:solidFill>
+                  <a:schemeClr val="tx1"/>
+                </a:solidFill>
+                <a:latin typeface="+mn-lt"/>
+                <a:ea typeface="+mn-ea"/>
+                <a:cs typeface="+mn-cs"/>
+              </a:rPr>
+              <a:t>6. write - </a:t>
+            </a:r>
+            <a:r>
+              <a:rPr lang="zh-CN" altLang="en-US" sz="1200" b="0" i="0" u="none" strike="noStrike" kern="1200" baseline="0" dirty="0">
+                <a:solidFill>
+                  <a:schemeClr val="tx1"/>
+                </a:solidFill>
+                <a:latin typeface="+mn-lt"/>
+                <a:ea typeface="+mn-ea"/>
+                <a:cs typeface="+mn-cs"/>
+              </a:rPr>
+              <a:t>将</a:t>
+            </a:r>
+            <a:r>
+              <a:rPr lang="en-US" altLang="zh-CN" sz="1200" b="0" i="0" u="none" strike="noStrike" kern="1200" baseline="0" dirty="0">
+                <a:solidFill>
+                  <a:schemeClr val="tx1"/>
+                </a:solidFill>
+                <a:latin typeface="+mn-lt"/>
+                <a:ea typeface="+mn-ea"/>
+                <a:cs typeface="+mn-cs"/>
+              </a:rPr>
+              <a:t>store</a:t>
+            </a:r>
+            <a:r>
+              <a:rPr lang="zh-CN" altLang="en-US" sz="1200" b="0" i="0" u="none" strike="noStrike" kern="1200" baseline="0" dirty="0">
+                <a:solidFill>
+                  <a:schemeClr val="tx1"/>
+                </a:solidFill>
+                <a:latin typeface="+mn-lt"/>
+                <a:ea typeface="+mn-ea"/>
+                <a:cs typeface="+mn-cs"/>
+              </a:rPr>
+              <a:t>过程中的变量值赋值给主存中的变量</a:t>
+            </a:r>
+          </a:p>
+          <a:p>
+            <a:pPr rtl="0"/>
+            <a:r>
+              <a:rPr lang="en-US" altLang="zh-CN" sz="1200" b="0" i="0" u="none" strike="noStrike" kern="1200" baseline="0" dirty="0">
+                <a:solidFill>
+                  <a:schemeClr val="tx1"/>
+                </a:solidFill>
+                <a:latin typeface="+mn-lt"/>
+                <a:ea typeface="+mn-ea"/>
+                <a:cs typeface="+mn-cs"/>
+              </a:rPr>
+              <a:t>7. lock –</a:t>
+            </a:r>
+            <a:r>
+              <a:rPr lang="zh-CN" altLang="en-US" sz="1200" b="0" i="0" u="none" strike="noStrike" kern="1200" baseline="0" dirty="0">
+                <a:solidFill>
+                  <a:schemeClr val="tx1"/>
+                </a:solidFill>
+                <a:latin typeface="+mn-lt"/>
+                <a:ea typeface="+mn-ea"/>
+                <a:cs typeface="+mn-cs"/>
+              </a:rPr>
+              <a:t> 将主存变量加锁（线程独占）</a:t>
+            </a:r>
+          </a:p>
+          <a:p>
+            <a:pPr rtl="0"/>
+            <a:r>
+              <a:rPr lang="en-US" altLang="zh-CN" sz="1200" b="0" i="0" u="none" strike="noStrike" kern="1200" baseline="0" dirty="0">
+                <a:solidFill>
+                  <a:schemeClr val="tx1"/>
+                </a:solidFill>
+                <a:latin typeface="+mn-lt"/>
+                <a:ea typeface="+mn-ea"/>
+                <a:cs typeface="+mn-cs"/>
+              </a:rPr>
+              <a:t>8. unlock –</a:t>
+            </a:r>
+            <a:r>
+              <a:rPr lang="zh-CN" altLang="en-US" sz="1200" b="0" i="0" u="none" strike="noStrike" kern="1200" baseline="0" dirty="0">
+                <a:solidFill>
+                  <a:schemeClr val="tx1"/>
+                </a:solidFill>
+                <a:latin typeface="+mn-lt"/>
+                <a:ea typeface="+mn-ea"/>
+                <a:cs typeface="+mn-cs"/>
+              </a:rPr>
+              <a:t> 将主存变量解锁，解锁后其它线程可以锁定该变量</a:t>
+            </a:r>
+            <a:endParaRPr lang="zh-CN" altLang="en-US" dirty="0"/>
+          </a:p>
+        </p:txBody>
+      </p:sp>
+      <p:sp>
+        <p:nvSpPr>
+          <p:cNvPr id="4" name="灯片编号占位符 3"/>
+          <p:cNvSpPr>
+            <a:spLocks noGrp="1"/>
+          </p:cNvSpPr>
+          <p:nvPr>
+            <p:ph type="sldNum" sz="quarter" idx="5"/>
+          </p:nvPr>
+        </p:nvSpPr>
+        <p:spPr/>
+        <p:txBody>
+          <a:bodyPr/>
+          <a:lstStyle/>
+          <a:p>
+            <a:fld id="{0B77BCC6-1F8A-452E-9AE8-956F32ABCC1A}" type="slidenum">
+              <a:rPr lang="zh-CN" altLang="en-US" smtClean="0"/>
+              <a:t>8</a:t>
+            </a:fld>
+            <a:endParaRPr lang="zh-CN" altLang="en-US"/>
+          </a:p>
+        </p:txBody>
+      </p:sp>
+    </p:spTree>
+    <p:extLst>
+      <p:ext uri="{BB962C8B-B14F-4D97-AF65-F5344CB8AC3E}">
+        <p14:creationId xmlns:p14="http://schemas.microsoft.com/office/powerpoint/2010/main" val="3318419225"/>
+      </p:ext>
+    </p:extLst>
+  </p:cSld>
+  <p:clrMapOvr>
+    <a:masterClrMapping/>
+  </p:clrMapOvr>
+</p:notes>
+</file>
+
+<file path=ppt/notesSlides/notesSlide6.xml><?xml version="1.0" encoding="utf-8"?>
+<p:notes xmlns:a="http://schemas.openxmlformats.org/drawingml/2006/main" xmlns:r="http://schemas.openxmlformats.org/officeDocument/2006/relationships" xmlns:p="http://schemas.openxmlformats.org/presentationml/2006/main">
+  <p:cSld>
+    <p:spTree>
+      <p:nvGrpSpPr>
+        <p:cNvPr id="1" name=""/>
+        <p:cNvGrpSpPr/>
+        <p:nvPr/>
+      </p:nvGrpSpPr>
+      <p:grpSpPr>
+        <a:xfrm>
+          <a:off x="0" y="0"/>
+          <a:ext cx="0" cy="0"/>
+          <a:chOff x="0" y="0"/>
+          <a:chExt cx="0" cy="0"/>
+        </a:xfrm>
+      </p:grpSpPr>
+      <p:sp>
+        <p:nvSpPr>
+          <p:cNvPr id="2" name="幻灯片图像占位符 1"/>
+          <p:cNvSpPr>
+            <a:spLocks noGrp="1" noRot="1" noChangeAspect="1"/>
+          </p:cNvSpPr>
+          <p:nvPr>
+            <p:ph type="sldImg"/>
+          </p:nvPr>
+        </p:nvSpPr>
+        <p:spPr/>
+      </p:sp>
+      <p:sp>
+        <p:nvSpPr>
+          <p:cNvPr id="3" name="备注占位符 2"/>
+          <p:cNvSpPr>
+            <a:spLocks noGrp="1"/>
+          </p:cNvSpPr>
+          <p:nvPr>
+            <p:ph type="body" idx="1"/>
+          </p:nvPr>
+        </p:nvSpPr>
+        <p:spPr/>
+        <p:txBody>
+          <a:bodyPr/>
+          <a:lstStyle/>
+          <a:p>
+            <a:pPr rtl="0"/>
+            <a:r>
+              <a:rPr lang="zh-CN" altLang="en-US" sz="1200" b="0" i="0" u="none" strike="noStrike" kern="1200" baseline="0" dirty="0">
+                <a:solidFill>
+                  <a:schemeClr val="tx1"/>
+                </a:solidFill>
+                <a:latin typeface="+mn-lt"/>
+                <a:ea typeface="+mn-ea"/>
+                <a:cs typeface="+mn-cs"/>
+              </a:rPr>
+              <a:t>线程从主内存读取变量的过程：</a:t>
+            </a:r>
+          </a:p>
+          <a:p>
+            <a:pPr rtl="0"/>
+            <a:r>
+              <a:rPr lang="en-US" altLang="zh-CN" sz="1200" b="0" i="0" u="none" strike="noStrike" kern="1200" baseline="0" dirty="0">
+                <a:solidFill>
+                  <a:schemeClr val="tx1"/>
+                </a:solidFill>
+                <a:latin typeface="+mn-lt"/>
+                <a:ea typeface="+mn-ea"/>
+                <a:cs typeface="+mn-cs"/>
+              </a:rPr>
+              <a:t>1 .read - </a:t>
+            </a:r>
+            <a:r>
+              <a:rPr lang="zh-CN" altLang="en-US" sz="1200" b="0" i="0" u="none" strike="noStrike" kern="1200" baseline="0" dirty="0">
+                <a:solidFill>
+                  <a:schemeClr val="tx1"/>
+                </a:solidFill>
+                <a:latin typeface="+mn-lt"/>
+                <a:ea typeface="+mn-ea"/>
+                <a:cs typeface="+mn-cs"/>
+              </a:rPr>
+              <a:t>从主存中读取数据</a:t>
+            </a:r>
+          </a:p>
+          <a:p>
+            <a:pPr rtl="0"/>
+            <a:r>
+              <a:rPr lang="en-US" altLang="zh-CN" sz="1200" b="0" i="0" u="none" strike="noStrike" kern="1200" baseline="0" dirty="0">
+                <a:solidFill>
+                  <a:schemeClr val="tx1"/>
+                </a:solidFill>
+                <a:latin typeface="+mn-lt"/>
+                <a:ea typeface="+mn-ea"/>
+                <a:cs typeface="+mn-cs"/>
+              </a:rPr>
+              <a:t>2. load - </a:t>
+            </a:r>
+            <a:r>
+              <a:rPr lang="zh-CN" altLang="en-US" sz="1200" b="0" i="0" u="none" strike="noStrike" kern="1200" baseline="0" dirty="0">
+                <a:solidFill>
+                  <a:schemeClr val="tx1"/>
+                </a:solidFill>
+                <a:latin typeface="+mn-lt"/>
+                <a:ea typeface="+mn-ea"/>
+                <a:cs typeface="+mn-cs"/>
+              </a:rPr>
+              <a:t>将从主存中读取的数据加载到工作内存中</a:t>
+            </a:r>
+          </a:p>
+          <a:p>
+            <a:pPr rtl="0"/>
+            <a:r>
+              <a:rPr lang="en-US" altLang="zh-CN" sz="1200" b="0" i="0" u="none" strike="noStrike" kern="1200" baseline="0" dirty="0">
+                <a:solidFill>
+                  <a:schemeClr val="tx1"/>
+                </a:solidFill>
+                <a:latin typeface="+mn-lt"/>
+                <a:ea typeface="+mn-ea"/>
+                <a:cs typeface="+mn-cs"/>
+              </a:rPr>
+              <a:t>3. use - </a:t>
+            </a:r>
+            <a:r>
+              <a:rPr lang="zh-CN" altLang="en-US" sz="1200" b="0" i="0" u="none" strike="noStrike" kern="1200" baseline="0" dirty="0">
+                <a:solidFill>
+                  <a:schemeClr val="tx1"/>
+                </a:solidFill>
+                <a:latin typeface="+mn-lt"/>
+                <a:ea typeface="+mn-ea"/>
+                <a:cs typeface="+mn-cs"/>
+              </a:rPr>
+              <a:t>线程从工作内存中读取数据使用</a:t>
+            </a:r>
+          </a:p>
+          <a:p>
+            <a:pPr rtl="0"/>
+            <a:r>
+              <a:rPr lang="en-US" altLang="zh-CN" sz="1200" b="0" i="0" u="none" strike="noStrike" kern="1200" baseline="0" dirty="0">
+                <a:solidFill>
+                  <a:schemeClr val="tx1"/>
+                </a:solidFill>
+                <a:latin typeface="+mn-lt"/>
+                <a:ea typeface="+mn-ea"/>
+                <a:cs typeface="+mn-cs"/>
+              </a:rPr>
+              <a:t>4. assign - </a:t>
+            </a:r>
+            <a:r>
+              <a:rPr lang="zh-CN" altLang="en-US" sz="1200" b="0" i="0" u="none" strike="noStrike" kern="1200" baseline="0" dirty="0">
+                <a:solidFill>
+                  <a:schemeClr val="tx1"/>
+                </a:solidFill>
+                <a:latin typeface="+mn-lt"/>
+                <a:ea typeface="+mn-ea"/>
+                <a:cs typeface="+mn-cs"/>
+              </a:rPr>
+              <a:t>线程改变数据并写入到工作内存中</a:t>
+            </a:r>
+          </a:p>
+          <a:p>
+            <a:pPr rtl="0"/>
+            <a:r>
+              <a:rPr lang="en-US" altLang="zh-CN" sz="1200" b="0" i="0" u="none" strike="noStrike" kern="1200" baseline="0" dirty="0">
+                <a:solidFill>
+                  <a:schemeClr val="tx1"/>
+                </a:solidFill>
+                <a:latin typeface="+mn-lt"/>
+                <a:ea typeface="+mn-ea"/>
+                <a:cs typeface="+mn-cs"/>
+              </a:rPr>
+              <a:t>5. store - </a:t>
+            </a:r>
+            <a:r>
+              <a:rPr lang="zh-CN" altLang="en-US" sz="1200" b="0" i="0" u="none" strike="noStrike" kern="1200" baseline="0" dirty="0">
+                <a:solidFill>
+                  <a:schemeClr val="tx1"/>
+                </a:solidFill>
+                <a:latin typeface="+mn-lt"/>
+                <a:ea typeface="+mn-ea"/>
+                <a:cs typeface="+mn-cs"/>
+              </a:rPr>
+              <a:t>将工作内存中的数据写入到主存</a:t>
+            </a:r>
+          </a:p>
+          <a:p>
+            <a:pPr rtl="0"/>
+            <a:r>
+              <a:rPr lang="en-US" altLang="zh-CN" sz="1200" b="0" i="0" u="none" strike="noStrike" kern="1200" baseline="0" dirty="0">
+                <a:solidFill>
+                  <a:schemeClr val="tx1"/>
+                </a:solidFill>
+                <a:latin typeface="+mn-lt"/>
+                <a:ea typeface="+mn-ea"/>
+                <a:cs typeface="+mn-cs"/>
+              </a:rPr>
+              <a:t>6. write - </a:t>
+            </a:r>
+            <a:r>
+              <a:rPr lang="zh-CN" altLang="en-US" sz="1200" b="0" i="0" u="none" strike="noStrike" kern="1200" baseline="0" dirty="0">
+                <a:solidFill>
+                  <a:schemeClr val="tx1"/>
+                </a:solidFill>
+                <a:latin typeface="+mn-lt"/>
+                <a:ea typeface="+mn-ea"/>
+                <a:cs typeface="+mn-cs"/>
+              </a:rPr>
+              <a:t>将</a:t>
+            </a:r>
+            <a:r>
+              <a:rPr lang="en-US" altLang="zh-CN" sz="1200" b="0" i="0" u="none" strike="noStrike" kern="1200" baseline="0" dirty="0">
+                <a:solidFill>
+                  <a:schemeClr val="tx1"/>
+                </a:solidFill>
+                <a:latin typeface="+mn-lt"/>
+                <a:ea typeface="+mn-ea"/>
+                <a:cs typeface="+mn-cs"/>
+              </a:rPr>
+              <a:t>store</a:t>
+            </a:r>
+            <a:r>
+              <a:rPr lang="zh-CN" altLang="en-US" sz="1200" b="0" i="0" u="none" strike="noStrike" kern="1200" baseline="0" dirty="0">
+                <a:solidFill>
+                  <a:schemeClr val="tx1"/>
+                </a:solidFill>
+                <a:latin typeface="+mn-lt"/>
+                <a:ea typeface="+mn-ea"/>
+                <a:cs typeface="+mn-cs"/>
+              </a:rPr>
+              <a:t>过程中的变量值赋值给主存中的变量</a:t>
+            </a:r>
+          </a:p>
+          <a:p>
+            <a:pPr rtl="0"/>
+            <a:r>
+              <a:rPr lang="en-US" altLang="zh-CN" sz="1200" b="0" i="0" u="none" strike="noStrike" kern="1200" baseline="0" dirty="0">
+                <a:solidFill>
+                  <a:schemeClr val="tx1"/>
+                </a:solidFill>
+                <a:latin typeface="+mn-lt"/>
+                <a:ea typeface="+mn-ea"/>
+                <a:cs typeface="+mn-cs"/>
+              </a:rPr>
+              <a:t>7. lock –</a:t>
+            </a:r>
+            <a:r>
+              <a:rPr lang="zh-CN" altLang="en-US" sz="1200" b="0" i="0" u="none" strike="noStrike" kern="1200" baseline="0" dirty="0">
+                <a:solidFill>
+                  <a:schemeClr val="tx1"/>
+                </a:solidFill>
+                <a:latin typeface="+mn-lt"/>
+                <a:ea typeface="+mn-ea"/>
+                <a:cs typeface="+mn-cs"/>
+              </a:rPr>
+              <a:t> 将主存变量加锁（线程独占）</a:t>
+            </a:r>
+          </a:p>
+          <a:p>
+            <a:pPr rtl="0"/>
+            <a:r>
+              <a:rPr lang="en-US" altLang="zh-CN" sz="1200" b="0" i="0" u="none" strike="noStrike" kern="1200" baseline="0" dirty="0">
+                <a:solidFill>
+                  <a:schemeClr val="tx1"/>
+                </a:solidFill>
+                <a:latin typeface="+mn-lt"/>
+                <a:ea typeface="+mn-ea"/>
+                <a:cs typeface="+mn-cs"/>
+              </a:rPr>
+              <a:t>8. unlock –</a:t>
+            </a:r>
+            <a:r>
+              <a:rPr lang="zh-CN" altLang="en-US" sz="1200" b="0" i="0" u="none" strike="noStrike" kern="1200" baseline="0" dirty="0">
+                <a:solidFill>
+                  <a:schemeClr val="tx1"/>
+                </a:solidFill>
+                <a:latin typeface="+mn-lt"/>
+                <a:ea typeface="+mn-ea"/>
+                <a:cs typeface="+mn-cs"/>
+              </a:rPr>
+              <a:t> 将主存变量解锁，解锁后其它线程可以锁定该变量</a:t>
+            </a:r>
+            <a:endParaRPr lang="zh-CN" altLang="en-US" dirty="0"/>
+          </a:p>
+        </p:txBody>
+      </p:sp>
+      <p:sp>
+        <p:nvSpPr>
+          <p:cNvPr id="4" name="灯片编号占位符 3"/>
+          <p:cNvSpPr>
+            <a:spLocks noGrp="1"/>
+          </p:cNvSpPr>
+          <p:nvPr>
+            <p:ph type="sldNum" sz="quarter" idx="5"/>
+          </p:nvPr>
+        </p:nvSpPr>
+        <p:spPr/>
+        <p:txBody>
+          <a:bodyPr/>
+          <a:lstStyle/>
+          <a:p>
+            <a:fld id="{0B77BCC6-1F8A-452E-9AE8-956F32ABCC1A}" type="slidenum">
+              <a:rPr lang="zh-CN" altLang="en-US" smtClean="0"/>
               <a:t>9</a:t>
+            </a:fld>
+            <a:endParaRPr lang="zh-CN" altLang="en-US"/>
+          </a:p>
+        </p:txBody>
+      </p:sp>
+    </p:spTree>
+    <p:extLst>
+      <p:ext uri="{BB962C8B-B14F-4D97-AF65-F5344CB8AC3E}">
+        <p14:creationId xmlns:p14="http://schemas.microsoft.com/office/powerpoint/2010/main" val="1249612772"/>
+      </p:ext>
+    </p:extLst>
+  </p:cSld>
+  <p:clrMapOvr>
+    <a:masterClrMapping/>
+  </p:clrMapOvr>
+</p:notes>
+</file>
+
+<file path=ppt/notesSlides/notesSlide7.xml><?xml version="1.0" encoding="utf-8"?>
+<p:notes xmlns:a="http://schemas.openxmlformats.org/drawingml/2006/main" xmlns:r="http://schemas.openxmlformats.org/officeDocument/2006/relationships" xmlns:p="http://schemas.openxmlformats.org/presentationml/2006/main">
+  <p:cSld>
+    <p:spTree>
+      <p:nvGrpSpPr>
+        <p:cNvPr id="1" name=""/>
+        <p:cNvGrpSpPr/>
+        <p:nvPr/>
+      </p:nvGrpSpPr>
+      <p:grpSpPr>
+        <a:xfrm>
+          <a:off x="0" y="0"/>
+          <a:ext cx="0" cy="0"/>
+          <a:chOff x="0" y="0"/>
+          <a:chExt cx="0" cy="0"/>
+        </a:xfrm>
+      </p:grpSpPr>
+      <p:sp>
+        <p:nvSpPr>
+          <p:cNvPr id="2" name="幻灯片图像占位符 1"/>
+          <p:cNvSpPr>
+            <a:spLocks noGrp="1" noRot="1" noChangeAspect="1"/>
+          </p:cNvSpPr>
+          <p:nvPr>
+            <p:ph type="sldImg"/>
+          </p:nvPr>
+        </p:nvSpPr>
+        <p:spPr/>
+      </p:sp>
+      <p:sp>
+        <p:nvSpPr>
+          <p:cNvPr id="3" name="备注占位符 2"/>
+          <p:cNvSpPr>
+            <a:spLocks noGrp="1"/>
+          </p:cNvSpPr>
+          <p:nvPr>
+            <p:ph type="body" idx="1"/>
+          </p:nvPr>
+        </p:nvSpPr>
+        <p:spPr/>
+        <p:txBody>
+          <a:bodyPr/>
+          <a:lstStyle/>
+          <a:p>
+            <a:pPr rtl="0"/>
+            <a:r>
+              <a:rPr lang="zh-CN" altLang="en-US" sz="1200" b="0" i="0" u="none" strike="noStrike" kern="1200" baseline="0" dirty="0">
+                <a:solidFill>
+                  <a:schemeClr val="tx1"/>
+                </a:solidFill>
+                <a:latin typeface="+mn-lt"/>
+                <a:ea typeface="+mn-ea"/>
+                <a:cs typeface="+mn-cs"/>
+              </a:rPr>
+              <a:t>线程从主内存读取变量的过程：</a:t>
+            </a:r>
+          </a:p>
+          <a:p>
+            <a:pPr rtl="0"/>
+            <a:r>
+              <a:rPr lang="en-US" altLang="zh-CN" sz="1200" b="0" i="0" u="none" strike="noStrike" kern="1200" baseline="0" dirty="0">
+                <a:solidFill>
+                  <a:schemeClr val="tx1"/>
+                </a:solidFill>
+                <a:latin typeface="+mn-lt"/>
+                <a:ea typeface="+mn-ea"/>
+                <a:cs typeface="+mn-cs"/>
+              </a:rPr>
+              <a:t>1 .read - </a:t>
+            </a:r>
+            <a:r>
+              <a:rPr lang="zh-CN" altLang="en-US" sz="1200" b="0" i="0" u="none" strike="noStrike" kern="1200" baseline="0" dirty="0">
+                <a:solidFill>
+                  <a:schemeClr val="tx1"/>
+                </a:solidFill>
+                <a:latin typeface="+mn-lt"/>
+                <a:ea typeface="+mn-ea"/>
+                <a:cs typeface="+mn-cs"/>
+              </a:rPr>
+              <a:t>从主存中读取数据</a:t>
+            </a:r>
+          </a:p>
+          <a:p>
+            <a:pPr rtl="0"/>
+            <a:r>
+              <a:rPr lang="en-US" altLang="zh-CN" sz="1200" b="0" i="0" u="none" strike="noStrike" kern="1200" baseline="0" dirty="0">
+                <a:solidFill>
+                  <a:schemeClr val="tx1"/>
+                </a:solidFill>
+                <a:latin typeface="+mn-lt"/>
+                <a:ea typeface="+mn-ea"/>
+                <a:cs typeface="+mn-cs"/>
+              </a:rPr>
+              <a:t>2. load - </a:t>
+            </a:r>
+            <a:r>
+              <a:rPr lang="zh-CN" altLang="en-US" sz="1200" b="0" i="0" u="none" strike="noStrike" kern="1200" baseline="0" dirty="0">
+                <a:solidFill>
+                  <a:schemeClr val="tx1"/>
+                </a:solidFill>
+                <a:latin typeface="+mn-lt"/>
+                <a:ea typeface="+mn-ea"/>
+                <a:cs typeface="+mn-cs"/>
+              </a:rPr>
+              <a:t>将从主存中读取的数据加载到工作内存中</a:t>
+            </a:r>
+          </a:p>
+          <a:p>
+            <a:pPr rtl="0"/>
+            <a:r>
+              <a:rPr lang="en-US" altLang="zh-CN" sz="1200" b="0" i="0" u="none" strike="noStrike" kern="1200" baseline="0" dirty="0">
+                <a:solidFill>
+                  <a:schemeClr val="tx1"/>
+                </a:solidFill>
+                <a:latin typeface="+mn-lt"/>
+                <a:ea typeface="+mn-ea"/>
+                <a:cs typeface="+mn-cs"/>
+              </a:rPr>
+              <a:t>3. use - </a:t>
+            </a:r>
+            <a:r>
+              <a:rPr lang="zh-CN" altLang="en-US" sz="1200" b="0" i="0" u="none" strike="noStrike" kern="1200" baseline="0" dirty="0">
+                <a:solidFill>
+                  <a:schemeClr val="tx1"/>
+                </a:solidFill>
+                <a:latin typeface="+mn-lt"/>
+                <a:ea typeface="+mn-ea"/>
+                <a:cs typeface="+mn-cs"/>
+              </a:rPr>
+              <a:t>线程从工作内存中读取数据使用</a:t>
+            </a:r>
+          </a:p>
+          <a:p>
+            <a:pPr rtl="0"/>
+            <a:r>
+              <a:rPr lang="en-US" altLang="zh-CN" sz="1200" b="0" i="0" u="none" strike="noStrike" kern="1200" baseline="0" dirty="0">
+                <a:solidFill>
+                  <a:schemeClr val="tx1"/>
+                </a:solidFill>
+                <a:latin typeface="+mn-lt"/>
+                <a:ea typeface="+mn-ea"/>
+                <a:cs typeface="+mn-cs"/>
+              </a:rPr>
+              <a:t>4. assign - </a:t>
+            </a:r>
+            <a:r>
+              <a:rPr lang="zh-CN" altLang="en-US" sz="1200" b="0" i="0" u="none" strike="noStrike" kern="1200" baseline="0" dirty="0">
+                <a:solidFill>
+                  <a:schemeClr val="tx1"/>
+                </a:solidFill>
+                <a:latin typeface="+mn-lt"/>
+                <a:ea typeface="+mn-ea"/>
+                <a:cs typeface="+mn-cs"/>
+              </a:rPr>
+              <a:t>线程改变数据并写入到工作内存中</a:t>
+            </a:r>
+          </a:p>
+          <a:p>
+            <a:pPr rtl="0"/>
+            <a:r>
+              <a:rPr lang="en-US" altLang="zh-CN" sz="1200" b="0" i="0" u="none" strike="noStrike" kern="1200" baseline="0" dirty="0">
+                <a:solidFill>
+                  <a:schemeClr val="tx1"/>
+                </a:solidFill>
+                <a:latin typeface="+mn-lt"/>
+                <a:ea typeface="+mn-ea"/>
+                <a:cs typeface="+mn-cs"/>
+              </a:rPr>
+              <a:t>5. store - </a:t>
+            </a:r>
+            <a:r>
+              <a:rPr lang="zh-CN" altLang="en-US" sz="1200" b="0" i="0" u="none" strike="noStrike" kern="1200" baseline="0" dirty="0">
+                <a:solidFill>
+                  <a:schemeClr val="tx1"/>
+                </a:solidFill>
+                <a:latin typeface="+mn-lt"/>
+                <a:ea typeface="+mn-ea"/>
+                <a:cs typeface="+mn-cs"/>
+              </a:rPr>
+              <a:t>将工作内存中的数据写入到主存</a:t>
+            </a:r>
+          </a:p>
+          <a:p>
+            <a:pPr rtl="0"/>
+            <a:r>
+              <a:rPr lang="en-US" altLang="zh-CN" sz="1200" b="0" i="0" u="none" strike="noStrike" kern="1200" baseline="0" dirty="0">
+                <a:solidFill>
+                  <a:schemeClr val="tx1"/>
+                </a:solidFill>
+                <a:latin typeface="+mn-lt"/>
+                <a:ea typeface="+mn-ea"/>
+                <a:cs typeface="+mn-cs"/>
+              </a:rPr>
+              <a:t>6. write - </a:t>
+            </a:r>
+            <a:r>
+              <a:rPr lang="zh-CN" altLang="en-US" sz="1200" b="0" i="0" u="none" strike="noStrike" kern="1200" baseline="0" dirty="0">
+                <a:solidFill>
+                  <a:schemeClr val="tx1"/>
+                </a:solidFill>
+                <a:latin typeface="+mn-lt"/>
+                <a:ea typeface="+mn-ea"/>
+                <a:cs typeface="+mn-cs"/>
+              </a:rPr>
+              <a:t>将</a:t>
+            </a:r>
+            <a:r>
+              <a:rPr lang="en-US" altLang="zh-CN" sz="1200" b="0" i="0" u="none" strike="noStrike" kern="1200" baseline="0" dirty="0">
+                <a:solidFill>
+                  <a:schemeClr val="tx1"/>
+                </a:solidFill>
+                <a:latin typeface="+mn-lt"/>
+                <a:ea typeface="+mn-ea"/>
+                <a:cs typeface="+mn-cs"/>
+              </a:rPr>
+              <a:t>store</a:t>
+            </a:r>
+            <a:r>
+              <a:rPr lang="zh-CN" altLang="en-US" sz="1200" b="0" i="0" u="none" strike="noStrike" kern="1200" baseline="0" dirty="0">
+                <a:solidFill>
+                  <a:schemeClr val="tx1"/>
+                </a:solidFill>
+                <a:latin typeface="+mn-lt"/>
+                <a:ea typeface="+mn-ea"/>
+                <a:cs typeface="+mn-cs"/>
+              </a:rPr>
+              <a:t>过程中的变量值赋值给主存中的变量</a:t>
+            </a:r>
+          </a:p>
+          <a:p>
+            <a:pPr rtl="0"/>
+            <a:r>
+              <a:rPr lang="en-US" altLang="zh-CN" sz="1200" b="0" i="0" u="none" strike="noStrike" kern="1200" baseline="0" dirty="0">
+                <a:solidFill>
+                  <a:schemeClr val="tx1"/>
+                </a:solidFill>
+                <a:latin typeface="+mn-lt"/>
+                <a:ea typeface="+mn-ea"/>
+                <a:cs typeface="+mn-cs"/>
+              </a:rPr>
+              <a:t>7. lock –</a:t>
+            </a:r>
+            <a:r>
+              <a:rPr lang="zh-CN" altLang="en-US" sz="1200" b="0" i="0" u="none" strike="noStrike" kern="1200" baseline="0" dirty="0">
+                <a:solidFill>
+                  <a:schemeClr val="tx1"/>
+                </a:solidFill>
+                <a:latin typeface="+mn-lt"/>
+                <a:ea typeface="+mn-ea"/>
+                <a:cs typeface="+mn-cs"/>
+              </a:rPr>
+              <a:t> 将主存变量加锁（线程独占）</a:t>
+            </a:r>
+          </a:p>
+          <a:p>
+            <a:pPr rtl="0"/>
+            <a:r>
+              <a:rPr lang="en-US" altLang="zh-CN" sz="1200" b="0" i="0" u="none" strike="noStrike" kern="1200" baseline="0" dirty="0">
+                <a:solidFill>
+                  <a:schemeClr val="tx1"/>
+                </a:solidFill>
+                <a:latin typeface="+mn-lt"/>
+                <a:ea typeface="+mn-ea"/>
+                <a:cs typeface="+mn-cs"/>
+              </a:rPr>
+              <a:t>8. unlock –</a:t>
+            </a:r>
+            <a:r>
+              <a:rPr lang="zh-CN" altLang="en-US" sz="1200" b="0" i="0" u="none" strike="noStrike" kern="1200" baseline="0" dirty="0">
+                <a:solidFill>
+                  <a:schemeClr val="tx1"/>
+                </a:solidFill>
+                <a:latin typeface="+mn-lt"/>
+                <a:ea typeface="+mn-ea"/>
+                <a:cs typeface="+mn-cs"/>
+              </a:rPr>
+              <a:t> 将主存变量解锁，解锁后其它线程可以锁定该变量</a:t>
+            </a:r>
+            <a:endParaRPr lang="zh-CN" altLang="en-US" dirty="0"/>
+          </a:p>
+        </p:txBody>
+      </p:sp>
+      <p:sp>
+        <p:nvSpPr>
+          <p:cNvPr id="4" name="灯片编号占位符 3"/>
+          <p:cNvSpPr>
+            <a:spLocks noGrp="1"/>
+          </p:cNvSpPr>
+          <p:nvPr>
+            <p:ph type="sldNum" sz="quarter" idx="5"/>
+          </p:nvPr>
+        </p:nvSpPr>
+        <p:spPr/>
+        <p:txBody>
+          <a:bodyPr/>
+          <a:lstStyle/>
+          <a:p>
+            <a:fld id="{0B77BCC6-1F8A-452E-9AE8-956F32ABCC1A}" type="slidenum">
+              <a:rPr lang="zh-CN" altLang="en-US" smtClean="0"/>
+              <a:t>10</a:t>
+            </a:fld>
+            <a:endParaRPr lang="zh-CN" altLang="en-US"/>
+          </a:p>
+        </p:txBody>
+      </p:sp>
+    </p:spTree>
+    <p:extLst>
+      <p:ext uri="{BB962C8B-B14F-4D97-AF65-F5344CB8AC3E}">
+        <p14:creationId xmlns:p14="http://schemas.microsoft.com/office/powerpoint/2010/main" val="2757167696"/>
+      </p:ext>
+    </p:extLst>
+  </p:cSld>
+  <p:clrMapOvr>
+    <a:masterClrMapping/>
+  </p:clrMapOvr>
+</p:notes>
+</file>
+
+<file path=ppt/notesSlides/notesSlide8.xml><?xml version="1.0" encoding="utf-8"?>
+<p:notes xmlns:a="http://schemas.openxmlformats.org/drawingml/2006/main" xmlns:r="http://schemas.openxmlformats.org/officeDocument/2006/relationships" xmlns:p="http://schemas.openxmlformats.org/presentationml/2006/main">
+  <p:cSld>
+    <p:spTree>
+      <p:nvGrpSpPr>
+        <p:cNvPr id="1" name=""/>
+        <p:cNvGrpSpPr/>
+        <p:nvPr/>
+      </p:nvGrpSpPr>
+      <p:grpSpPr>
+        <a:xfrm>
+          <a:off x="0" y="0"/>
+          <a:ext cx="0" cy="0"/>
+          <a:chOff x="0" y="0"/>
+          <a:chExt cx="0" cy="0"/>
+        </a:xfrm>
+      </p:grpSpPr>
+      <p:sp>
+        <p:nvSpPr>
+          <p:cNvPr id="2" name="幻灯片图像占位符 1"/>
+          <p:cNvSpPr>
+            <a:spLocks noGrp="1" noRot="1" noChangeAspect="1"/>
+          </p:cNvSpPr>
+          <p:nvPr>
+            <p:ph type="sldImg"/>
+          </p:nvPr>
+        </p:nvSpPr>
+        <p:spPr/>
+      </p:sp>
+      <p:sp>
+        <p:nvSpPr>
+          <p:cNvPr id="3" name="备注占位符 2"/>
+          <p:cNvSpPr>
+            <a:spLocks noGrp="1"/>
+          </p:cNvSpPr>
+          <p:nvPr>
+            <p:ph type="body" idx="1"/>
+          </p:nvPr>
+        </p:nvSpPr>
+        <p:spPr/>
+        <p:txBody>
+          <a:bodyPr/>
+          <a:lstStyle/>
+          <a:p>
+            <a:pPr rtl="0"/>
+            <a:r>
+              <a:rPr lang="zh-CN" altLang="en-US" sz="1200" b="0" i="0" u="none" strike="noStrike" kern="1200" baseline="0" dirty="0">
+                <a:solidFill>
+                  <a:schemeClr val="tx1"/>
+                </a:solidFill>
+                <a:latin typeface="+mn-lt"/>
+                <a:ea typeface="+mn-ea"/>
+                <a:cs typeface="+mn-cs"/>
+              </a:rPr>
+              <a:t>线程从主内存读取变量的过程：</a:t>
+            </a:r>
+          </a:p>
+          <a:p>
+            <a:pPr rtl="0"/>
+            <a:r>
+              <a:rPr lang="en-US" altLang="zh-CN" sz="1200" b="0" i="0" u="none" strike="noStrike" kern="1200" baseline="0" dirty="0">
+                <a:solidFill>
+                  <a:schemeClr val="tx1"/>
+                </a:solidFill>
+                <a:latin typeface="+mn-lt"/>
+                <a:ea typeface="+mn-ea"/>
+                <a:cs typeface="+mn-cs"/>
+              </a:rPr>
+              <a:t>1 .read - </a:t>
+            </a:r>
+            <a:r>
+              <a:rPr lang="zh-CN" altLang="en-US" sz="1200" b="0" i="0" u="none" strike="noStrike" kern="1200" baseline="0" dirty="0">
+                <a:solidFill>
+                  <a:schemeClr val="tx1"/>
+                </a:solidFill>
+                <a:latin typeface="+mn-lt"/>
+                <a:ea typeface="+mn-ea"/>
+                <a:cs typeface="+mn-cs"/>
+              </a:rPr>
+              <a:t>从主存中读取数据</a:t>
+            </a:r>
+          </a:p>
+          <a:p>
+            <a:pPr rtl="0"/>
+            <a:r>
+              <a:rPr lang="en-US" altLang="zh-CN" sz="1200" b="0" i="0" u="none" strike="noStrike" kern="1200" baseline="0" dirty="0">
+                <a:solidFill>
+                  <a:schemeClr val="tx1"/>
+                </a:solidFill>
+                <a:latin typeface="+mn-lt"/>
+                <a:ea typeface="+mn-ea"/>
+                <a:cs typeface="+mn-cs"/>
+              </a:rPr>
+              <a:t>2. load - </a:t>
+            </a:r>
+            <a:r>
+              <a:rPr lang="zh-CN" altLang="en-US" sz="1200" b="0" i="0" u="none" strike="noStrike" kern="1200" baseline="0" dirty="0">
+                <a:solidFill>
+                  <a:schemeClr val="tx1"/>
+                </a:solidFill>
+                <a:latin typeface="+mn-lt"/>
+                <a:ea typeface="+mn-ea"/>
+                <a:cs typeface="+mn-cs"/>
+              </a:rPr>
+              <a:t>将从主存中读取的数据加载到工作内存中</a:t>
+            </a:r>
+          </a:p>
+          <a:p>
+            <a:pPr rtl="0"/>
+            <a:r>
+              <a:rPr lang="en-US" altLang="zh-CN" sz="1200" b="0" i="0" u="none" strike="noStrike" kern="1200" baseline="0" dirty="0">
+                <a:solidFill>
+                  <a:schemeClr val="tx1"/>
+                </a:solidFill>
+                <a:latin typeface="+mn-lt"/>
+                <a:ea typeface="+mn-ea"/>
+                <a:cs typeface="+mn-cs"/>
+              </a:rPr>
+              <a:t>3. use - </a:t>
+            </a:r>
+            <a:r>
+              <a:rPr lang="zh-CN" altLang="en-US" sz="1200" b="0" i="0" u="none" strike="noStrike" kern="1200" baseline="0" dirty="0">
+                <a:solidFill>
+                  <a:schemeClr val="tx1"/>
+                </a:solidFill>
+                <a:latin typeface="+mn-lt"/>
+                <a:ea typeface="+mn-ea"/>
+                <a:cs typeface="+mn-cs"/>
+              </a:rPr>
+              <a:t>线程从工作内存中读取数据使用</a:t>
+            </a:r>
+          </a:p>
+          <a:p>
+            <a:pPr rtl="0"/>
+            <a:r>
+              <a:rPr lang="en-US" altLang="zh-CN" sz="1200" b="0" i="0" u="none" strike="noStrike" kern="1200" baseline="0" dirty="0">
+                <a:solidFill>
+                  <a:schemeClr val="tx1"/>
+                </a:solidFill>
+                <a:latin typeface="+mn-lt"/>
+                <a:ea typeface="+mn-ea"/>
+                <a:cs typeface="+mn-cs"/>
+              </a:rPr>
+              <a:t>4. assign - </a:t>
+            </a:r>
+            <a:r>
+              <a:rPr lang="zh-CN" altLang="en-US" sz="1200" b="0" i="0" u="none" strike="noStrike" kern="1200" baseline="0" dirty="0">
+                <a:solidFill>
+                  <a:schemeClr val="tx1"/>
+                </a:solidFill>
+                <a:latin typeface="+mn-lt"/>
+                <a:ea typeface="+mn-ea"/>
+                <a:cs typeface="+mn-cs"/>
+              </a:rPr>
+              <a:t>线程改变数据并写入到工作内存中</a:t>
+            </a:r>
+          </a:p>
+          <a:p>
+            <a:pPr rtl="0"/>
+            <a:r>
+              <a:rPr lang="en-US" altLang="zh-CN" sz="1200" b="0" i="0" u="none" strike="noStrike" kern="1200" baseline="0" dirty="0">
+                <a:solidFill>
+                  <a:schemeClr val="tx1"/>
+                </a:solidFill>
+                <a:latin typeface="+mn-lt"/>
+                <a:ea typeface="+mn-ea"/>
+                <a:cs typeface="+mn-cs"/>
+              </a:rPr>
+              <a:t>5. store - </a:t>
+            </a:r>
+            <a:r>
+              <a:rPr lang="zh-CN" altLang="en-US" sz="1200" b="0" i="0" u="none" strike="noStrike" kern="1200" baseline="0" dirty="0">
+                <a:solidFill>
+                  <a:schemeClr val="tx1"/>
+                </a:solidFill>
+                <a:latin typeface="+mn-lt"/>
+                <a:ea typeface="+mn-ea"/>
+                <a:cs typeface="+mn-cs"/>
+              </a:rPr>
+              <a:t>将工作内存中的数据写入到主存</a:t>
+            </a:r>
+          </a:p>
+          <a:p>
+            <a:pPr rtl="0"/>
+            <a:r>
+              <a:rPr lang="en-US" altLang="zh-CN" sz="1200" b="0" i="0" u="none" strike="noStrike" kern="1200" baseline="0" dirty="0">
+                <a:solidFill>
+                  <a:schemeClr val="tx1"/>
+                </a:solidFill>
+                <a:latin typeface="+mn-lt"/>
+                <a:ea typeface="+mn-ea"/>
+                <a:cs typeface="+mn-cs"/>
+              </a:rPr>
+              <a:t>6. write - </a:t>
+            </a:r>
+            <a:r>
+              <a:rPr lang="zh-CN" altLang="en-US" sz="1200" b="0" i="0" u="none" strike="noStrike" kern="1200" baseline="0" dirty="0">
+                <a:solidFill>
+                  <a:schemeClr val="tx1"/>
+                </a:solidFill>
+                <a:latin typeface="+mn-lt"/>
+                <a:ea typeface="+mn-ea"/>
+                <a:cs typeface="+mn-cs"/>
+              </a:rPr>
+              <a:t>将</a:t>
+            </a:r>
+            <a:r>
+              <a:rPr lang="en-US" altLang="zh-CN" sz="1200" b="0" i="0" u="none" strike="noStrike" kern="1200" baseline="0" dirty="0">
+                <a:solidFill>
+                  <a:schemeClr val="tx1"/>
+                </a:solidFill>
+                <a:latin typeface="+mn-lt"/>
+                <a:ea typeface="+mn-ea"/>
+                <a:cs typeface="+mn-cs"/>
+              </a:rPr>
+              <a:t>store</a:t>
+            </a:r>
+            <a:r>
+              <a:rPr lang="zh-CN" altLang="en-US" sz="1200" b="0" i="0" u="none" strike="noStrike" kern="1200" baseline="0" dirty="0">
+                <a:solidFill>
+                  <a:schemeClr val="tx1"/>
+                </a:solidFill>
+                <a:latin typeface="+mn-lt"/>
+                <a:ea typeface="+mn-ea"/>
+                <a:cs typeface="+mn-cs"/>
+              </a:rPr>
+              <a:t>过程中的变量值赋值给主存中的变量</a:t>
+            </a:r>
+          </a:p>
+          <a:p>
+            <a:pPr rtl="0"/>
+            <a:r>
+              <a:rPr lang="en-US" altLang="zh-CN" sz="1200" b="0" i="0" u="none" strike="noStrike" kern="1200" baseline="0" dirty="0">
+                <a:solidFill>
+                  <a:schemeClr val="tx1"/>
+                </a:solidFill>
+                <a:latin typeface="+mn-lt"/>
+                <a:ea typeface="+mn-ea"/>
+                <a:cs typeface="+mn-cs"/>
+              </a:rPr>
+              <a:t>7. lock –</a:t>
+            </a:r>
+            <a:r>
+              <a:rPr lang="zh-CN" altLang="en-US" sz="1200" b="0" i="0" u="none" strike="noStrike" kern="1200" baseline="0" dirty="0">
+                <a:solidFill>
+                  <a:schemeClr val="tx1"/>
+                </a:solidFill>
+                <a:latin typeface="+mn-lt"/>
+                <a:ea typeface="+mn-ea"/>
+                <a:cs typeface="+mn-cs"/>
+              </a:rPr>
+              <a:t> 将主存变量加锁（线程独占）</a:t>
+            </a:r>
+          </a:p>
+          <a:p>
+            <a:pPr rtl="0"/>
+            <a:r>
+              <a:rPr lang="en-US" altLang="zh-CN" sz="1200" b="0" i="0" u="none" strike="noStrike" kern="1200" baseline="0" dirty="0">
+                <a:solidFill>
+                  <a:schemeClr val="tx1"/>
+                </a:solidFill>
+                <a:latin typeface="+mn-lt"/>
+                <a:ea typeface="+mn-ea"/>
+                <a:cs typeface="+mn-cs"/>
+              </a:rPr>
+              <a:t>8. unlock –</a:t>
+            </a:r>
+            <a:r>
+              <a:rPr lang="zh-CN" altLang="en-US" sz="1200" b="0" i="0" u="none" strike="noStrike" kern="1200" baseline="0" dirty="0">
+                <a:solidFill>
+                  <a:schemeClr val="tx1"/>
+                </a:solidFill>
+                <a:latin typeface="+mn-lt"/>
+                <a:ea typeface="+mn-ea"/>
+                <a:cs typeface="+mn-cs"/>
+              </a:rPr>
+              <a:t> 将主存变量解锁，解锁后其它线程可以锁定该变量</a:t>
+            </a:r>
+            <a:endParaRPr lang="zh-CN" altLang="en-US" dirty="0"/>
+          </a:p>
+        </p:txBody>
+      </p:sp>
+      <p:sp>
+        <p:nvSpPr>
+          <p:cNvPr id="4" name="灯片编号占位符 3"/>
+          <p:cNvSpPr>
+            <a:spLocks noGrp="1"/>
+          </p:cNvSpPr>
+          <p:nvPr>
+            <p:ph type="sldNum" sz="quarter" idx="5"/>
+          </p:nvPr>
+        </p:nvSpPr>
+        <p:spPr/>
+        <p:txBody>
+          <a:bodyPr/>
+          <a:lstStyle/>
+          <a:p>
+            <a:fld id="{0B77BCC6-1F8A-452E-9AE8-956F32ABCC1A}" type="slidenum">
+              <a:rPr lang="zh-CN" altLang="en-US" smtClean="0"/>
+              <a:t>11</a:t>
+            </a:fld>
+            <a:endParaRPr lang="zh-CN" altLang="en-US"/>
+          </a:p>
+        </p:txBody>
+      </p:sp>
+    </p:spTree>
+    <p:extLst>
+      <p:ext uri="{BB962C8B-B14F-4D97-AF65-F5344CB8AC3E}">
+        <p14:creationId xmlns:p14="http://schemas.microsoft.com/office/powerpoint/2010/main" val="216918709"/>
+      </p:ext>
+    </p:extLst>
+  </p:cSld>
+  <p:clrMapOvr>
+    <a:masterClrMapping/>
+  </p:clrMapOvr>
+</p:notes>
+</file>
+
+<file path=ppt/notesSlides/notesSlide9.xml><?xml version="1.0" encoding="utf-8"?>
+<p:notes xmlns:a="http://schemas.openxmlformats.org/drawingml/2006/main" xmlns:r="http://schemas.openxmlformats.org/officeDocument/2006/relationships" xmlns:p="http://schemas.openxmlformats.org/presentationml/2006/main">
+  <p:cSld>
+    <p:spTree>
+      <p:nvGrpSpPr>
+        <p:cNvPr id="1" name=""/>
+        <p:cNvGrpSpPr/>
+        <p:nvPr/>
+      </p:nvGrpSpPr>
+      <p:grpSpPr>
+        <a:xfrm>
+          <a:off x="0" y="0"/>
+          <a:ext cx="0" cy="0"/>
+          <a:chOff x="0" y="0"/>
+          <a:chExt cx="0" cy="0"/>
+        </a:xfrm>
+      </p:grpSpPr>
+      <p:sp>
+        <p:nvSpPr>
+          <p:cNvPr id="2" name="幻灯片图像占位符 1"/>
+          <p:cNvSpPr>
+            <a:spLocks noGrp="1" noRot="1" noChangeAspect="1"/>
+          </p:cNvSpPr>
+          <p:nvPr>
+            <p:ph type="sldImg"/>
+          </p:nvPr>
+        </p:nvSpPr>
+        <p:spPr/>
+      </p:sp>
+      <p:sp>
+        <p:nvSpPr>
+          <p:cNvPr id="3" name="备注占位符 2"/>
+          <p:cNvSpPr>
+            <a:spLocks noGrp="1"/>
+          </p:cNvSpPr>
+          <p:nvPr>
+            <p:ph type="body" idx="1"/>
+          </p:nvPr>
+        </p:nvSpPr>
+        <p:spPr/>
+        <p:txBody>
+          <a:bodyPr/>
+          <a:lstStyle/>
+          <a:p>
+            <a:endParaRPr lang="zh-CN" altLang="en-US" dirty="0"/>
+          </a:p>
+        </p:txBody>
+      </p:sp>
+      <p:sp>
+        <p:nvSpPr>
+          <p:cNvPr id="4" name="灯片编号占位符 3"/>
+          <p:cNvSpPr>
+            <a:spLocks noGrp="1"/>
+          </p:cNvSpPr>
+          <p:nvPr>
+            <p:ph type="sldNum" sz="quarter" idx="5"/>
+          </p:nvPr>
+        </p:nvSpPr>
+        <p:spPr/>
+        <p:txBody>
+          <a:bodyPr/>
+          <a:lstStyle/>
+          <a:p>
+            <a:fld id="{0B77BCC6-1F8A-452E-9AE8-956F32ABCC1A}" type="slidenum">
+              <a:rPr lang="zh-CN" altLang="en-US" smtClean="0"/>
+              <a:t>12</a:t>
             </a:fld>
             <a:endParaRPr lang="zh-CN" altLang="en-US"/>
           </a:p>
@@ -2183,7 +3684,7 @@
           <a:p>
             <a:fld id="{1331EC2B-80D6-4C7C-9EC4-5505DA85B637}" type="datetimeFigureOut">
               <a:rPr lang="zh-CN" altLang="en-US" smtClean="0"/>
-              <a:t>2019/4/18</a:t>
+              <a:t>2019/8/29</a:t>
             </a:fld>
             <a:endParaRPr lang="zh-CN" altLang="en-US"/>
           </a:p>
@@ -2381,7 +3882,7 @@
           <a:p>
             <a:fld id="{1331EC2B-80D6-4C7C-9EC4-5505DA85B637}" type="datetimeFigureOut">
               <a:rPr lang="zh-CN" altLang="en-US" smtClean="0"/>
-              <a:t>2019/4/18</a:t>
+              <a:t>2019/8/29</a:t>
             </a:fld>
             <a:endParaRPr lang="zh-CN" altLang="en-US"/>
           </a:p>
@@ -2589,7 +4090,7 @@
           <a:p>
             <a:fld id="{1331EC2B-80D6-4C7C-9EC4-5505DA85B637}" type="datetimeFigureOut">
               <a:rPr lang="zh-CN" altLang="en-US" smtClean="0"/>
-              <a:t>2019/4/18</a:t>
+              <a:t>2019/8/29</a:t>
             </a:fld>
             <a:endParaRPr lang="zh-CN" altLang="en-US"/>
           </a:p>
@@ -2787,7 +4288,7 @@
           <a:p>
             <a:fld id="{1331EC2B-80D6-4C7C-9EC4-5505DA85B637}" type="datetimeFigureOut">
               <a:rPr lang="zh-CN" altLang="en-US" smtClean="0"/>
-              <a:t>2019/4/18</a:t>
+              <a:t>2019/8/29</a:t>
             </a:fld>
             <a:endParaRPr lang="zh-CN" altLang="en-US"/>
           </a:p>
@@ -3062,7 +4563,7 @@
           <a:p>
             <a:fld id="{1331EC2B-80D6-4C7C-9EC4-5505DA85B637}" type="datetimeFigureOut">
               <a:rPr lang="zh-CN" altLang="en-US" smtClean="0"/>
-              <a:t>2019/4/18</a:t>
+              <a:t>2019/8/29</a:t>
             </a:fld>
             <a:endParaRPr lang="zh-CN" altLang="en-US"/>
           </a:p>
@@ -3327,7 +4828,7 @@
           <a:p>
             <a:fld id="{1331EC2B-80D6-4C7C-9EC4-5505DA85B637}" type="datetimeFigureOut">
               <a:rPr lang="zh-CN" altLang="en-US" smtClean="0"/>
-              <a:t>2019/4/18</a:t>
+              <a:t>2019/8/29</a:t>
             </a:fld>
             <a:endParaRPr lang="zh-CN" altLang="en-US"/>
           </a:p>
@@ -3739,7 +5240,7 @@
           <a:p>
             <a:fld id="{1331EC2B-80D6-4C7C-9EC4-5505DA85B637}" type="datetimeFigureOut">
               <a:rPr lang="zh-CN" altLang="en-US" smtClean="0"/>
-              <a:t>2019/4/18</a:t>
+              <a:t>2019/8/29</a:t>
             </a:fld>
             <a:endParaRPr lang="zh-CN" altLang="en-US"/>
           </a:p>
@@ -3880,7 +5381,7 @@
           <a:p>
             <a:fld id="{1331EC2B-80D6-4C7C-9EC4-5505DA85B637}" type="datetimeFigureOut">
               <a:rPr lang="zh-CN" altLang="en-US" smtClean="0"/>
-              <a:t>2019/4/18</a:t>
+              <a:t>2019/8/29</a:t>
             </a:fld>
             <a:endParaRPr lang="zh-CN" altLang="en-US"/>
           </a:p>
@@ -3993,7 +5494,7 @@
           <a:p>
             <a:fld id="{1331EC2B-80D6-4C7C-9EC4-5505DA85B637}" type="datetimeFigureOut">
               <a:rPr lang="zh-CN" altLang="en-US" smtClean="0"/>
-              <a:t>2019/4/18</a:t>
+              <a:t>2019/8/29</a:t>
             </a:fld>
             <a:endParaRPr lang="zh-CN" altLang="en-US"/>
           </a:p>
@@ -4304,7 +5805,7 @@
           <a:p>
             <a:fld id="{1331EC2B-80D6-4C7C-9EC4-5505DA85B637}" type="datetimeFigureOut">
               <a:rPr lang="zh-CN" altLang="en-US" smtClean="0"/>
-              <a:t>2019/4/18</a:t>
+              <a:t>2019/8/29</a:t>
             </a:fld>
             <a:endParaRPr lang="zh-CN" altLang="en-US"/>
           </a:p>
@@ -4592,7 +6093,7 @@
           <a:p>
             <a:fld id="{1331EC2B-80D6-4C7C-9EC4-5505DA85B637}" type="datetimeFigureOut">
               <a:rPr lang="zh-CN" altLang="en-US" smtClean="0"/>
-              <a:t>2019/4/18</a:t>
+              <a:t>2019/8/29</a:t>
             </a:fld>
             <a:endParaRPr lang="zh-CN" altLang="en-US"/>
           </a:p>
@@ -4833,7 +6334,7 @@
           <a:p>
             <a:fld id="{1331EC2B-80D6-4C7C-9EC4-5505DA85B637}" type="datetimeFigureOut">
               <a:rPr lang="zh-CN" altLang="en-US" smtClean="0"/>
-              <a:t>2019/4/18</a:t>
+              <a:t>2019/8/29</a:t>
             </a:fld>
             <a:endParaRPr lang="zh-CN" altLang="en-US"/>
           </a:p>
@@ -8645,6 +10146,3027 @@
 </p:sld>
 </file>
 
+<file path=ppt/slides/slide10.xml><?xml version="1.0" encoding="utf-8"?>
+<p:sld xmlns:a="http://schemas.openxmlformats.org/drawingml/2006/main" xmlns:r="http://schemas.openxmlformats.org/officeDocument/2006/relationships" xmlns:p="http://schemas.openxmlformats.org/presentationml/2006/main">
+  <p:cSld>
+    <p:bg>
+      <p:bgPr>
+        <a:solidFill>
+          <a:schemeClr val="bg1">
+            <a:lumMod val="95000"/>
+          </a:schemeClr>
+        </a:solidFill>
+        <a:effectLst/>
+      </p:bgPr>
+    </p:bg>
+    <p:spTree>
+      <p:nvGrpSpPr>
+        <p:cNvPr id="1" name=""/>
+        <p:cNvGrpSpPr/>
+        <p:nvPr/>
+      </p:nvGrpSpPr>
+      <p:grpSpPr>
+        <a:xfrm>
+          <a:off x="0" y="0"/>
+          <a:ext cx="0" cy="0"/>
+          <a:chOff x="0" y="0"/>
+          <a:chExt cx="0" cy="0"/>
+        </a:xfrm>
+      </p:grpSpPr>
+      <p:sp>
+        <p:nvSpPr>
+          <p:cNvPr id="4" name="文本框 3">
+            <a:extLst>
+              <a:ext uri="{FF2B5EF4-FFF2-40B4-BE49-F238E27FC236}">
+                <a16:creationId xmlns:a16="http://schemas.microsoft.com/office/drawing/2014/main" id="{2341CA69-234E-4AF6-8643-B3D1CD565294}"/>
+              </a:ext>
+            </a:extLst>
+          </p:cNvPr>
+          <p:cNvSpPr txBox="1"/>
+          <p:nvPr/>
+        </p:nvSpPr>
+        <p:spPr>
+          <a:xfrm>
+            <a:off x="0" y="0"/>
+            <a:ext cx="12192000" cy="369332"/>
+          </a:xfrm>
+          <a:prstGeom prst="rect">
+            <a:avLst/>
+          </a:prstGeom>
+          <a:solidFill>
+            <a:srgbClr val="002060"/>
+          </a:solidFill>
+        </p:spPr>
+        <p:txBody>
+          <a:bodyPr wrap="square" rtlCol="0">
+            <a:spAutoFit/>
+          </a:bodyPr>
+          <a:lstStyle>
+            <a:defPPr>
+              <a:defRPr lang="zh-CN"/>
+            </a:defPPr>
+            <a:lvl1pPr>
+              <a:defRPr b="1">
+                <a:solidFill>
+                  <a:schemeClr val="bg1"/>
+                </a:solidFill>
+              </a:defRPr>
+            </a:lvl1pPr>
+          </a:lstStyle>
+          <a:p>
+            <a:r>
+              <a:rPr lang="zh-CN" altLang="en-US" dirty="0"/>
+              <a:t>线程</a:t>
+            </a:r>
+            <a:r>
+              <a:rPr lang="en-US" altLang="zh-CN" dirty="0"/>
+              <a:t>—</a:t>
+            </a:r>
+            <a:r>
+              <a:rPr lang="zh-CN" altLang="en-US" dirty="0"/>
+              <a:t>线程与</a:t>
+            </a:r>
+            <a:r>
+              <a:rPr lang="en-US" altLang="zh-CN" dirty="0"/>
+              <a:t>CUP</a:t>
+            </a:r>
+            <a:r>
+              <a:rPr lang="zh-CN" altLang="en-US" dirty="0"/>
+              <a:t>的关系</a:t>
+            </a:r>
+          </a:p>
+        </p:txBody>
+      </p:sp>
+      <p:grpSp>
+        <p:nvGrpSpPr>
+          <p:cNvPr id="17" name="组合 16">
+            <a:extLst>
+              <a:ext uri="{FF2B5EF4-FFF2-40B4-BE49-F238E27FC236}">
+                <a16:creationId xmlns:a16="http://schemas.microsoft.com/office/drawing/2014/main" id="{CC6FF2E3-170E-4EFB-9A82-7408E445B03D}"/>
+              </a:ext>
+            </a:extLst>
+          </p:cNvPr>
+          <p:cNvGrpSpPr/>
+          <p:nvPr/>
+        </p:nvGrpSpPr>
+        <p:grpSpPr>
+          <a:xfrm>
+            <a:off x="2014045" y="815865"/>
+            <a:ext cx="6275755" cy="1649546"/>
+            <a:chOff x="2035065" y="2592113"/>
+            <a:chExt cx="6275755" cy="1649546"/>
+          </a:xfrm>
+        </p:grpSpPr>
+        <p:sp>
+          <p:nvSpPr>
+            <p:cNvPr id="3" name="箭头: 右 2">
+              <a:extLst>
+                <a:ext uri="{FF2B5EF4-FFF2-40B4-BE49-F238E27FC236}">
+                  <a16:creationId xmlns:a16="http://schemas.microsoft.com/office/drawing/2014/main" id="{96E29892-1E29-4AF6-8013-E12D39A56C5F}"/>
+                </a:ext>
+              </a:extLst>
+            </p:cNvPr>
+            <p:cNvSpPr/>
+            <p:nvPr/>
+          </p:nvSpPr>
+          <p:spPr>
+            <a:xfrm>
+              <a:off x="6009735" y="3023101"/>
+              <a:ext cx="924911" cy="615235"/>
+            </a:xfrm>
+            <a:prstGeom prst="rightArrow">
+              <a:avLst/>
+            </a:prstGeom>
+            <a:solidFill>
+              <a:schemeClr val="bg1"/>
+            </a:solidFill>
+            <a:ln>
+              <a:solidFill>
+                <a:srgbClr val="002060"/>
+              </a:solidFill>
+            </a:ln>
+          </p:spPr>
+          <p:style>
+            <a:lnRef idx="2">
+              <a:schemeClr val="accent1">
+                <a:shade val="50000"/>
+              </a:schemeClr>
+            </a:lnRef>
+            <a:fillRef idx="1">
+              <a:schemeClr val="accent1"/>
+            </a:fillRef>
+            <a:effectRef idx="0">
+              <a:schemeClr val="accent1"/>
+            </a:effectRef>
+            <a:fontRef idx="minor">
+              <a:schemeClr val="lt1"/>
+            </a:fontRef>
+          </p:style>
+          <p:txBody>
+            <a:bodyPr rtlCol="0" anchor="ctr"/>
+            <a:lstStyle/>
+            <a:p>
+              <a:pPr algn="ctr"/>
+              <a:r>
+                <a:rPr lang="zh-CN" altLang="en-US" dirty="0">
+                  <a:solidFill>
+                    <a:srgbClr val="002060"/>
+                  </a:solidFill>
+                </a:rPr>
+                <a:t>运输</a:t>
+              </a:r>
+            </a:p>
+          </p:txBody>
+        </p:sp>
+        <p:pic>
+          <p:nvPicPr>
+            <p:cNvPr id="7" name="图片 6">
+              <a:extLst>
+                <a:ext uri="{FF2B5EF4-FFF2-40B4-BE49-F238E27FC236}">
+                  <a16:creationId xmlns:a16="http://schemas.microsoft.com/office/drawing/2014/main" id="{4F82F0BD-4F88-40ED-866A-F60CE45E2EAD}"/>
+                </a:ext>
+              </a:extLst>
+            </p:cNvPr>
+            <p:cNvPicPr>
+              <a:picLocks noChangeAspect="1"/>
+            </p:cNvPicPr>
+            <p:nvPr/>
+          </p:nvPicPr>
+          <p:blipFill>
+            <a:blip r:embed="rId3">
+              <a:extLst>
+                <a:ext uri="{28A0092B-C50C-407E-A947-70E740481C1C}">
+                  <a14:useLocalDpi xmlns:a14="http://schemas.microsoft.com/office/drawing/2010/main" val="0"/>
+                </a:ext>
+              </a:extLst>
+            </a:blip>
+            <a:stretch>
+              <a:fillRect/>
+            </a:stretch>
+          </p:blipFill>
+          <p:spPr>
+            <a:xfrm>
+              <a:off x="4564484" y="2634154"/>
+              <a:ext cx="1380797" cy="1380797"/>
+            </a:xfrm>
+            <a:prstGeom prst="rect">
+              <a:avLst/>
+            </a:prstGeom>
+          </p:spPr>
+        </p:pic>
+        <p:sp>
+          <p:nvSpPr>
+            <p:cNvPr id="8" name="文本框 7">
+              <a:extLst>
+                <a:ext uri="{FF2B5EF4-FFF2-40B4-BE49-F238E27FC236}">
+                  <a16:creationId xmlns:a16="http://schemas.microsoft.com/office/drawing/2014/main" id="{A22DCD76-2444-4E16-9679-034B15298175}"/>
+                </a:ext>
+              </a:extLst>
+            </p:cNvPr>
+            <p:cNvSpPr txBox="1"/>
+            <p:nvPr/>
+          </p:nvSpPr>
+          <p:spPr>
+            <a:xfrm>
+              <a:off x="4707331" y="2975898"/>
+              <a:ext cx="694421" cy="369332"/>
+            </a:xfrm>
+            <a:prstGeom prst="rect">
+              <a:avLst/>
+            </a:prstGeom>
+            <a:noFill/>
+            <a:ln>
+              <a:solidFill>
+                <a:srgbClr val="FFFF00"/>
+              </a:solidFill>
+            </a:ln>
+          </p:spPr>
+          <p:txBody>
+            <a:bodyPr wrap="none" rtlCol="0">
+              <a:spAutoFit/>
+            </a:bodyPr>
+            <a:lstStyle/>
+            <a:p>
+              <a:r>
+                <a:rPr lang="en-US" altLang="zh-CN" b="1" dirty="0">
+                  <a:solidFill>
+                    <a:schemeClr val="bg1"/>
+                  </a:solidFill>
+                </a:rPr>
+                <a:t>code</a:t>
+              </a:r>
+              <a:endParaRPr lang="zh-CN" altLang="en-US" b="1" dirty="0">
+                <a:solidFill>
+                  <a:schemeClr val="bg1"/>
+                </a:solidFill>
+              </a:endParaRPr>
+            </a:p>
+          </p:txBody>
+        </p:sp>
+        <p:pic>
+          <p:nvPicPr>
+            <p:cNvPr id="10" name="图片 9">
+              <a:extLst>
+                <a:ext uri="{FF2B5EF4-FFF2-40B4-BE49-F238E27FC236}">
+                  <a16:creationId xmlns:a16="http://schemas.microsoft.com/office/drawing/2014/main" id="{52FB86B4-E773-4383-AF4F-1CCDF3F2CC85}"/>
+                </a:ext>
+              </a:extLst>
+            </p:cNvPr>
+            <p:cNvPicPr>
+              <a:picLocks noChangeAspect="1"/>
+            </p:cNvPicPr>
+            <p:nvPr/>
+          </p:nvPicPr>
+          <p:blipFill>
+            <a:blip r:embed="rId4">
+              <a:extLst>
+                <a:ext uri="{28A0092B-C50C-407E-A947-70E740481C1C}">
+                  <a14:useLocalDpi xmlns:a14="http://schemas.microsoft.com/office/drawing/2010/main" val="0"/>
+                </a:ext>
+              </a:extLst>
+            </a:blip>
+            <a:stretch>
+              <a:fillRect/>
+            </a:stretch>
+          </p:blipFill>
+          <p:spPr>
+            <a:xfrm>
+              <a:off x="2035065" y="2592113"/>
+              <a:ext cx="1464880" cy="1464880"/>
+            </a:xfrm>
+            <a:prstGeom prst="rect">
+              <a:avLst/>
+            </a:prstGeom>
+          </p:spPr>
+        </p:pic>
+        <p:pic>
+          <p:nvPicPr>
+            <p:cNvPr id="12" name="图片 11">
+              <a:extLst>
+                <a:ext uri="{FF2B5EF4-FFF2-40B4-BE49-F238E27FC236}">
+                  <a16:creationId xmlns:a16="http://schemas.microsoft.com/office/drawing/2014/main" id="{D49141DC-1DFA-421C-BB16-54F576664467}"/>
+                </a:ext>
+              </a:extLst>
+            </p:cNvPr>
+            <p:cNvPicPr>
+              <a:picLocks noChangeAspect="1"/>
+            </p:cNvPicPr>
+            <p:nvPr/>
+          </p:nvPicPr>
+          <p:blipFill>
+            <a:blip r:embed="rId5">
+              <a:extLst>
+                <a:ext uri="{28A0092B-C50C-407E-A947-70E740481C1C}">
+                  <a14:useLocalDpi xmlns:a14="http://schemas.microsoft.com/office/drawing/2010/main" val="0"/>
+                </a:ext>
+              </a:extLst>
+            </a:blip>
+            <a:stretch>
+              <a:fillRect/>
+            </a:stretch>
+          </p:blipFill>
+          <p:spPr>
+            <a:xfrm>
+              <a:off x="7035126" y="2592113"/>
+              <a:ext cx="1275694" cy="1275694"/>
+            </a:xfrm>
+            <a:prstGeom prst="rect">
+              <a:avLst/>
+            </a:prstGeom>
+          </p:spPr>
+        </p:pic>
+        <p:sp>
+          <p:nvSpPr>
+            <p:cNvPr id="13" name="箭头: 右 12">
+              <a:extLst>
+                <a:ext uri="{FF2B5EF4-FFF2-40B4-BE49-F238E27FC236}">
+                  <a16:creationId xmlns:a16="http://schemas.microsoft.com/office/drawing/2014/main" id="{67BC3709-E77F-4172-9D63-4B5F7470DEDC}"/>
+                </a:ext>
+              </a:extLst>
+            </p:cNvPr>
+            <p:cNvSpPr/>
+            <p:nvPr/>
+          </p:nvSpPr>
+          <p:spPr>
+            <a:xfrm>
+              <a:off x="3499945" y="3010766"/>
+              <a:ext cx="924911" cy="627571"/>
+            </a:xfrm>
+            <a:prstGeom prst="rightArrow">
+              <a:avLst/>
+            </a:prstGeom>
+            <a:solidFill>
+              <a:schemeClr val="bg1"/>
+            </a:solidFill>
+            <a:ln w="12700">
+              <a:solidFill>
+                <a:srgbClr val="002060"/>
+              </a:solidFill>
+            </a:ln>
+          </p:spPr>
+          <p:style>
+            <a:lnRef idx="2">
+              <a:schemeClr val="accent1">
+                <a:shade val="50000"/>
+              </a:schemeClr>
+            </a:lnRef>
+            <a:fillRef idx="1">
+              <a:schemeClr val="accent1"/>
+            </a:fillRef>
+            <a:effectRef idx="0">
+              <a:schemeClr val="accent1"/>
+            </a:effectRef>
+            <a:fontRef idx="minor">
+              <a:schemeClr val="lt1"/>
+            </a:fontRef>
+          </p:style>
+          <p:txBody>
+            <a:bodyPr rtlCol="0" anchor="ctr"/>
+            <a:lstStyle/>
+            <a:p>
+              <a:pPr algn="ctr"/>
+              <a:r>
+                <a:rPr lang="zh-CN" altLang="en-US" dirty="0">
+                  <a:solidFill>
+                    <a:srgbClr val="002060"/>
+                  </a:solidFill>
+                </a:rPr>
+                <a:t>装入</a:t>
+              </a:r>
+            </a:p>
+          </p:txBody>
+        </p:sp>
+        <p:sp>
+          <p:nvSpPr>
+            <p:cNvPr id="14" name="文本框 13">
+              <a:extLst>
+                <a:ext uri="{FF2B5EF4-FFF2-40B4-BE49-F238E27FC236}">
+                  <a16:creationId xmlns:a16="http://schemas.microsoft.com/office/drawing/2014/main" id="{E1BA7CAA-7DF8-40CF-B714-5E000518AF08}"/>
+                </a:ext>
+              </a:extLst>
+            </p:cNvPr>
+            <p:cNvSpPr txBox="1"/>
+            <p:nvPr/>
+          </p:nvSpPr>
+          <p:spPr>
+            <a:xfrm>
+              <a:off x="2213507" y="3872327"/>
+              <a:ext cx="1107996" cy="369332"/>
+            </a:xfrm>
+            <a:prstGeom prst="rect">
+              <a:avLst/>
+            </a:prstGeom>
+            <a:noFill/>
+          </p:spPr>
+          <p:txBody>
+            <a:bodyPr wrap="square" rtlCol="0">
+              <a:spAutoFit/>
+            </a:bodyPr>
+            <a:lstStyle/>
+            <a:p>
+              <a:r>
+                <a:rPr lang="zh-CN" altLang="en-US" b="1" dirty="0">
+                  <a:solidFill>
+                    <a:srgbClr val="002060"/>
+                  </a:solidFill>
+                </a:rPr>
+                <a:t>程序代码</a:t>
+              </a:r>
+            </a:p>
+          </p:txBody>
+        </p:sp>
+        <p:sp>
+          <p:nvSpPr>
+            <p:cNvPr id="15" name="文本框 14">
+              <a:extLst>
+                <a:ext uri="{FF2B5EF4-FFF2-40B4-BE49-F238E27FC236}">
+                  <a16:creationId xmlns:a16="http://schemas.microsoft.com/office/drawing/2014/main" id="{3E657790-E539-4C41-B54D-F0656D49776E}"/>
+                </a:ext>
+              </a:extLst>
+            </p:cNvPr>
+            <p:cNvSpPr txBox="1"/>
+            <p:nvPr/>
+          </p:nvSpPr>
+          <p:spPr>
+            <a:xfrm>
+              <a:off x="4907671" y="3872327"/>
+              <a:ext cx="694421" cy="369332"/>
+            </a:xfrm>
+            <a:prstGeom prst="rect">
+              <a:avLst/>
+            </a:prstGeom>
+            <a:noFill/>
+          </p:spPr>
+          <p:txBody>
+            <a:bodyPr wrap="square" rtlCol="0">
+              <a:spAutoFit/>
+            </a:bodyPr>
+            <a:lstStyle/>
+            <a:p>
+              <a:r>
+                <a:rPr lang="zh-CN" altLang="en-US" b="1" dirty="0">
+                  <a:solidFill>
+                    <a:srgbClr val="002060"/>
+                  </a:solidFill>
+                </a:rPr>
+                <a:t>线程</a:t>
+              </a:r>
+            </a:p>
+          </p:txBody>
+        </p:sp>
+        <p:sp>
+          <p:nvSpPr>
+            <p:cNvPr id="16" name="文本框 15">
+              <a:extLst>
+                <a:ext uri="{FF2B5EF4-FFF2-40B4-BE49-F238E27FC236}">
+                  <a16:creationId xmlns:a16="http://schemas.microsoft.com/office/drawing/2014/main" id="{2ABBA38B-FDFF-4DDD-9260-250FD7C3F25B}"/>
+                </a:ext>
+              </a:extLst>
+            </p:cNvPr>
+            <p:cNvSpPr txBox="1"/>
+            <p:nvPr/>
+          </p:nvSpPr>
+          <p:spPr>
+            <a:xfrm>
+              <a:off x="7415991" y="3872327"/>
+              <a:ext cx="694421" cy="369332"/>
+            </a:xfrm>
+            <a:prstGeom prst="rect">
+              <a:avLst/>
+            </a:prstGeom>
+            <a:noFill/>
+          </p:spPr>
+          <p:txBody>
+            <a:bodyPr wrap="square" rtlCol="0">
+              <a:spAutoFit/>
+            </a:bodyPr>
+            <a:lstStyle/>
+            <a:p>
+              <a:r>
+                <a:rPr lang="en-US" altLang="zh-CN" b="1" dirty="0">
+                  <a:solidFill>
+                    <a:srgbClr val="002060"/>
+                  </a:solidFill>
+                </a:rPr>
+                <a:t>CPU</a:t>
+              </a:r>
+              <a:endParaRPr lang="zh-CN" altLang="en-US" b="1" dirty="0">
+                <a:solidFill>
+                  <a:srgbClr val="002060"/>
+                </a:solidFill>
+              </a:endParaRPr>
+            </a:p>
+          </p:txBody>
+        </p:sp>
+      </p:grpSp>
+    </p:spTree>
+    <p:extLst>
+      <p:ext uri="{BB962C8B-B14F-4D97-AF65-F5344CB8AC3E}">
+        <p14:creationId xmlns:p14="http://schemas.microsoft.com/office/powerpoint/2010/main" val="2410252263"/>
+      </p:ext>
+    </p:extLst>
+  </p:cSld>
+  <p:clrMapOvr>
+    <a:masterClrMapping/>
+  </p:clrMapOvr>
+</p:sld>
+</file>
+
+<file path=ppt/slides/slide11.xml><?xml version="1.0" encoding="utf-8"?>
+<p:sld xmlns:a="http://schemas.openxmlformats.org/drawingml/2006/main" xmlns:r="http://schemas.openxmlformats.org/officeDocument/2006/relationships" xmlns:p="http://schemas.openxmlformats.org/presentationml/2006/main">
+  <p:cSld>
+    <p:bg>
+      <p:bgPr>
+        <a:solidFill>
+          <a:schemeClr val="bg1">
+            <a:lumMod val="95000"/>
+          </a:schemeClr>
+        </a:solidFill>
+        <a:effectLst/>
+      </p:bgPr>
+    </p:bg>
+    <p:spTree>
+      <p:nvGrpSpPr>
+        <p:cNvPr id="1" name=""/>
+        <p:cNvGrpSpPr/>
+        <p:nvPr/>
+      </p:nvGrpSpPr>
+      <p:grpSpPr>
+        <a:xfrm>
+          <a:off x="0" y="0"/>
+          <a:ext cx="0" cy="0"/>
+          <a:chOff x="0" y="0"/>
+          <a:chExt cx="0" cy="0"/>
+        </a:xfrm>
+      </p:grpSpPr>
+      <p:sp>
+        <p:nvSpPr>
+          <p:cNvPr id="4" name="文本框 3">
+            <a:extLst>
+              <a:ext uri="{FF2B5EF4-FFF2-40B4-BE49-F238E27FC236}">
+                <a16:creationId xmlns:a16="http://schemas.microsoft.com/office/drawing/2014/main" id="{2341CA69-234E-4AF6-8643-B3D1CD565294}"/>
+              </a:ext>
+            </a:extLst>
+          </p:cNvPr>
+          <p:cNvSpPr txBox="1"/>
+          <p:nvPr/>
+        </p:nvSpPr>
+        <p:spPr>
+          <a:xfrm>
+            <a:off x="0" y="0"/>
+            <a:ext cx="12192000" cy="369332"/>
+          </a:xfrm>
+          <a:prstGeom prst="rect">
+            <a:avLst/>
+          </a:prstGeom>
+          <a:solidFill>
+            <a:srgbClr val="002060"/>
+          </a:solidFill>
+        </p:spPr>
+        <p:txBody>
+          <a:bodyPr wrap="square" rtlCol="0">
+            <a:spAutoFit/>
+          </a:bodyPr>
+          <a:lstStyle>
+            <a:defPPr>
+              <a:defRPr lang="zh-CN"/>
+            </a:defPPr>
+            <a:lvl1pPr>
+              <a:defRPr b="1">
+                <a:solidFill>
+                  <a:schemeClr val="bg1"/>
+                </a:solidFill>
+              </a:defRPr>
+            </a:lvl1pPr>
+          </a:lstStyle>
+          <a:p>
+            <a:r>
+              <a:rPr lang="en-US" altLang="zh-CN" dirty="0"/>
+              <a:t>JAVA-Session</a:t>
+            </a:r>
+            <a:endParaRPr lang="zh-CN" altLang="en-US" dirty="0"/>
+          </a:p>
+        </p:txBody>
+      </p:sp>
+      <p:grpSp>
+        <p:nvGrpSpPr>
+          <p:cNvPr id="20" name="组合 19">
+            <a:extLst>
+              <a:ext uri="{FF2B5EF4-FFF2-40B4-BE49-F238E27FC236}">
+                <a16:creationId xmlns:a16="http://schemas.microsoft.com/office/drawing/2014/main" id="{3EFB3F7C-D16F-4F80-9757-BF88AAE26B23}"/>
+              </a:ext>
+            </a:extLst>
+          </p:cNvPr>
+          <p:cNvGrpSpPr/>
+          <p:nvPr/>
+        </p:nvGrpSpPr>
+        <p:grpSpPr>
+          <a:xfrm>
+            <a:off x="2054771" y="1264895"/>
+            <a:ext cx="7549250" cy="4328210"/>
+            <a:chOff x="509751" y="1292771"/>
+            <a:chExt cx="7549250" cy="4328210"/>
+          </a:xfrm>
+        </p:grpSpPr>
+        <p:sp>
+          <p:nvSpPr>
+            <p:cNvPr id="2" name="矩形 1">
+              <a:extLst>
+                <a:ext uri="{FF2B5EF4-FFF2-40B4-BE49-F238E27FC236}">
+                  <a16:creationId xmlns:a16="http://schemas.microsoft.com/office/drawing/2014/main" id="{A1B8F9C4-C5CA-4A4F-A21D-308D5D6B4BC8}"/>
+                </a:ext>
+              </a:extLst>
+            </p:cNvPr>
+            <p:cNvSpPr/>
+            <p:nvPr/>
+          </p:nvSpPr>
+          <p:spPr>
+            <a:xfrm>
+              <a:off x="509751" y="1292771"/>
+              <a:ext cx="2033752" cy="3605049"/>
+            </a:xfrm>
+            <a:prstGeom prst="rect">
+              <a:avLst/>
+            </a:prstGeom>
+          </p:spPr>
+          <p:style>
+            <a:lnRef idx="2">
+              <a:schemeClr val="accent1">
+                <a:shade val="50000"/>
+              </a:schemeClr>
+            </a:lnRef>
+            <a:fillRef idx="1">
+              <a:schemeClr val="accent1"/>
+            </a:fillRef>
+            <a:effectRef idx="0">
+              <a:schemeClr val="accent1"/>
+            </a:effectRef>
+            <a:fontRef idx="minor">
+              <a:schemeClr val="lt1"/>
+            </a:fontRef>
+          </p:style>
+          <p:txBody>
+            <a:bodyPr rtlCol="0" anchor="ctr"/>
+            <a:lstStyle/>
+            <a:p>
+              <a:pPr algn="ctr"/>
+              <a:r>
+                <a:rPr lang="zh-CN" altLang="en-US" dirty="0">
+                  <a:solidFill>
+                    <a:srgbClr val="FF0000"/>
+                  </a:solidFill>
+                </a:rPr>
+                <a:t>（</a:t>
+              </a:r>
+              <a:r>
+                <a:rPr lang="en-US" altLang="zh-CN" dirty="0">
+                  <a:solidFill>
+                    <a:srgbClr val="FF0000"/>
+                  </a:solidFill>
+                </a:rPr>
+                <a:t>Cookie</a:t>
+              </a:r>
+              <a:r>
+                <a:rPr lang="zh-CN" altLang="en-US" dirty="0">
+                  <a:solidFill>
+                    <a:srgbClr val="FF0000"/>
+                  </a:solidFill>
+                </a:rPr>
+                <a:t>）</a:t>
+              </a:r>
+            </a:p>
+          </p:txBody>
+        </p:sp>
+        <p:sp>
+          <p:nvSpPr>
+            <p:cNvPr id="3" name="文本框 2">
+              <a:extLst>
+                <a:ext uri="{FF2B5EF4-FFF2-40B4-BE49-F238E27FC236}">
+                  <a16:creationId xmlns:a16="http://schemas.microsoft.com/office/drawing/2014/main" id="{1782B8B4-54B8-4951-A739-63C430EEB87B}"/>
+                </a:ext>
+              </a:extLst>
+            </p:cNvPr>
+            <p:cNvSpPr txBox="1"/>
+            <p:nvPr/>
+          </p:nvSpPr>
+          <p:spPr>
+            <a:xfrm>
+              <a:off x="1020719" y="4974650"/>
+              <a:ext cx="1011815" cy="646331"/>
+            </a:xfrm>
+            <a:prstGeom prst="rect">
+              <a:avLst/>
+            </a:prstGeom>
+            <a:noFill/>
+          </p:spPr>
+          <p:txBody>
+            <a:bodyPr wrap="none" rtlCol="0">
+              <a:spAutoFit/>
+            </a:bodyPr>
+            <a:lstStyle/>
+            <a:p>
+              <a:r>
+                <a:rPr lang="zh-CN" altLang="en-US" dirty="0"/>
+                <a:t>客户端</a:t>
+              </a:r>
+              <a:endParaRPr lang="en-US" altLang="zh-CN" dirty="0"/>
+            </a:p>
+            <a:p>
+              <a:r>
+                <a:rPr lang="en-US" altLang="zh-CN" dirty="0"/>
+                <a:t>(</a:t>
+              </a:r>
+              <a:r>
+                <a:rPr lang="zh-CN" altLang="en-US" dirty="0"/>
+                <a:t>浏览器</a:t>
+              </a:r>
+              <a:r>
+                <a:rPr lang="en-US" altLang="zh-CN" dirty="0"/>
+                <a:t>)</a:t>
+              </a:r>
+              <a:endParaRPr lang="zh-CN" altLang="en-US" dirty="0"/>
+            </a:p>
+          </p:txBody>
+        </p:sp>
+        <p:sp>
+          <p:nvSpPr>
+            <p:cNvPr id="5" name="矩形 4">
+              <a:extLst>
+                <a:ext uri="{FF2B5EF4-FFF2-40B4-BE49-F238E27FC236}">
+                  <a16:creationId xmlns:a16="http://schemas.microsoft.com/office/drawing/2014/main" id="{4BBA3E50-5B4A-4E2A-BB79-E25086CBDC93}"/>
+                </a:ext>
+              </a:extLst>
+            </p:cNvPr>
+            <p:cNvSpPr/>
+            <p:nvPr/>
+          </p:nvSpPr>
+          <p:spPr>
+            <a:xfrm>
+              <a:off x="6025249" y="1292771"/>
+              <a:ext cx="2033752" cy="3605049"/>
+            </a:xfrm>
+            <a:prstGeom prst="rect">
+              <a:avLst/>
+            </a:prstGeom>
+          </p:spPr>
+          <p:style>
+            <a:lnRef idx="2">
+              <a:schemeClr val="accent1">
+                <a:shade val="50000"/>
+              </a:schemeClr>
+            </a:lnRef>
+            <a:fillRef idx="1">
+              <a:schemeClr val="accent1"/>
+            </a:fillRef>
+            <a:effectRef idx="0">
+              <a:schemeClr val="accent1"/>
+            </a:effectRef>
+            <a:fontRef idx="minor">
+              <a:schemeClr val="lt1"/>
+            </a:fontRef>
+          </p:style>
+          <p:txBody>
+            <a:bodyPr rtlCol="0" anchor="ctr"/>
+            <a:lstStyle/>
+            <a:p>
+              <a:pPr algn="ctr"/>
+              <a:endParaRPr lang="zh-CN" altLang="en-US" dirty="0"/>
+            </a:p>
+          </p:txBody>
+        </p:sp>
+        <p:sp>
+          <p:nvSpPr>
+            <p:cNvPr id="6" name="文本框 5">
+              <a:extLst>
+                <a:ext uri="{FF2B5EF4-FFF2-40B4-BE49-F238E27FC236}">
+                  <a16:creationId xmlns:a16="http://schemas.microsoft.com/office/drawing/2014/main" id="{B0AA61E9-52D7-47B2-8D00-EA0B24B9181A}"/>
+                </a:ext>
+              </a:extLst>
+            </p:cNvPr>
+            <p:cNvSpPr txBox="1"/>
+            <p:nvPr/>
+          </p:nvSpPr>
+          <p:spPr>
+            <a:xfrm>
+              <a:off x="6563319" y="4974650"/>
+              <a:ext cx="877163" cy="369332"/>
+            </a:xfrm>
+            <a:prstGeom prst="rect">
+              <a:avLst/>
+            </a:prstGeom>
+            <a:noFill/>
+          </p:spPr>
+          <p:txBody>
+            <a:bodyPr wrap="none" rtlCol="0">
+              <a:spAutoFit/>
+            </a:bodyPr>
+            <a:lstStyle/>
+            <a:p>
+              <a:r>
+                <a:rPr lang="zh-CN" altLang="en-US" dirty="0"/>
+                <a:t>服务端</a:t>
+              </a:r>
+            </a:p>
+          </p:txBody>
+        </p:sp>
+        <p:cxnSp>
+          <p:nvCxnSpPr>
+            <p:cNvPr id="8" name="直接箭头连接符 7">
+              <a:extLst>
+                <a:ext uri="{FF2B5EF4-FFF2-40B4-BE49-F238E27FC236}">
+                  <a16:creationId xmlns:a16="http://schemas.microsoft.com/office/drawing/2014/main" id="{05E08702-3B1E-498E-AEEC-184E0C581D5F}"/>
+                </a:ext>
+              </a:extLst>
+            </p:cNvPr>
+            <p:cNvCxnSpPr/>
+            <p:nvPr/>
+          </p:nvCxnSpPr>
+          <p:spPr>
+            <a:xfrm>
+              <a:off x="2543503" y="1891862"/>
+              <a:ext cx="3463159" cy="0"/>
+            </a:xfrm>
+            <a:prstGeom prst="straightConnector1">
+              <a:avLst/>
+            </a:prstGeom>
+            <a:ln w="19050">
+              <a:solidFill>
+                <a:srgbClr val="002060"/>
+              </a:solidFill>
+              <a:tailEnd type="triangle"/>
+            </a:ln>
+          </p:spPr>
+          <p:style>
+            <a:lnRef idx="1">
+              <a:schemeClr val="accent1"/>
+            </a:lnRef>
+            <a:fillRef idx="0">
+              <a:schemeClr val="accent1"/>
+            </a:fillRef>
+            <a:effectRef idx="0">
+              <a:schemeClr val="accent1"/>
+            </a:effectRef>
+            <a:fontRef idx="minor">
+              <a:schemeClr val="tx1"/>
+            </a:fontRef>
+          </p:style>
+        </p:cxnSp>
+        <p:cxnSp>
+          <p:nvCxnSpPr>
+            <p:cNvPr id="10" name="直接箭头连接符 9">
+              <a:extLst>
+                <a:ext uri="{FF2B5EF4-FFF2-40B4-BE49-F238E27FC236}">
+                  <a16:creationId xmlns:a16="http://schemas.microsoft.com/office/drawing/2014/main" id="{5C683484-EC99-49CE-9E47-96FA0D14F29D}"/>
+                </a:ext>
+              </a:extLst>
+            </p:cNvPr>
+            <p:cNvCxnSpPr/>
+            <p:nvPr/>
+          </p:nvCxnSpPr>
+          <p:spPr>
+            <a:xfrm flipH="1">
+              <a:off x="2543503" y="2007476"/>
+              <a:ext cx="3463159" cy="819807"/>
+            </a:xfrm>
+            <a:prstGeom prst="straightConnector1">
+              <a:avLst/>
+            </a:prstGeom>
+            <a:ln w="19050">
+              <a:solidFill>
+                <a:srgbClr val="002060"/>
+              </a:solidFill>
+              <a:tailEnd type="triangle"/>
+            </a:ln>
+          </p:spPr>
+          <p:style>
+            <a:lnRef idx="1">
+              <a:schemeClr val="accent1"/>
+            </a:lnRef>
+            <a:fillRef idx="0">
+              <a:schemeClr val="accent1"/>
+            </a:fillRef>
+            <a:effectRef idx="0">
+              <a:schemeClr val="accent1"/>
+            </a:effectRef>
+            <a:fontRef idx="minor">
+              <a:schemeClr val="tx1"/>
+            </a:fontRef>
+          </p:style>
+        </p:cxnSp>
+        <p:cxnSp>
+          <p:nvCxnSpPr>
+            <p:cNvPr id="12" name="直接箭头连接符 11">
+              <a:extLst>
+                <a:ext uri="{FF2B5EF4-FFF2-40B4-BE49-F238E27FC236}">
+                  <a16:creationId xmlns:a16="http://schemas.microsoft.com/office/drawing/2014/main" id="{1C747882-92A5-4AE1-9FED-F1CC746FBFCA}"/>
+                </a:ext>
+              </a:extLst>
+            </p:cNvPr>
+            <p:cNvCxnSpPr>
+              <a:cxnSpLocks/>
+              <a:stCxn id="2" idx="3"/>
+            </p:cNvCxnSpPr>
+            <p:nvPr/>
+          </p:nvCxnSpPr>
+          <p:spPr>
+            <a:xfrm>
+              <a:off x="2543503" y="3095296"/>
+              <a:ext cx="3463158" cy="319096"/>
+            </a:xfrm>
+            <a:prstGeom prst="straightConnector1">
+              <a:avLst/>
+            </a:prstGeom>
+            <a:ln w="19050">
+              <a:solidFill>
+                <a:srgbClr val="002060"/>
+              </a:solidFill>
+              <a:tailEnd type="triangle"/>
+            </a:ln>
+          </p:spPr>
+          <p:style>
+            <a:lnRef idx="1">
+              <a:schemeClr val="accent1"/>
+            </a:lnRef>
+            <a:fillRef idx="0">
+              <a:schemeClr val="accent1"/>
+            </a:fillRef>
+            <a:effectRef idx="0">
+              <a:schemeClr val="accent1"/>
+            </a:effectRef>
+            <a:fontRef idx="minor">
+              <a:schemeClr val="tx1"/>
+            </a:fontRef>
+          </p:style>
+        </p:cxnSp>
+        <p:sp>
+          <p:nvSpPr>
+            <p:cNvPr id="13" name="文本框 12">
+              <a:extLst>
+                <a:ext uri="{FF2B5EF4-FFF2-40B4-BE49-F238E27FC236}">
+                  <a16:creationId xmlns:a16="http://schemas.microsoft.com/office/drawing/2014/main" id="{F525298A-4F02-46B8-87EF-EBD077CBEF57}"/>
+                </a:ext>
+              </a:extLst>
+            </p:cNvPr>
+            <p:cNvSpPr txBox="1"/>
+            <p:nvPr/>
+          </p:nvSpPr>
+          <p:spPr>
+            <a:xfrm>
+              <a:off x="3418516" y="1554796"/>
+              <a:ext cx="646331" cy="369332"/>
+            </a:xfrm>
+            <a:prstGeom prst="rect">
+              <a:avLst/>
+            </a:prstGeom>
+            <a:noFill/>
+          </p:spPr>
+          <p:txBody>
+            <a:bodyPr wrap="none" rtlCol="0">
+              <a:spAutoFit/>
+            </a:bodyPr>
+            <a:lstStyle/>
+            <a:p>
+              <a:r>
+                <a:rPr lang="zh-CN" altLang="en-US" dirty="0"/>
+                <a:t>请求</a:t>
+              </a:r>
+            </a:p>
+          </p:txBody>
+        </p:sp>
+        <p:sp>
+          <p:nvSpPr>
+            <p:cNvPr id="15" name="文本框 14">
+              <a:extLst>
+                <a:ext uri="{FF2B5EF4-FFF2-40B4-BE49-F238E27FC236}">
+                  <a16:creationId xmlns:a16="http://schemas.microsoft.com/office/drawing/2014/main" id="{B3F78EE6-1738-4DF7-830C-EE7EA953580A}"/>
+                </a:ext>
+              </a:extLst>
+            </p:cNvPr>
+            <p:cNvSpPr txBox="1"/>
+            <p:nvPr/>
+          </p:nvSpPr>
+          <p:spPr>
+            <a:xfrm>
+              <a:off x="6096000" y="1509309"/>
+              <a:ext cx="1617751" cy="523220"/>
+            </a:xfrm>
+            <a:prstGeom prst="rect">
+              <a:avLst/>
+            </a:prstGeom>
+            <a:noFill/>
+          </p:spPr>
+          <p:txBody>
+            <a:bodyPr wrap="none" rtlCol="0">
+              <a:spAutoFit/>
+            </a:bodyPr>
+            <a:lstStyle/>
+            <a:p>
+              <a:r>
+                <a:rPr lang="zh-CN" altLang="en-US" sz="1400" dirty="0">
+                  <a:solidFill>
+                    <a:schemeClr val="bg1"/>
+                  </a:solidFill>
+                </a:rPr>
+                <a:t>生成</a:t>
+              </a:r>
+              <a:r>
+                <a:rPr lang="en-US" altLang="zh-CN" sz="1400" dirty="0">
+                  <a:solidFill>
+                    <a:schemeClr val="bg1"/>
+                  </a:solidFill>
+                </a:rPr>
+                <a:t>Session</a:t>
+              </a:r>
+            </a:p>
+            <a:p>
+              <a:r>
+                <a:rPr lang="en-US" altLang="zh-CN" sz="1400" dirty="0">
+                  <a:solidFill>
+                    <a:schemeClr val="bg1"/>
+                  </a:solidFill>
+                </a:rPr>
+                <a:t>JSESSIONID 12345</a:t>
+              </a:r>
+              <a:endParaRPr lang="zh-CN" altLang="en-US" sz="1400" dirty="0">
+                <a:solidFill>
+                  <a:schemeClr val="bg1"/>
+                </a:solidFill>
+              </a:endParaRPr>
+            </a:p>
+          </p:txBody>
+        </p:sp>
+        <p:sp>
+          <p:nvSpPr>
+            <p:cNvPr id="16" name="文本框 15">
+              <a:extLst>
+                <a:ext uri="{FF2B5EF4-FFF2-40B4-BE49-F238E27FC236}">
+                  <a16:creationId xmlns:a16="http://schemas.microsoft.com/office/drawing/2014/main" id="{7376D447-E5FA-4115-99D1-6538CCCFA907}"/>
+                </a:ext>
+              </a:extLst>
+            </p:cNvPr>
+            <p:cNvSpPr txBox="1"/>
+            <p:nvPr/>
+          </p:nvSpPr>
+          <p:spPr>
+            <a:xfrm rot="20808240">
+              <a:off x="3292038" y="2179504"/>
+              <a:ext cx="1545616" cy="307777"/>
+            </a:xfrm>
+            <a:prstGeom prst="rect">
+              <a:avLst/>
+            </a:prstGeom>
+            <a:noFill/>
+          </p:spPr>
+          <p:txBody>
+            <a:bodyPr wrap="none" rtlCol="0">
+              <a:spAutoFit/>
+            </a:bodyPr>
+            <a:lstStyle/>
+            <a:p>
+              <a:r>
+                <a:rPr lang="en-US" altLang="zh-CN" sz="1400" dirty="0"/>
+                <a:t>JSESSIONID</a:t>
+              </a:r>
+              <a:r>
+                <a:rPr lang="en-US" altLang="zh-CN" sz="1200" dirty="0"/>
+                <a:t> 12345</a:t>
+              </a:r>
+              <a:endParaRPr lang="zh-CN" altLang="en-US" sz="1200" dirty="0"/>
+            </a:p>
+          </p:txBody>
+        </p:sp>
+        <p:sp>
+          <p:nvSpPr>
+            <p:cNvPr id="17" name="文本框 16">
+              <a:extLst>
+                <a:ext uri="{FF2B5EF4-FFF2-40B4-BE49-F238E27FC236}">
+                  <a16:creationId xmlns:a16="http://schemas.microsoft.com/office/drawing/2014/main" id="{16EE1B2B-C29B-464E-A069-CD77EFEFD5DE}"/>
+                </a:ext>
+              </a:extLst>
+            </p:cNvPr>
+            <p:cNvSpPr txBox="1"/>
+            <p:nvPr/>
+          </p:nvSpPr>
+          <p:spPr>
+            <a:xfrm>
+              <a:off x="717752" y="2736849"/>
+              <a:ext cx="1617751" cy="307777"/>
+            </a:xfrm>
+            <a:prstGeom prst="rect">
+              <a:avLst/>
+            </a:prstGeom>
+            <a:noFill/>
+          </p:spPr>
+          <p:txBody>
+            <a:bodyPr wrap="none" rtlCol="0">
+              <a:spAutoFit/>
+            </a:bodyPr>
+            <a:lstStyle/>
+            <a:p>
+              <a:r>
+                <a:rPr lang="en-US" altLang="zh-CN" sz="1400" dirty="0">
+                  <a:solidFill>
+                    <a:schemeClr val="bg1"/>
+                  </a:solidFill>
+                </a:rPr>
+                <a:t>JSESSIONID</a:t>
+              </a:r>
+              <a:r>
+                <a:rPr lang="en-US" altLang="zh-CN" sz="1400" dirty="0"/>
+                <a:t> </a:t>
+              </a:r>
+              <a:r>
+                <a:rPr lang="en-US" altLang="zh-CN" sz="1400" dirty="0">
+                  <a:solidFill>
+                    <a:schemeClr val="bg1"/>
+                  </a:solidFill>
+                </a:rPr>
+                <a:t>12345</a:t>
+              </a:r>
+              <a:endParaRPr lang="zh-CN" altLang="en-US" sz="1400" dirty="0">
+                <a:solidFill>
+                  <a:schemeClr val="bg1"/>
+                </a:solidFill>
+              </a:endParaRPr>
+            </a:p>
+          </p:txBody>
+        </p:sp>
+        <p:sp>
+          <p:nvSpPr>
+            <p:cNvPr id="18" name="文本框 17">
+              <a:extLst>
+                <a:ext uri="{FF2B5EF4-FFF2-40B4-BE49-F238E27FC236}">
+                  <a16:creationId xmlns:a16="http://schemas.microsoft.com/office/drawing/2014/main" id="{438CE61F-F13E-4DDE-B5DE-C9A238579085}"/>
+                </a:ext>
+              </a:extLst>
+            </p:cNvPr>
+            <p:cNvSpPr txBox="1"/>
+            <p:nvPr/>
+          </p:nvSpPr>
+          <p:spPr>
+            <a:xfrm rot="263050">
+              <a:off x="3292038" y="3202593"/>
+              <a:ext cx="1545616" cy="307777"/>
+            </a:xfrm>
+            <a:prstGeom prst="rect">
+              <a:avLst/>
+            </a:prstGeom>
+            <a:noFill/>
+          </p:spPr>
+          <p:txBody>
+            <a:bodyPr wrap="none" rtlCol="0">
+              <a:spAutoFit/>
+            </a:bodyPr>
+            <a:lstStyle/>
+            <a:p>
+              <a:r>
+                <a:rPr lang="en-US" altLang="zh-CN" sz="1400" dirty="0"/>
+                <a:t>JSESSIONID</a:t>
+              </a:r>
+              <a:r>
+                <a:rPr lang="en-US" altLang="zh-CN" sz="1200" dirty="0"/>
+                <a:t> 12345</a:t>
+              </a:r>
+              <a:endParaRPr lang="zh-CN" altLang="en-US" sz="1200" dirty="0"/>
+            </a:p>
+          </p:txBody>
+        </p:sp>
+        <p:sp>
+          <p:nvSpPr>
+            <p:cNvPr id="19" name="文本框 18">
+              <a:extLst>
+                <a:ext uri="{FF2B5EF4-FFF2-40B4-BE49-F238E27FC236}">
+                  <a16:creationId xmlns:a16="http://schemas.microsoft.com/office/drawing/2014/main" id="{64DD0441-9A85-4064-9066-F0267F055E4D}"/>
+                </a:ext>
+              </a:extLst>
+            </p:cNvPr>
+            <p:cNvSpPr txBox="1"/>
+            <p:nvPr/>
+          </p:nvSpPr>
+          <p:spPr>
+            <a:xfrm>
+              <a:off x="6193026" y="3112943"/>
+              <a:ext cx="1617751" cy="523220"/>
+            </a:xfrm>
+            <a:prstGeom prst="rect">
+              <a:avLst/>
+            </a:prstGeom>
+            <a:noFill/>
+          </p:spPr>
+          <p:txBody>
+            <a:bodyPr wrap="none" rtlCol="0">
+              <a:spAutoFit/>
+            </a:bodyPr>
+            <a:lstStyle/>
+            <a:p>
+              <a:r>
+                <a:rPr lang="zh-CN" altLang="en-US" sz="1400" dirty="0">
+                  <a:solidFill>
+                    <a:schemeClr val="bg1"/>
+                  </a:solidFill>
+                </a:rPr>
+                <a:t>验证：</a:t>
+              </a:r>
+              <a:endParaRPr lang="en-US" altLang="zh-CN" sz="1400" dirty="0">
+                <a:solidFill>
+                  <a:schemeClr val="bg1"/>
+                </a:solidFill>
+              </a:endParaRPr>
+            </a:p>
+            <a:p>
+              <a:r>
+                <a:rPr lang="en-US" altLang="zh-CN" sz="1400" dirty="0">
+                  <a:solidFill>
+                    <a:schemeClr val="bg1"/>
+                  </a:solidFill>
+                </a:rPr>
+                <a:t>JSESSIONID 12345</a:t>
+              </a:r>
+              <a:endParaRPr lang="zh-CN" altLang="en-US" sz="1400" dirty="0">
+                <a:solidFill>
+                  <a:schemeClr val="bg1"/>
+                </a:solidFill>
+              </a:endParaRPr>
+            </a:p>
+          </p:txBody>
+        </p:sp>
+      </p:grpSp>
+    </p:spTree>
+    <p:extLst>
+      <p:ext uri="{BB962C8B-B14F-4D97-AF65-F5344CB8AC3E}">
+        <p14:creationId xmlns:p14="http://schemas.microsoft.com/office/powerpoint/2010/main" val="990578528"/>
+      </p:ext>
+    </p:extLst>
+  </p:cSld>
+  <p:clrMapOvr>
+    <a:masterClrMapping/>
+  </p:clrMapOvr>
+</p:sld>
+</file>
+
+<file path=ppt/slides/slide12.xml><?xml version="1.0" encoding="utf-8"?>
+<p:sld xmlns:a="http://schemas.openxmlformats.org/drawingml/2006/main" xmlns:r="http://schemas.openxmlformats.org/officeDocument/2006/relationships" xmlns:p="http://schemas.openxmlformats.org/presentationml/2006/main">
+  <p:cSld>
+    <p:bg>
+      <p:bgPr>
+        <a:solidFill>
+          <a:schemeClr val="bg1">
+            <a:lumMod val="95000"/>
+          </a:schemeClr>
+        </a:solidFill>
+        <a:effectLst/>
+      </p:bgPr>
+    </p:bg>
+    <p:spTree>
+      <p:nvGrpSpPr>
+        <p:cNvPr id="1" name=""/>
+        <p:cNvGrpSpPr/>
+        <p:nvPr/>
+      </p:nvGrpSpPr>
+      <p:grpSpPr>
+        <a:xfrm>
+          <a:off x="0" y="0"/>
+          <a:ext cx="0" cy="0"/>
+          <a:chOff x="0" y="0"/>
+          <a:chExt cx="0" cy="0"/>
+        </a:xfrm>
+      </p:grpSpPr>
+      <p:sp>
+        <p:nvSpPr>
+          <p:cNvPr id="4" name="文本框 3">
+            <a:extLst>
+              <a:ext uri="{FF2B5EF4-FFF2-40B4-BE49-F238E27FC236}">
+                <a16:creationId xmlns:a16="http://schemas.microsoft.com/office/drawing/2014/main" id="{2341CA69-234E-4AF6-8643-B3D1CD565294}"/>
+              </a:ext>
+            </a:extLst>
+          </p:cNvPr>
+          <p:cNvSpPr txBox="1"/>
+          <p:nvPr/>
+        </p:nvSpPr>
+        <p:spPr>
+          <a:xfrm>
+            <a:off x="0" y="0"/>
+            <a:ext cx="12192000" cy="369332"/>
+          </a:xfrm>
+          <a:prstGeom prst="rect">
+            <a:avLst/>
+          </a:prstGeom>
+          <a:solidFill>
+            <a:srgbClr val="002060"/>
+          </a:solidFill>
+        </p:spPr>
+        <p:txBody>
+          <a:bodyPr wrap="square" rtlCol="0">
+            <a:spAutoFit/>
+          </a:bodyPr>
+          <a:lstStyle>
+            <a:defPPr>
+              <a:defRPr lang="zh-CN"/>
+            </a:defPPr>
+            <a:lvl1pPr>
+              <a:defRPr b="1">
+                <a:solidFill>
+                  <a:schemeClr val="bg1"/>
+                </a:solidFill>
+              </a:defRPr>
+            </a:lvl1pPr>
+          </a:lstStyle>
+          <a:p>
+            <a:r>
+              <a:rPr lang="en-US" altLang="zh-CN" dirty="0"/>
+              <a:t>Java NIO — IO</a:t>
+            </a:r>
+            <a:r>
+              <a:rPr lang="zh-CN" altLang="en-US" dirty="0"/>
+              <a:t>与</a:t>
+            </a:r>
+            <a:r>
+              <a:rPr lang="en-US" altLang="zh-CN" dirty="0"/>
+              <a:t>NIO</a:t>
+            </a:r>
+            <a:r>
+              <a:rPr lang="zh-CN" altLang="en-US" dirty="0"/>
+              <a:t>的区别</a:t>
+            </a:r>
+          </a:p>
+        </p:txBody>
+      </p:sp>
+      <p:grpSp>
+        <p:nvGrpSpPr>
+          <p:cNvPr id="16" name="组合 15">
+            <a:extLst>
+              <a:ext uri="{FF2B5EF4-FFF2-40B4-BE49-F238E27FC236}">
+                <a16:creationId xmlns:a16="http://schemas.microsoft.com/office/drawing/2014/main" id="{E8EB841E-07BC-43CF-BB60-5B474D86F8DA}"/>
+              </a:ext>
+            </a:extLst>
+          </p:cNvPr>
+          <p:cNvGrpSpPr/>
+          <p:nvPr/>
+        </p:nvGrpSpPr>
+        <p:grpSpPr>
+          <a:xfrm>
+            <a:off x="1728952" y="610021"/>
+            <a:ext cx="8229599" cy="2249215"/>
+            <a:chOff x="1524000" y="914398"/>
+            <a:chExt cx="8229599" cy="2249215"/>
+          </a:xfrm>
+        </p:grpSpPr>
+        <p:sp>
+          <p:nvSpPr>
+            <p:cNvPr id="2" name="圆柱体 1">
+              <a:extLst>
+                <a:ext uri="{FF2B5EF4-FFF2-40B4-BE49-F238E27FC236}">
+                  <a16:creationId xmlns:a16="http://schemas.microsoft.com/office/drawing/2014/main" id="{64179E05-F9C9-435F-BD76-2AD934D0815D}"/>
+                </a:ext>
+              </a:extLst>
+            </p:cNvPr>
+            <p:cNvSpPr/>
+            <p:nvPr/>
+          </p:nvSpPr>
+          <p:spPr>
+            <a:xfrm>
+              <a:off x="8271640" y="914398"/>
+              <a:ext cx="1481959" cy="2249215"/>
+            </a:xfrm>
+            <a:prstGeom prst="can">
+              <a:avLst/>
+            </a:prstGeom>
+            <a:solidFill>
+              <a:srgbClr val="002060"/>
+            </a:solidFill>
+            <a:ln>
+              <a:solidFill>
+                <a:srgbClr val="002060"/>
+              </a:solidFill>
+            </a:ln>
+          </p:spPr>
+          <p:style>
+            <a:lnRef idx="2">
+              <a:schemeClr val="accent1">
+                <a:shade val="50000"/>
+              </a:schemeClr>
+            </a:lnRef>
+            <a:fillRef idx="1">
+              <a:schemeClr val="accent1"/>
+            </a:fillRef>
+            <a:effectRef idx="0">
+              <a:schemeClr val="accent1"/>
+            </a:effectRef>
+            <a:fontRef idx="minor">
+              <a:schemeClr val="lt1"/>
+            </a:fontRef>
+          </p:style>
+          <p:txBody>
+            <a:bodyPr rtlCol="0" anchor="ctr"/>
+            <a:lstStyle/>
+            <a:p>
+              <a:pPr algn="ctr"/>
+              <a:r>
+                <a:rPr lang="zh-CN" altLang="en-US" sz="1600" dirty="0"/>
+                <a:t>文件</a:t>
+              </a:r>
+              <a:endParaRPr lang="en-US" altLang="zh-CN" sz="1600" dirty="0"/>
+            </a:p>
+            <a:p>
+              <a:pPr algn="ctr"/>
+              <a:r>
+                <a:rPr lang="zh-CN" altLang="en-US" sz="1600" dirty="0"/>
+                <a:t>磁盘</a:t>
+              </a:r>
+              <a:endParaRPr lang="en-US" altLang="zh-CN" sz="1600" dirty="0"/>
+            </a:p>
+            <a:p>
+              <a:pPr algn="ctr"/>
+              <a:r>
+                <a:rPr lang="zh-CN" altLang="en-US" sz="1600" dirty="0"/>
+                <a:t>网络</a:t>
+              </a:r>
+              <a:endParaRPr lang="en-US" altLang="zh-CN" sz="1600" dirty="0"/>
+            </a:p>
+            <a:p>
+              <a:pPr algn="ctr"/>
+              <a:r>
+                <a:rPr lang="zh-CN" altLang="en-US" sz="1600" dirty="0"/>
+                <a:t>云</a:t>
+              </a:r>
+              <a:endParaRPr lang="en-US" altLang="zh-CN" sz="1600" dirty="0"/>
+            </a:p>
+            <a:p>
+              <a:pPr algn="ctr"/>
+              <a:r>
+                <a:rPr lang="en-US" altLang="zh-CN" sz="1600" dirty="0"/>
+                <a:t>…</a:t>
+              </a:r>
+            </a:p>
+          </p:txBody>
+        </p:sp>
+        <p:sp>
+          <p:nvSpPr>
+            <p:cNvPr id="3" name="矩形: 圆角 2">
+              <a:extLst>
+                <a:ext uri="{FF2B5EF4-FFF2-40B4-BE49-F238E27FC236}">
+                  <a16:creationId xmlns:a16="http://schemas.microsoft.com/office/drawing/2014/main" id="{003B7C62-D42A-4BBF-A3E4-7D732BBFA093}"/>
+                </a:ext>
+              </a:extLst>
+            </p:cNvPr>
+            <p:cNvSpPr/>
+            <p:nvPr/>
+          </p:nvSpPr>
+          <p:spPr>
+            <a:xfrm>
+              <a:off x="1524000" y="914398"/>
+              <a:ext cx="1408385" cy="2249214"/>
+            </a:xfrm>
+            <a:prstGeom prst="roundRect">
+              <a:avLst/>
+            </a:prstGeom>
+            <a:solidFill>
+              <a:srgbClr val="7030A0"/>
+            </a:solidFill>
+          </p:spPr>
+          <p:style>
+            <a:lnRef idx="2">
+              <a:schemeClr val="accent1">
+                <a:shade val="50000"/>
+              </a:schemeClr>
+            </a:lnRef>
+            <a:fillRef idx="1">
+              <a:schemeClr val="accent1"/>
+            </a:fillRef>
+            <a:effectRef idx="0">
+              <a:schemeClr val="accent1"/>
+            </a:effectRef>
+            <a:fontRef idx="minor">
+              <a:schemeClr val="lt1"/>
+            </a:fontRef>
+          </p:style>
+          <p:txBody>
+            <a:bodyPr rtlCol="0" anchor="ctr"/>
+            <a:lstStyle/>
+            <a:p>
+              <a:pPr algn="ctr"/>
+              <a:r>
+                <a:rPr lang="en-US" altLang="zh-CN" dirty="0"/>
+                <a:t>Java</a:t>
+              </a:r>
+            </a:p>
+            <a:p>
+              <a:pPr algn="ctr"/>
+              <a:r>
+                <a:rPr lang="zh-CN" altLang="en-US" dirty="0"/>
+                <a:t>程序</a:t>
+              </a:r>
+              <a:endParaRPr lang="en-US" altLang="zh-CN" dirty="0"/>
+            </a:p>
+            <a:p>
+              <a:pPr algn="ctr"/>
+              <a:r>
+                <a:rPr lang="en-US" altLang="zh-CN" dirty="0"/>
+                <a:t>IO</a:t>
+              </a:r>
+              <a:endParaRPr lang="zh-CN" altLang="en-US" dirty="0"/>
+            </a:p>
+          </p:txBody>
+        </p:sp>
+        <p:sp>
+          <p:nvSpPr>
+            <p:cNvPr id="5" name="矩形 4">
+              <a:extLst>
+                <a:ext uri="{FF2B5EF4-FFF2-40B4-BE49-F238E27FC236}">
+                  <a16:creationId xmlns:a16="http://schemas.microsoft.com/office/drawing/2014/main" id="{41ED842E-1616-4EC1-B283-1FA6980B1632}"/>
+                </a:ext>
+              </a:extLst>
+            </p:cNvPr>
+            <p:cNvSpPr/>
+            <p:nvPr/>
+          </p:nvSpPr>
+          <p:spPr>
+            <a:xfrm>
+              <a:off x="2932385" y="1460936"/>
+              <a:ext cx="5339255" cy="1156138"/>
+            </a:xfrm>
+            <a:prstGeom prst="rect">
+              <a:avLst/>
+            </a:prstGeom>
+            <a:solidFill>
+              <a:schemeClr val="accent5">
+                <a:lumMod val="20000"/>
+                <a:lumOff val="80000"/>
+              </a:schemeClr>
+            </a:solidFill>
+          </p:spPr>
+          <p:style>
+            <a:lnRef idx="2">
+              <a:schemeClr val="accent1">
+                <a:shade val="50000"/>
+              </a:schemeClr>
+            </a:lnRef>
+            <a:fillRef idx="1">
+              <a:schemeClr val="accent1"/>
+            </a:fillRef>
+            <a:effectRef idx="0">
+              <a:schemeClr val="accent1"/>
+            </a:effectRef>
+            <a:fontRef idx="minor">
+              <a:schemeClr val="lt1"/>
+            </a:fontRef>
+          </p:style>
+          <p:txBody>
+            <a:bodyPr rtlCol="0" anchor="ctr"/>
+            <a:lstStyle/>
+            <a:p>
+              <a:pPr algn="ctr"/>
+              <a:endParaRPr lang="zh-CN" altLang="en-US" dirty="0"/>
+            </a:p>
+          </p:txBody>
+        </p:sp>
+        <p:sp>
+          <p:nvSpPr>
+            <p:cNvPr id="6" name="文本框 5">
+              <a:extLst>
+                <a:ext uri="{FF2B5EF4-FFF2-40B4-BE49-F238E27FC236}">
+                  <a16:creationId xmlns:a16="http://schemas.microsoft.com/office/drawing/2014/main" id="{599E6603-EF60-4A94-B2DA-43E2B56D12EC}"/>
+                </a:ext>
+              </a:extLst>
+            </p:cNvPr>
+            <p:cNvSpPr txBox="1"/>
+            <p:nvPr/>
+          </p:nvSpPr>
+          <p:spPr>
+            <a:xfrm>
+              <a:off x="4349104" y="1116041"/>
+              <a:ext cx="2505814" cy="307777"/>
+            </a:xfrm>
+            <a:prstGeom prst="rect">
+              <a:avLst/>
+            </a:prstGeom>
+            <a:noFill/>
+          </p:spPr>
+          <p:txBody>
+            <a:bodyPr wrap="none" rtlCol="0">
+              <a:spAutoFit/>
+            </a:bodyPr>
+            <a:lstStyle/>
+            <a:p>
+              <a:r>
+                <a:rPr lang="zh-CN" altLang="en-US" sz="1400" dirty="0"/>
+                <a:t>数据通道：</a:t>
+              </a:r>
+              <a:r>
+                <a:rPr lang="en-US" altLang="zh-CN" sz="1400" dirty="0"/>
+                <a:t>Stream</a:t>
+              </a:r>
+              <a:r>
+                <a:rPr lang="zh-CN" altLang="en-US" sz="1400" dirty="0"/>
+                <a:t>流单向传递</a:t>
+              </a:r>
+            </a:p>
+          </p:txBody>
+        </p:sp>
+        <p:cxnSp>
+          <p:nvCxnSpPr>
+            <p:cNvPr id="8" name="直接箭头连接符 7">
+              <a:extLst>
+                <a:ext uri="{FF2B5EF4-FFF2-40B4-BE49-F238E27FC236}">
+                  <a16:creationId xmlns:a16="http://schemas.microsoft.com/office/drawing/2014/main" id="{1BD3B82B-100F-44A4-88FF-EF3BF27DB60E}"/>
+                </a:ext>
+              </a:extLst>
+            </p:cNvPr>
+            <p:cNvCxnSpPr/>
+            <p:nvPr/>
+          </p:nvCxnSpPr>
+          <p:spPr>
+            <a:xfrm>
+              <a:off x="2932385" y="1897539"/>
+              <a:ext cx="5339255" cy="0"/>
+            </a:xfrm>
+            <a:prstGeom prst="straightConnector1">
+              <a:avLst/>
+            </a:prstGeom>
+            <a:ln w="28575">
+              <a:solidFill>
+                <a:srgbClr val="C00000"/>
+              </a:solidFill>
+              <a:tailEnd type="triangle"/>
+            </a:ln>
+          </p:spPr>
+          <p:style>
+            <a:lnRef idx="1">
+              <a:schemeClr val="accent1"/>
+            </a:lnRef>
+            <a:fillRef idx="0">
+              <a:schemeClr val="accent1"/>
+            </a:fillRef>
+            <a:effectRef idx="0">
+              <a:schemeClr val="accent1"/>
+            </a:effectRef>
+            <a:fontRef idx="minor">
+              <a:schemeClr val="tx1"/>
+            </a:fontRef>
+          </p:style>
+        </p:cxnSp>
+        <p:cxnSp>
+          <p:nvCxnSpPr>
+            <p:cNvPr id="9" name="直接箭头连接符 8">
+              <a:extLst>
+                <a:ext uri="{FF2B5EF4-FFF2-40B4-BE49-F238E27FC236}">
+                  <a16:creationId xmlns:a16="http://schemas.microsoft.com/office/drawing/2014/main" id="{6B0DEB16-63DF-4DDF-8AA2-C434AF3F9C04}"/>
+                </a:ext>
+              </a:extLst>
+            </p:cNvPr>
+            <p:cNvCxnSpPr>
+              <a:cxnSpLocks/>
+            </p:cNvCxnSpPr>
+            <p:nvPr/>
+          </p:nvCxnSpPr>
+          <p:spPr>
+            <a:xfrm flipH="1">
+              <a:off x="2932386" y="2217373"/>
+              <a:ext cx="5339254" cy="0"/>
+            </a:xfrm>
+            <a:prstGeom prst="straightConnector1">
+              <a:avLst/>
+            </a:prstGeom>
+            <a:ln w="28575">
+              <a:solidFill>
+                <a:srgbClr val="C00000"/>
+              </a:solidFill>
+              <a:tailEnd type="triangle"/>
+            </a:ln>
+          </p:spPr>
+          <p:style>
+            <a:lnRef idx="1">
+              <a:schemeClr val="accent1"/>
+            </a:lnRef>
+            <a:fillRef idx="0">
+              <a:schemeClr val="accent1"/>
+            </a:fillRef>
+            <a:effectRef idx="0">
+              <a:schemeClr val="accent1"/>
+            </a:effectRef>
+            <a:fontRef idx="minor">
+              <a:schemeClr val="tx1"/>
+            </a:fontRef>
+          </p:style>
+        </p:cxnSp>
+        <p:sp>
+          <p:nvSpPr>
+            <p:cNvPr id="14" name="文本框 13">
+              <a:extLst>
+                <a:ext uri="{FF2B5EF4-FFF2-40B4-BE49-F238E27FC236}">
+                  <a16:creationId xmlns:a16="http://schemas.microsoft.com/office/drawing/2014/main" id="{B30F35A3-EF93-4B90-90EB-CAF34C2A7B78}"/>
+                </a:ext>
+              </a:extLst>
+            </p:cNvPr>
+            <p:cNvSpPr txBox="1"/>
+            <p:nvPr/>
+          </p:nvSpPr>
+          <p:spPr>
+            <a:xfrm>
+              <a:off x="5307700" y="1589763"/>
+              <a:ext cx="588623" cy="307777"/>
+            </a:xfrm>
+            <a:prstGeom prst="rect">
+              <a:avLst/>
+            </a:prstGeom>
+            <a:noFill/>
+          </p:spPr>
+          <p:txBody>
+            <a:bodyPr wrap="none" rtlCol="0">
+              <a:spAutoFit/>
+            </a:bodyPr>
+            <a:lstStyle/>
+            <a:p>
+              <a:r>
+                <a:rPr lang="en-US" altLang="zh-CN" sz="1400" dirty="0"/>
+                <a:t>Input</a:t>
+              </a:r>
+              <a:endParaRPr lang="zh-CN" altLang="en-US" sz="1400" dirty="0"/>
+            </a:p>
+          </p:txBody>
+        </p:sp>
+        <p:sp>
+          <p:nvSpPr>
+            <p:cNvPr id="15" name="文本框 14">
+              <a:extLst>
+                <a:ext uri="{FF2B5EF4-FFF2-40B4-BE49-F238E27FC236}">
+                  <a16:creationId xmlns:a16="http://schemas.microsoft.com/office/drawing/2014/main" id="{9EB64F38-CE85-490C-B42E-BCA4FC68D765}"/>
+                </a:ext>
+              </a:extLst>
+            </p:cNvPr>
+            <p:cNvSpPr txBox="1"/>
+            <p:nvPr/>
+          </p:nvSpPr>
+          <p:spPr>
+            <a:xfrm>
+              <a:off x="5233161" y="2205316"/>
+              <a:ext cx="737702" cy="307777"/>
+            </a:xfrm>
+            <a:prstGeom prst="rect">
+              <a:avLst/>
+            </a:prstGeom>
+            <a:noFill/>
+          </p:spPr>
+          <p:txBody>
+            <a:bodyPr wrap="square" rtlCol="0">
+              <a:spAutoFit/>
+            </a:bodyPr>
+            <a:lstStyle/>
+            <a:p>
+              <a:r>
+                <a:rPr lang="en-US" altLang="zh-CN" sz="1400" dirty="0"/>
+                <a:t>Output</a:t>
+              </a:r>
+              <a:endParaRPr lang="zh-CN" altLang="en-US" sz="1400" dirty="0"/>
+            </a:p>
+          </p:txBody>
+        </p:sp>
+      </p:grpSp>
+      <p:grpSp>
+        <p:nvGrpSpPr>
+          <p:cNvPr id="56" name="组合 55">
+            <a:extLst>
+              <a:ext uri="{FF2B5EF4-FFF2-40B4-BE49-F238E27FC236}">
+                <a16:creationId xmlns:a16="http://schemas.microsoft.com/office/drawing/2014/main" id="{3A3F19E3-B80B-4D94-BDD1-734C35B9450A}"/>
+              </a:ext>
+            </a:extLst>
+          </p:cNvPr>
+          <p:cNvGrpSpPr/>
+          <p:nvPr/>
+        </p:nvGrpSpPr>
+        <p:grpSpPr>
+          <a:xfrm>
+            <a:off x="1728952" y="3179068"/>
+            <a:ext cx="8229599" cy="3279228"/>
+            <a:chOff x="1728952" y="3179068"/>
+            <a:chExt cx="8229599" cy="3279228"/>
+          </a:xfrm>
+        </p:grpSpPr>
+        <p:grpSp>
+          <p:nvGrpSpPr>
+            <p:cNvPr id="17" name="组合 16">
+              <a:extLst>
+                <a:ext uri="{FF2B5EF4-FFF2-40B4-BE49-F238E27FC236}">
+                  <a16:creationId xmlns:a16="http://schemas.microsoft.com/office/drawing/2014/main" id="{2ABB8609-D14E-4E1D-9740-11E4829F7955}"/>
+                </a:ext>
+              </a:extLst>
+            </p:cNvPr>
+            <p:cNvGrpSpPr/>
+            <p:nvPr/>
+          </p:nvGrpSpPr>
+          <p:grpSpPr>
+            <a:xfrm>
+              <a:off x="1728952" y="3179068"/>
+              <a:ext cx="8229599" cy="2249215"/>
+              <a:chOff x="1524000" y="914398"/>
+              <a:chExt cx="8229599" cy="2249215"/>
+            </a:xfrm>
+          </p:grpSpPr>
+          <p:sp>
+            <p:nvSpPr>
+              <p:cNvPr id="18" name="圆柱体 17">
+                <a:extLst>
+                  <a:ext uri="{FF2B5EF4-FFF2-40B4-BE49-F238E27FC236}">
+                    <a16:creationId xmlns:a16="http://schemas.microsoft.com/office/drawing/2014/main" id="{5FF78FB0-8327-4204-9EFD-B7F7E84D37AC}"/>
+                  </a:ext>
+                </a:extLst>
+              </p:cNvPr>
+              <p:cNvSpPr/>
+              <p:nvPr/>
+            </p:nvSpPr>
+            <p:spPr>
+              <a:xfrm>
+                <a:off x="8271640" y="914398"/>
+                <a:ext cx="1481959" cy="2249215"/>
+              </a:xfrm>
+              <a:prstGeom prst="can">
+                <a:avLst/>
+              </a:prstGeom>
+              <a:solidFill>
+                <a:srgbClr val="002060"/>
+              </a:solidFill>
+              <a:ln>
+                <a:solidFill>
+                  <a:srgbClr val="002060"/>
+                </a:solidFill>
+              </a:ln>
+            </p:spPr>
+            <p:style>
+              <a:lnRef idx="2">
+                <a:schemeClr val="accent1">
+                  <a:shade val="50000"/>
+                </a:schemeClr>
+              </a:lnRef>
+              <a:fillRef idx="1">
+                <a:schemeClr val="accent1"/>
+              </a:fillRef>
+              <a:effectRef idx="0">
+                <a:schemeClr val="accent1"/>
+              </a:effectRef>
+              <a:fontRef idx="minor">
+                <a:schemeClr val="lt1"/>
+              </a:fontRef>
+            </p:style>
+            <p:txBody>
+              <a:bodyPr rtlCol="0" anchor="ctr"/>
+              <a:lstStyle/>
+              <a:p>
+                <a:pPr algn="ctr"/>
+                <a:r>
+                  <a:rPr lang="zh-CN" altLang="en-US" sz="1600" dirty="0"/>
+                  <a:t>文件</a:t>
+                </a:r>
+                <a:endParaRPr lang="en-US" altLang="zh-CN" sz="1600" dirty="0"/>
+              </a:p>
+              <a:p>
+                <a:pPr algn="ctr"/>
+                <a:r>
+                  <a:rPr lang="zh-CN" altLang="en-US" sz="1600" dirty="0"/>
+                  <a:t>磁盘</a:t>
+                </a:r>
+                <a:endParaRPr lang="en-US" altLang="zh-CN" sz="1600" dirty="0"/>
+              </a:p>
+              <a:p>
+                <a:pPr algn="ctr"/>
+                <a:r>
+                  <a:rPr lang="zh-CN" altLang="en-US" sz="1600" dirty="0"/>
+                  <a:t>网络</a:t>
+                </a:r>
+                <a:endParaRPr lang="en-US" altLang="zh-CN" sz="1600" dirty="0"/>
+              </a:p>
+              <a:p>
+                <a:pPr algn="ctr"/>
+                <a:r>
+                  <a:rPr lang="zh-CN" altLang="en-US" sz="1600" dirty="0"/>
+                  <a:t>云</a:t>
+                </a:r>
+                <a:endParaRPr lang="en-US" altLang="zh-CN" sz="1600" dirty="0"/>
+              </a:p>
+              <a:p>
+                <a:pPr algn="ctr"/>
+                <a:r>
+                  <a:rPr lang="en-US" altLang="zh-CN" sz="1600" dirty="0"/>
+                  <a:t>…</a:t>
+                </a:r>
+              </a:p>
+            </p:txBody>
+          </p:sp>
+          <p:sp>
+            <p:nvSpPr>
+              <p:cNvPr id="19" name="矩形: 圆角 18">
+                <a:extLst>
+                  <a:ext uri="{FF2B5EF4-FFF2-40B4-BE49-F238E27FC236}">
+                    <a16:creationId xmlns:a16="http://schemas.microsoft.com/office/drawing/2014/main" id="{E2DAF25B-26DF-4E29-B71B-1DFE6DE58CA1}"/>
+                  </a:ext>
+                </a:extLst>
+              </p:cNvPr>
+              <p:cNvSpPr/>
+              <p:nvPr/>
+            </p:nvSpPr>
+            <p:spPr>
+              <a:xfrm>
+                <a:off x="1524000" y="914398"/>
+                <a:ext cx="1408385" cy="2249214"/>
+              </a:xfrm>
+              <a:prstGeom prst="roundRect">
+                <a:avLst/>
+              </a:prstGeom>
+              <a:solidFill>
+                <a:srgbClr val="7030A0"/>
+              </a:solidFill>
+            </p:spPr>
+            <p:style>
+              <a:lnRef idx="2">
+                <a:schemeClr val="accent1">
+                  <a:shade val="50000"/>
+                </a:schemeClr>
+              </a:lnRef>
+              <a:fillRef idx="1">
+                <a:schemeClr val="accent1"/>
+              </a:fillRef>
+              <a:effectRef idx="0">
+                <a:schemeClr val="accent1"/>
+              </a:effectRef>
+              <a:fontRef idx="minor">
+                <a:schemeClr val="lt1"/>
+              </a:fontRef>
+            </p:style>
+            <p:txBody>
+              <a:bodyPr rtlCol="0" anchor="ctr"/>
+              <a:lstStyle/>
+              <a:p>
+                <a:pPr algn="ctr"/>
+                <a:r>
+                  <a:rPr lang="en-US" altLang="zh-CN" dirty="0"/>
+                  <a:t>Java</a:t>
+                </a:r>
+              </a:p>
+              <a:p>
+                <a:pPr algn="ctr"/>
+                <a:r>
+                  <a:rPr lang="zh-CN" altLang="en-US" dirty="0"/>
+                  <a:t>程序</a:t>
+                </a:r>
+                <a:endParaRPr lang="en-US" altLang="zh-CN" dirty="0"/>
+              </a:p>
+              <a:p>
+                <a:pPr algn="ctr"/>
+                <a:r>
+                  <a:rPr lang="en-US" altLang="zh-CN" dirty="0"/>
+                  <a:t>NIO</a:t>
+                </a:r>
+                <a:endParaRPr lang="zh-CN" altLang="en-US" dirty="0"/>
+              </a:p>
+            </p:txBody>
+          </p:sp>
+          <p:sp>
+            <p:nvSpPr>
+              <p:cNvPr id="20" name="矩形 19">
+                <a:extLst>
+                  <a:ext uri="{FF2B5EF4-FFF2-40B4-BE49-F238E27FC236}">
+                    <a16:creationId xmlns:a16="http://schemas.microsoft.com/office/drawing/2014/main" id="{497A462A-B31C-4274-9DF2-59F85445E6CC}"/>
+                  </a:ext>
+                </a:extLst>
+              </p:cNvPr>
+              <p:cNvSpPr/>
+              <p:nvPr/>
+            </p:nvSpPr>
+            <p:spPr>
+              <a:xfrm>
+                <a:off x="2932385" y="1460936"/>
+                <a:ext cx="5339255" cy="1156138"/>
+              </a:xfrm>
+              <a:prstGeom prst="rect">
+                <a:avLst/>
+              </a:prstGeom>
+              <a:solidFill>
+                <a:schemeClr val="accent5">
+                  <a:lumMod val="20000"/>
+                  <a:lumOff val="80000"/>
+                </a:schemeClr>
+              </a:solidFill>
+            </p:spPr>
+            <p:style>
+              <a:lnRef idx="2">
+                <a:schemeClr val="accent1">
+                  <a:shade val="50000"/>
+                </a:schemeClr>
+              </a:lnRef>
+              <a:fillRef idx="1">
+                <a:schemeClr val="accent1"/>
+              </a:fillRef>
+              <a:effectRef idx="0">
+                <a:schemeClr val="accent1"/>
+              </a:effectRef>
+              <a:fontRef idx="minor">
+                <a:schemeClr val="lt1"/>
+              </a:fontRef>
+            </p:style>
+            <p:txBody>
+              <a:bodyPr rtlCol="0" anchor="ctr"/>
+              <a:lstStyle/>
+              <a:p>
+                <a:pPr algn="ctr"/>
+                <a:endParaRPr lang="zh-CN" altLang="en-US" dirty="0"/>
+              </a:p>
+            </p:txBody>
+          </p:sp>
+          <p:sp>
+            <p:nvSpPr>
+              <p:cNvPr id="21" name="文本框 20">
+                <a:extLst>
+                  <a:ext uri="{FF2B5EF4-FFF2-40B4-BE49-F238E27FC236}">
+                    <a16:creationId xmlns:a16="http://schemas.microsoft.com/office/drawing/2014/main" id="{D0248BAE-B987-45BE-B7C9-4262EAB46645}"/>
+                  </a:ext>
+                </a:extLst>
+              </p:cNvPr>
+              <p:cNvSpPr txBox="1"/>
+              <p:nvPr/>
+            </p:nvSpPr>
+            <p:spPr>
+              <a:xfrm>
+                <a:off x="3166890" y="1128098"/>
+                <a:ext cx="4870244" cy="307777"/>
+              </a:xfrm>
+              <a:prstGeom prst="rect">
+                <a:avLst/>
+              </a:prstGeom>
+              <a:noFill/>
+            </p:spPr>
+            <p:txBody>
+              <a:bodyPr wrap="none" rtlCol="0">
+                <a:spAutoFit/>
+              </a:bodyPr>
+              <a:lstStyle/>
+              <a:p>
+                <a:r>
+                  <a:rPr lang="en-US" altLang="zh-CN" sz="1400" dirty="0"/>
+                  <a:t>NIO Channel</a:t>
+                </a:r>
+                <a:r>
+                  <a:rPr lang="zh-CN" altLang="en-US" sz="1400" dirty="0"/>
+                  <a:t>：</a:t>
+                </a:r>
+                <a:r>
+                  <a:rPr lang="en-US" altLang="zh-CN" sz="1400" dirty="0"/>
+                  <a:t>Buffer</a:t>
+                </a:r>
+                <a:r>
+                  <a:rPr lang="zh-CN" altLang="en-US" sz="1400" dirty="0"/>
+                  <a:t>（数据缓冲区）在其中双向传递是数据</a:t>
+                </a:r>
+              </a:p>
+            </p:txBody>
+          </p:sp>
+        </p:grpSp>
+        <p:grpSp>
+          <p:nvGrpSpPr>
+            <p:cNvPr id="29" name="组合 28">
+              <a:extLst>
+                <a:ext uri="{FF2B5EF4-FFF2-40B4-BE49-F238E27FC236}">
+                  <a16:creationId xmlns:a16="http://schemas.microsoft.com/office/drawing/2014/main" id="{30283FCB-EC05-4BA9-BE6D-ED2937603B07}"/>
+                </a:ext>
+              </a:extLst>
+            </p:cNvPr>
+            <p:cNvGrpSpPr/>
+            <p:nvPr/>
+          </p:nvGrpSpPr>
+          <p:grpSpPr>
+            <a:xfrm>
+              <a:off x="5022154" y="4061937"/>
+              <a:ext cx="1324308" cy="483476"/>
+              <a:chOff x="4850498" y="4529331"/>
+              <a:chExt cx="1324308" cy="483476"/>
+            </a:xfrm>
+          </p:grpSpPr>
+          <p:sp>
+            <p:nvSpPr>
+              <p:cNvPr id="26" name="矩形 25">
+                <a:extLst>
+                  <a:ext uri="{FF2B5EF4-FFF2-40B4-BE49-F238E27FC236}">
+                    <a16:creationId xmlns:a16="http://schemas.microsoft.com/office/drawing/2014/main" id="{911F0B97-E472-49DD-970D-8C22B52DF537}"/>
+                  </a:ext>
+                </a:extLst>
+              </p:cNvPr>
+              <p:cNvSpPr/>
+              <p:nvPr/>
+            </p:nvSpPr>
+            <p:spPr>
+              <a:xfrm>
+                <a:off x="5050195" y="4529331"/>
+                <a:ext cx="924914" cy="483476"/>
+              </a:xfrm>
+              <a:prstGeom prst="rect">
+                <a:avLst/>
+              </a:prstGeom>
+              <a:solidFill>
+                <a:srgbClr val="00B050"/>
+              </a:solidFill>
+              <a:ln>
+                <a:solidFill>
+                  <a:srgbClr val="00B050"/>
+                </a:solidFill>
+              </a:ln>
+            </p:spPr>
+            <p:style>
+              <a:lnRef idx="2">
+                <a:schemeClr val="accent1">
+                  <a:shade val="50000"/>
+                </a:schemeClr>
+              </a:lnRef>
+              <a:fillRef idx="1">
+                <a:schemeClr val="accent1"/>
+              </a:fillRef>
+              <a:effectRef idx="0">
+                <a:schemeClr val="accent1"/>
+              </a:effectRef>
+              <a:fontRef idx="minor">
+                <a:schemeClr val="lt1"/>
+              </a:fontRef>
+            </p:style>
+            <p:txBody>
+              <a:bodyPr rtlCol="0" anchor="ctr"/>
+              <a:lstStyle/>
+              <a:p>
+                <a:pPr algn="ctr"/>
+                <a:r>
+                  <a:rPr lang="en-US" altLang="zh-CN" dirty="0"/>
+                  <a:t>Buffer</a:t>
+                </a:r>
+                <a:endParaRPr lang="zh-CN" altLang="en-US" dirty="0"/>
+              </a:p>
+            </p:txBody>
+          </p:sp>
+          <p:sp>
+            <p:nvSpPr>
+              <p:cNvPr id="27" name="箭头: 虚尾 26">
+                <a:extLst>
+                  <a:ext uri="{FF2B5EF4-FFF2-40B4-BE49-F238E27FC236}">
+                    <a16:creationId xmlns:a16="http://schemas.microsoft.com/office/drawing/2014/main" id="{7F5FC026-875A-4EC8-916E-ED5AC65A55EA}"/>
+                  </a:ext>
+                </a:extLst>
+              </p:cNvPr>
+              <p:cNvSpPr/>
+              <p:nvPr/>
+            </p:nvSpPr>
+            <p:spPr>
+              <a:xfrm>
+                <a:off x="5975109" y="4632100"/>
+                <a:ext cx="199697" cy="277937"/>
+              </a:xfrm>
+              <a:prstGeom prst="stripedRightArrow">
+                <a:avLst/>
+              </a:prstGeom>
+              <a:solidFill>
+                <a:srgbClr val="00B050"/>
+              </a:solidFill>
+              <a:ln>
+                <a:solidFill>
+                  <a:srgbClr val="00B050"/>
+                </a:solidFill>
+              </a:ln>
+            </p:spPr>
+            <p:style>
+              <a:lnRef idx="2">
+                <a:schemeClr val="accent1">
+                  <a:shade val="50000"/>
+                </a:schemeClr>
+              </a:lnRef>
+              <a:fillRef idx="1">
+                <a:schemeClr val="accent1"/>
+              </a:fillRef>
+              <a:effectRef idx="0">
+                <a:schemeClr val="accent1"/>
+              </a:effectRef>
+              <a:fontRef idx="minor">
+                <a:schemeClr val="lt1"/>
+              </a:fontRef>
+            </p:style>
+            <p:txBody>
+              <a:bodyPr rtlCol="0" anchor="ctr"/>
+              <a:lstStyle/>
+              <a:p>
+                <a:pPr algn="ctr"/>
+                <a:endParaRPr lang="zh-CN" altLang="en-US"/>
+              </a:p>
+            </p:txBody>
+          </p:sp>
+          <p:sp>
+            <p:nvSpPr>
+              <p:cNvPr id="28" name="箭头: 虚尾 27">
+                <a:extLst>
+                  <a:ext uri="{FF2B5EF4-FFF2-40B4-BE49-F238E27FC236}">
+                    <a16:creationId xmlns:a16="http://schemas.microsoft.com/office/drawing/2014/main" id="{166DA1E4-EDD4-4E04-8D3B-060CD6613632}"/>
+                  </a:ext>
+                </a:extLst>
+              </p:cNvPr>
+              <p:cNvSpPr/>
+              <p:nvPr/>
+            </p:nvSpPr>
+            <p:spPr>
+              <a:xfrm rot="10800000">
+                <a:off x="4850498" y="4632099"/>
+                <a:ext cx="199697" cy="277937"/>
+              </a:xfrm>
+              <a:prstGeom prst="stripedRightArrow">
+                <a:avLst/>
+              </a:prstGeom>
+              <a:solidFill>
+                <a:srgbClr val="00B050"/>
+              </a:solidFill>
+              <a:ln>
+                <a:solidFill>
+                  <a:srgbClr val="00B050"/>
+                </a:solidFill>
+              </a:ln>
+            </p:spPr>
+            <p:style>
+              <a:lnRef idx="2">
+                <a:schemeClr val="accent1">
+                  <a:shade val="50000"/>
+                </a:schemeClr>
+              </a:lnRef>
+              <a:fillRef idx="1">
+                <a:schemeClr val="accent1"/>
+              </a:fillRef>
+              <a:effectRef idx="0">
+                <a:schemeClr val="accent1"/>
+              </a:effectRef>
+              <a:fontRef idx="minor">
+                <a:schemeClr val="lt1"/>
+              </a:fontRef>
+            </p:style>
+            <p:txBody>
+              <a:bodyPr rtlCol="0" anchor="ctr"/>
+              <a:lstStyle/>
+              <a:p>
+                <a:pPr algn="ctr"/>
+                <a:endParaRPr lang="zh-CN" altLang="en-US"/>
+              </a:p>
+            </p:txBody>
+          </p:sp>
+        </p:grpSp>
+        <p:grpSp>
+          <p:nvGrpSpPr>
+            <p:cNvPr id="33" name="组合 32">
+              <a:extLst>
+                <a:ext uri="{FF2B5EF4-FFF2-40B4-BE49-F238E27FC236}">
+                  <a16:creationId xmlns:a16="http://schemas.microsoft.com/office/drawing/2014/main" id="{7093234F-5726-4033-8B04-47A0E012234B}"/>
+                </a:ext>
+              </a:extLst>
+            </p:cNvPr>
+            <p:cNvGrpSpPr/>
+            <p:nvPr/>
+          </p:nvGrpSpPr>
+          <p:grpSpPr>
+            <a:xfrm>
+              <a:off x="2709688" y="5974820"/>
+              <a:ext cx="1324308" cy="483476"/>
+              <a:chOff x="4850498" y="4529331"/>
+              <a:chExt cx="1324308" cy="483476"/>
+            </a:xfrm>
+          </p:grpSpPr>
+          <p:sp>
+            <p:nvSpPr>
+              <p:cNvPr id="34" name="矩形 33">
+                <a:extLst>
+                  <a:ext uri="{FF2B5EF4-FFF2-40B4-BE49-F238E27FC236}">
+                    <a16:creationId xmlns:a16="http://schemas.microsoft.com/office/drawing/2014/main" id="{237D1084-45B0-46A6-9251-1E3893E8A7ED}"/>
+                  </a:ext>
+                </a:extLst>
+              </p:cNvPr>
+              <p:cNvSpPr/>
+              <p:nvPr/>
+            </p:nvSpPr>
+            <p:spPr>
+              <a:xfrm>
+                <a:off x="5050195" y="4529331"/>
+                <a:ext cx="924914" cy="483476"/>
+              </a:xfrm>
+              <a:prstGeom prst="rect">
+                <a:avLst/>
+              </a:prstGeom>
+              <a:solidFill>
+                <a:srgbClr val="00B050"/>
+              </a:solidFill>
+              <a:ln>
+                <a:solidFill>
+                  <a:srgbClr val="00B050"/>
+                </a:solidFill>
+              </a:ln>
+            </p:spPr>
+            <p:style>
+              <a:lnRef idx="2">
+                <a:schemeClr val="accent1">
+                  <a:shade val="50000"/>
+                </a:schemeClr>
+              </a:lnRef>
+              <a:fillRef idx="1">
+                <a:schemeClr val="accent1"/>
+              </a:fillRef>
+              <a:effectRef idx="0">
+                <a:schemeClr val="accent1"/>
+              </a:effectRef>
+              <a:fontRef idx="minor">
+                <a:schemeClr val="lt1"/>
+              </a:fontRef>
+            </p:style>
+            <p:txBody>
+              <a:bodyPr rtlCol="0" anchor="ctr"/>
+              <a:lstStyle/>
+              <a:p>
+                <a:pPr algn="ctr"/>
+                <a:r>
+                  <a:rPr lang="en-US" altLang="zh-CN" dirty="0"/>
+                  <a:t>Buffer</a:t>
+                </a:r>
+                <a:endParaRPr lang="zh-CN" altLang="en-US" dirty="0"/>
+              </a:p>
+            </p:txBody>
+          </p:sp>
+          <p:sp>
+            <p:nvSpPr>
+              <p:cNvPr id="35" name="箭头: 虚尾 34">
+                <a:extLst>
+                  <a:ext uri="{FF2B5EF4-FFF2-40B4-BE49-F238E27FC236}">
+                    <a16:creationId xmlns:a16="http://schemas.microsoft.com/office/drawing/2014/main" id="{FF113CB2-1B63-4808-90CE-6302E181DC0C}"/>
+                  </a:ext>
+                </a:extLst>
+              </p:cNvPr>
+              <p:cNvSpPr/>
+              <p:nvPr/>
+            </p:nvSpPr>
+            <p:spPr>
+              <a:xfrm>
+                <a:off x="5975109" y="4632100"/>
+                <a:ext cx="199697" cy="277937"/>
+              </a:xfrm>
+              <a:prstGeom prst="stripedRightArrow">
+                <a:avLst/>
+              </a:prstGeom>
+              <a:solidFill>
+                <a:srgbClr val="00B050"/>
+              </a:solidFill>
+              <a:ln>
+                <a:solidFill>
+                  <a:srgbClr val="00B050"/>
+                </a:solidFill>
+              </a:ln>
+            </p:spPr>
+            <p:style>
+              <a:lnRef idx="2">
+                <a:schemeClr val="accent1">
+                  <a:shade val="50000"/>
+                </a:schemeClr>
+              </a:lnRef>
+              <a:fillRef idx="1">
+                <a:schemeClr val="accent1"/>
+              </a:fillRef>
+              <a:effectRef idx="0">
+                <a:schemeClr val="accent1"/>
+              </a:effectRef>
+              <a:fontRef idx="minor">
+                <a:schemeClr val="lt1"/>
+              </a:fontRef>
+            </p:style>
+            <p:txBody>
+              <a:bodyPr rtlCol="0" anchor="ctr"/>
+              <a:lstStyle/>
+              <a:p>
+                <a:pPr algn="ctr"/>
+                <a:endParaRPr lang="zh-CN" altLang="en-US"/>
+              </a:p>
+            </p:txBody>
+          </p:sp>
+          <p:sp>
+            <p:nvSpPr>
+              <p:cNvPr id="36" name="箭头: 虚尾 35">
+                <a:extLst>
+                  <a:ext uri="{FF2B5EF4-FFF2-40B4-BE49-F238E27FC236}">
+                    <a16:creationId xmlns:a16="http://schemas.microsoft.com/office/drawing/2014/main" id="{929E174F-398F-46DB-9300-924D5AF19EC2}"/>
+                  </a:ext>
+                </a:extLst>
+              </p:cNvPr>
+              <p:cNvSpPr/>
+              <p:nvPr/>
+            </p:nvSpPr>
+            <p:spPr>
+              <a:xfrm rot="10800000">
+                <a:off x="4850498" y="4632099"/>
+                <a:ext cx="199697" cy="277937"/>
+              </a:xfrm>
+              <a:prstGeom prst="stripedRightArrow">
+                <a:avLst/>
+              </a:prstGeom>
+              <a:solidFill>
+                <a:srgbClr val="00B050"/>
+              </a:solidFill>
+              <a:ln>
+                <a:solidFill>
+                  <a:srgbClr val="00B050"/>
+                </a:solidFill>
+              </a:ln>
+            </p:spPr>
+            <p:style>
+              <a:lnRef idx="2">
+                <a:schemeClr val="accent1">
+                  <a:shade val="50000"/>
+                </a:schemeClr>
+              </a:lnRef>
+              <a:fillRef idx="1">
+                <a:schemeClr val="accent1"/>
+              </a:fillRef>
+              <a:effectRef idx="0">
+                <a:schemeClr val="accent1"/>
+              </a:effectRef>
+              <a:fontRef idx="minor">
+                <a:schemeClr val="lt1"/>
+              </a:fontRef>
+            </p:style>
+            <p:txBody>
+              <a:bodyPr rtlCol="0" anchor="ctr"/>
+              <a:lstStyle/>
+              <a:p>
+                <a:pPr algn="ctr"/>
+                <a:endParaRPr lang="zh-CN" altLang="en-US"/>
+              </a:p>
+            </p:txBody>
+          </p:sp>
+        </p:grpSp>
+        <p:grpSp>
+          <p:nvGrpSpPr>
+            <p:cNvPr id="37" name="组合 36">
+              <a:extLst>
+                <a:ext uri="{FF2B5EF4-FFF2-40B4-BE49-F238E27FC236}">
+                  <a16:creationId xmlns:a16="http://schemas.microsoft.com/office/drawing/2014/main" id="{463604F0-689F-4CF8-A652-BD27816EFF93}"/>
+                </a:ext>
+              </a:extLst>
+            </p:cNvPr>
+            <p:cNvGrpSpPr/>
+            <p:nvPr/>
+          </p:nvGrpSpPr>
+          <p:grpSpPr>
+            <a:xfrm>
+              <a:off x="7579932" y="5974820"/>
+              <a:ext cx="1324308" cy="483476"/>
+              <a:chOff x="4850498" y="4529331"/>
+              <a:chExt cx="1324308" cy="483476"/>
+            </a:xfrm>
+          </p:grpSpPr>
+          <p:sp>
+            <p:nvSpPr>
+              <p:cNvPr id="38" name="矩形 37">
+                <a:extLst>
+                  <a:ext uri="{FF2B5EF4-FFF2-40B4-BE49-F238E27FC236}">
+                    <a16:creationId xmlns:a16="http://schemas.microsoft.com/office/drawing/2014/main" id="{17E800D5-47D0-4AB3-A14E-7192AC0F2B6C}"/>
+                  </a:ext>
+                </a:extLst>
+              </p:cNvPr>
+              <p:cNvSpPr/>
+              <p:nvPr/>
+            </p:nvSpPr>
+            <p:spPr>
+              <a:xfrm>
+                <a:off x="5050195" y="4529331"/>
+                <a:ext cx="924914" cy="483476"/>
+              </a:xfrm>
+              <a:prstGeom prst="rect">
+                <a:avLst/>
+              </a:prstGeom>
+              <a:solidFill>
+                <a:srgbClr val="00B050"/>
+              </a:solidFill>
+              <a:ln>
+                <a:solidFill>
+                  <a:srgbClr val="00B050"/>
+                </a:solidFill>
+              </a:ln>
+            </p:spPr>
+            <p:style>
+              <a:lnRef idx="2">
+                <a:schemeClr val="accent1">
+                  <a:shade val="50000"/>
+                </a:schemeClr>
+              </a:lnRef>
+              <a:fillRef idx="1">
+                <a:schemeClr val="accent1"/>
+              </a:fillRef>
+              <a:effectRef idx="0">
+                <a:schemeClr val="accent1"/>
+              </a:effectRef>
+              <a:fontRef idx="minor">
+                <a:schemeClr val="lt1"/>
+              </a:fontRef>
+            </p:style>
+            <p:txBody>
+              <a:bodyPr rtlCol="0" anchor="ctr"/>
+              <a:lstStyle/>
+              <a:p>
+                <a:pPr algn="ctr"/>
+                <a:r>
+                  <a:rPr lang="en-US" altLang="zh-CN" dirty="0"/>
+                  <a:t>Buffer</a:t>
+                </a:r>
+                <a:endParaRPr lang="zh-CN" altLang="en-US" dirty="0"/>
+              </a:p>
+            </p:txBody>
+          </p:sp>
+          <p:sp>
+            <p:nvSpPr>
+              <p:cNvPr id="39" name="箭头: 虚尾 38">
+                <a:extLst>
+                  <a:ext uri="{FF2B5EF4-FFF2-40B4-BE49-F238E27FC236}">
+                    <a16:creationId xmlns:a16="http://schemas.microsoft.com/office/drawing/2014/main" id="{23C5EF18-3F49-4D82-9387-C425448327D5}"/>
+                  </a:ext>
+                </a:extLst>
+              </p:cNvPr>
+              <p:cNvSpPr/>
+              <p:nvPr/>
+            </p:nvSpPr>
+            <p:spPr>
+              <a:xfrm>
+                <a:off x="5975109" y="4632100"/>
+                <a:ext cx="199697" cy="277937"/>
+              </a:xfrm>
+              <a:prstGeom prst="stripedRightArrow">
+                <a:avLst/>
+              </a:prstGeom>
+              <a:solidFill>
+                <a:srgbClr val="00B050"/>
+              </a:solidFill>
+              <a:ln>
+                <a:solidFill>
+                  <a:srgbClr val="00B050"/>
+                </a:solidFill>
+              </a:ln>
+            </p:spPr>
+            <p:style>
+              <a:lnRef idx="2">
+                <a:schemeClr val="accent1">
+                  <a:shade val="50000"/>
+                </a:schemeClr>
+              </a:lnRef>
+              <a:fillRef idx="1">
+                <a:schemeClr val="accent1"/>
+              </a:fillRef>
+              <a:effectRef idx="0">
+                <a:schemeClr val="accent1"/>
+              </a:effectRef>
+              <a:fontRef idx="minor">
+                <a:schemeClr val="lt1"/>
+              </a:fontRef>
+            </p:style>
+            <p:txBody>
+              <a:bodyPr rtlCol="0" anchor="ctr"/>
+              <a:lstStyle/>
+              <a:p>
+                <a:pPr algn="ctr"/>
+                <a:endParaRPr lang="zh-CN" altLang="en-US"/>
+              </a:p>
+            </p:txBody>
+          </p:sp>
+          <p:sp>
+            <p:nvSpPr>
+              <p:cNvPr id="40" name="箭头: 虚尾 39">
+                <a:extLst>
+                  <a:ext uri="{FF2B5EF4-FFF2-40B4-BE49-F238E27FC236}">
+                    <a16:creationId xmlns:a16="http://schemas.microsoft.com/office/drawing/2014/main" id="{E1A12EFE-B8E8-4A98-935C-34D6DF675616}"/>
+                  </a:ext>
+                </a:extLst>
+              </p:cNvPr>
+              <p:cNvSpPr/>
+              <p:nvPr/>
+            </p:nvSpPr>
+            <p:spPr>
+              <a:xfrm rot="10800000">
+                <a:off x="4850498" y="4632099"/>
+                <a:ext cx="199697" cy="277937"/>
+              </a:xfrm>
+              <a:prstGeom prst="stripedRightArrow">
+                <a:avLst/>
+              </a:prstGeom>
+              <a:solidFill>
+                <a:srgbClr val="00B050"/>
+              </a:solidFill>
+              <a:ln>
+                <a:solidFill>
+                  <a:srgbClr val="00B050"/>
+                </a:solidFill>
+              </a:ln>
+            </p:spPr>
+            <p:style>
+              <a:lnRef idx="2">
+                <a:schemeClr val="accent1">
+                  <a:shade val="50000"/>
+                </a:schemeClr>
+              </a:lnRef>
+              <a:fillRef idx="1">
+                <a:schemeClr val="accent1"/>
+              </a:fillRef>
+              <a:effectRef idx="0">
+                <a:schemeClr val="accent1"/>
+              </a:effectRef>
+              <a:fontRef idx="minor">
+                <a:schemeClr val="lt1"/>
+              </a:fontRef>
+            </p:style>
+            <p:txBody>
+              <a:bodyPr rtlCol="0" anchor="ctr"/>
+              <a:lstStyle/>
+              <a:p>
+                <a:pPr algn="ctr"/>
+                <a:endParaRPr lang="zh-CN" altLang="en-US"/>
+              </a:p>
+            </p:txBody>
+          </p:sp>
+        </p:grpSp>
+        <p:cxnSp>
+          <p:nvCxnSpPr>
+            <p:cNvPr id="42" name="连接符: 肘形 41">
+              <a:extLst>
+                <a:ext uri="{FF2B5EF4-FFF2-40B4-BE49-F238E27FC236}">
+                  <a16:creationId xmlns:a16="http://schemas.microsoft.com/office/drawing/2014/main" id="{20D586BB-B028-4839-959B-E51C55D6620A}"/>
+                </a:ext>
+              </a:extLst>
+            </p:cNvPr>
+            <p:cNvCxnSpPr>
+              <a:cxnSpLocks/>
+              <a:stCxn id="19" idx="2"/>
+              <a:endCxn id="34" idx="0"/>
+            </p:cNvCxnSpPr>
+            <p:nvPr/>
+          </p:nvCxnSpPr>
+          <p:spPr>
+            <a:xfrm rot="16200000" flipH="1">
+              <a:off x="2629224" y="5232202"/>
+              <a:ext cx="546538" cy="938697"/>
+            </a:xfrm>
+            <a:prstGeom prst="bentConnector3">
+              <a:avLst/>
+            </a:prstGeom>
+            <a:ln w="19050">
+              <a:solidFill>
+                <a:srgbClr val="00B050"/>
+              </a:solidFill>
+              <a:tailEnd type="triangle"/>
+            </a:ln>
+          </p:spPr>
+          <p:style>
+            <a:lnRef idx="1">
+              <a:schemeClr val="accent1"/>
+            </a:lnRef>
+            <a:fillRef idx="0">
+              <a:schemeClr val="accent1"/>
+            </a:fillRef>
+            <a:effectRef idx="0">
+              <a:schemeClr val="accent1"/>
+            </a:effectRef>
+            <a:fontRef idx="minor">
+              <a:schemeClr val="tx1"/>
+            </a:fontRef>
+          </p:style>
+        </p:cxnSp>
+        <p:cxnSp>
+          <p:nvCxnSpPr>
+            <p:cNvPr id="44" name="连接符: 肘形 43">
+              <a:extLst>
+                <a:ext uri="{FF2B5EF4-FFF2-40B4-BE49-F238E27FC236}">
+                  <a16:creationId xmlns:a16="http://schemas.microsoft.com/office/drawing/2014/main" id="{45F2E890-034C-40AF-84F3-A5DDADFED7DC}"/>
+                </a:ext>
+              </a:extLst>
+            </p:cNvPr>
+            <p:cNvCxnSpPr>
+              <a:cxnSpLocks/>
+              <a:stCxn id="38" idx="0"/>
+              <a:endCxn id="18" idx="3"/>
+            </p:cNvCxnSpPr>
+            <p:nvPr/>
+          </p:nvCxnSpPr>
+          <p:spPr>
+            <a:xfrm rot="5400000" flipH="1" flipV="1">
+              <a:off x="8456561" y="5213809"/>
+              <a:ext cx="546537" cy="975486"/>
+            </a:xfrm>
+            <a:prstGeom prst="bentConnector3">
+              <a:avLst>
+                <a:gd name="adj1" fmla="val 100000"/>
+              </a:avLst>
+            </a:prstGeom>
+            <a:ln w="19050">
+              <a:solidFill>
+                <a:srgbClr val="00B050"/>
+              </a:solidFill>
+              <a:tailEnd type="triangle"/>
+            </a:ln>
+          </p:spPr>
+          <p:style>
+            <a:lnRef idx="1">
+              <a:schemeClr val="accent1"/>
+            </a:lnRef>
+            <a:fillRef idx="0">
+              <a:schemeClr val="accent1"/>
+            </a:fillRef>
+            <a:effectRef idx="0">
+              <a:schemeClr val="accent1"/>
+            </a:effectRef>
+            <a:fontRef idx="minor">
+              <a:schemeClr val="tx1"/>
+            </a:fontRef>
+          </p:style>
+        </p:cxnSp>
+        <p:cxnSp>
+          <p:nvCxnSpPr>
+            <p:cNvPr id="47" name="连接符: 肘形 46">
+              <a:extLst>
+                <a:ext uri="{FF2B5EF4-FFF2-40B4-BE49-F238E27FC236}">
+                  <a16:creationId xmlns:a16="http://schemas.microsoft.com/office/drawing/2014/main" id="{58E33CF5-082D-4215-83D2-BFDF5138FB13}"/>
+                </a:ext>
+              </a:extLst>
+            </p:cNvPr>
+            <p:cNvCxnSpPr>
+              <a:stCxn id="18" idx="3"/>
+              <a:endCxn id="39" idx="3"/>
+            </p:cNvCxnSpPr>
+            <p:nvPr/>
+          </p:nvCxnSpPr>
+          <p:spPr>
+            <a:xfrm rot="5400000">
+              <a:off x="8666769" y="5665754"/>
+              <a:ext cx="788275" cy="313332"/>
+            </a:xfrm>
+            <a:prstGeom prst="bentConnector2">
+              <a:avLst/>
+            </a:prstGeom>
+            <a:ln w="19050">
+              <a:solidFill>
+                <a:srgbClr val="FF0000"/>
+              </a:solidFill>
+              <a:tailEnd type="triangle"/>
+            </a:ln>
+          </p:spPr>
+          <p:style>
+            <a:lnRef idx="1">
+              <a:schemeClr val="accent1"/>
+            </a:lnRef>
+            <a:fillRef idx="0">
+              <a:schemeClr val="accent1"/>
+            </a:fillRef>
+            <a:effectRef idx="0">
+              <a:schemeClr val="accent1"/>
+            </a:effectRef>
+            <a:fontRef idx="minor">
+              <a:schemeClr val="tx1"/>
+            </a:fontRef>
+          </p:style>
+        </p:cxnSp>
+        <p:sp>
+          <p:nvSpPr>
+            <p:cNvPr id="52" name="文本框 51">
+              <a:extLst>
+                <a:ext uri="{FF2B5EF4-FFF2-40B4-BE49-F238E27FC236}">
+                  <a16:creationId xmlns:a16="http://schemas.microsoft.com/office/drawing/2014/main" id="{EE79E864-9CC4-446B-AFB9-1E828571F5D1}"/>
+                </a:ext>
+              </a:extLst>
+            </p:cNvPr>
+            <p:cNvSpPr txBox="1"/>
+            <p:nvPr/>
+          </p:nvSpPr>
+          <p:spPr>
+            <a:xfrm>
+              <a:off x="4210659" y="5157115"/>
+              <a:ext cx="3312125" cy="830997"/>
+            </a:xfrm>
+            <a:prstGeom prst="rect">
+              <a:avLst/>
+            </a:prstGeom>
+            <a:noFill/>
+            <a:ln>
+              <a:solidFill>
+                <a:srgbClr val="FF0000"/>
+              </a:solidFill>
+            </a:ln>
+          </p:spPr>
+          <p:txBody>
+            <a:bodyPr wrap="none" rtlCol="0">
+              <a:spAutoFit/>
+            </a:bodyPr>
+            <a:lstStyle/>
+            <a:p>
+              <a:r>
+                <a:rPr lang="en-US" altLang="zh-CN" sz="1200" dirty="0">
+                  <a:solidFill>
+                    <a:srgbClr val="002060"/>
+                  </a:solidFill>
+                </a:rPr>
+                <a:t>Channel</a:t>
+              </a:r>
+              <a:r>
+                <a:rPr lang="zh-CN" altLang="en-US" sz="1200" dirty="0">
+                  <a:solidFill>
+                    <a:srgbClr val="002060"/>
+                  </a:solidFill>
+                </a:rPr>
+                <a:t>就像铁路在</a:t>
+              </a:r>
+              <a:r>
+                <a:rPr lang="en-US" altLang="zh-CN" sz="1200" dirty="0">
+                  <a:solidFill>
+                    <a:srgbClr val="002060"/>
+                  </a:solidFill>
+                </a:rPr>
+                <a:t>Java</a:t>
+              </a:r>
+              <a:r>
+                <a:rPr lang="zh-CN" altLang="en-US" sz="1200" dirty="0">
+                  <a:solidFill>
+                    <a:srgbClr val="002060"/>
+                  </a:solidFill>
+                </a:rPr>
+                <a:t>程序和存储段建立通道</a:t>
+              </a:r>
+              <a:endParaRPr lang="en-US" altLang="zh-CN" sz="1200" dirty="0">
+                <a:solidFill>
+                  <a:srgbClr val="002060"/>
+                </a:solidFill>
+              </a:endParaRPr>
+            </a:p>
+            <a:p>
+              <a:endParaRPr lang="en-US" altLang="zh-CN" sz="1200" dirty="0">
+                <a:solidFill>
+                  <a:srgbClr val="002060"/>
+                </a:solidFill>
+              </a:endParaRPr>
+            </a:p>
+            <a:p>
+              <a:r>
+                <a:rPr lang="en-US" altLang="zh-CN" sz="1200" dirty="0">
+                  <a:solidFill>
+                    <a:srgbClr val="002060"/>
+                  </a:solidFill>
+                </a:rPr>
+                <a:t>Buffer</a:t>
+              </a:r>
+              <a:r>
+                <a:rPr lang="zh-CN" altLang="en-US" sz="1200" dirty="0">
+                  <a:solidFill>
+                    <a:srgbClr val="002060"/>
+                  </a:solidFill>
+                </a:rPr>
+                <a:t>就像火车在</a:t>
+              </a:r>
+              <a:r>
+                <a:rPr lang="en-US" altLang="zh-CN" sz="1200" dirty="0">
+                  <a:solidFill>
+                    <a:srgbClr val="002060"/>
+                  </a:solidFill>
+                </a:rPr>
+                <a:t>Java</a:t>
+              </a:r>
+              <a:r>
+                <a:rPr lang="zh-CN" altLang="en-US" sz="1200" dirty="0">
+                  <a:solidFill>
+                    <a:srgbClr val="002060"/>
+                  </a:solidFill>
+                </a:rPr>
+                <a:t>程序和存储端</a:t>
+              </a:r>
+              <a:endParaRPr lang="en-US" altLang="zh-CN" sz="1200" dirty="0">
+                <a:solidFill>
+                  <a:srgbClr val="002060"/>
+                </a:solidFill>
+              </a:endParaRPr>
+            </a:p>
+            <a:p>
+              <a:r>
+                <a:rPr lang="zh-CN" altLang="en-US" sz="1200" dirty="0">
+                  <a:solidFill>
+                    <a:srgbClr val="002060"/>
+                  </a:solidFill>
+                </a:rPr>
+                <a:t>往复装在数据和卸载数据</a:t>
+              </a:r>
+            </a:p>
+          </p:txBody>
+        </p:sp>
+        <p:sp>
+          <p:nvSpPr>
+            <p:cNvPr id="53" name="文本框 52">
+              <a:extLst>
+                <a:ext uri="{FF2B5EF4-FFF2-40B4-BE49-F238E27FC236}">
+                  <a16:creationId xmlns:a16="http://schemas.microsoft.com/office/drawing/2014/main" id="{3D70D444-B23D-4DE4-8FC6-8A21186892D2}"/>
+                </a:ext>
+              </a:extLst>
+            </p:cNvPr>
+            <p:cNvSpPr txBox="1"/>
+            <p:nvPr/>
+          </p:nvSpPr>
+          <p:spPr>
+            <a:xfrm>
+              <a:off x="2553679" y="5677215"/>
+              <a:ext cx="697627" cy="246221"/>
+            </a:xfrm>
+            <a:prstGeom prst="rect">
+              <a:avLst/>
+            </a:prstGeom>
+            <a:noFill/>
+          </p:spPr>
+          <p:txBody>
+            <a:bodyPr wrap="none" rtlCol="0">
+              <a:spAutoFit/>
+            </a:bodyPr>
+            <a:lstStyle/>
+            <a:p>
+              <a:r>
+                <a:rPr lang="zh-CN" altLang="en-US" sz="1000" dirty="0"/>
+                <a:t>装载数据</a:t>
+              </a:r>
+            </a:p>
+          </p:txBody>
+        </p:sp>
+        <p:sp>
+          <p:nvSpPr>
+            <p:cNvPr id="54" name="文本框 53">
+              <a:extLst>
+                <a:ext uri="{FF2B5EF4-FFF2-40B4-BE49-F238E27FC236}">
+                  <a16:creationId xmlns:a16="http://schemas.microsoft.com/office/drawing/2014/main" id="{7C8199F6-D4F4-4A8A-8ACB-E0E04CBCE36D}"/>
+                </a:ext>
+              </a:extLst>
+            </p:cNvPr>
+            <p:cNvSpPr txBox="1"/>
+            <p:nvPr/>
+          </p:nvSpPr>
+          <p:spPr>
+            <a:xfrm>
+              <a:off x="7893272" y="5578129"/>
+              <a:ext cx="697627" cy="246221"/>
+            </a:xfrm>
+            <a:prstGeom prst="rect">
+              <a:avLst/>
+            </a:prstGeom>
+            <a:noFill/>
+          </p:spPr>
+          <p:txBody>
+            <a:bodyPr wrap="none" rtlCol="0">
+              <a:spAutoFit/>
+            </a:bodyPr>
+            <a:lstStyle/>
+            <a:p>
+              <a:r>
+                <a:rPr lang="zh-CN" altLang="en-US" sz="1000" dirty="0"/>
+                <a:t>卸载数据</a:t>
+              </a:r>
+            </a:p>
+          </p:txBody>
+        </p:sp>
+        <p:sp>
+          <p:nvSpPr>
+            <p:cNvPr id="55" name="文本框 54">
+              <a:extLst>
+                <a:ext uri="{FF2B5EF4-FFF2-40B4-BE49-F238E27FC236}">
+                  <a16:creationId xmlns:a16="http://schemas.microsoft.com/office/drawing/2014/main" id="{E551561C-8CAB-4DD1-B6B6-B0238FA1764D}"/>
+                </a:ext>
+              </a:extLst>
+            </p:cNvPr>
+            <p:cNvSpPr txBox="1"/>
+            <p:nvPr/>
+          </p:nvSpPr>
+          <p:spPr>
+            <a:xfrm>
+              <a:off x="8890434" y="5677677"/>
+              <a:ext cx="697627" cy="246221"/>
+            </a:xfrm>
+            <a:prstGeom prst="rect">
+              <a:avLst/>
+            </a:prstGeom>
+            <a:noFill/>
+          </p:spPr>
+          <p:txBody>
+            <a:bodyPr wrap="none" rtlCol="0">
+              <a:spAutoFit/>
+            </a:bodyPr>
+            <a:lstStyle/>
+            <a:p>
+              <a:r>
+                <a:rPr lang="zh-CN" altLang="en-US" sz="1000" dirty="0"/>
+                <a:t>装载数据</a:t>
+              </a:r>
+            </a:p>
+          </p:txBody>
+        </p:sp>
+      </p:grpSp>
+    </p:spTree>
+    <p:extLst>
+      <p:ext uri="{BB962C8B-B14F-4D97-AF65-F5344CB8AC3E}">
+        <p14:creationId xmlns:p14="http://schemas.microsoft.com/office/powerpoint/2010/main" val="1093396074"/>
+      </p:ext>
+    </p:extLst>
+  </p:cSld>
+  <p:clrMapOvr>
+    <a:masterClrMapping/>
+  </p:clrMapOvr>
+</p:sld>
+</file>
+
 <file path=ppt/slides/slide2.xml><?xml version="1.0" encoding="utf-8"?>
 <p:sld xmlns:a="http://schemas.openxmlformats.org/drawingml/2006/main" xmlns:r="http://schemas.openxmlformats.org/officeDocument/2006/relationships" xmlns:p="http://schemas.openxmlformats.org/presentationml/2006/main">
   <p:cSld>
@@ -16394,11 +20916,2082 @@
           <a:p>
             <a:r>
               <a:rPr lang="en-US" altLang="zh-CN" dirty="0"/>
-              <a:t>JVM—</a:t>
+              <a:t>JMM—Java</a:t>
             </a:r>
             <a:r>
               <a:rPr lang="zh-CN" altLang="en-US" dirty="0"/>
-              <a:t>类加载过程</a:t>
+              <a:t>内存模型</a:t>
+            </a:r>
+          </a:p>
+        </p:txBody>
+      </p:sp>
+      <p:sp>
+        <p:nvSpPr>
+          <p:cNvPr id="2" name="文本框 1">
+            <a:extLst>
+              <a:ext uri="{FF2B5EF4-FFF2-40B4-BE49-F238E27FC236}">
+                <a16:creationId xmlns:a16="http://schemas.microsoft.com/office/drawing/2014/main" id="{90F17674-E28F-4289-B95E-38F54090DB1F}"/>
+              </a:ext>
+            </a:extLst>
+          </p:cNvPr>
+          <p:cNvSpPr txBox="1"/>
+          <p:nvPr/>
+        </p:nvSpPr>
+        <p:spPr>
+          <a:xfrm>
+            <a:off x="0" y="369332"/>
+            <a:ext cx="2194832" cy="369332"/>
+          </a:xfrm>
+          <a:prstGeom prst="rect">
+            <a:avLst/>
+          </a:prstGeom>
+          <a:noFill/>
+        </p:spPr>
+        <p:txBody>
+          <a:bodyPr wrap="none" rtlCol="0">
+            <a:spAutoFit/>
+          </a:bodyPr>
+          <a:lstStyle/>
+          <a:p>
+            <a:r>
+              <a:rPr lang="en-US" altLang="zh-CN" dirty="0"/>
+              <a:t>Java Memory Model</a:t>
+            </a:r>
+            <a:endParaRPr lang="zh-CN" altLang="en-US" dirty="0"/>
+          </a:p>
+        </p:txBody>
+      </p:sp>
+      <p:grpSp>
+        <p:nvGrpSpPr>
+          <p:cNvPr id="48" name="组合 47">
+            <a:extLst>
+              <a:ext uri="{FF2B5EF4-FFF2-40B4-BE49-F238E27FC236}">
+                <a16:creationId xmlns:a16="http://schemas.microsoft.com/office/drawing/2014/main" id="{20448018-FE73-456C-A811-65C77CA44F81}"/>
+              </a:ext>
+            </a:extLst>
+          </p:cNvPr>
+          <p:cNvGrpSpPr/>
+          <p:nvPr/>
+        </p:nvGrpSpPr>
+        <p:grpSpPr>
+          <a:xfrm>
+            <a:off x="966951" y="816401"/>
+            <a:ext cx="9400189" cy="4973328"/>
+            <a:chOff x="935420" y="1226305"/>
+            <a:chExt cx="9400189" cy="4973328"/>
+          </a:xfrm>
+        </p:grpSpPr>
+        <p:grpSp>
+          <p:nvGrpSpPr>
+            <p:cNvPr id="10" name="组合 9">
+              <a:extLst>
+                <a:ext uri="{FF2B5EF4-FFF2-40B4-BE49-F238E27FC236}">
+                  <a16:creationId xmlns:a16="http://schemas.microsoft.com/office/drawing/2014/main" id="{4CDAC8EF-9E3A-4BB0-AEB5-986C25C29F6D}"/>
+                </a:ext>
+              </a:extLst>
+            </p:cNvPr>
+            <p:cNvGrpSpPr/>
+            <p:nvPr/>
+          </p:nvGrpSpPr>
+          <p:grpSpPr>
+            <a:xfrm>
+              <a:off x="935421" y="1229710"/>
+              <a:ext cx="4918841" cy="1429407"/>
+              <a:chOff x="935421" y="1229710"/>
+              <a:chExt cx="4918841" cy="1429407"/>
+            </a:xfrm>
+          </p:grpSpPr>
+          <p:sp>
+            <p:nvSpPr>
+              <p:cNvPr id="3" name="矩形 2">
+                <a:extLst>
+                  <a:ext uri="{FF2B5EF4-FFF2-40B4-BE49-F238E27FC236}">
+                    <a16:creationId xmlns:a16="http://schemas.microsoft.com/office/drawing/2014/main" id="{8649817A-6113-4E59-9E87-63E209D50D7D}"/>
+                  </a:ext>
+                </a:extLst>
+              </p:cNvPr>
+              <p:cNvSpPr/>
+              <p:nvPr/>
+            </p:nvSpPr>
+            <p:spPr>
+              <a:xfrm>
+                <a:off x="935421" y="1229710"/>
+                <a:ext cx="4918841" cy="1429407"/>
+              </a:xfrm>
+              <a:prstGeom prst="rect">
+                <a:avLst/>
+              </a:prstGeom>
+              <a:solidFill>
+                <a:schemeClr val="accent1">
+                  <a:lumMod val="50000"/>
+                </a:schemeClr>
+              </a:solidFill>
+            </p:spPr>
+            <p:style>
+              <a:lnRef idx="2">
+                <a:schemeClr val="accent1">
+                  <a:shade val="50000"/>
+                </a:schemeClr>
+              </a:lnRef>
+              <a:fillRef idx="1">
+                <a:schemeClr val="accent1"/>
+              </a:fillRef>
+              <a:effectRef idx="0">
+                <a:schemeClr val="accent1"/>
+              </a:effectRef>
+              <a:fontRef idx="minor">
+                <a:schemeClr val="lt1"/>
+              </a:fontRef>
+            </p:style>
+            <p:txBody>
+              <a:bodyPr rtlCol="0" anchor="ctr"/>
+              <a:lstStyle/>
+              <a:p>
+                <a:pPr algn="ctr"/>
+                <a:endParaRPr lang="zh-CN" altLang="en-US" dirty="0"/>
+              </a:p>
+            </p:txBody>
+          </p:sp>
+          <p:sp>
+            <p:nvSpPr>
+              <p:cNvPr id="5" name="文本框 4">
+                <a:extLst>
+                  <a:ext uri="{FF2B5EF4-FFF2-40B4-BE49-F238E27FC236}">
+                    <a16:creationId xmlns:a16="http://schemas.microsoft.com/office/drawing/2014/main" id="{B2176720-781A-428A-BED6-4A3CABF18595}"/>
+                  </a:ext>
+                </a:extLst>
+              </p:cNvPr>
+              <p:cNvSpPr txBox="1"/>
+              <p:nvPr/>
+            </p:nvSpPr>
+            <p:spPr>
+              <a:xfrm>
+                <a:off x="935421" y="1229710"/>
+                <a:ext cx="693682" cy="369332"/>
+              </a:xfrm>
+              <a:prstGeom prst="rect">
+                <a:avLst/>
+              </a:prstGeom>
+              <a:noFill/>
+            </p:spPr>
+            <p:txBody>
+              <a:bodyPr wrap="square" rtlCol="0">
+                <a:spAutoFit/>
+              </a:bodyPr>
+              <a:lstStyle/>
+              <a:p>
+                <a:r>
+                  <a:rPr lang="en-US" altLang="zh-CN" b="1" dirty="0">
+                    <a:solidFill>
+                      <a:schemeClr val="bg1"/>
+                    </a:solidFill>
+                  </a:rPr>
+                  <a:t>CPU</a:t>
+                </a:r>
+                <a:endParaRPr lang="zh-CN" altLang="en-US" b="1" dirty="0">
+                  <a:solidFill>
+                    <a:schemeClr val="bg1"/>
+                  </a:solidFill>
+                </a:endParaRPr>
+              </a:p>
+            </p:txBody>
+          </p:sp>
+          <p:sp>
+            <p:nvSpPr>
+              <p:cNvPr id="6" name="矩形: 圆角 5">
+                <a:extLst>
+                  <a:ext uri="{FF2B5EF4-FFF2-40B4-BE49-F238E27FC236}">
+                    <a16:creationId xmlns:a16="http://schemas.microsoft.com/office/drawing/2014/main" id="{60C31D07-F990-46E3-B6C4-80E469641FA8}"/>
+                  </a:ext>
+                </a:extLst>
+              </p:cNvPr>
+              <p:cNvSpPr/>
+              <p:nvPr/>
+            </p:nvSpPr>
+            <p:spPr>
+              <a:xfrm>
+                <a:off x="1870841" y="1414376"/>
+                <a:ext cx="3510456" cy="1066065"/>
+              </a:xfrm>
+              <a:prstGeom prst="roundRect">
+                <a:avLst/>
+              </a:prstGeom>
+              <a:solidFill>
+                <a:srgbClr val="00B050"/>
+              </a:solidFill>
+              <a:ln>
+                <a:solidFill>
+                  <a:srgbClr val="00B050"/>
+                </a:solidFill>
+              </a:ln>
+            </p:spPr>
+            <p:style>
+              <a:lnRef idx="2">
+                <a:schemeClr val="accent1">
+                  <a:shade val="50000"/>
+                </a:schemeClr>
+              </a:lnRef>
+              <a:fillRef idx="1">
+                <a:schemeClr val="accent1"/>
+              </a:fillRef>
+              <a:effectRef idx="0">
+                <a:schemeClr val="accent1"/>
+              </a:effectRef>
+              <a:fontRef idx="minor">
+                <a:schemeClr val="lt1"/>
+              </a:fontRef>
+            </p:style>
+            <p:txBody>
+              <a:bodyPr rtlCol="0" anchor="ctr"/>
+              <a:lstStyle/>
+              <a:p>
+                <a:pPr algn="ctr"/>
+                <a:endParaRPr lang="zh-CN" altLang="en-US"/>
+              </a:p>
+            </p:txBody>
+          </p:sp>
+          <p:sp>
+            <p:nvSpPr>
+              <p:cNvPr id="7" name="文本框 6">
+                <a:extLst>
+                  <a:ext uri="{FF2B5EF4-FFF2-40B4-BE49-F238E27FC236}">
+                    <a16:creationId xmlns:a16="http://schemas.microsoft.com/office/drawing/2014/main" id="{89B295AD-4E03-4BD4-A99C-BFF66537A72F}"/>
+                  </a:ext>
+                </a:extLst>
+              </p:cNvPr>
+              <p:cNvSpPr txBox="1"/>
+              <p:nvPr/>
+            </p:nvSpPr>
+            <p:spPr>
+              <a:xfrm>
+                <a:off x="1994341" y="1756753"/>
+                <a:ext cx="825059" cy="369332"/>
+              </a:xfrm>
+              <a:prstGeom prst="rect">
+                <a:avLst/>
+              </a:prstGeom>
+              <a:noFill/>
+            </p:spPr>
+            <p:txBody>
+              <a:bodyPr wrap="square" rtlCol="0">
+                <a:spAutoFit/>
+              </a:bodyPr>
+              <a:lstStyle/>
+              <a:p>
+                <a:r>
+                  <a:rPr lang="zh-CN" altLang="en-US" dirty="0">
+                    <a:solidFill>
+                      <a:schemeClr val="bg1"/>
+                    </a:solidFill>
+                  </a:rPr>
+                  <a:t>线程</a:t>
+                </a:r>
+                <a:r>
+                  <a:rPr lang="en-US" altLang="zh-CN" dirty="0">
+                    <a:solidFill>
+                      <a:schemeClr val="bg1"/>
+                    </a:solidFill>
+                  </a:rPr>
+                  <a:t>A</a:t>
+                </a:r>
+                <a:endParaRPr lang="zh-CN" altLang="en-US" dirty="0">
+                  <a:solidFill>
+                    <a:schemeClr val="bg1"/>
+                  </a:solidFill>
+                </a:endParaRPr>
+              </a:p>
+            </p:txBody>
+          </p:sp>
+          <p:sp>
+            <p:nvSpPr>
+              <p:cNvPr id="8" name="矩形 7">
+                <a:extLst>
+                  <a:ext uri="{FF2B5EF4-FFF2-40B4-BE49-F238E27FC236}">
+                    <a16:creationId xmlns:a16="http://schemas.microsoft.com/office/drawing/2014/main" id="{2ADA1B39-7E4A-4E3A-8481-E8CA8875F574}"/>
+                  </a:ext>
+                </a:extLst>
+              </p:cNvPr>
+              <p:cNvSpPr/>
+              <p:nvPr/>
+            </p:nvSpPr>
+            <p:spPr>
+              <a:xfrm>
+                <a:off x="3352798" y="1506736"/>
+                <a:ext cx="1797269" cy="875354"/>
+              </a:xfrm>
+              <a:prstGeom prst="rect">
+                <a:avLst/>
+              </a:prstGeom>
+              <a:solidFill>
+                <a:schemeClr val="accent6">
+                  <a:lumMod val="60000"/>
+                  <a:lumOff val="40000"/>
+                </a:schemeClr>
+              </a:solidFill>
+              <a:ln>
+                <a:solidFill>
+                  <a:srgbClr val="FFFF00"/>
+                </a:solidFill>
+              </a:ln>
+            </p:spPr>
+            <p:style>
+              <a:lnRef idx="2">
+                <a:schemeClr val="accent1">
+                  <a:shade val="50000"/>
+                </a:schemeClr>
+              </a:lnRef>
+              <a:fillRef idx="1">
+                <a:schemeClr val="accent1"/>
+              </a:fillRef>
+              <a:effectRef idx="0">
+                <a:schemeClr val="accent1"/>
+              </a:effectRef>
+              <a:fontRef idx="minor">
+                <a:schemeClr val="lt1"/>
+              </a:fontRef>
+            </p:style>
+            <p:txBody>
+              <a:bodyPr rtlCol="0" anchor="ctr"/>
+              <a:lstStyle/>
+              <a:p>
+                <a:pPr algn="ctr"/>
+                <a:r>
+                  <a:rPr lang="zh-CN" altLang="en-US" b="1" dirty="0">
+                    <a:solidFill>
+                      <a:srgbClr val="FF0000"/>
+                    </a:solidFill>
+                  </a:rPr>
+                  <a:t>工作内存</a:t>
+                </a:r>
+                <a:endParaRPr lang="en-US" altLang="zh-CN" b="1" dirty="0">
+                  <a:solidFill>
+                    <a:srgbClr val="FF0000"/>
+                  </a:solidFill>
+                </a:endParaRPr>
+              </a:p>
+              <a:p>
+                <a:pPr algn="ctr"/>
+                <a:endParaRPr lang="en-US" altLang="zh-CN" b="1" dirty="0">
+                  <a:solidFill>
+                    <a:srgbClr val="FF0000"/>
+                  </a:solidFill>
+                </a:endParaRPr>
+              </a:p>
+              <a:p>
+                <a:pPr algn="ctr"/>
+                <a:endParaRPr lang="zh-CN" altLang="en-US" b="1" dirty="0">
+                  <a:solidFill>
+                    <a:srgbClr val="FF0000"/>
+                  </a:solidFill>
+                </a:endParaRPr>
+              </a:p>
+            </p:txBody>
+          </p:sp>
+          <p:sp>
+            <p:nvSpPr>
+              <p:cNvPr id="9" name="矩形: 圆角 8">
+                <a:extLst>
+                  <a:ext uri="{FF2B5EF4-FFF2-40B4-BE49-F238E27FC236}">
+                    <a16:creationId xmlns:a16="http://schemas.microsoft.com/office/drawing/2014/main" id="{2B4405D5-EE79-4489-9CC6-4B1F50B92BE9}"/>
+                  </a:ext>
+                </a:extLst>
+              </p:cNvPr>
+              <p:cNvSpPr/>
+              <p:nvPr/>
+            </p:nvSpPr>
+            <p:spPr>
+              <a:xfrm>
+                <a:off x="3531472" y="1819206"/>
+                <a:ext cx="1439918" cy="523992"/>
+              </a:xfrm>
+              <a:prstGeom prst="roundRect">
+                <a:avLst/>
+              </a:prstGeom>
+            </p:spPr>
+            <p:style>
+              <a:lnRef idx="2">
+                <a:schemeClr val="accent1">
+                  <a:shade val="50000"/>
+                </a:schemeClr>
+              </a:lnRef>
+              <a:fillRef idx="1">
+                <a:schemeClr val="accent1"/>
+              </a:fillRef>
+              <a:effectRef idx="0">
+                <a:schemeClr val="accent1"/>
+              </a:effectRef>
+              <a:fontRef idx="minor">
+                <a:schemeClr val="lt1"/>
+              </a:fontRef>
+            </p:style>
+            <p:txBody>
+              <a:bodyPr rtlCol="0" anchor="ctr"/>
+              <a:lstStyle/>
+              <a:p>
+                <a:pPr algn="ctr"/>
+                <a:r>
+                  <a:rPr lang="zh-CN" altLang="en-US" sz="1400" dirty="0"/>
+                  <a:t>共享变量副本</a:t>
+                </a:r>
+                <a:endParaRPr lang="en-US" altLang="zh-CN" sz="1400" dirty="0"/>
+              </a:p>
+              <a:p>
+                <a:pPr algn="ctr"/>
+                <a:r>
+                  <a:rPr lang="en-US" altLang="zh-CN" sz="1400" dirty="0"/>
+                  <a:t>flag=false</a:t>
+                </a:r>
+                <a:endParaRPr lang="zh-CN" altLang="en-US" sz="1400" dirty="0"/>
+              </a:p>
+            </p:txBody>
+          </p:sp>
+        </p:grpSp>
+        <p:grpSp>
+          <p:nvGrpSpPr>
+            <p:cNvPr id="11" name="组合 10">
+              <a:extLst>
+                <a:ext uri="{FF2B5EF4-FFF2-40B4-BE49-F238E27FC236}">
+                  <a16:creationId xmlns:a16="http://schemas.microsoft.com/office/drawing/2014/main" id="{13AD2B1B-4B9C-473E-A10B-1791588A0C05}"/>
+                </a:ext>
+              </a:extLst>
+            </p:cNvPr>
+            <p:cNvGrpSpPr/>
+            <p:nvPr/>
+          </p:nvGrpSpPr>
+          <p:grpSpPr>
+            <a:xfrm>
+              <a:off x="935421" y="3013473"/>
+              <a:ext cx="4918841" cy="1429407"/>
+              <a:chOff x="935421" y="1229710"/>
+              <a:chExt cx="4918841" cy="1429407"/>
+            </a:xfrm>
+          </p:grpSpPr>
+          <p:sp>
+            <p:nvSpPr>
+              <p:cNvPr id="12" name="矩形 11">
+                <a:extLst>
+                  <a:ext uri="{FF2B5EF4-FFF2-40B4-BE49-F238E27FC236}">
+                    <a16:creationId xmlns:a16="http://schemas.microsoft.com/office/drawing/2014/main" id="{C45A6E51-1864-48A4-A603-375CF27F39D9}"/>
+                  </a:ext>
+                </a:extLst>
+              </p:cNvPr>
+              <p:cNvSpPr/>
+              <p:nvPr/>
+            </p:nvSpPr>
+            <p:spPr>
+              <a:xfrm>
+                <a:off x="935421" y="1229710"/>
+                <a:ext cx="4918841" cy="1429407"/>
+              </a:xfrm>
+              <a:prstGeom prst="rect">
+                <a:avLst/>
+              </a:prstGeom>
+              <a:solidFill>
+                <a:schemeClr val="accent1">
+                  <a:lumMod val="50000"/>
+                </a:schemeClr>
+              </a:solidFill>
+            </p:spPr>
+            <p:style>
+              <a:lnRef idx="2">
+                <a:schemeClr val="accent1">
+                  <a:shade val="50000"/>
+                </a:schemeClr>
+              </a:lnRef>
+              <a:fillRef idx="1">
+                <a:schemeClr val="accent1"/>
+              </a:fillRef>
+              <a:effectRef idx="0">
+                <a:schemeClr val="accent1"/>
+              </a:effectRef>
+              <a:fontRef idx="minor">
+                <a:schemeClr val="lt1"/>
+              </a:fontRef>
+            </p:style>
+            <p:txBody>
+              <a:bodyPr rtlCol="0" anchor="ctr"/>
+              <a:lstStyle/>
+              <a:p>
+                <a:pPr algn="ctr"/>
+                <a:endParaRPr lang="zh-CN" altLang="en-US" dirty="0"/>
+              </a:p>
+            </p:txBody>
+          </p:sp>
+          <p:sp>
+            <p:nvSpPr>
+              <p:cNvPr id="13" name="文本框 12">
+                <a:extLst>
+                  <a:ext uri="{FF2B5EF4-FFF2-40B4-BE49-F238E27FC236}">
+                    <a16:creationId xmlns:a16="http://schemas.microsoft.com/office/drawing/2014/main" id="{7156C9B0-FC4A-4C57-B9E2-330BD6743061}"/>
+                  </a:ext>
+                </a:extLst>
+              </p:cNvPr>
+              <p:cNvSpPr txBox="1"/>
+              <p:nvPr/>
+            </p:nvSpPr>
+            <p:spPr>
+              <a:xfrm>
+                <a:off x="935421" y="1229710"/>
+                <a:ext cx="693682" cy="369332"/>
+              </a:xfrm>
+              <a:prstGeom prst="rect">
+                <a:avLst/>
+              </a:prstGeom>
+              <a:noFill/>
+            </p:spPr>
+            <p:txBody>
+              <a:bodyPr wrap="square" rtlCol="0">
+                <a:spAutoFit/>
+              </a:bodyPr>
+              <a:lstStyle/>
+              <a:p>
+                <a:r>
+                  <a:rPr lang="en-US" altLang="zh-CN" b="1" dirty="0">
+                    <a:solidFill>
+                      <a:schemeClr val="bg1"/>
+                    </a:solidFill>
+                  </a:rPr>
+                  <a:t>CPU</a:t>
+                </a:r>
+                <a:endParaRPr lang="zh-CN" altLang="en-US" b="1" dirty="0">
+                  <a:solidFill>
+                    <a:schemeClr val="bg1"/>
+                  </a:solidFill>
+                </a:endParaRPr>
+              </a:p>
+            </p:txBody>
+          </p:sp>
+          <p:sp>
+            <p:nvSpPr>
+              <p:cNvPr id="14" name="矩形: 圆角 13">
+                <a:extLst>
+                  <a:ext uri="{FF2B5EF4-FFF2-40B4-BE49-F238E27FC236}">
+                    <a16:creationId xmlns:a16="http://schemas.microsoft.com/office/drawing/2014/main" id="{02138353-FE6A-44E0-B70D-ACCF1C7EB226}"/>
+                  </a:ext>
+                </a:extLst>
+              </p:cNvPr>
+              <p:cNvSpPr/>
+              <p:nvPr/>
+            </p:nvSpPr>
+            <p:spPr>
+              <a:xfrm>
+                <a:off x="1870841" y="1414376"/>
+                <a:ext cx="3510456" cy="1066065"/>
+              </a:xfrm>
+              <a:prstGeom prst="roundRect">
+                <a:avLst/>
+              </a:prstGeom>
+              <a:solidFill>
+                <a:srgbClr val="00B050"/>
+              </a:solidFill>
+              <a:ln>
+                <a:solidFill>
+                  <a:srgbClr val="00B050"/>
+                </a:solidFill>
+              </a:ln>
+            </p:spPr>
+            <p:style>
+              <a:lnRef idx="2">
+                <a:schemeClr val="accent1">
+                  <a:shade val="50000"/>
+                </a:schemeClr>
+              </a:lnRef>
+              <a:fillRef idx="1">
+                <a:schemeClr val="accent1"/>
+              </a:fillRef>
+              <a:effectRef idx="0">
+                <a:schemeClr val="accent1"/>
+              </a:effectRef>
+              <a:fontRef idx="minor">
+                <a:schemeClr val="lt1"/>
+              </a:fontRef>
+            </p:style>
+            <p:txBody>
+              <a:bodyPr rtlCol="0" anchor="ctr"/>
+              <a:lstStyle/>
+              <a:p>
+                <a:pPr algn="ctr"/>
+                <a:endParaRPr lang="zh-CN" altLang="en-US"/>
+              </a:p>
+            </p:txBody>
+          </p:sp>
+          <p:sp>
+            <p:nvSpPr>
+              <p:cNvPr id="15" name="文本框 14">
+                <a:extLst>
+                  <a:ext uri="{FF2B5EF4-FFF2-40B4-BE49-F238E27FC236}">
+                    <a16:creationId xmlns:a16="http://schemas.microsoft.com/office/drawing/2014/main" id="{85145239-D0E9-4740-A33C-B38EFFA53575}"/>
+                  </a:ext>
+                </a:extLst>
+              </p:cNvPr>
+              <p:cNvSpPr txBox="1"/>
+              <p:nvPr/>
+            </p:nvSpPr>
+            <p:spPr>
+              <a:xfrm>
+                <a:off x="1986456" y="1746243"/>
+                <a:ext cx="788275" cy="369332"/>
+              </a:xfrm>
+              <a:prstGeom prst="rect">
+                <a:avLst/>
+              </a:prstGeom>
+              <a:noFill/>
+            </p:spPr>
+            <p:txBody>
+              <a:bodyPr wrap="square" rtlCol="0">
+                <a:spAutoFit/>
+              </a:bodyPr>
+              <a:lstStyle/>
+              <a:p>
+                <a:r>
+                  <a:rPr lang="zh-CN" altLang="en-US" dirty="0">
+                    <a:solidFill>
+                      <a:schemeClr val="bg1"/>
+                    </a:solidFill>
+                  </a:rPr>
+                  <a:t>线程</a:t>
+                </a:r>
+                <a:r>
+                  <a:rPr lang="en-US" altLang="zh-CN" dirty="0">
+                    <a:solidFill>
+                      <a:schemeClr val="bg1"/>
+                    </a:solidFill>
+                  </a:rPr>
+                  <a:t>B</a:t>
+                </a:r>
+                <a:endParaRPr lang="zh-CN" altLang="en-US" dirty="0">
+                  <a:solidFill>
+                    <a:schemeClr val="bg1"/>
+                  </a:solidFill>
+                </a:endParaRPr>
+              </a:p>
+            </p:txBody>
+          </p:sp>
+          <p:sp>
+            <p:nvSpPr>
+              <p:cNvPr id="16" name="矩形 15">
+                <a:extLst>
+                  <a:ext uri="{FF2B5EF4-FFF2-40B4-BE49-F238E27FC236}">
+                    <a16:creationId xmlns:a16="http://schemas.microsoft.com/office/drawing/2014/main" id="{D5D7CE61-C270-4D2F-BF62-4D7431E5CDEF}"/>
+                  </a:ext>
+                </a:extLst>
+              </p:cNvPr>
+              <p:cNvSpPr/>
+              <p:nvPr/>
+            </p:nvSpPr>
+            <p:spPr>
+              <a:xfrm>
+                <a:off x="3352798" y="1506736"/>
+                <a:ext cx="1797269" cy="875354"/>
+              </a:xfrm>
+              <a:prstGeom prst="rect">
+                <a:avLst/>
+              </a:prstGeom>
+              <a:solidFill>
+                <a:schemeClr val="accent6">
+                  <a:lumMod val="60000"/>
+                  <a:lumOff val="40000"/>
+                </a:schemeClr>
+              </a:solidFill>
+              <a:ln>
+                <a:solidFill>
+                  <a:srgbClr val="FFFF00"/>
+                </a:solidFill>
+              </a:ln>
+            </p:spPr>
+            <p:style>
+              <a:lnRef idx="2">
+                <a:schemeClr val="accent1">
+                  <a:shade val="50000"/>
+                </a:schemeClr>
+              </a:lnRef>
+              <a:fillRef idx="1">
+                <a:schemeClr val="accent1"/>
+              </a:fillRef>
+              <a:effectRef idx="0">
+                <a:schemeClr val="accent1"/>
+              </a:effectRef>
+              <a:fontRef idx="minor">
+                <a:schemeClr val="lt1"/>
+              </a:fontRef>
+            </p:style>
+            <p:txBody>
+              <a:bodyPr rtlCol="0" anchor="ctr"/>
+              <a:lstStyle/>
+              <a:p>
+                <a:pPr algn="ctr"/>
+                <a:r>
+                  <a:rPr lang="zh-CN" altLang="en-US" b="1" dirty="0">
+                    <a:solidFill>
+                      <a:srgbClr val="FF0000"/>
+                    </a:solidFill>
+                  </a:rPr>
+                  <a:t>工作内存</a:t>
+                </a:r>
+                <a:endParaRPr lang="en-US" altLang="zh-CN" b="1" dirty="0">
+                  <a:solidFill>
+                    <a:srgbClr val="FF0000"/>
+                  </a:solidFill>
+                </a:endParaRPr>
+              </a:p>
+              <a:p>
+                <a:pPr algn="ctr"/>
+                <a:endParaRPr lang="en-US" altLang="zh-CN" b="1" dirty="0">
+                  <a:solidFill>
+                    <a:srgbClr val="FF0000"/>
+                  </a:solidFill>
+                </a:endParaRPr>
+              </a:p>
+              <a:p>
+                <a:pPr algn="ctr"/>
+                <a:endParaRPr lang="zh-CN" altLang="en-US" b="1" dirty="0">
+                  <a:solidFill>
+                    <a:srgbClr val="FF0000"/>
+                  </a:solidFill>
+                </a:endParaRPr>
+              </a:p>
+            </p:txBody>
+          </p:sp>
+          <p:sp>
+            <p:nvSpPr>
+              <p:cNvPr id="17" name="矩形: 圆角 16">
+                <a:extLst>
+                  <a:ext uri="{FF2B5EF4-FFF2-40B4-BE49-F238E27FC236}">
+                    <a16:creationId xmlns:a16="http://schemas.microsoft.com/office/drawing/2014/main" id="{CE1D6073-A408-411E-B2BB-EBFBE9ACC717}"/>
+                  </a:ext>
+                </a:extLst>
+              </p:cNvPr>
+              <p:cNvSpPr/>
+              <p:nvPr/>
+            </p:nvSpPr>
+            <p:spPr>
+              <a:xfrm>
+                <a:off x="3531474" y="1825327"/>
+                <a:ext cx="1439918" cy="497032"/>
+              </a:xfrm>
+              <a:prstGeom prst="roundRect">
+                <a:avLst/>
+              </a:prstGeom>
+            </p:spPr>
+            <p:style>
+              <a:lnRef idx="2">
+                <a:schemeClr val="accent1">
+                  <a:shade val="50000"/>
+                </a:schemeClr>
+              </a:lnRef>
+              <a:fillRef idx="1">
+                <a:schemeClr val="accent1"/>
+              </a:fillRef>
+              <a:effectRef idx="0">
+                <a:schemeClr val="accent1"/>
+              </a:effectRef>
+              <a:fontRef idx="minor">
+                <a:schemeClr val="lt1"/>
+              </a:fontRef>
+            </p:style>
+            <p:txBody>
+              <a:bodyPr rtlCol="0" anchor="ctr"/>
+              <a:lstStyle/>
+              <a:p>
+                <a:pPr algn="ctr"/>
+                <a:r>
+                  <a:rPr lang="zh-CN" altLang="en-US" sz="1400" dirty="0"/>
+                  <a:t>共享变量副本</a:t>
+                </a:r>
+                <a:endParaRPr lang="en-US" altLang="zh-CN" sz="1400" dirty="0"/>
+              </a:p>
+              <a:p>
+                <a:pPr algn="ctr"/>
+                <a:r>
+                  <a:rPr lang="en-US" altLang="zh-CN" sz="1400" dirty="0"/>
+                  <a:t>flag=false</a:t>
+                </a:r>
+                <a:endParaRPr lang="zh-CN" altLang="en-US" sz="1400" dirty="0"/>
+              </a:p>
+            </p:txBody>
+          </p:sp>
+        </p:grpSp>
+        <p:grpSp>
+          <p:nvGrpSpPr>
+            <p:cNvPr id="18" name="组合 17">
+              <a:extLst>
+                <a:ext uri="{FF2B5EF4-FFF2-40B4-BE49-F238E27FC236}">
+                  <a16:creationId xmlns:a16="http://schemas.microsoft.com/office/drawing/2014/main" id="{093BE02B-85D5-4523-900E-805B1853A30D}"/>
+                </a:ext>
+              </a:extLst>
+            </p:cNvPr>
+            <p:cNvGrpSpPr/>
+            <p:nvPr/>
+          </p:nvGrpSpPr>
+          <p:grpSpPr>
+            <a:xfrm>
+              <a:off x="935420" y="4770226"/>
+              <a:ext cx="4918841" cy="1429407"/>
+              <a:chOff x="935421" y="1229710"/>
+              <a:chExt cx="4918841" cy="1429407"/>
+            </a:xfrm>
+          </p:grpSpPr>
+          <p:sp>
+            <p:nvSpPr>
+              <p:cNvPr id="19" name="矩形 18">
+                <a:extLst>
+                  <a:ext uri="{FF2B5EF4-FFF2-40B4-BE49-F238E27FC236}">
+                    <a16:creationId xmlns:a16="http://schemas.microsoft.com/office/drawing/2014/main" id="{6DAD09B6-5915-40FC-8676-9B1E2D421154}"/>
+                  </a:ext>
+                </a:extLst>
+              </p:cNvPr>
+              <p:cNvSpPr/>
+              <p:nvPr/>
+            </p:nvSpPr>
+            <p:spPr>
+              <a:xfrm>
+                <a:off x="935421" y="1229710"/>
+                <a:ext cx="4918841" cy="1429407"/>
+              </a:xfrm>
+              <a:prstGeom prst="rect">
+                <a:avLst/>
+              </a:prstGeom>
+              <a:solidFill>
+                <a:schemeClr val="accent1">
+                  <a:lumMod val="50000"/>
+                </a:schemeClr>
+              </a:solidFill>
+            </p:spPr>
+            <p:style>
+              <a:lnRef idx="2">
+                <a:schemeClr val="accent1">
+                  <a:shade val="50000"/>
+                </a:schemeClr>
+              </a:lnRef>
+              <a:fillRef idx="1">
+                <a:schemeClr val="accent1"/>
+              </a:fillRef>
+              <a:effectRef idx="0">
+                <a:schemeClr val="accent1"/>
+              </a:effectRef>
+              <a:fontRef idx="minor">
+                <a:schemeClr val="lt1"/>
+              </a:fontRef>
+            </p:style>
+            <p:txBody>
+              <a:bodyPr rtlCol="0" anchor="ctr"/>
+              <a:lstStyle/>
+              <a:p>
+                <a:pPr algn="ctr"/>
+                <a:endParaRPr lang="zh-CN" altLang="en-US" dirty="0"/>
+              </a:p>
+            </p:txBody>
+          </p:sp>
+          <p:sp>
+            <p:nvSpPr>
+              <p:cNvPr id="20" name="文本框 19">
+                <a:extLst>
+                  <a:ext uri="{FF2B5EF4-FFF2-40B4-BE49-F238E27FC236}">
+                    <a16:creationId xmlns:a16="http://schemas.microsoft.com/office/drawing/2014/main" id="{782829A9-A4C8-4D10-8322-0ED3D6FD0CCF}"/>
+                  </a:ext>
+                </a:extLst>
+              </p:cNvPr>
+              <p:cNvSpPr txBox="1"/>
+              <p:nvPr/>
+            </p:nvSpPr>
+            <p:spPr>
+              <a:xfrm>
+                <a:off x="935421" y="1229710"/>
+                <a:ext cx="693682" cy="369332"/>
+              </a:xfrm>
+              <a:prstGeom prst="rect">
+                <a:avLst/>
+              </a:prstGeom>
+              <a:noFill/>
+            </p:spPr>
+            <p:txBody>
+              <a:bodyPr wrap="square" rtlCol="0">
+                <a:spAutoFit/>
+              </a:bodyPr>
+              <a:lstStyle/>
+              <a:p>
+                <a:r>
+                  <a:rPr lang="en-US" altLang="zh-CN" b="1" dirty="0">
+                    <a:solidFill>
+                      <a:schemeClr val="bg1"/>
+                    </a:solidFill>
+                  </a:rPr>
+                  <a:t>CPU</a:t>
+                </a:r>
+                <a:endParaRPr lang="zh-CN" altLang="en-US" b="1" dirty="0">
+                  <a:solidFill>
+                    <a:schemeClr val="bg1"/>
+                  </a:solidFill>
+                </a:endParaRPr>
+              </a:p>
+            </p:txBody>
+          </p:sp>
+          <p:sp>
+            <p:nvSpPr>
+              <p:cNvPr id="21" name="矩形: 圆角 20">
+                <a:extLst>
+                  <a:ext uri="{FF2B5EF4-FFF2-40B4-BE49-F238E27FC236}">
+                    <a16:creationId xmlns:a16="http://schemas.microsoft.com/office/drawing/2014/main" id="{57A2EBAF-83A7-4AEE-B362-30E9B7AB695E}"/>
+                  </a:ext>
+                </a:extLst>
+              </p:cNvPr>
+              <p:cNvSpPr/>
+              <p:nvPr/>
+            </p:nvSpPr>
+            <p:spPr>
+              <a:xfrm>
+                <a:off x="1870841" y="1414376"/>
+                <a:ext cx="3510456" cy="1066065"/>
+              </a:xfrm>
+              <a:prstGeom prst="roundRect">
+                <a:avLst/>
+              </a:prstGeom>
+              <a:solidFill>
+                <a:srgbClr val="00B050"/>
+              </a:solidFill>
+              <a:ln>
+                <a:solidFill>
+                  <a:srgbClr val="00B050"/>
+                </a:solidFill>
+              </a:ln>
+            </p:spPr>
+            <p:style>
+              <a:lnRef idx="2">
+                <a:schemeClr val="accent1">
+                  <a:shade val="50000"/>
+                </a:schemeClr>
+              </a:lnRef>
+              <a:fillRef idx="1">
+                <a:schemeClr val="accent1"/>
+              </a:fillRef>
+              <a:effectRef idx="0">
+                <a:schemeClr val="accent1"/>
+              </a:effectRef>
+              <a:fontRef idx="minor">
+                <a:schemeClr val="lt1"/>
+              </a:fontRef>
+            </p:style>
+            <p:txBody>
+              <a:bodyPr rtlCol="0" anchor="ctr"/>
+              <a:lstStyle/>
+              <a:p>
+                <a:pPr algn="ctr"/>
+                <a:endParaRPr lang="zh-CN" altLang="en-US"/>
+              </a:p>
+            </p:txBody>
+          </p:sp>
+          <p:sp>
+            <p:nvSpPr>
+              <p:cNvPr id="22" name="文本框 21">
+                <a:extLst>
+                  <a:ext uri="{FF2B5EF4-FFF2-40B4-BE49-F238E27FC236}">
+                    <a16:creationId xmlns:a16="http://schemas.microsoft.com/office/drawing/2014/main" id="{5040F110-3A14-4D6E-BD6A-A6676B167486}"/>
+                  </a:ext>
+                </a:extLst>
+              </p:cNvPr>
+              <p:cNvSpPr txBox="1"/>
+              <p:nvPr/>
+            </p:nvSpPr>
+            <p:spPr>
+              <a:xfrm>
+                <a:off x="1991712" y="1759747"/>
+                <a:ext cx="945928" cy="369332"/>
+              </a:xfrm>
+              <a:prstGeom prst="rect">
+                <a:avLst/>
+              </a:prstGeom>
+              <a:noFill/>
+            </p:spPr>
+            <p:txBody>
+              <a:bodyPr wrap="square" rtlCol="0">
+                <a:spAutoFit/>
+              </a:bodyPr>
+              <a:lstStyle/>
+              <a:p>
+                <a:r>
+                  <a:rPr lang="zh-CN" altLang="en-US" dirty="0">
+                    <a:solidFill>
+                      <a:schemeClr val="bg1"/>
+                    </a:solidFill>
+                  </a:rPr>
+                  <a:t>线程</a:t>
+                </a:r>
+                <a:r>
+                  <a:rPr lang="en-US" altLang="zh-CN" dirty="0">
+                    <a:solidFill>
+                      <a:schemeClr val="bg1"/>
+                    </a:solidFill>
+                  </a:rPr>
+                  <a:t>C</a:t>
+                </a:r>
+                <a:endParaRPr lang="zh-CN" altLang="en-US" dirty="0">
+                  <a:solidFill>
+                    <a:schemeClr val="bg1"/>
+                  </a:solidFill>
+                </a:endParaRPr>
+              </a:p>
+            </p:txBody>
+          </p:sp>
+          <p:sp>
+            <p:nvSpPr>
+              <p:cNvPr id="23" name="矩形 22">
+                <a:extLst>
+                  <a:ext uri="{FF2B5EF4-FFF2-40B4-BE49-F238E27FC236}">
+                    <a16:creationId xmlns:a16="http://schemas.microsoft.com/office/drawing/2014/main" id="{DE635B65-7895-4AF8-8B03-C1B1C4E381A2}"/>
+                  </a:ext>
+                </a:extLst>
+              </p:cNvPr>
+              <p:cNvSpPr/>
+              <p:nvPr/>
+            </p:nvSpPr>
+            <p:spPr>
+              <a:xfrm>
+                <a:off x="3352798" y="1506736"/>
+                <a:ext cx="1797269" cy="875354"/>
+              </a:xfrm>
+              <a:prstGeom prst="rect">
+                <a:avLst/>
+              </a:prstGeom>
+              <a:solidFill>
+                <a:schemeClr val="accent6">
+                  <a:lumMod val="60000"/>
+                  <a:lumOff val="40000"/>
+                </a:schemeClr>
+              </a:solidFill>
+              <a:ln>
+                <a:solidFill>
+                  <a:srgbClr val="FFFF00"/>
+                </a:solidFill>
+              </a:ln>
+            </p:spPr>
+            <p:style>
+              <a:lnRef idx="2">
+                <a:schemeClr val="accent1">
+                  <a:shade val="50000"/>
+                </a:schemeClr>
+              </a:lnRef>
+              <a:fillRef idx="1">
+                <a:schemeClr val="accent1"/>
+              </a:fillRef>
+              <a:effectRef idx="0">
+                <a:schemeClr val="accent1"/>
+              </a:effectRef>
+              <a:fontRef idx="minor">
+                <a:schemeClr val="lt1"/>
+              </a:fontRef>
+            </p:style>
+            <p:txBody>
+              <a:bodyPr rtlCol="0" anchor="ctr"/>
+              <a:lstStyle/>
+              <a:p>
+                <a:pPr algn="ctr"/>
+                <a:r>
+                  <a:rPr lang="zh-CN" altLang="en-US" b="1" dirty="0">
+                    <a:solidFill>
+                      <a:srgbClr val="FF0000"/>
+                    </a:solidFill>
+                  </a:rPr>
+                  <a:t>工作内存</a:t>
+                </a:r>
+                <a:endParaRPr lang="en-US" altLang="zh-CN" b="1" dirty="0">
+                  <a:solidFill>
+                    <a:srgbClr val="FF0000"/>
+                  </a:solidFill>
+                </a:endParaRPr>
+              </a:p>
+              <a:p>
+                <a:pPr algn="ctr"/>
+                <a:endParaRPr lang="zh-CN" altLang="en-US" b="1" dirty="0">
+                  <a:solidFill>
+                    <a:srgbClr val="FF0000"/>
+                  </a:solidFill>
+                </a:endParaRPr>
+              </a:p>
+            </p:txBody>
+          </p:sp>
+          <p:sp>
+            <p:nvSpPr>
+              <p:cNvPr id="24" name="矩形: 圆角 23">
+                <a:extLst>
+                  <a:ext uri="{FF2B5EF4-FFF2-40B4-BE49-F238E27FC236}">
+                    <a16:creationId xmlns:a16="http://schemas.microsoft.com/office/drawing/2014/main" id="{27FA7887-21D9-48FE-B68E-104980DF1877}"/>
+                  </a:ext>
+                </a:extLst>
+              </p:cNvPr>
+              <p:cNvSpPr/>
+              <p:nvPr/>
+            </p:nvSpPr>
+            <p:spPr>
+              <a:xfrm>
+                <a:off x="3531473" y="2012758"/>
+                <a:ext cx="1439918" cy="267987"/>
+              </a:xfrm>
+              <a:prstGeom prst="roundRect">
+                <a:avLst/>
+              </a:prstGeom>
+            </p:spPr>
+            <p:style>
+              <a:lnRef idx="2">
+                <a:schemeClr val="accent1">
+                  <a:shade val="50000"/>
+                </a:schemeClr>
+              </a:lnRef>
+              <a:fillRef idx="1">
+                <a:schemeClr val="accent1"/>
+              </a:fillRef>
+              <a:effectRef idx="0">
+                <a:schemeClr val="accent1"/>
+              </a:effectRef>
+              <a:fontRef idx="minor">
+                <a:schemeClr val="lt1"/>
+              </a:fontRef>
+            </p:style>
+            <p:txBody>
+              <a:bodyPr rtlCol="0" anchor="ctr"/>
+              <a:lstStyle/>
+              <a:p>
+                <a:pPr algn="ctr"/>
+                <a:r>
+                  <a:rPr lang="zh-CN" altLang="en-US" sz="1400" dirty="0"/>
+                  <a:t>共享变量副本</a:t>
+                </a:r>
+              </a:p>
+            </p:txBody>
+          </p:sp>
+        </p:grpSp>
+        <p:grpSp>
+          <p:nvGrpSpPr>
+            <p:cNvPr id="31" name="组合 30">
+              <a:extLst>
+                <a:ext uri="{FF2B5EF4-FFF2-40B4-BE49-F238E27FC236}">
+                  <a16:creationId xmlns:a16="http://schemas.microsoft.com/office/drawing/2014/main" id="{1CB23697-F54C-4D7A-B135-3E67C3CC3586}"/>
+                </a:ext>
+              </a:extLst>
+            </p:cNvPr>
+            <p:cNvGrpSpPr/>
+            <p:nvPr/>
+          </p:nvGrpSpPr>
+          <p:grpSpPr>
+            <a:xfrm>
+              <a:off x="8822119" y="1226305"/>
+              <a:ext cx="1513490" cy="4969923"/>
+              <a:chOff x="8822119" y="1226305"/>
+              <a:chExt cx="1513490" cy="4969923"/>
+            </a:xfrm>
+          </p:grpSpPr>
+          <p:sp>
+            <p:nvSpPr>
+              <p:cNvPr id="25" name="矩形: 圆角 24">
+                <a:extLst>
+                  <a:ext uri="{FF2B5EF4-FFF2-40B4-BE49-F238E27FC236}">
+                    <a16:creationId xmlns:a16="http://schemas.microsoft.com/office/drawing/2014/main" id="{B3D7BE24-84E7-4ADF-82D1-089B91F1731A}"/>
+                  </a:ext>
+                </a:extLst>
+              </p:cNvPr>
+              <p:cNvSpPr/>
+              <p:nvPr/>
+            </p:nvSpPr>
+            <p:spPr>
+              <a:xfrm>
+                <a:off x="8822119" y="1226305"/>
+                <a:ext cx="1513490" cy="4969923"/>
+              </a:xfrm>
+              <a:prstGeom prst="roundRect">
+                <a:avLst/>
+              </a:prstGeom>
+              <a:solidFill>
+                <a:srgbClr val="7030A0"/>
+              </a:solidFill>
+            </p:spPr>
+            <p:style>
+              <a:lnRef idx="2">
+                <a:schemeClr val="accent1">
+                  <a:shade val="50000"/>
+                </a:schemeClr>
+              </a:lnRef>
+              <a:fillRef idx="1">
+                <a:schemeClr val="accent1"/>
+              </a:fillRef>
+              <a:effectRef idx="0">
+                <a:schemeClr val="accent1"/>
+              </a:effectRef>
+              <a:fontRef idx="minor">
+                <a:schemeClr val="lt1"/>
+              </a:fontRef>
+            </p:style>
+            <p:txBody>
+              <a:bodyPr rtlCol="0" anchor="ctr"/>
+              <a:lstStyle/>
+              <a:p>
+                <a:pPr algn="ctr"/>
+                <a:r>
+                  <a:rPr lang="en-US" altLang="zh-CN" dirty="0"/>
+                  <a:t>…</a:t>
+                </a:r>
+                <a:endParaRPr lang="zh-CN" altLang="en-US" dirty="0"/>
+              </a:p>
+            </p:txBody>
+          </p:sp>
+          <p:sp>
+            <p:nvSpPr>
+              <p:cNvPr id="26" name="文本框 25">
+                <a:extLst>
+                  <a:ext uri="{FF2B5EF4-FFF2-40B4-BE49-F238E27FC236}">
+                    <a16:creationId xmlns:a16="http://schemas.microsoft.com/office/drawing/2014/main" id="{9A0DB2ED-114A-4282-8F5C-9CA993EAE6FF}"/>
+                  </a:ext>
+                </a:extLst>
+              </p:cNvPr>
+              <p:cNvSpPr txBox="1"/>
+              <p:nvPr/>
+            </p:nvSpPr>
+            <p:spPr>
+              <a:xfrm>
+                <a:off x="9112468" y="1316788"/>
+                <a:ext cx="945931" cy="369332"/>
+              </a:xfrm>
+              <a:prstGeom prst="rect">
+                <a:avLst/>
+              </a:prstGeom>
+              <a:noFill/>
+            </p:spPr>
+            <p:txBody>
+              <a:bodyPr wrap="square" rtlCol="0">
+                <a:spAutoFit/>
+              </a:bodyPr>
+              <a:lstStyle/>
+              <a:p>
+                <a:r>
+                  <a:rPr lang="zh-CN" altLang="en-US" b="1" dirty="0">
+                    <a:solidFill>
+                      <a:schemeClr val="bg1"/>
+                    </a:solidFill>
+                  </a:rPr>
+                  <a:t>主内存</a:t>
+                </a:r>
+              </a:p>
+            </p:txBody>
+          </p:sp>
+          <p:sp>
+            <p:nvSpPr>
+              <p:cNvPr id="27" name="矩形: 圆角 26">
+                <a:extLst>
+                  <a:ext uri="{FF2B5EF4-FFF2-40B4-BE49-F238E27FC236}">
+                    <a16:creationId xmlns:a16="http://schemas.microsoft.com/office/drawing/2014/main" id="{8540635A-68FB-4D79-80E7-11E6276BC33F}"/>
+                  </a:ext>
+                </a:extLst>
+              </p:cNvPr>
+              <p:cNvSpPr/>
+              <p:nvPr/>
+            </p:nvSpPr>
+            <p:spPr>
+              <a:xfrm>
+                <a:off x="8988970" y="1911413"/>
+                <a:ext cx="1192925" cy="369332"/>
+              </a:xfrm>
+              <a:prstGeom prst="roundRect">
+                <a:avLst/>
+              </a:prstGeom>
+              <a:ln>
+                <a:solidFill>
+                  <a:srgbClr val="FFFF00"/>
+                </a:solidFill>
+              </a:ln>
+            </p:spPr>
+            <p:style>
+              <a:lnRef idx="2">
+                <a:schemeClr val="accent1">
+                  <a:shade val="50000"/>
+                </a:schemeClr>
+              </a:lnRef>
+              <a:fillRef idx="1">
+                <a:schemeClr val="accent1"/>
+              </a:fillRef>
+              <a:effectRef idx="0">
+                <a:schemeClr val="accent1"/>
+              </a:effectRef>
+              <a:fontRef idx="minor">
+                <a:schemeClr val="lt1"/>
+              </a:fontRef>
+            </p:style>
+            <p:txBody>
+              <a:bodyPr rtlCol="0" anchor="ctr"/>
+              <a:lstStyle/>
+              <a:p>
+                <a:pPr algn="ctr"/>
+                <a:r>
+                  <a:rPr lang="zh-CN" altLang="en-US" sz="1400" dirty="0"/>
+                  <a:t>共享变量</a:t>
+                </a:r>
+              </a:p>
+            </p:txBody>
+          </p:sp>
+          <p:sp>
+            <p:nvSpPr>
+              <p:cNvPr id="28" name="矩形: 圆角 27">
+                <a:extLst>
+                  <a:ext uri="{FF2B5EF4-FFF2-40B4-BE49-F238E27FC236}">
+                    <a16:creationId xmlns:a16="http://schemas.microsoft.com/office/drawing/2014/main" id="{8309759A-C9A0-4365-86A5-31ABD049D886}"/>
+                  </a:ext>
+                </a:extLst>
+              </p:cNvPr>
+              <p:cNvSpPr/>
+              <p:nvPr/>
+            </p:nvSpPr>
+            <p:spPr>
+              <a:xfrm>
+                <a:off x="8988969" y="2521802"/>
+                <a:ext cx="1192925" cy="369332"/>
+              </a:xfrm>
+              <a:prstGeom prst="roundRect">
+                <a:avLst/>
+              </a:prstGeom>
+              <a:ln>
+                <a:solidFill>
+                  <a:srgbClr val="FFFF00"/>
+                </a:solidFill>
+              </a:ln>
+            </p:spPr>
+            <p:style>
+              <a:lnRef idx="2">
+                <a:schemeClr val="accent1">
+                  <a:shade val="50000"/>
+                </a:schemeClr>
+              </a:lnRef>
+              <a:fillRef idx="1">
+                <a:schemeClr val="accent1"/>
+              </a:fillRef>
+              <a:effectRef idx="0">
+                <a:schemeClr val="accent1"/>
+              </a:effectRef>
+              <a:fontRef idx="minor">
+                <a:schemeClr val="lt1"/>
+              </a:fontRef>
+            </p:style>
+            <p:txBody>
+              <a:bodyPr rtlCol="0" anchor="ctr"/>
+              <a:lstStyle/>
+              <a:p>
+                <a:pPr algn="ctr"/>
+                <a:r>
+                  <a:rPr lang="zh-CN" altLang="en-US" sz="1400" dirty="0"/>
+                  <a:t>共享变量</a:t>
+                </a:r>
+              </a:p>
+            </p:txBody>
+          </p:sp>
+          <p:sp>
+            <p:nvSpPr>
+              <p:cNvPr id="29" name="矩形: 圆角 28">
+                <a:extLst>
+                  <a:ext uri="{FF2B5EF4-FFF2-40B4-BE49-F238E27FC236}">
+                    <a16:creationId xmlns:a16="http://schemas.microsoft.com/office/drawing/2014/main" id="{73D34383-1DB2-4CFF-A3BC-9481133C5470}"/>
+                  </a:ext>
+                </a:extLst>
+              </p:cNvPr>
+              <p:cNvSpPr/>
+              <p:nvPr/>
+            </p:nvSpPr>
+            <p:spPr>
+              <a:xfrm>
+                <a:off x="8988968" y="3096793"/>
+                <a:ext cx="1192925" cy="699727"/>
+              </a:xfrm>
+              <a:prstGeom prst="roundRect">
+                <a:avLst/>
+              </a:prstGeom>
+              <a:solidFill>
+                <a:srgbClr val="FFC000"/>
+              </a:solidFill>
+              <a:ln>
+                <a:solidFill>
+                  <a:srgbClr val="FF0000"/>
+                </a:solidFill>
+              </a:ln>
+            </p:spPr>
+            <p:style>
+              <a:lnRef idx="2">
+                <a:schemeClr val="accent1">
+                  <a:shade val="50000"/>
+                </a:schemeClr>
+              </a:lnRef>
+              <a:fillRef idx="1">
+                <a:schemeClr val="accent1"/>
+              </a:fillRef>
+              <a:effectRef idx="0">
+                <a:schemeClr val="accent1"/>
+              </a:effectRef>
+              <a:fontRef idx="minor">
+                <a:schemeClr val="lt1"/>
+              </a:fontRef>
+            </p:style>
+            <p:txBody>
+              <a:bodyPr rtlCol="0" anchor="ctr"/>
+              <a:lstStyle/>
+              <a:p>
+                <a:pPr algn="ctr"/>
+                <a:r>
+                  <a:rPr lang="zh-CN" altLang="en-US" sz="1400" dirty="0">
+                    <a:solidFill>
+                      <a:schemeClr val="tx1"/>
+                    </a:solidFill>
+                  </a:rPr>
+                  <a:t>共享变量</a:t>
+                </a:r>
+                <a:endParaRPr lang="en-US" altLang="zh-CN" sz="1400" dirty="0">
+                  <a:solidFill>
+                    <a:schemeClr val="tx1"/>
+                  </a:solidFill>
+                </a:endParaRPr>
+              </a:p>
+              <a:p>
+                <a:pPr algn="ctr"/>
+                <a:r>
+                  <a:rPr lang="en-US" altLang="zh-CN" sz="1400" dirty="0">
+                    <a:solidFill>
+                      <a:schemeClr val="tx1"/>
+                    </a:solidFill>
+                  </a:rPr>
+                  <a:t>flag=false</a:t>
+                </a:r>
+                <a:endParaRPr lang="zh-CN" altLang="en-US" sz="1400" dirty="0">
+                  <a:solidFill>
+                    <a:schemeClr val="tx1"/>
+                  </a:solidFill>
+                </a:endParaRPr>
+              </a:p>
+            </p:txBody>
+          </p:sp>
+        </p:grpSp>
+        <p:sp>
+          <p:nvSpPr>
+            <p:cNvPr id="30" name="箭头: 左右 29">
+              <a:extLst>
+                <a:ext uri="{FF2B5EF4-FFF2-40B4-BE49-F238E27FC236}">
+                  <a16:creationId xmlns:a16="http://schemas.microsoft.com/office/drawing/2014/main" id="{589E8F1F-9FDA-4A0A-8844-A2F9243CFE38}"/>
+                </a:ext>
+              </a:extLst>
+            </p:cNvPr>
+            <p:cNvSpPr/>
+            <p:nvPr/>
+          </p:nvSpPr>
+          <p:spPr>
+            <a:xfrm>
+              <a:off x="6019143" y="1519889"/>
+              <a:ext cx="2638094" cy="783048"/>
+            </a:xfrm>
+            <a:prstGeom prst="leftRightArrow">
+              <a:avLst/>
+            </a:prstGeom>
+            <a:solidFill>
+              <a:schemeClr val="bg1"/>
+            </a:solidFill>
+            <a:ln>
+              <a:solidFill>
+                <a:srgbClr val="FF0000"/>
+              </a:solidFill>
+              <a:prstDash val="lgDash"/>
+            </a:ln>
+          </p:spPr>
+          <p:style>
+            <a:lnRef idx="2">
+              <a:schemeClr val="accent1">
+                <a:shade val="50000"/>
+              </a:schemeClr>
+            </a:lnRef>
+            <a:fillRef idx="1">
+              <a:schemeClr val="accent1"/>
+            </a:fillRef>
+            <a:effectRef idx="0">
+              <a:schemeClr val="accent1"/>
+            </a:effectRef>
+            <a:fontRef idx="minor">
+              <a:schemeClr val="lt1"/>
+            </a:fontRef>
+          </p:style>
+          <p:txBody>
+            <a:bodyPr rtlCol="0" anchor="ctr"/>
+            <a:lstStyle/>
+            <a:p>
+              <a:pPr algn="ctr"/>
+              <a:r>
+                <a:rPr lang="en-US" altLang="zh-CN" dirty="0">
+                  <a:solidFill>
+                    <a:schemeClr val="tx1"/>
+                  </a:solidFill>
+                </a:rPr>
+                <a:t>JMM </a:t>
+              </a:r>
+              <a:r>
+                <a:rPr lang="zh-CN" altLang="en-US" dirty="0">
+                  <a:solidFill>
+                    <a:schemeClr val="tx1"/>
+                  </a:solidFill>
+                </a:rPr>
+                <a:t>控制</a:t>
+              </a:r>
+            </a:p>
+          </p:txBody>
+        </p:sp>
+        <p:sp>
+          <p:nvSpPr>
+            <p:cNvPr id="32" name="箭头: 左右 31">
+              <a:extLst>
+                <a:ext uri="{FF2B5EF4-FFF2-40B4-BE49-F238E27FC236}">
+                  <a16:creationId xmlns:a16="http://schemas.microsoft.com/office/drawing/2014/main" id="{FD3A20C1-FCAF-4F75-A815-BEFB5F4190BB}"/>
+                </a:ext>
+              </a:extLst>
+            </p:cNvPr>
+            <p:cNvSpPr/>
+            <p:nvPr/>
+          </p:nvSpPr>
+          <p:spPr>
+            <a:xfrm>
+              <a:off x="6047388" y="5093405"/>
+              <a:ext cx="2638094" cy="783048"/>
+            </a:xfrm>
+            <a:prstGeom prst="leftRightArrow">
+              <a:avLst/>
+            </a:prstGeom>
+            <a:solidFill>
+              <a:schemeClr val="bg1"/>
+            </a:solidFill>
+            <a:ln>
+              <a:solidFill>
+                <a:srgbClr val="FF0000"/>
+              </a:solidFill>
+              <a:prstDash val="lgDash"/>
+            </a:ln>
+          </p:spPr>
+          <p:style>
+            <a:lnRef idx="2">
+              <a:schemeClr val="accent1">
+                <a:shade val="50000"/>
+              </a:schemeClr>
+            </a:lnRef>
+            <a:fillRef idx="1">
+              <a:schemeClr val="accent1"/>
+            </a:fillRef>
+            <a:effectRef idx="0">
+              <a:schemeClr val="accent1"/>
+            </a:effectRef>
+            <a:fontRef idx="minor">
+              <a:schemeClr val="lt1"/>
+            </a:fontRef>
+          </p:style>
+          <p:txBody>
+            <a:bodyPr rtlCol="0" anchor="ctr"/>
+            <a:lstStyle/>
+            <a:p>
+              <a:pPr algn="ctr"/>
+              <a:r>
+                <a:rPr lang="en-US" altLang="zh-CN" dirty="0">
+                  <a:solidFill>
+                    <a:schemeClr val="tx1"/>
+                  </a:solidFill>
+                </a:rPr>
+                <a:t>JMM </a:t>
+              </a:r>
+              <a:r>
+                <a:rPr lang="zh-CN" altLang="en-US" dirty="0">
+                  <a:solidFill>
+                    <a:schemeClr val="tx1"/>
+                  </a:solidFill>
+                </a:rPr>
+                <a:t>控制</a:t>
+              </a:r>
+            </a:p>
+          </p:txBody>
+        </p:sp>
+        <p:sp>
+          <p:nvSpPr>
+            <p:cNvPr id="33" name="箭头: 左右 32">
+              <a:extLst>
+                <a:ext uri="{FF2B5EF4-FFF2-40B4-BE49-F238E27FC236}">
+                  <a16:creationId xmlns:a16="http://schemas.microsoft.com/office/drawing/2014/main" id="{27E0DA4F-AFDB-4F2C-A30C-6DB53CD390B5}"/>
+                </a:ext>
+              </a:extLst>
+            </p:cNvPr>
+            <p:cNvSpPr/>
+            <p:nvPr/>
+          </p:nvSpPr>
+          <p:spPr>
+            <a:xfrm>
+              <a:off x="6047388" y="3336652"/>
+              <a:ext cx="2638094" cy="783048"/>
+            </a:xfrm>
+            <a:prstGeom prst="leftRightArrow">
+              <a:avLst/>
+            </a:prstGeom>
+            <a:solidFill>
+              <a:schemeClr val="bg1"/>
+            </a:solidFill>
+            <a:ln>
+              <a:solidFill>
+                <a:srgbClr val="FF0000"/>
+              </a:solidFill>
+              <a:prstDash val="lgDash"/>
+            </a:ln>
+          </p:spPr>
+          <p:style>
+            <a:lnRef idx="2">
+              <a:schemeClr val="accent1">
+                <a:shade val="50000"/>
+              </a:schemeClr>
+            </a:lnRef>
+            <a:fillRef idx="1">
+              <a:schemeClr val="accent1"/>
+            </a:fillRef>
+            <a:effectRef idx="0">
+              <a:schemeClr val="accent1"/>
+            </a:effectRef>
+            <a:fontRef idx="minor">
+              <a:schemeClr val="lt1"/>
+            </a:fontRef>
+          </p:style>
+          <p:txBody>
+            <a:bodyPr rtlCol="0" anchor="ctr"/>
+            <a:lstStyle/>
+            <a:p>
+              <a:pPr algn="ctr"/>
+              <a:r>
+                <a:rPr lang="en-US" altLang="zh-CN" dirty="0">
+                  <a:solidFill>
+                    <a:schemeClr val="tx1"/>
+                  </a:solidFill>
+                </a:rPr>
+                <a:t>JMM </a:t>
+              </a:r>
+              <a:r>
+                <a:rPr lang="zh-CN" altLang="en-US" dirty="0">
+                  <a:solidFill>
+                    <a:schemeClr val="tx1"/>
+                  </a:solidFill>
+                </a:rPr>
+                <a:t>控制</a:t>
+              </a:r>
+            </a:p>
+          </p:txBody>
+        </p:sp>
+        <p:cxnSp>
+          <p:nvCxnSpPr>
+            <p:cNvPr id="35" name="连接符: 肘形 34">
+              <a:extLst>
+                <a:ext uri="{FF2B5EF4-FFF2-40B4-BE49-F238E27FC236}">
+                  <a16:creationId xmlns:a16="http://schemas.microsoft.com/office/drawing/2014/main" id="{829FA693-E42A-4CDC-A341-BAD4A480DBE2}"/>
+                </a:ext>
+              </a:extLst>
+            </p:cNvPr>
+            <p:cNvCxnSpPr>
+              <a:cxnSpLocks/>
+              <a:endCxn id="9" idx="3"/>
+            </p:cNvCxnSpPr>
+            <p:nvPr/>
+          </p:nvCxnSpPr>
+          <p:spPr>
+            <a:xfrm rot="10800000">
+              <a:off x="4971391" y="2081203"/>
+              <a:ext cx="4017581" cy="1364059"/>
+            </a:xfrm>
+            <a:prstGeom prst="bentConnector3">
+              <a:avLst/>
+            </a:prstGeom>
+            <a:ln w="19050">
+              <a:solidFill>
+                <a:srgbClr val="002060"/>
+              </a:solidFill>
+              <a:tailEnd type="triangle"/>
+            </a:ln>
+          </p:spPr>
+          <p:style>
+            <a:lnRef idx="1">
+              <a:schemeClr val="accent1"/>
+            </a:lnRef>
+            <a:fillRef idx="0">
+              <a:schemeClr val="accent1"/>
+            </a:fillRef>
+            <a:effectRef idx="0">
+              <a:schemeClr val="accent1"/>
+            </a:effectRef>
+            <a:fontRef idx="minor">
+              <a:schemeClr val="tx1"/>
+            </a:fontRef>
+          </p:style>
+        </p:cxnSp>
+        <p:cxnSp>
+          <p:nvCxnSpPr>
+            <p:cNvPr id="37" name="连接符: 肘形 36">
+              <a:extLst>
+                <a:ext uri="{FF2B5EF4-FFF2-40B4-BE49-F238E27FC236}">
+                  <a16:creationId xmlns:a16="http://schemas.microsoft.com/office/drawing/2014/main" id="{A18193F8-9F53-45D9-A0D9-A0CBE6AAD10B}"/>
+                </a:ext>
+              </a:extLst>
+            </p:cNvPr>
+            <p:cNvCxnSpPr>
+              <a:cxnSpLocks/>
+              <a:stCxn id="29" idx="1"/>
+              <a:endCxn id="17" idx="3"/>
+            </p:cNvCxnSpPr>
+            <p:nvPr/>
+          </p:nvCxnSpPr>
+          <p:spPr>
+            <a:xfrm rot="10800000" flipV="1">
+              <a:off x="4971392" y="3446656"/>
+              <a:ext cx="4017576" cy="410949"/>
+            </a:xfrm>
+            <a:prstGeom prst="bentConnector3">
+              <a:avLst/>
+            </a:prstGeom>
+            <a:ln w="19050">
+              <a:solidFill>
+                <a:srgbClr val="002060"/>
+              </a:solidFill>
+              <a:tailEnd type="triangle"/>
+            </a:ln>
+          </p:spPr>
+          <p:style>
+            <a:lnRef idx="1">
+              <a:schemeClr val="accent1"/>
+            </a:lnRef>
+            <a:fillRef idx="0">
+              <a:schemeClr val="accent1"/>
+            </a:fillRef>
+            <a:effectRef idx="0">
+              <a:schemeClr val="accent1"/>
+            </a:effectRef>
+            <a:fontRef idx="minor">
+              <a:schemeClr val="tx1"/>
+            </a:fontRef>
+          </p:style>
+        </p:cxnSp>
+        <p:cxnSp>
+          <p:nvCxnSpPr>
+            <p:cNvPr id="42" name="直接箭头连接符 41">
+              <a:extLst>
+                <a:ext uri="{FF2B5EF4-FFF2-40B4-BE49-F238E27FC236}">
+                  <a16:creationId xmlns:a16="http://schemas.microsoft.com/office/drawing/2014/main" id="{9FC2C55A-9106-4509-8588-15633DA58F58}"/>
+                </a:ext>
+              </a:extLst>
+            </p:cNvPr>
+            <p:cNvCxnSpPr>
+              <a:cxnSpLocks/>
+            </p:cNvCxnSpPr>
+            <p:nvPr/>
+          </p:nvCxnSpPr>
+          <p:spPr>
+            <a:xfrm>
+              <a:off x="2774731" y="1941419"/>
+              <a:ext cx="533398" cy="0"/>
+            </a:xfrm>
+            <a:prstGeom prst="straightConnector1">
+              <a:avLst/>
+            </a:prstGeom>
+            <a:ln w="57150">
+              <a:solidFill>
+                <a:srgbClr val="002060"/>
+              </a:solidFill>
+              <a:headEnd type="triangle"/>
+              <a:tailEnd type="triangle"/>
+            </a:ln>
+          </p:spPr>
+          <p:style>
+            <a:lnRef idx="1">
+              <a:schemeClr val="accent1"/>
+            </a:lnRef>
+            <a:fillRef idx="0">
+              <a:schemeClr val="accent1"/>
+            </a:fillRef>
+            <a:effectRef idx="0">
+              <a:schemeClr val="accent1"/>
+            </a:effectRef>
+            <a:fontRef idx="minor">
+              <a:schemeClr val="tx1"/>
+            </a:fontRef>
+          </p:style>
+        </p:cxnSp>
+        <p:cxnSp>
+          <p:nvCxnSpPr>
+            <p:cNvPr id="43" name="直接箭头连接符 42">
+              <a:extLst>
+                <a:ext uri="{FF2B5EF4-FFF2-40B4-BE49-F238E27FC236}">
+                  <a16:creationId xmlns:a16="http://schemas.microsoft.com/office/drawing/2014/main" id="{E130C684-73CB-4798-8AF6-E689DECA031B}"/>
+                </a:ext>
+              </a:extLst>
+            </p:cNvPr>
+            <p:cNvCxnSpPr>
+              <a:cxnSpLocks/>
+            </p:cNvCxnSpPr>
+            <p:nvPr/>
+          </p:nvCxnSpPr>
+          <p:spPr>
+            <a:xfrm>
+              <a:off x="2753708" y="5497700"/>
+              <a:ext cx="533398" cy="0"/>
+            </a:xfrm>
+            <a:prstGeom prst="straightConnector1">
+              <a:avLst/>
+            </a:prstGeom>
+            <a:ln w="57150">
+              <a:solidFill>
+                <a:srgbClr val="002060"/>
+              </a:solidFill>
+              <a:headEnd type="triangle"/>
+              <a:tailEnd type="triangle"/>
+            </a:ln>
+          </p:spPr>
+          <p:style>
+            <a:lnRef idx="1">
+              <a:schemeClr val="accent1"/>
+            </a:lnRef>
+            <a:fillRef idx="0">
+              <a:schemeClr val="accent1"/>
+            </a:fillRef>
+            <a:effectRef idx="0">
+              <a:schemeClr val="accent1"/>
+            </a:effectRef>
+            <a:fontRef idx="minor">
+              <a:schemeClr val="tx1"/>
+            </a:fontRef>
+          </p:style>
+        </p:cxnSp>
+        <p:cxnSp>
+          <p:nvCxnSpPr>
+            <p:cNvPr id="44" name="直接箭头连接符 43">
+              <a:extLst>
+                <a:ext uri="{FF2B5EF4-FFF2-40B4-BE49-F238E27FC236}">
+                  <a16:creationId xmlns:a16="http://schemas.microsoft.com/office/drawing/2014/main" id="{51A05881-FC27-42F5-BD31-7328989D9464}"/>
+                </a:ext>
+              </a:extLst>
+            </p:cNvPr>
+            <p:cNvCxnSpPr>
+              <a:cxnSpLocks/>
+            </p:cNvCxnSpPr>
+            <p:nvPr/>
+          </p:nvCxnSpPr>
+          <p:spPr>
+            <a:xfrm>
+              <a:off x="2737945" y="3711266"/>
+              <a:ext cx="533398" cy="0"/>
+            </a:xfrm>
+            <a:prstGeom prst="straightConnector1">
+              <a:avLst/>
+            </a:prstGeom>
+            <a:ln w="57150">
+              <a:solidFill>
+                <a:srgbClr val="002060"/>
+              </a:solidFill>
+              <a:headEnd type="triangle"/>
+              <a:tailEnd type="triangle"/>
+            </a:ln>
+          </p:spPr>
+          <p:style>
+            <a:lnRef idx="1">
+              <a:schemeClr val="accent1"/>
+            </a:lnRef>
+            <a:fillRef idx="0">
+              <a:schemeClr val="accent1"/>
+            </a:fillRef>
+            <a:effectRef idx="0">
+              <a:schemeClr val="accent1"/>
+            </a:effectRef>
+            <a:fontRef idx="minor">
+              <a:schemeClr val="tx1"/>
+            </a:fontRef>
+          </p:style>
+        </p:cxnSp>
+        <p:sp>
+          <p:nvSpPr>
+            <p:cNvPr id="45" name="矩形: 圆角 44">
+              <a:extLst>
+                <a:ext uri="{FF2B5EF4-FFF2-40B4-BE49-F238E27FC236}">
+                  <a16:creationId xmlns:a16="http://schemas.microsoft.com/office/drawing/2014/main" id="{E81E8DC0-9427-43C0-8DB5-53E8A19711EE}"/>
+                </a:ext>
+              </a:extLst>
+            </p:cNvPr>
+            <p:cNvSpPr/>
+            <p:nvPr/>
+          </p:nvSpPr>
+          <p:spPr>
+            <a:xfrm>
+              <a:off x="8982401" y="4300159"/>
+              <a:ext cx="1192925" cy="369332"/>
+            </a:xfrm>
+            <a:prstGeom prst="roundRect">
+              <a:avLst/>
+            </a:prstGeom>
+            <a:ln>
+              <a:solidFill>
+                <a:srgbClr val="FFFF00"/>
+              </a:solidFill>
+            </a:ln>
+          </p:spPr>
+          <p:style>
+            <a:lnRef idx="2">
+              <a:schemeClr val="accent1">
+                <a:shade val="50000"/>
+              </a:schemeClr>
+            </a:lnRef>
+            <a:fillRef idx="1">
+              <a:schemeClr val="accent1"/>
+            </a:fillRef>
+            <a:effectRef idx="0">
+              <a:schemeClr val="accent1"/>
+            </a:effectRef>
+            <a:fontRef idx="minor">
+              <a:schemeClr val="lt1"/>
+            </a:fontRef>
+          </p:style>
+          <p:txBody>
+            <a:bodyPr rtlCol="0" anchor="ctr"/>
+            <a:lstStyle/>
+            <a:p>
+              <a:pPr algn="ctr"/>
+              <a:r>
+                <a:rPr lang="zh-CN" altLang="en-US" sz="1400" dirty="0"/>
+                <a:t>共享变量</a:t>
+              </a:r>
+            </a:p>
+          </p:txBody>
+        </p:sp>
+        <p:cxnSp>
+          <p:nvCxnSpPr>
+            <p:cNvPr id="47" name="连接符: 肘形 46">
+              <a:extLst>
+                <a:ext uri="{FF2B5EF4-FFF2-40B4-BE49-F238E27FC236}">
+                  <a16:creationId xmlns:a16="http://schemas.microsoft.com/office/drawing/2014/main" id="{30957253-2A2D-415D-997C-5E4E148A04A8}"/>
+                </a:ext>
+              </a:extLst>
+            </p:cNvPr>
+            <p:cNvCxnSpPr>
+              <a:stCxn id="45" idx="1"/>
+              <a:endCxn id="24" idx="3"/>
+            </p:cNvCxnSpPr>
+            <p:nvPr/>
+          </p:nvCxnSpPr>
+          <p:spPr>
+            <a:xfrm rot="10800000" flipV="1">
+              <a:off x="4971391" y="4484824"/>
+              <a:ext cx="4011011" cy="1202443"/>
+            </a:xfrm>
+            <a:prstGeom prst="bentConnector3">
+              <a:avLst/>
+            </a:prstGeom>
+            <a:ln>
+              <a:tailEnd type="triangle"/>
+            </a:ln>
+          </p:spPr>
+          <p:style>
+            <a:lnRef idx="1">
+              <a:schemeClr val="accent1"/>
+            </a:lnRef>
+            <a:fillRef idx="0">
+              <a:schemeClr val="accent1"/>
+            </a:fillRef>
+            <a:effectRef idx="0">
+              <a:schemeClr val="accent1"/>
+            </a:effectRef>
+            <a:fontRef idx="minor">
+              <a:schemeClr val="tx1"/>
+            </a:fontRef>
+          </p:style>
+        </p:cxnSp>
+      </p:grpSp>
+      <p:sp>
+        <p:nvSpPr>
+          <p:cNvPr id="49" name="文本框 48">
+            <a:extLst>
+              <a:ext uri="{FF2B5EF4-FFF2-40B4-BE49-F238E27FC236}">
+                <a16:creationId xmlns:a16="http://schemas.microsoft.com/office/drawing/2014/main" id="{ABF3E16D-A456-4991-94D5-3351908D78FD}"/>
+              </a:ext>
+            </a:extLst>
+          </p:cNvPr>
+          <p:cNvSpPr txBox="1"/>
+          <p:nvPr/>
+        </p:nvSpPr>
+        <p:spPr>
+          <a:xfrm>
+            <a:off x="966951" y="5917433"/>
+            <a:ext cx="7709162" cy="923330"/>
+          </a:xfrm>
+          <a:prstGeom prst="rect">
+            <a:avLst/>
+          </a:prstGeom>
+          <a:noFill/>
+        </p:spPr>
+        <p:txBody>
+          <a:bodyPr wrap="none" rtlCol="0">
+            <a:spAutoFit/>
+          </a:bodyPr>
+          <a:lstStyle/>
+          <a:p>
+            <a:r>
+              <a:rPr lang="zh-CN" altLang="en-US" dirty="0">
+                <a:solidFill>
+                  <a:srgbClr val="C00000"/>
+                </a:solidFill>
+              </a:rPr>
+              <a:t>注意：</a:t>
+            </a:r>
+            <a:endParaRPr lang="en-US" altLang="zh-CN" dirty="0">
+              <a:solidFill>
+                <a:srgbClr val="C00000"/>
+              </a:solidFill>
+            </a:endParaRPr>
+          </a:p>
+          <a:p>
+            <a:r>
+              <a:rPr lang="en-US" altLang="zh-CN" dirty="0">
+                <a:solidFill>
+                  <a:srgbClr val="C00000"/>
+                </a:solidFill>
+              </a:rPr>
+              <a:t>1</a:t>
+            </a:r>
+            <a:r>
+              <a:rPr lang="zh-CN" altLang="en-US" dirty="0">
+                <a:solidFill>
+                  <a:srgbClr val="C00000"/>
+                </a:solidFill>
+              </a:rPr>
+              <a:t>、每个线程都会从主内存空间将共享变量</a:t>
+            </a:r>
+            <a:r>
+              <a:rPr lang="en-US" altLang="zh-CN" dirty="0">
+                <a:solidFill>
+                  <a:srgbClr val="C00000"/>
+                </a:solidFill>
+              </a:rPr>
+              <a:t>copy</a:t>
+            </a:r>
+            <a:r>
+              <a:rPr lang="zh-CN" altLang="en-US" dirty="0">
+                <a:solidFill>
+                  <a:srgbClr val="C00000"/>
+                </a:solidFill>
+              </a:rPr>
+              <a:t>一个副本保存在其工作内存</a:t>
+            </a:r>
+            <a:endParaRPr lang="en-US" altLang="zh-CN" dirty="0">
+              <a:solidFill>
+                <a:srgbClr val="C00000"/>
+              </a:solidFill>
+            </a:endParaRPr>
+          </a:p>
+          <a:p>
+            <a:r>
+              <a:rPr lang="en-US" altLang="zh-CN" dirty="0">
+                <a:solidFill>
+                  <a:srgbClr val="C00000"/>
+                </a:solidFill>
+              </a:rPr>
+              <a:t>2</a:t>
+            </a:r>
+            <a:r>
+              <a:rPr lang="zh-CN" altLang="en-US" dirty="0">
+                <a:solidFill>
+                  <a:srgbClr val="C00000"/>
+                </a:solidFill>
+              </a:rPr>
+              <a:t>、每个线程的工作内存是独占的，不与其他线程共享</a:t>
             </a:r>
           </a:p>
         </p:txBody>
@@ -16486,15 +23079,45 @@
           <a:p>
             <a:r>
               <a:rPr lang="en-US" altLang="zh-CN" dirty="0"/>
-              <a:t>JVM—GC</a:t>
+              <a:t>JMM—volatile</a:t>
             </a:r>
             <a:r>
               <a:rPr lang="zh-CN" altLang="en-US" dirty="0"/>
-              <a:t>过程</a:t>
+              <a:t>关键字：变量在多线程间可见的原理</a:t>
             </a:r>
           </a:p>
         </p:txBody>
       </p:sp>
+      <p:pic>
+        <p:nvPicPr>
+          <p:cNvPr id="5" name="图片 4">
+            <a:extLst>
+              <a:ext uri="{FF2B5EF4-FFF2-40B4-BE49-F238E27FC236}">
+                <a16:creationId xmlns:a16="http://schemas.microsoft.com/office/drawing/2014/main" id="{C92E68C2-B9AB-4F18-8102-B28BF9996B6C}"/>
+              </a:ext>
+            </a:extLst>
+          </p:cNvPr>
+          <p:cNvPicPr>
+            <a:picLocks noChangeAspect="1"/>
+          </p:cNvPicPr>
+          <p:nvPr/>
+        </p:nvPicPr>
+        <p:blipFill>
+          <a:blip r:embed="rId3"/>
+          <a:stretch>
+            <a:fillRect/>
+          </a:stretch>
+        </p:blipFill>
+        <p:spPr>
+          <a:xfrm>
+            <a:off x="325820" y="492733"/>
+            <a:ext cx="10872281" cy="6269930"/>
+          </a:xfrm>
+          <a:prstGeom prst="rect">
+            <a:avLst/>
+          </a:prstGeom>
+        </p:spPr>
+      </p:pic>
     </p:spTree>
     <p:extLst>
       <p:ext uri="{BB962C8B-B14F-4D97-AF65-F5344CB8AC3E}">
@@ -16578,1690 +23201,278 @@
           <a:p>
             <a:r>
               <a:rPr lang="en-US" altLang="zh-CN" dirty="0"/>
-              <a:t>Java NIO — IO</a:t>
-            </a:r>
-            <a:r>
-              <a:rPr lang="zh-CN" altLang="en-US" dirty="0"/>
-              <a:t>与</a:t>
-            </a:r>
-            <a:r>
-              <a:rPr lang="en-US" altLang="zh-CN" dirty="0"/>
-              <a:t>NIO</a:t>
-            </a:r>
-            <a:r>
-              <a:rPr lang="zh-CN" altLang="en-US" dirty="0"/>
-              <a:t>的区别</a:t>
-            </a:r>
+              <a:t>JMM—volatile</a:t>
+            </a:r>
+            <a:endParaRPr lang="zh-CN" altLang="en-US" dirty="0"/>
           </a:p>
         </p:txBody>
       </p:sp>
-      <p:grpSp>
-        <p:nvGrpSpPr>
-          <p:cNvPr id="16" name="组合 15">
+      <p:sp>
+        <p:nvSpPr>
+          <p:cNvPr id="2" name="矩形 1">
             <a:extLst>
               <a:ext uri="{FF2B5EF4-FFF2-40B4-BE49-F238E27FC236}">
-                <a16:creationId xmlns:a16="http://schemas.microsoft.com/office/drawing/2014/main" id="{E8EB841E-07BC-43CF-BB60-5B474D86F8DA}"/>
+                <a16:creationId xmlns:a16="http://schemas.microsoft.com/office/drawing/2014/main" id="{A85E56FB-48BC-4D6B-A82F-B5B9B4ADF5F8}"/>
               </a:ext>
             </a:extLst>
           </p:cNvPr>
-          <p:cNvGrpSpPr/>
+          <p:cNvSpPr/>
           <p:nvPr/>
-        </p:nvGrpSpPr>
-        <p:grpSpPr>
+        </p:nvSpPr>
+        <p:spPr>
           <a:xfrm>
-            <a:off x="1728952" y="610021"/>
-            <a:ext cx="8229599" cy="2249215"/>
-            <a:chOff x="1524000" y="914398"/>
-            <a:chExt cx="8229599" cy="2249215"/>
+            <a:off x="99408" y="457398"/>
+            <a:ext cx="10857186" cy="954107"/>
           </a:xfrm>
-        </p:grpSpPr>
-        <p:sp>
-          <p:nvSpPr>
-            <p:cNvPr id="2" name="圆柱体 1">
-              <a:extLst>
-                <a:ext uri="{FF2B5EF4-FFF2-40B4-BE49-F238E27FC236}">
-                  <a16:creationId xmlns:a16="http://schemas.microsoft.com/office/drawing/2014/main" id="{64179E05-F9C9-435F-BD76-2AD934D0815D}"/>
-                </a:ext>
-              </a:extLst>
-            </p:cNvPr>
-            <p:cNvSpPr/>
-            <p:nvPr/>
-          </p:nvSpPr>
-          <p:spPr>
-            <a:xfrm>
-              <a:off x="8271640" y="914398"/>
-              <a:ext cx="1481959" cy="2249215"/>
-            </a:xfrm>
-            <a:prstGeom prst="can">
-              <a:avLst/>
-            </a:prstGeom>
-            <a:solidFill>
-              <a:srgbClr val="002060"/>
-            </a:solidFill>
-            <a:ln>
-              <a:solidFill>
-                <a:srgbClr val="002060"/>
-              </a:solidFill>
-            </a:ln>
-          </p:spPr>
-          <p:style>
-            <a:lnRef idx="2">
-              <a:schemeClr val="accent1">
-                <a:shade val="50000"/>
-              </a:schemeClr>
-            </a:lnRef>
-            <a:fillRef idx="1">
-              <a:schemeClr val="accent1"/>
-            </a:fillRef>
-            <a:effectRef idx="0">
-              <a:schemeClr val="accent1"/>
-            </a:effectRef>
-            <a:fontRef idx="minor">
-              <a:schemeClr val="lt1"/>
-            </a:fontRef>
-          </p:style>
-          <p:txBody>
-            <a:bodyPr rtlCol="0" anchor="ctr"/>
-            <a:lstStyle/>
-            <a:p>
-              <a:pPr algn="ctr"/>
-              <a:r>
-                <a:rPr lang="zh-CN" altLang="en-US" sz="1600" dirty="0"/>
-                <a:t>文件</a:t>
-              </a:r>
-              <a:endParaRPr lang="en-US" altLang="zh-CN" sz="1600" dirty="0"/>
-            </a:p>
-            <a:p>
-              <a:pPr algn="ctr"/>
-              <a:r>
-                <a:rPr lang="zh-CN" altLang="en-US" sz="1600" dirty="0"/>
-                <a:t>磁盘</a:t>
-              </a:r>
-              <a:endParaRPr lang="en-US" altLang="zh-CN" sz="1600" dirty="0"/>
-            </a:p>
-            <a:p>
-              <a:pPr algn="ctr"/>
-              <a:r>
-                <a:rPr lang="zh-CN" altLang="en-US" sz="1600" dirty="0"/>
-                <a:t>网络</a:t>
-              </a:r>
-              <a:endParaRPr lang="en-US" altLang="zh-CN" sz="1600" dirty="0"/>
-            </a:p>
-            <a:p>
-              <a:pPr algn="ctr"/>
-              <a:r>
-                <a:rPr lang="zh-CN" altLang="en-US" sz="1600" dirty="0"/>
-                <a:t>云</a:t>
-              </a:r>
-              <a:endParaRPr lang="en-US" altLang="zh-CN" sz="1600" dirty="0"/>
-            </a:p>
-            <a:p>
-              <a:pPr algn="ctr"/>
-              <a:r>
-                <a:rPr lang="en-US" altLang="zh-CN" sz="1600" dirty="0"/>
-                <a:t>…</a:t>
-              </a:r>
-            </a:p>
-          </p:txBody>
-        </p:sp>
-        <p:sp>
-          <p:nvSpPr>
-            <p:cNvPr id="3" name="矩形: 圆角 2">
-              <a:extLst>
-                <a:ext uri="{FF2B5EF4-FFF2-40B4-BE49-F238E27FC236}">
-                  <a16:creationId xmlns:a16="http://schemas.microsoft.com/office/drawing/2014/main" id="{003B7C62-D42A-4BBF-A3E4-7D732BBFA093}"/>
-                </a:ext>
-              </a:extLst>
-            </p:cNvPr>
-            <p:cNvSpPr/>
-            <p:nvPr/>
-          </p:nvSpPr>
-          <p:spPr>
-            <a:xfrm>
-              <a:off x="1524000" y="914398"/>
-              <a:ext cx="1408385" cy="2249214"/>
-            </a:xfrm>
-            <a:prstGeom prst="roundRect">
-              <a:avLst/>
-            </a:prstGeom>
-            <a:solidFill>
-              <a:srgbClr val="7030A0"/>
-            </a:solidFill>
-          </p:spPr>
-          <p:style>
-            <a:lnRef idx="2">
-              <a:schemeClr val="accent1">
-                <a:shade val="50000"/>
-              </a:schemeClr>
-            </a:lnRef>
-            <a:fillRef idx="1">
-              <a:schemeClr val="accent1"/>
-            </a:fillRef>
-            <a:effectRef idx="0">
-              <a:schemeClr val="accent1"/>
-            </a:effectRef>
-            <a:fontRef idx="minor">
-              <a:schemeClr val="lt1"/>
-            </a:fontRef>
-          </p:style>
-          <p:txBody>
-            <a:bodyPr rtlCol="0" anchor="ctr"/>
-            <a:lstStyle/>
-            <a:p>
-              <a:pPr algn="ctr"/>
-              <a:r>
-                <a:rPr lang="en-US" altLang="zh-CN" dirty="0"/>
-                <a:t>Java</a:t>
-              </a:r>
-            </a:p>
-            <a:p>
-              <a:pPr algn="ctr"/>
-              <a:r>
-                <a:rPr lang="zh-CN" altLang="en-US" dirty="0"/>
-                <a:t>程序</a:t>
-              </a:r>
-              <a:endParaRPr lang="en-US" altLang="zh-CN" dirty="0"/>
-            </a:p>
-            <a:p>
-              <a:pPr algn="ctr"/>
-              <a:r>
-                <a:rPr lang="en-US" altLang="zh-CN" dirty="0"/>
-                <a:t>IO</a:t>
-              </a:r>
-              <a:endParaRPr lang="zh-CN" altLang="en-US" dirty="0"/>
-            </a:p>
-          </p:txBody>
-        </p:sp>
-        <p:sp>
-          <p:nvSpPr>
-            <p:cNvPr id="5" name="矩形 4">
-              <a:extLst>
-                <a:ext uri="{FF2B5EF4-FFF2-40B4-BE49-F238E27FC236}">
-                  <a16:creationId xmlns:a16="http://schemas.microsoft.com/office/drawing/2014/main" id="{41ED842E-1616-4EC1-B283-1FA6980B1632}"/>
-                </a:ext>
-              </a:extLst>
-            </p:cNvPr>
-            <p:cNvSpPr/>
-            <p:nvPr/>
-          </p:nvSpPr>
-          <p:spPr>
-            <a:xfrm>
-              <a:off x="2932385" y="1460936"/>
-              <a:ext cx="5339255" cy="1156138"/>
-            </a:xfrm>
-            <a:prstGeom prst="rect">
-              <a:avLst/>
-            </a:prstGeom>
-            <a:solidFill>
-              <a:schemeClr val="accent5">
-                <a:lumMod val="20000"/>
-                <a:lumOff val="80000"/>
-              </a:schemeClr>
-            </a:solidFill>
-          </p:spPr>
-          <p:style>
-            <a:lnRef idx="2">
-              <a:schemeClr val="accent1">
-                <a:shade val="50000"/>
-              </a:schemeClr>
-            </a:lnRef>
-            <a:fillRef idx="1">
-              <a:schemeClr val="accent1"/>
-            </a:fillRef>
-            <a:effectRef idx="0">
-              <a:schemeClr val="accent1"/>
-            </a:effectRef>
-            <a:fontRef idx="minor">
-              <a:schemeClr val="lt1"/>
-            </a:fontRef>
-          </p:style>
-          <p:txBody>
-            <a:bodyPr rtlCol="0" anchor="ctr"/>
-            <a:lstStyle/>
-            <a:p>
-              <a:pPr algn="ctr"/>
-              <a:endParaRPr lang="zh-CN" altLang="en-US" dirty="0"/>
-            </a:p>
-          </p:txBody>
-        </p:sp>
-        <p:sp>
-          <p:nvSpPr>
-            <p:cNvPr id="6" name="文本框 5">
-              <a:extLst>
-                <a:ext uri="{FF2B5EF4-FFF2-40B4-BE49-F238E27FC236}">
-                  <a16:creationId xmlns:a16="http://schemas.microsoft.com/office/drawing/2014/main" id="{599E6603-EF60-4A94-B2DA-43E2B56D12EC}"/>
-                </a:ext>
-              </a:extLst>
-            </p:cNvPr>
-            <p:cNvSpPr txBox="1"/>
-            <p:nvPr/>
-          </p:nvSpPr>
-          <p:spPr>
-            <a:xfrm>
-              <a:off x="4349104" y="1116041"/>
-              <a:ext cx="2505814" cy="307777"/>
-            </a:xfrm>
-            <a:prstGeom prst="rect">
-              <a:avLst/>
-            </a:prstGeom>
-            <a:noFill/>
-          </p:spPr>
-          <p:txBody>
-            <a:bodyPr wrap="none" rtlCol="0">
-              <a:spAutoFit/>
-            </a:bodyPr>
-            <a:lstStyle/>
-            <a:p>
-              <a:r>
-                <a:rPr lang="zh-CN" altLang="en-US" sz="1400" dirty="0"/>
-                <a:t>数据通道：</a:t>
-              </a:r>
-              <a:r>
-                <a:rPr lang="en-US" altLang="zh-CN" sz="1400" dirty="0"/>
-                <a:t>Stream</a:t>
-              </a:r>
-              <a:r>
-                <a:rPr lang="zh-CN" altLang="en-US" sz="1400" dirty="0"/>
-                <a:t>流单向传递</a:t>
-              </a:r>
-            </a:p>
-          </p:txBody>
-        </p:sp>
-        <p:cxnSp>
-          <p:nvCxnSpPr>
-            <p:cNvPr id="8" name="直接箭头连接符 7">
-              <a:extLst>
-                <a:ext uri="{FF2B5EF4-FFF2-40B4-BE49-F238E27FC236}">
-                  <a16:creationId xmlns:a16="http://schemas.microsoft.com/office/drawing/2014/main" id="{1BD3B82B-100F-44A4-88FF-EF3BF27DB60E}"/>
-                </a:ext>
-              </a:extLst>
-            </p:cNvPr>
-            <p:cNvCxnSpPr/>
-            <p:nvPr/>
-          </p:nvCxnSpPr>
-          <p:spPr>
-            <a:xfrm>
-              <a:off x="2932385" y="1897539"/>
-              <a:ext cx="5339255" cy="0"/>
-            </a:xfrm>
-            <a:prstGeom prst="straightConnector1">
-              <a:avLst/>
-            </a:prstGeom>
-            <a:ln w="28575">
-              <a:solidFill>
-                <a:srgbClr val="C00000"/>
-              </a:solidFill>
-              <a:tailEnd type="triangle"/>
-            </a:ln>
-          </p:spPr>
-          <p:style>
-            <a:lnRef idx="1">
-              <a:schemeClr val="accent1"/>
-            </a:lnRef>
-            <a:fillRef idx="0">
-              <a:schemeClr val="accent1"/>
-            </a:fillRef>
-            <a:effectRef idx="0">
-              <a:schemeClr val="accent1"/>
-            </a:effectRef>
-            <a:fontRef idx="minor">
-              <a:schemeClr val="tx1"/>
-            </a:fontRef>
-          </p:style>
-        </p:cxnSp>
-        <p:cxnSp>
-          <p:nvCxnSpPr>
-            <p:cNvPr id="9" name="直接箭头连接符 8">
-              <a:extLst>
-                <a:ext uri="{FF2B5EF4-FFF2-40B4-BE49-F238E27FC236}">
-                  <a16:creationId xmlns:a16="http://schemas.microsoft.com/office/drawing/2014/main" id="{6B0DEB16-63DF-4DDF-8AA2-C434AF3F9C04}"/>
-                </a:ext>
-              </a:extLst>
-            </p:cNvPr>
-            <p:cNvCxnSpPr>
-              <a:cxnSpLocks/>
-            </p:cNvCxnSpPr>
-            <p:nvPr/>
-          </p:nvCxnSpPr>
-          <p:spPr>
-            <a:xfrm flipH="1">
-              <a:off x="2932386" y="2217373"/>
-              <a:ext cx="5339254" cy="0"/>
-            </a:xfrm>
-            <a:prstGeom prst="straightConnector1">
-              <a:avLst/>
-            </a:prstGeom>
-            <a:ln w="28575">
-              <a:solidFill>
-                <a:srgbClr val="C00000"/>
-              </a:solidFill>
-              <a:tailEnd type="triangle"/>
-            </a:ln>
-          </p:spPr>
-          <p:style>
-            <a:lnRef idx="1">
-              <a:schemeClr val="accent1"/>
-            </a:lnRef>
-            <a:fillRef idx="0">
-              <a:schemeClr val="accent1"/>
-            </a:fillRef>
-            <a:effectRef idx="0">
-              <a:schemeClr val="accent1"/>
-            </a:effectRef>
-            <a:fontRef idx="minor">
-              <a:schemeClr val="tx1"/>
-            </a:fontRef>
-          </p:style>
-        </p:cxnSp>
-        <p:sp>
-          <p:nvSpPr>
-            <p:cNvPr id="14" name="文本框 13">
-              <a:extLst>
-                <a:ext uri="{FF2B5EF4-FFF2-40B4-BE49-F238E27FC236}">
-                  <a16:creationId xmlns:a16="http://schemas.microsoft.com/office/drawing/2014/main" id="{B30F35A3-EF93-4B90-90EB-CAF34C2A7B78}"/>
-                </a:ext>
-              </a:extLst>
-            </p:cNvPr>
-            <p:cNvSpPr txBox="1"/>
-            <p:nvPr/>
-          </p:nvSpPr>
-          <p:spPr>
-            <a:xfrm>
-              <a:off x="5307700" y="1589763"/>
-              <a:ext cx="588623" cy="307777"/>
-            </a:xfrm>
-            <a:prstGeom prst="rect">
-              <a:avLst/>
-            </a:prstGeom>
-            <a:noFill/>
-          </p:spPr>
-          <p:txBody>
-            <a:bodyPr wrap="none" rtlCol="0">
-              <a:spAutoFit/>
-            </a:bodyPr>
-            <a:lstStyle/>
-            <a:p>
-              <a:r>
-                <a:rPr lang="en-US" altLang="zh-CN" sz="1400" dirty="0"/>
-                <a:t>Input</a:t>
-              </a:r>
-              <a:endParaRPr lang="zh-CN" altLang="en-US" sz="1400" dirty="0"/>
-            </a:p>
-          </p:txBody>
-        </p:sp>
-        <p:sp>
-          <p:nvSpPr>
-            <p:cNvPr id="15" name="文本框 14">
-              <a:extLst>
-                <a:ext uri="{FF2B5EF4-FFF2-40B4-BE49-F238E27FC236}">
-                  <a16:creationId xmlns:a16="http://schemas.microsoft.com/office/drawing/2014/main" id="{9EB64F38-CE85-490C-B42E-BCA4FC68D765}"/>
-                </a:ext>
-              </a:extLst>
-            </p:cNvPr>
-            <p:cNvSpPr txBox="1"/>
-            <p:nvPr/>
-          </p:nvSpPr>
-          <p:spPr>
-            <a:xfrm>
-              <a:off x="5233161" y="2205316"/>
-              <a:ext cx="737702" cy="307777"/>
-            </a:xfrm>
-            <a:prstGeom prst="rect">
-              <a:avLst/>
-            </a:prstGeom>
-            <a:noFill/>
-          </p:spPr>
-          <p:txBody>
-            <a:bodyPr wrap="square" rtlCol="0">
-              <a:spAutoFit/>
-            </a:bodyPr>
-            <a:lstStyle/>
-            <a:p>
-              <a:r>
-                <a:rPr lang="en-US" altLang="zh-CN" sz="1400" dirty="0"/>
-                <a:t>Output</a:t>
-              </a:r>
-              <a:endParaRPr lang="zh-CN" altLang="en-US" sz="1400" dirty="0"/>
-            </a:p>
-          </p:txBody>
-        </p:sp>
-      </p:grpSp>
-      <p:grpSp>
-        <p:nvGrpSpPr>
-          <p:cNvPr id="56" name="组合 55">
+          <a:prstGeom prst="rect">
+            <a:avLst/>
+          </a:prstGeom>
+        </p:spPr>
+        <p:txBody>
+          <a:bodyPr wrap="square">
+            <a:spAutoFit/>
+          </a:bodyPr>
+          <a:lstStyle/>
+          <a:p>
+            <a:r>
+              <a:rPr lang="en-US" altLang="zh-CN" sz="1400" dirty="0"/>
+              <a:t>volatile</a:t>
+            </a:r>
+            <a:r>
+              <a:rPr lang="zh-CN" altLang="en-US" sz="1400" dirty="0"/>
+              <a:t>变量自身具有下列特性：</a:t>
+            </a:r>
+          </a:p>
+          <a:p>
+            <a:r>
+              <a:rPr lang="zh-CN" altLang="en-US" sz="1400" b="1" dirty="0">
+                <a:solidFill>
+                  <a:srgbClr val="FF0000"/>
+                </a:solidFill>
+              </a:rPr>
+              <a:t>可见性：</a:t>
+            </a:r>
+            <a:r>
+              <a:rPr lang="zh-CN" altLang="en-US" sz="1400" dirty="0"/>
+              <a:t>对一个</a:t>
+            </a:r>
+            <a:r>
+              <a:rPr lang="en-US" altLang="zh-CN" sz="1400" dirty="0"/>
+              <a:t>volatile</a:t>
+            </a:r>
+            <a:r>
+              <a:rPr lang="zh-CN" altLang="en-US" sz="1400" dirty="0"/>
+              <a:t>变量的读，总是能看到（任意线程）对这个</a:t>
+            </a:r>
+            <a:r>
+              <a:rPr lang="en-US" altLang="zh-CN" sz="1400" dirty="0"/>
+              <a:t>volatile</a:t>
+            </a:r>
+            <a:r>
+              <a:rPr lang="zh-CN" altLang="en-US" sz="1400" dirty="0"/>
+              <a:t>变量最后的写入。</a:t>
+            </a:r>
+          </a:p>
+          <a:p>
+            <a:r>
+              <a:rPr lang="zh-CN" altLang="en-US" sz="1400" b="1" dirty="0">
+                <a:solidFill>
+                  <a:srgbClr val="FF0000"/>
+                </a:solidFill>
+              </a:rPr>
+              <a:t>原子性：</a:t>
+            </a:r>
+            <a:r>
+              <a:rPr lang="zh-CN" altLang="en-US" sz="1400" dirty="0"/>
+              <a:t>对任意单个</a:t>
+            </a:r>
+            <a:r>
+              <a:rPr lang="en-US" altLang="zh-CN" sz="1400" dirty="0"/>
+              <a:t>volatile</a:t>
+            </a:r>
+            <a:r>
+              <a:rPr lang="zh-CN" altLang="en-US" sz="1400" dirty="0"/>
+              <a:t>变量的读</a:t>
+            </a:r>
+            <a:r>
+              <a:rPr lang="en-US" altLang="zh-CN" sz="1400" dirty="0"/>
+              <a:t>/</a:t>
+            </a:r>
+            <a:r>
+              <a:rPr lang="zh-CN" altLang="en-US" sz="1400" dirty="0"/>
+              <a:t>写具有原子性，但类似于</a:t>
+            </a:r>
+            <a:r>
+              <a:rPr lang="en-US" altLang="zh-CN" sz="1400" dirty="0"/>
+              <a:t>volatile++</a:t>
+            </a:r>
+            <a:r>
+              <a:rPr lang="zh-CN" altLang="en-US" sz="1400" dirty="0"/>
+              <a:t>这种复合操作不具有原子性。</a:t>
+            </a:r>
+            <a:endParaRPr lang="en-US" altLang="zh-CN" sz="1400" dirty="0"/>
+          </a:p>
+          <a:p>
+            <a:r>
+              <a:rPr lang="en-US" altLang="zh-CN" sz="1400" b="1" dirty="0">
+                <a:solidFill>
+                  <a:srgbClr val="FF0000"/>
+                </a:solidFill>
+              </a:rPr>
+              <a:t>volatile</a:t>
+            </a:r>
+            <a:r>
+              <a:rPr lang="zh-CN" altLang="en-US" sz="1400" b="1" dirty="0">
+                <a:solidFill>
+                  <a:srgbClr val="FF0000"/>
+                </a:solidFill>
+              </a:rPr>
+              <a:t>写的内存语义如下：当写一个</a:t>
+            </a:r>
+            <a:r>
+              <a:rPr lang="en-US" altLang="zh-CN" sz="1400" b="1" dirty="0">
+                <a:solidFill>
+                  <a:srgbClr val="FF0000"/>
+                </a:solidFill>
+              </a:rPr>
+              <a:t>volatile</a:t>
+            </a:r>
+            <a:r>
+              <a:rPr lang="zh-CN" altLang="en-US" sz="1400" b="1" dirty="0">
+                <a:solidFill>
+                  <a:srgbClr val="FF0000"/>
+                </a:solidFill>
+              </a:rPr>
+              <a:t>变量时，</a:t>
+            </a:r>
+            <a:r>
+              <a:rPr lang="en-US" altLang="zh-CN" sz="1400" b="1" dirty="0">
+                <a:solidFill>
+                  <a:srgbClr val="FF0000"/>
+                </a:solidFill>
+              </a:rPr>
+              <a:t>JMM</a:t>
+            </a:r>
+            <a:r>
+              <a:rPr lang="zh-CN" altLang="en-US" sz="1400" b="1" dirty="0">
+                <a:solidFill>
+                  <a:srgbClr val="FF0000"/>
+                </a:solidFill>
+              </a:rPr>
+              <a:t>会把该线程对应的本地内存中的共享变量值刷新到主内存</a:t>
+            </a:r>
+          </a:p>
+        </p:txBody>
+      </p:sp>
+      <p:sp>
+        <p:nvSpPr>
+          <p:cNvPr id="6" name="AutoShape 4" descr="https://upload-images.jianshu.io/upload_images/4222138-5b7339e9829f084f.png?imageMogr2/auto-orient/strip%7CimageView2/2/w/523/format/webp">
             <a:extLst>
               <a:ext uri="{FF2B5EF4-FFF2-40B4-BE49-F238E27FC236}">
-                <a16:creationId xmlns:a16="http://schemas.microsoft.com/office/drawing/2014/main" id="{3A3F19E3-B80B-4D94-BDD1-734C35B9450A}"/>
+                <a16:creationId xmlns:a16="http://schemas.microsoft.com/office/drawing/2014/main" id="{B9F22BA2-532C-4827-B019-DE1BD3085B0A}"/>
               </a:ext>
             </a:extLst>
           </p:cNvPr>
-          <p:cNvGrpSpPr/>
+          <p:cNvSpPr>
+            <a:spLocks noChangeAspect="1" noChangeArrowheads="1"/>
+          </p:cNvSpPr>
           <p:nvPr/>
-        </p:nvGrpSpPr>
-        <p:grpSpPr>
+        </p:nvSpPr>
+        <p:spPr bwMode="auto">
           <a:xfrm>
-            <a:off x="1728952" y="3179068"/>
-            <a:ext cx="8229599" cy="3279228"/>
-            <a:chOff x="1728952" y="3179068"/>
-            <a:chExt cx="8229599" cy="3279228"/>
+            <a:off x="6096000" y="3429000"/>
+            <a:ext cx="304800" cy="304800"/>
           </a:xfrm>
-        </p:grpSpPr>
-        <p:grpSp>
-          <p:nvGrpSpPr>
-            <p:cNvPr id="17" name="组合 16">
-              <a:extLst>
-                <a:ext uri="{FF2B5EF4-FFF2-40B4-BE49-F238E27FC236}">
-                  <a16:creationId xmlns:a16="http://schemas.microsoft.com/office/drawing/2014/main" id="{2ABB8609-D14E-4E1D-9740-11E4829F7955}"/>
-                </a:ext>
-              </a:extLst>
-            </p:cNvPr>
-            <p:cNvGrpSpPr/>
-            <p:nvPr/>
-          </p:nvGrpSpPr>
-          <p:grpSpPr>
-            <a:xfrm>
-              <a:off x="1728952" y="3179068"/>
-              <a:ext cx="8229599" cy="2249215"/>
-              <a:chOff x="1524000" y="914398"/>
-              <a:chExt cx="8229599" cy="2249215"/>
-            </a:xfrm>
-          </p:grpSpPr>
-          <p:sp>
-            <p:nvSpPr>
-              <p:cNvPr id="18" name="圆柱体 17">
-                <a:extLst>
-                  <a:ext uri="{FF2B5EF4-FFF2-40B4-BE49-F238E27FC236}">
-                    <a16:creationId xmlns:a16="http://schemas.microsoft.com/office/drawing/2014/main" id="{5FF78FB0-8327-4204-9EFD-B7F7E84D37AC}"/>
-                  </a:ext>
-                </a:extLst>
-              </p:cNvPr>
-              <p:cNvSpPr/>
-              <p:nvPr/>
-            </p:nvSpPr>
-            <p:spPr>
-              <a:xfrm>
-                <a:off x="8271640" y="914398"/>
-                <a:ext cx="1481959" cy="2249215"/>
-              </a:xfrm>
-              <a:prstGeom prst="can">
-                <a:avLst/>
-              </a:prstGeom>
-              <a:solidFill>
-                <a:srgbClr val="002060"/>
-              </a:solidFill>
-              <a:ln>
-                <a:solidFill>
-                  <a:srgbClr val="002060"/>
-                </a:solidFill>
-              </a:ln>
-            </p:spPr>
-            <p:style>
-              <a:lnRef idx="2">
-                <a:schemeClr val="accent1">
-                  <a:shade val="50000"/>
-                </a:schemeClr>
-              </a:lnRef>
-              <a:fillRef idx="1">
-                <a:schemeClr val="accent1"/>
-              </a:fillRef>
-              <a:effectRef idx="0">
-                <a:schemeClr val="accent1"/>
-              </a:effectRef>
-              <a:fontRef idx="minor">
-                <a:schemeClr val="lt1"/>
-              </a:fontRef>
-            </p:style>
-            <p:txBody>
-              <a:bodyPr rtlCol="0" anchor="ctr"/>
-              <a:lstStyle/>
-              <a:p>
-                <a:pPr algn="ctr"/>
-                <a:r>
-                  <a:rPr lang="zh-CN" altLang="en-US" sz="1600" dirty="0"/>
-                  <a:t>文件</a:t>
-                </a:r>
-                <a:endParaRPr lang="en-US" altLang="zh-CN" sz="1600" dirty="0"/>
-              </a:p>
-              <a:p>
-                <a:pPr algn="ctr"/>
-                <a:r>
-                  <a:rPr lang="zh-CN" altLang="en-US" sz="1600" dirty="0"/>
-                  <a:t>磁盘</a:t>
-                </a:r>
-                <a:endParaRPr lang="en-US" altLang="zh-CN" sz="1600" dirty="0"/>
-              </a:p>
-              <a:p>
-                <a:pPr algn="ctr"/>
-                <a:r>
-                  <a:rPr lang="zh-CN" altLang="en-US" sz="1600" dirty="0"/>
-                  <a:t>网络</a:t>
-                </a:r>
-                <a:endParaRPr lang="en-US" altLang="zh-CN" sz="1600" dirty="0"/>
-              </a:p>
-              <a:p>
-                <a:pPr algn="ctr"/>
-                <a:r>
-                  <a:rPr lang="zh-CN" altLang="en-US" sz="1600" dirty="0"/>
-                  <a:t>云</a:t>
-                </a:r>
-                <a:endParaRPr lang="en-US" altLang="zh-CN" sz="1600" dirty="0"/>
-              </a:p>
-              <a:p>
-                <a:pPr algn="ctr"/>
-                <a:r>
-                  <a:rPr lang="en-US" altLang="zh-CN" sz="1600" dirty="0"/>
-                  <a:t>…</a:t>
-                </a:r>
-              </a:p>
-            </p:txBody>
-          </p:sp>
-          <p:sp>
-            <p:nvSpPr>
-              <p:cNvPr id="19" name="矩形: 圆角 18">
-                <a:extLst>
-                  <a:ext uri="{FF2B5EF4-FFF2-40B4-BE49-F238E27FC236}">
-                    <a16:creationId xmlns:a16="http://schemas.microsoft.com/office/drawing/2014/main" id="{E2DAF25B-26DF-4E29-B71B-1DFE6DE58CA1}"/>
-                  </a:ext>
-                </a:extLst>
-              </p:cNvPr>
-              <p:cNvSpPr/>
-              <p:nvPr/>
-            </p:nvSpPr>
-            <p:spPr>
-              <a:xfrm>
-                <a:off x="1524000" y="914398"/>
-                <a:ext cx="1408385" cy="2249214"/>
-              </a:xfrm>
-              <a:prstGeom prst="roundRect">
-                <a:avLst/>
-              </a:prstGeom>
-              <a:solidFill>
-                <a:srgbClr val="7030A0"/>
-              </a:solidFill>
-            </p:spPr>
-            <p:style>
-              <a:lnRef idx="2">
-                <a:schemeClr val="accent1">
-                  <a:shade val="50000"/>
-                </a:schemeClr>
-              </a:lnRef>
-              <a:fillRef idx="1">
-                <a:schemeClr val="accent1"/>
-              </a:fillRef>
-              <a:effectRef idx="0">
-                <a:schemeClr val="accent1"/>
-              </a:effectRef>
-              <a:fontRef idx="minor">
-                <a:schemeClr val="lt1"/>
-              </a:fontRef>
-            </p:style>
-            <p:txBody>
-              <a:bodyPr rtlCol="0" anchor="ctr"/>
-              <a:lstStyle/>
-              <a:p>
-                <a:pPr algn="ctr"/>
-                <a:r>
-                  <a:rPr lang="en-US" altLang="zh-CN" dirty="0"/>
-                  <a:t>Java</a:t>
-                </a:r>
-              </a:p>
-              <a:p>
-                <a:pPr algn="ctr"/>
-                <a:r>
-                  <a:rPr lang="zh-CN" altLang="en-US" dirty="0"/>
-                  <a:t>程序</a:t>
-                </a:r>
-                <a:endParaRPr lang="en-US" altLang="zh-CN" dirty="0"/>
-              </a:p>
-              <a:p>
-                <a:pPr algn="ctr"/>
-                <a:r>
-                  <a:rPr lang="en-US" altLang="zh-CN" dirty="0"/>
-                  <a:t>NIO</a:t>
-                </a:r>
-                <a:endParaRPr lang="zh-CN" altLang="en-US" dirty="0"/>
-              </a:p>
-            </p:txBody>
-          </p:sp>
-          <p:sp>
-            <p:nvSpPr>
-              <p:cNvPr id="20" name="矩形 19">
-                <a:extLst>
-                  <a:ext uri="{FF2B5EF4-FFF2-40B4-BE49-F238E27FC236}">
-                    <a16:creationId xmlns:a16="http://schemas.microsoft.com/office/drawing/2014/main" id="{497A462A-B31C-4274-9DF2-59F85445E6CC}"/>
-                  </a:ext>
-                </a:extLst>
-              </p:cNvPr>
-              <p:cNvSpPr/>
-              <p:nvPr/>
-            </p:nvSpPr>
-            <p:spPr>
-              <a:xfrm>
-                <a:off x="2932385" y="1460936"/>
-                <a:ext cx="5339255" cy="1156138"/>
-              </a:xfrm>
-              <a:prstGeom prst="rect">
-                <a:avLst/>
-              </a:prstGeom>
-              <a:solidFill>
-                <a:schemeClr val="accent5">
-                  <a:lumMod val="20000"/>
-                  <a:lumOff val="80000"/>
-                </a:schemeClr>
-              </a:solidFill>
-            </p:spPr>
-            <p:style>
-              <a:lnRef idx="2">
-                <a:schemeClr val="accent1">
-                  <a:shade val="50000"/>
-                </a:schemeClr>
-              </a:lnRef>
-              <a:fillRef idx="1">
-                <a:schemeClr val="accent1"/>
-              </a:fillRef>
-              <a:effectRef idx="0">
-                <a:schemeClr val="accent1"/>
-              </a:effectRef>
-              <a:fontRef idx="minor">
-                <a:schemeClr val="lt1"/>
-              </a:fontRef>
-            </p:style>
-            <p:txBody>
-              <a:bodyPr rtlCol="0" anchor="ctr"/>
-              <a:lstStyle/>
-              <a:p>
-                <a:pPr algn="ctr"/>
-                <a:endParaRPr lang="zh-CN" altLang="en-US" dirty="0"/>
-              </a:p>
-            </p:txBody>
-          </p:sp>
-          <p:sp>
-            <p:nvSpPr>
-              <p:cNvPr id="21" name="文本框 20">
-                <a:extLst>
-                  <a:ext uri="{FF2B5EF4-FFF2-40B4-BE49-F238E27FC236}">
-                    <a16:creationId xmlns:a16="http://schemas.microsoft.com/office/drawing/2014/main" id="{D0248BAE-B987-45BE-B7C9-4262EAB46645}"/>
-                  </a:ext>
-                </a:extLst>
-              </p:cNvPr>
-              <p:cNvSpPr txBox="1"/>
-              <p:nvPr/>
-            </p:nvSpPr>
-            <p:spPr>
-              <a:xfrm>
-                <a:off x="3166890" y="1128098"/>
-                <a:ext cx="4870244" cy="307777"/>
-              </a:xfrm>
-              <a:prstGeom prst="rect">
-                <a:avLst/>
-              </a:prstGeom>
-              <a:noFill/>
-            </p:spPr>
-            <p:txBody>
-              <a:bodyPr wrap="none" rtlCol="0">
-                <a:spAutoFit/>
-              </a:bodyPr>
-              <a:lstStyle/>
-              <a:p>
-                <a:r>
-                  <a:rPr lang="en-US" altLang="zh-CN" sz="1400" dirty="0"/>
-                  <a:t>NIO Channel</a:t>
-                </a:r>
-                <a:r>
-                  <a:rPr lang="zh-CN" altLang="en-US" sz="1400" dirty="0"/>
-                  <a:t>：</a:t>
-                </a:r>
-                <a:r>
-                  <a:rPr lang="en-US" altLang="zh-CN" sz="1400" dirty="0"/>
-                  <a:t>Buffer</a:t>
-                </a:r>
-                <a:r>
-                  <a:rPr lang="zh-CN" altLang="en-US" sz="1400" dirty="0"/>
-                  <a:t>（数据缓冲区）在其中双向传递是数据</a:t>
-                </a:r>
-              </a:p>
-            </p:txBody>
-          </p:sp>
-        </p:grpSp>
-        <p:grpSp>
-          <p:nvGrpSpPr>
-            <p:cNvPr id="29" name="组合 28">
-              <a:extLst>
-                <a:ext uri="{FF2B5EF4-FFF2-40B4-BE49-F238E27FC236}">
-                  <a16:creationId xmlns:a16="http://schemas.microsoft.com/office/drawing/2014/main" id="{30283FCB-EC05-4BA9-BE6D-ED2937603B07}"/>
-                </a:ext>
-              </a:extLst>
-            </p:cNvPr>
-            <p:cNvGrpSpPr/>
-            <p:nvPr/>
-          </p:nvGrpSpPr>
-          <p:grpSpPr>
-            <a:xfrm>
-              <a:off x="5022154" y="4061937"/>
-              <a:ext cx="1324308" cy="483476"/>
-              <a:chOff x="4850498" y="4529331"/>
-              <a:chExt cx="1324308" cy="483476"/>
-            </a:xfrm>
-          </p:grpSpPr>
-          <p:sp>
-            <p:nvSpPr>
-              <p:cNvPr id="26" name="矩形 25">
-                <a:extLst>
-                  <a:ext uri="{FF2B5EF4-FFF2-40B4-BE49-F238E27FC236}">
-                    <a16:creationId xmlns:a16="http://schemas.microsoft.com/office/drawing/2014/main" id="{911F0B97-E472-49DD-970D-8C22B52DF537}"/>
-                  </a:ext>
-                </a:extLst>
-              </p:cNvPr>
-              <p:cNvSpPr/>
-              <p:nvPr/>
-            </p:nvSpPr>
-            <p:spPr>
-              <a:xfrm>
-                <a:off x="5050195" y="4529331"/>
-                <a:ext cx="924914" cy="483476"/>
-              </a:xfrm>
-              <a:prstGeom prst="rect">
-                <a:avLst/>
-              </a:prstGeom>
-              <a:solidFill>
-                <a:srgbClr val="00B050"/>
-              </a:solidFill>
-              <a:ln>
-                <a:solidFill>
-                  <a:srgbClr val="00B050"/>
-                </a:solidFill>
-              </a:ln>
-            </p:spPr>
-            <p:style>
-              <a:lnRef idx="2">
-                <a:schemeClr val="accent1">
-                  <a:shade val="50000"/>
-                </a:schemeClr>
-              </a:lnRef>
-              <a:fillRef idx="1">
-                <a:schemeClr val="accent1"/>
-              </a:fillRef>
-              <a:effectRef idx="0">
-                <a:schemeClr val="accent1"/>
-              </a:effectRef>
-              <a:fontRef idx="minor">
-                <a:schemeClr val="lt1"/>
-              </a:fontRef>
-            </p:style>
-            <p:txBody>
-              <a:bodyPr rtlCol="0" anchor="ctr"/>
-              <a:lstStyle/>
-              <a:p>
-                <a:pPr algn="ctr"/>
-                <a:r>
-                  <a:rPr lang="en-US" altLang="zh-CN" dirty="0"/>
-                  <a:t>Buffer</a:t>
-                </a:r>
-                <a:endParaRPr lang="zh-CN" altLang="en-US" dirty="0"/>
-              </a:p>
-            </p:txBody>
-          </p:sp>
-          <p:sp>
-            <p:nvSpPr>
-              <p:cNvPr id="27" name="箭头: 虚尾 26">
-                <a:extLst>
-                  <a:ext uri="{FF2B5EF4-FFF2-40B4-BE49-F238E27FC236}">
-                    <a16:creationId xmlns:a16="http://schemas.microsoft.com/office/drawing/2014/main" id="{7F5FC026-875A-4EC8-916E-ED5AC65A55EA}"/>
-                  </a:ext>
-                </a:extLst>
-              </p:cNvPr>
-              <p:cNvSpPr/>
-              <p:nvPr/>
-            </p:nvSpPr>
-            <p:spPr>
-              <a:xfrm>
-                <a:off x="5975109" y="4632100"/>
-                <a:ext cx="199697" cy="277937"/>
-              </a:xfrm>
-              <a:prstGeom prst="stripedRightArrow">
-                <a:avLst/>
-              </a:prstGeom>
-              <a:solidFill>
-                <a:srgbClr val="00B050"/>
-              </a:solidFill>
-              <a:ln>
-                <a:solidFill>
-                  <a:srgbClr val="00B050"/>
-                </a:solidFill>
-              </a:ln>
-            </p:spPr>
-            <p:style>
-              <a:lnRef idx="2">
-                <a:schemeClr val="accent1">
-                  <a:shade val="50000"/>
-                </a:schemeClr>
-              </a:lnRef>
-              <a:fillRef idx="1">
-                <a:schemeClr val="accent1"/>
-              </a:fillRef>
-              <a:effectRef idx="0">
-                <a:schemeClr val="accent1"/>
-              </a:effectRef>
-              <a:fontRef idx="minor">
-                <a:schemeClr val="lt1"/>
-              </a:fontRef>
-            </p:style>
-            <p:txBody>
-              <a:bodyPr rtlCol="0" anchor="ctr"/>
-              <a:lstStyle/>
-              <a:p>
-                <a:pPr algn="ctr"/>
-                <a:endParaRPr lang="zh-CN" altLang="en-US"/>
-              </a:p>
-            </p:txBody>
-          </p:sp>
-          <p:sp>
-            <p:nvSpPr>
-              <p:cNvPr id="28" name="箭头: 虚尾 27">
-                <a:extLst>
-                  <a:ext uri="{FF2B5EF4-FFF2-40B4-BE49-F238E27FC236}">
-                    <a16:creationId xmlns:a16="http://schemas.microsoft.com/office/drawing/2014/main" id="{166DA1E4-EDD4-4E04-8D3B-060CD6613632}"/>
-                  </a:ext>
-                </a:extLst>
-              </p:cNvPr>
-              <p:cNvSpPr/>
-              <p:nvPr/>
-            </p:nvSpPr>
-            <p:spPr>
-              <a:xfrm rot="10800000">
-                <a:off x="4850498" y="4632099"/>
-                <a:ext cx="199697" cy="277937"/>
-              </a:xfrm>
-              <a:prstGeom prst="stripedRightArrow">
-                <a:avLst/>
-              </a:prstGeom>
-              <a:solidFill>
-                <a:srgbClr val="00B050"/>
-              </a:solidFill>
-              <a:ln>
-                <a:solidFill>
-                  <a:srgbClr val="00B050"/>
-                </a:solidFill>
-              </a:ln>
-            </p:spPr>
-            <p:style>
-              <a:lnRef idx="2">
-                <a:schemeClr val="accent1">
-                  <a:shade val="50000"/>
-                </a:schemeClr>
-              </a:lnRef>
-              <a:fillRef idx="1">
-                <a:schemeClr val="accent1"/>
-              </a:fillRef>
-              <a:effectRef idx="0">
-                <a:schemeClr val="accent1"/>
-              </a:effectRef>
-              <a:fontRef idx="minor">
-                <a:schemeClr val="lt1"/>
-              </a:fontRef>
-            </p:style>
-            <p:txBody>
-              <a:bodyPr rtlCol="0" anchor="ctr"/>
-              <a:lstStyle/>
-              <a:p>
-                <a:pPr algn="ctr"/>
-                <a:endParaRPr lang="zh-CN" altLang="en-US"/>
-              </a:p>
-            </p:txBody>
-          </p:sp>
-        </p:grpSp>
-        <p:grpSp>
-          <p:nvGrpSpPr>
-            <p:cNvPr id="33" name="组合 32">
-              <a:extLst>
-                <a:ext uri="{FF2B5EF4-FFF2-40B4-BE49-F238E27FC236}">
-                  <a16:creationId xmlns:a16="http://schemas.microsoft.com/office/drawing/2014/main" id="{7093234F-5726-4033-8B04-47A0E012234B}"/>
-                </a:ext>
-              </a:extLst>
-            </p:cNvPr>
-            <p:cNvGrpSpPr/>
-            <p:nvPr/>
-          </p:nvGrpSpPr>
-          <p:grpSpPr>
-            <a:xfrm>
-              <a:off x="2709688" y="5974820"/>
-              <a:ext cx="1324308" cy="483476"/>
-              <a:chOff x="4850498" y="4529331"/>
-              <a:chExt cx="1324308" cy="483476"/>
-            </a:xfrm>
-          </p:grpSpPr>
-          <p:sp>
-            <p:nvSpPr>
-              <p:cNvPr id="34" name="矩形 33">
-                <a:extLst>
-                  <a:ext uri="{FF2B5EF4-FFF2-40B4-BE49-F238E27FC236}">
-                    <a16:creationId xmlns:a16="http://schemas.microsoft.com/office/drawing/2014/main" id="{237D1084-45B0-46A6-9251-1E3893E8A7ED}"/>
-                  </a:ext>
-                </a:extLst>
-              </p:cNvPr>
-              <p:cNvSpPr/>
-              <p:nvPr/>
-            </p:nvSpPr>
-            <p:spPr>
-              <a:xfrm>
-                <a:off x="5050195" y="4529331"/>
-                <a:ext cx="924914" cy="483476"/>
-              </a:xfrm>
-              <a:prstGeom prst="rect">
-                <a:avLst/>
-              </a:prstGeom>
-              <a:solidFill>
-                <a:srgbClr val="00B050"/>
-              </a:solidFill>
-              <a:ln>
-                <a:solidFill>
-                  <a:srgbClr val="00B050"/>
-                </a:solidFill>
-              </a:ln>
-            </p:spPr>
-            <p:style>
-              <a:lnRef idx="2">
-                <a:schemeClr val="accent1">
-                  <a:shade val="50000"/>
-                </a:schemeClr>
-              </a:lnRef>
-              <a:fillRef idx="1">
-                <a:schemeClr val="accent1"/>
-              </a:fillRef>
-              <a:effectRef idx="0">
-                <a:schemeClr val="accent1"/>
-              </a:effectRef>
-              <a:fontRef idx="minor">
-                <a:schemeClr val="lt1"/>
-              </a:fontRef>
-            </p:style>
-            <p:txBody>
-              <a:bodyPr rtlCol="0" anchor="ctr"/>
-              <a:lstStyle/>
-              <a:p>
-                <a:pPr algn="ctr"/>
-                <a:r>
-                  <a:rPr lang="en-US" altLang="zh-CN" dirty="0"/>
-                  <a:t>Buffer</a:t>
-                </a:r>
-                <a:endParaRPr lang="zh-CN" altLang="en-US" dirty="0"/>
-              </a:p>
-            </p:txBody>
-          </p:sp>
-          <p:sp>
-            <p:nvSpPr>
-              <p:cNvPr id="35" name="箭头: 虚尾 34">
-                <a:extLst>
-                  <a:ext uri="{FF2B5EF4-FFF2-40B4-BE49-F238E27FC236}">
-                    <a16:creationId xmlns:a16="http://schemas.microsoft.com/office/drawing/2014/main" id="{FF113CB2-1B63-4808-90CE-6302E181DC0C}"/>
-                  </a:ext>
-                </a:extLst>
-              </p:cNvPr>
-              <p:cNvSpPr/>
-              <p:nvPr/>
-            </p:nvSpPr>
-            <p:spPr>
-              <a:xfrm>
-                <a:off x="5975109" y="4632100"/>
-                <a:ext cx="199697" cy="277937"/>
-              </a:xfrm>
-              <a:prstGeom prst="stripedRightArrow">
-                <a:avLst/>
-              </a:prstGeom>
-              <a:solidFill>
-                <a:srgbClr val="00B050"/>
-              </a:solidFill>
-              <a:ln>
-                <a:solidFill>
-                  <a:srgbClr val="00B050"/>
-                </a:solidFill>
-              </a:ln>
-            </p:spPr>
-            <p:style>
-              <a:lnRef idx="2">
-                <a:schemeClr val="accent1">
-                  <a:shade val="50000"/>
-                </a:schemeClr>
-              </a:lnRef>
-              <a:fillRef idx="1">
-                <a:schemeClr val="accent1"/>
-              </a:fillRef>
-              <a:effectRef idx="0">
-                <a:schemeClr val="accent1"/>
-              </a:effectRef>
-              <a:fontRef idx="minor">
-                <a:schemeClr val="lt1"/>
-              </a:fontRef>
-            </p:style>
-            <p:txBody>
-              <a:bodyPr rtlCol="0" anchor="ctr"/>
-              <a:lstStyle/>
-              <a:p>
-                <a:pPr algn="ctr"/>
-                <a:endParaRPr lang="zh-CN" altLang="en-US"/>
-              </a:p>
-            </p:txBody>
-          </p:sp>
-          <p:sp>
-            <p:nvSpPr>
-              <p:cNvPr id="36" name="箭头: 虚尾 35">
-                <a:extLst>
-                  <a:ext uri="{FF2B5EF4-FFF2-40B4-BE49-F238E27FC236}">
-                    <a16:creationId xmlns:a16="http://schemas.microsoft.com/office/drawing/2014/main" id="{929E174F-398F-46DB-9300-924D5AF19EC2}"/>
-                  </a:ext>
-                </a:extLst>
-              </p:cNvPr>
-              <p:cNvSpPr/>
-              <p:nvPr/>
-            </p:nvSpPr>
-            <p:spPr>
-              <a:xfrm rot="10800000">
-                <a:off x="4850498" y="4632099"/>
-                <a:ext cx="199697" cy="277937"/>
-              </a:xfrm>
-              <a:prstGeom prst="stripedRightArrow">
-                <a:avLst/>
-              </a:prstGeom>
-              <a:solidFill>
-                <a:srgbClr val="00B050"/>
-              </a:solidFill>
-              <a:ln>
-                <a:solidFill>
-                  <a:srgbClr val="00B050"/>
-                </a:solidFill>
-              </a:ln>
-            </p:spPr>
-            <p:style>
-              <a:lnRef idx="2">
-                <a:schemeClr val="accent1">
-                  <a:shade val="50000"/>
-                </a:schemeClr>
-              </a:lnRef>
-              <a:fillRef idx="1">
-                <a:schemeClr val="accent1"/>
-              </a:fillRef>
-              <a:effectRef idx="0">
-                <a:schemeClr val="accent1"/>
-              </a:effectRef>
-              <a:fontRef idx="minor">
-                <a:schemeClr val="lt1"/>
-              </a:fontRef>
-            </p:style>
-            <p:txBody>
-              <a:bodyPr rtlCol="0" anchor="ctr"/>
-              <a:lstStyle/>
-              <a:p>
-                <a:pPr algn="ctr"/>
-                <a:endParaRPr lang="zh-CN" altLang="en-US"/>
-              </a:p>
-            </p:txBody>
-          </p:sp>
-        </p:grpSp>
-        <p:grpSp>
-          <p:nvGrpSpPr>
-            <p:cNvPr id="37" name="组合 36">
-              <a:extLst>
-                <a:ext uri="{FF2B5EF4-FFF2-40B4-BE49-F238E27FC236}">
-                  <a16:creationId xmlns:a16="http://schemas.microsoft.com/office/drawing/2014/main" id="{463604F0-689F-4CF8-A652-BD27816EFF93}"/>
-                </a:ext>
-              </a:extLst>
-            </p:cNvPr>
-            <p:cNvGrpSpPr/>
-            <p:nvPr/>
-          </p:nvGrpSpPr>
-          <p:grpSpPr>
-            <a:xfrm>
-              <a:off x="7579932" y="5974820"/>
-              <a:ext cx="1324308" cy="483476"/>
-              <a:chOff x="4850498" y="4529331"/>
-              <a:chExt cx="1324308" cy="483476"/>
-            </a:xfrm>
-          </p:grpSpPr>
-          <p:sp>
-            <p:nvSpPr>
-              <p:cNvPr id="38" name="矩形 37">
-                <a:extLst>
-                  <a:ext uri="{FF2B5EF4-FFF2-40B4-BE49-F238E27FC236}">
-                    <a16:creationId xmlns:a16="http://schemas.microsoft.com/office/drawing/2014/main" id="{17E800D5-47D0-4AB3-A14E-7192AC0F2B6C}"/>
-                  </a:ext>
-                </a:extLst>
-              </p:cNvPr>
-              <p:cNvSpPr/>
-              <p:nvPr/>
-            </p:nvSpPr>
-            <p:spPr>
-              <a:xfrm>
-                <a:off x="5050195" y="4529331"/>
-                <a:ext cx="924914" cy="483476"/>
-              </a:xfrm>
-              <a:prstGeom prst="rect">
-                <a:avLst/>
-              </a:prstGeom>
-              <a:solidFill>
-                <a:srgbClr val="00B050"/>
-              </a:solidFill>
-              <a:ln>
-                <a:solidFill>
-                  <a:srgbClr val="00B050"/>
-                </a:solidFill>
-              </a:ln>
-            </p:spPr>
-            <p:style>
-              <a:lnRef idx="2">
-                <a:schemeClr val="accent1">
-                  <a:shade val="50000"/>
-                </a:schemeClr>
-              </a:lnRef>
-              <a:fillRef idx="1">
-                <a:schemeClr val="accent1"/>
-              </a:fillRef>
-              <a:effectRef idx="0">
-                <a:schemeClr val="accent1"/>
-              </a:effectRef>
-              <a:fontRef idx="minor">
-                <a:schemeClr val="lt1"/>
-              </a:fontRef>
-            </p:style>
-            <p:txBody>
-              <a:bodyPr rtlCol="0" anchor="ctr"/>
-              <a:lstStyle/>
-              <a:p>
-                <a:pPr algn="ctr"/>
-                <a:r>
-                  <a:rPr lang="en-US" altLang="zh-CN" dirty="0"/>
-                  <a:t>Buffer</a:t>
-                </a:r>
-                <a:endParaRPr lang="zh-CN" altLang="en-US" dirty="0"/>
-              </a:p>
-            </p:txBody>
-          </p:sp>
-          <p:sp>
-            <p:nvSpPr>
-              <p:cNvPr id="39" name="箭头: 虚尾 38">
-                <a:extLst>
-                  <a:ext uri="{FF2B5EF4-FFF2-40B4-BE49-F238E27FC236}">
-                    <a16:creationId xmlns:a16="http://schemas.microsoft.com/office/drawing/2014/main" id="{23C5EF18-3F49-4D82-9387-C425448327D5}"/>
-                  </a:ext>
-                </a:extLst>
-              </p:cNvPr>
-              <p:cNvSpPr/>
-              <p:nvPr/>
-            </p:nvSpPr>
-            <p:spPr>
-              <a:xfrm>
-                <a:off x="5975109" y="4632100"/>
-                <a:ext cx="199697" cy="277937"/>
-              </a:xfrm>
-              <a:prstGeom prst="stripedRightArrow">
-                <a:avLst/>
-              </a:prstGeom>
-              <a:solidFill>
-                <a:srgbClr val="00B050"/>
-              </a:solidFill>
-              <a:ln>
-                <a:solidFill>
-                  <a:srgbClr val="00B050"/>
-                </a:solidFill>
-              </a:ln>
-            </p:spPr>
-            <p:style>
-              <a:lnRef idx="2">
-                <a:schemeClr val="accent1">
-                  <a:shade val="50000"/>
-                </a:schemeClr>
-              </a:lnRef>
-              <a:fillRef idx="1">
-                <a:schemeClr val="accent1"/>
-              </a:fillRef>
-              <a:effectRef idx="0">
-                <a:schemeClr val="accent1"/>
-              </a:effectRef>
-              <a:fontRef idx="minor">
-                <a:schemeClr val="lt1"/>
-              </a:fontRef>
-            </p:style>
-            <p:txBody>
-              <a:bodyPr rtlCol="0" anchor="ctr"/>
-              <a:lstStyle/>
-              <a:p>
-                <a:pPr algn="ctr"/>
-                <a:endParaRPr lang="zh-CN" altLang="en-US"/>
-              </a:p>
-            </p:txBody>
-          </p:sp>
-          <p:sp>
-            <p:nvSpPr>
-              <p:cNvPr id="40" name="箭头: 虚尾 39">
-                <a:extLst>
-                  <a:ext uri="{FF2B5EF4-FFF2-40B4-BE49-F238E27FC236}">
-                    <a16:creationId xmlns:a16="http://schemas.microsoft.com/office/drawing/2014/main" id="{E1A12EFE-B8E8-4A98-935C-34D6DF675616}"/>
-                  </a:ext>
-                </a:extLst>
-              </p:cNvPr>
-              <p:cNvSpPr/>
-              <p:nvPr/>
-            </p:nvSpPr>
-            <p:spPr>
-              <a:xfrm rot="10800000">
-                <a:off x="4850498" y="4632099"/>
-                <a:ext cx="199697" cy="277937"/>
-              </a:xfrm>
-              <a:prstGeom prst="stripedRightArrow">
-                <a:avLst/>
-              </a:prstGeom>
-              <a:solidFill>
-                <a:srgbClr val="00B050"/>
-              </a:solidFill>
-              <a:ln>
-                <a:solidFill>
-                  <a:srgbClr val="00B050"/>
-                </a:solidFill>
-              </a:ln>
-            </p:spPr>
-            <p:style>
-              <a:lnRef idx="2">
-                <a:schemeClr val="accent1">
-                  <a:shade val="50000"/>
-                </a:schemeClr>
-              </a:lnRef>
-              <a:fillRef idx="1">
-                <a:schemeClr val="accent1"/>
-              </a:fillRef>
-              <a:effectRef idx="0">
-                <a:schemeClr val="accent1"/>
-              </a:effectRef>
-              <a:fontRef idx="minor">
-                <a:schemeClr val="lt1"/>
-              </a:fontRef>
-            </p:style>
-            <p:txBody>
-              <a:bodyPr rtlCol="0" anchor="ctr"/>
-              <a:lstStyle/>
-              <a:p>
-                <a:pPr algn="ctr"/>
-                <a:endParaRPr lang="zh-CN" altLang="en-US"/>
-              </a:p>
-            </p:txBody>
-          </p:sp>
-        </p:grpSp>
-        <p:cxnSp>
-          <p:nvCxnSpPr>
-            <p:cNvPr id="42" name="连接符: 肘形 41">
-              <a:extLst>
-                <a:ext uri="{FF2B5EF4-FFF2-40B4-BE49-F238E27FC236}">
-                  <a16:creationId xmlns:a16="http://schemas.microsoft.com/office/drawing/2014/main" id="{20D586BB-B028-4839-959B-E51C55D6620A}"/>
-                </a:ext>
-              </a:extLst>
-            </p:cNvPr>
-            <p:cNvCxnSpPr>
-              <a:cxnSpLocks/>
-              <a:stCxn id="19" idx="2"/>
-              <a:endCxn id="34" idx="0"/>
-            </p:cNvCxnSpPr>
-            <p:nvPr/>
-          </p:nvCxnSpPr>
-          <p:spPr>
-            <a:xfrm rot="16200000" flipH="1">
-              <a:off x="2629224" y="5232202"/>
-              <a:ext cx="546538" cy="938697"/>
-            </a:xfrm>
-            <a:prstGeom prst="bentConnector3">
+          <a:prstGeom prst="rect">
+            <a:avLst/>
+          </a:prstGeom>
+          <a:noFill/>
+          <a:extLst>
+            <a:ext uri="{909E8E84-426E-40DD-AFC4-6F175D3DCCD1}">
+              <a14:hiddenFill xmlns:a14="http://schemas.microsoft.com/office/drawing/2010/main">
+                <a:solidFill>
+                  <a:srgbClr val="FFFFFF"/>
+                </a:solidFill>
+              </a14:hiddenFill>
+            </a:ext>
+          </a:extLst>
+        </p:spPr>
+        <p:txBody>
+          <a:bodyPr vert="horz" wrap="square" lIns="91440" tIns="45720" rIns="91440" bIns="45720" numCol="1" anchor="t" anchorCtr="0" compatLnSpc="1">
+            <a:prstTxWarp prst="textNoShape">
               <a:avLst/>
-            </a:prstGeom>
-            <a:ln w="19050">
-              <a:solidFill>
-                <a:srgbClr val="00B050"/>
-              </a:solidFill>
-              <a:tailEnd type="triangle"/>
-            </a:ln>
-          </p:spPr>
-          <p:style>
-            <a:lnRef idx="1">
-              <a:schemeClr val="accent1"/>
-            </a:lnRef>
-            <a:fillRef idx="0">
-              <a:schemeClr val="accent1"/>
-            </a:fillRef>
-            <a:effectRef idx="0">
-              <a:schemeClr val="accent1"/>
-            </a:effectRef>
-            <a:fontRef idx="minor">
-              <a:schemeClr val="tx1"/>
-            </a:fontRef>
-          </p:style>
-        </p:cxnSp>
-        <p:cxnSp>
-          <p:nvCxnSpPr>
-            <p:cNvPr id="44" name="连接符: 肘形 43">
-              <a:extLst>
-                <a:ext uri="{FF2B5EF4-FFF2-40B4-BE49-F238E27FC236}">
-                  <a16:creationId xmlns:a16="http://schemas.microsoft.com/office/drawing/2014/main" id="{45F2E890-034C-40AF-84F3-A5DDADFED7DC}"/>
-                </a:ext>
-              </a:extLst>
-            </p:cNvPr>
-            <p:cNvCxnSpPr>
-              <a:cxnSpLocks/>
-              <a:stCxn id="38" idx="0"/>
-              <a:endCxn id="18" idx="3"/>
-            </p:cNvCxnSpPr>
-            <p:nvPr/>
-          </p:nvCxnSpPr>
-          <p:spPr>
-            <a:xfrm rot="5400000" flipH="1" flipV="1">
-              <a:off x="8456561" y="5213809"/>
-              <a:ext cx="546537" cy="975486"/>
-            </a:xfrm>
-            <a:prstGeom prst="bentConnector3">
-              <a:avLst>
-                <a:gd name="adj1" fmla="val 100000"/>
-              </a:avLst>
-            </a:prstGeom>
-            <a:ln w="19050">
-              <a:solidFill>
-                <a:srgbClr val="00B050"/>
-              </a:solidFill>
-              <a:tailEnd type="triangle"/>
-            </a:ln>
-          </p:spPr>
-          <p:style>
-            <a:lnRef idx="1">
-              <a:schemeClr val="accent1"/>
-            </a:lnRef>
-            <a:fillRef idx="0">
-              <a:schemeClr val="accent1"/>
-            </a:fillRef>
-            <a:effectRef idx="0">
-              <a:schemeClr val="accent1"/>
-            </a:effectRef>
-            <a:fontRef idx="minor">
-              <a:schemeClr val="tx1"/>
-            </a:fontRef>
-          </p:style>
-        </p:cxnSp>
-        <p:cxnSp>
-          <p:nvCxnSpPr>
-            <p:cNvPr id="47" name="连接符: 肘形 46">
-              <a:extLst>
-                <a:ext uri="{FF2B5EF4-FFF2-40B4-BE49-F238E27FC236}">
-                  <a16:creationId xmlns:a16="http://schemas.microsoft.com/office/drawing/2014/main" id="{58E33CF5-082D-4215-83D2-BFDF5138FB13}"/>
-                </a:ext>
-              </a:extLst>
-            </p:cNvPr>
-            <p:cNvCxnSpPr>
-              <a:stCxn id="18" idx="3"/>
-              <a:endCxn id="39" idx="3"/>
-            </p:cNvCxnSpPr>
-            <p:nvPr/>
-          </p:nvCxnSpPr>
-          <p:spPr>
-            <a:xfrm rot="5400000">
-              <a:off x="8666769" y="5665754"/>
-              <a:ext cx="788275" cy="313332"/>
-            </a:xfrm>
-            <a:prstGeom prst="bentConnector2">
-              <a:avLst/>
-            </a:prstGeom>
-            <a:ln w="19050">
-              <a:solidFill>
-                <a:srgbClr val="FF0000"/>
-              </a:solidFill>
-              <a:tailEnd type="triangle"/>
-            </a:ln>
-          </p:spPr>
-          <p:style>
-            <a:lnRef idx="1">
-              <a:schemeClr val="accent1"/>
-            </a:lnRef>
-            <a:fillRef idx="0">
-              <a:schemeClr val="accent1"/>
-            </a:fillRef>
-            <a:effectRef idx="0">
-              <a:schemeClr val="accent1"/>
-            </a:effectRef>
-            <a:fontRef idx="minor">
-              <a:schemeClr val="tx1"/>
-            </a:fontRef>
-          </p:style>
-        </p:cxnSp>
-        <p:sp>
-          <p:nvSpPr>
-            <p:cNvPr id="52" name="文本框 51">
-              <a:extLst>
-                <a:ext uri="{FF2B5EF4-FFF2-40B4-BE49-F238E27FC236}">
-                  <a16:creationId xmlns:a16="http://schemas.microsoft.com/office/drawing/2014/main" id="{EE79E864-9CC4-446B-AFB9-1E828571F5D1}"/>
-                </a:ext>
-              </a:extLst>
-            </p:cNvPr>
-            <p:cNvSpPr txBox="1"/>
-            <p:nvPr/>
-          </p:nvSpPr>
-          <p:spPr>
-            <a:xfrm>
-              <a:off x="4210659" y="5157115"/>
-              <a:ext cx="3312125" cy="830997"/>
-            </a:xfrm>
-            <a:prstGeom prst="rect">
-              <a:avLst/>
-            </a:prstGeom>
-            <a:noFill/>
-            <a:ln>
-              <a:solidFill>
-                <a:srgbClr val="FF0000"/>
-              </a:solidFill>
-            </a:ln>
-          </p:spPr>
-          <p:txBody>
-            <a:bodyPr wrap="none" rtlCol="0">
-              <a:spAutoFit/>
-            </a:bodyPr>
-            <a:lstStyle/>
-            <a:p>
-              <a:r>
-                <a:rPr lang="en-US" altLang="zh-CN" sz="1200" dirty="0">
-                  <a:solidFill>
-                    <a:srgbClr val="002060"/>
-                  </a:solidFill>
-                </a:rPr>
-                <a:t>Channel</a:t>
-              </a:r>
-              <a:r>
-                <a:rPr lang="zh-CN" altLang="en-US" sz="1200" dirty="0">
-                  <a:solidFill>
-                    <a:srgbClr val="002060"/>
-                  </a:solidFill>
-                </a:rPr>
-                <a:t>就像铁路在</a:t>
-              </a:r>
-              <a:r>
-                <a:rPr lang="en-US" altLang="zh-CN" sz="1200" dirty="0">
-                  <a:solidFill>
-                    <a:srgbClr val="002060"/>
-                  </a:solidFill>
-                </a:rPr>
-                <a:t>Java</a:t>
-              </a:r>
-              <a:r>
-                <a:rPr lang="zh-CN" altLang="en-US" sz="1200" dirty="0">
-                  <a:solidFill>
-                    <a:srgbClr val="002060"/>
-                  </a:solidFill>
-                </a:rPr>
-                <a:t>程序和存储段建立通道</a:t>
-              </a:r>
-              <a:endParaRPr lang="en-US" altLang="zh-CN" sz="1200" dirty="0">
-                <a:solidFill>
-                  <a:srgbClr val="002060"/>
-                </a:solidFill>
-              </a:endParaRPr>
-            </a:p>
-            <a:p>
-              <a:endParaRPr lang="en-US" altLang="zh-CN" sz="1200" dirty="0">
-                <a:solidFill>
-                  <a:srgbClr val="002060"/>
-                </a:solidFill>
-              </a:endParaRPr>
-            </a:p>
-            <a:p>
-              <a:r>
-                <a:rPr lang="en-US" altLang="zh-CN" sz="1200" dirty="0">
-                  <a:solidFill>
-                    <a:srgbClr val="002060"/>
-                  </a:solidFill>
-                </a:rPr>
-                <a:t>Buffer</a:t>
-              </a:r>
-              <a:r>
-                <a:rPr lang="zh-CN" altLang="en-US" sz="1200" dirty="0">
-                  <a:solidFill>
-                    <a:srgbClr val="002060"/>
-                  </a:solidFill>
-                </a:rPr>
-                <a:t>就像火车在</a:t>
-              </a:r>
-              <a:r>
-                <a:rPr lang="en-US" altLang="zh-CN" sz="1200" dirty="0">
-                  <a:solidFill>
-                    <a:srgbClr val="002060"/>
-                  </a:solidFill>
-                </a:rPr>
-                <a:t>Java</a:t>
-              </a:r>
-              <a:r>
-                <a:rPr lang="zh-CN" altLang="en-US" sz="1200" dirty="0">
-                  <a:solidFill>
-                    <a:srgbClr val="002060"/>
-                  </a:solidFill>
-                </a:rPr>
-                <a:t>程序和存储端</a:t>
-              </a:r>
-              <a:endParaRPr lang="en-US" altLang="zh-CN" sz="1200" dirty="0">
-                <a:solidFill>
-                  <a:srgbClr val="002060"/>
-                </a:solidFill>
-              </a:endParaRPr>
-            </a:p>
-            <a:p>
-              <a:r>
-                <a:rPr lang="zh-CN" altLang="en-US" sz="1200" dirty="0">
-                  <a:solidFill>
-                    <a:srgbClr val="002060"/>
-                  </a:solidFill>
-                </a:rPr>
-                <a:t>往复装在数据和卸载数据</a:t>
-              </a:r>
-            </a:p>
-          </p:txBody>
-        </p:sp>
-        <p:sp>
-          <p:nvSpPr>
-            <p:cNvPr id="53" name="文本框 52">
-              <a:extLst>
-                <a:ext uri="{FF2B5EF4-FFF2-40B4-BE49-F238E27FC236}">
-                  <a16:creationId xmlns:a16="http://schemas.microsoft.com/office/drawing/2014/main" id="{3D70D444-B23D-4DE4-8FC6-8A21186892D2}"/>
-                </a:ext>
-              </a:extLst>
-            </p:cNvPr>
-            <p:cNvSpPr txBox="1"/>
-            <p:nvPr/>
-          </p:nvSpPr>
-          <p:spPr>
-            <a:xfrm>
-              <a:off x="2553679" y="5677215"/>
-              <a:ext cx="697627" cy="246221"/>
-            </a:xfrm>
-            <a:prstGeom prst="rect">
-              <a:avLst/>
-            </a:prstGeom>
-            <a:noFill/>
-          </p:spPr>
-          <p:txBody>
-            <a:bodyPr wrap="none" rtlCol="0">
-              <a:spAutoFit/>
-            </a:bodyPr>
-            <a:lstStyle/>
-            <a:p>
-              <a:r>
-                <a:rPr lang="zh-CN" altLang="en-US" sz="1000" dirty="0"/>
-                <a:t>装载数据</a:t>
-              </a:r>
-            </a:p>
-          </p:txBody>
-        </p:sp>
-        <p:sp>
-          <p:nvSpPr>
-            <p:cNvPr id="54" name="文本框 53">
-              <a:extLst>
-                <a:ext uri="{FF2B5EF4-FFF2-40B4-BE49-F238E27FC236}">
-                  <a16:creationId xmlns:a16="http://schemas.microsoft.com/office/drawing/2014/main" id="{7C8199F6-D4F4-4A8A-8ACB-E0E04CBCE36D}"/>
-                </a:ext>
-              </a:extLst>
-            </p:cNvPr>
-            <p:cNvSpPr txBox="1"/>
-            <p:nvPr/>
-          </p:nvSpPr>
-          <p:spPr>
-            <a:xfrm>
-              <a:off x="7893272" y="5578129"/>
-              <a:ext cx="697627" cy="246221"/>
-            </a:xfrm>
-            <a:prstGeom prst="rect">
-              <a:avLst/>
-            </a:prstGeom>
-            <a:noFill/>
-          </p:spPr>
-          <p:txBody>
-            <a:bodyPr wrap="none" rtlCol="0">
-              <a:spAutoFit/>
-            </a:bodyPr>
-            <a:lstStyle/>
-            <a:p>
-              <a:r>
-                <a:rPr lang="zh-CN" altLang="en-US" sz="1000" dirty="0"/>
-                <a:t>卸载数据</a:t>
-              </a:r>
-            </a:p>
-          </p:txBody>
-        </p:sp>
-        <p:sp>
-          <p:nvSpPr>
-            <p:cNvPr id="55" name="文本框 54">
-              <a:extLst>
-                <a:ext uri="{FF2B5EF4-FFF2-40B4-BE49-F238E27FC236}">
-                  <a16:creationId xmlns:a16="http://schemas.microsoft.com/office/drawing/2014/main" id="{E551561C-8CAB-4DD1-B6B6-B0238FA1764D}"/>
-                </a:ext>
-              </a:extLst>
-            </p:cNvPr>
-            <p:cNvSpPr txBox="1"/>
-            <p:nvPr/>
-          </p:nvSpPr>
-          <p:spPr>
-            <a:xfrm>
-              <a:off x="8890434" y="5677677"/>
-              <a:ext cx="697627" cy="246221"/>
-            </a:xfrm>
-            <a:prstGeom prst="rect">
-              <a:avLst/>
-            </a:prstGeom>
-            <a:noFill/>
-          </p:spPr>
-          <p:txBody>
-            <a:bodyPr wrap="none" rtlCol="0">
-              <a:spAutoFit/>
-            </a:bodyPr>
-            <a:lstStyle/>
-            <a:p>
-              <a:r>
-                <a:rPr lang="zh-CN" altLang="en-US" sz="1000" dirty="0"/>
-                <a:t>装载数据</a:t>
-              </a:r>
-            </a:p>
-          </p:txBody>
-        </p:sp>
-      </p:grpSp>
+            </a:prstTxWarp>
+          </a:bodyPr>
+          <a:lstStyle/>
+          <a:p>
+            <a:endParaRPr lang="zh-CN" altLang="en-US"/>
+          </a:p>
+        </p:txBody>
+      </p:sp>
+      <p:pic>
+        <p:nvPicPr>
+          <p:cNvPr id="7" name="图片 6">
+            <a:extLst>
+              <a:ext uri="{FF2B5EF4-FFF2-40B4-BE49-F238E27FC236}">
+                <a16:creationId xmlns:a16="http://schemas.microsoft.com/office/drawing/2014/main" id="{7155ECDD-661E-48D1-8792-C26C47D68566}"/>
+              </a:ext>
+            </a:extLst>
+          </p:cNvPr>
+          <p:cNvPicPr>
+            <a:picLocks noChangeAspect="1"/>
+          </p:cNvPicPr>
+          <p:nvPr/>
+        </p:nvPicPr>
+        <p:blipFill>
+          <a:blip r:embed="rId3"/>
+          <a:stretch>
+            <a:fillRect/>
+          </a:stretch>
+        </p:blipFill>
+        <p:spPr>
+          <a:xfrm>
+            <a:off x="99408" y="1608030"/>
+            <a:ext cx="6632907" cy="4719000"/>
+          </a:xfrm>
+          <a:prstGeom prst="rect">
+            <a:avLst/>
+          </a:prstGeom>
+        </p:spPr>
+      </p:pic>
+      <p:pic>
+        <p:nvPicPr>
+          <p:cNvPr id="8" name="图片 7">
+            <a:extLst>
+              <a:ext uri="{FF2B5EF4-FFF2-40B4-BE49-F238E27FC236}">
+                <a16:creationId xmlns:a16="http://schemas.microsoft.com/office/drawing/2014/main" id="{F6BB4022-B452-45AA-9CB0-5CD272A614F8}"/>
+              </a:ext>
+            </a:extLst>
+          </p:cNvPr>
+          <p:cNvPicPr>
+            <a:picLocks noChangeAspect="1"/>
+          </p:cNvPicPr>
+          <p:nvPr/>
+        </p:nvPicPr>
+        <p:blipFill>
+          <a:blip r:embed="rId4"/>
+          <a:stretch>
+            <a:fillRect/>
+          </a:stretch>
+        </p:blipFill>
+        <p:spPr>
+          <a:xfrm>
+            <a:off x="6585848" y="1608030"/>
+            <a:ext cx="5506744" cy="4919200"/>
+          </a:xfrm>
+          <a:prstGeom prst="rect">
+            <a:avLst/>
+          </a:prstGeom>
+        </p:spPr>
+      </p:pic>
     </p:spTree>
     <p:extLst>
       <p:ext uri="{BB962C8B-B14F-4D97-AF65-F5344CB8AC3E}">
-        <p14:creationId xmlns:p14="http://schemas.microsoft.com/office/powerpoint/2010/main" val="1093396074"/>
+        <p14:creationId xmlns:p14="http://schemas.microsoft.com/office/powerpoint/2010/main" val="2819840732"/>
       </p:ext>
     </p:extLst>
   </p:cSld>

--- a/Java.pptx
+++ b/Java.pptx
@@ -5,21 +5,23 @@
     <p:sldMasterId id="2147483648" r:id="rId1"/>
   </p:sldMasterIdLst>
   <p:notesMasterIdLst>
-    <p:notesMasterId r:id="rId14"/>
+    <p:notesMasterId r:id="rId16"/>
   </p:notesMasterIdLst>
   <p:sldIdLst>
     <p:sldId id="256" r:id="rId2"/>
     <p:sldId id="257" r:id="rId3"/>
-    <p:sldId id="258" r:id="rId4"/>
-    <p:sldId id="259" r:id="rId5"/>
-    <p:sldId id="261" r:id="rId6"/>
-    <p:sldId id="260" r:id="rId7"/>
-    <p:sldId id="262" r:id="rId8"/>
-    <p:sldId id="263" r:id="rId9"/>
-    <p:sldId id="265" r:id="rId10"/>
-    <p:sldId id="266" r:id="rId11"/>
-    <p:sldId id="267" r:id="rId12"/>
-    <p:sldId id="264" r:id="rId13"/>
+    <p:sldId id="268" r:id="rId4"/>
+    <p:sldId id="269" r:id="rId5"/>
+    <p:sldId id="258" r:id="rId6"/>
+    <p:sldId id="259" r:id="rId7"/>
+    <p:sldId id="261" r:id="rId8"/>
+    <p:sldId id="260" r:id="rId9"/>
+    <p:sldId id="262" r:id="rId10"/>
+    <p:sldId id="263" r:id="rId11"/>
+    <p:sldId id="265" r:id="rId12"/>
+    <p:sldId id="266" r:id="rId13"/>
+    <p:sldId id="267" r:id="rId14"/>
+    <p:sldId id="264" r:id="rId15"/>
   </p:sldIdLst>
   <p:sldSz cx="12192000" cy="6858000"/>
   <p:notesSz cx="6858000" cy="9144000"/>
@@ -208,7 +210,7 @@
           <a:p>
             <a:fld id="{DA138970-91FA-43C7-A2C4-4F47DFBC178E}" type="datetimeFigureOut">
               <a:rPr lang="zh-CN" altLang="en-US" smtClean="0"/>
-              <a:t>2019/8/29</a:t>
+              <a:t>2019/9/16</a:t>
             </a:fld>
             <a:endParaRPr lang="zh-CN" altLang="en-US"/>
           </a:p>
@@ -559,6 +561,90 @@
 </p:notes>
 </file>
 
+<file path=ppt/notesSlides/notesSlide10.xml><?xml version="1.0" encoding="utf-8"?>
+<p:notes xmlns:a="http://schemas.openxmlformats.org/drawingml/2006/main" xmlns:r="http://schemas.openxmlformats.org/officeDocument/2006/relationships" xmlns:p="http://schemas.openxmlformats.org/presentationml/2006/main">
+  <p:cSld>
+    <p:spTree>
+      <p:nvGrpSpPr>
+        <p:cNvPr id="1" name=""/>
+        <p:cNvGrpSpPr/>
+        <p:nvPr/>
+      </p:nvGrpSpPr>
+      <p:grpSpPr>
+        <a:xfrm>
+          <a:off x="0" y="0"/>
+          <a:ext cx="0" cy="0"/>
+          <a:chOff x="0" y="0"/>
+          <a:chExt cx="0" cy="0"/>
+        </a:xfrm>
+      </p:grpSpPr>
+      <p:sp>
+        <p:nvSpPr>
+          <p:cNvPr id="2" name="幻灯片图像占位符 1"/>
+          <p:cNvSpPr>
+            <a:spLocks noGrp="1" noRot="1" noChangeAspect="1"/>
+          </p:cNvSpPr>
+          <p:nvPr>
+            <p:ph type="sldImg"/>
+          </p:nvPr>
+        </p:nvSpPr>
+        <p:spPr/>
+      </p:sp>
+      <p:sp>
+        <p:nvSpPr>
+          <p:cNvPr id="3" name="备注占位符 2"/>
+          <p:cNvSpPr>
+            <a:spLocks noGrp="1"/>
+          </p:cNvSpPr>
+          <p:nvPr>
+            <p:ph type="body" idx="1"/>
+          </p:nvPr>
+        </p:nvSpPr>
+        <p:spPr/>
+        <p:txBody>
+          <a:bodyPr/>
+          <a:lstStyle/>
+          <a:p>
+            <a:endParaRPr lang="zh-CN" altLang="en-US" dirty="0"/>
+          </a:p>
+        </p:txBody>
+      </p:sp>
+      <p:sp>
+        <p:nvSpPr>
+          <p:cNvPr id="4" name="灯片编号占位符 3"/>
+          <p:cNvSpPr>
+            <a:spLocks noGrp="1"/>
+          </p:cNvSpPr>
+          <p:nvPr>
+            <p:ph type="sldNum" sz="quarter" idx="5"/>
+          </p:nvPr>
+        </p:nvSpPr>
+        <p:spPr/>
+        <p:txBody>
+          <a:bodyPr/>
+          <a:lstStyle/>
+          <a:p>
+            <a:fld id="{0B77BCC6-1F8A-452E-9AE8-956F32ABCC1A}" type="slidenum">
+              <a:rPr lang="zh-CN" altLang="en-US" smtClean="0"/>
+              <a:t>14</a:t>
+            </a:fld>
+            <a:endParaRPr lang="zh-CN" altLang="en-US"/>
+          </a:p>
+        </p:txBody>
+      </p:sp>
+    </p:spTree>
+    <p:extLst>
+      <p:ext uri="{BB962C8B-B14F-4D97-AF65-F5344CB8AC3E}">
+        <p14:creationId xmlns:p14="http://schemas.microsoft.com/office/powerpoint/2010/main" val="1168434198"/>
+      </p:ext>
+    </p:extLst>
+  </p:cSld>
+  <p:clrMapOvr>
+    <a:masterClrMapping/>
+  </p:clrMapOvr>
+</p:notes>
+</file>
+
 <file path=ppt/notesSlides/notesSlide2.xml><?xml version="1.0" encoding="utf-8"?>
 <p:notes xmlns:a="http://schemas.openxmlformats.org/drawingml/2006/main" xmlns:r="http://schemas.openxmlformats.org/officeDocument/2006/relationships" xmlns:p="http://schemas.openxmlformats.org/presentationml/2006/main">
   <p:cSld>
@@ -624,7 +710,7 @@
           <a:p>
             <a:fld id="{0B77BCC6-1F8A-452E-9AE8-956F32ABCC1A}" type="slidenum">
               <a:rPr lang="zh-CN" altLang="en-US" smtClean="0"/>
-              <a:t>4</a:t>
+              <a:t>3</a:t>
             </a:fld>
             <a:endParaRPr lang="zh-CN" altLang="en-US"/>
           </a:p>
@@ -633,7 +719,7 @@
     </p:spTree>
     <p:extLst>
       <p:ext uri="{BB962C8B-B14F-4D97-AF65-F5344CB8AC3E}">
-        <p14:creationId xmlns:p14="http://schemas.microsoft.com/office/powerpoint/2010/main" val="924833615"/>
+        <p14:creationId xmlns:p14="http://schemas.microsoft.com/office/powerpoint/2010/main" val="51619899"/>
       </p:ext>
     </p:extLst>
   </p:cSld>
@@ -687,1234 +773,6 @@
           <a:bodyPr/>
           <a:lstStyle/>
           <a:p>
-            <a:r>
-              <a:rPr lang="zh-CN" altLang="en-US" sz="1200" b="1" kern="1200" dirty="0">
-                <a:solidFill>
-                  <a:schemeClr val="tx1"/>
-                </a:solidFill>
-                <a:effectLst/>
-                <a:latin typeface="+mn-lt"/>
-                <a:ea typeface="+mn-ea"/>
-                <a:cs typeface="+mn-cs"/>
-              </a:rPr>
-              <a:t>年轻代（</a:t>
-            </a:r>
-            <a:r>
-              <a:rPr lang="en-US" altLang="zh-CN" sz="1200" b="1" kern="1200" dirty="0">
-                <a:solidFill>
-                  <a:schemeClr val="tx1"/>
-                </a:solidFill>
-                <a:effectLst/>
-                <a:latin typeface="+mn-lt"/>
-                <a:ea typeface="+mn-ea"/>
-                <a:cs typeface="+mn-cs"/>
-              </a:rPr>
-              <a:t>Young Generation</a:t>
-            </a:r>
-            <a:r>
-              <a:rPr lang="zh-CN" altLang="en-US" sz="1200" b="1" kern="1200" dirty="0">
-                <a:solidFill>
-                  <a:schemeClr val="tx1"/>
-                </a:solidFill>
-                <a:effectLst/>
-                <a:latin typeface="+mn-lt"/>
-                <a:ea typeface="+mn-ea"/>
-                <a:cs typeface="+mn-cs"/>
-              </a:rPr>
-              <a:t>）的回收算法 </a:t>
-            </a:r>
-            <a:r>
-              <a:rPr lang="en-US" altLang="zh-CN" sz="1200" b="1" kern="1200" dirty="0">
-                <a:solidFill>
-                  <a:schemeClr val="tx1"/>
-                </a:solidFill>
-                <a:effectLst/>
-                <a:latin typeface="+mn-lt"/>
-                <a:ea typeface="+mn-ea"/>
-                <a:cs typeface="+mn-cs"/>
-              </a:rPr>
-              <a:t>(</a:t>
-            </a:r>
-            <a:r>
-              <a:rPr lang="zh-CN" altLang="en-US" sz="1200" b="1" kern="1200" dirty="0">
-                <a:solidFill>
-                  <a:schemeClr val="tx1"/>
-                </a:solidFill>
-                <a:effectLst/>
-                <a:latin typeface="+mn-lt"/>
-                <a:ea typeface="+mn-ea"/>
-                <a:cs typeface="+mn-cs"/>
-              </a:rPr>
-              <a:t>回收主要以</a:t>
-            </a:r>
-            <a:r>
-              <a:rPr lang="en-US" altLang="zh-CN" sz="1200" b="1" kern="1200" dirty="0">
-                <a:solidFill>
-                  <a:schemeClr val="tx1"/>
-                </a:solidFill>
-                <a:effectLst/>
-                <a:latin typeface="+mn-lt"/>
-                <a:ea typeface="+mn-ea"/>
-                <a:cs typeface="+mn-cs"/>
-              </a:rPr>
-              <a:t>Copying</a:t>
-            </a:r>
-            <a:r>
-              <a:rPr lang="zh-CN" altLang="en-US" sz="1200" b="1" kern="1200" dirty="0">
-                <a:solidFill>
-                  <a:schemeClr val="tx1"/>
-                </a:solidFill>
-                <a:effectLst/>
-                <a:latin typeface="+mn-lt"/>
-                <a:ea typeface="+mn-ea"/>
-                <a:cs typeface="+mn-cs"/>
-              </a:rPr>
-              <a:t>为主</a:t>
-            </a:r>
-            <a:r>
-              <a:rPr lang="en-US" altLang="zh-CN" sz="1200" b="1" kern="1200" dirty="0">
-                <a:solidFill>
-                  <a:schemeClr val="tx1"/>
-                </a:solidFill>
-                <a:effectLst/>
-                <a:latin typeface="+mn-lt"/>
-                <a:ea typeface="+mn-ea"/>
-                <a:cs typeface="+mn-cs"/>
-              </a:rPr>
-              <a:t>)</a:t>
-            </a:r>
-            <a:endParaRPr lang="zh-CN" altLang="en-US" dirty="0">
-              <a:effectLst/>
-            </a:endParaRPr>
-          </a:p>
-          <a:p>
-            <a:r>
-              <a:rPr lang="en-US" altLang="zh-CN" sz="1200" kern="1200" dirty="0">
-                <a:solidFill>
-                  <a:schemeClr val="tx1"/>
-                </a:solidFill>
-                <a:effectLst/>
-                <a:latin typeface="+mn-lt"/>
-                <a:ea typeface="+mn-ea"/>
-                <a:cs typeface="+mn-cs"/>
-              </a:rPr>
-              <a:t>a) </a:t>
-            </a:r>
-            <a:r>
-              <a:rPr lang="zh-CN" altLang="en-US" sz="1200" kern="1200" dirty="0">
-                <a:solidFill>
-                  <a:schemeClr val="tx1"/>
-                </a:solidFill>
-                <a:effectLst/>
-                <a:latin typeface="+mn-lt"/>
-                <a:ea typeface="+mn-ea"/>
-                <a:cs typeface="+mn-cs"/>
-              </a:rPr>
-              <a:t>所有新生成的对象首先都是放在年轻代的。年轻代的目标就是尽可能快速的收集掉那些生命周期短的对象。</a:t>
-            </a:r>
-            <a:endParaRPr lang="zh-CN" altLang="en-US" dirty="0">
-              <a:effectLst/>
-            </a:endParaRPr>
-          </a:p>
-          <a:p>
-            <a:r>
-              <a:rPr lang="en-US" altLang="zh-CN" sz="1200" kern="1200" dirty="0">
-                <a:solidFill>
-                  <a:schemeClr val="tx1"/>
-                </a:solidFill>
-                <a:effectLst/>
-                <a:latin typeface="+mn-lt"/>
-                <a:ea typeface="+mn-ea"/>
-                <a:cs typeface="+mn-cs"/>
-              </a:rPr>
-              <a:t>b) </a:t>
-            </a:r>
-            <a:r>
-              <a:rPr lang="zh-CN" altLang="en-US" sz="1200" kern="1200" dirty="0">
-                <a:solidFill>
-                  <a:schemeClr val="tx1"/>
-                </a:solidFill>
-                <a:effectLst/>
-                <a:latin typeface="+mn-lt"/>
-                <a:ea typeface="+mn-ea"/>
-                <a:cs typeface="+mn-cs"/>
-              </a:rPr>
-              <a:t>新生代内存按照</a:t>
-            </a:r>
-            <a:r>
-              <a:rPr lang="en-US" altLang="zh-CN" sz="1200" kern="1200" dirty="0">
-                <a:solidFill>
-                  <a:schemeClr val="tx1"/>
-                </a:solidFill>
-                <a:effectLst/>
-                <a:latin typeface="+mn-lt"/>
-                <a:ea typeface="+mn-ea"/>
-                <a:cs typeface="+mn-cs"/>
-              </a:rPr>
-              <a:t>8:1:1</a:t>
-            </a:r>
-            <a:r>
-              <a:rPr lang="zh-CN" altLang="en-US" sz="1200" kern="1200" dirty="0">
-                <a:solidFill>
-                  <a:schemeClr val="tx1"/>
-                </a:solidFill>
-                <a:effectLst/>
-                <a:latin typeface="+mn-lt"/>
-                <a:ea typeface="+mn-ea"/>
-                <a:cs typeface="+mn-cs"/>
-              </a:rPr>
-              <a:t>的比例分为一个</a:t>
-            </a:r>
-            <a:r>
-              <a:rPr lang="en-US" altLang="zh-CN" sz="1200" kern="1200" dirty="0" err="1">
-                <a:solidFill>
-                  <a:schemeClr val="tx1"/>
-                </a:solidFill>
-                <a:effectLst/>
-                <a:latin typeface="+mn-lt"/>
-                <a:ea typeface="+mn-ea"/>
-                <a:cs typeface="+mn-cs"/>
-              </a:rPr>
-              <a:t>eden</a:t>
-            </a:r>
-            <a:r>
-              <a:rPr lang="zh-CN" altLang="en-US" sz="1200" kern="1200" dirty="0">
-                <a:solidFill>
-                  <a:schemeClr val="tx1"/>
-                </a:solidFill>
-                <a:effectLst/>
-                <a:latin typeface="+mn-lt"/>
-                <a:ea typeface="+mn-ea"/>
-                <a:cs typeface="+mn-cs"/>
-              </a:rPr>
-              <a:t>区和两个</a:t>
-            </a:r>
-            <a:r>
-              <a:rPr lang="en-US" altLang="zh-CN" sz="1200" kern="1200" dirty="0">
-                <a:solidFill>
-                  <a:schemeClr val="tx1"/>
-                </a:solidFill>
-                <a:effectLst/>
-                <a:latin typeface="+mn-lt"/>
-                <a:ea typeface="+mn-ea"/>
-                <a:cs typeface="+mn-cs"/>
-              </a:rPr>
-              <a:t>survivor(survivor0,survivor1)</a:t>
-            </a:r>
-            <a:r>
-              <a:rPr lang="zh-CN" altLang="en-US" sz="1200" kern="1200" dirty="0">
-                <a:solidFill>
-                  <a:schemeClr val="tx1"/>
-                </a:solidFill>
-                <a:effectLst/>
-                <a:latin typeface="+mn-lt"/>
-                <a:ea typeface="+mn-ea"/>
-                <a:cs typeface="+mn-cs"/>
-              </a:rPr>
-              <a:t>区。一个</a:t>
-            </a:r>
-            <a:r>
-              <a:rPr lang="en-US" altLang="zh-CN" sz="1200" kern="1200" dirty="0">
-                <a:solidFill>
-                  <a:schemeClr val="tx1"/>
-                </a:solidFill>
-                <a:effectLst/>
-                <a:latin typeface="+mn-lt"/>
-                <a:ea typeface="+mn-ea"/>
-                <a:cs typeface="+mn-cs"/>
-              </a:rPr>
-              <a:t>Eden</a:t>
-            </a:r>
-            <a:r>
-              <a:rPr lang="zh-CN" altLang="en-US" sz="1200" kern="1200" dirty="0">
-                <a:solidFill>
-                  <a:schemeClr val="tx1"/>
-                </a:solidFill>
-                <a:effectLst/>
-                <a:latin typeface="+mn-lt"/>
-                <a:ea typeface="+mn-ea"/>
-                <a:cs typeface="+mn-cs"/>
-              </a:rPr>
-              <a:t>区，两个 </a:t>
-            </a:r>
-            <a:r>
-              <a:rPr lang="en-US" altLang="zh-CN" sz="1200" kern="1200" dirty="0">
-                <a:solidFill>
-                  <a:schemeClr val="tx1"/>
-                </a:solidFill>
-                <a:effectLst/>
-                <a:latin typeface="+mn-lt"/>
-                <a:ea typeface="+mn-ea"/>
-                <a:cs typeface="+mn-cs"/>
-              </a:rPr>
-              <a:t>Survivor</a:t>
-            </a:r>
-            <a:r>
-              <a:rPr lang="zh-CN" altLang="en-US" sz="1200" kern="1200" dirty="0">
-                <a:solidFill>
-                  <a:schemeClr val="tx1"/>
-                </a:solidFill>
-                <a:effectLst/>
-                <a:latin typeface="+mn-lt"/>
-                <a:ea typeface="+mn-ea"/>
-                <a:cs typeface="+mn-cs"/>
-              </a:rPr>
-              <a:t>区</a:t>
-            </a:r>
-            <a:r>
-              <a:rPr lang="en-US" altLang="zh-CN" sz="1200" kern="1200" dirty="0">
-                <a:solidFill>
-                  <a:schemeClr val="tx1"/>
-                </a:solidFill>
-                <a:effectLst/>
-                <a:latin typeface="+mn-lt"/>
-                <a:ea typeface="+mn-ea"/>
-                <a:cs typeface="+mn-cs"/>
-              </a:rPr>
-              <a:t>(</a:t>
-            </a:r>
-            <a:r>
-              <a:rPr lang="zh-CN" altLang="en-US" sz="1200" kern="1200" dirty="0">
-                <a:solidFill>
-                  <a:schemeClr val="tx1"/>
-                </a:solidFill>
-                <a:effectLst/>
-                <a:latin typeface="+mn-lt"/>
-                <a:ea typeface="+mn-ea"/>
-                <a:cs typeface="+mn-cs"/>
-              </a:rPr>
-              <a:t>一般而言</a:t>
-            </a:r>
-            <a:r>
-              <a:rPr lang="en-US" altLang="zh-CN" sz="1200" kern="1200" dirty="0">
-                <a:solidFill>
-                  <a:schemeClr val="tx1"/>
-                </a:solidFill>
-                <a:effectLst/>
-                <a:latin typeface="+mn-lt"/>
-                <a:ea typeface="+mn-ea"/>
-                <a:cs typeface="+mn-cs"/>
-              </a:rPr>
-              <a:t>)</a:t>
-            </a:r>
-            <a:r>
-              <a:rPr lang="zh-CN" altLang="en-US" sz="1200" kern="1200" dirty="0">
-                <a:solidFill>
-                  <a:schemeClr val="tx1"/>
-                </a:solidFill>
-                <a:effectLst/>
-                <a:latin typeface="+mn-lt"/>
-                <a:ea typeface="+mn-ea"/>
-                <a:cs typeface="+mn-cs"/>
-              </a:rPr>
-              <a:t>。大部分对象在</a:t>
-            </a:r>
-            <a:r>
-              <a:rPr lang="en-US" altLang="zh-CN" sz="1200" kern="1200" dirty="0">
-                <a:solidFill>
-                  <a:schemeClr val="tx1"/>
-                </a:solidFill>
-                <a:effectLst/>
-                <a:latin typeface="+mn-lt"/>
-                <a:ea typeface="+mn-ea"/>
-                <a:cs typeface="+mn-cs"/>
-              </a:rPr>
-              <a:t>Eden</a:t>
-            </a:r>
-            <a:r>
-              <a:rPr lang="zh-CN" altLang="en-US" sz="1200" kern="1200" dirty="0">
-                <a:solidFill>
-                  <a:schemeClr val="tx1"/>
-                </a:solidFill>
-                <a:effectLst/>
-                <a:latin typeface="+mn-lt"/>
-                <a:ea typeface="+mn-ea"/>
-                <a:cs typeface="+mn-cs"/>
-              </a:rPr>
-              <a:t>区中生成。回收时先将</a:t>
-            </a:r>
-            <a:r>
-              <a:rPr lang="en-US" altLang="zh-CN" sz="1200" kern="1200" dirty="0" err="1">
-                <a:solidFill>
-                  <a:schemeClr val="tx1"/>
-                </a:solidFill>
-                <a:effectLst/>
-                <a:latin typeface="+mn-lt"/>
-                <a:ea typeface="+mn-ea"/>
-                <a:cs typeface="+mn-cs"/>
-              </a:rPr>
-              <a:t>eden</a:t>
-            </a:r>
-            <a:r>
-              <a:rPr lang="zh-CN" altLang="en-US" sz="1200" kern="1200" dirty="0">
-                <a:solidFill>
-                  <a:schemeClr val="tx1"/>
-                </a:solidFill>
-                <a:effectLst/>
-                <a:latin typeface="+mn-lt"/>
-                <a:ea typeface="+mn-ea"/>
-                <a:cs typeface="+mn-cs"/>
-              </a:rPr>
-              <a:t>区存活对象复制到一个</a:t>
-            </a:r>
-            <a:r>
-              <a:rPr lang="en-US" altLang="zh-CN" sz="1200" kern="1200" dirty="0">
-                <a:solidFill>
-                  <a:schemeClr val="tx1"/>
-                </a:solidFill>
-                <a:effectLst/>
-                <a:latin typeface="+mn-lt"/>
-                <a:ea typeface="+mn-ea"/>
-                <a:cs typeface="+mn-cs"/>
-              </a:rPr>
-              <a:t>survivor0</a:t>
-            </a:r>
-            <a:r>
-              <a:rPr lang="zh-CN" altLang="en-US" sz="1200" kern="1200" dirty="0">
-                <a:solidFill>
-                  <a:schemeClr val="tx1"/>
-                </a:solidFill>
-                <a:effectLst/>
-                <a:latin typeface="+mn-lt"/>
-                <a:ea typeface="+mn-ea"/>
-                <a:cs typeface="+mn-cs"/>
-              </a:rPr>
-              <a:t>区，然后清空</a:t>
-            </a:r>
-            <a:r>
-              <a:rPr lang="en-US" altLang="zh-CN" sz="1200" kern="1200" dirty="0" err="1">
-                <a:solidFill>
-                  <a:schemeClr val="tx1"/>
-                </a:solidFill>
-                <a:effectLst/>
-                <a:latin typeface="+mn-lt"/>
-                <a:ea typeface="+mn-ea"/>
-                <a:cs typeface="+mn-cs"/>
-              </a:rPr>
-              <a:t>eden</a:t>
-            </a:r>
-            <a:r>
-              <a:rPr lang="zh-CN" altLang="en-US" sz="1200" kern="1200" dirty="0">
-                <a:solidFill>
-                  <a:schemeClr val="tx1"/>
-                </a:solidFill>
-                <a:effectLst/>
-                <a:latin typeface="+mn-lt"/>
-                <a:ea typeface="+mn-ea"/>
-                <a:cs typeface="+mn-cs"/>
-              </a:rPr>
-              <a:t>区，当这个</a:t>
-            </a:r>
-            <a:r>
-              <a:rPr lang="en-US" altLang="zh-CN" sz="1200" kern="1200" dirty="0">
-                <a:solidFill>
-                  <a:schemeClr val="tx1"/>
-                </a:solidFill>
-                <a:effectLst/>
-                <a:latin typeface="+mn-lt"/>
-                <a:ea typeface="+mn-ea"/>
-                <a:cs typeface="+mn-cs"/>
-              </a:rPr>
-              <a:t>survivor0</a:t>
-            </a:r>
-            <a:r>
-              <a:rPr lang="zh-CN" altLang="en-US" sz="1200" kern="1200" dirty="0">
-                <a:solidFill>
-                  <a:schemeClr val="tx1"/>
-                </a:solidFill>
-                <a:effectLst/>
-                <a:latin typeface="+mn-lt"/>
-                <a:ea typeface="+mn-ea"/>
-                <a:cs typeface="+mn-cs"/>
-              </a:rPr>
-              <a:t>区也存放满了时，则将</a:t>
-            </a:r>
-            <a:r>
-              <a:rPr lang="en-US" altLang="zh-CN" sz="1200" kern="1200" dirty="0" err="1">
-                <a:solidFill>
-                  <a:schemeClr val="tx1"/>
-                </a:solidFill>
-                <a:effectLst/>
-                <a:latin typeface="+mn-lt"/>
-                <a:ea typeface="+mn-ea"/>
-                <a:cs typeface="+mn-cs"/>
-              </a:rPr>
-              <a:t>eden</a:t>
-            </a:r>
-            <a:r>
-              <a:rPr lang="zh-CN" altLang="en-US" sz="1200" kern="1200" dirty="0">
-                <a:solidFill>
-                  <a:schemeClr val="tx1"/>
-                </a:solidFill>
-                <a:effectLst/>
-                <a:latin typeface="+mn-lt"/>
-                <a:ea typeface="+mn-ea"/>
-                <a:cs typeface="+mn-cs"/>
-              </a:rPr>
-              <a:t>区和</a:t>
-            </a:r>
-            <a:r>
-              <a:rPr lang="en-US" altLang="zh-CN" sz="1200" kern="1200" dirty="0">
-                <a:solidFill>
-                  <a:schemeClr val="tx1"/>
-                </a:solidFill>
-                <a:effectLst/>
-                <a:latin typeface="+mn-lt"/>
-                <a:ea typeface="+mn-ea"/>
-                <a:cs typeface="+mn-cs"/>
-              </a:rPr>
-              <a:t>survivor0</a:t>
-            </a:r>
-            <a:r>
-              <a:rPr lang="zh-CN" altLang="en-US" sz="1200" kern="1200" dirty="0">
-                <a:solidFill>
-                  <a:schemeClr val="tx1"/>
-                </a:solidFill>
-                <a:effectLst/>
-                <a:latin typeface="+mn-lt"/>
-                <a:ea typeface="+mn-ea"/>
-                <a:cs typeface="+mn-cs"/>
-              </a:rPr>
-              <a:t>区存活对象复制到另一个</a:t>
-            </a:r>
-            <a:r>
-              <a:rPr lang="en-US" altLang="zh-CN" sz="1200" kern="1200" dirty="0">
-                <a:solidFill>
-                  <a:schemeClr val="tx1"/>
-                </a:solidFill>
-                <a:effectLst/>
-                <a:latin typeface="+mn-lt"/>
-                <a:ea typeface="+mn-ea"/>
-                <a:cs typeface="+mn-cs"/>
-              </a:rPr>
-              <a:t>survivor1</a:t>
-            </a:r>
-            <a:r>
-              <a:rPr lang="zh-CN" altLang="en-US" sz="1200" kern="1200" dirty="0">
-                <a:solidFill>
-                  <a:schemeClr val="tx1"/>
-                </a:solidFill>
-                <a:effectLst/>
-                <a:latin typeface="+mn-lt"/>
-                <a:ea typeface="+mn-ea"/>
-                <a:cs typeface="+mn-cs"/>
-              </a:rPr>
-              <a:t>区，然后清空</a:t>
-            </a:r>
-            <a:r>
-              <a:rPr lang="en-US" altLang="zh-CN" sz="1200" kern="1200" dirty="0" err="1">
-                <a:solidFill>
-                  <a:schemeClr val="tx1"/>
-                </a:solidFill>
-                <a:effectLst/>
-                <a:latin typeface="+mn-lt"/>
-                <a:ea typeface="+mn-ea"/>
-                <a:cs typeface="+mn-cs"/>
-              </a:rPr>
-              <a:t>eden</a:t>
-            </a:r>
-            <a:r>
-              <a:rPr lang="zh-CN" altLang="en-US" sz="1200" kern="1200" dirty="0">
-                <a:solidFill>
-                  <a:schemeClr val="tx1"/>
-                </a:solidFill>
-                <a:effectLst/>
-                <a:latin typeface="+mn-lt"/>
-                <a:ea typeface="+mn-ea"/>
-                <a:cs typeface="+mn-cs"/>
-              </a:rPr>
-              <a:t>和这个</a:t>
-            </a:r>
-            <a:r>
-              <a:rPr lang="en-US" altLang="zh-CN" sz="1200" kern="1200" dirty="0">
-                <a:solidFill>
-                  <a:schemeClr val="tx1"/>
-                </a:solidFill>
-                <a:effectLst/>
-                <a:latin typeface="+mn-lt"/>
-                <a:ea typeface="+mn-ea"/>
-                <a:cs typeface="+mn-cs"/>
-              </a:rPr>
-              <a:t>survivor0</a:t>
-            </a:r>
-            <a:r>
-              <a:rPr lang="zh-CN" altLang="en-US" sz="1200" kern="1200" dirty="0">
-                <a:solidFill>
-                  <a:schemeClr val="tx1"/>
-                </a:solidFill>
-                <a:effectLst/>
-                <a:latin typeface="+mn-lt"/>
-                <a:ea typeface="+mn-ea"/>
-                <a:cs typeface="+mn-cs"/>
-              </a:rPr>
-              <a:t>区，此时</a:t>
-            </a:r>
-            <a:r>
-              <a:rPr lang="en-US" altLang="zh-CN" sz="1200" kern="1200" dirty="0">
-                <a:solidFill>
-                  <a:schemeClr val="tx1"/>
-                </a:solidFill>
-                <a:effectLst/>
-                <a:latin typeface="+mn-lt"/>
-                <a:ea typeface="+mn-ea"/>
-                <a:cs typeface="+mn-cs"/>
-              </a:rPr>
-              <a:t>survivor0</a:t>
-            </a:r>
-            <a:r>
-              <a:rPr lang="zh-CN" altLang="en-US" sz="1200" kern="1200" dirty="0">
-                <a:solidFill>
-                  <a:schemeClr val="tx1"/>
-                </a:solidFill>
-                <a:effectLst/>
-                <a:latin typeface="+mn-lt"/>
-                <a:ea typeface="+mn-ea"/>
-                <a:cs typeface="+mn-cs"/>
-              </a:rPr>
-              <a:t>区是空的，然后将</a:t>
-            </a:r>
-            <a:r>
-              <a:rPr lang="en-US" altLang="zh-CN" sz="1200" kern="1200" dirty="0">
-                <a:solidFill>
-                  <a:schemeClr val="tx1"/>
-                </a:solidFill>
-                <a:effectLst/>
-                <a:latin typeface="+mn-lt"/>
-                <a:ea typeface="+mn-ea"/>
-                <a:cs typeface="+mn-cs"/>
-              </a:rPr>
-              <a:t>survivor0</a:t>
-            </a:r>
-            <a:r>
-              <a:rPr lang="zh-CN" altLang="en-US" sz="1200" kern="1200" dirty="0">
-                <a:solidFill>
-                  <a:schemeClr val="tx1"/>
-                </a:solidFill>
-                <a:effectLst/>
-                <a:latin typeface="+mn-lt"/>
-                <a:ea typeface="+mn-ea"/>
-                <a:cs typeface="+mn-cs"/>
-              </a:rPr>
-              <a:t>区和</a:t>
-            </a:r>
-            <a:r>
-              <a:rPr lang="en-US" altLang="zh-CN" sz="1200" kern="1200" dirty="0">
-                <a:solidFill>
-                  <a:schemeClr val="tx1"/>
-                </a:solidFill>
-                <a:effectLst/>
-                <a:latin typeface="+mn-lt"/>
-                <a:ea typeface="+mn-ea"/>
-                <a:cs typeface="+mn-cs"/>
-              </a:rPr>
-              <a:t>survivor1</a:t>
-            </a:r>
-            <a:r>
-              <a:rPr lang="zh-CN" altLang="en-US" sz="1200" kern="1200" dirty="0">
-                <a:solidFill>
-                  <a:schemeClr val="tx1"/>
-                </a:solidFill>
-                <a:effectLst/>
-                <a:latin typeface="+mn-lt"/>
-                <a:ea typeface="+mn-ea"/>
-                <a:cs typeface="+mn-cs"/>
-              </a:rPr>
-              <a:t>区交换，即保持</a:t>
-            </a:r>
-            <a:r>
-              <a:rPr lang="en-US" altLang="zh-CN" sz="1200" kern="1200" dirty="0">
-                <a:solidFill>
-                  <a:schemeClr val="tx1"/>
-                </a:solidFill>
-                <a:effectLst/>
-                <a:latin typeface="+mn-lt"/>
-                <a:ea typeface="+mn-ea"/>
-                <a:cs typeface="+mn-cs"/>
-              </a:rPr>
-              <a:t>survivor1</a:t>
-            </a:r>
-            <a:r>
-              <a:rPr lang="zh-CN" altLang="en-US" sz="1200" kern="1200" dirty="0">
-                <a:solidFill>
-                  <a:schemeClr val="tx1"/>
-                </a:solidFill>
-                <a:effectLst/>
-                <a:latin typeface="+mn-lt"/>
-                <a:ea typeface="+mn-ea"/>
-                <a:cs typeface="+mn-cs"/>
-              </a:rPr>
-              <a:t>区为空， 如此往复。</a:t>
-            </a:r>
-            <a:endParaRPr lang="zh-CN" altLang="en-US" dirty="0">
-              <a:effectLst/>
-            </a:endParaRPr>
-          </a:p>
-          <a:p>
-            <a:r>
-              <a:rPr lang="en-US" altLang="zh-CN" sz="1200" kern="1200" dirty="0">
-                <a:solidFill>
-                  <a:schemeClr val="tx1"/>
-                </a:solidFill>
-                <a:effectLst/>
-                <a:latin typeface="+mn-lt"/>
-                <a:ea typeface="+mn-ea"/>
-                <a:cs typeface="+mn-cs"/>
-              </a:rPr>
-              <a:t>c) </a:t>
-            </a:r>
-            <a:r>
-              <a:rPr lang="zh-CN" altLang="en-US" sz="1200" kern="1200" dirty="0">
-                <a:solidFill>
-                  <a:schemeClr val="tx1"/>
-                </a:solidFill>
-                <a:effectLst/>
-                <a:latin typeface="+mn-lt"/>
-                <a:ea typeface="+mn-ea"/>
-                <a:cs typeface="+mn-cs"/>
-              </a:rPr>
-              <a:t>当</a:t>
-            </a:r>
-            <a:r>
-              <a:rPr lang="en-US" altLang="zh-CN" sz="1200" kern="1200" dirty="0">
-                <a:solidFill>
-                  <a:schemeClr val="tx1"/>
-                </a:solidFill>
-                <a:effectLst/>
-                <a:latin typeface="+mn-lt"/>
-                <a:ea typeface="+mn-ea"/>
-                <a:cs typeface="+mn-cs"/>
-              </a:rPr>
-              <a:t>survivor1</a:t>
-            </a:r>
-            <a:r>
-              <a:rPr lang="zh-CN" altLang="en-US" sz="1200" kern="1200" dirty="0">
-                <a:solidFill>
-                  <a:schemeClr val="tx1"/>
-                </a:solidFill>
-                <a:effectLst/>
-                <a:latin typeface="+mn-lt"/>
-                <a:ea typeface="+mn-ea"/>
-                <a:cs typeface="+mn-cs"/>
-              </a:rPr>
-              <a:t>区不足以存放 </a:t>
-            </a:r>
-            <a:r>
-              <a:rPr lang="en-US" altLang="zh-CN" sz="1200" kern="1200" dirty="0" err="1">
-                <a:solidFill>
-                  <a:schemeClr val="tx1"/>
-                </a:solidFill>
-                <a:effectLst/>
-                <a:latin typeface="+mn-lt"/>
-                <a:ea typeface="+mn-ea"/>
-                <a:cs typeface="+mn-cs"/>
-              </a:rPr>
-              <a:t>eden</a:t>
-            </a:r>
-            <a:r>
-              <a:rPr lang="zh-CN" altLang="en-US" sz="1200" kern="1200" dirty="0">
-                <a:solidFill>
-                  <a:schemeClr val="tx1"/>
-                </a:solidFill>
-                <a:effectLst/>
-                <a:latin typeface="+mn-lt"/>
-                <a:ea typeface="+mn-ea"/>
-                <a:cs typeface="+mn-cs"/>
-              </a:rPr>
-              <a:t>和</a:t>
-            </a:r>
-            <a:r>
-              <a:rPr lang="en-US" altLang="zh-CN" sz="1200" kern="1200" dirty="0">
-                <a:solidFill>
-                  <a:schemeClr val="tx1"/>
-                </a:solidFill>
-                <a:effectLst/>
-                <a:latin typeface="+mn-lt"/>
-                <a:ea typeface="+mn-ea"/>
-                <a:cs typeface="+mn-cs"/>
-              </a:rPr>
-              <a:t>survivor0</a:t>
-            </a:r>
-            <a:r>
-              <a:rPr lang="zh-CN" altLang="en-US" sz="1200" kern="1200" dirty="0">
-                <a:solidFill>
-                  <a:schemeClr val="tx1"/>
-                </a:solidFill>
-                <a:effectLst/>
-                <a:latin typeface="+mn-lt"/>
-                <a:ea typeface="+mn-ea"/>
-                <a:cs typeface="+mn-cs"/>
-              </a:rPr>
-              <a:t>的存活对象时，就将存活对象直接存放到老年代。若是老年代也满了就会触发一次</a:t>
-            </a:r>
-            <a:r>
-              <a:rPr lang="en-US" altLang="zh-CN" sz="1200" kern="1200" dirty="0">
-                <a:solidFill>
-                  <a:schemeClr val="tx1"/>
-                </a:solidFill>
-                <a:effectLst/>
-                <a:latin typeface="+mn-lt"/>
-                <a:ea typeface="+mn-ea"/>
-                <a:cs typeface="+mn-cs"/>
-              </a:rPr>
-              <a:t>Full GC(Major GC)</a:t>
-            </a:r>
-            <a:r>
-              <a:rPr lang="zh-CN" altLang="en-US" sz="1200" kern="1200" dirty="0">
-                <a:solidFill>
-                  <a:schemeClr val="tx1"/>
-                </a:solidFill>
-                <a:effectLst/>
-                <a:latin typeface="+mn-lt"/>
-                <a:ea typeface="+mn-ea"/>
-                <a:cs typeface="+mn-cs"/>
-              </a:rPr>
-              <a:t>，也就是新生代、老年代都进行回收。</a:t>
-            </a:r>
-            <a:endParaRPr lang="zh-CN" altLang="en-US" dirty="0">
-              <a:effectLst/>
-            </a:endParaRPr>
-          </a:p>
-          <a:p>
-            <a:r>
-              <a:rPr lang="en-US" altLang="zh-CN" sz="1200" kern="1200" dirty="0">
-                <a:solidFill>
-                  <a:schemeClr val="tx1"/>
-                </a:solidFill>
-                <a:effectLst/>
-                <a:latin typeface="+mn-lt"/>
-                <a:ea typeface="+mn-ea"/>
-                <a:cs typeface="+mn-cs"/>
-              </a:rPr>
-              <a:t>d) </a:t>
-            </a:r>
-            <a:r>
-              <a:rPr lang="zh-CN" altLang="en-US" sz="1200" kern="1200" dirty="0">
-                <a:solidFill>
-                  <a:schemeClr val="tx1"/>
-                </a:solidFill>
-                <a:effectLst/>
-                <a:latin typeface="+mn-lt"/>
-                <a:ea typeface="+mn-ea"/>
-                <a:cs typeface="+mn-cs"/>
-              </a:rPr>
-              <a:t>新生代发生的</a:t>
-            </a:r>
-            <a:r>
-              <a:rPr lang="en-US" altLang="zh-CN" sz="1200" kern="1200" dirty="0">
-                <a:solidFill>
-                  <a:schemeClr val="tx1"/>
-                </a:solidFill>
-                <a:effectLst/>
-                <a:latin typeface="+mn-lt"/>
-                <a:ea typeface="+mn-ea"/>
-                <a:cs typeface="+mn-cs"/>
-              </a:rPr>
-              <a:t>GC</a:t>
-            </a:r>
-            <a:r>
-              <a:rPr lang="zh-CN" altLang="en-US" sz="1200" kern="1200" dirty="0">
-                <a:solidFill>
-                  <a:schemeClr val="tx1"/>
-                </a:solidFill>
-                <a:effectLst/>
-                <a:latin typeface="+mn-lt"/>
-                <a:ea typeface="+mn-ea"/>
-                <a:cs typeface="+mn-cs"/>
-              </a:rPr>
-              <a:t>也叫做</a:t>
-            </a:r>
-            <a:r>
-              <a:rPr lang="en-US" altLang="zh-CN" sz="1200" kern="1200" dirty="0">
-                <a:solidFill>
-                  <a:schemeClr val="tx1"/>
-                </a:solidFill>
-                <a:effectLst/>
-                <a:latin typeface="+mn-lt"/>
-                <a:ea typeface="+mn-ea"/>
-                <a:cs typeface="+mn-cs"/>
-              </a:rPr>
-              <a:t>Minor GC</a:t>
-            </a:r>
-            <a:r>
-              <a:rPr lang="zh-CN" altLang="en-US" sz="1200" kern="1200" dirty="0">
-                <a:solidFill>
-                  <a:schemeClr val="tx1"/>
-                </a:solidFill>
-                <a:effectLst/>
-                <a:latin typeface="+mn-lt"/>
-                <a:ea typeface="+mn-ea"/>
-                <a:cs typeface="+mn-cs"/>
-              </a:rPr>
-              <a:t>，</a:t>
-            </a:r>
-            <a:r>
-              <a:rPr lang="en-US" altLang="zh-CN" sz="1200" kern="1200" dirty="0" err="1">
-                <a:solidFill>
-                  <a:schemeClr val="tx1"/>
-                </a:solidFill>
-                <a:effectLst/>
-                <a:latin typeface="+mn-lt"/>
-                <a:ea typeface="+mn-ea"/>
-                <a:cs typeface="+mn-cs"/>
-              </a:rPr>
-              <a:t>MinorGC</a:t>
-            </a:r>
-            <a:r>
-              <a:rPr lang="zh-CN" altLang="en-US" sz="1200" kern="1200" dirty="0">
-                <a:solidFill>
-                  <a:schemeClr val="tx1"/>
-                </a:solidFill>
-                <a:effectLst/>
-                <a:latin typeface="+mn-lt"/>
-                <a:ea typeface="+mn-ea"/>
-                <a:cs typeface="+mn-cs"/>
-              </a:rPr>
-              <a:t>发生频率比较高</a:t>
-            </a:r>
-            <a:r>
-              <a:rPr lang="en-US" altLang="zh-CN" sz="1200" kern="1200" dirty="0">
-                <a:solidFill>
-                  <a:schemeClr val="tx1"/>
-                </a:solidFill>
-                <a:effectLst/>
-                <a:latin typeface="+mn-lt"/>
-                <a:ea typeface="+mn-ea"/>
-                <a:cs typeface="+mn-cs"/>
-              </a:rPr>
-              <a:t>(</a:t>
-            </a:r>
-            <a:r>
-              <a:rPr lang="zh-CN" altLang="en-US" sz="1200" kern="1200" dirty="0">
-                <a:solidFill>
-                  <a:schemeClr val="tx1"/>
-                </a:solidFill>
-                <a:effectLst/>
-                <a:latin typeface="+mn-lt"/>
-                <a:ea typeface="+mn-ea"/>
-                <a:cs typeface="+mn-cs"/>
-              </a:rPr>
-              <a:t>不一定等</a:t>
-            </a:r>
-            <a:r>
-              <a:rPr lang="en-US" altLang="zh-CN" sz="1200" kern="1200" dirty="0">
-                <a:solidFill>
-                  <a:schemeClr val="tx1"/>
-                </a:solidFill>
-                <a:effectLst/>
-                <a:latin typeface="+mn-lt"/>
-                <a:ea typeface="+mn-ea"/>
-                <a:cs typeface="+mn-cs"/>
-              </a:rPr>
-              <a:t>Eden</a:t>
-            </a:r>
-            <a:r>
-              <a:rPr lang="zh-CN" altLang="en-US" sz="1200" kern="1200" dirty="0">
-                <a:solidFill>
-                  <a:schemeClr val="tx1"/>
-                </a:solidFill>
-                <a:effectLst/>
-                <a:latin typeface="+mn-lt"/>
-                <a:ea typeface="+mn-ea"/>
-                <a:cs typeface="+mn-cs"/>
-              </a:rPr>
-              <a:t>区满了才触发</a:t>
-            </a:r>
-            <a:r>
-              <a:rPr lang="en-US" altLang="zh-CN" sz="1200" kern="1200" dirty="0">
-                <a:solidFill>
-                  <a:schemeClr val="tx1"/>
-                </a:solidFill>
-                <a:effectLst/>
-                <a:latin typeface="+mn-lt"/>
-                <a:ea typeface="+mn-ea"/>
-                <a:cs typeface="+mn-cs"/>
-              </a:rPr>
-              <a:t>)</a:t>
-            </a:r>
-            <a:r>
-              <a:rPr lang="zh-CN" altLang="en-US" sz="1200" kern="1200" dirty="0">
-                <a:solidFill>
-                  <a:schemeClr val="tx1"/>
-                </a:solidFill>
-                <a:effectLst/>
-                <a:latin typeface="+mn-lt"/>
-                <a:ea typeface="+mn-ea"/>
-                <a:cs typeface="+mn-cs"/>
-              </a:rPr>
-              <a:t>。</a:t>
-            </a:r>
-            <a:endParaRPr lang="zh-CN" altLang="en-US" dirty="0">
-              <a:effectLst/>
-            </a:endParaRPr>
-          </a:p>
-          <a:p>
-            <a:r>
-              <a:rPr lang="zh-CN" altLang="en-US" sz="1200" b="1" kern="1200" dirty="0">
-                <a:solidFill>
-                  <a:schemeClr val="tx1"/>
-                </a:solidFill>
-                <a:effectLst/>
-                <a:latin typeface="+mn-lt"/>
-                <a:ea typeface="+mn-ea"/>
-                <a:cs typeface="+mn-cs"/>
-              </a:rPr>
-              <a:t>年老代（</a:t>
-            </a:r>
-            <a:r>
-              <a:rPr lang="en-US" altLang="zh-CN" sz="1200" b="1" kern="1200" dirty="0">
-                <a:solidFill>
-                  <a:schemeClr val="tx1"/>
-                </a:solidFill>
-                <a:effectLst/>
-                <a:latin typeface="+mn-lt"/>
-                <a:ea typeface="+mn-ea"/>
-                <a:cs typeface="+mn-cs"/>
-              </a:rPr>
-              <a:t>Old Generation</a:t>
-            </a:r>
-            <a:r>
-              <a:rPr lang="zh-CN" altLang="en-US" sz="1200" b="1" kern="1200" dirty="0">
-                <a:solidFill>
-                  <a:schemeClr val="tx1"/>
-                </a:solidFill>
-                <a:effectLst/>
-                <a:latin typeface="+mn-lt"/>
-                <a:ea typeface="+mn-ea"/>
-                <a:cs typeface="+mn-cs"/>
-              </a:rPr>
-              <a:t>）的回收算法（回收主要以</a:t>
-            </a:r>
-            <a:r>
-              <a:rPr lang="en-US" altLang="zh-CN" sz="1200" b="1" kern="1200" dirty="0">
-                <a:solidFill>
-                  <a:schemeClr val="tx1"/>
-                </a:solidFill>
-                <a:effectLst/>
-                <a:latin typeface="+mn-lt"/>
-                <a:ea typeface="+mn-ea"/>
-                <a:cs typeface="+mn-cs"/>
-              </a:rPr>
-              <a:t>Mark-Compact</a:t>
-            </a:r>
-            <a:r>
-              <a:rPr lang="zh-CN" altLang="en-US" sz="1200" b="1" kern="1200" dirty="0">
-                <a:solidFill>
-                  <a:schemeClr val="tx1"/>
-                </a:solidFill>
-                <a:effectLst/>
-                <a:latin typeface="+mn-lt"/>
-                <a:ea typeface="+mn-ea"/>
-                <a:cs typeface="+mn-cs"/>
-              </a:rPr>
-              <a:t>为主）</a:t>
-            </a:r>
-            <a:endParaRPr lang="zh-CN" altLang="en-US" dirty="0">
-              <a:effectLst/>
-            </a:endParaRPr>
-          </a:p>
-          <a:p>
-            <a:r>
-              <a:rPr lang="en-US" altLang="zh-CN" sz="1200" kern="1200" dirty="0">
-                <a:solidFill>
-                  <a:schemeClr val="tx1"/>
-                </a:solidFill>
-                <a:effectLst/>
-                <a:latin typeface="+mn-lt"/>
-                <a:ea typeface="+mn-ea"/>
-                <a:cs typeface="+mn-cs"/>
-              </a:rPr>
-              <a:t>a) </a:t>
-            </a:r>
-            <a:r>
-              <a:rPr lang="zh-CN" altLang="en-US" sz="1200" kern="1200" dirty="0">
-                <a:solidFill>
-                  <a:schemeClr val="tx1"/>
-                </a:solidFill>
-                <a:effectLst/>
-                <a:latin typeface="+mn-lt"/>
-                <a:ea typeface="+mn-ea"/>
-                <a:cs typeface="+mn-cs"/>
-              </a:rPr>
-              <a:t>在年轻代中经历了</a:t>
-            </a:r>
-            <a:r>
-              <a:rPr lang="en-US" altLang="zh-CN" sz="1200" kern="1200" dirty="0">
-                <a:solidFill>
-                  <a:schemeClr val="tx1"/>
-                </a:solidFill>
-                <a:effectLst/>
-                <a:latin typeface="+mn-lt"/>
-                <a:ea typeface="+mn-ea"/>
-                <a:cs typeface="+mn-cs"/>
-              </a:rPr>
-              <a:t>N</a:t>
-            </a:r>
-            <a:r>
-              <a:rPr lang="zh-CN" altLang="en-US" sz="1200" kern="1200" dirty="0">
-                <a:solidFill>
-                  <a:schemeClr val="tx1"/>
-                </a:solidFill>
-                <a:effectLst/>
-                <a:latin typeface="+mn-lt"/>
-                <a:ea typeface="+mn-ea"/>
-                <a:cs typeface="+mn-cs"/>
-              </a:rPr>
-              <a:t>次垃圾回收后仍然存活的对象，就会被放到年老代中。因此，可以认为年老代中存放的都是一些生命周期较长的对象。</a:t>
-            </a:r>
-            <a:endParaRPr lang="zh-CN" altLang="en-US" dirty="0">
-              <a:effectLst/>
-            </a:endParaRPr>
-          </a:p>
-          <a:p>
-            <a:r>
-              <a:rPr lang="en-US" altLang="zh-CN" sz="1200" kern="1200" dirty="0">
-                <a:solidFill>
-                  <a:schemeClr val="tx1"/>
-                </a:solidFill>
-                <a:effectLst/>
-                <a:latin typeface="+mn-lt"/>
-                <a:ea typeface="+mn-ea"/>
-                <a:cs typeface="+mn-cs"/>
-              </a:rPr>
-              <a:t>b) </a:t>
-            </a:r>
-            <a:r>
-              <a:rPr lang="zh-CN" altLang="en-US" sz="1200" kern="1200" dirty="0">
-                <a:solidFill>
-                  <a:schemeClr val="tx1"/>
-                </a:solidFill>
-                <a:effectLst/>
-                <a:latin typeface="+mn-lt"/>
-                <a:ea typeface="+mn-ea"/>
-                <a:cs typeface="+mn-cs"/>
-              </a:rPr>
-              <a:t>内存比新生代也大很多</a:t>
-            </a:r>
-            <a:r>
-              <a:rPr lang="en-US" altLang="zh-CN" sz="1200" kern="1200" dirty="0">
-                <a:solidFill>
-                  <a:schemeClr val="tx1"/>
-                </a:solidFill>
-                <a:effectLst/>
-                <a:latin typeface="+mn-lt"/>
-                <a:ea typeface="+mn-ea"/>
-                <a:cs typeface="+mn-cs"/>
-              </a:rPr>
-              <a:t>(</a:t>
-            </a:r>
-            <a:r>
-              <a:rPr lang="zh-CN" altLang="en-US" sz="1200" kern="1200" dirty="0">
-                <a:solidFill>
-                  <a:schemeClr val="tx1"/>
-                </a:solidFill>
-                <a:effectLst/>
-                <a:latin typeface="+mn-lt"/>
-                <a:ea typeface="+mn-ea"/>
-                <a:cs typeface="+mn-cs"/>
-              </a:rPr>
-              <a:t>大概比例是</a:t>
-            </a:r>
-            <a:r>
-              <a:rPr lang="en-US" altLang="zh-CN" sz="1200" kern="1200" dirty="0">
-                <a:solidFill>
-                  <a:schemeClr val="tx1"/>
-                </a:solidFill>
-                <a:effectLst/>
-                <a:latin typeface="+mn-lt"/>
-                <a:ea typeface="+mn-ea"/>
-                <a:cs typeface="+mn-cs"/>
-              </a:rPr>
-              <a:t>1:2)</a:t>
-            </a:r>
-            <a:r>
-              <a:rPr lang="zh-CN" altLang="en-US" sz="1200" kern="1200" dirty="0">
-                <a:solidFill>
-                  <a:schemeClr val="tx1"/>
-                </a:solidFill>
-                <a:effectLst/>
-                <a:latin typeface="+mn-lt"/>
-                <a:ea typeface="+mn-ea"/>
-                <a:cs typeface="+mn-cs"/>
-              </a:rPr>
-              <a:t>，当老年代内存满时触发</a:t>
-            </a:r>
-            <a:r>
-              <a:rPr lang="en-US" altLang="zh-CN" sz="1200" kern="1200" dirty="0">
-                <a:solidFill>
-                  <a:schemeClr val="tx1"/>
-                </a:solidFill>
-                <a:effectLst/>
-                <a:latin typeface="+mn-lt"/>
-                <a:ea typeface="+mn-ea"/>
-                <a:cs typeface="+mn-cs"/>
-              </a:rPr>
-              <a:t>Major GC</a:t>
-            </a:r>
-            <a:r>
-              <a:rPr lang="zh-CN" altLang="en-US" sz="1200" kern="1200" dirty="0">
-                <a:solidFill>
-                  <a:schemeClr val="tx1"/>
-                </a:solidFill>
-                <a:effectLst/>
-                <a:latin typeface="+mn-lt"/>
-                <a:ea typeface="+mn-ea"/>
-                <a:cs typeface="+mn-cs"/>
-              </a:rPr>
-              <a:t>即</a:t>
-            </a:r>
-            <a:r>
-              <a:rPr lang="en-US" altLang="zh-CN" sz="1200" kern="1200" dirty="0">
-                <a:solidFill>
-                  <a:schemeClr val="tx1"/>
-                </a:solidFill>
-                <a:effectLst/>
-                <a:latin typeface="+mn-lt"/>
-                <a:ea typeface="+mn-ea"/>
-                <a:cs typeface="+mn-cs"/>
-              </a:rPr>
-              <a:t>Full GC</a:t>
-            </a:r>
-            <a:r>
-              <a:rPr lang="zh-CN" altLang="en-US" sz="1200" kern="1200" dirty="0">
-                <a:solidFill>
-                  <a:schemeClr val="tx1"/>
-                </a:solidFill>
-                <a:effectLst/>
-                <a:latin typeface="+mn-lt"/>
-                <a:ea typeface="+mn-ea"/>
-                <a:cs typeface="+mn-cs"/>
-              </a:rPr>
-              <a:t>，</a:t>
-            </a:r>
-            <a:r>
-              <a:rPr lang="en-US" altLang="zh-CN" sz="1200" kern="1200" dirty="0">
-                <a:solidFill>
-                  <a:schemeClr val="tx1"/>
-                </a:solidFill>
-                <a:effectLst/>
-                <a:latin typeface="+mn-lt"/>
-                <a:ea typeface="+mn-ea"/>
-                <a:cs typeface="+mn-cs"/>
-              </a:rPr>
-              <a:t>Full GC</a:t>
-            </a:r>
-            <a:r>
-              <a:rPr lang="zh-CN" altLang="en-US" sz="1200" kern="1200" dirty="0">
-                <a:solidFill>
-                  <a:schemeClr val="tx1"/>
-                </a:solidFill>
-                <a:effectLst/>
-                <a:latin typeface="+mn-lt"/>
-                <a:ea typeface="+mn-ea"/>
-                <a:cs typeface="+mn-cs"/>
-              </a:rPr>
-              <a:t>发生频率比较低，老年代对象存活时间比较长，存活率标记高</a:t>
-            </a:r>
-            <a:endParaRPr lang="zh-CN" altLang="en-US" dirty="0">
-              <a:effectLst/>
-            </a:endParaRPr>
-          </a:p>
-          <a:p>
             <a:endParaRPr lang="zh-CN" altLang="en-US" dirty="0"/>
           </a:p>
         </p:txBody>
@@ -1945,7 +803,7 @@
     </p:spTree>
     <p:extLst>
       <p:ext uri="{BB962C8B-B14F-4D97-AF65-F5344CB8AC3E}">
-        <p14:creationId xmlns:p14="http://schemas.microsoft.com/office/powerpoint/2010/main" val="2799793627"/>
+        <p14:creationId xmlns:p14="http://schemas.microsoft.com/office/powerpoint/2010/main" val="924833615"/>
       </p:ext>
     </p:extLst>
   </p:cSld>
@@ -2009,15 +867,10 @@
                 <a:ea typeface="+mn-ea"/>
                 <a:cs typeface="+mn-cs"/>
               </a:rPr>
-              <a:t>线程栈：包含了当前线程执行的方法调用相关信息，我们也把它称作调用栈。每个线程都有一个独立的线程栈，线程栈内数据线程间不能共享</a:t>
-            </a:r>
-            <a:endParaRPr lang="zh-CN" altLang="en-US" dirty="0">
-              <a:effectLst/>
-            </a:endParaRPr>
-          </a:p>
-          <a:p>
-            <a:r>
-              <a:rPr lang="zh-CN" altLang="en-US" sz="1200" b="1" kern="1200" dirty="0">
+              <a:t>年轻代（</a:t>
+            </a:r>
+            <a:r>
+              <a:rPr lang="en-US" altLang="zh-CN" sz="1200" b="1" kern="1200" dirty="0">
                 <a:solidFill>
                   <a:schemeClr val="tx1"/>
                 </a:solidFill>
@@ -2026,10 +879,10 @@
                 <a:ea typeface="+mn-ea"/>
                 <a:cs typeface="+mn-cs"/>
               </a:rPr>
-              <a:t>堆区：包含了</a:t>
-            </a:r>
-            <a:r>
-              <a:rPr lang="en-US" altLang="zh-CN" sz="1200" b="1" kern="1200" dirty="0">
+              <a:t>Young Generation</a:t>
+            </a:r>
+            <a:r>
+              <a:rPr lang="zh-CN" altLang="en-US" sz="1200" b="1" kern="1200" dirty="0">
                 <a:solidFill>
                   <a:schemeClr val="tx1"/>
                 </a:solidFill>
@@ -2038,10 +891,10 @@
                 <a:ea typeface="+mn-ea"/>
                 <a:cs typeface="+mn-cs"/>
               </a:rPr>
-              <a:t>Java</a:t>
-            </a:r>
-            <a:r>
-              <a:rPr lang="zh-CN" altLang="en-US" sz="1200" b="1" kern="1200" dirty="0">
+              <a:t>）的回收算法 </a:t>
+            </a:r>
+            <a:r>
+              <a:rPr lang="en-US" altLang="zh-CN" sz="1200" b="1" kern="1200" dirty="0">
                 <a:solidFill>
                   <a:schemeClr val="tx1"/>
                 </a:solidFill>
@@ -2050,10 +903,10 @@
                 <a:ea typeface="+mn-ea"/>
                 <a:cs typeface="+mn-cs"/>
               </a:rPr>
-              <a:t>应用创建的所有对象信息，堆区内数据是线程间共享的</a:t>
-            </a:r>
-            <a:r>
-              <a:rPr lang="zh-CN" altLang="en-US" sz="1200" kern="1200" dirty="0">
+              <a:t>(</a:t>
+            </a:r>
+            <a:r>
+              <a:rPr lang="zh-CN" altLang="en-US" sz="1200" b="1" kern="1200" dirty="0">
                 <a:solidFill>
                   <a:schemeClr val="tx1"/>
                 </a:solidFill>
@@ -2062,10 +915,10 @@
                 <a:ea typeface="+mn-ea"/>
                 <a:cs typeface="+mn-cs"/>
               </a:rPr>
-              <a:t>，不管对象是哪个线程创建的，其中的对象包括原始类型的封装类（如</a:t>
-            </a:r>
-            <a:r>
-              <a:rPr lang="en-US" altLang="zh-CN" sz="1200" kern="1200" dirty="0">
+              <a:t>回收主要以</a:t>
+            </a:r>
+            <a:r>
+              <a:rPr lang="en-US" altLang="zh-CN" sz="1200" b="1" kern="1200" dirty="0">
                 <a:solidFill>
                   <a:schemeClr val="tx1"/>
                 </a:solidFill>
@@ -2074,10 +927,10 @@
                 <a:ea typeface="+mn-ea"/>
                 <a:cs typeface="+mn-cs"/>
               </a:rPr>
-              <a:t>Byte</a:t>
-            </a:r>
-            <a:r>
-              <a:rPr lang="zh-CN" altLang="en-US" sz="1200" kern="1200" dirty="0">
+              <a:t>Copying</a:t>
+            </a:r>
+            <a:r>
+              <a:rPr lang="zh-CN" altLang="en-US" sz="1200" b="1" kern="1200" dirty="0">
                 <a:solidFill>
                   <a:schemeClr val="tx1"/>
                 </a:solidFill>
@@ -2086,10 +939,10 @@
                 <a:ea typeface="+mn-ea"/>
                 <a:cs typeface="+mn-cs"/>
               </a:rPr>
-              <a:t>、</a:t>
-            </a:r>
-            <a:r>
-              <a:rPr lang="en-US" altLang="zh-CN" sz="1200" kern="1200" dirty="0">
+              <a:t>为主</a:t>
+            </a:r>
+            <a:r>
+              <a:rPr lang="en-US" altLang="zh-CN" sz="1200" b="1" kern="1200" dirty="0">
                 <a:solidFill>
                   <a:schemeClr val="tx1"/>
                 </a:solidFill>
@@ -2098,10 +951,15 @@
                 <a:ea typeface="+mn-ea"/>
                 <a:cs typeface="+mn-cs"/>
               </a:rPr>
-              <a:t>Integer</a:t>
-            </a:r>
-            <a:r>
-              <a:rPr lang="zh-CN" altLang="en-US" sz="1200" kern="1200" dirty="0">
+              <a:t>)</a:t>
+            </a:r>
+            <a:endParaRPr lang="zh-CN" altLang="en-US" dirty="0">
+              <a:effectLst/>
+            </a:endParaRPr>
+          </a:p>
+          <a:p>
+            <a:r>
+              <a:rPr lang="en-US" altLang="zh-CN" sz="1200" kern="1200" dirty="0">
                 <a:solidFill>
                   <a:schemeClr val="tx1"/>
                 </a:solidFill>
@@ -2110,10 +968,10 @@
                 <a:ea typeface="+mn-ea"/>
                 <a:cs typeface="+mn-cs"/>
               </a:rPr>
-              <a:t>、</a:t>
-            </a:r>
-            <a:r>
-              <a:rPr lang="en-US" altLang="zh-CN" sz="1200" kern="1200" dirty="0">
+              <a:t>a) </a:t>
+            </a:r>
+            <a:r>
+              <a:rPr lang="zh-CN" altLang="en-US" sz="1200" kern="1200" dirty="0">
                 <a:solidFill>
                   <a:schemeClr val="tx1"/>
                 </a:solidFill>
@@ -2122,10 +980,15 @@
                 <a:ea typeface="+mn-ea"/>
                 <a:cs typeface="+mn-cs"/>
               </a:rPr>
-              <a:t>Long</a:t>
-            </a:r>
-            <a:r>
-              <a:rPr lang="zh-CN" altLang="en-US" sz="1200" kern="1200" dirty="0">
+              <a:t>所有新生成的对象首先都是放在年轻代的。年轻代的目标就是尽可能快速的收集掉那些生命周期短的对象。</a:t>
+            </a:r>
+            <a:endParaRPr lang="zh-CN" altLang="en-US" dirty="0">
+              <a:effectLst/>
+            </a:endParaRPr>
+          </a:p>
+          <a:p>
+            <a:r>
+              <a:rPr lang="en-US" altLang="zh-CN" sz="1200" kern="1200" dirty="0">
                 <a:solidFill>
                   <a:schemeClr val="tx1"/>
                 </a:solidFill>
@@ -2134,7 +997,1088 @@
                 <a:ea typeface="+mn-ea"/>
                 <a:cs typeface="+mn-cs"/>
               </a:rPr>
-              <a:t>等等）。不管对象是属于一个成员变量还是方法中的局部变量，它都会被存储在堆区。</a:t>
+              <a:t>b) </a:t>
+            </a:r>
+            <a:r>
+              <a:rPr lang="zh-CN" altLang="en-US" sz="1200" kern="1200" dirty="0">
+                <a:solidFill>
+                  <a:schemeClr val="tx1"/>
+                </a:solidFill>
+                <a:effectLst/>
+                <a:latin typeface="+mn-lt"/>
+                <a:ea typeface="+mn-ea"/>
+                <a:cs typeface="+mn-cs"/>
+              </a:rPr>
+              <a:t>新生代内存按照</a:t>
+            </a:r>
+            <a:r>
+              <a:rPr lang="en-US" altLang="zh-CN" sz="1200" kern="1200" dirty="0">
+                <a:solidFill>
+                  <a:schemeClr val="tx1"/>
+                </a:solidFill>
+                <a:effectLst/>
+                <a:latin typeface="+mn-lt"/>
+                <a:ea typeface="+mn-ea"/>
+                <a:cs typeface="+mn-cs"/>
+              </a:rPr>
+              <a:t>8:1:1</a:t>
+            </a:r>
+            <a:r>
+              <a:rPr lang="zh-CN" altLang="en-US" sz="1200" kern="1200" dirty="0">
+                <a:solidFill>
+                  <a:schemeClr val="tx1"/>
+                </a:solidFill>
+                <a:effectLst/>
+                <a:latin typeface="+mn-lt"/>
+                <a:ea typeface="+mn-ea"/>
+                <a:cs typeface="+mn-cs"/>
+              </a:rPr>
+              <a:t>的比例分为一个</a:t>
+            </a:r>
+            <a:r>
+              <a:rPr lang="en-US" altLang="zh-CN" sz="1200" kern="1200" dirty="0" err="1">
+                <a:solidFill>
+                  <a:schemeClr val="tx1"/>
+                </a:solidFill>
+                <a:effectLst/>
+                <a:latin typeface="+mn-lt"/>
+                <a:ea typeface="+mn-ea"/>
+                <a:cs typeface="+mn-cs"/>
+              </a:rPr>
+              <a:t>eden</a:t>
+            </a:r>
+            <a:r>
+              <a:rPr lang="zh-CN" altLang="en-US" sz="1200" kern="1200" dirty="0">
+                <a:solidFill>
+                  <a:schemeClr val="tx1"/>
+                </a:solidFill>
+                <a:effectLst/>
+                <a:latin typeface="+mn-lt"/>
+                <a:ea typeface="+mn-ea"/>
+                <a:cs typeface="+mn-cs"/>
+              </a:rPr>
+              <a:t>区和两个</a:t>
+            </a:r>
+            <a:r>
+              <a:rPr lang="en-US" altLang="zh-CN" sz="1200" kern="1200" dirty="0">
+                <a:solidFill>
+                  <a:schemeClr val="tx1"/>
+                </a:solidFill>
+                <a:effectLst/>
+                <a:latin typeface="+mn-lt"/>
+                <a:ea typeface="+mn-ea"/>
+                <a:cs typeface="+mn-cs"/>
+              </a:rPr>
+              <a:t>survivor(survivor0,survivor1)</a:t>
+            </a:r>
+            <a:r>
+              <a:rPr lang="zh-CN" altLang="en-US" sz="1200" kern="1200" dirty="0">
+                <a:solidFill>
+                  <a:schemeClr val="tx1"/>
+                </a:solidFill>
+                <a:effectLst/>
+                <a:latin typeface="+mn-lt"/>
+                <a:ea typeface="+mn-ea"/>
+                <a:cs typeface="+mn-cs"/>
+              </a:rPr>
+              <a:t>区。一个</a:t>
+            </a:r>
+            <a:r>
+              <a:rPr lang="en-US" altLang="zh-CN" sz="1200" kern="1200" dirty="0">
+                <a:solidFill>
+                  <a:schemeClr val="tx1"/>
+                </a:solidFill>
+                <a:effectLst/>
+                <a:latin typeface="+mn-lt"/>
+                <a:ea typeface="+mn-ea"/>
+                <a:cs typeface="+mn-cs"/>
+              </a:rPr>
+              <a:t>Eden</a:t>
+            </a:r>
+            <a:r>
+              <a:rPr lang="zh-CN" altLang="en-US" sz="1200" kern="1200" dirty="0">
+                <a:solidFill>
+                  <a:schemeClr val="tx1"/>
+                </a:solidFill>
+                <a:effectLst/>
+                <a:latin typeface="+mn-lt"/>
+                <a:ea typeface="+mn-ea"/>
+                <a:cs typeface="+mn-cs"/>
+              </a:rPr>
+              <a:t>区，两个 </a:t>
+            </a:r>
+            <a:r>
+              <a:rPr lang="en-US" altLang="zh-CN" sz="1200" kern="1200" dirty="0">
+                <a:solidFill>
+                  <a:schemeClr val="tx1"/>
+                </a:solidFill>
+                <a:effectLst/>
+                <a:latin typeface="+mn-lt"/>
+                <a:ea typeface="+mn-ea"/>
+                <a:cs typeface="+mn-cs"/>
+              </a:rPr>
+              <a:t>Survivor</a:t>
+            </a:r>
+            <a:r>
+              <a:rPr lang="zh-CN" altLang="en-US" sz="1200" kern="1200" dirty="0">
+                <a:solidFill>
+                  <a:schemeClr val="tx1"/>
+                </a:solidFill>
+                <a:effectLst/>
+                <a:latin typeface="+mn-lt"/>
+                <a:ea typeface="+mn-ea"/>
+                <a:cs typeface="+mn-cs"/>
+              </a:rPr>
+              <a:t>区</a:t>
+            </a:r>
+            <a:r>
+              <a:rPr lang="en-US" altLang="zh-CN" sz="1200" kern="1200" dirty="0">
+                <a:solidFill>
+                  <a:schemeClr val="tx1"/>
+                </a:solidFill>
+                <a:effectLst/>
+                <a:latin typeface="+mn-lt"/>
+                <a:ea typeface="+mn-ea"/>
+                <a:cs typeface="+mn-cs"/>
+              </a:rPr>
+              <a:t>(</a:t>
+            </a:r>
+            <a:r>
+              <a:rPr lang="zh-CN" altLang="en-US" sz="1200" kern="1200" dirty="0">
+                <a:solidFill>
+                  <a:schemeClr val="tx1"/>
+                </a:solidFill>
+                <a:effectLst/>
+                <a:latin typeface="+mn-lt"/>
+                <a:ea typeface="+mn-ea"/>
+                <a:cs typeface="+mn-cs"/>
+              </a:rPr>
+              <a:t>一般而言</a:t>
+            </a:r>
+            <a:r>
+              <a:rPr lang="en-US" altLang="zh-CN" sz="1200" kern="1200" dirty="0">
+                <a:solidFill>
+                  <a:schemeClr val="tx1"/>
+                </a:solidFill>
+                <a:effectLst/>
+                <a:latin typeface="+mn-lt"/>
+                <a:ea typeface="+mn-ea"/>
+                <a:cs typeface="+mn-cs"/>
+              </a:rPr>
+              <a:t>)</a:t>
+            </a:r>
+            <a:r>
+              <a:rPr lang="zh-CN" altLang="en-US" sz="1200" kern="1200" dirty="0">
+                <a:solidFill>
+                  <a:schemeClr val="tx1"/>
+                </a:solidFill>
+                <a:effectLst/>
+                <a:latin typeface="+mn-lt"/>
+                <a:ea typeface="+mn-ea"/>
+                <a:cs typeface="+mn-cs"/>
+              </a:rPr>
+              <a:t>。大部分对象在</a:t>
+            </a:r>
+            <a:r>
+              <a:rPr lang="en-US" altLang="zh-CN" sz="1200" kern="1200" dirty="0">
+                <a:solidFill>
+                  <a:schemeClr val="tx1"/>
+                </a:solidFill>
+                <a:effectLst/>
+                <a:latin typeface="+mn-lt"/>
+                <a:ea typeface="+mn-ea"/>
+                <a:cs typeface="+mn-cs"/>
+              </a:rPr>
+              <a:t>Eden</a:t>
+            </a:r>
+            <a:r>
+              <a:rPr lang="zh-CN" altLang="en-US" sz="1200" kern="1200" dirty="0">
+                <a:solidFill>
+                  <a:schemeClr val="tx1"/>
+                </a:solidFill>
+                <a:effectLst/>
+                <a:latin typeface="+mn-lt"/>
+                <a:ea typeface="+mn-ea"/>
+                <a:cs typeface="+mn-cs"/>
+              </a:rPr>
+              <a:t>区中生成。回收时先将</a:t>
+            </a:r>
+            <a:r>
+              <a:rPr lang="en-US" altLang="zh-CN" sz="1200" kern="1200" dirty="0" err="1">
+                <a:solidFill>
+                  <a:schemeClr val="tx1"/>
+                </a:solidFill>
+                <a:effectLst/>
+                <a:latin typeface="+mn-lt"/>
+                <a:ea typeface="+mn-ea"/>
+                <a:cs typeface="+mn-cs"/>
+              </a:rPr>
+              <a:t>eden</a:t>
+            </a:r>
+            <a:r>
+              <a:rPr lang="zh-CN" altLang="en-US" sz="1200" kern="1200" dirty="0">
+                <a:solidFill>
+                  <a:schemeClr val="tx1"/>
+                </a:solidFill>
+                <a:effectLst/>
+                <a:latin typeface="+mn-lt"/>
+                <a:ea typeface="+mn-ea"/>
+                <a:cs typeface="+mn-cs"/>
+              </a:rPr>
+              <a:t>区存活对象复制到一个</a:t>
+            </a:r>
+            <a:r>
+              <a:rPr lang="en-US" altLang="zh-CN" sz="1200" kern="1200" dirty="0">
+                <a:solidFill>
+                  <a:schemeClr val="tx1"/>
+                </a:solidFill>
+                <a:effectLst/>
+                <a:latin typeface="+mn-lt"/>
+                <a:ea typeface="+mn-ea"/>
+                <a:cs typeface="+mn-cs"/>
+              </a:rPr>
+              <a:t>survivor0</a:t>
+            </a:r>
+            <a:r>
+              <a:rPr lang="zh-CN" altLang="en-US" sz="1200" kern="1200" dirty="0">
+                <a:solidFill>
+                  <a:schemeClr val="tx1"/>
+                </a:solidFill>
+                <a:effectLst/>
+                <a:latin typeface="+mn-lt"/>
+                <a:ea typeface="+mn-ea"/>
+                <a:cs typeface="+mn-cs"/>
+              </a:rPr>
+              <a:t>区，然后清空</a:t>
+            </a:r>
+            <a:r>
+              <a:rPr lang="en-US" altLang="zh-CN" sz="1200" kern="1200" dirty="0" err="1">
+                <a:solidFill>
+                  <a:schemeClr val="tx1"/>
+                </a:solidFill>
+                <a:effectLst/>
+                <a:latin typeface="+mn-lt"/>
+                <a:ea typeface="+mn-ea"/>
+                <a:cs typeface="+mn-cs"/>
+              </a:rPr>
+              <a:t>eden</a:t>
+            </a:r>
+            <a:r>
+              <a:rPr lang="zh-CN" altLang="en-US" sz="1200" kern="1200" dirty="0">
+                <a:solidFill>
+                  <a:schemeClr val="tx1"/>
+                </a:solidFill>
+                <a:effectLst/>
+                <a:latin typeface="+mn-lt"/>
+                <a:ea typeface="+mn-ea"/>
+                <a:cs typeface="+mn-cs"/>
+              </a:rPr>
+              <a:t>区，当这个</a:t>
+            </a:r>
+            <a:r>
+              <a:rPr lang="en-US" altLang="zh-CN" sz="1200" kern="1200" dirty="0">
+                <a:solidFill>
+                  <a:schemeClr val="tx1"/>
+                </a:solidFill>
+                <a:effectLst/>
+                <a:latin typeface="+mn-lt"/>
+                <a:ea typeface="+mn-ea"/>
+                <a:cs typeface="+mn-cs"/>
+              </a:rPr>
+              <a:t>survivor0</a:t>
+            </a:r>
+            <a:r>
+              <a:rPr lang="zh-CN" altLang="en-US" sz="1200" kern="1200" dirty="0">
+                <a:solidFill>
+                  <a:schemeClr val="tx1"/>
+                </a:solidFill>
+                <a:effectLst/>
+                <a:latin typeface="+mn-lt"/>
+                <a:ea typeface="+mn-ea"/>
+                <a:cs typeface="+mn-cs"/>
+              </a:rPr>
+              <a:t>区也存放满了时，则将</a:t>
+            </a:r>
+            <a:r>
+              <a:rPr lang="en-US" altLang="zh-CN" sz="1200" kern="1200" dirty="0" err="1">
+                <a:solidFill>
+                  <a:schemeClr val="tx1"/>
+                </a:solidFill>
+                <a:effectLst/>
+                <a:latin typeface="+mn-lt"/>
+                <a:ea typeface="+mn-ea"/>
+                <a:cs typeface="+mn-cs"/>
+              </a:rPr>
+              <a:t>eden</a:t>
+            </a:r>
+            <a:r>
+              <a:rPr lang="zh-CN" altLang="en-US" sz="1200" kern="1200" dirty="0">
+                <a:solidFill>
+                  <a:schemeClr val="tx1"/>
+                </a:solidFill>
+                <a:effectLst/>
+                <a:latin typeface="+mn-lt"/>
+                <a:ea typeface="+mn-ea"/>
+                <a:cs typeface="+mn-cs"/>
+              </a:rPr>
+              <a:t>区和</a:t>
+            </a:r>
+            <a:r>
+              <a:rPr lang="en-US" altLang="zh-CN" sz="1200" kern="1200" dirty="0">
+                <a:solidFill>
+                  <a:schemeClr val="tx1"/>
+                </a:solidFill>
+                <a:effectLst/>
+                <a:latin typeface="+mn-lt"/>
+                <a:ea typeface="+mn-ea"/>
+                <a:cs typeface="+mn-cs"/>
+              </a:rPr>
+              <a:t>survivor0</a:t>
+            </a:r>
+            <a:r>
+              <a:rPr lang="zh-CN" altLang="en-US" sz="1200" kern="1200" dirty="0">
+                <a:solidFill>
+                  <a:schemeClr val="tx1"/>
+                </a:solidFill>
+                <a:effectLst/>
+                <a:latin typeface="+mn-lt"/>
+                <a:ea typeface="+mn-ea"/>
+                <a:cs typeface="+mn-cs"/>
+              </a:rPr>
+              <a:t>区存活对象复制到另一个</a:t>
+            </a:r>
+            <a:r>
+              <a:rPr lang="en-US" altLang="zh-CN" sz="1200" kern="1200" dirty="0">
+                <a:solidFill>
+                  <a:schemeClr val="tx1"/>
+                </a:solidFill>
+                <a:effectLst/>
+                <a:latin typeface="+mn-lt"/>
+                <a:ea typeface="+mn-ea"/>
+                <a:cs typeface="+mn-cs"/>
+              </a:rPr>
+              <a:t>survivor1</a:t>
+            </a:r>
+            <a:r>
+              <a:rPr lang="zh-CN" altLang="en-US" sz="1200" kern="1200" dirty="0">
+                <a:solidFill>
+                  <a:schemeClr val="tx1"/>
+                </a:solidFill>
+                <a:effectLst/>
+                <a:latin typeface="+mn-lt"/>
+                <a:ea typeface="+mn-ea"/>
+                <a:cs typeface="+mn-cs"/>
+              </a:rPr>
+              <a:t>区，然后清空</a:t>
+            </a:r>
+            <a:r>
+              <a:rPr lang="en-US" altLang="zh-CN" sz="1200" kern="1200" dirty="0" err="1">
+                <a:solidFill>
+                  <a:schemeClr val="tx1"/>
+                </a:solidFill>
+                <a:effectLst/>
+                <a:latin typeface="+mn-lt"/>
+                <a:ea typeface="+mn-ea"/>
+                <a:cs typeface="+mn-cs"/>
+              </a:rPr>
+              <a:t>eden</a:t>
+            </a:r>
+            <a:r>
+              <a:rPr lang="zh-CN" altLang="en-US" sz="1200" kern="1200" dirty="0">
+                <a:solidFill>
+                  <a:schemeClr val="tx1"/>
+                </a:solidFill>
+                <a:effectLst/>
+                <a:latin typeface="+mn-lt"/>
+                <a:ea typeface="+mn-ea"/>
+                <a:cs typeface="+mn-cs"/>
+              </a:rPr>
+              <a:t>和这个</a:t>
+            </a:r>
+            <a:r>
+              <a:rPr lang="en-US" altLang="zh-CN" sz="1200" kern="1200" dirty="0">
+                <a:solidFill>
+                  <a:schemeClr val="tx1"/>
+                </a:solidFill>
+                <a:effectLst/>
+                <a:latin typeface="+mn-lt"/>
+                <a:ea typeface="+mn-ea"/>
+                <a:cs typeface="+mn-cs"/>
+              </a:rPr>
+              <a:t>survivor0</a:t>
+            </a:r>
+            <a:r>
+              <a:rPr lang="zh-CN" altLang="en-US" sz="1200" kern="1200" dirty="0">
+                <a:solidFill>
+                  <a:schemeClr val="tx1"/>
+                </a:solidFill>
+                <a:effectLst/>
+                <a:latin typeface="+mn-lt"/>
+                <a:ea typeface="+mn-ea"/>
+                <a:cs typeface="+mn-cs"/>
+              </a:rPr>
+              <a:t>区，此时</a:t>
+            </a:r>
+            <a:r>
+              <a:rPr lang="en-US" altLang="zh-CN" sz="1200" kern="1200" dirty="0">
+                <a:solidFill>
+                  <a:schemeClr val="tx1"/>
+                </a:solidFill>
+                <a:effectLst/>
+                <a:latin typeface="+mn-lt"/>
+                <a:ea typeface="+mn-ea"/>
+                <a:cs typeface="+mn-cs"/>
+              </a:rPr>
+              <a:t>survivor0</a:t>
+            </a:r>
+            <a:r>
+              <a:rPr lang="zh-CN" altLang="en-US" sz="1200" kern="1200" dirty="0">
+                <a:solidFill>
+                  <a:schemeClr val="tx1"/>
+                </a:solidFill>
+                <a:effectLst/>
+                <a:latin typeface="+mn-lt"/>
+                <a:ea typeface="+mn-ea"/>
+                <a:cs typeface="+mn-cs"/>
+              </a:rPr>
+              <a:t>区是空的，然后将</a:t>
+            </a:r>
+            <a:r>
+              <a:rPr lang="en-US" altLang="zh-CN" sz="1200" kern="1200" dirty="0">
+                <a:solidFill>
+                  <a:schemeClr val="tx1"/>
+                </a:solidFill>
+                <a:effectLst/>
+                <a:latin typeface="+mn-lt"/>
+                <a:ea typeface="+mn-ea"/>
+                <a:cs typeface="+mn-cs"/>
+              </a:rPr>
+              <a:t>survivor0</a:t>
+            </a:r>
+            <a:r>
+              <a:rPr lang="zh-CN" altLang="en-US" sz="1200" kern="1200" dirty="0">
+                <a:solidFill>
+                  <a:schemeClr val="tx1"/>
+                </a:solidFill>
+                <a:effectLst/>
+                <a:latin typeface="+mn-lt"/>
+                <a:ea typeface="+mn-ea"/>
+                <a:cs typeface="+mn-cs"/>
+              </a:rPr>
+              <a:t>区和</a:t>
+            </a:r>
+            <a:r>
+              <a:rPr lang="en-US" altLang="zh-CN" sz="1200" kern="1200" dirty="0">
+                <a:solidFill>
+                  <a:schemeClr val="tx1"/>
+                </a:solidFill>
+                <a:effectLst/>
+                <a:latin typeface="+mn-lt"/>
+                <a:ea typeface="+mn-ea"/>
+                <a:cs typeface="+mn-cs"/>
+              </a:rPr>
+              <a:t>survivor1</a:t>
+            </a:r>
+            <a:r>
+              <a:rPr lang="zh-CN" altLang="en-US" sz="1200" kern="1200" dirty="0">
+                <a:solidFill>
+                  <a:schemeClr val="tx1"/>
+                </a:solidFill>
+                <a:effectLst/>
+                <a:latin typeface="+mn-lt"/>
+                <a:ea typeface="+mn-ea"/>
+                <a:cs typeface="+mn-cs"/>
+              </a:rPr>
+              <a:t>区交换，即保持</a:t>
+            </a:r>
+            <a:r>
+              <a:rPr lang="en-US" altLang="zh-CN" sz="1200" kern="1200" dirty="0">
+                <a:solidFill>
+                  <a:schemeClr val="tx1"/>
+                </a:solidFill>
+                <a:effectLst/>
+                <a:latin typeface="+mn-lt"/>
+                <a:ea typeface="+mn-ea"/>
+                <a:cs typeface="+mn-cs"/>
+              </a:rPr>
+              <a:t>survivor1</a:t>
+            </a:r>
+            <a:r>
+              <a:rPr lang="zh-CN" altLang="en-US" sz="1200" kern="1200" dirty="0">
+                <a:solidFill>
+                  <a:schemeClr val="tx1"/>
+                </a:solidFill>
+                <a:effectLst/>
+                <a:latin typeface="+mn-lt"/>
+                <a:ea typeface="+mn-ea"/>
+                <a:cs typeface="+mn-cs"/>
+              </a:rPr>
+              <a:t>区为空， 如此往复。</a:t>
+            </a:r>
+            <a:endParaRPr lang="zh-CN" altLang="en-US" dirty="0">
+              <a:effectLst/>
+            </a:endParaRPr>
+          </a:p>
+          <a:p>
+            <a:r>
+              <a:rPr lang="en-US" altLang="zh-CN" sz="1200" kern="1200" dirty="0">
+                <a:solidFill>
+                  <a:schemeClr val="tx1"/>
+                </a:solidFill>
+                <a:effectLst/>
+                <a:latin typeface="+mn-lt"/>
+                <a:ea typeface="+mn-ea"/>
+                <a:cs typeface="+mn-cs"/>
+              </a:rPr>
+              <a:t>c) </a:t>
+            </a:r>
+            <a:r>
+              <a:rPr lang="zh-CN" altLang="en-US" sz="1200" kern="1200" dirty="0">
+                <a:solidFill>
+                  <a:schemeClr val="tx1"/>
+                </a:solidFill>
+                <a:effectLst/>
+                <a:latin typeface="+mn-lt"/>
+                <a:ea typeface="+mn-ea"/>
+                <a:cs typeface="+mn-cs"/>
+              </a:rPr>
+              <a:t>当</a:t>
+            </a:r>
+            <a:r>
+              <a:rPr lang="en-US" altLang="zh-CN" sz="1200" kern="1200" dirty="0">
+                <a:solidFill>
+                  <a:schemeClr val="tx1"/>
+                </a:solidFill>
+                <a:effectLst/>
+                <a:latin typeface="+mn-lt"/>
+                <a:ea typeface="+mn-ea"/>
+                <a:cs typeface="+mn-cs"/>
+              </a:rPr>
+              <a:t>survivor1</a:t>
+            </a:r>
+            <a:r>
+              <a:rPr lang="zh-CN" altLang="en-US" sz="1200" kern="1200" dirty="0">
+                <a:solidFill>
+                  <a:schemeClr val="tx1"/>
+                </a:solidFill>
+                <a:effectLst/>
+                <a:latin typeface="+mn-lt"/>
+                <a:ea typeface="+mn-ea"/>
+                <a:cs typeface="+mn-cs"/>
+              </a:rPr>
+              <a:t>区不足以存放 </a:t>
+            </a:r>
+            <a:r>
+              <a:rPr lang="en-US" altLang="zh-CN" sz="1200" kern="1200" dirty="0" err="1">
+                <a:solidFill>
+                  <a:schemeClr val="tx1"/>
+                </a:solidFill>
+                <a:effectLst/>
+                <a:latin typeface="+mn-lt"/>
+                <a:ea typeface="+mn-ea"/>
+                <a:cs typeface="+mn-cs"/>
+              </a:rPr>
+              <a:t>eden</a:t>
+            </a:r>
+            <a:r>
+              <a:rPr lang="zh-CN" altLang="en-US" sz="1200" kern="1200" dirty="0">
+                <a:solidFill>
+                  <a:schemeClr val="tx1"/>
+                </a:solidFill>
+                <a:effectLst/>
+                <a:latin typeface="+mn-lt"/>
+                <a:ea typeface="+mn-ea"/>
+                <a:cs typeface="+mn-cs"/>
+              </a:rPr>
+              <a:t>和</a:t>
+            </a:r>
+            <a:r>
+              <a:rPr lang="en-US" altLang="zh-CN" sz="1200" kern="1200" dirty="0">
+                <a:solidFill>
+                  <a:schemeClr val="tx1"/>
+                </a:solidFill>
+                <a:effectLst/>
+                <a:latin typeface="+mn-lt"/>
+                <a:ea typeface="+mn-ea"/>
+                <a:cs typeface="+mn-cs"/>
+              </a:rPr>
+              <a:t>survivor0</a:t>
+            </a:r>
+            <a:r>
+              <a:rPr lang="zh-CN" altLang="en-US" sz="1200" kern="1200" dirty="0">
+                <a:solidFill>
+                  <a:schemeClr val="tx1"/>
+                </a:solidFill>
+                <a:effectLst/>
+                <a:latin typeface="+mn-lt"/>
+                <a:ea typeface="+mn-ea"/>
+                <a:cs typeface="+mn-cs"/>
+              </a:rPr>
+              <a:t>的存活对象时，就将存活对象直接存放到老年代。若是老年代也满了就会触发一次</a:t>
+            </a:r>
+            <a:r>
+              <a:rPr lang="en-US" altLang="zh-CN" sz="1200" kern="1200" dirty="0">
+                <a:solidFill>
+                  <a:schemeClr val="tx1"/>
+                </a:solidFill>
+                <a:effectLst/>
+                <a:latin typeface="+mn-lt"/>
+                <a:ea typeface="+mn-ea"/>
+                <a:cs typeface="+mn-cs"/>
+              </a:rPr>
+              <a:t>Full GC(Major GC)</a:t>
+            </a:r>
+            <a:r>
+              <a:rPr lang="zh-CN" altLang="en-US" sz="1200" kern="1200" dirty="0">
+                <a:solidFill>
+                  <a:schemeClr val="tx1"/>
+                </a:solidFill>
+                <a:effectLst/>
+                <a:latin typeface="+mn-lt"/>
+                <a:ea typeface="+mn-ea"/>
+                <a:cs typeface="+mn-cs"/>
+              </a:rPr>
+              <a:t>，也就是新生代、老年代都进行回收。</a:t>
+            </a:r>
+            <a:endParaRPr lang="zh-CN" altLang="en-US" dirty="0">
+              <a:effectLst/>
+            </a:endParaRPr>
+          </a:p>
+          <a:p>
+            <a:r>
+              <a:rPr lang="en-US" altLang="zh-CN" sz="1200" kern="1200" dirty="0">
+                <a:solidFill>
+                  <a:schemeClr val="tx1"/>
+                </a:solidFill>
+                <a:effectLst/>
+                <a:latin typeface="+mn-lt"/>
+                <a:ea typeface="+mn-ea"/>
+                <a:cs typeface="+mn-cs"/>
+              </a:rPr>
+              <a:t>d) </a:t>
+            </a:r>
+            <a:r>
+              <a:rPr lang="zh-CN" altLang="en-US" sz="1200" kern="1200" dirty="0">
+                <a:solidFill>
+                  <a:schemeClr val="tx1"/>
+                </a:solidFill>
+                <a:effectLst/>
+                <a:latin typeface="+mn-lt"/>
+                <a:ea typeface="+mn-ea"/>
+                <a:cs typeface="+mn-cs"/>
+              </a:rPr>
+              <a:t>新生代发生的</a:t>
+            </a:r>
+            <a:r>
+              <a:rPr lang="en-US" altLang="zh-CN" sz="1200" kern="1200" dirty="0">
+                <a:solidFill>
+                  <a:schemeClr val="tx1"/>
+                </a:solidFill>
+                <a:effectLst/>
+                <a:latin typeface="+mn-lt"/>
+                <a:ea typeface="+mn-ea"/>
+                <a:cs typeface="+mn-cs"/>
+              </a:rPr>
+              <a:t>GC</a:t>
+            </a:r>
+            <a:r>
+              <a:rPr lang="zh-CN" altLang="en-US" sz="1200" kern="1200" dirty="0">
+                <a:solidFill>
+                  <a:schemeClr val="tx1"/>
+                </a:solidFill>
+                <a:effectLst/>
+                <a:latin typeface="+mn-lt"/>
+                <a:ea typeface="+mn-ea"/>
+                <a:cs typeface="+mn-cs"/>
+              </a:rPr>
+              <a:t>也叫做</a:t>
+            </a:r>
+            <a:r>
+              <a:rPr lang="en-US" altLang="zh-CN" sz="1200" kern="1200" dirty="0">
+                <a:solidFill>
+                  <a:schemeClr val="tx1"/>
+                </a:solidFill>
+                <a:effectLst/>
+                <a:latin typeface="+mn-lt"/>
+                <a:ea typeface="+mn-ea"/>
+                <a:cs typeface="+mn-cs"/>
+              </a:rPr>
+              <a:t>Minor GC</a:t>
+            </a:r>
+            <a:r>
+              <a:rPr lang="zh-CN" altLang="en-US" sz="1200" kern="1200" dirty="0">
+                <a:solidFill>
+                  <a:schemeClr val="tx1"/>
+                </a:solidFill>
+                <a:effectLst/>
+                <a:latin typeface="+mn-lt"/>
+                <a:ea typeface="+mn-ea"/>
+                <a:cs typeface="+mn-cs"/>
+              </a:rPr>
+              <a:t>，</a:t>
+            </a:r>
+            <a:r>
+              <a:rPr lang="en-US" altLang="zh-CN" sz="1200" kern="1200" dirty="0" err="1">
+                <a:solidFill>
+                  <a:schemeClr val="tx1"/>
+                </a:solidFill>
+                <a:effectLst/>
+                <a:latin typeface="+mn-lt"/>
+                <a:ea typeface="+mn-ea"/>
+                <a:cs typeface="+mn-cs"/>
+              </a:rPr>
+              <a:t>MinorGC</a:t>
+            </a:r>
+            <a:r>
+              <a:rPr lang="zh-CN" altLang="en-US" sz="1200" kern="1200" dirty="0">
+                <a:solidFill>
+                  <a:schemeClr val="tx1"/>
+                </a:solidFill>
+                <a:effectLst/>
+                <a:latin typeface="+mn-lt"/>
+                <a:ea typeface="+mn-ea"/>
+                <a:cs typeface="+mn-cs"/>
+              </a:rPr>
+              <a:t>发生频率比较高</a:t>
+            </a:r>
+            <a:r>
+              <a:rPr lang="en-US" altLang="zh-CN" sz="1200" kern="1200" dirty="0">
+                <a:solidFill>
+                  <a:schemeClr val="tx1"/>
+                </a:solidFill>
+                <a:effectLst/>
+                <a:latin typeface="+mn-lt"/>
+                <a:ea typeface="+mn-ea"/>
+                <a:cs typeface="+mn-cs"/>
+              </a:rPr>
+              <a:t>(</a:t>
+            </a:r>
+            <a:r>
+              <a:rPr lang="zh-CN" altLang="en-US" sz="1200" kern="1200" dirty="0">
+                <a:solidFill>
+                  <a:schemeClr val="tx1"/>
+                </a:solidFill>
+                <a:effectLst/>
+                <a:latin typeface="+mn-lt"/>
+                <a:ea typeface="+mn-ea"/>
+                <a:cs typeface="+mn-cs"/>
+              </a:rPr>
+              <a:t>不一定等</a:t>
+            </a:r>
+            <a:r>
+              <a:rPr lang="en-US" altLang="zh-CN" sz="1200" kern="1200" dirty="0">
+                <a:solidFill>
+                  <a:schemeClr val="tx1"/>
+                </a:solidFill>
+                <a:effectLst/>
+                <a:latin typeface="+mn-lt"/>
+                <a:ea typeface="+mn-ea"/>
+                <a:cs typeface="+mn-cs"/>
+              </a:rPr>
+              <a:t>Eden</a:t>
+            </a:r>
+            <a:r>
+              <a:rPr lang="zh-CN" altLang="en-US" sz="1200" kern="1200" dirty="0">
+                <a:solidFill>
+                  <a:schemeClr val="tx1"/>
+                </a:solidFill>
+                <a:effectLst/>
+                <a:latin typeface="+mn-lt"/>
+                <a:ea typeface="+mn-ea"/>
+                <a:cs typeface="+mn-cs"/>
+              </a:rPr>
+              <a:t>区满了才触发</a:t>
+            </a:r>
+            <a:r>
+              <a:rPr lang="en-US" altLang="zh-CN" sz="1200" kern="1200" dirty="0">
+                <a:solidFill>
+                  <a:schemeClr val="tx1"/>
+                </a:solidFill>
+                <a:effectLst/>
+                <a:latin typeface="+mn-lt"/>
+                <a:ea typeface="+mn-ea"/>
+                <a:cs typeface="+mn-cs"/>
+              </a:rPr>
+              <a:t>)</a:t>
+            </a:r>
+            <a:r>
+              <a:rPr lang="zh-CN" altLang="en-US" sz="1200" kern="1200" dirty="0">
+                <a:solidFill>
+                  <a:schemeClr val="tx1"/>
+                </a:solidFill>
+                <a:effectLst/>
+                <a:latin typeface="+mn-lt"/>
+                <a:ea typeface="+mn-ea"/>
+                <a:cs typeface="+mn-cs"/>
+              </a:rPr>
+              <a:t>。</a:t>
+            </a:r>
+            <a:endParaRPr lang="zh-CN" altLang="en-US" dirty="0">
+              <a:effectLst/>
+            </a:endParaRPr>
+          </a:p>
+          <a:p>
+            <a:r>
+              <a:rPr lang="zh-CN" altLang="en-US" sz="1200" b="1" kern="1200" dirty="0">
+                <a:solidFill>
+                  <a:schemeClr val="tx1"/>
+                </a:solidFill>
+                <a:effectLst/>
+                <a:latin typeface="+mn-lt"/>
+                <a:ea typeface="+mn-ea"/>
+                <a:cs typeface="+mn-cs"/>
+              </a:rPr>
+              <a:t>年老代（</a:t>
+            </a:r>
+            <a:r>
+              <a:rPr lang="en-US" altLang="zh-CN" sz="1200" b="1" kern="1200" dirty="0">
+                <a:solidFill>
+                  <a:schemeClr val="tx1"/>
+                </a:solidFill>
+                <a:effectLst/>
+                <a:latin typeface="+mn-lt"/>
+                <a:ea typeface="+mn-ea"/>
+                <a:cs typeface="+mn-cs"/>
+              </a:rPr>
+              <a:t>Old Generation</a:t>
+            </a:r>
+            <a:r>
+              <a:rPr lang="zh-CN" altLang="en-US" sz="1200" b="1" kern="1200" dirty="0">
+                <a:solidFill>
+                  <a:schemeClr val="tx1"/>
+                </a:solidFill>
+                <a:effectLst/>
+                <a:latin typeface="+mn-lt"/>
+                <a:ea typeface="+mn-ea"/>
+                <a:cs typeface="+mn-cs"/>
+              </a:rPr>
+              <a:t>）的回收算法（回收主要以</a:t>
+            </a:r>
+            <a:r>
+              <a:rPr lang="en-US" altLang="zh-CN" sz="1200" b="1" kern="1200" dirty="0">
+                <a:solidFill>
+                  <a:schemeClr val="tx1"/>
+                </a:solidFill>
+                <a:effectLst/>
+                <a:latin typeface="+mn-lt"/>
+                <a:ea typeface="+mn-ea"/>
+                <a:cs typeface="+mn-cs"/>
+              </a:rPr>
+              <a:t>Mark-Compact</a:t>
+            </a:r>
+            <a:r>
+              <a:rPr lang="zh-CN" altLang="en-US" sz="1200" b="1" kern="1200" dirty="0">
+                <a:solidFill>
+                  <a:schemeClr val="tx1"/>
+                </a:solidFill>
+                <a:effectLst/>
+                <a:latin typeface="+mn-lt"/>
+                <a:ea typeface="+mn-ea"/>
+                <a:cs typeface="+mn-cs"/>
+              </a:rPr>
+              <a:t>为主）</a:t>
+            </a:r>
+            <a:endParaRPr lang="zh-CN" altLang="en-US" dirty="0">
+              <a:effectLst/>
+            </a:endParaRPr>
+          </a:p>
+          <a:p>
+            <a:r>
+              <a:rPr lang="en-US" altLang="zh-CN" sz="1200" kern="1200" dirty="0">
+                <a:solidFill>
+                  <a:schemeClr val="tx1"/>
+                </a:solidFill>
+                <a:effectLst/>
+                <a:latin typeface="+mn-lt"/>
+                <a:ea typeface="+mn-ea"/>
+                <a:cs typeface="+mn-cs"/>
+              </a:rPr>
+              <a:t>a) </a:t>
+            </a:r>
+            <a:r>
+              <a:rPr lang="zh-CN" altLang="en-US" sz="1200" kern="1200" dirty="0">
+                <a:solidFill>
+                  <a:schemeClr val="tx1"/>
+                </a:solidFill>
+                <a:effectLst/>
+                <a:latin typeface="+mn-lt"/>
+                <a:ea typeface="+mn-ea"/>
+                <a:cs typeface="+mn-cs"/>
+              </a:rPr>
+              <a:t>在年轻代中经历了</a:t>
+            </a:r>
+            <a:r>
+              <a:rPr lang="en-US" altLang="zh-CN" sz="1200" kern="1200" dirty="0">
+                <a:solidFill>
+                  <a:schemeClr val="tx1"/>
+                </a:solidFill>
+                <a:effectLst/>
+                <a:latin typeface="+mn-lt"/>
+                <a:ea typeface="+mn-ea"/>
+                <a:cs typeface="+mn-cs"/>
+              </a:rPr>
+              <a:t>N</a:t>
+            </a:r>
+            <a:r>
+              <a:rPr lang="zh-CN" altLang="en-US" sz="1200" kern="1200" dirty="0">
+                <a:solidFill>
+                  <a:schemeClr val="tx1"/>
+                </a:solidFill>
+                <a:effectLst/>
+                <a:latin typeface="+mn-lt"/>
+                <a:ea typeface="+mn-ea"/>
+                <a:cs typeface="+mn-cs"/>
+              </a:rPr>
+              <a:t>次垃圾回收后仍然存活的对象，就会被放到年老代中。因此，可以认为年老代中存放的都是一些生命周期较长的对象。</a:t>
+            </a:r>
+            <a:endParaRPr lang="zh-CN" altLang="en-US" dirty="0">
+              <a:effectLst/>
+            </a:endParaRPr>
+          </a:p>
+          <a:p>
+            <a:r>
+              <a:rPr lang="en-US" altLang="zh-CN" sz="1200" kern="1200" dirty="0">
+                <a:solidFill>
+                  <a:schemeClr val="tx1"/>
+                </a:solidFill>
+                <a:effectLst/>
+                <a:latin typeface="+mn-lt"/>
+                <a:ea typeface="+mn-ea"/>
+                <a:cs typeface="+mn-cs"/>
+              </a:rPr>
+              <a:t>b) </a:t>
+            </a:r>
+            <a:r>
+              <a:rPr lang="zh-CN" altLang="en-US" sz="1200" kern="1200" dirty="0">
+                <a:solidFill>
+                  <a:schemeClr val="tx1"/>
+                </a:solidFill>
+                <a:effectLst/>
+                <a:latin typeface="+mn-lt"/>
+                <a:ea typeface="+mn-ea"/>
+                <a:cs typeface="+mn-cs"/>
+              </a:rPr>
+              <a:t>内存比新生代也大很多</a:t>
+            </a:r>
+            <a:r>
+              <a:rPr lang="en-US" altLang="zh-CN" sz="1200" kern="1200" dirty="0">
+                <a:solidFill>
+                  <a:schemeClr val="tx1"/>
+                </a:solidFill>
+                <a:effectLst/>
+                <a:latin typeface="+mn-lt"/>
+                <a:ea typeface="+mn-ea"/>
+                <a:cs typeface="+mn-cs"/>
+              </a:rPr>
+              <a:t>(</a:t>
+            </a:r>
+            <a:r>
+              <a:rPr lang="zh-CN" altLang="en-US" sz="1200" kern="1200" dirty="0">
+                <a:solidFill>
+                  <a:schemeClr val="tx1"/>
+                </a:solidFill>
+                <a:effectLst/>
+                <a:latin typeface="+mn-lt"/>
+                <a:ea typeface="+mn-ea"/>
+                <a:cs typeface="+mn-cs"/>
+              </a:rPr>
+              <a:t>大概比例是</a:t>
+            </a:r>
+            <a:r>
+              <a:rPr lang="en-US" altLang="zh-CN" sz="1200" kern="1200" dirty="0">
+                <a:solidFill>
+                  <a:schemeClr val="tx1"/>
+                </a:solidFill>
+                <a:effectLst/>
+                <a:latin typeface="+mn-lt"/>
+                <a:ea typeface="+mn-ea"/>
+                <a:cs typeface="+mn-cs"/>
+              </a:rPr>
+              <a:t>1:2)</a:t>
+            </a:r>
+            <a:r>
+              <a:rPr lang="zh-CN" altLang="en-US" sz="1200" kern="1200" dirty="0">
+                <a:solidFill>
+                  <a:schemeClr val="tx1"/>
+                </a:solidFill>
+                <a:effectLst/>
+                <a:latin typeface="+mn-lt"/>
+                <a:ea typeface="+mn-ea"/>
+                <a:cs typeface="+mn-cs"/>
+              </a:rPr>
+              <a:t>，当老年代内存满时触发</a:t>
+            </a:r>
+            <a:r>
+              <a:rPr lang="en-US" altLang="zh-CN" sz="1200" kern="1200" dirty="0">
+                <a:solidFill>
+                  <a:schemeClr val="tx1"/>
+                </a:solidFill>
+                <a:effectLst/>
+                <a:latin typeface="+mn-lt"/>
+                <a:ea typeface="+mn-ea"/>
+                <a:cs typeface="+mn-cs"/>
+              </a:rPr>
+              <a:t>Major GC</a:t>
+            </a:r>
+            <a:r>
+              <a:rPr lang="zh-CN" altLang="en-US" sz="1200" kern="1200" dirty="0">
+                <a:solidFill>
+                  <a:schemeClr val="tx1"/>
+                </a:solidFill>
+                <a:effectLst/>
+                <a:latin typeface="+mn-lt"/>
+                <a:ea typeface="+mn-ea"/>
+                <a:cs typeface="+mn-cs"/>
+              </a:rPr>
+              <a:t>即</a:t>
+            </a:r>
+            <a:r>
+              <a:rPr lang="en-US" altLang="zh-CN" sz="1200" kern="1200" dirty="0">
+                <a:solidFill>
+                  <a:schemeClr val="tx1"/>
+                </a:solidFill>
+                <a:effectLst/>
+                <a:latin typeface="+mn-lt"/>
+                <a:ea typeface="+mn-ea"/>
+                <a:cs typeface="+mn-cs"/>
+              </a:rPr>
+              <a:t>Full GC</a:t>
+            </a:r>
+            <a:r>
+              <a:rPr lang="zh-CN" altLang="en-US" sz="1200" kern="1200" dirty="0">
+                <a:solidFill>
+                  <a:schemeClr val="tx1"/>
+                </a:solidFill>
+                <a:effectLst/>
+                <a:latin typeface="+mn-lt"/>
+                <a:ea typeface="+mn-ea"/>
+                <a:cs typeface="+mn-cs"/>
+              </a:rPr>
+              <a:t>，</a:t>
+            </a:r>
+            <a:r>
+              <a:rPr lang="en-US" altLang="zh-CN" sz="1200" kern="1200" dirty="0">
+                <a:solidFill>
+                  <a:schemeClr val="tx1"/>
+                </a:solidFill>
+                <a:effectLst/>
+                <a:latin typeface="+mn-lt"/>
+                <a:ea typeface="+mn-ea"/>
+                <a:cs typeface="+mn-cs"/>
+              </a:rPr>
+              <a:t>Full GC</a:t>
+            </a:r>
+            <a:r>
+              <a:rPr lang="zh-CN" altLang="en-US" sz="1200" kern="1200" dirty="0">
+                <a:solidFill>
+                  <a:schemeClr val="tx1"/>
+                </a:solidFill>
+                <a:effectLst/>
+                <a:latin typeface="+mn-lt"/>
+                <a:ea typeface="+mn-ea"/>
+                <a:cs typeface="+mn-cs"/>
+              </a:rPr>
+              <a:t>发生频率比较低，老年代对象存活时间比较长，存活率标记高</a:t>
             </a:r>
             <a:endParaRPr lang="zh-CN" altLang="en-US" dirty="0">
               <a:effectLst/>
@@ -2162,7 +2106,7 @@
           <a:p>
             <a:fld id="{0B77BCC6-1F8A-452E-9AE8-956F32ABCC1A}" type="slidenum">
               <a:rPr lang="zh-CN" altLang="en-US" smtClean="0"/>
-              <a:t>7</a:t>
+              <a:t>8</a:t>
             </a:fld>
             <a:endParaRPr lang="zh-CN" altLang="en-US"/>
           </a:p>
@@ -2171,7 +2115,7 @@
     </p:spTree>
     <p:extLst>
       <p:ext uri="{BB962C8B-B14F-4D97-AF65-F5344CB8AC3E}">
-        <p14:creationId xmlns:p14="http://schemas.microsoft.com/office/powerpoint/2010/main" val="3551295766"/>
+        <p14:creationId xmlns:p14="http://schemas.microsoft.com/office/powerpoint/2010/main" val="2799793627"/>
       </p:ext>
     </p:extLst>
   </p:cSld>
@@ -2225,240 +2169,148 @@
           <a:bodyPr/>
           <a:lstStyle/>
           <a:p>
-            <a:pPr rtl="0"/>
-            <a:r>
-              <a:rPr lang="zh-CN" altLang="en-US" sz="1200" b="0" i="0" u="none" strike="noStrike" kern="1200" baseline="0" dirty="0">
+            <a:r>
+              <a:rPr lang="zh-CN" altLang="en-US" sz="1200" b="1" kern="1200" dirty="0">
                 <a:solidFill>
                   <a:schemeClr val="tx1"/>
                 </a:solidFill>
+                <a:effectLst/>
                 <a:latin typeface="+mn-lt"/>
                 <a:ea typeface="+mn-ea"/>
                 <a:cs typeface="+mn-cs"/>
               </a:rPr>
-              <a:t>线程从主内存读取变量的过程：</a:t>
-            </a:r>
-          </a:p>
-          <a:p>
-            <a:pPr rtl="0"/>
-            <a:r>
-              <a:rPr lang="en-US" altLang="zh-CN" sz="1200" b="0" i="0" u="none" strike="noStrike" kern="1200" baseline="0" dirty="0">
+              <a:t>线程栈：包含了当前线程执行的方法调用相关信息，我们也把它称作调用栈。每个线程都有一个独立的线程栈，线程栈内数据线程间不能共享</a:t>
+            </a:r>
+            <a:endParaRPr lang="zh-CN" altLang="en-US" dirty="0">
+              <a:effectLst/>
+            </a:endParaRPr>
+          </a:p>
+          <a:p>
+            <a:r>
+              <a:rPr lang="zh-CN" altLang="en-US" sz="1200" b="1" kern="1200" dirty="0">
                 <a:solidFill>
                   <a:schemeClr val="tx1"/>
                 </a:solidFill>
+                <a:effectLst/>
                 <a:latin typeface="+mn-lt"/>
                 <a:ea typeface="+mn-ea"/>
                 <a:cs typeface="+mn-cs"/>
               </a:rPr>
-              <a:t>1 .read - </a:t>
-            </a:r>
-            <a:r>
-              <a:rPr lang="zh-CN" altLang="en-US" sz="1200" b="0" i="0" u="none" strike="noStrike" kern="1200" baseline="0" dirty="0">
+              <a:t>堆区：包含了</a:t>
+            </a:r>
+            <a:r>
+              <a:rPr lang="en-US" altLang="zh-CN" sz="1200" b="1" kern="1200" dirty="0">
                 <a:solidFill>
                   <a:schemeClr val="tx1"/>
                 </a:solidFill>
+                <a:effectLst/>
                 <a:latin typeface="+mn-lt"/>
                 <a:ea typeface="+mn-ea"/>
                 <a:cs typeface="+mn-cs"/>
               </a:rPr>
-              <a:t>从主存中读取数据</a:t>
-            </a:r>
-          </a:p>
-          <a:p>
-            <a:pPr rtl="0"/>
-            <a:r>
-              <a:rPr lang="en-US" altLang="zh-CN" sz="1200" b="0" i="0" u="none" strike="noStrike" kern="1200" baseline="0" dirty="0">
+              <a:t>Java</a:t>
+            </a:r>
+            <a:r>
+              <a:rPr lang="zh-CN" altLang="en-US" sz="1200" b="1" kern="1200" dirty="0">
                 <a:solidFill>
                   <a:schemeClr val="tx1"/>
                 </a:solidFill>
+                <a:effectLst/>
                 <a:latin typeface="+mn-lt"/>
                 <a:ea typeface="+mn-ea"/>
                 <a:cs typeface="+mn-cs"/>
               </a:rPr>
-              <a:t>2. load - </a:t>
-            </a:r>
-            <a:r>
-              <a:rPr lang="zh-CN" altLang="en-US" sz="1200" b="0" i="0" u="none" strike="noStrike" kern="1200" baseline="0" dirty="0">
+              <a:t>应用创建的所有对象信息，堆区内数据是线程间共享的</a:t>
+            </a:r>
+            <a:r>
+              <a:rPr lang="zh-CN" altLang="en-US" sz="1200" kern="1200" dirty="0">
                 <a:solidFill>
                   <a:schemeClr val="tx1"/>
                 </a:solidFill>
+                <a:effectLst/>
                 <a:latin typeface="+mn-lt"/>
                 <a:ea typeface="+mn-ea"/>
                 <a:cs typeface="+mn-cs"/>
               </a:rPr>
-              <a:t>将从主存中读取的数据加载到工作内存中</a:t>
-            </a:r>
-          </a:p>
-          <a:p>
-            <a:pPr rtl="0"/>
-            <a:r>
-              <a:rPr lang="en-US" altLang="zh-CN" sz="1200" b="0" i="0" u="none" strike="noStrike" kern="1200" baseline="0" dirty="0">
+              <a:t>，不管对象是哪个线程创建的，其中的对象包括原始类型的封装类（如</a:t>
+            </a:r>
+            <a:r>
+              <a:rPr lang="en-US" altLang="zh-CN" sz="1200" kern="1200" dirty="0">
                 <a:solidFill>
                   <a:schemeClr val="tx1"/>
                 </a:solidFill>
+                <a:effectLst/>
                 <a:latin typeface="+mn-lt"/>
                 <a:ea typeface="+mn-ea"/>
                 <a:cs typeface="+mn-cs"/>
               </a:rPr>
-              <a:t>3. use - </a:t>
-            </a:r>
-            <a:r>
-              <a:rPr lang="zh-CN" altLang="en-US" sz="1200" b="0" i="0" u="none" strike="noStrike" kern="1200" baseline="0" dirty="0">
+              <a:t>Byte</a:t>
+            </a:r>
+            <a:r>
+              <a:rPr lang="zh-CN" altLang="en-US" sz="1200" kern="1200" dirty="0">
                 <a:solidFill>
                   <a:schemeClr val="tx1"/>
                 </a:solidFill>
+                <a:effectLst/>
                 <a:latin typeface="+mn-lt"/>
                 <a:ea typeface="+mn-ea"/>
                 <a:cs typeface="+mn-cs"/>
               </a:rPr>
-              <a:t>线程从工作内存中读取数据使用</a:t>
-            </a:r>
-          </a:p>
-          <a:p>
-            <a:pPr rtl="0"/>
-            <a:r>
-              <a:rPr lang="en-US" altLang="zh-CN" sz="1200" b="0" i="0" u="none" strike="noStrike" kern="1200" baseline="0" dirty="0">
+              <a:t>、</a:t>
+            </a:r>
+            <a:r>
+              <a:rPr lang="en-US" altLang="zh-CN" sz="1200" kern="1200" dirty="0">
                 <a:solidFill>
                   <a:schemeClr val="tx1"/>
                 </a:solidFill>
+                <a:effectLst/>
                 <a:latin typeface="+mn-lt"/>
                 <a:ea typeface="+mn-ea"/>
                 <a:cs typeface="+mn-cs"/>
               </a:rPr>
-              <a:t>4. assign - </a:t>
-            </a:r>
-            <a:r>
-              <a:rPr lang="zh-CN" altLang="en-US" sz="1200" b="0" i="0" u="none" strike="noStrike" kern="1200" baseline="0" dirty="0">
+              <a:t>Integer</a:t>
+            </a:r>
+            <a:r>
+              <a:rPr lang="zh-CN" altLang="en-US" sz="1200" kern="1200" dirty="0">
                 <a:solidFill>
                   <a:schemeClr val="tx1"/>
                 </a:solidFill>
+                <a:effectLst/>
                 <a:latin typeface="+mn-lt"/>
                 <a:ea typeface="+mn-ea"/>
                 <a:cs typeface="+mn-cs"/>
               </a:rPr>
-              <a:t>线程改变数据并写入到工作内存中</a:t>
-            </a:r>
-          </a:p>
-          <a:p>
-            <a:pPr rtl="0"/>
-            <a:r>
-              <a:rPr lang="en-US" altLang="zh-CN" sz="1200" b="0" i="0" u="none" strike="noStrike" kern="1200" baseline="0" dirty="0">
+              <a:t>、</a:t>
+            </a:r>
+            <a:r>
+              <a:rPr lang="en-US" altLang="zh-CN" sz="1200" kern="1200" dirty="0">
                 <a:solidFill>
                   <a:schemeClr val="tx1"/>
                 </a:solidFill>
+                <a:effectLst/>
                 <a:latin typeface="+mn-lt"/>
                 <a:ea typeface="+mn-ea"/>
                 <a:cs typeface="+mn-cs"/>
               </a:rPr>
-              <a:t>5. store - </a:t>
-            </a:r>
-            <a:r>
-              <a:rPr lang="zh-CN" altLang="en-US" sz="1200" b="0" i="0" u="none" strike="noStrike" kern="1200" baseline="0" dirty="0">
+              <a:t>Long</a:t>
+            </a:r>
+            <a:r>
+              <a:rPr lang="zh-CN" altLang="en-US" sz="1200" kern="1200" dirty="0">
                 <a:solidFill>
                   <a:schemeClr val="tx1"/>
                 </a:solidFill>
+                <a:effectLst/>
                 <a:latin typeface="+mn-lt"/>
                 <a:ea typeface="+mn-ea"/>
                 <a:cs typeface="+mn-cs"/>
               </a:rPr>
-              <a:t>将工作内存中的数据写入到主存</a:t>
-            </a:r>
-          </a:p>
-          <a:p>
-            <a:pPr rtl="0"/>
-            <a:r>
-              <a:rPr lang="en-US" altLang="zh-CN" sz="1200" b="0" i="0" u="none" strike="noStrike" kern="1200" baseline="0" dirty="0">
-                <a:solidFill>
-                  <a:schemeClr val="tx1"/>
-                </a:solidFill>
-                <a:latin typeface="+mn-lt"/>
-                <a:ea typeface="+mn-ea"/>
-                <a:cs typeface="+mn-cs"/>
-              </a:rPr>
-              <a:t>6. write - </a:t>
-            </a:r>
-            <a:r>
-              <a:rPr lang="zh-CN" altLang="en-US" sz="1200" b="0" i="0" u="none" strike="noStrike" kern="1200" baseline="0" dirty="0">
-                <a:solidFill>
-                  <a:schemeClr val="tx1"/>
-                </a:solidFill>
-                <a:latin typeface="+mn-lt"/>
-                <a:ea typeface="+mn-ea"/>
-                <a:cs typeface="+mn-cs"/>
-              </a:rPr>
-              <a:t>将</a:t>
-            </a:r>
-            <a:r>
-              <a:rPr lang="en-US" altLang="zh-CN" sz="1200" b="0" i="0" u="none" strike="noStrike" kern="1200" baseline="0" dirty="0">
-                <a:solidFill>
-                  <a:schemeClr val="tx1"/>
-                </a:solidFill>
-                <a:latin typeface="+mn-lt"/>
-                <a:ea typeface="+mn-ea"/>
-                <a:cs typeface="+mn-cs"/>
-              </a:rPr>
-              <a:t>store</a:t>
-            </a:r>
-            <a:r>
-              <a:rPr lang="zh-CN" altLang="en-US" sz="1200" b="0" i="0" u="none" strike="noStrike" kern="1200" baseline="0" dirty="0">
-                <a:solidFill>
-                  <a:schemeClr val="tx1"/>
-                </a:solidFill>
-                <a:latin typeface="+mn-lt"/>
-                <a:ea typeface="+mn-ea"/>
-                <a:cs typeface="+mn-cs"/>
-              </a:rPr>
-              <a:t>过程中的变量值赋值给主存中的变量</a:t>
-            </a:r>
-          </a:p>
-          <a:p>
-            <a:pPr rtl="0"/>
-            <a:r>
-              <a:rPr lang="en-US" altLang="zh-CN" sz="1200" b="0" i="0" u="none" strike="noStrike" kern="1200" baseline="0" dirty="0">
-                <a:solidFill>
-                  <a:schemeClr val="tx1"/>
-                </a:solidFill>
-                <a:latin typeface="+mn-lt"/>
-                <a:ea typeface="+mn-ea"/>
-                <a:cs typeface="+mn-cs"/>
-              </a:rPr>
-              <a:t>7. lock –</a:t>
-            </a:r>
-            <a:r>
-              <a:rPr lang="zh-CN" altLang="en-US" sz="1200" b="0" i="0" u="none" strike="noStrike" kern="1200" baseline="0" dirty="0">
-                <a:solidFill>
-                  <a:schemeClr val="tx1"/>
-                </a:solidFill>
-                <a:latin typeface="+mn-lt"/>
-                <a:ea typeface="+mn-ea"/>
-                <a:cs typeface="+mn-cs"/>
-              </a:rPr>
-              <a:t> 将主存变量加锁（线程独占）</a:t>
-            </a:r>
-          </a:p>
-          <a:p>
-            <a:pPr rtl="0"/>
-            <a:r>
-              <a:rPr lang="en-US" altLang="zh-CN" sz="1200" b="0" i="0" u="none" strike="noStrike" kern="1200" baseline="0" dirty="0">
-                <a:solidFill>
-                  <a:schemeClr val="tx1"/>
-                </a:solidFill>
-                <a:latin typeface="+mn-lt"/>
-                <a:ea typeface="+mn-ea"/>
-                <a:cs typeface="+mn-cs"/>
-              </a:rPr>
-              <a:t>8. unlock –</a:t>
-            </a:r>
-            <a:r>
-              <a:rPr lang="zh-CN" altLang="en-US" sz="1200" b="0" i="0" u="none" strike="noStrike" kern="1200" baseline="0" dirty="0">
-                <a:solidFill>
-                  <a:schemeClr val="tx1"/>
-                </a:solidFill>
-                <a:latin typeface="+mn-lt"/>
-                <a:ea typeface="+mn-ea"/>
-                <a:cs typeface="+mn-cs"/>
-              </a:rPr>
-              <a:t> 将主存变量解锁，解锁后其它线程可以锁定该变量</a:t>
-            </a:r>
+              <a:t>等等）。不管对象是属于一个成员变量还是方法中的局部变量，它都会被存储在堆区。</a:t>
+            </a:r>
+            <a:endParaRPr lang="zh-CN" altLang="en-US" dirty="0">
+              <a:effectLst/>
+            </a:endParaRPr>
+          </a:p>
+          <a:p>
             <a:endParaRPr lang="zh-CN" altLang="en-US" dirty="0"/>
           </a:p>
         </p:txBody>
@@ -2480,7 +2332,7 @@
           <a:p>
             <a:fld id="{0B77BCC6-1F8A-452E-9AE8-956F32ABCC1A}" type="slidenum">
               <a:rPr lang="zh-CN" altLang="en-US" smtClean="0"/>
-              <a:t>8</a:t>
+              <a:t>9</a:t>
             </a:fld>
             <a:endParaRPr lang="zh-CN" altLang="en-US"/>
           </a:p>
@@ -2489,7 +2341,7 @@
     </p:spTree>
     <p:extLst>
       <p:ext uri="{BB962C8B-B14F-4D97-AF65-F5344CB8AC3E}">
-        <p14:creationId xmlns:p14="http://schemas.microsoft.com/office/powerpoint/2010/main" val="3318419225"/>
+        <p14:creationId xmlns:p14="http://schemas.microsoft.com/office/powerpoint/2010/main" val="3551295766"/>
       </p:ext>
     </p:extLst>
   </p:cSld>
@@ -2798,7 +2650,7 @@
           <a:p>
             <a:fld id="{0B77BCC6-1F8A-452E-9AE8-956F32ABCC1A}" type="slidenum">
               <a:rPr lang="zh-CN" altLang="en-US" smtClean="0"/>
-              <a:t>9</a:t>
+              <a:t>10</a:t>
             </a:fld>
             <a:endParaRPr lang="zh-CN" altLang="en-US"/>
           </a:p>
@@ -2807,7 +2659,7 @@
     </p:spTree>
     <p:extLst>
       <p:ext uri="{BB962C8B-B14F-4D97-AF65-F5344CB8AC3E}">
-        <p14:creationId xmlns:p14="http://schemas.microsoft.com/office/powerpoint/2010/main" val="1249612772"/>
+        <p14:creationId xmlns:p14="http://schemas.microsoft.com/office/powerpoint/2010/main" val="3318419225"/>
       </p:ext>
     </p:extLst>
   </p:cSld>
@@ -3116,7 +2968,7 @@
           <a:p>
             <a:fld id="{0B77BCC6-1F8A-452E-9AE8-956F32ABCC1A}" type="slidenum">
               <a:rPr lang="zh-CN" altLang="en-US" smtClean="0"/>
-              <a:t>10</a:t>
+              <a:t>11</a:t>
             </a:fld>
             <a:endParaRPr lang="zh-CN" altLang="en-US"/>
           </a:p>
@@ -3125,7 +2977,7 @@
     </p:spTree>
     <p:extLst>
       <p:ext uri="{BB962C8B-B14F-4D97-AF65-F5344CB8AC3E}">
-        <p14:creationId xmlns:p14="http://schemas.microsoft.com/office/powerpoint/2010/main" val="2757167696"/>
+        <p14:creationId xmlns:p14="http://schemas.microsoft.com/office/powerpoint/2010/main" val="1249612772"/>
       </p:ext>
     </p:extLst>
   </p:cSld>
@@ -3434,7 +3286,7 @@
           <a:p>
             <a:fld id="{0B77BCC6-1F8A-452E-9AE8-956F32ABCC1A}" type="slidenum">
               <a:rPr lang="zh-CN" altLang="en-US" smtClean="0"/>
-              <a:t>11</a:t>
+              <a:t>12</a:t>
             </a:fld>
             <a:endParaRPr lang="zh-CN" altLang="en-US"/>
           </a:p>
@@ -3443,7 +3295,7 @@
     </p:spTree>
     <p:extLst>
       <p:ext uri="{BB962C8B-B14F-4D97-AF65-F5344CB8AC3E}">
-        <p14:creationId xmlns:p14="http://schemas.microsoft.com/office/powerpoint/2010/main" val="216918709"/>
+        <p14:creationId xmlns:p14="http://schemas.microsoft.com/office/powerpoint/2010/main" val="2757167696"/>
       </p:ext>
     </p:extLst>
   </p:cSld>
@@ -3497,6 +3349,240 @@
           <a:bodyPr/>
           <a:lstStyle/>
           <a:p>
+            <a:pPr rtl="0"/>
+            <a:r>
+              <a:rPr lang="zh-CN" altLang="en-US" sz="1200" b="0" i="0" u="none" strike="noStrike" kern="1200" baseline="0" dirty="0">
+                <a:solidFill>
+                  <a:schemeClr val="tx1"/>
+                </a:solidFill>
+                <a:latin typeface="+mn-lt"/>
+                <a:ea typeface="+mn-ea"/>
+                <a:cs typeface="+mn-cs"/>
+              </a:rPr>
+              <a:t>线程从主内存读取变量的过程：</a:t>
+            </a:r>
+          </a:p>
+          <a:p>
+            <a:pPr rtl="0"/>
+            <a:r>
+              <a:rPr lang="en-US" altLang="zh-CN" sz="1200" b="0" i="0" u="none" strike="noStrike" kern="1200" baseline="0" dirty="0">
+                <a:solidFill>
+                  <a:schemeClr val="tx1"/>
+                </a:solidFill>
+                <a:latin typeface="+mn-lt"/>
+                <a:ea typeface="+mn-ea"/>
+                <a:cs typeface="+mn-cs"/>
+              </a:rPr>
+              <a:t>1 .read - </a:t>
+            </a:r>
+            <a:r>
+              <a:rPr lang="zh-CN" altLang="en-US" sz="1200" b="0" i="0" u="none" strike="noStrike" kern="1200" baseline="0" dirty="0">
+                <a:solidFill>
+                  <a:schemeClr val="tx1"/>
+                </a:solidFill>
+                <a:latin typeface="+mn-lt"/>
+                <a:ea typeface="+mn-ea"/>
+                <a:cs typeface="+mn-cs"/>
+              </a:rPr>
+              <a:t>从主存中读取数据</a:t>
+            </a:r>
+          </a:p>
+          <a:p>
+            <a:pPr rtl="0"/>
+            <a:r>
+              <a:rPr lang="en-US" altLang="zh-CN" sz="1200" b="0" i="0" u="none" strike="noStrike" kern="1200" baseline="0" dirty="0">
+                <a:solidFill>
+                  <a:schemeClr val="tx1"/>
+                </a:solidFill>
+                <a:latin typeface="+mn-lt"/>
+                <a:ea typeface="+mn-ea"/>
+                <a:cs typeface="+mn-cs"/>
+              </a:rPr>
+              <a:t>2. load - </a:t>
+            </a:r>
+            <a:r>
+              <a:rPr lang="zh-CN" altLang="en-US" sz="1200" b="0" i="0" u="none" strike="noStrike" kern="1200" baseline="0" dirty="0">
+                <a:solidFill>
+                  <a:schemeClr val="tx1"/>
+                </a:solidFill>
+                <a:latin typeface="+mn-lt"/>
+                <a:ea typeface="+mn-ea"/>
+                <a:cs typeface="+mn-cs"/>
+              </a:rPr>
+              <a:t>将从主存中读取的数据加载到工作内存中</a:t>
+            </a:r>
+          </a:p>
+          <a:p>
+            <a:pPr rtl="0"/>
+            <a:r>
+              <a:rPr lang="en-US" altLang="zh-CN" sz="1200" b="0" i="0" u="none" strike="noStrike" kern="1200" baseline="0" dirty="0">
+                <a:solidFill>
+                  <a:schemeClr val="tx1"/>
+                </a:solidFill>
+                <a:latin typeface="+mn-lt"/>
+                <a:ea typeface="+mn-ea"/>
+                <a:cs typeface="+mn-cs"/>
+              </a:rPr>
+              <a:t>3. use - </a:t>
+            </a:r>
+            <a:r>
+              <a:rPr lang="zh-CN" altLang="en-US" sz="1200" b="0" i="0" u="none" strike="noStrike" kern="1200" baseline="0" dirty="0">
+                <a:solidFill>
+                  <a:schemeClr val="tx1"/>
+                </a:solidFill>
+                <a:latin typeface="+mn-lt"/>
+                <a:ea typeface="+mn-ea"/>
+                <a:cs typeface="+mn-cs"/>
+              </a:rPr>
+              <a:t>线程从工作内存中读取数据使用</a:t>
+            </a:r>
+          </a:p>
+          <a:p>
+            <a:pPr rtl="0"/>
+            <a:r>
+              <a:rPr lang="en-US" altLang="zh-CN" sz="1200" b="0" i="0" u="none" strike="noStrike" kern="1200" baseline="0" dirty="0">
+                <a:solidFill>
+                  <a:schemeClr val="tx1"/>
+                </a:solidFill>
+                <a:latin typeface="+mn-lt"/>
+                <a:ea typeface="+mn-ea"/>
+                <a:cs typeface="+mn-cs"/>
+              </a:rPr>
+              <a:t>4. assign - </a:t>
+            </a:r>
+            <a:r>
+              <a:rPr lang="zh-CN" altLang="en-US" sz="1200" b="0" i="0" u="none" strike="noStrike" kern="1200" baseline="0" dirty="0">
+                <a:solidFill>
+                  <a:schemeClr val="tx1"/>
+                </a:solidFill>
+                <a:latin typeface="+mn-lt"/>
+                <a:ea typeface="+mn-ea"/>
+                <a:cs typeface="+mn-cs"/>
+              </a:rPr>
+              <a:t>线程改变数据并写入到工作内存中</a:t>
+            </a:r>
+          </a:p>
+          <a:p>
+            <a:pPr rtl="0"/>
+            <a:r>
+              <a:rPr lang="en-US" altLang="zh-CN" sz="1200" b="0" i="0" u="none" strike="noStrike" kern="1200" baseline="0" dirty="0">
+                <a:solidFill>
+                  <a:schemeClr val="tx1"/>
+                </a:solidFill>
+                <a:latin typeface="+mn-lt"/>
+                <a:ea typeface="+mn-ea"/>
+                <a:cs typeface="+mn-cs"/>
+              </a:rPr>
+              <a:t>5. store - </a:t>
+            </a:r>
+            <a:r>
+              <a:rPr lang="zh-CN" altLang="en-US" sz="1200" b="0" i="0" u="none" strike="noStrike" kern="1200" baseline="0" dirty="0">
+                <a:solidFill>
+                  <a:schemeClr val="tx1"/>
+                </a:solidFill>
+                <a:latin typeface="+mn-lt"/>
+                <a:ea typeface="+mn-ea"/>
+                <a:cs typeface="+mn-cs"/>
+              </a:rPr>
+              <a:t>将工作内存中的数据写入到主存</a:t>
+            </a:r>
+          </a:p>
+          <a:p>
+            <a:pPr rtl="0"/>
+            <a:r>
+              <a:rPr lang="en-US" altLang="zh-CN" sz="1200" b="0" i="0" u="none" strike="noStrike" kern="1200" baseline="0" dirty="0">
+                <a:solidFill>
+                  <a:schemeClr val="tx1"/>
+                </a:solidFill>
+                <a:latin typeface="+mn-lt"/>
+                <a:ea typeface="+mn-ea"/>
+                <a:cs typeface="+mn-cs"/>
+              </a:rPr>
+              <a:t>6. write - </a:t>
+            </a:r>
+            <a:r>
+              <a:rPr lang="zh-CN" altLang="en-US" sz="1200" b="0" i="0" u="none" strike="noStrike" kern="1200" baseline="0" dirty="0">
+                <a:solidFill>
+                  <a:schemeClr val="tx1"/>
+                </a:solidFill>
+                <a:latin typeface="+mn-lt"/>
+                <a:ea typeface="+mn-ea"/>
+                <a:cs typeface="+mn-cs"/>
+              </a:rPr>
+              <a:t>将</a:t>
+            </a:r>
+            <a:r>
+              <a:rPr lang="en-US" altLang="zh-CN" sz="1200" b="0" i="0" u="none" strike="noStrike" kern="1200" baseline="0" dirty="0">
+                <a:solidFill>
+                  <a:schemeClr val="tx1"/>
+                </a:solidFill>
+                <a:latin typeface="+mn-lt"/>
+                <a:ea typeface="+mn-ea"/>
+                <a:cs typeface="+mn-cs"/>
+              </a:rPr>
+              <a:t>store</a:t>
+            </a:r>
+            <a:r>
+              <a:rPr lang="zh-CN" altLang="en-US" sz="1200" b="0" i="0" u="none" strike="noStrike" kern="1200" baseline="0" dirty="0">
+                <a:solidFill>
+                  <a:schemeClr val="tx1"/>
+                </a:solidFill>
+                <a:latin typeface="+mn-lt"/>
+                <a:ea typeface="+mn-ea"/>
+                <a:cs typeface="+mn-cs"/>
+              </a:rPr>
+              <a:t>过程中的变量值赋值给主存中的变量</a:t>
+            </a:r>
+          </a:p>
+          <a:p>
+            <a:pPr rtl="0"/>
+            <a:r>
+              <a:rPr lang="en-US" altLang="zh-CN" sz="1200" b="0" i="0" u="none" strike="noStrike" kern="1200" baseline="0" dirty="0">
+                <a:solidFill>
+                  <a:schemeClr val="tx1"/>
+                </a:solidFill>
+                <a:latin typeface="+mn-lt"/>
+                <a:ea typeface="+mn-ea"/>
+                <a:cs typeface="+mn-cs"/>
+              </a:rPr>
+              <a:t>7. lock –</a:t>
+            </a:r>
+            <a:r>
+              <a:rPr lang="zh-CN" altLang="en-US" sz="1200" b="0" i="0" u="none" strike="noStrike" kern="1200" baseline="0" dirty="0">
+                <a:solidFill>
+                  <a:schemeClr val="tx1"/>
+                </a:solidFill>
+                <a:latin typeface="+mn-lt"/>
+                <a:ea typeface="+mn-ea"/>
+                <a:cs typeface="+mn-cs"/>
+              </a:rPr>
+              <a:t> 将主存变量加锁（线程独占）</a:t>
+            </a:r>
+          </a:p>
+          <a:p>
+            <a:pPr rtl="0"/>
+            <a:r>
+              <a:rPr lang="en-US" altLang="zh-CN" sz="1200" b="0" i="0" u="none" strike="noStrike" kern="1200" baseline="0" dirty="0">
+                <a:solidFill>
+                  <a:schemeClr val="tx1"/>
+                </a:solidFill>
+                <a:latin typeface="+mn-lt"/>
+                <a:ea typeface="+mn-ea"/>
+                <a:cs typeface="+mn-cs"/>
+              </a:rPr>
+              <a:t>8. unlock –</a:t>
+            </a:r>
+            <a:r>
+              <a:rPr lang="zh-CN" altLang="en-US" sz="1200" b="0" i="0" u="none" strike="noStrike" kern="1200" baseline="0" dirty="0">
+                <a:solidFill>
+                  <a:schemeClr val="tx1"/>
+                </a:solidFill>
+                <a:latin typeface="+mn-lt"/>
+                <a:ea typeface="+mn-ea"/>
+                <a:cs typeface="+mn-cs"/>
+              </a:rPr>
+              <a:t> 将主存变量解锁，解锁后其它线程可以锁定该变量</a:t>
+            </a:r>
             <a:endParaRPr lang="zh-CN" altLang="en-US" dirty="0"/>
           </a:p>
         </p:txBody>
@@ -3518,7 +3604,7 @@
           <a:p>
             <a:fld id="{0B77BCC6-1F8A-452E-9AE8-956F32ABCC1A}" type="slidenum">
               <a:rPr lang="zh-CN" altLang="en-US" smtClean="0"/>
-              <a:t>12</a:t>
+              <a:t>13</a:t>
             </a:fld>
             <a:endParaRPr lang="zh-CN" altLang="en-US"/>
           </a:p>
@@ -3527,7 +3613,7 @@
     </p:spTree>
     <p:extLst>
       <p:ext uri="{BB962C8B-B14F-4D97-AF65-F5344CB8AC3E}">
-        <p14:creationId xmlns:p14="http://schemas.microsoft.com/office/powerpoint/2010/main" val="1168434198"/>
+        <p14:creationId xmlns:p14="http://schemas.microsoft.com/office/powerpoint/2010/main" val="216918709"/>
       </p:ext>
     </p:extLst>
   </p:cSld>
@@ -3684,7 +3770,7 @@
           <a:p>
             <a:fld id="{1331EC2B-80D6-4C7C-9EC4-5505DA85B637}" type="datetimeFigureOut">
               <a:rPr lang="zh-CN" altLang="en-US" smtClean="0"/>
-              <a:t>2019/8/29</a:t>
+              <a:t>2019/9/16</a:t>
             </a:fld>
             <a:endParaRPr lang="zh-CN" altLang="en-US"/>
           </a:p>
@@ -3882,7 +3968,7 @@
           <a:p>
             <a:fld id="{1331EC2B-80D6-4C7C-9EC4-5505DA85B637}" type="datetimeFigureOut">
               <a:rPr lang="zh-CN" altLang="en-US" smtClean="0"/>
-              <a:t>2019/8/29</a:t>
+              <a:t>2019/9/16</a:t>
             </a:fld>
             <a:endParaRPr lang="zh-CN" altLang="en-US"/>
           </a:p>
@@ -4090,7 +4176,7 @@
           <a:p>
             <a:fld id="{1331EC2B-80D6-4C7C-9EC4-5505DA85B637}" type="datetimeFigureOut">
               <a:rPr lang="zh-CN" altLang="en-US" smtClean="0"/>
-              <a:t>2019/8/29</a:t>
+              <a:t>2019/9/16</a:t>
             </a:fld>
             <a:endParaRPr lang="zh-CN" altLang="en-US"/>
           </a:p>
@@ -4288,7 +4374,7 @@
           <a:p>
             <a:fld id="{1331EC2B-80D6-4C7C-9EC4-5505DA85B637}" type="datetimeFigureOut">
               <a:rPr lang="zh-CN" altLang="en-US" smtClean="0"/>
-              <a:t>2019/8/29</a:t>
+              <a:t>2019/9/16</a:t>
             </a:fld>
             <a:endParaRPr lang="zh-CN" altLang="en-US"/>
           </a:p>
@@ -4563,7 +4649,7 @@
           <a:p>
             <a:fld id="{1331EC2B-80D6-4C7C-9EC4-5505DA85B637}" type="datetimeFigureOut">
               <a:rPr lang="zh-CN" altLang="en-US" smtClean="0"/>
-              <a:t>2019/8/29</a:t>
+              <a:t>2019/9/16</a:t>
             </a:fld>
             <a:endParaRPr lang="zh-CN" altLang="en-US"/>
           </a:p>
@@ -4828,7 +4914,7 @@
           <a:p>
             <a:fld id="{1331EC2B-80D6-4C7C-9EC4-5505DA85B637}" type="datetimeFigureOut">
               <a:rPr lang="zh-CN" altLang="en-US" smtClean="0"/>
-              <a:t>2019/8/29</a:t>
+              <a:t>2019/9/16</a:t>
             </a:fld>
             <a:endParaRPr lang="zh-CN" altLang="en-US"/>
           </a:p>
@@ -5240,7 +5326,7 @@
           <a:p>
             <a:fld id="{1331EC2B-80D6-4C7C-9EC4-5505DA85B637}" type="datetimeFigureOut">
               <a:rPr lang="zh-CN" altLang="en-US" smtClean="0"/>
-              <a:t>2019/8/29</a:t>
+              <a:t>2019/9/16</a:t>
             </a:fld>
             <a:endParaRPr lang="zh-CN" altLang="en-US"/>
           </a:p>
@@ -5381,7 +5467,7 @@
           <a:p>
             <a:fld id="{1331EC2B-80D6-4C7C-9EC4-5505DA85B637}" type="datetimeFigureOut">
               <a:rPr lang="zh-CN" altLang="en-US" smtClean="0"/>
-              <a:t>2019/8/29</a:t>
+              <a:t>2019/9/16</a:t>
             </a:fld>
             <a:endParaRPr lang="zh-CN" altLang="en-US"/>
           </a:p>
@@ -5494,7 +5580,7 @@
           <a:p>
             <a:fld id="{1331EC2B-80D6-4C7C-9EC4-5505DA85B637}" type="datetimeFigureOut">
               <a:rPr lang="zh-CN" altLang="en-US" smtClean="0"/>
-              <a:t>2019/8/29</a:t>
+              <a:t>2019/9/16</a:t>
             </a:fld>
             <a:endParaRPr lang="zh-CN" altLang="en-US"/>
           </a:p>
@@ -5805,7 +5891,7 @@
           <a:p>
             <a:fld id="{1331EC2B-80D6-4C7C-9EC4-5505DA85B637}" type="datetimeFigureOut">
               <a:rPr lang="zh-CN" altLang="en-US" smtClean="0"/>
-              <a:t>2019/8/29</a:t>
+              <a:t>2019/9/16</a:t>
             </a:fld>
             <a:endParaRPr lang="zh-CN" altLang="en-US"/>
           </a:p>
@@ -6093,7 +6179,7 @@
           <a:p>
             <a:fld id="{1331EC2B-80D6-4C7C-9EC4-5505DA85B637}" type="datetimeFigureOut">
               <a:rPr lang="zh-CN" altLang="en-US" smtClean="0"/>
-              <a:t>2019/8/29</a:t>
+              <a:t>2019/9/16</a:t>
             </a:fld>
             <a:endParaRPr lang="zh-CN" altLang="en-US"/>
           </a:p>
@@ -6334,7 +6420,7 @@
           <a:p>
             <a:fld id="{1331EC2B-80D6-4C7C-9EC4-5505DA85B637}" type="datetimeFigureOut">
               <a:rPr lang="zh-CN" altLang="en-US" smtClean="0"/>
-              <a:t>2019/8/29</a:t>
+              <a:t>2019/9/16</a:t>
             </a:fld>
             <a:endParaRPr lang="zh-CN" altLang="en-US"/>
           </a:p>
@@ -10215,6 +10301,479 @@
           </a:lstStyle>
           <a:p>
             <a:r>
+              <a:rPr lang="en-US" altLang="zh-CN" dirty="0"/>
+              <a:t>JMM—volatile</a:t>
+            </a:r>
+            <a:r>
+              <a:rPr lang="zh-CN" altLang="en-US" dirty="0"/>
+              <a:t>关键字：变量在多线程间可见的原理</a:t>
+            </a:r>
+          </a:p>
+        </p:txBody>
+      </p:sp>
+      <p:pic>
+        <p:nvPicPr>
+          <p:cNvPr id="5" name="图片 4">
+            <a:extLst>
+              <a:ext uri="{FF2B5EF4-FFF2-40B4-BE49-F238E27FC236}">
+                <a16:creationId xmlns:a16="http://schemas.microsoft.com/office/drawing/2014/main" id="{C92E68C2-B9AB-4F18-8102-B28BF9996B6C}"/>
+              </a:ext>
+            </a:extLst>
+          </p:cNvPr>
+          <p:cNvPicPr>
+            <a:picLocks noChangeAspect="1"/>
+          </p:cNvPicPr>
+          <p:nvPr/>
+        </p:nvPicPr>
+        <p:blipFill>
+          <a:blip r:embed="rId3"/>
+          <a:stretch>
+            <a:fillRect/>
+          </a:stretch>
+        </p:blipFill>
+        <p:spPr>
+          <a:xfrm>
+            <a:off x="325820" y="492733"/>
+            <a:ext cx="10872281" cy="6269930"/>
+          </a:xfrm>
+          <a:prstGeom prst="rect">
+            <a:avLst/>
+          </a:prstGeom>
+        </p:spPr>
+      </p:pic>
+    </p:spTree>
+    <p:extLst>
+      <p:ext uri="{BB962C8B-B14F-4D97-AF65-F5344CB8AC3E}">
+        <p14:creationId xmlns:p14="http://schemas.microsoft.com/office/powerpoint/2010/main" val="495636820"/>
+      </p:ext>
+    </p:extLst>
+  </p:cSld>
+  <p:clrMapOvr>
+    <a:masterClrMapping/>
+  </p:clrMapOvr>
+</p:sld>
+</file>
+
+<file path=ppt/slides/slide11.xml><?xml version="1.0" encoding="utf-8"?>
+<p:sld xmlns:a="http://schemas.openxmlformats.org/drawingml/2006/main" xmlns:r="http://schemas.openxmlformats.org/officeDocument/2006/relationships" xmlns:p="http://schemas.openxmlformats.org/presentationml/2006/main">
+  <p:cSld>
+    <p:bg>
+      <p:bgPr>
+        <a:solidFill>
+          <a:schemeClr val="bg1">
+            <a:lumMod val="95000"/>
+          </a:schemeClr>
+        </a:solidFill>
+        <a:effectLst/>
+      </p:bgPr>
+    </p:bg>
+    <p:spTree>
+      <p:nvGrpSpPr>
+        <p:cNvPr id="1" name=""/>
+        <p:cNvGrpSpPr/>
+        <p:nvPr/>
+      </p:nvGrpSpPr>
+      <p:grpSpPr>
+        <a:xfrm>
+          <a:off x="0" y="0"/>
+          <a:ext cx="0" cy="0"/>
+          <a:chOff x="0" y="0"/>
+          <a:chExt cx="0" cy="0"/>
+        </a:xfrm>
+      </p:grpSpPr>
+      <p:sp>
+        <p:nvSpPr>
+          <p:cNvPr id="4" name="文本框 3">
+            <a:extLst>
+              <a:ext uri="{FF2B5EF4-FFF2-40B4-BE49-F238E27FC236}">
+                <a16:creationId xmlns:a16="http://schemas.microsoft.com/office/drawing/2014/main" id="{2341CA69-234E-4AF6-8643-B3D1CD565294}"/>
+              </a:ext>
+            </a:extLst>
+          </p:cNvPr>
+          <p:cNvSpPr txBox="1"/>
+          <p:nvPr/>
+        </p:nvSpPr>
+        <p:spPr>
+          <a:xfrm>
+            <a:off x="0" y="0"/>
+            <a:ext cx="12192000" cy="369332"/>
+          </a:xfrm>
+          <a:prstGeom prst="rect">
+            <a:avLst/>
+          </a:prstGeom>
+          <a:solidFill>
+            <a:srgbClr val="002060"/>
+          </a:solidFill>
+        </p:spPr>
+        <p:txBody>
+          <a:bodyPr wrap="square" rtlCol="0">
+            <a:spAutoFit/>
+          </a:bodyPr>
+          <a:lstStyle>
+            <a:defPPr>
+              <a:defRPr lang="zh-CN"/>
+            </a:defPPr>
+            <a:lvl1pPr>
+              <a:defRPr b="1">
+                <a:solidFill>
+                  <a:schemeClr val="bg1"/>
+                </a:solidFill>
+              </a:defRPr>
+            </a:lvl1pPr>
+          </a:lstStyle>
+          <a:p>
+            <a:r>
+              <a:rPr lang="en-US" altLang="zh-CN" dirty="0"/>
+              <a:t>JMM—volatile</a:t>
+            </a:r>
+            <a:endParaRPr lang="zh-CN" altLang="en-US" dirty="0"/>
+          </a:p>
+        </p:txBody>
+      </p:sp>
+      <p:sp>
+        <p:nvSpPr>
+          <p:cNvPr id="2" name="矩形 1">
+            <a:extLst>
+              <a:ext uri="{FF2B5EF4-FFF2-40B4-BE49-F238E27FC236}">
+                <a16:creationId xmlns:a16="http://schemas.microsoft.com/office/drawing/2014/main" id="{A85E56FB-48BC-4D6B-A82F-B5B9B4ADF5F8}"/>
+              </a:ext>
+            </a:extLst>
+          </p:cNvPr>
+          <p:cNvSpPr/>
+          <p:nvPr/>
+        </p:nvSpPr>
+        <p:spPr>
+          <a:xfrm>
+            <a:off x="99408" y="457398"/>
+            <a:ext cx="10857186" cy="954107"/>
+          </a:xfrm>
+          <a:prstGeom prst="rect">
+            <a:avLst/>
+          </a:prstGeom>
+        </p:spPr>
+        <p:txBody>
+          <a:bodyPr wrap="square">
+            <a:spAutoFit/>
+          </a:bodyPr>
+          <a:lstStyle/>
+          <a:p>
+            <a:r>
+              <a:rPr lang="en-US" altLang="zh-CN" sz="1400" dirty="0"/>
+              <a:t>volatile</a:t>
+            </a:r>
+            <a:r>
+              <a:rPr lang="zh-CN" altLang="en-US" sz="1400" dirty="0"/>
+              <a:t>变量自身具有下列特性：</a:t>
+            </a:r>
+          </a:p>
+          <a:p>
+            <a:r>
+              <a:rPr lang="zh-CN" altLang="en-US" sz="1400" b="1" dirty="0">
+                <a:solidFill>
+                  <a:srgbClr val="FF0000"/>
+                </a:solidFill>
+              </a:rPr>
+              <a:t>可见性：</a:t>
+            </a:r>
+            <a:r>
+              <a:rPr lang="zh-CN" altLang="en-US" sz="1400" dirty="0"/>
+              <a:t>对一个</a:t>
+            </a:r>
+            <a:r>
+              <a:rPr lang="en-US" altLang="zh-CN" sz="1400" dirty="0"/>
+              <a:t>volatile</a:t>
+            </a:r>
+            <a:r>
+              <a:rPr lang="zh-CN" altLang="en-US" sz="1400" dirty="0"/>
+              <a:t>变量的读，总是能看到（任意线程）对这个</a:t>
+            </a:r>
+            <a:r>
+              <a:rPr lang="en-US" altLang="zh-CN" sz="1400" dirty="0"/>
+              <a:t>volatile</a:t>
+            </a:r>
+            <a:r>
+              <a:rPr lang="zh-CN" altLang="en-US" sz="1400" dirty="0"/>
+              <a:t>变量最后的写入。</a:t>
+            </a:r>
+          </a:p>
+          <a:p>
+            <a:r>
+              <a:rPr lang="zh-CN" altLang="en-US" sz="1400" b="1" dirty="0">
+                <a:solidFill>
+                  <a:srgbClr val="FF0000"/>
+                </a:solidFill>
+              </a:rPr>
+              <a:t>原子性：</a:t>
+            </a:r>
+            <a:r>
+              <a:rPr lang="zh-CN" altLang="en-US" sz="1400" dirty="0"/>
+              <a:t>对任意单个</a:t>
+            </a:r>
+            <a:r>
+              <a:rPr lang="en-US" altLang="zh-CN" sz="1400" dirty="0"/>
+              <a:t>volatile</a:t>
+            </a:r>
+            <a:r>
+              <a:rPr lang="zh-CN" altLang="en-US" sz="1400" dirty="0"/>
+              <a:t>变量的读</a:t>
+            </a:r>
+            <a:r>
+              <a:rPr lang="en-US" altLang="zh-CN" sz="1400" dirty="0"/>
+              <a:t>/</a:t>
+            </a:r>
+            <a:r>
+              <a:rPr lang="zh-CN" altLang="en-US" sz="1400" dirty="0"/>
+              <a:t>写具有原子性，但类似于</a:t>
+            </a:r>
+            <a:r>
+              <a:rPr lang="en-US" altLang="zh-CN" sz="1400" dirty="0"/>
+              <a:t>volatile++</a:t>
+            </a:r>
+            <a:r>
+              <a:rPr lang="zh-CN" altLang="en-US" sz="1400" dirty="0"/>
+              <a:t>这种复合操作不具有原子性。</a:t>
+            </a:r>
+            <a:endParaRPr lang="en-US" altLang="zh-CN" sz="1400" dirty="0"/>
+          </a:p>
+          <a:p>
+            <a:r>
+              <a:rPr lang="en-US" altLang="zh-CN" sz="1400" b="1" dirty="0">
+                <a:solidFill>
+                  <a:srgbClr val="FF0000"/>
+                </a:solidFill>
+              </a:rPr>
+              <a:t>volatile</a:t>
+            </a:r>
+            <a:r>
+              <a:rPr lang="zh-CN" altLang="en-US" sz="1400" b="1" dirty="0">
+                <a:solidFill>
+                  <a:srgbClr val="FF0000"/>
+                </a:solidFill>
+              </a:rPr>
+              <a:t>写的内存语义如下：当写一个</a:t>
+            </a:r>
+            <a:r>
+              <a:rPr lang="en-US" altLang="zh-CN" sz="1400" b="1" dirty="0">
+                <a:solidFill>
+                  <a:srgbClr val="FF0000"/>
+                </a:solidFill>
+              </a:rPr>
+              <a:t>volatile</a:t>
+            </a:r>
+            <a:r>
+              <a:rPr lang="zh-CN" altLang="en-US" sz="1400" b="1" dirty="0">
+                <a:solidFill>
+                  <a:srgbClr val="FF0000"/>
+                </a:solidFill>
+              </a:rPr>
+              <a:t>变量时，</a:t>
+            </a:r>
+            <a:r>
+              <a:rPr lang="en-US" altLang="zh-CN" sz="1400" b="1" dirty="0">
+                <a:solidFill>
+                  <a:srgbClr val="FF0000"/>
+                </a:solidFill>
+              </a:rPr>
+              <a:t>JMM</a:t>
+            </a:r>
+            <a:r>
+              <a:rPr lang="zh-CN" altLang="en-US" sz="1400" b="1" dirty="0">
+                <a:solidFill>
+                  <a:srgbClr val="FF0000"/>
+                </a:solidFill>
+              </a:rPr>
+              <a:t>会把该线程对应的本地内存中的共享变量值刷新到主内存</a:t>
+            </a:r>
+          </a:p>
+        </p:txBody>
+      </p:sp>
+      <p:sp>
+        <p:nvSpPr>
+          <p:cNvPr id="6" name="AutoShape 4" descr="https://upload-images.jianshu.io/upload_images/4222138-5b7339e9829f084f.png?imageMogr2/auto-orient/strip%7CimageView2/2/w/523/format/webp">
+            <a:extLst>
+              <a:ext uri="{FF2B5EF4-FFF2-40B4-BE49-F238E27FC236}">
+                <a16:creationId xmlns:a16="http://schemas.microsoft.com/office/drawing/2014/main" id="{B9F22BA2-532C-4827-B019-DE1BD3085B0A}"/>
+              </a:ext>
+            </a:extLst>
+          </p:cNvPr>
+          <p:cNvSpPr>
+            <a:spLocks noChangeAspect="1" noChangeArrowheads="1"/>
+          </p:cNvSpPr>
+          <p:nvPr/>
+        </p:nvSpPr>
+        <p:spPr bwMode="auto">
+          <a:xfrm>
+            <a:off x="6096000" y="3429000"/>
+            <a:ext cx="304800" cy="304800"/>
+          </a:xfrm>
+          <a:prstGeom prst="rect">
+            <a:avLst/>
+          </a:prstGeom>
+          <a:noFill/>
+          <a:extLst>
+            <a:ext uri="{909E8E84-426E-40DD-AFC4-6F175D3DCCD1}">
+              <a14:hiddenFill xmlns:a14="http://schemas.microsoft.com/office/drawing/2010/main">
+                <a:solidFill>
+                  <a:srgbClr val="FFFFFF"/>
+                </a:solidFill>
+              </a14:hiddenFill>
+            </a:ext>
+          </a:extLst>
+        </p:spPr>
+        <p:txBody>
+          <a:bodyPr vert="horz" wrap="square" lIns="91440" tIns="45720" rIns="91440" bIns="45720" numCol="1" anchor="t" anchorCtr="0" compatLnSpc="1">
+            <a:prstTxWarp prst="textNoShape">
+              <a:avLst/>
+            </a:prstTxWarp>
+          </a:bodyPr>
+          <a:lstStyle/>
+          <a:p>
+            <a:endParaRPr lang="zh-CN" altLang="en-US"/>
+          </a:p>
+        </p:txBody>
+      </p:sp>
+      <p:pic>
+        <p:nvPicPr>
+          <p:cNvPr id="7" name="图片 6">
+            <a:extLst>
+              <a:ext uri="{FF2B5EF4-FFF2-40B4-BE49-F238E27FC236}">
+                <a16:creationId xmlns:a16="http://schemas.microsoft.com/office/drawing/2014/main" id="{7155ECDD-661E-48D1-8792-C26C47D68566}"/>
+              </a:ext>
+            </a:extLst>
+          </p:cNvPr>
+          <p:cNvPicPr>
+            <a:picLocks noChangeAspect="1"/>
+          </p:cNvPicPr>
+          <p:nvPr/>
+        </p:nvPicPr>
+        <p:blipFill>
+          <a:blip r:embed="rId3"/>
+          <a:stretch>
+            <a:fillRect/>
+          </a:stretch>
+        </p:blipFill>
+        <p:spPr>
+          <a:xfrm>
+            <a:off x="99408" y="1608030"/>
+            <a:ext cx="6632907" cy="4719000"/>
+          </a:xfrm>
+          <a:prstGeom prst="rect">
+            <a:avLst/>
+          </a:prstGeom>
+        </p:spPr>
+      </p:pic>
+      <p:pic>
+        <p:nvPicPr>
+          <p:cNvPr id="8" name="图片 7">
+            <a:extLst>
+              <a:ext uri="{FF2B5EF4-FFF2-40B4-BE49-F238E27FC236}">
+                <a16:creationId xmlns:a16="http://schemas.microsoft.com/office/drawing/2014/main" id="{F6BB4022-B452-45AA-9CB0-5CD272A614F8}"/>
+              </a:ext>
+            </a:extLst>
+          </p:cNvPr>
+          <p:cNvPicPr>
+            <a:picLocks noChangeAspect="1"/>
+          </p:cNvPicPr>
+          <p:nvPr/>
+        </p:nvPicPr>
+        <p:blipFill>
+          <a:blip r:embed="rId4"/>
+          <a:stretch>
+            <a:fillRect/>
+          </a:stretch>
+        </p:blipFill>
+        <p:spPr>
+          <a:xfrm>
+            <a:off x="6585848" y="1608030"/>
+            <a:ext cx="5506744" cy="4919200"/>
+          </a:xfrm>
+          <a:prstGeom prst="rect">
+            <a:avLst/>
+          </a:prstGeom>
+        </p:spPr>
+      </p:pic>
+    </p:spTree>
+    <p:extLst>
+      <p:ext uri="{BB962C8B-B14F-4D97-AF65-F5344CB8AC3E}">
+        <p14:creationId xmlns:p14="http://schemas.microsoft.com/office/powerpoint/2010/main" val="2819840732"/>
+      </p:ext>
+    </p:extLst>
+  </p:cSld>
+  <p:clrMapOvr>
+    <a:masterClrMapping/>
+  </p:clrMapOvr>
+</p:sld>
+</file>
+
+<file path=ppt/slides/slide12.xml><?xml version="1.0" encoding="utf-8"?>
+<p:sld xmlns:a="http://schemas.openxmlformats.org/drawingml/2006/main" xmlns:r="http://schemas.openxmlformats.org/officeDocument/2006/relationships" xmlns:p="http://schemas.openxmlformats.org/presentationml/2006/main">
+  <p:cSld>
+    <p:bg>
+      <p:bgPr>
+        <a:solidFill>
+          <a:schemeClr val="bg1">
+            <a:lumMod val="95000"/>
+          </a:schemeClr>
+        </a:solidFill>
+        <a:effectLst/>
+      </p:bgPr>
+    </p:bg>
+    <p:spTree>
+      <p:nvGrpSpPr>
+        <p:cNvPr id="1" name=""/>
+        <p:cNvGrpSpPr/>
+        <p:nvPr/>
+      </p:nvGrpSpPr>
+      <p:grpSpPr>
+        <a:xfrm>
+          <a:off x="0" y="0"/>
+          <a:ext cx="0" cy="0"/>
+          <a:chOff x="0" y="0"/>
+          <a:chExt cx="0" cy="0"/>
+        </a:xfrm>
+      </p:grpSpPr>
+      <p:sp>
+        <p:nvSpPr>
+          <p:cNvPr id="4" name="文本框 3">
+            <a:extLst>
+              <a:ext uri="{FF2B5EF4-FFF2-40B4-BE49-F238E27FC236}">
+                <a16:creationId xmlns:a16="http://schemas.microsoft.com/office/drawing/2014/main" id="{2341CA69-234E-4AF6-8643-B3D1CD565294}"/>
+              </a:ext>
+            </a:extLst>
+          </p:cNvPr>
+          <p:cNvSpPr txBox="1"/>
+          <p:nvPr/>
+        </p:nvSpPr>
+        <p:spPr>
+          <a:xfrm>
+            <a:off x="0" y="0"/>
+            <a:ext cx="12192000" cy="369332"/>
+          </a:xfrm>
+          <a:prstGeom prst="rect">
+            <a:avLst/>
+          </a:prstGeom>
+          <a:solidFill>
+            <a:srgbClr val="002060"/>
+          </a:solidFill>
+        </p:spPr>
+        <p:txBody>
+          <a:bodyPr wrap="square" rtlCol="0">
+            <a:spAutoFit/>
+          </a:bodyPr>
+          <a:lstStyle>
+            <a:defPPr>
+              <a:defRPr lang="zh-CN"/>
+            </a:defPPr>
+            <a:lvl1pPr>
+              <a:defRPr b="1">
+                <a:solidFill>
+                  <a:schemeClr val="bg1"/>
+                </a:solidFill>
+              </a:defRPr>
+            </a:lvl1pPr>
+          </a:lstStyle>
+          <a:p>
+            <a:r>
               <a:rPr lang="zh-CN" altLang="en-US" dirty="0"/>
               <a:t>线程</a:t>
             </a:r>
@@ -10672,7 +11231,7 @@
 </p:sld>
 </file>
 
-<file path=ppt/slides/slide11.xml><?xml version="1.0" encoding="utf-8"?>
+<file path=ppt/slides/slide13.xml><?xml version="1.0" encoding="utf-8"?>
 <p:sld xmlns:a="http://schemas.openxmlformats.org/drawingml/2006/main" xmlns:r="http://schemas.openxmlformats.org/officeDocument/2006/relationships" xmlns:p="http://schemas.openxmlformats.org/presentationml/2006/main">
   <p:cSld>
     <p:bg>
@@ -11404,7 +11963,7 @@
 </p:sld>
 </file>
 
-<file path=ppt/slides/slide12.xml><?xml version="1.0" encoding="utf-8"?>
+<file path=ppt/slides/slide14.xml><?xml version="1.0" encoding="utf-8"?>
 <p:sld xmlns:a="http://schemas.openxmlformats.org/drawingml/2006/main" xmlns:r="http://schemas.openxmlformats.org/officeDocument/2006/relationships" xmlns:p="http://schemas.openxmlformats.org/presentationml/2006/main">
   <p:cSld>
     <p:bg>
@@ -13337,6 +13896,3740 @@
 </file>
 
 <file path=ppt/slides/slide3.xml><?xml version="1.0" encoding="utf-8"?>
+<p:sld xmlns:a="http://schemas.openxmlformats.org/drawingml/2006/main" xmlns:r="http://schemas.openxmlformats.org/officeDocument/2006/relationships" xmlns:p="http://schemas.openxmlformats.org/presentationml/2006/main">
+  <p:cSld>
+    <p:bg>
+      <p:bgPr>
+        <a:solidFill>
+          <a:schemeClr val="bg1">
+            <a:lumMod val="95000"/>
+          </a:schemeClr>
+        </a:solidFill>
+        <a:effectLst/>
+      </p:bgPr>
+    </p:bg>
+    <p:spTree>
+      <p:nvGrpSpPr>
+        <p:cNvPr id="1" name=""/>
+        <p:cNvGrpSpPr/>
+        <p:nvPr/>
+      </p:nvGrpSpPr>
+      <p:grpSpPr>
+        <a:xfrm>
+          <a:off x="0" y="0"/>
+          <a:ext cx="0" cy="0"/>
+          <a:chOff x="0" y="0"/>
+          <a:chExt cx="0" cy="0"/>
+        </a:xfrm>
+      </p:grpSpPr>
+      <p:sp>
+        <p:nvSpPr>
+          <p:cNvPr id="4" name="文本框 3">
+            <a:extLst>
+              <a:ext uri="{FF2B5EF4-FFF2-40B4-BE49-F238E27FC236}">
+                <a16:creationId xmlns:a16="http://schemas.microsoft.com/office/drawing/2014/main" id="{964DD9BF-1C2D-4BCD-8B62-AF2A896E2B62}"/>
+              </a:ext>
+            </a:extLst>
+          </p:cNvPr>
+          <p:cNvSpPr txBox="1"/>
+          <p:nvPr/>
+        </p:nvSpPr>
+        <p:spPr>
+          <a:xfrm>
+            <a:off x="0" y="0"/>
+            <a:ext cx="12192000" cy="369332"/>
+          </a:xfrm>
+          <a:prstGeom prst="rect">
+            <a:avLst/>
+          </a:prstGeom>
+          <a:solidFill>
+            <a:srgbClr val="002060"/>
+          </a:solidFill>
+        </p:spPr>
+        <p:txBody>
+          <a:bodyPr wrap="square" rtlCol="0">
+            <a:spAutoFit/>
+          </a:bodyPr>
+          <a:lstStyle>
+            <a:defPPr>
+              <a:defRPr lang="zh-CN"/>
+            </a:defPPr>
+            <a:lvl1pPr>
+              <a:defRPr b="1">
+                <a:solidFill>
+                  <a:schemeClr val="bg1"/>
+                </a:solidFill>
+              </a:defRPr>
+            </a:lvl1pPr>
+          </a:lstStyle>
+          <a:p>
+            <a:r>
+              <a:rPr lang="en-US" altLang="zh-CN" dirty="0"/>
+              <a:t>JVM</a:t>
+            </a:r>
+            <a:r>
+              <a:rPr lang="zh-CN" altLang="en-US" dirty="0"/>
+              <a:t>组成部分</a:t>
+            </a:r>
+            <a:r>
+              <a:rPr lang="en-US" altLang="zh-CN" dirty="0"/>
+              <a:t>—JVM</a:t>
+            </a:r>
+            <a:endParaRPr lang="zh-CN" altLang="en-US" dirty="0"/>
+          </a:p>
+        </p:txBody>
+      </p:sp>
+      <p:grpSp>
+        <p:nvGrpSpPr>
+          <p:cNvPr id="88" name="组合 87">
+            <a:extLst>
+              <a:ext uri="{FF2B5EF4-FFF2-40B4-BE49-F238E27FC236}">
+                <a16:creationId xmlns:a16="http://schemas.microsoft.com/office/drawing/2014/main" id="{E8939A29-EE53-43B7-B33E-6B64539BBC8A}"/>
+              </a:ext>
+            </a:extLst>
+          </p:cNvPr>
+          <p:cNvGrpSpPr/>
+          <p:nvPr/>
+        </p:nvGrpSpPr>
+        <p:grpSpPr>
+          <a:xfrm>
+            <a:off x="519225" y="473820"/>
+            <a:ext cx="9539176" cy="5878682"/>
+            <a:chOff x="519225" y="473820"/>
+            <a:chExt cx="9539176" cy="5878682"/>
+          </a:xfrm>
+        </p:grpSpPr>
+        <p:grpSp>
+          <p:nvGrpSpPr>
+            <p:cNvPr id="69" name="组合 68">
+              <a:extLst>
+                <a:ext uri="{FF2B5EF4-FFF2-40B4-BE49-F238E27FC236}">
+                  <a16:creationId xmlns:a16="http://schemas.microsoft.com/office/drawing/2014/main" id="{757D6E87-C134-42CF-8CFD-62139FCD274A}"/>
+                </a:ext>
+              </a:extLst>
+            </p:cNvPr>
+            <p:cNvGrpSpPr/>
+            <p:nvPr/>
+          </p:nvGrpSpPr>
+          <p:grpSpPr>
+            <a:xfrm>
+              <a:off x="2165131" y="792442"/>
+              <a:ext cx="7893270" cy="5560060"/>
+              <a:chOff x="2165131" y="792442"/>
+              <a:chExt cx="7893270" cy="5560060"/>
+            </a:xfrm>
+          </p:grpSpPr>
+          <p:sp>
+            <p:nvSpPr>
+              <p:cNvPr id="32" name="矩形 31">
+                <a:extLst>
+                  <a:ext uri="{FF2B5EF4-FFF2-40B4-BE49-F238E27FC236}">
+                    <a16:creationId xmlns:a16="http://schemas.microsoft.com/office/drawing/2014/main" id="{AA9353DA-E249-42CD-86AF-BD74408A8573}"/>
+                  </a:ext>
+                </a:extLst>
+              </p:cNvPr>
+              <p:cNvSpPr/>
+              <p:nvPr/>
+            </p:nvSpPr>
+            <p:spPr>
+              <a:xfrm>
+                <a:off x="2165131" y="2153151"/>
+                <a:ext cx="7893270" cy="2692118"/>
+              </a:xfrm>
+              <a:prstGeom prst="rect">
+                <a:avLst/>
+              </a:prstGeom>
+              <a:solidFill>
+                <a:schemeClr val="accent6">
+                  <a:lumMod val="20000"/>
+                  <a:lumOff val="80000"/>
+                </a:schemeClr>
+              </a:solidFill>
+              <a:ln>
+                <a:solidFill>
+                  <a:schemeClr val="accent6">
+                    <a:lumMod val="75000"/>
+                  </a:schemeClr>
+                </a:solidFill>
+              </a:ln>
+            </p:spPr>
+            <p:style>
+              <a:lnRef idx="2">
+                <a:schemeClr val="accent1">
+                  <a:shade val="50000"/>
+                </a:schemeClr>
+              </a:lnRef>
+              <a:fillRef idx="1">
+                <a:schemeClr val="accent1"/>
+              </a:fillRef>
+              <a:effectRef idx="0">
+                <a:schemeClr val="accent1"/>
+              </a:effectRef>
+              <a:fontRef idx="minor">
+                <a:schemeClr val="lt1"/>
+              </a:fontRef>
+            </p:style>
+            <p:txBody>
+              <a:bodyPr rtlCol="0" anchor="ctr"/>
+              <a:lstStyle/>
+              <a:p>
+                <a:pPr algn="ctr"/>
+                <a:endParaRPr lang="zh-CN" altLang="en-US" dirty="0"/>
+              </a:p>
+            </p:txBody>
+          </p:sp>
+          <p:sp>
+            <p:nvSpPr>
+              <p:cNvPr id="3" name="流程图: 多文档 2">
+                <a:extLst>
+                  <a:ext uri="{FF2B5EF4-FFF2-40B4-BE49-F238E27FC236}">
+                    <a16:creationId xmlns:a16="http://schemas.microsoft.com/office/drawing/2014/main" id="{4B3E56A2-E2C3-46D5-BD1F-B48215CF6E49}"/>
+                  </a:ext>
+                </a:extLst>
+              </p:cNvPr>
+              <p:cNvSpPr/>
+              <p:nvPr/>
+            </p:nvSpPr>
+            <p:spPr>
+              <a:xfrm>
+                <a:off x="3605048" y="792442"/>
+                <a:ext cx="1177159" cy="851338"/>
+              </a:xfrm>
+              <a:prstGeom prst="flowChartMultidocument">
+                <a:avLst/>
+              </a:prstGeom>
+              <a:solidFill>
+                <a:schemeClr val="accent6"/>
+              </a:solidFill>
+            </p:spPr>
+            <p:style>
+              <a:lnRef idx="2">
+                <a:schemeClr val="accent1">
+                  <a:shade val="50000"/>
+                </a:schemeClr>
+              </a:lnRef>
+              <a:fillRef idx="1">
+                <a:schemeClr val="accent1"/>
+              </a:fillRef>
+              <a:effectRef idx="0">
+                <a:schemeClr val="accent1"/>
+              </a:effectRef>
+              <a:fontRef idx="minor">
+                <a:schemeClr val="lt1"/>
+              </a:fontRef>
+            </p:style>
+            <p:txBody>
+              <a:bodyPr rtlCol="0" anchor="ctr"/>
+              <a:lstStyle/>
+              <a:p>
+                <a:pPr algn="ctr"/>
+                <a:r>
+                  <a:rPr lang="en-US" altLang="zh-CN" sz="1600" b="1" dirty="0">
+                    <a:latin typeface="微软雅黑" panose="020B0503020204020204" pitchFamily="34" charset="-122"/>
+                    <a:ea typeface="微软雅黑" panose="020B0503020204020204" pitchFamily="34" charset="-122"/>
+                  </a:rPr>
+                  <a:t>.class</a:t>
+                </a:r>
+                <a:endParaRPr lang="zh-CN" altLang="en-US" sz="1600" b="1" dirty="0">
+                  <a:latin typeface="微软雅黑" panose="020B0503020204020204" pitchFamily="34" charset="-122"/>
+                  <a:ea typeface="微软雅黑" panose="020B0503020204020204" pitchFamily="34" charset="-122"/>
+                </a:endParaRPr>
+              </a:p>
+            </p:txBody>
+          </p:sp>
+          <p:sp>
+            <p:nvSpPr>
+              <p:cNvPr id="17" name="矩形: 圆角 16">
+                <a:extLst>
+                  <a:ext uri="{FF2B5EF4-FFF2-40B4-BE49-F238E27FC236}">
+                    <a16:creationId xmlns:a16="http://schemas.microsoft.com/office/drawing/2014/main" id="{1927D4B4-C246-4C46-A946-B243BB7575CF}"/>
+                  </a:ext>
+                </a:extLst>
+              </p:cNvPr>
+              <p:cNvSpPr/>
+              <p:nvPr/>
+            </p:nvSpPr>
+            <p:spPr>
+              <a:xfrm>
+                <a:off x="6240975" y="792442"/>
+                <a:ext cx="1704845" cy="851338"/>
+              </a:xfrm>
+              <a:prstGeom prst="roundRect">
+                <a:avLst/>
+              </a:prstGeom>
+              <a:solidFill>
+                <a:schemeClr val="accent6"/>
+              </a:solidFill>
+            </p:spPr>
+            <p:style>
+              <a:lnRef idx="2">
+                <a:schemeClr val="accent1">
+                  <a:shade val="50000"/>
+                </a:schemeClr>
+              </a:lnRef>
+              <a:fillRef idx="1">
+                <a:schemeClr val="accent1"/>
+              </a:fillRef>
+              <a:effectRef idx="0">
+                <a:schemeClr val="accent1"/>
+              </a:effectRef>
+              <a:fontRef idx="minor">
+                <a:schemeClr val="lt1"/>
+              </a:fontRef>
+            </p:style>
+            <p:txBody>
+              <a:bodyPr rtlCol="0" anchor="ctr"/>
+              <a:lstStyle/>
+              <a:p>
+                <a:pPr algn="ctr"/>
+                <a:r>
+                  <a:rPr lang="zh-CN" altLang="en-US" sz="1600" b="1" dirty="0">
+                    <a:latin typeface="微软雅黑" panose="020B0503020204020204" pitchFamily="34" charset="-122"/>
+                    <a:ea typeface="微软雅黑" panose="020B0503020204020204" pitchFamily="34" charset="-122"/>
+                  </a:rPr>
+                  <a:t>类加载器</a:t>
+                </a:r>
+                <a:endParaRPr lang="en-US" altLang="zh-CN" sz="1600" b="1" dirty="0">
+                  <a:latin typeface="微软雅黑" panose="020B0503020204020204" pitchFamily="34" charset="-122"/>
+                  <a:ea typeface="微软雅黑" panose="020B0503020204020204" pitchFamily="34" charset="-122"/>
+                </a:endParaRPr>
+              </a:p>
+              <a:p>
+                <a:pPr algn="ctr"/>
+                <a:r>
+                  <a:rPr lang="en-US" altLang="zh-CN" sz="1600" b="1" dirty="0">
+                    <a:latin typeface="微软雅黑" panose="020B0503020204020204" pitchFamily="34" charset="-122"/>
+                    <a:ea typeface="微软雅黑" panose="020B0503020204020204" pitchFamily="34" charset="-122"/>
+                  </a:rPr>
+                  <a:t>(Class Loader)</a:t>
+                </a:r>
+                <a:endParaRPr lang="zh-CN" altLang="en-US" sz="1600" b="1" dirty="0">
+                  <a:latin typeface="微软雅黑" panose="020B0503020204020204" pitchFamily="34" charset="-122"/>
+                  <a:ea typeface="微软雅黑" panose="020B0503020204020204" pitchFamily="34" charset="-122"/>
+                </a:endParaRPr>
+              </a:p>
+            </p:txBody>
+          </p:sp>
+          <p:sp>
+            <p:nvSpPr>
+              <p:cNvPr id="33" name="文本框 32">
+                <a:extLst>
+                  <a:ext uri="{FF2B5EF4-FFF2-40B4-BE49-F238E27FC236}">
+                    <a16:creationId xmlns:a16="http://schemas.microsoft.com/office/drawing/2014/main" id="{9C62E228-4706-4F5B-AE63-6BF71D327F2E}"/>
+                  </a:ext>
+                </a:extLst>
+              </p:cNvPr>
+              <p:cNvSpPr txBox="1"/>
+              <p:nvPr/>
+            </p:nvSpPr>
+            <p:spPr>
+              <a:xfrm>
+                <a:off x="4122222" y="2163664"/>
+                <a:ext cx="3316934" cy="338554"/>
+              </a:xfrm>
+              <a:prstGeom prst="rect">
+                <a:avLst/>
+              </a:prstGeom>
+              <a:noFill/>
+            </p:spPr>
+            <p:txBody>
+              <a:bodyPr wrap="none" rtlCol="0">
+                <a:spAutoFit/>
+              </a:bodyPr>
+              <a:lstStyle/>
+              <a:p>
+                <a:r>
+                  <a:rPr lang="zh-CN" altLang="en-US" sz="1600" b="1" dirty="0"/>
+                  <a:t>运行时数据区</a:t>
+                </a:r>
+                <a:r>
+                  <a:rPr lang="en-US" altLang="zh-CN" sz="1600" b="1" dirty="0"/>
+                  <a:t>(Runtime Data Area)</a:t>
+                </a:r>
+                <a:endParaRPr lang="zh-CN" altLang="en-US" sz="1600" b="1" dirty="0"/>
+              </a:p>
+            </p:txBody>
+          </p:sp>
+          <p:sp>
+            <p:nvSpPr>
+              <p:cNvPr id="50" name="矩形: 圆角 49">
+                <a:extLst>
+                  <a:ext uri="{FF2B5EF4-FFF2-40B4-BE49-F238E27FC236}">
+                    <a16:creationId xmlns:a16="http://schemas.microsoft.com/office/drawing/2014/main" id="{0FEE51E1-CF02-4B00-BD14-BA3C11174665}"/>
+                  </a:ext>
+                </a:extLst>
+              </p:cNvPr>
+              <p:cNvSpPr/>
+              <p:nvPr/>
+            </p:nvSpPr>
+            <p:spPr>
+              <a:xfrm>
+                <a:off x="2427890" y="2690648"/>
+                <a:ext cx="1996965" cy="738352"/>
+              </a:xfrm>
+              <a:prstGeom prst="roundRect">
+                <a:avLst/>
+              </a:prstGeom>
+              <a:solidFill>
+                <a:srgbClr val="FF0000"/>
+              </a:solidFill>
+              <a:ln>
+                <a:solidFill>
+                  <a:srgbClr val="C00000"/>
+                </a:solidFill>
+              </a:ln>
+            </p:spPr>
+            <p:style>
+              <a:lnRef idx="2">
+                <a:schemeClr val="accent1">
+                  <a:shade val="50000"/>
+                </a:schemeClr>
+              </a:lnRef>
+              <a:fillRef idx="1">
+                <a:schemeClr val="accent1"/>
+              </a:fillRef>
+              <a:effectRef idx="0">
+                <a:schemeClr val="accent1"/>
+              </a:effectRef>
+              <a:fontRef idx="minor">
+                <a:schemeClr val="lt1"/>
+              </a:fontRef>
+            </p:style>
+            <p:txBody>
+              <a:bodyPr rtlCol="0" anchor="ctr"/>
+              <a:lstStyle/>
+              <a:p>
+                <a:pPr algn="ctr"/>
+                <a:r>
+                  <a:rPr lang="zh-CN" altLang="en-US" sz="1600" b="1" dirty="0">
+                    <a:latin typeface="微软雅黑" panose="020B0503020204020204" pitchFamily="34" charset="-122"/>
+                    <a:ea typeface="微软雅黑" panose="020B0503020204020204" pitchFamily="34" charset="-122"/>
+                  </a:rPr>
+                  <a:t>方法区</a:t>
+                </a:r>
+                <a:endParaRPr lang="en-US" altLang="zh-CN" sz="1600" b="1" dirty="0">
+                  <a:latin typeface="微软雅黑" panose="020B0503020204020204" pitchFamily="34" charset="-122"/>
+                  <a:ea typeface="微软雅黑" panose="020B0503020204020204" pitchFamily="34" charset="-122"/>
+                </a:endParaRPr>
+              </a:p>
+              <a:p>
+                <a:pPr algn="ctr"/>
+                <a:r>
+                  <a:rPr lang="zh-CN" altLang="en-US" sz="1600" b="1" dirty="0">
+                    <a:latin typeface="微软雅黑" panose="020B0503020204020204" pitchFamily="34" charset="-122"/>
+                    <a:ea typeface="微软雅黑" panose="020B0503020204020204" pitchFamily="34" charset="-122"/>
+                  </a:rPr>
+                  <a:t>（</a:t>
+                </a:r>
+                <a:r>
+                  <a:rPr lang="en-US" altLang="zh-CN" sz="1600" b="1" dirty="0">
+                    <a:latin typeface="微软雅黑" panose="020B0503020204020204" pitchFamily="34" charset="-122"/>
+                    <a:ea typeface="微软雅黑" panose="020B0503020204020204" pitchFamily="34" charset="-122"/>
+                  </a:rPr>
+                  <a:t>Method Area</a:t>
+                </a:r>
+                <a:r>
+                  <a:rPr lang="zh-CN" altLang="en-US" sz="1600" b="1" dirty="0">
+                    <a:latin typeface="微软雅黑" panose="020B0503020204020204" pitchFamily="34" charset="-122"/>
+                    <a:ea typeface="微软雅黑" panose="020B0503020204020204" pitchFamily="34" charset="-122"/>
+                  </a:rPr>
+                  <a:t>）</a:t>
+                </a:r>
+                <a:endParaRPr lang="en-US" altLang="zh-CN" sz="1600" b="1" dirty="0">
+                  <a:latin typeface="微软雅黑" panose="020B0503020204020204" pitchFamily="34" charset="-122"/>
+                  <a:ea typeface="微软雅黑" panose="020B0503020204020204" pitchFamily="34" charset="-122"/>
+                </a:endParaRPr>
+              </a:p>
+              <a:p>
+                <a:pPr algn="ctr"/>
+                <a:r>
+                  <a:rPr lang="zh-CN" altLang="en-US" sz="1200" b="1" dirty="0">
+                    <a:solidFill>
+                      <a:schemeClr val="tx1"/>
+                    </a:solidFill>
+                    <a:latin typeface="微软雅黑" panose="020B0503020204020204" pitchFamily="34" charset="-122"/>
+                    <a:ea typeface="微软雅黑" panose="020B0503020204020204" pitchFamily="34" charset="-122"/>
+                  </a:rPr>
+                  <a:t>类信息，常量、变量等</a:t>
+                </a:r>
+                <a:endParaRPr lang="en-US" altLang="zh-CN" sz="1200" b="1" dirty="0">
+                  <a:solidFill>
+                    <a:schemeClr val="tx1"/>
+                  </a:solidFill>
+                  <a:latin typeface="微软雅黑" panose="020B0503020204020204" pitchFamily="34" charset="-122"/>
+                  <a:ea typeface="微软雅黑" panose="020B0503020204020204" pitchFamily="34" charset="-122"/>
+                </a:endParaRPr>
+              </a:p>
+            </p:txBody>
+          </p:sp>
+          <p:sp>
+            <p:nvSpPr>
+              <p:cNvPr id="51" name="矩形: 圆角 50">
+                <a:extLst>
+                  <a:ext uri="{FF2B5EF4-FFF2-40B4-BE49-F238E27FC236}">
+                    <a16:creationId xmlns:a16="http://schemas.microsoft.com/office/drawing/2014/main" id="{58AC941D-097C-401E-9A16-513449F7CC56}"/>
+                  </a:ext>
+                </a:extLst>
+              </p:cNvPr>
+              <p:cNvSpPr/>
+              <p:nvPr/>
+            </p:nvSpPr>
+            <p:spPr>
+              <a:xfrm>
+                <a:off x="2427889" y="3660384"/>
+                <a:ext cx="1996965" cy="880086"/>
+              </a:xfrm>
+              <a:prstGeom prst="roundRect">
+                <a:avLst/>
+              </a:prstGeom>
+              <a:solidFill>
+                <a:srgbClr val="FF0000"/>
+              </a:solidFill>
+              <a:ln>
+                <a:solidFill>
+                  <a:srgbClr val="C00000"/>
+                </a:solidFill>
+              </a:ln>
+            </p:spPr>
+            <p:style>
+              <a:lnRef idx="2">
+                <a:schemeClr val="accent1">
+                  <a:shade val="50000"/>
+                </a:schemeClr>
+              </a:lnRef>
+              <a:fillRef idx="1">
+                <a:schemeClr val="accent1"/>
+              </a:fillRef>
+              <a:effectRef idx="0">
+                <a:schemeClr val="accent1"/>
+              </a:effectRef>
+              <a:fontRef idx="minor">
+                <a:schemeClr val="lt1"/>
+              </a:fontRef>
+            </p:style>
+            <p:txBody>
+              <a:bodyPr rtlCol="0" anchor="ctr"/>
+              <a:lstStyle/>
+              <a:p>
+                <a:pPr algn="ctr"/>
+                <a:r>
+                  <a:rPr lang="zh-CN" altLang="en-US" sz="1600" b="1" dirty="0">
+                    <a:latin typeface="微软雅黑" panose="020B0503020204020204" pitchFamily="34" charset="-122"/>
+                    <a:ea typeface="微软雅黑" panose="020B0503020204020204" pitchFamily="34" charset="-122"/>
+                  </a:rPr>
+                  <a:t>堆</a:t>
+                </a:r>
+                <a:endParaRPr lang="en-US" altLang="zh-CN" sz="1600" b="1" dirty="0">
+                  <a:latin typeface="微软雅黑" panose="020B0503020204020204" pitchFamily="34" charset="-122"/>
+                  <a:ea typeface="微软雅黑" panose="020B0503020204020204" pitchFamily="34" charset="-122"/>
+                </a:endParaRPr>
+              </a:p>
+              <a:p>
+                <a:pPr algn="ctr"/>
+                <a:r>
+                  <a:rPr lang="en-US" altLang="zh-CN" sz="1600" b="1" dirty="0">
+                    <a:latin typeface="微软雅黑" panose="020B0503020204020204" pitchFamily="34" charset="-122"/>
+                    <a:ea typeface="微软雅黑" panose="020B0503020204020204" pitchFamily="34" charset="-122"/>
+                  </a:rPr>
+                  <a:t>(Heap)</a:t>
+                </a:r>
+              </a:p>
+              <a:p>
+                <a:pPr algn="ctr"/>
+                <a:r>
+                  <a:rPr lang="en-US" altLang="zh-CN" sz="1200" b="1" dirty="0">
+                    <a:solidFill>
+                      <a:schemeClr val="tx1"/>
+                    </a:solidFill>
+                    <a:latin typeface="微软雅黑" panose="020B0503020204020204" pitchFamily="34" charset="-122"/>
+                    <a:ea typeface="微软雅黑" panose="020B0503020204020204" pitchFamily="34" charset="-122"/>
+                  </a:rPr>
+                  <a:t>new </a:t>
+                </a:r>
+                <a:r>
+                  <a:rPr lang="zh-CN" altLang="en-US" sz="1200" b="1" dirty="0">
+                    <a:solidFill>
+                      <a:schemeClr val="tx1"/>
+                    </a:solidFill>
+                    <a:latin typeface="微软雅黑" panose="020B0503020204020204" pitchFamily="34" charset="-122"/>
+                    <a:ea typeface="微软雅黑" panose="020B0503020204020204" pitchFamily="34" charset="-122"/>
+                  </a:rPr>
+                  <a:t>出来的对象</a:t>
+                </a:r>
+              </a:p>
+            </p:txBody>
+          </p:sp>
+          <p:sp>
+            <p:nvSpPr>
+              <p:cNvPr id="52" name="矩形: 圆角 51">
+                <a:extLst>
+                  <a:ext uri="{FF2B5EF4-FFF2-40B4-BE49-F238E27FC236}">
+                    <a16:creationId xmlns:a16="http://schemas.microsoft.com/office/drawing/2014/main" id="{C54ADC5F-44C8-470D-80E9-2E05C547DD00}"/>
+                  </a:ext>
+                </a:extLst>
+              </p:cNvPr>
+              <p:cNvSpPr/>
+              <p:nvPr/>
+            </p:nvSpPr>
+            <p:spPr>
+              <a:xfrm>
+                <a:off x="4782207" y="2690648"/>
+                <a:ext cx="1996965" cy="738352"/>
+              </a:xfrm>
+              <a:prstGeom prst="roundRect">
+                <a:avLst/>
+              </a:prstGeom>
+              <a:solidFill>
+                <a:schemeClr val="bg1">
+                  <a:lumMod val="50000"/>
+                </a:schemeClr>
+              </a:solidFill>
+              <a:ln>
+                <a:solidFill>
+                  <a:schemeClr val="tx1">
+                    <a:lumMod val="95000"/>
+                    <a:lumOff val="5000"/>
+                  </a:schemeClr>
+                </a:solidFill>
+              </a:ln>
+            </p:spPr>
+            <p:style>
+              <a:lnRef idx="2">
+                <a:schemeClr val="accent1">
+                  <a:shade val="50000"/>
+                </a:schemeClr>
+              </a:lnRef>
+              <a:fillRef idx="1">
+                <a:schemeClr val="accent1"/>
+              </a:fillRef>
+              <a:effectRef idx="0">
+                <a:schemeClr val="accent1"/>
+              </a:effectRef>
+              <a:fontRef idx="minor">
+                <a:schemeClr val="lt1"/>
+              </a:fontRef>
+            </p:style>
+            <p:txBody>
+              <a:bodyPr rtlCol="0" anchor="ctr"/>
+              <a:lstStyle/>
+              <a:p>
+                <a:pPr algn="ctr"/>
+                <a:r>
+                  <a:rPr lang="en-US" altLang="zh-CN" sz="1600" b="1" dirty="0">
+                    <a:latin typeface="微软雅黑" panose="020B0503020204020204" pitchFamily="34" charset="-122"/>
+                    <a:ea typeface="微软雅黑" panose="020B0503020204020204" pitchFamily="34" charset="-122"/>
+                  </a:rPr>
+                  <a:t>Java</a:t>
+                </a:r>
+                <a:r>
+                  <a:rPr lang="zh-CN" altLang="en-US" sz="1600" b="1" dirty="0">
+                    <a:latin typeface="微软雅黑" panose="020B0503020204020204" pitchFamily="34" charset="-122"/>
+                    <a:ea typeface="微软雅黑" panose="020B0503020204020204" pitchFamily="34" charset="-122"/>
+                  </a:rPr>
+                  <a:t>栈</a:t>
+                </a:r>
+                <a:endParaRPr lang="en-US" altLang="zh-CN" sz="1600" b="1" dirty="0">
+                  <a:latin typeface="微软雅黑" panose="020B0503020204020204" pitchFamily="34" charset="-122"/>
+                  <a:ea typeface="微软雅黑" panose="020B0503020204020204" pitchFamily="34" charset="-122"/>
+                </a:endParaRPr>
+              </a:p>
+              <a:p>
+                <a:pPr algn="ctr"/>
+                <a:r>
+                  <a:rPr lang="zh-CN" altLang="en-US" sz="1600" b="1" dirty="0">
+                    <a:latin typeface="微软雅黑" panose="020B0503020204020204" pitchFamily="34" charset="-122"/>
+                    <a:ea typeface="微软雅黑" panose="020B0503020204020204" pitchFamily="34" charset="-122"/>
+                  </a:rPr>
+                  <a:t>（</a:t>
+                </a:r>
+                <a:r>
+                  <a:rPr lang="en-US" altLang="zh-CN" sz="1600" b="1" dirty="0">
+                    <a:latin typeface="微软雅黑" panose="020B0503020204020204" pitchFamily="34" charset="-122"/>
+                    <a:ea typeface="微软雅黑" panose="020B0503020204020204" pitchFamily="34" charset="-122"/>
+                  </a:rPr>
+                  <a:t>Java Stack</a:t>
+                </a:r>
+                <a:r>
+                  <a:rPr lang="zh-CN" altLang="en-US" sz="1600" b="1" dirty="0">
+                    <a:latin typeface="微软雅黑" panose="020B0503020204020204" pitchFamily="34" charset="-122"/>
+                    <a:ea typeface="微软雅黑" panose="020B0503020204020204" pitchFamily="34" charset="-122"/>
+                  </a:rPr>
+                  <a:t>）</a:t>
+                </a:r>
+              </a:p>
+            </p:txBody>
+          </p:sp>
+          <p:sp>
+            <p:nvSpPr>
+              <p:cNvPr id="53" name="矩形: 圆角 52">
+                <a:extLst>
+                  <a:ext uri="{FF2B5EF4-FFF2-40B4-BE49-F238E27FC236}">
+                    <a16:creationId xmlns:a16="http://schemas.microsoft.com/office/drawing/2014/main" id="{39ACA1BF-D479-4924-87D7-2C8E53F4B080}"/>
+                  </a:ext>
+                </a:extLst>
+              </p:cNvPr>
+              <p:cNvSpPr/>
+              <p:nvPr/>
+            </p:nvSpPr>
+            <p:spPr>
+              <a:xfrm>
+                <a:off x="6978869" y="2690648"/>
+                <a:ext cx="2785241" cy="738352"/>
+              </a:xfrm>
+              <a:prstGeom prst="roundRect">
+                <a:avLst/>
+              </a:prstGeom>
+              <a:solidFill>
+                <a:schemeClr val="bg1">
+                  <a:lumMod val="50000"/>
+                </a:schemeClr>
+              </a:solidFill>
+              <a:ln>
+                <a:solidFill>
+                  <a:schemeClr val="tx1">
+                    <a:lumMod val="95000"/>
+                    <a:lumOff val="5000"/>
+                  </a:schemeClr>
+                </a:solidFill>
+              </a:ln>
+            </p:spPr>
+            <p:style>
+              <a:lnRef idx="2">
+                <a:schemeClr val="accent1">
+                  <a:shade val="50000"/>
+                </a:schemeClr>
+              </a:lnRef>
+              <a:fillRef idx="1">
+                <a:schemeClr val="accent1"/>
+              </a:fillRef>
+              <a:effectRef idx="0">
+                <a:schemeClr val="accent1"/>
+              </a:effectRef>
+              <a:fontRef idx="minor">
+                <a:schemeClr val="lt1"/>
+              </a:fontRef>
+            </p:style>
+            <p:txBody>
+              <a:bodyPr rtlCol="0" anchor="ctr"/>
+              <a:lstStyle/>
+              <a:p>
+                <a:pPr algn="ctr"/>
+                <a:r>
+                  <a:rPr lang="zh-CN" altLang="en-US" sz="1600" b="1" dirty="0">
+                    <a:latin typeface="微软雅黑" panose="020B0503020204020204" pitchFamily="34" charset="-122"/>
+                    <a:ea typeface="微软雅黑" panose="020B0503020204020204" pitchFamily="34" charset="-122"/>
+                  </a:rPr>
+                  <a:t>本地方法栈</a:t>
+                </a:r>
+                <a:endParaRPr lang="en-US" altLang="zh-CN" sz="1600" b="1" dirty="0">
+                  <a:latin typeface="微软雅黑" panose="020B0503020204020204" pitchFamily="34" charset="-122"/>
+                  <a:ea typeface="微软雅黑" panose="020B0503020204020204" pitchFamily="34" charset="-122"/>
+                </a:endParaRPr>
+              </a:p>
+              <a:p>
+                <a:pPr algn="ctr"/>
+                <a:r>
+                  <a:rPr lang="zh-CN" altLang="en-US" sz="1600" b="1" dirty="0">
+                    <a:latin typeface="微软雅黑" panose="020B0503020204020204" pitchFamily="34" charset="-122"/>
+                    <a:ea typeface="微软雅黑" panose="020B0503020204020204" pitchFamily="34" charset="-122"/>
+                  </a:rPr>
+                  <a:t>（</a:t>
+                </a:r>
+                <a:r>
+                  <a:rPr lang="en-US" altLang="zh-CN" sz="1600" b="1" dirty="0">
+                    <a:latin typeface="微软雅黑" panose="020B0503020204020204" pitchFamily="34" charset="-122"/>
+                    <a:ea typeface="微软雅黑" panose="020B0503020204020204" pitchFamily="34" charset="-122"/>
+                  </a:rPr>
+                  <a:t>Native Method Stack</a:t>
+                </a:r>
+                <a:r>
+                  <a:rPr lang="zh-CN" altLang="en-US" sz="1600" b="1" dirty="0">
+                    <a:latin typeface="微软雅黑" panose="020B0503020204020204" pitchFamily="34" charset="-122"/>
+                    <a:ea typeface="微软雅黑" panose="020B0503020204020204" pitchFamily="34" charset="-122"/>
+                  </a:rPr>
+                  <a:t>）</a:t>
+                </a:r>
+              </a:p>
+            </p:txBody>
+          </p:sp>
+          <p:sp>
+            <p:nvSpPr>
+              <p:cNvPr id="54" name="矩形: 圆角 53">
+                <a:extLst>
+                  <a:ext uri="{FF2B5EF4-FFF2-40B4-BE49-F238E27FC236}">
+                    <a16:creationId xmlns:a16="http://schemas.microsoft.com/office/drawing/2014/main" id="{A12E5110-45C3-478F-8947-6C52C41BB71C}"/>
+                  </a:ext>
+                </a:extLst>
+              </p:cNvPr>
+              <p:cNvSpPr/>
+              <p:nvPr/>
+            </p:nvSpPr>
+            <p:spPr>
+              <a:xfrm>
+                <a:off x="4782207" y="3634107"/>
+                <a:ext cx="4981903" cy="906363"/>
+              </a:xfrm>
+              <a:prstGeom prst="roundRect">
+                <a:avLst/>
+              </a:prstGeom>
+              <a:solidFill>
+                <a:schemeClr val="bg1">
+                  <a:lumMod val="50000"/>
+                </a:schemeClr>
+              </a:solidFill>
+              <a:ln>
+                <a:solidFill>
+                  <a:schemeClr val="tx1">
+                    <a:lumMod val="95000"/>
+                    <a:lumOff val="5000"/>
+                  </a:schemeClr>
+                </a:solidFill>
+              </a:ln>
+            </p:spPr>
+            <p:style>
+              <a:lnRef idx="2">
+                <a:schemeClr val="accent1">
+                  <a:shade val="50000"/>
+                </a:schemeClr>
+              </a:lnRef>
+              <a:fillRef idx="1">
+                <a:schemeClr val="accent1"/>
+              </a:fillRef>
+              <a:effectRef idx="0">
+                <a:schemeClr val="accent1"/>
+              </a:effectRef>
+              <a:fontRef idx="minor">
+                <a:schemeClr val="lt1"/>
+              </a:fontRef>
+            </p:style>
+            <p:txBody>
+              <a:bodyPr rtlCol="0" anchor="ctr"/>
+              <a:lstStyle/>
+              <a:p>
+                <a:pPr algn="ctr"/>
+                <a:r>
+                  <a:rPr lang="zh-CN" altLang="en-US" sz="1600" b="1" dirty="0">
+                    <a:latin typeface="微软雅黑" panose="020B0503020204020204" pitchFamily="34" charset="-122"/>
+                    <a:ea typeface="微软雅黑" panose="020B0503020204020204" pitchFamily="34" charset="-122"/>
+                  </a:rPr>
+                  <a:t>程序计数器</a:t>
+                </a:r>
+                <a:endParaRPr lang="en-US" altLang="zh-CN" sz="1600" b="1" dirty="0">
+                  <a:latin typeface="微软雅黑" panose="020B0503020204020204" pitchFamily="34" charset="-122"/>
+                  <a:ea typeface="微软雅黑" panose="020B0503020204020204" pitchFamily="34" charset="-122"/>
+                </a:endParaRPr>
+              </a:p>
+              <a:p>
+                <a:pPr algn="ctr"/>
+                <a:r>
+                  <a:rPr lang="zh-CN" altLang="en-US" sz="1600" b="1" dirty="0">
+                    <a:latin typeface="微软雅黑" panose="020B0503020204020204" pitchFamily="34" charset="-122"/>
+                    <a:ea typeface="微软雅黑" panose="020B0503020204020204" pitchFamily="34" charset="-122"/>
+                  </a:rPr>
+                  <a:t>（</a:t>
+                </a:r>
+                <a:r>
+                  <a:rPr lang="en-US" altLang="zh-CN" sz="1600" b="1" dirty="0">
+                    <a:latin typeface="微软雅黑" panose="020B0503020204020204" pitchFamily="34" charset="-122"/>
+                    <a:ea typeface="微软雅黑" panose="020B0503020204020204" pitchFamily="34" charset="-122"/>
+                  </a:rPr>
+                  <a:t>Program Counter Register</a:t>
+                </a:r>
+                <a:r>
+                  <a:rPr lang="zh-CN" altLang="en-US" sz="1600" b="1" dirty="0">
+                    <a:latin typeface="微软雅黑" panose="020B0503020204020204" pitchFamily="34" charset="-122"/>
+                    <a:ea typeface="微软雅黑" panose="020B0503020204020204" pitchFamily="34" charset="-122"/>
+                  </a:rPr>
+                  <a:t>）</a:t>
+                </a:r>
+              </a:p>
+            </p:txBody>
+          </p:sp>
+          <p:sp>
+            <p:nvSpPr>
+              <p:cNvPr id="55" name="箭头: 右 54">
+                <a:extLst>
+                  <a:ext uri="{FF2B5EF4-FFF2-40B4-BE49-F238E27FC236}">
+                    <a16:creationId xmlns:a16="http://schemas.microsoft.com/office/drawing/2014/main" id="{0F929379-11D8-4458-B3BF-7CCB63BE511A}"/>
+                  </a:ext>
+                </a:extLst>
+              </p:cNvPr>
+              <p:cNvSpPr/>
+              <p:nvPr/>
+            </p:nvSpPr>
+            <p:spPr>
+              <a:xfrm>
+                <a:off x="5210961" y="1034681"/>
+                <a:ext cx="601260" cy="369332"/>
+              </a:xfrm>
+              <a:prstGeom prst="rightArrow">
+                <a:avLst/>
+              </a:prstGeom>
+              <a:solidFill>
+                <a:srgbClr val="7030A0"/>
+              </a:solidFill>
+              <a:ln>
+                <a:solidFill>
+                  <a:srgbClr val="7030A0"/>
+                </a:solidFill>
+              </a:ln>
+            </p:spPr>
+            <p:style>
+              <a:lnRef idx="2">
+                <a:schemeClr val="accent1">
+                  <a:shade val="50000"/>
+                </a:schemeClr>
+              </a:lnRef>
+              <a:fillRef idx="1">
+                <a:schemeClr val="accent1"/>
+              </a:fillRef>
+              <a:effectRef idx="0">
+                <a:schemeClr val="accent1"/>
+              </a:effectRef>
+              <a:fontRef idx="minor">
+                <a:schemeClr val="lt1"/>
+              </a:fontRef>
+            </p:style>
+            <p:txBody>
+              <a:bodyPr rtlCol="0" anchor="ctr"/>
+              <a:lstStyle/>
+              <a:p>
+                <a:pPr algn="ctr"/>
+                <a:endParaRPr lang="zh-CN" altLang="en-US"/>
+              </a:p>
+            </p:txBody>
+          </p:sp>
+          <p:sp>
+            <p:nvSpPr>
+              <p:cNvPr id="56" name="箭头: 上 55">
+                <a:extLst>
+                  <a:ext uri="{FF2B5EF4-FFF2-40B4-BE49-F238E27FC236}">
+                    <a16:creationId xmlns:a16="http://schemas.microsoft.com/office/drawing/2014/main" id="{6BC32EFA-5230-4907-AD0E-DA2E8B1EF5EE}"/>
+                  </a:ext>
+                </a:extLst>
+              </p:cNvPr>
+              <p:cNvSpPr/>
+              <p:nvPr/>
+            </p:nvSpPr>
+            <p:spPr>
+              <a:xfrm>
+                <a:off x="6683493" y="1723316"/>
+                <a:ext cx="357352" cy="322173"/>
+              </a:xfrm>
+              <a:prstGeom prst="upArrow">
+                <a:avLst/>
+              </a:prstGeom>
+              <a:solidFill>
+                <a:srgbClr val="7030A0"/>
+              </a:solidFill>
+              <a:ln>
+                <a:solidFill>
+                  <a:srgbClr val="7030A0"/>
+                </a:solidFill>
+              </a:ln>
+            </p:spPr>
+            <p:style>
+              <a:lnRef idx="2">
+                <a:schemeClr val="accent1">
+                  <a:shade val="50000"/>
+                </a:schemeClr>
+              </a:lnRef>
+              <a:fillRef idx="1">
+                <a:schemeClr val="accent1"/>
+              </a:fillRef>
+              <a:effectRef idx="0">
+                <a:schemeClr val="accent1"/>
+              </a:effectRef>
+              <a:fontRef idx="minor">
+                <a:schemeClr val="lt1"/>
+              </a:fontRef>
+            </p:style>
+            <p:txBody>
+              <a:bodyPr rtlCol="0" anchor="ctr"/>
+              <a:lstStyle/>
+              <a:p>
+                <a:pPr algn="ctr"/>
+                <a:endParaRPr lang="zh-CN" altLang="en-US"/>
+              </a:p>
+            </p:txBody>
+          </p:sp>
+          <p:sp>
+            <p:nvSpPr>
+              <p:cNvPr id="58" name="箭头: 下 57">
+                <a:extLst>
+                  <a:ext uri="{FF2B5EF4-FFF2-40B4-BE49-F238E27FC236}">
+                    <a16:creationId xmlns:a16="http://schemas.microsoft.com/office/drawing/2014/main" id="{08019CF5-57A2-46DB-96E0-F438618975E9}"/>
+                  </a:ext>
+                </a:extLst>
+              </p:cNvPr>
+              <p:cNvSpPr/>
+              <p:nvPr/>
+            </p:nvSpPr>
+            <p:spPr>
+              <a:xfrm>
+                <a:off x="7231117" y="1723316"/>
+                <a:ext cx="357352" cy="343574"/>
+              </a:xfrm>
+              <a:prstGeom prst="downArrow">
+                <a:avLst/>
+              </a:prstGeom>
+              <a:solidFill>
+                <a:srgbClr val="7030A0"/>
+              </a:solidFill>
+              <a:ln>
+                <a:solidFill>
+                  <a:srgbClr val="7030A0"/>
+                </a:solidFill>
+              </a:ln>
+            </p:spPr>
+            <p:style>
+              <a:lnRef idx="2">
+                <a:schemeClr val="accent1">
+                  <a:shade val="50000"/>
+                </a:schemeClr>
+              </a:lnRef>
+              <a:fillRef idx="1">
+                <a:schemeClr val="accent1"/>
+              </a:fillRef>
+              <a:effectRef idx="0">
+                <a:schemeClr val="accent1"/>
+              </a:effectRef>
+              <a:fontRef idx="minor">
+                <a:schemeClr val="lt1"/>
+              </a:fontRef>
+            </p:style>
+            <p:txBody>
+              <a:bodyPr rtlCol="0" anchor="ctr"/>
+              <a:lstStyle/>
+              <a:p>
+                <a:pPr algn="ctr"/>
+                <a:endParaRPr lang="zh-CN" altLang="en-US"/>
+              </a:p>
+            </p:txBody>
+          </p:sp>
+          <p:sp>
+            <p:nvSpPr>
+              <p:cNvPr id="59" name="矩形: 圆角 58">
+                <a:extLst>
+                  <a:ext uri="{FF2B5EF4-FFF2-40B4-BE49-F238E27FC236}">
+                    <a16:creationId xmlns:a16="http://schemas.microsoft.com/office/drawing/2014/main" id="{6F68962D-C11B-409E-B0E2-784356B2CA2F}"/>
+                  </a:ext>
+                </a:extLst>
+              </p:cNvPr>
+              <p:cNvSpPr/>
+              <p:nvPr/>
+            </p:nvSpPr>
+            <p:spPr>
+              <a:xfrm>
+                <a:off x="2165131" y="5549462"/>
+                <a:ext cx="2259723" cy="803040"/>
+              </a:xfrm>
+              <a:prstGeom prst="roundRect">
+                <a:avLst/>
+              </a:prstGeom>
+              <a:solidFill>
+                <a:srgbClr val="002060"/>
+              </a:solidFill>
+            </p:spPr>
+            <p:style>
+              <a:lnRef idx="2">
+                <a:schemeClr val="accent1">
+                  <a:shade val="50000"/>
+                </a:schemeClr>
+              </a:lnRef>
+              <a:fillRef idx="1">
+                <a:schemeClr val="accent1"/>
+              </a:fillRef>
+              <a:effectRef idx="0">
+                <a:schemeClr val="accent1"/>
+              </a:effectRef>
+              <a:fontRef idx="minor">
+                <a:schemeClr val="lt1"/>
+              </a:fontRef>
+            </p:style>
+            <p:txBody>
+              <a:bodyPr rtlCol="0" anchor="ctr"/>
+              <a:lstStyle/>
+              <a:p>
+                <a:pPr algn="ctr"/>
+                <a:r>
+                  <a:rPr lang="zh-CN" altLang="en-US" sz="1600" b="1" dirty="0">
+                    <a:latin typeface="微软雅黑" panose="020B0503020204020204" pitchFamily="34" charset="-122"/>
+                    <a:ea typeface="微软雅黑" panose="020B0503020204020204" pitchFamily="34" charset="-122"/>
+                  </a:rPr>
+                  <a:t>执行引擎</a:t>
+                </a:r>
+                <a:endParaRPr lang="en-US" altLang="zh-CN" sz="1600" b="1" dirty="0">
+                  <a:latin typeface="微软雅黑" panose="020B0503020204020204" pitchFamily="34" charset="-122"/>
+                  <a:ea typeface="微软雅黑" panose="020B0503020204020204" pitchFamily="34" charset="-122"/>
+                </a:endParaRPr>
+              </a:p>
+              <a:p>
+                <a:pPr algn="ctr"/>
+                <a:r>
+                  <a:rPr lang="en-US" altLang="zh-CN" sz="1600" b="1" dirty="0">
+                    <a:latin typeface="微软雅黑" panose="020B0503020204020204" pitchFamily="34" charset="-122"/>
+                    <a:ea typeface="微软雅黑" panose="020B0503020204020204" pitchFamily="34" charset="-122"/>
+                  </a:rPr>
+                  <a:t>Execution Engine</a:t>
+                </a:r>
+                <a:endParaRPr lang="zh-CN" altLang="en-US" sz="1600" b="1" dirty="0">
+                  <a:latin typeface="微软雅黑" panose="020B0503020204020204" pitchFamily="34" charset="-122"/>
+                  <a:ea typeface="微软雅黑" panose="020B0503020204020204" pitchFamily="34" charset="-122"/>
+                </a:endParaRPr>
+              </a:p>
+            </p:txBody>
+          </p:sp>
+          <p:sp>
+            <p:nvSpPr>
+              <p:cNvPr id="60" name="矩形: 圆角 59">
+                <a:extLst>
+                  <a:ext uri="{FF2B5EF4-FFF2-40B4-BE49-F238E27FC236}">
+                    <a16:creationId xmlns:a16="http://schemas.microsoft.com/office/drawing/2014/main" id="{2CA33D3B-8435-4594-976F-57E40C720449}"/>
+                  </a:ext>
+                </a:extLst>
+              </p:cNvPr>
+              <p:cNvSpPr/>
+              <p:nvPr/>
+            </p:nvSpPr>
+            <p:spPr>
+              <a:xfrm>
+                <a:off x="5200451" y="5549462"/>
+                <a:ext cx="2081047" cy="803040"/>
+              </a:xfrm>
+              <a:prstGeom prst="roundRect">
+                <a:avLst/>
+              </a:prstGeom>
+              <a:solidFill>
+                <a:schemeClr val="bg1"/>
+              </a:solidFill>
+              <a:ln w="28575">
+                <a:prstDash val="dash"/>
+              </a:ln>
+            </p:spPr>
+            <p:style>
+              <a:lnRef idx="2">
+                <a:schemeClr val="accent1">
+                  <a:shade val="50000"/>
+                </a:schemeClr>
+              </a:lnRef>
+              <a:fillRef idx="1">
+                <a:schemeClr val="accent1"/>
+              </a:fillRef>
+              <a:effectRef idx="0">
+                <a:schemeClr val="accent1"/>
+              </a:effectRef>
+              <a:fontRef idx="minor">
+                <a:schemeClr val="lt1"/>
+              </a:fontRef>
+            </p:style>
+            <p:txBody>
+              <a:bodyPr rtlCol="0" anchor="ctr"/>
+              <a:lstStyle/>
+              <a:p>
+                <a:pPr algn="ctr"/>
+                <a:r>
+                  <a:rPr lang="zh-CN" altLang="en-US" sz="1600" b="1" dirty="0">
+                    <a:solidFill>
+                      <a:srgbClr val="002060"/>
+                    </a:solidFill>
+                    <a:latin typeface="微软雅黑" panose="020B0503020204020204" pitchFamily="34" charset="-122"/>
+                    <a:ea typeface="微软雅黑" panose="020B0503020204020204" pitchFamily="34" charset="-122"/>
+                  </a:rPr>
+                  <a:t>本地方法接口</a:t>
+                </a:r>
+                <a:endParaRPr lang="en-US" altLang="zh-CN" sz="1600" b="1" dirty="0">
+                  <a:solidFill>
+                    <a:srgbClr val="002060"/>
+                  </a:solidFill>
+                  <a:latin typeface="微软雅黑" panose="020B0503020204020204" pitchFamily="34" charset="-122"/>
+                  <a:ea typeface="微软雅黑" panose="020B0503020204020204" pitchFamily="34" charset="-122"/>
+                </a:endParaRPr>
+              </a:p>
+              <a:p>
+                <a:pPr algn="ctr"/>
+                <a:r>
+                  <a:rPr lang="en-US" altLang="zh-CN" sz="1600" b="1" dirty="0">
+                    <a:solidFill>
+                      <a:srgbClr val="002060"/>
+                    </a:solidFill>
+                    <a:latin typeface="微软雅黑" panose="020B0503020204020204" pitchFamily="34" charset="-122"/>
+                    <a:ea typeface="微软雅黑" panose="020B0503020204020204" pitchFamily="34" charset="-122"/>
+                  </a:rPr>
+                  <a:t>Native Interface</a:t>
+                </a:r>
+                <a:endParaRPr lang="zh-CN" altLang="en-US" sz="1600" b="1" dirty="0">
+                  <a:solidFill>
+                    <a:srgbClr val="002060"/>
+                  </a:solidFill>
+                  <a:latin typeface="微软雅黑" panose="020B0503020204020204" pitchFamily="34" charset="-122"/>
+                  <a:ea typeface="微软雅黑" panose="020B0503020204020204" pitchFamily="34" charset="-122"/>
+                </a:endParaRPr>
+              </a:p>
+            </p:txBody>
+          </p:sp>
+          <p:sp>
+            <p:nvSpPr>
+              <p:cNvPr id="61" name="矩形: 圆角 60">
+                <a:extLst>
+                  <a:ext uri="{FF2B5EF4-FFF2-40B4-BE49-F238E27FC236}">
+                    <a16:creationId xmlns:a16="http://schemas.microsoft.com/office/drawing/2014/main" id="{2E1D15EE-80F5-4751-B816-D7EC9EE63222}"/>
+                  </a:ext>
+                </a:extLst>
+              </p:cNvPr>
+              <p:cNvSpPr/>
+              <p:nvPr/>
+            </p:nvSpPr>
+            <p:spPr>
+              <a:xfrm>
+                <a:off x="8213835" y="5549462"/>
+                <a:ext cx="1844566" cy="803040"/>
+              </a:xfrm>
+              <a:prstGeom prst="roundRect">
+                <a:avLst/>
+              </a:prstGeom>
+              <a:solidFill>
+                <a:schemeClr val="bg1"/>
+              </a:solidFill>
+              <a:ln w="19050">
+                <a:solidFill>
+                  <a:schemeClr val="bg1"/>
+                </a:solidFill>
+              </a:ln>
+            </p:spPr>
+            <p:style>
+              <a:lnRef idx="2">
+                <a:schemeClr val="accent1">
+                  <a:shade val="50000"/>
+                </a:schemeClr>
+              </a:lnRef>
+              <a:fillRef idx="1">
+                <a:schemeClr val="accent1"/>
+              </a:fillRef>
+              <a:effectRef idx="0">
+                <a:schemeClr val="accent1"/>
+              </a:effectRef>
+              <a:fontRef idx="minor">
+                <a:schemeClr val="lt1"/>
+              </a:fontRef>
+            </p:style>
+            <p:txBody>
+              <a:bodyPr rtlCol="0" anchor="ctr"/>
+              <a:lstStyle/>
+              <a:p>
+                <a:pPr algn="ctr"/>
+                <a:r>
+                  <a:rPr lang="zh-CN" altLang="en-US" sz="1600" b="1" dirty="0">
+                    <a:solidFill>
+                      <a:srgbClr val="002060"/>
+                    </a:solidFill>
+                    <a:latin typeface="微软雅黑" panose="020B0503020204020204" pitchFamily="34" charset="-122"/>
+                    <a:ea typeface="微软雅黑" panose="020B0503020204020204" pitchFamily="34" charset="-122"/>
+                  </a:rPr>
+                  <a:t>本地方法库</a:t>
+                </a:r>
+                <a:endParaRPr lang="en-US" altLang="zh-CN" sz="1600" b="1" dirty="0">
+                  <a:solidFill>
+                    <a:srgbClr val="002060"/>
+                  </a:solidFill>
+                  <a:latin typeface="微软雅黑" panose="020B0503020204020204" pitchFamily="34" charset="-122"/>
+                  <a:ea typeface="微软雅黑" panose="020B0503020204020204" pitchFamily="34" charset="-122"/>
+                </a:endParaRPr>
+              </a:p>
+              <a:p>
+                <a:pPr algn="ctr"/>
+                <a:r>
+                  <a:rPr lang="en-US" altLang="zh-CN" sz="1600" b="1" dirty="0">
+                    <a:solidFill>
+                      <a:srgbClr val="002060"/>
+                    </a:solidFill>
+                    <a:latin typeface="微软雅黑" panose="020B0503020204020204" pitchFamily="34" charset="-122"/>
+                    <a:ea typeface="微软雅黑" panose="020B0503020204020204" pitchFamily="34" charset="-122"/>
+                  </a:rPr>
+                  <a:t>Native Method</a:t>
+                </a:r>
+                <a:endParaRPr lang="zh-CN" altLang="en-US" sz="1600" b="1" dirty="0">
+                  <a:solidFill>
+                    <a:srgbClr val="002060"/>
+                  </a:solidFill>
+                  <a:latin typeface="微软雅黑" panose="020B0503020204020204" pitchFamily="34" charset="-122"/>
+                  <a:ea typeface="微软雅黑" panose="020B0503020204020204" pitchFamily="34" charset="-122"/>
+                </a:endParaRPr>
+              </a:p>
+            </p:txBody>
+          </p:sp>
+          <p:sp>
+            <p:nvSpPr>
+              <p:cNvPr id="62" name="箭头: 右 61">
+                <a:extLst>
+                  <a:ext uri="{FF2B5EF4-FFF2-40B4-BE49-F238E27FC236}">
+                    <a16:creationId xmlns:a16="http://schemas.microsoft.com/office/drawing/2014/main" id="{02E718C0-85C0-42D7-9F0A-ABE0396F85FC}"/>
+                  </a:ext>
+                </a:extLst>
+              </p:cNvPr>
+              <p:cNvSpPr/>
+              <p:nvPr/>
+            </p:nvSpPr>
+            <p:spPr>
+              <a:xfrm>
+                <a:off x="4584596" y="5658620"/>
+                <a:ext cx="395222" cy="291896"/>
+              </a:xfrm>
+              <a:prstGeom prst="rightArrow">
+                <a:avLst/>
+              </a:prstGeom>
+              <a:solidFill>
+                <a:srgbClr val="7030A0"/>
+              </a:solidFill>
+              <a:ln>
+                <a:solidFill>
+                  <a:srgbClr val="7030A0"/>
+                </a:solidFill>
+              </a:ln>
+            </p:spPr>
+            <p:style>
+              <a:lnRef idx="2">
+                <a:schemeClr val="accent1">
+                  <a:shade val="50000"/>
+                </a:schemeClr>
+              </a:lnRef>
+              <a:fillRef idx="1">
+                <a:schemeClr val="accent1"/>
+              </a:fillRef>
+              <a:effectRef idx="0">
+                <a:schemeClr val="accent1"/>
+              </a:effectRef>
+              <a:fontRef idx="minor">
+                <a:schemeClr val="lt1"/>
+              </a:fontRef>
+            </p:style>
+            <p:txBody>
+              <a:bodyPr rtlCol="0" anchor="ctr"/>
+              <a:lstStyle/>
+              <a:p>
+                <a:pPr algn="ctr"/>
+                <a:endParaRPr lang="zh-CN" altLang="en-US"/>
+              </a:p>
+            </p:txBody>
+          </p:sp>
+          <p:sp>
+            <p:nvSpPr>
+              <p:cNvPr id="63" name="箭头: 右 62">
+                <a:extLst>
+                  <a:ext uri="{FF2B5EF4-FFF2-40B4-BE49-F238E27FC236}">
+                    <a16:creationId xmlns:a16="http://schemas.microsoft.com/office/drawing/2014/main" id="{9904A654-D548-4438-ABA7-27A50C896EA7}"/>
+                  </a:ext>
+                </a:extLst>
+              </p:cNvPr>
+              <p:cNvSpPr/>
+              <p:nvPr/>
+            </p:nvSpPr>
+            <p:spPr>
+              <a:xfrm rot="10644831">
+                <a:off x="4578212" y="5993209"/>
+                <a:ext cx="395222" cy="291896"/>
+              </a:xfrm>
+              <a:prstGeom prst="rightArrow">
+                <a:avLst/>
+              </a:prstGeom>
+              <a:solidFill>
+                <a:srgbClr val="7030A0"/>
+              </a:solidFill>
+              <a:ln>
+                <a:solidFill>
+                  <a:srgbClr val="7030A0"/>
+                </a:solidFill>
+              </a:ln>
+            </p:spPr>
+            <p:style>
+              <a:lnRef idx="2">
+                <a:schemeClr val="accent1">
+                  <a:shade val="50000"/>
+                </a:schemeClr>
+              </a:lnRef>
+              <a:fillRef idx="1">
+                <a:schemeClr val="accent1"/>
+              </a:fillRef>
+              <a:effectRef idx="0">
+                <a:schemeClr val="accent1"/>
+              </a:effectRef>
+              <a:fontRef idx="minor">
+                <a:schemeClr val="lt1"/>
+              </a:fontRef>
+            </p:style>
+            <p:txBody>
+              <a:bodyPr rtlCol="0" anchor="ctr"/>
+              <a:lstStyle/>
+              <a:p>
+                <a:pPr algn="ctr"/>
+                <a:endParaRPr lang="zh-CN" altLang="en-US"/>
+              </a:p>
+            </p:txBody>
+          </p:sp>
+          <p:sp>
+            <p:nvSpPr>
+              <p:cNvPr id="64" name="箭头: 右 63">
+                <a:extLst>
+                  <a:ext uri="{FF2B5EF4-FFF2-40B4-BE49-F238E27FC236}">
+                    <a16:creationId xmlns:a16="http://schemas.microsoft.com/office/drawing/2014/main" id="{AB775F7A-A668-4731-A4A2-6016B21A3784}"/>
+                  </a:ext>
+                </a:extLst>
+              </p:cNvPr>
+              <p:cNvSpPr/>
+              <p:nvPr/>
+            </p:nvSpPr>
+            <p:spPr>
+              <a:xfrm rot="10800000">
+                <a:off x="7439156" y="5806282"/>
+                <a:ext cx="395222" cy="291896"/>
+              </a:xfrm>
+              <a:prstGeom prst="rightArrow">
+                <a:avLst/>
+              </a:prstGeom>
+              <a:solidFill>
+                <a:srgbClr val="7030A0"/>
+              </a:solidFill>
+              <a:ln>
+                <a:solidFill>
+                  <a:srgbClr val="7030A0"/>
+                </a:solidFill>
+              </a:ln>
+            </p:spPr>
+            <p:style>
+              <a:lnRef idx="2">
+                <a:schemeClr val="accent1">
+                  <a:shade val="50000"/>
+                </a:schemeClr>
+              </a:lnRef>
+              <a:fillRef idx="1">
+                <a:schemeClr val="accent1"/>
+              </a:fillRef>
+              <a:effectRef idx="0">
+                <a:schemeClr val="accent1"/>
+              </a:effectRef>
+              <a:fontRef idx="minor">
+                <a:schemeClr val="lt1"/>
+              </a:fontRef>
+            </p:style>
+            <p:txBody>
+              <a:bodyPr rtlCol="0" anchor="ctr"/>
+              <a:lstStyle/>
+              <a:p>
+                <a:pPr algn="ctr"/>
+                <a:endParaRPr lang="zh-CN" altLang="en-US"/>
+              </a:p>
+            </p:txBody>
+          </p:sp>
+          <p:sp>
+            <p:nvSpPr>
+              <p:cNvPr id="65" name="箭头: 右 64">
+                <a:extLst>
+                  <a:ext uri="{FF2B5EF4-FFF2-40B4-BE49-F238E27FC236}">
+                    <a16:creationId xmlns:a16="http://schemas.microsoft.com/office/drawing/2014/main" id="{D2E9FE5D-767E-47C8-A037-DB30758E02C7}"/>
+                  </a:ext>
+                </a:extLst>
+              </p:cNvPr>
+              <p:cNvSpPr/>
+              <p:nvPr/>
+            </p:nvSpPr>
+            <p:spPr>
+              <a:xfrm rot="16200000">
+                <a:off x="2977709" y="5071296"/>
+                <a:ext cx="395222" cy="291896"/>
+              </a:xfrm>
+              <a:prstGeom prst="rightArrow">
+                <a:avLst/>
+              </a:prstGeom>
+              <a:solidFill>
+                <a:srgbClr val="7030A0"/>
+              </a:solidFill>
+              <a:ln>
+                <a:solidFill>
+                  <a:srgbClr val="7030A0"/>
+                </a:solidFill>
+              </a:ln>
+            </p:spPr>
+            <p:style>
+              <a:lnRef idx="2">
+                <a:schemeClr val="accent1">
+                  <a:shade val="50000"/>
+                </a:schemeClr>
+              </a:lnRef>
+              <a:fillRef idx="1">
+                <a:schemeClr val="accent1"/>
+              </a:fillRef>
+              <a:effectRef idx="0">
+                <a:schemeClr val="accent1"/>
+              </a:effectRef>
+              <a:fontRef idx="minor">
+                <a:schemeClr val="lt1"/>
+              </a:fontRef>
+            </p:style>
+            <p:txBody>
+              <a:bodyPr rtlCol="0" anchor="ctr"/>
+              <a:lstStyle/>
+              <a:p>
+                <a:pPr algn="ctr"/>
+                <a:endParaRPr lang="zh-CN" altLang="en-US"/>
+              </a:p>
+            </p:txBody>
+          </p:sp>
+          <p:sp>
+            <p:nvSpPr>
+              <p:cNvPr id="66" name="箭头: 右 65">
+                <a:extLst>
+                  <a:ext uri="{FF2B5EF4-FFF2-40B4-BE49-F238E27FC236}">
+                    <a16:creationId xmlns:a16="http://schemas.microsoft.com/office/drawing/2014/main" id="{C41DF48D-572D-40C0-83D6-9377857E0A06}"/>
+                  </a:ext>
+                </a:extLst>
+              </p:cNvPr>
+              <p:cNvSpPr/>
+              <p:nvPr/>
+            </p:nvSpPr>
+            <p:spPr>
+              <a:xfrm rot="5400000">
+                <a:off x="3374708" y="5071296"/>
+                <a:ext cx="395222" cy="291896"/>
+              </a:xfrm>
+              <a:prstGeom prst="rightArrow">
+                <a:avLst/>
+              </a:prstGeom>
+              <a:solidFill>
+                <a:srgbClr val="7030A0"/>
+              </a:solidFill>
+              <a:ln>
+                <a:solidFill>
+                  <a:srgbClr val="7030A0"/>
+                </a:solidFill>
+              </a:ln>
+            </p:spPr>
+            <p:style>
+              <a:lnRef idx="2">
+                <a:schemeClr val="accent1">
+                  <a:shade val="50000"/>
+                </a:schemeClr>
+              </a:lnRef>
+              <a:fillRef idx="1">
+                <a:schemeClr val="accent1"/>
+              </a:fillRef>
+              <a:effectRef idx="0">
+                <a:schemeClr val="accent1"/>
+              </a:effectRef>
+              <a:fontRef idx="minor">
+                <a:schemeClr val="lt1"/>
+              </a:fontRef>
+            </p:style>
+            <p:txBody>
+              <a:bodyPr rtlCol="0" anchor="ctr"/>
+              <a:lstStyle/>
+              <a:p>
+                <a:pPr algn="ctr"/>
+                <a:endParaRPr lang="zh-CN" altLang="en-US"/>
+              </a:p>
+            </p:txBody>
+          </p:sp>
+          <p:sp>
+            <p:nvSpPr>
+              <p:cNvPr id="67" name="箭头: 右 66">
+                <a:extLst>
+                  <a:ext uri="{FF2B5EF4-FFF2-40B4-BE49-F238E27FC236}">
+                    <a16:creationId xmlns:a16="http://schemas.microsoft.com/office/drawing/2014/main" id="{EC1684F3-2169-4DAB-8181-8B26EF4DC293}"/>
+                  </a:ext>
+                </a:extLst>
+              </p:cNvPr>
+              <p:cNvSpPr/>
+              <p:nvPr/>
+            </p:nvSpPr>
+            <p:spPr>
+              <a:xfrm rot="16200000">
+                <a:off x="5761867" y="5051417"/>
+                <a:ext cx="395222" cy="291896"/>
+              </a:xfrm>
+              <a:prstGeom prst="rightArrow">
+                <a:avLst/>
+              </a:prstGeom>
+              <a:solidFill>
+                <a:srgbClr val="7030A0"/>
+              </a:solidFill>
+              <a:ln>
+                <a:solidFill>
+                  <a:srgbClr val="7030A0"/>
+                </a:solidFill>
+              </a:ln>
+            </p:spPr>
+            <p:style>
+              <a:lnRef idx="2">
+                <a:schemeClr val="accent1">
+                  <a:shade val="50000"/>
+                </a:schemeClr>
+              </a:lnRef>
+              <a:fillRef idx="1">
+                <a:schemeClr val="accent1"/>
+              </a:fillRef>
+              <a:effectRef idx="0">
+                <a:schemeClr val="accent1"/>
+              </a:effectRef>
+              <a:fontRef idx="minor">
+                <a:schemeClr val="lt1"/>
+              </a:fontRef>
+            </p:style>
+            <p:txBody>
+              <a:bodyPr rtlCol="0" anchor="ctr"/>
+              <a:lstStyle/>
+              <a:p>
+                <a:pPr algn="ctr"/>
+                <a:endParaRPr lang="zh-CN" altLang="en-US"/>
+              </a:p>
+            </p:txBody>
+          </p:sp>
+          <p:sp>
+            <p:nvSpPr>
+              <p:cNvPr id="68" name="箭头: 右 67">
+                <a:extLst>
+                  <a:ext uri="{FF2B5EF4-FFF2-40B4-BE49-F238E27FC236}">
+                    <a16:creationId xmlns:a16="http://schemas.microsoft.com/office/drawing/2014/main" id="{2A2F2970-16A3-4A50-9622-FFE60E4C666D}"/>
+                  </a:ext>
+                </a:extLst>
+              </p:cNvPr>
+              <p:cNvSpPr/>
+              <p:nvPr/>
+            </p:nvSpPr>
+            <p:spPr>
+              <a:xfrm rot="5400000">
+                <a:off x="6158866" y="5051417"/>
+                <a:ext cx="395222" cy="291896"/>
+              </a:xfrm>
+              <a:prstGeom prst="rightArrow">
+                <a:avLst/>
+              </a:prstGeom>
+              <a:solidFill>
+                <a:srgbClr val="7030A0"/>
+              </a:solidFill>
+              <a:ln>
+                <a:solidFill>
+                  <a:srgbClr val="7030A0"/>
+                </a:solidFill>
+              </a:ln>
+            </p:spPr>
+            <p:style>
+              <a:lnRef idx="2">
+                <a:schemeClr val="accent1">
+                  <a:shade val="50000"/>
+                </a:schemeClr>
+              </a:lnRef>
+              <a:fillRef idx="1">
+                <a:schemeClr val="accent1"/>
+              </a:fillRef>
+              <a:effectRef idx="0">
+                <a:schemeClr val="accent1"/>
+              </a:effectRef>
+              <a:fontRef idx="minor">
+                <a:schemeClr val="lt1"/>
+              </a:fontRef>
+            </p:style>
+            <p:txBody>
+              <a:bodyPr rtlCol="0" anchor="ctr"/>
+              <a:lstStyle/>
+              <a:p>
+                <a:pPr algn="ctr"/>
+                <a:endParaRPr lang="zh-CN" altLang="en-US"/>
+              </a:p>
+            </p:txBody>
+          </p:sp>
+        </p:grpSp>
+        <p:sp>
+          <p:nvSpPr>
+            <p:cNvPr id="70" name="文本框 69">
+              <a:extLst>
+                <a:ext uri="{FF2B5EF4-FFF2-40B4-BE49-F238E27FC236}">
+                  <a16:creationId xmlns:a16="http://schemas.microsoft.com/office/drawing/2014/main" id="{F070A6E9-B6FF-4B41-A509-57BECE77887E}"/>
+                </a:ext>
+              </a:extLst>
+            </p:cNvPr>
+            <p:cNvSpPr txBox="1"/>
+            <p:nvPr/>
+          </p:nvSpPr>
+          <p:spPr>
+            <a:xfrm>
+              <a:off x="519225" y="3310941"/>
+              <a:ext cx="978153" cy="646331"/>
+            </a:xfrm>
+            <a:prstGeom prst="rect">
+              <a:avLst/>
+            </a:prstGeom>
+            <a:noFill/>
+          </p:spPr>
+          <p:txBody>
+            <a:bodyPr wrap="none" rtlCol="0">
+              <a:spAutoFit/>
+            </a:bodyPr>
+            <a:lstStyle/>
+            <a:p>
+              <a:r>
+                <a:rPr lang="en-US" altLang="zh-CN" b="1" dirty="0">
+                  <a:solidFill>
+                    <a:srgbClr val="C00000"/>
+                  </a:solidFill>
+                  <a:latin typeface="微软雅黑" panose="020B0503020204020204" pitchFamily="34" charset="-122"/>
+                  <a:ea typeface="微软雅黑" panose="020B0503020204020204" pitchFamily="34" charset="-122"/>
+                </a:rPr>
+                <a:t>GC</a:t>
+              </a:r>
+              <a:r>
+                <a:rPr lang="zh-CN" altLang="en-US" b="1" dirty="0">
+                  <a:solidFill>
+                    <a:srgbClr val="C00000"/>
+                  </a:solidFill>
+                  <a:latin typeface="微软雅黑" panose="020B0503020204020204" pitchFamily="34" charset="-122"/>
+                  <a:ea typeface="微软雅黑" panose="020B0503020204020204" pitchFamily="34" charset="-122"/>
+                </a:rPr>
+                <a:t>作用</a:t>
+              </a:r>
+              <a:endParaRPr lang="en-US" altLang="zh-CN" b="1" dirty="0">
+                <a:solidFill>
+                  <a:srgbClr val="C00000"/>
+                </a:solidFill>
+                <a:latin typeface="微软雅黑" panose="020B0503020204020204" pitchFamily="34" charset="-122"/>
+                <a:ea typeface="微软雅黑" panose="020B0503020204020204" pitchFamily="34" charset="-122"/>
+              </a:endParaRPr>
+            </a:p>
+            <a:p>
+              <a:r>
+                <a:rPr lang="zh-CN" altLang="en-US" b="1" dirty="0">
+                  <a:solidFill>
+                    <a:srgbClr val="C00000"/>
+                  </a:solidFill>
+                  <a:latin typeface="微软雅黑" panose="020B0503020204020204" pitchFamily="34" charset="-122"/>
+                  <a:ea typeface="微软雅黑" panose="020B0503020204020204" pitchFamily="34" charset="-122"/>
+                </a:rPr>
+                <a:t>的区域</a:t>
+              </a:r>
+            </a:p>
+          </p:txBody>
+        </p:sp>
+        <p:cxnSp>
+          <p:nvCxnSpPr>
+            <p:cNvPr id="72" name="连接符: 曲线 71">
+              <a:extLst>
+                <a:ext uri="{FF2B5EF4-FFF2-40B4-BE49-F238E27FC236}">
+                  <a16:creationId xmlns:a16="http://schemas.microsoft.com/office/drawing/2014/main" id="{A48BA1EF-74C6-47CC-BD40-C22CDC117834}"/>
+                </a:ext>
+              </a:extLst>
+            </p:cNvPr>
+            <p:cNvCxnSpPr>
+              <a:stCxn id="70" idx="3"/>
+              <a:endCxn id="50" idx="1"/>
+            </p:cNvCxnSpPr>
+            <p:nvPr/>
+          </p:nvCxnSpPr>
+          <p:spPr>
+            <a:xfrm flipV="1">
+              <a:off x="1497378" y="3059824"/>
+              <a:ext cx="930512" cy="574283"/>
+            </a:xfrm>
+            <a:prstGeom prst="curvedConnector3">
+              <a:avLst>
+                <a:gd name="adj1" fmla="val 50000"/>
+              </a:avLst>
+            </a:prstGeom>
+            <a:ln w="19050">
+              <a:solidFill>
+                <a:srgbClr val="C00000"/>
+              </a:solidFill>
+              <a:tailEnd type="triangle"/>
+            </a:ln>
+          </p:spPr>
+          <p:style>
+            <a:lnRef idx="1">
+              <a:schemeClr val="accent1"/>
+            </a:lnRef>
+            <a:fillRef idx="0">
+              <a:schemeClr val="accent1"/>
+            </a:fillRef>
+            <a:effectRef idx="0">
+              <a:schemeClr val="accent1"/>
+            </a:effectRef>
+            <a:fontRef idx="minor">
+              <a:schemeClr val="tx1"/>
+            </a:fontRef>
+          </p:style>
+        </p:cxnSp>
+        <p:cxnSp>
+          <p:nvCxnSpPr>
+            <p:cNvPr id="74" name="连接符: 曲线 73">
+              <a:extLst>
+                <a:ext uri="{FF2B5EF4-FFF2-40B4-BE49-F238E27FC236}">
+                  <a16:creationId xmlns:a16="http://schemas.microsoft.com/office/drawing/2014/main" id="{ADC2D9C7-7A00-4D5D-84C6-2AFE81943A5D}"/>
+                </a:ext>
+              </a:extLst>
+            </p:cNvPr>
+            <p:cNvCxnSpPr>
+              <a:stCxn id="70" idx="3"/>
+              <a:endCxn id="51" idx="1"/>
+            </p:cNvCxnSpPr>
+            <p:nvPr/>
+          </p:nvCxnSpPr>
+          <p:spPr>
+            <a:xfrm>
+              <a:off x="1497378" y="3634107"/>
+              <a:ext cx="930511" cy="466320"/>
+            </a:xfrm>
+            <a:prstGeom prst="curvedConnector3">
+              <a:avLst>
+                <a:gd name="adj1" fmla="val 50000"/>
+              </a:avLst>
+            </a:prstGeom>
+            <a:ln w="19050">
+              <a:solidFill>
+                <a:srgbClr val="C00000"/>
+              </a:solidFill>
+              <a:tailEnd type="triangle"/>
+            </a:ln>
+          </p:spPr>
+          <p:style>
+            <a:lnRef idx="1">
+              <a:schemeClr val="accent1"/>
+            </a:lnRef>
+            <a:fillRef idx="0">
+              <a:schemeClr val="accent1"/>
+            </a:fillRef>
+            <a:effectRef idx="0">
+              <a:schemeClr val="accent1"/>
+            </a:effectRef>
+            <a:fontRef idx="minor">
+              <a:schemeClr val="tx1"/>
+            </a:fontRef>
+          </p:style>
+        </p:cxnSp>
+        <p:sp>
+          <p:nvSpPr>
+            <p:cNvPr id="87" name="文本框 86">
+              <a:extLst>
+                <a:ext uri="{FF2B5EF4-FFF2-40B4-BE49-F238E27FC236}">
+                  <a16:creationId xmlns:a16="http://schemas.microsoft.com/office/drawing/2014/main" id="{99EC1719-B53C-42C6-9089-E184653089BF}"/>
+                </a:ext>
+              </a:extLst>
+            </p:cNvPr>
+            <p:cNvSpPr txBox="1"/>
+            <p:nvPr/>
+          </p:nvSpPr>
+          <p:spPr>
+            <a:xfrm>
+              <a:off x="3511317" y="473820"/>
+              <a:ext cx="1221809" cy="338554"/>
+            </a:xfrm>
+            <a:prstGeom prst="rect">
+              <a:avLst/>
+            </a:prstGeom>
+            <a:noFill/>
+          </p:spPr>
+          <p:txBody>
+            <a:bodyPr wrap="none" rtlCol="0">
+              <a:spAutoFit/>
+            </a:bodyPr>
+            <a:lstStyle/>
+            <a:p>
+              <a:r>
+                <a:rPr lang="en-US" altLang="zh-CN" sz="1600" b="1" dirty="0">
+                  <a:latin typeface="微软雅黑" panose="020B0503020204020204" pitchFamily="34" charset="-122"/>
+                  <a:ea typeface="微软雅黑" panose="020B0503020204020204" pitchFamily="34" charset="-122"/>
+                </a:rPr>
+                <a:t>Class Files</a:t>
+              </a:r>
+              <a:endParaRPr lang="zh-CN" altLang="en-US" sz="1600" b="1" dirty="0">
+                <a:latin typeface="微软雅黑" panose="020B0503020204020204" pitchFamily="34" charset="-122"/>
+                <a:ea typeface="微软雅黑" panose="020B0503020204020204" pitchFamily="34" charset="-122"/>
+              </a:endParaRPr>
+            </a:p>
+          </p:txBody>
+        </p:sp>
+      </p:grpSp>
+      <p:sp>
+        <p:nvSpPr>
+          <p:cNvPr id="89" name="文本框 88">
+            <a:extLst>
+              <a:ext uri="{FF2B5EF4-FFF2-40B4-BE49-F238E27FC236}">
+                <a16:creationId xmlns:a16="http://schemas.microsoft.com/office/drawing/2014/main" id="{03335EA4-CAAC-4DD1-AA26-1A298FEA7521}"/>
+              </a:ext>
+            </a:extLst>
+          </p:cNvPr>
+          <p:cNvSpPr txBox="1"/>
+          <p:nvPr/>
+        </p:nvSpPr>
+        <p:spPr>
+          <a:xfrm>
+            <a:off x="59162" y="6482943"/>
+            <a:ext cx="4134465" cy="369332"/>
+          </a:xfrm>
+          <a:prstGeom prst="rect">
+            <a:avLst/>
+          </a:prstGeom>
+          <a:noFill/>
+        </p:spPr>
+        <p:txBody>
+          <a:bodyPr wrap="none" rtlCol="0">
+            <a:spAutoFit/>
+          </a:bodyPr>
+          <a:lstStyle/>
+          <a:p>
+            <a:r>
+              <a:rPr lang="en-US" altLang="zh-CN" b="1" dirty="0">
+                <a:solidFill>
+                  <a:srgbClr val="C00000"/>
+                </a:solidFill>
+              </a:rPr>
+              <a:t>GC</a:t>
+            </a:r>
+            <a:r>
+              <a:rPr lang="zh-CN" altLang="en-US" b="1" dirty="0">
+                <a:solidFill>
+                  <a:srgbClr val="C00000"/>
+                </a:solidFill>
+              </a:rPr>
+              <a:t>垃圾回收仅作用于</a:t>
+            </a:r>
+            <a:r>
+              <a:rPr lang="en-US" altLang="zh-CN" b="1" dirty="0">
+                <a:solidFill>
+                  <a:srgbClr val="C00000"/>
+                </a:solidFill>
+              </a:rPr>
+              <a:t>JVM</a:t>
+            </a:r>
+            <a:r>
+              <a:rPr lang="zh-CN" altLang="en-US" b="1" dirty="0">
+                <a:solidFill>
+                  <a:srgbClr val="C00000"/>
+                </a:solidFill>
+              </a:rPr>
+              <a:t>的方法去和堆</a:t>
+            </a:r>
+          </a:p>
+        </p:txBody>
+      </p:sp>
+    </p:spTree>
+    <p:extLst>
+      <p:ext uri="{BB962C8B-B14F-4D97-AF65-F5344CB8AC3E}">
+        <p14:creationId xmlns:p14="http://schemas.microsoft.com/office/powerpoint/2010/main" val="1561098993"/>
+      </p:ext>
+    </p:extLst>
+  </p:cSld>
+  <p:clrMapOvr>
+    <a:masterClrMapping/>
+  </p:clrMapOvr>
+</p:sld>
+</file>
+
+<file path=ppt/slides/slide4.xml><?xml version="1.0" encoding="utf-8"?>
+<p:sld xmlns:a="http://schemas.openxmlformats.org/drawingml/2006/main" xmlns:r="http://schemas.openxmlformats.org/officeDocument/2006/relationships" xmlns:p="http://schemas.openxmlformats.org/presentationml/2006/main">
+  <p:cSld>
+    <p:bg>
+      <p:bgPr>
+        <a:solidFill>
+          <a:schemeClr val="bg1">
+            <a:lumMod val="95000"/>
+          </a:schemeClr>
+        </a:solidFill>
+        <a:effectLst/>
+      </p:bgPr>
+    </p:bg>
+    <p:spTree>
+      <p:nvGrpSpPr>
+        <p:cNvPr id="1" name=""/>
+        <p:cNvGrpSpPr/>
+        <p:nvPr/>
+      </p:nvGrpSpPr>
+      <p:grpSpPr>
+        <a:xfrm>
+          <a:off x="0" y="0"/>
+          <a:ext cx="0" cy="0"/>
+          <a:chOff x="0" y="0"/>
+          <a:chExt cx="0" cy="0"/>
+        </a:xfrm>
+      </p:grpSpPr>
+      <p:sp>
+        <p:nvSpPr>
+          <p:cNvPr id="5" name="文本框 4">
+            <a:extLst>
+              <a:ext uri="{FF2B5EF4-FFF2-40B4-BE49-F238E27FC236}">
+                <a16:creationId xmlns:a16="http://schemas.microsoft.com/office/drawing/2014/main" id="{14F50705-FCF7-473C-9AEE-D4BD7B00B21E}"/>
+              </a:ext>
+            </a:extLst>
+          </p:cNvPr>
+          <p:cNvSpPr txBox="1"/>
+          <p:nvPr/>
+        </p:nvSpPr>
+        <p:spPr>
+          <a:xfrm>
+            <a:off x="0" y="0"/>
+            <a:ext cx="12192000" cy="369332"/>
+          </a:xfrm>
+          <a:prstGeom prst="rect">
+            <a:avLst/>
+          </a:prstGeom>
+          <a:solidFill>
+            <a:srgbClr val="002060"/>
+          </a:solidFill>
+        </p:spPr>
+        <p:txBody>
+          <a:bodyPr wrap="square" rtlCol="0">
+            <a:spAutoFit/>
+          </a:bodyPr>
+          <a:lstStyle>
+            <a:defPPr>
+              <a:defRPr lang="zh-CN"/>
+            </a:defPPr>
+            <a:lvl1pPr>
+              <a:defRPr b="1">
+                <a:solidFill>
+                  <a:schemeClr val="bg1"/>
+                </a:solidFill>
+              </a:defRPr>
+            </a:lvl1pPr>
+          </a:lstStyle>
+          <a:p>
+            <a:r>
+              <a:rPr lang="en-US" altLang="zh-CN" dirty="0"/>
+              <a:t>JVM – GC ROOTS</a:t>
+            </a:r>
+            <a:endParaRPr lang="zh-CN" altLang="en-US" dirty="0"/>
+          </a:p>
+        </p:txBody>
+      </p:sp>
+      <p:grpSp>
+        <p:nvGrpSpPr>
+          <p:cNvPr id="1031" name="组合 1030">
+            <a:extLst>
+              <a:ext uri="{FF2B5EF4-FFF2-40B4-BE49-F238E27FC236}">
+                <a16:creationId xmlns:a16="http://schemas.microsoft.com/office/drawing/2014/main" id="{08A11319-DE77-404A-8E00-90B56975AC6E}"/>
+              </a:ext>
+            </a:extLst>
+          </p:cNvPr>
+          <p:cNvGrpSpPr/>
+          <p:nvPr/>
+        </p:nvGrpSpPr>
+        <p:grpSpPr>
+          <a:xfrm>
+            <a:off x="7360182" y="1127346"/>
+            <a:ext cx="4309242" cy="2830941"/>
+            <a:chOff x="3174125" y="1051033"/>
+            <a:chExt cx="4309242" cy="2830941"/>
+          </a:xfrm>
+        </p:grpSpPr>
+        <p:sp>
+          <p:nvSpPr>
+            <p:cNvPr id="2" name="矩形 1">
+              <a:extLst>
+                <a:ext uri="{FF2B5EF4-FFF2-40B4-BE49-F238E27FC236}">
+                  <a16:creationId xmlns:a16="http://schemas.microsoft.com/office/drawing/2014/main" id="{C60B6FF2-07E7-45E8-A7C0-7417E84870F2}"/>
+                </a:ext>
+              </a:extLst>
+            </p:cNvPr>
+            <p:cNvSpPr/>
+            <p:nvPr/>
+          </p:nvSpPr>
+          <p:spPr>
+            <a:xfrm>
+              <a:off x="3174125" y="1051033"/>
+              <a:ext cx="4309242" cy="904515"/>
+            </a:xfrm>
+            <a:prstGeom prst="rect">
+              <a:avLst/>
+            </a:prstGeom>
+            <a:solidFill>
+              <a:srgbClr val="00B050"/>
+            </a:solidFill>
+            <a:ln>
+              <a:solidFill>
+                <a:srgbClr val="00B050"/>
+              </a:solidFill>
+            </a:ln>
+          </p:spPr>
+          <p:style>
+            <a:lnRef idx="2">
+              <a:schemeClr val="accent1">
+                <a:shade val="50000"/>
+              </a:schemeClr>
+            </a:lnRef>
+            <a:fillRef idx="1">
+              <a:schemeClr val="accent1"/>
+            </a:fillRef>
+            <a:effectRef idx="0">
+              <a:schemeClr val="accent1"/>
+            </a:effectRef>
+            <a:fontRef idx="minor">
+              <a:schemeClr val="lt1"/>
+            </a:fontRef>
+          </p:style>
+          <p:txBody>
+            <a:bodyPr rtlCol="0" anchor="ctr"/>
+            <a:lstStyle/>
+            <a:p>
+              <a:pPr algn="ctr"/>
+              <a:endParaRPr lang="zh-CN" altLang="en-US" dirty="0"/>
+            </a:p>
+          </p:txBody>
+        </p:sp>
+        <p:sp>
+          <p:nvSpPr>
+            <p:cNvPr id="3" name="文本框 2">
+              <a:extLst>
+                <a:ext uri="{FF2B5EF4-FFF2-40B4-BE49-F238E27FC236}">
+                  <a16:creationId xmlns:a16="http://schemas.microsoft.com/office/drawing/2014/main" id="{AE02D93D-FFD7-4234-98B1-04509F394433}"/>
+                </a:ext>
+              </a:extLst>
+            </p:cNvPr>
+            <p:cNvSpPr txBox="1"/>
+            <p:nvPr/>
+          </p:nvSpPr>
+          <p:spPr>
+            <a:xfrm>
+              <a:off x="3174125" y="1051033"/>
+              <a:ext cx="1018846" cy="319079"/>
+            </a:xfrm>
+            <a:prstGeom prst="rect">
+              <a:avLst/>
+            </a:prstGeom>
+            <a:noFill/>
+          </p:spPr>
+          <p:txBody>
+            <a:bodyPr wrap="square" rtlCol="0">
+              <a:spAutoFit/>
+            </a:bodyPr>
+            <a:lstStyle/>
+            <a:p>
+              <a:r>
+                <a:rPr lang="en-US" altLang="zh-CN" sz="1400" b="1" dirty="0">
+                  <a:solidFill>
+                    <a:srgbClr val="FF0000"/>
+                  </a:solidFill>
+                  <a:latin typeface="微软雅黑" panose="020B0503020204020204" pitchFamily="34" charset="-122"/>
+                  <a:ea typeface="微软雅黑" panose="020B0503020204020204" pitchFamily="34" charset="-122"/>
+                </a:rPr>
+                <a:t>GC Roots</a:t>
+              </a:r>
+              <a:endParaRPr lang="zh-CN" altLang="en-US" sz="1400" b="1" dirty="0">
+                <a:solidFill>
+                  <a:srgbClr val="FF0000"/>
+                </a:solidFill>
+                <a:latin typeface="微软雅黑" panose="020B0503020204020204" pitchFamily="34" charset="-122"/>
+                <a:ea typeface="微软雅黑" panose="020B0503020204020204" pitchFamily="34" charset="-122"/>
+              </a:endParaRPr>
+            </a:p>
+          </p:txBody>
+        </p:sp>
+        <p:sp>
+          <p:nvSpPr>
+            <p:cNvPr id="7" name="椭圆 6">
+              <a:extLst>
+                <a:ext uri="{FF2B5EF4-FFF2-40B4-BE49-F238E27FC236}">
+                  <a16:creationId xmlns:a16="http://schemas.microsoft.com/office/drawing/2014/main" id="{0F452805-5DDF-4F78-B0D6-333E4E3DA52C}"/>
+                </a:ext>
+              </a:extLst>
+            </p:cNvPr>
+            <p:cNvSpPr/>
+            <p:nvPr/>
+          </p:nvSpPr>
+          <p:spPr>
+            <a:xfrm>
+              <a:off x="3468414" y="1321583"/>
+              <a:ext cx="730467" cy="534558"/>
+            </a:xfrm>
+            <a:prstGeom prst="ellipse">
+              <a:avLst/>
+            </a:prstGeom>
+          </p:spPr>
+          <p:style>
+            <a:lnRef idx="2">
+              <a:schemeClr val="accent1">
+                <a:shade val="50000"/>
+              </a:schemeClr>
+            </a:lnRef>
+            <a:fillRef idx="1">
+              <a:schemeClr val="accent1"/>
+            </a:fillRef>
+            <a:effectRef idx="0">
+              <a:schemeClr val="accent1"/>
+            </a:effectRef>
+            <a:fontRef idx="minor">
+              <a:schemeClr val="lt1"/>
+            </a:fontRef>
+          </p:style>
+          <p:txBody>
+            <a:bodyPr rtlCol="0" anchor="ctr"/>
+            <a:lstStyle/>
+            <a:p>
+              <a:pPr algn="ctr"/>
+              <a:r>
+                <a:rPr lang="en-US" altLang="zh-CN" sz="1400" b="1" dirty="0"/>
+                <a:t>obj</a:t>
+              </a:r>
+              <a:endParaRPr lang="zh-CN" altLang="en-US" sz="1400" b="1" dirty="0"/>
+            </a:p>
+          </p:txBody>
+        </p:sp>
+        <p:sp>
+          <p:nvSpPr>
+            <p:cNvPr id="9" name="椭圆 8">
+              <a:extLst>
+                <a:ext uri="{FF2B5EF4-FFF2-40B4-BE49-F238E27FC236}">
+                  <a16:creationId xmlns:a16="http://schemas.microsoft.com/office/drawing/2014/main" id="{3CAD06FE-30DD-487F-9E18-D8C803459835}"/>
+                </a:ext>
+              </a:extLst>
+            </p:cNvPr>
+            <p:cNvSpPr/>
+            <p:nvPr/>
+          </p:nvSpPr>
+          <p:spPr>
+            <a:xfrm>
+              <a:off x="3552498" y="2499992"/>
+              <a:ext cx="751488" cy="534558"/>
+            </a:xfrm>
+            <a:prstGeom prst="ellipse">
+              <a:avLst/>
+            </a:prstGeom>
+          </p:spPr>
+          <p:style>
+            <a:lnRef idx="2">
+              <a:schemeClr val="accent1">
+                <a:shade val="50000"/>
+              </a:schemeClr>
+            </a:lnRef>
+            <a:fillRef idx="1">
+              <a:schemeClr val="accent1"/>
+            </a:fillRef>
+            <a:effectRef idx="0">
+              <a:schemeClr val="accent1"/>
+            </a:effectRef>
+            <a:fontRef idx="minor">
+              <a:schemeClr val="lt1"/>
+            </a:fontRef>
+          </p:style>
+          <p:txBody>
+            <a:bodyPr rtlCol="0" anchor="ctr"/>
+            <a:lstStyle/>
+            <a:p>
+              <a:pPr algn="ctr"/>
+              <a:r>
+                <a:rPr lang="en-US" altLang="zh-CN" sz="1200" b="1" dirty="0"/>
+                <a:t>obj1</a:t>
+              </a:r>
+              <a:endParaRPr lang="zh-CN" altLang="en-US" sz="1200" b="1" dirty="0"/>
+            </a:p>
+          </p:txBody>
+        </p:sp>
+        <p:sp>
+          <p:nvSpPr>
+            <p:cNvPr id="10" name="椭圆 9">
+              <a:extLst>
+                <a:ext uri="{FF2B5EF4-FFF2-40B4-BE49-F238E27FC236}">
+                  <a16:creationId xmlns:a16="http://schemas.microsoft.com/office/drawing/2014/main" id="{85B9DD14-CAA3-4673-B849-EB0439130EA9}"/>
+                </a:ext>
+              </a:extLst>
+            </p:cNvPr>
+            <p:cNvSpPr/>
+            <p:nvPr/>
+          </p:nvSpPr>
+          <p:spPr>
+            <a:xfrm>
+              <a:off x="4109545" y="3347416"/>
+              <a:ext cx="751488" cy="534558"/>
+            </a:xfrm>
+            <a:prstGeom prst="ellipse">
+              <a:avLst/>
+            </a:prstGeom>
+          </p:spPr>
+          <p:style>
+            <a:lnRef idx="2">
+              <a:schemeClr val="accent1">
+                <a:shade val="50000"/>
+              </a:schemeClr>
+            </a:lnRef>
+            <a:fillRef idx="1">
+              <a:schemeClr val="accent1"/>
+            </a:fillRef>
+            <a:effectRef idx="0">
+              <a:schemeClr val="accent1"/>
+            </a:effectRef>
+            <a:fontRef idx="minor">
+              <a:schemeClr val="lt1"/>
+            </a:fontRef>
+          </p:style>
+          <p:txBody>
+            <a:bodyPr rtlCol="0" anchor="ctr"/>
+            <a:lstStyle/>
+            <a:p>
+              <a:pPr algn="ctr"/>
+              <a:r>
+                <a:rPr lang="en-US" altLang="zh-CN" sz="1200" b="1" dirty="0"/>
+                <a:t>obj2</a:t>
+              </a:r>
+              <a:endParaRPr lang="zh-CN" altLang="en-US" sz="1200" b="1" dirty="0"/>
+            </a:p>
+          </p:txBody>
+        </p:sp>
+        <p:sp>
+          <p:nvSpPr>
+            <p:cNvPr id="11" name="椭圆 10">
+              <a:extLst>
+                <a:ext uri="{FF2B5EF4-FFF2-40B4-BE49-F238E27FC236}">
+                  <a16:creationId xmlns:a16="http://schemas.microsoft.com/office/drawing/2014/main" id="{47712DC3-D5ED-40DA-862A-0ED613400AE5}"/>
+                </a:ext>
+              </a:extLst>
+            </p:cNvPr>
+            <p:cNvSpPr/>
+            <p:nvPr/>
+          </p:nvSpPr>
+          <p:spPr>
+            <a:xfrm>
+              <a:off x="4884682" y="1321583"/>
+              <a:ext cx="723900" cy="534558"/>
+            </a:xfrm>
+            <a:prstGeom prst="ellipse">
+              <a:avLst/>
+            </a:prstGeom>
+          </p:spPr>
+          <p:style>
+            <a:lnRef idx="2">
+              <a:schemeClr val="accent1">
+                <a:shade val="50000"/>
+              </a:schemeClr>
+            </a:lnRef>
+            <a:fillRef idx="1">
+              <a:schemeClr val="accent1"/>
+            </a:fillRef>
+            <a:effectRef idx="0">
+              <a:schemeClr val="accent1"/>
+            </a:effectRef>
+            <a:fontRef idx="minor">
+              <a:schemeClr val="lt1"/>
+            </a:fontRef>
+          </p:style>
+          <p:txBody>
+            <a:bodyPr rtlCol="0" anchor="ctr"/>
+            <a:lstStyle/>
+            <a:p>
+              <a:pPr algn="ctr"/>
+              <a:r>
+                <a:rPr lang="en-US" altLang="zh-CN" sz="1200" b="1" dirty="0"/>
+                <a:t>obj3</a:t>
+              </a:r>
+              <a:endParaRPr lang="zh-CN" altLang="en-US" sz="1200" b="1" dirty="0"/>
+            </a:p>
+          </p:txBody>
+        </p:sp>
+        <p:sp>
+          <p:nvSpPr>
+            <p:cNvPr id="12" name="椭圆 11">
+              <a:extLst>
+                <a:ext uri="{FF2B5EF4-FFF2-40B4-BE49-F238E27FC236}">
+                  <a16:creationId xmlns:a16="http://schemas.microsoft.com/office/drawing/2014/main" id="{C1ABF1DC-3915-4D8F-ACDB-82CE5D7878BA}"/>
+                </a:ext>
+              </a:extLst>
+            </p:cNvPr>
+            <p:cNvSpPr/>
+            <p:nvPr/>
+          </p:nvSpPr>
+          <p:spPr>
+            <a:xfrm>
+              <a:off x="6145102" y="2499992"/>
+              <a:ext cx="697623" cy="534558"/>
+            </a:xfrm>
+            <a:prstGeom prst="ellipse">
+              <a:avLst/>
+            </a:prstGeom>
+          </p:spPr>
+          <p:style>
+            <a:lnRef idx="2">
+              <a:schemeClr val="accent1">
+                <a:shade val="50000"/>
+              </a:schemeClr>
+            </a:lnRef>
+            <a:fillRef idx="1">
+              <a:schemeClr val="accent1"/>
+            </a:fillRef>
+            <a:effectRef idx="0">
+              <a:schemeClr val="accent1"/>
+            </a:effectRef>
+            <a:fontRef idx="minor">
+              <a:schemeClr val="lt1"/>
+            </a:fontRef>
+          </p:style>
+          <p:txBody>
+            <a:bodyPr rtlCol="0" anchor="ctr"/>
+            <a:lstStyle/>
+            <a:p>
+              <a:pPr algn="ctr"/>
+              <a:r>
+                <a:rPr lang="en-US" altLang="zh-CN" sz="1200" b="1" dirty="0"/>
+                <a:t>obj6</a:t>
+              </a:r>
+              <a:endParaRPr lang="zh-CN" altLang="en-US" sz="1200" b="1" dirty="0"/>
+            </a:p>
+          </p:txBody>
+        </p:sp>
+        <p:sp>
+          <p:nvSpPr>
+            <p:cNvPr id="13" name="椭圆 12">
+              <a:extLst>
+                <a:ext uri="{FF2B5EF4-FFF2-40B4-BE49-F238E27FC236}">
+                  <a16:creationId xmlns:a16="http://schemas.microsoft.com/office/drawing/2014/main" id="{E7568D23-2811-425B-9F96-3ED9DA776914}"/>
+                </a:ext>
+              </a:extLst>
+            </p:cNvPr>
+            <p:cNvSpPr/>
+            <p:nvPr/>
+          </p:nvSpPr>
+          <p:spPr>
+            <a:xfrm>
+              <a:off x="6096000" y="1331158"/>
+              <a:ext cx="730467" cy="534558"/>
+            </a:xfrm>
+            <a:prstGeom prst="ellipse">
+              <a:avLst/>
+            </a:prstGeom>
+          </p:spPr>
+          <p:style>
+            <a:lnRef idx="2">
+              <a:schemeClr val="accent1">
+                <a:shade val="50000"/>
+              </a:schemeClr>
+            </a:lnRef>
+            <a:fillRef idx="1">
+              <a:schemeClr val="accent1"/>
+            </a:fillRef>
+            <a:effectRef idx="0">
+              <a:schemeClr val="accent1"/>
+            </a:effectRef>
+            <a:fontRef idx="minor">
+              <a:schemeClr val="lt1"/>
+            </a:fontRef>
+          </p:style>
+          <p:txBody>
+            <a:bodyPr rtlCol="0" anchor="ctr"/>
+            <a:lstStyle/>
+            <a:p>
+              <a:pPr algn="ctr"/>
+              <a:r>
+                <a:rPr lang="en-US" altLang="zh-CN" sz="1200" b="1" dirty="0"/>
+                <a:t>obj4</a:t>
+              </a:r>
+              <a:endParaRPr lang="zh-CN" altLang="en-US" sz="1200" b="1" dirty="0"/>
+            </a:p>
+          </p:txBody>
+        </p:sp>
+        <p:cxnSp>
+          <p:nvCxnSpPr>
+            <p:cNvPr id="18" name="直接箭头连接符 17">
+              <a:extLst>
+                <a:ext uri="{FF2B5EF4-FFF2-40B4-BE49-F238E27FC236}">
+                  <a16:creationId xmlns:a16="http://schemas.microsoft.com/office/drawing/2014/main" id="{F7B44099-5259-4971-85D4-8D697AED233F}"/>
+                </a:ext>
+              </a:extLst>
+            </p:cNvPr>
+            <p:cNvCxnSpPr>
+              <a:cxnSpLocks/>
+              <a:stCxn id="7" idx="4"/>
+              <a:endCxn id="9" idx="0"/>
+            </p:cNvCxnSpPr>
+            <p:nvPr/>
+          </p:nvCxnSpPr>
+          <p:spPr>
+            <a:xfrm>
+              <a:off x="3833648" y="1856141"/>
+              <a:ext cx="94594" cy="643851"/>
+            </a:xfrm>
+            <a:prstGeom prst="straightConnector1">
+              <a:avLst/>
+            </a:prstGeom>
+            <a:ln w="19050">
+              <a:solidFill>
+                <a:srgbClr val="002060"/>
+              </a:solidFill>
+              <a:tailEnd type="triangle"/>
+            </a:ln>
+          </p:spPr>
+          <p:style>
+            <a:lnRef idx="1">
+              <a:schemeClr val="accent1"/>
+            </a:lnRef>
+            <a:fillRef idx="0">
+              <a:schemeClr val="accent1"/>
+            </a:fillRef>
+            <a:effectRef idx="0">
+              <a:schemeClr val="accent1"/>
+            </a:effectRef>
+            <a:fontRef idx="minor">
+              <a:schemeClr val="tx1"/>
+            </a:fontRef>
+          </p:style>
+        </p:cxnSp>
+        <p:cxnSp>
+          <p:nvCxnSpPr>
+            <p:cNvPr id="20" name="直接箭头连接符 19">
+              <a:extLst>
+                <a:ext uri="{FF2B5EF4-FFF2-40B4-BE49-F238E27FC236}">
+                  <a16:creationId xmlns:a16="http://schemas.microsoft.com/office/drawing/2014/main" id="{D7C04BB3-EA0F-4234-9090-297A18BDDBF5}"/>
+                </a:ext>
+              </a:extLst>
+            </p:cNvPr>
+            <p:cNvCxnSpPr>
+              <a:cxnSpLocks/>
+              <a:stCxn id="9" idx="4"/>
+              <a:endCxn id="10" idx="1"/>
+            </p:cNvCxnSpPr>
+            <p:nvPr/>
+          </p:nvCxnSpPr>
+          <p:spPr>
+            <a:xfrm>
+              <a:off x="3928242" y="3034550"/>
+              <a:ext cx="291356" cy="391150"/>
+            </a:xfrm>
+            <a:prstGeom prst="straightConnector1">
+              <a:avLst/>
+            </a:prstGeom>
+            <a:ln w="19050">
+              <a:solidFill>
+                <a:srgbClr val="002060"/>
+              </a:solidFill>
+              <a:tailEnd type="triangle"/>
+            </a:ln>
+          </p:spPr>
+          <p:style>
+            <a:lnRef idx="1">
+              <a:schemeClr val="accent1"/>
+            </a:lnRef>
+            <a:fillRef idx="0">
+              <a:schemeClr val="accent1"/>
+            </a:fillRef>
+            <a:effectRef idx="0">
+              <a:schemeClr val="accent1"/>
+            </a:effectRef>
+            <a:fontRef idx="minor">
+              <a:schemeClr val="tx1"/>
+            </a:fontRef>
+          </p:style>
+        </p:cxnSp>
+        <p:cxnSp>
+          <p:nvCxnSpPr>
+            <p:cNvPr id="22" name="直接箭头连接符 21">
+              <a:extLst>
+                <a:ext uri="{FF2B5EF4-FFF2-40B4-BE49-F238E27FC236}">
+                  <a16:creationId xmlns:a16="http://schemas.microsoft.com/office/drawing/2014/main" id="{45868704-4CAA-4AA4-9155-13FC8C04CF44}"/>
+                </a:ext>
+              </a:extLst>
+            </p:cNvPr>
+            <p:cNvCxnSpPr>
+              <a:cxnSpLocks/>
+              <a:endCxn id="10" idx="7"/>
+            </p:cNvCxnSpPr>
+            <p:nvPr/>
+          </p:nvCxnSpPr>
+          <p:spPr>
+            <a:xfrm flipH="1">
+              <a:off x="4750980" y="1955548"/>
+              <a:ext cx="396462" cy="1470152"/>
+            </a:xfrm>
+            <a:prstGeom prst="straightConnector1">
+              <a:avLst/>
+            </a:prstGeom>
+            <a:ln w="19050">
+              <a:solidFill>
+                <a:srgbClr val="002060"/>
+              </a:solidFill>
+              <a:tailEnd type="triangle"/>
+            </a:ln>
+          </p:spPr>
+          <p:style>
+            <a:lnRef idx="1">
+              <a:schemeClr val="accent1"/>
+            </a:lnRef>
+            <a:fillRef idx="0">
+              <a:schemeClr val="accent1"/>
+            </a:fillRef>
+            <a:effectRef idx="0">
+              <a:schemeClr val="accent1"/>
+            </a:effectRef>
+            <a:fontRef idx="minor">
+              <a:schemeClr val="tx1"/>
+            </a:fontRef>
+          </p:style>
+        </p:cxnSp>
+        <p:cxnSp>
+          <p:nvCxnSpPr>
+            <p:cNvPr id="24" name="直接箭头连接符 23">
+              <a:extLst>
+                <a:ext uri="{FF2B5EF4-FFF2-40B4-BE49-F238E27FC236}">
+                  <a16:creationId xmlns:a16="http://schemas.microsoft.com/office/drawing/2014/main" id="{AB15D99C-6671-42D4-9C5D-93C3CF7F92EC}"/>
+                </a:ext>
+              </a:extLst>
+            </p:cNvPr>
+            <p:cNvCxnSpPr>
+              <a:cxnSpLocks/>
+              <a:stCxn id="13" idx="4"/>
+              <a:endCxn id="12" idx="0"/>
+            </p:cNvCxnSpPr>
+            <p:nvPr/>
+          </p:nvCxnSpPr>
+          <p:spPr>
+            <a:xfrm>
+              <a:off x="6461234" y="1865716"/>
+              <a:ext cx="32680" cy="634276"/>
+            </a:xfrm>
+            <a:prstGeom prst="straightConnector1">
+              <a:avLst/>
+            </a:prstGeom>
+            <a:ln w="19050">
+              <a:solidFill>
+                <a:srgbClr val="002060"/>
+              </a:solidFill>
+              <a:tailEnd type="triangle"/>
+            </a:ln>
+          </p:spPr>
+          <p:style>
+            <a:lnRef idx="1">
+              <a:schemeClr val="accent1"/>
+            </a:lnRef>
+            <a:fillRef idx="0">
+              <a:schemeClr val="accent1"/>
+            </a:fillRef>
+            <a:effectRef idx="0">
+              <a:schemeClr val="accent1"/>
+            </a:effectRef>
+            <a:fontRef idx="minor">
+              <a:schemeClr val="tx1"/>
+            </a:fontRef>
+          </p:style>
+        </p:cxnSp>
+        <p:sp>
+          <p:nvSpPr>
+            <p:cNvPr id="39" name="椭圆 38">
+              <a:extLst>
+                <a:ext uri="{FF2B5EF4-FFF2-40B4-BE49-F238E27FC236}">
+                  <a16:creationId xmlns:a16="http://schemas.microsoft.com/office/drawing/2014/main" id="{3E830F3F-C17C-4C24-B0FC-B3E10D1166C5}"/>
+                </a:ext>
+              </a:extLst>
+            </p:cNvPr>
+            <p:cNvSpPr/>
+            <p:nvPr/>
+          </p:nvSpPr>
+          <p:spPr>
+            <a:xfrm>
+              <a:off x="5217258" y="2499992"/>
+              <a:ext cx="723900" cy="534558"/>
+            </a:xfrm>
+            <a:prstGeom prst="ellipse">
+              <a:avLst/>
+            </a:prstGeom>
+            <a:solidFill>
+              <a:schemeClr val="tx1"/>
+            </a:solidFill>
+          </p:spPr>
+          <p:style>
+            <a:lnRef idx="2">
+              <a:schemeClr val="accent1">
+                <a:shade val="50000"/>
+              </a:schemeClr>
+            </a:lnRef>
+            <a:fillRef idx="1">
+              <a:schemeClr val="accent1"/>
+            </a:fillRef>
+            <a:effectRef idx="0">
+              <a:schemeClr val="accent1"/>
+            </a:effectRef>
+            <a:fontRef idx="minor">
+              <a:schemeClr val="lt1"/>
+            </a:fontRef>
+          </p:style>
+          <p:txBody>
+            <a:bodyPr rtlCol="0" anchor="ctr"/>
+            <a:lstStyle/>
+            <a:p>
+              <a:pPr algn="ctr"/>
+              <a:r>
+                <a:rPr lang="en-US" altLang="zh-CN" sz="1200" b="1" dirty="0">
+                  <a:solidFill>
+                    <a:schemeClr val="bg1"/>
+                  </a:solidFill>
+                </a:rPr>
+                <a:t>obj5</a:t>
+              </a:r>
+              <a:endParaRPr lang="zh-CN" altLang="en-US" sz="1200" b="1" dirty="0">
+                <a:solidFill>
+                  <a:schemeClr val="bg1"/>
+                </a:solidFill>
+              </a:endParaRPr>
+            </a:p>
+          </p:txBody>
+        </p:sp>
+      </p:grpSp>
+      <p:sp>
+        <p:nvSpPr>
+          <p:cNvPr id="1032" name="矩形 1031">
+            <a:extLst>
+              <a:ext uri="{FF2B5EF4-FFF2-40B4-BE49-F238E27FC236}">
+                <a16:creationId xmlns:a16="http://schemas.microsoft.com/office/drawing/2014/main" id="{A24288F6-245B-42E1-AEED-9814EF6F907F}"/>
+              </a:ext>
+            </a:extLst>
+          </p:cNvPr>
+          <p:cNvSpPr/>
+          <p:nvPr/>
+        </p:nvSpPr>
+        <p:spPr>
+          <a:xfrm>
+            <a:off x="383943" y="3047284"/>
+            <a:ext cx="6597867" cy="3323987"/>
+          </a:xfrm>
+          <a:prstGeom prst="rect">
+            <a:avLst/>
+          </a:prstGeom>
+        </p:spPr>
+        <p:txBody>
+          <a:bodyPr wrap="square">
+            <a:spAutoFit/>
+          </a:bodyPr>
+          <a:lstStyle/>
+          <a:p>
+            <a:pPr latinLnBrk="1"/>
+            <a:r>
+              <a:rPr lang="en-US" altLang="zh-CN" sz="1600" b="1" dirty="0">
+                <a:solidFill>
+                  <a:srgbClr val="000000"/>
+                </a:solidFill>
+                <a:latin typeface="Verdana" panose="020B0604030504040204" pitchFamily="34" charset="0"/>
+              </a:rPr>
+              <a:t>GC Roots</a:t>
+            </a:r>
+            <a:r>
+              <a:rPr lang="zh-CN" altLang="en-US" sz="1600" b="1" dirty="0">
+                <a:solidFill>
+                  <a:srgbClr val="000000"/>
+                </a:solidFill>
+                <a:latin typeface="Verdana" panose="020B0604030504040204" pitchFamily="34" charset="0"/>
+              </a:rPr>
+              <a:t>对象</a:t>
+            </a:r>
+            <a:endParaRPr lang="en-US" altLang="zh-CN" sz="1600" dirty="0">
+              <a:solidFill>
+                <a:srgbClr val="000000"/>
+              </a:solidFill>
+              <a:latin typeface="微软雅黑" panose="020B0503020204020204" pitchFamily="34" charset="-122"/>
+              <a:ea typeface="微软雅黑" panose="020B0503020204020204" pitchFamily="34" charset="-122"/>
+            </a:endParaRPr>
+          </a:p>
+          <a:p>
+            <a:pPr marL="285750" indent="-285750" latinLnBrk="1">
+              <a:buFont typeface="Wingdings" panose="05000000000000000000" pitchFamily="2" charset="2"/>
+              <a:buChar char="n"/>
+            </a:pPr>
+            <a:r>
+              <a:rPr lang="en-US" altLang="zh-CN" sz="1400" dirty="0">
+                <a:solidFill>
+                  <a:srgbClr val="000000"/>
+                </a:solidFill>
+                <a:latin typeface="微软雅黑" panose="020B0503020204020204" pitchFamily="34" charset="-122"/>
+                <a:ea typeface="微软雅黑" panose="020B0503020204020204" pitchFamily="34" charset="-122"/>
+              </a:rPr>
+              <a:t>Class - </a:t>
+            </a:r>
+            <a:r>
+              <a:rPr lang="zh-CN" altLang="en-US" sz="1400" dirty="0">
+                <a:solidFill>
+                  <a:srgbClr val="000000"/>
+                </a:solidFill>
+                <a:latin typeface="微软雅黑" panose="020B0503020204020204" pitchFamily="34" charset="-122"/>
+                <a:ea typeface="微软雅黑" panose="020B0503020204020204" pitchFamily="34" charset="-122"/>
+              </a:rPr>
+              <a:t>由系统类加载器</a:t>
+            </a:r>
+            <a:r>
+              <a:rPr lang="en-US" altLang="zh-CN" sz="1400" dirty="0">
+                <a:solidFill>
+                  <a:srgbClr val="000000"/>
+                </a:solidFill>
+                <a:latin typeface="微软雅黑" panose="020B0503020204020204" pitchFamily="34" charset="-122"/>
+                <a:ea typeface="微软雅黑" panose="020B0503020204020204" pitchFamily="34" charset="-122"/>
+              </a:rPr>
+              <a:t>(system class loader)</a:t>
+            </a:r>
+            <a:r>
+              <a:rPr lang="zh-CN" altLang="en-US" sz="1400" dirty="0">
+                <a:solidFill>
+                  <a:srgbClr val="000000"/>
+                </a:solidFill>
+                <a:latin typeface="微软雅黑" panose="020B0503020204020204" pitchFamily="34" charset="-122"/>
+                <a:ea typeface="微软雅黑" panose="020B0503020204020204" pitchFamily="34" charset="-122"/>
+              </a:rPr>
+              <a:t>加载的对象，这些类是不能够被回收的，他们可以以静态字段的方式保存持有其它对象。我们需要注意的一点就是，通过用户自定义的类加载器加载的类，除非相应的</a:t>
+            </a:r>
+            <a:r>
+              <a:rPr lang="en-US" altLang="zh-CN" sz="1400" dirty="0" err="1">
+                <a:solidFill>
+                  <a:srgbClr val="000000"/>
+                </a:solidFill>
+                <a:latin typeface="微软雅黑" panose="020B0503020204020204" pitchFamily="34" charset="-122"/>
+                <a:ea typeface="微软雅黑" panose="020B0503020204020204" pitchFamily="34" charset="-122"/>
+              </a:rPr>
+              <a:t>Java.lang.Class</a:t>
+            </a:r>
+            <a:r>
+              <a:rPr lang="zh-CN" altLang="en-US" sz="1400" dirty="0">
+                <a:solidFill>
+                  <a:srgbClr val="000000"/>
+                </a:solidFill>
+                <a:latin typeface="微软雅黑" panose="020B0503020204020204" pitchFamily="34" charset="-122"/>
+                <a:ea typeface="微软雅黑" panose="020B0503020204020204" pitchFamily="34" charset="-122"/>
+              </a:rPr>
+              <a:t>实例以其它的某种（或多种）方式成为</a:t>
+            </a:r>
+            <a:r>
+              <a:rPr lang="en-US" altLang="zh-CN" sz="1400" dirty="0">
+                <a:solidFill>
+                  <a:srgbClr val="000000"/>
+                </a:solidFill>
+                <a:latin typeface="微软雅黑" panose="020B0503020204020204" pitchFamily="34" charset="-122"/>
+                <a:ea typeface="微软雅黑" panose="020B0503020204020204" pitchFamily="34" charset="-122"/>
+              </a:rPr>
+              <a:t>roots</a:t>
+            </a:r>
+            <a:r>
+              <a:rPr lang="zh-CN" altLang="en-US" sz="1400" dirty="0">
+                <a:solidFill>
+                  <a:srgbClr val="000000"/>
+                </a:solidFill>
+                <a:latin typeface="微软雅黑" panose="020B0503020204020204" pitchFamily="34" charset="-122"/>
+                <a:ea typeface="微软雅黑" panose="020B0503020204020204" pitchFamily="34" charset="-122"/>
+              </a:rPr>
+              <a:t>，否则它们并不是</a:t>
+            </a:r>
+            <a:r>
+              <a:rPr lang="en-US" altLang="zh-CN" sz="1400" dirty="0">
+                <a:solidFill>
+                  <a:srgbClr val="000000"/>
+                </a:solidFill>
+                <a:latin typeface="微软雅黑" panose="020B0503020204020204" pitchFamily="34" charset="-122"/>
+                <a:ea typeface="微软雅黑" panose="020B0503020204020204" pitchFamily="34" charset="-122"/>
+              </a:rPr>
+              <a:t>roots</a:t>
+            </a:r>
+            <a:r>
+              <a:rPr lang="zh-CN" altLang="en-US" sz="1400" dirty="0">
+                <a:solidFill>
+                  <a:srgbClr val="000000"/>
+                </a:solidFill>
+                <a:latin typeface="微软雅黑" panose="020B0503020204020204" pitchFamily="34" charset="-122"/>
+                <a:ea typeface="微软雅黑" panose="020B0503020204020204" pitchFamily="34" charset="-122"/>
+              </a:rPr>
+              <a:t>，</a:t>
+            </a:r>
+            <a:r>
+              <a:rPr lang="en-US" altLang="zh-CN" sz="1400" dirty="0">
+                <a:solidFill>
+                  <a:srgbClr val="000000"/>
+                </a:solidFill>
+                <a:latin typeface="微软雅黑" panose="020B0503020204020204" pitchFamily="34" charset="-122"/>
+                <a:ea typeface="微软雅黑" panose="020B0503020204020204" pitchFamily="34" charset="-122"/>
+              </a:rPr>
+              <a:t>.</a:t>
+            </a:r>
+          </a:p>
+          <a:p>
+            <a:pPr marL="285750" indent="-285750" latinLnBrk="1">
+              <a:buFont typeface="Wingdings" panose="05000000000000000000" pitchFamily="2" charset="2"/>
+              <a:buChar char="n"/>
+            </a:pPr>
+            <a:r>
+              <a:rPr lang="en-US" altLang="zh-CN" sz="1400" dirty="0">
+                <a:solidFill>
+                  <a:srgbClr val="000000"/>
+                </a:solidFill>
+                <a:latin typeface="微软雅黑" panose="020B0503020204020204" pitchFamily="34" charset="-122"/>
+                <a:ea typeface="微软雅黑" panose="020B0503020204020204" pitchFamily="34" charset="-122"/>
+              </a:rPr>
+              <a:t>Thread - </a:t>
+            </a:r>
+            <a:r>
+              <a:rPr lang="zh-CN" altLang="en-US" sz="1400" dirty="0">
+                <a:solidFill>
+                  <a:srgbClr val="000000"/>
+                </a:solidFill>
+                <a:latin typeface="微软雅黑" panose="020B0503020204020204" pitchFamily="34" charset="-122"/>
+                <a:ea typeface="微软雅黑" panose="020B0503020204020204" pitchFamily="34" charset="-122"/>
+              </a:rPr>
+              <a:t>活着的线程</a:t>
+            </a:r>
+          </a:p>
+          <a:p>
+            <a:pPr marL="285750" indent="-285750" latinLnBrk="1">
+              <a:buFont typeface="Wingdings" panose="05000000000000000000" pitchFamily="2" charset="2"/>
+              <a:buChar char="n"/>
+            </a:pPr>
+            <a:r>
+              <a:rPr lang="en-US" altLang="zh-CN" sz="1400" dirty="0">
+                <a:solidFill>
+                  <a:srgbClr val="000000"/>
+                </a:solidFill>
+                <a:latin typeface="微软雅黑" panose="020B0503020204020204" pitchFamily="34" charset="-122"/>
+                <a:ea typeface="微软雅黑" panose="020B0503020204020204" pitchFamily="34" charset="-122"/>
+              </a:rPr>
+              <a:t>Stack Local - Java</a:t>
+            </a:r>
+            <a:r>
+              <a:rPr lang="zh-CN" altLang="en-US" sz="1400" dirty="0">
+                <a:solidFill>
+                  <a:srgbClr val="000000"/>
+                </a:solidFill>
+                <a:latin typeface="微软雅黑" panose="020B0503020204020204" pitchFamily="34" charset="-122"/>
+                <a:ea typeface="微软雅黑" panose="020B0503020204020204" pitchFamily="34" charset="-122"/>
+              </a:rPr>
+              <a:t>方法的</a:t>
+            </a:r>
+            <a:r>
+              <a:rPr lang="en-US" altLang="zh-CN" sz="1400" dirty="0">
+                <a:solidFill>
+                  <a:srgbClr val="000000"/>
+                </a:solidFill>
+                <a:latin typeface="微软雅黑" panose="020B0503020204020204" pitchFamily="34" charset="-122"/>
+                <a:ea typeface="微软雅黑" panose="020B0503020204020204" pitchFamily="34" charset="-122"/>
+              </a:rPr>
+              <a:t>local</a:t>
+            </a:r>
+            <a:r>
+              <a:rPr lang="zh-CN" altLang="en-US" sz="1400" dirty="0">
+                <a:solidFill>
+                  <a:srgbClr val="000000"/>
+                </a:solidFill>
+                <a:latin typeface="微软雅黑" panose="020B0503020204020204" pitchFamily="34" charset="-122"/>
+                <a:ea typeface="微软雅黑" panose="020B0503020204020204" pitchFamily="34" charset="-122"/>
+              </a:rPr>
+              <a:t>变量或参数</a:t>
+            </a:r>
+          </a:p>
+          <a:p>
+            <a:pPr marL="285750" indent="-285750" latinLnBrk="1">
+              <a:buFont typeface="Wingdings" panose="05000000000000000000" pitchFamily="2" charset="2"/>
+              <a:buChar char="n"/>
+            </a:pPr>
+            <a:r>
+              <a:rPr lang="en-US" altLang="zh-CN" sz="1400" dirty="0">
+                <a:solidFill>
+                  <a:srgbClr val="000000"/>
+                </a:solidFill>
+                <a:latin typeface="微软雅黑" panose="020B0503020204020204" pitchFamily="34" charset="-122"/>
+                <a:ea typeface="微软雅黑" panose="020B0503020204020204" pitchFamily="34" charset="-122"/>
+              </a:rPr>
+              <a:t>JNI Local – </a:t>
+            </a:r>
+            <a:r>
+              <a:rPr lang="zh-CN" altLang="en-US" sz="1400" dirty="0">
+                <a:solidFill>
+                  <a:srgbClr val="000000"/>
+                </a:solidFill>
+                <a:latin typeface="微软雅黑" panose="020B0503020204020204" pitchFamily="34" charset="-122"/>
+                <a:ea typeface="微软雅黑" panose="020B0503020204020204" pitchFamily="34" charset="-122"/>
+              </a:rPr>
+              <a:t>本地方法（</a:t>
+            </a:r>
+            <a:r>
+              <a:rPr lang="en-US" altLang="zh-CN" sz="1400" dirty="0">
+                <a:solidFill>
+                  <a:srgbClr val="000000"/>
+                </a:solidFill>
+                <a:latin typeface="微软雅黑" panose="020B0503020204020204" pitchFamily="34" charset="-122"/>
+                <a:ea typeface="微软雅黑" panose="020B0503020204020204" pitchFamily="34" charset="-122"/>
+              </a:rPr>
+              <a:t>Java Native Interface</a:t>
+            </a:r>
+            <a:r>
+              <a:rPr lang="zh-CN" altLang="en-US" sz="1400" dirty="0">
+                <a:solidFill>
+                  <a:srgbClr val="000000"/>
+                </a:solidFill>
+                <a:latin typeface="微软雅黑" panose="020B0503020204020204" pitchFamily="34" charset="-122"/>
+                <a:ea typeface="微软雅黑" panose="020B0503020204020204" pitchFamily="34" charset="-122"/>
+              </a:rPr>
+              <a:t>）的</a:t>
+            </a:r>
+            <a:r>
+              <a:rPr lang="en-US" altLang="zh-CN" sz="1400" dirty="0">
+                <a:solidFill>
+                  <a:srgbClr val="000000"/>
+                </a:solidFill>
+                <a:latin typeface="微软雅黑" panose="020B0503020204020204" pitchFamily="34" charset="-122"/>
+                <a:ea typeface="微软雅黑" panose="020B0503020204020204" pitchFamily="34" charset="-122"/>
+              </a:rPr>
+              <a:t>local</a:t>
+            </a:r>
+            <a:r>
+              <a:rPr lang="zh-CN" altLang="en-US" sz="1400" dirty="0">
+                <a:solidFill>
+                  <a:srgbClr val="000000"/>
+                </a:solidFill>
+                <a:latin typeface="微软雅黑" panose="020B0503020204020204" pitchFamily="34" charset="-122"/>
+                <a:ea typeface="微软雅黑" panose="020B0503020204020204" pitchFamily="34" charset="-122"/>
+              </a:rPr>
+              <a:t>变量或参数</a:t>
+            </a:r>
+          </a:p>
+          <a:p>
+            <a:pPr marL="285750" indent="-285750" latinLnBrk="1">
+              <a:buFont typeface="Wingdings" panose="05000000000000000000" pitchFamily="2" charset="2"/>
+              <a:buChar char="n"/>
+            </a:pPr>
+            <a:r>
+              <a:rPr lang="en-US" altLang="zh-CN" sz="1400" dirty="0">
+                <a:solidFill>
+                  <a:srgbClr val="000000"/>
+                </a:solidFill>
+                <a:latin typeface="微软雅黑" panose="020B0503020204020204" pitchFamily="34" charset="-122"/>
+                <a:ea typeface="微软雅黑" panose="020B0503020204020204" pitchFamily="34" charset="-122"/>
+              </a:rPr>
+              <a:t>JNI Global - </a:t>
+            </a:r>
+            <a:r>
+              <a:rPr lang="zh-CN" altLang="en-US" sz="1400" dirty="0">
+                <a:solidFill>
+                  <a:srgbClr val="000000"/>
+                </a:solidFill>
+                <a:latin typeface="微软雅黑" panose="020B0503020204020204" pitchFamily="34" charset="-122"/>
+                <a:ea typeface="微软雅黑" panose="020B0503020204020204" pitchFamily="34" charset="-122"/>
+              </a:rPr>
+              <a:t>全局</a:t>
+            </a:r>
+            <a:r>
+              <a:rPr lang="en-US" altLang="zh-CN" sz="1400" dirty="0">
+                <a:solidFill>
+                  <a:srgbClr val="000000"/>
+                </a:solidFill>
+                <a:latin typeface="微软雅黑" panose="020B0503020204020204" pitchFamily="34" charset="-122"/>
+                <a:ea typeface="微软雅黑" panose="020B0503020204020204" pitchFamily="34" charset="-122"/>
+              </a:rPr>
+              <a:t>JNI</a:t>
+            </a:r>
+            <a:r>
+              <a:rPr lang="zh-CN" altLang="en-US" sz="1400" dirty="0">
+                <a:solidFill>
+                  <a:srgbClr val="000000"/>
+                </a:solidFill>
+                <a:latin typeface="微软雅黑" panose="020B0503020204020204" pitchFamily="34" charset="-122"/>
+                <a:ea typeface="微软雅黑" panose="020B0503020204020204" pitchFamily="34" charset="-122"/>
+              </a:rPr>
+              <a:t>引用</a:t>
+            </a:r>
+          </a:p>
+          <a:p>
+            <a:pPr marL="285750" indent="-285750" latinLnBrk="1">
+              <a:buFont typeface="Wingdings" panose="05000000000000000000" pitchFamily="2" charset="2"/>
+              <a:buChar char="n"/>
+            </a:pPr>
+            <a:r>
+              <a:rPr lang="en-US" altLang="zh-CN" sz="1400" dirty="0">
+                <a:solidFill>
+                  <a:srgbClr val="000000"/>
+                </a:solidFill>
+                <a:latin typeface="微软雅黑" panose="020B0503020204020204" pitchFamily="34" charset="-122"/>
+                <a:ea typeface="微软雅黑" panose="020B0503020204020204" pitchFamily="34" charset="-122"/>
+              </a:rPr>
+              <a:t>Monitor Used - </a:t>
+            </a:r>
+            <a:r>
+              <a:rPr lang="zh-CN" altLang="en-US" sz="1400" dirty="0">
+                <a:solidFill>
+                  <a:srgbClr val="000000"/>
+                </a:solidFill>
+                <a:latin typeface="微软雅黑" panose="020B0503020204020204" pitchFamily="34" charset="-122"/>
+                <a:ea typeface="微软雅黑" panose="020B0503020204020204" pitchFamily="34" charset="-122"/>
+              </a:rPr>
+              <a:t>用于同步的监控对象</a:t>
+            </a:r>
+          </a:p>
+          <a:p>
+            <a:pPr marL="285750" indent="-285750" latinLnBrk="1">
+              <a:buFont typeface="Wingdings" panose="05000000000000000000" pitchFamily="2" charset="2"/>
+              <a:buChar char="n"/>
+            </a:pPr>
+            <a:r>
+              <a:rPr lang="en-US" altLang="zh-CN" sz="1400" dirty="0">
+                <a:solidFill>
+                  <a:srgbClr val="000000"/>
+                </a:solidFill>
+                <a:latin typeface="微软雅黑" panose="020B0503020204020204" pitchFamily="34" charset="-122"/>
+                <a:ea typeface="微软雅黑" panose="020B0503020204020204" pitchFamily="34" charset="-122"/>
+              </a:rPr>
+              <a:t>Held by JVM - </a:t>
+            </a:r>
+            <a:r>
+              <a:rPr lang="zh-CN" altLang="en-US" sz="1400" dirty="0">
+                <a:solidFill>
+                  <a:srgbClr val="000000"/>
+                </a:solidFill>
+                <a:latin typeface="微软雅黑" panose="020B0503020204020204" pitchFamily="34" charset="-122"/>
+                <a:ea typeface="微软雅黑" panose="020B0503020204020204" pitchFamily="34" charset="-122"/>
+              </a:rPr>
+              <a:t>用于</a:t>
+            </a:r>
+            <a:r>
+              <a:rPr lang="en-US" altLang="zh-CN" sz="1400" dirty="0">
+                <a:solidFill>
+                  <a:srgbClr val="000000"/>
+                </a:solidFill>
+                <a:latin typeface="微软雅黑" panose="020B0503020204020204" pitchFamily="34" charset="-122"/>
+                <a:ea typeface="微软雅黑" panose="020B0503020204020204" pitchFamily="34" charset="-122"/>
+              </a:rPr>
+              <a:t>JVM</a:t>
+            </a:r>
+            <a:r>
+              <a:rPr lang="zh-CN" altLang="en-US" sz="1400" dirty="0">
+                <a:solidFill>
+                  <a:srgbClr val="000000"/>
+                </a:solidFill>
+                <a:latin typeface="微软雅黑" panose="020B0503020204020204" pitchFamily="34" charset="-122"/>
+                <a:ea typeface="微软雅黑" panose="020B0503020204020204" pitchFamily="34" charset="-122"/>
+              </a:rPr>
+              <a:t>特殊目的由</a:t>
+            </a:r>
+            <a:r>
+              <a:rPr lang="en-US" altLang="zh-CN" sz="1400" dirty="0">
+                <a:solidFill>
+                  <a:srgbClr val="000000"/>
+                </a:solidFill>
+                <a:latin typeface="微软雅黑" panose="020B0503020204020204" pitchFamily="34" charset="-122"/>
+                <a:ea typeface="微软雅黑" panose="020B0503020204020204" pitchFamily="34" charset="-122"/>
+              </a:rPr>
+              <a:t>GC</a:t>
+            </a:r>
+            <a:r>
+              <a:rPr lang="zh-CN" altLang="en-US" sz="1400" dirty="0">
+                <a:solidFill>
+                  <a:srgbClr val="000000"/>
+                </a:solidFill>
+                <a:latin typeface="微软雅黑" panose="020B0503020204020204" pitchFamily="34" charset="-122"/>
+                <a:ea typeface="微软雅黑" panose="020B0503020204020204" pitchFamily="34" charset="-122"/>
+              </a:rPr>
+              <a:t>保留的对象，但实际上这个与</a:t>
+            </a:r>
+            <a:r>
+              <a:rPr lang="en-US" altLang="zh-CN" sz="1400" dirty="0">
+                <a:solidFill>
+                  <a:srgbClr val="000000"/>
+                </a:solidFill>
+                <a:latin typeface="微软雅黑" panose="020B0503020204020204" pitchFamily="34" charset="-122"/>
+                <a:ea typeface="微软雅黑" panose="020B0503020204020204" pitchFamily="34" charset="-122"/>
+              </a:rPr>
+              <a:t>JVM</a:t>
+            </a:r>
+            <a:r>
+              <a:rPr lang="zh-CN" altLang="en-US" sz="1400" dirty="0">
+                <a:solidFill>
+                  <a:srgbClr val="000000"/>
+                </a:solidFill>
+                <a:latin typeface="微软雅黑" panose="020B0503020204020204" pitchFamily="34" charset="-122"/>
+                <a:ea typeface="微软雅黑" panose="020B0503020204020204" pitchFamily="34" charset="-122"/>
+              </a:rPr>
+              <a:t>的实现是有关的。可能已知的一些类型是：系统类加载器、一些</a:t>
+            </a:r>
+            <a:r>
+              <a:rPr lang="en-US" altLang="zh-CN" sz="1400" dirty="0">
+                <a:solidFill>
+                  <a:srgbClr val="000000"/>
+                </a:solidFill>
+                <a:latin typeface="微软雅黑" panose="020B0503020204020204" pitchFamily="34" charset="-122"/>
+                <a:ea typeface="微软雅黑" panose="020B0503020204020204" pitchFamily="34" charset="-122"/>
+              </a:rPr>
+              <a:t>JVM</a:t>
+            </a:r>
+            <a:r>
+              <a:rPr lang="zh-CN" altLang="en-US" sz="1400" dirty="0">
+                <a:solidFill>
+                  <a:srgbClr val="000000"/>
+                </a:solidFill>
+                <a:latin typeface="微软雅黑" panose="020B0503020204020204" pitchFamily="34" charset="-122"/>
+                <a:ea typeface="微软雅黑" panose="020B0503020204020204" pitchFamily="34" charset="-122"/>
+              </a:rPr>
+              <a:t>知道的重要的异常类、一些用于处理异常的预分配对象以及一些自定义的类加载器等。然而，</a:t>
+            </a:r>
+            <a:r>
+              <a:rPr lang="en-US" altLang="zh-CN" sz="1400" dirty="0">
+                <a:solidFill>
+                  <a:srgbClr val="000000"/>
+                </a:solidFill>
+                <a:latin typeface="微软雅黑" panose="020B0503020204020204" pitchFamily="34" charset="-122"/>
+                <a:ea typeface="微软雅黑" panose="020B0503020204020204" pitchFamily="34" charset="-122"/>
+              </a:rPr>
+              <a:t>JVM</a:t>
+            </a:r>
+            <a:r>
+              <a:rPr lang="zh-CN" altLang="en-US" sz="1400" dirty="0">
+                <a:solidFill>
+                  <a:srgbClr val="000000"/>
+                </a:solidFill>
+                <a:latin typeface="微软雅黑" panose="020B0503020204020204" pitchFamily="34" charset="-122"/>
+                <a:ea typeface="微软雅黑" panose="020B0503020204020204" pitchFamily="34" charset="-122"/>
+              </a:rPr>
+              <a:t>并没有为这些对象提供其它的信息，因此需要去确定哪些是属于</a:t>
+            </a:r>
+            <a:r>
+              <a:rPr lang="en-US" altLang="zh-CN" sz="1400" dirty="0">
+                <a:solidFill>
+                  <a:srgbClr val="000000"/>
+                </a:solidFill>
+                <a:latin typeface="微软雅黑" panose="020B0503020204020204" pitchFamily="34" charset="-122"/>
+                <a:ea typeface="微软雅黑" panose="020B0503020204020204" pitchFamily="34" charset="-122"/>
+              </a:rPr>
+              <a:t>"JVM</a:t>
+            </a:r>
+            <a:r>
+              <a:rPr lang="zh-CN" altLang="en-US" sz="1400" dirty="0">
+                <a:solidFill>
+                  <a:srgbClr val="000000"/>
+                </a:solidFill>
+                <a:latin typeface="微软雅黑" panose="020B0503020204020204" pitchFamily="34" charset="-122"/>
+                <a:ea typeface="微软雅黑" panose="020B0503020204020204" pitchFamily="34" charset="-122"/>
+              </a:rPr>
+              <a:t>持有</a:t>
+            </a:r>
+            <a:r>
+              <a:rPr lang="en-US" altLang="zh-CN" sz="1400" dirty="0">
+                <a:solidFill>
+                  <a:srgbClr val="000000"/>
+                </a:solidFill>
+                <a:latin typeface="微软雅黑" panose="020B0503020204020204" pitchFamily="34" charset="-122"/>
+                <a:ea typeface="微软雅黑" panose="020B0503020204020204" pitchFamily="34" charset="-122"/>
+              </a:rPr>
+              <a:t>"</a:t>
+            </a:r>
+            <a:r>
+              <a:rPr lang="zh-CN" altLang="en-US" sz="1400" dirty="0">
+                <a:solidFill>
+                  <a:srgbClr val="000000"/>
+                </a:solidFill>
+                <a:latin typeface="微软雅黑" panose="020B0503020204020204" pitchFamily="34" charset="-122"/>
+                <a:ea typeface="微软雅黑" panose="020B0503020204020204" pitchFamily="34" charset="-122"/>
+              </a:rPr>
+              <a:t>的了。</a:t>
+            </a:r>
+            <a:endParaRPr lang="zh-CN" altLang="en-US" sz="1400" b="0" i="0" dirty="0">
+              <a:solidFill>
+                <a:srgbClr val="000000"/>
+              </a:solidFill>
+              <a:effectLst/>
+              <a:latin typeface="微软雅黑" panose="020B0503020204020204" pitchFamily="34" charset="-122"/>
+              <a:ea typeface="微软雅黑" panose="020B0503020204020204" pitchFamily="34" charset="-122"/>
+            </a:endParaRPr>
+          </a:p>
+        </p:txBody>
+      </p:sp>
+      <p:sp>
+        <p:nvSpPr>
+          <p:cNvPr id="1033" name="矩形 1032">
+            <a:extLst>
+              <a:ext uri="{FF2B5EF4-FFF2-40B4-BE49-F238E27FC236}">
+                <a16:creationId xmlns:a16="http://schemas.microsoft.com/office/drawing/2014/main" id="{34C4E33A-58A0-4F85-A952-271C3FC91E55}"/>
+              </a:ext>
+            </a:extLst>
+          </p:cNvPr>
+          <p:cNvSpPr/>
+          <p:nvPr/>
+        </p:nvSpPr>
+        <p:spPr>
+          <a:xfrm>
+            <a:off x="284936" y="486729"/>
+            <a:ext cx="11384488" cy="523220"/>
+          </a:xfrm>
+          <a:prstGeom prst="rect">
+            <a:avLst/>
+          </a:prstGeom>
+        </p:spPr>
+        <p:txBody>
+          <a:bodyPr wrap="square">
+            <a:spAutoFit/>
+          </a:bodyPr>
+          <a:lstStyle/>
+          <a:p>
+            <a:r>
+              <a:rPr lang="zh-CN" altLang="en-US" sz="1400" dirty="0">
+                <a:solidFill>
+                  <a:srgbClr val="000000"/>
+                </a:solidFill>
+                <a:latin typeface="微软雅黑" panose="020B0503020204020204" pitchFamily="34" charset="-122"/>
+                <a:ea typeface="微软雅黑" panose="020B0503020204020204" pitchFamily="34" charset="-122"/>
+              </a:rPr>
+              <a:t>常说的</a:t>
+            </a:r>
+            <a:r>
+              <a:rPr lang="en-US" altLang="zh-CN" sz="1400" dirty="0">
+                <a:solidFill>
+                  <a:srgbClr val="000000"/>
+                </a:solidFill>
+                <a:latin typeface="微软雅黑" panose="020B0503020204020204" pitchFamily="34" charset="-122"/>
+                <a:ea typeface="微软雅黑" panose="020B0503020204020204" pitchFamily="34" charset="-122"/>
+              </a:rPr>
+              <a:t>GC(Garbage Collector) Roots</a:t>
+            </a:r>
+            <a:r>
+              <a:rPr lang="zh-CN" altLang="en-US" sz="1400" dirty="0">
+                <a:solidFill>
+                  <a:srgbClr val="000000"/>
+                </a:solidFill>
+                <a:latin typeface="微软雅黑" panose="020B0503020204020204" pitchFamily="34" charset="-122"/>
+                <a:ea typeface="微软雅黑" panose="020B0503020204020204" pitchFamily="34" charset="-122"/>
+              </a:rPr>
+              <a:t>，特指的是垃圾收集器（</a:t>
+            </a:r>
+            <a:r>
+              <a:rPr lang="en-US" altLang="zh-CN" sz="1400" dirty="0">
+                <a:solidFill>
+                  <a:srgbClr val="000000"/>
+                </a:solidFill>
+                <a:latin typeface="微软雅黑" panose="020B0503020204020204" pitchFamily="34" charset="-122"/>
+                <a:ea typeface="微软雅黑" panose="020B0503020204020204" pitchFamily="34" charset="-122"/>
+              </a:rPr>
+              <a:t>Garbage Collector</a:t>
+            </a:r>
+            <a:r>
+              <a:rPr lang="zh-CN" altLang="en-US" sz="1400" dirty="0">
+                <a:solidFill>
+                  <a:srgbClr val="000000"/>
+                </a:solidFill>
+                <a:latin typeface="微软雅黑" panose="020B0503020204020204" pitchFamily="34" charset="-122"/>
+                <a:ea typeface="微软雅黑" panose="020B0503020204020204" pitchFamily="34" charset="-122"/>
+              </a:rPr>
+              <a:t>）的对象，</a:t>
+            </a:r>
+            <a:r>
+              <a:rPr lang="en-US" altLang="zh-CN" sz="1400" dirty="0">
+                <a:solidFill>
+                  <a:srgbClr val="000000"/>
+                </a:solidFill>
+                <a:latin typeface="微软雅黑" panose="020B0503020204020204" pitchFamily="34" charset="-122"/>
+                <a:ea typeface="微软雅黑" panose="020B0503020204020204" pitchFamily="34" charset="-122"/>
+              </a:rPr>
+              <a:t>GC</a:t>
+            </a:r>
+            <a:r>
+              <a:rPr lang="zh-CN" altLang="en-US" sz="1400" dirty="0">
+                <a:solidFill>
+                  <a:srgbClr val="000000"/>
+                </a:solidFill>
+                <a:latin typeface="微软雅黑" panose="020B0503020204020204" pitchFamily="34" charset="-122"/>
+                <a:ea typeface="微软雅黑" panose="020B0503020204020204" pitchFamily="34" charset="-122"/>
+              </a:rPr>
+              <a:t>会收集那些不是</a:t>
+            </a:r>
+            <a:r>
+              <a:rPr lang="en-US" altLang="zh-CN" sz="1400" dirty="0">
+                <a:solidFill>
+                  <a:srgbClr val="000000"/>
+                </a:solidFill>
+                <a:latin typeface="微软雅黑" panose="020B0503020204020204" pitchFamily="34" charset="-122"/>
+                <a:ea typeface="微软雅黑" panose="020B0503020204020204" pitchFamily="34" charset="-122"/>
+              </a:rPr>
+              <a:t>GC Roots</a:t>
+            </a:r>
+            <a:r>
+              <a:rPr lang="zh-CN" altLang="en-US" sz="1400" dirty="0">
+                <a:solidFill>
+                  <a:srgbClr val="000000"/>
+                </a:solidFill>
+                <a:latin typeface="微软雅黑" panose="020B0503020204020204" pitchFamily="34" charset="-122"/>
+                <a:ea typeface="微软雅黑" panose="020B0503020204020204" pitchFamily="34" charset="-122"/>
+              </a:rPr>
+              <a:t>且没有被</a:t>
+            </a:r>
+            <a:r>
+              <a:rPr lang="en-US" altLang="zh-CN" sz="1400" dirty="0">
+                <a:solidFill>
+                  <a:srgbClr val="000000"/>
+                </a:solidFill>
+                <a:latin typeface="微软雅黑" panose="020B0503020204020204" pitchFamily="34" charset="-122"/>
+                <a:ea typeface="微软雅黑" panose="020B0503020204020204" pitchFamily="34" charset="-122"/>
+              </a:rPr>
+              <a:t>GC Roots</a:t>
+            </a:r>
+            <a:r>
+              <a:rPr lang="zh-CN" altLang="en-US" sz="1400" dirty="0">
+                <a:solidFill>
+                  <a:srgbClr val="000000"/>
+                </a:solidFill>
+                <a:latin typeface="微软雅黑" panose="020B0503020204020204" pitchFamily="34" charset="-122"/>
+                <a:ea typeface="微软雅黑" panose="020B0503020204020204" pitchFamily="34" charset="-122"/>
+              </a:rPr>
+              <a:t>引用的对象。</a:t>
+            </a:r>
+            <a:endParaRPr lang="en-US" altLang="zh-CN" sz="1400" dirty="0">
+              <a:solidFill>
+                <a:srgbClr val="000000"/>
+              </a:solidFill>
+              <a:latin typeface="微软雅黑" panose="020B0503020204020204" pitchFamily="34" charset="-122"/>
+              <a:ea typeface="微软雅黑" panose="020B0503020204020204" pitchFamily="34" charset="-122"/>
+            </a:endParaRPr>
+          </a:p>
+        </p:txBody>
+      </p:sp>
+      <p:sp>
+        <p:nvSpPr>
+          <p:cNvPr id="1034" name="矩形 1033">
+            <a:extLst>
+              <a:ext uri="{FF2B5EF4-FFF2-40B4-BE49-F238E27FC236}">
+                <a16:creationId xmlns:a16="http://schemas.microsoft.com/office/drawing/2014/main" id="{15C897FE-5500-4D24-93B6-2327316FB6D2}"/>
+              </a:ext>
+            </a:extLst>
+          </p:cNvPr>
+          <p:cNvSpPr/>
+          <p:nvPr/>
+        </p:nvSpPr>
+        <p:spPr>
+          <a:xfrm>
+            <a:off x="373430" y="1826092"/>
+            <a:ext cx="6608379" cy="1231106"/>
+          </a:xfrm>
+          <a:prstGeom prst="rect">
+            <a:avLst/>
+          </a:prstGeom>
+        </p:spPr>
+        <p:txBody>
+          <a:bodyPr wrap="square">
+            <a:spAutoFit/>
+          </a:bodyPr>
+          <a:lstStyle/>
+          <a:p>
+            <a:r>
+              <a:rPr lang="en-US" altLang="zh-CN" sz="1600" b="1" dirty="0">
+                <a:solidFill>
+                  <a:srgbClr val="000000"/>
+                </a:solidFill>
+                <a:latin typeface="微软雅黑" panose="020B0503020204020204" pitchFamily="34" charset="-122"/>
+                <a:ea typeface="微软雅黑" panose="020B0503020204020204" pitchFamily="34" charset="-122"/>
+              </a:rPr>
+              <a:t>GC Roots</a:t>
+            </a:r>
+            <a:r>
+              <a:rPr lang="zh-CN" altLang="en-US" sz="1600" b="1" dirty="0">
+                <a:solidFill>
+                  <a:srgbClr val="000000"/>
+                </a:solidFill>
+                <a:latin typeface="微软雅黑" panose="020B0503020204020204" pitchFamily="34" charset="-122"/>
+                <a:ea typeface="微软雅黑" panose="020B0503020204020204" pitchFamily="34" charset="-122"/>
+              </a:rPr>
+              <a:t>原理</a:t>
+            </a:r>
+          </a:p>
+          <a:p>
+            <a:r>
+              <a:rPr lang="en-US" altLang="zh-CN" sz="1400" dirty="0">
+                <a:solidFill>
+                  <a:srgbClr val="000000"/>
+                </a:solidFill>
+                <a:latin typeface="微软雅黑" panose="020B0503020204020204" pitchFamily="34" charset="-122"/>
+                <a:ea typeface="微软雅黑" panose="020B0503020204020204" pitchFamily="34" charset="-122"/>
+              </a:rPr>
+              <a:t>GC Roots</a:t>
+            </a:r>
+            <a:r>
+              <a:rPr lang="zh-CN" altLang="en-US" sz="1400" dirty="0">
+                <a:solidFill>
+                  <a:srgbClr val="000000"/>
+                </a:solidFill>
+                <a:latin typeface="微软雅黑" panose="020B0503020204020204" pitchFamily="34" charset="-122"/>
+                <a:ea typeface="微软雅黑" panose="020B0503020204020204" pitchFamily="34" charset="-122"/>
+              </a:rPr>
+              <a:t>基本思路就是通过一系列的称为“</a:t>
+            </a:r>
+            <a:r>
+              <a:rPr lang="en-US" altLang="zh-CN" sz="1400" dirty="0">
+                <a:solidFill>
+                  <a:srgbClr val="000000"/>
+                </a:solidFill>
+                <a:latin typeface="微软雅黑" panose="020B0503020204020204" pitchFamily="34" charset="-122"/>
+                <a:ea typeface="微软雅黑" panose="020B0503020204020204" pitchFamily="34" charset="-122"/>
+              </a:rPr>
+              <a:t>GC Roots”</a:t>
+            </a:r>
+            <a:r>
+              <a:rPr lang="zh-CN" altLang="en-US" sz="1400" dirty="0">
+                <a:solidFill>
+                  <a:srgbClr val="000000"/>
+                </a:solidFill>
+                <a:latin typeface="微软雅黑" panose="020B0503020204020204" pitchFamily="34" charset="-122"/>
+                <a:ea typeface="微软雅黑" panose="020B0503020204020204" pitchFamily="34" charset="-122"/>
+              </a:rPr>
+              <a:t>的对象作为起始点， 从这些节点开始向下搜索， 搜索所走过的路径称为引用链（ </a:t>
+            </a:r>
+            <a:r>
+              <a:rPr lang="en-US" altLang="zh-CN" sz="1400" dirty="0">
+                <a:solidFill>
+                  <a:srgbClr val="000000"/>
+                </a:solidFill>
+                <a:latin typeface="微软雅黑" panose="020B0503020204020204" pitchFamily="34" charset="-122"/>
+                <a:ea typeface="微软雅黑" panose="020B0503020204020204" pitchFamily="34" charset="-122"/>
+              </a:rPr>
+              <a:t>Reference Chain</a:t>
+            </a:r>
+            <a:r>
+              <a:rPr lang="zh-CN" altLang="en-US" sz="1400" dirty="0">
+                <a:solidFill>
+                  <a:srgbClr val="000000"/>
+                </a:solidFill>
+                <a:latin typeface="微软雅黑" panose="020B0503020204020204" pitchFamily="34" charset="-122"/>
+                <a:ea typeface="微软雅黑" panose="020B0503020204020204" pitchFamily="34" charset="-122"/>
+              </a:rPr>
+              <a:t>），当一个对象到 </a:t>
+            </a:r>
+            <a:r>
+              <a:rPr lang="en-US" altLang="zh-CN" sz="1400" dirty="0">
+                <a:solidFill>
+                  <a:srgbClr val="000000"/>
+                </a:solidFill>
+                <a:latin typeface="微软雅黑" panose="020B0503020204020204" pitchFamily="34" charset="-122"/>
+                <a:ea typeface="微软雅黑" panose="020B0503020204020204" pitchFamily="34" charset="-122"/>
+              </a:rPr>
+              <a:t>GC Roots </a:t>
+            </a:r>
+            <a:r>
+              <a:rPr lang="zh-CN" altLang="en-US" sz="1400" dirty="0">
+                <a:solidFill>
+                  <a:srgbClr val="000000"/>
+                </a:solidFill>
+                <a:latin typeface="微软雅黑" panose="020B0503020204020204" pitchFamily="34" charset="-122"/>
+                <a:ea typeface="微软雅黑" panose="020B0503020204020204" pitchFamily="34" charset="-122"/>
+              </a:rPr>
+              <a:t>没有任何引用链相连（ 用图论的话来 说，就是从</a:t>
+            </a:r>
+            <a:r>
+              <a:rPr lang="en-US" altLang="zh-CN" sz="1400" dirty="0">
+                <a:solidFill>
+                  <a:srgbClr val="000000"/>
+                </a:solidFill>
+                <a:latin typeface="微软雅黑" panose="020B0503020204020204" pitchFamily="34" charset="-122"/>
+                <a:ea typeface="微软雅黑" panose="020B0503020204020204" pitchFamily="34" charset="-122"/>
+              </a:rPr>
+              <a:t>GC Roots</a:t>
+            </a:r>
+            <a:r>
+              <a:rPr lang="zh-CN" altLang="en-US" sz="1400" dirty="0">
+                <a:solidFill>
+                  <a:srgbClr val="000000"/>
+                </a:solidFill>
+                <a:latin typeface="微软雅黑" panose="020B0503020204020204" pitchFamily="34" charset="-122"/>
+                <a:ea typeface="微软雅黑" panose="020B0503020204020204" pitchFamily="34" charset="-122"/>
+              </a:rPr>
+              <a:t>到这个对象不可达）时，则证明此对象是不可用的。</a:t>
+            </a:r>
+            <a:endParaRPr lang="zh-CN" altLang="en-US" sz="1400" b="0" i="0" dirty="0">
+              <a:solidFill>
+                <a:srgbClr val="000000"/>
+              </a:solidFill>
+              <a:effectLst/>
+              <a:latin typeface="微软雅黑" panose="020B0503020204020204" pitchFamily="34" charset="-122"/>
+              <a:ea typeface="微软雅黑" panose="020B0503020204020204" pitchFamily="34" charset="-122"/>
+            </a:endParaRPr>
+          </a:p>
+        </p:txBody>
+      </p:sp>
+      <p:sp>
+        <p:nvSpPr>
+          <p:cNvPr id="1036" name="矩形 1035">
+            <a:extLst>
+              <a:ext uri="{FF2B5EF4-FFF2-40B4-BE49-F238E27FC236}">
+                <a16:creationId xmlns:a16="http://schemas.microsoft.com/office/drawing/2014/main" id="{67A87783-61AB-4FEE-B907-8295F5A1D0A6}"/>
+              </a:ext>
+            </a:extLst>
+          </p:cNvPr>
+          <p:cNvSpPr/>
+          <p:nvPr/>
+        </p:nvSpPr>
+        <p:spPr>
+          <a:xfrm>
+            <a:off x="373430" y="1052946"/>
+            <a:ext cx="6096000" cy="738664"/>
+          </a:xfrm>
+          <a:prstGeom prst="rect">
+            <a:avLst/>
+          </a:prstGeom>
+        </p:spPr>
+        <p:txBody>
+          <a:bodyPr>
+            <a:spAutoFit/>
+          </a:bodyPr>
+          <a:lstStyle/>
+          <a:p>
+            <a:r>
+              <a:rPr lang="en-US" altLang="zh-CN" sz="1400" dirty="0">
+                <a:solidFill>
+                  <a:srgbClr val="FF0000"/>
+                </a:solidFill>
+                <a:latin typeface="微软雅黑" panose="020B0503020204020204" pitchFamily="34" charset="-122"/>
+                <a:ea typeface="微软雅黑" panose="020B0503020204020204" pitchFamily="34" charset="-122"/>
+              </a:rPr>
+              <a:t>GC</a:t>
+            </a:r>
+            <a:r>
+              <a:rPr lang="zh-CN" altLang="en-US" sz="1400" dirty="0">
+                <a:solidFill>
+                  <a:srgbClr val="FF0000"/>
+                </a:solidFill>
+                <a:latin typeface="微软雅黑" panose="020B0503020204020204" pitchFamily="34" charset="-122"/>
+                <a:ea typeface="微软雅黑" panose="020B0503020204020204" pitchFamily="34" charset="-122"/>
+              </a:rPr>
+              <a:t>管理的主要区域是</a:t>
+            </a:r>
+            <a:r>
+              <a:rPr lang="en-US" altLang="zh-CN" sz="1400" dirty="0">
+                <a:solidFill>
+                  <a:srgbClr val="FF0000"/>
+                </a:solidFill>
+                <a:latin typeface="微软雅黑" panose="020B0503020204020204" pitchFamily="34" charset="-122"/>
+                <a:ea typeface="微软雅黑" panose="020B0503020204020204" pitchFamily="34" charset="-122"/>
+              </a:rPr>
+              <a:t>Java</a:t>
+            </a:r>
+            <a:r>
+              <a:rPr lang="zh-CN" altLang="en-US" sz="1400" dirty="0">
+                <a:solidFill>
+                  <a:srgbClr val="FF0000"/>
+                </a:solidFill>
+                <a:latin typeface="微软雅黑" panose="020B0503020204020204" pitchFamily="34" charset="-122"/>
+                <a:ea typeface="微软雅黑" panose="020B0503020204020204" pitchFamily="34" charset="-122"/>
+              </a:rPr>
+              <a:t>堆，一般情况下只针对堆进行垃圾回收。方法区、</a:t>
+            </a:r>
+            <a:r>
+              <a:rPr lang="en-US" altLang="zh-CN" sz="1400" dirty="0">
+                <a:solidFill>
+                  <a:srgbClr val="FF0000"/>
+                </a:solidFill>
+                <a:latin typeface="微软雅黑" panose="020B0503020204020204" pitchFamily="34" charset="-122"/>
+                <a:ea typeface="微软雅黑" panose="020B0503020204020204" pitchFamily="34" charset="-122"/>
+              </a:rPr>
+              <a:t>JVM</a:t>
+            </a:r>
+            <a:r>
+              <a:rPr lang="zh-CN" altLang="en-US" sz="1400" dirty="0">
+                <a:solidFill>
+                  <a:srgbClr val="FF0000"/>
+                </a:solidFill>
+                <a:latin typeface="微软雅黑" panose="020B0503020204020204" pitchFamily="34" charset="-122"/>
+                <a:ea typeface="微软雅黑" panose="020B0503020204020204" pitchFamily="34" charset="-122"/>
+              </a:rPr>
+              <a:t>栈和</a:t>
+            </a:r>
+            <a:r>
+              <a:rPr lang="en-US" altLang="zh-CN" sz="1400" dirty="0">
+                <a:solidFill>
+                  <a:srgbClr val="FF0000"/>
+                </a:solidFill>
+                <a:latin typeface="微软雅黑" panose="020B0503020204020204" pitchFamily="34" charset="-122"/>
+                <a:ea typeface="微软雅黑" panose="020B0503020204020204" pitchFamily="34" charset="-122"/>
+              </a:rPr>
+              <a:t>Native</a:t>
+            </a:r>
+            <a:r>
+              <a:rPr lang="zh-CN" altLang="en-US" sz="1400" dirty="0">
+                <a:solidFill>
+                  <a:srgbClr val="FF0000"/>
+                </a:solidFill>
+                <a:latin typeface="微软雅黑" panose="020B0503020204020204" pitchFamily="34" charset="-122"/>
+                <a:ea typeface="微软雅黑" panose="020B0503020204020204" pitchFamily="34" charset="-122"/>
+              </a:rPr>
+              <a:t>栈不被</a:t>
+            </a:r>
+            <a:r>
+              <a:rPr lang="en-US" altLang="zh-CN" sz="1400" dirty="0">
+                <a:solidFill>
+                  <a:srgbClr val="FF0000"/>
+                </a:solidFill>
+                <a:latin typeface="微软雅黑" panose="020B0503020204020204" pitchFamily="34" charset="-122"/>
+                <a:ea typeface="微软雅黑" panose="020B0503020204020204" pitchFamily="34" charset="-122"/>
+              </a:rPr>
+              <a:t>GC</a:t>
+            </a:r>
+            <a:r>
+              <a:rPr lang="zh-CN" altLang="en-US" sz="1400" dirty="0">
+                <a:solidFill>
+                  <a:srgbClr val="FF0000"/>
+                </a:solidFill>
+                <a:latin typeface="微软雅黑" panose="020B0503020204020204" pitchFamily="34" charset="-122"/>
+                <a:ea typeface="微软雅黑" panose="020B0503020204020204" pitchFamily="34" charset="-122"/>
+              </a:rPr>
+              <a:t>所管理，因而选择这些非堆区的对象作为</a:t>
+            </a:r>
+            <a:r>
+              <a:rPr lang="en-US" altLang="zh-CN" sz="1400" dirty="0">
+                <a:solidFill>
+                  <a:srgbClr val="FF0000"/>
+                </a:solidFill>
+                <a:latin typeface="微软雅黑" panose="020B0503020204020204" pitchFamily="34" charset="-122"/>
+                <a:ea typeface="微软雅黑" panose="020B0503020204020204" pitchFamily="34" charset="-122"/>
+              </a:rPr>
+              <a:t>GC roots</a:t>
+            </a:r>
+            <a:r>
+              <a:rPr lang="zh-CN" altLang="en-US" sz="1400" dirty="0">
+                <a:solidFill>
+                  <a:srgbClr val="FF0000"/>
+                </a:solidFill>
+                <a:latin typeface="微软雅黑" panose="020B0503020204020204" pitchFamily="34" charset="-122"/>
+                <a:ea typeface="微软雅黑" panose="020B0503020204020204" pitchFamily="34" charset="-122"/>
+              </a:rPr>
+              <a:t>，被</a:t>
+            </a:r>
+            <a:r>
+              <a:rPr lang="en-US" altLang="zh-CN" sz="1400" dirty="0">
+                <a:solidFill>
+                  <a:srgbClr val="FF0000"/>
+                </a:solidFill>
+                <a:latin typeface="微软雅黑" panose="020B0503020204020204" pitchFamily="34" charset="-122"/>
+                <a:ea typeface="微软雅黑" panose="020B0503020204020204" pitchFamily="34" charset="-122"/>
+              </a:rPr>
+              <a:t>GC roots</a:t>
+            </a:r>
+            <a:r>
+              <a:rPr lang="zh-CN" altLang="en-US" sz="1400" dirty="0">
+                <a:solidFill>
+                  <a:srgbClr val="FF0000"/>
+                </a:solidFill>
+                <a:latin typeface="微软雅黑" panose="020B0503020204020204" pitchFamily="34" charset="-122"/>
+                <a:ea typeface="微软雅黑" panose="020B0503020204020204" pitchFamily="34" charset="-122"/>
+              </a:rPr>
+              <a:t>引用的对象不被</a:t>
+            </a:r>
+            <a:r>
+              <a:rPr lang="en-US" altLang="zh-CN" sz="1400" dirty="0">
+                <a:solidFill>
+                  <a:srgbClr val="FF0000"/>
+                </a:solidFill>
+                <a:latin typeface="微软雅黑" panose="020B0503020204020204" pitchFamily="34" charset="-122"/>
+                <a:ea typeface="微软雅黑" panose="020B0503020204020204" pitchFamily="34" charset="-122"/>
+              </a:rPr>
+              <a:t>GC</a:t>
+            </a:r>
+            <a:r>
+              <a:rPr lang="zh-CN" altLang="en-US" sz="1400" dirty="0">
+                <a:solidFill>
+                  <a:srgbClr val="FF0000"/>
+                </a:solidFill>
+                <a:latin typeface="微软雅黑" panose="020B0503020204020204" pitchFamily="34" charset="-122"/>
+                <a:ea typeface="微软雅黑" panose="020B0503020204020204" pitchFamily="34" charset="-122"/>
+              </a:rPr>
+              <a:t>回收。</a:t>
+            </a:r>
+          </a:p>
+        </p:txBody>
+      </p:sp>
+    </p:spTree>
+    <p:extLst>
+      <p:ext uri="{BB962C8B-B14F-4D97-AF65-F5344CB8AC3E}">
+        <p14:creationId xmlns:p14="http://schemas.microsoft.com/office/powerpoint/2010/main" val="3851370219"/>
+      </p:ext>
+    </p:extLst>
+  </p:cSld>
+  <p:clrMapOvr>
+    <a:masterClrMapping/>
+  </p:clrMapOvr>
+</p:sld>
+</file>
+
+<file path=ppt/slides/slide5.xml><?xml version="1.0" encoding="utf-8"?>
 <p:sld xmlns:a="http://schemas.openxmlformats.org/drawingml/2006/main" xmlns:r="http://schemas.openxmlformats.org/officeDocument/2006/relationships" xmlns:p="http://schemas.openxmlformats.org/presentationml/2006/main">
   <p:cSld>
     <p:bg>
@@ -15177,7 +19470,7 @@
         </p:nvSpPr>
         <p:spPr>
           <a:xfrm>
-            <a:off x="386220" y="4789758"/>
+            <a:off x="520124" y="5538104"/>
             <a:ext cx="11547161" cy="1200329"/>
           </a:xfrm>
           <a:prstGeom prst="rect">
@@ -15464,7 +19757,7 @@
 </p:sld>
 </file>
 
-<file path=ppt/slides/slide4.xml><?xml version="1.0" encoding="utf-8"?>
+<file path=ppt/slides/slide6.xml><?xml version="1.0" encoding="utf-8"?>
 <p:sld xmlns:a="http://schemas.openxmlformats.org/drawingml/2006/main" xmlns:r="http://schemas.openxmlformats.org/officeDocument/2006/relationships" xmlns:p="http://schemas.openxmlformats.org/presentationml/2006/main">
   <p:cSld>
     <p:bg>
@@ -17541,7 +21834,7 @@
 </p:sld>
 </file>
 
-<file path=ppt/slides/slide5.xml><?xml version="1.0" encoding="utf-8"?>
+<file path=ppt/slides/slide7.xml><?xml version="1.0" encoding="utf-8"?>
 <p:sld xmlns:a="http://schemas.openxmlformats.org/drawingml/2006/main" xmlns:r="http://schemas.openxmlformats.org/officeDocument/2006/relationships" xmlns:p="http://schemas.openxmlformats.org/presentationml/2006/main">
   <p:cSld>
     <p:bg>
@@ -18446,7 +22739,7 @@
 </p:sld>
 </file>
 
-<file path=ppt/slides/slide6.xml><?xml version="1.0" encoding="utf-8"?>
+<file path=ppt/slides/slide8.xml><?xml version="1.0" encoding="utf-8"?>
 <p:sld xmlns:a="http://schemas.openxmlformats.org/drawingml/2006/main" xmlns:r="http://schemas.openxmlformats.org/officeDocument/2006/relationships" xmlns:p="http://schemas.openxmlformats.org/presentationml/2006/main">
   <p:cSld>
     <p:bg>
@@ -20846,7 +25139,7 @@
 </p:sld>
 </file>
 
-<file path=ppt/slides/slide7.xml><?xml version="1.0" encoding="utf-8"?>
+<file path=ppt/slides/slide9.xml><?xml version="1.0" encoding="utf-8"?>
 <p:sld xmlns:a="http://schemas.openxmlformats.org/drawingml/2006/main" xmlns:r="http://schemas.openxmlformats.org/officeDocument/2006/relationships" xmlns:p="http://schemas.openxmlformats.org/presentationml/2006/main">
   <p:cSld>
     <p:bg>
@@ -23009,479 +27302,6 @@
 </p:sld>
 </file>
 
-<file path=ppt/slides/slide8.xml><?xml version="1.0" encoding="utf-8"?>
-<p:sld xmlns:a="http://schemas.openxmlformats.org/drawingml/2006/main" xmlns:r="http://schemas.openxmlformats.org/officeDocument/2006/relationships" xmlns:p="http://schemas.openxmlformats.org/presentationml/2006/main">
-  <p:cSld>
-    <p:bg>
-      <p:bgPr>
-        <a:solidFill>
-          <a:schemeClr val="bg1">
-            <a:lumMod val="95000"/>
-          </a:schemeClr>
-        </a:solidFill>
-        <a:effectLst/>
-      </p:bgPr>
-    </p:bg>
-    <p:spTree>
-      <p:nvGrpSpPr>
-        <p:cNvPr id="1" name=""/>
-        <p:cNvGrpSpPr/>
-        <p:nvPr/>
-      </p:nvGrpSpPr>
-      <p:grpSpPr>
-        <a:xfrm>
-          <a:off x="0" y="0"/>
-          <a:ext cx="0" cy="0"/>
-          <a:chOff x="0" y="0"/>
-          <a:chExt cx="0" cy="0"/>
-        </a:xfrm>
-      </p:grpSpPr>
-      <p:sp>
-        <p:nvSpPr>
-          <p:cNvPr id="4" name="文本框 3">
-            <a:extLst>
-              <a:ext uri="{FF2B5EF4-FFF2-40B4-BE49-F238E27FC236}">
-                <a16:creationId xmlns:a16="http://schemas.microsoft.com/office/drawing/2014/main" id="{2341CA69-234E-4AF6-8643-B3D1CD565294}"/>
-              </a:ext>
-            </a:extLst>
-          </p:cNvPr>
-          <p:cNvSpPr txBox="1"/>
-          <p:nvPr/>
-        </p:nvSpPr>
-        <p:spPr>
-          <a:xfrm>
-            <a:off x="0" y="0"/>
-            <a:ext cx="12192000" cy="369332"/>
-          </a:xfrm>
-          <a:prstGeom prst="rect">
-            <a:avLst/>
-          </a:prstGeom>
-          <a:solidFill>
-            <a:srgbClr val="002060"/>
-          </a:solidFill>
-        </p:spPr>
-        <p:txBody>
-          <a:bodyPr wrap="square" rtlCol="0">
-            <a:spAutoFit/>
-          </a:bodyPr>
-          <a:lstStyle>
-            <a:defPPr>
-              <a:defRPr lang="zh-CN"/>
-            </a:defPPr>
-            <a:lvl1pPr>
-              <a:defRPr b="1">
-                <a:solidFill>
-                  <a:schemeClr val="bg1"/>
-                </a:solidFill>
-              </a:defRPr>
-            </a:lvl1pPr>
-          </a:lstStyle>
-          <a:p>
-            <a:r>
-              <a:rPr lang="en-US" altLang="zh-CN" dirty="0"/>
-              <a:t>JMM—volatile</a:t>
-            </a:r>
-            <a:r>
-              <a:rPr lang="zh-CN" altLang="en-US" dirty="0"/>
-              <a:t>关键字：变量在多线程间可见的原理</a:t>
-            </a:r>
-          </a:p>
-        </p:txBody>
-      </p:sp>
-      <p:pic>
-        <p:nvPicPr>
-          <p:cNvPr id="5" name="图片 4">
-            <a:extLst>
-              <a:ext uri="{FF2B5EF4-FFF2-40B4-BE49-F238E27FC236}">
-                <a16:creationId xmlns:a16="http://schemas.microsoft.com/office/drawing/2014/main" id="{C92E68C2-B9AB-4F18-8102-B28BF9996B6C}"/>
-              </a:ext>
-            </a:extLst>
-          </p:cNvPr>
-          <p:cNvPicPr>
-            <a:picLocks noChangeAspect="1"/>
-          </p:cNvPicPr>
-          <p:nvPr/>
-        </p:nvPicPr>
-        <p:blipFill>
-          <a:blip r:embed="rId3"/>
-          <a:stretch>
-            <a:fillRect/>
-          </a:stretch>
-        </p:blipFill>
-        <p:spPr>
-          <a:xfrm>
-            <a:off x="325820" y="492733"/>
-            <a:ext cx="10872281" cy="6269930"/>
-          </a:xfrm>
-          <a:prstGeom prst="rect">
-            <a:avLst/>
-          </a:prstGeom>
-        </p:spPr>
-      </p:pic>
-    </p:spTree>
-    <p:extLst>
-      <p:ext uri="{BB962C8B-B14F-4D97-AF65-F5344CB8AC3E}">
-        <p14:creationId xmlns:p14="http://schemas.microsoft.com/office/powerpoint/2010/main" val="495636820"/>
-      </p:ext>
-    </p:extLst>
-  </p:cSld>
-  <p:clrMapOvr>
-    <a:masterClrMapping/>
-  </p:clrMapOvr>
-</p:sld>
-</file>
-
-<file path=ppt/slides/slide9.xml><?xml version="1.0" encoding="utf-8"?>
-<p:sld xmlns:a="http://schemas.openxmlformats.org/drawingml/2006/main" xmlns:r="http://schemas.openxmlformats.org/officeDocument/2006/relationships" xmlns:p="http://schemas.openxmlformats.org/presentationml/2006/main">
-  <p:cSld>
-    <p:bg>
-      <p:bgPr>
-        <a:solidFill>
-          <a:schemeClr val="bg1">
-            <a:lumMod val="95000"/>
-          </a:schemeClr>
-        </a:solidFill>
-        <a:effectLst/>
-      </p:bgPr>
-    </p:bg>
-    <p:spTree>
-      <p:nvGrpSpPr>
-        <p:cNvPr id="1" name=""/>
-        <p:cNvGrpSpPr/>
-        <p:nvPr/>
-      </p:nvGrpSpPr>
-      <p:grpSpPr>
-        <a:xfrm>
-          <a:off x="0" y="0"/>
-          <a:ext cx="0" cy="0"/>
-          <a:chOff x="0" y="0"/>
-          <a:chExt cx="0" cy="0"/>
-        </a:xfrm>
-      </p:grpSpPr>
-      <p:sp>
-        <p:nvSpPr>
-          <p:cNvPr id="4" name="文本框 3">
-            <a:extLst>
-              <a:ext uri="{FF2B5EF4-FFF2-40B4-BE49-F238E27FC236}">
-                <a16:creationId xmlns:a16="http://schemas.microsoft.com/office/drawing/2014/main" id="{2341CA69-234E-4AF6-8643-B3D1CD565294}"/>
-              </a:ext>
-            </a:extLst>
-          </p:cNvPr>
-          <p:cNvSpPr txBox="1"/>
-          <p:nvPr/>
-        </p:nvSpPr>
-        <p:spPr>
-          <a:xfrm>
-            <a:off x="0" y="0"/>
-            <a:ext cx="12192000" cy="369332"/>
-          </a:xfrm>
-          <a:prstGeom prst="rect">
-            <a:avLst/>
-          </a:prstGeom>
-          <a:solidFill>
-            <a:srgbClr val="002060"/>
-          </a:solidFill>
-        </p:spPr>
-        <p:txBody>
-          <a:bodyPr wrap="square" rtlCol="0">
-            <a:spAutoFit/>
-          </a:bodyPr>
-          <a:lstStyle>
-            <a:defPPr>
-              <a:defRPr lang="zh-CN"/>
-            </a:defPPr>
-            <a:lvl1pPr>
-              <a:defRPr b="1">
-                <a:solidFill>
-                  <a:schemeClr val="bg1"/>
-                </a:solidFill>
-              </a:defRPr>
-            </a:lvl1pPr>
-          </a:lstStyle>
-          <a:p>
-            <a:r>
-              <a:rPr lang="en-US" altLang="zh-CN" dirty="0"/>
-              <a:t>JMM—volatile</a:t>
-            </a:r>
-            <a:endParaRPr lang="zh-CN" altLang="en-US" dirty="0"/>
-          </a:p>
-        </p:txBody>
-      </p:sp>
-      <p:sp>
-        <p:nvSpPr>
-          <p:cNvPr id="2" name="矩形 1">
-            <a:extLst>
-              <a:ext uri="{FF2B5EF4-FFF2-40B4-BE49-F238E27FC236}">
-                <a16:creationId xmlns:a16="http://schemas.microsoft.com/office/drawing/2014/main" id="{A85E56FB-48BC-4D6B-A82F-B5B9B4ADF5F8}"/>
-              </a:ext>
-            </a:extLst>
-          </p:cNvPr>
-          <p:cNvSpPr/>
-          <p:nvPr/>
-        </p:nvSpPr>
-        <p:spPr>
-          <a:xfrm>
-            <a:off x="99408" y="457398"/>
-            <a:ext cx="10857186" cy="954107"/>
-          </a:xfrm>
-          <a:prstGeom prst="rect">
-            <a:avLst/>
-          </a:prstGeom>
-        </p:spPr>
-        <p:txBody>
-          <a:bodyPr wrap="square">
-            <a:spAutoFit/>
-          </a:bodyPr>
-          <a:lstStyle/>
-          <a:p>
-            <a:r>
-              <a:rPr lang="en-US" altLang="zh-CN" sz="1400" dirty="0"/>
-              <a:t>volatile</a:t>
-            </a:r>
-            <a:r>
-              <a:rPr lang="zh-CN" altLang="en-US" sz="1400" dirty="0"/>
-              <a:t>变量自身具有下列特性：</a:t>
-            </a:r>
-          </a:p>
-          <a:p>
-            <a:r>
-              <a:rPr lang="zh-CN" altLang="en-US" sz="1400" b="1" dirty="0">
-                <a:solidFill>
-                  <a:srgbClr val="FF0000"/>
-                </a:solidFill>
-              </a:rPr>
-              <a:t>可见性：</a:t>
-            </a:r>
-            <a:r>
-              <a:rPr lang="zh-CN" altLang="en-US" sz="1400" dirty="0"/>
-              <a:t>对一个</a:t>
-            </a:r>
-            <a:r>
-              <a:rPr lang="en-US" altLang="zh-CN" sz="1400" dirty="0"/>
-              <a:t>volatile</a:t>
-            </a:r>
-            <a:r>
-              <a:rPr lang="zh-CN" altLang="en-US" sz="1400" dirty="0"/>
-              <a:t>变量的读，总是能看到（任意线程）对这个</a:t>
-            </a:r>
-            <a:r>
-              <a:rPr lang="en-US" altLang="zh-CN" sz="1400" dirty="0"/>
-              <a:t>volatile</a:t>
-            </a:r>
-            <a:r>
-              <a:rPr lang="zh-CN" altLang="en-US" sz="1400" dirty="0"/>
-              <a:t>变量最后的写入。</a:t>
-            </a:r>
-          </a:p>
-          <a:p>
-            <a:r>
-              <a:rPr lang="zh-CN" altLang="en-US" sz="1400" b="1" dirty="0">
-                <a:solidFill>
-                  <a:srgbClr val="FF0000"/>
-                </a:solidFill>
-              </a:rPr>
-              <a:t>原子性：</a:t>
-            </a:r>
-            <a:r>
-              <a:rPr lang="zh-CN" altLang="en-US" sz="1400" dirty="0"/>
-              <a:t>对任意单个</a:t>
-            </a:r>
-            <a:r>
-              <a:rPr lang="en-US" altLang="zh-CN" sz="1400" dirty="0"/>
-              <a:t>volatile</a:t>
-            </a:r>
-            <a:r>
-              <a:rPr lang="zh-CN" altLang="en-US" sz="1400" dirty="0"/>
-              <a:t>变量的读</a:t>
-            </a:r>
-            <a:r>
-              <a:rPr lang="en-US" altLang="zh-CN" sz="1400" dirty="0"/>
-              <a:t>/</a:t>
-            </a:r>
-            <a:r>
-              <a:rPr lang="zh-CN" altLang="en-US" sz="1400" dirty="0"/>
-              <a:t>写具有原子性，但类似于</a:t>
-            </a:r>
-            <a:r>
-              <a:rPr lang="en-US" altLang="zh-CN" sz="1400" dirty="0"/>
-              <a:t>volatile++</a:t>
-            </a:r>
-            <a:r>
-              <a:rPr lang="zh-CN" altLang="en-US" sz="1400" dirty="0"/>
-              <a:t>这种复合操作不具有原子性。</a:t>
-            </a:r>
-            <a:endParaRPr lang="en-US" altLang="zh-CN" sz="1400" dirty="0"/>
-          </a:p>
-          <a:p>
-            <a:r>
-              <a:rPr lang="en-US" altLang="zh-CN" sz="1400" b="1" dirty="0">
-                <a:solidFill>
-                  <a:srgbClr val="FF0000"/>
-                </a:solidFill>
-              </a:rPr>
-              <a:t>volatile</a:t>
-            </a:r>
-            <a:r>
-              <a:rPr lang="zh-CN" altLang="en-US" sz="1400" b="1" dirty="0">
-                <a:solidFill>
-                  <a:srgbClr val="FF0000"/>
-                </a:solidFill>
-              </a:rPr>
-              <a:t>写的内存语义如下：当写一个</a:t>
-            </a:r>
-            <a:r>
-              <a:rPr lang="en-US" altLang="zh-CN" sz="1400" b="1" dirty="0">
-                <a:solidFill>
-                  <a:srgbClr val="FF0000"/>
-                </a:solidFill>
-              </a:rPr>
-              <a:t>volatile</a:t>
-            </a:r>
-            <a:r>
-              <a:rPr lang="zh-CN" altLang="en-US" sz="1400" b="1" dirty="0">
-                <a:solidFill>
-                  <a:srgbClr val="FF0000"/>
-                </a:solidFill>
-              </a:rPr>
-              <a:t>变量时，</a:t>
-            </a:r>
-            <a:r>
-              <a:rPr lang="en-US" altLang="zh-CN" sz="1400" b="1" dirty="0">
-                <a:solidFill>
-                  <a:srgbClr val="FF0000"/>
-                </a:solidFill>
-              </a:rPr>
-              <a:t>JMM</a:t>
-            </a:r>
-            <a:r>
-              <a:rPr lang="zh-CN" altLang="en-US" sz="1400" b="1" dirty="0">
-                <a:solidFill>
-                  <a:srgbClr val="FF0000"/>
-                </a:solidFill>
-              </a:rPr>
-              <a:t>会把该线程对应的本地内存中的共享变量值刷新到主内存</a:t>
-            </a:r>
-          </a:p>
-        </p:txBody>
-      </p:sp>
-      <p:sp>
-        <p:nvSpPr>
-          <p:cNvPr id="6" name="AutoShape 4" descr="https://upload-images.jianshu.io/upload_images/4222138-5b7339e9829f084f.png?imageMogr2/auto-orient/strip%7CimageView2/2/w/523/format/webp">
-            <a:extLst>
-              <a:ext uri="{FF2B5EF4-FFF2-40B4-BE49-F238E27FC236}">
-                <a16:creationId xmlns:a16="http://schemas.microsoft.com/office/drawing/2014/main" id="{B9F22BA2-532C-4827-B019-DE1BD3085B0A}"/>
-              </a:ext>
-            </a:extLst>
-          </p:cNvPr>
-          <p:cNvSpPr>
-            <a:spLocks noChangeAspect="1" noChangeArrowheads="1"/>
-          </p:cNvSpPr>
-          <p:nvPr/>
-        </p:nvSpPr>
-        <p:spPr bwMode="auto">
-          <a:xfrm>
-            <a:off x="6096000" y="3429000"/>
-            <a:ext cx="304800" cy="304800"/>
-          </a:xfrm>
-          <a:prstGeom prst="rect">
-            <a:avLst/>
-          </a:prstGeom>
-          <a:noFill/>
-          <a:extLst>
-            <a:ext uri="{909E8E84-426E-40DD-AFC4-6F175D3DCCD1}">
-              <a14:hiddenFill xmlns:a14="http://schemas.microsoft.com/office/drawing/2010/main">
-                <a:solidFill>
-                  <a:srgbClr val="FFFFFF"/>
-                </a:solidFill>
-              </a14:hiddenFill>
-            </a:ext>
-          </a:extLst>
-        </p:spPr>
-        <p:txBody>
-          <a:bodyPr vert="horz" wrap="square" lIns="91440" tIns="45720" rIns="91440" bIns="45720" numCol="1" anchor="t" anchorCtr="0" compatLnSpc="1">
-            <a:prstTxWarp prst="textNoShape">
-              <a:avLst/>
-            </a:prstTxWarp>
-          </a:bodyPr>
-          <a:lstStyle/>
-          <a:p>
-            <a:endParaRPr lang="zh-CN" altLang="en-US"/>
-          </a:p>
-        </p:txBody>
-      </p:sp>
-      <p:pic>
-        <p:nvPicPr>
-          <p:cNvPr id="7" name="图片 6">
-            <a:extLst>
-              <a:ext uri="{FF2B5EF4-FFF2-40B4-BE49-F238E27FC236}">
-                <a16:creationId xmlns:a16="http://schemas.microsoft.com/office/drawing/2014/main" id="{7155ECDD-661E-48D1-8792-C26C47D68566}"/>
-              </a:ext>
-            </a:extLst>
-          </p:cNvPr>
-          <p:cNvPicPr>
-            <a:picLocks noChangeAspect="1"/>
-          </p:cNvPicPr>
-          <p:nvPr/>
-        </p:nvPicPr>
-        <p:blipFill>
-          <a:blip r:embed="rId3"/>
-          <a:stretch>
-            <a:fillRect/>
-          </a:stretch>
-        </p:blipFill>
-        <p:spPr>
-          <a:xfrm>
-            <a:off x="99408" y="1608030"/>
-            <a:ext cx="6632907" cy="4719000"/>
-          </a:xfrm>
-          <a:prstGeom prst="rect">
-            <a:avLst/>
-          </a:prstGeom>
-        </p:spPr>
-      </p:pic>
-      <p:pic>
-        <p:nvPicPr>
-          <p:cNvPr id="8" name="图片 7">
-            <a:extLst>
-              <a:ext uri="{FF2B5EF4-FFF2-40B4-BE49-F238E27FC236}">
-                <a16:creationId xmlns:a16="http://schemas.microsoft.com/office/drawing/2014/main" id="{F6BB4022-B452-45AA-9CB0-5CD272A614F8}"/>
-              </a:ext>
-            </a:extLst>
-          </p:cNvPr>
-          <p:cNvPicPr>
-            <a:picLocks noChangeAspect="1"/>
-          </p:cNvPicPr>
-          <p:nvPr/>
-        </p:nvPicPr>
-        <p:blipFill>
-          <a:blip r:embed="rId4"/>
-          <a:stretch>
-            <a:fillRect/>
-          </a:stretch>
-        </p:blipFill>
-        <p:spPr>
-          <a:xfrm>
-            <a:off x="6585848" y="1608030"/>
-            <a:ext cx="5506744" cy="4919200"/>
-          </a:xfrm>
-          <a:prstGeom prst="rect">
-            <a:avLst/>
-          </a:prstGeom>
-        </p:spPr>
-      </p:pic>
-    </p:spTree>
-    <p:extLst>
-      <p:ext uri="{BB962C8B-B14F-4D97-AF65-F5344CB8AC3E}">
-        <p14:creationId xmlns:p14="http://schemas.microsoft.com/office/powerpoint/2010/main" val="2819840732"/>
-      </p:ext>
-    </p:extLst>
-  </p:cSld>
-  <p:clrMapOvr>
-    <a:masterClrMapping/>
-  </p:clrMapOvr>
-</p:sld>
-</file>
-
 <file path=ppt/theme/theme1.xml><?xml version="1.0" encoding="utf-8"?>
 <a:theme xmlns:a="http://schemas.openxmlformats.org/drawingml/2006/main" name="Office 主题​​">
   <a:themeElements>

--- a/Java.pptx
+++ b/Java.pptx
@@ -5,7 +5,7 @@
     <p:sldMasterId id="2147483648" r:id="rId1"/>
   </p:sldMasterIdLst>
   <p:notesMasterIdLst>
-    <p:notesMasterId r:id="rId16"/>
+    <p:notesMasterId r:id="rId17"/>
   </p:notesMasterIdLst>
   <p:sldIdLst>
     <p:sldId id="256" r:id="rId2"/>
@@ -20,8 +20,9 @@
     <p:sldId id="263" r:id="rId11"/>
     <p:sldId id="265" r:id="rId12"/>
     <p:sldId id="266" r:id="rId13"/>
-    <p:sldId id="267" r:id="rId14"/>
-    <p:sldId id="264" r:id="rId15"/>
+    <p:sldId id="270" r:id="rId14"/>
+    <p:sldId id="267" r:id="rId15"/>
+    <p:sldId id="264" r:id="rId16"/>
   </p:sldIdLst>
   <p:sldSz cx="12192000" cy="6858000"/>
   <p:notesSz cx="6858000" cy="9144000"/>
@@ -210,7 +211,7 @@
           <a:p>
             <a:fld id="{DA138970-91FA-43C7-A2C4-4F47DFBC178E}" type="datetimeFigureOut">
               <a:rPr lang="zh-CN" altLang="en-US" smtClean="0"/>
-              <a:t>2019/9/16</a:t>
+              <a:t>2019/9/18</a:t>
             </a:fld>
             <a:endParaRPr lang="zh-CN" altLang="en-US"/>
           </a:p>
@@ -605,6 +606,240 @@
           <a:bodyPr/>
           <a:lstStyle/>
           <a:p>
+            <a:pPr rtl="0"/>
+            <a:r>
+              <a:rPr lang="zh-CN" altLang="en-US" sz="1200" b="0" i="0" u="none" strike="noStrike" kern="1200" baseline="0" dirty="0">
+                <a:solidFill>
+                  <a:schemeClr val="tx1"/>
+                </a:solidFill>
+                <a:latin typeface="+mn-lt"/>
+                <a:ea typeface="+mn-ea"/>
+                <a:cs typeface="+mn-cs"/>
+              </a:rPr>
+              <a:t>线程从主内存读取变量的过程：</a:t>
+            </a:r>
+          </a:p>
+          <a:p>
+            <a:pPr rtl="0"/>
+            <a:r>
+              <a:rPr lang="en-US" altLang="zh-CN" sz="1200" b="0" i="0" u="none" strike="noStrike" kern="1200" baseline="0" dirty="0">
+                <a:solidFill>
+                  <a:schemeClr val="tx1"/>
+                </a:solidFill>
+                <a:latin typeface="+mn-lt"/>
+                <a:ea typeface="+mn-ea"/>
+                <a:cs typeface="+mn-cs"/>
+              </a:rPr>
+              <a:t>1 .read - </a:t>
+            </a:r>
+            <a:r>
+              <a:rPr lang="zh-CN" altLang="en-US" sz="1200" b="0" i="0" u="none" strike="noStrike" kern="1200" baseline="0" dirty="0">
+                <a:solidFill>
+                  <a:schemeClr val="tx1"/>
+                </a:solidFill>
+                <a:latin typeface="+mn-lt"/>
+                <a:ea typeface="+mn-ea"/>
+                <a:cs typeface="+mn-cs"/>
+              </a:rPr>
+              <a:t>从主存中读取数据</a:t>
+            </a:r>
+          </a:p>
+          <a:p>
+            <a:pPr rtl="0"/>
+            <a:r>
+              <a:rPr lang="en-US" altLang="zh-CN" sz="1200" b="0" i="0" u="none" strike="noStrike" kern="1200" baseline="0" dirty="0">
+                <a:solidFill>
+                  <a:schemeClr val="tx1"/>
+                </a:solidFill>
+                <a:latin typeface="+mn-lt"/>
+                <a:ea typeface="+mn-ea"/>
+                <a:cs typeface="+mn-cs"/>
+              </a:rPr>
+              <a:t>2. load - </a:t>
+            </a:r>
+            <a:r>
+              <a:rPr lang="zh-CN" altLang="en-US" sz="1200" b="0" i="0" u="none" strike="noStrike" kern="1200" baseline="0" dirty="0">
+                <a:solidFill>
+                  <a:schemeClr val="tx1"/>
+                </a:solidFill>
+                <a:latin typeface="+mn-lt"/>
+                <a:ea typeface="+mn-ea"/>
+                <a:cs typeface="+mn-cs"/>
+              </a:rPr>
+              <a:t>将从主存中读取的数据加载到工作内存中</a:t>
+            </a:r>
+          </a:p>
+          <a:p>
+            <a:pPr rtl="0"/>
+            <a:r>
+              <a:rPr lang="en-US" altLang="zh-CN" sz="1200" b="0" i="0" u="none" strike="noStrike" kern="1200" baseline="0" dirty="0">
+                <a:solidFill>
+                  <a:schemeClr val="tx1"/>
+                </a:solidFill>
+                <a:latin typeface="+mn-lt"/>
+                <a:ea typeface="+mn-ea"/>
+                <a:cs typeface="+mn-cs"/>
+              </a:rPr>
+              <a:t>3. use - </a:t>
+            </a:r>
+            <a:r>
+              <a:rPr lang="zh-CN" altLang="en-US" sz="1200" b="0" i="0" u="none" strike="noStrike" kern="1200" baseline="0" dirty="0">
+                <a:solidFill>
+                  <a:schemeClr val="tx1"/>
+                </a:solidFill>
+                <a:latin typeface="+mn-lt"/>
+                <a:ea typeface="+mn-ea"/>
+                <a:cs typeface="+mn-cs"/>
+              </a:rPr>
+              <a:t>线程从工作内存中读取数据使用</a:t>
+            </a:r>
+          </a:p>
+          <a:p>
+            <a:pPr rtl="0"/>
+            <a:r>
+              <a:rPr lang="en-US" altLang="zh-CN" sz="1200" b="0" i="0" u="none" strike="noStrike" kern="1200" baseline="0" dirty="0">
+                <a:solidFill>
+                  <a:schemeClr val="tx1"/>
+                </a:solidFill>
+                <a:latin typeface="+mn-lt"/>
+                <a:ea typeface="+mn-ea"/>
+                <a:cs typeface="+mn-cs"/>
+              </a:rPr>
+              <a:t>4. assign - </a:t>
+            </a:r>
+            <a:r>
+              <a:rPr lang="zh-CN" altLang="en-US" sz="1200" b="0" i="0" u="none" strike="noStrike" kern="1200" baseline="0" dirty="0">
+                <a:solidFill>
+                  <a:schemeClr val="tx1"/>
+                </a:solidFill>
+                <a:latin typeface="+mn-lt"/>
+                <a:ea typeface="+mn-ea"/>
+                <a:cs typeface="+mn-cs"/>
+              </a:rPr>
+              <a:t>线程改变数据并写入到工作内存中</a:t>
+            </a:r>
+          </a:p>
+          <a:p>
+            <a:pPr rtl="0"/>
+            <a:r>
+              <a:rPr lang="en-US" altLang="zh-CN" sz="1200" b="0" i="0" u="none" strike="noStrike" kern="1200" baseline="0" dirty="0">
+                <a:solidFill>
+                  <a:schemeClr val="tx1"/>
+                </a:solidFill>
+                <a:latin typeface="+mn-lt"/>
+                <a:ea typeface="+mn-ea"/>
+                <a:cs typeface="+mn-cs"/>
+              </a:rPr>
+              <a:t>5. store - </a:t>
+            </a:r>
+            <a:r>
+              <a:rPr lang="zh-CN" altLang="en-US" sz="1200" b="0" i="0" u="none" strike="noStrike" kern="1200" baseline="0" dirty="0">
+                <a:solidFill>
+                  <a:schemeClr val="tx1"/>
+                </a:solidFill>
+                <a:latin typeface="+mn-lt"/>
+                <a:ea typeface="+mn-ea"/>
+                <a:cs typeface="+mn-cs"/>
+              </a:rPr>
+              <a:t>将工作内存中的数据写入到主存</a:t>
+            </a:r>
+          </a:p>
+          <a:p>
+            <a:pPr rtl="0"/>
+            <a:r>
+              <a:rPr lang="en-US" altLang="zh-CN" sz="1200" b="0" i="0" u="none" strike="noStrike" kern="1200" baseline="0" dirty="0">
+                <a:solidFill>
+                  <a:schemeClr val="tx1"/>
+                </a:solidFill>
+                <a:latin typeface="+mn-lt"/>
+                <a:ea typeface="+mn-ea"/>
+                <a:cs typeface="+mn-cs"/>
+              </a:rPr>
+              <a:t>6. write - </a:t>
+            </a:r>
+            <a:r>
+              <a:rPr lang="zh-CN" altLang="en-US" sz="1200" b="0" i="0" u="none" strike="noStrike" kern="1200" baseline="0" dirty="0">
+                <a:solidFill>
+                  <a:schemeClr val="tx1"/>
+                </a:solidFill>
+                <a:latin typeface="+mn-lt"/>
+                <a:ea typeface="+mn-ea"/>
+                <a:cs typeface="+mn-cs"/>
+              </a:rPr>
+              <a:t>将</a:t>
+            </a:r>
+            <a:r>
+              <a:rPr lang="en-US" altLang="zh-CN" sz="1200" b="0" i="0" u="none" strike="noStrike" kern="1200" baseline="0" dirty="0">
+                <a:solidFill>
+                  <a:schemeClr val="tx1"/>
+                </a:solidFill>
+                <a:latin typeface="+mn-lt"/>
+                <a:ea typeface="+mn-ea"/>
+                <a:cs typeface="+mn-cs"/>
+              </a:rPr>
+              <a:t>store</a:t>
+            </a:r>
+            <a:r>
+              <a:rPr lang="zh-CN" altLang="en-US" sz="1200" b="0" i="0" u="none" strike="noStrike" kern="1200" baseline="0" dirty="0">
+                <a:solidFill>
+                  <a:schemeClr val="tx1"/>
+                </a:solidFill>
+                <a:latin typeface="+mn-lt"/>
+                <a:ea typeface="+mn-ea"/>
+                <a:cs typeface="+mn-cs"/>
+              </a:rPr>
+              <a:t>过程中的变量值赋值给主存中的变量</a:t>
+            </a:r>
+          </a:p>
+          <a:p>
+            <a:pPr rtl="0"/>
+            <a:r>
+              <a:rPr lang="en-US" altLang="zh-CN" sz="1200" b="0" i="0" u="none" strike="noStrike" kern="1200" baseline="0" dirty="0">
+                <a:solidFill>
+                  <a:schemeClr val="tx1"/>
+                </a:solidFill>
+                <a:latin typeface="+mn-lt"/>
+                <a:ea typeface="+mn-ea"/>
+                <a:cs typeface="+mn-cs"/>
+              </a:rPr>
+              <a:t>7. lock –</a:t>
+            </a:r>
+            <a:r>
+              <a:rPr lang="zh-CN" altLang="en-US" sz="1200" b="0" i="0" u="none" strike="noStrike" kern="1200" baseline="0" dirty="0">
+                <a:solidFill>
+                  <a:schemeClr val="tx1"/>
+                </a:solidFill>
+                <a:latin typeface="+mn-lt"/>
+                <a:ea typeface="+mn-ea"/>
+                <a:cs typeface="+mn-cs"/>
+              </a:rPr>
+              <a:t> 将主存变量加锁（线程独占）</a:t>
+            </a:r>
+          </a:p>
+          <a:p>
+            <a:pPr rtl="0"/>
+            <a:r>
+              <a:rPr lang="en-US" altLang="zh-CN" sz="1200" b="0" i="0" u="none" strike="noStrike" kern="1200" baseline="0" dirty="0">
+                <a:solidFill>
+                  <a:schemeClr val="tx1"/>
+                </a:solidFill>
+                <a:latin typeface="+mn-lt"/>
+                <a:ea typeface="+mn-ea"/>
+                <a:cs typeface="+mn-cs"/>
+              </a:rPr>
+              <a:t>8. unlock –</a:t>
+            </a:r>
+            <a:r>
+              <a:rPr lang="zh-CN" altLang="en-US" sz="1200" b="0" i="0" u="none" strike="noStrike" kern="1200" baseline="0" dirty="0">
+                <a:solidFill>
+                  <a:schemeClr val="tx1"/>
+                </a:solidFill>
+                <a:latin typeface="+mn-lt"/>
+                <a:ea typeface="+mn-ea"/>
+                <a:cs typeface="+mn-cs"/>
+              </a:rPr>
+              <a:t> 将主存变量解锁，解锁后其它线程可以锁定该变量</a:t>
+            </a:r>
             <a:endParaRPr lang="zh-CN" altLang="en-US" dirty="0"/>
           </a:p>
         </p:txBody>
@@ -627,6 +862,90 @@
             <a:fld id="{0B77BCC6-1F8A-452E-9AE8-956F32ABCC1A}" type="slidenum">
               <a:rPr lang="zh-CN" altLang="en-US" smtClean="0"/>
               <a:t>14</a:t>
+            </a:fld>
+            <a:endParaRPr lang="zh-CN" altLang="en-US"/>
+          </a:p>
+        </p:txBody>
+      </p:sp>
+    </p:spTree>
+    <p:extLst>
+      <p:ext uri="{BB962C8B-B14F-4D97-AF65-F5344CB8AC3E}">
+        <p14:creationId xmlns:p14="http://schemas.microsoft.com/office/powerpoint/2010/main" val="216918709"/>
+      </p:ext>
+    </p:extLst>
+  </p:cSld>
+  <p:clrMapOvr>
+    <a:masterClrMapping/>
+  </p:clrMapOvr>
+</p:notes>
+</file>
+
+<file path=ppt/notesSlides/notesSlide11.xml><?xml version="1.0" encoding="utf-8"?>
+<p:notes xmlns:a="http://schemas.openxmlformats.org/drawingml/2006/main" xmlns:r="http://schemas.openxmlformats.org/officeDocument/2006/relationships" xmlns:p="http://schemas.openxmlformats.org/presentationml/2006/main">
+  <p:cSld>
+    <p:spTree>
+      <p:nvGrpSpPr>
+        <p:cNvPr id="1" name=""/>
+        <p:cNvGrpSpPr/>
+        <p:nvPr/>
+      </p:nvGrpSpPr>
+      <p:grpSpPr>
+        <a:xfrm>
+          <a:off x="0" y="0"/>
+          <a:ext cx="0" cy="0"/>
+          <a:chOff x="0" y="0"/>
+          <a:chExt cx="0" cy="0"/>
+        </a:xfrm>
+      </p:grpSpPr>
+      <p:sp>
+        <p:nvSpPr>
+          <p:cNvPr id="2" name="幻灯片图像占位符 1"/>
+          <p:cNvSpPr>
+            <a:spLocks noGrp="1" noRot="1" noChangeAspect="1"/>
+          </p:cNvSpPr>
+          <p:nvPr>
+            <p:ph type="sldImg"/>
+          </p:nvPr>
+        </p:nvSpPr>
+        <p:spPr/>
+      </p:sp>
+      <p:sp>
+        <p:nvSpPr>
+          <p:cNvPr id="3" name="备注占位符 2"/>
+          <p:cNvSpPr>
+            <a:spLocks noGrp="1"/>
+          </p:cNvSpPr>
+          <p:nvPr>
+            <p:ph type="body" idx="1"/>
+          </p:nvPr>
+        </p:nvSpPr>
+        <p:spPr/>
+        <p:txBody>
+          <a:bodyPr/>
+          <a:lstStyle/>
+          <a:p>
+            <a:endParaRPr lang="zh-CN" altLang="en-US" dirty="0"/>
+          </a:p>
+        </p:txBody>
+      </p:sp>
+      <p:sp>
+        <p:nvSpPr>
+          <p:cNvPr id="4" name="灯片编号占位符 3"/>
+          <p:cNvSpPr>
+            <a:spLocks noGrp="1"/>
+          </p:cNvSpPr>
+          <p:nvPr>
+            <p:ph type="sldNum" sz="quarter" idx="5"/>
+          </p:nvPr>
+        </p:nvSpPr>
+        <p:spPr/>
+        <p:txBody>
+          <a:bodyPr/>
+          <a:lstStyle/>
+          <a:p>
+            <a:fld id="{0B77BCC6-1F8A-452E-9AE8-956F32ABCC1A}" type="slidenum">
+              <a:rPr lang="zh-CN" altLang="en-US" smtClean="0"/>
+              <a:t>15</a:t>
             </a:fld>
             <a:endParaRPr lang="zh-CN" altLang="en-US"/>
           </a:p>
@@ -3613,7 +3932,7 @@
     </p:spTree>
     <p:extLst>
       <p:ext uri="{BB962C8B-B14F-4D97-AF65-F5344CB8AC3E}">
-        <p14:creationId xmlns:p14="http://schemas.microsoft.com/office/powerpoint/2010/main" val="216918709"/>
+        <p14:creationId xmlns:p14="http://schemas.microsoft.com/office/powerpoint/2010/main" val="3795241253"/>
       </p:ext>
     </p:extLst>
   </p:cSld>
@@ -3770,7 +4089,7 @@
           <a:p>
             <a:fld id="{1331EC2B-80D6-4C7C-9EC4-5505DA85B637}" type="datetimeFigureOut">
               <a:rPr lang="zh-CN" altLang="en-US" smtClean="0"/>
-              <a:t>2019/9/16</a:t>
+              <a:t>2019/9/18</a:t>
             </a:fld>
             <a:endParaRPr lang="zh-CN" altLang="en-US"/>
           </a:p>
@@ -3968,7 +4287,7 @@
           <a:p>
             <a:fld id="{1331EC2B-80D6-4C7C-9EC4-5505DA85B637}" type="datetimeFigureOut">
               <a:rPr lang="zh-CN" altLang="en-US" smtClean="0"/>
-              <a:t>2019/9/16</a:t>
+              <a:t>2019/9/18</a:t>
             </a:fld>
             <a:endParaRPr lang="zh-CN" altLang="en-US"/>
           </a:p>
@@ -4176,7 +4495,7 @@
           <a:p>
             <a:fld id="{1331EC2B-80D6-4C7C-9EC4-5505DA85B637}" type="datetimeFigureOut">
               <a:rPr lang="zh-CN" altLang="en-US" smtClean="0"/>
-              <a:t>2019/9/16</a:t>
+              <a:t>2019/9/18</a:t>
             </a:fld>
             <a:endParaRPr lang="zh-CN" altLang="en-US"/>
           </a:p>
@@ -4374,7 +4693,7 @@
           <a:p>
             <a:fld id="{1331EC2B-80D6-4C7C-9EC4-5505DA85B637}" type="datetimeFigureOut">
               <a:rPr lang="zh-CN" altLang="en-US" smtClean="0"/>
-              <a:t>2019/9/16</a:t>
+              <a:t>2019/9/18</a:t>
             </a:fld>
             <a:endParaRPr lang="zh-CN" altLang="en-US"/>
           </a:p>
@@ -4649,7 +4968,7 @@
           <a:p>
             <a:fld id="{1331EC2B-80D6-4C7C-9EC4-5505DA85B637}" type="datetimeFigureOut">
               <a:rPr lang="zh-CN" altLang="en-US" smtClean="0"/>
-              <a:t>2019/9/16</a:t>
+              <a:t>2019/9/18</a:t>
             </a:fld>
             <a:endParaRPr lang="zh-CN" altLang="en-US"/>
           </a:p>
@@ -4914,7 +5233,7 @@
           <a:p>
             <a:fld id="{1331EC2B-80D6-4C7C-9EC4-5505DA85B637}" type="datetimeFigureOut">
               <a:rPr lang="zh-CN" altLang="en-US" smtClean="0"/>
-              <a:t>2019/9/16</a:t>
+              <a:t>2019/9/18</a:t>
             </a:fld>
             <a:endParaRPr lang="zh-CN" altLang="en-US"/>
           </a:p>
@@ -5326,7 +5645,7 @@
           <a:p>
             <a:fld id="{1331EC2B-80D6-4C7C-9EC4-5505DA85B637}" type="datetimeFigureOut">
               <a:rPr lang="zh-CN" altLang="en-US" smtClean="0"/>
-              <a:t>2019/9/16</a:t>
+              <a:t>2019/9/18</a:t>
             </a:fld>
             <a:endParaRPr lang="zh-CN" altLang="en-US"/>
           </a:p>
@@ -5467,7 +5786,7 @@
           <a:p>
             <a:fld id="{1331EC2B-80D6-4C7C-9EC4-5505DA85B637}" type="datetimeFigureOut">
               <a:rPr lang="zh-CN" altLang="en-US" smtClean="0"/>
-              <a:t>2019/9/16</a:t>
+              <a:t>2019/9/18</a:t>
             </a:fld>
             <a:endParaRPr lang="zh-CN" altLang="en-US"/>
           </a:p>
@@ -5580,7 +5899,7 @@
           <a:p>
             <a:fld id="{1331EC2B-80D6-4C7C-9EC4-5505DA85B637}" type="datetimeFigureOut">
               <a:rPr lang="zh-CN" altLang="en-US" smtClean="0"/>
-              <a:t>2019/9/16</a:t>
+              <a:t>2019/9/18</a:t>
             </a:fld>
             <a:endParaRPr lang="zh-CN" altLang="en-US"/>
           </a:p>
@@ -5891,7 +6210,7 @@
           <a:p>
             <a:fld id="{1331EC2B-80D6-4C7C-9EC4-5505DA85B637}" type="datetimeFigureOut">
               <a:rPr lang="zh-CN" altLang="en-US" smtClean="0"/>
-              <a:t>2019/9/16</a:t>
+              <a:t>2019/9/18</a:t>
             </a:fld>
             <a:endParaRPr lang="zh-CN" altLang="en-US"/>
           </a:p>
@@ -6179,7 +6498,7 @@
           <a:p>
             <a:fld id="{1331EC2B-80D6-4C7C-9EC4-5505DA85B637}" type="datetimeFigureOut">
               <a:rPr lang="zh-CN" altLang="en-US" smtClean="0"/>
-              <a:t>2019/9/16</a:t>
+              <a:t>2019/9/18</a:t>
             </a:fld>
             <a:endParaRPr lang="zh-CN" altLang="en-US"/>
           </a:p>
@@ -6420,7 +6739,7 @@
           <a:p>
             <a:fld id="{1331EC2B-80D6-4C7C-9EC4-5505DA85B637}" type="datetimeFigureOut">
               <a:rPr lang="zh-CN" altLang="en-US" smtClean="0"/>
-              <a:t>2019/9/16</a:t>
+              <a:t>2019/9/18</a:t>
             </a:fld>
             <a:endParaRPr lang="zh-CN" altLang="en-US"/>
           </a:p>
@@ -11300,6 +11619,319 @@
           </a:lstStyle>
           <a:p>
             <a:r>
+              <a:rPr lang="zh-CN" altLang="en-US" dirty="0"/>
+              <a:t>线程</a:t>
+            </a:r>
+            <a:r>
+              <a:rPr lang="en-US" altLang="zh-CN" dirty="0"/>
+              <a:t>—</a:t>
+            </a:r>
+            <a:r>
+              <a:rPr lang="zh-CN" altLang="en-US" dirty="0"/>
+              <a:t>线程与</a:t>
+            </a:r>
+            <a:r>
+              <a:rPr lang="en-US" altLang="zh-CN" dirty="0"/>
+              <a:t>CUP</a:t>
+            </a:r>
+            <a:r>
+              <a:rPr lang="zh-CN" altLang="en-US" dirty="0"/>
+              <a:t>的关系</a:t>
+            </a:r>
+          </a:p>
+        </p:txBody>
+      </p:sp>
+      <p:pic>
+        <p:nvPicPr>
+          <p:cNvPr id="1026" name="Picture 2" descr="è¿éåå¾çæè¿°">
+            <a:extLst>
+              <a:ext uri="{FF2B5EF4-FFF2-40B4-BE49-F238E27FC236}">
+                <a16:creationId xmlns:a16="http://schemas.microsoft.com/office/drawing/2014/main" id="{68201A61-4D4E-4E33-82B4-B224712DEBBE}"/>
+              </a:ext>
+            </a:extLst>
+          </p:cNvPr>
+          <p:cNvPicPr>
+            <a:picLocks noChangeAspect="1" noChangeArrowheads="1"/>
+          </p:cNvPicPr>
+          <p:nvPr/>
+        </p:nvPicPr>
+        <p:blipFill>
+          <a:blip r:embed="rId3">
+            <a:extLst>
+              <a:ext uri="{28A0092B-C50C-407E-A947-70E740481C1C}">
+                <a14:useLocalDpi xmlns:a14="http://schemas.microsoft.com/office/drawing/2010/main" val="0"/>
+              </a:ext>
+            </a:extLst>
+          </a:blip>
+          <a:srcRect/>
+          <a:stretch>
+            <a:fillRect/>
+          </a:stretch>
+        </p:blipFill>
+        <p:spPr bwMode="auto">
+          <a:xfrm>
+            <a:off x="6835141" y="505154"/>
+            <a:ext cx="5356859" cy="4229099"/>
+          </a:xfrm>
+          <a:prstGeom prst="rect">
+            <a:avLst/>
+          </a:prstGeom>
+          <a:noFill/>
+          <a:extLst>
+            <a:ext uri="{909E8E84-426E-40DD-AFC4-6F175D3DCCD1}">
+              <a14:hiddenFill xmlns:a14="http://schemas.microsoft.com/office/drawing/2010/main">
+                <a:solidFill>
+                  <a:srgbClr val="FFFFFF"/>
+                </a:solidFill>
+              </a14:hiddenFill>
+            </a:ext>
+          </a:extLst>
+        </p:spPr>
+      </p:pic>
+      <p:pic>
+        <p:nvPicPr>
+          <p:cNvPr id="1028" name="Picture 4" descr="æ ç»æ">
+            <a:extLst>
+              <a:ext uri="{FF2B5EF4-FFF2-40B4-BE49-F238E27FC236}">
+                <a16:creationId xmlns:a16="http://schemas.microsoft.com/office/drawing/2014/main" id="{018F8CEE-C373-456A-A944-A013A421C35A}"/>
+              </a:ext>
+            </a:extLst>
+          </p:cNvPr>
+          <p:cNvPicPr>
+            <a:picLocks noChangeAspect="1" noChangeArrowheads="1"/>
+          </p:cNvPicPr>
+          <p:nvPr/>
+        </p:nvPicPr>
+        <p:blipFill>
+          <a:blip r:embed="rId4">
+            <a:extLst>
+              <a:ext uri="{28A0092B-C50C-407E-A947-70E740481C1C}">
+                <a14:useLocalDpi xmlns:a14="http://schemas.microsoft.com/office/drawing/2010/main" val="0"/>
+              </a:ext>
+            </a:extLst>
+          </a:blip>
+          <a:srcRect/>
+          <a:stretch>
+            <a:fillRect/>
+          </a:stretch>
+        </p:blipFill>
+        <p:spPr bwMode="auto">
+          <a:xfrm>
+            <a:off x="5221146" y="505154"/>
+            <a:ext cx="1466850" cy="4229100"/>
+          </a:xfrm>
+          <a:prstGeom prst="rect">
+            <a:avLst/>
+          </a:prstGeom>
+          <a:noFill/>
+          <a:extLst>
+            <a:ext uri="{909E8E84-426E-40DD-AFC4-6F175D3DCCD1}">
+              <a14:hiddenFill xmlns:a14="http://schemas.microsoft.com/office/drawing/2010/main">
+                <a:solidFill>
+                  <a:srgbClr val="FFFFFF"/>
+                </a:solidFill>
+              </a14:hiddenFill>
+            </a:ext>
+          </a:extLst>
+        </p:spPr>
+      </p:pic>
+      <p:sp>
+        <p:nvSpPr>
+          <p:cNvPr id="2" name="矩形 1">
+            <a:extLst>
+              <a:ext uri="{FF2B5EF4-FFF2-40B4-BE49-F238E27FC236}">
+                <a16:creationId xmlns:a16="http://schemas.microsoft.com/office/drawing/2014/main" id="{A9DD7CFF-FFAE-46E0-9CB2-AEF9136CF01D}"/>
+              </a:ext>
+            </a:extLst>
+          </p:cNvPr>
+          <p:cNvSpPr/>
+          <p:nvPr/>
+        </p:nvSpPr>
+        <p:spPr>
+          <a:xfrm>
+            <a:off x="0" y="391010"/>
+            <a:ext cx="5074002" cy="6555641"/>
+          </a:xfrm>
+          <a:prstGeom prst="rect">
+            <a:avLst/>
+          </a:prstGeom>
+        </p:spPr>
+        <p:txBody>
+          <a:bodyPr wrap="square">
+            <a:spAutoFit/>
+          </a:bodyPr>
+          <a:lstStyle/>
+          <a:p>
+            <a:r>
+              <a:rPr lang="zh-CN" altLang="en-US" sz="1400" b="1" dirty="0">
+                <a:solidFill>
+                  <a:srgbClr val="FF0000"/>
+                </a:solidFill>
+              </a:rPr>
+              <a:t>局部变量表</a:t>
+            </a:r>
+            <a:endParaRPr lang="en-US" altLang="zh-CN" sz="1400" b="1" dirty="0">
+              <a:solidFill>
+                <a:srgbClr val="FF0000"/>
+              </a:solidFill>
+            </a:endParaRPr>
+          </a:p>
+          <a:p>
+            <a:r>
+              <a:rPr lang="zh-CN" altLang="en-US" sz="1400" dirty="0"/>
+              <a:t>保存函数的参数以及局部变量用的，局部变量表中的变量只在当前函数调用中有效，当函数调用结束后，随着函数栈帧的销毁，局部变量表也会随之销毁。存放基本数据类型变量(boolean、byte、char、short、int、float)、引用类型的变量(reference)、returnAddress(指向一条字节码指令的地址)类型的变量。</a:t>
+            </a:r>
+            <a:endParaRPr lang="en-US" altLang="zh-CN" sz="1400" dirty="0"/>
+          </a:p>
+          <a:p>
+            <a:r>
+              <a:rPr lang="zh-CN" altLang="en-US" sz="1400" b="1" dirty="0">
+                <a:solidFill>
+                  <a:srgbClr val="FF0000"/>
+                </a:solidFill>
+              </a:rPr>
+              <a:t>操作数栈</a:t>
+            </a:r>
+            <a:endParaRPr lang="en-US" altLang="zh-CN" sz="1400" b="1" dirty="0">
+              <a:solidFill>
+                <a:srgbClr val="FF0000"/>
+              </a:solidFill>
+            </a:endParaRPr>
+          </a:p>
+          <a:p>
+            <a:r>
+              <a:rPr lang="zh-CN" altLang="en-US" sz="1400" dirty="0"/>
+              <a:t>主要用于保存计算过程的中间结果，同时作为计算过程中变量临时的存储空间。只支持出栈入栈操作。在概念模型中，两个栈帧是相互独立的。但是大多数虚拟机的实现都会进行优化，令两个栈帧出现一部分重叠。令下面的部分操作数栈与上面的局部变量表重叠在一块，这样在方法调用的时候可以共用一部分数据，无需进行额外的参数复制传递。</a:t>
+            </a:r>
+            <a:endParaRPr lang="en-US" altLang="zh-CN" sz="1400" dirty="0"/>
+          </a:p>
+          <a:p>
+            <a:r>
+              <a:rPr lang="zh-CN" altLang="en-US" sz="1400" b="1" dirty="0">
+                <a:solidFill>
+                  <a:srgbClr val="FF0000"/>
+                </a:solidFill>
+              </a:rPr>
+              <a:t>动态链接</a:t>
+            </a:r>
+            <a:endParaRPr lang="en-US" altLang="zh-CN" sz="1400" b="1" dirty="0">
+              <a:solidFill>
+                <a:srgbClr val="FF0000"/>
+              </a:solidFill>
+            </a:endParaRPr>
+          </a:p>
+          <a:p>
+            <a:r>
+              <a:rPr lang="zh-CN" altLang="en-US" sz="1400" dirty="0"/>
+              <a:t>每个栈帧都包含一个指向运行时常量池中该栈帧所属性方法的引用，持有这个引用是为了支持方法调用过程中的动态连接。在Class文件的常量池中存有大量的 符号引用，字节码中的方法调用指令就以常量池中指向方法的符号引用为参数。这些符号引用一部分会在类加载阶段或第一次使用的时候转化为直接引用，这种转化 称为静态解析。另外一部分将在每一次的运行期期间转化为直接引用，这部分称为动态连接。</a:t>
+            </a:r>
+            <a:endParaRPr lang="en-US" altLang="zh-CN" sz="1400" dirty="0"/>
+          </a:p>
+          <a:p>
+            <a:r>
+              <a:rPr lang="zh-CN" altLang="en-US" sz="1400" b="1" dirty="0">
+                <a:solidFill>
+                  <a:srgbClr val="FF0000"/>
+                </a:solidFill>
+              </a:rPr>
+              <a:t>方法出口信息</a:t>
+            </a:r>
+            <a:endParaRPr lang="en-US" altLang="zh-CN" sz="1400" b="1" dirty="0">
+              <a:solidFill>
+                <a:srgbClr val="FF0000"/>
+              </a:solidFill>
+            </a:endParaRPr>
+          </a:p>
+          <a:p>
+            <a:r>
+              <a:rPr lang="zh-CN" altLang="en-US" sz="1400" dirty="0"/>
+              <a:t>在方法退出之前，都需要返回到方法被调用的位置，程序才能继续执行，方法返回时可能需要在栈帧中保存一些信息，用来帮助恢复它的上 层方法的执行状态。一般来说，方法正常退出时，调用者PC计数器的值就可以作为返回地址，栈帧中很可能会保存这个计数器值。而方法异常退出时，返回地址要通过异常处理器来确定的，栈帧中一般不会保存这部分信息其他</a:t>
+            </a:r>
+          </a:p>
+        </p:txBody>
+      </p:sp>
+    </p:spTree>
+    <p:extLst>
+      <p:ext uri="{BB962C8B-B14F-4D97-AF65-F5344CB8AC3E}">
+        <p14:creationId xmlns:p14="http://schemas.microsoft.com/office/powerpoint/2010/main" val="2228455014"/>
+      </p:ext>
+    </p:extLst>
+  </p:cSld>
+  <p:clrMapOvr>
+    <a:masterClrMapping/>
+  </p:clrMapOvr>
+</p:sld>
+</file>
+
+<file path=ppt/slides/slide14.xml><?xml version="1.0" encoding="utf-8"?>
+<p:sld xmlns:a="http://schemas.openxmlformats.org/drawingml/2006/main" xmlns:r="http://schemas.openxmlformats.org/officeDocument/2006/relationships" xmlns:p="http://schemas.openxmlformats.org/presentationml/2006/main">
+  <p:cSld>
+    <p:bg>
+      <p:bgPr>
+        <a:solidFill>
+          <a:schemeClr val="bg1">
+            <a:lumMod val="95000"/>
+          </a:schemeClr>
+        </a:solidFill>
+        <a:effectLst/>
+      </p:bgPr>
+    </p:bg>
+    <p:spTree>
+      <p:nvGrpSpPr>
+        <p:cNvPr id="1" name=""/>
+        <p:cNvGrpSpPr/>
+        <p:nvPr/>
+      </p:nvGrpSpPr>
+      <p:grpSpPr>
+        <a:xfrm>
+          <a:off x="0" y="0"/>
+          <a:ext cx="0" cy="0"/>
+          <a:chOff x="0" y="0"/>
+          <a:chExt cx="0" cy="0"/>
+        </a:xfrm>
+      </p:grpSpPr>
+      <p:sp>
+        <p:nvSpPr>
+          <p:cNvPr id="4" name="文本框 3">
+            <a:extLst>
+              <a:ext uri="{FF2B5EF4-FFF2-40B4-BE49-F238E27FC236}">
+                <a16:creationId xmlns:a16="http://schemas.microsoft.com/office/drawing/2014/main" id="{2341CA69-234E-4AF6-8643-B3D1CD565294}"/>
+              </a:ext>
+            </a:extLst>
+          </p:cNvPr>
+          <p:cNvSpPr txBox="1"/>
+          <p:nvPr/>
+        </p:nvSpPr>
+        <p:spPr>
+          <a:xfrm>
+            <a:off x="0" y="0"/>
+            <a:ext cx="12192000" cy="369332"/>
+          </a:xfrm>
+          <a:prstGeom prst="rect">
+            <a:avLst/>
+          </a:prstGeom>
+          <a:solidFill>
+            <a:srgbClr val="002060"/>
+          </a:solidFill>
+        </p:spPr>
+        <p:txBody>
+          <a:bodyPr wrap="square" rtlCol="0">
+            <a:spAutoFit/>
+          </a:bodyPr>
+          <a:lstStyle>
+            <a:defPPr>
+              <a:defRPr lang="zh-CN"/>
+            </a:defPPr>
+            <a:lvl1pPr>
+              <a:defRPr b="1">
+                <a:solidFill>
+                  <a:schemeClr val="bg1"/>
+                </a:solidFill>
+              </a:defRPr>
+            </a:lvl1pPr>
+          </a:lstStyle>
+          <a:p>
+            <a:r>
               <a:rPr lang="en-US" altLang="zh-CN" dirty="0"/>
               <a:t>JAVA-Session</a:t>
             </a:r>
@@ -11963,7 +12595,7 @@
 </p:sld>
 </file>
 
-<file path=ppt/slides/slide14.xml><?xml version="1.0" encoding="utf-8"?>
+<file path=ppt/slides/slide15.xml><?xml version="1.0" encoding="utf-8"?>
 <p:sld xmlns:a="http://schemas.openxmlformats.org/drawingml/2006/main" xmlns:r="http://schemas.openxmlformats.org/officeDocument/2006/relationships" xmlns:p="http://schemas.openxmlformats.org/presentationml/2006/main">
   <p:cSld>
     <p:bg>

--- a/Java.pptx
+++ b/Java.pptx
@@ -5,7 +5,7 @@
     <p:sldMasterId id="2147483648" r:id="rId1"/>
   </p:sldMasterIdLst>
   <p:notesMasterIdLst>
-    <p:notesMasterId r:id="rId21"/>
+    <p:notesMasterId r:id="rId24"/>
   </p:notesMasterIdLst>
   <p:sldIdLst>
     <p:sldId id="256" r:id="rId2"/>
@@ -27,6 +27,9 @@
     <p:sldId id="272" r:id="rId18"/>
     <p:sldId id="274" r:id="rId19"/>
     <p:sldId id="273" r:id="rId20"/>
+    <p:sldId id="275" r:id="rId21"/>
+    <p:sldId id="277" r:id="rId22"/>
+    <p:sldId id="276" r:id="rId23"/>
   </p:sldIdLst>
   <p:sldSz cx="12192000" cy="6858000"/>
   <p:notesSz cx="6858000" cy="9144000"/>
@@ -215,7 +218,7 @@
           <a:p>
             <a:fld id="{DA138970-91FA-43C7-A2C4-4F47DFBC178E}" type="datetimeFigureOut">
               <a:rPr lang="zh-CN" altLang="en-US" smtClean="0"/>
-              <a:t>2019/9/19</a:t>
+              <a:t>2019/9/20</a:t>
             </a:fld>
             <a:endParaRPr lang="zh-CN" altLang="en-US"/>
           </a:p>
@@ -1733,239 +1736,6 @@
           <a:lstStyle/>
           <a:p>
             <a:pPr rtl="0"/>
-            <a:r>
-              <a:rPr lang="zh-CN" altLang="en-US" sz="1200" b="0" i="0" u="none" strike="noStrike" kern="1200" baseline="0" dirty="0">
-                <a:solidFill>
-                  <a:schemeClr val="tx1"/>
-                </a:solidFill>
-                <a:latin typeface="+mn-lt"/>
-                <a:ea typeface="+mn-ea"/>
-                <a:cs typeface="+mn-cs"/>
-              </a:rPr>
-              <a:t>线程从主内存读取变量的过程：</a:t>
-            </a:r>
-          </a:p>
-          <a:p>
-            <a:pPr rtl="0"/>
-            <a:r>
-              <a:rPr lang="en-US" altLang="zh-CN" sz="1200" b="0" i="0" u="none" strike="noStrike" kern="1200" baseline="0" dirty="0">
-                <a:solidFill>
-                  <a:schemeClr val="tx1"/>
-                </a:solidFill>
-                <a:latin typeface="+mn-lt"/>
-                <a:ea typeface="+mn-ea"/>
-                <a:cs typeface="+mn-cs"/>
-              </a:rPr>
-              <a:t>1 .read - </a:t>
-            </a:r>
-            <a:r>
-              <a:rPr lang="zh-CN" altLang="en-US" sz="1200" b="0" i="0" u="none" strike="noStrike" kern="1200" baseline="0" dirty="0">
-                <a:solidFill>
-                  <a:schemeClr val="tx1"/>
-                </a:solidFill>
-                <a:latin typeface="+mn-lt"/>
-                <a:ea typeface="+mn-ea"/>
-                <a:cs typeface="+mn-cs"/>
-              </a:rPr>
-              <a:t>从主存中读取数据</a:t>
-            </a:r>
-          </a:p>
-          <a:p>
-            <a:pPr rtl="0"/>
-            <a:r>
-              <a:rPr lang="en-US" altLang="zh-CN" sz="1200" b="0" i="0" u="none" strike="noStrike" kern="1200" baseline="0" dirty="0">
-                <a:solidFill>
-                  <a:schemeClr val="tx1"/>
-                </a:solidFill>
-                <a:latin typeface="+mn-lt"/>
-                <a:ea typeface="+mn-ea"/>
-                <a:cs typeface="+mn-cs"/>
-              </a:rPr>
-              <a:t>2. load - </a:t>
-            </a:r>
-            <a:r>
-              <a:rPr lang="zh-CN" altLang="en-US" sz="1200" b="0" i="0" u="none" strike="noStrike" kern="1200" baseline="0" dirty="0">
-                <a:solidFill>
-                  <a:schemeClr val="tx1"/>
-                </a:solidFill>
-                <a:latin typeface="+mn-lt"/>
-                <a:ea typeface="+mn-ea"/>
-                <a:cs typeface="+mn-cs"/>
-              </a:rPr>
-              <a:t>将从主存中读取的数据加载到工作内存中</a:t>
-            </a:r>
-          </a:p>
-          <a:p>
-            <a:pPr rtl="0"/>
-            <a:r>
-              <a:rPr lang="en-US" altLang="zh-CN" sz="1200" b="0" i="0" u="none" strike="noStrike" kern="1200" baseline="0" dirty="0">
-                <a:solidFill>
-                  <a:schemeClr val="tx1"/>
-                </a:solidFill>
-                <a:latin typeface="+mn-lt"/>
-                <a:ea typeface="+mn-ea"/>
-                <a:cs typeface="+mn-cs"/>
-              </a:rPr>
-              <a:t>3. use - </a:t>
-            </a:r>
-            <a:r>
-              <a:rPr lang="zh-CN" altLang="en-US" sz="1200" b="0" i="0" u="none" strike="noStrike" kern="1200" baseline="0" dirty="0">
-                <a:solidFill>
-                  <a:schemeClr val="tx1"/>
-                </a:solidFill>
-                <a:latin typeface="+mn-lt"/>
-                <a:ea typeface="+mn-ea"/>
-                <a:cs typeface="+mn-cs"/>
-              </a:rPr>
-              <a:t>线程从工作内存中读取数据使用</a:t>
-            </a:r>
-          </a:p>
-          <a:p>
-            <a:pPr rtl="0"/>
-            <a:r>
-              <a:rPr lang="en-US" altLang="zh-CN" sz="1200" b="0" i="0" u="none" strike="noStrike" kern="1200" baseline="0" dirty="0">
-                <a:solidFill>
-                  <a:schemeClr val="tx1"/>
-                </a:solidFill>
-                <a:latin typeface="+mn-lt"/>
-                <a:ea typeface="+mn-ea"/>
-                <a:cs typeface="+mn-cs"/>
-              </a:rPr>
-              <a:t>4. assign - </a:t>
-            </a:r>
-            <a:r>
-              <a:rPr lang="zh-CN" altLang="en-US" sz="1200" b="0" i="0" u="none" strike="noStrike" kern="1200" baseline="0" dirty="0">
-                <a:solidFill>
-                  <a:schemeClr val="tx1"/>
-                </a:solidFill>
-                <a:latin typeface="+mn-lt"/>
-                <a:ea typeface="+mn-ea"/>
-                <a:cs typeface="+mn-cs"/>
-              </a:rPr>
-              <a:t>线程改变数据并写入到工作内存中</a:t>
-            </a:r>
-          </a:p>
-          <a:p>
-            <a:pPr rtl="0"/>
-            <a:r>
-              <a:rPr lang="en-US" altLang="zh-CN" sz="1200" b="0" i="0" u="none" strike="noStrike" kern="1200" baseline="0" dirty="0">
-                <a:solidFill>
-                  <a:schemeClr val="tx1"/>
-                </a:solidFill>
-                <a:latin typeface="+mn-lt"/>
-                <a:ea typeface="+mn-ea"/>
-                <a:cs typeface="+mn-cs"/>
-              </a:rPr>
-              <a:t>5. store - </a:t>
-            </a:r>
-            <a:r>
-              <a:rPr lang="zh-CN" altLang="en-US" sz="1200" b="0" i="0" u="none" strike="noStrike" kern="1200" baseline="0" dirty="0">
-                <a:solidFill>
-                  <a:schemeClr val="tx1"/>
-                </a:solidFill>
-                <a:latin typeface="+mn-lt"/>
-                <a:ea typeface="+mn-ea"/>
-                <a:cs typeface="+mn-cs"/>
-              </a:rPr>
-              <a:t>将工作内存中的数据写入到主存</a:t>
-            </a:r>
-          </a:p>
-          <a:p>
-            <a:pPr rtl="0"/>
-            <a:r>
-              <a:rPr lang="en-US" altLang="zh-CN" sz="1200" b="0" i="0" u="none" strike="noStrike" kern="1200" baseline="0" dirty="0">
-                <a:solidFill>
-                  <a:schemeClr val="tx1"/>
-                </a:solidFill>
-                <a:latin typeface="+mn-lt"/>
-                <a:ea typeface="+mn-ea"/>
-                <a:cs typeface="+mn-cs"/>
-              </a:rPr>
-              <a:t>6. write - </a:t>
-            </a:r>
-            <a:r>
-              <a:rPr lang="zh-CN" altLang="en-US" sz="1200" b="0" i="0" u="none" strike="noStrike" kern="1200" baseline="0" dirty="0">
-                <a:solidFill>
-                  <a:schemeClr val="tx1"/>
-                </a:solidFill>
-                <a:latin typeface="+mn-lt"/>
-                <a:ea typeface="+mn-ea"/>
-                <a:cs typeface="+mn-cs"/>
-              </a:rPr>
-              <a:t>将</a:t>
-            </a:r>
-            <a:r>
-              <a:rPr lang="en-US" altLang="zh-CN" sz="1200" b="0" i="0" u="none" strike="noStrike" kern="1200" baseline="0" dirty="0">
-                <a:solidFill>
-                  <a:schemeClr val="tx1"/>
-                </a:solidFill>
-                <a:latin typeface="+mn-lt"/>
-                <a:ea typeface="+mn-ea"/>
-                <a:cs typeface="+mn-cs"/>
-              </a:rPr>
-              <a:t>store</a:t>
-            </a:r>
-            <a:r>
-              <a:rPr lang="zh-CN" altLang="en-US" sz="1200" b="0" i="0" u="none" strike="noStrike" kern="1200" baseline="0" dirty="0">
-                <a:solidFill>
-                  <a:schemeClr val="tx1"/>
-                </a:solidFill>
-                <a:latin typeface="+mn-lt"/>
-                <a:ea typeface="+mn-ea"/>
-                <a:cs typeface="+mn-cs"/>
-              </a:rPr>
-              <a:t>过程中的变量值赋值给主存中的变量</a:t>
-            </a:r>
-          </a:p>
-          <a:p>
-            <a:pPr rtl="0"/>
-            <a:r>
-              <a:rPr lang="en-US" altLang="zh-CN" sz="1200" b="0" i="0" u="none" strike="noStrike" kern="1200" baseline="0" dirty="0">
-                <a:solidFill>
-                  <a:schemeClr val="tx1"/>
-                </a:solidFill>
-                <a:latin typeface="+mn-lt"/>
-                <a:ea typeface="+mn-ea"/>
-                <a:cs typeface="+mn-cs"/>
-              </a:rPr>
-              <a:t>7. lock –</a:t>
-            </a:r>
-            <a:r>
-              <a:rPr lang="zh-CN" altLang="en-US" sz="1200" b="0" i="0" u="none" strike="noStrike" kern="1200" baseline="0" dirty="0">
-                <a:solidFill>
-                  <a:schemeClr val="tx1"/>
-                </a:solidFill>
-                <a:latin typeface="+mn-lt"/>
-                <a:ea typeface="+mn-ea"/>
-                <a:cs typeface="+mn-cs"/>
-              </a:rPr>
-              <a:t> 将主存变量加锁（线程独占）</a:t>
-            </a:r>
-          </a:p>
-          <a:p>
-            <a:pPr rtl="0"/>
-            <a:r>
-              <a:rPr lang="en-US" altLang="zh-CN" sz="1200" b="0" i="0" u="none" strike="noStrike" kern="1200" baseline="0" dirty="0">
-                <a:solidFill>
-                  <a:schemeClr val="tx1"/>
-                </a:solidFill>
-                <a:latin typeface="+mn-lt"/>
-                <a:ea typeface="+mn-ea"/>
-                <a:cs typeface="+mn-cs"/>
-              </a:rPr>
-              <a:t>8. unlock –</a:t>
-            </a:r>
-            <a:r>
-              <a:rPr lang="zh-CN" altLang="en-US" sz="1200" b="0" i="0" u="none" strike="noStrike" kern="1200" baseline="0" dirty="0">
-                <a:solidFill>
-                  <a:schemeClr val="tx1"/>
-                </a:solidFill>
-                <a:latin typeface="+mn-lt"/>
-                <a:ea typeface="+mn-ea"/>
-                <a:cs typeface="+mn-cs"/>
-              </a:rPr>
-              <a:t> 将主存变量解锁，解锁后其它线程可以锁定该变量</a:t>
-            </a:r>
             <a:endParaRPr lang="zh-CN" altLang="en-US" dirty="0"/>
           </a:p>
         </p:txBody>
@@ -1997,6 +1767,1518 @@
     <p:extLst>
       <p:ext uri="{BB962C8B-B14F-4D97-AF65-F5344CB8AC3E}">
         <p14:creationId xmlns:p14="http://schemas.microsoft.com/office/powerpoint/2010/main" val="3140284879"/>
+      </p:ext>
+    </p:extLst>
+  </p:cSld>
+  <p:clrMapOvr>
+    <a:masterClrMapping/>
+  </p:clrMapOvr>
+</p:notes>
+</file>
+
+<file path=ppt/notesSlides/notesSlide16.xml><?xml version="1.0" encoding="utf-8"?>
+<p:notes xmlns:a="http://schemas.openxmlformats.org/drawingml/2006/main" xmlns:r="http://schemas.openxmlformats.org/officeDocument/2006/relationships" xmlns:p="http://schemas.openxmlformats.org/presentationml/2006/main">
+  <p:cSld>
+    <p:spTree>
+      <p:nvGrpSpPr>
+        <p:cNvPr id="1" name=""/>
+        <p:cNvGrpSpPr/>
+        <p:nvPr/>
+      </p:nvGrpSpPr>
+      <p:grpSpPr>
+        <a:xfrm>
+          <a:off x="0" y="0"/>
+          <a:ext cx="0" cy="0"/>
+          <a:chOff x="0" y="0"/>
+          <a:chExt cx="0" cy="0"/>
+        </a:xfrm>
+      </p:grpSpPr>
+      <p:sp>
+        <p:nvSpPr>
+          <p:cNvPr id="2" name="幻灯片图像占位符 1"/>
+          <p:cNvSpPr>
+            <a:spLocks noGrp="1" noRot="1" noChangeAspect="1"/>
+          </p:cNvSpPr>
+          <p:nvPr>
+            <p:ph type="sldImg"/>
+          </p:nvPr>
+        </p:nvSpPr>
+        <p:spPr/>
+      </p:sp>
+      <p:sp>
+        <p:nvSpPr>
+          <p:cNvPr id="3" name="备注占位符 2"/>
+          <p:cNvSpPr>
+            <a:spLocks noGrp="1"/>
+          </p:cNvSpPr>
+          <p:nvPr>
+            <p:ph type="body" idx="1"/>
+          </p:nvPr>
+        </p:nvSpPr>
+        <p:spPr/>
+        <p:txBody>
+          <a:bodyPr/>
+          <a:lstStyle/>
+          <a:p>
+            <a:pPr rtl="0"/>
+            <a:r>
+              <a:rPr lang="en-US" altLang="zh-CN" sz="1200" b="1" i="0" u="none" strike="noStrike" kern="1200" baseline="0" dirty="0">
+                <a:solidFill>
+                  <a:schemeClr val="tx1"/>
+                </a:solidFill>
+                <a:latin typeface="+mn-lt"/>
+                <a:ea typeface="+mn-ea"/>
+                <a:cs typeface="+mn-cs"/>
+              </a:rPr>
+              <a:t>3.CMS GC</a:t>
+            </a:r>
+            <a:r>
+              <a:rPr lang="zh-CN" altLang="en-US" sz="1200" b="1" i="0" u="none" strike="noStrike" kern="1200" baseline="0" dirty="0">
+                <a:solidFill>
+                  <a:schemeClr val="tx1"/>
+                </a:solidFill>
+                <a:latin typeface="+mn-lt"/>
+                <a:ea typeface="+mn-ea"/>
+                <a:cs typeface="+mn-cs"/>
+              </a:rPr>
+              <a:t>的详细过程</a:t>
+            </a:r>
+            <a:endParaRPr lang="zh-CN" altLang="en-US" sz="1200" b="0" i="0" u="none" strike="noStrike" kern="1200" baseline="0" dirty="0">
+              <a:solidFill>
+                <a:schemeClr val="tx1"/>
+              </a:solidFill>
+              <a:latin typeface="+mn-lt"/>
+              <a:ea typeface="+mn-ea"/>
+              <a:cs typeface="+mn-cs"/>
+            </a:endParaRPr>
+          </a:p>
+          <a:p>
+            <a:pPr rtl="0"/>
+            <a:r>
+              <a:rPr lang="en-US" altLang="zh-CN" sz="1200" b="1" i="0" u="none" strike="noStrike" kern="1200" baseline="0" dirty="0">
+                <a:solidFill>
+                  <a:schemeClr val="tx1"/>
+                </a:solidFill>
+                <a:latin typeface="+mn-lt"/>
+                <a:ea typeface="+mn-ea"/>
+                <a:cs typeface="+mn-cs"/>
+              </a:rPr>
+              <a:t>2.1.</a:t>
+            </a:r>
+            <a:r>
+              <a:rPr lang="zh-CN" altLang="en-US" sz="1200" b="1" i="0" u="none" strike="noStrike" kern="1200" baseline="0" dirty="0">
+                <a:solidFill>
+                  <a:schemeClr val="tx1"/>
+                </a:solidFill>
+                <a:latin typeface="+mn-lt"/>
+                <a:ea typeface="+mn-ea"/>
+                <a:cs typeface="+mn-cs"/>
+              </a:rPr>
+              <a:t>初始标记</a:t>
+            </a:r>
+            <a:r>
+              <a:rPr lang="en-US" altLang="zh-CN" sz="1200" b="1" i="0" u="none" strike="noStrike" kern="1200" baseline="0" dirty="0">
+                <a:solidFill>
+                  <a:schemeClr val="tx1"/>
+                </a:solidFill>
+                <a:latin typeface="+mn-lt"/>
+                <a:ea typeface="+mn-ea"/>
+                <a:cs typeface="+mn-cs"/>
+              </a:rPr>
+              <a:t>(Initial Mark)</a:t>
+            </a:r>
+            <a:r>
+              <a:rPr lang="zh-CN" altLang="en-US" sz="1200" b="1" i="0" u="none" strike="noStrike" kern="1200" baseline="0" dirty="0">
+                <a:solidFill>
+                  <a:schemeClr val="tx1"/>
+                </a:solidFill>
+                <a:latin typeface="+mn-lt"/>
+                <a:ea typeface="+mn-ea"/>
+                <a:cs typeface="+mn-cs"/>
+              </a:rPr>
+              <a:t>：</a:t>
+            </a:r>
+            <a:endParaRPr lang="en-US" altLang="zh-CN" sz="1200" b="0" i="0" u="none" strike="noStrike" kern="1200" baseline="0" dirty="0">
+              <a:solidFill>
+                <a:schemeClr val="tx1"/>
+              </a:solidFill>
+              <a:latin typeface="+mn-lt"/>
+              <a:ea typeface="+mn-ea"/>
+              <a:cs typeface="+mn-cs"/>
+            </a:endParaRPr>
+          </a:p>
+          <a:p>
+            <a:pPr rtl="0"/>
+            <a:r>
+              <a:rPr lang="zh-CN" altLang="en-US" sz="1200" b="1" i="0" u="none" strike="noStrike" kern="1200" baseline="0" dirty="0">
+                <a:solidFill>
+                  <a:schemeClr val="tx1"/>
+                </a:solidFill>
+                <a:latin typeface="+mn-lt"/>
+                <a:ea typeface="+mn-ea"/>
+                <a:cs typeface="+mn-cs"/>
+              </a:rPr>
+              <a:t>暂停所有用户线程，从</a:t>
+            </a:r>
+            <a:r>
+              <a:rPr lang="en-US" altLang="zh-CN" sz="1200" b="1" i="0" u="none" strike="noStrike" kern="1200" baseline="0" dirty="0">
+                <a:solidFill>
+                  <a:schemeClr val="tx1"/>
+                </a:solidFill>
+                <a:latin typeface="+mn-lt"/>
+                <a:ea typeface="+mn-ea"/>
+                <a:cs typeface="+mn-cs"/>
+              </a:rPr>
+              <a:t>GC Roots</a:t>
+            </a:r>
+            <a:r>
+              <a:rPr lang="zh-CN" altLang="en-US" sz="1200" b="1" i="0" u="none" strike="noStrike" kern="1200" baseline="0" dirty="0">
+                <a:solidFill>
+                  <a:schemeClr val="tx1"/>
+                </a:solidFill>
+                <a:latin typeface="+mn-lt"/>
+                <a:ea typeface="+mn-ea"/>
+                <a:cs typeface="+mn-cs"/>
+              </a:rPr>
+              <a:t>遍历标记可直达的老年代存活对象。</a:t>
+            </a:r>
+            <a:endParaRPr lang="zh-CN" altLang="en-US" sz="1200" b="0" i="0" u="none" strike="noStrike" kern="1200" baseline="0" dirty="0">
+              <a:solidFill>
+                <a:schemeClr val="tx1"/>
+              </a:solidFill>
+              <a:latin typeface="+mn-lt"/>
+              <a:ea typeface="+mn-ea"/>
+              <a:cs typeface="+mn-cs"/>
+            </a:endParaRPr>
+          </a:p>
+          <a:p>
+            <a:pPr rtl="0"/>
+            <a:r>
+              <a:rPr lang="zh-CN" altLang="en-US" sz="1200" b="1" i="0" u="none" strike="noStrike" kern="1200" baseline="0" dirty="0">
+                <a:solidFill>
+                  <a:schemeClr val="tx1"/>
+                </a:solidFill>
+                <a:latin typeface="+mn-lt"/>
+                <a:ea typeface="+mn-ea"/>
+                <a:cs typeface="+mn-cs"/>
+              </a:rPr>
+              <a:t>它有两个目标：一是标记老年代中所有的</a:t>
+            </a:r>
+            <a:r>
+              <a:rPr lang="en-US" altLang="zh-CN" sz="1200" b="1" i="0" u="none" strike="noStrike" kern="1200" baseline="0" dirty="0">
+                <a:solidFill>
+                  <a:schemeClr val="tx1"/>
+                </a:solidFill>
+                <a:latin typeface="+mn-lt"/>
+                <a:ea typeface="+mn-ea"/>
+                <a:cs typeface="+mn-cs"/>
+              </a:rPr>
+              <a:t>GC Roots</a:t>
+            </a:r>
+            <a:r>
+              <a:rPr lang="zh-CN" altLang="en-US" sz="1200" b="1" i="0" u="none" strike="noStrike" kern="1200" baseline="0" dirty="0">
+                <a:solidFill>
+                  <a:schemeClr val="tx1"/>
+                </a:solidFill>
+                <a:latin typeface="+mn-lt"/>
+                <a:ea typeface="+mn-ea"/>
+                <a:cs typeface="+mn-cs"/>
+              </a:rPr>
+              <a:t>；二是标记被年轻代中活着的对象引用的对象。</a:t>
+            </a:r>
+            <a:endParaRPr lang="zh-CN" altLang="en-US" sz="1200" b="0" i="0" u="none" strike="noStrike" kern="1200" baseline="0" dirty="0">
+              <a:solidFill>
+                <a:schemeClr val="tx1"/>
+              </a:solidFill>
+              <a:latin typeface="+mn-lt"/>
+              <a:ea typeface="+mn-ea"/>
+              <a:cs typeface="+mn-cs"/>
+            </a:endParaRPr>
+          </a:p>
+          <a:p>
+            <a:pPr rtl="0"/>
+            <a:endParaRPr lang="zh-CN" altLang="en-US" sz="1200" b="0" i="0" u="none" strike="noStrike" kern="1200" baseline="0" dirty="0">
+              <a:solidFill>
+                <a:schemeClr val="tx1"/>
+              </a:solidFill>
+              <a:latin typeface="+mn-lt"/>
+              <a:ea typeface="+mn-ea"/>
+              <a:cs typeface="+mn-cs"/>
+            </a:endParaRPr>
+          </a:p>
+          <a:p>
+            <a:pPr rtl="0"/>
+            <a:r>
+              <a:rPr lang="en-US" altLang="zh-CN" sz="1200" b="1" i="0" u="none" strike="noStrike" kern="1200" baseline="0" dirty="0">
+                <a:solidFill>
+                  <a:schemeClr val="tx1"/>
+                </a:solidFill>
+                <a:latin typeface="+mn-lt"/>
+                <a:ea typeface="+mn-ea"/>
+                <a:cs typeface="+mn-cs"/>
+              </a:rPr>
+              <a:t>2.2.</a:t>
+            </a:r>
+            <a:r>
+              <a:rPr lang="zh-CN" altLang="en-US" sz="1200" b="1" i="0" u="none" strike="noStrike" kern="1200" baseline="0" dirty="0">
+                <a:solidFill>
+                  <a:schemeClr val="tx1"/>
+                </a:solidFill>
+                <a:latin typeface="+mn-lt"/>
+                <a:ea typeface="+mn-ea"/>
+                <a:cs typeface="+mn-cs"/>
+              </a:rPr>
+              <a:t>并发标记</a:t>
+            </a:r>
+            <a:r>
+              <a:rPr lang="en-US" altLang="zh-CN" sz="1200" b="1" i="0" u="none" strike="noStrike" kern="1200" baseline="0" dirty="0">
+                <a:solidFill>
+                  <a:schemeClr val="tx1"/>
+                </a:solidFill>
+                <a:latin typeface="+mn-lt"/>
+                <a:ea typeface="+mn-ea"/>
+                <a:cs typeface="+mn-cs"/>
+              </a:rPr>
+              <a:t>(Concurrent Mark)</a:t>
+            </a:r>
+            <a:r>
+              <a:rPr lang="zh-CN" altLang="en-US" sz="1200" b="1" i="0" u="none" strike="noStrike" kern="1200" baseline="0" dirty="0">
+                <a:solidFill>
+                  <a:schemeClr val="tx1"/>
+                </a:solidFill>
+                <a:latin typeface="+mn-lt"/>
+                <a:ea typeface="+mn-ea"/>
+                <a:cs typeface="+mn-cs"/>
+              </a:rPr>
+              <a:t>：</a:t>
+            </a:r>
+            <a:endParaRPr lang="en-US" altLang="zh-CN" sz="1200" b="0" i="0" u="none" strike="noStrike" kern="1200" baseline="0" dirty="0">
+              <a:solidFill>
+                <a:schemeClr val="tx1"/>
+              </a:solidFill>
+              <a:latin typeface="+mn-lt"/>
+              <a:ea typeface="+mn-ea"/>
+              <a:cs typeface="+mn-cs"/>
+            </a:endParaRPr>
+          </a:p>
+          <a:p>
+            <a:pPr rtl="0"/>
+            <a:r>
+              <a:rPr lang="en-US" altLang="zh-CN" sz="1200" b="1" i="0" u="none" strike="noStrike" kern="1200" baseline="0" dirty="0">
+                <a:solidFill>
+                  <a:schemeClr val="tx1"/>
+                </a:solidFill>
+                <a:latin typeface="+mn-lt"/>
+                <a:ea typeface="+mn-ea"/>
+                <a:cs typeface="+mn-cs"/>
+              </a:rPr>
+              <a:t>GC</a:t>
+            </a:r>
+            <a:r>
+              <a:rPr lang="zh-CN" altLang="en-US" sz="1200" b="1" i="0" u="none" strike="noStrike" kern="1200" baseline="0" dirty="0">
+                <a:solidFill>
+                  <a:schemeClr val="tx1"/>
+                </a:solidFill>
+                <a:latin typeface="+mn-lt"/>
+                <a:ea typeface="+mn-ea"/>
+                <a:cs typeface="+mn-cs"/>
+              </a:rPr>
+              <a:t>线程和应用线程并发执行。遍历第一阶段</a:t>
+            </a:r>
+            <a:r>
+              <a:rPr lang="en-US" altLang="zh-CN" sz="1200" b="1" i="0" u="none" strike="noStrike" kern="1200" baseline="0" dirty="0">
+                <a:solidFill>
+                  <a:schemeClr val="tx1"/>
+                </a:solidFill>
+                <a:latin typeface="+mn-lt"/>
+                <a:ea typeface="+mn-ea"/>
+                <a:cs typeface="+mn-cs"/>
+              </a:rPr>
+              <a:t>(</a:t>
+            </a:r>
+            <a:r>
+              <a:rPr lang="en-US" altLang="zh-CN" sz="1200" b="1" i="0" u="none" strike="noStrike" kern="1200" baseline="0" dirty="0" err="1">
+                <a:solidFill>
+                  <a:schemeClr val="tx1"/>
+                </a:solidFill>
+                <a:latin typeface="+mn-lt"/>
+                <a:ea typeface="+mn-ea"/>
+                <a:cs typeface="+mn-cs"/>
+              </a:rPr>
+              <a:t>Inital</a:t>
+            </a:r>
+            <a:r>
+              <a:rPr lang="en-US" altLang="zh-CN" sz="1200" b="1" i="0" u="none" strike="noStrike" kern="1200" baseline="0" dirty="0">
+                <a:solidFill>
+                  <a:schemeClr val="tx1"/>
+                </a:solidFill>
+                <a:latin typeface="+mn-lt"/>
+                <a:ea typeface="+mn-ea"/>
+                <a:cs typeface="+mn-cs"/>
+              </a:rPr>
+              <a:t> Mark)</a:t>
+            </a:r>
+            <a:r>
+              <a:rPr lang="zh-CN" altLang="en-US" sz="1200" b="1" i="0" u="none" strike="noStrike" kern="1200" baseline="0" dirty="0">
+                <a:solidFill>
+                  <a:schemeClr val="tx1"/>
+                </a:solidFill>
+                <a:latin typeface="+mn-lt"/>
+                <a:ea typeface="+mn-ea"/>
+                <a:cs typeface="+mn-cs"/>
+              </a:rPr>
+              <a:t>标记的存活对象，继续递归遍历老年代对象，并标记可直接或间接到达的老年代存活对象。</a:t>
+            </a:r>
+            <a:endParaRPr lang="zh-CN" altLang="en-US" sz="1200" b="0" i="0" u="none" strike="noStrike" kern="1200" baseline="0" dirty="0">
+              <a:solidFill>
+                <a:schemeClr val="tx1"/>
+              </a:solidFill>
+              <a:latin typeface="+mn-lt"/>
+              <a:ea typeface="+mn-ea"/>
+              <a:cs typeface="+mn-cs"/>
+            </a:endParaRPr>
+          </a:p>
+          <a:p>
+            <a:pPr rtl="0"/>
+            <a:r>
+              <a:rPr lang="zh-CN" altLang="en-US" sz="1200" b="1" i="0" u="none" strike="noStrike" kern="1200" baseline="0" dirty="0">
+                <a:solidFill>
+                  <a:schemeClr val="tx1"/>
+                </a:solidFill>
+                <a:latin typeface="+mn-lt"/>
+                <a:ea typeface="+mn-ea"/>
+                <a:cs typeface="+mn-cs"/>
+              </a:rPr>
+              <a:t>由于该阶段</a:t>
+            </a:r>
+            <a:r>
+              <a:rPr lang="en-US" altLang="zh-CN" sz="1200" b="1" i="0" u="none" strike="noStrike" kern="1200" baseline="0" dirty="0">
+                <a:solidFill>
+                  <a:schemeClr val="tx1"/>
+                </a:solidFill>
+                <a:latin typeface="+mn-lt"/>
+                <a:ea typeface="+mn-ea"/>
+                <a:cs typeface="+mn-cs"/>
+              </a:rPr>
+              <a:t>GC</a:t>
+            </a:r>
+            <a:r>
+              <a:rPr lang="zh-CN" altLang="en-US" sz="1200" b="1" i="0" u="none" strike="noStrike" kern="1200" baseline="0" dirty="0">
+                <a:solidFill>
+                  <a:schemeClr val="tx1"/>
+                </a:solidFill>
+                <a:latin typeface="+mn-lt"/>
+                <a:ea typeface="+mn-ea"/>
+                <a:cs typeface="+mn-cs"/>
+              </a:rPr>
+              <a:t>线程和应用线程并发执行，所以年轻代新的对象和老年代的对象可能发生了变化</a:t>
+            </a:r>
+            <a:r>
+              <a:rPr lang="en-US" altLang="zh-CN" sz="1200" b="1" i="0" u="none" strike="noStrike" kern="1200" baseline="0" dirty="0">
+                <a:solidFill>
+                  <a:schemeClr val="tx1"/>
+                </a:solidFill>
+                <a:latin typeface="+mn-lt"/>
+                <a:ea typeface="+mn-ea"/>
+                <a:cs typeface="+mn-cs"/>
+              </a:rPr>
+              <a:t>:</a:t>
+            </a:r>
+            <a:endParaRPr lang="zh-CN" altLang="en-US" sz="1200" b="0" i="0" u="none" strike="noStrike" kern="1200" baseline="0" dirty="0">
+              <a:solidFill>
+                <a:schemeClr val="tx1"/>
+              </a:solidFill>
+              <a:latin typeface="+mn-lt"/>
+              <a:ea typeface="+mn-ea"/>
+              <a:cs typeface="+mn-cs"/>
+            </a:endParaRPr>
+          </a:p>
+          <a:p>
+            <a:pPr rtl="0"/>
+            <a:r>
+              <a:rPr lang="en-US" altLang="zh-CN" sz="1200" b="1" i="0" u="none" strike="noStrike" kern="1200" baseline="0" dirty="0">
+                <a:solidFill>
+                  <a:schemeClr val="tx1"/>
+                </a:solidFill>
+                <a:latin typeface="+mn-lt"/>
+                <a:ea typeface="+mn-ea"/>
+                <a:cs typeface="+mn-cs"/>
+              </a:rPr>
+              <a:t>- </a:t>
+            </a:r>
+            <a:r>
+              <a:rPr lang="zh-CN" altLang="en-US" sz="1200" b="1" i="0" u="none" strike="noStrike" kern="1200" baseline="0" dirty="0">
+                <a:solidFill>
+                  <a:schemeClr val="tx1"/>
+                </a:solidFill>
+                <a:latin typeface="+mn-lt"/>
+                <a:ea typeface="+mn-ea"/>
+                <a:cs typeface="+mn-cs"/>
+              </a:rPr>
+              <a:t>新生代的对象晋升到老年代</a:t>
+            </a:r>
+            <a:endParaRPr lang="zh-CN" altLang="en-US" sz="1200" b="0" i="0" u="none" strike="noStrike" kern="1200" baseline="0" dirty="0">
+              <a:solidFill>
+                <a:schemeClr val="tx1"/>
+              </a:solidFill>
+              <a:latin typeface="+mn-lt"/>
+              <a:ea typeface="+mn-ea"/>
+              <a:cs typeface="+mn-cs"/>
+            </a:endParaRPr>
+          </a:p>
+          <a:p>
+            <a:pPr rtl="0"/>
+            <a:r>
+              <a:rPr lang="en-US" altLang="zh-CN" sz="1200" b="1" i="0" u="none" strike="noStrike" kern="1200" baseline="0" dirty="0">
+                <a:solidFill>
+                  <a:schemeClr val="tx1"/>
+                </a:solidFill>
+                <a:latin typeface="+mn-lt"/>
+                <a:ea typeface="+mn-ea"/>
+                <a:cs typeface="+mn-cs"/>
+              </a:rPr>
+              <a:t>- </a:t>
+            </a:r>
+            <a:r>
+              <a:rPr lang="zh-CN" altLang="en-US" sz="1200" b="1" i="0" u="none" strike="noStrike" kern="1200" baseline="0" dirty="0">
+                <a:solidFill>
+                  <a:schemeClr val="tx1"/>
+                </a:solidFill>
+                <a:latin typeface="+mn-lt"/>
+                <a:ea typeface="+mn-ea"/>
+                <a:cs typeface="+mn-cs"/>
+              </a:rPr>
+              <a:t>直接在老年代分配对象</a:t>
+            </a:r>
+            <a:endParaRPr lang="zh-CN" altLang="en-US" sz="1200" b="0" i="0" u="none" strike="noStrike" kern="1200" baseline="0" dirty="0">
+              <a:solidFill>
+                <a:schemeClr val="tx1"/>
+              </a:solidFill>
+              <a:latin typeface="+mn-lt"/>
+              <a:ea typeface="+mn-ea"/>
+              <a:cs typeface="+mn-cs"/>
+            </a:endParaRPr>
+          </a:p>
+          <a:p>
+            <a:pPr rtl="0"/>
+            <a:r>
+              <a:rPr lang="en-US" altLang="zh-CN" sz="1200" b="1" i="0" u="none" strike="noStrike" kern="1200" baseline="0" dirty="0">
+                <a:solidFill>
+                  <a:schemeClr val="tx1"/>
+                </a:solidFill>
+                <a:latin typeface="+mn-lt"/>
+                <a:ea typeface="+mn-ea"/>
+                <a:cs typeface="+mn-cs"/>
+              </a:rPr>
+              <a:t>- </a:t>
+            </a:r>
+            <a:r>
+              <a:rPr lang="zh-CN" altLang="en-US" sz="1200" b="1" i="0" u="none" strike="noStrike" kern="1200" baseline="0" dirty="0">
+                <a:solidFill>
+                  <a:schemeClr val="tx1"/>
+                </a:solidFill>
+                <a:latin typeface="+mn-lt"/>
+                <a:ea typeface="+mn-ea"/>
+                <a:cs typeface="+mn-cs"/>
+              </a:rPr>
+              <a:t>老年代对象的引用关系发生变更 等等</a:t>
+            </a:r>
+            <a:endParaRPr lang="zh-CN" altLang="en-US" sz="1200" b="0" i="0" u="none" strike="noStrike" kern="1200" baseline="0" dirty="0">
+              <a:solidFill>
+                <a:schemeClr val="tx1"/>
+              </a:solidFill>
+              <a:latin typeface="+mn-lt"/>
+              <a:ea typeface="+mn-ea"/>
+              <a:cs typeface="+mn-cs"/>
+            </a:endParaRPr>
+          </a:p>
+          <a:p>
+            <a:pPr rtl="0"/>
+            <a:r>
+              <a:rPr lang="zh-CN" altLang="en-US" sz="1200" b="1" i="0" u="none" strike="noStrike" kern="1200" baseline="0" dirty="0">
+                <a:solidFill>
+                  <a:schemeClr val="tx1"/>
+                </a:solidFill>
+                <a:latin typeface="+mn-lt"/>
+                <a:ea typeface="+mn-ea"/>
+                <a:cs typeface="+mn-cs"/>
+              </a:rPr>
+              <a:t>对于这些对象，需要重新标记以防止被遗漏。 为了提高重新标记的效率，本阶段会把这些发生变化的对象所在的</a:t>
+            </a:r>
+            <a:r>
+              <a:rPr lang="en-US" altLang="zh-CN" sz="1200" b="1" i="0" u="none" strike="noStrike" kern="1200" baseline="0" dirty="0">
+                <a:solidFill>
+                  <a:schemeClr val="tx1"/>
+                </a:solidFill>
+                <a:latin typeface="+mn-lt"/>
+                <a:ea typeface="+mn-ea"/>
+                <a:cs typeface="+mn-cs"/>
+              </a:rPr>
+              <a:t>Card</a:t>
+            </a:r>
+            <a:r>
+              <a:rPr lang="zh-CN" altLang="en-US" sz="1200" b="1" i="0" u="none" strike="noStrike" kern="1200" baseline="0" dirty="0">
+                <a:solidFill>
+                  <a:schemeClr val="tx1"/>
+                </a:solidFill>
+                <a:latin typeface="+mn-lt"/>
+                <a:ea typeface="+mn-ea"/>
+                <a:cs typeface="+mn-cs"/>
+              </a:rPr>
+              <a:t>标识为</a:t>
+            </a:r>
+            <a:r>
+              <a:rPr lang="en-US" altLang="zh-CN" sz="1200" b="1" i="0" u="none" strike="noStrike" kern="1200" baseline="0" dirty="0">
+                <a:solidFill>
+                  <a:schemeClr val="tx1"/>
+                </a:solidFill>
+                <a:latin typeface="+mn-lt"/>
+                <a:ea typeface="+mn-ea"/>
+                <a:cs typeface="+mn-cs"/>
+              </a:rPr>
+              <a:t>Dirty </a:t>
+            </a:r>
+            <a:r>
+              <a:rPr lang="zh-CN" altLang="en-US" sz="1200" b="1" i="0" u="none" strike="noStrike" kern="1200" baseline="0" dirty="0">
+                <a:solidFill>
+                  <a:schemeClr val="tx1"/>
+                </a:solidFill>
+                <a:latin typeface="+mn-lt"/>
+                <a:ea typeface="+mn-ea"/>
+                <a:cs typeface="+mn-cs"/>
+              </a:rPr>
+              <a:t>，这样后续就只需要扫描这些</a:t>
+            </a:r>
+            <a:r>
+              <a:rPr lang="en-US" altLang="zh-CN" sz="1200" b="1" i="0" u="none" strike="noStrike" kern="1200" baseline="0" dirty="0">
+                <a:solidFill>
+                  <a:schemeClr val="tx1"/>
+                </a:solidFill>
+                <a:latin typeface="+mn-lt"/>
+                <a:ea typeface="+mn-ea"/>
+                <a:cs typeface="+mn-cs"/>
+              </a:rPr>
+              <a:t>Dirty Card</a:t>
+            </a:r>
+            <a:r>
+              <a:rPr lang="zh-CN" altLang="en-US" sz="1200" b="1" i="0" u="none" strike="noStrike" kern="1200" baseline="0" dirty="0">
+                <a:solidFill>
+                  <a:schemeClr val="tx1"/>
+                </a:solidFill>
+                <a:latin typeface="+mn-lt"/>
+                <a:ea typeface="+mn-ea"/>
+                <a:cs typeface="+mn-cs"/>
+              </a:rPr>
+              <a:t>的对象，从而避免扫描整个老年代。</a:t>
+            </a:r>
+            <a:endParaRPr lang="zh-CN" altLang="en-US" sz="1200" b="0" i="0" u="none" strike="noStrike" kern="1200" baseline="0" dirty="0">
+              <a:solidFill>
+                <a:schemeClr val="tx1"/>
+              </a:solidFill>
+              <a:latin typeface="+mn-lt"/>
+              <a:ea typeface="+mn-ea"/>
+              <a:cs typeface="+mn-cs"/>
+            </a:endParaRPr>
+          </a:p>
+          <a:p>
+            <a:pPr rtl="0"/>
+            <a:endParaRPr lang="zh-CN" altLang="en-US" sz="1200" b="0" i="0" u="none" strike="noStrike" kern="1200" baseline="0" dirty="0">
+              <a:solidFill>
+                <a:schemeClr val="tx1"/>
+              </a:solidFill>
+              <a:latin typeface="+mn-lt"/>
+              <a:ea typeface="+mn-ea"/>
+              <a:cs typeface="+mn-cs"/>
+            </a:endParaRPr>
+          </a:p>
+          <a:p>
+            <a:pPr rtl="0"/>
+            <a:r>
+              <a:rPr lang="en-US" altLang="zh-CN" sz="1200" b="1" i="0" u="none" strike="noStrike" kern="1200" baseline="0" dirty="0">
+                <a:solidFill>
+                  <a:schemeClr val="tx1"/>
+                </a:solidFill>
+                <a:latin typeface="+mn-lt"/>
+                <a:ea typeface="+mn-ea"/>
+                <a:cs typeface="+mn-cs"/>
+              </a:rPr>
+              <a:t>2.3.</a:t>
+            </a:r>
+            <a:r>
+              <a:rPr lang="zh-CN" altLang="en-US" sz="1200" b="1" i="0" u="none" strike="noStrike" kern="1200" baseline="0" dirty="0">
+                <a:solidFill>
+                  <a:schemeClr val="tx1"/>
+                </a:solidFill>
+                <a:latin typeface="+mn-lt"/>
+                <a:ea typeface="+mn-ea"/>
+                <a:cs typeface="+mn-cs"/>
+              </a:rPr>
+              <a:t>并发预清理</a:t>
+            </a:r>
+            <a:r>
+              <a:rPr lang="en-US" altLang="zh-CN" sz="1200" b="1" i="0" u="none" strike="noStrike" kern="1200" baseline="0" dirty="0">
+                <a:solidFill>
+                  <a:schemeClr val="tx1"/>
+                </a:solidFill>
+                <a:latin typeface="+mn-lt"/>
+                <a:ea typeface="+mn-ea"/>
+                <a:cs typeface="+mn-cs"/>
+              </a:rPr>
+              <a:t>(Concurrent PreClean)</a:t>
+            </a:r>
+            <a:r>
+              <a:rPr lang="zh-CN" altLang="en-US" sz="1200" b="1" i="0" u="none" strike="noStrike" kern="1200" baseline="0" dirty="0">
+                <a:solidFill>
+                  <a:schemeClr val="tx1"/>
+                </a:solidFill>
+                <a:latin typeface="+mn-lt"/>
+                <a:ea typeface="+mn-ea"/>
+                <a:cs typeface="+mn-cs"/>
+              </a:rPr>
+              <a:t>：</a:t>
+            </a:r>
+            <a:endParaRPr lang="en-US" altLang="zh-CN" sz="1200" b="0" i="0" u="none" strike="noStrike" kern="1200" baseline="0" dirty="0">
+              <a:solidFill>
+                <a:schemeClr val="tx1"/>
+              </a:solidFill>
+              <a:latin typeface="+mn-lt"/>
+              <a:ea typeface="+mn-ea"/>
+              <a:cs typeface="+mn-cs"/>
+            </a:endParaRPr>
+          </a:p>
+          <a:p>
+            <a:pPr rtl="0"/>
+            <a:r>
+              <a:rPr lang="zh-CN" altLang="en-US" sz="1200" b="1" i="0" u="none" strike="noStrike" kern="1200" baseline="0" dirty="0">
+                <a:solidFill>
+                  <a:schemeClr val="tx1"/>
+                </a:solidFill>
+                <a:latin typeface="+mn-lt"/>
+                <a:ea typeface="+mn-ea"/>
+                <a:cs typeface="+mn-cs"/>
+              </a:rPr>
+              <a:t>该阶段又是一个并发的阶段，由于上一个阶段过程中一些对象的引用发生了变化，当对象引用发生变化时</a:t>
+            </a:r>
+            <a:r>
+              <a:rPr lang="en-US" altLang="zh-CN" sz="1200" b="1" i="0" u="none" strike="noStrike" kern="1200" baseline="0" dirty="0">
+                <a:solidFill>
+                  <a:schemeClr val="tx1"/>
+                </a:solidFill>
+                <a:latin typeface="+mn-lt"/>
+                <a:ea typeface="+mn-ea"/>
+                <a:cs typeface="+mn-cs"/>
+              </a:rPr>
+              <a:t>JVM</a:t>
+            </a:r>
+            <a:r>
+              <a:rPr lang="zh-CN" altLang="en-US" sz="1200" b="1" i="0" u="none" strike="noStrike" kern="1200" baseline="0" dirty="0">
+                <a:solidFill>
+                  <a:schemeClr val="tx1"/>
+                </a:solidFill>
+                <a:latin typeface="+mn-lt"/>
+                <a:ea typeface="+mn-ea"/>
+                <a:cs typeface="+mn-cs"/>
+              </a:rPr>
+              <a:t>会将堆中这个区域标示为</a:t>
+            </a:r>
+            <a:r>
+              <a:rPr lang="en-US" altLang="zh-CN" sz="1200" b="1" i="0" u="none" strike="noStrike" kern="1200" baseline="0" dirty="0">
+                <a:solidFill>
+                  <a:schemeClr val="tx1"/>
+                </a:solidFill>
+                <a:latin typeface="+mn-lt"/>
+                <a:ea typeface="+mn-ea"/>
+                <a:cs typeface="+mn-cs"/>
+              </a:rPr>
+              <a:t>Dirty Card(</a:t>
+            </a:r>
+            <a:r>
+              <a:rPr lang="zh-CN" altLang="en-US" sz="1200" b="1" i="0" u="none" strike="noStrike" kern="1200" baseline="0" dirty="0">
+                <a:solidFill>
+                  <a:schemeClr val="tx1"/>
+                </a:solidFill>
+                <a:latin typeface="+mn-lt"/>
+                <a:ea typeface="+mn-ea"/>
+                <a:cs typeface="+mn-cs"/>
+              </a:rPr>
+              <a:t>包含被标记但是改变了的对象，被认为</a:t>
+            </a:r>
+            <a:r>
+              <a:rPr lang="en-US" altLang="zh-CN" sz="1200" b="1" i="0" u="none" strike="noStrike" kern="1200" baseline="0" dirty="0">
+                <a:solidFill>
+                  <a:schemeClr val="tx1"/>
+                </a:solidFill>
+                <a:latin typeface="+mn-lt"/>
+                <a:ea typeface="+mn-ea"/>
+                <a:cs typeface="+mn-cs"/>
+              </a:rPr>
+              <a:t>"dirty")</a:t>
+            </a:r>
+            <a:r>
+              <a:rPr lang="zh-CN" altLang="en-US" sz="1200" b="1" i="0" u="none" strike="noStrike" kern="1200" baseline="0" dirty="0">
+                <a:solidFill>
+                  <a:schemeClr val="tx1"/>
+                </a:solidFill>
+                <a:latin typeface="+mn-lt"/>
+                <a:ea typeface="+mn-ea"/>
+                <a:cs typeface="+mn-cs"/>
+              </a:rPr>
+              <a:t>，这就是 </a:t>
+            </a:r>
+            <a:r>
+              <a:rPr lang="en-US" altLang="zh-CN" sz="1200" b="1" i="0" u="none" strike="noStrike" kern="1200" baseline="0" dirty="0">
+                <a:solidFill>
+                  <a:schemeClr val="tx1"/>
+                </a:solidFill>
+                <a:latin typeface="+mn-lt"/>
+                <a:ea typeface="+mn-ea"/>
+                <a:cs typeface="+mn-cs"/>
+              </a:rPr>
+              <a:t>Card Marking</a:t>
+            </a:r>
+            <a:r>
+              <a:rPr lang="zh-CN" altLang="en-US" sz="1200" b="1" i="0" u="none" strike="noStrike" kern="1200" baseline="0" dirty="0">
+                <a:solidFill>
+                  <a:schemeClr val="tx1"/>
+                </a:solidFill>
+                <a:latin typeface="+mn-lt"/>
+                <a:ea typeface="+mn-ea"/>
+                <a:cs typeface="+mn-cs"/>
+              </a:rPr>
+              <a:t>。</a:t>
+            </a:r>
+            <a:endParaRPr lang="zh-CN" altLang="en-US" sz="1200" b="0" i="0" u="none" strike="noStrike" kern="1200" baseline="0" dirty="0">
+              <a:solidFill>
+                <a:schemeClr val="tx1"/>
+              </a:solidFill>
+              <a:latin typeface="+mn-lt"/>
+              <a:ea typeface="+mn-ea"/>
+              <a:cs typeface="+mn-cs"/>
+            </a:endParaRPr>
+          </a:p>
+          <a:p>
+            <a:pPr rtl="0"/>
+            <a:endParaRPr lang="zh-CN" altLang="en-US" sz="1200" b="0" i="0" u="none" strike="noStrike" kern="1200" baseline="0" dirty="0">
+              <a:solidFill>
+                <a:schemeClr val="tx1"/>
+              </a:solidFill>
+              <a:latin typeface="+mn-lt"/>
+              <a:ea typeface="+mn-ea"/>
+              <a:cs typeface="+mn-cs"/>
+            </a:endParaRPr>
+          </a:p>
+          <a:p>
+            <a:pPr rtl="0"/>
+            <a:r>
+              <a:rPr lang="zh-CN" altLang="en-US" sz="1200" b="1" i="0" u="none" strike="noStrike" kern="1200" baseline="0" dirty="0">
+                <a:solidFill>
+                  <a:schemeClr val="tx1"/>
+                </a:solidFill>
+                <a:latin typeface="+mn-lt"/>
+                <a:ea typeface="+mn-ea"/>
+                <a:cs typeface="+mn-cs"/>
+              </a:rPr>
+              <a:t>在</a:t>
+            </a:r>
+            <a:r>
+              <a:rPr lang="en-US" altLang="zh-CN" sz="1200" b="1" i="0" u="none" strike="noStrike" kern="1200" baseline="0" dirty="0">
+                <a:solidFill>
+                  <a:schemeClr val="tx1"/>
+                </a:solidFill>
+                <a:latin typeface="+mn-lt"/>
+                <a:ea typeface="+mn-ea"/>
+                <a:cs typeface="+mn-cs"/>
+              </a:rPr>
+              <a:t>pre-clean</a:t>
+            </a:r>
+            <a:r>
+              <a:rPr lang="zh-CN" altLang="en-US" sz="1200" b="1" i="0" u="none" strike="noStrike" kern="1200" baseline="0" dirty="0">
+                <a:solidFill>
+                  <a:schemeClr val="tx1"/>
+                </a:solidFill>
+                <a:latin typeface="+mn-lt"/>
+                <a:ea typeface="+mn-ea"/>
+                <a:cs typeface="+mn-cs"/>
+              </a:rPr>
+              <a:t>阶段，那些能够从</a:t>
+            </a:r>
+            <a:r>
+              <a:rPr lang="en-US" altLang="zh-CN" sz="1200" b="1" i="0" u="none" strike="noStrike" kern="1200" baseline="0" dirty="0">
+                <a:solidFill>
+                  <a:schemeClr val="tx1"/>
+                </a:solidFill>
+                <a:latin typeface="+mn-lt"/>
+                <a:ea typeface="+mn-ea"/>
+                <a:cs typeface="+mn-cs"/>
+              </a:rPr>
+              <a:t>dirty card</a:t>
+            </a:r>
+            <a:r>
+              <a:rPr lang="zh-CN" altLang="en-US" sz="1200" b="1" i="0" u="none" strike="noStrike" kern="1200" baseline="0" dirty="0">
+                <a:solidFill>
+                  <a:schemeClr val="tx1"/>
+                </a:solidFill>
+                <a:latin typeface="+mn-lt"/>
+                <a:ea typeface="+mn-ea"/>
+                <a:cs typeface="+mn-cs"/>
+              </a:rPr>
+              <a:t>对象到达的对象也会被标记，这个标记做完之后，</a:t>
+            </a:r>
+            <a:r>
+              <a:rPr lang="en-US" altLang="zh-CN" sz="1200" b="1" i="0" u="none" strike="noStrike" kern="1200" baseline="0" dirty="0">
+                <a:solidFill>
+                  <a:schemeClr val="tx1"/>
+                </a:solidFill>
+                <a:latin typeface="+mn-lt"/>
+                <a:ea typeface="+mn-ea"/>
+                <a:cs typeface="+mn-cs"/>
+              </a:rPr>
+              <a:t>dirty card</a:t>
+            </a:r>
+            <a:r>
+              <a:rPr lang="zh-CN" altLang="en-US" sz="1200" b="1" i="0" u="none" strike="noStrike" kern="1200" baseline="0" dirty="0">
+                <a:solidFill>
+                  <a:schemeClr val="tx1"/>
+                </a:solidFill>
+                <a:latin typeface="+mn-lt"/>
+                <a:ea typeface="+mn-ea"/>
+                <a:cs typeface="+mn-cs"/>
+              </a:rPr>
+              <a:t>标记就会被清除了，如下：</a:t>
+            </a:r>
+            <a:endParaRPr lang="zh-CN" altLang="en-US" sz="1200" b="0" i="0" u="none" strike="noStrike" kern="1200" baseline="0" dirty="0">
+              <a:solidFill>
+                <a:schemeClr val="tx1"/>
+              </a:solidFill>
+              <a:latin typeface="+mn-lt"/>
+              <a:ea typeface="+mn-ea"/>
+              <a:cs typeface="+mn-cs"/>
+            </a:endParaRPr>
+          </a:p>
+          <a:p>
+            <a:pPr rtl="0"/>
+            <a:endParaRPr lang="zh-CN" altLang="en-US" sz="1200" b="0" i="0" u="none" strike="noStrike" kern="1200" baseline="0" dirty="0">
+              <a:solidFill>
+                <a:schemeClr val="tx1"/>
+              </a:solidFill>
+              <a:latin typeface="+mn-lt"/>
+              <a:ea typeface="+mn-ea"/>
+              <a:cs typeface="+mn-cs"/>
+            </a:endParaRPr>
+          </a:p>
+          <a:p>
+            <a:pPr rtl="0"/>
+            <a:r>
+              <a:rPr lang="zh-CN" altLang="en-US" sz="1200" b="1" i="0" u="none" strike="noStrike" kern="1200" baseline="0" dirty="0">
+                <a:solidFill>
+                  <a:schemeClr val="tx1"/>
+                </a:solidFill>
+                <a:latin typeface="+mn-lt"/>
+                <a:ea typeface="+mn-ea"/>
+                <a:cs typeface="+mn-cs"/>
+              </a:rPr>
+              <a:t>另外，一些必要的清扫工作也会做，还会做一些</a:t>
+            </a:r>
+            <a:r>
+              <a:rPr lang="en-US" altLang="zh-CN" sz="1200" b="1" i="0" u="none" strike="noStrike" kern="1200" baseline="0" dirty="0">
+                <a:solidFill>
+                  <a:schemeClr val="tx1"/>
+                </a:solidFill>
+                <a:latin typeface="+mn-lt"/>
+                <a:ea typeface="+mn-ea"/>
+                <a:cs typeface="+mn-cs"/>
+              </a:rPr>
+              <a:t>final remark</a:t>
+            </a:r>
+            <a:r>
+              <a:rPr lang="zh-CN" altLang="en-US" sz="1200" b="1" i="0" u="none" strike="noStrike" kern="1200" baseline="0" dirty="0">
+                <a:solidFill>
+                  <a:schemeClr val="tx1"/>
+                </a:solidFill>
+                <a:latin typeface="+mn-lt"/>
+                <a:ea typeface="+mn-ea"/>
+                <a:cs typeface="+mn-cs"/>
+              </a:rPr>
+              <a:t>阶段需要的准备工作；</a:t>
+            </a:r>
+            <a:endParaRPr lang="zh-CN" altLang="en-US" sz="1200" b="0" i="0" u="none" strike="noStrike" kern="1200" baseline="0" dirty="0">
+              <a:solidFill>
+                <a:schemeClr val="tx1"/>
+              </a:solidFill>
+              <a:latin typeface="+mn-lt"/>
+              <a:ea typeface="+mn-ea"/>
+              <a:cs typeface="+mn-cs"/>
+            </a:endParaRPr>
+          </a:p>
+          <a:p>
+            <a:pPr rtl="0"/>
+            <a:r>
+              <a:rPr lang="en-US" altLang="zh-CN" sz="1200" b="1" i="0" u="none" strike="noStrike" kern="1200" baseline="0" dirty="0">
+                <a:solidFill>
+                  <a:schemeClr val="tx1"/>
+                </a:solidFill>
+                <a:latin typeface="+mn-lt"/>
+                <a:ea typeface="+mn-ea"/>
+                <a:cs typeface="+mn-cs"/>
+              </a:rPr>
+              <a:t>2.4.</a:t>
+            </a:r>
+            <a:r>
+              <a:rPr lang="zh-CN" altLang="en-US" sz="1200" b="1" i="0" u="none" strike="noStrike" kern="1200" baseline="0" dirty="0">
+                <a:solidFill>
+                  <a:schemeClr val="tx1"/>
+                </a:solidFill>
+                <a:latin typeface="+mn-lt"/>
+                <a:ea typeface="+mn-ea"/>
+                <a:cs typeface="+mn-cs"/>
+              </a:rPr>
+              <a:t>重标记</a:t>
+            </a:r>
+            <a:r>
+              <a:rPr lang="en-US" altLang="zh-CN" sz="1200" b="1" i="0" u="none" strike="noStrike" kern="1200" baseline="0" dirty="0">
+                <a:solidFill>
+                  <a:schemeClr val="tx1"/>
+                </a:solidFill>
+                <a:latin typeface="+mn-lt"/>
+                <a:ea typeface="+mn-ea"/>
+                <a:cs typeface="+mn-cs"/>
+              </a:rPr>
+              <a:t>(Remark / Final Mark)</a:t>
+            </a:r>
+            <a:r>
+              <a:rPr lang="zh-CN" altLang="en-US" sz="1200" b="1" i="0" u="none" strike="noStrike" kern="1200" baseline="0" dirty="0">
+                <a:solidFill>
+                  <a:schemeClr val="tx1"/>
+                </a:solidFill>
+                <a:latin typeface="+mn-lt"/>
+                <a:ea typeface="+mn-ea"/>
+                <a:cs typeface="+mn-cs"/>
+              </a:rPr>
+              <a:t>：</a:t>
+            </a:r>
+            <a:endParaRPr lang="en-US" altLang="zh-CN" sz="1200" b="0" i="0" u="none" strike="noStrike" kern="1200" baseline="0" dirty="0">
+              <a:solidFill>
+                <a:schemeClr val="tx1"/>
+              </a:solidFill>
+              <a:latin typeface="+mn-lt"/>
+              <a:ea typeface="+mn-ea"/>
+              <a:cs typeface="+mn-cs"/>
+            </a:endParaRPr>
+          </a:p>
+          <a:p>
+            <a:pPr rtl="0"/>
+            <a:r>
+              <a:rPr lang="zh-CN" altLang="en-US" sz="1200" b="1" i="0" u="none" strike="noStrike" kern="1200" baseline="0" dirty="0">
+                <a:solidFill>
+                  <a:schemeClr val="tx1"/>
+                </a:solidFill>
+                <a:latin typeface="+mn-lt"/>
+                <a:ea typeface="+mn-ea"/>
+                <a:cs typeface="+mn-cs"/>
+              </a:rPr>
+              <a:t>该阶段暂停所应用线程，是</a:t>
+            </a:r>
+            <a:r>
+              <a:rPr lang="en-US" altLang="zh-CN" sz="1200" b="1" i="0" u="none" strike="noStrike" kern="1200" baseline="0" dirty="0">
+                <a:solidFill>
+                  <a:schemeClr val="tx1"/>
+                </a:solidFill>
+                <a:latin typeface="+mn-lt"/>
+                <a:ea typeface="+mn-ea"/>
+                <a:cs typeface="+mn-cs"/>
+              </a:rPr>
+              <a:t>CMS</a:t>
+            </a:r>
+            <a:r>
+              <a:rPr lang="zh-CN" altLang="en-US" sz="1200" b="1" i="0" u="none" strike="noStrike" kern="1200" baseline="0" dirty="0">
+                <a:solidFill>
+                  <a:schemeClr val="tx1"/>
+                </a:solidFill>
+                <a:latin typeface="+mn-lt"/>
+                <a:ea typeface="+mn-ea"/>
+                <a:cs typeface="+mn-cs"/>
+              </a:rPr>
+              <a:t>阶段的最后一次</a:t>
+            </a:r>
+            <a:r>
+              <a:rPr lang="en-US" altLang="zh-CN" sz="1200" b="1" i="0" u="none" strike="noStrike" kern="1200" baseline="0" dirty="0">
+                <a:solidFill>
+                  <a:schemeClr val="tx1"/>
+                </a:solidFill>
+                <a:latin typeface="+mn-lt"/>
+                <a:ea typeface="+mn-ea"/>
+                <a:cs typeface="+mn-cs"/>
+              </a:rPr>
+              <a:t>STW.</a:t>
+            </a:r>
+            <a:r>
+              <a:rPr lang="zh-CN" altLang="en-US" sz="1200" b="1" i="0" u="none" strike="noStrike" kern="1200" baseline="0" dirty="0">
+                <a:solidFill>
+                  <a:schemeClr val="tx1"/>
+                </a:solidFill>
+                <a:latin typeface="+mn-lt"/>
+                <a:ea typeface="+mn-ea"/>
+                <a:cs typeface="+mn-cs"/>
+              </a:rPr>
+              <a:t>该阶段的任务是完成标记整个年老代的所有的存活对象。</a:t>
+            </a:r>
+            <a:endParaRPr lang="zh-CN" altLang="en-US" sz="1200" b="0" i="0" u="none" strike="noStrike" kern="1200" baseline="0" dirty="0">
+              <a:solidFill>
+                <a:schemeClr val="tx1"/>
+              </a:solidFill>
+              <a:latin typeface="+mn-lt"/>
+              <a:ea typeface="+mn-ea"/>
+              <a:cs typeface="+mn-cs"/>
+            </a:endParaRPr>
+          </a:p>
+          <a:p>
+            <a:pPr rtl="0"/>
+            <a:r>
+              <a:rPr lang="zh-CN" altLang="en-US" sz="1200" b="1" i="0" u="none" strike="noStrike" kern="1200" baseline="0" dirty="0">
+                <a:solidFill>
+                  <a:schemeClr val="tx1"/>
+                </a:solidFill>
+                <a:latin typeface="+mn-lt"/>
+                <a:ea typeface="+mn-ea"/>
+                <a:cs typeface="+mn-cs"/>
+              </a:rPr>
+              <a:t> </a:t>
+            </a:r>
+            <a:endParaRPr lang="zh-CN" altLang="en-US" sz="1200" b="0" i="0" u="none" strike="noStrike" kern="1200" baseline="0" dirty="0">
+              <a:solidFill>
+                <a:schemeClr val="tx1"/>
+              </a:solidFill>
+              <a:latin typeface="+mn-lt"/>
+              <a:ea typeface="+mn-ea"/>
+              <a:cs typeface="+mn-cs"/>
+            </a:endParaRPr>
+          </a:p>
+          <a:p>
+            <a:pPr rtl="0"/>
+            <a:r>
+              <a:rPr lang="en-US" altLang="zh-CN" sz="1200" b="1" i="0" u="none" strike="noStrike" kern="1200" baseline="0" dirty="0">
+                <a:solidFill>
+                  <a:schemeClr val="tx1"/>
+                </a:solidFill>
+                <a:latin typeface="+mn-lt"/>
+                <a:ea typeface="+mn-ea"/>
+                <a:cs typeface="+mn-cs"/>
+              </a:rPr>
+              <a:t>2.5.</a:t>
+            </a:r>
+            <a:r>
+              <a:rPr lang="zh-CN" altLang="en-US" sz="1200" b="1" i="0" u="none" strike="noStrike" kern="1200" baseline="0" dirty="0">
+                <a:solidFill>
+                  <a:schemeClr val="tx1"/>
+                </a:solidFill>
+                <a:latin typeface="+mn-lt"/>
+                <a:ea typeface="+mn-ea"/>
+                <a:cs typeface="+mn-cs"/>
+              </a:rPr>
+              <a:t>并发清理</a:t>
+            </a:r>
+            <a:r>
+              <a:rPr lang="en-US" altLang="zh-CN" sz="1200" b="1" i="0" u="none" strike="noStrike" kern="1200" baseline="0" dirty="0">
+                <a:solidFill>
+                  <a:schemeClr val="tx1"/>
+                </a:solidFill>
+                <a:latin typeface="+mn-lt"/>
+                <a:ea typeface="+mn-ea"/>
+                <a:cs typeface="+mn-cs"/>
+              </a:rPr>
+              <a:t>(Concurrent Sweep)</a:t>
+            </a:r>
+            <a:r>
+              <a:rPr lang="zh-CN" altLang="en-US" sz="1200" b="1" i="0" u="none" strike="noStrike" kern="1200" baseline="0" dirty="0">
+                <a:solidFill>
+                  <a:schemeClr val="tx1"/>
+                </a:solidFill>
+                <a:latin typeface="+mn-lt"/>
+                <a:ea typeface="+mn-ea"/>
+                <a:cs typeface="+mn-cs"/>
+              </a:rPr>
+              <a:t>：</a:t>
+            </a:r>
+            <a:endParaRPr lang="en-US" altLang="zh-CN" sz="1200" b="0" i="0" u="none" strike="noStrike" kern="1200" baseline="0" dirty="0">
+              <a:solidFill>
+                <a:schemeClr val="tx1"/>
+              </a:solidFill>
+              <a:latin typeface="+mn-lt"/>
+              <a:ea typeface="+mn-ea"/>
+              <a:cs typeface="+mn-cs"/>
+            </a:endParaRPr>
+          </a:p>
+          <a:p>
+            <a:pPr rtl="0"/>
+            <a:r>
+              <a:rPr lang="zh-CN" altLang="en-US" sz="1200" b="1" i="0" u="none" strike="noStrike" kern="1200" baseline="0" dirty="0">
+                <a:solidFill>
+                  <a:schemeClr val="tx1"/>
+                </a:solidFill>
+                <a:latin typeface="+mn-lt"/>
+                <a:ea typeface="+mn-ea"/>
+                <a:cs typeface="+mn-cs"/>
+              </a:rPr>
+              <a:t>和应用线程同时进行，不需要</a:t>
+            </a:r>
+            <a:r>
+              <a:rPr lang="en-US" altLang="zh-CN" sz="1200" b="1" i="0" u="none" strike="noStrike" kern="1200" baseline="0" dirty="0">
+                <a:solidFill>
+                  <a:schemeClr val="tx1"/>
+                </a:solidFill>
+                <a:latin typeface="+mn-lt"/>
+                <a:ea typeface="+mn-ea"/>
+                <a:cs typeface="+mn-cs"/>
+              </a:rPr>
+              <a:t>STW</a:t>
+            </a:r>
+            <a:r>
+              <a:rPr lang="zh-CN" altLang="en-US" sz="1200" b="1" i="0" u="none" strike="noStrike" kern="1200" baseline="0" dirty="0">
+                <a:solidFill>
+                  <a:schemeClr val="tx1"/>
+                </a:solidFill>
+                <a:latin typeface="+mn-lt"/>
+                <a:ea typeface="+mn-ea"/>
+                <a:cs typeface="+mn-cs"/>
+              </a:rPr>
+              <a:t>。这个阶段的目的就是移除那些不用的对象，回收他们占用的空间并且为将来使用。</a:t>
+            </a:r>
+            <a:endParaRPr lang="zh-CN" altLang="en-US" sz="1200" b="0" i="0" u="none" strike="noStrike" kern="1200" baseline="0" dirty="0">
+              <a:solidFill>
+                <a:schemeClr val="tx1"/>
+              </a:solidFill>
+              <a:latin typeface="+mn-lt"/>
+              <a:ea typeface="+mn-ea"/>
+              <a:cs typeface="+mn-cs"/>
+            </a:endParaRPr>
+          </a:p>
+          <a:p>
+            <a:pPr rtl="0"/>
+            <a:endParaRPr lang="zh-CN" altLang="en-US" sz="1200" b="0" i="0" u="none" strike="noStrike" kern="1200" baseline="0" dirty="0">
+              <a:solidFill>
+                <a:schemeClr val="tx1"/>
+              </a:solidFill>
+              <a:latin typeface="+mn-lt"/>
+              <a:ea typeface="+mn-ea"/>
+              <a:cs typeface="+mn-cs"/>
+            </a:endParaRPr>
+          </a:p>
+          <a:p>
+            <a:pPr rtl="0"/>
+            <a:r>
+              <a:rPr lang="en-US" altLang="zh-CN" sz="1200" b="1" i="0" u="none" strike="noStrike" kern="1200" baseline="0" dirty="0">
+                <a:solidFill>
+                  <a:schemeClr val="tx1"/>
+                </a:solidFill>
+                <a:latin typeface="+mn-lt"/>
+                <a:ea typeface="+mn-ea"/>
+                <a:cs typeface="+mn-cs"/>
+              </a:rPr>
+              <a:t>2.6.</a:t>
+            </a:r>
+            <a:r>
+              <a:rPr lang="zh-CN" altLang="en-US" sz="1200" b="1" i="0" u="none" strike="noStrike" kern="1200" baseline="0" dirty="0">
+                <a:solidFill>
+                  <a:schemeClr val="tx1"/>
+                </a:solidFill>
+                <a:latin typeface="+mn-lt"/>
+                <a:ea typeface="+mn-ea"/>
+                <a:cs typeface="+mn-cs"/>
+              </a:rPr>
+              <a:t>并发重置：</a:t>
+            </a:r>
+            <a:endParaRPr lang="zh-CN" altLang="en-US" sz="1200" b="0" i="0" u="none" strike="noStrike" kern="1200" baseline="0" dirty="0">
+              <a:solidFill>
+                <a:schemeClr val="tx1"/>
+              </a:solidFill>
+              <a:latin typeface="+mn-lt"/>
+              <a:ea typeface="+mn-ea"/>
+              <a:cs typeface="+mn-cs"/>
+            </a:endParaRPr>
+          </a:p>
+          <a:p>
+            <a:pPr rtl="0"/>
+            <a:r>
+              <a:rPr lang="zh-CN" altLang="en-US" sz="1200" b="1" i="0" u="none" strike="noStrike" kern="1200" baseline="0" dirty="0">
+                <a:solidFill>
+                  <a:schemeClr val="tx1"/>
+                </a:solidFill>
+                <a:latin typeface="+mn-lt"/>
+                <a:ea typeface="+mn-ea"/>
+                <a:cs typeface="+mn-cs"/>
+              </a:rPr>
+              <a:t>这个阶段并发执行，重新设置</a:t>
+            </a:r>
+            <a:r>
+              <a:rPr lang="en-US" altLang="zh-CN" sz="1200" b="1" i="0" u="none" strike="noStrike" kern="1200" baseline="0" dirty="0">
+                <a:solidFill>
+                  <a:schemeClr val="tx1"/>
+                </a:solidFill>
+                <a:latin typeface="+mn-lt"/>
+                <a:ea typeface="+mn-ea"/>
+                <a:cs typeface="+mn-cs"/>
+              </a:rPr>
+              <a:t>CMS</a:t>
+            </a:r>
+            <a:r>
+              <a:rPr lang="zh-CN" altLang="en-US" sz="1200" b="1" i="0" u="none" strike="noStrike" kern="1200" baseline="0" dirty="0">
+                <a:solidFill>
+                  <a:schemeClr val="tx1"/>
+                </a:solidFill>
+                <a:latin typeface="+mn-lt"/>
+                <a:ea typeface="+mn-ea"/>
+                <a:cs typeface="+mn-cs"/>
+              </a:rPr>
+              <a:t>算法内部的数据结构，准备下一个</a:t>
+            </a:r>
+            <a:r>
+              <a:rPr lang="en-US" altLang="zh-CN" sz="1200" b="1" i="0" u="none" strike="noStrike" kern="1200" baseline="0" dirty="0">
+                <a:solidFill>
+                  <a:schemeClr val="tx1"/>
+                </a:solidFill>
+                <a:latin typeface="+mn-lt"/>
+                <a:ea typeface="+mn-ea"/>
+                <a:cs typeface="+mn-cs"/>
+              </a:rPr>
+              <a:t>CMS</a:t>
+            </a:r>
+            <a:r>
+              <a:rPr lang="zh-CN" altLang="en-US" sz="1200" b="1" i="0" u="none" strike="noStrike" kern="1200" baseline="0" dirty="0">
+                <a:solidFill>
+                  <a:schemeClr val="tx1"/>
+                </a:solidFill>
+                <a:latin typeface="+mn-lt"/>
+                <a:ea typeface="+mn-ea"/>
+                <a:cs typeface="+mn-cs"/>
+              </a:rPr>
+              <a:t>生命周期的使用。</a:t>
+            </a:r>
+            <a:endParaRPr lang="zh-CN" altLang="en-US" sz="1200" b="0" i="0" u="none" strike="noStrike" kern="1200" baseline="0" dirty="0">
+              <a:solidFill>
+                <a:schemeClr val="tx1"/>
+              </a:solidFill>
+              <a:latin typeface="+mn-lt"/>
+              <a:ea typeface="+mn-ea"/>
+              <a:cs typeface="+mn-cs"/>
+            </a:endParaRPr>
+          </a:p>
+          <a:p>
+            <a:pPr rtl="0"/>
+            <a:r>
+              <a:rPr lang="zh-CN" altLang="en-US" sz="1200" b="0" i="0" u="none" strike="noStrike" kern="1200" baseline="0" dirty="0">
+                <a:solidFill>
+                  <a:schemeClr val="tx1"/>
+                </a:solidFill>
+                <a:latin typeface="+mn-lt"/>
+                <a:ea typeface="+mn-ea"/>
+                <a:cs typeface="+mn-cs"/>
+              </a:rPr>
+              <a:t> </a:t>
+            </a:r>
+          </a:p>
+          <a:p>
+            <a:pPr rtl="0"/>
+            <a:endParaRPr lang="zh-CN" altLang="en-US" dirty="0"/>
+          </a:p>
+        </p:txBody>
+      </p:sp>
+      <p:sp>
+        <p:nvSpPr>
+          <p:cNvPr id="4" name="灯片编号占位符 3"/>
+          <p:cNvSpPr>
+            <a:spLocks noGrp="1"/>
+          </p:cNvSpPr>
+          <p:nvPr>
+            <p:ph type="sldNum" sz="quarter" idx="5"/>
+          </p:nvPr>
+        </p:nvSpPr>
+        <p:spPr/>
+        <p:txBody>
+          <a:bodyPr/>
+          <a:lstStyle/>
+          <a:p>
+            <a:fld id="{0B77BCC6-1F8A-452E-9AE8-956F32ABCC1A}" type="slidenum">
+              <a:rPr lang="zh-CN" altLang="en-US" smtClean="0"/>
+              <a:t>20</a:t>
+            </a:fld>
+            <a:endParaRPr lang="zh-CN" altLang="en-US"/>
+          </a:p>
+        </p:txBody>
+      </p:sp>
+    </p:spTree>
+    <p:extLst>
+      <p:ext uri="{BB962C8B-B14F-4D97-AF65-F5344CB8AC3E}">
+        <p14:creationId xmlns:p14="http://schemas.microsoft.com/office/powerpoint/2010/main" val="352089899"/>
+      </p:ext>
+    </p:extLst>
+  </p:cSld>
+  <p:clrMapOvr>
+    <a:masterClrMapping/>
+  </p:clrMapOvr>
+</p:notes>
+</file>
+
+<file path=ppt/notesSlides/notesSlide17.xml><?xml version="1.0" encoding="utf-8"?>
+<p:notes xmlns:a="http://schemas.openxmlformats.org/drawingml/2006/main" xmlns:r="http://schemas.openxmlformats.org/officeDocument/2006/relationships" xmlns:p="http://schemas.openxmlformats.org/presentationml/2006/main">
+  <p:cSld>
+    <p:spTree>
+      <p:nvGrpSpPr>
+        <p:cNvPr id="1" name=""/>
+        <p:cNvGrpSpPr/>
+        <p:nvPr/>
+      </p:nvGrpSpPr>
+      <p:grpSpPr>
+        <a:xfrm>
+          <a:off x="0" y="0"/>
+          <a:ext cx="0" cy="0"/>
+          <a:chOff x="0" y="0"/>
+          <a:chExt cx="0" cy="0"/>
+        </a:xfrm>
+      </p:grpSpPr>
+      <p:sp>
+        <p:nvSpPr>
+          <p:cNvPr id="2" name="幻灯片图像占位符 1"/>
+          <p:cNvSpPr>
+            <a:spLocks noGrp="1" noRot="1" noChangeAspect="1"/>
+          </p:cNvSpPr>
+          <p:nvPr>
+            <p:ph type="sldImg"/>
+          </p:nvPr>
+        </p:nvSpPr>
+        <p:spPr/>
+      </p:sp>
+      <p:sp>
+        <p:nvSpPr>
+          <p:cNvPr id="3" name="备注占位符 2"/>
+          <p:cNvSpPr>
+            <a:spLocks noGrp="1"/>
+          </p:cNvSpPr>
+          <p:nvPr>
+            <p:ph type="body" idx="1"/>
+          </p:nvPr>
+        </p:nvSpPr>
+        <p:spPr/>
+        <p:txBody>
+          <a:bodyPr/>
+          <a:lstStyle/>
+          <a:p>
+            <a:pPr rtl="0"/>
+            <a:endParaRPr lang="zh-CN" altLang="en-US" dirty="0"/>
+          </a:p>
+        </p:txBody>
+      </p:sp>
+      <p:sp>
+        <p:nvSpPr>
+          <p:cNvPr id="4" name="灯片编号占位符 3"/>
+          <p:cNvSpPr>
+            <a:spLocks noGrp="1"/>
+          </p:cNvSpPr>
+          <p:nvPr>
+            <p:ph type="sldNum" sz="quarter" idx="5"/>
+          </p:nvPr>
+        </p:nvSpPr>
+        <p:spPr/>
+        <p:txBody>
+          <a:bodyPr/>
+          <a:lstStyle/>
+          <a:p>
+            <a:fld id="{0B77BCC6-1F8A-452E-9AE8-956F32ABCC1A}" type="slidenum">
+              <a:rPr lang="zh-CN" altLang="en-US" smtClean="0"/>
+              <a:t>21</a:t>
+            </a:fld>
+            <a:endParaRPr lang="zh-CN" altLang="en-US"/>
+          </a:p>
+        </p:txBody>
+      </p:sp>
+    </p:spTree>
+    <p:extLst>
+      <p:ext uri="{BB962C8B-B14F-4D97-AF65-F5344CB8AC3E}">
+        <p14:creationId xmlns:p14="http://schemas.microsoft.com/office/powerpoint/2010/main" val="3906794386"/>
+      </p:ext>
+    </p:extLst>
+  </p:cSld>
+  <p:clrMapOvr>
+    <a:masterClrMapping/>
+  </p:clrMapOvr>
+</p:notes>
+</file>
+
+<file path=ppt/notesSlides/notesSlide18.xml><?xml version="1.0" encoding="utf-8"?>
+<p:notes xmlns:a="http://schemas.openxmlformats.org/drawingml/2006/main" xmlns:r="http://schemas.openxmlformats.org/officeDocument/2006/relationships" xmlns:p="http://schemas.openxmlformats.org/presentationml/2006/main">
+  <p:cSld>
+    <p:spTree>
+      <p:nvGrpSpPr>
+        <p:cNvPr id="1" name=""/>
+        <p:cNvGrpSpPr/>
+        <p:nvPr/>
+      </p:nvGrpSpPr>
+      <p:grpSpPr>
+        <a:xfrm>
+          <a:off x="0" y="0"/>
+          <a:ext cx="0" cy="0"/>
+          <a:chOff x="0" y="0"/>
+          <a:chExt cx="0" cy="0"/>
+        </a:xfrm>
+      </p:grpSpPr>
+      <p:sp>
+        <p:nvSpPr>
+          <p:cNvPr id="2" name="幻灯片图像占位符 1"/>
+          <p:cNvSpPr>
+            <a:spLocks noGrp="1" noRot="1" noChangeAspect="1"/>
+          </p:cNvSpPr>
+          <p:nvPr>
+            <p:ph type="sldImg"/>
+          </p:nvPr>
+        </p:nvSpPr>
+        <p:spPr/>
+      </p:sp>
+      <p:sp>
+        <p:nvSpPr>
+          <p:cNvPr id="3" name="备注占位符 2"/>
+          <p:cNvSpPr>
+            <a:spLocks noGrp="1"/>
+          </p:cNvSpPr>
+          <p:nvPr>
+            <p:ph type="body" idx="1"/>
+          </p:nvPr>
+        </p:nvSpPr>
+        <p:spPr/>
+        <p:txBody>
+          <a:bodyPr/>
+          <a:lstStyle/>
+          <a:p>
+            <a:pPr rtl="0"/>
+            <a:endParaRPr lang="zh-CN" altLang="en-US" dirty="0"/>
+          </a:p>
+        </p:txBody>
+      </p:sp>
+      <p:sp>
+        <p:nvSpPr>
+          <p:cNvPr id="4" name="灯片编号占位符 3"/>
+          <p:cNvSpPr>
+            <a:spLocks noGrp="1"/>
+          </p:cNvSpPr>
+          <p:nvPr>
+            <p:ph type="sldNum" sz="quarter" idx="5"/>
+          </p:nvPr>
+        </p:nvSpPr>
+        <p:spPr/>
+        <p:txBody>
+          <a:bodyPr/>
+          <a:lstStyle/>
+          <a:p>
+            <a:fld id="{0B77BCC6-1F8A-452E-9AE8-956F32ABCC1A}" type="slidenum">
+              <a:rPr lang="zh-CN" altLang="en-US" smtClean="0"/>
+              <a:t>22</a:t>
+            </a:fld>
+            <a:endParaRPr lang="zh-CN" altLang="en-US"/>
+          </a:p>
+        </p:txBody>
+      </p:sp>
+    </p:spTree>
+    <p:extLst>
+      <p:ext uri="{BB962C8B-B14F-4D97-AF65-F5344CB8AC3E}">
+        <p14:creationId xmlns:p14="http://schemas.microsoft.com/office/powerpoint/2010/main" val="2041730702"/>
       </p:ext>
     </p:extLst>
   </p:cSld>
@@ -5131,7 +6413,7 @@
           <a:p>
             <a:fld id="{1331EC2B-80D6-4C7C-9EC4-5505DA85B637}" type="datetimeFigureOut">
               <a:rPr lang="zh-CN" altLang="en-US" smtClean="0"/>
-              <a:t>2019/9/19</a:t>
+              <a:t>2019/9/20</a:t>
             </a:fld>
             <a:endParaRPr lang="zh-CN" altLang="en-US"/>
           </a:p>
@@ -5329,7 +6611,7 @@
           <a:p>
             <a:fld id="{1331EC2B-80D6-4C7C-9EC4-5505DA85B637}" type="datetimeFigureOut">
               <a:rPr lang="zh-CN" altLang="en-US" smtClean="0"/>
-              <a:t>2019/9/19</a:t>
+              <a:t>2019/9/20</a:t>
             </a:fld>
             <a:endParaRPr lang="zh-CN" altLang="en-US"/>
           </a:p>
@@ -5537,7 +6819,7 @@
           <a:p>
             <a:fld id="{1331EC2B-80D6-4C7C-9EC4-5505DA85B637}" type="datetimeFigureOut">
               <a:rPr lang="zh-CN" altLang="en-US" smtClean="0"/>
-              <a:t>2019/9/19</a:t>
+              <a:t>2019/9/20</a:t>
             </a:fld>
             <a:endParaRPr lang="zh-CN" altLang="en-US"/>
           </a:p>
@@ -5735,7 +7017,7 @@
           <a:p>
             <a:fld id="{1331EC2B-80D6-4C7C-9EC4-5505DA85B637}" type="datetimeFigureOut">
               <a:rPr lang="zh-CN" altLang="en-US" smtClean="0"/>
-              <a:t>2019/9/19</a:t>
+              <a:t>2019/9/20</a:t>
             </a:fld>
             <a:endParaRPr lang="zh-CN" altLang="en-US"/>
           </a:p>
@@ -6010,7 +7292,7 @@
           <a:p>
             <a:fld id="{1331EC2B-80D6-4C7C-9EC4-5505DA85B637}" type="datetimeFigureOut">
               <a:rPr lang="zh-CN" altLang="en-US" smtClean="0"/>
-              <a:t>2019/9/19</a:t>
+              <a:t>2019/9/20</a:t>
             </a:fld>
             <a:endParaRPr lang="zh-CN" altLang="en-US"/>
           </a:p>
@@ -6275,7 +7557,7 @@
           <a:p>
             <a:fld id="{1331EC2B-80D6-4C7C-9EC4-5505DA85B637}" type="datetimeFigureOut">
               <a:rPr lang="zh-CN" altLang="en-US" smtClean="0"/>
-              <a:t>2019/9/19</a:t>
+              <a:t>2019/9/20</a:t>
             </a:fld>
             <a:endParaRPr lang="zh-CN" altLang="en-US"/>
           </a:p>
@@ -6687,7 +7969,7 @@
           <a:p>
             <a:fld id="{1331EC2B-80D6-4C7C-9EC4-5505DA85B637}" type="datetimeFigureOut">
               <a:rPr lang="zh-CN" altLang="en-US" smtClean="0"/>
-              <a:t>2019/9/19</a:t>
+              <a:t>2019/9/20</a:t>
             </a:fld>
             <a:endParaRPr lang="zh-CN" altLang="en-US"/>
           </a:p>
@@ -6828,7 +8110,7 @@
           <a:p>
             <a:fld id="{1331EC2B-80D6-4C7C-9EC4-5505DA85B637}" type="datetimeFigureOut">
               <a:rPr lang="zh-CN" altLang="en-US" smtClean="0"/>
-              <a:t>2019/9/19</a:t>
+              <a:t>2019/9/20</a:t>
             </a:fld>
             <a:endParaRPr lang="zh-CN" altLang="en-US"/>
           </a:p>
@@ -6941,7 +8223,7 @@
           <a:p>
             <a:fld id="{1331EC2B-80D6-4C7C-9EC4-5505DA85B637}" type="datetimeFigureOut">
               <a:rPr lang="zh-CN" altLang="en-US" smtClean="0"/>
-              <a:t>2019/9/19</a:t>
+              <a:t>2019/9/20</a:t>
             </a:fld>
             <a:endParaRPr lang="zh-CN" altLang="en-US"/>
           </a:p>
@@ -7252,7 +8534,7 @@
           <a:p>
             <a:fld id="{1331EC2B-80D6-4C7C-9EC4-5505DA85B637}" type="datetimeFigureOut">
               <a:rPr lang="zh-CN" altLang="en-US" smtClean="0"/>
-              <a:t>2019/9/19</a:t>
+              <a:t>2019/9/20</a:t>
             </a:fld>
             <a:endParaRPr lang="zh-CN" altLang="en-US"/>
           </a:p>
@@ -7540,7 +8822,7 @@
           <a:p>
             <a:fld id="{1331EC2B-80D6-4C7C-9EC4-5505DA85B637}" type="datetimeFigureOut">
               <a:rPr lang="zh-CN" altLang="en-US" smtClean="0"/>
-              <a:t>2019/9/19</a:t>
+              <a:t>2019/9/20</a:t>
             </a:fld>
             <a:endParaRPr lang="zh-CN" altLang="en-US"/>
           </a:p>
@@ -7781,7 +9063,7 @@
           <a:p>
             <a:fld id="{1331EC2B-80D6-4C7C-9EC4-5505DA85B637}" type="datetimeFigureOut">
               <a:rPr lang="zh-CN" altLang="en-US" smtClean="0"/>
-              <a:t>2019/9/19</a:t>
+              <a:t>2019/9/20</a:t>
             </a:fld>
             <a:endParaRPr lang="zh-CN" altLang="en-US"/>
           </a:p>
@@ -25853,6 +27135,4380 @@
 </p:sld>
 </file>
 
+<file path=ppt/slides/slide20.xml><?xml version="1.0" encoding="utf-8"?>
+<p:sld xmlns:a="http://schemas.openxmlformats.org/drawingml/2006/main" xmlns:r="http://schemas.openxmlformats.org/officeDocument/2006/relationships" xmlns:p="http://schemas.openxmlformats.org/presentationml/2006/main">
+  <p:cSld>
+    <p:spTree>
+      <p:nvGrpSpPr>
+        <p:cNvPr id="1" name=""/>
+        <p:cNvGrpSpPr/>
+        <p:nvPr/>
+      </p:nvGrpSpPr>
+      <p:grpSpPr>
+        <a:xfrm>
+          <a:off x="0" y="0"/>
+          <a:ext cx="0" cy="0"/>
+          <a:chOff x="0" y="0"/>
+          <a:chExt cx="0" cy="0"/>
+        </a:xfrm>
+      </p:grpSpPr>
+      <p:sp>
+        <p:nvSpPr>
+          <p:cNvPr id="4" name="文本框 3">
+            <a:extLst>
+              <a:ext uri="{FF2B5EF4-FFF2-40B4-BE49-F238E27FC236}">
+                <a16:creationId xmlns:a16="http://schemas.microsoft.com/office/drawing/2014/main" id="{2341CA69-234E-4AF6-8643-B3D1CD565294}"/>
+              </a:ext>
+            </a:extLst>
+          </p:cNvPr>
+          <p:cNvSpPr txBox="1"/>
+          <p:nvPr/>
+        </p:nvSpPr>
+        <p:spPr>
+          <a:xfrm>
+            <a:off x="0" y="0"/>
+            <a:ext cx="12192000" cy="369332"/>
+          </a:xfrm>
+          <a:prstGeom prst="rect">
+            <a:avLst/>
+          </a:prstGeom>
+          <a:solidFill>
+            <a:srgbClr val="002060"/>
+          </a:solidFill>
+        </p:spPr>
+        <p:txBody>
+          <a:bodyPr wrap="square" rtlCol="0">
+            <a:spAutoFit/>
+          </a:bodyPr>
+          <a:lstStyle>
+            <a:defPPr>
+              <a:defRPr lang="zh-CN"/>
+            </a:defPPr>
+            <a:lvl1pPr>
+              <a:defRPr b="1">
+                <a:solidFill>
+                  <a:schemeClr val="bg1"/>
+                </a:solidFill>
+              </a:defRPr>
+            </a:lvl1pPr>
+          </a:lstStyle>
+          <a:p>
+            <a:r>
+              <a:rPr lang="en-US" altLang="zh-CN" dirty="0"/>
+              <a:t>GC-</a:t>
+            </a:r>
+            <a:r>
+              <a:rPr lang="en-US" altLang="zh-CN" dirty="0" err="1"/>
+              <a:t>ConcMarkSweepGC</a:t>
+            </a:r>
+            <a:r>
+              <a:rPr lang="en-US" altLang="zh-CN" dirty="0"/>
+              <a:t> </a:t>
+            </a:r>
+            <a:r>
+              <a:rPr lang="zh-CN" altLang="en-US" dirty="0"/>
+              <a:t>并发标记清除垃圾回收器</a:t>
+            </a:r>
+          </a:p>
+        </p:txBody>
+      </p:sp>
+      <p:sp>
+        <p:nvSpPr>
+          <p:cNvPr id="45" name="矩形 44">
+            <a:extLst>
+              <a:ext uri="{FF2B5EF4-FFF2-40B4-BE49-F238E27FC236}">
+                <a16:creationId xmlns:a16="http://schemas.microsoft.com/office/drawing/2014/main" id="{85E11031-2FA0-43A7-903B-146A4507338A}"/>
+              </a:ext>
+            </a:extLst>
+          </p:cNvPr>
+          <p:cNvSpPr/>
+          <p:nvPr/>
+        </p:nvSpPr>
+        <p:spPr>
+          <a:xfrm>
+            <a:off x="106613" y="507059"/>
+            <a:ext cx="11135711" cy="1107996"/>
+          </a:xfrm>
+          <a:prstGeom prst="rect">
+            <a:avLst/>
+          </a:prstGeom>
+        </p:spPr>
+        <p:txBody>
+          <a:bodyPr wrap="square">
+            <a:spAutoFit/>
+          </a:bodyPr>
+          <a:lstStyle/>
+          <a:p>
+            <a:r>
+              <a:rPr lang="zh-CN" altLang="en-US" b="1" dirty="0">
+                <a:solidFill>
+                  <a:srgbClr val="000000"/>
+                </a:solidFill>
+                <a:latin typeface="微软雅黑" panose="020B0503020204020204" pitchFamily="34" charset="-122"/>
+                <a:ea typeface="微软雅黑" panose="020B0503020204020204" pitchFamily="34" charset="-122"/>
+              </a:rPr>
+              <a:t> </a:t>
+            </a:r>
+            <a:r>
+              <a:rPr lang="en-US" altLang="zh-CN" b="1" dirty="0">
+                <a:solidFill>
+                  <a:srgbClr val="000000"/>
+                </a:solidFill>
+                <a:latin typeface="微软雅黑" panose="020B0503020204020204" pitchFamily="34" charset="-122"/>
+                <a:ea typeface="微软雅黑" panose="020B0503020204020204" pitchFamily="34" charset="-122"/>
+              </a:rPr>
+              <a:t>1. </a:t>
+            </a:r>
+            <a:r>
+              <a:rPr lang="zh-CN" altLang="en-US" b="1" dirty="0">
+                <a:solidFill>
+                  <a:srgbClr val="000000"/>
+                </a:solidFill>
+                <a:latin typeface="微软雅黑" panose="020B0503020204020204" pitchFamily="34" charset="-122"/>
+                <a:ea typeface="微软雅黑" panose="020B0503020204020204" pitchFamily="34" charset="-122"/>
+              </a:rPr>
+              <a:t>并发标记清除</a:t>
+            </a:r>
+            <a:r>
+              <a:rPr lang="en-US" altLang="zh-CN" b="1" dirty="0">
+                <a:solidFill>
+                  <a:srgbClr val="000000"/>
+                </a:solidFill>
+                <a:latin typeface="微软雅黑" panose="020B0503020204020204" pitchFamily="34" charset="-122"/>
+                <a:ea typeface="微软雅黑" panose="020B0503020204020204" pitchFamily="34" charset="-122"/>
+              </a:rPr>
+              <a:t>GC : Concurrent Mark Sweep GC</a:t>
+            </a:r>
+            <a:r>
+              <a:rPr lang="zh-CN" altLang="en-US" b="1" dirty="0">
+                <a:solidFill>
+                  <a:srgbClr val="000000"/>
+                </a:solidFill>
+                <a:latin typeface="微软雅黑" panose="020B0503020204020204" pitchFamily="34" charset="-122"/>
+                <a:ea typeface="微软雅黑" panose="020B0503020204020204" pitchFamily="34" charset="-122"/>
+              </a:rPr>
+              <a:t>：</a:t>
+            </a:r>
+            <a:endParaRPr lang="en-US" altLang="zh-CN" b="1" dirty="0">
+              <a:solidFill>
+                <a:srgbClr val="000000"/>
+              </a:solidFill>
+              <a:latin typeface="微软雅黑" panose="020B0503020204020204" pitchFamily="34" charset="-122"/>
+              <a:ea typeface="微软雅黑" panose="020B0503020204020204" pitchFamily="34" charset="-122"/>
+            </a:endParaRPr>
+          </a:p>
+          <a:p>
+            <a:r>
+              <a:rPr lang="en-US" altLang="zh-CN" sz="1400" b="1" dirty="0">
+                <a:solidFill>
+                  <a:srgbClr val="000000"/>
+                </a:solidFill>
+                <a:latin typeface="微软雅黑" panose="020B0503020204020204" pitchFamily="34" charset="-122"/>
+                <a:ea typeface="微软雅黑" panose="020B0503020204020204" pitchFamily="34" charset="-122"/>
+              </a:rPr>
+              <a:t>    </a:t>
+            </a:r>
+            <a:r>
+              <a:rPr lang="en-US" altLang="zh-CN" sz="1600" b="1" dirty="0">
+                <a:solidFill>
+                  <a:srgbClr val="FF0000"/>
+                </a:solidFill>
+                <a:latin typeface="微软雅黑" panose="020B0503020204020204" pitchFamily="34" charset="-122"/>
+                <a:ea typeface="微软雅黑" panose="020B0503020204020204" pitchFamily="34" charset="-122"/>
+              </a:rPr>
+              <a:t>CMS GC</a:t>
+            </a:r>
+            <a:r>
+              <a:rPr lang="zh-CN" altLang="en-US" sz="1600" b="1" dirty="0">
+                <a:solidFill>
+                  <a:srgbClr val="FF0000"/>
+                </a:solidFill>
+                <a:latin typeface="微软雅黑" panose="020B0503020204020204" pitchFamily="34" charset="-122"/>
+                <a:ea typeface="微软雅黑" panose="020B0503020204020204" pitchFamily="34" charset="-122"/>
+              </a:rPr>
+              <a:t>是一种以获得最短回收挺多时间为目标的</a:t>
+            </a:r>
+            <a:r>
+              <a:rPr lang="en-US" altLang="zh-CN" sz="1600" b="1" dirty="0">
+                <a:solidFill>
+                  <a:srgbClr val="FF0000"/>
+                </a:solidFill>
+                <a:latin typeface="微软雅黑" panose="020B0503020204020204" pitchFamily="34" charset="-122"/>
+                <a:ea typeface="微软雅黑" panose="020B0503020204020204" pitchFamily="34" charset="-122"/>
+              </a:rPr>
+              <a:t>GC</a:t>
+            </a:r>
+            <a:r>
+              <a:rPr lang="zh-CN" altLang="en-US" sz="1600" b="1" dirty="0">
+                <a:solidFill>
+                  <a:srgbClr val="FF0000"/>
+                </a:solidFill>
+                <a:latin typeface="微软雅黑" panose="020B0503020204020204" pitchFamily="34" charset="-122"/>
+                <a:ea typeface="微软雅黑" panose="020B0503020204020204" pitchFamily="34" charset="-122"/>
+              </a:rPr>
+              <a:t>。最大的特点是允许</a:t>
+            </a:r>
+            <a:r>
+              <a:rPr lang="en-US" altLang="zh-CN" sz="1600" b="1" dirty="0">
+                <a:solidFill>
+                  <a:srgbClr val="FF0000"/>
+                </a:solidFill>
+                <a:latin typeface="微软雅黑" panose="020B0503020204020204" pitchFamily="34" charset="-122"/>
+                <a:ea typeface="微软雅黑" panose="020B0503020204020204" pitchFamily="34" charset="-122"/>
+              </a:rPr>
+              <a:t>GC</a:t>
+            </a:r>
+            <a:r>
+              <a:rPr lang="zh-CN" altLang="en-US" sz="1600" b="1" dirty="0">
+                <a:solidFill>
+                  <a:srgbClr val="FF0000"/>
+                </a:solidFill>
+                <a:latin typeface="微软雅黑" panose="020B0503020204020204" pitchFamily="34" charset="-122"/>
+                <a:ea typeface="微软雅黑" panose="020B0503020204020204" pitchFamily="34" charset="-122"/>
+              </a:rPr>
+              <a:t>线程和用户线程一起执行</a:t>
+            </a:r>
+            <a:endParaRPr lang="en-US" altLang="zh-CN" sz="1600" b="1" dirty="0">
+              <a:solidFill>
+                <a:srgbClr val="FF0000"/>
+              </a:solidFill>
+              <a:latin typeface="微软雅黑" panose="020B0503020204020204" pitchFamily="34" charset="-122"/>
+              <a:ea typeface="微软雅黑" panose="020B0503020204020204" pitchFamily="34" charset="-122"/>
+            </a:endParaRPr>
+          </a:p>
+          <a:p>
+            <a:r>
+              <a:rPr lang="zh-CN" altLang="en-US" sz="1600" b="1" dirty="0">
+                <a:latin typeface="微软雅黑" panose="020B0503020204020204" pitchFamily="34" charset="-122"/>
+                <a:ea typeface="微软雅黑" panose="020B0503020204020204" pitchFamily="34" charset="-122"/>
+              </a:rPr>
+              <a:t>    适用于在互联网网站或者</a:t>
+            </a:r>
+            <a:r>
+              <a:rPr lang="en-US" altLang="zh-CN" sz="1600" b="1" dirty="0">
+                <a:latin typeface="微软雅黑" panose="020B0503020204020204" pitchFamily="34" charset="-122"/>
+                <a:ea typeface="微软雅黑" panose="020B0503020204020204" pitchFamily="34" charset="-122"/>
+              </a:rPr>
+              <a:t>B/S</a:t>
+            </a:r>
+            <a:r>
+              <a:rPr lang="zh-CN" altLang="en-US" sz="1600" b="1" dirty="0">
+                <a:latin typeface="微软雅黑" panose="020B0503020204020204" pitchFamily="34" charset="-122"/>
+                <a:ea typeface="微软雅黑" panose="020B0503020204020204" pitchFamily="34" charset="-122"/>
+              </a:rPr>
+              <a:t>系统的服务器上。此类应用尤其重视服务器响应速度，希望系统停顿时间最短。</a:t>
+            </a:r>
+            <a:endParaRPr lang="en-US" altLang="zh-CN" sz="1600" b="1" dirty="0">
+              <a:latin typeface="微软雅黑" panose="020B0503020204020204" pitchFamily="34" charset="-122"/>
+              <a:ea typeface="微软雅黑" panose="020B0503020204020204" pitchFamily="34" charset="-122"/>
+            </a:endParaRPr>
+          </a:p>
+          <a:p>
+            <a:r>
+              <a:rPr lang="en-US" altLang="zh-CN" sz="1600" b="1" dirty="0">
+                <a:latin typeface="微软雅黑" panose="020B0503020204020204" pitchFamily="34" charset="-122"/>
+                <a:ea typeface="微软雅黑" panose="020B0503020204020204" pitchFamily="34" charset="-122"/>
+              </a:rPr>
+              <a:t>    CMS</a:t>
+            </a:r>
+            <a:r>
+              <a:rPr lang="zh-CN" altLang="en-US" sz="1600" b="1" dirty="0">
+                <a:latin typeface="微软雅黑" panose="020B0503020204020204" pitchFamily="34" charset="-122"/>
+                <a:ea typeface="微软雅黑" panose="020B0503020204020204" pitchFamily="34" charset="-122"/>
+              </a:rPr>
+              <a:t>非常适合堆内存大、</a:t>
+            </a:r>
+            <a:r>
+              <a:rPr lang="en-US" altLang="zh-CN" sz="1600" b="1" dirty="0">
+                <a:latin typeface="微软雅黑" panose="020B0503020204020204" pitchFamily="34" charset="-122"/>
+                <a:ea typeface="微软雅黑" panose="020B0503020204020204" pitchFamily="34" charset="-122"/>
+              </a:rPr>
+              <a:t>CPU</a:t>
+            </a:r>
+            <a:r>
+              <a:rPr lang="zh-CN" altLang="en-US" sz="1600" b="1" dirty="0">
+                <a:latin typeface="微软雅黑" panose="020B0503020204020204" pitchFamily="34" charset="-122"/>
+                <a:ea typeface="微软雅黑" panose="020B0503020204020204" pitchFamily="34" charset="-122"/>
+              </a:rPr>
+              <a:t>核数多的服务器端应用，也是</a:t>
+            </a:r>
+            <a:r>
+              <a:rPr lang="en-US" altLang="zh-CN" sz="1600" b="1" dirty="0">
+                <a:latin typeface="微软雅黑" panose="020B0503020204020204" pitchFamily="34" charset="-122"/>
+                <a:ea typeface="微软雅黑" panose="020B0503020204020204" pitchFamily="34" charset="-122"/>
+              </a:rPr>
+              <a:t>G1</a:t>
+            </a:r>
+            <a:r>
+              <a:rPr lang="zh-CN" altLang="en-US" sz="1600" b="1" dirty="0">
+                <a:latin typeface="微软雅黑" panose="020B0503020204020204" pitchFamily="34" charset="-122"/>
+                <a:ea typeface="微软雅黑" panose="020B0503020204020204" pitchFamily="34" charset="-122"/>
+              </a:rPr>
+              <a:t>出现之前大型应用的首选</a:t>
+            </a:r>
+            <a:r>
+              <a:rPr lang="en-US" altLang="zh-CN" sz="1600" b="1" dirty="0">
+                <a:latin typeface="微软雅黑" panose="020B0503020204020204" pitchFamily="34" charset="-122"/>
+                <a:ea typeface="微软雅黑" panose="020B0503020204020204" pitchFamily="34" charset="-122"/>
+              </a:rPr>
+              <a:t>GC</a:t>
+            </a:r>
+            <a:endParaRPr lang="zh-CN" altLang="en-US" sz="1600" dirty="0">
+              <a:latin typeface="微软雅黑" panose="020B0503020204020204" pitchFamily="34" charset="-122"/>
+              <a:ea typeface="微软雅黑" panose="020B0503020204020204" pitchFamily="34" charset="-122"/>
+            </a:endParaRPr>
+          </a:p>
+        </p:txBody>
+      </p:sp>
+      <p:sp>
+        <p:nvSpPr>
+          <p:cNvPr id="47" name="矩形 46">
+            <a:extLst>
+              <a:ext uri="{FF2B5EF4-FFF2-40B4-BE49-F238E27FC236}">
+                <a16:creationId xmlns:a16="http://schemas.microsoft.com/office/drawing/2014/main" id="{64B2680E-281B-475A-8ACB-7A6A6C8186E7}"/>
+              </a:ext>
+            </a:extLst>
+          </p:cNvPr>
+          <p:cNvSpPr/>
+          <p:nvPr/>
+        </p:nvSpPr>
+        <p:spPr>
+          <a:xfrm>
+            <a:off x="106613" y="4232456"/>
+            <a:ext cx="11728033" cy="1107996"/>
+          </a:xfrm>
+          <a:prstGeom prst="rect">
+            <a:avLst/>
+          </a:prstGeom>
+        </p:spPr>
+        <p:txBody>
+          <a:bodyPr wrap="square">
+            <a:spAutoFit/>
+          </a:bodyPr>
+          <a:lstStyle/>
+          <a:p>
+            <a:r>
+              <a:rPr lang="en-US" altLang="zh-CN" b="1" dirty="0">
+                <a:solidFill>
+                  <a:srgbClr val="000000"/>
+                </a:solidFill>
+                <a:latin typeface="微软雅黑" panose="020B0503020204020204" pitchFamily="34" charset="-122"/>
+                <a:ea typeface="微软雅黑" panose="020B0503020204020204" pitchFamily="34" charset="-122"/>
+              </a:rPr>
+              <a:t>2.</a:t>
+            </a:r>
+            <a:r>
+              <a:rPr lang="zh-CN" altLang="en-US" b="1" dirty="0">
+                <a:solidFill>
+                  <a:srgbClr val="000000"/>
+                </a:solidFill>
+                <a:latin typeface="微软雅黑" panose="020B0503020204020204" pitchFamily="34" charset="-122"/>
+                <a:ea typeface="微软雅黑" panose="020B0503020204020204" pitchFamily="34" charset="-122"/>
+              </a:rPr>
+              <a:t>对应的</a:t>
+            </a:r>
+            <a:r>
+              <a:rPr lang="en-US" altLang="zh-CN" b="1" dirty="0">
+                <a:solidFill>
+                  <a:srgbClr val="000000"/>
+                </a:solidFill>
+                <a:latin typeface="微软雅黑" panose="020B0503020204020204" pitchFamily="34" charset="-122"/>
+                <a:ea typeface="微软雅黑" panose="020B0503020204020204" pitchFamily="34" charset="-122"/>
+              </a:rPr>
+              <a:t>JVM</a:t>
+            </a:r>
+            <a:r>
+              <a:rPr lang="zh-CN" altLang="en-US" b="1" dirty="0">
+                <a:solidFill>
+                  <a:srgbClr val="000000"/>
+                </a:solidFill>
+                <a:latin typeface="微软雅黑" panose="020B0503020204020204" pitchFamily="34" charset="-122"/>
+                <a:ea typeface="微软雅黑" panose="020B0503020204020204" pitchFamily="34" charset="-122"/>
+              </a:rPr>
+              <a:t>参数：</a:t>
+            </a:r>
+            <a:endParaRPr lang="en-US" altLang="zh-CN" b="1" dirty="0">
+              <a:solidFill>
+                <a:srgbClr val="000000"/>
+              </a:solidFill>
+              <a:latin typeface="微软雅黑" panose="020B0503020204020204" pitchFamily="34" charset="-122"/>
+              <a:ea typeface="微软雅黑" panose="020B0503020204020204" pitchFamily="34" charset="-122"/>
+            </a:endParaRPr>
+          </a:p>
+          <a:p>
+            <a:r>
+              <a:rPr lang="en-US" altLang="zh-CN" sz="1600" b="1" dirty="0">
+                <a:solidFill>
+                  <a:srgbClr val="FF0000"/>
+                </a:solidFill>
+                <a:latin typeface="微软雅黑" panose="020B0503020204020204" pitchFamily="34" charset="-122"/>
+                <a:ea typeface="微软雅黑" panose="020B0503020204020204" pitchFamily="34" charset="-122"/>
+              </a:rPr>
+              <a:t>  -XX:+</a:t>
+            </a:r>
+            <a:r>
+              <a:rPr lang="en-US" altLang="zh-CN" sz="1600" b="1" dirty="0" err="1">
+                <a:solidFill>
+                  <a:srgbClr val="FF0000"/>
+                </a:solidFill>
+                <a:latin typeface="微软雅黑" panose="020B0503020204020204" pitchFamily="34" charset="-122"/>
+                <a:ea typeface="微软雅黑" panose="020B0503020204020204" pitchFamily="34" charset="-122"/>
+              </a:rPr>
+              <a:t>UseConcMarkSweepGC</a:t>
+            </a:r>
+            <a:endParaRPr lang="en-US" altLang="zh-CN" sz="1600" b="1" dirty="0">
+              <a:solidFill>
+                <a:srgbClr val="FF0000"/>
+              </a:solidFill>
+              <a:latin typeface="微软雅黑" panose="020B0503020204020204" pitchFamily="34" charset="-122"/>
+              <a:ea typeface="微软雅黑" panose="020B0503020204020204" pitchFamily="34" charset="-122"/>
+            </a:endParaRPr>
+          </a:p>
+          <a:p>
+            <a:r>
+              <a:rPr lang="en-US" altLang="zh-CN" sz="1600" dirty="0">
+                <a:latin typeface="微软雅黑" panose="020B0503020204020204" pitchFamily="34" charset="-122"/>
+                <a:ea typeface="微软雅黑" panose="020B0503020204020204" pitchFamily="34" charset="-122"/>
+              </a:rPr>
+              <a:t>   </a:t>
+            </a:r>
+            <a:r>
+              <a:rPr lang="zh-CN" altLang="en-US" sz="1600" b="1" dirty="0">
+                <a:latin typeface="微软雅黑" panose="020B0503020204020204" pitchFamily="34" charset="-122"/>
+                <a:ea typeface="微软雅黑" panose="020B0503020204020204" pitchFamily="34" charset="-122"/>
+              </a:rPr>
+              <a:t>开启</a:t>
+            </a:r>
+            <a:r>
+              <a:rPr lang="en-US" altLang="zh-CN" sz="1600" b="1" dirty="0">
+                <a:latin typeface="微软雅黑" panose="020B0503020204020204" pitchFamily="34" charset="-122"/>
+                <a:ea typeface="微软雅黑" panose="020B0503020204020204" pitchFamily="34" charset="-122"/>
+              </a:rPr>
+              <a:t>CMS</a:t>
+            </a:r>
+            <a:r>
+              <a:rPr lang="zh-CN" altLang="en-US" sz="1600" b="1" dirty="0">
+                <a:latin typeface="微软雅黑" panose="020B0503020204020204" pitchFamily="34" charset="-122"/>
+                <a:ea typeface="微软雅黑" panose="020B0503020204020204" pitchFamily="34" charset="-122"/>
+              </a:rPr>
+              <a:t>后</a:t>
+            </a:r>
+            <a:r>
+              <a:rPr lang="en-US" altLang="zh-CN" sz="1600" b="1" dirty="0">
+                <a:latin typeface="微软雅黑" panose="020B0503020204020204" pitchFamily="34" charset="-122"/>
+                <a:ea typeface="微软雅黑" panose="020B0503020204020204" pitchFamily="34" charset="-122"/>
+              </a:rPr>
+              <a:t>JVM</a:t>
+            </a:r>
+            <a:r>
+              <a:rPr lang="zh-CN" altLang="en-US" sz="1600" b="1" dirty="0">
+                <a:latin typeface="微软雅黑" panose="020B0503020204020204" pitchFamily="34" charset="-122"/>
+                <a:ea typeface="微软雅黑" panose="020B0503020204020204" pitchFamily="34" charset="-122"/>
+              </a:rPr>
+              <a:t>会自动开启</a:t>
+            </a:r>
+            <a:r>
+              <a:rPr lang="en-US" altLang="zh-CN" sz="1600" b="1" dirty="0">
+                <a:latin typeface="微软雅黑" panose="020B0503020204020204" pitchFamily="34" charset="-122"/>
+                <a:ea typeface="微软雅黑" panose="020B0503020204020204" pitchFamily="34" charset="-122"/>
+              </a:rPr>
+              <a:t>-</a:t>
+            </a:r>
+            <a:r>
+              <a:rPr lang="en-US" altLang="zh-CN" sz="1600" b="1" dirty="0" err="1">
+                <a:latin typeface="微软雅黑" panose="020B0503020204020204" pitchFamily="34" charset="-122"/>
+                <a:ea typeface="微软雅黑" panose="020B0503020204020204" pitchFamily="34" charset="-122"/>
+              </a:rPr>
+              <a:t>XX+UseParNewGC</a:t>
+            </a:r>
+            <a:r>
+              <a:rPr lang="zh-CN" altLang="en-US" sz="1600" b="1" dirty="0">
+                <a:latin typeface="微软雅黑" panose="020B0503020204020204" pitchFamily="34" charset="-122"/>
+                <a:ea typeface="微软雅黑" panose="020B0503020204020204" pitchFamily="34" charset="-122"/>
+              </a:rPr>
+              <a:t>。即：</a:t>
+            </a:r>
+            <a:r>
+              <a:rPr lang="en-US" altLang="zh-CN" sz="1600" b="1" dirty="0" err="1">
+                <a:solidFill>
+                  <a:srgbClr val="FF0000"/>
+                </a:solidFill>
+                <a:latin typeface="微软雅黑" panose="020B0503020204020204" pitchFamily="34" charset="-122"/>
+                <a:ea typeface="微软雅黑" panose="020B0503020204020204" pitchFamily="34" charset="-122"/>
+              </a:rPr>
+              <a:t>ParNewGC</a:t>
+            </a:r>
+            <a:r>
+              <a:rPr lang="zh-CN" altLang="en-US" sz="1600" b="1" dirty="0">
+                <a:solidFill>
+                  <a:srgbClr val="FF0000"/>
+                </a:solidFill>
+                <a:latin typeface="微软雅黑" panose="020B0503020204020204" pitchFamily="34" charset="-122"/>
+                <a:ea typeface="微软雅黑" panose="020B0503020204020204" pitchFamily="34" charset="-122"/>
+              </a:rPr>
+              <a:t>（新生代）</a:t>
+            </a:r>
+            <a:r>
+              <a:rPr lang="en-US" altLang="zh-CN" sz="1600" b="1" dirty="0">
+                <a:solidFill>
+                  <a:srgbClr val="FF0000"/>
+                </a:solidFill>
+                <a:latin typeface="微软雅黑" panose="020B0503020204020204" pitchFamily="34" charset="-122"/>
+                <a:ea typeface="微软雅黑" panose="020B0503020204020204" pitchFamily="34" charset="-122"/>
+              </a:rPr>
+              <a:t>+ CMS GC</a:t>
+            </a:r>
+            <a:r>
+              <a:rPr lang="zh-CN" altLang="en-US" sz="1600" b="1" dirty="0">
+                <a:solidFill>
+                  <a:srgbClr val="FF0000"/>
+                </a:solidFill>
+                <a:latin typeface="微软雅黑" panose="020B0503020204020204" pitchFamily="34" charset="-122"/>
+                <a:ea typeface="微软雅黑" panose="020B0503020204020204" pitchFamily="34" charset="-122"/>
+              </a:rPr>
+              <a:t>（老年代）</a:t>
+            </a:r>
+            <a:r>
+              <a:rPr lang="en-US" altLang="zh-CN" sz="1600" b="1" dirty="0">
+                <a:solidFill>
+                  <a:srgbClr val="FF0000"/>
+                </a:solidFill>
+                <a:latin typeface="微软雅黑" panose="020B0503020204020204" pitchFamily="34" charset="-122"/>
+                <a:ea typeface="微软雅黑" panose="020B0503020204020204" pitchFamily="34" charset="-122"/>
+              </a:rPr>
+              <a:t> </a:t>
+            </a:r>
+            <a:r>
+              <a:rPr lang="zh-CN" altLang="en-US" sz="1600" b="1" dirty="0">
+                <a:latin typeface="微软雅黑" panose="020B0503020204020204" pitchFamily="34" charset="-122"/>
+                <a:ea typeface="微软雅黑" panose="020B0503020204020204" pitchFamily="34" charset="-122"/>
+              </a:rPr>
+              <a:t>组合</a:t>
+            </a:r>
+            <a:endParaRPr lang="en-US" altLang="zh-CN" sz="1600" b="1" dirty="0">
+              <a:latin typeface="微软雅黑" panose="020B0503020204020204" pitchFamily="34" charset="-122"/>
+              <a:ea typeface="微软雅黑" panose="020B0503020204020204" pitchFamily="34" charset="-122"/>
+            </a:endParaRPr>
+          </a:p>
+          <a:p>
+            <a:r>
+              <a:rPr lang="en-US" altLang="zh-CN" sz="1600" b="1" dirty="0">
+                <a:latin typeface="微软雅黑" panose="020B0503020204020204" pitchFamily="34" charset="-122"/>
+                <a:ea typeface="微软雅黑" panose="020B0503020204020204" pitchFamily="34" charset="-122"/>
+              </a:rPr>
+              <a:t>   </a:t>
+            </a:r>
+            <a:r>
+              <a:rPr lang="zh-CN" altLang="en-US" sz="1600" b="1" dirty="0">
+                <a:latin typeface="微软雅黑" panose="020B0503020204020204" pitchFamily="34" charset="-122"/>
+                <a:ea typeface="微软雅黑" panose="020B0503020204020204" pitchFamily="34" charset="-122"/>
+              </a:rPr>
+              <a:t>注意：</a:t>
+            </a:r>
+            <a:r>
+              <a:rPr lang="en-US" altLang="zh-CN" sz="1600" b="1" dirty="0" err="1">
+                <a:solidFill>
+                  <a:srgbClr val="FF0000"/>
+                </a:solidFill>
+                <a:latin typeface="微软雅黑" panose="020B0503020204020204" pitchFamily="34" charset="-122"/>
+                <a:ea typeface="微软雅黑" panose="020B0503020204020204" pitchFamily="34" charset="-122"/>
+              </a:rPr>
+              <a:t>SerialOldGC</a:t>
+            </a:r>
+            <a:r>
+              <a:rPr lang="en-US" altLang="zh-CN" sz="1600" b="1" dirty="0">
+                <a:solidFill>
+                  <a:srgbClr val="FF0000"/>
+                </a:solidFill>
+                <a:latin typeface="微软雅黑" panose="020B0503020204020204" pitchFamily="34" charset="-122"/>
+                <a:ea typeface="微软雅黑" panose="020B0503020204020204" pitchFamily="34" charset="-122"/>
+              </a:rPr>
+              <a:t> </a:t>
+            </a:r>
+            <a:r>
+              <a:rPr lang="zh-CN" altLang="en-US" sz="1600" b="1" dirty="0">
+                <a:solidFill>
+                  <a:srgbClr val="FF0000"/>
+                </a:solidFill>
+                <a:latin typeface="微软雅黑" panose="020B0503020204020204" pitchFamily="34" charset="-122"/>
+                <a:ea typeface="微软雅黑" panose="020B0503020204020204" pitchFamily="34" charset="-122"/>
+              </a:rPr>
+              <a:t>将作为</a:t>
+            </a:r>
+            <a:r>
+              <a:rPr lang="en-US" altLang="zh-CN" sz="1600" b="1" dirty="0">
+                <a:solidFill>
+                  <a:srgbClr val="FF0000"/>
+                </a:solidFill>
+                <a:latin typeface="微软雅黑" panose="020B0503020204020204" pitchFamily="34" charset="-122"/>
+                <a:ea typeface="微软雅黑" panose="020B0503020204020204" pitchFamily="34" charset="-122"/>
+              </a:rPr>
+              <a:t>CMS GC</a:t>
+            </a:r>
+            <a:r>
+              <a:rPr lang="zh-CN" altLang="en-US" sz="1600" b="1" dirty="0">
+                <a:solidFill>
+                  <a:srgbClr val="FF0000"/>
+                </a:solidFill>
+                <a:latin typeface="微软雅黑" panose="020B0503020204020204" pitchFamily="34" charset="-122"/>
+                <a:ea typeface="微软雅黑" panose="020B0503020204020204" pitchFamily="34" charset="-122"/>
+              </a:rPr>
+              <a:t>的后备</a:t>
+            </a:r>
+            <a:r>
+              <a:rPr lang="zh-CN" altLang="en-US" sz="1600" b="1" dirty="0">
+                <a:latin typeface="微软雅黑" panose="020B0503020204020204" pitchFamily="34" charset="-122"/>
+                <a:ea typeface="微软雅黑" panose="020B0503020204020204" pitchFamily="34" charset="-122"/>
+              </a:rPr>
+              <a:t>，一旦</a:t>
+            </a:r>
+            <a:r>
+              <a:rPr lang="en-US" altLang="zh-CN" sz="1600" b="1" dirty="0">
+                <a:latin typeface="微软雅黑" panose="020B0503020204020204" pitchFamily="34" charset="-122"/>
+                <a:ea typeface="微软雅黑" panose="020B0503020204020204" pitchFamily="34" charset="-122"/>
+              </a:rPr>
+              <a:t>CMC GC</a:t>
+            </a:r>
+            <a:r>
+              <a:rPr lang="zh-CN" altLang="en-US" sz="1600" b="1" dirty="0">
+                <a:latin typeface="微软雅黑" panose="020B0503020204020204" pitchFamily="34" charset="-122"/>
+                <a:ea typeface="微软雅黑" panose="020B0503020204020204" pitchFamily="34" charset="-122"/>
+              </a:rPr>
+              <a:t>出现问题老年代将会切换到</a:t>
+            </a:r>
+            <a:r>
+              <a:rPr lang="en-US" altLang="zh-CN" sz="1600" b="1" dirty="0" err="1">
+                <a:latin typeface="微软雅黑" panose="020B0503020204020204" pitchFamily="34" charset="-122"/>
+                <a:ea typeface="微软雅黑" panose="020B0503020204020204" pitchFamily="34" charset="-122"/>
+              </a:rPr>
+              <a:t>SerialOldGC</a:t>
+            </a:r>
+            <a:endParaRPr lang="zh-CN" altLang="en-US" sz="1600" b="1" dirty="0">
+              <a:latin typeface="微软雅黑" panose="020B0503020204020204" pitchFamily="34" charset="-122"/>
+              <a:ea typeface="微软雅黑" panose="020B0503020204020204" pitchFamily="34" charset="-122"/>
+            </a:endParaRPr>
+          </a:p>
+        </p:txBody>
+      </p:sp>
+      <p:sp>
+        <p:nvSpPr>
+          <p:cNvPr id="48" name="矩形 47">
+            <a:extLst>
+              <a:ext uri="{FF2B5EF4-FFF2-40B4-BE49-F238E27FC236}">
+                <a16:creationId xmlns:a16="http://schemas.microsoft.com/office/drawing/2014/main" id="{C48850BC-BF00-4277-B71A-1AC7C98D540F}"/>
+              </a:ext>
+            </a:extLst>
+          </p:cNvPr>
+          <p:cNvSpPr/>
+          <p:nvPr/>
+        </p:nvSpPr>
+        <p:spPr>
+          <a:xfrm>
+            <a:off x="308621" y="5619255"/>
+            <a:ext cx="8142891" cy="338554"/>
+          </a:xfrm>
+          <a:prstGeom prst="rect">
+            <a:avLst/>
+          </a:prstGeom>
+        </p:spPr>
+        <p:txBody>
+          <a:bodyPr wrap="square">
+            <a:spAutoFit/>
+          </a:bodyPr>
+          <a:lstStyle/>
+          <a:p>
+            <a:r>
+              <a:rPr lang="en-US" altLang="zh-CN" sz="1600" b="1" dirty="0">
+                <a:solidFill>
+                  <a:srgbClr val="DD1652"/>
+                </a:solidFill>
+                <a:latin typeface="微软雅黑" panose="020B0503020204020204" pitchFamily="34" charset="-122"/>
+                <a:ea typeface="微软雅黑" panose="020B0503020204020204" pitchFamily="34" charset="-122"/>
+              </a:rPr>
+              <a:t>-Xms10 -Xmx10m -XX:+</a:t>
+            </a:r>
+            <a:r>
+              <a:rPr lang="en-US" altLang="zh-CN" sz="1600" b="1" dirty="0" err="1">
+                <a:solidFill>
+                  <a:srgbClr val="DD1652"/>
+                </a:solidFill>
+                <a:latin typeface="微软雅黑" panose="020B0503020204020204" pitchFamily="34" charset="-122"/>
+                <a:ea typeface="微软雅黑" panose="020B0503020204020204" pitchFamily="34" charset="-122"/>
+              </a:rPr>
+              <a:t>PrintGCDetails</a:t>
+            </a:r>
+            <a:r>
+              <a:rPr lang="en-US" altLang="zh-CN" sz="1600" b="1" dirty="0">
+                <a:solidFill>
+                  <a:srgbClr val="DD1652"/>
+                </a:solidFill>
+                <a:latin typeface="微软雅黑" panose="020B0503020204020204" pitchFamily="34" charset="-122"/>
+                <a:ea typeface="微软雅黑" panose="020B0503020204020204" pitchFamily="34" charset="-122"/>
+              </a:rPr>
+              <a:t> -XX:+</a:t>
+            </a:r>
+            <a:r>
+              <a:rPr lang="en-US" altLang="zh-CN" sz="1600" b="1" dirty="0" err="1">
+                <a:solidFill>
+                  <a:srgbClr val="DD1652"/>
+                </a:solidFill>
+                <a:latin typeface="微软雅黑" panose="020B0503020204020204" pitchFamily="34" charset="-122"/>
+                <a:ea typeface="微软雅黑" panose="020B0503020204020204" pitchFamily="34" charset="-122"/>
+              </a:rPr>
+              <a:t>UseConcMarkSweepGC</a:t>
+            </a:r>
+            <a:endParaRPr lang="zh-CN" altLang="en-US" sz="1600" dirty="0"/>
+          </a:p>
+        </p:txBody>
+      </p:sp>
+      <p:grpSp>
+        <p:nvGrpSpPr>
+          <p:cNvPr id="10" name="组合 9">
+            <a:extLst>
+              <a:ext uri="{FF2B5EF4-FFF2-40B4-BE49-F238E27FC236}">
+                <a16:creationId xmlns:a16="http://schemas.microsoft.com/office/drawing/2014/main" id="{644B2E7D-52F4-4739-950F-47DC99FF0FF9}"/>
+              </a:ext>
+            </a:extLst>
+          </p:cNvPr>
+          <p:cNvGrpSpPr/>
+          <p:nvPr/>
+        </p:nvGrpSpPr>
+        <p:grpSpPr>
+          <a:xfrm>
+            <a:off x="2478711" y="1896026"/>
+            <a:ext cx="6668883" cy="1921894"/>
+            <a:chOff x="2537392" y="1505091"/>
+            <a:chExt cx="6668883" cy="1921894"/>
+          </a:xfrm>
+        </p:grpSpPr>
+        <p:sp>
+          <p:nvSpPr>
+            <p:cNvPr id="7" name="箭头: 右 6">
+              <a:extLst>
+                <a:ext uri="{FF2B5EF4-FFF2-40B4-BE49-F238E27FC236}">
+                  <a16:creationId xmlns:a16="http://schemas.microsoft.com/office/drawing/2014/main" id="{E9B078D6-A7D7-4203-B49B-DB3E412B162C}"/>
+                </a:ext>
+              </a:extLst>
+            </p:cNvPr>
+            <p:cNvSpPr/>
+            <p:nvPr/>
+          </p:nvSpPr>
+          <p:spPr>
+            <a:xfrm>
+              <a:off x="2585545" y="1939368"/>
+              <a:ext cx="1135117" cy="178676"/>
+            </a:xfrm>
+            <a:prstGeom prst="rightArrow">
+              <a:avLst/>
+            </a:prstGeom>
+            <a:solidFill>
+              <a:srgbClr val="00B050"/>
+            </a:solidFill>
+            <a:ln>
+              <a:solidFill>
+                <a:srgbClr val="00B050"/>
+              </a:solidFill>
+            </a:ln>
+          </p:spPr>
+          <p:style>
+            <a:lnRef idx="2">
+              <a:schemeClr val="accent1">
+                <a:shade val="50000"/>
+              </a:schemeClr>
+            </a:lnRef>
+            <a:fillRef idx="1">
+              <a:schemeClr val="accent1"/>
+            </a:fillRef>
+            <a:effectRef idx="0">
+              <a:schemeClr val="accent1"/>
+            </a:effectRef>
+            <a:fontRef idx="minor">
+              <a:schemeClr val="lt1"/>
+            </a:fontRef>
+          </p:style>
+          <p:txBody>
+            <a:bodyPr rtlCol="0" anchor="ctr"/>
+            <a:lstStyle/>
+            <a:p>
+              <a:pPr algn="ctr"/>
+              <a:endParaRPr lang="zh-CN" altLang="en-US"/>
+            </a:p>
+          </p:txBody>
+        </p:sp>
+        <p:sp>
+          <p:nvSpPr>
+            <p:cNvPr id="21" name="箭头: 右 20">
+              <a:extLst>
+                <a:ext uri="{FF2B5EF4-FFF2-40B4-BE49-F238E27FC236}">
+                  <a16:creationId xmlns:a16="http://schemas.microsoft.com/office/drawing/2014/main" id="{145A7292-149E-4225-AEC3-C0945007801E}"/>
+                </a:ext>
+              </a:extLst>
+            </p:cNvPr>
+            <p:cNvSpPr/>
+            <p:nvPr/>
+          </p:nvSpPr>
+          <p:spPr>
+            <a:xfrm>
+              <a:off x="2585545" y="2270444"/>
+              <a:ext cx="1135117" cy="178676"/>
+            </a:xfrm>
+            <a:prstGeom prst="rightArrow">
+              <a:avLst/>
+            </a:prstGeom>
+            <a:solidFill>
+              <a:srgbClr val="00B050"/>
+            </a:solidFill>
+            <a:ln>
+              <a:solidFill>
+                <a:srgbClr val="00B050"/>
+              </a:solidFill>
+            </a:ln>
+          </p:spPr>
+          <p:style>
+            <a:lnRef idx="2">
+              <a:schemeClr val="accent1">
+                <a:shade val="50000"/>
+              </a:schemeClr>
+            </a:lnRef>
+            <a:fillRef idx="1">
+              <a:schemeClr val="accent1"/>
+            </a:fillRef>
+            <a:effectRef idx="0">
+              <a:schemeClr val="accent1"/>
+            </a:effectRef>
+            <a:fontRef idx="minor">
+              <a:schemeClr val="lt1"/>
+            </a:fontRef>
+          </p:style>
+          <p:txBody>
+            <a:bodyPr rtlCol="0" anchor="ctr"/>
+            <a:lstStyle/>
+            <a:p>
+              <a:pPr algn="ctr"/>
+              <a:endParaRPr lang="zh-CN" altLang="en-US"/>
+            </a:p>
+          </p:txBody>
+        </p:sp>
+        <p:sp>
+          <p:nvSpPr>
+            <p:cNvPr id="22" name="箭头: 右 21">
+              <a:extLst>
+                <a:ext uri="{FF2B5EF4-FFF2-40B4-BE49-F238E27FC236}">
+                  <a16:creationId xmlns:a16="http://schemas.microsoft.com/office/drawing/2014/main" id="{573A9AB2-2004-4CC5-BECB-569E0440A22D}"/>
+                </a:ext>
+              </a:extLst>
+            </p:cNvPr>
+            <p:cNvSpPr/>
+            <p:nvPr/>
+          </p:nvSpPr>
+          <p:spPr>
+            <a:xfrm>
+              <a:off x="2585545" y="2601520"/>
+              <a:ext cx="1135117" cy="178676"/>
+            </a:xfrm>
+            <a:prstGeom prst="rightArrow">
+              <a:avLst/>
+            </a:prstGeom>
+            <a:solidFill>
+              <a:srgbClr val="00B050"/>
+            </a:solidFill>
+            <a:ln>
+              <a:solidFill>
+                <a:srgbClr val="00B050"/>
+              </a:solidFill>
+            </a:ln>
+          </p:spPr>
+          <p:style>
+            <a:lnRef idx="2">
+              <a:schemeClr val="accent1">
+                <a:shade val="50000"/>
+              </a:schemeClr>
+            </a:lnRef>
+            <a:fillRef idx="1">
+              <a:schemeClr val="accent1"/>
+            </a:fillRef>
+            <a:effectRef idx="0">
+              <a:schemeClr val="accent1"/>
+            </a:effectRef>
+            <a:fontRef idx="minor">
+              <a:schemeClr val="lt1"/>
+            </a:fontRef>
+          </p:style>
+          <p:txBody>
+            <a:bodyPr rtlCol="0" anchor="ctr"/>
+            <a:lstStyle/>
+            <a:p>
+              <a:pPr algn="ctr"/>
+              <a:endParaRPr lang="zh-CN" altLang="en-US"/>
+            </a:p>
+          </p:txBody>
+        </p:sp>
+        <p:sp>
+          <p:nvSpPr>
+            <p:cNvPr id="23" name="箭头: 右 22">
+              <a:extLst>
+                <a:ext uri="{FF2B5EF4-FFF2-40B4-BE49-F238E27FC236}">
+                  <a16:creationId xmlns:a16="http://schemas.microsoft.com/office/drawing/2014/main" id="{E91DBCC7-4701-428F-94A7-2088A2EC669F}"/>
+                </a:ext>
+              </a:extLst>
+            </p:cNvPr>
+            <p:cNvSpPr/>
+            <p:nvPr/>
+          </p:nvSpPr>
+          <p:spPr>
+            <a:xfrm>
+              <a:off x="2585544" y="2932596"/>
+              <a:ext cx="1135117" cy="178676"/>
+            </a:xfrm>
+            <a:prstGeom prst="rightArrow">
+              <a:avLst/>
+            </a:prstGeom>
+            <a:solidFill>
+              <a:srgbClr val="00B050"/>
+            </a:solidFill>
+            <a:ln>
+              <a:solidFill>
+                <a:srgbClr val="00B050"/>
+              </a:solidFill>
+            </a:ln>
+          </p:spPr>
+          <p:style>
+            <a:lnRef idx="2">
+              <a:schemeClr val="accent1">
+                <a:shade val="50000"/>
+              </a:schemeClr>
+            </a:lnRef>
+            <a:fillRef idx="1">
+              <a:schemeClr val="accent1"/>
+            </a:fillRef>
+            <a:effectRef idx="0">
+              <a:schemeClr val="accent1"/>
+            </a:effectRef>
+            <a:fontRef idx="minor">
+              <a:schemeClr val="lt1"/>
+            </a:fontRef>
+          </p:style>
+          <p:txBody>
+            <a:bodyPr rtlCol="0" anchor="ctr"/>
+            <a:lstStyle/>
+            <a:p>
+              <a:pPr algn="ctr"/>
+              <a:endParaRPr lang="zh-CN" altLang="en-US"/>
+            </a:p>
+          </p:txBody>
+        </p:sp>
+        <p:sp>
+          <p:nvSpPr>
+            <p:cNvPr id="25" name="矩形: 单圆角 24">
+              <a:extLst>
+                <a:ext uri="{FF2B5EF4-FFF2-40B4-BE49-F238E27FC236}">
+                  <a16:creationId xmlns:a16="http://schemas.microsoft.com/office/drawing/2014/main" id="{B7487E3F-11BB-4014-9296-60CD6D42A2F7}"/>
+                </a:ext>
+              </a:extLst>
+            </p:cNvPr>
+            <p:cNvSpPr/>
+            <p:nvPr/>
+          </p:nvSpPr>
+          <p:spPr>
+            <a:xfrm>
+              <a:off x="4562967" y="1939368"/>
+              <a:ext cx="84082" cy="1171904"/>
+            </a:xfrm>
+            <a:prstGeom prst="round1Rect">
+              <a:avLst/>
+            </a:prstGeom>
+            <a:solidFill>
+              <a:srgbClr val="002060"/>
+            </a:solidFill>
+            <a:ln>
+              <a:solidFill>
+                <a:srgbClr val="002060"/>
+              </a:solidFill>
+            </a:ln>
+          </p:spPr>
+          <p:style>
+            <a:lnRef idx="2">
+              <a:schemeClr val="accent1">
+                <a:shade val="50000"/>
+              </a:schemeClr>
+            </a:lnRef>
+            <a:fillRef idx="1">
+              <a:schemeClr val="accent1"/>
+            </a:fillRef>
+            <a:effectRef idx="0">
+              <a:schemeClr val="accent1"/>
+            </a:effectRef>
+            <a:fontRef idx="minor">
+              <a:schemeClr val="lt1"/>
+            </a:fontRef>
+          </p:style>
+          <p:txBody>
+            <a:bodyPr rtlCol="0" anchor="ctr"/>
+            <a:lstStyle/>
+            <a:p>
+              <a:pPr algn="ctr"/>
+              <a:endParaRPr lang="zh-CN" altLang="en-US"/>
+            </a:p>
+          </p:txBody>
+        </p:sp>
+        <p:sp>
+          <p:nvSpPr>
+            <p:cNvPr id="26" name="箭头: 右 25">
+              <a:extLst>
+                <a:ext uri="{FF2B5EF4-FFF2-40B4-BE49-F238E27FC236}">
+                  <a16:creationId xmlns:a16="http://schemas.microsoft.com/office/drawing/2014/main" id="{C92984A8-DD98-4CB0-AE7A-2F7739A9D4A7}"/>
+                </a:ext>
+              </a:extLst>
+            </p:cNvPr>
+            <p:cNvSpPr/>
+            <p:nvPr/>
+          </p:nvSpPr>
+          <p:spPr>
+            <a:xfrm>
+              <a:off x="4657564" y="1939368"/>
+              <a:ext cx="1135117" cy="178676"/>
+            </a:xfrm>
+            <a:prstGeom prst="rightArrow">
+              <a:avLst/>
+            </a:prstGeom>
+            <a:solidFill>
+              <a:srgbClr val="002060"/>
+            </a:solidFill>
+            <a:ln>
+              <a:solidFill>
+                <a:srgbClr val="002060"/>
+              </a:solidFill>
+            </a:ln>
+          </p:spPr>
+          <p:style>
+            <a:lnRef idx="2">
+              <a:schemeClr val="accent1">
+                <a:shade val="50000"/>
+              </a:schemeClr>
+            </a:lnRef>
+            <a:fillRef idx="1">
+              <a:schemeClr val="accent1"/>
+            </a:fillRef>
+            <a:effectRef idx="0">
+              <a:schemeClr val="accent1"/>
+            </a:effectRef>
+            <a:fontRef idx="minor">
+              <a:schemeClr val="lt1"/>
+            </a:fontRef>
+          </p:style>
+          <p:txBody>
+            <a:bodyPr rtlCol="0" anchor="ctr"/>
+            <a:lstStyle/>
+            <a:p>
+              <a:pPr algn="ctr"/>
+              <a:endParaRPr lang="zh-CN" altLang="en-US"/>
+            </a:p>
+          </p:txBody>
+        </p:sp>
+        <p:sp>
+          <p:nvSpPr>
+            <p:cNvPr id="27" name="箭头: 右 26">
+              <a:extLst>
+                <a:ext uri="{FF2B5EF4-FFF2-40B4-BE49-F238E27FC236}">
+                  <a16:creationId xmlns:a16="http://schemas.microsoft.com/office/drawing/2014/main" id="{1EEB0CEA-2053-42B4-AD50-65FF62E4B544}"/>
+                </a:ext>
+              </a:extLst>
+            </p:cNvPr>
+            <p:cNvSpPr/>
+            <p:nvPr/>
+          </p:nvSpPr>
+          <p:spPr>
+            <a:xfrm>
+              <a:off x="4657564" y="2270444"/>
+              <a:ext cx="1135117" cy="178676"/>
+            </a:xfrm>
+            <a:prstGeom prst="rightArrow">
+              <a:avLst/>
+            </a:prstGeom>
+            <a:solidFill>
+              <a:srgbClr val="002060"/>
+            </a:solidFill>
+            <a:ln>
+              <a:solidFill>
+                <a:srgbClr val="002060"/>
+              </a:solidFill>
+            </a:ln>
+          </p:spPr>
+          <p:style>
+            <a:lnRef idx="2">
+              <a:schemeClr val="accent1">
+                <a:shade val="50000"/>
+              </a:schemeClr>
+            </a:lnRef>
+            <a:fillRef idx="1">
+              <a:schemeClr val="accent1"/>
+            </a:fillRef>
+            <a:effectRef idx="0">
+              <a:schemeClr val="accent1"/>
+            </a:effectRef>
+            <a:fontRef idx="minor">
+              <a:schemeClr val="lt1"/>
+            </a:fontRef>
+          </p:style>
+          <p:txBody>
+            <a:bodyPr rtlCol="0" anchor="ctr"/>
+            <a:lstStyle/>
+            <a:p>
+              <a:pPr algn="ctr"/>
+              <a:endParaRPr lang="zh-CN" altLang="en-US"/>
+            </a:p>
+          </p:txBody>
+        </p:sp>
+        <p:sp>
+          <p:nvSpPr>
+            <p:cNvPr id="28" name="箭头: 右 27">
+              <a:extLst>
+                <a:ext uri="{FF2B5EF4-FFF2-40B4-BE49-F238E27FC236}">
+                  <a16:creationId xmlns:a16="http://schemas.microsoft.com/office/drawing/2014/main" id="{B5FA78AB-0367-4005-830A-4E94EFF4029C}"/>
+                </a:ext>
+              </a:extLst>
+            </p:cNvPr>
+            <p:cNvSpPr/>
+            <p:nvPr/>
+          </p:nvSpPr>
+          <p:spPr>
+            <a:xfrm>
+              <a:off x="4657564" y="2582762"/>
+              <a:ext cx="1794180" cy="197434"/>
+            </a:xfrm>
+            <a:prstGeom prst="rightArrow">
+              <a:avLst/>
+            </a:prstGeom>
+            <a:solidFill>
+              <a:srgbClr val="00B050"/>
+            </a:solidFill>
+            <a:ln>
+              <a:solidFill>
+                <a:srgbClr val="00B050"/>
+              </a:solidFill>
+            </a:ln>
+          </p:spPr>
+          <p:style>
+            <a:lnRef idx="2">
+              <a:schemeClr val="accent1">
+                <a:shade val="50000"/>
+              </a:schemeClr>
+            </a:lnRef>
+            <a:fillRef idx="1">
+              <a:schemeClr val="accent1"/>
+            </a:fillRef>
+            <a:effectRef idx="0">
+              <a:schemeClr val="accent1"/>
+            </a:effectRef>
+            <a:fontRef idx="minor">
+              <a:schemeClr val="lt1"/>
+            </a:fontRef>
+          </p:style>
+          <p:txBody>
+            <a:bodyPr rtlCol="0" anchor="ctr"/>
+            <a:lstStyle/>
+            <a:p>
+              <a:pPr algn="ctr"/>
+              <a:endParaRPr lang="zh-CN" altLang="en-US"/>
+            </a:p>
+          </p:txBody>
+        </p:sp>
+        <p:sp>
+          <p:nvSpPr>
+            <p:cNvPr id="29" name="箭头: 右 28">
+              <a:extLst>
+                <a:ext uri="{FF2B5EF4-FFF2-40B4-BE49-F238E27FC236}">
+                  <a16:creationId xmlns:a16="http://schemas.microsoft.com/office/drawing/2014/main" id="{20CA6F1E-CB6B-48C4-8C71-6109C4E24C4E}"/>
+                </a:ext>
+              </a:extLst>
+            </p:cNvPr>
+            <p:cNvSpPr/>
+            <p:nvPr/>
+          </p:nvSpPr>
+          <p:spPr>
+            <a:xfrm>
+              <a:off x="4657563" y="2923357"/>
+              <a:ext cx="1794180" cy="187915"/>
+            </a:xfrm>
+            <a:prstGeom prst="rightArrow">
+              <a:avLst/>
+            </a:prstGeom>
+            <a:solidFill>
+              <a:srgbClr val="00B050"/>
+            </a:solidFill>
+            <a:ln>
+              <a:solidFill>
+                <a:srgbClr val="00B050"/>
+              </a:solidFill>
+            </a:ln>
+          </p:spPr>
+          <p:style>
+            <a:lnRef idx="2">
+              <a:schemeClr val="accent1">
+                <a:shade val="50000"/>
+              </a:schemeClr>
+            </a:lnRef>
+            <a:fillRef idx="1">
+              <a:schemeClr val="accent1"/>
+            </a:fillRef>
+            <a:effectRef idx="0">
+              <a:schemeClr val="accent1"/>
+            </a:effectRef>
+            <a:fontRef idx="minor">
+              <a:schemeClr val="lt1"/>
+            </a:fontRef>
+          </p:style>
+          <p:txBody>
+            <a:bodyPr rtlCol="0" anchor="ctr"/>
+            <a:lstStyle/>
+            <a:p>
+              <a:pPr algn="ctr"/>
+              <a:endParaRPr lang="zh-CN" altLang="en-US"/>
+            </a:p>
+          </p:txBody>
+        </p:sp>
+        <p:sp>
+          <p:nvSpPr>
+            <p:cNvPr id="32" name="矩形: 单圆角 31">
+              <a:extLst>
+                <a:ext uri="{FF2B5EF4-FFF2-40B4-BE49-F238E27FC236}">
+                  <a16:creationId xmlns:a16="http://schemas.microsoft.com/office/drawing/2014/main" id="{00DDF8C3-9960-4B9D-BB15-3B0BE97DBB86}"/>
+                </a:ext>
+              </a:extLst>
+            </p:cNvPr>
+            <p:cNvSpPr/>
+            <p:nvPr/>
+          </p:nvSpPr>
+          <p:spPr>
+            <a:xfrm>
+              <a:off x="7325713" y="1939368"/>
+              <a:ext cx="84082" cy="1171904"/>
+            </a:xfrm>
+            <a:prstGeom prst="round1Rect">
+              <a:avLst/>
+            </a:prstGeom>
+            <a:solidFill>
+              <a:srgbClr val="002060"/>
+            </a:solidFill>
+            <a:ln>
+              <a:solidFill>
+                <a:srgbClr val="002060"/>
+              </a:solidFill>
+            </a:ln>
+          </p:spPr>
+          <p:style>
+            <a:lnRef idx="2">
+              <a:schemeClr val="accent1">
+                <a:shade val="50000"/>
+              </a:schemeClr>
+            </a:lnRef>
+            <a:fillRef idx="1">
+              <a:schemeClr val="accent1"/>
+            </a:fillRef>
+            <a:effectRef idx="0">
+              <a:schemeClr val="accent1"/>
+            </a:effectRef>
+            <a:fontRef idx="minor">
+              <a:schemeClr val="lt1"/>
+            </a:fontRef>
+          </p:style>
+          <p:txBody>
+            <a:bodyPr rot="0" spcFirstLastPara="0" vertOverflow="overflow" horzOverflow="overflow" vert="horz" wrap="square" lIns="91440" tIns="45720" rIns="91440" bIns="45720" numCol="1" spcCol="0" rtlCol="0" fromWordArt="0" anchor="ctr" anchorCtr="0" forceAA="0" compatLnSpc="1">
+              <a:prstTxWarp prst="textNoShape">
+                <a:avLst/>
+              </a:prstTxWarp>
+              <a:noAutofit/>
+            </a:bodyPr>
+            <a:lstStyle/>
+            <a:p>
+              <a:pPr algn="ctr"/>
+              <a:endParaRPr lang="zh-CN" altLang="en-US"/>
+            </a:p>
+          </p:txBody>
+        </p:sp>
+        <p:sp>
+          <p:nvSpPr>
+            <p:cNvPr id="33" name="箭头: 右 32">
+              <a:extLst>
+                <a:ext uri="{FF2B5EF4-FFF2-40B4-BE49-F238E27FC236}">
+                  <a16:creationId xmlns:a16="http://schemas.microsoft.com/office/drawing/2014/main" id="{3093A713-75CC-402E-A62A-8715E9C0BAE6}"/>
+                </a:ext>
+              </a:extLst>
+            </p:cNvPr>
+            <p:cNvSpPr/>
+            <p:nvPr/>
+          </p:nvSpPr>
+          <p:spPr>
+            <a:xfrm>
+              <a:off x="8051763" y="1927800"/>
+              <a:ext cx="1135117" cy="178676"/>
+            </a:xfrm>
+            <a:prstGeom prst="rightArrow">
+              <a:avLst/>
+            </a:prstGeom>
+            <a:solidFill>
+              <a:srgbClr val="00B050"/>
+            </a:solidFill>
+            <a:ln>
+              <a:solidFill>
+                <a:srgbClr val="00B050"/>
+              </a:solidFill>
+            </a:ln>
+          </p:spPr>
+          <p:style>
+            <a:lnRef idx="2">
+              <a:schemeClr val="accent1">
+                <a:shade val="50000"/>
+              </a:schemeClr>
+            </a:lnRef>
+            <a:fillRef idx="1">
+              <a:schemeClr val="accent1"/>
+            </a:fillRef>
+            <a:effectRef idx="0">
+              <a:schemeClr val="accent1"/>
+            </a:effectRef>
+            <a:fontRef idx="minor">
+              <a:schemeClr val="lt1"/>
+            </a:fontRef>
+          </p:style>
+          <p:txBody>
+            <a:bodyPr rtlCol="0" anchor="ctr"/>
+            <a:lstStyle/>
+            <a:p>
+              <a:pPr algn="ctr"/>
+              <a:endParaRPr lang="zh-CN" altLang="en-US"/>
+            </a:p>
+          </p:txBody>
+        </p:sp>
+        <p:sp>
+          <p:nvSpPr>
+            <p:cNvPr id="34" name="箭头: 右 33">
+              <a:extLst>
+                <a:ext uri="{FF2B5EF4-FFF2-40B4-BE49-F238E27FC236}">
+                  <a16:creationId xmlns:a16="http://schemas.microsoft.com/office/drawing/2014/main" id="{EA5AF2B5-E845-4A2B-A3FC-EC06168EF03E}"/>
+                </a:ext>
+              </a:extLst>
+            </p:cNvPr>
+            <p:cNvSpPr/>
+            <p:nvPr/>
+          </p:nvSpPr>
+          <p:spPr>
+            <a:xfrm>
+              <a:off x="8071158" y="2270444"/>
+              <a:ext cx="1135117" cy="178676"/>
+            </a:xfrm>
+            <a:prstGeom prst="rightArrow">
+              <a:avLst/>
+            </a:prstGeom>
+            <a:solidFill>
+              <a:srgbClr val="00B050"/>
+            </a:solidFill>
+            <a:ln>
+              <a:solidFill>
+                <a:srgbClr val="00B050"/>
+              </a:solidFill>
+            </a:ln>
+          </p:spPr>
+          <p:style>
+            <a:lnRef idx="2">
+              <a:schemeClr val="accent1">
+                <a:shade val="50000"/>
+              </a:schemeClr>
+            </a:lnRef>
+            <a:fillRef idx="1">
+              <a:schemeClr val="accent1"/>
+            </a:fillRef>
+            <a:effectRef idx="0">
+              <a:schemeClr val="accent1"/>
+            </a:effectRef>
+            <a:fontRef idx="minor">
+              <a:schemeClr val="lt1"/>
+            </a:fontRef>
+          </p:style>
+          <p:txBody>
+            <a:bodyPr rtlCol="0" anchor="ctr"/>
+            <a:lstStyle/>
+            <a:p>
+              <a:pPr algn="ctr"/>
+              <a:endParaRPr lang="zh-CN" altLang="en-US"/>
+            </a:p>
+          </p:txBody>
+        </p:sp>
+        <p:sp>
+          <p:nvSpPr>
+            <p:cNvPr id="35" name="箭头: 右 34">
+              <a:extLst>
+                <a:ext uri="{FF2B5EF4-FFF2-40B4-BE49-F238E27FC236}">
+                  <a16:creationId xmlns:a16="http://schemas.microsoft.com/office/drawing/2014/main" id="{7972ED9F-C01F-458E-B3F8-F1054D9C268A}"/>
+                </a:ext>
+              </a:extLst>
+            </p:cNvPr>
+            <p:cNvSpPr/>
+            <p:nvPr/>
+          </p:nvSpPr>
+          <p:spPr>
+            <a:xfrm>
+              <a:off x="7420310" y="2594089"/>
+              <a:ext cx="1766570" cy="186107"/>
+            </a:xfrm>
+            <a:prstGeom prst="rightArrow">
+              <a:avLst/>
+            </a:prstGeom>
+            <a:solidFill>
+              <a:srgbClr val="00B050"/>
+            </a:solidFill>
+            <a:ln>
+              <a:solidFill>
+                <a:srgbClr val="00B050"/>
+              </a:solidFill>
+            </a:ln>
+          </p:spPr>
+          <p:style>
+            <a:lnRef idx="2">
+              <a:schemeClr val="accent1">
+                <a:shade val="50000"/>
+              </a:schemeClr>
+            </a:lnRef>
+            <a:fillRef idx="1">
+              <a:schemeClr val="accent1"/>
+            </a:fillRef>
+            <a:effectRef idx="0">
+              <a:schemeClr val="accent1"/>
+            </a:effectRef>
+            <a:fontRef idx="minor">
+              <a:schemeClr val="lt1"/>
+            </a:fontRef>
+          </p:style>
+          <p:txBody>
+            <a:bodyPr rtlCol="0" anchor="ctr"/>
+            <a:lstStyle/>
+            <a:p>
+              <a:pPr algn="ctr"/>
+              <a:endParaRPr lang="zh-CN" altLang="en-US"/>
+            </a:p>
+          </p:txBody>
+        </p:sp>
+        <p:sp>
+          <p:nvSpPr>
+            <p:cNvPr id="36" name="箭头: 右 35">
+              <a:extLst>
+                <a:ext uri="{FF2B5EF4-FFF2-40B4-BE49-F238E27FC236}">
+                  <a16:creationId xmlns:a16="http://schemas.microsoft.com/office/drawing/2014/main" id="{F5BFA340-1B09-473F-9CC9-37555C73CB14}"/>
+                </a:ext>
+              </a:extLst>
+            </p:cNvPr>
+            <p:cNvSpPr/>
+            <p:nvPr/>
+          </p:nvSpPr>
+          <p:spPr>
+            <a:xfrm>
+              <a:off x="7420309" y="2919142"/>
+              <a:ext cx="1766570" cy="192129"/>
+            </a:xfrm>
+            <a:prstGeom prst="rightArrow">
+              <a:avLst/>
+            </a:prstGeom>
+            <a:solidFill>
+              <a:srgbClr val="00B050"/>
+            </a:solidFill>
+            <a:ln>
+              <a:solidFill>
+                <a:srgbClr val="00B050"/>
+              </a:solidFill>
+            </a:ln>
+          </p:spPr>
+          <p:style>
+            <a:lnRef idx="2">
+              <a:schemeClr val="accent1">
+                <a:shade val="50000"/>
+              </a:schemeClr>
+            </a:lnRef>
+            <a:fillRef idx="1">
+              <a:schemeClr val="accent1"/>
+            </a:fillRef>
+            <a:effectRef idx="0">
+              <a:schemeClr val="accent1"/>
+            </a:effectRef>
+            <a:fontRef idx="minor">
+              <a:schemeClr val="lt1"/>
+            </a:fontRef>
+          </p:style>
+          <p:txBody>
+            <a:bodyPr rtlCol="0" anchor="ctr"/>
+            <a:lstStyle/>
+            <a:p>
+              <a:pPr algn="ctr"/>
+              <a:endParaRPr lang="zh-CN" altLang="en-US"/>
+            </a:p>
+          </p:txBody>
+        </p:sp>
+        <p:sp>
+          <p:nvSpPr>
+            <p:cNvPr id="11" name="文本框 10">
+              <a:extLst>
+                <a:ext uri="{FF2B5EF4-FFF2-40B4-BE49-F238E27FC236}">
+                  <a16:creationId xmlns:a16="http://schemas.microsoft.com/office/drawing/2014/main" id="{1641E183-1CC4-4888-8715-ED802DECDA34}"/>
+                </a:ext>
+              </a:extLst>
+            </p:cNvPr>
+            <p:cNvSpPr txBox="1"/>
+            <p:nvPr/>
+          </p:nvSpPr>
+          <p:spPr>
+            <a:xfrm>
+              <a:off x="2537392" y="1677758"/>
+              <a:ext cx="1236236" cy="261610"/>
+            </a:xfrm>
+            <a:prstGeom prst="rect">
+              <a:avLst/>
+            </a:prstGeom>
+            <a:noFill/>
+          </p:spPr>
+          <p:txBody>
+            <a:bodyPr wrap="none" rtlCol="0">
+              <a:spAutoFit/>
+            </a:bodyPr>
+            <a:lstStyle/>
+            <a:p>
+              <a:r>
+                <a:rPr lang="en-US" altLang="zh-CN" sz="1100" b="1" dirty="0"/>
+                <a:t>[ CMS Actions : ]</a:t>
+              </a:r>
+              <a:endParaRPr lang="zh-CN" altLang="en-US" sz="1100" b="1" dirty="0"/>
+            </a:p>
+          </p:txBody>
+        </p:sp>
+        <p:sp>
+          <p:nvSpPr>
+            <p:cNvPr id="37" name="文本框 36">
+              <a:extLst>
+                <a:ext uri="{FF2B5EF4-FFF2-40B4-BE49-F238E27FC236}">
+                  <a16:creationId xmlns:a16="http://schemas.microsoft.com/office/drawing/2014/main" id="{8CE6C291-C831-45D0-B931-48C234529E1F}"/>
+                </a:ext>
+              </a:extLst>
+            </p:cNvPr>
+            <p:cNvSpPr txBox="1"/>
+            <p:nvPr/>
+          </p:nvSpPr>
+          <p:spPr>
+            <a:xfrm>
+              <a:off x="3743789" y="1678131"/>
+              <a:ext cx="912429" cy="261610"/>
+            </a:xfrm>
+            <a:prstGeom prst="rect">
+              <a:avLst/>
+            </a:prstGeom>
+            <a:noFill/>
+          </p:spPr>
+          <p:txBody>
+            <a:bodyPr wrap="none" rtlCol="0">
+              <a:spAutoFit/>
+            </a:bodyPr>
+            <a:lstStyle/>
+            <a:p>
+              <a:r>
+                <a:rPr lang="en-US" altLang="zh-CN" sz="1100" b="1" dirty="0"/>
+                <a:t>Initial Mark</a:t>
+              </a:r>
+              <a:endParaRPr lang="zh-CN" altLang="en-US" sz="1100" b="1" dirty="0"/>
+            </a:p>
+          </p:txBody>
+        </p:sp>
+        <p:sp>
+          <p:nvSpPr>
+            <p:cNvPr id="38" name="文本框 37">
+              <a:extLst>
+                <a:ext uri="{FF2B5EF4-FFF2-40B4-BE49-F238E27FC236}">
+                  <a16:creationId xmlns:a16="http://schemas.microsoft.com/office/drawing/2014/main" id="{6FC98698-A718-4696-8005-84B3CF7BDC82}"/>
+                </a:ext>
+              </a:extLst>
+            </p:cNvPr>
+            <p:cNvSpPr txBox="1"/>
+            <p:nvPr/>
+          </p:nvSpPr>
+          <p:spPr>
+            <a:xfrm>
+              <a:off x="6521653" y="1674368"/>
+              <a:ext cx="673582" cy="261610"/>
+            </a:xfrm>
+            <a:prstGeom prst="rect">
+              <a:avLst/>
+            </a:prstGeom>
+            <a:noFill/>
+          </p:spPr>
+          <p:txBody>
+            <a:bodyPr wrap="none" rtlCol="0">
+              <a:spAutoFit/>
+            </a:bodyPr>
+            <a:lstStyle/>
+            <a:p>
+              <a:r>
+                <a:rPr lang="en-US" altLang="zh-CN" sz="1100" b="1" dirty="0"/>
+                <a:t>Remark</a:t>
+              </a:r>
+              <a:endParaRPr lang="zh-CN" altLang="en-US" sz="1100" b="1" dirty="0"/>
+            </a:p>
+          </p:txBody>
+        </p:sp>
+        <p:sp>
+          <p:nvSpPr>
+            <p:cNvPr id="39" name="文本框 38">
+              <a:extLst>
+                <a:ext uri="{FF2B5EF4-FFF2-40B4-BE49-F238E27FC236}">
+                  <a16:creationId xmlns:a16="http://schemas.microsoft.com/office/drawing/2014/main" id="{3C4779E7-1D27-438A-B9DC-2C7917BEEF36}"/>
+                </a:ext>
+              </a:extLst>
+            </p:cNvPr>
+            <p:cNvSpPr txBox="1"/>
+            <p:nvPr/>
+          </p:nvSpPr>
+          <p:spPr>
+            <a:xfrm>
+              <a:off x="4549934" y="1677945"/>
+              <a:ext cx="1970411" cy="261610"/>
+            </a:xfrm>
+            <a:prstGeom prst="rect">
+              <a:avLst/>
+            </a:prstGeom>
+            <a:noFill/>
+          </p:spPr>
+          <p:txBody>
+            <a:bodyPr wrap="none" rtlCol="0">
+              <a:spAutoFit/>
+            </a:bodyPr>
+            <a:lstStyle/>
+            <a:p>
+              <a:r>
+                <a:rPr lang="en-US" altLang="zh-CN" sz="1100" b="1" dirty="0"/>
+                <a:t>Concurrent Mark / PreClean</a:t>
+              </a:r>
+              <a:endParaRPr lang="zh-CN" altLang="en-US" sz="1100" b="1" dirty="0"/>
+            </a:p>
+          </p:txBody>
+        </p:sp>
+        <p:sp>
+          <p:nvSpPr>
+            <p:cNvPr id="40" name="文本框 39">
+              <a:extLst>
+                <a:ext uri="{FF2B5EF4-FFF2-40B4-BE49-F238E27FC236}">
+                  <a16:creationId xmlns:a16="http://schemas.microsoft.com/office/drawing/2014/main" id="{8FADC69E-D72C-4DAA-9F79-791422236064}"/>
+                </a:ext>
+              </a:extLst>
+            </p:cNvPr>
+            <p:cNvSpPr txBox="1"/>
+            <p:nvPr/>
+          </p:nvSpPr>
+          <p:spPr>
+            <a:xfrm>
+              <a:off x="7330953" y="1505091"/>
+              <a:ext cx="939681" cy="430887"/>
+            </a:xfrm>
+            <a:prstGeom prst="rect">
+              <a:avLst/>
+            </a:prstGeom>
+            <a:noFill/>
+          </p:spPr>
+          <p:txBody>
+            <a:bodyPr wrap="none" rtlCol="0">
+              <a:spAutoFit/>
+            </a:bodyPr>
+            <a:lstStyle/>
+            <a:p>
+              <a:r>
+                <a:rPr lang="en-US" altLang="zh-CN" sz="1100" b="1" dirty="0"/>
+                <a:t>Concurrent </a:t>
+              </a:r>
+            </a:p>
+            <a:p>
+              <a:r>
+                <a:rPr lang="en-US" altLang="zh-CN" sz="1100" b="1" dirty="0"/>
+                <a:t>Sweep</a:t>
+              </a:r>
+              <a:endParaRPr lang="zh-CN" altLang="en-US" sz="1100" b="1" dirty="0"/>
+            </a:p>
+          </p:txBody>
+        </p:sp>
+        <p:sp>
+          <p:nvSpPr>
+            <p:cNvPr id="41" name="文本框 40">
+              <a:extLst>
+                <a:ext uri="{FF2B5EF4-FFF2-40B4-BE49-F238E27FC236}">
+                  <a16:creationId xmlns:a16="http://schemas.microsoft.com/office/drawing/2014/main" id="{EC328329-0E5E-4210-9CB5-C75BF444E57A}"/>
+                </a:ext>
+              </a:extLst>
+            </p:cNvPr>
+            <p:cNvSpPr txBox="1"/>
+            <p:nvPr/>
+          </p:nvSpPr>
+          <p:spPr>
+            <a:xfrm>
+              <a:off x="3940856" y="3087843"/>
+              <a:ext cx="497892" cy="246221"/>
+            </a:xfrm>
+            <a:prstGeom prst="rect">
+              <a:avLst/>
+            </a:prstGeom>
+            <a:noFill/>
+          </p:spPr>
+          <p:txBody>
+            <a:bodyPr wrap="square" rtlCol="0">
+              <a:spAutoFit/>
+            </a:bodyPr>
+            <a:lstStyle/>
+            <a:p>
+              <a:r>
+                <a:rPr lang="en-US" altLang="zh-CN" sz="1000" b="1" dirty="0"/>
+                <a:t>STW</a:t>
+              </a:r>
+              <a:endParaRPr lang="zh-CN" altLang="en-US" sz="1600" b="1" dirty="0"/>
+            </a:p>
+          </p:txBody>
+        </p:sp>
+        <p:sp>
+          <p:nvSpPr>
+            <p:cNvPr id="42" name="文本框 41">
+              <a:extLst>
+                <a:ext uri="{FF2B5EF4-FFF2-40B4-BE49-F238E27FC236}">
+                  <a16:creationId xmlns:a16="http://schemas.microsoft.com/office/drawing/2014/main" id="{2DAA683E-E255-4681-BE2C-67DA9830D215}"/>
+                </a:ext>
+              </a:extLst>
+            </p:cNvPr>
+            <p:cNvSpPr txBox="1"/>
+            <p:nvPr/>
+          </p:nvSpPr>
+          <p:spPr>
+            <a:xfrm>
+              <a:off x="6605982" y="3093141"/>
+              <a:ext cx="497892" cy="246221"/>
+            </a:xfrm>
+            <a:prstGeom prst="rect">
+              <a:avLst/>
+            </a:prstGeom>
+            <a:noFill/>
+          </p:spPr>
+          <p:txBody>
+            <a:bodyPr wrap="square" rtlCol="0">
+              <a:spAutoFit/>
+            </a:bodyPr>
+            <a:lstStyle/>
+            <a:p>
+              <a:r>
+                <a:rPr lang="en-US" altLang="zh-CN" sz="1000" b="1" dirty="0"/>
+                <a:t>STW</a:t>
+              </a:r>
+              <a:endParaRPr lang="zh-CN" altLang="en-US" sz="1050" b="1" dirty="0"/>
+            </a:p>
+          </p:txBody>
+        </p:sp>
+        <p:grpSp>
+          <p:nvGrpSpPr>
+            <p:cNvPr id="2" name="组合 1">
+              <a:extLst>
+                <a:ext uri="{FF2B5EF4-FFF2-40B4-BE49-F238E27FC236}">
+                  <a16:creationId xmlns:a16="http://schemas.microsoft.com/office/drawing/2014/main" id="{16C1B742-4177-48ED-911C-92FA6B53A70C}"/>
+                </a:ext>
+              </a:extLst>
+            </p:cNvPr>
+            <p:cNvGrpSpPr/>
+            <p:nvPr/>
+          </p:nvGrpSpPr>
+          <p:grpSpPr>
+            <a:xfrm>
+              <a:off x="3752196" y="1939368"/>
+              <a:ext cx="803690" cy="1171904"/>
+              <a:chOff x="3184637" y="1413727"/>
+              <a:chExt cx="803690" cy="1171904"/>
+            </a:xfrm>
+          </p:grpSpPr>
+          <p:sp>
+            <p:nvSpPr>
+              <p:cNvPr id="9" name="矩形: 单圆角 8">
+                <a:extLst>
+                  <a:ext uri="{FF2B5EF4-FFF2-40B4-BE49-F238E27FC236}">
+                    <a16:creationId xmlns:a16="http://schemas.microsoft.com/office/drawing/2014/main" id="{87F6D27D-82BA-40BC-B79E-4F262029DA8D}"/>
+                  </a:ext>
+                </a:extLst>
+              </p:cNvPr>
+              <p:cNvSpPr/>
+              <p:nvPr/>
+            </p:nvSpPr>
+            <p:spPr>
+              <a:xfrm>
+                <a:off x="3184637" y="1413727"/>
+                <a:ext cx="84082" cy="1171904"/>
+              </a:xfrm>
+              <a:prstGeom prst="round1Rect">
+                <a:avLst/>
+              </a:prstGeom>
+              <a:solidFill>
+                <a:srgbClr val="002060"/>
+              </a:solidFill>
+              <a:ln>
+                <a:solidFill>
+                  <a:srgbClr val="002060"/>
+                </a:solidFill>
+              </a:ln>
+            </p:spPr>
+            <p:style>
+              <a:lnRef idx="2">
+                <a:schemeClr val="accent1">
+                  <a:shade val="50000"/>
+                </a:schemeClr>
+              </a:lnRef>
+              <a:fillRef idx="1">
+                <a:schemeClr val="accent1"/>
+              </a:fillRef>
+              <a:effectRef idx="0">
+                <a:schemeClr val="accent1"/>
+              </a:effectRef>
+              <a:fontRef idx="minor">
+                <a:schemeClr val="lt1"/>
+              </a:fontRef>
+            </p:style>
+            <p:txBody>
+              <a:bodyPr rtlCol="0" anchor="ctr"/>
+              <a:lstStyle/>
+              <a:p>
+                <a:pPr algn="ctr"/>
+                <a:endParaRPr lang="zh-CN" altLang="en-US"/>
+              </a:p>
+            </p:txBody>
+          </p:sp>
+          <p:sp>
+            <p:nvSpPr>
+              <p:cNvPr id="50" name="箭头: 右 49">
+                <a:extLst>
+                  <a:ext uri="{FF2B5EF4-FFF2-40B4-BE49-F238E27FC236}">
+                    <a16:creationId xmlns:a16="http://schemas.microsoft.com/office/drawing/2014/main" id="{25541D9F-2769-4E3C-9046-63C1439243C3}"/>
+                  </a:ext>
+                </a:extLst>
+              </p:cNvPr>
+              <p:cNvSpPr/>
+              <p:nvPr/>
+            </p:nvSpPr>
+            <p:spPr>
+              <a:xfrm>
+                <a:off x="3274670" y="1413727"/>
+                <a:ext cx="713657" cy="186360"/>
+              </a:xfrm>
+              <a:prstGeom prst="rightArrow">
+                <a:avLst/>
+              </a:prstGeom>
+              <a:solidFill>
+                <a:srgbClr val="002060"/>
+              </a:solidFill>
+              <a:ln>
+                <a:solidFill>
+                  <a:srgbClr val="002060"/>
+                </a:solidFill>
+              </a:ln>
+            </p:spPr>
+            <p:style>
+              <a:lnRef idx="2">
+                <a:schemeClr val="accent1">
+                  <a:shade val="50000"/>
+                </a:schemeClr>
+              </a:lnRef>
+              <a:fillRef idx="1">
+                <a:schemeClr val="accent1"/>
+              </a:fillRef>
+              <a:effectRef idx="0">
+                <a:schemeClr val="accent1"/>
+              </a:effectRef>
+              <a:fontRef idx="minor">
+                <a:schemeClr val="lt1"/>
+              </a:fontRef>
+            </p:style>
+            <p:txBody>
+              <a:bodyPr rtlCol="0" anchor="ctr"/>
+              <a:lstStyle/>
+              <a:p>
+                <a:pPr algn="ctr"/>
+                <a:endParaRPr lang="zh-CN" altLang="en-US"/>
+              </a:p>
+            </p:txBody>
+          </p:sp>
+          <p:sp>
+            <p:nvSpPr>
+              <p:cNvPr id="54" name="箭头: 右 53">
+                <a:extLst>
+                  <a:ext uri="{FF2B5EF4-FFF2-40B4-BE49-F238E27FC236}">
+                    <a16:creationId xmlns:a16="http://schemas.microsoft.com/office/drawing/2014/main" id="{E1C4F024-F0D7-4979-A9E6-88D9A52B8DBE}"/>
+                  </a:ext>
+                </a:extLst>
+              </p:cNvPr>
+              <p:cNvSpPr/>
+              <p:nvPr/>
+            </p:nvSpPr>
+            <p:spPr>
+              <a:xfrm>
+                <a:off x="3268719" y="1737119"/>
+                <a:ext cx="713657" cy="186360"/>
+              </a:xfrm>
+              <a:prstGeom prst="rightArrow">
+                <a:avLst/>
+              </a:prstGeom>
+              <a:solidFill>
+                <a:srgbClr val="002060"/>
+              </a:solidFill>
+              <a:ln>
+                <a:solidFill>
+                  <a:srgbClr val="002060"/>
+                </a:solidFill>
+              </a:ln>
+            </p:spPr>
+            <p:style>
+              <a:lnRef idx="2">
+                <a:schemeClr val="accent1">
+                  <a:shade val="50000"/>
+                </a:schemeClr>
+              </a:lnRef>
+              <a:fillRef idx="1">
+                <a:schemeClr val="accent1"/>
+              </a:fillRef>
+              <a:effectRef idx="0">
+                <a:schemeClr val="accent1"/>
+              </a:effectRef>
+              <a:fontRef idx="minor">
+                <a:schemeClr val="lt1"/>
+              </a:fontRef>
+            </p:style>
+            <p:txBody>
+              <a:bodyPr rtlCol="0" anchor="ctr"/>
+              <a:lstStyle/>
+              <a:p>
+                <a:pPr algn="ctr"/>
+                <a:endParaRPr lang="zh-CN" altLang="en-US"/>
+              </a:p>
+            </p:txBody>
+          </p:sp>
+          <p:sp>
+            <p:nvSpPr>
+              <p:cNvPr id="55" name="箭头: 右 54">
+                <a:extLst>
+                  <a:ext uri="{FF2B5EF4-FFF2-40B4-BE49-F238E27FC236}">
+                    <a16:creationId xmlns:a16="http://schemas.microsoft.com/office/drawing/2014/main" id="{9D252C5E-B079-42A7-89AB-19342FF71EC5}"/>
+                  </a:ext>
+                </a:extLst>
+              </p:cNvPr>
+              <p:cNvSpPr/>
+              <p:nvPr/>
+            </p:nvSpPr>
+            <p:spPr>
+              <a:xfrm>
+                <a:off x="3268719" y="2070661"/>
+                <a:ext cx="713657" cy="186360"/>
+              </a:xfrm>
+              <a:prstGeom prst="rightArrow">
+                <a:avLst/>
+              </a:prstGeom>
+              <a:solidFill>
+                <a:srgbClr val="002060"/>
+              </a:solidFill>
+              <a:ln>
+                <a:solidFill>
+                  <a:srgbClr val="002060"/>
+                </a:solidFill>
+              </a:ln>
+            </p:spPr>
+            <p:style>
+              <a:lnRef idx="2">
+                <a:schemeClr val="accent1">
+                  <a:shade val="50000"/>
+                </a:schemeClr>
+              </a:lnRef>
+              <a:fillRef idx="1">
+                <a:schemeClr val="accent1"/>
+              </a:fillRef>
+              <a:effectRef idx="0">
+                <a:schemeClr val="accent1"/>
+              </a:effectRef>
+              <a:fontRef idx="minor">
+                <a:schemeClr val="lt1"/>
+              </a:fontRef>
+            </p:style>
+            <p:txBody>
+              <a:bodyPr rtlCol="0" anchor="ctr"/>
+              <a:lstStyle/>
+              <a:p>
+                <a:pPr algn="ctr"/>
+                <a:endParaRPr lang="zh-CN" altLang="en-US"/>
+              </a:p>
+            </p:txBody>
+          </p:sp>
+          <p:sp>
+            <p:nvSpPr>
+              <p:cNvPr id="56" name="箭头: 右 55">
+                <a:extLst>
+                  <a:ext uri="{FF2B5EF4-FFF2-40B4-BE49-F238E27FC236}">
+                    <a16:creationId xmlns:a16="http://schemas.microsoft.com/office/drawing/2014/main" id="{8C6E45BB-478F-4E1D-BCCC-2500A3BB2A9B}"/>
+                  </a:ext>
+                </a:extLst>
+              </p:cNvPr>
+              <p:cNvSpPr/>
+              <p:nvPr/>
+            </p:nvSpPr>
+            <p:spPr>
+              <a:xfrm>
+                <a:off x="3268718" y="2397716"/>
+                <a:ext cx="713657" cy="186360"/>
+              </a:xfrm>
+              <a:prstGeom prst="rightArrow">
+                <a:avLst/>
+              </a:prstGeom>
+              <a:solidFill>
+                <a:srgbClr val="002060"/>
+              </a:solidFill>
+              <a:ln>
+                <a:solidFill>
+                  <a:srgbClr val="002060"/>
+                </a:solidFill>
+              </a:ln>
+            </p:spPr>
+            <p:style>
+              <a:lnRef idx="2">
+                <a:schemeClr val="accent1">
+                  <a:shade val="50000"/>
+                </a:schemeClr>
+              </a:lnRef>
+              <a:fillRef idx="1">
+                <a:schemeClr val="accent1"/>
+              </a:fillRef>
+              <a:effectRef idx="0">
+                <a:schemeClr val="accent1"/>
+              </a:effectRef>
+              <a:fontRef idx="minor">
+                <a:schemeClr val="lt1"/>
+              </a:fontRef>
+            </p:style>
+            <p:txBody>
+              <a:bodyPr rtlCol="0" anchor="ctr"/>
+              <a:lstStyle/>
+              <a:p>
+                <a:pPr algn="ctr"/>
+                <a:endParaRPr lang="zh-CN" altLang="en-US"/>
+              </a:p>
+            </p:txBody>
+          </p:sp>
+        </p:grpSp>
+        <p:grpSp>
+          <p:nvGrpSpPr>
+            <p:cNvPr id="57" name="组合 56">
+              <a:extLst>
+                <a:ext uri="{FF2B5EF4-FFF2-40B4-BE49-F238E27FC236}">
+                  <a16:creationId xmlns:a16="http://schemas.microsoft.com/office/drawing/2014/main" id="{00DBA302-1CBA-4711-A457-30AF8110766B}"/>
+                </a:ext>
+              </a:extLst>
+            </p:cNvPr>
+            <p:cNvGrpSpPr/>
+            <p:nvPr/>
+          </p:nvGrpSpPr>
+          <p:grpSpPr>
+            <a:xfrm>
+              <a:off x="6473528" y="1939368"/>
+              <a:ext cx="803690" cy="1171904"/>
+              <a:chOff x="3184637" y="1413727"/>
+              <a:chExt cx="803690" cy="1171904"/>
+            </a:xfrm>
+          </p:grpSpPr>
+          <p:sp>
+            <p:nvSpPr>
+              <p:cNvPr id="58" name="矩形: 单圆角 57">
+                <a:extLst>
+                  <a:ext uri="{FF2B5EF4-FFF2-40B4-BE49-F238E27FC236}">
+                    <a16:creationId xmlns:a16="http://schemas.microsoft.com/office/drawing/2014/main" id="{76C98CFE-6ED2-4A5F-94B2-C48F16DFDCB8}"/>
+                  </a:ext>
+                </a:extLst>
+              </p:cNvPr>
+              <p:cNvSpPr/>
+              <p:nvPr/>
+            </p:nvSpPr>
+            <p:spPr>
+              <a:xfrm>
+                <a:off x="3184637" y="1413727"/>
+                <a:ext cx="84082" cy="1171904"/>
+              </a:xfrm>
+              <a:prstGeom prst="round1Rect">
+                <a:avLst/>
+              </a:prstGeom>
+              <a:solidFill>
+                <a:srgbClr val="002060"/>
+              </a:solidFill>
+              <a:ln>
+                <a:solidFill>
+                  <a:srgbClr val="002060"/>
+                </a:solidFill>
+              </a:ln>
+            </p:spPr>
+            <p:style>
+              <a:lnRef idx="2">
+                <a:schemeClr val="accent1">
+                  <a:shade val="50000"/>
+                </a:schemeClr>
+              </a:lnRef>
+              <a:fillRef idx="1">
+                <a:schemeClr val="accent1"/>
+              </a:fillRef>
+              <a:effectRef idx="0">
+                <a:schemeClr val="accent1"/>
+              </a:effectRef>
+              <a:fontRef idx="minor">
+                <a:schemeClr val="lt1"/>
+              </a:fontRef>
+            </p:style>
+            <p:txBody>
+              <a:bodyPr rtlCol="0" anchor="ctr"/>
+              <a:lstStyle/>
+              <a:p>
+                <a:pPr algn="ctr"/>
+                <a:endParaRPr lang="zh-CN" altLang="en-US"/>
+              </a:p>
+            </p:txBody>
+          </p:sp>
+          <p:sp>
+            <p:nvSpPr>
+              <p:cNvPr id="59" name="箭头: 右 58">
+                <a:extLst>
+                  <a:ext uri="{FF2B5EF4-FFF2-40B4-BE49-F238E27FC236}">
+                    <a16:creationId xmlns:a16="http://schemas.microsoft.com/office/drawing/2014/main" id="{3F47B18B-DFE4-4B02-956C-41E8F6B6AAF0}"/>
+                  </a:ext>
+                </a:extLst>
+              </p:cNvPr>
+              <p:cNvSpPr/>
+              <p:nvPr/>
+            </p:nvSpPr>
+            <p:spPr>
+              <a:xfrm>
+                <a:off x="3274670" y="1413727"/>
+                <a:ext cx="713657" cy="186360"/>
+              </a:xfrm>
+              <a:prstGeom prst="rightArrow">
+                <a:avLst/>
+              </a:prstGeom>
+              <a:solidFill>
+                <a:srgbClr val="002060"/>
+              </a:solidFill>
+              <a:ln>
+                <a:solidFill>
+                  <a:srgbClr val="002060"/>
+                </a:solidFill>
+              </a:ln>
+            </p:spPr>
+            <p:style>
+              <a:lnRef idx="2">
+                <a:schemeClr val="accent1">
+                  <a:shade val="50000"/>
+                </a:schemeClr>
+              </a:lnRef>
+              <a:fillRef idx="1">
+                <a:schemeClr val="accent1"/>
+              </a:fillRef>
+              <a:effectRef idx="0">
+                <a:schemeClr val="accent1"/>
+              </a:effectRef>
+              <a:fontRef idx="minor">
+                <a:schemeClr val="lt1"/>
+              </a:fontRef>
+            </p:style>
+            <p:txBody>
+              <a:bodyPr rtlCol="0" anchor="ctr"/>
+              <a:lstStyle/>
+              <a:p>
+                <a:pPr algn="ctr"/>
+                <a:endParaRPr lang="zh-CN" altLang="en-US"/>
+              </a:p>
+            </p:txBody>
+          </p:sp>
+          <p:sp>
+            <p:nvSpPr>
+              <p:cNvPr id="60" name="箭头: 右 59">
+                <a:extLst>
+                  <a:ext uri="{FF2B5EF4-FFF2-40B4-BE49-F238E27FC236}">
+                    <a16:creationId xmlns:a16="http://schemas.microsoft.com/office/drawing/2014/main" id="{2C412C9E-6077-4826-B63F-F68D02A02C5D}"/>
+                  </a:ext>
+                </a:extLst>
+              </p:cNvPr>
+              <p:cNvSpPr/>
+              <p:nvPr/>
+            </p:nvSpPr>
+            <p:spPr>
+              <a:xfrm>
+                <a:off x="3268719" y="1737119"/>
+                <a:ext cx="713657" cy="186360"/>
+              </a:xfrm>
+              <a:prstGeom prst="rightArrow">
+                <a:avLst/>
+              </a:prstGeom>
+              <a:solidFill>
+                <a:srgbClr val="002060"/>
+              </a:solidFill>
+              <a:ln>
+                <a:solidFill>
+                  <a:srgbClr val="002060"/>
+                </a:solidFill>
+              </a:ln>
+            </p:spPr>
+            <p:style>
+              <a:lnRef idx="2">
+                <a:schemeClr val="accent1">
+                  <a:shade val="50000"/>
+                </a:schemeClr>
+              </a:lnRef>
+              <a:fillRef idx="1">
+                <a:schemeClr val="accent1"/>
+              </a:fillRef>
+              <a:effectRef idx="0">
+                <a:schemeClr val="accent1"/>
+              </a:effectRef>
+              <a:fontRef idx="minor">
+                <a:schemeClr val="lt1"/>
+              </a:fontRef>
+            </p:style>
+            <p:txBody>
+              <a:bodyPr rtlCol="0" anchor="ctr"/>
+              <a:lstStyle/>
+              <a:p>
+                <a:pPr algn="ctr"/>
+                <a:endParaRPr lang="zh-CN" altLang="en-US"/>
+              </a:p>
+            </p:txBody>
+          </p:sp>
+          <p:sp>
+            <p:nvSpPr>
+              <p:cNvPr id="61" name="箭头: 右 60">
+                <a:extLst>
+                  <a:ext uri="{FF2B5EF4-FFF2-40B4-BE49-F238E27FC236}">
+                    <a16:creationId xmlns:a16="http://schemas.microsoft.com/office/drawing/2014/main" id="{33C63277-1241-470F-9A10-F0E88D80FE9B}"/>
+                  </a:ext>
+                </a:extLst>
+              </p:cNvPr>
+              <p:cNvSpPr/>
+              <p:nvPr/>
+            </p:nvSpPr>
+            <p:spPr>
+              <a:xfrm>
+                <a:off x="3268719" y="2070661"/>
+                <a:ext cx="713657" cy="186360"/>
+              </a:xfrm>
+              <a:prstGeom prst="rightArrow">
+                <a:avLst/>
+              </a:prstGeom>
+              <a:solidFill>
+                <a:srgbClr val="002060"/>
+              </a:solidFill>
+              <a:ln>
+                <a:solidFill>
+                  <a:srgbClr val="002060"/>
+                </a:solidFill>
+              </a:ln>
+            </p:spPr>
+            <p:style>
+              <a:lnRef idx="2">
+                <a:schemeClr val="accent1">
+                  <a:shade val="50000"/>
+                </a:schemeClr>
+              </a:lnRef>
+              <a:fillRef idx="1">
+                <a:schemeClr val="accent1"/>
+              </a:fillRef>
+              <a:effectRef idx="0">
+                <a:schemeClr val="accent1"/>
+              </a:effectRef>
+              <a:fontRef idx="minor">
+                <a:schemeClr val="lt1"/>
+              </a:fontRef>
+            </p:style>
+            <p:txBody>
+              <a:bodyPr rtlCol="0" anchor="ctr"/>
+              <a:lstStyle/>
+              <a:p>
+                <a:pPr algn="ctr"/>
+                <a:endParaRPr lang="zh-CN" altLang="en-US"/>
+              </a:p>
+            </p:txBody>
+          </p:sp>
+          <p:sp>
+            <p:nvSpPr>
+              <p:cNvPr id="62" name="箭头: 右 61">
+                <a:extLst>
+                  <a:ext uri="{FF2B5EF4-FFF2-40B4-BE49-F238E27FC236}">
+                    <a16:creationId xmlns:a16="http://schemas.microsoft.com/office/drawing/2014/main" id="{D7E66C82-8B4D-42FC-A156-3364A5861358}"/>
+                  </a:ext>
+                </a:extLst>
+              </p:cNvPr>
+              <p:cNvSpPr/>
+              <p:nvPr/>
+            </p:nvSpPr>
+            <p:spPr>
+              <a:xfrm>
+                <a:off x="3268718" y="2397716"/>
+                <a:ext cx="713657" cy="186360"/>
+              </a:xfrm>
+              <a:prstGeom prst="rightArrow">
+                <a:avLst/>
+              </a:prstGeom>
+              <a:solidFill>
+                <a:srgbClr val="002060"/>
+              </a:solidFill>
+              <a:ln>
+                <a:solidFill>
+                  <a:srgbClr val="002060"/>
+                </a:solidFill>
+              </a:ln>
+            </p:spPr>
+            <p:style>
+              <a:lnRef idx="2">
+                <a:schemeClr val="accent1">
+                  <a:shade val="50000"/>
+                </a:schemeClr>
+              </a:lnRef>
+              <a:fillRef idx="1">
+                <a:schemeClr val="accent1"/>
+              </a:fillRef>
+              <a:effectRef idx="0">
+                <a:schemeClr val="accent1"/>
+              </a:effectRef>
+              <a:fontRef idx="minor">
+                <a:schemeClr val="lt1"/>
+              </a:fontRef>
+            </p:style>
+            <p:txBody>
+              <a:bodyPr rtlCol="0" anchor="ctr"/>
+              <a:lstStyle/>
+              <a:p>
+                <a:pPr algn="ctr"/>
+                <a:endParaRPr lang="zh-CN" altLang="en-US"/>
+              </a:p>
+            </p:txBody>
+          </p:sp>
+        </p:grpSp>
+        <p:sp>
+          <p:nvSpPr>
+            <p:cNvPr id="8" name="箭头: 右 7">
+              <a:extLst>
+                <a:ext uri="{FF2B5EF4-FFF2-40B4-BE49-F238E27FC236}">
+                  <a16:creationId xmlns:a16="http://schemas.microsoft.com/office/drawing/2014/main" id="{2E8A9E72-E4C2-475D-84D1-A7BA8F9A5F2F}"/>
+                </a:ext>
+              </a:extLst>
+            </p:cNvPr>
+            <p:cNvSpPr/>
+            <p:nvPr/>
+          </p:nvSpPr>
+          <p:spPr>
+            <a:xfrm>
+              <a:off x="5824524" y="1935978"/>
+              <a:ext cx="627220" cy="189750"/>
+            </a:xfrm>
+            <a:prstGeom prst="rightArrow">
+              <a:avLst/>
+            </a:prstGeom>
+            <a:solidFill>
+              <a:srgbClr val="002060"/>
+            </a:solidFill>
+            <a:ln>
+              <a:solidFill>
+                <a:srgbClr val="002060"/>
+              </a:solidFill>
+            </a:ln>
+          </p:spPr>
+          <p:style>
+            <a:lnRef idx="2">
+              <a:schemeClr val="accent1">
+                <a:shade val="50000"/>
+              </a:schemeClr>
+            </a:lnRef>
+            <a:fillRef idx="1">
+              <a:schemeClr val="accent1"/>
+            </a:fillRef>
+            <a:effectRef idx="0">
+              <a:schemeClr val="accent1"/>
+            </a:effectRef>
+            <a:fontRef idx="minor">
+              <a:schemeClr val="lt1"/>
+            </a:fontRef>
+          </p:style>
+          <p:txBody>
+            <a:bodyPr rtlCol="0" anchor="ctr"/>
+            <a:lstStyle/>
+            <a:p>
+              <a:pPr algn="ctr"/>
+              <a:endParaRPr lang="zh-CN" altLang="en-US"/>
+            </a:p>
+          </p:txBody>
+        </p:sp>
+        <p:sp>
+          <p:nvSpPr>
+            <p:cNvPr id="49" name="箭头: 右 48">
+              <a:extLst>
+                <a:ext uri="{FF2B5EF4-FFF2-40B4-BE49-F238E27FC236}">
+                  <a16:creationId xmlns:a16="http://schemas.microsoft.com/office/drawing/2014/main" id="{7AE94009-AAC6-48F2-8376-8ACA8A6616FD}"/>
+                </a:ext>
+              </a:extLst>
+            </p:cNvPr>
+            <p:cNvSpPr/>
+            <p:nvPr/>
+          </p:nvSpPr>
+          <p:spPr>
+            <a:xfrm>
+              <a:off x="5809638" y="2259370"/>
+              <a:ext cx="627220" cy="189750"/>
+            </a:xfrm>
+            <a:prstGeom prst="rightArrow">
+              <a:avLst/>
+            </a:prstGeom>
+            <a:solidFill>
+              <a:srgbClr val="002060"/>
+            </a:solidFill>
+            <a:ln>
+              <a:solidFill>
+                <a:srgbClr val="002060"/>
+              </a:solidFill>
+            </a:ln>
+          </p:spPr>
+          <p:style>
+            <a:lnRef idx="2">
+              <a:schemeClr val="accent1">
+                <a:shade val="50000"/>
+              </a:schemeClr>
+            </a:lnRef>
+            <a:fillRef idx="1">
+              <a:schemeClr val="accent1"/>
+            </a:fillRef>
+            <a:effectRef idx="0">
+              <a:schemeClr val="accent1"/>
+            </a:effectRef>
+            <a:fontRef idx="minor">
+              <a:schemeClr val="lt1"/>
+            </a:fontRef>
+          </p:style>
+          <p:txBody>
+            <a:bodyPr rtlCol="0" anchor="ctr"/>
+            <a:lstStyle/>
+            <a:p>
+              <a:pPr algn="ctr"/>
+              <a:endParaRPr lang="zh-CN" altLang="en-US"/>
+            </a:p>
+          </p:txBody>
+        </p:sp>
+        <p:sp>
+          <p:nvSpPr>
+            <p:cNvPr id="51" name="箭头: 右 50">
+              <a:extLst>
+                <a:ext uri="{FF2B5EF4-FFF2-40B4-BE49-F238E27FC236}">
+                  <a16:creationId xmlns:a16="http://schemas.microsoft.com/office/drawing/2014/main" id="{686F7B3E-45F3-4768-91BA-C18085BB1D81}"/>
+                </a:ext>
+              </a:extLst>
+            </p:cNvPr>
+            <p:cNvSpPr/>
+            <p:nvPr/>
+          </p:nvSpPr>
+          <p:spPr>
+            <a:xfrm>
+              <a:off x="7418101" y="1931433"/>
+              <a:ext cx="627220" cy="189750"/>
+            </a:xfrm>
+            <a:prstGeom prst="rightArrow">
+              <a:avLst/>
+            </a:prstGeom>
+            <a:solidFill>
+              <a:srgbClr val="002060"/>
+            </a:solidFill>
+            <a:ln>
+              <a:solidFill>
+                <a:srgbClr val="002060"/>
+              </a:solidFill>
+            </a:ln>
+          </p:spPr>
+          <p:style>
+            <a:lnRef idx="2">
+              <a:schemeClr val="accent1">
+                <a:shade val="50000"/>
+              </a:schemeClr>
+            </a:lnRef>
+            <a:fillRef idx="1">
+              <a:schemeClr val="accent1"/>
+            </a:fillRef>
+            <a:effectRef idx="0">
+              <a:schemeClr val="accent1"/>
+            </a:effectRef>
+            <a:fontRef idx="minor">
+              <a:schemeClr val="lt1"/>
+            </a:fontRef>
+          </p:style>
+          <p:txBody>
+            <a:bodyPr rtlCol="0" anchor="ctr"/>
+            <a:lstStyle/>
+            <a:p>
+              <a:pPr algn="ctr"/>
+              <a:endParaRPr lang="zh-CN" altLang="en-US"/>
+            </a:p>
+          </p:txBody>
+        </p:sp>
+        <p:sp>
+          <p:nvSpPr>
+            <p:cNvPr id="52" name="箭头: 右 51">
+              <a:extLst>
+                <a:ext uri="{FF2B5EF4-FFF2-40B4-BE49-F238E27FC236}">
+                  <a16:creationId xmlns:a16="http://schemas.microsoft.com/office/drawing/2014/main" id="{A3F162FB-B677-4C5C-AD65-827B52E72572}"/>
+                </a:ext>
+              </a:extLst>
+            </p:cNvPr>
+            <p:cNvSpPr/>
+            <p:nvPr/>
+          </p:nvSpPr>
+          <p:spPr>
+            <a:xfrm>
+              <a:off x="7422912" y="2262761"/>
+              <a:ext cx="627220" cy="189750"/>
+            </a:xfrm>
+            <a:prstGeom prst="rightArrow">
+              <a:avLst/>
+            </a:prstGeom>
+            <a:solidFill>
+              <a:srgbClr val="002060"/>
+            </a:solidFill>
+            <a:ln>
+              <a:solidFill>
+                <a:srgbClr val="002060"/>
+              </a:solidFill>
+            </a:ln>
+          </p:spPr>
+          <p:style>
+            <a:lnRef idx="2">
+              <a:schemeClr val="accent1">
+                <a:shade val="50000"/>
+              </a:schemeClr>
+            </a:lnRef>
+            <a:fillRef idx="1">
+              <a:schemeClr val="accent1"/>
+            </a:fillRef>
+            <a:effectRef idx="0">
+              <a:schemeClr val="accent1"/>
+            </a:effectRef>
+            <a:fontRef idx="minor">
+              <a:schemeClr val="lt1"/>
+            </a:fontRef>
+          </p:style>
+          <p:txBody>
+            <a:bodyPr rtlCol="0" anchor="ctr"/>
+            <a:lstStyle/>
+            <a:p>
+              <a:pPr algn="ctr"/>
+              <a:endParaRPr lang="zh-CN" altLang="en-US"/>
+            </a:p>
+          </p:txBody>
+        </p:sp>
+        <p:sp>
+          <p:nvSpPr>
+            <p:cNvPr id="53" name="文本框 52">
+              <a:extLst>
+                <a:ext uri="{FF2B5EF4-FFF2-40B4-BE49-F238E27FC236}">
+                  <a16:creationId xmlns:a16="http://schemas.microsoft.com/office/drawing/2014/main" id="{A48D86C4-B1FE-41BF-B218-B7D6B832195D}"/>
+                </a:ext>
+              </a:extLst>
+            </p:cNvPr>
+            <p:cNvSpPr txBox="1"/>
+            <p:nvPr/>
+          </p:nvSpPr>
+          <p:spPr>
+            <a:xfrm>
+              <a:off x="2655209" y="3165375"/>
+              <a:ext cx="995785" cy="261610"/>
+            </a:xfrm>
+            <a:prstGeom prst="rect">
+              <a:avLst/>
+            </a:prstGeom>
+            <a:noFill/>
+          </p:spPr>
+          <p:txBody>
+            <a:bodyPr wrap="none" rtlCol="0">
+              <a:spAutoFit/>
+            </a:bodyPr>
+            <a:lstStyle/>
+            <a:p>
+              <a:r>
+                <a:rPr lang="en-US" altLang="zh-CN" sz="1100" b="1" dirty="0"/>
+                <a:t>App Threads</a:t>
+              </a:r>
+              <a:endParaRPr lang="zh-CN" altLang="en-US" sz="1100" b="1" dirty="0"/>
+            </a:p>
+          </p:txBody>
+        </p:sp>
+        <p:sp>
+          <p:nvSpPr>
+            <p:cNvPr id="63" name="文本框 62">
+              <a:extLst>
+                <a:ext uri="{FF2B5EF4-FFF2-40B4-BE49-F238E27FC236}">
+                  <a16:creationId xmlns:a16="http://schemas.microsoft.com/office/drawing/2014/main" id="{53EF5E7F-1FCB-4668-9330-36FE0A17685D}"/>
+                </a:ext>
+              </a:extLst>
+            </p:cNvPr>
+            <p:cNvSpPr txBox="1"/>
+            <p:nvPr/>
+          </p:nvSpPr>
+          <p:spPr>
+            <a:xfrm>
+              <a:off x="5056760" y="3165375"/>
+              <a:ext cx="995785" cy="261610"/>
+            </a:xfrm>
+            <a:prstGeom prst="rect">
+              <a:avLst/>
+            </a:prstGeom>
+            <a:noFill/>
+          </p:spPr>
+          <p:txBody>
+            <a:bodyPr wrap="none" rtlCol="0">
+              <a:spAutoFit/>
+            </a:bodyPr>
+            <a:lstStyle/>
+            <a:p>
+              <a:r>
+                <a:rPr lang="en-US" altLang="zh-CN" sz="1100" b="1" dirty="0"/>
+                <a:t>App Threads</a:t>
+              </a:r>
+              <a:endParaRPr lang="zh-CN" altLang="en-US" sz="1100" b="1" dirty="0"/>
+            </a:p>
+          </p:txBody>
+        </p:sp>
+        <p:sp>
+          <p:nvSpPr>
+            <p:cNvPr id="64" name="文本框 63">
+              <a:extLst>
+                <a:ext uri="{FF2B5EF4-FFF2-40B4-BE49-F238E27FC236}">
+                  <a16:creationId xmlns:a16="http://schemas.microsoft.com/office/drawing/2014/main" id="{0CFAC27C-E482-4081-9A11-4B936F6E1C02}"/>
+                </a:ext>
+              </a:extLst>
+            </p:cNvPr>
+            <p:cNvSpPr txBox="1"/>
+            <p:nvPr/>
+          </p:nvSpPr>
+          <p:spPr>
+            <a:xfrm>
+              <a:off x="7772741" y="3165375"/>
+              <a:ext cx="995785" cy="261610"/>
+            </a:xfrm>
+            <a:prstGeom prst="rect">
+              <a:avLst/>
+            </a:prstGeom>
+            <a:noFill/>
+          </p:spPr>
+          <p:txBody>
+            <a:bodyPr wrap="none" rtlCol="0">
+              <a:spAutoFit/>
+            </a:bodyPr>
+            <a:lstStyle/>
+            <a:p>
+              <a:r>
+                <a:rPr lang="en-US" altLang="zh-CN" sz="1100" b="1" dirty="0"/>
+                <a:t>App Threads</a:t>
+              </a:r>
+              <a:endParaRPr lang="zh-CN" altLang="en-US" sz="1100" b="1" dirty="0"/>
+            </a:p>
+          </p:txBody>
+        </p:sp>
+      </p:grpSp>
+    </p:spTree>
+    <p:extLst>
+      <p:ext uri="{BB962C8B-B14F-4D97-AF65-F5344CB8AC3E}">
+        <p14:creationId xmlns:p14="http://schemas.microsoft.com/office/powerpoint/2010/main" val="360347470"/>
+      </p:ext>
+    </p:extLst>
+  </p:cSld>
+  <p:clrMapOvr>
+    <a:masterClrMapping/>
+  </p:clrMapOvr>
+</p:sld>
+</file>
+
+<file path=ppt/slides/slide21.xml><?xml version="1.0" encoding="utf-8"?>
+<p:sld xmlns:a="http://schemas.openxmlformats.org/drawingml/2006/main" xmlns:r="http://schemas.openxmlformats.org/officeDocument/2006/relationships" xmlns:p="http://schemas.openxmlformats.org/presentationml/2006/main">
+  <p:cSld>
+    <p:spTree>
+      <p:nvGrpSpPr>
+        <p:cNvPr id="1" name=""/>
+        <p:cNvGrpSpPr/>
+        <p:nvPr/>
+      </p:nvGrpSpPr>
+      <p:grpSpPr>
+        <a:xfrm>
+          <a:off x="0" y="0"/>
+          <a:ext cx="0" cy="0"/>
+          <a:chOff x="0" y="0"/>
+          <a:chExt cx="0" cy="0"/>
+        </a:xfrm>
+      </p:grpSpPr>
+      <p:sp>
+        <p:nvSpPr>
+          <p:cNvPr id="4" name="文本框 3">
+            <a:extLst>
+              <a:ext uri="{FF2B5EF4-FFF2-40B4-BE49-F238E27FC236}">
+                <a16:creationId xmlns:a16="http://schemas.microsoft.com/office/drawing/2014/main" id="{2341CA69-234E-4AF6-8643-B3D1CD565294}"/>
+              </a:ext>
+            </a:extLst>
+          </p:cNvPr>
+          <p:cNvSpPr txBox="1"/>
+          <p:nvPr/>
+        </p:nvSpPr>
+        <p:spPr>
+          <a:xfrm>
+            <a:off x="0" y="0"/>
+            <a:ext cx="12192000" cy="369332"/>
+          </a:xfrm>
+          <a:prstGeom prst="rect">
+            <a:avLst/>
+          </a:prstGeom>
+          <a:solidFill>
+            <a:srgbClr val="002060"/>
+          </a:solidFill>
+        </p:spPr>
+        <p:txBody>
+          <a:bodyPr wrap="square" rtlCol="0">
+            <a:spAutoFit/>
+          </a:bodyPr>
+          <a:lstStyle>
+            <a:defPPr>
+              <a:defRPr lang="zh-CN"/>
+            </a:defPPr>
+            <a:lvl1pPr>
+              <a:defRPr b="1">
+                <a:solidFill>
+                  <a:schemeClr val="bg1"/>
+                </a:solidFill>
+              </a:defRPr>
+            </a:lvl1pPr>
+          </a:lstStyle>
+          <a:p>
+            <a:r>
+              <a:rPr lang="en-US" altLang="zh-CN" dirty="0"/>
+              <a:t>GC-G1 : Garbage First</a:t>
+            </a:r>
+            <a:endParaRPr lang="zh-CN" altLang="en-US" dirty="0"/>
+          </a:p>
+        </p:txBody>
+      </p:sp>
+      <p:sp>
+        <p:nvSpPr>
+          <p:cNvPr id="45" name="矩形 44">
+            <a:extLst>
+              <a:ext uri="{FF2B5EF4-FFF2-40B4-BE49-F238E27FC236}">
+                <a16:creationId xmlns:a16="http://schemas.microsoft.com/office/drawing/2014/main" id="{85E11031-2FA0-43A7-903B-146A4507338A}"/>
+              </a:ext>
+            </a:extLst>
+          </p:cNvPr>
+          <p:cNvSpPr/>
+          <p:nvPr/>
+        </p:nvSpPr>
+        <p:spPr>
+          <a:xfrm>
+            <a:off x="106613" y="507059"/>
+            <a:ext cx="11135711" cy="369332"/>
+          </a:xfrm>
+          <a:prstGeom prst="rect">
+            <a:avLst/>
+          </a:prstGeom>
+        </p:spPr>
+        <p:txBody>
+          <a:bodyPr wrap="square">
+            <a:spAutoFit/>
+          </a:bodyPr>
+          <a:lstStyle/>
+          <a:p>
+            <a:r>
+              <a:rPr lang="zh-CN" altLang="en-US" b="1" dirty="0">
+                <a:solidFill>
+                  <a:srgbClr val="000000"/>
+                </a:solidFill>
+                <a:latin typeface="微软雅黑" panose="020B0503020204020204" pitchFamily="34" charset="-122"/>
+                <a:ea typeface="微软雅黑" panose="020B0503020204020204" pitchFamily="34" charset="-122"/>
+              </a:rPr>
+              <a:t> </a:t>
+            </a:r>
+            <a:r>
+              <a:rPr lang="en-US" altLang="zh-CN" b="1" dirty="0">
+                <a:solidFill>
+                  <a:srgbClr val="000000"/>
+                </a:solidFill>
+                <a:latin typeface="微软雅黑" panose="020B0503020204020204" pitchFamily="34" charset="-122"/>
+                <a:ea typeface="微软雅黑" panose="020B0503020204020204" pitchFamily="34" charset="-122"/>
+              </a:rPr>
+              <a:t>1. G1 : Garbage First GC</a:t>
+            </a:r>
+            <a:r>
+              <a:rPr lang="zh-CN" altLang="en-US" b="1" dirty="0">
+                <a:solidFill>
+                  <a:srgbClr val="000000"/>
+                </a:solidFill>
+                <a:latin typeface="微软雅黑" panose="020B0503020204020204" pitchFamily="34" charset="-122"/>
+                <a:ea typeface="微软雅黑" panose="020B0503020204020204" pitchFamily="34" charset="-122"/>
+              </a:rPr>
+              <a:t>：</a:t>
+            </a:r>
+            <a:endParaRPr lang="en-US" altLang="zh-CN" b="1" dirty="0">
+              <a:solidFill>
+                <a:srgbClr val="000000"/>
+              </a:solidFill>
+              <a:latin typeface="微软雅黑" panose="020B0503020204020204" pitchFamily="34" charset="-122"/>
+              <a:ea typeface="微软雅黑" panose="020B0503020204020204" pitchFamily="34" charset="-122"/>
+            </a:endParaRPr>
+          </a:p>
+        </p:txBody>
+      </p:sp>
+      <p:sp>
+        <p:nvSpPr>
+          <p:cNvPr id="6" name="矩形 5">
+            <a:extLst>
+              <a:ext uri="{FF2B5EF4-FFF2-40B4-BE49-F238E27FC236}">
+                <a16:creationId xmlns:a16="http://schemas.microsoft.com/office/drawing/2014/main" id="{E90FC744-C637-45DD-BDCD-9021C73086BD}"/>
+              </a:ext>
+            </a:extLst>
+          </p:cNvPr>
+          <p:cNvSpPr/>
+          <p:nvPr/>
+        </p:nvSpPr>
+        <p:spPr>
+          <a:xfrm>
+            <a:off x="194486" y="1014118"/>
+            <a:ext cx="11803028" cy="2308324"/>
+          </a:xfrm>
+          <a:prstGeom prst="rect">
+            <a:avLst/>
+          </a:prstGeom>
+        </p:spPr>
+        <p:txBody>
+          <a:bodyPr wrap="square" anchor="ctr">
+            <a:spAutoFit/>
+          </a:bodyPr>
+          <a:lstStyle/>
+          <a:p>
+            <a:pPr marL="285750" indent="-285750">
+              <a:buFont typeface="Wingdings" panose="05000000000000000000" pitchFamily="2" charset="2"/>
+              <a:buChar char="n"/>
+            </a:pPr>
+            <a:r>
+              <a:rPr lang="zh-CN" altLang="en-US" sz="1600" b="1" dirty="0">
+                <a:solidFill>
+                  <a:srgbClr val="000000"/>
+                </a:solidFill>
+                <a:latin typeface="微软雅黑" panose="020B0503020204020204" pitchFamily="34" charset="-122"/>
+                <a:ea typeface="微软雅黑" panose="020B0503020204020204" pitchFamily="34" charset="-122"/>
+              </a:rPr>
+              <a:t>充分利用多</a:t>
+            </a:r>
+            <a:r>
+              <a:rPr lang="en-US" altLang="zh-CN" sz="1600" b="1" dirty="0">
+                <a:solidFill>
+                  <a:srgbClr val="000000"/>
+                </a:solidFill>
+                <a:latin typeface="微软雅黑" panose="020B0503020204020204" pitchFamily="34" charset="-122"/>
+                <a:ea typeface="微软雅黑" panose="020B0503020204020204" pitchFamily="34" charset="-122"/>
+              </a:rPr>
+              <a:t>CPU</a:t>
+            </a:r>
+            <a:r>
+              <a:rPr lang="zh-CN" altLang="en-US" sz="1600" b="1" dirty="0">
+                <a:solidFill>
+                  <a:srgbClr val="000000"/>
+                </a:solidFill>
+                <a:latin typeface="微软雅黑" panose="020B0503020204020204" pitchFamily="34" charset="-122"/>
+                <a:ea typeface="微软雅黑" panose="020B0503020204020204" pitchFamily="34" charset="-122"/>
+              </a:rPr>
+              <a:t>，多核环境硬件有事，尽量缩短</a:t>
+            </a:r>
+            <a:r>
+              <a:rPr lang="en-US" altLang="zh-CN" sz="1600" b="1" dirty="0">
+                <a:solidFill>
+                  <a:srgbClr val="000000"/>
+                </a:solidFill>
+                <a:latin typeface="微软雅黑" panose="020B0503020204020204" pitchFamily="34" charset="-122"/>
+                <a:ea typeface="微软雅黑" panose="020B0503020204020204" pitchFamily="34" charset="-122"/>
+              </a:rPr>
+              <a:t>STW</a:t>
+            </a:r>
+          </a:p>
+          <a:p>
+            <a:pPr marL="285750" indent="-285750">
+              <a:buFont typeface="Wingdings" panose="05000000000000000000" pitchFamily="2" charset="2"/>
+              <a:buChar char="n"/>
+            </a:pPr>
+            <a:r>
+              <a:rPr lang="en-US" altLang="zh-CN" sz="1600" b="1" dirty="0">
+                <a:solidFill>
+                  <a:srgbClr val="000000"/>
+                </a:solidFill>
+                <a:latin typeface="微软雅黑" panose="020B0503020204020204" pitchFamily="34" charset="-122"/>
+                <a:ea typeface="微软雅黑" panose="020B0503020204020204" pitchFamily="34" charset="-122"/>
+              </a:rPr>
+              <a:t>G1</a:t>
+            </a:r>
+            <a:r>
+              <a:rPr lang="zh-CN" altLang="en-US" sz="1600" b="1" dirty="0">
+                <a:solidFill>
+                  <a:srgbClr val="000000"/>
+                </a:solidFill>
+                <a:latin typeface="微软雅黑" panose="020B0503020204020204" pitchFamily="34" charset="-122"/>
+                <a:ea typeface="微软雅黑" panose="020B0503020204020204" pitchFamily="34" charset="-122"/>
+              </a:rPr>
+              <a:t>整体上采用标记</a:t>
+            </a:r>
+            <a:r>
+              <a:rPr lang="en-US" altLang="zh-CN" sz="1600" b="1" dirty="0">
+                <a:solidFill>
+                  <a:srgbClr val="000000"/>
+                </a:solidFill>
+                <a:latin typeface="微软雅黑" panose="020B0503020204020204" pitchFamily="34" charset="-122"/>
+                <a:ea typeface="微软雅黑" panose="020B0503020204020204" pitchFamily="34" charset="-122"/>
+              </a:rPr>
+              <a:t>-</a:t>
+            </a:r>
+            <a:r>
+              <a:rPr lang="zh-CN" altLang="en-US" sz="1600" b="1" dirty="0">
+                <a:solidFill>
+                  <a:srgbClr val="000000"/>
+                </a:solidFill>
+                <a:latin typeface="微软雅黑" panose="020B0503020204020204" pitchFamily="34" charset="-122"/>
+                <a:ea typeface="微软雅黑" panose="020B0503020204020204" pitchFamily="34" charset="-122"/>
+              </a:rPr>
+              <a:t>整理算法（</a:t>
+            </a:r>
+            <a:r>
+              <a:rPr lang="en-US" altLang="zh-CN" sz="1600" b="1" dirty="0">
+                <a:solidFill>
+                  <a:srgbClr val="000000"/>
+                </a:solidFill>
+                <a:latin typeface="微软雅黑" panose="020B0503020204020204" pitchFamily="34" charset="-122"/>
+                <a:ea typeface="微软雅黑" panose="020B0503020204020204" pitchFamily="34" charset="-122"/>
+              </a:rPr>
+              <a:t>Mark-Sweep</a:t>
+            </a:r>
+            <a:r>
+              <a:rPr lang="zh-CN" altLang="en-US" sz="1600" b="1" dirty="0">
+                <a:solidFill>
+                  <a:srgbClr val="000000"/>
+                </a:solidFill>
+                <a:latin typeface="微软雅黑" panose="020B0503020204020204" pitchFamily="34" charset="-122"/>
+                <a:ea typeface="微软雅黑" panose="020B0503020204020204" pitchFamily="34" charset="-122"/>
+              </a:rPr>
+              <a:t>），局部通过复制算法，</a:t>
+            </a:r>
+            <a:r>
+              <a:rPr lang="zh-CN" altLang="en-US" sz="1600" b="1" dirty="0">
+                <a:solidFill>
+                  <a:srgbClr val="DD1652"/>
+                </a:solidFill>
+                <a:latin typeface="微软雅黑" panose="020B0503020204020204" pitchFamily="34" charset="-122"/>
+                <a:ea typeface="微软雅黑" panose="020B0503020204020204" pitchFamily="34" charset="-122"/>
+              </a:rPr>
+              <a:t>不会产生内存碎片</a:t>
+            </a:r>
+            <a:endParaRPr lang="zh-CN" altLang="en-US" sz="1600" b="1" dirty="0">
+              <a:solidFill>
+                <a:srgbClr val="000000"/>
+              </a:solidFill>
+              <a:latin typeface="微软雅黑" panose="020B0503020204020204" pitchFamily="34" charset="-122"/>
+              <a:ea typeface="微软雅黑" panose="020B0503020204020204" pitchFamily="34" charset="-122"/>
+            </a:endParaRPr>
+          </a:p>
+          <a:p>
+            <a:pPr marL="285750" indent="-285750">
+              <a:buFont typeface="Wingdings" panose="05000000000000000000" pitchFamily="2" charset="2"/>
+              <a:buChar char="n"/>
+            </a:pPr>
+            <a:r>
+              <a:rPr lang="zh-CN" altLang="en-US" sz="1600" b="1" dirty="0">
+                <a:solidFill>
+                  <a:srgbClr val="000000"/>
+                </a:solidFill>
+                <a:latin typeface="微软雅黑" panose="020B0503020204020204" pitchFamily="34" charset="-122"/>
+                <a:ea typeface="微软雅黑" panose="020B0503020204020204" pitchFamily="34" charset="-122"/>
+              </a:rPr>
+              <a:t>宏观上看</a:t>
+            </a:r>
+            <a:r>
+              <a:rPr lang="en-US" altLang="zh-CN" sz="1600" b="1" dirty="0">
+                <a:solidFill>
+                  <a:srgbClr val="000000"/>
+                </a:solidFill>
+                <a:latin typeface="微软雅黑" panose="020B0503020204020204" pitchFamily="34" charset="-122"/>
+                <a:ea typeface="微软雅黑" panose="020B0503020204020204" pitchFamily="34" charset="-122"/>
+              </a:rPr>
+              <a:t>G1</a:t>
+            </a:r>
+            <a:r>
+              <a:rPr lang="zh-CN" altLang="en-US" sz="1600" b="1" dirty="0">
+                <a:solidFill>
+                  <a:srgbClr val="000000"/>
+                </a:solidFill>
+                <a:latin typeface="微软雅黑" panose="020B0503020204020204" pitchFamily="34" charset="-122"/>
+                <a:ea typeface="微软雅黑" panose="020B0503020204020204" pitchFamily="34" charset="-122"/>
+              </a:rPr>
+              <a:t>的堆内存中</a:t>
+            </a:r>
+            <a:r>
+              <a:rPr lang="zh-CN" altLang="en-US" sz="1600" b="1" dirty="0">
+                <a:solidFill>
+                  <a:srgbClr val="DD1652"/>
+                </a:solidFill>
+                <a:latin typeface="微软雅黑" panose="020B0503020204020204" pitchFamily="34" charset="-122"/>
+                <a:ea typeface="微软雅黑" panose="020B0503020204020204" pitchFamily="34" charset="-122"/>
+              </a:rPr>
+              <a:t>不再区分年轻代和老年代，而是把内存划分多个独立的区域</a:t>
+            </a:r>
+            <a:r>
+              <a:rPr lang="zh-CN" altLang="en-US" sz="1600" b="1" dirty="0">
+                <a:solidFill>
+                  <a:srgbClr val="000000"/>
+                </a:solidFill>
+                <a:latin typeface="微软雅黑" panose="020B0503020204020204" pitchFamily="34" charset="-122"/>
+                <a:ea typeface="微软雅黑" panose="020B0503020204020204" pitchFamily="34" charset="-122"/>
+              </a:rPr>
+              <a:t>（</a:t>
+            </a:r>
+            <a:r>
+              <a:rPr lang="en-US" altLang="zh-CN" sz="1600" b="1" dirty="0">
+                <a:solidFill>
+                  <a:srgbClr val="000000"/>
+                </a:solidFill>
+                <a:latin typeface="微软雅黑" panose="020B0503020204020204" pitchFamily="34" charset="-122"/>
+                <a:ea typeface="微软雅黑" panose="020B0503020204020204" pitchFamily="34" charset="-122"/>
+              </a:rPr>
+              <a:t>Region</a:t>
+            </a:r>
+            <a:r>
+              <a:rPr lang="zh-CN" altLang="en-US" sz="1600" b="1" dirty="0">
+                <a:solidFill>
+                  <a:srgbClr val="000000"/>
+                </a:solidFill>
+                <a:latin typeface="微软雅黑" panose="020B0503020204020204" pitchFamily="34" charset="-122"/>
+                <a:ea typeface="微软雅黑" panose="020B0503020204020204" pitchFamily="34" charset="-122"/>
+              </a:rPr>
+              <a:t>，大小在</a:t>
+            </a:r>
+            <a:r>
+              <a:rPr lang="en-US" altLang="zh-CN" sz="1600" b="1" dirty="0">
+                <a:solidFill>
+                  <a:srgbClr val="000000"/>
+                </a:solidFill>
+                <a:latin typeface="微软雅黑" panose="020B0503020204020204" pitchFamily="34" charset="-122"/>
+                <a:ea typeface="微软雅黑" panose="020B0503020204020204" pitchFamily="34" charset="-122"/>
+              </a:rPr>
+              <a:t>1-32M</a:t>
+            </a:r>
+            <a:r>
+              <a:rPr lang="zh-CN" altLang="en-US" sz="1600" b="1" dirty="0">
+                <a:solidFill>
+                  <a:srgbClr val="000000"/>
+                </a:solidFill>
+                <a:latin typeface="微软雅黑" panose="020B0503020204020204" pitchFamily="34" charset="-122"/>
+                <a:ea typeface="微软雅黑" panose="020B0503020204020204" pitchFamily="34" charset="-122"/>
+              </a:rPr>
+              <a:t>之间，最多支持划分</a:t>
+            </a:r>
+            <a:r>
+              <a:rPr lang="en-US" altLang="zh-CN" sz="1600" b="1" dirty="0">
+                <a:solidFill>
+                  <a:srgbClr val="000000"/>
+                </a:solidFill>
+                <a:latin typeface="微软雅黑" panose="020B0503020204020204" pitchFamily="34" charset="-122"/>
+                <a:ea typeface="微软雅黑" panose="020B0503020204020204" pitchFamily="34" charset="-122"/>
+              </a:rPr>
+              <a:t>2048</a:t>
+            </a:r>
+            <a:r>
+              <a:rPr lang="zh-CN" altLang="en-US" sz="1600" b="1" dirty="0">
+                <a:solidFill>
+                  <a:srgbClr val="000000"/>
+                </a:solidFill>
+                <a:latin typeface="微软雅黑" panose="020B0503020204020204" pitchFamily="34" charset="-122"/>
+                <a:ea typeface="微软雅黑" panose="020B0503020204020204" pitchFamily="34" charset="-122"/>
+              </a:rPr>
+              <a:t>个）</a:t>
+            </a:r>
+          </a:p>
+          <a:p>
+            <a:pPr marL="285750" indent="-285750">
+              <a:buFont typeface="Wingdings" panose="05000000000000000000" pitchFamily="2" charset="2"/>
+              <a:buChar char="n"/>
+            </a:pPr>
+            <a:r>
+              <a:rPr lang="en-US" altLang="zh-CN" sz="1600" b="1" dirty="0">
+                <a:solidFill>
+                  <a:srgbClr val="000000"/>
+                </a:solidFill>
+                <a:latin typeface="微软雅黑" panose="020B0503020204020204" pitchFamily="34" charset="-122"/>
+                <a:ea typeface="微软雅黑" panose="020B0503020204020204" pitchFamily="34" charset="-122"/>
+              </a:rPr>
+              <a:t>G1</a:t>
+            </a:r>
+            <a:r>
+              <a:rPr lang="zh-CN" altLang="en-US" sz="1600" b="1" dirty="0">
+                <a:solidFill>
+                  <a:srgbClr val="000000"/>
+                </a:solidFill>
+                <a:latin typeface="微软雅黑" panose="020B0503020204020204" pitchFamily="34" charset="-122"/>
+                <a:ea typeface="微软雅黑" panose="020B0503020204020204" pitchFamily="34" charset="-122"/>
+              </a:rPr>
+              <a:t>收集器里内存混合在一起，但器本身依然在小范围内进行年轻代和老年代区分（保留了年轻代和老年代概念）。但年轻代和老年代不再是物理隔离的，而是一部分</a:t>
+            </a:r>
+            <a:r>
+              <a:rPr lang="en-US" altLang="zh-CN" sz="1600" b="1" dirty="0">
+                <a:solidFill>
+                  <a:srgbClr val="000000"/>
+                </a:solidFill>
+                <a:latin typeface="微软雅黑" panose="020B0503020204020204" pitchFamily="34" charset="-122"/>
+                <a:ea typeface="微软雅黑" panose="020B0503020204020204" pitchFamily="34" charset="-122"/>
+              </a:rPr>
+              <a:t>Region</a:t>
+            </a:r>
+            <a:r>
+              <a:rPr lang="zh-CN" altLang="en-US" sz="1600" b="1" dirty="0">
+                <a:solidFill>
+                  <a:srgbClr val="000000"/>
+                </a:solidFill>
+                <a:latin typeface="微软雅黑" panose="020B0503020204020204" pitchFamily="34" charset="-122"/>
+                <a:ea typeface="微软雅黑" panose="020B0503020204020204" pitchFamily="34" charset="-122"/>
+              </a:rPr>
+              <a:t>的结合，且不需要</a:t>
+            </a:r>
+            <a:r>
+              <a:rPr lang="en-US" altLang="zh-CN" sz="1600" b="1" dirty="0">
+                <a:solidFill>
+                  <a:srgbClr val="000000"/>
+                </a:solidFill>
+                <a:latin typeface="微软雅黑" panose="020B0503020204020204" pitchFamily="34" charset="-122"/>
+                <a:ea typeface="微软雅黑" panose="020B0503020204020204" pitchFamily="34" charset="-122"/>
+              </a:rPr>
+              <a:t>Region</a:t>
+            </a:r>
+            <a:r>
+              <a:rPr lang="zh-CN" altLang="en-US" sz="1600" b="1" dirty="0">
+                <a:solidFill>
+                  <a:srgbClr val="000000"/>
+                </a:solidFill>
+                <a:latin typeface="微软雅黑" panose="020B0503020204020204" pitchFamily="34" charset="-122"/>
+                <a:ea typeface="微软雅黑" panose="020B0503020204020204" pitchFamily="34" charset="-122"/>
+              </a:rPr>
+              <a:t>是连续的。（在以往堆中年轻代和老年代是物理隔离的，且每个区域都是连续的内存区域）</a:t>
+            </a:r>
+          </a:p>
+          <a:p>
+            <a:pPr marL="285750" indent="-285750">
+              <a:buFont typeface="Wingdings" panose="05000000000000000000" pitchFamily="2" charset="2"/>
+              <a:buChar char="n"/>
+            </a:pPr>
+            <a:r>
+              <a:rPr lang="en-US" altLang="zh-CN" sz="1600" b="1" dirty="0">
+                <a:solidFill>
+                  <a:srgbClr val="000000"/>
+                </a:solidFill>
+                <a:latin typeface="微软雅黑" panose="020B0503020204020204" pitchFamily="34" charset="-122"/>
+                <a:ea typeface="微软雅黑" panose="020B0503020204020204" pitchFamily="34" charset="-122"/>
+              </a:rPr>
+              <a:t>G1</a:t>
+            </a:r>
+            <a:r>
+              <a:rPr lang="zh-CN" altLang="en-US" sz="1600" b="1" dirty="0">
+                <a:solidFill>
+                  <a:srgbClr val="000000"/>
+                </a:solidFill>
+                <a:latin typeface="微软雅黑" panose="020B0503020204020204" pitchFamily="34" charset="-122"/>
+                <a:ea typeface="微软雅黑" panose="020B0503020204020204" pitchFamily="34" charset="-122"/>
+              </a:rPr>
+              <a:t>虽然也是分带收集器，但是整个内存分区不存在物理上的年轻代和老年代区别，也不需要完全独立的</a:t>
+            </a:r>
+            <a:r>
+              <a:rPr lang="en-US" altLang="zh-CN" sz="1600" b="1" dirty="0">
+                <a:solidFill>
+                  <a:srgbClr val="000000"/>
+                </a:solidFill>
+                <a:latin typeface="微软雅黑" panose="020B0503020204020204" pitchFamily="34" charset="-122"/>
+                <a:ea typeface="微软雅黑" panose="020B0503020204020204" pitchFamily="34" charset="-122"/>
+              </a:rPr>
+              <a:t>Survivor</a:t>
+            </a:r>
+            <a:r>
+              <a:rPr lang="zh-CN" altLang="en-US" sz="1600" b="1" dirty="0">
+                <a:solidFill>
+                  <a:srgbClr val="000000"/>
+                </a:solidFill>
+                <a:latin typeface="微软雅黑" panose="020B0503020204020204" pitchFamily="34" charset="-122"/>
+                <a:ea typeface="微软雅黑" panose="020B0503020204020204" pitchFamily="34" charset="-122"/>
+              </a:rPr>
+              <a:t>堆区</a:t>
+            </a:r>
+            <a:r>
+              <a:rPr lang="en-US" altLang="zh-CN" sz="1600" b="1" dirty="0">
+                <a:solidFill>
+                  <a:srgbClr val="000000"/>
+                </a:solidFill>
+                <a:latin typeface="微软雅黑" panose="020B0503020204020204" pitchFamily="34" charset="-122"/>
+                <a:ea typeface="微软雅黑" panose="020B0503020204020204" pitchFamily="34" charset="-122"/>
+              </a:rPr>
+              <a:t>(Form / To )</a:t>
+            </a:r>
+            <a:r>
+              <a:rPr lang="zh-CN" altLang="en-US" sz="1600" b="1" dirty="0">
+                <a:solidFill>
+                  <a:srgbClr val="000000"/>
+                </a:solidFill>
+                <a:latin typeface="微软雅黑" panose="020B0503020204020204" pitchFamily="34" charset="-122"/>
+                <a:ea typeface="微软雅黑" panose="020B0503020204020204" pitchFamily="34" charset="-122"/>
+              </a:rPr>
+              <a:t>来做复制准备。</a:t>
+            </a:r>
+            <a:r>
+              <a:rPr lang="en-US" altLang="zh-CN" sz="1600" b="1" dirty="0">
+                <a:solidFill>
+                  <a:srgbClr val="000000"/>
+                </a:solidFill>
+                <a:latin typeface="微软雅黑" panose="020B0503020204020204" pitchFamily="34" charset="-122"/>
+                <a:ea typeface="微软雅黑" panose="020B0503020204020204" pitchFamily="34" charset="-122"/>
+              </a:rPr>
+              <a:t>G1</a:t>
+            </a:r>
+            <a:r>
+              <a:rPr lang="zh-CN" altLang="en-US" sz="1600" b="1" dirty="0">
+                <a:solidFill>
+                  <a:srgbClr val="000000"/>
+                </a:solidFill>
+                <a:latin typeface="微软雅黑" panose="020B0503020204020204" pitchFamily="34" charset="-122"/>
+                <a:ea typeface="微软雅黑" panose="020B0503020204020204" pitchFamily="34" charset="-122"/>
+              </a:rPr>
+              <a:t>只有逻辑上的分带概念，或者说每一个分区都可以随</a:t>
+            </a:r>
+            <a:r>
+              <a:rPr lang="en-US" altLang="zh-CN" sz="1600" b="1" dirty="0">
+                <a:solidFill>
+                  <a:srgbClr val="000000"/>
+                </a:solidFill>
+                <a:latin typeface="微软雅黑" panose="020B0503020204020204" pitchFamily="34" charset="-122"/>
+                <a:ea typeface="微软雅黑" panose="020B0503020204020204" pitchFamily="34" charset="-122"/>
+              </a:rPr>
+              <a:t>G1</a:t>
+            </a:r>
+            <a:r>
+              <a:rPr lang="zh-CN" altLang="en-US" sz="1600" b="1" dirty="0">
+                <a:solidFill>
+                  <a:srgbClr val="000000"/>
+                </a:solidFill>
+                <a:latin typeface="微软雅黑" panose="020B0503020204020204" pitchFamily="34" charset="-122"/>
+                <a:ea typeface="微软雅黑" panose="020B0503020204020204" pitchFamily="34" charset="-122"/>
+              </a:rPr>
+              <a:t>的运行在不同代之间切换。</a:t>
+            </a:r>
+            <a:endParaRPr lang="zh-CN" altLang="en-US" sz="1600" dirty="0"/>
+          </a:p>
+        </p:txBody>
+      </p:sp>
+      <p:grpSp>
+        <p:nvGrpSpPr>
+          <p:cNvPr id="3" name="组合 2">
+            <a:extLst>
+              <a:ext uri="{FF2B5EF4-FFF2-40B4-BE49-F238E27FC236}">
+                <a16:creationId xmlns:a16="http://schemas.microsoft.com/office/drawing/2014/main" id="{1320A9E2-A02C-4E1E-AFD5-BEEDBECF2580}"/>
+              </a:ext>
+            </a:extLst>
+          </p:cNvPr>
+          <p:cNvGrpSpPr/>
+          <p:nvPr/>
+        </p:nvGrpSpPr>
+        <p:grpSpPr>
+          <a:xfrm>
+            <a:off x="377273" y="3668648"/>
+            <a:ext cx="11437453" cy="2824287"/>
+            <a:chOff x="568872" y="3657073"/>
+            <a:chExt cx="11437453" cy="2824287"/>
+          </a:xfrm>
+        </p:grpSpPr>
+        <p:pic>
+          <p:nvPicPr>
+            <p:cNvPr id="1026" name="Picture 2">
+              <a:extLst>
+                <a:ext uri="{FF2B5EF4-FFF2-40B4-BE49-F238E27FC236}">
+                  <a16:creationId xmlns:a16="http://schemas.microsoft.com/office/drawing/2014/main" id="{FC2E3DFB-0821-4553-BDCF-0EF15540B466}"/>
+                </a:ext>
+              </a:extLst>
+            </p:cNvPr>
+            <p:cNvPicPr>
+              <a:picLocks noChangeAspect="1" noChangeArrowheads="1"/>
+            </p:cNvPicPr>
+            <p:nvPr/>
+          </p:nvPicPr>
+          <p:blipFill>
+            <a:blip r:embed="rId3">
+              <a:extLst>
+                <a:ext uri="{28A0092B-C50C-407E-A947-70E740481C1C}">
+                  <a14:useLocalDpi xmlns:a14="http://schemas.microsoft.com/office/drawing/2010/main" val="0"/>
+                </a:ext>
+              </a:extLst>
+            </a:blip>
+            <a:srcRect/>
+            <a:stretch>
+              <a:fillRect/>
+            </a:stretch>
+          </p:blipFill>
+          <p:spPr bwMode="auto">
+            <a:xfrm>
+              <a:off x="568872" y="3657073"/>
+              <a:ext cx="4071445" cy="2506732"/>
+            </a:xfrm>
+            <a:prstGeom prst="rect">
+              <a:avLst/>
+            </a:prstGeom>
+            <a:noFill/>
+            <a:extLst>
+              <a:ext uri="{909E8E84-426E-40DD-AFC4-6F175D3DCCD1}">
+                <a14:hiddenFill xmlns:a14="http://schemas.microsoft.com/office/drawing/2010/main">
+                  <a:solidFill>
+                    <a:srgbClr val="FFFFFF"/>
+                  </a:solidFill>
+                </a14:hiddenFill>
+              </a:ext>
+            </a:extLst>
+          </p:spPr>
+        </p:pic>
+        <p:pic>
+          <p:nvPicPr>
+            <p:cNvPr id="1028" name="Picture 4">
+              <a:extLst>
+                <a:ext uri="{FF2B5EF4-FFF2-40B4-BE49-F238E27FC236}">
+                  <a16:creationId xmlns:a16="http://schemas.microsoft.com/office/drawing/2014/main" id="{26D0D2C5-1709-4521-BC73-9D2030D726B2}"/>
+                </a:ext>
+              </a:extLst>
+            </p:cNvPr>
+            <p:cNvPicPr>
+              <a:picLocks noChangeAspect="1" noChangeArrowheads="1"/>
+            </p:cNvPicPr>
+            <p:nvPr/>
+          </p:nvPicPr>
+          <p:blipFill>
+            <a:blip r:embed="rId4">
+              <a:extLst>
+                <a:ext uri="{28A0092B-C50C-407E-A947-70E740481C1C}">
+                  <a14:useLocalDpi xmlns:a14="http://schemas.microsoft.com/office/drawing/2010/main" val="0"/>
+                </a:ext>
+              </a:extLst>
+            </a:blip>
+            <a:srcRect/>
+            <a:stretch>
+              <a:fillRect/>
+            </a:stretch>
+          </p:blipFill>
+          <p:spPr bwMode="auto">
+            <a:xfrm>
+              <a:off x="5344948" y="3657073"/>
+              <a:ext cx="6486525" cy="2667000"/>
+            </a:xfrm>
+            <a:prstGeom prst="rect">
+              <a:avLst/>
+            </a:prstGeom>
+            <a:noFill/>
+            <a:extLst>
+              <a:ext uri="{909E8E84-426E-40DD-AFC4-6F175D3DCCD1}">
+                <a14:hiddenFill xmlns:a14="http://schemas.microsoft.com/office/drawing/2010/main">
+                  <a:solidFill>
+                    <a:srgbClr val="FFFFFF"/>
+                  </a:solidFill>
+                </a14:hiddenFill>
+              </a:ext>
+            </a:extLst>
+          </p:spPr>
+        </p:pic>
+        <p:sp>
+          <p:nvSpPr>
+            <p:cNvPr id="5" name="箭头: 右 4">
+              <a:extLst>
+                <a:ext uri="{FF2B5EF4-FFF2-40B4-BE49-F238E27FC236}">
+                  <a16:creationId xmlns:a16="http://schemas.microsoft.com/office/drawing/2014/main" id="{AA39C5E6-0CBB-4AD8-9BE0-F2E613FDD1C7}"/>
+                </a:ext>
+              </a:extLst>
+            </p:cNvPr>
+            <p:cNvSpPr/>
+            <p:nvPr/>
+          </p:nvSpPr>
+          <p:spPr>
+            <a:xfrm>
+              <a:off x="4746194" y="4755682"/>
+              <a:ext cx="492876" cy="469782"/>
+            </a:xfrm>
+            <a:prstGeom prst="rightArrow">
+              <a:avLst/>
+            </a:prstGeom>
+            <a:solidFill>
+              <a:srgbClr val="002060"/>
+            </a:solidFill>
+            <a:ln>
+              <a:solidFill>
+                <a:srgbClr val="002060"/>
+              </a:solidFill>
+            </a:ln>
+          </p:spPr>
+          <p:style>
+            <a:lnRef idx="2">
+              <a:schemeClr val="accent1">
+                <a:shade val="50000"/>
+              </a:schemeClr>
+            </a:lnRef>
+            <a:fillRef idx="1">
+              <a:schemeClr val="accent1"/>
+            </a:fillRef>
+            <a:effectRef idx="0">
+              <a:schemeClr val="accent1"/>
+            </a:effectRef>
+            <a:fontRef idx="minor">
+              <a:schemeClr val="lt1"/>
+            </a:fontRef>
+          </p:style>
+          <p:txBody>
+            <a:bodyPr rtlCol="0" anchor="ctr"/>
+            <a:lstStyle/>
+            <a:p>
+              <a:pPr algn="ctr"/>
+              <a:endParaRPr lang="zh-CN" altLang="en-US"/>
+            </a:p>
+          </p:txBody>
+        </p:sp>
+        <p:sp>
+          <p:nvSpPr>
+            <p:cNvPr id="2" name="文本框 1">
+              <a:extLst>
+                <a:ext uri="{FF2B5EF4-FFF2-40B4-BE49-F238E27FC236}">
+                  <a16:creationId xmlns:a16="http://schemas.microsoft.com/office/drawing/2014/main" id="{704172A1-50FC-41AD-AA2D-0E319A368F8C}"/>
+                </a:ext>
+              </a:extLst>
+            </p:cNvPr>
+            <p:cNvSpPr txBox="1"/>
+            <p:nvPr/>
+          </p:nvSpPr>
+          <p:spPr>
+            <a:xfrm>
+              <a:off x="893613" y="6173583"/>
+              <a:ext cx="3960571" cy="307777"/>
+            </a:xfrm>
+            <a:prstGeom prst="rect">
+              <a:avLst/>
+            </a:prstGeom>
+            <a:noFill/>
+          </p:spPr>
+          <p:txBody>
+            <a:bodyPr wrap="none" rtlCol="0">
+              <a:spAutoFit/>
+            </a:bodyPr>
+            <a:lstStyle/>
+            <a:p>
+              <a:r>
+                <a:rPr lang="zh-CN" altLang="en-US" sz="1400" b="1" dirty="0">
+                  <a:solidFill>
+                    <a:srgbClr val="002060"/>
+                  </a:solidFill>
+                  <a:latin typeface="微软雅黑" panose="020B0503020204020204" pitchFamily="34" charset="-122"/>
+                  <a:ea typeface="微软雅黑" panose="020B0503020204020204" pitchFamily="34" charset="-122"/>
+                </a:rPr>
+                <a:t>传统</a:t>
+              </a:r>
+              <a:r>
+                <a:rPr lang="en-US" altLang="zh-CN" sz="1400" b="1" dirty="0">
+                  <a:solidFill>
+                    <a:srgbClr val="002060"/>
+                  </a:solidFill>
+                  <a:latin typeface="微软雅黑" panose="020B0503020204020204" pitchFamily="34" charset="-122"/>
+                  <a:ea typeface="微软雅黑" panose="020B0503020204020204" pitchFamily="34" charset="-122"/>
+                </a:rPr>
+                <a:t>GC</a:t>
+              </a:r>
+              <a:r>
+                <a:rPr lang="zh-CN" altLang="en-US" sz="1400" b="1" dirty="0">
+                  <a:solidFill>
+                    <a:srgbClr val="002060"/>
+                  </a:solidFill>
+                  <a:latin typeface="微软雅黑" panose="020B0503020204020204" pitchFamily="34" charset="-122"/>
+                  <a:ea typeface="微软雅黑" panose="020B0503020204020204" pitchFamily="34" charset="-122"/>
+                </a:rPr>
+                <a:t>将对堆</a:t>
+              </a:r>
+              <a:r>
+                <a:rPr lang="zh-CN" altLang="en-US" sz="1400" b="1" dirty="0">
+                  <a:solidFill>
+                    <a:srgbClr val="FF0000"/>
+                  </a:solidFill>
+                  <a:latin typeface="微软雅黑" panose="020B0503020204020204" pitchFamily="34" charset="-122"/>
+                  <a:ea typeface="微软雅黑" panose="020B0503020204020204" pitchFamily="34" charset="-122"/>
+                </a:rPr>
+                <a:t>物理划分</a:t>
+              </a:r>
+              <a:r>
+                <a:rPr lang="zh-CN" altLang="en-US" sz="1400" b="1" dirty="0">
+                  <a:solidFill>
+                    <a:srgbClr val="002060"/>
+                  </a:solidFill>
+                  <a:latin typeface="微软雅黑" panose="020B0503020204020204" pitchFamily="34" charset="-122"/>
+                  <a:ea typeface="微软雅黑" panose="020B0503020204020204" pitchFamily="34" charset="-122"/>
+                </a:rPr>
+                <a:t>为</a:t>
+              </a:r>
+              <a:r>
+                <a:rPr lang="en-US" altLang="zh-CN" sz="1400" b="1" dirty="0">
+                  <a:solidFill>
+                    <a:srgbClr val="002060"/>
+                  </a:solidFill>
+                  <a:latin typeface="微软雅黑" panose="020B0503020204020204" pitchFamily="34" charset="-122"/>
+                  <a:ea typeface="微软雅黑" panose="020B0503020204020204" pitchFamily="34" charset="-122"/>
+                </a:rPr>
+                <a:t>Yong</a:t>
+              </a:r>
+              <a:r>
+                <a:rPr lang="zh-CN" altLang="en-US" sz="1400" b="1" dirty="0">
+                  <a:solidFill>
+                    <a:srgbClr val="002060"/>
+                  </a:solidFill>
+                  <a:latin typeface="微软雅黑" panose="020B0503020204020204" pitchFamily="34" charset="-122"/>
+                  <a:ea typeface="微软雅黑" panose="020B0503020204020204" pitchFamily="34" charset="-122"/>
+                </a:rPr>
+                <a:t>区和</a:t>
+              </a:r>
+              <a:r>
+                <a:rPr lang="en-US" altLang="zh-CN" sz="1400" b="1" dirty="0">
+                  <a:solidFill>
+                    <a:srgbClr val="002060"/>
+                  </a:solidFill>
+                  <a:latin typeface="微软雅黑" panose="020B0503020204020204" pitchFamily="34" charset="-122"/>
+                  <a:ea typeface="微软雅黑" panose="020B0503020204020204" pitchFamily="34" charset="-122"/>
+                </a:rPr>
+                <a:t>Tenured</a:t>
+              </a:r>
+              <a:r>
+                <a:rPr lang="zh-CN" altLang="en-US" sz="1400" b="1" dirty="0">
+                  <a:solidFill>
+                    <a:srgbClr val="002060"/>
+                  </a:solidFill>
+                  <a:latin typeface="微软雅黑" panose="020B0503020204020204" pitchFamily="34" charset="-122"/>
+                  <a:ea typeface="微软雅黑" panose="020B0503020204020204" pitchFamily="34" charset="-122"/>
+                </a:rPr>
+                <a:t>区</a:t>
+              </a:r>
+            </a:p>
+          </p:txBody>
+        </p:sp>
+        <p:sp>
+          <p:nvSpPr>
+            <p:cNvPr id="9" name="文本框 8">
+              <a:extLst>
+                <a:ext uri="{FF2B5EF4-FFF2-40B4-BE49-F238E27FC236}">
+                  <a16:creationId xmlns:a16="http://schemas.microsoft.com/office/drawing/2014/main" id="{13511FB1-EFA5-406A-9441-3E89DF0B3B24}"/>
+                </a:ext>
+              </a:extLst>
+            </p:cNvPr>
+            <p:cNvSpPr txBox="1"/>
+            <p:nvPr/>
+          </p:nvSpPr>
+          <p:spPr>
+            <a:xfrm>
+              <a:off x="5170095" y="6163805"/>
+              <a:ext cx="6836230" cy="307777"/>
+            </a:xfrm>
+            <a:prstGeom prst="rect">
+              <a:avLst/>
+            </a:prstGeom>
+            <a:noFill/>
+          </p:spPr>
+          <p:txBody>
+            <a:bodyPr wrap="none" rtlCol="0">
+              <a:spAutoFit/>
+            </a:bodyPr>
+            <a:lstStyle/>
+            <a:p>
+              <a:r>
+                <a:rPr lang="en-US" altLang="zh-CN" sz="1400" b="1" dirty="0">
+                  <a:solidFill>
+                    <a:srgbClr val="002060"/>
+                  </a:solidFill>
+                  <a:latin typeface="微软雅黑" panose="020B0503020204020204" pitchFamily="34" charset="-122"/>
+                  <a:ea typeface="微软雅黑" panose="020B0503020204020204" pitchFamily="34" charset="-122"/>
+                </a:rPr>
+                <a:t>G1</a:t>
+              </a:r>
+              <a:r>
+                <a:rPr lang="zh-CN" altLang="en-US" sz="1400" b="1" dirty="0">
+                  <a:solidFill>
+                    <a:srgbClr val="002060"/>
+                  </a:solidFill>
+                  <a:latin typeface="微软雅黑" panose="020B0503020204020204" pitchFamily="34" charset="-122"/>
+                  <a:ea typeface="微软雅黑" panose="020B0503020204020204" pitchFamily="34" charset="-122"/>
+                </a:rPr>
+                <a:t>将堆分成多个</a:t>
+              </a:r>
+              <a:r>
+                <a:rPr lang="en-US" altLang="zh-CN" sz="1400" b="1" dirty="0">
+                  <a:solidFill>
+                    <a:srgbClr val="002060"/>
+                  </a:solidFill>
+                  <a:latin typeface="微软雅黑" panose="020B0503020204020204" pitchFamily="34" charset="-122"/>
+                  <a:ea typeface="微软雅黑" panose="020B0503020204020204" pitchFamily="34" charset="-122"/>
+                </a:rPr>
+                <a:t>Region</a:t>
+              </a:r>
+              <a:r>
+                <a:rPr lang="zh-CN" altLang="en-US" sz="1400" b="1" dirty="0">
+                  <a:solidFill>
+                    <a:srgbClr val="002060"/>
+                  </a:solidFill>
+                  <a:latin typeface="微软雅黑" panose="020B0503020204020204" pitchFamily="34" charset="-122"/>
+                  <a:ea typeface="微软雅黑" panose="020B0503020204020204" pitchFamily="34" charset="-122"/>
+                </a:rPr>
+                <a:t>，每个</a:t>
+              </a:r>
+              <a:r>
+                <a:rPr lang="en-US" altLang="zh-CN" sz="1400" b="1" dirty="0">
+                  <a:solidFill>
+                    <a:srgbClr val="002060"/>
+                  </a:solidFill>
+                  <a:latin typeface="微软雅黑" panose="020B0503020204020204" pitchFamily="34" charset="-122"/>
+                  <a:ea typeface="微软雅黑" panose="020B0503020204020204" pitchFamily="34" charset="-122"/>
+                </a:rPr>
+                <a:t>Region</a:t>
+              </a:r>
+              <a:r>
+                <a:rPr lang="zh-CN" altLang="en-US" sz="1400" b="1" dirty="0">
+                  <a:solidFill>
+                    <a:srgbClr val="FF0000"/>
+                  </a:solidFill>
+                  <a:latin typeface="微软雅黑" panose="020B0503020204020204" pitchFamily="34" charset="-122"/>
+                  <a:ea typeface="微软雅黑" panose="020B0503020204020204" pitchFamily="34" charset="-122"/>
+                </a:rPr>
+                <a:t>逻辑上</a:t>
+              </a:r>
+              <a:r>
+                <a:rPr lang="zh-CN" altLang="en-US" sz="1400" b="1" dirty="0">
+                  <a:solidFill>
+                    <a:srgbClr val="002060"/>
+                  </a:solidFill>
+                  <a:latin typeface="微软雅黑" panose="020B0503020204020204" pitchFamily="34" charset="-122"/>
+                  <a:ea typeface="微软雅黑" panose="020B0503020204020204" pitchFamily="34" charset="-122"/>
+                </a:rPr>
+                <a:t>区分</a:t>
+              </a:r>
+              <a:r>
+                <a:rPr lang="en-US" altLang="zh-CN" sz="1400" b="1" dirty="0">
+                  <a:solidFill>
+                    <a:srgbClr val="002060"/>
+                  </a:solidFill>
+                  <a:latin typeface="微软雅黑" panose="020B0503020204020204" pitchFamily="34" charset="-122"/>
+                  <a:ea typeface="微软雅黑" panose="020B0503020204020204" pitchFamily="34" charset="-122"/>
+                </a:rPr>
+                <a:t>Eden,Survivor,Old</a:t>
+              </a:r>
+              <a:r>
+                <a:rPr lang="zh-CN" altLang="en-US" sz="1400" b="1" dirty="0">
+                  <a:solidFill>
+                    <a:srgbClr val="002060"/>
+                  </a:solidFill>
+                  <a:latin typeface="微软雅黑" panose="020B0503020204020204" pitchFamily="34" charset="-122"/>
+                  <a:ea typeface="微软雅黑" panose="020B0503020204020204" pitchFamily="34" charset="-122"/>
+                </a:rPr>
+                <a:t>和超大对象区</a:t>
+              </a:r>
+            </a:p>
+          </p:txBody>
+        </p:sp>
+      </p:grpSp>
+    </p:spTree>
+    <p:extLst>
+      <p:ext uri="{BB962C8B-B14F-4D97-AF65-F5344CB8AC3E}">
+        <p14:creationId xmlns:p14="http://schemas.microsoft.com/office/powerpoint/2010/main" val="1360076151"/>
+      </p:ext>
+    </p:extLst>
+  </p:cSld>
+  <p:clrMapOvr>
+    <a:masterClrMapping/>
+  </p:clrMapOvr>
+</p:sld>
+</file>
+
+<file path=ppt/slides/slide22.xml><?xml version="1.0" encoding="utf-8"?>
+<p:sld xmlns:a="http://schemas.openxmlformats.org/drawingml/2006/main" xmlns:r="http://schemas.openxmlformats.org/officeDocument/2006/relationships" xmlns:p="http://schemas.openxmlformats.org/presentationml/2006/main">
+  <p:cSld>
+    <p:spTree>
+      <p:nvGrpSpPr>
+        <p:cNvPr id="1" name=""/>
+        <p:cNvGrpSpPr/>
+        <p:nvPr/>
+      </p:nvGrpSpPr>
+      <p:grpSpPr>
+        <a:xfrm>
+          <a:off x="0" y="0"/>
+          <a:ext cx="0" cy="0"/>
+          <a:chOff x="0" y="0"/>
+          <a:chExt cx="0" cy="0"/>
+        </a:xfrm>
+      </p:grpSpPr>
+      <p:sp>
+        <p:nvSpPr>
+          <p:cNvPr id="4" name="文本框 3">
+            <a:extLst>
+              <a:ext uri="{FF2B5EF4-FFF2-40B4-BE49-F238E27FC236}">
+                <a16:creationId xmlns:a16="http://schemas.microsoft.com/office/drawing/2014/main" id="{2341CA69-234E-4AF6-8643-B3D1CD565294}"/>
+              </a:ext>
+            </a:extLst>
+          </p:cNvPr>
+          <p:cNvSpPr txBox="1"/>
+          <p:nvPr/>
+        </p:nvSpPr>
+        <p:spPr>
+          <a:xfrm>
+            <a:off x="0" y="0"/>
+            <a:ext cx="12192000" cy="369332"/>
+          </a:xfrm>
+          <a:prstGeom prst="rect">
+            <a:avLst/>
+          </a:prstGeom>
+          <a:solidFill>
+            <a:srgbClr val="002060"/>
+          </a:solidFill>
+        </p:spPr>
+        <p:txBody>
+          <a:bodyPr wrap="square" rtlCol="0">
+            <a:spAutoFit/>
+          </a:bodyPr>
+          <a:lstStyle>
+            <a:defPPr>
+              <a:defRPr lang="zh-CN"/>
+            </a:defPPr>
+            <a:lvl1pPr>
+              <a:defRPr b="1">
+                <a:solidFill>
+                  <a:schemeClr val="bg1"/>
+                </a:solidFill>
+              </a:defRPr>
+            </a:lvl1pPr>
+          </a:lstStyle>
+          <a:p>
+            <a:r>
+              <a:rPr lang="en-US" altLang="zh-CN" dirty="0"/>
+              <a:t>GC-G1 </a:t>
+            </a:r>
+            <a:r>
+              <a:rPr lang="zh-CN" altLang="en-US" dirty="0"/>
+              <a:t>原理</a:t>
+            </a:r>
+          </a:p>
+        </p:txBody>
+      </p:sp>
+      <p:sp>
+        <p:nvSpPr>
+          <p:cNvPr id="6" name="矩形 5">
+            <a:extLst>
+              <a:ext uri="{FF2B5EF4-FFF2-40B4-BE49-F238E27FC236}">
+                <a16:creationId xmlns:a16="http://schemas.microsoft.com/office/drawing/2014/main" id="{E90FC744-C637-45DD-BDCD-9021C73086BD}"/>
+              </a:ext>
+            </a:extLst>
+          </p:cNvPr>
+          <p:cNvSpPr/>
+          <p:nvPr/>
+        </p:nvSpPr>
+        <p:spPr>
+          <a:xfrm>
+            <a:off x="194486" y="625558"/>
+            <a:ext cx="11803028" cy="830997"/>
+          </a:xfrm>
+          <a:prstGeom prst="rect">
+            <a:avLst/>
+          </a:prstGeom>
+        </p:spPr>
+        <p:txBody>
+          <a:bodyPr wrap="square" anchor="ctr">
+            <a:spAutoFit/>
+          </a:bodyPr>
+          <a:lstStyle/>
+          <a:p>
+            <a:pPr marL="285750" indent="-285750">
+              <a:buFont typeface="Wingdings" panose="05000000000000000000" pitchFamily="2" charset="2"/>
+              <a:buChar char="n"/>
+            </a:pPr>
+            <a:r>
+              <a:rPr lang="en-US" altLang="zh-CN" sz="1600" b="1" dirty="0">
+                <a:solidFill>
+                  <a:srgbClr val="000000"/>
+                </a:solidFill>
+                <a:latin typeface="微软雅黑" panose="020B0503020204020204" pitchFamily="34" charset="-122"/>
+                <a:ea typeface="微软雅黑" panose="020B0503020204020204" pitchFamily="34" charset="-122"/>
+              </a:rPr>
+              <a:t>Young GC</a:t>
+            </a:r>
+            <a:r>
+              <a:rPr lang="zh-CN" altLang="en-US" sz="1600" b="1" dirty="0">
+                <a:solidFill>
+                  <a:srgbClr val="000000"/>
+                </a:solidFill>
+                <a:latin typeface="微软雅黑" panose="020B0503020204020204" pitchFamily="34" charset="-122"/>
+                <a:ea typeface="微软雅黑" panose="020B0503020204020204" pitchFamily="34" charset="-122"/>
+              </a:rPr>
+              <a:t>主要是对</a:t>
+            </a:r>
+            <a:r>
+              <a:rPr lang="en-US" altLang="zh-CN" sz="1600" b="1" dirty="0">
+                <a:solidFill>
+                  <a:srgbClr val="000000"/>
+                </a:solidFill>
+                <a:latin typeface="微软雅黑" panose="020B0503020204020204" pitchFamily="34" charset="-122"/>
+                <a:ea typeface="微软雅黑" panose="020B0503020204020204" pitchFamily="34" charset="-122"/>
+              </a:rPr>
+              <a:t>Eden</a:t>
+            </a:r>
+            <a:r>
+              <a:rPr lang="zh-CN" altLang="en-US" sz="1600" b="1" dirty="0">
+                <a:solidFill>
+                  <a:srgbClr val="000000"/>
+                </a:solidFill>
+                <a:latin typeface="微软雅黑" panose="020B0503020204020204" pitchFamily="34" charset="-122"/>
+                <a:ea typeface="微软雅黑" panose="020B0503020204020204" pitchFamily="34" charset="-122"/>
+              </a:rPr>
+              <a:t>区进行</a:t>
+            </a:r>
+            <a:r>
+              <a:rPr lang="en-US" altLang="zh-CN" sz="1600" b="1" dirty="0">
+                <a:solidFill>
+                  <a:srgbClr val="000000"/>
+                </a:solidFill>
+                <a:latin typeface="微软雅黑" panose="020B0503020204020204" pitchFamily="34" charset="-122"/>
+                <a:ea typeface="微软雅黑" panose="020B0503020204020204" pitchFamily="34" charset="-122"/>
+              </a:rPr>
+              <a:t>GC</a:t>
+            </a:r>
+            <a:r>
+              <a:rPr lang="zh-CN" altLang="en-US" sz="1600" b="1" dirty="0">
+                <a:solidFill>
+                  <a:srgbClr val="000000"/>
+                </a:solidFill>
+                <a:latin typeface="微软雅黑" panose="020B0503020204020204" pitchFamily="34" charset="-122"/>
+                <a:ea typeface="微软雅黑" panose="020B0503020204020204" pitchFamily="34" charset="-122"/>
+              </a:rPr>
+              <a:t>，它在</a:t>
+            </a:r>
+            <a:r>
+              <a:rPr lang="en-US" altLang="zh-CN" sz="1600" b="1" dirty="0">
+                <a:solidFill>
+                  <a:srgbClr val="000000"/>
+                </a:solidFill>
+                <a:latin typeface="微软雅黑" panose="020B0503020204020204" pitchFamily="34" charset="-122"/>
+                <a:ea typeface="微软雅黑" panose="020B0503020204020204" pitchFamily="34" charset="-122"/>
+              </a:rPr>
+              <a:t>Eden</a:t>
+            </a:r>
+            <a:r>
+              <a:rPr lang="zh-CN" altLang="en-US" sz="1600" b="1" dirty="0">
+                <a:solidFill>
+                  <a:srgbClr val="000000"/>
+                </a:solidFill>
+                <a:latin typeface="微软雅黑" panose="020B0503020204020204" pitchFamily="34" charset="-122"/>
+                <a:ea typeface="微软雅黑" panose="020B0503020204020204" pitchFamily="34" charset="-122"/>
+              </a:rPr>
+              <a:t>空间耗尽时会被触发。在这种情况下，</a:t>
+            </a:r>
+            <a:r>
+              <a:rPr lang="en-US" altLang="zh-CN" sz="1600" b="1" dirty="0">
+                <a:solidFill>
+                  <a:srgbClr val="000000"/>
+                </a:solidFill>
+                <a:latin typeface="微软雅黑" panose="020B0503020204020204" pitchFamily="34" charset="-122"/>
+                <a:ea typeface="微软雅黑" panose="020B0503020204020204" pitchFamily="34" charset="-122"/>
+              </a:rPr>
+              <a:t>Eden</a:t>
+            </a:r>
+            <a:r>
+              <a:rPr lang="zh-CN" altLang="en-US" sz="1600" b="1" dirty="0">
+                <a:solidFill>
+                  <a:srgbClr val="000000"/>
+                </a:solidFill>
+                <a:latin typeface="微软雅黑" panose="020B0503020204020204" pitchFamily="34" charset="-122"/>
+                <a:ea typeface="微软雅黑" panose="020B0503020204020204" pitchFamily="34" charset="-122"/>
+              </a:rPr>
+              <a:t>空间的数据移动到</a:t>
+            </a:r>
+            <a:r>
+              <a:rPr lang="en-US" altLang="zh-CN" sz="1600" b="1" dirty="0">
+                <a:solidFill>
+                  <a:srgbClr val="000000"/>
+                </a:solidFill>
+                <a:latin typeface="微软雅黑" panose="020B0503020204020204" pitchFamily="34" charset="-122"/>
+                <a:ea typeface="微软雅黑" panose="020B0503020204020204" pitchFamily="34" charset="-122"/>
+              </a:rPr>
+              <a:t>Survivor</a:t>
+            </a:r>
+            <a:r>
+              <a:rPr lang="zh-CN" altLang="en-US" sz="1600" b="1" dirty="0">
+                <a:solidFill>
+                  <a:srgbClr val="000000"/>
+                </a:solidFill>
+                <a:latin typeface="微软雅黑" panose="020B0503020204020204" pitchFamily="34" charset="-122"/>
+                <a:ea typeface="微软雅黑" panose="020B0503020204020204" pitchFamily="34" charset="-122"/>
+              </a:rPr>
+              <a:t>空间中，如果</a:t>
+            </a:r>
+            <a:r>
+              <a:rPr lang="en-US" altLang="zh-CN" sz="1600" b="1" dirty="0">
+                <a:solidFill>
+                  <a:srgbClr val="000000"/>
+                </a:solidFill>
+                <a:latin typeface="微软雅黑" panose="020B0503020204020204" pitchFamily="34" charset="-122"/>
+                <a:ea typeface="微软雅黑" panose="020B0503020204020204" pitchFamily="34" charset="-122"/>
+              </a:rPr>
+              <a:t>Survivor</a:t>
+            </a:r>
+            <a:r>
+              <a:rPr lang="zh-CN" altLang="en-US" sz="1600" b="1" dirty="0">
+                <a:solidFill>
+                  <a:srgbClr val="000000"/>
+                </a:solidFill>
+                <a:latin typeface="微软雅黑" panose="020B0503020204020204" pitchFamily="34" charset="-122"/>
+                <a:ea typeface="微软雅黑" panose="020B0503020204020204" pitchFamily="34" charset="-122"/>
+              </a:rPr>
+              <a:t>空间不够，</a:t>
+            </a:r>
+            <a:r>
+              <a:rPr lang="en-US" altLang="zh-CN" sz="1600" b="1" dirty="0">
+                <a:solidFill>
+                  <a:srgbClr val="000000"/>
+                </a:solidFill>
+                <a:latin typeface="微软雅黑" panose="020B0503020204020204" pitchFamily="34" charset="-122"/>
+                <a:ea typeface="微软雅黑" panose="020B0503020204020204" pitchFamily="34" charset="-122"/>
+              </a:rPr>
+              <a:t>Eden</a:t>
+            </a:r>
+            <a:r>
+              <a:rPr lang="zh-CN" altLang="en-US" sz="1600" b="1" dirty="0">
+                <a:solidFill>
+                  <a:srgbClr val="000000"/>
+                </a:solidFill>
+                <a:latin typeface="微软雅黑" panose="020B0503020204020204" pitchFamily="34" charset="-122"/>
+                <a:ea typeface="微软雅黑" panose="020B0503020204020204" pitchFamily="34" charset="-122"/>
+              </a:rPr>
+              <a:t>空间的部分数据会直接晋升到年老代空间。</a:t>
+            </a:r>
+            <a:r>
+              <a:rPr lang="en-US" altLang="zh-CN" sz="1600" b="1" dirty="0">
+                <a:solidFill>
+                  <a:srgbClr val="000000"/>
+                </a:solidFill>
+                <a:latin typeface="微软雅黑" panose="020B0503020204020204" pitchFamily="34" charset="-122"/>
+                <a:ea typeface="微软雅黑" panose="020B0503020204020204" pitchFamily="34" charset="-122"/>
+              </a:rPr>
+              <a:t>Survivor</a:t>
+            </a:r>
+            <a:r>
+              <a:rPr lang="zh-CN" altLang="en-US" sz="1600" b="1" dirty="0">
+                <a:solidFill>
+                  <a:srgbClr val="000000"/>
+                </a:solidFill>
+                <a:latin typeface="微软雅黑" panose="020B0503020204020204" pitchFamily="34" charset="-122"/>
+                <a:ea typeface="微软雅黑" panose="020B0503020204020204" pitchFamily="34" charset="-122"/>
+              </a:rPr>
+              <a:t>区的数据移动到新的</a:t>
+            </a:r>
+            <a:r>
+              <a:rPr lang="en-US" altLang="zh-CN" sz="1600" b="1" dirty="0">
+                <a:solidFill>
+                  <a:srgbClr val="000000"/>
+                </a:solidFill>
+                <a:latin typeface="微软雅黑" panose="020B0503020204020204" pitchFamily="34" charset="-122"/>
+                <a:ea typeface="微软雅黑" panose="020B0503020204020204" pitchFamily="34" charset="-122"/>
+              </a:rPr>
+              <a:t>Survivor</a:t>
+            </a:r>
+            <a:r>
+              <a:rPr lang="zh-CN" altLang="en-US" sz="1600" b="1" dirty="0">
+                <a:solidFill>
+                  <a:srgbClr val="000000"/>
+                </a:solidFill>
+                <a:latin typeface="微软雅黑" panose="020B0503020204020204" pitchFamily="34" charset="-122"/>
+                <a:ea typeface="微软雅黑" panose="020B0503020204020204" pitchFamily="34" charset="-122"/>
+              </a:rPr>
+              <a:t>区中，也有部分数据晋升到老年代空间中。最终</a:t>
+            </a:r>
+            <a:r>
+              <a:rPr lang="en-US" altLang="zh-CN" sz="1600" b="1" dirty="0">
+                <a:solidFill>
+                  <a:srgbClr val="000000"/>
+                </a:solidFill>
+                <a:latin typeface="微软雅黑" panose="020B0503020204020204" pitchFamily="34" charset="-122"/>
+                <a:ea typeface="微软雅黑" panose="020B0503020204020204" pitchFamily="34" charset="-122"/>
+              </a:rPr>
+              <a:t>Eden</a:t>
+            </a:r>
+            <a:r>
+              <a:rPr lang="zh-CN" altLang="en-US" sz="1600" b="1" dirty="0">
+                <a:solidFill>
+                  <a:srgbClr val="000000"/>
+                </a:solidFill>
+                <a:latin typeface="微软雅黑" panose="020B0503020204020204" pitchFamily="34" charset="-122"/>
+                <a:ea typeface="微软雅黑" panose="020B0503020204020204" pitchFamily="34" charset="-122"/>
+              </a:rPr>
+              <a:t>空间的数据为空，</a:t>
+            </a:r>
+            <a:r>
+              <a:rPr lang="en-US" altLang="zh-CN" sz="1600" b="1" dirty="0">
+                <a:solidFill>
+                  <a:srgbClr val="000000"/>
+                </a:solidFill>
+                <a:latin typeface="微软雅黑" panose="020B0503020204020204" pitchFamily="34" charset="-122"/>
+                <a:ea typeface="微软雅黑" panose="020B0503020204020204" pitchFamily="34" charset="-122"/>
+              </a:rPr>
+              <a:t>GC</a:t>
+            </a:r>
+            <a:r>
+              <a:rPr lang="zh-CN" altLang="en-US" sz="1600" b="1" dirty="0">
+                <a:solidFill>
+                  <a:srgbClr val="000000"/>
+                </a:solidFill>
+                <a:latin typeface="微软雅黑" panose="020B0503020204020204" pitchFamily="34" charset="-122"/>
+                <a:ea typeface="微软雅黑" panose="020B0503020204020204" pitchFamily="34" charset="-122"/>
+              </a:rPr>
+              <a:t>停止工作，应用线程继续执行</a:t>
+            </a:r>
+          </a:p>
+        </p:txBody>
+      </p:sp>
+      <p:grpSp>
+        <p:nvGrpSpPr>
+          <p:cNvPr id="13" name="组合 12">
+            <a:extLst>
+              <a:ext uri="{FF2B5EF4-FFF2-40B4-BE49-F238E27FC236}">
+                <a16:creationId xmlns:a16="http://schemas.microsoft.com/office/drawing/2014/main" id="{1D6D8425-9C5E-4706-9E63-DA069D525E87}"/>
+              </a:ext>
+            </a:extLst>
+          </p:cNvPr>
+          <p:cNvGrpSpPr/>
+          <p:nvPr/>
+        </p:nvGrpSpPr>
+        <p:grpSpPr>
+          <a:xfrm>
+            <a:off x="256218" y="1515760"/>
+            <a:ext cx="11741296" cy="2214748"/>
+            <a:chOff x="194486" y="3460170"/>
+            <a:chExt cx="11741296" cy="2214748"/>
+          </a:xfrm>
+        </p:grpSpPr>
+        <p:pic>
+          <p:nvPicPr>
+            <p:cNvPr id="1030" name="Picture 6">
+              <a:extLst>
+                <a:ext uri="{FF2B5EF4-FFF2-40B4-BE49-F238E27FC236}">
+                  <a16:creationId xmlns:a16="http://schemas.microsoft.com/office/drawing/2014/main" id="{42AE7F95-B697-42F0-98D9-2DA580828B24}"/>
+                </a:ext>
+              </a:extLst>
+            </p:cNvPr>
+            <p:cNvPicPr>
+              <a:picLocks noChangeAspect="1" noChangeArrowheads="1"/>
+            </p:cNvPicPr>
+            <p:nvPr/>
+          </p:nvPicPr>
+          <p:blipFill>
+            <a:blip r:embed="rId3">
+              <a:extLst>
+                <a:ext uri="{28A0092B-C50C-407E-A947-70E740481C1C}">
+                  <a14:useLocalDpi xmlns:a14="http://schemas.microsoft.com/office/drawing/2010/main" val="0"/>
+                </a:ext>
+              </a:extLst>
+            </a:blip>
+            <a:srcRect/>
+            <a:stretch>
+              <a:fillRect/>
+            </a:stretch>
+          </p:blipFill>
+          <p:spPr bwMode="auto">
+            <a:xfrm>
+              <a:off x="194486" y="3460170"/>
+              <a:ext cx="5673879" cy="2214748"/>
+            </a:xfrm>
+            <a:prstGeom prst="rect">
+              <a:avLst/>
+            </a:prstGeom>
+            <a:noFill/>
+            <a:extLst>
+              <a:ext uri="{909E8E84-426E-40DD-AFC4-6F175D3DCCD1}">
+                <a14:hiddenFill xmlns:a14="http://schemas.microsoft.com/office/drawing/2010/main">
+                  <a:solidFill>
+                    <a:srgbClr val="FFFFFF"/>
+                  </a:solidFill>
+                </a14:hiddenFill>
+              </a:ext>
+            </a:extLst>
+          </p:spPr>
+        </p:pic>
+        <p:pic>
+          <p:nvPicPr>
+            <p:cNvPr id="1032" name="Picture 8">
+              <a:extLst>
+                <a:ext uri="{FF2B5EF4-FFF2-40B4-BE49-F238E27FC236}">
+                  <a16:creationId xmlns:a16="http://schemas.microsoft.com/office/drawing/2014/main" id="{58E53EA4-ACBF-489F-B292-AB158543C42F}"/>
+                </a:ext>
+              </a:extLst>
+            </p:cNvPr>
+            <p:cNvPicPr>
+              <a:picLocks noChangeAspect="1" noChangeArrowheads="1"/>
+            </p:cNvPicPr>
+            <p:nvPr/>
+          </p:nvPicPr>
+          <p:blipFill>
+            <a:blip r:embed="rId4">
+              <a:extLst>
+                <a:ext uri="{28A0092B-C50C-407E-A947-70E740481C1C}">
+                  <a14:useLocalDpi xmlns:a14="http://schemas.microsoft.com/office/drawing/2010/main" val="0"/>
+                </a:ext>
+              </a:extLst>
+            </a:blip>
+            <a:srcRect/>
+            <a:stretch>
+              <a:fillRect/>
+            </a:stretch>
+          </p:blipFill>
+          <p:spPr bwMode="auto">
+            <a:xfrm>
+              <a:off x="6200171" y="3493043"/>
+              <a:ext cx="5735611" cy="2149002"/>
+            </a:xfrm>
+            <a:prstGeom prst="rect">
+              <a:avLst/>
+            </a:prstGeom>
+            <a:noFill/>
+            <a:extLst>
+              <a:ext uri="{909E8E84-426E-40DD-AFC4-6F175D3DCCD1}">
+                <a14:hiddenFill xmlns:a14="http://schemas.microsoft.com/office/drawing/2010/main">
+                  <a:solidFill>
+                    <a:srgbClr val="FFFFFF"/>
+                  </a:solidFill>
+                </a14:hiddenFill>
+              </a:ext>
+            </a:extLst>
+          </p:spPr>
+        </p:pic>
+        <p:sp>
+          <p:nvSpPr>
+            <p:cNvPr id="12" name="箭头: 右 11">
+              <a:extLst>
+                <a:ext uri="{FF2B5EF4-FFF2-40B4-BE49-F238E27FC236}">
+                  <a16:creationId xmlns:a16="http://schemas.microsoft.com/office/drawing/2014/main" id="{44F3CA04-2446-43E6-AE30-EDC98E6683F2}"/>
+                </a:ext>
+              </a:extLst>
+            </p:cNvPr>
+            <p:cNvSpPr/>
+            <p:nvPr/>
+          </p:nvSpPr>
+          <p:spPr>
+            <a:xfrm>
+              <a:off x="5868365" y="4376562"/>
+              <a:ext cx="393538" cy="381964"/>
+            </a:xfrm>
+            <a:prstGeom prst="rightArrow">
+              <a:avLst/>
+            </a:prstGeom>
+            <a:solidFill>
+              <a:srgbClr val="002060"/>
+            </a:solidFill>
+            <a:ln>
+              <a:solidFill>
+                <a:srgbClr val="002060"/>
+              </a:solidFill>
+            </a:ln>
+          </p:spPr>
+          <p:style>
+            <a:lnRef idx="2">
+              <a:schemeClr val="accent1">
+                <a:shade val="50000"/>
+              </a:schemeClr>
+            </a:lnRef>
+            <a:fillRef idx="1">
+              <a:schemeClr val="accent1"/>
+            </a:fillRef>
+            <a:effectRef idx="0">
+              <a:schemeClr val="accent1"/>
+            </a:effectRef>
+            <a:fontRef idx="minor">
+              <a:schemeClr val="lt1"/>
+            </a:fontRef>
+          </p:style>
+          <p:txBody>
+            <a:bodyPr rtlCol="0" anchor="ctr"/>
+            <a:lstStyle/>
+            <a:p>
+              <a:pPr algn="ctr"/>
+              <a:endParaRPr lang="zh-CN" altLang="en-US"/>
+            </a:p>
+          </p:txBody>
+        </p:sp>
+      </p:grpSp>
+      <p:pic>
+        <p:nvPicPr>
+          <p:cNvPr id="14" name="图片 13">
+            <a:extLst>
+              <a:ext uri="{FF2B5EF4-FFF2-40B4-BE49-F238E27FC236}">
+                <a16:creationId xmlns:a16="http://schemas.microsoft.com/office/drawing/2014/main" id="{E6AF8D7C-714D-45AB-8128-02DAA7D38BBD}"/>
+              </a:ext>
+            </a:extLst>
+          </p:cNvPr>
+          <p:cNvPicPr>
+            <a:picLocks noChangeAspect="1"/>
+          </p:cNvPicPr>
+          <p:nvPr/>
+        </p:nvPicPr>
+        <p:blipFill>
+          <a:blip r:embed="rId5"/>
+          <a:stretch>
+            <a:fillRect/>
+          </a:stretch>
+        </p:blipFill>
+        <p:spPr>
+          <a:xfrm>
+            <a:off x="341031" y="4191755"/>
+            <a:ext cx="8315325" cy="1028700"/>
+          </a:xfrm>
+          <a:prstGeom prst="rect">
+            <a:avLst/>
+          </a:prstGeom>
+        </p:spPr>
+      </p:pic>
+      <p:sp>
+        <p:nvSpPr>
+          <p:cNvPr id="15" name="矩形 14">
+            <a:extLst>
+              <a:ext uri="{FF2B5EF4-FFF2-40B4-BE49-F238E27FC236}">
+                <a16:creationId xmlns:a16="http://schemas.microsoft.com/office/drawing/2014/main" id="{89E9933C-C0CD-4AC3-9DB7-64E239ABEE90}"/>
+              </a:ext>
+            </a:extLst>
+          </p:cNvPr>
+          <p:cNvSpPr/>
+          <p:nvPr/>
+        </p:nvSpPr>
+        <p:spPr>
+          <a:xfrm>
+            <a:off x="341031" y="3760029"/>
+            <a:ext cx="9520599" cy="369332"/>
+          </a:xfrm>
+          <a:prstGeom prst="rect">
+            <a:avLst/>
+          </a:prstGeom>
+        </p:spPr>
+        <p:txBody>
+          <a:bodyPr wrap="square">
+            <a:spAutoFit/>
+          </a:bodyPr>
+          <a:lstStyle/>
+          <a:p>
+            <a:r>
+              <a:rPr lang="zh-CN" altLang="en-US" b="1" dirty="0">
+                <a:solidFill>
+                  <a:srgbClr val="000000"/>
+                </a:solidFill>
+                <a:latin typeface="微软雅黑" panose="020B0503020204020204" pitchFamily="34" charset="-122"/>
+                <a:ea typeface="微软雅黑" panose="020B0503020204020204" pitchFamily="34" charset="-122"/>
+              </a:rPr>
+              <a:t>从</a:t>
+            </a:r>
+            <a:r>
+              <a:rPr lang="en-US" altLang="zh-CN" b="1" dirty="0">
+                <a:solidFill>
+                  <a:srgbClr val="000000"/>
+                </a:solidFill>
+                <a:latin typeface="微软雅黑" panose="020B0503020204020204" pitchFamily="34" charset="-122"/>
+                <a:ea typeface="微软雅黑" panose="020B0503020204020204" pitchFamily="34" charset="-122"/>
+              </a:rPr>
+              <a:t>JVM</a:t>
+            </a:r>
+            <a:r>
+              <a:rPr lang="zh-CN" altLang="en-US" b="1" dirty="0">
+                <a:solidFill>
+                  <a:srgbClr val="000000"/>
+                </a:solidFill>
+                <a:latin typeface="微软雅黑" panose="020B0503020204020204" pitchFamily="34" charset="-122"/>
+                <a:ea typeface="微软雅黑" panose="020B0503020204020204" pitchFamily="34" charset="-122"/>
+              </a:rPr>
+              <a:t>的</a:t>
+            </a:r>
+            <a:r>
+              <a:rPr lang="en-US" altLang="zh-CN" b="1" dirty="0">
+                <a:solidFill>
+                  <a:srgbClr val="000000"/>
+                </a:solidFill>
+                <a:latin typeface="微软雅黑" panose="020B0503020204020204" pitchFamily="34" charset="-122"/>
+                <a:ea typeface="微软雅黑" panose="020B0503020204020204" pitchFamily="34" charset="-122"/>
+              </a:rPr>
+              <a:t>GC</a:t>
+            </a:r>
+            <a:r>
+              <a:rPr lang="zh-CN" altLang="en-US" b="1" dirty="0">
+                <a:solidFill>
+                  <a:srgbClr val="000000"/>
+                </a:solidFill>
+                <a:latin typeface="微软雅黑" panose="020B0503020204020204" pitchFamily="34" charset="-122"/>
+                <a:ea typeface="微软雅黑" panose="020B0503020204020204" pitchFamily="34" charset="-122"/>
+              </a:rPr>
+              <a:t>日志中看，堆已经不再区分</a:t>
+            </a:r>
+            <a:r>
+              <a:rPr lang="en-US" altLang="zh-CN" b="1" dirty="0">
+                <a:solidFill>
+                  <a:srgbClr val="000000"/>
+                </a:solidFill>
+                <a:latin typeface="微软雅黑" panose="020B0503020204020204" pitchFamily="34" charset="-122"/>
+                <a:ea typeface="微软雅黑" panose="020B0503020204020204" pitchFamily="34" charset="-122"/>
+              </a:rPr>
+              <a:t>Yong</a:t>
+            </a:r>
+            <a:r>
+              <a:rPr lang="zh-CN" altLang="en-US" b="1" dirty="0">
+                <a:solidFill>
+                  <a:srgbClr val="000000"/>
+                </a:solidFill>
+                <a:latin typeface="微软雅黑" panose="020B0503020204020204" pitchFamily="34" charset="-122"/>
+                <a:ea typeface="微软雅黑" panose="020B0503020204020204" pitchFamily="34" charset="-122"/>
+              </a:rPr>
+              <a:t>和</a:t>
+            </a:r>
+            <a:r>
+              <a:rPr lang="en-US" altLang="zh-CN" b="1" dirty="0">
+                <a:solidFill>
+                  <a:srgbClr val="000000"/>
+                </a:solidFill>
+                <a:latin typeface="微软雅黑" panose="020B0503020204020204" pitchFamily="34" charset="-122"/>
+                <a:ea typeface="微软雅黑" panose="020B0503020204020204" pitchFamily="34" charset="-122"/>
+              </a:rPr>
+              <a:t>Tenured</a:t>
+            </a:r>
+            <a:r>
+              <a:rPr lang="zh-CN" altLang="en-US" b="1" dirty="0">
+                <a:solidFill>
+                  <a:srgbClr val="000000"/>
+                </a:solidFill>
+                <a:latin typeface="微软雅黑" panose="020B0503020204020204" pitchFamily="34" charset="-122"/>
+                <a:ea typeface="微软雅黑" panose="020B0503020204020204" pitchFamily="34" charset="-122"/>
+              </a:rPr>
+              <a:t>，只有一个 </a:t>
+            </a:r>
+            <a:r>
+              <a:rPr lang="en-US" altLang="zh-CN" b="1" dirty="0">
+                <a:solidFill>
+                  <a:srgbClr val="DD1652"/>
+                </a:solidFill>
+                <a:latin typeface="微软雅黑" panose="020B0503020204020204" pitchFamily="34" charset="-122"/>
+                <a:ea typeface="微软雅黑" panose="020B0503020204020204" pitchFamily="34" charset="-122"/>
+              </a:rPr>
+              <a:t>garbage-first heap</a:t>
+            </a:r>
+            <a:endParaRPr lang="zh-CN" altLang="en-US" dirty="0"/>
+          </a:p>
+        </p:txBody>
+      </p:sp>
+    </p:spTree>
+    <p:extLst>
+      <p:ext uri="{BB962C8B-B14F-4D97-AF65-F5344CB8AC3E}">
+        <p14:creationId xmlns:p14="http://schemas.microsoft.com/office/powerpoint/2010/main" val="2933822937"/>
+      </p:ext>
+    </p:extLst>
+  </p:cSld>
+  <p:clrMapOvr>
+    <a:masterClrMapping/>
+  </p:clrMapOvr>
+</p:sld>
+</file>
+
 <file path=ppt/slides/slide3.xml><?xml version="1.0" encoding="utf-8"?>
 <p:sld xmlns:a="http://schemas.openxmlformats.org/drawingml/2006/main" xmlns:r="http://schemas.openxmlformats.org/officeDocument/2006/relationships" xmlns:p="http://schemas.openxmlformats.org/presentationml/2006/main">
   <p:cSld>
